--- a/figures/addtional_figures.pptx
+++ b/figures/addtional_figures.pptx
@@ -5,10 +5,11 @@
     <p:sldMasterId id="2147483648" r:id="rId1"/>
   </p:sldMasterIdLst>
   <p:notesMasterIdLst>
-    <p:notesMasterId r:id="rId3"/>
+    <p:notesMasterId r:id="rId4"/>
   </p:notesMasterIdLst>
   <p:sldIdLst>
     <p:sldId id="256" r:id="rId2"/>
+    <p:sldId id="257" r:id="rId3"/>
   </p:sldIdLst>
   <p:sldSz cx="12192000" cy="6858000"/>
   <p:notesSz cx="6858000" cy="9144000"/>
@@ -107,6 +108,11 @@
       </a:defRPr>
     </a:lvl9pPr>
   </p:defaultTextStyle>
+  <p:extLst>
+    <p:ext uri="{EFAFB233-063F-42B5-8137-9DF3F51BA10A}">
+      <p15:sldGuideLst xmlns:p15="http://schemas.microsoft.com/office/powerpoint/2012/main"/>
+    </p:ext>
+  </p:extLst>
 </p:presentation>
 </file>
 
@@ -192,7 +198,7 @@
           <a:p>
             <a:fld id="{141436AA-BBA3-41B5-A45C-EE3A47F06D69}" type="datetimeFigureOut">
               <a:rPr lang="en-US" smtClean="0"/>
-              <a:t>5/9/2024</a:t>
+              <a:t>5/11/2024</a:t>
             </a:fld>
             <a:endParaRPr lang="en-US"/>
           </a:p>
@@ -999,7 +1005,7 @@
           <a:p>
             <a:fld id="{D1849B51-CB8F-4E70-B214-8C45EFD2E0E3}" type="datetimeFigureOut">
               <a:rPr lang="en-US" smtClean="0"/>
-              <a:t>5/9/2024</a:t>
+              <a:t>5/11/2024</a:t>
             </a:fld>
             <a:endParaRPr lang="en-US"/>
           </a:p>
@@ -1199,7 +1205,7 @@
           <a:p>
             <a:fld id="{D1849B51-CB8F-4E70-B214-8C45EFD2E0E3}" type="datetimeFigureOut">
               <a:rPr lang="en-US" smtClean="0"/>
-              <a:t>5/9/2024</a:t>
+              <a:t>5/11/2024</a:t>
             </a:fld>
             <a:endParaRPr lang="en-US"/>
           </a:p>
@@ -1409,7 +1415,7 @@
           <a:p>
             <a:fld id="{D1849B51-CB8F-4E70-B214-8C45EFD2E0E3}" type="datetimeFigureOut">
               <a:rPr lang="en-US" smtClean="0"/>
-              <a:t>5/9/2024</a:t>
+              <a:t>5/11/2024</a:t>
             </a:fld>
             <a:endParaRPr lang="en-US"/>
           </a:p>
@@ -1609,7 +1615,7 @@
           <a:p>
             <a:fld id="{D1849B51-CB8F-4E70-B214-8C45EFD2E0E3}" type="datetimeFigureOut">
               <a:rPr lang="en-US" smtClean="0"/>
-              <a:t>5/9/2024</a:t>
+              <a:t>5/11/2024</a:t>
             </a:fld>
             <a:endParaRPr lang="en-US"/>
           </a:p>
@@ -1885,7 +1891,7 @@
           <a:p>
             <a:fld id="{D1849B51-CB8F-4E70-B214-8C45EFD2E0E3}" type="datetimeFigureOut">
               <a:rPr lang="en-US" smtClean="0"/>
-              <a:t>5/9/2024</a:t>
+              <a:t>5/11/2024</a:t>
             </a:fld>
             <a:endParaRPr lang="en-US"/>
           </a:p>
@@ -2153,7 +2159,7 @@
           <a:p>
             <a:fld id="{D1849B51-CB8F-4E70-B214-8C45EFD2E0E3}" type="datetimeFigureOut">
               <a:rPr lang="en-US" smtClean="0"/>
-              <a:t>5/9/2024</a:t>
+              <a:t>5/11/2024</a:t>
             </a:fld>
             <a:endParaRPr lang="en-US"/>
           </a:p>
@@ -2568,7 +2574,7 @@
           <a:p>
             <a:fld id="{D1849B51-CB8F-4E70-B214-8C45EFD2E0E3}" type="datetimeFigureOut">
               <a:rPr lang="en-US" smtClean="0"/>
-              <a:t>5/9/2024</a:t>
+              <a:t>5/11/2024</a:t>
             </a:fld>
             <a:endParaRPr lang="en-US"/>
           </a:p>
@@ -2710,7 +2716,7 @@
           <a:p>
             <a:fld id="{D1849B51-CB8F-4E70-B214-8C45EFD2E0E3}" type="datetimeFigureOut">
               <a:rPr lang="en-US" smtClean="0"/>
-              <a:t>5/9/2024</a:t>
+              <a:t>5/11/2024</a:t>
             </a:fld>
             <a:endParaRPr lang="en-US"/>
           </a:p>
@@ -2823,7 +2829,7 @@
           <a:p>
             <a:fld id="{D1849B51-CB8F-4E70-B214-8C45EFD2E0E3}" type="datetimeFigureOut">
               <a:rPr lang="en-US" smtClean="0"/>
-              <a:t>5/9/2024</a:t>
+              <a:t>5/11/2024</a:t>
             </a:fld>
             <a:endParaRPr lang="en-US"/>
           </a:p>
@@ -3136,7 +3142,7 @@
           <a:p>
             <a:fld id="{D1849B51-CB8F-4E70-B214-8C45EFD2E0E3}" type="datetimeFigureOut">
               <a:rPr lang="en-US" smtClean="0"/>
-              <a:t>5/9/2024</a:t>
+              <a:t>5/11/2024</a:t>
             </a:fld>
             <a:endParaRPr lang="en-US"/>
           </a:p>
@@ -3425,7 +3431,7 @@
           <a:p>
             <a:fld id="{D1849B51-CB8F-4E70-B214-8C45EFD2E0E3}" type="datetimeFigureOut">
               <a:rPr lang="en-US" smtClean="0"/>
-              <a:t>5/9/2024</a:t>
+              <a:t>5/11/2024</a:t>
             </a:fld>
             <a:endParaRPr lang="en-US"/>
           </a:p>
@@ -3668,7 +3674,7 @@
           <a:p>
             <a:fld id="{D1849B51-CB8F-4E70-B214-8C45EFD2E0E3}" type="datetimeFigureOut">
               <a:rPr lang="en-US" smtClean="0"/>
-              <a:t>5/9/2024</a:t>
+              <a:t>5/11/2024</a:t>
             </a:fld>
             <a:endParaRPr lang="en-US"/>
           </a:p>
@@ -4737,6 +4743,5166 @@
     <p:extLst>
       <p:ext uri="{BB962C8B-B14F-4D97-AF65-F5344CB8AC3E}">
         <p14:creationId xmlns:p14="http://schemas.microsoft.com/office/powerpoint/2010/main" val="4231469287"/>
+      </p:ext>
+    </p:extLst>
+  </p:cSld>
+  <p:clrMapOvr>
+    <a:masterClrMapping/>
+  </p:clrMapOvr>
+</p:sld>
+</file>
+
+<file path=ppt/slides/slide2.xml><?xml version="1.0" encoding="utf-8"?>
+<p:sld xmlns:a="http://schemas.openxmlformats.org/drawingml/2006/main" xmlns:r="http://schemas.openxmlformats.org/officeDocument/2006/relationships" xmlns:p="http://schemas.openxmlformats.org/presentationml/2006/main">
+  <p:cSld>
+    <p:spTree>
+      <p:nvGrpSpPr>
+        <p:cNvPr id="1" name=""/>
+        <p:cNvGrpSpPr/>
+        <p:nvPr/>
+      </p:nvGrpSpPr>
+      <p:grpSpPr>
+        <a:xfrm>
+          <a:off x="0" y="0"/>
+          <a:ext cx="0" cy="0"/>
+          <a:chOff x="0" y="0"/>
+          <a:chExt cx="0" cy="0"/>
+        </a:xfrm>
+      </p:grpSpPr>
+      <p:pic>
+        <p:nvPicPr>
+          <p:cNvPr id="2" name="Picture 2">
+            <a:extLst>
+              <a:ext uri="{FF2B5EF4-FFF2-40B4-BE49-F238E27FC236}">
+                <a16:creationId xmlns:a16="http://schemas.microsoft.com/office/drawing/2014/main" id="{2E8AE8A8-50AA-8C92-7FCE-E5045B2B0BF5}"/>
+              </a:ext>
+            </a:extLst>
+          </p:cNvPr>
+          <p:cNvPicPr>
+            <a:picLocks noChangeAspect="1" noChangeArrowheads="1"/>
+          </p:cNvPicPr>
+          <p:nvPr/>
+        </p:nvPicPr>
+        <p:blipFill>
+          <a:blip r:embed="rId2">
+            <a:extLst>
+              <a:ext uri="{28A0092B-C50C-407E-A947-70E740481C1C}">
+                <a14:useLocalDpi xmlns:a14="http://schemas.microsoft.com/office/drawing/2010/main" val="0"/>
+              </a:ext>
+            </a:extLst>
+          </a:blip>
+          <a:srcRect/>
+          <a:stretch>
+            <a:fillRect/>
+          </a:stretch>
+        </p:blipFill>
+        <p:spPr bwMode="auto">
+          <a:xfrm>
+            <a:off x="647699" y="368116"/>
+            <a:ext cx="1937239" cy="2213987"/>
+          </a:xfrm>
+          <a:prstGeom prst="rect">
+            <a:avLst/>
+          </a:prstGeom>
+          <a:noFill/>
+          <a:extLst>
+            <a:ext uri="{909E8E84-426E-40DD-AFC4-6F175D3DCCD1}">
+              <a14:hiddenFill xmlns:a14="http://schemas.microsoft.com/office/drawing/2010/main">
+                <a:solidFill>
+                  <a:srgbClr val="FFFFFF"/>
+                </a:solidFill>
+              </a14:hiddenFill>
+            </a:ext>
+          </a:extLst>
+        </p:spPr>
+      </p:pic>
+      <p:pic>
+        <p:nvPicPr>
+          <p:cNvPr id="3" name="Picture 2">
+            <a:extLst>
+              <a:ext uri="{FF2B5EF4-FFF2-40B4-BE49-F238E27FC236}">
+                <a16:creationId xmlns:a16="http://schemas.microsoft.com/office/drawing/2014/main" id="{7D8903C9-87B1-2AB3-D09E-B8DB0B0CA2D4}"/>
+              </a:ext>
+            </a:extLst>
+          </p:cNvPr>
+          <p:cNvPicPr>
+            <a:picLocks noChangeAspect="1" noChangeArrowheads="1"/>
+          </p:cNvPicPr>
+          <p:nvPr/>
+        </p:nvPicPr>
+        <p:blipFill>
+          <a:blip r:embed="rId2">
+            <a:extLst>
+              <a:ext uri="{28A0092B-C50C-407E-A947-70E740481C1C}">
+                <a14:useLocalDpi xmlns:a14="http://schemas.microsoft.com/office/drawing/2010/main" val="0"/>
+              </a:ext>
+            </a:extLst>
+          </a:blip>
+          <a:srcRect/>
+          <a:stretch>
+            <a:fillRect/>
+          </a:stretch>
+        </p:blipFill>
+        <p:spPr bwMode="auto">
+          <a:xfrm>
+            <a:off x="290145" y="696362"/>
+            <a:ext cx="1937239" cy="2213987"/>
+          </a:xfrm>
+          <a:prstGeom prst="rect">
+            <a:avLst/>
+          </a:prstGeom>
+          <a:noFill/>
+          <a:extLst>
+            <a:ext uri="{909E8E84-426E-40DD-AFC4-6F175D3DCCD1}">
+              <a14:hiddenFill xmlns:a14="http://schemas.microsoft.com/office/drawing/2010/main">
+                <a:solidFill>
+                  <a:srgbClr val="FFFFFF"/>
+                </a:solidFill>
+              </a14:hiddenFill>
+            </a:ext>
+          </a:extLst>
+        </p:spPr>
+      </p:pic>
+      <p:sp>
+        <p:nvSpPr>
+          <p:cNvPr id="4" name="Ovale 3">
+            <a:extLst>
+              <a:ext uri="{FF2B5EF4-FFF2-40B4-BE49-F238E27FC236}">
+                <a16:creationId xmlns:a16="http://schemas.microsoft.com/office/drawing/2014/main" id="{960D7C9F-C344-FD4D-CCD6-AB71B01FC5A3}"/>
+              </a:ext>
+            </a:extLst>
+          </p:cNvPr>
+          <p:cNvSpPr/>
+          <p:nvPr/>
+        </p:nvSpPr>
+        <p:spPr>
+          <a:xfrm>
+            <a:off x="3130062" y="826477"/>
+            <a:ext cx="422030" cy="422031"/>
+          </a:xfrm>
+          <a:prstGeom prst="ellipse">
+            <a:avLst/>
+          </a:prstGeom>
+        </p:spPr>
+        <p:style>
+          <a:lnRef idx="2">
+            <a:schemeClr val="accent1">
+              <a:shade val="15000"/>
+            </a:schemeClr>
+          </a:lnRef>
+          <a:fillRef idx="1">
+            <a:schemeClr val="accent1"/>
+          </a:fillRef>
+          <a:effectRef idx="0">
+            <a:schemeClr val="accent1"/>
+          </a:effectRef>
+          <a:fontRef idx="minor">
+            <a:schemeClr val="lt1"/>
+          </a:fontRef>
+        </p:style>
+        <p:txBody>
+          <a:bodyPr rtlCol="0" anchor="ctr"/>
+          <a:lstStyle/>
+          <a:p>
+            <a:pPr algn="ctr"/>
+            <a:endParaRPr lang="en-US"/>
+          </a:p>
+        </p:txBody>
+      </p:sp>
+      <p:sp>
+        <p:nvSpPr>
+          <p:cNvPr id="5" name="Ovale 4">
+            <a:extLst>
+              <a:ext uri="{FF2B5EF4-FFF2-40B4-BE49-F238E27FC236}">
+                <a16:creationId xmlns:a16="http://schemas.microsoft.com/office/drawing/2014/main" id="{D534F008-E7C7-583C-FE62-AA9136D17190}"/>
+              </a:ext>
+            </a:extLst>
+          </p:cNvPr>
+          <p:cNvSpPr/>
+          <p:nvPr/>
+        </p:nvSpPr>
+        <p:spPr>
+          <a:xfrm>
+            <a:off x="3130062" y="1416494"/>
+            <a:ext cx="422030" cy="422031"/>
+          </a:xfrm>
+          <a:prstGeom prst="ellipse">
+            <a:avLst/>
+          </a:prstGeom>
+        </p:spPr>
+        <p:style>
+          <a:lnRef idx="2">
+            <a:schemeClr val="accent1">
+              <a:shade val="15000"/>
+            </a:schemeClr>
+          </a:lnRef>
+          <a:fillRef idx="1">
+            <a:schemeClr val="accent1"/>
+          </a:fillRef>
+          <a:effectRef idx="0">
+            <a:schemeClr val="accent1"/>
+          </a:effectRef>
+          <a:fontRef idx="minor">
+            <a:schemeClr val="lt1"/>
+          </a:fontRef>
+        </p:style>
+        <p:txBody>
+          <a:bodyPr rtlCol="0" anchor="ctr"/>
+          <a:lstStyle/>
+          <a:p>
+            <a:pPr algn="ctr"/>
+            <a:endParaRPr lang="en-US"/>
+          </a:p>
+        </p:txBody>
+      </p:sp>
+      <p:sp>
+        <p:nvSpPr>
+          <p:cNvPr id="6" name="Ovale 5">
+            <a:extLst>
+              <a:ext uri="{FF2B5EF4-FFF2-40B4-BE49-F238E27FC236}">
+                <a16:creationId xmlns:a16="http://schemas.microsoft.com/office/drawing/2014/main" id="{62B59F31-2B9F-FA84-5ED5-DAE34C2ACB03}"/>
+              </a:ext>
+            </a:extLst>
+          </p:cNvPr>
+          <p:cNvSpPr/>
+          <p:nvPr/>
+        </p:nvSpPr>
+        <p:spPr>
+          <a:xfrm>
+            <a:off x="3130062" y="2020166"/>
+            <a:ext cx="422030" cy="422031"/>
+          </a:xfrm>
+          <a:prstGeom prst="ellipse">
+            <a:avLst/>
+          </a:prstGeom>
+        </p:spPr>
+        <p:style>
+          <a:lnRef idx="2">
+            <a:schemeClr val="accent1">
+              <a:shade val="15000"/>
+            </a:schemeClr>
+          </a:lnRef>
+          <a:fillRef idx="1">
+            <a:schemeClr val="accent1"/>
+          </a:fillRef>
+          <a:effectRef idx="0">
+            <a:schemeClr val="accent1"/>
+          </a:effectRef>
+          <a:fontRef idx="minor">
+            <a:schemeClr val="lt1"/>
+          </a:fontRef>
+        </p:style>
+        <p:txBody>
+          <a:bodyPr rtlCol="0" anchor="ctr"/>
+          <a:lstStyle/>
+          <a:p>
+            <a:pPr algn="ctr"/>
+            <a:endParaRPr lang="en-US"/>
+          </a:p>
+        </p:txBody>
+      </p:sp>
+      <p:sp>
+        <p:nvSpPr>
+          <p:cNvPr id="7" name="Ovale 6">
+            <a:extLst>
+              <a:ext uri="{FF2B5EF4-FFF2-40B4-BE49-F238E27FC236}">
+                <a16:creationId xmlns:a16="http://schemas.microsoft.com/office/drawing/2014/main" id="{C7111AED-82DA-8B45-1A0D-3DE1B4B60EF2}"/>
+              </a:ext>
+            </a:extLst>
+          </p:cNvPr>
+          <p:cNvSpPr/>
+          <p:nvPr/>
+        </p:nvSpPr>
+        <p:spPr>
+          <a:xfrm>
+            <a:off x="3886201" y="826477"/>
+            <a:ext cx="422030" cy="422031"/>
+          </a:xfrm>
+          <a:prstGeom prst="ellipse">
+            <a:avLst/>
+          </a:prstGeom>
+        </p:spPr>
+        <p:style>
+          <a:lnRef idx="2">
+            <a:schemeClr val="accent1">
+              <a:shade val="15000"/>
+            </a:schemeClr>
+          </a:lnRef>
+          <a:fillRef idx="1">
+            <a:schemeClr val="accent1"/>
+          </a:fillRef>
+          <a:effectRef idx="0">
+            <a:schemeClr val="accent1"/>
+          </a:effectRef>
+          <a:fontRef idx="minor">
+            <a:schemeClr val="lt1"/>
+          </a:fontRef>
+        </p:style>
+        <p:txBody>
+          <a:bodyPr rtlCol="0" anchor="ctr"/>
+          <a:lstStyle/>
+          <a:p>
+            <a:pPr algn="ctr"/>
+            <a:endParaRPr lang="en-US"/>
+          </a:p>
+        </p:txBody>
+      </p:sp>
+      <p:sp>
+        <p:nvSpPr>
+          <p:cNvPr id="8" name="Ovale 7">
+            <a:extLst>
+              <a:ext uri="{FF2B5EF4-FFF2-40B4-BE49-F238E27FC236}">
+                <a16:creationId xmlns:a16="http://schemas.microsoft.com/office/drawing/2014/main" id="{A52E87D6-DD37-3C0D-3183-A95E6AF6835C}"/>
+              </a:ext>
+            </a:extLst>
+          </p:cNvPr>
+          <p:cNvSpPr/>
+          <p:nvPr/>
+        </p:nvSpPr>
+        <p:spPr>
+          <a:xfrm>
+            <a:off x="3886201" y="1416494"/>
+            <a:ext cx="422030" cy="422031"/>
+          </a:xfrm>
+          <a:prstGeom prst="ellipse">
+            <a:avLst/>
+          </a:prstGeom>
+        </p:spPr>
+        <p:style>
+          <a:lnRef idx="2">
+            <a:schemeClr val="accent1">
+              <a:shade val="15000"/>
+            </a:schemeClr>
+          </a:lnRef>
+          <a:fillRef idx="1">
+            <a:schemeClr val="accent1"/>
+          </a:fillRef>
+          <a:effectRef idx="0">
+            <a:schemeClr val="accent1"/>
+          </a:effectRef>
+          <a:fontRef idx="minor">
+            <a:schemeClr val="lt1"/>
+          </a:fontRef>
+        </p:style>
+        <p:txBody>
+          <a:bodyPr rtlCol="0" anchor="ctr"/>
+          <a:lstStyle/>
+          <a:p>
+            <a:pPr algn="ctr"/>
+            <a:endParaRPr lang="en-US"/>
+          </a:p>
+        </p:txBody>
+      </p:sp>
+      <p:sp>
+        <p:nvSpPr>
+          <p:cNvPr id="9" name="Ovale 8">
+            <a:extLst>
+              <a:ext uri="{FF2B5EF4-FFF2-40B4-BE49-F238E27FC236}">
+                <a16:creationId xmlns:a16="http://schemas.microsoft.com/office/drawing/2014/main" id="{4937D1A3-2D5D-6138-2579-964EB7CE4EF2}"/>
+              </a:ext>
+            </a:extLst>
+          </p:cNvPr>
+          <p:cNvSpPr/>
+          <p:nvPr/>
+        </p:nvSpPr>
+        <p:spPr>
+          <a:xfrm>
+            <a:off x="3886201" y="2020166"/>
+            <a:ext cx="422030" cy="422031"/>
+          </a:xfrm>
+          <a:prstGeom prst="ellipse">
+            <a:avLst/>
+          </a:prstGeom>
+        </p:spPr>
+        <p:style>
+          <a:lnRef idx="2">
+            <a:schemeClr val="accent1">
+              <a:shade val="15000"/>
+            </a:schemeClr>
+          </a:lnRef>
+          <a:fillRef idx="1">
+            <a:schemeClr val="accent1"/>
+          </a:fillRef>
+          <a:effectRef idx="0">
+            <a:schemeClr val="accent1"/>
+          </a:effectRef>
+          <a:fontRef idx="minor">
+            <a:schemeClr val="lt1"/>
+          </a:fontRef>
+        </p:style>
+        <p:txBody>
+          <a:bodyPr rtlCol="0" anchor="ctr"/>
+          <a:lstStyle/>
+          <a:p>
+            <a:pPr algn="ctr"/>
+            <a:endParaRPr lang="en-US"/>
+          </a:p>
+        </p:txBody>
+      </p:sp>
+      <p:sp>
+        <p:nvSpPr>
+          <p:cNvPr id="10" name="Ovale 9">
+            <a:extLst>
+              <a:ext uri="{FF2B5EF4-FFF2-40B4-BE49-F238E27FC236}">
+                <a16:creationId xmlns:a16="http://schemas.microsoft.com/office/drawing/2014/main" id="{B8D4D8FB-150A-7B7F-CD40-664DCB53CDC7}"/>
+              </a:ext>
+            </a:extLst>
+          </p:cNvPr>
+          <p:cNvSpPr/>
+          <p:nvPr/>
+        </p:nvSpPr>
+        <p:spPr>
+          <a:xfrm>
+            <a:off x="4642340" y="1416493"/>
+            <a:ext cx="422030" cy="422031"/>
+          </a:xfrm>
+          <a:prstGeom prst="ellipse">
+            <a:avLst/>
+          </a:prstGeom>
+        </p:spPr>
+        <p:style>
+          <a:lnRef idx="2">
+            <a:schemeClr val="accent1">
+              <a:shade val="15000"/>
+            </a:schemeClr>
+          </a:lnRef>
+          <a:fillRef idx="1">
+            <a:schemeClr val="accent1"/>
+          </a:fillRef>
+          <a:effectRef idx="0">
+            <a:schemeClr val="accent1"/>
+          </a:effectRef>
+          <a:fontRef idx="minor">
+            <a:schemeClr val="lt1"/>
+          </a:fontRef>
+        </p:style>
+        <p:txBody>
+          <a:bodyPr rtlCol="0" anchor="ctr"/>
+          <a:lstStyle/>
+          <a:p>
+            <a:pPr algn="ctr"/>
+            <a:endParaRPr lang="en-US"/>
+          </a:p>
+        </p:txBody>
+      </p:sp>
+      <p:cxnSp>
+        <p:nvCxnSpPr>
+          <p:cNvPr id="12" name="Connettore diritto 11">
+            <a:extLst>
+              <a:ext uri="{FF2B5EF4-FFF2-40B4-BE49-F238E27FC236}">
+                <a16:creationId xmlns:a16="http://schemas.microsoft.com/office/drawing/2014/main" id="{AF5AE4C8-905D-E167-EBF1-1084F2CCD75C}"/>
+              </a:ext>
+            </a:extLst>
+          </p:cNvPr>
+          <p:cNvCxnSpPr>
+            <a:stCxn id="4" idx="6"/>
+            <a:endCxn id="7" idx="2"/>
+          </p:cNvCxnSpPr>
+          <p:nvPr/>
+        </p:nvCxnSpPr>
+        <p:spPr>
+          <a:xfrm>
+            <a:off x="3552092" y="1037493"/>
+            <a:ext cx="334109" cy="0"/>
+          </a:xfrm>
+          <a:prstGeom prst="line">
+            <a:avLst/>
+          </a:prstGeom>
+          <a:ln w="38100">
+            <a:solidFill>
+              <a:schemeClr val="tx1"/>
+            </a:solidFill>
+          </a:ln>
+        </p:spPr>
+        <p:style>
+          <a:lnRef idx="1">
+            <a:schemeClr val="accent1"/>
+          </a:lnRef>
+          <a:fillRef idx="0">
+            <a:schemeClr val="accent1"/>
+          </a:fillRef>
+          <a:effectRef idx="0">
+            <a:schemeClr val="accent1"/>
+          </a:effectRef>
+          <a:fontRef idx="minor">
+            <a:schemeClr val="tx1"/>
+          </a:fontRef>
+        </p:style>
+      </p:cxnSp>
+      <p:cxnSp>
+        <p:nvCxnSpPr>
+          <p:cNvPr id="13" name="Connettore diritto 12">
+            <a:extLst>
+              <a:ext uri="{FF2B5EF4-FFF2-40B4-BE49-F238E27FC236}">
+                <a16:creationId xmlns:a16="http://schemas.microsoft.com/office/drawing/2014/main" id="{CCCF5AE5-2BB4-00D8-7458-A6DE4715A632}"/>
+              </a:ext>
+            </a:extLst>
+          </p:cNvPr>
+          <p:cNvCxnSpPr>
+            <a:cxnSpLocks/>
+            <a:stCxn id="5" idx="6"/>
+            <a:endCxn id="7" idx="2"/>
+          </p:cNvCxnSpPr>
+          <p:nvPr/>
+        </p:nvCxnSpPr>
+        <p:spPr>
+          <a:xfrm flipV="1">
+            <a:off x="3552092" y="1037493"/>
+            <a:ext cx="334109" cy="590017"/>
+          </a:xfrm>
+          <a:prstGeom prst="line">
+            <a:avLst/>
+          </a:prstGeom>
+          <a:ln w="38100">
+            <a:solidFill>
+              <a:schemeClr val="tx1"/>
+            </a:solidFill>
+          </a:ln>
+        </p:spPr>
+        <p:style>
+          <a:lnRef idx="1">
+            <a:schemeClr val="accent1"/>
+          </a:lnRef>
+          <a:fillRef idx="0">
+            <a:schemeClr val="accent1"/>
+          </a:fillRef>
+          <a:effectRef idx="0">
+            <a:schemeClr val="accent1"/>
+          </a:effectRef>
+          <a:fontRef idx="minor">
+            <a:schemeClr val="tx1"/>
+          </a:fontRef>
+        </p:style>
+      </p:cxnSp>
+      <p:cxnSp>
+        <p:nvCxnSpPr>
+          <p:cNvPr id="16" name="Connettore diritto 15">
+            <a:extLst>
+              <a:ext uri="{FF2B5EF4-FFF2-40B4-BE49-F238E27FC236}">
+                <a16:creationId xmlns:a16="http://schemas.microsoft.com/office/drawing/2014/main" id="{4CB3C296-43FE-223A-2A22-2C5107AD1CBB}"/>
+              </a:ext>
+            </a:extLst>
+          </p:cNvPr>
+          <p:cNvCxnSpPr>
+            <a:cxnSpLocks/>
+            <a:stCxn id="4" idx="6"/>
+            <a:endCxn id="8" idx="2"/>
+          </p:cNvCxnSpPr>
+          <p:nvPr/>
+        </p:nvCxnSpPr>
+        <p:spPr>
+          <a:xfrm>
+            <a:off x="3552092" y="1037493"/>
+            <a:ext cx="334109" cy="590017"/>
+          </a:xfrm>
+          <a:prstGeom prst="line">
+            <a:avLst/>
+          </a:prstGeom>
+          <a:ln w="38100">
+            <a:solidFill>
+              <a:schemeClr val="tx1"/>
+            </a:solidFill>
+          </a:ln>
+        </p:spPr>
+        <p:style>
+          <a:lnRef idx="1">
+            <a:schemeClr val="accent1"/>
+          </a:lnRef>
+          <a:fillRef idx="0">
+            <a:schemeClr val="accent1"/>
+          </a:fillRef>
+          <a:effectRef idx="0">
+            <a:schemeClr val="accent1"/>
+          </a:effectRef>
+          <a:fontRef idx="minor">
+            <a:schemeClr val="tx1"/>
+          </a:fontRef>
+        </p:style>
+      </p:cxnSp>
+      <p:cxnSp>
+        <p:nvCxnSpPr>
+          <p:cNvPr id="19" name="Connettore diritto 18">
+            <a:extLst>
+              <a:ext uri="{FF2B5EF4-FFF2-40B4-BE49-F238E27FC236}">
+                <a16:creationId xmlns:a16="http://schemas.microsoft.com/office/drawing/2014/main" id="{EAAA216D-C8F6-8D5A-EB88-E922A43EFECC}"/>
+              </a:ext>
+            </a:extLst>
+          </p:cNvPr>
+          <p:cNvCxnSpPr>
+            <a:cxnSpLocks/>
+            <a:stCxn id="5" idx="6"/>
+            <a:endCxn id="8" idx="2"/>
+          </p:cNvCxnSpPr>
+          <p:nvPr/>
+        </p:nvCxnSpPr>
+        <p:spPr>
+          <a:xfrm>
+            <a:off x="3552092" y="1627510"/>
+            <a:ext cx="334109" cy="0"/>
+          </a:xfrm>
+          <a:prstGeom prst="line">
+            <a:avLst/>
+          </a:prstGeom>
+          <a:ln w="38100">
+            <a:solidFill>
+              <a:schemeClr val="tx1"/>
+            </a:solidFill>
+          </a:ln>
+        </p:spPr>
+        <p:style>
+          <a:lnRef idx="1">
+            <a:schemeClr val="accent1"/>
+          </a:lnRef>
+          <a:fillRef idx="0">
+            <a:schemeClr val="accent1"/>
+          </a:fillRef>
+          <a:effectRef idx="0">
+            <a:schemeClr val="accent1"/>
+          </a:effectRef>
+          <a:fontRef idx="minor">
+            <a:schemeClr val="tx1"/>
+          </a:fontRef>
+        </p:style>
+      </p:cxnSp>
+      <p:cxnSp>
+        <p:nvCxnSpPr>
+          <p:cNvPr id="22" name="Connettore diritto 21">
+            <a:extLst>
+              <a:ext uri="{FF2B5EF4-FFF2-40B4-BE49-F238E27FC236}">
+                <a16:creationId xmlns:a16="http://schemas.microsoft.com/office/drawing/2014/main" id="{16F5558F-FBD5-FD11-6ADF-472F6CCD1F9C}"/>
+              </a:ext>
+            </a:extLst>
+          </p:cNvPr>
+          <p:cNvCxnSpPr>
+            <a:cxnSpLocks/>
+            <a:stCxn id="4" idx="6"/>
+            <a:endCxn id="9" idx="2"/>
+          </p:cNvCxnSpPr>
+          <p:nvPr/>
+        </p:nvCxnSpPr>
+        <p:spPr>
+          <a:xfrm>
+            <a:off x="3552092" y="1037493"/>
+            <a:ext cx="334109" cy="1193689"/>
+          </a:xfrm>
+          <a:prstGeom prst="line">
+            <a:avLst/>
+          </a:prstGeom>
+          <a:ln w="38100">
+            <a:solidFill>
+              <a:schemeClr val="tx1"/>
+            </a:solidFill>
+          </a:ln>
+        </p:spPr>
+        <p:style>
+          <a:lnRef idx="1">
+            <a:schemeClr val="accent1"/>
+          </a:lnRef>
+          <a:fillRef idx="0">
+            <a:schemeClr val="accent1"/>
+          </a:fillRef>
+          <a:effectRef idx="0">
+            <a:schemeClr val="accent1"/>
+          </a:effectRef>
+          <a:fontRef idx="minor">
+            <a:schemeClr val="tx1"/>
+          </a:fontRef>
+        </p:style>
+      </p:cxnSp>
+      <p:cxnSp>
+        <p:nvCxnSpPr>
+          <p:cNvPr id="25" name="Connettore diritto 24">
+            <a:extLst>
+              <a:ext uri="{FF2B5EF4-FFF2-40B4-BE49-F238E27FC236}">
+                <a16:creationId xmlns:a16="http://schemas.microsoft.com/office/drawing/2014/main" id="{A5088221-AE7A-1F29-EE37-3F66497FBDCF}"/>
+              </a:ext>
+            </a:extLst>
+          </p:cNvPr>
+          <p:cNvCxnSpPr>
+            <a:cxnSpLocks/>
+            <a:stCxn id="5" idx="6"/>
+            <a:endCxn id="9" idx="2"/>
+          </p:cNvCxnSpPr>
+          <p:nvPr/>
+        </p:nvCxnSpPr>
+        <p:spPr>
+          <a:xfrm>
+            <a:off x="3552092" y="1627510"/>
+            <a:ext cx="334109" cy="603672"/>
+          </a:xfrm>
+          <a:prstGeom prst="line">
+            <a:avLst/>
+          </a:prstGeom>
+          <a:ln w="38100">
+            <a:solidFill>
+              <a:schemeClr val="tx1"/>
+            </a:solidFill>
+          </a:ln>
+        </p:spPr>
+        <p:style>
+          <a:lnRef idx="1">
+            <a:schemeClr val="accent1"/>
+          </a:lnRef>
+          <a:fillRef idx="0">
+            <a:schemeClr val="accent1"/>
+          </a:fillRef>
+          <a:effectRef idx="0">
+            <a:schemeClr val="accent1"/>
+          </a:effectRef>
+          <a:fontRef idx="minor">
+            <a:schemeClr val="tx1"/>
+          </a:fontRef>
+        </p:style>
+      </p:cxnSp>
+      <p:cxnSp>
+        <p:nvCxnSpPr>
+          <p:cNvPr id="28" name="Connettore diritto 27">
+            <a:extLst>
+              <a:ext uri="{FF2B5EF4-FFF2-40B4-BE49-F238E27FC236}">
+                <a16:creationId xmlns:a16="http://schemas.microsoft.com/office/drawing/2014/main" id="{726265C2-60C6-DE62-3199-0BB53F59DA83}"/>
+              </a:ext>
+            </a:extLst>
+          </p:cNvPr>
+          <p:cNvCxnSpPr>
+            <a:cxnSpLocks/>
+            <a:stCxn id="6" idx="6"/>
+            <a:endCxn id="7" idx="2"/>
+          </p:cNvCxnSpPr>
+          <p:nvPr/>
+        </p:nvCxnSpPr>
+        <p:spPr>
+          <a:xfrm flipV="1">
+            <a:off x="3552092" y="1037493"/>
+            <a:ext cx="334109" cy="1193689"/>
+          </a:xfrm>
+          <a:prstGeom prst="line">
+            <a:avLst/>
+          </a:prstGeom>
+          <a:ln w="38100">
+            <a:solidFill>
+              <a:schemeClr val="tx1"/>
+            </a:solidFill>
+          </a:ln>
+        </p:spPr>
+        <p:style>
+          <a:lnRef idx="1">
+            <a:schemeClr val="accent1"/>
+          </a:lnRef>
+          <a:fillRef idx="0">
+            <a:schemeClr val="accent1"/>
+          </a:fillRef>
+          <a:effectRef idx="0">
+            <a:schemeClr val="accent1"/>
+          </a:effectRef>
+          <a:fontRef idx="minor">
+            <a:schemeClr val="tx1"/>
+          </a:fontRef>
+        </p:style>
+      </p:cxnSp>
+      <p:cxnSp>
+        <p:nvCxnSpPr>
+          <p:cNvPr id="31" name="Connettore diritto 30">
+            <a:extLst>
+              <a:ext uri="{FF2B5EF4-FFF2-40B4-BE49-F238E27FC236}">
+                <a16:creationId xmlns:a16="http://schemas.microsoft.com/office/drawing/2014/main" id="{13AD28BC-E29A-3D95-F774-FDFE054E857E}"/>
+              </a:ext>
+            </a:extLst>
+          </p:cNvPr>
+          <p:cNvCxnSpPr>
+            <a:cxnSpLocks/>
+            <a:stCxn id="6" idx="6"/>
+            <a:endCxn id="8" idx="2"/>
+          </p:cNvCxnSpPr>
+          <p:nvPr/>
+        </p:nvCxnSpPr>
+        <p:spPr>
+          <a:xfrm flipV="1">
+            <a:off x="3552092" y="1627510"/>
+            <a:ext cx="334109" cy="603672"/>
+          </a:xfrm>
+          <a:prstGeom prst="line">
+            <a:avLst/>
+          </a:prstGeom>
+          <a:ln w="38100">
+            <a:solidFill>
+              <a:schemeClr val="tx1"/>
+            </a:solidFill>
+          </a:ln>
+        </p:spPr>
+        <p:style>
+          <a:lnRef idx="1">
+            <a:schemeClr val="accent1"/>
+          </a:lnRef>
+          <a:fillRef idx="0">
+            <a:schemeClr val="accent1"/>
+          </a:fillRef>
+          <a:effectRef idx="0">
+            <a:schemeClr val="accent1"/>
+          </a:effectRef>
+          <a:fontRef idx="minor">
+            <a:schemeClr val="tx1"/>
+          </a:fontRef>
+        </p:style>
+      </p:cxnSp>
+      <p:cxnSp>
+        <p:nvCxnSpPr>
+          <p:cNvPr id="34" name="Connettore diritto 33">
+            <a:extLst>
+              <a:ext uri="{FF2B5EF4-FFF2-40B4-BE49-F238E27FC236}">
+                <a16:creationId xmlns:a16="http://schemas.microsoft.com/office/drawing/2014/main" id="{A0461582-4963-9FC7-F21A-7804452D6E77}"/>
+              </a:ext>
+            </a:extLst>
+          </p:cNvPr>
+          <p:cNvCxnSpPr>
+            <a:cxnSpLocks/>
+            <a:stCxn id="6" idx="6"/>
+            <a:endCxn id="9" idx="2"/>
+          </p:cNvCxnSpPr>
+          <p:nvPr/>
+        </p:nvCxnSpPr>
+        <p:spPr>
+          <a:xfrm>
+            <a:off x="3552092" y="2231182"/>
+            <a:ext cx="334109" cy="0"/>
+          </a:xfrm>
+          <a:prstGeom prst="line">
+            <a:avLst/>
+          </a:prstGeom>
+          <a:ln w="38100">
+            <a:solidFill>
+              <a:schemeClr val="tx1"/>
+            </a:solidFill>
+          </a:ln>
+        </p:spPr>
+        <p:style>
+          <a:lnRef idx="1">
+            <a:schemeClr val="accent1"/>
+          </a:lnRef>
+          <a:fillRef idx="0">
+            <a:schemeClr val="accent1"/>
+          </a:fillRef>
+          <a:effectRef idx="0">
+            <a:schemeClr val="accent1"/>
+          </a:effectRef>
+          <a:fontRef idx="minor">
+            <a:schemeClr val="tx1"/>
+          </a:fontRef>
+        </p:style>
+      </p:cxnSp>
+      <p:cxnSp>
+        <p:nvCxnSpPr>
+          <p:cNvPr id="37" name="Connettore diritto 36">
+            <a:extLst>
+              <a:ext uri="{FF2B5EF4-FFF2-40B4-BE49-F238E27FC236}">
+                <a16:creationId xmlns:a16="http://schemas.microsoft.com/office/drawing/2014/main" id="{969A25ED-ADD6-64E5-0760-C5479AF39608}"/>
+              </a:ext>
+            </a:extLst>
+          </p:cNvPr>
+          <p:cNvCxnSpPr>
+            <a:cxnSpLocks/>
+            <a:stCxn id="7" idx="6"/>
+            <a:endCxn id="10" idx="2"/>
+          </p:cNvCxnSpPr>
+          <p:nvPr/>
+        </p:nvCxnSpPr>
+        <p:spPr>
+          <a:xfrm>
+            <a:off x="4308231" y="1037493"/>
+            <a:ext cx="334109" cy="590016"/>
+          </a:xfrm>
+          <a:prstGeom prst="line">
+            <a:avLst/>
+          </a:prstGeom>
+          <a:ln w="38100">
+            <a:solidFill>
+              <a:schemeClr val="tx1"/>
+            </a:solidFill>
+          </a:ln>
+        </p:spPr>
+        <p:style>
+          <a:lnRef idx="1">
+            <a:schemeClr val="accent1"/>
+          </a:lnRef>
+          <a:fillRef idx="0">
+            <a:schemeClr val="accent1"/>
+          </a:fillRef>
+          <a:effectRef idx="0">
+            <a:schemeClr val="accent1"/>
+          </a:effectRef>
+          <a:fontRef idx="minor">
+            <a:schemeClr val="tx1"/>
+          </a:fontRef>
+        </p:style>
+      </p:cxnSp>
+      <p:cxnSp>
+        <p:nvCxnSpPr>
+          <p:cNvPr id="40" name="Connettore diritto 39">
+            <a:extLst>
+              <a:ext uri="{FF2B5EF4-FFF2-40B4-BE49-F238E27FC236}">
+                <a16:creationId xmlns:a16="http://schemas.microsoft.com/office/drawing/2014/main" id="{AC77DAE0-1CD6-8777-BEFD-73FFB8EACC00}"/>
+              </a:ext>
+            </a:extLst>
+          </p:cNvPr>
+          <p:cNvCxnSpPr>
+            <a:cxnSpLocks/>
+            <a:stCxn id="8" idx="6"/>
+            <a:endCxn id="10" idx="2"/>
+          </p:cNvCxnSpPr>
+          <p:nvPr/>
+        </p:nvCxnSpPr>
+        <p:spPr>
+          <a:xfrm flipV="1">
+            <a:off x="4308231" y="1627509"/>
+            <a:ext cx="334109" cy="1"/>
+          </a:xfrm>
+          <a:prstGeom prst="line">
+            <a:avLst/>
+          </a:prstGeom>
+          <a:ln w="38100">
+            <a:solidFill>
+              <a:schemeClr val="tx1"/>
+            </a:solidFill>
+          </a:ln>
+        </p:spPr>
+        <p:style>
+          <a:lnRef idx="1">
+            <a:schemeClr val="accent1"/>
+          </a:lnRef>
+          <a:fillRef idx="0">
+            <a:schemeClr val="accent1"/>
+          </a:fillRef>
+          <a:effectRef idx="0">
+            <a:schemeClr val="accent1"/>
+          </a:effectRef>
+          <a:fontRef idx="minor">
+            <a:schemeClr val="tx1"/>
+          </a:fontRef>
+        </p:style>
+      </p:cxnSp>
+      <p:cxnSp>
+        <p:nvCxnSpPr>
+          <p:cNvPr id="47" name="Connettore diritto 46">
+            <a:extLst>
+              <a:ext uri="{FF2B5EF4-FFF2-40B4-BE49-F238E27FC236}">
+                <a16:creationId xmlns:a16="http://schemas.microsoft.com/office/drawing/2014/main" id="{E2E0E7FD-360A-CF11-A2A7-38FF85DC2870}"/>
+              </a:ext>
+            </a:extLst>
+          </p:cNvPr>
+          <p:cNvCxnSpPr>
+            <a:cxnSpLocks/>
+            <a:stCxn id="9" idx="6"/>
+            <a:endCxn id="10" idx="2"/>
+          </p:cNvCxnSpPr>
+          <p:nvPr/>
+        </p:nvCxnSpPr>
+        <p:spPr>
+          <a:xfrm flipV="1">
+            <a:off x="4308231" y="1627509"/>
+            <a:ext cx="334109" cy="603673"/>
+          </a:xfrm>
+          <a:prstGeom prst="line">
+            <a:avLst/>
+          </a:prstGeom>
+          <a:ln w="38100">
+            <a:solidFill>
+              <a:schemeClr val="tx1"/>
+            </a:solidFill>
+          </a:ln>
+        </p:spPr>
+        <p:style>
+          <a:lnRef idx="1">
+            <a:schemeClr val="accent1"/>
+          </a:lnRef>
+          <a:fillRef idx="0">
+            <a:schemeClr val="accent1"/>
+          </a:fillRef>
+          <a:effectRef idx="0">
+            <a:schemeClr val="accent1"/>
+          </a:effectRef>
+          <a:fontRef idx="minor">
+            <a:schemeClr val="tx1"/>
+          </a:fontRef>
+        </p:style>
+      </p:cxnSp>
+      <p:sp>
+        <p:nvSpPr>
+          <p:cNvPr id="50" name="Rettangolo con angoli arrotondati 49">
+            <a:extLst>
+              <a:ext uri="{FF2B5EF4-FFF2-40B4-BE49-F238E27FC236}">
+                <a16:creationId xmlns:a16="http://schemas.microsoft.com/office/drawing/2014/main" id="{E9356905-779E-E114-AEED-3980074A7459}"/>
+              </a:ext>
+            </a:extLst>
+          </p:cNvPr>
+          <p:cNvSpPr/>
+          <p:nvPr/>
+        </p:nvSpPr>
+        <p:spPr>
+          <a:xfrm>
+            <a:off x="5585397" y="866927"/>
+            <a:ext cx="1803400" cy="341131"/>
+          </a:xfrm>
+          <a:prstGeom prst="roundRect">
+            <a:avLst/>
+          </a:prstGeom>
+          <a:solidFill>
+            <a:srgbClr val="0070C0"/>
+          </a:solidFill>
+        </p:spPr>
+        <p:style>
+          <a:lnRef idx="2">
+            <a:schemeClr val="accent1">
+              <a:shade val="15000"/>
+            </a:schemeClr>
+          </a:lnRef>
+          <a:fillRef idx="1">
+            <a:schemeClr val="accent1"/>
+          </a:fillRef>
+          <a:effectRef idx="0">
+            <a:schemeClr val="accent1"/>
+          </a:effectRef>
+          <a:fontRef idx="minor">
+            <a:schemeClr val="lt1"/>
+          </a:fontRef>
+        </p:style>
+        <p:txBody>
+          <a:bodyPr rtlCol="0" anchor="ctr"/>
+          <a:lstStyle/>
+          <a:p>
+            <a:pPr algn="ctr"/>
+            <a:r>
+              <a:rPr lang="en-US" dirty="0">
+                <a:solidFill>
+                  <a:schemeClr val="tx1"/>
+                </a:solidFill>
+              </a:rPr>
+              <a:t>Covid-19</a:t>
+            </a:r>
+          </a:p>
+        </p:txBody>
+      </p:sp>
+      <p:sp>
+        <p:nvSpPr>
+          <p:cNvPr id="51" name="Rettangolo con angoli arrotondati 50">
+            <a:extLst>
+              <a:ext uri="{FF2B5EF4-FFF2-40B4-BE49-F238E27FC236}">
+                <a16:creationId xmlns:a16="http://schemas.microsoft.com/office/drawing/2014/main" id="{D07DFA86-BE2B-2270-1E2E-3B163535B119}"/>
+              </a:ext>
+            </a:extLst>
+          </p:cNvPr>
+          <p:cNvSpPr/>
+          <p:nvPr/>
+        </p:nvSpPr>
+        <p:spPr>
+          <a:xfrm>
+            <a:off x="5585397" y="1283703"/>
+            <a:ext cx="1803400" cy="341131"/>
+          </a:xfrm>
+          <a:prstGeom prst="roundRect">
+            <a:avLst/>
+          </a:prstGeom>
+          <a:solidFill>
+            <a:schemeClr val="accent5">
+              <a:lumMod val="60000"/>
+              <a:lumOff val="40000"/>
+            </a:schemeClr>
+          </a:solidFill>
+        </p:spPr>
+        <p:style>
+          <a:lnRef idx="2">
+            <a:schemeClr val="accent1">
+              <a:shade val="15000"/>
+            </a:schemeClr>
+          </a:lnRef>
+          <a:fillRef idx="1">
+            <a:schemeClr val="accent1"/>
+          </a:fillRef>
+          <a:effectRef idx="0">
+            <a:schemeClr val="accent1"/>
+          </a:effectRef>
+          <a:fontRef idx="minor">
+            <a:schemeClr val="lt1"/>
+          </a:fontRef>
+        </p:style>
+        <p:txBody>
+          <a:bodyPr rtlCol="0" anchor="ctr"/>
+          <a:lstStyle/>
+          <a:p>
+            <a:pPr algn="ctr"/>
+            <a:r>
+              <a:rPr lang="en-US" dirty="0">
+                <a:solidFill>
+                  <a:schemeClr val="tx1"/>
+                </a:solidFill>
+              </a:rPr>
+              <a:t>Pneumonia</a:t>
+            </a:r>
+          </a:p>
+        </p:txBody>
+      </p:sp>
+      <p:sp>
+        <p:nvSpPr>
+          <p:cNvPr id="52" name="Rettangolo con angoli arrotondati 51">
+            <a:extLst>
+              <a:ext uri="{FF2B5EF4-FFF2-40B4-BE49-F238E27FC236}">
+                <a16:creationId xmlns:a16="http://schemas.microsoft.com/office/drawing/2014/main" id="{A6610E35-6FCA-4939-84B5-5310E8F355B1}"/>
+              </a:ext>
+            </a:extLst>
+          </p:cNvPr>
+          <p:cNvSpPr/>
+          <p:nvPr/>
+        </p:nvSpPr>
+        <p:spPr>
+          <a:xfrm>
+            <a:off x="5585397" y="1700479"/>
+            <a:ext cx="1803400" cy="341131"/>
+          </a:xfrm>
+          <a:prstGeom prst="roundRect">
+            <a:avLst/>
+          </a:prstGeom>
+          <a:solidFill>
+            <a:schemeClr val="accent5">
+              <a:lumMod val="40000"/>
+              <a:lumOff val="60000"/>
+            </a:schemeClr>
+          </a:solidFill>
+        </p:spPr>
+        <p:style>
+          <a:lnRef idx="2">
+            <a:schemeClr val="accent1">
+              <a:shade val="15000"/>
+            </a:schemeClr>
+          </a:lnRef>
+          <a:fillRef idx="1">
+            <a:schemeClr val="accent1"/>
+          </a:fillRef>
+          <a:effectRef idx="0">
+            <a:schemeClr val="accent1"/>
+          </a:effectRef>
+          <a:fontRef idx="minor">
+            <a:schemeClr val="lt1"/>
+          </a:fontRef>
+        </p:style>
+        <p:txBody>
+          <a:bodyPr rtlCol="0" anchor="ctr"/>
+          <a:lstStyle/>
+          <a:p>
+            <a:pPr algn="ctr"/>
+            <a:r>
+              <a:rPr lang="en-US" dirty="0">
+                <a:solidFill>
+                  <a:schemeClr val="tx1"/>
+                </a:solidFill>
+              </a:rPr>
+              <a:t>Tuberculosis</a:t>
+            </a:r>
+          </a:p>
+        </p:txBody>
+      </p:sp>
+      <p:sp>
+        <p:nvSpPr>
+          <p:cNvPr id="53" name="Rettangolo con angoli arrotondati 52">
+            <a:extLst>
+              <a:ext uri="{FF2B5EF4-FFF2-40B4-BE49-F238E27FC236}">
+                <a16:creationId xmlns:a16="http://schemas.microsoft.com/office/drawing/2014/main" id="{E2D77F3E-97DA-3ADD-E8D7-DB0920CC566C}"/>
+              </a:ext>
+            </a:extLst>
+          </p:cNvPr>
+          <p:cNvSpPr/>
+          <p:nvPr/>
+        </p:nvSpPr>
+        <p:spPr>
+          <a:xfrm>
+            <a:off x="5585397" y="2099910"/>
+            <a:ext cx="1803400" cy="341131"/>
+          </a:xfrm>
+          <a:prstGeom prst="roundRect">
+            <a:avLst/>
+          </a:prstGeom>
+          <a:solidFill>
+            <a:schemeClr val="accent5">
+              <a:lumMod val="20000"/>
+              <a:lumOff val="80000"/>
+            </a:schemeClr>
+          </a:solidFill>
+        </p:spPr>
+        <p:style>
+          <a:lnRef idx="2">
+            <a:schemeClr val="accent1">
+              <a:shade val="15000"/>
+            </a:schemeClr>
+          </a:lnRef>
+          <a:fillRef idx="1">
+            <a:schemeClr val="accent1"/>
+          </a:fillRef>
+          <a:effectRef idx="0">
+            <a:schemeClr val="accent1"/>
+          </a:effectRef>
+          <a:fontRef idx="minor">
+            <a:schemeClr val="lt1"/>
+          </a:fontRef>
+        </p:style>
+        <p:txBody>
+          <a:bodyPr rtlCol="0" anchor="ctr"/>
+          <a:lstStyle/>
+          <a:p>
+            <a:pPr algn="ctr"/>
+            <a:r>
+              <a:rPr lang="en-US" dirty="0">
+                <a:solidFill>
+                  <a:schemeClr val="tx1"/>
+                </a:solidFill>
+              </a:rPr>
+              <a:t>Lung Cancer</a:t>
+            </a:r>
+          </a:p>
+        </p:txBody>
+      </p:sp>
+      <p:sp>
+        <p:nvSpPr>
+          <p:cNvPr id="55" name="Rettangolo 54">
+            <a:extLst>
+              <a:ext uri="{FF2B5EF4-FFF2-40B4-BE49-F238E27FC236}">
+                <a16:creationId xmlns:a16="http://schemas.microsoft.com/office/drawing/2014/main" id="{7BAD56F8-B955-FD8F-FDCB-F1E6047486AB}"/>
+              </a:ext>
+            </a:extLst>
+          </p:cNvPr>
+          <p:cNvSpPr/>
+          <p:nvPr/>
+        </p:nvSpPr>
+        <p:spPr>
+          <a:xfrm>
+            <a:off x="5164667" y="914400"/>
+            <a:ext cx="334109" cy="194733"/>
+          </a:xfrm>
+          <a:prstGeom prst="rect">
+            <a:avLst/>
+          </a:prstGeom>
+        </p:spPr>
+        <p:style>
+          <a:lnRef idx="2">
+            <a:schemeClr val="accent1">
+              <a:shade val="15000"/>
+            </a:schemeClr>
+          </a:lnRef>
+          <a:fillRef idx="1">
+            <a:schemeClr val="accent1"/>
+          </a:fillRef>
+          <a:effectRef idx="0">
+            <a:schemeClr val="accent1"/>
+          </a:effectRef>
+          <a:fontRef idx="minor">
+            <a:schemeClr val="lt1"/>
+          </a:fontRef>
+        </p:style>
+        <p:txBody>
+          <a:bodyPr rtlCol="0" anchor="ctr"/>
+          <a:lstStyle/>
+          <a:p>
+            <a:pPr algn="ctr"/>
+            <a:endParaRPr lang="en-US"/>
+          </a:p>
+        </p:txBody>
+      </p:sp>
+      <p:sp>
+        <p:nvSpPr>
+          <p:cNvPr id="56" name="Rettangolo 55">
+            <a:extLst>
+              <a:ext uri="{FF2B5EF4-FFF2-40B4-BE49-F238E27FC236}">
+                <a16:creationId xmlns:a16="http://schemas.microsoft.com/office/drawing/2014/main" id="{E70BA1CB-277C-118C-07A8-663552B3DDD7}"/>
+              </a:ext>
+            </a:extLst>
+          </p:cNvPr>
+          <p:cNvSpPr/>
+          <p:nvPr/>
+        </p:nvSpPr>
+        <p:spPr>
+          <a:xfrm>
+            <a:off x="5325533" y="1364039"/>
+            <a:ext cx="173243" cy="194733"/>
+          </a:xfrm>
+          <a:prstGeom prst="rect">
+            <a:avLst/>
+          </a:prstGeom>
+        </p:spPr>
+        <p:style>
+          <a:lnRef idx="2">
+            <a:schemeClr val="accent1">
+              <a:shade val="15000"/>
+            </a:schemeClr>
+          </a:lnRef>
+          <a:fillRef idx="1">
+            <a:schemeClr val="accent1"/>
+          </a:fillRef>
+          <a:effectRef idx="0">
+            <a:schemeClr val="accent1"/>
+          </a:effectRef>
+          <a:fontRef idx="minor">
+            <a:schemeClr val="lt1"/>
+          </a:fontRef>
+        </p:style>
+        <p:txBody>
+          <a:bodyPr rtlCol="0" anchor="ctr"/>
+          <a:lstStyle/>
+          <a:p>
+            <a:pPr algn="ctr"/>
+            <a:endParaRPr lang="en-US"/>
+          </a:p>
+        </p:txBody>
+      </p:sp>
+      <p:sp>
+        <p:nvSpPr>
+          <p:cNvPr id="57" name="Rettangolo 56">
+            <a:extLst>
+              <a:ext uri="{FF2B5EF4-FFF2-40B4-BE49-F238E27FC236}">
+                <a16:creationId xmlns:a16="http://schemas.microsoft.com/office/drawing/2014/main" id="{F78F43D3-879C-4BFF-465A-442E0CE2F36C}"/>
+              </a:ext>
+            </a:extLst>
+          </p:cNvPr>
+          <p:cNvSpPr/>
+          <p:nvPr/>
+        </p:nvSpPr>
+        <p:spPr>
+          <a:xfrm>
+            <a:off x="5398479" y="1773677"/>
+            <a:ext cx="100297" cy="194733"/>
+          </a:xfrm>
+          <a:prstGeom prst="rect">
+            <a:avLst/>
+          </a:prstGeom>
+        </p:spPr>
+        <p:style>
+          <a:lnRef idx="2">
+            <a:schemeClr val="accent1">
+              <a:shade val="15000"/>
+            </a:schemeClr>
+          </a:lnRef>
+          <a:fillRef idx="1">
+            <a:schemeClr val="accent1"/>
+          </a:fillRef>
+          <a:effectRef idx="0">
+            <a:schemeClr val="accent1"/>
+          </a:effectRef>
+          <a:fontRef idx="minor">
+            <a:schemeClr val="lt1"/>
+          </a:fontRef>
+        </p:style>
+        <p:txBody>
+          <a:bodyPr rtlCol="0" anchor="ctr"/>
+          <a:lstStyle/>
+          <a:p>
+            <a:pPr algn="ctr"/>
+            <a:endParaRPr lang="en-US"/>
+          </a:p>
+        </p:txBody>
+      </p:sp>
+      <p:sp>
+        <p:nvSpPr>
+          <p:cNvPr id="58" name="Rettangolo 57">
+            <a:extLst>
+              <a:ext uri="{FF2B5EF4-FFF2-40B4-BE49-F238E27FC236}">
+                <a16:creationId xmlns:a16="http://schemas.microsoft.com/office/drawing/2014/main" id="{7B760DD6-8398-8F94-4DE4-C9B880417081}"/>
+              </a:ext>
+            </a:extLst>
+          </p:cNvPr>
+          <p:cNvSpPr/>
+          <p:nvPr/>
+        </p:nvSpPr>
+        <p:spPr>
+          <a:xfrm>
+            <a:off x="5453057" y="2133814"/>
+            <a:ext cx="45719" cy="194733"/>
+          </a:xfrm>
+          <a:prstGeom prst="rect">
+            <a:avLst/>
+          </a:prstGeom>
+        </p:spPr>
+        <p:style>
+          <a:lnRef idx="2">
+            <a:schemeClr val="accent1">
+              <a:shade val="15000"/>
+            </a:schemeClr>
+          </a:lnRef>
+          <a:fillRef idx="1">
+            <a:schemeClr val="accent1"/>
+          </a:fillRef>
+          <a:effectRef idx="0">
+            <a:schemeClr val="accent1"/>
+          </a:effectRef>
+          <a:fontRef idx="minor">
+            <a:schemeClr val="lt1"/>
+          </a:fontRef>
+        </p:style>
+        <p:txBody>
+          <a:bodyPr rtlCol="0" anchor="ctr"/>
+          <a:lstStyle/>
+          <a:p>
+            <a:pPr algn="ctr"/>
+            <a:endParaRPr lang="en-US"/>
+          </a:p>
+        </p:txBody>
+      </p:sp>
+      <p:sp>
+        <p:nvSpPr>
+          <p:cNvPr id="59" name="CasellaDiTesto 58">
+            <a:extLst>
+              <a:ext uri="{FF2B5EF4-FFF2-40B4-BE49-F238E27FC236}">
+                <a16:creationId xmlns:a16="http://schemas.microsoft.com/office/drawing/2014/main" id="{539BE484-7846-6D69-DCEF-5221DCA8035D}"/>
+              </a:ext>
+            </a:extLst>
+          </p:cNvPr>
+          <p:cNvSpPr txBox="1"/>
+          <p:nvPr/>
+        </p:nvSpPr>
+        <p:spPr>
+          <a:xfrm>
+            <a:off x="3031067" y="2582103"/>
+            <a:ext cx="1769533" cy="369332"/>
+          </a:xfrm>
+          <a:prstGeom prst="rect">
+            <a:avLst/>
+          </a:prstGeom>
+          <a:noFill/>
+        </p:spPr>
+        <p:txBody>
+          <a:bodyPr wrap="square" rtlCol="0">
+            <a:spAutoFit/>
+          </a:bodyPr>
+          <a:lstStyle/>
+          <a:p>
+            <a:r>
+              <a:rPr lang="en-US" dirty="0"/>
+              <a:t>Neural Network</a:t>
+            </a:r>
+          </a:p>
+        </p:txBody>
+      </p:sp>
+      <p:sp>
+        <p:nvSpPr>
+          <p:cNvPr id="60" name="CasellaDiTesto 59">
+            <a:extLst>
+              <a:ext uri="{FF2B5EF4-FFF2-40B4-BE49-F238E27FC236}">
+                <a16:creationId xmlns:a16="http://schemas.microsoft.com/office/drawing/2014/main" id="{2026024E-144A-96E9-FC91-5CE2887E48EA}"/>
+              </a:ext>
+            </a:extLst>
+          </p:cNvPr>
+          <p:cNvSpPr txBox="1"/>
+          <p:nvPr/>
+        </p:nvSpPr>
+        <p:spPr>
+          <a:xfrm>
+            <a:off x="5181276" y="363698"/>
+            <a:ext cx="2324427" cy="369332"/>
+          </a:xfrm>
+          <a:prstGeom prst="rect">
+            <a:avLst/>
+          </a:prstGeom>
+          <a:noFill/>
+        </p:spPr>
+        <p:txBody>
+          <a:bodyPr wrap="square" rtlCol="0">
+            <a:spAutoFit/>
+          </a:bodyPr>
+          <a:lstStyle/>
+          <a:p>
+            <a:r>
+              <a:rPr lang="en-US" dirty="0"/>
+              <a:t>Disease probability</a:t>
+            </a:r>
+          </a:p>
+        </p:txBody>
+      </p:sp>
+      <p:pic>
+        <p:nvPicPr>
+          <p:cNvPr id="1026" name="Picture 2">
+            <a:extLst>
+              <a:ext uri="{FF2B5EF4-FFF2-40B4-BE49-F238E27FC236}">
+                <a16:creationId xmlns:a16="http://schemas.microsoft.com/office/drawing/2014/main" id="{95E1EFAD-20B1-BA66-51E7-D3ADEBF37333}"/>
+              </a:ext>
+            </a:extLst>
+          </p:cNvPr>
+          <p:cNvPicPr>
+            <a:picLocks noChangeAspect="1" noChangeArrowheads="1"/>
+          </p:cNvPicPr>
+          <p:nvPr/>
+        </p:nvPicPr>
+        <p:blipFill rotWithShape="1">
+          <a:blip r:embed="rId3">
+            <a:extLst>
+              <a:ext uri="{28A0092B-C50C-407E-A947-70E740481C1C}">
+                <a14:useLocalDpi xmlns:a14="http://schemas.microsoft.com/office/drawing/2010/main" val="0"/>
+              </a:ext>
+            </a:extLst>
+          </a:blip>
+          <a:srcRect r="65048"/>
+          <a:stretch/>
+        </p:blipFill>
+        <p:spPr bwMode="auto">
+          <a:xfrm>
+            <a:off x="8167400" y="548364"/>
+            <a:ext cx="1617133" cy="1975380"/>
+          </a:xfrm>
+          <a:prstGeom prst="rect">
+            <a:avLst/>
+          </a:prstGeom>
+          <a:noFill/>
+          <a:extLst>
+            <a:ext uri="{909E8E84-426E-40DD-AFC4-6F175D3DCCD1}">
+              <a14:hiddenFill xmlns:a14="http://schemas.microsoft.com/office/drawing/2010/main">
+                <a:solidFill>
+                  <a:srgbClr val="FFFFFF"/>
+                </a:solidFill>
+              </a14:hiddenFill>
+            </a:ext>
+          </a:extLst>
+        </p:spPr>
+      </p:pic>
+      <p:pic>
+        <p:nvPicPr>
+          <p:cNvPr id="61" name="Picture 2">
+            <a:extLst>
+              <a:ext uri="{FF2B5EF4-FFF2-40B4-BE49-F238E27FC236}">
+                <a16:creationId xmlns:a16="http://schemas.microsoft.com/office/drawing/2014/main" id="{2BCC34B5-BBCC-3934-B3F1-44AAA048BB33}"/>
+              </a:ext>
+            </a:extLst>
+          </p:cNvPr>
+          <p:cNvPicPr>
+            <a:picLocks noChangeAspect="1" noChangeArrowheads="1"/>
+          </p:cNvPicPr>
+          <p:nvPr/>
+        </p:nvPicPr>
+        <p:blipFill rotWithShape="1">
+          <a:blip r:embed="rId3">
+            <a:extLst>
+              <a:ext uri="{28A0092B-C50C-407E-A947-70E740481C1C}">
+                <a14:useLocalDpi xmlns:a14="http://schemas.microsoft.com/office/drawing/2010/main" val="0"/>
+              </a:ext>
+            </a:extLst>
+          </a:blip>
+          <a:srcRect l="36501" r="31658"/>
+          <a:stretch/>
+        </p:blipFill>
+        <p:spPr bwMode="auto">
+          <a:xfrm>
+            <a:off x="12438829" y="548364"/>
+            <a:ext cx="1473201" cy="1975380"/>
+          </a:xfrm>
+          <a:prstGeom prst="rect">
+            <a:avLst/>
+          </a:prstGeom>
+          <a:noFill/>
+          <a:extLst>
+            <a:ext uri="{909E8E84-426E-40DD-AFC4-6F175D3DCCD1}">
+              <a14:hiddenFill xmlns:a14="http://schemas.microsoft.com/office/drawing/2010/main">
+                <a:solidFill>
+                  <a:srgbClr val="FFFFFF"/>
+                </a:solidFill>
+              </a14:hiddenFill>
+            </a:ext>
+          </a:extLst>
+        </p:spPr>
+      </p:pic>
+      <p:sp>
+        <p:nvSpPr>
+          <p:cNvPr id="62" name="Ovale 61">
+            <a:extLst>
+              <a:ext uri="{FF2B5EF4-FFF2-40B4-BE49-F238E27FC236}">
+                <a16:creationId xmlns:a16="http://schemas.microsoft.com/office/drawing/2014/main" id="{00A9FCC2-A273-1941-CAE6-2351D75EC549}"/>
+              </a:ext>
+            </a:extLst>
+          </p:cNvPr>
+          <p:cNvSpPr/>
+          <p:nvPr/>
+        </p:nvSpPr>
+        <p:spPr>
+          <a:xfrm>
+            <a:off x="10295466" y="583452"/>
+            <a:ext cx="422030" cy="422031"/>
+          </a:xfrm>
+          <a:prstGeom prst="ellipse">
+            <a:avLst/>
+          </a:prstGeom>
+        </p:spPr>
+        <p:style>
+          <a:lnRef idx="2">
+            <a:schemeClr val="accent1">
+              <a:shade val="15000"/>
+            </a:schemeClr>
+          </a:lnRef>
+          <a:fillRef idx="1">
+            <a:schemeClr val="accent1"/>
+          </a:fillRef>
+          <a:effectRef idx="0">
+            <a:schemeClr val="accent1"/>
+          </a:effectRef>
+          <a:fontRef idx="minor">
+            <a:schemeClr val="lt1"/>
+          </a:fontRef>
+        </p:style>
+        <p:txBody>
+          <a:bodyPr rtlCol="0" anchor="ctr"/>
+          <a:lstStyle/>
+          <a:p>
+            <a:pPr algn="ctr"/>
+            <a:endParaRPr lang="en-US"/>
+          </a:p>
+        </p:txBody>
+      </p:sp>
+      <p:sp>
+        <p:nvSpPr>
+          <p:cNvPr id="63" name="Ovale 62">
+            <a:extLst>
+              <a:ext uri="{FF2B5EF4-FFF2-40B4-BE49-F238E27FC236}">
+                <a16:creationId xmlns:a16="http://schemas.microsoft.com/office/drawing/2014/main" id="{54143ACC-4D9E-8C7F-33E0-47BB83587A36}"/>
+              </a:ext>
+            </a:extLst>
+          </p:cNvPr>
+          <p:cNvSpPr/>
+          <p:nvPr/>
+        </p:nvSpPr>
+        <p:spPr>
+          <a:xfrm>
+            <a:off x="10295466" y="1173469"/>
+            <a:ext cx="422030" cy="422031"/>
+          </a:xfrm>
+          <a:prstGeom prst="ellipse">
+            <a:avLst/>
+          </a:prstGeom>
+        </p:spPr>
+        <p:style>
+          <a:lnRef idx="2">
+            <a:schemeClr val="accent1">
+              <a:shade val="15000"/>
+            </a:schemeClr>
+          </a:lnRef>
+          <a:fillRef idx="1">
+            <a:schemeClr val="accent1"/>
+          </a:fillRef>
+          <a:effectRef idx="0">
+            <a:schemeClr val="accent1"/>
+          </a:effectRef>
+          <a:fontRef idx="minor">
+            <a:schemeClr val="lt1"/>
+          </a:fontRef>
+        </p:style>
+        <p:txBody>
+          <a:bodyPr rtlCol="0" anchor="ctr"/>
+          <a:lstStyle/>
+          <a:p>
+            <a:pPr algn="ctr"/>
+            <a:endParaRPr lang="en-US"/>
+          </a:p>
+        </p:txBody>
+      </p:sp>
+      <p:sp>
+        <p:nvSpPr>
+          <p:cNvPr id="1024" name="Ovale 1023">
+            <a:extLst>
+              <a:ext uri="{FF2B5EF4-FFF2-40B4-BE49-F238E27FC236}">
+                <a16:creationId xmlns:a16="http://schemas.microsoft.com/office/drawing/2014/main" id="{358AAD47-CA96-FC67-5E8A-D3364DEF11C7}"/>
+              </a:ext>
+            </a:extLst>
+          </p:cNvPr>
+          <p:cNvSpPr/>
+          <p:nvPr/>
+        </p:nvSpPr>
+        <p:spPr>
+          <a:xfrm>
+            <a:off x="10295466" y="1777141"/>
+            <a:ext cx="422030" cy="422031"/>
+          </a:xfrm>
+          <a:prstGeom prst="ellipse">
+            <a:avLst/>
+          </a:prstGeom>
+        </p:spPr>
+        <p:style>
+          <a:lnRef idx="2">
+            <a:schemeClr val="accent1">
+              <a:shade val="15000"/>
+            </a:schemeClr>
+          </a:lnRef>
+          <a:fillRef idx="1">
+            <a:schemeClr val="accent1"/>
+          </a:fillRef>
+          <a:effectRef idx="0">
+            <a:schemeClr val="accent1"/>
+          </a:effectRef>
+          <a:fontRef idx="minor">
+            <a:schemeClr val="lt1"/>
+          </a:fontRef>
+        </p:style>
+        <p:txBody>
+          <a:bodyPr rtlCol="0" anchor="ctr"/>
+          <a:lstStyle/>
+          <a:p>
+            <a:pPr algn="ctr"/>
+            <a:endParaRPr lang="en-US"/>
+          </a:p>
+        </p:txBody>
+      </p:sp>
+      <p:sp>
+        <p:nvSpPr>
+          <p:cNvPr id="1025" name="Ovale 1024">
+            <a:extLst>
+              <a:ext uri="{FF2B5EF4-FFF2-40B4-BE49-F238E27FC236}">
+                <a16:creationId xmlns:a16="http://schemas.microsoft.com/office/drawing/2014/main" id="{F7205CD7-FC79-8AC8-264F-7C72946228C7}"/>
+              </a:ext>
+            </a:extLst>
+          </p:cNvPr>
+          <p:cNvSpPr/>
+          <p:nvPr/>
+        </p:nvSpPr>
+        <p:spPr>
+          <a:xfrm>
+            <a:off x="11051605" y="583452"/>
+            <a:ext cx="422030" cy="422031"/>
+          </a:xfrm>
+          <a:prstGeom prst="ellipse">
+            <a:avLst/>
+          </a:prstGeom>
+        </p:spPr>
+        <p:style>
+          <a:lnRef idx="2">
+            <a:schemeClr val="accent1">
+              <a:shade val="15000"/>
+            </a:schemeClr>
+          </a:lnRef>
+          <a:fillRef idx="1">
+            <a:schemeClr val="accent1"/>
+          </a:fillRef>
+          <a:effectRef idx="0">
+            <a:schemeClr val="accent1"/>
+          </a:effectRef>
+          <a:fontRef idx="minor">
+            <a:schemeClr val="lt1"/>
+          </a:fontRef>
+        </p:style>
+        <p:txBody>
+          <a:bodyPr rtlCol="0" anchor="ctr"/>
+          <a:lstStyle/>
+          <a:p>
+            <a:pPr algn="ctr"/>
+            <a:endParaRPr lang="en-US"/>
+          </a:p>
+        </p:txBody>
+      </p:sp>
+      <p:sp>
+        <p:nvSpPr>
+          <p:cNvPr id="1027" name="Ovale 1026">
+            <a:extLst>
+              <a:ext uri="{FF2B5EF4-FFF2-40B4-BE49-F238E27FC236}">
+                <a16:creationId xmlns:a16="http://schemas.microsoft.com/office/drawing/2014/main" id="{3F23568A-5A4B-ACDA-DFC3-C8337B949B1C}"/>
+              </a:ext>
+            </a:extLst>
+          </p:cNvPr>
+          <p:cNvSpPr/>
+          <p:nvPr/>
+        </p:nvSpPr>
+        <p:spPr>
+          <a:xfrm>
+            <a:off x="11051605" y="1173469"/>
+            <a:ext cx="422030" cy="422031"/>
+          </a:xfrm>
+          <a:prstGeom prst="ellipse">
+            <a:avLst/>
+          </a:prstGeom>
+        </p:spPr>
+        <p:style>
+          <a:lnRef idx="2">
+            <a:schemeClr val="accent1">
+              <a:shade val="15000"/>
+            </a:schemeClr>
+          </a:lnRef>
+          <a:fillRef idx="1">
+            <a:schemeClr val="accent1"/>
+          </a:fillRef>
+          <a:effectRef idx="0">
+            <a:schemeClr val="accent1"/>
+          </a:effectRef>
+          <a:fontRef idx="minor">
+            <a:schemeClr val="lt1"/>
+          </a:fontRef>
+        </p:style>
+        <p:txBody>
+          <a:bodyPr rtlCol="0" anchor="ctr"/>
+          <a:lstStyle/>
+          <a:p>
+            <a:pPr algn="ctr"/>
+            <a:endParaRPr lang="en-US"/>
+          </a:p>
+        </p:txBody>
+      </p:sp>
+      <p:sp>
+        <p:nvSpPr>
+          <p:cNvPr id="1028" name="Ovale 1027">
+            <a:extLst>
+              <a:ext uri="{FF2B5EF4-FFF2-40B4-BE49-F238E27FC236}">
+                <a16:creationId xmlns:a16="http://schemas.microsoft.com/office/drawing/2014/main" id="{B80AA000-2DF6-0F12-5A55-18C81EE1660E}"/>
+              </a:ext>
+            </a:extLst>
+          </p:cNvPr>
+          <p:cNvSpPr/>
+          <p:nvPr/>
+        </p:nvSpPr>
+        <p:spPr>
+          <a:xfrm>
+            <a:off x="11051605" y="1777141"/>
+            <a:ext cx="422030" cy="422031"/>
+          </a:xfrm>
+          <a:prstGeom prst="ellipse">
+            <a:avLst/>
+          </a:prstGeom>
+        </p:spPr>
+        <p:style>
+          <a:lnRef idx="2">
+            <a:schemeClr val="accent1">
+              <a:shade val="15000"/>
+            </a:schemeClr>
+          </a:lnRef>
+          <a:fillRef idx="1">
+            <a:schemeClr val="accent1"/>
+          </a:fillRef>
+          <a:effectRef idx="0">
+            <a:schemeClr val="accent1"/>
+          </a:effectRef>
+          <a:fontRef idx="minor">
+            <a:schemeClr val="lt1"/>
+          </a:fontRef>
+        </p:style>
+        <p:txBody>
+          <a:bodyPr rtlCol="0" anchor="ctr"/>
+          <a:lstStyle/>
+          <a:p>
+            <a:pPr algn="ctr"/>
+            <a:endParaRPr lang="en-US"/>
+          </a:p>
+        </p:txBody>
+      </p:sp>
+      <p:sp>
+        <p:nvSpPr>
+          <p:cNvPr id="1029" name="Ovale 1028">
+            <a:extLst>
+              <a:ext uri="{FF2B5EF4-FFF2-40B4-BE49-F238E27FC236}">
+                <a16:creationId xmlns:a16="http://schemas.microsoft.com/office/drawing/2014/main" id="{5FE4914D-CB1C-8305-53EC-584BB3227E5F}"/>
+              </a:ext>
+            </a:extLst>
+          </p:cNvPr>
+          <p:cNvSpPr/>
+          <p:nvPr/>
+        </p:nvSpPr>
+        <p:spPr>
+          <a:xfrm>
+            <a:off x="11807744" y="1173468"/>
+            <a:ext cx="422030" cy="422031"/>
+          </a:xfrm>
+          <a:prstGeom prst="ellipse">
+            <a:avLst/>
+          </a:prstGeom>
+        </p:spPr>
+        <p:style>
+          <a:lnRef idx="2">
+            <a:schemeClr val="accent1">
+              <a:shade val="15000"/>
+            </a:schemeClr>
+          </a:lnRef>
+          <a:fillRef idx="1">
+            <a:schemeClr val="accent1"/>
+          </a:fillRef>
+          <a:effectRef idx="0">
+            <a:schemeClr val="accent1"/>
+          </a:effectRef>
+          <a:fontRef idx="minor">
+            <a:schemeClr val="lt1"/>
+          </a:fontRef>
+        </p:style>
+        <p:txBody>
+          <a:bodyPr rtlCol="0" anchor="ctr"/>
+          <a:lstStyle/>
+          <a:p>
+            <a:pPr algn="ctr"/>
+            <a:endParaRPr lang="en-US"/>
+          </a:p>
+        </p:txBody>
+      </p:sp>
+      <p:cxnSp>
+        <p:nvCxnSpPr>
+          <p:cNvPr id="1030" name="Connettore diritto 1029">
+            <a:extLst>
+              <a:ext uri="{FF2B5EF4-FFF2-40B4-BE49-F238E27FC236}">
+                <a16:creationId xmlns:a16="http://schemas.microsoft.com/office/drawing/2014/main" id="{BAAC492C-E7D6-8E82-4AA7-FEC61CAC7487}"/>
+              </a:ext>
+            </a:extLst>
+          </p:cNvPr>
+          <p:cNvCxnSpPr>
+            <a:stCxn id="62" idx="6"/>
+            <a:endCxn id="1025" idx="2"/>
+          </p:cNvCxnSpPr>
+          <p:nvPr/>
+        </p:nvCxnSpPr>
+        <p:spPr>
+          <a:xfrm>
+            <a:off x="10717496" y="794468"/>
+            <a:ext cx="334109" cy="0"/>
+          </a:xfrm>
+          <a:prstGeom prst="line">
+            <a:avLst/>
+          </a:prstGeom>
+          <a:ln w="38100">
+            <a:solidFill>
+              <a:schemeClr val="tx1"/>
+            </a:solidFill>
+          </a:ln>
+        </p:spPr>
+        <p:style>
+          <a:lnRef idx="1">
+            <a:schemeClr val="accent1"/>
+          </a:lnRef>
+          <a:fillRef idx="0">
+            <a:schemeClr val="accent1"/>
+          </a:fillRef>
+          <a:effectRef idx="0">
+            <a:schemeClr val="accent1"/>
+          </a:effectRef>
+          <a:fontRef idx="minor">
+            <a:schemeClr val="tx1"/>
+          </a:fontRef>
+        </p:style>
+      </p:cxnSp>
+      <p:cxnSp>
+        <p:nvCxnSpPr>
+          <p:cNvPr id="1031" name="Connettore diritto 1030">
+            <a:extLst>
+              <a:ext uri="{FF2B5EF4-FFF2-40B4-BE49-F238E27FC236}">
+                <a16:creationId xmlns:a16="http://schemas.microsoft.com/office/drawing/2014/main" id="{1FBC7928-63ED-E748-DAFC-28E16257DA4B}"/>
+              </a:ext>
+            </a:extLst>
+          </p:cNvPr>
+          <p:cNvCxnSpPr>
+            <a:cxnSpLocks/>
+            <a:stCxn id="63" idx="6"/>
+            <a:endCxn id="1025" idx="2"/>
+          </p:cNvCxnSpPr>
+          <p:nvPr/>
+        </p:nvCxnSpPr>
+        <p:spPr>
+          <a:xfrm flipV="1">
+            <a:off x="10717496" y="794468"/>
+            <a:ext cx="334109" cy="590017"/>
+          </a:xfrm>
+          <a:prstGeom prst="line">
+            <a:avLst/>
+          </a:prstGeom>
+          <a:ln w="38100">
+            <a:solidFill>
+              <a:schemeClr val="tx1"/>
+            </a:solidFill>
+          </a:ln>
+        </p:spPr>
+        <p:style>
+          <a:lnRef idx="1">
+            <a:schemeClr val="accent1"/>
+          </a:lnRef>
+          <a:fillRef idx="0">
+            <a:schemeClr val="accent1"/>
+          </a:fillRef>
+          <a:effectRef idx="0">
+            <a:schemeClr val="accent1"/>
+          </a:effectRef>
+          <a:fontRef idx="minor">
+            <a:schemeClr val="tx1"/>
+          </a:fontRef>
+        </p:style>
+      </p:cxnSp>
+      <p:cxnSp>
+        <p:nvCxnSpPr>
+          <p:cNvPr id="1032" name="Connettore diritto 1031">
+            <a:extLst>
+              <a:ext uri="{FF2B5EF4-FFF2-40B4-BE49-F238E27FC236}">
+                <a16:creationId xmlns:a16="http://schemas.microsoft.com/office/drawing/2014/main" id="{622E8F6B-3208-62C2-B540-31AA2A9731F1}"/>
+              </a:ext>
+            </a:extLst>
+          </p:cNvPr>
+          <p:cNvCxnSpPr>
+            <a:cxnSpLocks/>
+            <a:stCxn id="62" idx="6"/>
+            <a:endCxn id="1027" idx="2"/>
+          </p:cNvCxnSpPr>
+          <p:nvPr/>
+        </p:nvCxnSpPr>
+        <p:spPr>
+          <a:xfrm>
+            <a:off x="10717496" y="794468"/>
+            <a:ext cx="334109" cy="590017"/>
+          </a:xfrm>
+          <a:prstGeom prst="line">
+            <a:avLst/>
+          </a:prstGeom>
+          <a:ln w="38100">
+            <a:solidFill>
+              <a:schemeClr val="tx1"/>
+            </a:solidFill>
+          </a:ln>
+        </p:spPr>
+        <p:style>
+          <a:lnRef idx="1">
+            <a:schemeClr val="accent1"/>
+          </a:lnRef>
+          <a:fillRef idx="0">
+            <a:schemeClr val="accent1"/>
+          </a:fillRef>
+          <a:effectRef idx="0">
+            <a:schemeClr val="accent1"/>
+          </a:effectRef>
+          <a:fontRef idx="minor">
+            <a:schemeClr val="tx1"/>
+          </a:fontRef>
+        </p:style>
+      </p:cxnSp>
+      <p:cxnSp>
+        <p:nvCxnSpPr>
+          <p:cNvPr id="1033" name="Connettore diritto 1032">
+            <a:extLst>
+              <a:ext uri="{FF2B5EF4-FFF2-40B4-BE49-F238E27FC236}">
+                <a16:creationId xmlns:a16="http://schemas.microsoft.com/office/drawing/2014/main" id="{535A4529-69A2-EF2F-16DE-6EE27B49D696}"/>
+              </a:ext>
+            </a:extLst>
+          </p:cNvPr>
+          <p:cNvCxnSpPr>
+            <a:cxnSpLocks/>
+            <a:stCxn id="63" idx="6"/>
+            <a:endCxn id="1027" idx="2"/>
+          </p:cNvCxnSpPr>
+          <p:nvPr/>
+        </p:nvCxnSpPr>
+        <p:spPr>
+          <a:xfrm>
+            <a:off x="10717496" y="1384485"/>
+            <a:ext cx="334109" cy="0"/>
+          </a:xfrm>
+          <a:prstGeom prst="line">
+            <a:avLst/>
+          </a:prstGeom>
+          <a:ln w="38100">
+            <a:solidFill>
+              <a:schemeClr val="tx1"/>
+            </a:solidFill>
+          </a:ln>
+        </p:spPr>
+        <p:style>
+          <a:lnRef idx="1">
+            <a:schemeClr val="accent1"/>
+          </a:lnRef>
+          <a:fillRef idx="0">
+            <a:schemeClr val="accent1"/>
+          </a:fillRef>
+          <a:effectRef idx="0">
+            <a:schemeClr val="accent1"/>
+          </a:effectRef>
+          <a:fontRef idx="minor">
+            <a:schemeClr val="tx1"/>
+          </a:fontRef>
+        </p:style>
+      </p:cxnSp>
+      <p:cxnSp>
+        <p:nvCxnSpPr>
+          <p:cNvPr id="1034" name="Connettore diritto 1033">
+            <a:extLst>
+              <a:ext uri="{FF2B5EF4-FFF2-40B4-BE49-F238E27FC236}">
+                <a16:creationId xmlns:a16="http://schemas.microsoft.com/office/drawing/2014/main" id="{EB13E533-8085-AF1D-ACDB-34D95EB6E2AA}"/>
+              </a:ext>
+            </a:extLst>
+          </p:cNvPr>
+          <p:cNvCxnSpPr>
+            <a:cxnSpLocks/>
+            <a:stCxn id="62" idx="6"/>
+            <a:endCxn id="1028" idx="2"/>
+          </p:cNvCxnSpPr>
+          <p:nvPr/>
+        </p:nvCxnSpPr>
+        <p:spPr>
+          <a:xfrm>
+            <a:off x="10717496" y="794468"/>
+            <a:ext cx="334109" cy="1193689"/>
+          </a:xfrm>
+          <a:prstGeom prst="line">
+            <a:avLst/>
+          </a:prstGeom>
+          <a:ln w="38100">
+            <a:solidFill>
+              <a:schemeClr val="tx1"/>
+            </a:solidFill>
+          </a:ln>
+        </p:spPr>
+        <p:style>
+          <a:lnRef idx="1">
+            <a:schemeClr val="accent1"/>
+          </a:lnRef>
+          <a:fillRef idx="0">
+            <a:schemeClr val="accent1"/>
+          </a:fillRef>
+          <a:effectRef idx="0">
+            <a:schemeClr val="accent1"/>
+          </a:effectRef>
+          <a:fontRef idx="minor">
+            <a:schemeClr val="tx1"/>
+          </a:fontRef>
+        </p:style>
+      </p:cxnSp>
+      <p:cxnSp>
+        <p:nvCxnSpPr>
+          <p:cNvPr id="1035" name="Connettore diritto 1034">
+            <a:extLst>
+              <a:ext uri="{FF2B5EF4-FFF2-40B4-BE49-F238E27FC236}">
+                <a16:creationId xmlns:a16="http://schemas.microsoft.com/office/drawing/2014/main" id="{34EF4C9C-BAB4-5FB4-0D83-AC7890663877}"/>
+              </a:ext>
+            </a:extLst>
+          </p:cNvPr>
+          <p:cNvCxnSpPr>
+            <a:cxnSpLocks/>
+            <a:stCxn id="63" idx="6"/>
+            <a:endCxn id="1028" idx="2"/>
+          </p:cNvCxnSpPr>
+          <p:nvPr/>
+        </p:nvCxnSpPr>
+        <p:spPr>
+          <a:xfrm>
+            <a:off x="10717496" y="1384485"/>
+            <a:ext cx="334109" cy="603672"/>
+          </a:xfrm>
+          <a:prstGeom prst="line">
+            <a:avLst/>
+          </a:prstGeom>
+          <a:ln w="38100">
+            <a:solidFill>
+              <a:schemeClr val="tx1"/>
+            </a:solidFill>
+          </a:ln>
+        </p:spPr>
+        <p:style>
+          <a:lnRef idx="1">
+            <a:schemeClr val="accent1"/>
+          </a:lnRef>
+          <a:fillRef idx="0">
+            <a:schemeClr val="accent1"/>
+          </a:fillRef>
+          <a:effectRef idx="0">
+            <a:schemeClr val="accent1"/>
+          </a:effectRef>
+          <a:fontRef idx="minor">
+            <a:schemeClr val="tx1"/>
+          </a:fontRef>
+        </p:style>
+      </p:cxnSp>
+      <p:cxnSp>
+        <p:nvCxnSpPr>
+          <p:cNvPr id="1036" name="Connettore diritto 1035">
+            <a:extLst>
+              <a:ext uri="{FF2B5EF4-FFF2-40B4-BE49-F238E27FC236}">
+                <a16:creationId xmlns:a16="http://schemas.microsoft.com/office/drawing/2014/main" id="{2997BA25-478E-DB28-F2DE-D35CEAFF9AF8}"/>
+              </a:ext>
+            </a:extLst>
+          </p:cNvPr>
+          <p:cNvCxnSpPr>
+            <a:cxnSpLocks/>
+            <a:stCxn id="1024" idx="6"/>
+            <a:endCxn id="1025" idx="2"/>
+          </p:cNvCxnSpPr>
+          <p:nvPr/>
+        </p:nvCxnSpPr>
+        <p:spPr>
+          <a:xfrm flipV="1">
+            <a:off x="10717496" y="794468"/>
+            <a:ext cx="334109" cy="1193689"/>
+          </a:xfrm>
+          <a:prstGeom prst="line">
+            <a:avLst/>
+          </a:prstGeom>
+          <a:ln w="38100">
+            <a:solidFill>
+              <a:schemeClr val="tx1"/>
+            </a:solidFill>
+          </a:ln>
+        </p:spPr>
+        <p:style>
+          <a:lnRef idx="1">
+            <a:schemeClr val="accent1"/>
+          </a:lnRef>
+          <a:fillRef idx="0">
+            <a:schemeClr val="accent1"/>
+          </a:fillRef>
+          <a:effectRef idx="0">
+            <a:schemeClr val="accent1"/>
+          </a:effectRef>
+          <a:fontRef idx="minor">
+            <a:schemeClr val="tx1"/>
+          </a:fontRef>
+        </p:style>
+      </p:cxnSp>
+      <p:cxnSp>
+        <p:nvCxnSpPr>
+          <p:cNvPr id="1037" name="Connettore diritto 1036">
+            <a:extLst>
+              <a:ext uri="{FF2B5EF4-FFF2-40B4-BE49-F238E27FC236}">
+                <a16:creationId xmlns:a16="http://schemas.microsoft.com/office/drawing/2014/main" id="{4FFF326A-DFA5-E221-5D21-74ED4002E4F1}"/>
+              </a:ext>
+            </a:extLst>
+          </p:cNvPr>
+          <p:cNvCxnSpPr>
+            <a:cxnSpLocks/>
+            <a:stCxn id="1024" idx="6"/>
+            <a:endCxn id="1027" idx="2"/>
+          </p:cNvCxnSpPr>
+          <p:nvPr/>
+        </p:nvCxnSpPr>
+        <p:spPr>
+          <a:xfrm flipV="1">
+            <a:off x="10717496" y="1384485"/>
+            <a:ext cx="334109" cy="603672"/>
+          </a:xfrm>
+          <a:prstGeom prst="line">
+            <a:avLst/>
+          </a:prstGeom>
+          <a:ln w="38100">
+            <a:solidFill>
+              <a:schemeClr val="tx1"/>
+            </a:solidFill>
+          </a:ln>
+        </p:spPr>
+        <p:style>
+          <a:lnRef idx="1">
+            <a:schemeClr val="accent1"/>
+          </a:lnRef>
+          <a:fillRef idx="0">
+            <a:schemeClr val="accent1"/>
+          </a:fillRef>
+          <a:effectRef idx="0">
+            <a:schemeClr val="accent1"/>
+          </a:effectRef>
+          <a:fontRef idx="minor">
+            <a:schemeClr val="tx1"/>
+          </a:fontRef>
+        </p:style>
+      </p:cxnSp>
+      <p:cxnSp>
+        <p:nvCxnSpPr>
+          <p:cNvPr id="1038" name="Connettore diritto 1037">
+            <a:extLst>
+              <a:ext uri="{FF2B5EF4-FFF2-40B4-BE49-F238E27FC236}">
+                <a16:creationId xmlns:a16="http://schemas.microsoft.com/office/drawing/2014/main" id="{29FEA433-B415-613B-B414-5F78F2B53124}"/>
+              </a:ext>
+            </a:extLst>
+          </p:cNvPr>
+          <p:cNvCxnSpPr>
+            <a:cxnSpLocks/>
+            <a:stCxn id="1024" idx="6"/>
+            <a:endCxn id="1028" idx="2"/>
+          </p:cNvCxnSpPr>
+          <p:nvPr/>
+        </p:nvCxnSpPr>
+        <p:spPr>
+          <a:xfrm>
+            <a:off x="10717496" y="1988157"/>
+            <a:ext cx="334109" cy="0"/>
+          </a:xfrm>
+          <a:prstGeom prst="line">
+            <a:avLst/>
+          </a:prstGeom>
+          <a:ln w="38100">
+            <a:solidFill>
+              <a:schemeClr val="tx1"/>
+            </a:solidFill>
+          </a:ln>
+        </p:spPr>
+        <p:style>
+          <a:lnRef idx="1">
+            <a:schemeClr val="accent1"/>
+          </a:lnRef>
+          <a:fillRef idx="0">
+            <a:schemeClr val="accent1"/>
+          </a:fillRef>
+          <a:effectRef idx="0">
+            <a:schemeClr val="accent1"/>
+          </a:effectRef>
+          <a:fontRef idx="minor">
+            <a:schemeClr val="tx1"/>
+          </a:fontRef>
+        </p:style>
+      </p:cxnSp>
+      <p:cxnSp>
+        <p:nvCxnSpPr>
+          <p:cNvPr id="1039" name="Connettore diritto 1038">
+            <a:extLst>
+              <a:ext uri="{FF2B5EF4-FFF2-40B4-BE49-F238E27FC236}">
+                <a16:creationId xmlns:a16="http://schemas.microsoft.com/office/drawing/2014/main" id="{C356D18C-4819-7C54-0548-F354EA85E269}"/>
+              </a:ext>
+            </a:extLst>
+          </p:cNvPr>
+          <p:cNvCxnSpPr>
+            <a:cxnSpLocks/>
+            <a:stCxn id="1025" idx="6"/>
+            <a:endCxn id="1029" idx="2"/>
+          </p:cNvCxnSpPr>
+          <p:nvPr/>
+        </p:nvCxnSpPr>
+        <p:spPr>
+          <a:xfrm>
+            <a:off x="11473635" y="794468"/>
+            <a:ext cx="334109" cy="590016"/>
+          </a:xfrm>
+          <a:prstGeom prst="line">
+            <a:avLst/>
+          </a:prstGeom>
+          <a:ln w="38100">
+            <a:solidFill>
+              <a:schemeClr val="tx1"/>
+            </a:solidFill>
+          </a:ln>
+        </p:spPr>
+        <p:style>
+          <a:lnRef idx="1">
+            <a:schemeClr val="accent1"/>
+          </a:lnRef>
+          <a:fillRef idx="0">
+            <a:schemeClr val="accent1"/>
+          </a:fillRef>
+          <a:effectRef idx="0">
+            <a:schemeClr val="accent1"/>
+          </a:effectRef>
+          <a:fontRef idx="minor">
+            <a:schemeClr val="tx1"/>
+          </a:fontRef>
+        </p:style>
+      </p:cxnSp>
+      <p:cxnSp>
+        <p:nvCxnSpPr>
+          <p:cNvPr id="1040" name="Connettore diritto 1039">
+            <a:extLst>
+              <a:ext uri="{FF2B5EF4-FFF2-40B4-BE49-F238E27FC236}">
+                <a16:creationId xmlns:a16="http://schemas.microsoft.com/office/drawing/2014/main" id="{DB4D032A-DB80-4AF1-68FE-20FB9AE07764}"/>
+              </a:ext>
+            </a:extLst>
+          </p:cNvPr>
+          <p:cNvCxnSpPr>
+            <a:cxnSpLocks/>
+            <a:stCxn id="1027" idx="6"/>
+            <a:endCxn id="1029" idx="2"/>
+          </p:cNvCxnSpPr>
+          <p:nvPr/>
+        </p:nvCxnSpPr>
+        <p:spPr>
+          <a:xfrm flipV="1">
+            <a:off x="11473635" y="1384484"/>
+            <a:ext cx="334109" cy="1"/>
+          </a:xfrm>
+          <a:prstGeom prst="line">
+            <a:avLst/>
+          </a:prstGeom>
+          <a:ln w="38100">
+            <a:solidFill>
+              <a:schemeClr val="tx1"/>
+            </a:solidFill>
+          </a:ln>
+        </p:spPr>
+        <p:style>
+          <a:lnRef idx="1">
+            <a:schemeClr val="accent1"/>
+          </a:lnRef>
+          <a:fillRef idx="0">
+            <a:schemeClr val="accent1"/>
+          </a:fillRef>
+          <a:effectRef idx="0">
+            <a:schemeClr val="accent1"/>
+          </a:effectRef>
+          <a:fontRef idx="minor">
+            <a:schemeClr val="tx1"/>
+          </a:fontRef>
+        </p:style>
+      </p:cxnSp>
+      <p:cxnSp>
+        <p:nvCxnSpPr>
+          <p:cNvPr id="1041" name="Connettore diritto 1040">
+            <a:extLst>
+              <a:ext uri="{FF2B5EF4-FFF2-40B4-BE49-F238E27FC236}">
+                <a16:creationId xmlns:a16="http://schemas.microsoft.com/office/drawing/2014/main" id="{30BC7178-FAB0-48DB-F1E9-6375E4D05791}"/>
+              </a:ext>
+            </a:extLst>
+          </p:cNvPr>
+          <p:cNvCxnSpPr>
+            <a:cxnSpLocks/>
+            <a:stCxn id="1028" idx="6"/>
+            <a:endCxn id="1029" idx="2"/>
+          </p:cNvCxnSpPr>
+          <p:nvPr/>
+        </p:nvCxnSpPr>
+        <p:spPr>
+          <a:xfrm flipV="1">
+            <a:off x="11473635" y="1384484"/>
+            <a:ext cx="334109" cy="603673"/>
+          </a:xfrm>
+          <a:prstGeom prst="line">
+            <a:avLst/>
+          </a:prstGeom>
+          <a:ln w="38100">
+            <a:solidFill>
+              <a:schemeClr val="tx1"/>
+            </a:solidFill>
+          </a:ln>
+        </p:spPr>
+        <p:style>
+          <a:lnRef idx="1">
+            <a:schemeClr val="accent1"/>
+          </a:lnRef>
+          <a:fillRef idx="0">
+            <a:schemeClr val="accent1"/>
+          </a:fillRef>
+          <a:effectRef idx="0">
+            <a:schemeClr val="accent1"/>
+          </a:effectRef>
+          <a:fontRef idx="minor">
+            <a:schemeClr val="tx1"/>
+          </a:fontRef>
+        </p:style>
+      </p:cxnSp>
+      <p:sp>
+        <p:nvSpPr>
+          <p:cNvPr id="1042" name="CasellaDiTesto 1041">
+            <a:extLst>
+              <a:ext uri="{FF2B5EF4-FFF2-40B4-BE49-F238E27FC236}">
+                <a16:creationId xmlns:a16="http://schemas.microsoft.com/office/drawing/2014/main" id="{A659036D-89CE-818E-5221-07992AD56E2D}"/>
+              </a:ext>
+            </a:extLst>
+          </p:cNvPr>
+          <p:cNvSpPr txBox="1"/>
+          <p:nvPr/>
+        </p:nvSpPr>
+        <p:spPr>
+          <a:xfrm>
+            <a:off x="10196471" y="2339078"/>
+            <a:ext cx="1769533" cy="369332"/>
+          </a:xfrm>
+          <a:prstGeom prst="rect">
+            <a:avLst/>
+          </a:prstGeom>
+          <a:noFill/>
+        </p:spPr>
+        <p:txBody>
+          <a:bodyPr wrap="square" rtlCol="0">
+            <a:spAutoFit/>
+          </a:bodyPr>
+          <a:lstStyle/>
+          <a:p>
+            <a:r>
+              <a:rPr lang="en-US" dirty="0"/>
+              <a:t>Neural Network</a:t>
+            </a:r>
+          </a:p>
+        </p:txBody>
+      </p:sp>
+      <p:pic>
+        <p:nvPicPr>
+          <p:cNvPr id="1063" name="Picture 4" descr="Leukaemia">
+            <a:extLst>
+              <a:ext uri="{FF2B5EF4-FFF2-40B4-BE49-F238E27FC236}">
+                <a16:creationId xmlns:a16="http://schemas.microsoft.com/office/drawing/2014/main" id="{C1D39D72-363D-A63B-0377-A39A20FE8B3E}"/>
+              </a:ext>
+            </a:extLst>
+          </p:cNvPr>
+          <p:cNvPicPr>
+            <a:picLocks noChangeAspect="1" noChangeArrowheads="1"/>
+          </p:cNvPicPr>
+          <p:nvPr/>
+        </p:nvPicPr>
+        <p:blipFill>
+          <a:blip r:embed="rId4">
+            <a:extLst>
+              <a:ext uri="{28A0092B-C50C-407E-A947-70E740481C1C}">
+                <a14:useLocalDpi xmlns:a14="http://schemas.microsoft.com/office/drawing/2010/main" val="0"/>
+              </a:ext>
+            </a:extLst>
+          </a:blip>
+          <a:srcRect/>
+          <a:stretch>
+            <a:fillRect/>
+          </a:stretch>
+        </p:blipFill>
+        <p:spPr bwMode="auto">
+          <a:xfrm>
+            <a:off x="290145" y="3606520"/>
+            <a:ext cx="2261333" cy="1551001"/>
+          </a:xfrm>
+          <a:prstGeom prst="rect">
+            <a:avLst/>
+          </a:prstGeom>
+          <a:noFill/>
+          <a:extLst>
+            <a:ext uri="{909E8E84-426E-40DD-AFC4-6F175D3DCCD1}">
+              <a14:hiddenFill xmlns:a14="http://schemas.microsoft.com/office/drawing/2010/main">
+                <a:solidFill>
+                  <a:srgbClr val="FFFFFF"/>
+                </a:solidFill>
+              </a14:hiddenFill>
+            </a:ext>
+          </a:extLst>
+        </p:spPr>
+      </p:pic>
+      <p:sp>
+        <p:nvSpPr>
+          <p:cNvPr id="1064" name="Ovale 1063">
+            <a:extLst>
+              <a:ext uri="{FF2B5EF4-FFF2-40B4-BE49-F238E27FC236}">
+                <a16:creationId xmlns:a16="http://schemas.microsoft.com/office/drawing/2014/main" id="{32B0626B-A77F-C4D4-498B-9E1A608A6626}"/>
+              </a:ext>
+            </a:extLst>
+          </p:cNvPr>
+          <p:cNvSpPr/>
+          <p:nvPr/>
+        </p:nvSpPr>
+        <p:spPr>
+          <a:xfrm>
+            <a:off x="3227428" y="3420755"/>
+            <a:ext cx="422030" cy="422031"/>
+          </a:xfrm>
+          <a:prstGeom prst="ellipse">
+            <a:avLst/>
+          </a:prstGeom>
+        </p:spPr>
+        <p:style>
+          <a:lnRef idx="2">
+            <a:schemeClr val="accent1">
+              <a:shade val="15000"/>
+            </a:schemeClr>
+          </a:lnRef>
+          <a:fillRef idx="1">
+            <a:schemeClr val="accent1"/>
+          </a:fillRef>
+          <a:effectRef idx="0">
+            <a:schemeClr val="accent1"/>
+          </a:effectRef>
+          <a:fontRef idx="minor">
+            <a:schemeClr val="lt1"/>
+          </a:fontRef>
+        </p:style>
+        <p:txBody>
+          <a:bodyPr rtlCol="0" anchor="ctr"/>
+          <a:lstStyle/>
+          <a:p>
+            <a:pPr algn="ctr"/>
+            <a:endParaRPr lang="en-US"/>
+          </a:p>
+        </p:txBody>
+      </p:sp>
+      <p:sp>
+        <p:nvSpPr>
+          <p:cNvPr id="1065" name="Ovale 1064">
+            <a:extLst>
+              <a:ext uri="{FF2B5EF4-FFF2-40B4-BE49-F238E27FC236}">
+                <a16:creationId xmlns:a16="http://schemas.microsoft.com/office/drawing/2014/main" id="{A9ED6815-8AD6-DEF3-BF7D-793B8C76C9A1}"/>
+              </a:ext>
+            </a:extLst>
+          </p:cNvPr>
+          <p:cNvSpPr/>
+          <p:nvPr/>
+        </p:nvSpPr>
+        <p:spPr>
+          <a:xfrm>
+            <a:off x="3227428" y="4010772"/>
+            <a:ext cx="422030" cy="422031"/>
+          </a:xfrm>
+          <a:prstGeom prst="ellipse">
+            <a:avLst/>
+          </a:prstGeom>
+        </p:spPr>
+        <p:style>
+          <a:lnRef idx="2">
+            <a:schemeClr val="accent1">
+              <a:shade val="15000"/>
+            </a:schemeClr>
+          </a:lnRef>
+          <a:fillRef idx="1">
+            <a:schemeClr val="accent1"/>
+          </a:fillRef>
+          <a:effectRef idx="0">
+            <a:schemeClr val="accent1"/>
+          </a:effectRef>
+          <a:fontRef idx="minor">
+            <a:schemeClr val="lt1"/>
+          </a:fontRef>
+        </p:style>
+        <p:txBody>
+          <a:bodyPr rtlCol="0" anchor="ctr"/>
+          <a:lstStyle/>
+          <a:p>
+            <a:pPr algn="ctr"/>
+            <a:endParaRPr lang="en-US"/>
+          </a:p>
+        </p:txBody>
+      </p:sp>
+      <p:sp>
+        <p:nvSpPr>
+          <p:cNvPr id="1066" name="Ovale 1065">
+            <a:extLst>
+              <a:ext uri="{FF2B5EF4-FFF2-40B4-BE49-F238E27FC236}">
+                <a16:creationId xmlns:a16="http://schemas.microsoft.com/office/drawing/2014/main" id="{B3AB0A25-E3EC-28ED-EF48-C5C85391933B}"/>
+              </a:ext>
+            </a:extLst>
+          </p:cNvPr>
+          <p:cNvSpPr/>
+          <p:nvPr/>
+        </p:nvSpPr>
+        <p:spPr>
+          <a:xfrm>
+            <a:off x="3227428" y="4614444"/>
+            <a:ext cx="422030" cy="422031"/>
+          </a:xfrm>
+          <a:prstGeom prst="ellipse">
+            <a:avLst/>
+          </a:prstGeom>
+        </p:spPr>
+        <p:style>
+          <a:lnRef idx="2">
+            <a:schemeClr val="accent1">
+              <a:shade val="15000"/>
+            </a:schemeClr>
+          </a:lnRef>
+          <a:fillRef idx="1">
+            <a:schemeClr val="accent1"/>
+          </a:fillRef>
+          <a:effectRef idx="0">
+            <a:schemeClr val="accent1"/>
+          </a:effectRef>
+          <a:fontRef idx="minor">
+            <a:schemeClr val="lt1"/>
+          </a:fontRef>
+        </p:style>
+        <p:txBody>
+          <a:bodyPr rtlCol="0" anchor="ctr"/>
+          <a:lstStyle/>
+          <a:p>
+            <a:pPr algn="ctr"/>
+            <a:endParaRPr lang="en-US"/>
+          </a:p>
+        </p:txBody>
+      </p:sp>
+      <p:sp>
+        <p:nvSpPr>
+          <p:cNvPr id="1067" name="Ovale 1066">
+            <a:extLst>
+              <a:ext uri="{FF2B5EF4-FFF2-40B4-BE49-F238E27FC236}">
+                <a16:creationId xmlns:a16="http://schemas.microsoft.com/office/drawing/2014/main" id="{7E62876B-05AD-E5FE-B2BF-7510C033A01F}"/>
+              </a:ext>
+            </a:extLst>
+          </p:cNvPr>
+          <p:cNvSpPr/>
+          <p:nvPr/>
+        </p:nvSpPr>
+        <p:spPr>
+          <a:xfrm>
+            <a:off x="3983567" y="3420755"/>
+            <a:ext cx="422030" cy="422031"/>
+          </a:xfrm>
+          <a:prstGeom prst="ellipse">
+            <a:avLst/>
+          </a:prstGeom>
+        </p:spPr>
+        <p:style>
+          <a:lnRef idx="2">
+            <a:schemeClr val="accent1">
+              <a:shade val="15000"/>
+            </a:schemeClr>
+          </a:lnRef>
+          <a:fillRef idx="1">
+            <a:schemeClr val="accent1"/>
+          </a:fillRef>
+          <a:effectRef idx="0">
+            <a:schemeClr val="accent1"/>
+          </a:effectRef>
+          <a:fontRef idx="minor">
+            <a:schemeClr val="lt1"/>
+          </a:fontRef>
+        </p:style>
+        <p:txBody>
+          <a:bodyPr rtlCol="0" anchor="ctr"/>
+          <a:lstStyle/>
+          <a:p>
+            <a:pPr algn="ctr"/>
+            <a:endParaRPr lang="en-US"/>
+          </a:p>
+        </p:txBody>
+      </p:sp>
+      <p:sp>
+        <p:nvSpPr>
+          <p:cNvPr id="1068" name="Ovale 1067">
+            <a:extLst>
+              <a:ext uri="{FF2B5EF4-FFF2-40B4-BE49-F238E27FC236}">
+                <a16:creationId xmlns:a16="http://schemas.microsoft.com/office/drawing/2014/main" id="{40128F36-F62F-7869-2ED3-DE8D8A0F22BD}"/>
+              </a:ext>
+            </a:extLst>
+          </p:cNvPr>
+          <p:cNvSpPr/>
+          <p:nvPr/>
+        </p:nvSpPr>
+        <p:spPr>
+          <a:xfrm>
+            <a:off x="3983567" y="4010772"/>
+            <a:ext cx="422030" cy="422031"/>
+          </a:xfrm>
+          <a:prstGeom prst="ellipse">
+            <a:avLst/>
+          </a:prstGeom>
+        </p:spPr>
+        <p:style>
+          <a:lnRef idx="2">
+            <a:schemeClr val="accent1">
+              <a:shade val="15000"/>
+            </a:schemeClr>
+          </a:lnRef>
+          <a:fillRef idx="1">
+            <a:schemeClr val="accent1"/>
+          </a:fillRef>
+          <a:effectRef idx="0">
+            <a:schemeClr val="accent1"/>
+          </a:effectRef>
+          <a:fontRef idx="minor">
+            <a:schemeClr val="lt1"/>
+          </a:fontRef>
+        </p:style>
+        <p:txBody>
+          <a:bodyPr rtlCol="0" anchor="ctr"/>
+          <a:lstStyle/>
+          <a:p>
+            <a:pPr algn="ctr"/>
+            <a:endParaRPr lang="en-US"/>
+          </a:p>
+        </p:txBody>
+      </p:sp>
+      <p:sp>
+        <p:nvSpPr>
+          <p:cNvPr id="1069" name="Ovale 1068">
+            <a:extLst>
+              <a:ext uri="{FF2B5EF4-FFF2-40B4-BE49-F238E27FC236}">
+                <a16:creationId xmlns:a16="http://schemas.microsoft.com/office/drawing/2014/main" id="{EC776F53-399D-D03A-7849-018313FB690A}"/>
+              </a:ext>
+            </a:extLst>
+          </p:cNvPr>
+          <p:cNvSpPr/>
+          <p:nvPr/>
+        </p:nvSpPr>
+        <p:spPr>
+          <a:xfrm>
+            <a:off x="3983567" y="4614444"/>
+            <a:ext cx="422030" cy="422031"/>
+          </a:xfrm>
+          <a:prstGeom prst="ellipse">
+            <a:avLst/>
+          </a:prstGeom>
+        </p:spPr>
+        <p:style>
+          <a:lnRef idx="2">
+            <a:schemeClr val="accent1">
+              <a:shade val="15000"/>
+            </a:schemeClr>
+          </a:lnRef>
+          <a:fillRef idx="1">
+            <a:schemeClr val="accent1"/>
+          </a:fillRef>
+          <a:effectRef idx="0">
+            <a:schemeClr val="accent1"/>
+          </a:effectRef>
+          <a:fontRef idx="minor">
+            <a:schemeClr val="lt1"/>
+          </a:fontRef>
+        </p:style>
+        <p:txBody>
+          <a:bodyPr rtlCol="0" anchor="ctr"/>
+          <a:lstStyle/>
+          <a:p>
+            <a:pPr algn="ctr"/>
+            <a:endParaRPr lang="en-US"/>
+          </a:p>
+        </p:txBody>
+      </p:sp>
+      <p:sp>
+        <p:nvSpPr>
+          <p:cNvPr id="1070" name="Ovale 1069">
+            <a:extLst>
+              <a:ext uri="{FF2B5EF4-FFF2-40B4-BE49-F238E27FC236}">
+                <a16:creationId xmlns:a16="http://schemas.microsoft.com/office/drawing/2014/main" id="{2006A0EB-AE67-6670-93C6-82B076009D9D}"/>
+              </a:ext>
+            </a:extLst>
+          </p:cNvPr>
+          <p:cNvSpPr/>
+          <p:nvPr/>
+        </p:nvSpPr>
+        <p:spPr>
+          <a:xfrm>
+            <a:off x="4739706" y="4010771"/>
+            <a:ext cx="422030" cy="422031"/>
+          </a:xfrm>
+          <a:prstGeom prst="ellipse">
+            <a:avLst/>
+          </a:prstGeom>
+        </p:spPr>
+        <p:style>
+          <a:lnRef idx="2">
+            <a:schemeClr val="accent1">
+              <a:shade val="15000"/>
+            </a:schemeClr>
+          </a:lnRef>
+          <a:fillRef idx="1">
+            <a:schemeClr val="accent1"/>
+          </a:fillRef>
+          <a:effectRef idx="0">
+            <a:schemeClr val="accent1"/>
+          </a:effectRef>
+          <a:fontRef idx="minor">
+            <a:schemeClr val="lt1"/>
+          </a:fontRef>
+        </p:style>
+        <p:txBody>
+          <a:bodyPr rtlCol="0" anchor="ctr"/>
+          <a:lstStyle/>
+          <a:p>
+            <a:pPr algn="ctr"/>
+            <a:endParaRPr lang="en-US"/>
+          </a:p>
+        </p:txBody>
+      </p:sp>
+      <p:cxnSp>
+        <p:nvCxnSpPr>
+          <p:cNvPr id="1071" name="Connettore diritto 1070">
+            <a:extLst>
+              <a:ext uri="{FF2B5EF4-FFF2-40B4-BE49-F238E27FC236}">
+                <a16:creationId xmlns:a16="http://schemas.microsoft.com/office/drawing/2014/main" id="{0A83E29D-2BAE-E6EC-D4E1-7D09D32EB7F5}"/>
+              </a:ext>
+            </a:extLst>
+          </p:cNvPr>
+          <p:cNvCxnSpPr>
+            <a:stCxn id="1064" idx="6"/>
+            <a:endCxn id="1067" idx="2"/>
+          </p:cNvCxnSpPr>
+          <p:nvPr/>
+        </p:nvCxnSpPr>
+        <p:spPr>
+          <a:xfrm>
+            <a:off x="3649458" y="3631771"/>
+            <a:ext cx="334109" cy="0"/>
+          </a:xfrm>
+          <a:prstGeom prst="line">
+            <a:avLst/>
+          </a:prstGeom>
+          <a:ln w="38100">
+            <a:solidFill>
+              <a:schemeClr val="tx1"/>
+            </a:solidFill>
+          </a:ln>
+        </p:spPr>
+        <p:style>
+          <a:lnRef idx="1">
+            <a:schemeClr val="accent1"/>
+          </a:lnRef>
+          <a:fillRef idx="0">
+            <a:schemeClr val="accent1"/>
+          </a:fillRef>
+          <a:effectRef idx="0">
+            <a:schemeClr val="accent1"/>
+          </a:effectRef>
+          <a:fontRef idx="minor">
+            <a:schemeClr val="tx1"/>
+          </a:fontRef>
+        </p:style>
+      </p:cxnSp>
+      <p:cxnSp>
+        <p:nvCxnSpPr>
+          <p:cNvPr id="1072" name="Connettore diritto 1071">
+            <a:extLst>
+              <a:ext uri="{FF2B5EF4-FFF2-40B4-BE49-F238E27FC236}">
+                <a16:creationId xmlns:a16="http://schemas.microsoft.com/office/drawing/2014/main" id="{FFCE0411-C97D-1C51-3930-8858D9E23EDD}"/>
+              </a:ext>
+            </a:extLst>
+          </p:cNvPr>
+          <p:cNvCxnSpPr>
+            <a:cxnSpLocks/>
+            <a:stCxn id="1065" idx="6"/>
+            <a:endCxn id="1067" idx="2"/>
+          </p:cNvCxnSpPr>
+          <p:nvPr/>
+        </p:nvCxnSpPr>
+        <p:spPr>
+          <a:xfrm flipV="1">
+            <a:off x="3649458" y="3631771"/>
+            <a:ext cx="334109" cy="590017"/>
+          </a:xfrm>
+          <a:prstGeom prst="line">
+            <a:avLst/>
+          </a:prstGeom>
+          <a:ln w="38100">
+            <a:solidFill>
+              <a:schemeClr val="tx1"/>
+            </a:solidFill>
+          </a:ln>
+        </p:spPr>
+        <p:style>
+          <a:lnRef idx="1">
+            <a:schemeClr val="accent1"/>
+          </a:lnRef>
+          <a:fillRef idx="0">
+            <a:schemeClr val="accent1"/>
+          </a:fillRef>
+          <a:effectRef idx="0">
+            <a:schemeClr val="accent1"/>
+          </a:effectRef>
+          <a:fontRef idx="minor">
+            <a:schemeClr val="tx1"/>
+          </a:fontRef>
+        </p:style>
+      </p:cxnSp>
+      <p:cxnSp>
+        <p:nvCxnSpPr>
+          <p:cNvPr id="1073" name="Connettore diritto 1072">
+            <a:extLst>
+              <a:ext uri="{FF2B5EF4-FFF2-40B4-BE49-F238E27FC236}">
+                <a16:creationId xmlns:a16="http://schemas.microsoft.com/office/drawing/2014/main" id="{8A13B619-FD73-181F-5151-873719123ED3}"/>
+              </a:ext>
+            </a:extLst>
+          </p:cNvPr>
+          <p:cNvCxnSpPr>
+            <a:cxnSpLocks/>
+            <a:stCxn id="1064" idx="6"/>
+            <a:endCxn id="1068" idx="2"/>
+          </p:cNvCxnSpPr>
+          <p:nvPr/>
+        </p:nvCxnSpPr>
+        <p:spPr>
+          <a:xfrm>
+            <a:off x="3649458" y="3631771"/>
+            <a:ext cx="334109" cy="590017"/>
+          </a:xfrm>
+          <a:prstGeom prst="line">
+            <a:avLst/>
+          </a:prstGeom>
+          <a:ln w="38100">
+            <a:solidFill>
+              <a:schemeClr val="tx1"/>
+            </a:solidFill>
+          </a:ln>
+        </p:spPr>
+        <p:style>
+          <a:lnRef idx="1">
+            <a:schemeClr val="accent1"/>
+          </a:lnRef>
+          <a:fillRef idx="0">
+            <a:schemeClr val="accent1"/>
+          </a:fillRef>
+          <a:effectRef idx="0">
+            <a:schemeClr val="accent1"/>
+          </a:effectRef>
+          <a:fontRef idx="minor">
+            <a:schemeClr val="tx1"/>
+          </a:fontRef>
+        </p:style>
+      </p:cxnSp>
+      <p:cxnSp>
+        <p:nvCxnSpPr>
+          <p:cNvPr id="1074" name="Connettore diritto 1073">
+            <a:extLst>
+              <a:ext uri="{FF2B5EF4-FFF2-40B4-BE49-F238E27FC236}">
+                <a16:creationId xmlns:a16="http://schemas.microsoft.com/office/drawing/2014/main" id="{56C433B8-106F-D1C7-9D22-14A6EC4D2DD3}"/>
+              </a:ext>
+            </a:extLst>
+          </p:cNvPr>
+          <p:cNvCxnSpPr>
+            <a:cxnSpLocks/>
+            <a:stCxn id="1065" idx="6"/>
+            <a:endCxn id="1068" idx="2"/>
+          </p:cNvCxnSpPr>
+          <p:nvPr/>
+        </p:nvCxnSpPr>
+        <p:spPr>
+          <a:xfrm>
+            <a:off x="3649458" y="4221788"/>
+            <a:ext cx="334109" cy="0"/>
+          </a:xfrm>
+          <a:prstGeom prst="line">
+            <a:avLst/>
+          </a:prstGeom>
+          <a:ln w="38100">
+            <a:solidFill>
+              <a:schemeClr val="tx1"/>
+            </a:solidFill>
+          </a:ln>
+        </p:spPr>
+        <p:style>
+          <a:lnRef idx="1">
+            <a:schemeClr val="accent1"/>
+          </a:lnRef>
+          <a:fillRef idx="0">
+            <a:schemeClr val="accent1"/>
+          </a:fillRef>
+          <a:effectRef idx="0">
+            <a:schemeClr val="accent1"/>
+          </a:effectRef>
+          <a:fontRef idx="minor">
+            <a:schemeClr val="tx1"/>
+          </a:fontRef>
+        </p:style>
+      </p:cxnSp>
+      <p:cxnSp>
+        <p:nvCxnSpPr>
+          <p:cNvPr id="1075" name="Connettore diritto 1074">
+            <a:extLst>
+              <a:ext uri="{FF2B5EF4-FFF2-40B4-BE49-F238E27FC236}">
+                <a16:creationId xmlns:a16="http://schemas.microsoft.com/office/drawing/2014/main" id="{19F8CA23-4BB8-1922-192E-C9F78C222C66}"/>
+              </a:ext>
+            </a:extLst>
+          </p:cNvPr>
+          <p:cNvCxnSpPr>
+            <a:cxnSpLocks/>
+            <a:stCxn id="1064" idx="6"/>
+            <a:endCxn id="1069" idx="2"/>
+          </p:cNvCxnSpPr>
+          <p:nvPr/>
+        </p:nvCxnSpPr>
+        <p:spPr>
+          <a:xfrm>
+            <a:off x="3649458" y="3631771"/>
+            <a:ext cx="334109" cy="1193689"/>
+          </a:xfrm>
+          <a:prstGeom prst="line">
+            <a:avLst/>
+          </a:prstGeom>
+          <a:ln w="38100">
+            <a:solidFill>
+              <a:schemeClr val="tx1"/>
+            </a:solidFill>
+          </a:ln>
+        </p:spPr>
+        <p:style>
+          <a:lnRef idx="1">
+            <a:schemeClr val="accent1"/>
+          </a:lnRef>
+          <a:fillRef idx="0">
+            <a:schemeClr val="accent1"/>
+          </a:fillRef>
+          <a:effectRef idx="0">
+            <a:schemeClr val="accent1"/>
+          </a:effectRef>
+          <a:fontRef idx="minor">
+            <a:schemeClr val="tx1"/>
+          </a:fontRef>
+        </p:style>
+      </p:cxnSp>
+      <p:cxnSp>
+        <p:nvCxnSpPr>
+          <p:cNvPr id="1076" name="Connettore diritto 1075">
+            <a:extLst>
+              <a:ext uri="{FF2B5EF4-FFF2-40B4-BE49-F238E27FC236}">
+                <a16:creationId xmlns:a16="http://schemas.microsoft.com/office/drawing/2014/main" id="{1B3B58DB-E68A-2C26-3EE0-943AE36E4220}"/>
+              </a:ext>
+            </a:extLst>
+          </p:cNvPr>
+          <p:cNvCxnSpPr>
+            <a:cxnSpLocks/>
+            <a:stCxn id="1065" idx="6"/>
+            <a:endCxn id="1069" idx="2"/>
+          </p:cNvCxnSpPr>
+          <p:nvPr/>
+        </p:nvCxnSpPr>
+        <p:spPr>
+          <a:xfrm>
+            <a:off x="3649458" y="4221788"/>
+            <a:ext cx="334109" cy="603672"/>
+          </a:xfrm>
+          <a:prstGeom prst="line">
+            <a:avLst/>
+          </a:prstGeom>
+          <a:ln w="38100">
+            <a:solidFill>
+              <a:schemeClr val="tx1"/>
+            </a:solidFill>
+          </a:ln>
+        </p:spPr>
+        <p:style>
+          <a:lnRef idx="1">
+            <a:schemeClr val="accent1"/>
+          </a:lnRef>
+          <a:fillRef idx="0">
+            <a:schemeClr val="accent1"/>
+          </a:fillRef>
+          <a:effectRef idx="0">
+            <a:schemeClr val="accent1"/>
+          </a:effectRef>
+          <a:fontRef idx="minor">
+            <a:schemeClr val="tx1"/>
+          </a:fontRef>
+        </p:style>
+      </p:cxnSp>
+      <p:cxnSp>
+        <p:nvCxnSpPr>
+          <p:cNvPr id="1077" name="Connettore diritto 1076">
+            <a:extLst>
+              <a:ext uri="{FF2B5EF4-FFF2-40B4-BE49-F238E27FC236}">
+                <a16:creationId xmlns:a16="http://schemas.microsoft.com/office/drawing/2014/main" id="{77C6EA6D-DE98-5ECC-38D4-1FA11B9C4423}"/>
+              </a:ext>
+            </a:extLst>
+          </p:cNvPr>
+          <p:cNvCxnSpPr>
+            <a:cxnSpLocks/>
+            <a:stCxn id="1066" idx="6"/>
+            <a:endCxn id="1067" idx="2"/>
+          </p:cNvCxnSpPr>
+          <p:nvPr/>
+        </p:nvCxnSpPr>
+        <p:spPr>
+          <a:xfrm flipV="1">
+            <a:off x="3649458" y="3631771"/>
+            <a:ext cx="334109" cy="1193689"/>
+          </a:xfrm>
+          <a:prstGeom prst="line">
+            <a:avLst/>
+          </a:prstGeom>
+          <a:ln w="38100">
+            <a:solidFill>
+              <a:schemeClr val="tx1"/>
+            </a:solidFill>
+          </a:ln>
+        </p:spPr>
+        <p:style>
+          <a:lnRef idx="1">
+            <a:schemeClr val="accent1"/>
+          </a:lnRef>
+          <a:fillRef idx="0">
+            <a:schemeClr val="accent1"/>
+          </a:fillRef>
+          <a:effectRef idx="0">
+            <a:schemeClr val="accent1"/>
+          </a:effectRef>
+          <a:fontRef idx="minor">
+            <a:schemeClr val="tx1"/>
+          </a:fontRef>
+        </p:style>
+      </p:cxnSp>
+      <p:cxnSp>
+        <p:nvCxnSpPr>
+          <p:cNvPr id="1078" name="Connettore diritto 1077">
+            <a:extLst>
+              <a:ext uri="{FF2B5EF4-FFF2-40B4-BE49-F238E27FC236}">
+                <a16:creationId xmlns:a16="http://schemas.microsoft.com/office/drawing/2014/main" id="{4DE8B85F-DC57-7215-6D13-DF75B3FA3BE6}"/>
+              </a:ext>
+            </a:extLst>
+          </p:cNvPr>
+          <p:cNvCxnSpPr>
+            <a:cxnSpLocks/>
+            <a:stCxn id="1066" idx="6"/>
+            <a:endCxn id="1068" idx="2"/>
+          </p:cNvCxnSpPr>
+          <p:nvPr/>
+        </p:nvCxnSpPr>
+        <p:spPr>
+          <a:xfrm flipV="1">
+            <a:off x="3649458" y="4221788"/>
+            <a:ext cx="334109" cy="603672"/>
+          </a:xfrm>
+          <a:prstGeom prst="line">
+            <a:avLst/>
+          </a:prstGeom>
+          <a:ln w="38100">
+            <a:solidFill>
+              <a:schemeClr val="tx1"/>
+            </a:solidFill>
+          </a:ln>
+        </p:spPr>
+        <p:style>
+          <a:lnRef idx="1">
+            <a:schemeClr val="accent1"/>
+          </a:lnRef>
+          <a:fillRef idx="0">
+            <a:schemeClr val="accent1"/>
+          </a:fillRef>
+          <a:effectRef idx="0">
+            <a:schemeClr val="accent1"/>
+          </a:effectRef>
+          <a:fontRef idx="minor">
+            <a:schemeClr val="tx1"/>
+          </a:fontRef>
+        </p:style>
+      </p:cxnSp>
+      <p:cxnSp>
+        <p:nvCxnSpPr>
+          <p:cNvPr id="1079" name="Connettore diritto 1078">
+            <a:extLst>
+              <a:ext uri="{FF2B5EF4-FFF2-40B4-BE49-F238E27FC236}">
+                <a16:creationId xmlns:a16="http://schemas.microsoft.com/office/drawing/2014/main" id="{BAE19A60-21EC-592D-5FF1-36798E78965E}"/>
+              </a:ext>
+            </a:extLst>
+          </p:cNvPr>
+          <p:cNvCxnSpPr>
+            <a:cxnSpLocks/>
+            <a:stCxn id="1066" idx="6"/>
+            <a:endCxn id="1069" idx="2"/>
+          </p:cNvCxnSpPr>
+          <p:nvPr/>
+        </p:nvCxnSpPr>
+        <p:spPr>
+          <a:xfrm>
+            <a:off x="3649458" y="4825460"/>
+            <a:ext cx="334109" cy="0"/>
+          </a:xfrm>
+          <a:prstGeom prst="line">
+            <a:avLst/>
+          </a:prstGeom>
+          <a:ln w="38100">
+            <a:solidFill>
+              <a:schemeClr val="tx1"/>
+            </a:solidFill>
+          </a:ln>
+        </p:spPr>
+        <p:style>
+          <a:lnRef idx="1">
+            <a:schemeClr val="accent1"/>
+          </a:lnRef>
+          <a:fillRef idx="0">
+            <a:schemeClr val="accent1"/>
+          </a:fillRef>
+          <a:effectRef idx="0">
+            <a:schemeClr val="accent1"/>
+          </a:effectRef>
+          <a:fontRef idx="minor">
+            <a:schemeClr val="tx1"/>
+          </a:fontRef>
+        </p:style>
+      </p:cxnSp>
+      <p:cxnSp>
+        <p:nvCxnSpPr>
+          <p:cNvPr id="1080" name="Connettore diritto 1079">
+            <a:extLst>
+              <a:ext uri="{FF2B5EF4-FFF2-40B4-BE49-F238E27FC236}">
+                <a16:creationId xmlns:a16="http://schemas.microsoft.com/office/drawing/2014/main" id="{417637DB-E92D-7C19-1B1B-F7A703F3038A}"/>
+              </a:ext>
+            </a:extLst>
+          </p:cNvPr>
+          <p:cNvCxnSpPr>
+            <a:cxnSpLocks/>
+            <a:stCxn id="1067" idx="6"/>
+            <a:endCxn id="1070" idx="2"/>
+          </p:cNvCxnSpPr>
+          <p:nvPr/>
+        </p:nvCxnSpPr>
+        <p:spPr>
+          <a:xfrm>
+            <a:off x="4405597" y="3631771"/>
+            <a:ext cx="334109" cy="590016"/>
+          </a:xfrm>
+          <a:prstGeom prst="line">
+            <a:avLst/>
+          </a:prstGeom>
+          <a:ln w="38100">
+            <a:solidFill>
+              <a:schemeClr val="tx1"/>
+            </a:solidFill>
+          </a:ln>
+        </p:spPr>
+        <p:style>
+          <a:lnRef idx="1">
+            <a:schemeClr val="accent1"/>
+          </a:lnRef>
+          <a:fillRef idx="0">
+            <a:schemeClr val="accent1"/>
+          </a:fillRef>
+          <a:effectRef idx="0">
+            <a:schemeClr val="accent1"/>
+          </a:effectRef>
+          <a:fontRef idx="minor">
+            <a:schemeClr val="tx1"/>
+          </a:fontRef>
+        </p:style>
+      </p:cxnSp>
+      <p:cxnSp>
+        <p:nvCxnSpPr>
+          <p:cNvPr id="1081" name="Connettore diritto 1080">
+            <a:extLst>
+              <a:ext uri="{FF2B5EF4-FFF2-40B4-BE49-F238E27FC236}">
+                <a16:creationId xmlns:a16="http://schemas.microsoft.com/office/drawing/2014/main" id="{CC9EF067-6D58-6CFC-18E8-AEBFE2ED2F16}"/>
+              </a:ext>
+            </a:extLst>
+          </p:cNvPr>
+          <p:cNvCxnSpPr>
+            <a:cxnSpLocks/>
+            <a:stCxn id="1068" idx="6"/>
+            <a:endCxn id="1070" idx="2"/>
+          </p:cNvCxnSpPr>
+          <p:nvPr/>
+        </p:nvCxnSpPr>
+        <p:spPr>
+          <a:xfrm flipV="1">
+            <a:off x="4405597" y="4221787"/>
+            <a:ext cx="334109" cy="1"/>
+          </a:xfrm>
+          <a:prstGeom prst="line">
+            <a:avLst/>
+          </a:prstGeom>
+          <a:ln w="38100">
+            <a:solidFill>
+              <a:schemeClr val="tx1"/>
+            </a:solidFill>
+          </a:ln>
+        </p:spPr>
+        <p:style>
+          <a:lnRef idx="1">
+            <a:schemeClr val="accent1"/>
+          </a:lnRef>
+          <a:fillRef idx="0">
+            <a:schemeClr val="accent1"/>
+          </a:fillRef>
+          <a:effectRef idx="0">
+            <a:schemeClr val="accent1"/>
+          </a:effectRef>
+          <a:fontRef idx="minor">
+            <a:schemeClr val="tx1"/>
+          </a:fontRef>
+        </p:style>
+      </p:cxnSp>
+      <p:cxnSp>
+        <p:nvCxnSpPr>
+          <p:cNvPr id="1082" name="Connettore diritto 1081">
+            <a:extLst>
+              <a:ext uri="{FF2B5EF4-FFF2-40B4-BE49-F238E27FC236}">
+                <a16:creationId xmlns:a16="http://schemas.microsoft.com/office/drawing/2014/main" id="{645C8350-279A-B98B-758C-258EDE7D5899}"/>
+              </a:ext>
+            </a:extLst>
+          </p:cNvPr>
+          <p:cNvCxnSpPr>
+            <a:cxnSpLocks/>
+            <a:stCxn id="1069" idx="6"/>
+            <a:endCxn id="1070" idx="2"/>
+          </p:cNvCxnSpPr>
+          <p:nvPr/>
+        </p:nvCxnSpPr>
+        <p:spPr>
+          <a:xfrm flipV="1">
+            <a:off x="4405597" y="4221787"/>
+            <a:ext cx="334109" cy="603673"/>
+          </a:xfrm>
+          <a:prstGeom prst="line">
+            <a:avLst/>
+          </a:prstGeom>
+          <a:ln w="38100">
+            <a:solidFill>
+              <a:schemeClr val="tx1"/>
+            </a:solidFill>
+          </a:ln>
+        </p:spPr>
+        <p:style>
+          <a:lnRef idx="1">
+            <a:schemeClr val="accent1"/>
+          </a:lnRef>
+          <a:fillRef idx="0">
+            <a:schemeClr val="accent1"/>
+          </a:fillRef>
+          <a:effectRef idx="0">
+            <a:schemeClr val="accent1"/>
+          </a:effectRef>
+          <a:fontRef idx="minor">
+            <a:schemeClr val="tx1"/>
+          </a:fontRef>
+        </p:style>
+      </p:cxnSp>
+      <p:sp>
+        <p:nvSpPr>
+          <p:cNvPr id="1083" name="CasellaDiTesto 1082">
+            <a:extLst>
+              <a:ext uri="{FF2B5EF4-FFF2-40B4-BE49-F238E27FC236}">
+                <a16:creationId xmlns:a16="http://schemas.microsoft.com/office/drawing/2014/main" id="{2DFA0AF4-03C3-CE4A-F30A-130E94703A31}"/>
+              </a:ext>
+            </a:extLst>
+          </p:cNvPr>
+          <p:cNvSpPr txBox="1"/>
+          <p:nvPr/>
+        </p:nvSpPr>
+        <p:spPr>
+          <a:xfrm>
+            <a:off x="3128433" y="5176381"/>
+            <a:ext cx="1769533" cy="369332"/>
+          </a:xfrm>
+          <a:prstGeom prst="rect">
+            <a:avLst/>
+          </a:prstGeom>
+          <a:noFill/>
+        </p:spPr>
+        <p:txBody>
+          <a:bodyPr wrap="square" rtlCol="0">
+            <a:spAutoFit/>
+          </a:bodyPr>
+          <a:lstStyle/>
+          <a:p>
+            <a:r>
+              <a:rPr lang="en-US" dirty="0"/>
+              <a:t>Neural Network</a:t>
+            </a:r>
+          </a:p>
+        </p:txBody>
+      </p:sp>
+      <p:pic>
+        <p:nvPicPr>
+          <p:cNvPr id="1084" name="Picture 4" descr="Leukaemia">
+            <a:extLst>
+              <a:ext uri="{FF2B5EF4-FFF2-40B4-BE49-F238E27FC236}">
+                <a16:creationId xmlns:a16="http://schemas.microsoft.com/office/drawing/2014/main" id="{077FEA12-4188-E24F-CB27-7F3FF6918D2C}"/>
+              </a:ext>
+            </a:extLst>
+          </p:cNvPr>
+          <p:cNvPicPr>
+            <a:picLocks noChangeAspect="1" noChangeArrowheads="1"/>
+          </p:cNvPicPr>
+          <p:nvPr/>
+        </p:nvPicPr>
+        <p:blipFill>
+          <a:blip r:embed="rId4">
+            <a:extLst>
+              <a:ext uri="{28A0092B-C50C-407E-A947-70E740481C1C}">
+                <a14:useLocalDpi xmlns:a14="http://schemas.microsoft.com/office/drawing/2010/main" val="0"/>
+              </a:ext>
+            </a:extLst>
+          </a:blip>
+          <a:srcRect/>
+          <a:stretch>
+            <a:fillRect/>
+          </a:stretch>
+        </p:blipFill>
+        <p:spPr bwMode="auto">
+          <a:xfrm>
+            <a:off x="5293269" y="3495357"/>
+            <a:ext cx="2261333" cy="1551001"/>
+          </a:xfrm>
+          <a:prstGeom prst="rect">
+            <a:avLst/>
+          </a:prstGeom>
+          <a:noFill/>
+          <a:extLst>
+            <a:ext uri="{909E8E84-426E-40DD-AFC4-6F175D3DCCD1}">
+              <a14:hiddenFill xmlns:a14="http://schemas.microsoft.com/office/drawing/2010/main">
+                <a:solidFill>
+                  <a:srgbClr val="FFFFFF"/>
+                </a:solidFill>
+              </a14:hiddenFill>
+            </a:ext>
+          </a:extLst>
+        </p:spPr>
+      </p:pic>
+      <p:sp>
+        <p:nvSpPr>
+          <p:cNvPr id="1085" name="Cornice 1084">
+            <a:extLst>
+              <a:ext uri="{FF2B5EF4-FFF2-40B4-BE49-F238E27FC236}">
+                <a16:creationId xmlns:a16="http://schemas.microsoft.com/office/drawing/2014/main" id="{307750BC-DD1B-9044-EA37-80FEF5EBCA0B}"/>
+              </a:ext>
+            </a:extLst>
+          </p:cNvPr>
+          <p:cNvSpPr/>
+          <p:nvPr/>
+        </p:nvSpPr>
+        <p:spPr>
+          <a:xfrm>
+            <a:off x="5293269" y="3375319"/>
+            <a:ext cx="450036" cy="523954"/>
+          </a:xfrm>
+          <a:prstGeom prst="frame">
+            <a:avLst/>
+          </a:prstGeom>
+          <a:solidFill>
+            <a:srgbClr val="FF0000"/>
+          </a:solidFill>
+        </p:spPr>
+        <p:style>
+          <a:lnRef idx="2">
+            <a:schemeClr val="accent1">
+              <a:shade val="15000"/>
+            </a:schemeClr>
+          </a:lnRef>
+          <a:fillRef idx="1">
+            <a:schemeClr val="accent1"/>
+          </a:fillRef>
+          <a:effectRef idx="0">
+            <a:schemeClr val="accent1"/>
+          </a:effectRef>
+          <a:fontRef idx="minor">
+            <a:schemeClr val="lt1"/>
+          </a:fontRef>
+        </p:style>
+        <p:txBody>
+          <a:bodyPr rtlCol="0" anchor="ctr"/>
+          <a:lstStyle/>
+          <a:p>
+            <a:pPr algn="ctr"/>
+            <a:endParaRPr lang="en-US">
+              <a:solidFill>
+                <a:schemeClr val="tx1"/>
+              </a:solidFill>
+            </a:endParaRPr>
+          </a:p>
+        </p:txBody>
+      </p:sp>
+      <p:sp>
+        <p:nvSpPr>
+          <p:cNvPr id="1087" name="Cornice 1086">
+            <a:extLst>
+              <a:ext uri="{FF2B5EF4-FFF2-40B4-BE49-F238E27FC236}">
+                <a16:creationId xmlns:a16="http://schemas.microsoft.com/office/drawing/2014/main" id="{3C38199D-5269-EB45-C483-9A4C32E0F4B4}"/>
+              </a:ext>
+            </a:extLst>
+          </p:cNvPr>
+          <p:cNvSpPr/>
+          <p:nvPr/>
+        </p:nvSpPr>
+        <p:spPr>
+          <a:xfrm>
+            <a:off x="6441354" y="4311564"/>
+            <a:ext cx="450036" cy="523954"/>
+          </a:xfrm>
+          <a:prstGeom prst="frame">
+            <a:avLst/>
+          </a:prstGeom>
+          <a:solidFill>
+            <a:srgbClr val="FF0000"/>
+          </a:solidFill>
+        </p:spPr>
+        <p:style>
+          <a:lnRef idx="2">
+            <a:schemeClr val="accent1">
+              <a:shade val="15000"/>
+            </a:schemeClr>
+          </a:lnRef>
+          <a:fillRef idx="1">
+            <a:schemeClr val="accent1"/>
+          </a:fillRef>
+          <a:effectRef idx="0">
+            <a:schemeClr val="accent1"/>
+          </a:effectRef>
+          <a:fontRef idx="minor">
+            <a:schemeClr val="lt1"/>
+          </a:fontRef>
+        </p:style>
+        <p:txBody>
+          <a:bodyPr rtlCol="0" anchor="ctr"/>
+          <a:lstStyle/>
+          <a:p>
+            <a:pPr algn="ctr"/>
+            <a:endParaRPr lang="en-US">
+              <a:solidFill>
+                <a:schemeClr val="tx1"/>
+              </a:solidFill>
+            </a:endParaRPr>
+          </a:p>
+        </p:txBody>
+      </p:sp>
+      <p:sp>
+        <p:nvSpPr>
+          <p:cNvPr id="1088" name="Cornice 1087">
+            <a:extLst>
+              <a:ext uri="{FF2B5EF4-FFF2-40B4-BE49-F238E27FC236}">
+                <a16:creationId xmlns:a16="http://schemas.microsoft.com/office/drawing/2014/main" id="{D6F1157C-F1AF-A24A-EAED-6A612C234524}"/>
+              </a:ext>
+            </a:extLst>
+          </p:cNvPr>
+          <p:cNvSpPr/>
+          <p:nvPr/>
+        </p:nvSpPr>
+        <p:spPr>
+          <a:xfrm>
+            <a:off x="6938761" y="3970385"/>
+            <a:ext cx="450036" cy="523954"/>
+          </a:xfrm>
+          <a:prstGeom prst="frame">
+            <a:avLst/>
+          </a:prstGeom>
+          <a:solidFill>
+            <a:srgbClr val="FF0000"/>
+          </a:solidFill>
+        </p:spPr>
+        <p:style>
+          <a:lnRef idx="2">
+            <a:schemeClr val="accent1">
+              <a:shade val="15000"/>
+            </a:schemeClr>
+          </a:lnRef>
+          <a:fillRef idx="1">
+            <a:schemeClr val="accent1"/>
+          </a:fillRef>
+          <a:effectRef idx="0">
+            <a:schemeClr val="accent1"/>
+          </a:effectRef>
+          <a:fontRef idx="minor">
+            <a:schemeClr val="lt1"/>
+          </a:fontRef>
+        </p:style>
+        <p:txBody>
+          <a:bodyPr rtlCol="0" anchor="ctr"/>
+          <a:lstStyle/>
+          <a:p>
+            <a:pPr algn="ctr"/>
+            <a:endParaRPr lang="en-US">
+              <a:solidFill>
+                <a:schemeClr val="tx1"/>
+              </a:solidFill>
+            </a:endParaRPr>
+          </a:p>
+        </p:txBody>
+      </p:sp>
+      <p:sp>
+        <p:nvSpPr>
+          <p:cNvPr id="1089" name="Cornice 1088">
+            <a:extLst>
+              <a:ext uri="{FF2B5EF4-FFF2-40B4-BE49-F238E27FC236}">
+                <a16:creationId xmlns:a16="http://schemas.microsoft.com/office/drawing/2014/main" id="{473F69DC-22B1-FE78-6B12-E08E1C1591FD}"/>
+              </a:ext>
+            </a:extLst>
+          </p:cNvPr>
+          <p:cNvSpPr/>
+          <p:nvPr/>
+        </p:nvSpPr>
+        <p:spPr>
+          <a:xfrm>
+            <a:off x="7163779" y="3697832"/>
+            <a:ext cx="450036" cy="523954"/>
+          </a:xfrm>
+          <a:prstGeom prst="frame">
+            <a:avLst/>
+          </a:prstGeom>
+          <a:solidFill>
+            <a:srgbClr val="FF0000"/>
+          </a:solidFill>
+        </p:spPr>
+        <p:style>
+          <a:lnRef idx="2">
+            <a:schemeClr val="accent1">
+              <a:shade val="15000"/>
+            </a:schemeClr>
+          </a:lnRef>
+          <a:fillRef idx="1">
+            <a:schemeClr val="accent1"/>
+          </a:fillRef>
+          <a:effectRef idx="0">
+            <a:schemeClr val="accent1"/>
+          </a:effectRef>
+          <a:fontRef idx="minor">
+            <a:schemeClr val="lt1"/>
+          </a:fontRef>
+        </p:style>
+        <p:txBody>
+          <a:bodyPr rtlCol="0" anchor="ctr"/>
+          <a:lstStyle/>
+          <a:p>
+            <a:pPr algn="ctr"/>
+            <a:endParaRPr lang="en-US">
+              <a:solidFill>
+                <a:schemeClr val="tx1"/>
+              </a:solidFill>
+            </a:endParaRPr>
+          </a:p>
+        </p:txBody>
+      </p:sp>
+      <p:pic>
+        <p:nvPicPr>
+          <p:cNvPr id="1090" name="Picture 6" descr="undefined">
+            <a:extLst>
+              <a:ext uri="{FF2B5EF4-FFF2-40B4-BE49-F238E27FC236}">
+                <a16:creationId xmlns:a16="http://schemas.microsoft.com/office/drawing/2014/main" id="{C13D3956-C3E1-583D-0502-0A50BEE8D28B}"/>
+              </a:ext>
+            </a:extLst>
+          </p:cNvPr>
+          <p:cNvPicPr>
+            <a:picLocks noChangeAspect="1" noChangeArrowheads="1"/>
+          </p:cNvPicPr>
+          <p:nvPr/>
+        </p:nvPicPr>
+        <p:blipFill>
+          <a:blip r:embed="rId5">
+            <a:extLst>
+              <a:ext uri="{28A0092B-C50C-407E-A947-70E740481C1C}">
+                <a14:useLocalDpi xmlns:a14="http://schemas.microsoft.com/office/drawing/2010/main" val="0"/>
+              </a:ext>
+            </a:extLst>
+          </a:blip>
+          <a:srcRect/>
+          <a:stretch>
+            <a:fillRect/>
+          </a:stretch>
+        </p:blipFill>
+        <p:spPr bwMode="auto">
+          <a:xfrm>
+            <a:off x="8193022" y="3520863"/>
+            <a:ext cx="1564107" cy="1692116"/>
+          </a:xfrm>
+          <a:prstGeom prst="rect">
+            <a:avLst/>
+          </a:prstGeom>
+          <a:noFill/>
+          <a:extLst>
+            <a:ext uri="{909E8E84-426E-40DD-AFC4-6F175D3DCCD1}">
+              <a14:hiddenFill xmlns:a14="http://schemas.microsoft.com/office/drawing/2010/main">
+                <a:solidFill>
+                  <a:srgbClr val="FFFFFF"/>
+                </a:solidFill>
+              </a14:hiddenFill>
+            </a:ext>
+          </a:extLst>
+        </p:spPr>
+      </p:pic>
+      <p:sp>
+        <p:nvSpPr>
+          <p:cNvPr id="1091" name="Ovale 1090">
+            <a:extLst>
+              <a:ext uri="{FF2B5EF4-FFF2-40B4-BE49-F238E27FC236}">
+                <a16:creationId xmlns:a16="http://schemas.microsoft.com/office/drawing/2014/main" id="{0C040BC7-932A-9332-C4F6-E8FF2504D91B}"/>
+              </a:ext>
+            </a:extLst>
+          </p:cNvPr>
+          <p:cNvSpPr/>
+          <p:nvPr/>
+        </p:nvSpPr>
+        <p:spPr>
+          <a:xfrm>
+            <a:off x="10278849" y="3436042"/>
+            <a:ext cx="422030" cy="422031"/>
+          </a:xfrm>
+          <a:prstGeom prst="ellipse">
+            <a:avLst/>
+          </a:prstGeom>
+        </p:spPr>
+        <p:style>
+          <a:lnRef idx="2">
+            <a:schemeClr val="accent1">
+              <a:shade val="15000"/>
+            </a:schemeClr>
+          </a:lnRef>
+          <a:fillRef idx="1">
+            <a:schemeClr val="accent1"/>
+          </a:fillRef>
+          <a:effectRef idx="0">
+            <a:schemeClr val="accent1"/>
+          </a:effectRef>
+          <a:fontRef idx="minor">
+            <a:schemeClr val="lt1"/>
+          </a:fontRef>
+        </p:style>
+        <p:txBody>
+          <a:bodyPr rtlCol="0" anchor="ctr"/>
+          <a:lstStyle/>
+          <a:p>
+            <a:pPr algn="ctr"/>
+            <a:endParaRPr lang="en-US"/>
+          </a:p>
+        </p:txBody>
+      </p:sp>
+      <p:sp>
+        <p:nvSpPr>
+          <p:cNvPr id="1092" name="Ovale 1091">
+            <a:extLst>
+              <a:ext uri="{FF2B5EF4-FFF2-40B4-BE49-F238E27FC236}">
+                <a16:creationId xmlns:a16="http://schemas.microsoft.com/office/drawing/2014/main" id="{FB9336D4-E6FA-1435-CFB6-117E80E06415}"/>
+              </a:ext>
+            </a:extLst>
+          </p:cNvPr>
+          <p:cNvSpPr/>
+          <p:nvPr/>
+        </p:nvSpPr>
+        <p:spPr>
+          <a:xfrm>
+            <a:off x="10278849" y="4026059"/>
+            <a:ext cx="422030" cy="422031"/>
+          </a:xfrm>
+          <a:prstGeom prst="ellipse">
+            <a:avLst/>
+          </a:prstGeom>
+        </p:spPr>
+        <p:style>
+          <a:lnRef idx="2">
+            <a:schemeClr val="accent1">
+              <a:shade val="15000"/>
+            </a:schemeClr>
+          </a:lnRef>
+          <a:fillRef idx="1">
+            <a:schemeClr val="accent1"/>
+          </a:fillRef>
+          <a:effectRef idx="0">
+            <a:schemeClr val="accent1"/>
+          </a:effectRef>
+          <a:fontRef idx="minor">
+            <a:schemeClr val="lt1"/>
+          </a:fontRef>
+        </p:style>
+        <p:txBody>
+          <a:bodyPr rtlCol="0" anchor="ctr"/>
+          <a:lstStyle/>
+          <a:p>
+            <a:pPr algn="ctr"/>
+            <a:endParaRPr lang="en-US"/>
+          </a:p>
+        </p:txBody>
+      </p:sp>
+      <p:sp>
+        <p:nvSpPr>
+          <p:cNvPr id="1093" name="Ovale 1092">
+            <a:extLst>
+              <a:ext uri="{FF2B5EF4-FFF2-40B4-BE49-F238E27FC236}">
+                <a16:creationId xmlns:a16="http://schemas.microsoft.com/office/drawing/2014/main" id="{E2CD9DDB-5D3B-7E22-FB38-C92FBABA9867}"/>
+              </a:ext>
+            </a:extLst>
+          </p:cNvPr>
+          <p:cNvSpPr/>
+          <p:nvPr/>
+        </p:nvSpPr>
+        <p:spPr>
+          <a:xfrm>
+            <a:off x="10278849" y="4629731"/>
+            <a:ext cx="422030" cy="422031"/>
+          </a:xfrm>
+          <a:prstGeom prst="ellipse">
+            <a:avLst/>
+          </a:prstGeom>
+        </p:spPr>
+        <p:style>
+          <a:lnRef idx="2">
+            <a:schemeClr val="accent1">
+              <a:shade val="15000"/>
+            </a:schemeClr>
+          </a:lnRef>
+          <a:fillRef idx="1">
+            <a:schemeClr val="accent1"/>
+          </a:fillRef>
+          <a:effectRef idx="0">
+            <a:schemeClr val="accent1"/>
+          </a:effectRef>
+          <a:fontRef idx="minor">
+            <a:schemeClr val="lt1"/>
+          </a:fontRef>
+        </p:style>
+        <p:txBody>
+          <a:bodyPr rtlCol="0" anchor="ctr"/>
+          <a:lstStyle/>
+          <a:p>
+            <a:pPr algn="ctr"/>
+            <a:endParaRPr lang="en-US"/>
+          </a:p>
+        </p:txBody>
+      </p:sp>
+      <p:sp>
+        <p:nvSpPr>
+          <p:cNvPr id="1094" name="Ovale 1093">
+            <a:extLst>
+              <a:ext uri="{FF2B5EF4-FFF2-40B4-BE49-F238E27FC236}">
+                <a16:creationId xmlns:a16="http://schemas.microsoft.com/office/drawing/2014/main" id="{3CCA1D64-D30D-157C-D178-2AF9CDA0D9E0}"/>
+              </a:ext>
+            </a:extLst>
+          </p:cNvPr>
+          <p:cNvSpPr/>
+          <p:nvPr/>
+        </p:nvSpPr>
+        <p:spPr>
+          <a:xfrm>
+            <a:off x="11034988" y="3436042"/>
+            <a:ext cx="422030" cy="422031"/>
+          </a:xfrm>
+          <a:prstGeom prst="ellipse">
+            <a:avLst/>
+          </a:prstGeom>
+        </p:spPr>
+        <p:style>
+          <a:lnRef idx="2">
+            <a:schemeClr val="accent1">
+              <a:shade val="15000"/>
+            </a:schemeClr>
+          </a:lnRef>
+          <a:fillRef idx="1">
+            <a:schemeClr val="accent1"/>
+          </a:fillRef>
+          <a:effectRef idx="0">
+            <a:schemeClr val="accent1"/>
+          </a:effectRef>
+          <a:fontRef idx="minor">
+            <a:schemeClr val="lt1"/>
+          </a:fontRef>
+        </p:style>
+        <p:txBody>
+          <a:bodyPr rtlCol="0" anchor="ctr"/>
+          <a:lstStyle/>
+          <a:p>
+            <a:pPr algn="ctr"/>
+            <a:endParaRPr lang="en-US"/>
+          </a:p>
+        </p:txBody>
+      </p:sp>
+      <p:sp>
+        <p:nvSpPr>
+          <p:cNvPr id="1095" name="Ovale 1094">
+            <a:extLst>
+              <a:ext uri="{FF2B5EF4-FFF2-40B4-BE49-F238E27FC236}">
+                <a16:creationId xmlns:a16="http://schemas.microsoft.com/office/drawing/2014/main" id="{53C2A446-264B-8455-8B5E-CFB9836F9D4F}"/>
+              </a:ext>
+            </a:extLst>
+          </p:cNvPr>
+          <p:cNvSpPr/>
+          <p:nvPr/>
+        </p:nvSpPr>
+        <p:spPr>
+          <a:xfrm>
+            <a:off x="11034988" y="4026059"/>
+            <a:ext cx="422030" cy="422031"/>
+          </a:xfrm>
+          <a:prstGeom prst="ellipse">
+            <a:avLst/>
+          </a:prstGeom>
+        </p:spPr>
+        <p:style>
+          <a:lnRef idx="2">
+            <a:schemeClr val="accent1">
+              <a:shade val="15000"/>
+            </a:schemeClr>
+          </a:lnRef>
+          <a:fillRef idx="1">
+            <a:schemeClr val="accent1"/>
+          </a:fillRef>
+          <a:effectRef idx="0">
+            <a:schemeClr val="accent1"/>
+          </a:effectRef>
+          <a:fontRef idx="minor">
+            <a:schemeClr val="lt1"/>
+          </a:fontRef>
+        </p:style>
+        <p:txBody>
+          <a:bodyPr rtlCol="0" anchor="ctr"/>
+          <a:lstStyle/>
+          <a:p>
+            <a:pPr algn="ctr"/>
+            <a:endParaRPr lang="en-US"/>
+          </a:p>
+        </p:txBody>
+      </p:sp>
+      <p:sp>
+        <p:nvSpPr>
+          <p:cNvPr id="1096" name="Ovale 1095">
+            <a:extLst>
+              <a:ext uri="{FF2B5EF4-FFF2-40B4-BE49-F238E27FC236}">
+                <a16:creationId xmlns:a16="http://schemas.microsoft.com/office/drawing/2014/main" id="{BD425A64-443E-02F6-8B2E-BEB7FC0991AB}"/>
+              </a:ext>
+            </a:extLst>
+          </p:cNvPr>
+          <p:cNvSpPr/>
+          <p:nvPr/>
+        </p:nvSpPr>
+        <p:spPr>
+          <a:xfrm>
+            <a:off x="11034988" y="4629731"/>
+            <a:ext cx="422030" cy="422031"/>
+          </a:xfrm>
+          <a:prstGeom prst="ellipse">
+            <a:avLst/>
+          </a:prstGeom>
+        </p:spPr>
+        <p:style>
+          <a:lnRef idx="2">
+            <a:schemeClr val="accent1">
+              <a:shade val="15000"/>
+            </a:schemeClr>
+          </a:lnRef>
+          <a:fillRef idx="1">
+            <a:schemeClr val="accent1"/>
+          </a:fillRef>
+          <a:effectRef idx="0">
+            <a:schemeClr val="accent1"/>
+          </a:effectRef>
+          <a:fontRef idx="minor">
+            <a:schemeClr val="lt1"/>
+          </a:fontRef>
+        </p:style>
+        <p:txBody>
+          <a:bodyPr rtlCol="0" anchor="ctr"/>
+          <a:lstStyle/>
+          <a:p>
+            <a:pPr algn="ctr"/>
+            <a:endParaRPr lang="en-US"/>
+          </a:p>
+        </p:txBody>
+      </p:sp>
+      <p:sp>
+        <p:nvSpPr>
+          <p:cNvPr id="1097" name="Ovale 1096">
+            <a:extLst>
+              <a:ext uri="{FF2B5EF4-FFF2-40B4-BE49-F238E27FC236}">
+                <a16:creationId xmlns:a16="http://schemas.microsoft.com/office/drawing/2014/main" id="{5E056C2E-3C8A-29D8-68AA-75241A79890E}"/>
+              </a:ext>
+            </a:extLst>
+          </p:cNvPr>
+          <p:cNvSpPr/>
+          <p:nvPr/>
+        </p:nvSpPr>
+        <p:spPr>
+          <a:xfrm>
+            <a:off x="11791127" y="4026058"/>
+            <a:ext cx="422030" cy="422031"/>
+          </a:xfrm>
+          <a:prstGeom prst="ellipse">
+            <a:avLst/>
+          </a:prstGeom>
+        </p:spPr>
+        <p:style>
+          <a:lnRef idx="2">
+            <a:schemeClr val="accent1">
+              <a:shade val="15000"/>
+            </a:schemeClr>
+          </a:lnRef>
+          <a:fillRef idx="1">
+            <a:schemeClr val="accent1"/>
+          </a:fillRef>
+          <a:effectRef idx="0">
+            <a:schemeClr val="accent1"/>
+          </a:effectRef>
+          <a:fontRef idx="minor">
+            <a:schemeClr val="lt1"/>
+          </a:fontRef>
+        </p:style>
+        <p:txBody>
+          <a:bodyPr rtlCol="0" anchor="ctr"/>
+          <a:lstStyle/>
+          <a:p>
+            <a:pPr algn="ctr"/>
+            <a:endParaRPr lang="en-US"/>
+          </a:p>
+        </p:txBody>
+      </p:sp>
+      <p:cxnSp>
+        <p:nvCxnSpPr>
+          <p:cNvPr id="1098" name="Connettore diritto 1097">
+            <a:extLst>
+              <a:ext uri="{FF2B5EF4-FFF2-40B4-BE49-F238E27FC236}">
+                <a16:creationId xmlns:a16="http://schemas.microsoft.com/office/drawing/2014/main" id="{3E39C801-30A6-5A22-83AF-0E270438485F}"/>
+              </a:ext>
+            </a:extLst>
+          </p:cNvPr>
+          <p:cNvCxnSpPr>
+            <a:stCxn id="1091" idx="6"/>
+            <a:endCxn id="1094" idx="2"/>
+          </p:cNvCxnSpPr>
+          <p:nvPr/>
+        </p:nvCxnSpPr>
+        <p:spPr>
+          <a:xfrm>
+            <a:off x="10700879" y="3647058"/>
+            <a:ext cx="334109" cy="0"/>
+          </a:xfrm>
+          <a:prstGeom prst="line">
+            <a:avLst/>
+          </a:prstGeom>
+          <a:ln w="38100">
+            <a:solidFill>
+              <a:schemeClr val="tx1"/>
+            </a:solidFill>
+          </a:ln>
+        </p:spPr>
+        <p:style>
+          <a:lnRef idx="1">
+            <a:schemeClr val="accent1"/>
+          </a:lnRef>
+          <a:fillRef idx="0">
+            <a:schemeClr val="accent1"/>
+          </a:fillRef>
+          <a:effectRef idx="0">
+            <a:schemeClr val="accent1"/>
+          </a:effectRef>
+          <a:fontRef idx="minor">
+            <a:schemeClr val="tx1"/>
+          </a:fontRef>
+        </p:style>
+      </p:cxnSp>
+      <p:cxnSp>
+        <p:nvCxnSpPr>
+          <p:cNvPr id="1099" name="Connettore diritto 1098">
+            <a:extLst>
+              <a:ext uri="{FF2B5EF4-FFF2-40B4-BE49-F238E27FC236}">
+                <a16:creationId xmlns:a16="http://schemas.microsoft.com/office/drawing/2014/main" id="{D531DDA1-B102-A92F-8ABB-0ED3061F8836}"/>
+              </a:ext>
+            </a:extLst>
+          </p:cNvPr>
+          <p:cNvCxnSpPr>
+            <a:cxnSpLocks/>
+            <a:stCxn id="1092" idx="6"/>
+            <a:endCxn id="1094" idx="2"/>
+          </p:cNvCxnSpPr>
+          <p:nvPr/>
+        </p:nvCxnSpPr>
+        <p:spPr>
+          <a:xfrm flipV="1">
+            <a:off x="10700879" y="3647058"/>
+            <a:ext cx="334109" cy="590017"/>
+          </a:xfrm>
+          <a:prstGeom prst="line">
+            <a:avLst/>
+          </a:prstGeom>
+          <a:ln w="38100">
+            <a:solidFill>
+              <a:schemeClr val="tx1"/>
+            </a:solidFill>
+          </a:ln>
+        </p:spPr>
+        <p:style>
+          <a:lnRef idx="1">
+            <a:schemeClr val="accent1"/>
+          </a:lnRef>
+          <a:fillRef idx="0">
+            <a:schemeClr val="accent1"/>
+          </a:fillRef>
+          <a:effectRef idx="0">
+            <a:schemeClr val="accent1"/>
+          </a:effectRef>
+          <a:fontRef idx="minor">
+            <a:schemeClr val="tx1"/>
+          </a:fontRef>
+        </p:style>
+      </p:cxnSp>
+      <p:cxnSp>
+        <p:nvCxnSpPr>
+          <p:cNvPr id="1100" name="Connettore diritto 1099">
+            <a:extLst>
+              <a:ext uri="{FF2B5EF4-FFF2-40B4-BE49-F238E27FC236}">
+                <a16:creationId xmlns:a16="http://schemas.microsoft.com/office/drawing/2014/main" id="{811B1D22-67C1-23A9-92EE-146E472EEF12}"/>
+              </a:ext>
+            </a:extLst>
+          </p:cNvPr>
+          <p:cNvCxnSpPr>
+            <a:cxnSpLocks/>
+            <a:stCxn id="1091" idx="6"/>
+            <a:endCxn id="1095" idx="2"/>
+          </p:cNvCxnSpPr>
+          <p:nvPr/>
+        </p:nvCxnSpPr>
+        <p:spPr>
+          <a:xfrm>
+            <a:off x="10700879" y="3647058"/>
+            <a:ext cx="334109" cy="590017"/>
+          </a:xfrm>
+          <a:prstGeom prst="line">
+            <a:avLst/>
+          </a:prstGeom>
+          <a:ln w="38100">
+            <a:solidFill>
+              <a:schemeClr val="tx1"/>
+            </a:solidFill>
+          </a:ln>
+        </p:spPr>
+        <p:style>
+          <a:lnRef idx="1">
+            <a:schemeClr val="accent1"/>
+          </a:lnRef>
+          <a:fillRef idx="0">
+            <a:schemeClr val="accent1"/>
+          </a:fillRef>
+          <a:effectRef idx="0">
+            <a:schemeClr val="accent1"/>
+          </a:effectRef>
+          <a:fontRef idx="minor">
+            <a:schemeClr val="tx1"/>
+          </a:fontRef>
+        </p:style>
+      </p:cxnSp>
+      <p:cxnSp>
+        <p:nvCxnSpPr>
+          <p:cNvPr id="1101" name="Connettore diritto 1100">
+            <a:extLst>
+              <a:ext uri="{FF2B5EF4-FFF2-40B4-BE49-F238E27FC236}">
+                <a16:creationId xmlns:a16="http://schemas.microsoft.com/office/drawing/2014/main" id="{D684B7D4-ED22-5E2E-B380-E1AF0F95D489}"/>
+              </a:ext>
+            </a:extLst>
+          </p:cNvPr>
+          <p:cNvCxnSpPr>
+            <a:cxnSpLocks/>
+            <a:stCxn id="1092" idx="6"/>
+            <a:endCxn id="1095" idx="2"/>
+          </p:cNvCxnSpPr>
+          <p:nvPr/>
+        </p:nvCxnSpPr>
+        <p:spPr>
+          <a:xfrm>
+            <a:off x="10700879" y="4237075"/>
+            <a:ext cx="334109" cy="0"/>
+          </a:xfrm>
+          <a:prstGeom prst="line">
+            <a:avLst/>
+          </a:prstGeom>
+          <a:ln w="38100">
+            <a:solidFill>
+              <a:schemeClr val="tx1"/>
+            </a:solidFill>
+          </a:ln>
+        </p:spPr>
+        <p:style>
+          <a:lnRef idx="1">
+            <a:schemeClr val="accent1"/>
+          </a:lnRef>
+          <a:fillRef idx="0">
+            <a:schemeClr val="accent1"/>
+          </a:fillRef>
+          <a:effectRef idx="0">
+            <a:schemeClr val="accent1"/>
+          </a:effectRef>
+          <a:fontRef idx="minor">
+            <a:schemeClr val="tx1"/>
+          </a:fontRef>
+        </p:style>
+      </p:cxnSp>
+      <p:cxnSp>
+        <p:nvCxnSpPr>
+          <p:cNvPr id="1102" name="Connettore diritto 1101">
+            <a:extLst>
+              <a:ext uri="{FF2B5EF4-FFF2-40B4-BE49-F238E27FC236}">
+                <a16:creationId xmlns:a16="http://schemas.microsoft.com/office/drawing/2014/main" id="{B8284554-27E9-D0AE-3313-F6CBEC1BC0C8}"/>
+              </a:ext>
+            </a:extLst>
+          </p:cNvPr>
+          <p:cNvCxnSpPr>
+            <a:cxnSpLocks/>
+            <a:stCxn id="1091" idx="6"/>
+            <a:endCxn id="1096" idx="2"/>
+          </p:cNvCxnSpPr>
+          <p:nvPr/>
+        </p:nvCxnSpPr>
+        <p:spPr>
+          <a:xfrm>
+            <a:off x="10700879" y="3647058"/>
+            <a:ext cx="334109" cy="1193689"/>
+          </a:xfrm>
+          <a:prstGeom prst="line">
+            <a:avLst/>
+          </a:prstGeom>
+          <a:ln w="38100">
+            <a:solidFill>
+              <a:schemeClr val="tx1"/>
+            </a:solidFill>
+          </a:ln>
+        </p:spPr>
+        <p:style>
+          <a:lnRef idx="1">
+            <a:schemeClr val="accent1"/>
+          </a:lnRef>
+          <a:fillRef idx="0">
+            <a:schemeClr val="accent1"/>
+          </a:fillRef>
+          <a:effectRef idx="0">
+            <a:schemeClr val="accent1"/>
+          </a:effectRef>
+          <a:fontRef idx="minor">
+            <a:schemeClr val="tx1"/>
+          </a:fontRef>
+        </p:style>
+      </p:cxnSp>
+      <p:cxnSp>
+        <p:nvCxnSpPr>
+          <p:cNvPr id="1103" name="Connettore diritto 1102">
+            <a:extLst>
+              <a:ext uri="{FF2B5EF4-FFF2-40B4-BE49-F238E27FC236}">
+                <a16:creationId xmlns:a16="http://schemas.microsoft.com/office/drawing/2014/main" id="{02EF7CBB-7D7F-84B9-F1C3-759D47AC8C05}"/>
+              </a:ext>
+            </a:extLst>
+          </p:cNvPr>
+          <p:cNvCxnSpPr>
+            <a:cxnSpLocks/>
+            <a:stCxn id="1092" idx="6"/>
+            <a:endCxn id="1096" idx="2"/>
+          </p:cNvCxnSpPr>
+          <p:nvPr/>
+        </p:nvCxnSpPr>
+        <p:spPr>
+          <a:xfrm>
+            <a:off x="10700879" y="4237075"/>
+            <a:ext cx="334109" cy="603672"/>
+          </a:xfrm>
+          <a:prstGeom prst="line">
+            <a:avLst/>
+          </a:prstGeom>
+          <a:ln w="38100">
+            <a:solidFill>
+              <a:schemeClr val="tx1"/>
+            </a:solidFill>
+          </a:ln>
+        </p:spPr>
+        <p:style>
+          <a:lnRef idx="1">
+            <a:schemeClr val="accent1"/>
+          </a:lnRef>
+          <a:fillRef idx="0">
+            <a:schemeClr val="accent1"/>
+          </a:fillRef>
+          <a:effectRef idx="0">
+            <a:schemeClr val="accent1"/>
+          </a:effectRef>
+          <a:fontRef idx="minor">
+            <a:schemeClr val="tx1"/>
+          </a:fontRef>
+        </p:style>
+      </p:cxnSp>
+      <p:cxnSp>
+        <p:nvCxnSpPr>
+          <p:cNvPr id="1104" name="Connettore diritto 1103">
+            <a:extLst>
+              <a:ext uri="{FF2B5EF4-FFF2-40B4-BE49-F238E27FC236}">
+                <a16:creationId xmlns:a16="http://schemas.microsoft.com/office/drawing/2014/main" id="{4E1CCC2F-812D-9838-E30C-278DCF7B7825}"/>
+              </a:ext>
+            </a:extLst>
+          </p:cNvPr>
+          <p:cNvCxnSpPr>
+            <a:cxnSpLocks/>
+            <a:stCxn id="1093" idx="6"/>
+            <a:endCxn id="1094" idx="2"/>
+          </p:cNvCxnSpPr>
+          <p:nvPr/>
+        </p:nvCxnSpPr>
+        <p:spPr>
+          <a:xfrm flipV="1">
+            <a:off x="10700879" y="3647058"/>
+            <a:ext cx="334109" cy="1193689"/>
+          </a:xfrm>
+          <a:prstGeom prst="line">
+            <a:avLst/>
+          </a:prstGeom>
+          <a:ln w="38100">
+            <a:solidFill>
+              <a:schemeClr val="tx1"/>
+            </a:solidFill>
+          </a:ln>
+        </p:spPr>
+        <p:style>
+          <a:lnRef idx="1">
+            <a:schemeClr val="accent1"/>
+          </a:lnRef>
+          <a:fillRef idx="0">
+            <a:schemeClr val="accent1"/>
+          </a:fillRef>
+          <a:effectRef idx="0">
+            <a:schemeClr val="accent1"/>
+          </a:effectRef>
+          <a:fontRef idx="minor">
+            <a:schemeClr val="tx1"/>
+          </a:fontRef>
+        </p:style>
+      </p:cxnSp>
+      <p:cxnSp>
+        <p:nvCxnSpPr>
+          <p:cNvPr id="1105" name="Connettore diritto 1104">
+            <a:extLst>
+              <a:ext uri="{FF2B5EF4-FFF2-40B4-BE49-F238E27FC236}">
+                <a16:creationId xmlns:a16="http://schemas.microsoft.com/office/drawing/2014/main" id="{E3B3EA70-8656-B9E6-53DB-2E16C7B3F5E6}"/>
+              </a:ext>
+            </a:extLst>
+          </p:cNvPr>
+          <p:cNvCxnSpPr>
+            <a:cxnSpLocks/>
+            <a:stCxn id="1093" idx="6"/>
+            <a:endCxn id="1095" idx="2"/>
+          </p:cNvCxnSpPr>
+          <p:nvPr/>
+        </p:nvCxnSpPr>
+        <p:spPr>
+          <a:xfrm flipV="1">
+            <a:off x="10700879" y="4237075"/>
+            <a:ext cx="334109" cy="603672"/>
+          </a:xfrm>
+          <a:prstGeom prst="line">
+            <a:avLst/>
+          </a:prstGeom>
+          <a:ln w="38100">
+            <a:solidFill>
+              <a:schemeClr val="tx1"/>
+            </a:solidFill>
+          </a:ln>
+        </p:spPr>
+        <p:style>
+          <a:lnRef idx="1">
+            <a:schemeClr val="accent1"/>
+          </a:lnRef>
+          <a:fillRef idx="0">
+            <a:schemeClr val="accent1"/>
+          </a:fillRef>
+          <a:effectRef idx="0">
+            <a:schemeClr val="accent1"/>
+          </a:effectRef>
+          <a:fontRef idx="minor">
+            <a:schemeClr val="tx1"/>
+          </a:fontRef>
+        </p:style>
+      </p:cxnSp>
+      <p:cxnSp>
+        <p:nvCxnSpPr>
+          <p:cNvPr id="1106" name="Connettore diritto 1105">
+            <a:extLst>
+              <a:ext uri="{FF2B5EF4-FFF2-40B4-BE49-F238E27FC236}">
+                <a16:creationId xmlns:a16="http://schemas.microsoft.com/office/drawing/2014/main" id="{6F3086A8-BB56-7CC0-E690-5643B6FA7036}"/>
+              </a:ext>
+            </a:extLst>
+          </p:cNvPr>
+          <p:cNvCxnSpPr>
+            <a:cxnSpLocks/>
+            <a:stCxn id="1093" idx="6"/>
+            <a:endCxn id="1096" idx="2"/>
+          </p:cNvCxnSpPr>
+          <p:nvPr/>
+        </p:nvCxnSpPr>
+        <p:spPr>
+          <a:xfrm>
+            <a:off x="10700879" y="4840747"/>
+            <a:ext cx="334109" cy="0"/>
+          </a:xfrm>
+          <a:prstGeom prst="line">
+            <a:avLst/>
+          </a:prstGeom>
+          <a:ln w="38100">
+            <a:solidFill>
+              <a:schemeClr val="tx1"/>
+            </a:solidFill>
+          </a:ln>
+        </p:spPr>
+        <p:style>
+          <a:lnRef idx="1">
+            <a:schemeClr val="accent1"/>
+          </a:lnRef>
+          <a:fillRef idx="0">
+            <a:schemeClr val="accent1"/>
+          </a:fillRef>
+          <a:effectRef idx="0">
+            <a:schemeClr val="accent1"/>
+          </a:effectRef>
+          <a:fontRef idx="minor">
+            <a:schemeClr val="tx1"/>
+          </a:fontRef>
+        </p:style>
+      </p:cxnSp>
+      <p:cxnSp>
+        <p:nvCxnSpPr>
+          <p:cNvPr id="1107" name="Connettore diritto 1106">
+            <a:extLst>
+              <a:ext uri="{FF2B5EF4-FFF2-40B4-BE49-F238E27FC236}">
+                <a16:creationId xmlns:a16="http://schemas.microsoft.com/office/drawing/2014/main" id="{8AC4D92A-45E4-2702-A138-6564AECDD900}"/>
+              </a:ext>
+            </a:extLst>
+          </p:cNvPr>
+          <p:cNvCxnSpPr>
+            <a:cxnSpLocks/>
+            <a:stCxn id="1094" idx="6"/>
+            <a:endCxn id="1097" idx="2"/>
+          </p:cNvCxnSpPr>
+          <p:nvPr/>
+        </p:nvCxnSpPr>
+        <p:spPr>
+          <a:xfrm>
+            <a:off x="11457018" y="3647058"/>
+            <a:ext cx="334109" cy="590016"/>
+          </a:xfrm>
+          <a:prstGeom prst="line">
+            <a:avLst/>
+          </a:prstGeom>
+          <a:ln w="38100">
+            <a:solidFill>
+              <a:schemeClr val="tx1"/>
+            </a:solidFill>
+          </a:ln>
+        </p:spPr>
+        <p:style>
+          <a:lnRef idx="1">
+            <a:schemeClr val="accent1"/>
+          </a:lnRef>
+          <a:fillRef idx="0">
+            <a:schemeClr val="accent1"/>
+          </a:fillRef>
+          <a:effectRef idx="0">
+            <a:schemeClr val="accent1"/>
+          </a:effectRef>
+          <a:fontRef idx="minor">
+            <a:schemeClr val="tx1"/>
+          </a:fontRef>
+        </p:style>
+      </p:cxnSp>
+      <p:cxnSp>
+        <p:nvCxnSpPr>
+          <p:cNvPr id="1108" name="Connettore diritto 1107">
+            <a:extLst>
+              <a:ext uri="{FF2B5EF4-FFF2-40B4-BE49-F238E27FC236}">
+                <a16:creationId xmlns:a16="http://schemas.microsoft.com/office/drawing/2014/main" id="{8FB34C04-5DE4-ED72-94A4-419E0EB6C4A9}"/>
+              </a:ext>
+            </a:extLst>
+          </p:cNvPr>
+          <p:cNvCxnSpPr>
+            <a:cxnSpLocks/>
+            <a:stCxn id="1095" idx="6"/>
+            <a:endCxn id="1097" idx="2"/>
+          </p:cNvCxnSpPr>
+          <p:nvPr/>
+        </p:nvCxnSpPr>
+        <p:spPr>
+          <a:xfrm flipV="1">
+            <a:off x="11457018" y="4237074"/>
+            <a:ext cx="334109" cy="1"/>
+          </a:xfrm>
+          <a:prstGeom prst="line">
+            <a:avLst/>
+          </a:prstGeom>
+          <a:ln w="38100">
+            <a:solidFill>
+              <a:schemeClr val="tx1"/>
+            </a:solidFill>
+          </a:ln>
+        </p:spPr>
+        <p:style>
+          <a:lnRef idx="1">
+            <a:schemeClr val="accent1"/>
+          </a:lnRef>
+          <a:fillRef idx="0">
+            <a:schemeClr val="accent1"/>
+          </a:fillRef>
+          <a:effectRef idx="0">
+            <a:schemeClr val="accent1"/>
+          </a:effectRef>
+          <a:fontRef idx="minor">
+            <a:schemeClr val="tx1"/>
+          </a:fontRef>
+        </p:style>
+      </p:cxnSp>
+      <p:cxnSp>
+        <p:nvCxnSpPr>
+          <p:cNvPr id="1109" name="Connettore diritto 1108">
+            <a:extLst>
+              <a:ext uri="{FF2B5EF4-FFF2-40B4-BE49-F238E27FC236}">
+                <a16:creationId xmlns:a16="http://schemas.microsoft.com/office/drawing/2014/main" id="{189AAACA-3ED8-5B1A-DD8C-4BD6F206C840}"/>
+              </a:ext>
+            </a:extLst>
+          </p:cNvPr>
+          <p:cNvCxnSpPr>
+            <a:cxnSpLocks/>
+            <a:stCxn id="1096" idx="6"/>
+            <a:endCxn id="1097" idx="2"/>
+          </p:cNvCxnSpPr>
+          <p:nvPr/>
+        </p:nvCxnSpPr>
+        <p:spPr>
+          <a:xfrm flipV="1">
+            <a:off x="11457018" y="4237074"/>
+            <a:ext cx="334109" cy="603673"/>
+          </a:xfrm>
+          <a:prstGeom prst="line">
+            <a:avLst/>
+          </a:prstGeom>
+          <a:ln w="38100">
+            <a:solidFill>
+              <a:schemeClr val="tx1"/>
+            </a:solidFill>
+          </a:ln>
+        </p:spPr>
+        <p:style>
+          <a:lnRef idx="1">
+            <a:schemeClr val="accent1"/>
+          </a:lnRef>
+          <a:fillRef idx="0">
+            <a:schemeClr val="accent1"/>
+          </a:fillRef>
+          <a:effectRef idx="0">
+            <a:schemeClr val="accent1"/>
+          </a:effectRef>
+          <a:fontRef idx="minor">
+            <a:schemeClr val="tx1"/>
+          </a:fontRef>
+        </p:style>
+      </p:cxnSp>
+      <p:sp>
+        <p:nvSpPr>
+          <p:cNvPr id="1110" name="CasellaDiTesto 1109">
+            <a:extLst>
+              <a:ext uri="{FF2B5EF4-FFF2-40B4-BE49-F238E27FC236}">
+                <a16:creationId xmlns:a16="http://schemas.microsoft.com/office/drawing/2014/main" id="{E35F52AB-6355-2B9C-F2FF-BB25E0A94BDB}"/>
+              </a:ext>
+            </a:extLst>
+          </p:cNvPr>
+          <p:cNvSpPr txBox="1"/>
+          <p:nvPr/>
+        </p:nvSpPr>
+        <p:spPr>
+          <a:xfrm>
+            <a:off x="10179854" y="5191668"/>
+            <a:ext cx="1769533" cy="369332"/>
+          </a:xfrm>
+          <a:prstGeom prst="rect">
+            <a:avLst/>
+          </a:prstGeom>
+          <a:noFill/>
+        </p:spPr>
+        <p:txBody>
+          <a:bodyPr wrap="square" rtlCol="0">
+            <a:spAutoFit/>
+          </a:bodyPr>
+          <a:lstStyle/>
+          <a:p>
+            <a:r>
+              <a:rPr lang="en-US" dirty="0"/>
+              <a:t>Neural Network</a:t>
+            </a:r>
+          </a:p>
+        </p:txBody>
+      </p:sp>
+      <p:grpSp>
+        <p:nvGrpSpPr>
+          <p:cNvPr id="1112" name="Gruppo 1111">
+            <a:extLst>
+              <a:ext uri="{FF2B5EF4-FFF2-40B4-BE49-F238E27FC236}">
+                <a16:creationId xmlns:a16="http://schemas.microsoft.com/office/drawing/2014/main" id="{21D0C508-A40B-B944-D7B9-69ECFE87914E}"/>
+              </a:ext>
+            </a:extLst>
+          </p:cNvPr>
+          <p:cNvGrpSpPr/>
+          <p:nvPr/>
+        </p:nvGrpSpPr>
+        <p:grpSpPr>
+          <a:xfrm>
+            <a:off x="12670685" y="3421465"/>
+            <a:ext cx="1138334" cy="1810139"/>
+            <a:chOff x="911291" y="1250302"/>
+            <a:chExt cx="1138334" cy="1810139"/>
+          </a:xfrm>
+        </p:grpSpPr>
+        <p:sp>
+          <p:nvSpPr>
+            <p:cNvPr id="1113" name="Rettangolo ad angolo ripiegato 1112">
+              <a:extLst>
+                <a:ext uri="{FF2B5EF4-FFF2-40B4-BE49-F238E27FC236}">
+                  <a16:creationId xmlns:a16="http://schemas.microsoft.com/office/drawing/2014/main" id="{FB3C9585-EDEF-C2C7-DE84-5CD1B9BDD474}"/>
+                </a:ext>
+              </a:extLst>
+            </p:cNvPr>
+            <p:cNvSpPr/>
+            <p:nvPr/>
+          </p:nvSpPr>
+          <p:spPr>
+            <a:xfrm rot="10800000" flipH="1">
+              <a:off x="911291" y="1250302"/>
+              <a:ext cx="1138334" cy="1810139"/>
+            </a:xfrm>
+            <a:prstGeom prst="foldedCorner">
+              <a:avLst>
+                <a:gd name="adj" fmla="val 41257"/>
+              </a:avLst>
+            </a:prstGeom>
+            <a:solidFill>
+              <a:schemeClr val="bg1"/>
+            </a:solidFill>
+            <a:ln>
+              <a:solidFill>
+                <a:schemeClr val="tx1"/>
+              </a:solidFill>
+            </a:ln>
+          </p:spPr>
+          <p:style>
+            <a:lnRef idx="2">
+              <a:schemeClr val="accent1">
+                <a:shade val="15000"/>
+              </a:schemeClr>
+            </a:lnRef>
+            <a:fillRef idx="1">
+              <a:schemeClr val="accent1"/>
+            </a:fillRef>
+            <a:effectRef idx="0">
+              <a:schemeClr val="accent1"/>
+            </a:effectRef>
+            <a:fontRef idx="minor">
+              <a:schemeClr val="lt1"/>
+            </a:fontRef>
+          </p:style>
+          <p:txBody>
+            <a:bodyPr rtlCol="0" anchor="ctr"/>
+            <a:lstStyle/>
+            <a:p>
+              <a:pPr algn="ctr"/>
+              <a:endParaRPr lang="en-US"/>
+            </a:p>
+          </p:txBody>
+        </p:sp>
+        <p:cxnSp>
+          <p:nvCxnSpPr>
+            <p:cNvPr id="1114" name="Connettore diritto 1113">
+              <a:extLst>
+                <a:ext uri="{FF2B5EF4-FFF2-40B4-BE49-F238E27FC236}">
+                  <a16:creationId xmlns:a16="http://schemas.microsoft.com/office/drawing/2014/main" id="{32D5A719-794F-9B68-DABC-7BED5B8D4DC9}"/>
+                </a:ext>
+              </a:extLst>
+            </p:cNvPr>
+            <p:cNvCxnSpPr/>
+            <p:nvPr/>
+          </p:nvCxnSpPr>
+          <p:spPr>
+            <a:xfrm>
+              <a:off x="1028700" y="1480458"/>
+              <a:ext cx="544286" cy="0"/>
+            </a:xfrm>
+            <a:prstGeom prst="line">
+              <a:avLst/>
+            </a:prstGeom>
+            <a:ln w="38100">
+              <a:solidFill>
+                <a:schemeClr val="tx1"/>
+              </a:solidFill>
+            </a:ln>
+          </p:spPr>
+          <p:style>
+            <a:lnRef idx="1">
+              <a:schemeClr val="accent1"/>
+            </a:lnRef>
+            <a:fillRef idx="0">
+              <a:schemeClr val="accent1"/>
+            </a:fillRef>
+            <a:effectRef idx="0">
+              <a:schemeClr val="accent1"/>
+            </a:effectRef>
+            <a:fontRef idx="minor">
+              <a:schemeClr val="tx1"/>
+            </a:fontRef>
+          </p:style>
+        </p:cxnSp>
+        <p:cxnSp>
+          <p:nvCxnSpPr>
+            <p:cNvPr id="1115" name="Connettore diritto 1114">
+              <a:extLst>
+                <a:ext uri="{FF2B5EF4-FFF2-40B4-BE49-F238E27FC236}">
+                  <a16:creationId xmlns:a16="http://schemas.microsoft.com/office/drawing/2014/main" id="{C96969DA-DCEA-23EA-91CB-D1A47AF3AA50}"/>
+                </a:ext>
+              </a:extLst>
+            </p:cNvPr>
+            <p:cNvCxnSpPr/>
+            <p:nvPr/>
+          </p:nvCxnSpPr>
+          <p:spPr>
+            <a:xfrm>
+              <a:off x="1028700" y="1649186"/>
+              <a:ext cx="544286" cy="0"/>
+            </a:xfrm>
+            <a:prstGeom prst="line">
+              <a:avLst/>
+            </a:prstGeom>
+            <a:ln w="38100">
+              <a:solidFill>
+                <a:schemeClr val="tx1"/>
+              </a:solidFill>
+            </a:ln>
+          </p:spPr>
+          <p:style>
+            <a:lnRef idx="1">
+              <a:schemeClr val="accent1"/>
+            </a:lnRef>
+            <a:fillRef idx="0">
+              <a:schemeClr val="accent1"/>
+            </a:fillRef>
+            <a:effectRef idx="0">
+              <a:schemeClr val="accent1"/>
+            </a:effectRef>
+            <a:fontRef idx="minor">
+              <a:schemeClr val="tx1"/>
+            </a:fontRef>
+          </p:style>
+        </p:cxnSp>
+        <p:cxnSp>
+          <p:nvCxnSpPr>
+            <p:cNvPr id="1116" name="Connettore diritto 1115">
+              <a:extLst>
+                <a:ext uri="{FF2B5EF4-FFF2-40B4-BE49-F238E27FC236}">
+                  <a16:creationId xmlns:a16="http://schemas.microsoft.com/office/drawing/2014/main" id="{49B3CF8A-606A-5EC9-2F33-DE4F2DCFA5BC}"/>
+                </a:ext>
+              </a:extLst>
+            </p:cNvPr>
+            <p:cNvCxnSpPr>
+              <a:cxnSpLocks/>
+            </p:cNvCxnSpPr>
+            <p:nvPr/>
+          </p:nvCxnSpPr>
+          <p:spPr>
+            <a:xfrm>
+              <a:off x="1028700" y="1856015"/>
+              <a:ext cx="892629" cy="0"/>
+            </a:xfrm>
+            <a:prstGeom prst="line">
+              <a:avLst/>
+            </a:prstGeom>
+            <a:ln w="38100">
+              <a:solidFill>
+                <a:schemeClr val="tx1"/>
+              </a:solidFill>
+            </a:ln>
+          </p:spPr>
+          <p:style>
+            <a:lnRef idx="1">
+              <a:schemeClr val="accent1"/>
+            </a:lnRef>
+            <a:fillRef idx="0">
+              <a:schemeClr val="accent1"/>
+            </a:fillRef>
+            <a:effectRef idx="0">
+              <a:schemeClr val="accent1"/>
+            </a:effectRef>
+            <a:fontRef idx="minor">
+              <a:schemeClr val="tx1"/>
+            </a:fontRef>
+          </p:style>
+        </p:cxnSp>
+        <p:cxnSp>
+          <p:nvCxnSpPr>
+            <p:cNvPr id="1117" name="Connettore diritto 1116">
+              <a:extLst>
+                <a:ext uri="{FF2B5EF4-FFF2-40B4-BE49-F238E27FC236}">
+                  <a16:creationId xmlns:a16="http://schemas.microsoft.com/office/drawing/2014/main" id="{CDB53F83-C98E-CBB9-B97A-230B713003A9}"/>
+                </a:ext>
+              </a:extLst>
+            </p:cNvPr>
+            <p:cNvCxnSpPr>
+              <a:cxnSpLocks/>
+            </p:cNvCxnSpPr>
+            <p:nvPr/>
+          </p:nvCxnSpPr>
+          <p:spPr>
+            <a:xfrm>
+              <a:off x="1028700" y="2024743"/>
+              <a:ext cx="892629" cy="0"/>
+            </a:xfrm>
+            <a:prstGeom prst="line">
+              <a:avLst/>
+            </a:prstGeom>
+            <a:ln w="38100">
+              <a:solidFill>
+                <a:schemeClr val="tx1"/>
+              </a:solidFill>
+            </a:ln>
+          </p:spPr>
+          <p:style>
+            <a:lnRef idx="1">
+              <a:schemeClr val="accent1"/>
+            </a:lnRef>
+            <a:fillRef idx="0">
+              <a:schemeClr val="accent1"/>
+            </a:fillRef>
+            <a:effectRef idx="0">
+              <a:schemeClr val="accent1"/>
+            </a:effectRef>
+            <a:fontRef idx="minor">
+              <a:schemeClr val="tx1"/>
+            </a:fontRef>
+          </p:style>
+        </p:cxnSp>
+        <p:cxnSp>
+          <p:nvCxnSpPr>
+            <p:cNvPr id="1118" name="Connettore diritto 1117">
+              <a:extLst>
+                <a:ext uri="{FF2B5EF4-FFF2-40B4-BE49-F238E27FC236}">
+                  <a16:creationId xmlns:a16="http://schemas.microsoft.com/office/drawing/2014/main" id="{5469DB70-DC28-A3A9-810F-1533928CAD47}"/>
+                </a:ext>
+              </a:extLst>
+            </p:cNvPr>
+            <p:cNvCxnSpPr>
+              <a:cxnSpLocks/>
+            </p:cNvCxnSpPr>
+            <p:nvPr/>
+          </p:nvCxnSpPr>
+          <p:spPr>
+            <a:xfrm>
+              <a:off x="1028700" y="2198915"/>
+              <a:ext cx="892629" cy="0"/>
+            </a:xfrm>
+            <a:prstGeom prst="line">
+              <a:avLst/>
+            </a:prstGeom>
+            <a:ln w="38100">
+              <a:solidFill>
+                <a:schemeClr val="tx1"/>
+              </a:solidFill>
+            </a:ln>
+          </p:spPr>
+          <p:style>
+            <a:lnRef idx="1">
+              <a:schemeClr val="accent1"/>
+            </a:lnRef>
+            <a:fillRef idx="0">
+              <a:schemeClr val="accent1"/>
+            </a:fillRef>
+            <a:effectRef idx="0">
+              <a:schemeClr val="accent1"/>
+            </a:effectRef>
+            <a:fontRef idx="minor">
+              <a:schemeClr val="tx1"/>
+            </a:fontRef>
+          </p:style>
+        </p:cxnSp>
+        <p:cxnSp>
+          <p:nvCxnSpPr>
+            <p:cNvPr id="1119" name="Connettore diritto 1118">
+              <a:extLst>
+                <a:ext uri="{FF2B5EF4-FFF2-40B4-BE49-F238E27FC236}">
+                  <a16:creationId xmlns:a16="http://schemas.microsoft.com/office/drawing/2014/main" id="{A674D9B3-1699-892A-F5EC-40776B92D0B6}"/>
+                </a:ext>
+              </a:extLst>
+            </p:cNvPr>
+            <p:cNvCxnSpPr>
+              <a:cxnSpLocks/>
+            </p:cNvCxnSpPr>
+            <p:nvPr/>
+          </p:nvCxnSpPr>
+          <p:spPr>
+            <a:xfrm>
+              <a:off x="1028700" y="2367643"/>
+              <a:ext cx="892629" cy="0"/>
+            </a:xfrm>
+            <a:prstGeom prst="line">
+              <a:avLst/>
+            </a:prstGeom>
+            <a:ln w="38100">
+              <a:solidFill>
+                <a:schemeClr val="tx1"/>
+              </a:solidFill>
+            </a:ln>
+          </p:spPr>
+          <p:style>
+            <a:lnRef idx="1">
+              <a:schemeClr val="accent1"/>
+            </a:lnRef>
+            <a:fillRef idx="0">
+              <a:schemeClr val="accent1"/>
+            </a:fillRef>
+            <a:effectRef idx="0">
+              <a:schemeClr val="accent1"/>
+            </a:effectRef>
+            <a:fontRef idx="minor">
+              <a:schemeClr val="tx1"/>
+            </a:fontRef>
+          </p:style>
+        </p:cxnSp>
+        <p:cxnSp>
+          <p:nvCxnSpPr>
+            <p:cNvPr id="1120" name="Connettore diritto 1119">
+              <a:extLst>
+                <a:ext uri="{FF2B5EF4-FFF2-40B4-BE49-F238E27FC236}">
+                  <a16:creationId xmlns:a16="http://schemas.microsoft.com/office/drawing/2014/main" id="{CE8A553E-5BD6-DA79-48F8-AD7D5B9AF777}"/>
+                </a:ext>
+              </a:extLst>
+            </p:cNvPr>
+            <p:cNvCxnSpPr>
+              <a:cxnSpLocks/>
+            </p:cNvCxnSpPr>
+            <p:nvPr/>
+          </p:nvCxnSpPr>
+          <p:spPr>
+            <a:xfrm>
+              <a:off x="1028699" y="2503715"/>
+              <a:ext cx="892629" cy="0"/>
+            </a:xfrm>
+            <a:prstGeom prst="line">
+              <a:avLst/>
+            </a:prstGeom>
+            <a:ln w="38100">
+              <a:solidFill>
+                <a:schemeClr val="tx1"/>
+              </a:solidFill>
+            </a:ln>
+          </p:spPr>
+          <p:style>
+            <a:lnRef idx="1">
+              <a:schemeClr val="accent1"/>
+            </a:lnRef>
+            <a:fillRef idx="0">
+              <a:schemeClr val="accent1"/>
+            </a:fillRef>
+            <a:effectRef idx="0">
+              <a:schemeClr val="accent1"/>
+            </a:effectRef>
+            <a:fontRef idx="minor">
+              <a:schemeClr val="tx1"/>
+            </a:fontRef>
+          </p:style>
+        </p:cxnSp>
+        <p:cxnSp>
+          <p:nvCxnSpPr>
+            <p:cNvPr id="1121" name="Connettore diritto 1120">
+              <a:extLst>
+                <a:ext uri="{FF2B5EF4-FFF2-40B4-BE49-F238E27FC236}">
+                  <a16:creationId xmlns:a16="http://schemas.microsoft.com/office/drawing/2014/main" id="{FC676BCC-B62C-A895-5247-692F2CC7B0D4}"/>
+                </a:ext>
+              </a:extLst>
+            </p:cNvPr>
+            <p:cNvCxnSpPr>
+              <a:cxnSpLocks/>
+            </p:cNvCxnSpPr>
+            <p:nvPr/>
+          </p:nvCxnSpPr>
+          <p:spPr>
+            <a:xfrm>
+              <a:off x="1028699" y="2672443"/>
+              <a:ext cx="495301" cy="0"/>
+            </a:xfrm>
+            <a:prstGeom prst="line">
+              <a:avLst/>
+            </a:prstGeom>
+            <a:ln w="38100">
+              <a:solidFill>
+                <a:schemeClr val="tx1"/>
+              </a:solidFill>
+            </a:ln>
+          </p:spPr>
+          <p:style>
+            <a:lnRef idx="1">
+              <a:schemeClr val="accent1"/>
+            </a:lnRef>
+            <a:fillRef idx="0">
+              <a:schemeClr val="accent1"/>
+            </a:fillRef>
+            <a:effectRef idx="0">
+              <a:schemeClr val="accent1"/>
+            </a:effectRef>
+            <a:fontRef idx="minor">
+              <a:schemeClr val="tx1"/>
+            </a:fontRef>
+          </p:style>
+        </p:cxnSp>
+      </p:grpSp>
+      <p:sp>
+        <p:nvSpPr>
+          <p:cNvPr id="1123" name="CasellaDiTesto 1122">
+            <a:extLst>
+              <a:ext uri="{FF2B5EF4-FFF2-40B4-BE49-F238E27FC236}">
+                <a16:creationId xmlns:a16="http://schemas.microsoft.com/office/drawing/2014/main" id="{42C214E3-517A-CC04-C877-73603E7ECD5E}"/>
+              </a:ext>
+            </a:extLst>
+          </p:cNvPr>
+          <p:cNvSpPr txBox="1"/>
+          <p:nvPr/>
+        </p:nvSpPr>
+        <p:spPr>
+          <a:xfrm>
+            <a:off x="155330" y="73572"/>
+            <a:ext cx="569884" cy="369332"/>
+          </a:xfrm>
+          <a:prstGeom prst="rect">
+            <a:avLst/>
+          </a:prstGeom>
+          <a:noFill/>
+        </p:spPr>
+        <p:txBody>
+          <a:bodyPr wrap="square" rtlCol="0">
+            <a:spAutoFit/>
+          </a:bodyPr>
+          <a:lstStyle/>
+          <a:p>
+            <a:r>
+              <a:rPr lang="en-US" dirty="0"/>
+              <a:t>A)</a:t>
+            </a:r>
+          </a:p>
+        </p:txBody>
+      </p:sp>
+      <p:sp>
+        <p:nvSpPr>
+          <p:cNvPr id="1124" name="CasellaDiTesto 1123">
+            <a:extLst>
+              <a:ext uri="{FF2B5EF4-FFF2-40B4-BE49-F238E27FC236}">
+                <a16:creationId xmlns:a16="http://schemas.microsoft.com/office/drawing/2014/main" id="{50F08E26-A187-4D22-F6F6-3A44FEEB04A3}"/>
+              </a:ext>
+            </a:extLst>
+          </p:cNvPr>
+          <p:cNvSpPr txBox="1"/>
+          <p:nvPr/>
+        </p:nvSpPr>
+        <p:spPr>
+          <a:xfrm>
+            <a:off x="7597516" y="78199"/>
+            <a:ext cx="569884" cy="369332"/>
+          </a:xfrm>
+          <a:prstGeom prst="rect">
+            <a:avLst/>
+          </a:prstGeom>
+          <a:noFill/>
+        </p:spPr>
+        <p:txBody>
+          <a:bodyPr wrap="square" rtlCol="0">
+            <a:spAutoFit/>
+          </a:bodyPr>
+          <a:lstStyle/>
+          <a:p>
+            <a:r>
+              <a:rPr lang="en-US" dirty="0"/>
+              <a:t>B)</a:t>
+            </a:r>
+          </a:p>
+        </p:txBody>
+      </p:sp>
+      <p:sp>
+        <p:nvSpPr>
+          <p:cNvPr id="1125" name="CasellaDiTesto 1124">
+            <a:extLst>
+              <a:ext uri="{FF2B5EF4-FFF2-40B4-BE49-F238E27FC236}">
+                <a16:creationId xmlns:a16="http://schemas.microsoft.com/office/drawing/2014/main" id="{5BDB02BA-D99B-A803-C3D5-329C6626515D}"/>
+              </a:ext>
+            </a:extLst>
+          </p:cNvPr>
+          <p:cNvSpPr txBox="1"/>
+          <p:nvPr/>
+        </p:nvSpPr>
+        <p:spPr>
+          <a:xfrm>
+            <a:off x="77815" y="3168490"/>
+            <a:ext cx="569884" cy="369332"/>
+          </a:xfrm>
+          <a:prstGeom prst="rect">
+            <a:avLst/>
+          </a:prstGeom>
+          <a:noFill/>
+        </p:spPr>
+        <p:txBody>
+          <a:bodyPr wrap="square" rtlCol="0">
+            <a:spAutoFit/>
+          </a:bodyPr>
+          <a:lstStyle/>
+          <a:p>
+            <a:r>
+              <a:rPr lang="en-US" dirty="0"/>
+              <a:t>C)</a:t>
+            </a:r>
+          </a:p>
+        </p:txBody>
+      </p:sp>
+      <p:sp>
+        <p:nvSpPr>
+          <p:cNvPr id="1126" name="CasellaDiTesto 1125">
+            <a:extLst>
+              <a:ext uri="{FF2B5EF4-FFF2-40B4-BE49-F238E27FC236}">
+                <a16:creationId xmlns:a16="http://schemas.microsoft.com/office/drawing/2014/main" id="{FC0D7D54-F879-E680-F48B-096021AE9930}"/>
+              </a:ext>
+            </a:extLst>
+          </p:cNvPr>
+          <p:cNvSpPr txBox="1"/>
+          <p:nvPr/>
+        </p:nvSpPr>
+        <p:spPr>
+          <a:xfrm>
+            <a:off x="7603769" y="3151531"/>
+            <a:ext cx="569884" cy="369332"/>
+          </a:xfrm>
+          <a:prstGeom prst="rect">
+            <a:avLst/>
+          </a:prstGeom>
+          <a:noFill/>
+        </p:spPr>
+        <p:txBody>
+          <a:bodyPr wrap="square" rtlCol="0">
+            <a:spAutoFit/>
+          </a:bodyPr>
+          <a:lstStyle/>
+          <a:p>
+            <a:r>
+              <a:rPr lang="en-US" dirty="0"/>
+              <a:t>D)</a:t>
+            </a:r>
+          </a:p>
+        </p:txBody>
+      </p:sp>
+    </p:spTree>
+    <p:extLst>
+      <p:ext uri="{BB962C8B-B14F-4D97-AF65-F5344CB8AC3E}">
+        <p14:creationId xmlns:p14="http://schemas.microsoft.com/office/powerpoint/2010/main" val="3004475731"/>
       </p:ext>
     </p:extLst>
   </p:cSld>

--- a/figures/addtional_figures.pptx
+++ b/figures/addtional_figures.pptx
@@ -5,11 +5,12 @@
     <p:sldMasterId id="2147483648" r:id="rId1"/>
   </p:sldMasterIdLst>
   <p:notesMasterIdLst>
-    <p:notesMasterId r:id="rId4"/>
+    <p:notesMasterId r:id="rId5"/>
   </p:notesMasterIdLst>
   <p:sldIdLst>
     <p:sldId id="256" r:id="rId2"/>
     <p:sldId id="257" r:id="rId3"/>
+    <p:sldId id="258" r:id="rId4"/>
   </p:sldIdLst>
   <p:sldSz cx="12192000" cy="6858000"/>
   <p:notesSz cx="6858000" cy="9144000"/>
@@ -198,7 +199,7 @@
           <a:p>
             <a:fld id="{141436AA-BBA3-41B5-A45C-EE3A47F06D69}" type="datetimeFigureOut">
               <a:rPr lang="en-US" smtClean="0"/>
-              <a:t>5/11/2024</a:t>
+              <a:t>5/18/2024</a:t>
             </a:fld>
             <a:endParaRPr lang="en-US"/>
           </a:p>
@@ -1005,7 +1006,7 @@
           <a:p>
             <a:fld id="{D1849B51-CB8F-4E70-B214-8C45EFD2E0E3}" type="datetimeFigureOut">
               <a:rPr lang="en-US" smtClean="0"/>
-              <a:t>5/11/2024</a:t>
+              <a:t>5/18/2024</a:t>
             </a:fld>
             <a:endParaRPr lang="en-US"/>
           </a:p>
@@ -1205,7 +1206,7 @@
           <a:p>
             <a:fld id="{D1849B51-CB8F-4E70-B214-8C45EFD2E0E3}" type="datetimeFigureOut">
               <a:rPr lang="en-US" smtClean="0"/>
-              <a:t>5/11/2024</a:t>
+              <a:t>5/18/2024</a:t>
             </a:fld>
             <a:endParaRPr lang="en-US"/>
           </a:p>
@@ -1415,7 +1416,7 @@
           <a:p>
             <a:fld id="{D1849B51-CB8F-4E70-B214-8C45EFD2E0E3}" type="datetimeFigureOut">
               <a:rPr lang="en-US" smtClean="0"/>
-              <a:t>5/11/2024</a:t>
+              <a:t>5/18/2024</a:t>
             </a:fld>
             <a:endParaRPr lang="en-US"/>
           </a:p>
@@ -1615,7 +1616,7 @@
           <a:p>
             <a:fld id="{D1849B51-CB8F-4E70-B214-8C45EFD2E0E3}" type="datetimeFigureOut">
               <a:rPr lang="en-US" smtClean="0"/>
-              <a:t>5/11/2024</a:t>
+              <a:t>5/18/2024</a:t>
             </a:fld>
             <a:endParaRPr lang="en-US"/>
           </a:p>
@@ -1891,7 +1892,7 @@
           <a:p>
             <a:fld id="{D1849B51-CB8F-4E70-B214-8C45EFD2E0E3}" type="datetimeFigureOut">
               <a:rPr lang="en-US" smtClean="0"/>
-              <a:t>5/11/2024</a:t>
+              <a:t>5/18/2024</a:t>
             </a:fld>
             <a:endParaRPr lang="en-US"/>
           </a:p>
@@ -2159,7 +2160,7 @@
           <a:p>
             <a:fld id="{D1849B51-CB8F-4E70-B214-8C45EFD2E0E3}" type="datetimeFigureOut">
               <a:rPr lang="en-US" smtClean="0"/>
-              <a:t>5/11/2024</a:t>
+              <a:t>5/18/2024</a:t>
             </a:fld>
             <a:endParaRPr lang="en-US"/>
           </a:p>
@@ -2574,7 +2575,7 @@
           <a:p>
             <a:fld id="{D1849B51-CB8F-4E70-B214-8C45EFD2E0E3}" type="datetimeFigureOut">
               <a:rPr lang="en-US" smtClean="0"/>
-              <a:t>5/11/2024</a:t>
+              <a:t>5/18/2024</a:t>
             </a:fld>
             <a:endParaRPr lang="en-US"/>
           </a:p>
@@ -2716,7 +2717,7 @@
           <a:p>
             <a:fld id="{D1849B51-CB8F-4E70-B214-8C45EFD2E0E3}" type="datetimeFigureOut">
               <a:rPr lang="en-US" smtClean="0"/>
-              <a:t>5/11/2024</a:t>
+              <a:t>5/18/2024</a:t>
             </a:fld>
             <a:endParaRPr lang="en-US"/>
           </a:p>
@@ -2829,7 +2830,7 @@
           <a:p>
             <a:fld id="{D1849B51-CB8F-4E70-B214-8C45EFD2E0E3}" type="datetimeFigureOut">
               <a:rPr lang="en-US" smtClean="0"/>
-              <a:t>5/11/2024</a:t>
+              <a:t>5/18/2024</a:t>
             </a:fld>
             <a:endParaRPr lang="en-US"/>
           </a:p>
@@ -3142,7 +3143,7 @@
           <a:p>
             <a:fld id="{D1849B51-CB8F-4E70-B214-8C45EFD2E0E3}" type="datetimeFigureOut">
               <a:rPr lang="en-US" smtClean="0"/>
-              <a:t>5/11/2024</a:t>
+              <a:t>5/18/2024</a:t>
             </a:fld>
             <a:endParaRPr lang="en-US"/>
           </a:p>
@@ -3431,7 +3432,7 @@
           <a:p>
             <a:fld id="{D1849B51-CB8F-4E70-B214-8C45EFD2E0E3}" type="datetimeFigureOut">
               <a:rPr lang="en-US" smtClean="0"/>
-              <a:t>5/11/2024</a:t>
+              <a:t>5/18/2024</a:t>
             </a:fld>
             <a:endParaRPr lang="en-US"/>
           </a:p>
@@ -3674,7 +3675,7 @@
           <a:p>
             <a:fld id="{D1849B51-CB8F-4E70-B214-8C45EFD2E0E3}" type="datetimeFigureOut">
               <a:rPr lang="en-US" smtClean="0"/>
-              <a:t>5/11/2024</a:t>
+              <a:t>5/18/2024</a:t>
             </a:fld>
             <a:endParaRPr lang="en-US"/>
           </a:p>
@@ -9903,6 +9904,1024 @@
     <p:extLst>
       <p:ext uri="{BB962C8B-B14F-4D97-AF65-F5344CB8AC3E}">
         <p14:creationId xmlns:p14="http://schemas.microsoft.com/office/powerpoint/2010/main" val="3004475731"/>
+      </p:ext>
+    </p:extLst>
+  </p:cSld>
+  <p:clrMapOvr>
+    <a:masterClrMapping/>
+  </p:clrMapOvr>
+</p:sld>
+</file>
+
+<file path=ppt/slides/slide3.xml><?xml version="1.0" encoding="utf-8"?>
+<p:sld xmlns:a="http://schemas.openxmlformats.org/drawingml/2006/main" xmlns:r="http://schemas.openxmlformats.org/officeDocument/2006/relationships" xmlns:p="http://schemas.openxmlformats.org/presentationml/2006/main">
+  <p:cSld>
+    <p:spTree>
+      <p:nvGrpSpPr>
+        <p:cNvPr id="1" name=""/>
+        <p:cNvGrpSpPr/>
+        <p:nvPr/>
+      </p:nvGrpSpPr>
+      <p:grpSpPr>
+        <a:xfrm>
+          <a:off x="0" y="0"/>
+          <a:ext cx="0" cy="0"/>
+          <a:chOff x="0" y="0"/>
+          <a:chExt cx="0" cy="0"/>
+        </a:xfrm>
+      </p:grpSpPr>
+      <p:cxnSp>
+        <p:nvCxnSpPr>
+          <p:cNvPr id="3" name="Connettore 2 2">
+            <a:extLst>
+              <a:ext uri="{FF2B5EF4-FFF2-40B4-BE49-F238E27FC236}">
+                <a16:creationId xmlns:a16="http://schemas.microsoft.com/office/drawing/2014/main" id="{436D5EE3-1031-8DBA-AE44-90B9BC3CD9FC}"/>
+              </a:ext>
+            </a:extLst>
+          </p:cNvPr>
+          <p:cNvCxnSpPr>
+            <a:cxnSpLocks/>
+          </p:cNvCxnSpPr>
+          <p:nvPr/>
+        </p:nvCxnSpPr>
+        <p:spPr>
+          <a:xfrm flipV="1">
+            <a:off x="1529857" y="492369"/>
+            <a:ext cx="0" cy="5521569"/>
+          </a:xfrm>
+          <a:prstGeom prst="straightConnector1">
+            <a:avLst/>
+          </a:prstGeom>
+          <a:ln w="57150">
+            <a:solidFill>
+              <a:schemeClr val="tx1"/>
+            </a:solidFill>
+            <a:tailEnd type="triangle"/>
+          </a:ln>
+        </p:spPr>
+        <p:style>
+          <a:lnRef idx="1">
+            <a:schemeClr val="accent1"/>
+          </a:lnRef>
+          <a:fillRef idx="0">
+            <a:schemeClr val="accent1"/>
+          </a:fillRef>
+          <a:effectRef idx="0">
+            <a:schemeClr val="accent1"/>
+          </a:effectRef>
+          <a:fontRef idx="minor">
+            <a:schemeClr val="tx1"/>
+          </a:fontRef>
+        </p:style>
+      </p:cxnSp>
+      <p:cxnSp>
+        <p:nvCxnSpPr>
+          <p:cNvPr id="7" name="Connettore 2 6">
+            <a:extLst>
+              <a:ext uri="{FF2B5EF4-FFF2-40B4-BE49-F238E27FC236}">
+                <a16:creationId xmlns:a16="http://schemas.microsoft.com/office/drawing/2014/main" id="{4CB386E7-BAC0-B024-CF0A-FF88E8572FF5}"/>
+              </a:ext>
+            </a:extLst>
+          </p:cNvPr>
+          <p:cNvCxnSpPr>
+            <a:cxnSpLocks/>
+          </p:cNvCxnSpPr>
+          <p:nvPr/>
+        </p:nvCxnSpPr>
+        <p:spPr>
+          <a:xfrm>
+            <a:off x="1682257" y="791307"/>
+            <a:ext cx="7162800" cy="5222631"/>
+          </a:xfrm>
+          <a:prstGeom prst="straightConnector1">
+            <a:avLst/>
+          </a:prstGeom>
+          <a:ln w="57150">
+            <a:solidFill>
+              <a:schemeClr val="tx1"/>
+            </a:solidFill>
+            <a:prstDash val="dash"/>
+            <a:headEnd type="none" w="med" len="med"/>
+            <a:tailEnd type="none" w="med" len="med"/>
+          </a:ln>
+        </p:spPr>
+        <p:style>
+          <a:lnRef idx="1">
+            <a:schemeClr val="accent1"/>
+          </a:lnRef>
+          <a:fillRef idx="0">
+            <a:schemeClr val="accent1"/>
+          </a:fillRef>
+          <a:effectRef idx="0">
+            <a:schemeClr val="accent1"/>
+          </a:effectRef>
+          <a:fontRef idx="minor">
+            <a:schemeClr val="tx1"/>
+          </a:fontRef>
+        </p:style>
+      </p:cxnSp>
+      <p:sp>
+        <p:nvSpPr>
+          <p:cNvPr id="13" name="Ovale 12">
+            <a:extLst>
+              <a:ext uri="{FF2B5EF4-FFF2-40B4-BE49-F238E27FC236}">
+                <a16:creationId xmlns:a16="http://schemas.microsoft.com/office/drawing/2014/main" id="{0AE24867-8EDB-8789-EB53-0F7FAE38A470}"/>
+              </a:ext>
+            </a:extLst>
+          </p:cNvPr>
+          <p:cNvSpPr/>
+          <p:nvPr/>
+        </p:nvSpPr>
+        <p:spPr>
+          <a:xfrm>
+            <a:off x="6172198" y="3930162"/>
+            <a:ext cx="404444" cy="404440"/>
+          </a:xfrm>
+          <a:prstGeom prst="ellipse">
+            <a:avLst/>
+          </a:prstGeom>
+        </p:spPr>
+        <p:style>
+          <a:lnRef idx="2">
+            <a:schemeClr val="accent1">
+              <a:shade val="15000"/>
+            </a:schemeClr>
+          </a:lnRef>
+          <a:fillRef idx="1">
+            <a:schemeClr val="accent1"/>
+          </a:fillRef>
+          <a:effectRef idx="0">
+            <a:schemeClr val="accent1"/>
+          </a:effectRef>
+          <a:fontRef idx="minor">
+            <a:schemeClr val="lt1"/>
+          </a:fontRef>
+        </p:style>
+        <p:txBody>
+          <a:bodyPr rtlCol="0" anchor="ctr"/>
+          <a:lstStyle/>
+          <a:p>
+            <a:pPr algn="ctr"/>
+            <a:endParaRPr lang="en-US"/>
+          </a:p>
+        </p:txBody>
+      </p:sp>
+      <p:sp>
+        <p:nvSpPr>
+          <p:cNvPr id="14" name="Ovale 13">
+            <a:extLst>
+              <a:ext uri="{FF2B5EF4-FFF2-40B4-BE49-F238E27FC236}">
+                <a16:creationId xmlns:a16="http://schemas.microsoft.com/office/drawing/2014/main" id="{33955E1F-A8D1-B2B0-8187-2A9F43AA29D8}"/>
+              </a:ext>
+            </a:extLst>
+          </p:cNvPr>
+          <p:cNvSpPr/>
+          <p:nvPr/>
+        </p:nvSpPr>
+        <p:spPr>
+          <a:xfrm>
+            <a:off x="6992813" y="4576397"/>
+            <a:ext cx="404444" cy="404440"/>
+          </a:xfrm>
+          <a:prstGeom prst="ellipse">
+            <a:avLst/>
+          </a:prstGeom>
+        </p:spPr>
+        <p:style>
+          <a:lnRef idx="2">
+            <a:schemeClr val="accent1">
+              <a:shade val="15000"/>
+            </a:schemeClr>
+          </a:lnRef>
+          <a:fillRef idx="1">
+            <a:schemeClr val="accent1"/>
+          </a:fillRef>
+          <a:effectRef idx="0">
+            <a:schemeClr val="accent1"/>
+          </a:effectRef>
+          <a:fontRef idx="minor">
+            <a:schemeClr val="lt1"/>
+          </a:fontRef>
+        </p:style>
+        <p:txBody>
+          <a:bodyPr rtlCol="0" anchor="ctr"/>
+          <a:lstStyle/>
+          <a:p>
+            <a:pPr algn="ctr"/>
+            <a:endParaRPr lang="en-US"/>
+          </a:p>
+        </p:txBody>
+      </p:sp>
+      <p:sp>
+        <p:nvSpPr>
+          <p:cNvPr id="15" name="Ovale 14">
+            <a:extLst>
+              <a:ext uri="{FF2B5EF4-FFF2-40B4-BE49-F238E27FC236}">
+                <a16:creationId xmlns:a16="http://schemas.microsoft.com/office/drawing/2014/main" id="{1E951D20-CAD3-6510-7CF3-31E4245ED901}"/>
+              </a:ext>
+            </a:extLst>
+          </p:cNvPr>
+          <p:cNvSpPr/>
+          <p:nvPr/>
+        </p:nvSpPr>
+        <p:spPr>
+          <a:xfrm>
+            <a:off x="7690336" y="5092948"/>
+            <a:ext cx="404444" cy="404440"/>
+          </a:xfrm>
+          <a:prstGeom prst="ellipse">
+            <a:avLst/>
+          </a:prstGeom>
+        </p:spPr>
+        <p:style>
+          <a:lnRef idx="2">
+            <a:schemeClr val="accent1">
+              <a:shade val="15000"/>
+            </a:schemeClr>
+          </a:lnRef>
+          <a:fillRef idx="1">
+            <a:schemeClr val="accent1"/>
+          </a:fillRef>
+          <a:effectRef idx="0">
+            <a:schemeClr val="accent1"/>
+          </a:effectRef>
+          <a:fontRef idx="minor">
+            <a:schemeClr val="lt1"/>
+          </a:fontRef>
+        </p:style>
+        <p:txBody>
+          <a:bodyPr rtlCol="0" anchor="ctr"/>
+          <a:lstStyle/>
+          <a:p>
+            <a:pPr algn="ctr"/>
+            <a:endParaRPr lang="en-US"/>
+          </a:p>
+        </p:txBody>
+      </p:sp>
+      <p:sp>
+        <p:nvSpPr>
+          <p:cNvPr id="16" name="Ovale 15">
+            <a:extLst>
+              <a:ext uri="{FF2B5EF4-FFF2-40B4-BE49-F238E27FC236}">
+                <a16:creationId xmlns:a16="http://schemas.microsoft.com/office/drawing/2014/main" id="{15C8D597-F77E-133C-81DB-77187C221780}"/>
+              </a:ext>
+            </a:extLst>
+          </p:cNvPr>
+          <p:cNvSpPr/>
+          <p:nvPr/>
+        </p:nvSpPr>
+        <p:spPr>
+          <a:xfrm>
+            <a:off x="1981198" y="902315"/>
+            <a:ext cx="404444" cy="404440"/>
+          </a:xfrm>
+          <a:prstGeom prst="ellipse">
+            <a:avLst/>
+          </a:prstGeom>
+        </p:spPr>
+        <p:style>
+          <a:lnRef idx="2">
+            <a:schemeClr val="accent1">
+              <a:shade val="15000"/>
+            </a:schemeClr>
+          </a:lnRef>
+          <a:fillRef idx="1">
+            <a:schemeClr val="accent1"/>
+          </a:fillRef>
+          <a:effectRef idx="0">
+            <a:schemeClr val="accent1"/>
+          </a:effectRef>
+          <a:fontRef idx="minor">
+            <a:schemeClr val="lt1"/>
+          </a:fontRef>
+        </p:style>
+        <p:txBody>
+          <a:bodyPr rtlCol="0" anchor="ctr"/>
+          <a:lstStyle/>
+          <a:p>
+            <a:pPr algn="ctr"/>
+            <a:endParaRPr lang="en-US"/>
+          </a:p>
+        </p:txBody>
+      </p:sp>
+      <p:sp>
+        <p:nvSpPr>
+          <p:cNvPr id="17" name="Ovale 16">
+            <a:extLst>
+              <a:ext uri="{FF2B5EF4-FFF2-40B4-BE49-F238E27FC236}">
+                <a16:creationId xmlns:a16="http://schemas.microsoft.com/office/drawing/2014/main" id="{3E5EA00A-B195-ED34-77A4-1017AEB04FC5}"/>
+              </a:ext>
+            </a:extLst>
+          </p:cNvPr>
+          <p:cNvSpPr/>
+          <p:nvPr/>
+        </p:nvSpPr>
+        <p:spPr>
+          <a:xfrm>
+            <a:off x="2801813" y="1548550"/>
+            <a:ext cx="404444" cy="404440"/>
+          </a:xfrm>
+          <a:prstGeom prst="ellipse">
+            <a:avLst/>
+          </a:prstGeom>
+        </p:spPr>
+        <p:style>
+          <a:lnRef idx="2">
+            <a:schemeClr val="accent1">
+              <a:shade val="15000"/>
+            </a:schemeClr>
+          </a:lnRef>
+          <a:fillRef idx="1">
+            <a:schemeClr val="accent1"/>
+          </a:fillRef>
+          <a:effectRef idx="0">
+            <a:schemeClr val="accent1"/>
+          </a:effectRef>
+          <a:fontRef idx="minor">
+            <a:schemeClr val="lt1"/>
+          </a:fontRef>
+        </p:style>
+        <p:txBody>
+          <a:bodyPr rtlCol="0" anchor="ctr"/>
+          <a:lstStyle/>
+          <a:p>
+            <a:pPr algn="ctr"/>
+            <a:endParaRPr lang="en-US"/>
+          </a:p>
+        </p:txBody>
+      </p:sp>
+      <p:sp>
+        <p:nvSpPr>
+          <p:cNvPr id="18" name="Ovale 17">
+            <a:extLst>
+              <a:ext uri="{FF2B5EF4-FFF2-40B4-BE49-F238E27FC236}">
+                <a16:creationId xmlns:a16="http://schemas.microsoft.com/office/drawing/2014/main" id="{694CC205-3CF2-8915-6955-6D0122AF7E52}"/>
+              </a:ext>
+            </a:extLst>
+          </p:cNvPr>
+          <p:cNvSpPr/>
+          <p:nvPr/>
+        </p:nvSpPr>
+        <p:spPr>
+          <a:xfrm>
+            <a:off x="3499336" y="2065101"/>
+            <a:ext cx="404444" cy="404440"/>
+          </a:xfrm>
+          <a:prstGeom prst="ellipse">
+            <a:avLst/>
+          </a:prstGeom>
+        </p:spPr>
+        <p:style>
+          <a:lnRef idx="2">
+            <a:schemeClr val="accent1">
+              <a:shade val="15000"/>
+            </a:schemeClr>
+          </a:lnRef>
+          <a:fillRef idx="1">
+            <a:schemeClr val="accent1"/>
+          </a:fillRef>
+          <a:effectRef idx="0">
+            <a:schemeClr val="accent1"/>
+          </a:effectRef>
+          <a:fontRef idx="minor">
+            <a:schemeClr val="lt1"/>
+          </a:fontRef>
+        </p:style>
+        <p:txBody>
+          <a:bodyPr rtlCol="0" anchor="ctr"/>
+          <a:lstStyle/>
+          <a:p>
+            <a:pPr algn="ctr"/>
+            <a:endParaRPr lang="en-US"/>
+          </a:p>
+        </p:txBody>
+      </p:sp>
+      <p:sp>
+        <p:nvSpPr>
+          <p:cNvPr id="19" name="CasellaDiTesto 18">
+            <a:extLst>
+              <a:ext uri="{FF2B5EF4-FFF2-40B4-BE49-F238E27FC236}">
+                <a16:creationId xmlns:a16="http://schemas.microsoft.com/office/drawing/2014/main" id="{C43C13EA-4EAE-FC70-63D4-5E6CB5CFC809}"/>
+              </a:ext>
+            </a:extLst>
+          </p:cNvPr>
+          <p:cNvSpPr txBox="1"/>
+          <p:nvPr/>
+        </p:nvSpPr>
+        <p:spPr>
+          <a:xfrm>
+            <a:off x="2557090" y="708834"/>
+            <a:ext cx="4160221" cy="646331"/>
+          </a:xfrm>
+          <a:prstGeom prst="rect">
+            <a:avLst/>
+          </a:prstGeom>
+          <a:noFill/>
+        </p:spPr>
+        <p:txBody>
+          <a:bodyPr wrap="square" rtlCol="0">
+            <a:spAutoFit/>
+          </a:bodyPr>
+          <a:lstStyle/>
+          <a:p>
+            <a:r>
+              <a:rPr lang="en-US" b="1" dirty="0"/>
+              <a:t>Deep learning </a:t>
+            </a:r>
+          </a:p>
+          <a:p>
+            <a:r>
+              <a:rPr lang="en-US" b="1" dirty="0"/>
+              <a:t>(NN, CNN, transformer, diffusion models)</a:t>
+            </a:r>
+          </a:p>
+        </p:txBody>
+      </p:sp>
+      <p:cxnSp>
+        <p:nvCxnSpPr>
+          <p:cNvPr id="5" name="Connettore 2 4">
+            <a:extLst>
+              <a:ext uri="{FF2B5EF4-FFF2-40B4-BE49-F238E27FC236}">
+                <a16:creationId xmlns:a16="http://schemas.microsoft.com/office/drawing/2014/main" id="{2BE8B6A9-02FC-4DA5-5753-C66D8F6A2DE1}"/>
+              </a:ext>
+            </a:extLst>
+          </p:cNvPr>
+          <p:cNvCxnSpPr>
+            <a:cxnSpLocks/>
+          </p:cNvCxnSpPr>
+          <p:nvPr/>
+        </p:nvCxnSpPr>
+        <p:spPr>
+          <a:xfrm>
+            <a:off x="1529857" y="6013938"/>
+            <a:ext cx="7772403" cy="17585"/>
+          </a:xfrm>
+          <a:prstGeom prst="straightConnector1">
+            <a:avLst/>
+          </a:prstGeom>
+          <a:ln w="57150">
+            <a:solidFill>
+              <a:schemeClr val="tx1"/>
+            </a:solidFill>
+            <a:tailEnd type="triangle"/>
+          </a:ln>
+        </p:spPr>
+        <p:style>
+          <a:lnRef idx="1">
+            <a:schemeClr val="accent1"/>
+          </a:lnRef>
+          <a:fillRef idx="0">
+            <a:schemeClr val="accent1"/>
+          </a:fillRef>
+          <a:effectRef idx="0">
+            <a:schemeClr val="accent1"/>
+          </a:effectRef>
+          <a:fontRef idx="minor">
+            <a:schemeClr val="tx1"/>
+          </a:fontRef>
+        </p:style>
+      </p:cxnSp>
+      <p:grpSp>
+        <p:nvGrpSpPr>
+          <p:cNvPr id="23" name="Gruppo 22">
+            <a:extLst>
+              <a:ext uri="{FF2B5EF4-FFF2-40B4-BE49-F238E27FC236}">
+                <a16:creationId xmlns:a16="http://schemas.microsoft.com/office/drawing/2014/main" id="{2C59D62C-C6D1-6C80-AA8A-B05A394373F4}"/>
+              </a:ext>
+            </a:extLst>
+          </p:cNvPr>
+          <p:cNvGrpSpPr/>
+          <p:nvPr/>
+        </p:nvGrpSpPr>
+        <p:grpSpPr>
+          <a:xfrm>
+            <a:off x="1610452" y="6142470"/>
+            <a:ext cx="7625863" cy="376027"/>
+            <a:chOff x="1610452" y="6142470"/>
+            <a:chExt cx="7625863" cy="376027"/>
+          </a:xfrm>
+        </p:grpSpPr>
+        <p:sp>
+          <p:nvSpPr>
+            <p:cNvPr id="6" name="CasellaDiTesto 5">
+              <a:extLst>
+                <a:ext uri="{FF2B5EF4-FFF2-40B4-BE49-F238E27FC236}">
+                  <a16:creationId xmlns:a16="http://schemas.microsoft.com/office/drawing/2014/main" id="{D5185447-4A5D-0DBB-3A1C-8055528B6E51}"/>
+                </a:ext>
+              </a:extLst>
+            </p:cNvPr>
+            <p:cNvSpPr txBox="1"/>
+            <p:nvPr/>
+          </p:nvSpPr>
+          <p:spPr>
+            <a:xfrm>
+              <a:off x="3933098" y="6149165"/>
+              <a:ext cx="2625965" cy="369332"/>
+            </a:xfrm>
+            <a:prstGeom prst="rect">
+              <a:avLst/>
+            </a:prstGeom>
+            <a:noFill/>
+          </p:spPr>
+          <p:txBody>
+            <a:bodyPr wrap="square" rtlCol="0">
+              <a:spAutoFit/>
+            </a:bodyPr>
+            <a:lstStyle/>
+            <a:p>
+              <a:pPr algn="ctr"/>
+              <a:r>
+                <a:rPr lang="en-US" b="1" dirty="0"/>
+                <a:t>Interpretability</a:t>
+              </a:r>
+            </a:p>
+          </p:txBody>
+        </p:sp>
+        <p:sp>
+          <p:nvSpPr>
+            <p:cNvPr id="20" name="CasellaDiTesto 19">
+              <a:extLst>
+                <a:ext uri="{FF2B5EF4-FFF2-40B4-BE49-F238E27FC236}">
+                  <a16:creationId xmlns:a16="http://schemas.microsoft.com/office/drawing/2014/main" id="{2F3515F3-C879-5A77-7023-7901C55EC46B}"/>
+                </a:ext>
+              </a:extLst>
+            </p:cNvPr>
+            <p:cNvSpPr txBox="1"/>
+            <p:nvPr/>
+          </p:nvSpPr>
+          <p:spPr>
+            <a:xfrm>
+              <a:off x="1610452" y="6142470"/>
+              <a:ext cx="1141535" cy="369332"/>
+            </a:xfrm>
+            <a:prstGeom prst="rect">
+              <a:avLst/>
+            </a:prstGeom>
+            <a:noFill/>
+          </p:spPr>
+          <p:txBody>
+            <a:bodyPr wrap="square" rtlCol="0">
+              <a:spAutoFit/>
+            </a:bodyPr>
+            <a:lstStyle/>
+            <a:p>
+              <a:pPr algn="ctr"/>
+              <a:r>
+                <a:rPr lang="en-US" b="1" dirty="0"/>
+                <a:t>Low</a:t>
+              </a:r>
+            </a:p>
+          </p:txBody>
+        </p:sp>
+        <p:sp>
+          <p:nvSpPr>
+            <p:cNvPr id="21" name="CasellaDiTesto 20">
+              <a:extLst>
+                <a:ext uri="{FF2B5EF4-FFF2-40B4-BE49-F238E27FC236}">
+                  <a16:creationId xmlns:a16="http://schemas.microsoft.com/office/drawing/2014/main" id="{6EFB8C8D-FB4A-ACD4-FE92-0E48FA16737B}"/>
+                </a:ext>
+              </a:extLst>
+            </p:cNvPr>
+            <p:cNvSpPr txBox="1"/>
+            <p:nvPr/>
+          </p:nvSpPr>
+          <p:spPr>
+            <a:xfrm>
+              <a:off x="8094780" y="6149165"/>
+              <a:ext cx="1141535" cy="369332"/>
+            </a:xfrm>
+            <a:prstGeom prst="rect">
+              <a:avLst/>
+            </a:prstGeom>
+            <a:noFill/>
+          </p:spPr>
+          <p:txBody>
+            <a:bodyPr wrap="square" rtlCol="0">
+              <a:spAutoFit/>
+            </a:bodyPr>
+            <a:lstStyle/>
+            <a:p>
+              <a:pPr algn="ctr"/>
+              <a:r>
+                <a:rPr lang="en-US" b="1" dirty="0"/>
+                <a:t>high</a:t>
+              </a:r>
+            </a:p>
+          </p:txBody>
+        </p:sp>
+      </p:grpSp>
+      <p:grpSp>
+        <p:nvGrpSpPr>
+          <p:cNvPr id="24" name="Gruppo 23">
+            <a:extLst>
+              <a:ext uri="{FF2B5EF4-FFF2-40B4-BE49-F238E27FC236}">
+                <a16:creationId xmlns:a16="http://schemas.microsoft.com/office/drawing/2014/main" id="{686B83B1-E2FD-EFA7-034B-E89D1D2DA3A7}"/>
+              </a:ext>
+            </a:extLst>
+          </p:cNvPr>
+          <p:cNvGrpSpPr/>
+          <p:nvPr/>
+        </p:nvGrpSpPr>
+        <p:grpSpPr>
+          <a:xfrm rot="16200000">
+            <a:off x="-1761848" y="3143872"/>
+            <a:ext cx="5990505" cy="376027"/>
+            <a:chOff x="1610452" y="6142470"/>
+            <a:chExt cx="5990505" cy="376027"/>
+          </a:xfrm>
+        </p:grpSpPr>
+        <p:sp>
+          <p:nvSpPr>
+            <p:cNvPr id="25" name="CasellaDiTesto 24">
+              <a:extLst>
+                <a:ext uri="{FF2B5EF4-FFF2-40B4-BE49-F238E27FC236}">
+                  <a16:creationId xmlns:a16="http://schemas.microsoft.com/office/drawing/2014/main" id="{ADD78694-E43A-2622-010E-3979B0169DAB}"/>
+                </a:ext>
+              </a:extLst>
+            </p:cNvPr>
+            <p:cNvSpPr txBox="1"/>
+            <p:nvPr/>
+          </p:nvSpPr>
+          <p:spPr>
+            <a:xfrm>
+              <a:off x="3124200" y="6149165"/>
+              <a:ext cx="2625965" cy="369332"/>
+            </a:xfrm>
+            <a:prstGeom prst="rect">
+              <a:avLst/>
+            </a:prstGeom>
+            <a:noFill/>
+          </p:spPr>
+          <p:txBody>
+            <a:bodyPr wrap="square" rtlCol="0">
+              <a:spAutoFit/>
+            </a:bodyPr>
+            <a:lstStyle/>
+            <a:p>
+              <a:pPr algn="ctr"/>
+              <a:r>
+                <a:rPr lang="en-US" b="1" dirty="0"/>
+                <a:t>Interpretability</a:t>
+              </a:r>
+            </a:p>
+          </p:txBody>
+        </p:sp>
+        <p:sp>
+          <p:nvSpPr>
+            <p:cNvPr id="26" name="CasellaDiTesto 25">
+              <a:extLst>
+                <a:ext uri="{FF2B5EF4-FFF2-40B4-BE49-F238E27FC236}">
+                  <a16:creationId xmlns:a16="http://schemas.microsoft.com/office/drawing/2014/main" id="{8ECB55E2-F5CF-08CD-27FB-A484186A9E8C}"/>
+                </a:ext>
+              </a:extLst>
+            </p:cNvPr>
+            <p:cNvSpPr txBox="1"/>
+            <p:nvPr/>
+          </p:nvSpPr>
+          <p:spPr>
+            <a:xfrm>
+              <a:off x="1610452" y="6142470"/>
+              <a:ext cx="1141535" cy="369332"/>
+            </a:xfrm>
+            <a:prstGeom prst="rect">
+              <a:avLst/>
+            </a:prstGeom>
+            <a:noFill/>
+          </p:spPr>
+          <p:txBody>
+            <a:bodyPr wrap="square" rtlCol="0">
+              <a:spAutoFit/>
+            </a:bodyPr>
+            <a:lstStyle/>
+            <a:p>
+              <a:pPr algn="ctr"/>
+              <a:r>
+                <a:rPr lang="en-US" b="1" dirty="0"/>
+                <a:t>Low</a:t>
+              </a:r>
+            </a:p>
+          </p:txBody>
+        </p:sp>
+        <p:sp>
+          <p:nvSpPr>
+            <p:cNvPr id="27" name="CasellaDiTesto 26">
+              <a:extLst>
+                <a:ext uri="{FF2B5EF4-FFF2-40B4-BE49-F238E27FC236}">
+                  <a16:creationId xmlns:a16="http://schemas.microsoft.com/office/drawing/2014/main" id="{1E5945D5-3071-88AB-ED5E-E8080B42D371}"/>
+                </a:ext>
+              </a:extLst>
+            </p:cNvPr>
+            <p:cNvSpPr txBox="1"/>
+            <p:nvPr/>
+          </p:nvSpPr>
+          <p:spPr>
+            <a:xfrm>
+              <a:off x="6459422" y="6149165"/>
+              <a:ext cx="1141535" cy="369332"/>
+            </a:xfrm>
+            <a:prstGeom prst="rect">
+              <a:avLst/>
+            </a:prstGeom>
+            <a:noFill/>
+          </p:spPr>
+          <p:txBody>
+            <a:bodyPr wrap="square" rtlCol="0">
+              <a:spAutoFit/>
+            </a:bodyPr>
+            <a:lstStyle/>
+            <a:p>
+              <a:pPr algn="ctr"/>
+              <a:r>
+                <a:rPr lang="en-US" b="1" dirty="0"/>
+                <a:t>high</a:t>
+              </a:r>
+            </a:p>
+          </p:txBody>
+        </p:sp>
+      </p:grpSp>
+      <p:sp>
+        <p:nvSpPr>
+          <p:cNvPr id="28" name="CasellaDiTesto 27">
+            <a:extLst>
+              <a:ext uri="{FF2B5EF4-FFF2-40B4-BE49-F238E27FC236}">
+                <a16:creationId xmlns:a16="http://schemas.microsoft.com/office/drawing/2014/main" id="{72BAC6C9-7424-1D98-4FED-8D40D119FF85}"/>
+              </a:ext>
+            </a:extLst>
+          </p:cNvPr>
+          <p:cNvSpPr txBox="1"/>
+          <p:nvPr/>
+        </p:nvSpPr>
+        <p:spPr>
+          <a:xfrm>
+            <a:off x="3296379" y="1355165"/>
+            <a:ext cx="4160221" cy="646331"/>
+          </a:xfrm>
+          <a:prstGeom prst="rect">
+            <a:avLst/>
+          </a:prstGeom>
+          <a:noFill/>
+        </p:spPr>
+        <p:txBody>
+          <a:bodyPr wrap="square" rtlCol="0">
+            <a:spAutoFit/>
+          </a:bodyPr>
+          <a:lstStyle/>
+          <a:p>
+            <a:r>
+              <a:rPr lang="en-US" b="1" dirty="0"/>
+              <a:t>Ensemble methods</a:t>
+            </a:r>
+          </a:p>
+          <a:p>
+            <a:r>
+              <a:rPr lang="en-US" b="1" dirty="0"/>
+              <a:t>(random forest, </a:t>
+            </a:r>
+            <a:r>
+              <a:rPr lang="en-US" b="1" dirty="0" err="1"/>
+              <a:t>XGBoost</a:t>
+            </a:r>
+            <a:r>
+              <a:rPr lang="en-US" b="1" dirty="0"/>
+              <a:t>, </a:t>
+            </a:r>
+            <a:r>
+              <a:rPr lang="en-US" b="1" dirty="0" err="1"/>
+              <a:t>CatBoost</a:t>
+            </a:r>
+            <a:r>
+              <a:rPr lang="en-US" b="1" dirty="0"/>
+              <a:t>)</a:t>
+            </a:r>
+          </a:p>
+        </p:txBody>
+      </p:sp>
+      <p:sp>
+        <p:nvSpPr>
+          <p:cNvPr id="29" name="CasellaDiTesto 28">
+            <a:extLst>
+              <a:ext uri="{FF2B5EF4-FFF2-40B4-BE49-F238E27FC236}">
+                <a16:creationId xmlns:a16="http://schemas.microsoft.com/office/drawing/2014/main" id="{3A31B746-94F6-0FB9-8574-B51DE55F7641}"/>
+              </a:ext>
+            </a:extLst>
+          </p:cNvPr>
+          <p:cNvSpPr txBox="1"/>
+          <p:nvPr/>
+        </p:nvSpPr>
+        <p:spPr>
+          <a:xfrm>
+            <a:off x="4078153" y="2016696"/>
+            <a:ext cx="4160221" cy="646331"/>
+          </a:xfrm>
+          <a:prstGeom prst="rect">
+            <a:avLst/>
+          </a:prstGeom>
+          <a:noFill/>
+        </p:spPr>
+        <p:txBody>
+          <a:bodyPr wrap="square" rtlCol="0">
+            <a:spAutoFit/>
+          </a:bodyPr>
+          <a:lstStyle/>
+          <a:p>
+            <a:r>
+              <a:rPr lang="en-US" b="1" dirty="0"/>
+              <a:t>Kernel based methods</a:t>
+            </a:r>
+          </a:p>
+          <a:p>
+            <a:r>
+              <a:rPr lang="en-US" b="1" dirty="0"/>
+              <a:t>(PCA, SVM)</a:t>
+            </a:r>
+          </a:p>
+        </p:txBody>
+      </p:sp>
+      <p:sp>
+        <p:nvSpPr>
+          <p:cNvPr id="30" name="CasellaDiTesto 29">
+            <a:extLst>
+              <a:ext uri="{FF2B5EF4-FFF2-40B4-BE49-F238E27FC236}">
+                <a16:creationId xmlns:a16="http://schemas.microsoft.com/office/drawing/2014/main" id="{DE3F5B71-0BA4-3675-840E-255A6327F12E}"/>
+              </a:ext>
+            </a:extLst>
+          </p:cNvPr>
+          <p:cNvSpPr txBox="1"/>
+          <p:nvPr/>
+        </p:nvSpPr>
+        <p:spPr>
+          <a:xfrm>
+            <a:off x="6764946" y="3919814"/>
+            <a:ext cx="4160221" cy="369332"/>
+          </a:xfrm>
+          <a:prstGeom prst="rect">
+            <a:avLst/>
+          </a:prstGeom>
+          <a:noFill/>
+        </p:spPr>
+        <p:txBody>
+          <a:bodyPr wrap="square" rtlCol="0">
+            <a:spAutoFit/>
+          </a:bodyPr>
+          <a:lstStyle/>
+          <a:p>
+            <a:r>
+              <a:rPr lang="en-US" b="1" dirty="0"/>
+              <a:t>Decision trees</a:t>
+            </a:r>
+          </a:p>
+        </p:txBody>
+      </p:sp>
+      <p:sp>
+        <p:nvSpPr>
+          <p:cNvPr id="31" name="CasellaDiTesto 30">
+            <a:extLst>
+              <a:ext uri="{FF2B5EF4-FFF2-40B4-BE49-F238E27FC236}">
+                <a16:creationId xmlns:a16="http://schemas.microsoft.com/office/drawing/2014/main" id="{10963DA0-BC19-13A8-FEAE-8B658BF39D2B}"/>
+              </a:ext>
+            </a:extLst>
+          </p:cNvPr>
+          <p:cNvSpPr txBox="1"/>
+          <p:nvPr/>
+        </p:nvSpPr>
+        <p:spPr>
+          <a:xfrm>
+            <a:off x="7677143" y="4516619"/>
+            <a:ext cx="4160221" cy="369332"/>
+          </a:xfrm>
+          <a:prstGeom prst="rect">
+            <a:avLst/>
+          </a:prstGeom>
+          <a:noFill/>
+        </p:spPr>
+        <p:txBody>
+          <a:bodyPr wrap="square" rtlCol="0">
+            <a:spAutoFit/>
+          </a:bodyPr>
+          <a:lstStyle/>
+          <a:p>
+            <a:r>
+              <a:rPr lang="en-US" b="1" dirty="0"/>
+              <a:t>Naïve Bayes</a:t>
+            </a:r>
+          </a:p>
+        </p:txBody>
+      </p:sp>
+      <p:sp>
+        <p:nvSpPr>
+          <p:cNvPr id="32" name="CasellaDiTesto 31">
+            <a:extLst>
+              <a:ext uri="{FF2B5EF4-FFF2-40B4-BE49-F238E27FC236}">
+                <a16:creationId xmlns:a16="http://schemas.microsoft.com/office/drawing/2014/main" id="{20DDF35D-D0D3-577A-3C0E-E7ACD347CDDB}"/>
+              </a:ext>
+            </a:extLst>
+          </p:cNvPr>
+          <p:cNvSpPr txBox="1"/>
+          <p:nvPr/>
+        </p:nvSpPr>
+        <p:spPr>
+          <a:xfrm>
+            <a:off x="8474297" y="5034446"/>
+            <a:ext cx="4160221" cy="646331"/>
+          </a:xfrm>
+          <a:prstGeom prst="rect">
+            <a:avLst/>
+          </a:prstGeom>
+          <a:noFill/>
+        </p:spPr>
+        <p:txBody>
+          <a:bodyPr wrap="square" rtlCol="0">
+            <a:spAutoFit/>
+          </a:bodyPr>
+          <a:lstStyle/>
+          <a:p>
+            <a:r>
+              <a:rPr lang="en-US" b="1" dirty="0"/>
+              <a:t>Linear models</a:t>
+            </a:r>
+          </a:p>
+          <a:p>
+            <a:r>
+              <a:rPr lang="en-US" b="1" dirty="0"/>
+              <a:t>Linear regression, logistic regression</a:t>
+            </a:r>
+          </a:p>
+        </p:txBody>
+      </p:sp>
+      <p:sp>
+        <p:nvSpPr>
+          <p:cNvPr id="33" name="CasellaDiTesto 32">
+            <a:extLst>
+              <a:ext uri="{FF2B5EF4-FFF2-40B4-BE49-F238E27FC236}">
+                <a16:creationId xmlns:a16="http://schemas.microsoft.com/office/drawing/2014/main" id="{188D17B4-968C-5359-52A7-881893640189}"/>
+              </a:ext>
+            </a:extLst>
+          </p:cNvPr>
+          <p:cNvSpPr txBox="1"/>
+          <p:nvPr/>
+        </p:nvSpPr>
+        <p:spPr>
+          <a:xfrm>
+            <a:off x="7503494" y="1368002"/>
+            <a:ext cx="3683314" cy="461665"/>
+          </a:xfrm>
+          <a:prstGeom prst="rect">
+            <a:avLst/>
+          </a:prstGeom>
+          <a:noFill/>
+        </p:spPr>
+        <p:txBody>
+          <a:bodyPr wrap="square" rtlCol="0">
+            <a:spAutoFit/>
+          </a:bodyPr>
+          <a:lstStyle/>
+          <a:p>
+            <a:r>
+              <a:rPr lang="en-US" sz="2400" b="1" dirty="0"/>
+              <a:t>Black Box models</a:t>
+            </a:r>
+          </a:p>
+        </p:txBody>
+      </p:sp>
+      <p:sp>
+        <p:nvSpPr>
+          <p:cNvPr id="34" name="CasellaDiTesto 33">
+            <a:extLst>
+              <a:ext uri="{FF2B5EF4-FFF2-40B4-BE49-F238E27FC236}">
+                <a16:creationId xmlns:a16="http://schemas.microsoft.com/office/drawing/2014/main" id="{DC0B2F7F-5EF0-25F5-0CDF-9D916DD46DD3}"/>
+              </a:ext>
+            </a:extLst>
+          </p:cNvPr>
+          <p:cNvSpPr txBox="1"/>
+          <p:nvPr/>
+        </p:nvSpPr>
+        <p:spPr>
+          <a:xfrm>
+            <a:off x="3048660" y="4800030"/>
+            <a:ext cx="3683314" cy="461665"/>
+          </a:xfrm>
+          <a:prstGeom prst="rect">
+            <a:avLst/>
+          </a:prstGeom>
+          <a:noFill/>
+        </p:spPr>
+        <p:txBody>
+          <a:bodyPr wrap="square" rtlCol="0">
+            <a:spAutoFit/>
+          </a:bodyPr>
+          <a:lstStyle/>
+          <a:p>
+            <a:r>
+              <a:rPr lang="en-US" sz="2400" b="1" dirty="0"/>
+              <a:t>Interpretable models</a:t>
+            </a:r>
+          </a:p>
+        </p:txBody>
+      </p:sp>
+    </p:spTree>
+    <p:extLst>
+      <p:ext uri="{BB962C8B-B14F-4D97-AF65-F5344CB8AC3E}">
+        <p14:creationId xmlns:p14="http://schemas.microsoft.com/office/powerpoint/2010/main" val="3757738727"/>
       </p:ext>
     </p:extLst>
   </p:cSld>

--- a/figures/addtional_figures.pptx
+++ b/figures/addtional_figures.pptx
@@ -5,12 +5,13 @@
     <p:sldMasterId id="2147483648" r:id="rId1"/>
   </p:sldMasterIdLst>
   <p:notesMasterIdLst>
-    <p:notesMasterId r:id="rId5"/>
+    <p:notesMasterId r:id="rId6"/>
   </p:notesMasterIdLst>
   <p:sldIdLst>
     <p:sldId id="256" r:id="rId2"/>
     <p:sldId id="257" r:id="rId3"/>
     <p:sldId id="258" r:id="rId4"/>
+    <p:sldId id="259" r:id="rId5"/>
   </p:sldIdLst>
   <p:sldSz cx="12192000" cy="6858000"/>
   <p:notesSz cx="6858000" cy="9144000"/>
@@ -199,7 +200,7 @@
           <a:p>
             <a:fld id="{141436AA-BBA3-41B5-A45C-EE3A47F06D69}" type="datetimeFigureOut">
               <a:rPr lang="en-US" smtClean="0"/>
-              <a:t>5/18/2024</a:t>
+              <a:t>6/29/2024</a:t>
             </a:fld>
             <a:endParaRPr lang="en-US"/>
           </a:p>
@@ -1006,7 +1007,7 @@
           <a:p>
             <a:fld id="{D1849B51-CB8F-4E70-B214-8C45EFD2E0E3}" type="datetimeFigureOut">
               <a:rPr lang="en-US" smtClean="0"/>
-              <a:t>5/18/2024</a:t>
+              <a:t>6/29/2024</a:t>
             </a:fld>
             <a:endParaRPr lang="en-US"/>
           </a:p>
@@ -1206,7 +1207,7 @@
           <a:p>
             <a:fld id="{D1849B51-CB8F-4E70-B214-8C45EFD2E0E3}" type="datetimeFigureOut">
               <a:rPr lang="en-US" smtClean="0"/>
-              <a:t>5/18/2024</a:t>
+              <a:t>6/29/2024</a:t>
             </a:fld>
             <a:endParaRPr lang="en-US"/>
           </a:p>
@@ -1416,7 +1417,7 @@
           <a:p>
             <a:fld id="{D1849B51-CB8F-4E70-B214-8C45EFD2E0E3}" type="datetimeFigureOut">
               <a:rPr lang="en-US" smtClean="0"/>
-              <a:t>5/18/2024</a:t>
+              <a:t>6/29/2024</a:t>
             </a:fld>
             <a:endParaRPr lang="en-US"/>
           </a:p>
@@ -1616,7 +1617,7 @@
           <a:p>
             <a:fld id="{D1849B51-CB8F-4E70-B214-8C45EFD2E0E3}" type="datetimeFigureOut">
               <a:rPr lang="en-US" smtClean="0"/>
-              <a:t>5/18/2024</a:t>
+              <a:t>6/29/2024</a:t>
             </a:fld>
             <a:endParaRPr lang="en-US"/>
           </a:p>
@@ -1892,7 +1893,7 @@
           <a:p>
             <a:fld id="{D1849B51-CB8F-4E70-B214-8C45EFD2E0E3}" type="datetimeFigureOut">
               <a:rPr lang="en-US" smtClean="0"/>
-              <a:t>5/18/2024</a:t>
+              <a:t>6/29/2024</a:t>
             </a:fld>
             <a:endParaRPr lang="en-US"/>
           </a:p>
@@ -2160,7 +2161,7 @@
           <a:p>
             <a:fld id="{D1849B51-CB8F-4E70-B214-8C45EFD2E0E3}" type="datetimeFigureOut">
               <a:rPr lang="en-US" smtClean="0"/>
-              <a:t>5/18/2024</a:t>
+              <a:t>6/29/2024</a:t>
             </a:fld>
             <a:endParaRPr lang="en-US"/>
           </a:p>
@@ -2575,7 +2576,7 @@
           <a:p>
             <a:fld id="{D1849B51-CB8F-4E70-B214-8C45EFD2E0E3}" type="datetimeFigureOut">
               <a:rPr lang="en-US" smtClean="0"/>
-              <a:t>5/18/2024</a:t>
+              <a:t>6/29/2024</a:t>
             </a:fld>
             <a:endParaRPr lang="en-US"/>
           </a:p>
@@ -2717,7 +2718,7 @@
           <a:p>
             <a:fld id="{D1849B51-CB8F-4E70-B214-8C45EFD2E0E3}" type="datetimeFigureOut">
               <a:rPr lang="en-US" smtClean="0"/>
-              <a:t>5/18/2024</a:t>
+              <a:t>6/29/2024</a:t>
             </a:fld>
             <a:endParaRPr lang="en-US"/>
           </a:p>
@@ -2830,7 +2831,7 @@
           <a:p>
             <a:fld id="{D1849B51-CB8F-4E70-B214-8C45EFD2E0E3}" type="datetimeFigureOut">
               <a:rPr lang="en-US" smtClean="0"/>
-              <a:t>5/18/2024</a:t>
+              <a:t>6/29/2024</a:t>
             </a:fld>
             <a:endParaRPr lang="en-US"/>
           </a:p>
@@ -3143,7 +3144,7 @@
           <a:p>
             <a:fld id="{D1849B51-CB8F-4E70-B214-8C45EFD2E0E3}" type="datetimeFigureOut">
               <a:rPr lang="en-US" smtClean="0"/>
-              <a:t>5/18/2024</a:t>
+              <a:t>6/29/2024</a:t>
             </a:fld>
             <a:endParaRPr lang="en-US"/>
           </a:p>
@@ -3432,7 +3433,7 @@
           <a:p>
             <a:fld id="{D1849B51-CB8F-4E70-B214-8C45EFD2E0E3}" type="datetimeFigureOut">
               <a:rPr lang="en-US" smtClean="0"/>
-              <a:t>5/18/2024</a:t>
+              <a:t>6/29/2024</a:t>
             </a:fld>
             <a:endParaRPr lang="en-US"/>
           </a:p>
@@ -3675,7 +3676,7 @@
           <a:p>
             <a:fld id="{D1849B51-CB8F-4E70-B214-8C45EFD2E0E3}" type="datetimeFigureOut">
               <a:rPr lang="en-US" smtClean="0"/>
-              <a:t>5/18/2024</a:t>
+              <a:t>6/29/2024</a:t>
             </a:fld>
             <a:endParaRPr lang="en-US"/>
           </a:p>
@@ -4770,53 +4771,6 @@
           <a:chExt cx="0" cy="0"/>
         </a:xfrm>
       </p:grpSpPr>
-      <p:pic>
-        <p:nvPicPr>
-          <p:cNvPr id="2" name="Picture 2">
-            <a:extLst>
-              <a:ext uri="{FF2B5EF4-FFF2-40B4-BE49-F238E27FC236}">
-                <a16:creationId xmlns:a16="http://schemas.microsoft.com/office/drawing/2014/main" id="{2E8AE8A8-50AA-8C92-7FCE-E5045B2B0BF5}"/>
-              </a:ext>
-            </a:extLst>
-          </p:cNvPr>
-          <p:cNvPicPr>
-            <a:picLocks noChangeAspect="1" noChangeArrowheads="1"/>
-          </p:cNvPicPr>
-          <p:nvPr/>
-        </p:nvPicPr>
-        <p:blipFill>
-          <a:blip r:embed="rId2">
-            <a:extLst>
-              <a:ext uri="{28A0092B-C50C-407E-A947-70E740481C1C}">
-                <a14:useLocalDpi xmlns:a14="http://schemas.microsoft.com/office/drawing/2010/main" val="0"/>
-              </a:ext>
-            </a:extLst>
-          </a:blip>
-          <a:srcRect/>
-          <a:stretch>
-            <a:fillRect/>
-          </a:stretch>
-        </p:blipFill>
-        <p:spPr bwMode="auto">
-          <a:xfrm>
-            <a:off x="647699" y="368116"/>
-            <a:ext cx="1937239" cy="2213987"/>
-          </a:xfrm>
-          <a:prstGeom prst="rect">
-            <a:avLst/>
-          </a:prstGeom>
-          <a:noFill/>
-          <a:extLst>
-            <a:ext uri="{909E8E84-426E-40DD-AFC4-6F175D3DCCD1}">
-              <a14:hiddenFill xmlns:a14="http://schemas.microsoft.com/office/drawing/2010/main">
-                <a:solidFill>
-                  <a:srgbClr val="FFFFFF"/>
-                </a:solidFill>
-              </a14:hiddenFill>
-            </a:ext>
-          </a:extLst>
-        </p:spPr>
-      </p:pic>
       <p:pic>
         <p:nvPicPr>
           <p:cNvPr id="3" name="Picture 2">
@@ -10922,6 +10876,6404 @@
     <p:extLst>
       <p:ext uri="{BB962C8B-B14F-4D97-AF65-F5344CB8AC3E}">
         <p14:creationId xmlns:p14="http://schemas.microsoft.com/office/powerpoint/2010/main" val="3757738727"/>
+      </p:ext>
+    </p:extLst>
+  </p:cSld>
+  <p:clrMapOvr>
+    <a:masterClrMapping/>
+  </p:clrMapOvr>
+</p:sld>
+</file>
+
+<file path=ppt/slides/slide4.xml><?xml version="1.0" encoding="utf-8"?>
+<p:sld xmlns:a="http://schemas.openxmlformats.org/drawingml/2006/main" xmlns:r="http://schemas.openxmlformats.org/officeDocument/2006/relationships" xmlns:p="http://schemas.openxmlformats.org/presentationml/2006/main">
+  <p:cSld>
+    <p:spTree>
+      <p:nvGrpSpPr>
+        <p:cNvPr id="1" name=""/>
+        <p:cNvGrpSpPr/>
+        <p:nvPr/>
+      </p:nvGrpSpPr>
+      <p:grpSpPr>
+        <a:xfrm>
+          <a:off x="0" y="0"/>
+          <a:ext cx="0" cy="0"/>
+          <a:chOff x="0" y="0"/>
+          <a:chExt cx="0" cy="0"/>
+        </a:xfrm>
+      </p:grpSpPr>
+      <p:cxnSp>
+        <p:nvCxnSpPr>
+          <p:cNvPr id="2" name="Connettore 2 1">
+            <a:extLst>
+              <a:ext uri="{FF2B5EF4-FFF2-40B4-BE49-F238E27FC236}">
+                <a16:creationId xmlns:a16="http://schemas.microsoft.com/office/drawing/2014/main" id="{9C2376E8-7A4D-DAA4-FAEA-9050B89BD133}"/>
+              </a:ext>
+            </a:extLst>
+          </p:cNvPr>
+          <p:cNvCxnSpPr>
+            <a:cxnSpLocks/>
+          </p:cNvCxnSpPr>
+          <p:nvPr/>
+        </p:nvCxnSpPr>
+        <p:spPr>
+          <a:xfrm flipV="1">
+            <a:off x="1529857" y="492369"/>
+            <a:ext cx="0" cy="5521569"/>
+          </a:xfrm>
+          <a:prstGeom prst="straightConnector1">
+            <a:avLst/>
+          </a:prstGeom>
+          <a:ln w="57150">
+            <a:solidFill>
+              <a:schemeClr val="tx1"/>
+            </a:solidFill>
+            <a:tailEnd type="triangle"/>
+          </a:ln>
+        </p:spPr>
+        <p:style>
+          <a:lnRef idx="1">
+            <a:schemeClr val="accent1"/>
+          </a:lnRef>
+          <a:fillRef idx="0">
+            <a:schemeClr val="accent1"/>
+          </a:fillRef>
+          <a:effectRef idx="0">
+            <a:schemeClr val="accent1"/>
+          </a:effectRef>
+          <a:fontRef idx="minor">
+            <a:schemeClr val="tx1"/>
+          </a:fontRef>
+        </p:style>
+      </p:cxnSp>
+      <p:cxnSp>
+        <p:nvCxnSpPr>
+          <p:cNvPr id="3" name="Connettore 2 2">
+            <a:extLst>
+              <a:ext uri="{FF2B5EF4-FFF2-40B4-BE49-F238E27FC236}">
+                <a16:creationId xmlns:a16="http://schemas.microsoft.com/office/drawing/2014/main" id="{E67614C3-7F74-AB51-4207-1CDC2A27EEEA}"/>
+              </a:ext>
+            </a:extLst>
+          </p:cNvPr>
+          <p:cNvCxnSpPr>
+            <a:cxnSpLocks/>
+          </p:cNvCxnSpPr>
+          <p:nvPr/>
+        </p:nvCxnSpPr>
+        <p:spPr>
+          <a:xfrm>
+            <a:off x="1529857" y="6013938"/>
+            <a:ext cx="7772403" cy="17585"/>
+          </a:xfrm>
+          <a:prstGeom prst="straightConnector1">
+            <a:avLst/>
+          </a:prstGeom>
+          <a:ln w="57150">
+            <a:solidFill>
+              <a:schemeClr val="tx1"/>
+            </a:solidFill>
+            <a:tailEnd type="triangle"/>
+          </a:ln>
+        </p:spPr>
+        <p:style>
+          <a:lnRef idx="1">
+            <a:schemeClr val="accent1"/>
+          </a:lnRef>
+          <a:fillRef idx="0">
+            <a:schemeClr val="accent1"/>
+          </a:fillRef>
+          <a:effectRef idx="0">
+            <a:schemeClr val="accent1"/>
+          </a:effectRef>
+          <a:fontRef idx="minor">
+            <a:schemeClr val="tx1"/>
+          </a:fontRef>
+        </p:style>
+      </p:cxnSp>
+      <p:grpSp>
+        <p:nvGrpSpPr>
+          <p:cNvPr id="4" name="Gruppo 3">
+            <a:extLst>
+              <a:ext uri="{FF2B5EF4-FFF2-40B4-BE49-F238E27FC236}">
+                <a16:creationId xmlns:a16="http://schemas.microsoft.com/office/drawing/2014/main" id="{E2ACCE40-E352-7526-B13A-5EE34D30F414}"/>
+              </a:ext>
+            </a:extLst>
+          </p:cNvPr>
+          <p:cNvGrpSpPr/>
+          <p:nvPr/>
+        </p:nvGrpSpPr>
+        <p:grpSpPr>
+          <a:xfrm>
+            <a:off x="1610452" y="6142470"/>
+            <a:ext cx="7625863" cy="376027"/>
+            <a:chOff x="1610452" y="6142470"/>
+            <a:chExt cx="7625863" cy="376027"/>
+          </a:xfrm>
+        </p:grpSpPr>
+        <p:sp>
+          <p:nvSpPr>
+            <p:cNvPr id="5" name="CasellaDiTesto 4">
+              <a:extLst>
+                <a:ext uri="{FF2B5EF4-FFF2-40B4-BE49-F238E27FC236}">
+                  <a16:creationId xmlns:a16="http://schemas.microsoft.com/office/drawing/2014/main" id="{EBD0E029-FC1D-B6BA-B928-B418B1D1F3E2}"/>
+                </a:ext>
+              </a:extLst>
+            </p:cNvPr>
+            <p:cNvSpPr txBox="1"/>
+            <p:nvPr/>
+          </p:nvSpPr>
+          <p:spPr>
+            <a:xfrm>
+              <a:off x="3933098" y="6149165"/>
+              <a:ext cx="2625965" cy="369332"/>
+            </a:xfrm>
+            <a:prstGeom prst="rect">
+              <a:avLst/>
+            </a:prstGeom>
+            <a:noFill/>
+          </p:spPr>
+          <p:txBody>
+            <a:bodyPr wrap="square" rtlCol="0">
+              <a:spAutoFit/>
+            </a:bodyPr>
+            <a:lstStyle/>
+            <a:p>
+              <a:pPr algn="ctr"/>
+              <a:r>
+                <a:rPr lang="en-US" b="1" u="sng" dirty="0"/>
+                <a:t>Explainability </a:t>
+              </a:r>
+            </a:p>
+          </p:txBody>
+        </p:sp>
+        <p:sp>
+          <p:nvSpPr>
+            <p:cNvPr id="6" name="CasellaDiTesto 5">
+              <a:extLst>
+                <a:ext uri="{FF2B5EF4-FFF2-40B4-BE49-F238E27FC236}">
+                  <a16:creationId xmlns:a16="http://schemas.microsoft.com/office/drawing/2014/main" id="{EC40B7A1-43DE-43D0-9D97-6B235351681A}"/>
+                </a:ext>
+              </a:extLst>
+            </p:cNvPr>
+            <p:cNvSpPr txBox="1"/>
+            <p:nvPr/>
+          </p:nvSpPr>
+          <p:spPr>
+            <a:xfrm>
+              <a:off x="1610452" y="6142470"/>
+              <a:ext cx="1141535" cy="369332"/>
+            </a:xfrm>
+            <a:prstGeom prst="rect">
+              <a:avLst/>
+            </a:prstGeom>
+            <a:noFill/>
+          </p:spPr>
+          <p:txBody>
+            <a:bodyPr wrap="square" rtlCol="0">
+              <a:spAutoFit/>
+            </a:bodyPr>
+            <a:lstStyle/>
+            <a:p>
+              <a:pPr algn="ctr"/>
+              <a:r>
+                <a:rPr lang="en-US" b="1" u="sng" dirty="0"/>
+                <a:t>local</a:t>
+              </a:r>
+            </a:p>
+          </p:txBody>
+        </p:sp>
+        <p:sp>
+          <p:nvSpPr>
+            <p:cNvPr id="7" name="CasellaDiTesto 6">
+              <a:extLst>
+                <a:ext uri="{FF2B5EF4-FFF2-40B4-BE49-F238E27FC236}">
+                  <a16:creationId xmlns:a16="http://schemas.microsoft.com/office/drawing/2014/main" id="{B0A5AF02-F78D-BCCD-D1EC-807B6F9FA20D}"/>
+                </a:ext>
+              </a:extLst>
+            </p:cNvPr>
+            <p:cNvSpPr txBox="1"/>
+            <p:nvPr/>
+          </p:nvSpPr>
+          <p:spPr>
+            <a:xfrm>
+              <a:off x="8094780" y="6149165"/>
+              <a:ext cx="1141535" cy="369332"/>
+            </a:xfrm>
+            <a:prstGeom prst="rect">
+              <a:avLst/>
+            </a:prstGeom>
+            <a:noFill/>
+          </p:spPr>
+          <p:txBody>
+            <a:bodyPr wrap="square" rtlCol="0">
+              <a:spAutoFit/>
+            </a:bodyPr>
+            <a:lstStyle/>
+            <a:p>
+              <a:pPr algn="ctr"/>
+              <a:r>
+                <a:rPr lang="en-US" b="1" u="sng" dirty="0"/>
+                <a:t>global</a:t>
+              </a:r>
+            </a:p>
+          </p:txBody>
+        </p:sp>
+      </p:grpSp>
+      <p:grpSp>
+        <p:nvGrpSpPr>
+          <p:cNvPr id="8" name="Gruppo 7">
+            <a:extLst>
+              <a:ext uri="{FF2B5EF4-FFF2-40B4-BE49-F238E27FC236}">
+                <a16:creationId xmlns:a16="http://schemas.microsoft.com/office/drawing/2014/main" id="{3F0DBF33-7F5B-481D-CBB2-EB09116446AB}"/>
+              </a:ext>
+            </a:extLst>
+          </p:cNvPr>
+          <p:cNvGrpSpPr/>
+          <p:nvPr/>
+        </p:nvGrpSpPr>
+        <p:grpSpPr>
+          <a:xfrm rot="16200000">
+            <a:off x="-1761848" y="3005375"/>
+            <a:ext cx="5990504" cy="653026"/>
+            <a:chOff x="1610452" y="6003972"/>
+            <a:chExt cx="5990504" cy="653026"/>
+          </a:xfrm>
+        </p:grpSpPr>
+        <p:sp>
+          <p:nvSpPr>
+            <p:cNvPr id="9" name="CasellaDiTesto 8">
+              <a:extLst>
+                <a:ext uri="{FF2B5EF4-FFF2-40B4-BE49-F238E27FC236}">
+                  <a16:creationId xmlns:a16="http://schemas.microsoft.com/office/drawing/2014/main" id="{1ECB2F1D-196E-F831-4100-130200716586}"/>
+                </a:ext>
+              </a:extLst>
+            </p:cNvPr>
+            <p:cNvSpPr txBox="1"/>
+            <p:nvPr/>
+          </p:nvSpPr>
+          <p:spPr>
+            <a:xfrm>
+              <a:off x="3124200" y="6149165"/>
+              <a:ext cx="2625965" cy="369332"/>
+            </a:xfrm>
+            <a:prstGeom prst="rect">
+              <a:avLst/>
+            </a:prstGeom>
+            <a:noFill/>
+          </p:spPr>
+          <p:txBody>
+            <a:bodyPr wrap="square" rtlCol="0">
+              <a:spAutoFit/>
+            </a:bodyPr>
+            <a:lstStyle/>
+            <a:p>
+              <a:pPr algn="ctr"/>
+              <a:r>
+                <a:rPr lang="en-US" b="1" u="sng" dirty="0"/>
+                <a:t>Method</a:t>
+              </a:r>
+            </a:p>
+          </p:txBody>
+        </p:sp>
+        <p:sp>
+          <p:nvSpPr>
+            <p:cNvPr id="10" name="CasellaDiTesto 9">
+              <a:extLst>
+                <a:ext uri="{FF2B5EF4-FFF2-40B4-BE49-F238E27FC236}">
+                  <a16:creationId xmlns:a16="http://schemas.microsoft.com/office/drawing/2014/main" id="{B6A1F2A8-98E7-FCD7-8530-861F409EFEF4}"/>
+                </a:ext>
+              </a:extLst>
+            </p:cNvPr>
+            <p:cNvSpPr txBox="1"/>
+            <p:nvPr/>
+          </p:nvSpPr>
+          <p:spPr>
+            <a:xfrm>
+              <a:off x="1610452" y="6003972"/>
+              <a:ext cx="1141535" cy="646331"/>
+            </a:xfrm>
+            <a:prstGeom prst="rect">
+              <a:avLst/>
+            </a:prstGeom>
+            <a:noFill/>
+          </p:spPr>
+          <p:txBody>
+            <a:bodyPr wrap="square" rtlCol="0">
+              <a:spAutoFit/>
+            </a:bodyPr>
+            <a:lstStyle/>
+            <a:p>
+              <a:pPr algn="ctr"/>
+              <a:r>
+                <a:rPr lang="en-US" b="1" u="sng" dirty="0"/>
+                <a:t>Model specific</a:t>
+              </a:r>
+            </a:p>
+          </p:txBody>
+        </p:sp>
+        <p:sp>
+          <p:nvSpPr>
+            <p:cNvPr id="11" name="CasellaDiTesto 10">
+              <a:extLst>
+                <a:ext uri="{FF2B5EF4-FFF2-40B4-BE49-F238E27FC236}">
+                  <a16:creationId xmlns:a16="http://schemas.microsoft.com/office/drawing/2014/main" id="{0318D56C-DDC3-1528-3B94-AF8FCA9ED724}"/>
+                </a:ext>
+              </a:extLst>
+            </p:cNvPr>
+            <p:cNvSpPr txBox="1"/>
+            <p:nvPr/>
+          </p:nvSpPr>
+          <p:spPr>
+            <a:xfrm>
+              <a:off x="6459421" y="6010667"/>
+              <a:ext cx="1141535" cy="646331"/>
+            </a:xfrm>
+            <a:prstGeom prst="rect">
+              <a:avLst/>
+            </a:prstGeom>
+            <a:noFill/>
+          </p:spPr>
+          <p:txBody>
+            <a:bodyPr wrap="square" rtlCol="0">
+              <a:spAutoFit/>
+            </a:bodyPr>
+            <a:lstStyle/>
+            <a:p>
+              <a:pPr algn="ctr"/>
+              <a:r>
+                <a:rPr lang="en-US" b="1" u="sng" dirty="0"/>
+                <a:t>Model agnostic</a:t>
+              </a:r>
+            </a:p>
+          </p:txBody>
+        </p:sp>
+      </p:grpSp>
+      <p:cxnSp>
+        <p:nvCxnSpPr>
+          <p:cNvPr id="12" name="Connettore 2 11">
+            <a:extLst>
+              <a:ext uri="{FF2B5EF4-FFF2-40B4-BE49-F238E27FC236}">
+                <a16:creationId xmlns:a16="http://schemas.microsoft.com/office/drawing/2014/main" id="{E3E9322D-353F-BBB1-27D6-D89D3C316410}"/>
+              </a:ext>
+            </a:extLst>
+          </p:cNvPr>
+          <p:cNvCxnSpPr>
+            <a:cxnSpLocks/>
+          </p:cNvCxnSpPr>
+          <p:nvPr/>
+        </p:nvCxnSpPr>
+        <p:spPr>
+          <a:xfrm>
+            <a:off x="1638299" y="3445632"/>
+            <a:ext cx="7365024" cy="0"/>
+          </a:xfrm>
+          <a:prstGeom prst="straightConnector1">
+            <a:avLst/>
+          </a:prstGeom>
+          <a:ln w="57150">
+            <a:solidFill>
+              <a:schemeClr val="tx1"/>
+            </a:solidFill>
+            <a:prstDash val="dash"/>
+            <a:headEnd type="none" w="med" len="med"/>
+            <a:tailEnd type="none" w="med" len="med"/>
+          </a:ln>
+        </p:spPr>
+        <p:style>
+          <a:lnRef idx="1">
+            <a:schemeClr val="accent1"/>
+          </a:lnRef>
+          <a:fillRef idx="0">
+            <a:schemeClr val="accent1"/>
+          </a:fillRef>
+          <a:effectRef idx="0">
+            <a:schemeClr val="accent1"/>
+          </a:effectRef>
+          <a:fontRef idx="minor">
+            <a:schemeClr val="tx1"/>
+          </a:fontRef>
+        </p:style>
+      </p:cxnSp>
+      <p:cxnSp>
+        <p:nvCxnSpPr>
+          <p:cNvPr id="15" name="Connettore 2 14">
+            <a:extLst>
+              <a:ext uri="{FF2B5EF4-FFF2-40B4-BE49-F238E27FC236}">
+                <a16:creationId xmlns:a16="http://schemas.microsoft.com/office/drawing/2014/main" id="{482850B4-1DF3-3E9A-0317-5716F86BDBE8}"/>
+              </a:ext>
+            </a:extLst>
+          </p:cNvPr>
+          <p:cNvCxnSpPr>
+            <a:cxnSpLocks/>
+          </p:cNvCxnSpPr>
+          <p:nvPr/>
+        </p:nvCxnSpPr>
+        <p:spPr>
+          <a:xfrm>
+            <a:off x="5320811" y="492369"/>
+            <a:ext cx="0" cy="5521569"/>
+          </a:xfrm>
+          <a:prstGeom prst="straightConnector1">
+            <a:avLst/>
+          </a:prstGeom>
+          <a:ln w="57150">
+            <a:solidFill>
+              <a:schemeClr val="tx1"/>
+            </a:solidFill>
+            <a:prstDash val="dash"/>
+            <a:headEnd type="none" w="med" len="med"/>
+            <a:tailEnd type="none" w="med" len="med"/>
+          </a:ln>
+        </p:spPr>
+        <p:style>
+          <a:lnRef idx="1">
+            <a:schemeClr val="accent1"/>
+          </a:lnRef>
+          <a:fillRef idx="0">
+            <a:schemeClr val="accent1"/>
+          </a:fillRef>
+          <a:effectRef idx="0">
+            <a:schemeClr val="accent1"/>
+          </a:effectRef>
+          <a:fontRef idx="minor">
+            <a:schemeClr val="tx1"/>
+          </a:fontRef>
+        </p:style>
+      </p:cxnSp>
+      <p:grpSp>
+        <p:nvGrpSpPr>
+          <p:cNvPr id="41" name="Gruppo 40">
+            <a:extLst>
+              <a:ext uri="{FF2B5EF4-FFF2-40B4-BE49-F238E27FC236}">
+                <a16:creationId xmlns:a16="http://schemas.microsoft.com/office/drawing/2014/main" id="{D0A063EC-4A50-FAE8-FF9D-F402F68A84DB}"/>
+              </a:ext>
+            </a:extLst>
+          </p:cNvPr>
+          <p:cNvGrpSpPr/>
+          <p:nvPr/>
+        </p:nvGrpSpPr>
+        <p:grpSpPr>
+          <a:xfrm>
+            <a:off x="2617772" y="400818"/>
+            <a:ext cx="422024" cy="733858"/>
+            <a:chOff x="4098983" y="1359773"/>
+            <a:chExt cx="422024" cy="733858"/>
+          </a:xfrm>
+        </p:grpSpPr>
+        <p:sp>
+          <p:nvSpPr>
+            <p:cNvPr id="20" name="Rettangolo con angoli arrotondati 19">
+              <a:extLst>
+                <a:ext uri="{FF2B5EF4-FFF2-40B4-BE49-F238E27FC236}">
+                  <a16:creationId xmlns:a16="http://schemas.microsoft.com/office/drawing/2014/main" id="{097833FA-1A8F-A002-F6D4-2BD4E61A77BA}"/>
+                </a:ext>
+              </a:extLst>
+            </p:cNvPr>
+            <p:cNvSpPr/>
+            <p:nvPr/>
+          </p:nvSpPr>
+          <p:spPr>
+            <a:xfrm>
+              <a:off x="4098983" y="1636433"/>
+              <a:ext cx="422024" cy="457198"/>
+            </a:xfrm>
+            <a:prstGeom prst="roundRect">
+              <a:avLst/>
+            </a:prstGeom>
+          </p:spPr>
+          <p:style>
+            <a:lnRef idx="2">
+              <a:schemeClr val="accent1">
+                <a:shade val="15000"/>
+              </a:schemeClr>
+            </a:lnRef>
+            <a:fillRef idx="1">
+              <a:schemeClr val="accent1"/>
+            </a:fillRef>
+            <a:effectRef idx="0">
+              <a:schemeClr val="accent1"/>
+            </a:effectRef>
+            <a:fontRef idx="minor">
+              <a:schemeClr val="lt1"/>
+            </a:fontRef>
+          </p:style>
+          <p:txBody>
+            <a:bodyPr rtlCol="0" anchor="ctr"/>
+            <a:lstStyle/>
+            <a:p>
+              <a:pPr algn="ctr"/>
+              <a:endParaRPr lang="en-US" u="sng"/>
+            </a:p>
+          </p:txBody>
+        </p:sp>
+        <p:sp>
+          <p:nvSpPr>
+            <p:cNvPr id="21" name="Ovale 20">
+              <a:extLst>
+                <a:ext uri="{FF2B5EF4-FFF2-40B4-BE49-F238E27FC236}">
+                  <a16:creationId xmlns:a16="http://schemas.microsoft.com/office/drawing/2014/main" id="{E211B9AB-BFB6-144D-E152-73351AA9BC44}"/>
+                </a:ext>
+              </a:extLst>
+            </p:cNvPr>
+            <p:cNvSpPr/>
+            <p:nvPr/>
+          </p:nvSpPr>
+          <p:spPr>
+            <a:xfrm>
+              <a:off x="4161705" y="1359773"/>
+              <a:ext cx="287206" cy="236796"/>
+            </a:xfrm>
+            <a:prstGeom prst="ellipse">
+              <a:avLst/>
+            </a:prstGeom>
+          </p:spPr>
+          <p:style>
+            <a:lnRef idx="2">
+              <a:schemeClr val="accent1">
+                <a:shade val="15000"/>
+              </a:schemeClr>
+            </a:lnRef>
+            <a:fillRef idx="1">
+              <a:schemeClr val="accent1"/>
+            </a:fillRef>
+            <a:effectRef idx="0">
+              <a:schemeClr val="accent1"/>
+            </a:effectRef>
+            <a:fontRef idx="minor">
+              <a:schemeClr val="lt1"/>
+            </a:fontRef>
+          </p:style>
+          <p:txBody>
+            <a:bodyPr rtlCol="0" anchor="ctr"/>
+            <a:lstStyle/>
+            <a:p>
+              <a:pPr algn="ctr"/>
+              <a:endParaRPr lang="en-US" u="sng"/>
+            </a:p>
+          </p:txBody>
+        </p:sp>
+      </p:grpSp>
+      <p:grpSp>
+        <p:nvGrpSpPr>
+          <p:cNvPr id="65" name="Gruppo 64">
+            <a:extLst>
+              <a:ext uri="{FF2B5EF4-FFF2-40B4-BE49-F238E27FC236}">
+                <a16:creationId xmlns:a16="http://schemas.microsoft.com/office/drawing/2014/main" id="{4B475C02-1C7B-DD9A-76F6-3E97D8C07B6E}"/>
+              </a:ext>
+            </a:extLst>
+          </p:cNvPr>
+          <p:cNvGrpSpPr/>
+          <p:nvPr/>
+        </p:nvGrpSpPr>
+        <p:grpSpPr>
+          <a:xfrm>
+            <a:off x="1751898" y="1373631"/>
+            <a:ext cx="1705490" cy="899414"/>
+            <a:chOff x="1929978" y="1431377"/>
+            <a:chExt cx="1705490" cy="899414"/>
+          </a:xfrm>
+        </p:grpSpPr>
+        <p:grpSp>
+          <p:nvGrpSpPr>
+            <p:cNvPr id="61" name="Gruppo 60">
+              <a:extLst>
+                <a:ext uri="{FF2B5EF4-FFF2-40B4-BE49-F238E27FC236}">
+                  <a16:creationId xmlns:a16="http://schemas.microsoft.com/office/drawing/2014/main" id="{10AE73CC-DCBB-55EA-9B53-AB7A2EF85B27}"/>
+                </a:ext>
+              </a:extLst>
+            </p:cNvPr>
+            <p:cNvGrpSpPr/>
+            <p:nvPr/>
+          </p:nvGrpSpPr>
+          <p:grpSpPr>
+            <a:xfrm>
+              <a:off x="2444125" y="1431377"/>
+              <a:ext cx="1191343" cy="899414"/>
+              <a:chOff x="6847753" y="880263"/>
+              <a:chExt cx="1934308" cy="1615720"/>
+            </a:xfrm>
+          </p:grpSpPr>
+          <p:sp>
+            <p:nvSpPr>
+              <p:cNvPr id="42" name="Ovale 41">
+                <a:extLst>
+                  <a:ext uri="{FF2B5EF4-FFF2-40B4-BE49-F238E27FC236}">
+                    <a16:creationId xmlns:a16="http://schemas.microsoft.com/office/drawing/2014/main" id="{9C38A189-B5E2-E3F2-4A64-86C577510476}"/>
+                  </a:ext>
+                </a:extLst>
+              </p:cNvPr>
+              <p:cNvSpPr/>
+              <p:nvPr/>
+            </p:nvSpPr>
+            <p:spPr>
+              <a:xfrm>
+                <a:off x="6847753" y="880263"/>
+                <a:ext cx="422030" cy="422031"/>
+              </a:xfrm>
+              <a:prstGeom prst="ellipse">
+                <a:avLst/>
+              </a:prstGeom>
+            </p:spPr>
+            <p:style>
+              <a:lnRef idx="2">
+                <a:schemeClr val="accent1">
+                  <a:shade val="15000"/>
+                </a:schemeClr>
+              </a:lnRef>
+              <a:fillRef idx="1">
+                <a:schemeClr val="accent1"/>
+              </a:fillRef>
+              <a:effectRef idx="0">
+                <a:schemeClr val="accent1"/>
+              </a:effectRef>
+              <a:fontRef idx="minor">
+                <a:schemeClr val="lt1"/>
+              </a:fontRef>
+            </p:style>
+            <p:txBody>
+              <a:bodyPr rtlCol="0" anchor="ctr"/>
+              <a:lstStyle/>
+              <a:p>
+                <a:pPr algn="ctr"/>
+                <a:endParaRPr lang="en-US" u="sng"/>
+              </a:p>
+            </p:txBody>
+          </p:sp>
+          <p:sp>
+            <p:nvSpPr>
+              <p:cNvPr id="43" name="Ovale 42">
+                <a:extLst>
+                  <a:ext uri="{FF2B5EF4-FFF2-40B4-BE49-F238E27FC236}">
+                    <a16:creationId xmlns:a16="http://schemas.microsoft.com/office/drawing/2014/main" id="{82E79DFB-FD6F-09C1-D717-FD2E9C4D5558}"/>
+                  </a:ext>
+                </a:extLst>
+              </p:cNvPr>
+              <p:cNvSpPr/>
+              <p:nvPr/>
+            </p:nvSpPr>
+            <p:spPr>
+              <a:xfrm>
+                <a:off x="6847753" y="1470280"/>
+                <a:ext cx="422030" cy="422031"/>
+              </a:xfrm>
+              <a:prstGeom prst="ellipse">
+                <a:avLst/>
+              </a:prstGeom>
+            </p:spPr>
+            <p:style>
+              <a:lnRef idx="2">
+                <a:schemeClr val="accent1">
+                  <a:shade val="15000"/>
+                </a:schemeClr>
+              </a:lnRef>
+              <a:fillRef idx="1">
+                <a:schemeClr val="accent1"/>
+              </a:fillRef>
+              <a:effectRef idx="0">
+                <a:schemeClr val="accent1"/>
+              </a:effectRef>
+              <a:fontRef idx="minor">
+                <a:schemeClr val="lt1"/>
+              </a:fontRef>
+            </p:style>
+            <p:txBody>
+              <a:bodyPr rtlCol="0" anchor="ctr"/>
+              <a:lstStyle/>
+              <a:p>
+                <a:pPr algn="ctr"/>
+                <a:endParaRPr lang="en-US" u="sng"/>
+              </a:p>
+            </p:txBody>
+          </p:sp>
+          <p:sp>
+            <p:nvSpPr>
+              <p:cNvPr id="44" name="Ovale 43">
+                <a:extLst>
+                  <a:ext uri="{FF2B5EF4-FFF2-40B4-BE49-F238E27FC236}">
+                    <a16:creationId xmlns:a16="http://schemas.microsoft.com/office/drawing/2014/main" id="{716C1CB8-D629-8B73-E46D-792219FFCBEC}"/>
+                  </a:ext>
+                </a:extLst>
+              </p:cNvPr>
+              <p:cNvSpPr/>
+              <p:nvPr/>
+            </p:nvSpPr>
+            <p:spPr>
+              <a:xfrm>
+                <a:off x="6847753" y="2073952"/>
+                <a:ext cx="422030" cy="422031"/>
+              </a:xfrm>
+              <a:prstGeom prst="ellipse">
+                <a:avLst/>
+              </a:prstGeom>
+            </p:spPr>
+            <p:style>
+              <a:lnRef idx="2">
+                <a:schemeClr val="accent1">
+                  <a:shade val="15000"/>
+                </a:schemeClr>
+              </a:lnRef>
+              <a:fillRef idx="1">
+                <a:schemeClr val="accent1"/>
+              </a:fillRef>
+              <a:effectRef idx="0">
+                <a:schemeClr val="accent1"/>
+              </a:effectRef>
+              <a:fontRef idx="minor">
+                <a:schemeClr val="lt1"/>
+              </a:fontRef>
+            </p:style>
+            <p:txBody>
+              <a:bodyPr rtlCol="0" anchor="ctr"/>
+              <a:lstStyle/>
+              <a:p>
+                <a:pPr algn="ctr"/>
+                <a:endParaRPr lang="en-US" u="sng"/>
+              </a:p>
+            </p:txBody>
+          </p:sp>
+          <p:sp>
+            <p:nvSpPr>
+              <p:cNvPr id="45" name="Ovale 44">
+                <a:extLst>
+                  <a:ext uri="{FF2B5EF4-FFF2-40B4-BE49-F238E27FC236}">
+                    <a16:creationId xmlns:a16="http://schemas.microsoft.com/office/drawing/2014/main" id="{51E01634-CBCB-491E-6A9B-F0F709AB17F0}"/>
+                  </a:ext>
+                </a:extLst>
+              </p:cNvPr>
+              <p:cNvSpPr/>
+              <p:nvPr/>
+            </p:nvSpPr>
+            <p:spPr>
+              <a:xfrm>
+                <a:off x="7603892" y="880263"/>
+                <a:ext cx="422030" cy="422031"/>
+              </a:xfrm>
+              <a:prstGeom prst="ellipse">
+                <a:avLst/>
+              </a:prstGeom>
+            </p:spPr>
+            <p:style>
+              <a:lnRef idx="2">
+                <a:schemeClr val="accent1">
+                  <a:shade val="15000"/>
+                </a:schemeClr>
+              </a:lnRef>
+              <a:fillRef idx="1">
+                <a:schemeClr val="accent1"/>
+              </a:fillRef>
+              <a:effectRef idx="0">
+                <a:schemeClr val="accent1"/>
+              </a:effectRef>
+              <a:fontRef idx="minor">
+                <a:schemeClr val="lt1"/>
+              </a:fontRef>
+            </p:style>
+            <p:txBody>
+              <a:bodyPr rtlCol="0" anchor="ctr"/>
+              <a:lstStyle/>
+              <a:p>
+                <a:pPr algn="ctr"/>
+                <a:endParaRPr lang="en-US" u="sng"/>
+              </a:p>
+            </p:txBody>
+          </p:sp>
+          <p:sp>
+            <p:nvSpPr>
+              <p:cNvPr id="46" name="Ovale 45">
+                <a:extLst>
+                  <a:ext uri="{FF2B5EF4-FFF2-40B4-BE49-F238E27FC236}">
+                    <a16:creationId xmlns:a16="http://schemas.microsoft.com/office/drawing/2014/main" id="{C0D21AC8-498E-7DF3-0FC0-E02F9B1598E4}"/>
+                  </a:ext>
+                </a:extLst>
+              </p:cNvPr>
+              <p:cNvSpPr/>
+              <p:nvPr/>
+            </p:nvSpPr>
+            <p:spPr>
+              <a:xfrm>
+                <a:off x="7603892" y="1470280"/>
+                <a:ext cx="422030" cy="422031"/>
+              </a:xfrm>
+              <a:prstGeom prst="ellipse">
+                <a:avLst/>
+              </a:prstGeom>
+            </p:spPr>
+            <p:style>
+              <a:lnRef idx="2">
+                <a:schemeClr val="accent1">
+                  <a:shade val="15000"/>
+                </a:schemeClr>
+              </a:lnRef>
+              <a:fillRef idx="1">
+                <a:schemeClr val="accent1"/>
+              </a:fillRef>
+              <a:effectRef idx="0">
+                <a:schemeClr val="accent1"/>
+              </a:effectRef>
+              <a:fontRef idx="minor">
+                <a:schemeClr val="lt1"/>
+              </a:fontRef>
+            </p:style>
+            <p:txBody>
+              <a:bodyPr rtlCol="0" anchor="ctr"/>
+              <a:lstStyle/>
+              <a:p>
+                <a:pPr algn="ctr"/>
+                <a:endParaRPr lang="en-US" u="sng"/>
+              </a:p>
+            </p:txBody>
+          </p:sp>
+          <p:sp>
+            <p:nvSpPr>
+              <p:cNvPr id="47" name="Ovale 46">
+                <a:extLst>
+                  <a:ext uri="{FF2B5EF4-FFF2-40B4-BE49-F238E27FC236}">
+                    <a16:creationId xmlns:a16="http://schemas.microsoft.com/office/drawing/2014/main" id="{88432381-FD2F-4567-11CC-23877CB012D7}"/>
+                  </a:ext>
+                </a:extLst>
+              </p:cNvPr>
+              <p:cNvSpPr/>
+              <p:nvPr/>
+            </p:nvSpPr>
+            <p:spPr>
+              <a:xfrm>
+                <a:off x="7603892" y="2073952"/>
+                <a:ext cx="422030" cy="422031"/>
+              </a:xfrm>
+              <a:prstGeom prst="ellipse">
+                <a:avLst/>
+              </a:prstGeom>
+            </p:spPr>
+            <p:style>
+              <a:lnRef idx="2">
+                <a:schemeClr val="accent1">
+                  <a:shade val="15000"/>
+                </a:schemeClr>
+              </a:lnRef>
+              <a:fillRef idx="1">
+                <a:schemeClr val="accent1"/>
+              </a:fillRef>
+              <a:effectRef idx="0">
+                <a:schemeClr val="accent1"/>
+              </a:effectRef>
+              <a:fontRef idx="minor">
+                <a:schemeClr val="lt1"/>
+              </a:fontRef>
+            </p:style>
+            <p:txBody>
+              <a:bodyPr rtlCol="0" anchor="ctr"/>
+              <a:lstStyle/>
+              <a:p>
+                <a:pPr algn="ctr"/>
+                <a:endParaRPr lang="en-US" u="sng"/>
+              </a:p>
+            </p:txBody>
+          </p:sp>
+          <p:sp>
+            <p:nvSpPr>
+              <p:cNvPr id="48" name="Ovale 47">
+                <a:extLst>
+                  <a:ext uri="{FF2B5EF4-FFF2-40B4-BE49-F238E27FC236}">
+                    <a16:creationId xmlns:a16="http://schemas.microsoft.com/office/drawing/2014/main" id="{F6F32D3F-102D-043D-2FA9-70B1EB9C0E2F}"/>
+                  </a:ext>
+                </a:extLst>
+              </p:cNvPr>
+              <p:cNvSpPr/>
+              <p:nvPr/>
+            </p:nvSpPr>
+            <p:spPr>
+              <a:xfrm>
+                <a:off x="8360031" y="1470279"/>
+                <a:ext cx="422030" cy="422031"/>
+              </a:xfrm>
+              <a:prstGeom prst="ellipse">
+                <a:avLst/>
+              </a:prstGeom>
+            </p:spPr>
+            <p:style>
+              <a:lnRef idx="2">
+                <a:schemeClr val="accent1">
+                  <a:shade val="15000"/>
+                </a:schemeClr>
+              </a:lnRef>
+              <a:fillRef idx="1">
+                <a:schemeClr val="accent1"/>
+              </a:fillRef>
+              <a:effectRef idx="0">
+                <a:schemeClr val="accent1"/>
+              </a:effectRef>
+              <a:fontRef idx="minor">
+                <a:schemeClr val="lt1"/>
+              </a:fontRef>
+            </p:style>
+            <p:txBody>
+              <a:bodyPr rtlCol="0" anchor="ctr"/>
+              <a:lstStyle/>
+              <a:p>
+                <a:pPr algn="ctr"/>
+                <a:endParaRPr lang="en-US" u="sng"/>
+              </a:p>
+            </p:txBody>
+          </p:sp>
+          <p:cxnSp>
+            <p:nvCxnSpPr>
+              <p:cNvPr id="49" name="Connettore diritto 48">
+                <a:extLst>
+                  <a:ext uri="{FF2B5EF4-FFF2-40B4-BE49-F238E27FC236}">
+                    <a16:creationId xmlns:a16="http://schemas.microsoft.com/office/drawing/2014/main" id="{F4E966E0-4C29-6D60-C473-F60EC902D397}"/>
+                  </a:ext>
+                </a:extLst>
+              </p:cNvPr>
+              <p:cNvCxnSpPr>
+                <a:stCxn id="42" idx="6"/>
+                <a:endCxn id="45" idx="2"/>
+              </p:cNvCxnSpPr>
+              <p:nvPr/>
+            </p:nvCxnSpPr>
+            <p:spPr>
+              <a:xfrm>
+                <a:off x="7269783" y="1091279"/>
+                <a:ext cx="334109" cy="0"/>
+              </a:xfrm>
+              <a:prstGeom prst="line">
+                <a:avLst/>
+              </a:prstGeom>
+              <a:ln w="38100">
+                <a:solidFill>
+                  <a:schemeClr val="tx1"/>
+                </a:solidFill>
+              </a:ln>
+            </p:spPr>
+            <p:style>
+              <a:lnRef idx="1">
+                <a:schemeClr val="accent1"/>
+              </a:lnRef>
+              <a:fillRef idx="0">
+                <a:schemeClr val="accent1"/>
+              </a:fillRef>
+              <a:effectRef idx="0">
+                <a:schemeClr val="accent1"/>
+              </a:effectRef>
+              <a:fontRef idx="minor">
+                <a:schemeClr val="tx1"/>
+              </a:fontRef>
+            </p:style>
+          </p:cxnSp>
+          <p:cxnSp>
+            <p:nvCxnSpPr>
+              <p:cNvPr id="50" name="Connettore diritto 49">
+                <a:extLst>
+                  <a:ext uri="{FF2B5EF4-FFF2-40B4-BE49-F238E27FC236}">
+                    <a16:creationId xmlns:a16="http://schemas.microsoft.com/office/drawing/2014/main" id="{167539F2-5B2E-4660-1812-4A00BC905C16}"/>
+                  </a:ext>
+                </a:extLst>
+              </p:cNvPr>
+              <p:cNvCxnSpPr>
+                <a:cxnSpLocks/>
+                <a:stCxn id="43" idx="6"/>
+                <a:endCxn id="45" idx="2"/>
+              </p:cNvCxnSpPr>
+              <p:nvPr/>
+            </p:nvCxnSpPr>
+            <p:spPr>
+              <a:xfrm flipV="1">
+                <a:off x="7269783" y="1091279"/>
+                <a:ext cx="334109" cy="590017"/>
+              </a:xfrm>
+              <a:prstGeom prst="line">
+                <a:avLst/>
+              </a:prstGeom>
+              <a:ln w="38100">
+                <a:solidFill>
+                  <a:schemeClr val="tx1"/>
+                </a:solidFill>
+              </a:ln>
+            </p:spPr>
+            <p:style>
+              <a:lnRef idx="1">
+                <a:schemeClr val="accent1"/>
+              </a:lnRef>
+              <a:fillRef idx="0">
+                <a:schemeClr val="accent1"/>
+              </a:fillRef>
+              <a:effectRef idx="0">
+                <a:schemeClr val="accent1"/>
+              </a:effectRef>
+              <a:fontRef idx="minor">
+                <a:schemeClr val="tx1"/>
+              </a:fontRef>
+            </p:style>
+          </p:cxnSp>
+          <p:cxnSp>
+            <p:nvCxnSpPr>
+              <p:cNvPr id="51" name="Connettore diritto 50">
+                <a:extLst>
+                  <a:ext uri="{FF2B5EF4-FFF2-40B4-BE49-F238E27FC236}">
+                    <a16:creationId xmlns:a16="http://schemas.microsoft.com/office/drawing/2014/main" id="{2D78C9B5-9647-8D0D-E8EF-64BAAD8E0832}"/>
+                  </a:ext>
+                </a:extLst>
+              </p:cNvPr>
+              <p:cNvCxnSpPr>
+                <a:cxnSpLocks/>
+                <a:stCxn id="42" idx="6"/>
+                <a:endCxn id="46" idx="2"/>
+              </p:cNvCxnSpPr>
+              <p:nvPr/>
+            </p:nvCxnSpPr>
+            <p:spPr>
+              <a:xfrm>
+                <a:off x="7269783" y="1091279"/>
+                <a:ext cx="334109" cy="590017"/>
+              </a:xfrm>
+              <a:prstGeom prst="line">
+                <a:avLst/>
+              </a:prstGeom>
+              <a:ln w="38100">
+                <a:solidFill>
+                  <a:schemeClr val="tx1"/>
+                </a:solidFill>
+              </a:ln>
+            </p:spPr>
+            <p:style>
+              <a:lnRef idx="1">
+                <a:schemeClr val="accent1"/>
+              </a:lnRef>
+              <a:fillRef idx="0">
+                <a:schemeClr val="accent1"/>
+              </a:fillRef>
+              <a:effectRef idx="0">
+                <a:schemeClr val="accent1"/>
+              </a:effectRef>
+              <a:fontRef idx="minor">
+                <a:schemeClr val="tx1"/>
+              </a:fontRef>
+            </p:style>
+          </p:cxnSp>
+          <p:cxnSp>
+            <p:nvCxnSpPr>
+              <p:cNvPr id="52" name="Connettore diritto 51">
+                <a:extLst>
+                  <a:ext uri="{FF2B5EF4-FFF2-40B4-BE49-F238E27FC236}">
+                    <a16:creationId xmlns:a16="http://schemas.microsoft.com/office/drawing/2014/main" id="{21AAF43D-BD26-2459-2AFE-CAB3E84869F4}"/>
+                  </a:ext>
+                </a:extLst>
+              </p:cNvPr>
+              <p:cNvCxnSpPr>
+                <a:cxnSpLocks/>
+                <a:stCxn id="43" idx="6"/>
+                <a:endCxn id="46" idx="2"/>
+              </p:cNvCxnSpPr>
+              <p:nvPr/>
+            </p:nvCxnSpPr>
+            <p:spPr>
+              <a:xfrm>
+                <a:off x="7269783" y="1681296"/>
+                <a:ext cx="334109" cy="0"/>
+              </a:xfrm>
+              <a:prstGeom prst="line">
+                <a:avLst/>
+              </a:prstGeom>
+              <a:ln w="38100">
+                <a:solidFill>
+                  <a:schemeClr val="tx1"/>
+                </a:solidFill>
+              </a:ln>
+            </p:spPr>
+            <p:style>
+              <a:lnRef idx="1">
+                <a:schemeClr val="accent1"/>
+              </a:lnRef>
+              <a:fillRef idx="0">
+                <a:schemeClr val="accent1"/>
+              </a:fillRef>
+              <a:effectRef idx="0">
+                <a:schemeClr val="accent1"/>
+              </a:effectRef>
+              <a:fontRef idx="minor">
+                <a:schemeClr val="tx1"/>
+              </a:fontRef>
+            </p:style>
+          </p:cxnSp>
+          <p:cxnSp>
+            <p:nvCxnSpPr>
+              <p:cNvPr id="53" name="Connettore diritto 52">
+                <a:extLst>
+                  <a:ext uri="{FF2B5EF4-FFF2-40B4-BE49-F238E27FC236}">
+                    <a16:creationId xmlns:a16="http://schemas.microsoft.com/office/drawing/2014/main" id="{CB0A0F3E-14F7-D139-1F81-9FED4CDEF829}"/>
+                  </a:ext>
+                </a:extLst>
+              </p:cNvPr>
+              <p:cNvCxnSpPr>
+                <a:cxnSpLocks/>
+                <a:stCxn id="42" idx="6"/>
+                <a:endCxn id="47" idx="2"/>
+              </p:cNvCxnSpPr>
+              <p:nvPr/>
+            </p:nvCxnSpPr>
+            <p:spPr>
+              <a:xfrm>
+                <a:off x="7269783" y="1091279"/>
+                <a:ext cx="334109" cy="1193689"/>
+              </a:xfrm>
+              <a:prstGeom prst="line">
+                <a:avLst/>
+              </a:prstGeom>
+              <a:ln w="38100">
+                <a:solidFill>
+                  <a:schemeClr val="tx1"/>
+                </a:solidFill>
+              </a:ln>
+            </p:spPr>
+            <p:style>
+              <a:lnRef idx="1">
+                <a:schemeClr val="accent1"/>
+              </a:lnRef>
+              <a:fillRef idx="0">
+                <a:schemeClr val="accent1"/>
+              </a:fillRef>
+              <a:effectRef idx="0">
+                <a:schemeClr val="accent1"/>
+              </a:effectRef>
+              <a:fontRef idx="minor">
+                <a:schemeClr val="tx1"/>
+              </a:fontRef>
+            </p:style>
+          </p:cxnSp>
+          <p:cxnSp>
+            <p:nvCxnSpPr>
+              <p:cNvPr id="54" name="Connettore diritto 53">
+                <a:extLst>
+                  <a:ext uri="{FF2B5EF4-FFF2-40B4-BE49-F238E27FC236}">
+                    <a16:creationId xmlns:a16="http://schemas.microsoft.com/office/drawing/2014/main" id="{1E3DE9C0-A09F-763A-8EBA-28FEFC906605}"/>
+                  </a:ext>
+                </a:extLst>
+              </p:cNvPr>
+              <p:cNvCxnSpPr>
+                <a:cxnSpLocks/>
+                <a:stCxn id="43" idx="6"/>
+                <a:endCxn id="47" idx="2"/>
+              </p:cNvCxnSpPr>
+              <p:nvPr/>
+            </p:nvCxnSpPr>
+            <p:spPr>
+              <a:xfrm>
+                <a:off x="7269783" y="1681296"/>
+                <a:ext cx="334109" cy="603672"/>
+              </a:xfrm>
+              <a:prstGeom prst="line">
+                <a:avLst/>
+              </a:prstGeom>
+              <a:ln w="38100">
+                <a:solidFill>
+                  <a:schemeClr val="tx1"/>
+                </a:solidFill>
+              </a:ln>
+            </p:spPr>
+            <p:style>
+              <a:lnRef idx="1">
+                <a:schemeClr val="accent1"/>
+              </a:lnRef>
+              <a:fillRef idx="0">
+                <a:schemeClr val="accent1"/>
+              </a:fillRef>
+              <a:effectRef idx="0">
+                <a:schemeClr val="accent1"/>
+              </a:effectRef>
+              <a:fontRef idx="minor">
+                <a:schemeClr val="tx1"/>
+              </a:fontRef>
+            </p:style>
+          </p:cxnSp>
+          <p:cxnSp>
+            <p:nvCxnSpPr>
+              <p:cNvPr id="55" name="Connettore diritto 54">
+                <a:extLst>
+                  <a:ext uri="{FF2B5EF4-FFF2-40B4-BE49-F238E27FC236}">
+                    <a16:creationId xmlns:a16="http://schemas.microsoft.com/office/drawing/2014/main" id="{D1384326-F956-4FA2-2A57-9CA0333A35C7}"/>
+                  </a:ext>
+                </a:extLst>
+              </p:cNvPr>
+              <p:cNvCxnSpPr>
+                <a:cxnSpLocks/>
+                <a:stCxn id="44" idx="6"/>
+                <a:endCxn id="45" idx="2"/>
+              </p:cNvCxnSpPr>
+              <p:nvPr/>
+            </p:nvCxnSpPr>
+            <p:spPr>
+              <a:xfrm flipV="1">
+                <a:off x="7269783" y="1091279"/>
+                <a:ext cx="334109" cy="1193689"/>
+              </a:xfrm>
+              <a:prstGeom prst="line">
+                <a:avLst/>
+              </a:prstGeom>
+              <a:ln w="38100">
+                <a:solidFill>
+                  <a:schemeClr val="tx1"/>
+                </a:solidFill>
+              </a:ln>
+            </p:spPr>
+            <p:style>
+              <a:lnRef idx="1">
+                <a:schemeClr val="accent1"/>
+              </a:lnRef>
+              <a:fillRef idx="0">
+                <a:schemeClr val="accent1"/>
+              </a:fillRef>
+              <a:effectRef idx="0">
+                <a:schemeClr val="accent1"/>
+              </a:effectRef>
+              <a:fontRef idx="minor">
+                <a:schemeClr val="tx1"/>
+              </a:fontRef>
+            </p:style>
+          </p:cxnSp>
+          <p:cxnSp>
+            <p:nvCxnSpPr>
+              <p:cNvPr id="56" name="Connettore diritto 55">
+                <a:extLst>
+                  <a:ext uri="{FF2B5EF4-FFF2-40B4-BE49-F238E27FC236}">
+                    <a16:creationId xmlns:a16="http://schemas.microsoft.com/office/drawing/2014/main" id="{48EF6C30-B262-A664-69AD-0FD4DC197F64}"/>
+                  </a:ext>
+                </a:extLst>
+              </p:cNvPr>
+              <p:cNvCxnSpPr>
+                <a:cxnSpLocks/>
+                <a:stCxn id="44" idx="6"/>
+                <a:endCxn id="46" idx="2"/>
+              </p:cNvCxnSpPr>
+              <p:nvPr/>
+            </p:nvCxnSpPr>
+            <p:spPr>
+              <a:xfrm flipV="1">
+                <a:off x="7269783" y="1681296"/>
+                <a:ext cx="334109" cy="603672"/>
+              </a:xfrm>
+              <a:prstGeom prst="line">
+                <a:avLst/>
+              </a:prstGeom>
+              <a:ln w="38100">
+                <a:solidFill>
+                  <a:schemeClr val="tx1"/>
+                </a:solidFill>
+              </a:ln>
+            </p:spPr>
+            <p:style>
+              <a:lnRef idx="1">
+                <a:schemeClr val="accent1"/>
+              </a:lnRef>
+              <a:fillRef idx="0">
+                <a:schemeClr val="accent1"/>
+              </a:fillRef>
+              <a:effectRef idx="0">
+                <a:schemeClr val="accent1"/>
+              </a:effectRef>
+              <a:fontRef idx="minor">
+                <a:schemeClr val="tx1"/>
+              </a:fontRef>
+            </p:style>
+          </p:cxnSp>
+          <p:cxnSp>
+            <p:nvCxnSpPr>
+              <p:cNvPr id="57" name="Connettore diritto 56">
+                <a:extLst>
+                  <a:ext uri="{FF2B5EF4-FFF2-40B4-BE49-F238E27FC236}">
+                    <a16:creationId xmlns:a16="http://schemas.microsoft.com/office/drawing/2014/main" id="{65666A03-7DC7-0FB1-E2BC-47FDFF9567B0}"/>
+                  </a:ext>
+                </a:extLst>
+              </p:cNvPr>
+              <p:cNvCxnSpPr>
+                <a:cxnSpLocks/>
+                <a:stCxn id="44" idx="6"/>
+                <a:endCxn id="47" idx="2"/>
+              </p:cNvCxnSpPr>
+              <p:nvPr/>
+            </p:nvCxnSpPr>
+            <p:spPr>
+              <a:xfrm>
+                <a:off x="7269783" y="2284968"/>
+                <a:ext cx="334109" cy="0"/>
+              </a:xfrm>
+              <a:prstGeom prst="line">
+                <a:avLst/>
+              </a:prstGeom>
+              <a:ln w="38100">
+                <a:solidFill>
+                  <a:schemeClr val="tx1"/>
+                </a:solidFill>
+              </a:ln>
+            </p:spPr>
+            <p:style>
+              <a:lnRef idx="1">
+                <a:schemeClr val="accent1"/>
+              </a:lnRef>
+              <a:fillRef idx="0">
+                <a:schemeClr val="accent1"/>
+              </a:fillRef>
+              <a:effectRef idx="0">
+                <a:schemeClr val="accent1"/>
+              </a:effectRef>
+              <a:fontRef idx="minor">
+                <a:schemeClr val="tx1"/>
+              </a:fontRef>
+            </p:style>
+          </p:cxnSp>
+          <p:cxnSp>
+            <p:nvCxnSpPr>
+              <p:cNvPr id="58" name="Connettore diritto 57">
+                <a:extLst>
+                  <a:ext uri="{FF2B5EF4-FFF2-40B4-BE49-F238E27FC236}">
+                    <a16:creationId xmlns:a16="http://schemas.microsoft.com/office/drawing/2014/main" id="{88386C02-5E31-947C-3A6F-3B9FC4466B43}"/>
+                  </a:ext>
+                </a:extLst>
+              </p:cNvPr>
+              <p:cNvCxnSpPr>
+                <a:cxnSpLocks/>
+                <a:stCxn id="45" idx="6"/>
+                <a:endCxn id="48" idx="2"/>
+              </p:cNvCxnSpPr>
+              <p:nvPr/>
+            </p:nvCxnSpPr>
+            <p:spPr>
+              <a:xfrm>
+                <a:off x="8025922" y="1091279"/>
+                <a:ext cx="334109" cy="590016"/>
+              </a:xfrm>
+              <a:prstGeom prst="line">
+                <a:avLst/>
+              </a:prstGeom>
+              <a:ln w="38100">
+                <a:solidFill>
+                  <a:schemeClr val="tx1"/>
+                </a:solidFill>
+              </a:ln>
+            </p:spPr>
+            <p:style>
+              <a:lnRef idx="1">
+                <a:schemeClr val="accent1"/>
+              </a:lnRef>
+              <a:fillRef idx="0">
+                <a:schemeClr val="accent1"/>
+              </a:fillRef>
+              <a:effectRef idx="0">
+                <a:schemeClr val="accent1"/>
+              </a:effectRef>
+              <a:fontRef idx="minor">
+                <a:schemeClr val="tx1"/>
+              </a:fontRef>
+            </p:style>
+          </p:cxnSp>
+          <p:cxnSp>
+            <p:nvCxnSpPr>
+              <p:cNvPr id="59" name="Connettore diritto 58">
+                <a:extLst>
+                  <a:ext uri="{FF2B5EF4-FFF2-40B4-BE49-F238E27FC236}">
+                    <a16:creationId xmlns:a16="http://schemas.microsoft.com/office/drawing/2014/main" id="{4569880C-097F-10D6-0BB2-27DEE0573AB7}"/>
+                  </a:ext>
+                </a:extLst>
+              </p:cNvPr>
+              <p:cNvCxnSpPr>
+                <a:cxnSpLocks/>
+                <a:stCxn id="46" idx="6"/>
+                <a:endCxn id="48" idx="2"/>
+              </p:cNvCxnSpPr>
+              <p:nvPr/>
+            </p:nvCxnSpPr>
+            <p:spPr>
+              <a:xfrm flipV="1">
+                <a:off x="8025922" y="1681295"/>
+                <a:ext cx="334109" cy="1"/>
+              </a:xfrm>
+              <a:prstGeom prst="line">
+                <a:avLst/>
+              </a:prstGeom>
+              <a:ln w="38100">
+                <a:solidFill>
+                  <a:schemeClr val="tx1"/>
+                </a:solidFill>
+              </a:ln>
+            </p:spPr>
+            <p:style>
+              <a:lnRef idx="1">
+                <a:schemeClr val="accent1"/>
+              </a:lnRef>
+              <a:fillRef idx="0">
+                <a:schemeClr val="accent1"/>
+              </a:fillRef>
+              <a:effectRef idx="0">
+                <a:schemeClr val="accent1"/>
+              </a:effectRef>
+              <a:fontRef idx="minor">
+                <a:schemeClr val="tx1"/>
+              </a:fontRef>
+            </p:style>
+          </p:cxnSp>
+          <p:cxnSp>
+            <p:nvCxnSpPr>
+              <p:cNvPr id="60" name="Connettore diritto 59">
+                <a:extLst>
+                  <a:ext uri="{FF2B5EF4-FFF2-40B4-BE49-F238E27FC236}">
+                    <a16:creationId xmlns:a16="http://schemas.microsoft.com/office/drawing/2014/main" id="{CFBDEEC7-9B3D-3AA2-B552-9BA0C3D56AAB}"/>
+                  </a:ext>
+                </a:extLst>
+              </p:cNvPr>
+              <p:cNvCxnSpPr>
+                <a:cxnSpLocks/>
+                <a:stCxn id="47" idx="6"/>
+                <a:endCxn id="48" idx="2"/>
+              </p:cNvCxnSpPr>
+              <p:nvPr/>
+            </p:nvCxnSpPr>
+            <p:spPr>
+              <a:xfrm flipV="1">
+                <a:off x="8025922" y="1681295"/>
+                <a:ext cx="334109" cy="603673"/>
+              </a:xfrm>
+              <a:prstGeom prst="line">
+                <a:avLst/>
+              </a:prstGeom>
+              <a:ln w="38100">
+                <a:solidFill>
+                  <a:schemeClr val="tx1"/>
+                </a:solidFill>
+              </a:ln>
+            </p:spPr>
+            <p:style>
+              <a:lnRef idx="1">
+                <a:schemeClr val="accent1"/>
+              </a:lnRef>
+              <a:fillRef idx="0">
+                <a:schemeClr val="accent1"/>
+              </a:fillRef>
+              <a:effectRef idx="0">
+                <a:schemeClr val="accent1"/>
+              </a:effectRef>
+              <a:fontRef idx="minor">
+                <a:schemeClr val="tx1"/>
+              </a:fontRef>
+            </p:style>
+          </p:cxnSp>
+        </p:grpSp>
+        <p:sp>
+          <p:nvSpPr>
+            <p:cNvPr id="62" name="Rettangolo 61">
+              <a:extLst>
+                <a:ext uri="{FF2B5EF4-FFF2-40B4-BE49-F238E27FC236}">
+                  <a16:creationId xmlns:a16="http://schemas.microsoft.com/office/drawing/2014/main" id="{5DCB728A-F310-986D-49B9-C8D89F189259}"/>
+                </a:ext>
+              </a:extLst>
+            </p:cNvPr>
+            <p:cNvSpPr/>
+            <p:nvPr/>
+          </p:nvSpPr>
+          <p:spPr>
+            <a:xfrm>
+              <a:off x="1929978" y="1493366"/>
+              <a:ext cx="432304" cy="110945"/>
+            </a:xfrm>
+            <a:prstGeom prst="rect">
+              <a:avLst/>
+            </a:prstGeom>
+            <a:solidFill>
+              <a:srgbClr val="FF0000"/>
+            </a:solidFill>
+          </p:spPr>
+          <p:style>
+            <a:lnRef idx="2">
+              <a:schemeClr val="accent1">
+                <a:shade val="15000"/>
+              </a:schemeClr>
+            </a:lnRef>
+            <a:fillRef idx="1">
+              <a:schemeClr val="accent1"/>
+            </a:fillRef>
+            <a:effectRef idx="0">
+              <a:schemeClr val="accent1"/>
+            </a:effectRef>
+            <a:fontRef idx="minor">
+              <a:schemeClr val="lt1"/>
+            </a:fontRef>
+          </p:style>
+          <p:txBody>
+            <a:bodyPr rtlCol="0" anchor="ctr"/>
+            <a:lstStyle/>
+            <a:p>
+              <a:pPr algn="ctr"/>
+              <a:endParaRPr lang="en-US" u="sng" dirty="0"/>
+            </a:p>
+          </p:txBody>
+        </p:sp>
+        <p:sp>
+          <p:nvSpPr>
+            <p:cNvPr id="63" name="Rettangolo 62">
+              <a:extLst>
+                <a:ext uri="{FF2B5EF4-FFF2-40B4-BE49-F238E27FC236}">
+                  <a16:creationId xmlns:a16="http://schemas.microsoft.com/office/drawing/2014/main" id="{B3364768-38ED-D6AA-B6F7-1FBDC4F3FAC9}"/>
+                </a:ext>
+              </a:extLst>
+            </p:cNvPr>
+            <p:cNvSpPr/>
+            <p:nvPr/>
+          </p:nvSpPr>
+          <p:spPr>
+            <a:xfrm>
+              <a:off x="2125980" y="1821810"/>
+              <a:ext cx="216000" cy="110946"/>
+            </a:xfrm>
+            <a:prstGeom prst="rect">
+              <a:avLst/>
+            </a:prstGeom>
+          </p:spPr>
+          <p:style>
+            <a:lnRef idx="2">
+              <a:schemeClr val="accent1">
+                <a:shade val="15000"/>
+              </a:schemeClr>
+            </a:lnRef>
+            <a:fillRef idx="1">
+              <a:schemeClr val="accent1"/>
+            </a:fillRef>
+            <a:effectRef idx="0">
+              <a:schemeClr val="accent1"/>
+            </a:effectRef>
+            <a:fontRef idx="minor">
+              <a:schemeClr val="lt1"/>
+            </a:fontRef>
+          </p:style>
+          <p:txBody>
+            <a:bodyPr rtlCol="0" anchor="ctr"/>
+            <a:lstStyle/>
+            <a:p>
+              <a:pPr algn="ctr"/>
+              <a:endParaRPr lang="en-US" u="sng"/>
+            </a:p>
+          </p:txBody>
+        </p:sp>
+        <p:sp>
+          <p:nvSpPr>
+            <p:cNvPr id="64" name="Rettangolo 63">
+              <a:extLst>
+                <a:ext uri="{FF2B5EF4-FFF2-40B4-BE49-F238E27FC236}">
+                  <a16:creationId xmlns:a16="http://schemas.microsoft.com/office/drawing/2014/main" id="{C9E3C84B-BEF7-167A-8F6B-39ACA03CADDB}"/>
+                </a:ext>
+              </a:extLst>
+            </p:cNvPr>
+            <p:cNvSpPr/>
+            <p:nvPr/>
+          </p:nvSpPr>
+          <p:spPr>
+            <a:xfrm>
+              <a:off x="2244297" y="2187427"/>
+              <a:ext cx="108000" cy="110945"/>
+            </a:xfrm>
+            <a:prstGeom prst="rect">
+              <a:avLst/>
+            </a:prstGeom>
+          </p:spPr>
+          <p:style>
+            <a:lnRef idx="2">
+              <a:schemeClr val="accent1">
+                <a:shade val="15000"/>
+              </a:schemeClr>
+            </a:lnRef>
+            <a:fillRef idx="1">
+              <a:schemeClr val="accent1"/>
+            </a:fillRef>
+            <a:effectRef idx="0">
+              <a:schemeClr val="accent1"/>
+            </a:effectRef>
+            <a:fontRef idx="minor">
+              <a:schemeClr val="lt1"/>
+            </a:fontRef>
+          </p:style>
+          <p:txBody>
+            <a:bodyPr rtlCol="0" anchor="ctr"/>
+            <a:lstStyle/>
+            <a:p>
+              <a:pPr algn="ctr"/>
+              <a:endParaRPr lang="en-US" u="sng"/>
+            </a:p>
+          </p:txBody>
+        </p:sp>
+      </p:grpSp>
+      <p:sp>
+        <p:nvSpPr>
+          <p:cNvPr id="66" name="Rettangolo 65">
+            <a:extLst>
+              <a:ext uri="{FF2B5EF4-FFF2-40B4-BE49-F238E27FC236}">
+                <a16:creationId xmlns:a16="http://schemas.microsoft.com/office/drawing/2014/main" id="{3007CC37-4F68-D16D-21A6-BFC96D424DC1}"/>
+              </a:ext>
+            </a:extLst>
+          </p:cNvPr>
+          <p:cNvSpPr/>
+          <p:nvPr/>
+        </p:nvSpPr>
+        <p:spPr>
+          <a:xfrm>
+            <a:off x="3591125" y="1543838"/>
+            <a:ext cx="432304" cy="110945"/>
+          </a:xfrm>
+          <a:prstGeom prst="rect">
+            <a:avLst/>
+          </a:prstGeom>
+          <a:solidFill>
+            <a:srgbClr val="FF0000"/>
+          </a:solidFill>
+        </p:spPr>
+        <p:style>
+          <a:lnRef idx="2">
+            <a:schemeClr val="accent1">
+              <a:shade val="15000"/>
+            </a:schemeClr>
+          </a:lnRef>
+          <a:fillRef idx="1">
+            <a:schemeClr val="accent1"/>
+          </a:fillRef>
+          <a:effectRef idx="0">
+            <a:schemeClr val="accent1"/>
+          </a:effectRef>
+          <a:fontRef idx="minor">
+            <a:schemeClr val="lt1"/>
+          </a:fontRef>
+        </p:style>
+        <p:txBody>
+          <a:bodyPr rtlCol="0" anchor="ctr"/>
+          <a:lstStyle/>
+          <a:p>
+            <a:pPr algn="ctr"/>
+            <a:endParaRPr lang="en-US" u="sng"/>
+          </a:p>
+        </p:txBody>
+      </p:sp>
+      <p:sp>
+        <p:nvSpPr>
+          <p:cNvPr id="67" name="Rettangolo 66">
+            <a:extLst>
+              <a:ext uri="{FF2B5EF4-FFF2-40B4-BE49-F238E27FC236}">
+                <a16:creationId xmlns:a16="http://schemas.microsoft.com/office/drawing/2014/main" id="{2185B752-16FA-7F1A-EC88-D722012FEB11}"/>
+              </a:ext>
+            </a:extLst>
+          </p:cNvPr>
+          <p:cNvSpPr/>
+          <p:nvPr/>
+        </p:nvSpPr>
+        <p:spPr>
+          <a:xfrm>
+            <a:off x="3787127" y="1872282"/>
+            <a:ext cx="216000" cy="110946"/>
+          </a:xfrm>
+          <a:prstGeom prst="rect">
+            <a:avLst/>
+          </a:prstGeom>
+        </p:spPr>
+        <p:style>
+          <a:lnRef idx="2">
+            <a:schemeClr val="accent1">
+              <a:shade val="15000"/>
+            </a:schemeClr>
+          </a:lnRef>
+          <a:fillRef idx="1">
+            <a:schemeClr val="accent1"/>
+          </a:fillRef>
+          <a:effectRef idx="0">
+            <a:schemeClr val="accent1"/>
+          </a:effectRef>
+          <a:fontRef idx="minor">
+            <a:schemeClr val="lt1"/>
+          </a:fontRef>
+        </p:style>
+        <p:txBody>
+          <a:bodyPr rtlCol="0" anchor="ctr"/>
+          <a:lstStyle/>
+          <a:p>
+            <a:pPr algn="ctr"/>
+            <a:endParaRPr lang="en-US" u="sng"/>
+          </a:p>
+        </p:txBody>
+      </p:sp>
+      <p:sp>
+        <p:nvSpPr>
+          <p:cNvPr id="68" name="CasellaDiTesto 67">
+            <a:extLst>
+              <a:ext uri="{FF2B5EF4-FFF2-40B4-BE49-F238E27FC236}">
+                <a16:creationId xmlns:a16="http://schemas.microsoft.com/office/drawing/2014/main" id="{DEF01DDA-C337-1F95-53DE-3D0AB3FC0E1C}"/>
+              </a:ext>
+            </a:extLst>
+          </p:cNvPr>
+          <p:cNvSpPr txBox="1"/>
+          <p:nvPr/>
+        </p:nvSpPr>
+        <p:spPr>
+          <a:xfrm>
+            <a:off x="4151076" y="1491096"/>
+            <a:ext cx="1138189" cy="369332"/>
+          </a:xfrm>
+          <a:prstGeom prst="rect">
+            <a:avLst/>
+          </a:prstGeom>
+          <a:noFill/>
+        </p:spPr>
+        <p:txBody>
+          <a:bodyPr wrap="square" rtlCol="0">
+            <a:spAutoFit/>
+          </a:bodyPr>
+          <a:lstStyle/>
+          <a:p>
+            <a:r>
+              <a:rPr lang="en-US" u="sng" dirty="0"/>
+              <a:t>P cancer</a:t>
+            </a:r>
+          </a:p>
+        </p:txBody>
+      </p:sp>
+      <p:sp>
+        <p:nvSpPr>
+          <p:cNvPr id="69" name="CasellaDiTesto 68">
+            <a:extLst>
+              <a:ext uri="{FF2B5EF4-FFF2-40B4-BE49-F238E27FC236}">
+                <a16:creationId xmlns:a16="http://schemas.microsoft.com/office/drawing/2014/main" id="{9DA19E42-8282-7EF4-8155-1E738657A11D}"/>
+              </a:ext>
+            </a:extLst>
+          </p:cNvPr>
+          <p:cNvSpPr txBox="1"/>
+          <p:nvPr/>
+        </p:nvSpPr>
+        <p:spPr>
+          <a:xfrm>
+            <a:off x="3423340" y="538041"/>
+            <a:ext cx="1138189" cy="646331"/>
+          </a:xfrm>
+          <a:prstGeom prst="rect">
+            <a:avLst/>
+          </a:prstGeom>
+          <a:noFill/>
+        </p:spPr>
+        <p:txBody>
+          <a:bodyPr wrap="square" rtlCol="0">
+            <a:spAutoFit/>
+          </a:bodyPr>
+          <a:lstStyle/>
+          <a:p>
+            <a:r>
+              <a:rPr lang="en-US" u="sng" dirty="0"/>
+              <a:t>Individual patient</a:t>
+            </a:r>
+          </a:p>
+        </p:txBody>
+      </p:sp>
+      <p:sp>
+        <p:nvSpPr>
+          <p:cNvPr id="70" name="Rettangolo 69">
+            <a:extLst>
+              <a:ext uri="{FF2B5EF4-FFF2-40B4-BE49-F238E27FC236}">
+                <a16:creationId xmlns:a16="http://schemas.microsoft.com/office/drawing/2014/main" id="{4F66AE29-D8C4-9F88-06BF-47B37DCEBAC0}"/>
+              </a:ext>
+            </a:extLst>
+          </p:cNvPr>
+          <p:cNvSpPr/>
+          <p:nvPr/>
+        </p:nvSpPr>
+        <p:spPr>
+          <a:xfrm>
+            <a:off x="2215748" y="1295319"/>
+            <a:ext cx="1241640" cy="1095190"/>
+          </a:xfrm>
+          <a:prstGeom prst="rect">
+            <a:avLst/>
+          </a:prstGeom>
+          <a:solidFill>
+            <a:schemeClr val="accent1">
+              <a:alpha val="34000"/>
+            </a:schemeClr>
+          </a:solidFill>
+        </p:spPr>
+        <p:style>
+          <a:lnRef idx="2">
+            <a:schemeClr val="accent1">
+              <a:shade val="15000"/>
+            </a:schemeClr>
+          </a:lnRef>
+          <a:fillRef idx="1">
+            <a:schemeClr val="accent1"/>
+          </a:fillRef>
+          <a:effectRef idx="0">
+            <a:schemeClr val="accent1"/>
+          </a:effectRef>
+          <a:fontRef idx="minor">
+            <a:schemeClr val="lt1"/>
+          </a:fontRef>
+        </p:style>
+        <p:txBody>
+          <a:bodyPr rtlCol="0" anchor="ctr"/>
+          <a:lstStyle/>
+          <a:p>
+            <a:pPr algn="ctr"/>
+            <a:endParaRPr lang="en-US" u="sng"/>
+          </a:p>
+        </p:txBody>
+      </p:sp>
+      <p:sp>
+        <p:nvSpPr>
+          <p:cNvPr id="71" name="CasellaDiTesto 70">
+            <a:extLst>
+              <a:ext uri="{FF2B5EF4-FFF2-40B4-BE49-F238E27FC236}">
+                <a16:creationId xmlns:a16="http://schemas.microsoft.com/office/drawing/2014/main" id="{2096EAB8-4CE0-9C3F-29AA-F8221E738934}"/>
+              </a:ext>
+            </a:extLst>
+          </p:cNvPr>
+          <p:cNvSpPr txBox="1"/>
+          <p:nvPr/>
+        </p:nvSpPr>
+        <p:spPr>
+          <a:xfrm>
+            <a:off x="2255092" y="2416819"/>
+            <a:ext cx="1138189" cy="646331"/>
+          </a:xfrm>
+          <a:prstGeom prst="rect">
+            <a:avLst/>
+          </a:prstGeom>
+          <a:noFill/>
+        </p:spPr>
+        <p:txBody>
+          <a:bodyPr wrap="square" rtlCol="0">
+            <a:spAutoFit/>
+          </a:bodyPr>
+          <a:lstStyle/>
+          <a:p>
+            <a:r>
+              <a:rPr lang="en-US" u="sng" dirty="0"/>
+              <a:t>Agnostic method</a:t>
+            </a:r>
+          </a:p>
+        </p:txBody>
+      </p:sp>
+      <p:grpSp>
+        <p:nvGrpSpPr>
+          <p:cNvPr id="72" name="Gruppo 71">
+            <a:extLst>
+              <a:ext uri="{FF2B5EF4-FFF2-40B4-BE49-F238E27FC236}">
+                <a16:creationId xmlns:a16="http://schemas.microsoft.com/office/drawing/2014/main" id="{DA5A006E-B4D8-7644-477C-F919362C00EB}"/>
+              </a:ext>
+            </a:extLst>
+          </p:cNvPr>
+          <p:cNvGrpSpPr/>
+          <p:nvPr/>
+        </p:nvGrpSpPr>
+        <p:grpSpPr>
+          <a:xfrm>
+            <a:off x="2670944" y="3560722"/>
+            <a:ext cx="422024" cy="733858"/>
+            <a:chOff x="4098983" y="1359773"/>
+            <a:chExt cx="422024" cy="733858"/>
+          </a:xfrm>
+        </p:grpSpPr>
+        <p:sp>
+          <p:nvSpPr>
+            <p:cNvPr id="73" name="Rettangolo con angoli arrotondati 72">
+              <a:extLst>
+                <a:ext uri="{FF2B5EF4-FFF2-40B4-BE49-F238E27FC236}">
+                  <a16:creationId xmlns:a16="http://schemas.microsoft.com/office/drawing/2014/main" id="{26DDA057-030E-651D-1695-DA2F27A73810}"/>
+                </a:ext>
+              </a:extLst>
+            </p:cNvPr>
+            <p:cNvSpPr/>
+            <p:nvPr/>
+          </p:nvSpPr>
+          <p:spPr>
+            <a:xfrm>
+              <a:off x="4098983" y="1636433"/>
+              <a:ext cx="422024" cy="457198"/>
+            </a:xfrm>
+            <a:prstGeom prst="roundRect">
+              <a:avLst/>
+            </a:prstGeom>
+          </p:spPr>
+          <p:style>
+            <a:lnRef idx="2">
+              <a:schemeClr val="accent1">
+                <a:shade val="15000"/>
+              </a:schemeClr>
+            </a:lnRef>
+            <a:fillRef idx="1">
+              <a:schemeClr val="accent1"/>
+            </a:fillRef>
+            <a:effectRef idx="0">
+              <a:schemeClr val="accent1"/>
+            </a:effectRef>
+            <a:fontRef idx="minor">
+              <a:schemeClr val="lt1"/>
+            </a:fontRef>
+          </p:style>
+          <p:txBody>
+            <a:bodyPr rtlCol="0" anchor="ctr"/>
+            <a:lstStyle/>
+            <a:p>
+              <a:pPr algn="ctr"/>
+              <a:endParaRPr lang="en-US" u="sng"/>
+            </a:p>
+          </p:txBody>
+        </p:sp>
+        <p:sp>
+          <p:nvSpPr>
+            <p:cNvPr id="74" name="Ovale 73">
+              <a:extLst>
+                <a:ext uri="{FF2B5EF4-FFF2-40B4-BE49-F238E27FC236}">
+                  <a16:creationId xmlns:a16="http://schemas.microsoft.com/office/drawing/2014/main" id="{EC743A98-5778-19AD-DA07-72EB3F2EFC1A}"/>
+                </a:ext>
+              </a:extLst>
+            </p:cNvPr>
+            <p:cNvSpPr/>
+            <p:nvPr/>
+          </p:nvSpPr>
+          <p:spPr>
+            <a:xfrm>
+              <a:off x="4161705" y="1359773"/>
+              <a:ext cx="287206" cy="236796"/>
+            </a:xfrm>
+            <a:prstGeom prst="ellipse">
+              <a:avLst/>
+            </a:prstGeom>
+          </p:spPr>
+          <p:style>
+            <a:lnRef idx="2">
+              <a:schemeClr val="accent1">
+                <a:shade val="15000"/>
+              </a:schemeClr>
+            </a:lnRef>
+            <a:fillRef idx="1">
+              <a:schemeClr val="accent1"/>
+            </a:fillRef>
+            <a:effectRef idx="0">
+              <a:schemeClr val="accent1"/>
+            </a:effectRef>
+            <a:fontRef idx="minor">
+              <a:schemeClr val="lt1"/>
+            </a:fontRef>
+          </p:style>
+          <p:txBody>
+            <a:bodyPr rtlCol="0" anchor="ctr"/>
+            <a:lstStyle/>
+            <a:p>
+              <a:pPr algn="ctr"/>
+              <a:endParaRPr lang="en-US" u="sng"/>
+            </a:p>
+          </p:txBody>
+        </p:sp>
+      </p:grpSp>
+      <p:grpSp>
+        <p:nvGrpSpPr>
+          <p:cNvPr id="75" name="Gruppo 74">
+            <a:extLst>
+              <a:ext uri="{FF2B5EF4-FFF2-40B4-BE49-F238E27FC236}">
+                <a16:creationId xmlns:a16="http://schemas.microsoft.com/office/drawing/2014/main" id="{AC63221B-6073-6929-7F20-B3033E0FBA0A}"/>
+              </a:ext>
+            </a:extLst>
+          </p:cNvPr>
+          <p:cNvGrpSpPr/>
+          <p:nvPr/>
+        </p:nvGrpSpPr>
+        <p:grpSpPr>
+          <a:xfrm>
+            <a:off x="1805070" y="4533535"/>
+            <a:ext cx="1705490" cy="899414"/>
+            <a:chOff x="1929978" y="1431377"/>
+            <a:chExt cx="1705490" cy="899414"/>
+          </a:xfrm>
+        </p:grpSpPr>
+        <p:grpSp>
+          <p:nvGrpSpPr>
+            <p:cNvPr id="76" name="Gruppo 75">
+              <a:extLst>
+                <a:ext uri="{FF2B5EF4-FFF2-40B4-BE49-F238E27FC236}">
+                  <a16:creationId xmlns:a16="http://schemas.microsoft.com/office/drawing/2014/main" id="{0499893E-FDA3-56CF-5FD1-AC53CF1570B1}"/>
+                </a:ext>
+              </a:extLst>
+            </p:cNvPr>
+            <p:cNvGrpSpPr/>
+            <p:nvPr/>
+          </p:nvGrpSpPr>
+          <p:grpSpPr>
+            <a:xfrm>
+              <a:off x="2444125" y="1431377"/>
+              <a:ext cx="1191343" cy="899414"/>
+              <a:chOff x="6847753" y="880263"/>
+              <a:chExt cx="1934308" cy="1615720"/>
+            </a:xfrm>
+          </p:grpSpPr>
+          <p:sp>
+            <p:nvSpPr>
+              <p:cNvPr id="80" name="Ovale 79">
+                <a:extLst>
+                  <a:ext uri="{FF2B5EF4-FFF2-40B4-BE49-F238E27FC236}">
+                    <a16:creationId xmlns:a16="http://schemas.microsoft.com/office/drawing/2014/main" id="{AA03F8F3-3DE1-D43F-9762-9FB39AA5DA7E}"/>
+                  </a:ext>
+                </a:extLst>
+              </p:cNvPr>
+              <p:cNvSpPr/>
+              <p:nvPr/>
+            </p:nvSpPr>
+            <p:spPr>
+              <a:xfrm>
+                <a:off x="6847753" y="880263"/>
+                <a:ext cx="422030" cy="422031"/>
+              </a:xfrm>
+              <a:prstGeom prst="ellipse">
+                <a:avLst/>
+              </a:prstGeom>
+              <a:solidFill>
+                <a:srgbClr val="FF0000"/>
+              </a:solidFill>
+            </p:spPr>
+            <p:style>
+              <a:lnRef idx="2">
+                <a:schemeClr val="accent1">
+                  <a:shade val="15000"/>
+                </a:schemeClr>
+              </a:lnRef>
+              <a:fillRef idx="1">
+                <a:schemeClr val="accent1"/>
+              </a:fillRef>
+              <a:effectRef idx="0">
+                <a:schemeClr val="accent1"/>
+              </a:effectRef>
+              <a:fontRef idx="minor">
+                <a:schemeClr val="lt1"/>
+              </a:fontRef>
+            </p:style>
+            <p:txBody>
+              <a:bodyPr rtlCol="0" anchor="ctr"/>
+              <a:lstStyle/>
+              <a:p>
+                <a:pPr algn="ctr"/>
+                <a:endParaRPr lang="en-US" u="sng"/>
+              </a:p>
+            </p:txBody>
+          </p:sp>
+          <p:sp>
+            <p:nvSpPr>
+              <p:cNvPr id="81" name="Ovale 80">
+                <a:extLst>
+                  <a:ext uri="{FF2B5EF4-FFF2-40B4-BE49-F238E27FC236}">
+                    <a16:creationId xmlns:a16="http://schemas.microsoft.com/office/drawing/2014/main" id="{5DC87528-D9AC-0055-61C8-100BD27B66EF}"/>
+                  </a:ext>
+                </a:extLst>
+              </p:cNvPr>
+              <p:cNvSpPr/>
+              <p:nvPr/>
+            </p:nvSpPr>
+            <p:spPr>
+              <a:xfrm>
+                <a:off x="6847753" y="1470280"/>
+                <a:ext cx="422030" cy="422031"/>
+              </a:xfrm>
+              <a:prstGeom prst="ellipse">
+                <a:avLst/>
+              </a:prstGeom>
+            </p:spPr>
+            <p:style>
+              <a:lnRef idx="2">
+                <a:schemeClr val="accent1">
+                  <a:shade val="15000"/>
+                </a:schemeClr>
+              </a:lnRef>
+              <a:fillRef idx="1">
+                <a:schemeClr val="accent1"/>
+              </a:fillRef>
+              <a:effectRef idx="0">
+                <a:schemeClr val="accent1"/>
+              </a:effectRef>
+              <a:fontRef idx="minor">
+                <a:schemeClr val="lt1"/>
+              </a:fontRef>
+            </p:style>
+            <p:txBody>
+              <a:bodyPr rtlCol="0" anchor="ctr"/>
+              <a:lstStyle/>
+              <a:p>
+                <a:pPr algn="ctr"/>
+                <a:endParaRPr lang="en-US" u="sng"/>
+              </a:p>
+            </p:txBody>
+          </p:sp>
+          <p:sp>
+            <p:nvSpPr>
+              <p:cNvPr id="82" name="Ovale 81">
+                <a:extLst>
+                  <a:ext uri="{FF2B5EF4-FFF2-40B4-BE49-F238E27FC236}">
+                    <a16:creationId xmlns:a16="http://schemas.microsoft.com/office/drawing/2014/main" id="{73EA8BE3-5905-4DEB-EBFD-B98B147E1E3F}"/>
+                  </a:ext>
+                </a:extLst>
+              </p:cNvPr>
+              <p:cNvSpPr/>
+              <p:nvPr/>
+            </p:nvSpPr>
+            <p:spPr>
+              <a:xfrm>
+                <a:off x="6847753" y="2073952"/>
+                <a:ext cx="422030" cy="422031"/>
+              </a:xfrm>
+              <a:prstGeom prst="ellipse">
+                <a:avLst/>
+              </a:prstGeom>
+            </p:spPr>
+            <p:style>
+              <a:lnRef idx="2">
+                <a:schemeClr val="accent1">
+                  <a:shade val="15000"/>
+                </a:schemeClr>
+              </a:lnRef>
+              <a:fillRef idx="1">
+                <a:schemeClr val="accent1"/>
+              </a:fillRef>
+              <a:effectRef idx="0">
+                <a:schemeClr val="accent1"/>
+              </a:effectRef>
+              <a:fontRef idx="minor">
+                <a:schemeClr val="lt1"/>
+              </a:fontRef>
+            </p:style>
+            <p:txBody>
+              <a:bodyPr rtlCol="0" anchor="ctr"/>
+              <a:lstStyle/>
+              <a:p>
+                <a:pPr algn="ctr"/>
+                <a:endParaRPr lang="en-US" u="sng"/>
+              </a:p>
+            </p:txBody>
+          </p:sp>
+          <p:sp>
+            <p:nvSpPr>
+              <p:cNvPr id="83" name="Ovale 82">
+                <a:extLst>
+                  <a:ext uri="{FF2B5EF4-FFF2-40B4-BE49-F238E27FC236}">
+                    <a16:creationId xmlns:a16="http://schemas.microsoft.com/office/drawing/2014/main" id="{CB7B2F21-F27E-F44A-B34A-F6D24834D7C1}"/>
+                  </a:ext>
+                </a:extLst>
+              </p:cNvPr>
+              <p:cNvSpPr/>
+              <p:nvPr/>
+            </p:nvSpPr>
+            <p:spPr>
+              <a:xfrm>
+                <a:off x="7603892" y="880263"/>
+                <a:ext cx="422030" cy="422031"/>
+              </a:xfrm>
+              <a:prstGeom prst="ellipse">
+                <a:avLst/>
+              </a:prstGeom>
+            </p:spPr>
+            <p:style>
+              <a:lnRef idx="2">
+                <a:schemeClr val="accent1">
+                  <a:shade val="15000"/>
+                </a:schemeClr>
+              </a:lnRef>
+              <a:fillRef idx="1">
+                <a:schemeClr val="accent1"/>
+              </a:fillRef>
+              <a:effectRef idx="0">
+                <a:schemeClr val="accent1"/>
+              </a:effectRef>
+              <a:fontRef idx="minor">
+                <a:schemeClr val="lt1"/>
+              </a:fontRef>
+            </p:style>
+            <p:txBody>
+              <a:bodyPr rtlCol="0" anchor="ctr"/>
+              <a:lstStyle/>
+              <a:p>
+                <a:pPr algn="ctr"/>
+                <a:endParaRPr lang="en-US" u="sng"/>
+              </a:p>
+            </p:txBody>
+          </p:sp>
+          <p:sp>
+            <p:nvSpPr>
+              <p:cNvPr id="84" name="Ovale 83">
+                <a:extLst>
+                  <a:ext uri="{FF2B5EF4-FFF2-40B4-BE49-F238E27FC236}">
+                    <a16:creationId xmlns:a16="http://schemas.microsoft.com/office/drawing/2014/main" id="{91835944-8B5B-9A54-3AC5-43FC07AFAA97}"/>
+                  </a:ext>
+                </a:extLst>
+              </p:cNvPr>
+              <p:cNvSpPr/>
+              <p:nvPr/>
+            </p:nvSpPr>
+            <p:spPr>
+              <a:xfrm>
+                <a:off x="7603892" y="1470280"/>
+                <a:ext cx="422030" cy="422031"/>
+              </a:xfrm>
+              <a:prstGeom prst="ellipse">
+                <a:avLst/>
+              </a:prstGeom>
+              <a:solidFill>
+                <a:srgbClr val="FF0000"/>
+              </a:solidFill>
+            </p:spPr>
+            <p:style>
+              <a:lnRef idx="2">
+                <a:schemeClr val="accent1">
+                  <a:shade val="15000"/>
+                </a:schemeClr>
+              </a:lnRef>
+              <a:fillRef idx="1">
+                <a:schemeClr val="accent1"/>
+              </a:fillRef>
+              <a:effectRef idx="0">
+                <a:schemeClr val="accent1"/>
+              </a:effectRef>
+              <a:fontRef idx="minor">
+                <a:schemeClr val="lt1"/>
+              </a:fontRef>
+            </p:style>
+            <p:txBody>
+              <a:bodyPr rtlCol="0" anchor="ctr"/>
+              <a:lstStyle/>
+              <a:p>
+                <a:pPr algn="ctr"/>
+                <a:endParaRPr lang="en-US" u="sng"/>
+              </a:p>
+            </p:txBody>
+          </p:sp>
+          <p:sp>
+            <p:nvSpPr>
+              <p:cNvPr id="85" name="Ovale 84">
+                <a:extLst>
+                  <a:ext uri="{FF2B5EF4-FFF2-40B4-BE49-F238E27FC236}">
+                    <a16:creationId xmlns:a16="http://schemas.microsoft.com/office/drawing/2014/main" id="{C3D165AF-7D0B-93B9-CFBB-94F4DFDA9C89}"/>
+                  </a:ext>
+                </a:extLst>
+              </p:cNvPr>
+              <p:cNvSpPr/>
+              <p:nvPr/>
+            </p:nvSpPr>
+            <p:spPr>
+              <a:xfrm>
+                <a:off x="7603892" y="2073952"/>
+                <a:ext cx="422030" cy="422031"/>
+              </a:xfrm>
+              <a:prstGeom prst="ellipse">
+                <a:avLst/>
+              </a:prstGeom>
+            </p:spPr>
+            <p:style>
+              <a:lnRef idx="2">
+                <a:schemeClr val="accent1">
+                  <a:shade val="15000"/>
+                </a:schemeClr>
+              </a:lnRef>
+              <a:fillRef idx="1">
+                <a:schemeClr val="accent1"/>
+              </a:fillRef>
+              <a:effectRef idx="0">
+                <a:schemeClr val="accent1"/>
+              </a:effectRef>
+              <a:fontRef idx="minor">
+                <a:schemeClr val="lt1"/>
+              </a:fontRef>
+            </p:style>
+            <p:txBody>
+              <a:bodyPr rtlCol="0" anchor="ctr"/>
+              <a:lstStyle/>
+              <a:p>
+                <a:pPr algn="ctr"/>
+                <a:endParaRPr lang="en-US" u="sng"/>
+              </a:p>
+            </p:txBody>
+          </p:sp>
+          <p:sp>
+            <p:nvSpPr>
+              <p:cNvPr id="86" name="Ovale 85">
+                <a:extLst>
+                  <a:ext uri="{FF2B5EF4-FFF2-40B4-BE49-F238E27FC236}">
+                    <a16:creationId xmlns:a16="http://schemas.microsoft.com/office/drawing/2014/main" id="{CDEC6150-1209-FA9B-359E-DA97D1D0D079}"/>
+                  </a:ext>
+                </a:extLst>
+              </p:cNvPr>
+              <p:cNvSpPr/>
+              <p:nvPr/>
+            </p:nvSpPr>
+            <p:spPr>
+              <a:xfrm>
+                <a:off x="8360031" y="1470279"/>
+                <a:ext cx="422030" cy="422031"/>
+              </a:xfrm>
+              <a:prstGeom prst="ellipse">
+                <a:avLst/>
+              </a:prstGeom>
+              <a:solidFill>
+                <a:srgbClr val="FF0000"/>
+              </a:solidFill>
+            </p:spPr>
+            <p:style>
+              <a:lnRef idx="2">
+                <a:schemeClr val="accent1">
+                  <a:shade val="15000"/>
+                </a:schemeClr>
+              </a:lnRef>
+              <a:fillRef idx="1">
+                <a:schemeClr val="accent1"/>
+              </a:fillRef>
+              <a:effectRef idx="0">
+                <a:schemeClr val="accent1"/>
+              </a:effectRef>
+              <a:fontRef idx="minor">
+                <a:schemeClr val="lt1"/>
+              </a:fontRef>
+            </p:style>
+            <p:txBody>
+              <a:bodyPr rtlCol="0" anchor="ctr"/>
+              <a:lstStyle/>
+              <a:p>
+                <a:pPr algn="ctr"/>
+                <a:endParaRPr lang="en-US" u="sng"/>
+              </a:p>
+            </p:txBody>
+          </p:sp>
+          <p:cxnSp>
+            <p:nvCxnSpPr>
+              <p:cNvPr id="87" name="Connettore diritto 86">
+                <a:extLst>
+                  <a:ext uri="{FF2B5EF4-FFF2-40B4-BE49-F238E27FC236}">
+                    <a16:creationId xmlns:a16="http://schemas.microsoft.com/office/drawing/2014/main" id="{EDFE3722-5232-DD28-98CE-A31EDBCA1D6A}"/>
+                  </a:ext>
+                </a:extLst>
+              </p:cNvPr>
+              <p:cNvCxnSpPr>
+                <a:stCxn id="80" idx="6"/>
+                <a:endCxn id="83" idx="2"/>
+              </p:cNvCxnSpPr>
+              <p:nvPr/>
+            </p:nvCxnSpPr>
+            <p:spPr>
+              <a:xfrm>
+                <a:off x="7269783" y="1091279"/>
+                <a:ext cx="334109" cy="0"/>
+              </a:xfrm>
+              <a:prstGeom prst="line">
+                <a:avLst/>
+              </a:prstGeom>
+              <a:ln w="38100">
+                <a:solidFill>
+                  <a:schemeClr val="tx1"/>
+                </a:solidFill>
+              </a:ln>
+            </p:spPr>
+            <p:style>
+              <a:lnRef idx="1">
+                <a:schemeClr val="accent1"/>
+              </a:lnRef>
+              <a:fillRef idx="0">
+                <a:schemeClr val="accent1"/>
+              </a:fillRef>
+              <a:effectRef idx="0">
+                <a:schemeClr val="accent1"/>
+              </a:effectRef>
+              <a:fontRef idx="minor">
+                <a:schemeClr val="tx1"/>
+              </a:fontRef>
+            </p:style>
+          </p:cxnSp>
+          <p:cxnSp>
+            <p:nvCxnSpPr>
+              <p:cNvPr id="88" name="Connettore diritto 87">
+                <a:extLst>
+                  <a:ext uri="{FF2B5EF4-FFF2-40B4-BE49-F238E27FC236}">
+                    <a16:creationId xmlns:a16="http://schemas.microsoft.com/office/drawing/2014/main" id="{296A763E-B470-00DC-3B7A-669136991638}"/>
+                  </a:ext>
+                </a:extLst>
+              </p:cNvPr>
+              <p:cNvCxnSpPr>
+                <a:cxnSpLocks/>
+                <a:stCxn id="81" idx="6"/>
+                <a:endCxn id="83" idx="2"/>
+              </p:cNvCxnSpPr>
+              <p:nvPr/>
+            </p:nvCxnSpPr>
+            <p:spPr>
+              <a:xfrm flipV="1">
+                <a:off x="7269783" y="1091279"/>
+                <a:ext cx="334109" cy="590017"/>
+              </a:xfrm>
+              <a:prstGeom prst="line">
+                <a:avLst/>
+              </a:prstGeom>
+              <a:ln w="38100">
+                <a:solidFill>
+                  <a:schemeClr val="tx1"/>
+                </a:solidFill>
+              </a:ln>
+            </p:spPr>
+            <p:style>
+              <a:lnRef idx="1">
+                <a:schemeClr val="accent1"/>
+              </a:lnRef>
+              <a:fillRef idx="0">
+                <a:schemeClr val="accent1"/>
+              </a:fillRef>
+              <a:effectRef idx="0">
+                <a:schemeClr val="accent1"/>
+              </a:effectRef>
+              <a:fontRef idx="minor">
+                <a:schemeClr val="tx1"/>
+              </a:fontRef>
+            </p:style>
+          </p:cxnSp>
+          <p:cxnSp>
+            <p:nvCxnSpPr>
+              <p:cNvPr id="89" name="Connettore diritto 88">
+                <a:extLst>
+                  <a:ext uri="{FF2B5EF4-FFF2-40B4-BE49-F238E27FC236}">
+                    <a16:creationId xmlns:a16="http://schemas.microsoft.com/office/drawing/2014/main" id="{9429E009-F2FA-EDCD-EFCB-079BC865633B}"/>
+                  </a:ext>
+                </a:extLst>
+              </p:cNvPr>
+              <p:cNvCxnSpPr>
+                <a:cxnSpLocks/>
+                <a:stCxn id="80" idx="6"/>
+                <a:endCxn id="84" idx="2"/>
+              </p:cNvCxnSpPr>
+              <p:nvPr/>
+            </p:nvCxnSpPr>
+            <p:spPr>
+              <a:xfrm>
+                <a:off x="7269783" y="1091279"/>
+                <a:ext cx="334109" cy="590017"/>
+              </a:xfrm>
+              <a:prstGeom prst="line">
+                <a:avLst/>
+              </a:prstGeom>
+              <a:ln w="38100">
+                <a:solidFill>
+                  <a:srgbClr val="FF0000"/>
+                </a:solidFill>
+              </a:ln>
+            </p:spPr>
+            <p:style>
+              <a:lnRef idx="1">
+                <a:schemeClr val="accent1"/>
+              </a:lnRef>
+              <a:fillRef idx="0">
+                <a:schemeClr val="accent1"/>
+              </a:fillRef>
+              <a:effectRef idx="0">
+                <a:schemeClr val="accent1"/>
+              </a:effectRef>
+              <a:fontRef idx="minor">
+                <a:schemeClr val="tx1"/>
+              </a:fontRef>
+            </p:style>
+          </p:cxnSp>
+          <p:cxnSp>
+            <p:nvCxnSpPr>
+              <p:cNvPr id="90" name="Connettore diritto 89">
+                <a:extLst>
+                  <a:ext uri="{FF2B5EF4-FFF2-40B4-BE49-F238E27FC236}">
+                    <a16:creationId xmlns:a16="http://schemas.microsoft.com/office/drawing/2014/main" id="{3FDD090A-4001-9989-F815-F301620704E0}"/>
+                  </a:ext>
+                </a:extLst>
+              </p:cNvPr>
+              <p:cNvCxnSpPr>
+                <a:cxnSpLocks/>
+                <a:stCxn id="81" idx="6"/>
+                <a:endCxn id="84" idx="2"/>
+              </p:cNvCxnSpPr>
+              <p:nvPr/>
+            </p:nvCxnSpPr>
+            <p:spPr>
+              <a:xfrm>
+                <a:off x="7269783" y="1681296"/>
+                <a:ext cx="334109" cy="0"/>
+              </a:xfrm>
+              <a:prstGeom prst="line">
+                <a:avLst/>
+              </a:prstGeom>
+              <a:ln w="38100">
+                <a:solidFill>
+                  <a:schemeClr val="tx1"/>
+                </a:solidFill>
+              </a:ln>
+            </p:spPr>
+            <p:style>
+              <a:lnRef idx="1">
+                <a:schemeClr val="accent1"/>
+              </a:lnRef>
+              <a:fillRef idx="0">
+                <a:schemeClr val="accent1"/>
+              </a:fillRef>
+              <a:effectRef idx="0">
+                <a:schemeClr val="accent1"/>
+              </a:effectRef>
+              <a:fontRef idx="minor">
+                <a:schemeClr val="tx1"/>
+              </a:fontRef>
+            </p:style>
+          </p:cxnSp>
+          <p:cxnSp>
+            <p:nvCxnSpPr>
+              <p:cNvPr id="91" name="Connettore diritto 90">
+                <a:extLst>
+                  <a:ext uri="{FF2B5EF4-FFF2-40B4-BE49-F238E27FC236}">
+                    <a16:creationId xmlns:a16="http://schemas.microsoft.com/office/drawing/2014/main" id="{37137B4E-87E2-D332-C677-B56BC3C21A00}"/>
+                  </a:ext>
+                </a:extLst>
+              </p:cNvPr>
+              <p:cNvCxnSpPr>
+                <a:cxnSpLocks/>
+                <a:stCxn id="80" idx="6"/>
+                <a:endCxn id="85" idx="2"/>
+              </p:cNvCxnSpPr>
+              <p:nvPr/>
+            </p:nvCxnSpPr>
+            <p:spPr>
+              <a:xfrm>
+                <a:off x="7269783" y="1091279"/>
+                <a:ext cx="334109" cy="1193689"/>
+              </a:xfrm>
+              <a:prstGeom prst="line">
+                <a:avLst/>
+              </a:prstGeom>
+              <a:ln w="38100">
+                <a:solidFill>
+                  <a:schemeClr val="tx1"/>
+                </a:solidFill>
+              </a:ln>
+            </p:spPr>
+            <p:style>
+              <a:lnRef idx="1">
+                <a:schemeClr val="accent1"/>
+              </a:lnRef>
+              <a:fillRef idx="0">
+                <a:schemeClr val="accent1"/>
+              </a:fillRef>
+              <a:effectRef idx="0">
+                <a:schemeClr val="accent1"/>
+              </a:effectRef>
+              <a:fontRef idx="minor">
+                <a:schemeClr val="tx1"/>
+              </a:fontRef>
+            </p:style>
+          </p:cxnSp>
+          <p:cxnSp>
+            <p:nvCxnSpPr>
+              <p:cNvPr id="92" name="Connettore diritto 91">
+                <a:extLst>
+                  <a:ext uri="{FF2B5EF4-FFF2-40B4-BE49-F238E27FC236}">
+                    <a16:creationId xmlns:a16="http://schemas.microsoft.com/office/drawing/2014/main" id="{57A0DF4D-8E3F-AC9C-FC1C-AA4FA474B387}"/>
+                  </a:ext>
+                </a:extLst>
+              </p:cNvPr>
+              <p:cNvCxnSpPr>
+                <a:cxnSpLocks/>
+                <a:stCxn id="81" idx="6"/>
+                <a:endCxn id="85" idx="2"/>
+              </p:cNvCxnSpPr>
+              <p:nvPr/>
+            </p:nvCxnSpPr>
+            <p:spPr>
+              <a:xfrm>
+                <a:off x="7269783" y="1681296"/>
+                <a:ext cx="334109" cy="603672"/>
+              </a:xfrm>
+              <a:prstGeom prst="line">
+                <a:avLst/>
+              </a:prstGeom>
+              <a:ln w="38100">
+                <a:solidFill>
+                  <a:schemeClr val="tx1"/>
+                </a:solidFill>
+              </a:ln>
+            </p:spPr>
+            <p:style>
+              <a:lnRef idx="1">
+                <a:schemeClr val="accent1"/>
+              </a:lnRef>
+              <a:fillRef idx="0">
+                <a:schemeClr val="accent1"/>
+              </a:fillRef>
+              <a:effectRef idx="0">
+                <a:schemeClr val="accent1"/>
+              </a:effectRef>
+              <a:fontRef idx="minor">
+                <a:schemeClr val="tx1"/>
+              </a:fontRef>
+            </p:style>
+          </p:cxnSp>
+          <p:cxnSp>
+            <p:nvCxnSpPr>
+              <p:cNvPr id="93" name="Connettore diritto 92">
+                <a:extLst>
+                  <a:ext uri="{FF2B5EF4-FFF2-40B4-BE49-F238E27FC236}">
+                    <a16:creationId xmlns:a16="http://schemas.microsoft.com/office/drawing/2014/main" id="{14847596-CE75-1F75-B0E3-3990AD17E79F}"/>
+                  </a:ext>
+                </a:extLst>
+              </p:cNvPr>
+              <p:cNvCxnSpPr>
+                <a:cxnSpLocks/>
+                <a:stCxn id="82" idx="6"/>
+                <a:endCxn id="83" idx="2"/>
+              </p:cNvCxnSpPr>
+              <p:nvPr/>
+            </p:nvCxnSpPr>
+            <p:spPr>
+              <a:xfrm flipV="1">
+                <a:off x="7269783" y="1091279"/>
+                <a:ext cx="334109" cy="1193689"/>
+              </a:xfrm>
+              <a:prstGeom prst="line">
+                <a:avLst/>
+              </a:prstGeom>
+              <a:ln w="38100">
+                <a:solidFill>
+                  <a:schemeClr val="tx1"/>
+                </a:solidFill>
+              </a:ln>
+            </p:spPr>
+            <p:style>
+              <a:lnRef idx="1">
+                <a:schemeClr val="accent1"/>
+              </a:lnRef>
+              <a:fillRef idx="0">
+                <a:schemeClr val="accent1"/>
+              </a:fillRef>
+              <a:effectRef idx="0">
+                <a:schemeClr val="accent1"/>
+              </a:effectRef>
+              <a:fontRef idx="minor">
+                <a:schemeClr val="tx1"/>
+              </a:fontRef>
+            </p:style>
+          </p:cxnSp>
+          <p:cxnSp>
+            <p:nvCxnSpPr>
+              <p:cNvPr id="94" name="Connettore diritto 93">
+                <a:extLst>
+                  <a:ext uri="{FF2B5EF4-FFF2-40B4-BE49-F238E27FC236}">
+                    <a16:creationId xmlns:a16="http://schemas.microsoft.com/office/drawing/2014/main" id="{615C9439-91CF-0BDF-15DE-630992EBFD79}"/>
+                  </a:ext>
+                </a:extLst>
+              </p:cNvPr>
+              <p:cNvCxnSpPr>
+                <a:cxnSpLocks/>
+                <a:stCxn id="82" idx="6"/>
+                <a:endCxn id="84" idx="2"/>
+              </p:cNvCxnSpPr>
+              <p:nvPr/>
+            </p:nvCxnSpPr>
+            <p:spPr>
+              <a:xfrm flipV="1">
+                <a:off x="7269783" y="1681296"/>
+                <a:ext cx="334109" cy="603672"/>
+              </a:xfrm>
+              <a:prstGeom prst="line">
+                <a:avLst/>
+              </a:prstGeom>
+              <a:ln w="38100">
+                <a:solidFill>
+                  <a:schemeClr val="tx1"/>
+                </a:solidFill>
+              </a:ln>
+            </p:spPr>
+            <p:style>
+              <a:lnRef idx="1">
+                <a:schemeClr val="accent1"/>
+              </a:lnRef>
+              <a:fillRef idx="0">
+                <a:schemeClr val="accent1"/>
+              </a:fillRef>
+              <a:effectRef idx="0">
+                <a:schemeClr val="accent1"/>
+              </a:effectRef>
+              <a:fontRef idx="minor">
+                <a:schemeClr val="tx1"/>
+              </a:fontRef>
+            </p:style>
+          </p:cxnSp>
+          <p:cxnSp>
+            <p:nvCxnSpPr>
+              <p:cNvPr id="95" name="Connettore diritto 94">
+                <a:extLst>
+                  <a:ext uri="{FF2B5EF4-FFF2-40B4-BE49-F238E27FC236}">
+                    <a16:creationId xmlns:a16="http://schemas.microsoft.com/office/drawing/2014/main" id="{AA916C5A-40CF-A3D8-104B-69FFA5AF34BB}"/>
+                  </a:ext>
+                </a:extLst>
+              </p:cNvPr>
+              <p:cNvCxnSpPr>
+                <a:cxnSpLocks/>
+                <a:stCxn id="82" idx="6"/>
+                <a:endCxn id="85" idx="2"/>
+              </p:cNvCxnSpPr>
+              <p:nvPr/>
+            </p:nvCxnSpPr>
+            <p:spPr>
+              <a:xfrm>
+                <a:off x="7269783" y="2284968"/>
+                <a:ext cx="334109" cy="0"/>
+              </a:xfrm>
+              <a:prstGeom prst="line">
+                <a:avLst/>
+              </a:prstGeom>
+              <a:ln w="38100">
+                <a:solidFill>
+                  <a:schemeClr val="tx1"/>
+                </a:solidFill>
+              </a:ln>
+            </p:spPr>
+            <p:style>
+              <a:lnRef idx="1">
+                <a:schemeClr val="accent1"/>
+              </a:lnRef>
+              <a:fillRef idx="0">
+                <a:schemeClr val="accent1"/>
+              </a:fillRef>
+              <a:effectRef idx="0">
+                <a:schemeClr val="accent1"/>
+              </a:effectRef>
+              <a:fontRef idx="minor">
+                <a:schemeClr val="tx1"/>
+              </a:fontRef>
+            </p:style>
+          </p:cxnSp>
+          <p:cxnSp>
+            <p:nvCxnSpPr>
+              <p:cNvPr id="96" name="Connettore diritto 95">
+                <a:extLst>
+                  <a:ext uri="{FF2B5EF4-FFF2-40B4-BE49-F238E27FC236}">
+                    <a16:creationId xmlns:a16="http://schemas.microsoft.com/office/drawing/2014/main" id="{AAA20DA1-0B7F-07F6-4439-079A80F138C5}"/>
+                  </a:ext>
+                </a:extLst>
+              </p:cNvPr>
+              <p:cNvCxnSpPr>
+                <a:cxnSpLocks/>
+                <a:stCxn id="83" idx="6"/>
+                <a:endCxn id="86" idx="2"/>
+              </p:cNvCxnSpPr>
+              <p:nvPr/>
+            </p:nvCxnSpPr>
+            <p:spPr>
+              <a:xfrm>
+                <a:off x="8025922" y="1091279"/>
+                <a:ext cx="334109" cy="590016"/>
+              </a:xfrm>
+              <a:prstGeom prst="line">
+                <a:avLst/>
+              </a:prstGeom>
+              <a:ln w="38100">
+                <a:solidFill>
+                  <a:schemeClr val="tx1"/>
+                </a:solidFill>
+              </a:ln>
+            </p:spPr>
+            <p:style>
+              <a:lnRef idx="1">
+                <a:schemeClr val="accent1"/>
+              </a:lnRef>
+              <a:fillRef idx="0">
+                <a:schemeClr val="accent1"/>
+              </a:fillRef>
+              <a:effectRef idx="0">
+                <a:schemeClr val="accent1"/>
+              </a:effectRef>
+              <a:fontRef idx="minor">
+                <a:schemeClr val="tx1"/>
+              </a:fontRef>
+            </p:style>
+          </p:cxnSp>
+          <p:cxnSp>
+            <p:nvCxnSpPr>
+              <p:cNvPr id="97" name="Connettore diritto 96">
+                <a:extLst>
+                  <a:ext uri="{FF2B5EF4-FFF2-40B4-BE49-F238E27FC236}">
+                    <a16:creationId xmlns:a16="http://schemas.microsoft.com/office/drawing/2014/main" id="{D98E5F1F-B030-FA6C-C2A7-92B75CC2A8EA}"/>
+                  </a:ext>
+                </a:extLst>
+              </p:cNvPr>
+              <p:cNvCxnSpPr>
+                <a:cxnSpLocks/>
+                <a:stCxn id="84" idx="6"/>
+                <a:endCxn id="86" idx="2"/>
+              </p:cNvCxnSpPr>
+              <p:nvPr/>
+            </p:nvCxnSpPr>
+            <p:spPr>
+              <a:xfrm flipV="1">
+                <a:off x="8025922" y="1681295"/>
+                <a:ext cx="334109" cy="1"/>
+              </a:xfrm>
+              <a:prstGeom prst="line">
+                <a:avLst/>
+              </a:prstGeom>
+              <a:ln w="38100">
+                <a:solidFill>
+                  <a:srgbClr val="FF0000"/>
+                </a:solidFill>
+              </a:ln>
+            </p:spPr>
+            <p:style>
+              <a:lnRef idx="1">
+                <a:schemeClr val="accent1"/>
+              </a:lnRef>
+              <a:fillRef idx="0">
+                <a:schemeClr val="accent1"/>
+              </a:fillRef>
+              <a:effectRef idx="0">
+                <a:schemeClr val="accent1"/>
+              </a:effectRef>
+              <a:fontRef idx="minor">
+                <a:schemeClr val="tx1"/>
+              </a:fontRef>
+            </p:style>
+          </p:cxnSp>
+          <p:cxnSp>
+            <p:nvCxnSpPr>
+              <p:cNvPr id="98" name="Connettore diritto 97">
+                <a:extLst>
+                  <a:ext uri="{FF2B5EF4-FFF2-40B4-BE49-F238E27FC236}">
+                    <a16:creationId xmlns:a16="http://schemas.microsoft.com/office/drawing/2014/main" id="{46C01E19-81FC-6B04-C9F3-F6EB1C9CEE06}"/>
+                  </a:ext>
+                </a:extLst>
+              </p:cNvPr>
+              <p:cNvCxnSpPr>
+                <a:cxnSpLocks/>
+                <a:stCxn id="85" idx="6"/>
+                <a:endCxn id="86" idx="2"/>
+              </p:cNvCxnSpPr>
+              <p:nvPr/>
+            </p:nvCxnSpPr>
+            <p:spPr>
+              <a:xfrm flipV="1">
+                <a:off x="8025922" y="1681295"/>
+                <a:ext cx="334109" cy="603673"/>
+              </a:xfrm>
+              <a:prstGeom prst="line">
+                <a:avLst/>
+              </a:prstGeom>
+              <a:ln w="38100">
+                <a:solidFill>
+                  <a:schemeClr val="tx1"/>
+                </a:solidFill>
+              </a:ln>
+            </p:spPr>
+            <p:style>
+              <a:lnRef idx="1">
+                <a:schemeClr val="accent1"/>
+              </a:lnRef>
+              <a:fillRef idx="0">
+                <a:schemeClr val="accent1"/>
+              </a:fillRef>
+              <a:effectRef idx="0">
+                <a:schemeClr val="accent1"/>
+              </a:effectRef>
+              <a:fontRef idx="minor">
+                <a:schemeClr val="tx1"/>
+              </a:fontRef>
+            </p:style>
+          </p:cxnSp>
+        </p:grpSp>
+        <p:sp>
+          <p:nvSpPr>
+            <p:cNvPr id="77" name="Rettangolo 76">
+              <a:extLst>
+                <a:ext uri="{FF2B5EF4-FFF2-40B4-BE49-F238E27FC236}">
+                  <a16:creationId xmlns:a16="http://schemas.microsoft.com/office/drawing/2014/main" id="{8BC812DE-0BB8-0AD0-1851-FAC9275B91BE}"/>
+                </a:ext>
+              </a:extLst>
+            </p:cNvPr>
+            <p:cNvSpPr/>
+            <p:nvPr/>
+          </p:nvSpPr>
+          <p:spPr>
+            <a:xfrm>
+              <a:off x="1929978" y="1493366"/>
+              <a:ext cx="432304" cy="110945"/>
+            </a:xfrm>
+            <a:prstGeom prst="rect">
+              <a:avLst/>
+            </a:prstGeom>
+            <a:solidFill>
+              <a:srgbClr val="FF0000"/>
+            </a:solidFill>
+          </p:spPr>
+          <p:style>
+            <a:lnRef idx="2">
+              <a:schemeClr val="accent1">
+                <a:shade val="15000"/>
+              </a:schemeClr>
+            </a:lnRef>
+            <a:fillRef idx="1">
+              <a:schemeClr val="accent1"/>
+            </a:fillRef>
+            <a:effectRef idx="0">
+              <a:schemeClr val="accent1"/>
+            </a:effectRef>
+            <a:fontRef idx="minor">
+              <a:schemeClr val="lt1"/>
+            </a:fontRef>
+          </p:style>
+          <p:txBody>
+            <a:bodyPr rtlCol="0" anchor="ctr"/>
+            <a:lstStyle/>
+            <a:p>
+              <a:pPr algn="ctr"/>
+              <a:endParaRPr lang="en-US" u="sng"/>
+            </a:p>
+          </p:txBody>
+        </p:sp>
+        <p:sp>
+          <p:nvSpPr>
+            <p:cNvPr id="78" name="Rettangolo 77">
+              <a:extLst>
+                <a:ext uri="{FF2B5EF4-FFF2-40B4-BE49-F238E27FC236}">
+                  <a16:creationId xmlns:a16="http://schemas.microsoft.com/office/drawing/2014/main" id="{ED839D86-C297-00F4-7D81-E890A5FEB5C0}"/>
+                </a:ext>
+              </a:extLst>
+            </p:cNvPr>
+            <p:cNvSpPr/>
+            <p:nvPr/>
+          </p:nvSpPr>
+          <p:spPr>
+            <a:xfrm>
+              <a:off x="2125980" y="1821810"/>
+              <a:ext cx="216000" cy="110946"/>
+            </a:xfrm>
+            <a:prstGeom prst="rect">
+              <a:avLst/>
+            </a:prstGeom>
+          </p:spPr>
+          <p:style>
+            <a:lnRef idx="2">
+              <a:schemeClr val="accent1">
+                <a:shade val="15000"/>
+              </a:schemeClr>
+            </a:lnRef>
+            <a:fillRef idx="1">
+              <a:schemeClr val="accent1"/>
+            </a:fillRef>
+            <a:effectRef idx="0">
+              <a:schemeClr val="accent1"/>
+            </a:effectRef>
+            <a:fontRef idx="minor">
+              <a:schemeClr val="lt1"/>
+            </a:fontRef>
+          </p:style>
+          <p:txBody>
+            <a:bodyPr rtlCol="0" anchor="ctr"/>
+            <a:lstStyle/>
+            <a:p>
+              <a:pPr algn="ctr"/>
+              <a:endParaRPr lang="en-US" u="sng"/>
+            </a:p>
+          </p:txBody>
+        </p:sp>
+        <p:sp>
+          <p:nvSpPr>
+            <p:cNvPr id="79" name="Rettangolo 78">
+              <a:extLst>
+                <a:ext uri="{FF2B5EF4-FFF2-40B4-BE49-F238E27FC236}">
+                  <a16:creationId xmlns:a16="http://schemas.microsoft.com/office/drawing/2014/main" id="{7DB3C7B7-4FD6-9AF2-6B28-1F80A49AEB36}"/>
+                </a:ext>
+              </a:extLst>
+            </p:cNvPr>
+            <p:cNvSpPr/>
+            <p:nvPr/>
+          </p:nvSpPr>
+          <p:spPr>
+            <a:xfrm>
+              <a:off x="2244297" y="2187427"/>
+              <a:ext cx="108000" cy="110945"/>
+            </a:xfrm>
+            <a:prstGeom prst="rect">
+              <a:avLst/>
+            </a:prstGeom>
+          </p:spPr>
+          <p:style>
+            <a:lnRef idx="2">
+              <a:schemeClr val="accent1">
+                <a:shade val="15000"/>
+              </a:schemeClr>
+            </a:lnRef>
+            <a:fillRef idx="1">
+              <a:schemeClr val="accent1"/>
+            </a:fillRef>
+            <a:effectRef idx="0">
+              <a:schemeClr val="accent1"/>
+            </a:effectRef>
+            <a:fontRef idx="minor">
+              <a:schemeClr val="lt1"/>
+            </a:fontRef>
+          </p:style>
+          <p:txBody>
+            <a:bodyPr rtlCol="0" anchor="ctr"/>
+            <a:lstStyle/>
+            <a:p>
+              <a:pPr algn="ctr"/>
+              <a:endParaRPr lang="en-US" u="sng"/>
+            </a:p>
+          </p:txBody>
+        </p:sp>
+      </p:grpSp>
+      <p:sp>
+        <p:nvSpPr>
+          <p:cNvPr id="99" name="Rettangolo 98">
+            <a:extLst>
+              <a:ext uri="{FF2B5EF4-FFF2-40B4-BE49-F238E27FC236}">
+                <a16:creationId xmlns:a16="http://schemas.microsoft.com/office/drawing/2014/main" id="{3DFA64A8-C678-0309-08AA-BD5609D80DAE}"/>
+              </a:ext>
+            </a:extLst>
+          </p:cNvPr>
+          <p:cNvSpPr/>
+          <p:nvPr/>
+        </p:nvSpPr>
+        <p:spPr>
+          <a:xfrm>
+            <a:off x="3644297" y="4703742"/>
+            <a:ext cx="432304" cy="110945"/>
+          </a:xfrm>
+          <a:prstGeom prst="rect">
+            <a:avLst/>
+          </a:prstGeom>
+          <a:solidFill>
+            <a:srgbClr val="FF0000"/>
+          </a:solidFill>
+        </p:spPr>
+        <p:style>
+          <a:lnRef idx="2">
+            <a:schemeClr val="accent1">
+              <a:shade val="15000"/>
+            </a:schemeClr>
+          </a:lnRef>
+          <a:fillRef idx="1">
+            <a:schemeClr val="accent1"/>
+          </a:fillRef>
+          <a:effectRef idx="0">
+            <a:schemeClr val="accent1"/>
+          </a:effectRef>
+          <a:fontRef idx="minor">
+            <a:schemeClr val="lt1"/>
+          </a:fontRef>
+        </p:style>
+        <p:txBody>
+          <a:bodyPr rtlCol="0" anchor="ctr"/>
+          <a:lstStyle/>
+          <a:p>
+            <a:pPr algn="ctr"/>
+            <a:endParaRPr lang="en-US" u="sng"/>
+          </a:p>
+        </p:txBody>
+      </p:sp>
+      <p:sp>
+        <p:nvSpPr>
+          <p:cNvPr id="100" name="Rettangolo 99">
+            <a:extLst>
+              <a:ext uri="{FF2B5EF4-FFF2-40B4-BE49-F238E27FC236}">
+                <a16:creationId xmlns:a16="http://schemas.microsoft.com/office/drawing/2014/main" id="{18617F22-60BC-478A-817A-4B1999B34CD7}"/>
+              </a:ext>
+            </a:extLst>
+          </p:cNvPr>
+          <p:cNvSpPr/>
+          <p:nvPr/>
+        </p:nvSpPr>
+        <p:spPr>
+          <a:xfrm>
+            <a:off x="3840299" y="5032186"/>
+            <a:ext cx="216000" cy="110946"/>
+          </a:xfrm>
+          <a:prstGeom prst="rect">
+            <a:avLst/>
+          </a:prstGeom>
+        </p:spPr>
+        <p:style>
+          <a:lnRef idx="2">
+            <a:schemeClr val="accent1">
+              <a:shade val="15000"/>
+            </a:schemeClr>
+          </a:lnRef>
+          <a:fillRef idx="1">
+            <a:schemeClr val="accent1"/>
+          </a:fillRef>
+          <a:effectRef idx="0">
+            <a:schemeClr val="accent1"/>
+          </a:effectRef>
+          <a:fontRef idx="minor">
+            <a:schemeClr val="lt1"/>
+          </a:fontRef>
+        </p:style>
+        <p:txBody>
+          <a:bodyPr rtlCol="0" anchor="ctr"/>
+          <a:lstStyle/>
+          <a:p>
+            <a:pPr algn="ctr"/>
+            <a:endParaRPr lang="en-US" u="sng"/>
+          </a:p>
+        </p:txBody>
+      </p:sp>
+      <p:sp>
+        <p:nvSpPr>
+          <p:cNvPr id="101" name="CasellaDiTesto 100">
+            <a:extLst>
+              <a:ext uri="{FF2B5EF4-FFF2-40B4-BE49-F238E27FC236}">
+                <a16:creationId xmlns:a16="http://schemas.microsoft.com/office/drawing/2014/main" id="{B1AD23C1-4FB4-7271-1764-8CB68EF4AADC}"/>
+              </a:ext>
+            </a:extLst>
+          </p:cNvPr>
+          <p:cNvSpPr txBox="1"/>
+          <p:nvPr/>
+        </p:nvSpPr>
+        <p:spPr>
+          <a:xfrm>
+            <a:off x="4204248" y="4651000"/>
+            <a:ext cx="1138189" cy="369332"/>
+          </a:xfrm>
+          <a:prstGeom prst="rect">
+            <a:avLst/>
+          </a:prstGeom>
+          <a:noFill/>
+        </p:spPr>
+        <p:txBody>
+          <a:bodyPr wrap="square" rtlCol="0">
+            <a:spAutoFit/>
+          </a:bodyPr>
+          <a:lstStyle/>
+          <a:p>
+            <a:r>
+              <a:rPr lang="en-US" u="sng" dirty="0"/>
+              <a:t>P cancer</a:t>
+            </a:r>
+          </a:p>
+        </p:txBody>
+      </p:sp>
+      <p:sp>
+        <p:nvSpPr>
+          <p:cNvPr id="102" name="CasellaDiTesto 101">
+            <a:extLst>
+              <a:ext uri="{FF2B5EF4-FFF2-40B4-BE49-F238E27FC236}">
+                <a16:creationId xmlns:a16="http://schemas.microsoft.com/office/drawing/2014/main" id="{267A4F2C-76F0-EBAB-571E-A1E58F595066}"/>
+              </a:ext>
+            </a:extLst>
+          </p:cNvPr>
+          <p:cNvSpPr txBox="1"/>
+          <p:nvPr/>
+        </p:nvSpPr>
+        <p:spPr>
+          <a:xfrm>
+            <a:off x="3476512" y="3697945"/>
+            <a:ext cx="1138189" cy="646331"/>
+          </a:xfrm>
+          <a:prstGeom prst="rect">
+            <a:avLst/>
+          </a:prstGeom>
+          <a:noFill/>
+        </p:spPr>
+        <p:txBody>
+          <a:bodyPr wrap="square" rtlCol="0">
+            <a:spAutoFit/>
+          </a:bodyPr>
+          <a:lstStyle/>
+          <a:p>
+            <a:r>
+              <a:rPr lang="en-US" u="sng" dirty="0"/>
+              <a:t>Individual patient</a:t>
+            </a:r>
+          </a:p>
+        </p:txBody>
+      </p:sp>
+      <p:grpSp>
+        <p:nvGrpSpPr>
+          <p:cNvPr id="105" name="Gruppo 104">
+            <a:extLst>
+              <a:ext uri="{FF2B5EF4-FFF2-40B4-BE49-F238E27FC236}">
+                <a16:creationId xmlns:a16="http://schemas.microsoft.com/office/drawing/2014/main" id="{2A609B49-CAAD-C1CD-A525-8650D7D61F96}"/>
+              </a:ext>
+            </a:extLst>
+          </p:cNvPr>
+          <p:cNvGrpSpPr/>
+          <p:nvPr/>
+        </p:nvGrpSpPr>
+        <p:grpSpPr>
+          <a:xfrm>
+            <a:off x="6531307" y="400818"/>
+            <a:ext cx="422024" cy="733858"/>
+            <a:chOff x="4098983" y="1359773"/>
+            <a:chExt cx="422024" cy="733858"/>
+          </a:xfrm>
+        </p:grpSpPr>
+        <p:sp>
+          <p:nvSpPr>
+            <p:cNvPr id="106" name="Rettangolo con angoli arrotondati 105">
+              <a:extLst>
+                <a:ext uri="{FF2B5EF4-FFF2-40B4-BE49-F238E27FC236}">
+                  <a16:creationId xmlns:a16="http://schemas.microsoft.com/office/drawing/2014/main" id="{85D26464-6669-7EE5-CBB6-BA0B42D88A61}"/>
+                </a:ext>
+              </a:extLst>
+            </p:cNvPr>
+            <p:cNvSpPr/>
+            <p:nvPr/>
+          </p:nvSpPr>
+          <p:spPr>
+            <a:xfrm>
+              <a:off x="4098983" y="1636433"/>
+              <a:ext cx="422024" cy="457198"/>
+            </a:xfrm>
+            <a:prstGeom prst="roundRect">
+              <a:avLst/>
+            </a:prstGeom>
+          </p:spPr>
+          <p:style>
+            <a:lnRef idx="2">
+              <a:schemeClr val="accent1">
+                <a:shade val="15000"/>
+              </a:schemeClr>
+            </a:lnRef>
+            <a:fillRef idx="1">
+              <a:schemeClr val="accent1"/>
+            </a:fillRef>
+            <a:effectRef idx="0">
+              <a:schemeClr val="accent1"/>
+            </a:effectRef>
+            <a:fontRef idx="minor">
+              <a:schemeClr val="lt1"/>
+            </a:fontRef>
+          </p:style>
+          <p:txBody>
+            <a:bodyPr rtlCol="0" anchor="ctr"/>
+            <a:lstStyle/>
+            <a:p>
+              <a:pPr algn="ctr"/>
+              <a:endParaRPr lang="en-US" u="sng"/>
+            </a:p>
+          </p:txBody>
+        </p:sp>
+        <p:sp>
+          <p:nvSpPr>
+            <p:cNvPr id="107" name="Ovale 106">
+              <a:extLst>
+                <a:ext uri="{FF2B5EF4-FFF2-40B4-BE49-F238E27FC236}">
+                  <a16:creationId xmlns:a16="http://schemas.microsoft.com/office/drawing/2014/main" id="{3D4CB464-ECE8-B646-3B9C-489E87D65E34}"/>
+                </a:ext>
+              </a:extLst>
+            </p:cNvPr>
+            <p:cNvSpPr/>
+            <p:nvPr/>
+          </p:nvSpPr>
+          <p:spPr>
+            <a:xfrm>
+              <a:off x="4161705" y="1359773"/>
+              <a:ext cx="287206" cy="236796"/>
+            </a:xfrm>
+            <a:prstGeom prst="ellipse">
+              <a:avLst/>
+            </a:prstGeom>
+          </p:spPr>
+          <p:style>
+            <a:lnRef idx="2">
+              <a:schemeClr val="accent1">
+                <a:shade val="15000"/>
+              </a:schemeClr>
+            </a:lnRef>
+            <a:fillRef idx="1">
+              <a:schemeClr val="accent1"/>
+            </a:fillRef>
+            <a:effectRef idx="0">
+              <a:schemeClr val="accent1"/>
+            </a:effectRef>
+            <a:fontRef idx="minor">
+              <a:schemeClr val="lt1"/>
+            </a:fontRef>
+          </p:style>
+          <p:txBody>
+            <a:bodyPr rtlCol="0" anchor="ctr"/>
+            <a:lstStyle/>
+            <a:p>
+              <a:pPr algn="ctr"/>
+              <a:endParaRPr lang="en-US" u="sng"/>
+            </a:p>
+          </p:txBody>
+        </p:sp>
+      </p:grpSp>
+      <p:grpSp>
+        <p:nvGrpSpPr>
+          <p:cNvPr id="108" name="Gruppo 107">
+            <a:extLst>
+              <a:ext uri="{FF2B5EF4-FFF2-40B4-BE49-F238E27FC236}">
+                <a16:creationId xmlns:a16="http://schemas.microsoft.com/office/drawing/2014/main" id="{29F93392-CB0A-502A-36E6-35A78E3391B4}"/>
+              </a:ext>
+            </a:extLst>
+          </p:cNvPr>
+          <p:cNvGrpSpPr/>
+          <p:nvPr/>
+        </p:nvGrpSpPr>
+        <p:grpSpPr>
+          <a:xfrm>
+            <a:off x="5665433" y="1373631"/>
+            <a:ext cx="1705490" cy="899414"/>
+            <a:chOff x="1929978" y="1431377"/>
+            <a:chExt cx="1705490" cy="899414"/>
+          </a:xfrm>
+        </p:grpSpPr>
+        <p:grpSp>
+          <p:nvGrpSpPr>
+            <p:cNvPr id="109" name="Gruppo 108">
+              <a:extLst>
+                <a:ext uri="{FF2B5EF4-FFF2-40B4-BE49-F238E27FC236}">
+                  <a16:creationId xmlns:a16="http://schemas.microsoft.com/office/drawing/2014/main" id="{A299B1E9-4EA4-C878-FC31-5268189DA419}"/>
+                </a:ext>
+              </a:extLst>
+            </p:cNvPr>
+            <p:cNvGrpSpPr/>
+            <p:nvPr/>
+          </p:nvGrpSpPr>
+          <p:grpSpPr>
+            <a:xfrm>
+              <a:off x="2444125" y="1431377"/>
+              <a:ext cx="1191343" cy="899414"/>
+              <a:chOff x="6847753" y="880263"/>
+              <a:chExt cx="1934308" cy="1615720"/>
+            </a:xfrm>
+          </p:grpSpPr>
+          <p:sp>
+            <p:nvSpPr>
+              <p:cNvPr id="113" name="Ovale 112">
+                <a:extLst>
+                  <a:ext uri="{FF2B5EF4-FFF2-40B4-BE49-F238E27FC236}">
+                    <a16:creationId xmlns:a16="http://schemas.microsoft.com/office/drawing/2014/main" id="{3E7CA2E8-34F1-F022-52FF-5DA24FF4385B}"/>
+                  </a:ext>
+                </a:extLst>
+              </p:cNvPr>
+              <p:cNvSpPr/>
+              <p:nvPr/>
+            </p:nvSpPr>
+            <p:spPr>
+              <a:xfrm>
+                <a:off x="6847753" y="880263"/>
+                <a:ext cx="422030" cy="422031"/>
+              </a:xfrm>
+              <a:prstGeom prst="ellipse">
+                <a:avLst/>
+              </a:prstGeom>
+            </p:spPr>
+            <p:style>
+              <a:lnRef idx="2">
+                <a:schemeClr val="accent1">
+                  <a:shade val="15000"/>
+                </a:schemeClr>
+              </a:lnRef>
+              <a:fillRef idx="1">
+                <a:schemeClr val="accent1"/>
+              </a:fillRef>
+              <a:effectRef idx="0">
+                <a:schemeClr val="accent1"/>
+              </a:effectRef>
+              <a:fontRef idx="minor">
+                <a:schemeClr val="lt1"/>
+              </a:fontRef>
+            </p:style>
+            <p:txBody>
+              <a:bodyPr rtlCol="0" anchor="ctr"/>
+              <a:lstStyle/>
+              <a:p>
+                <a:pPr algn="ctr"/>
+                <a:endParaRPr lang="en-US" u="sng"/>
+              </a:p>
+            </p:txBody>
+          </p:sp>
+          <p:sp>
+            <p:nvSpPr>
+              <p:cNvPr id="114" name="Ovale 113">
+                <a:extLst>
+                  <a:ext uri="{FF2B5EF4-FFF2-40B4-BE49-F238E27FC236}">
+                    <a16:creationId xmlns:a16="http://schemas.microsoft.com/office/drawing/2014/main" id="{8DD6475E-B64A-59C8-D365-D78480BDBFA6}"/>
+                  </a:ext>
+                </a:extLst>
+              </p:cNvPr>
+              <p:cNvSpPr/>
+              <p:nvPr/>
+            </p:nvSpPr>
+            <p:spPr>
+              <a:xfrm>
+                <a:off x="6847753" y="1470280"/>
+                <a:ext cx="422030" cy="422031"/>
+              </a:xfrm>
+              <a:prstGeom prst="ellipse">
+                <a:avLst/>
+              </a:prstGeom>
+            </p:spPr>
+            <p:style>
+              <a:lnRef idx="2">
+                <a:schemeClr val="accent1">
+                  <a:shade val="15000"/>
+                </a:schemeClr>
+              </a:lnRef>
+              <a:fillRef idx="1">
+                <a:schemeClr val="accent1"/>
+              </a:fillRef>
+              <a:effectRef idx="0">
+                <a:schemeClr val="accent1"/>
+              </a:effectRef>
+              <a:fontRef idx="minor">
+                <a:schemeClr val="lt1"/>
+              </a:fontRef>
+            </p:style>
+            <p:txBody>
+              <a:bodyPr rtlCol="0" anchor="ctr"/>
+              <a:lstStyle/>
+              <a:p>
+                <a:pPr algn="ctr"/>
+                <a:endParaRPr lang="en-US" u="sng"/>
+              </a:p>
+            </p:txBody>
+          </p:sp>
+          <p:sp>
+            <p:nvSpPr>
+              <p:cNvPr id="115" name="Ovale 114">
+                <a:extLst>
+                  <a:ext uri="{FF2B5EF4-FFF2-40B4-BE49-F238E27FC236}">
+                    <a16:creationId xmlns:a16="http://schemas.microsoft.com/office/drawing/2014/main" id="{D7A0FC2A-88B1-70AF-5E4B-22933E9DE938}"/>
+                  </a:ext>
+                </a:extLst>
+              </p:cNvPr>
+              <p:cNvSpPr/>
+              <p:nvPr/>
+            </p:nvSpPr>
+            <p:spPr>
+              <a:xfrm>
+                <a:off x="6847753" y="2073952"/>
+                <a:ext cx="422030" cy="422031"/>
+              </a:xfrm>
+              <a:prstGeom prst="ellipse">
+                <a:avLst/>
+              </a:prstGeom>
+            </p:spPr>
+            <p:style>
+              <a:lnRef idx="2">
+                <a:schemeClr val="accent1">
+                  <a:shade val="15000"/>
+                </a:schemeClr>
+              </a:lnRef>
+              <a:fillRef idx="1">
+                <a:schemeClr val="accent1"/>
+              </a:fillRef>
+              <a:effectRef idx="0">
+                <a:schemeClr val="accent1"/>
+              </a:effectRef>
+              <a:fontRef idx="minor">
+                <a:schemeClr val="lt1"/>
+              </a:fontRef>
+            </p:style>
+            <p:txBody>
+              <a:bodyPr rtlCol="0" anchor="ctr"/>
+              <a:lstStyle/>
+              <a:p>
+                <a:pPr algn="ctr"/>
+                <a:endParaRPr lang="en-US" u="sng"/>
+              </a:p>
+            </p:txBody>
+          </p:sp>
+          <p:sp>
+            <p:nvSpPr>
+              <p:cNvPr id="116" name="Ovale 115">
+                <a:extLst>
+                  <a:ext uri="{FF2B5EF4-FFF2-40B4-BE49-F238E27FC236}">
+                    <a16:creationId xmlns:a16="http://schemas.microsoft.com/office/drawing/2014/main" id="{35E35542-61EA-0E2A-C433-AFBED65ECD74}"/>
+                  </a:ext>
+                </a:extLst>
+              </p:cNvPr>
+              <p:cNvSpPr/>
+              <p:nvPr/>
+            </p:nvSpPr>
+            <p:spPr>
+              <a:xfrm>
+                <a:off x="7603892" y="880263"/>
+                <a:ext cx="422030" cy="422031"/>
+              </a:xfrm>
+              <a:prstGeom prst="ellipse">
+                <a:avLst/>
+              </a:prstGeom>
+            </p:spPr>
+            <p:style>
+              <a:lnRef idx="2">
+                <a:schemeClr val="accent1">
+                  <a:shade val="15000"/>
+                </a:schemeClr>
+              </a:lnRef>
+              <a:fillRef idx="1">
+                <a:schemeClr val="accent1"/>
+              </a:fillRef>
+              <a:effectRef idx="0">
+                <a:schemeClr val="accent1"/>
+              </a:effectRef>
+              <a:fontRef idx="minor">
+                <a:schemeClr val="lt1"/>
+              </a:fontRef>
+            </p:style>
+            <p:txBody>
+              <a:bodyPr rtlCol="0" anchor="ctr"/>
+              <a:lstStyle/>
+              <a:p>
+                <a:pPr algn="ctr"/>
+                <a:endParaRPr lang="en-US" u="sng"/>
+              </a:p>
+            </p:txBody>
+          </p:sp>
+          <p:sp>
+            <p:nvSpPr>
+              <p:cNvPr id="117" name="Ovale 116">
+                <a:extLst>
+                  <a:ext uri="{FF2B5EF4-FFF2-40B4-BE49-F238E27FC236}">
+                    <a16:creationId xmlns:a16="http://schemas.microsoft.com/office/drawing/2014/main" id="{D4165772-B553-72DD-5E9A-30DD15F5898E}"/>
+                  </a:ext>
+                </a:extLst>
+              </p:cNvPr>
+              <p:cNvSpPr/>
+              <p:nvPr/>
+            </p:nvSpPr>
+            <p:spPr>
+              <a:xfrm>
+                <a:off x="7603892" y="1470280"/>
+                <a:ext cx="422030" cy="422031"/>
+              </a:xfrm>
+              <a:prstGeom prst="ellipse">
+                <a:avLst/>
+              </a:prstGeom>
+            </p:spPr>
+            <p:style>
+              <a:lnRef idx="2">
+                <a:schemeClr val="accent1">
+                  <a:shade val="15000"/>
+                </a:schemeClr>
+              </a:lnRef>
+              <a:fillRef idx="1">
+                <a:schemeClr val="accent1"/>
+              </a:fillRef>
+              <a:effectRef idx="0">
+                <a:schemeClr val="accent1"/>
+              </a:effectRef>
+              <a:fontRef idx="minor">
+                <a:schemeClr val="lt1"/>
+              </a:fontRef>
+            </p:style>
+            <p:txBody>
+              <a:bodyPr rtlCol="0" anchor="ctr"/>
+              <a:lstStyle/>
+              <a:p>
+                <a:pPr algn="ctr"/>
+                <a:endParaRPr lang="en-US" u="sng"/>
+              </a:p>
+            </p:txBody>
+          </p:sp>
+          <p:sp>
+            <p:nvSpPr>
+              <p:cNvPr id="118" name="Ovale 117">
+                <a:extLst>
+                  <a:ext uri="{FF2B5EF4-FFF2-40B4-BE49-F238E27FC236}">
+                    <a16:creationId xmlns:a16="http://schemas.microsoft.com/office/drawing/2014/main" id="{95835688-B540-7B98-B825-4F763BE325F3}"/>
+                  </a:ext>
+                </a:extLst>
+              </p:cNvPr>
+              <p:cNvSpPr/>
+              <p:nvPr/>
+            </p:nvSpPr>
+            <p:spPr>
+              <a:xfrm>
+                <a:off x="7603892" y="2073952"/>
+                <a:ext cx="422030" cy="422031"/>
+              </a:xfrm>
+              <a:prstGeom prst="ellipse">
+                <a:avLst/>
+              </a:prstGeom>
+            </p:spPr>
+            <p:style>
+              <a:lnRef idx="2">
+                <a:schemeClr val="accent1">
+                  <a:shade val="15000"/>
+                </a:schemeClr>
+              </a:lnRef>
+              <a:fillRef idx="1">
+                <a:schemeClr val="accent1"/>
+              </a:fillRef>
+              <a:effectRef idx="0">
+                <a:schemeClr val="accent1"/>
+              </a:effectRef>
+              <a:fontRef idx="minor">
+                <a:schemeClr val="lt1"/>
+              </a:fontRef>
+            </p:style>
+            <p:txBody>
+              <a:bodyPr rtlCol="0" anchor="ctr"/>
+              <a:lstStyle/>
+              <a:p>
+                <a:pPr algn="ctr"/>
+                <a:endParaRPr lang="en-US" u="sng"/>
+              </a:p>
+            </p:txBody>
+          </p:sp>
+          <p:sp>
+            <p:nvSpPr>
+              <p:cNvPr id="119" name="Ovale 118">
+                <a:extLst>
+                  <a:ext uri="{FF2B5EF4-FFF2-40B4-BE49-F238E27FC236}">
+                    <a16:creationId xmlns:a16="http://schemas.microsoft.com/office/drawing/2014/main" id="{50CA164C-CBF1-8CF3-71A8-B71E7B185041}"/>
+                  </a:ext>
+                </a:extLst>
+              </p:cNvPr>
+              <p:cNvSpPr/>
+              <p:nvPr/>
+            </p:nvSpPr>
+            <p:spPr>
+              <a:xfrm>
+                <a:off x="8360031" y="1470279"/>
+                <a:ext cx="422030" cy="422031"/>
+              </a:xfrm>
+              <a:prstGeom prst="ellipse">
+                <a:avLst/>
+              </a:prstGeom>
+            </p:spPr>
+            <p:style>
+              <a:lnRef idx="2">
+                <a:schemeClr val="accent1">
+                  <a:shade val="15000"/>
+                </a:schemeClr>
+              </a:lnRef>
+              <a:fillRef idx="1">
+                <a:schemeClr val="accent1"/>
+              </a:fillRef>
+              <a:effectRef idx="0">
+                <a:schemeClr val="accent1"/>
+              </a:effectRef>
+              <a:fontRef idx="minor">
+                <a:schemeClr val="lt1"/>
+              </a:fontRef>
+            </p:style>
+            <p:txBody>
+              <a:bodyPr rtlCol="0" anchor="ctr"/>
+              <a:lstStyle/>
+              <a:p>
+                <a:pPr algn="ctr"/>
+                <a:endParaRPr lang="en-US" u="sng"/>
+              </a:p>
+            </p:txBody>
+          </p:sp>
+          <p:cxnSp>
+            <p:nvCxnSpPr>
+              <p:cNvPr id="120" name="Connettore diritto 119">
+                <a:extLst>
+                  <a:ext uri="{FF2B5EF4-FFF2-40B4-BE49-F238E27FC236}">
+                    <a16:creationId xmlns:a16="http://schemas.microsoft.com/office/drawing/2014/main" id="{40A4AB1B-CE83-6DC8-ED10-08AE69825263}"/>
+                  </a:ext>
+                </a:extLst>
+              </p:cNvPr>
+              <p:cNvCxnSpPr>
+                <a:stCxn id="113" idx="6"/>
+                <a:endCxn id="116" idx="2"/>
+              </p:cNvCxnSpPr>
+              <p:nvPr/>
+            </p:nvCxnSpPr>
+            <p:spPr>
+              <a:xfrm>
+                <a:off x="7269783" y="1091279"/>
+                <a:ext cx="334109" cy="0"/>
+              </a:xfrm>
+              <a:prstGeom prst="line">
+                <a:avLst/>
+              </a:prstGeom>
+              <a:ln w="38100">
+                <a:solidFill>
+                  <a:schemeClr val="tx1"/>
+                </a:solidFill>
+              </a:ln>
+            </p:spPr>
+            <p:style>
+              <a:lnRef idx="1">
+                <a:schemeClr val="accent1"/>
+              </a:lnRef>
+              <a:fillRef idx="0">
+                <a:schemeClr val="accent1"/>
+              </a:fillRef>
+              <a:effectRef idx="0">
+                <a:schemeClr val="accent1"/>
+              </a:effectRef>
+              <a:fontRef idx="minor">
+                <a:schemeClr val="tx1"/>
+              </a:fontRef>
+            </p:style>
+          </p:cxnSp>
+          <p:cxnSp>
+            <p:nvCxnSpPr>
+              <p:cNvPr id="121" name="Connettore diritto 120">
+                <a:extLst>
+                  <a:ext uri="{FF2B5EF4-FFF2-40B4-BE49-F238E27FC236}">
+                    <a16:creationId xmlns:a16="http://schemas.microsoft.com/office/drawing/2014/main" id="{E7D0C04A-195C-EFC0-337A-73EB48139C85}"/>
+                  </a:ext>
+                </a:extLst>
+              </p:cNvPr>
+              <p:cNvCxnSpPr>
+                <a:cxnSpLocks/>
+                <a:stCxn id="114" idx="6"/>
+                <a:endCxn id="116" idx="2"/>
+              </p:cNvCxnSpPr>
+              <p:nvPr/>
+            </p:nvCxnSpPr>
+            <p:spPr>
+              <a:xfrm flipV="1">
+                <a:off x="7269783" y="1091279"/>
+                <a:ext cx="334109" cy="590017"/>
+              </a:xfrm>
+              <a:prstGeom prst="line">
+                <a:avLst/>
+              </a:prstGeom>
+              <a:ln w="38100">
+                <a:solidFill>
+                  <a:schemeClr val="tx1"/>
+                </a:solidFill>
+              </a:ln>
+            </p:spPr>
+            <p:style>
+              <a:lnRef idx="1">
+                <a:schemeClr val="accent1"/>
+              </a:lnRef>
+              <a:fillRef idx="0">
+                <a:schemeClr val="accent1"/>
+              </a:fillRef>
+              <a:effectRef idx="0">
+                <a:schemeClr val="accent1"/>
+              </a:effectRef>
+              <a:fontRef idx="minor">
+                <a:schemeClr val="tx1"/>
+              </a:fontRef>
+            </p:style>
+          </p:cxnSp>
+          <p:cxnSp>
+            <p:nvCxnSpPr>
+              <p:cNvPr id="122" name="Connettore diritto 121">
+                <a:extLst>
+                  <a:ext uri="{FF2B5EF4-FFF2-40B4-BE49-F238E27FC236}">
+                    <a16:creationId xmlns:a16="http://schemas.microsoft.com/office/drawing/2014/main" id="{0AB20B05-1902-4575-4D03-2EA42C82A9FA}"/>
+                  </a:ext>
+                </a:extLst>
+              </p:cNvPr>
+              <p:cNvCxnSpPr>
+                <a:cxnSpLocks/>
+                <a:stCxn id="113" idx="6"/>
+                <a:endCxn id="117" idx="2"/>
+              </p:cNvCxnSpPr>
+              <p:nvPr/>
+            </p:nvCxnSpPr>
+            <p:spPr>
+              <a:xfrm>
+                <a:off x="7269783" y="1091279"/>
+                <a:ext cx="334109" cy="590017"/>
+              </a:xfrm>
+              <a:prstGeom prst="line">
+                <a:avLst/>
+              </a:prstGeom>
+              <a:ln w="38100">
+                <a:solidFill>
+                  <a:schemeClr val="tx1"/>
+                </a:solidFill>
+              </a:ln>
+            </p:spPr>
+            <p:style>
+              <a:lnRef idx="1">
+                <a:schemeClr val="accent1"/>
+              </a:lnRef>
+              <a:fillRef idx="0">
+                <a:schemeClr val="accent1"/>
+              </a:fillRef>
+              <a:effectRef idx="0">
+                <a:schemeClr val="accent1"/>
+              </a:effectRef>
+              <a:fontRef idx="minor">
+                <a:schemeClr val="tx1"/>
+              </a:fontRef>
+            </p:style>
+          </p:cxnSp>
+          <p:cxnSp>
+            <p:nvCxnSpPr>
+              <p:cNvPr id="123" name="Connettore diritto 122">
+                <a:extLst>
+                  <a:ext uri="{FF2B5EF4-FFF2-40B4-BE49-F238E27FC236}">
+                    <a16:creationId xmlns:a16="http://schemas.microsoft.com/office/drawing/2014/main" id="{AB96964C-02FA-8D60-B2A0-C026E9A05436}"/>
+                  </a:ext>
+                </a:extLst>
+              </p:cNvPr>
+              <p:cNvCxnSpPr>
+                <a:cxnSpLocks/>
+                <a:stCxn id="114" idx="6"/>
+                <a:endCxn id="117" idx="2"/>
+              </p:cNvCxnSpPr>
+              <p:nvPr/>
+            </p:nvCxnSpPr>
+            <p:spPr>
+              <a:xfrm>
+                <a:off x="7269783" y="1681296"/>
+                <a:ext cx="334109" cy="0"/>
+              </a:xfrm>
+              <a:prstGeom prst="line">
+                <a:avLst/>
+              </a:prstGeom>
+              <a:ln w="38100">
+                <a:solidFill>
+                  <a:schemeClr val="tx1"/>
+                </a:solidFill>
+              </a:ln>
+            </p:spPr>
+            <p:style>
+              <a:lnRef idx="1">
+                <a:schemeClr val="accent1"/>
+              </a:lnRef>
+              <a:fillRef idx="0">
+                <a:schemeClr val="accent1"/>
+              </a:fillRef>
+              <a:effectRef idx="0">
+                <a:schemeClr val="accent1"/>
+              </a:effectRef>
+              <a:fontRef idx="minor">
+                <a:schemeClr val="tx1"/>
+              </a:fontRef>
+            </p:style>
+          </p:cxnSp>
+          <p:cxnSp>
+            <p:nvCxnSpPr>
+              <p:cNvPr id="124" name="Connettore diritto 123">
+                <a:extLst>
+                  <a:ext uri="{FF2B5EF4-FFF2-40B4-BE49-F238E27FC236}">
+                    <a16:creationId xmlns:a16="http://schemas.microsoft.com/office/drawing/2014/main" id="{131C2225-196E-40F0-ACDA-E372ED30D41B}"/>
+                  </a:ext>
+                </a:extLst>
+              </p:cNvPr>
+              <p:cNvCxnSpPr>
+                <a:cxnSpLocks/>
+                <a:stCxn id="113" idx="6"/>
+                <a:endCxn id="118" idx="2"/>
+              </p:cNvCxnSpPr>
+              <p:nvPr/>
+            </p:nvCxnSpPr>
+            <p:spPr>
+              <a:xfrm>
+                <a:off x="7269783" y="1091279"/>
+                <a:ext cx="334109" cy="1193689"/>
+              </a:xfrm>
+              <a:prstGeom prst="line">
+                <a:avLst/>
+              </a:prstGeom>
+              <a:ln w="38100">
+                <a:solidFill>
+                  <a:schemeClr val="tx1"/>
+                </a:solidFill>
+              </a:ln>
+            </p:spPr>
+            <p:style>
+              <a:lnRef idx="1">
+                <a:schemeClr val="accent1"/>
+              </a:lnRef>
+              <a:fillRef idx="0">
+                <a:schemeClr val="accent1"/>
+              </a:fillRef>
+              <a:effectRef idx="0">
+                <a:schemeClr val="accent1"/>
+              </a:effectRef>
+              <a:fontRef idx="minor">
+                <a:schemeClr val="tx1"/>
+              </a:fontRef>
+            </p:style>
+          </p:cxnSp>
+          <p:cxnSp>
+            <p:nvCxnSpPr>
+              <p:cNvPr id="125" name="Connettore diritto 124">
+                <a:extLst>
+                  <a:ext uri="{FF2B5EF4-FFF2-40B4-BE49-F238E27FC236}">
+                    <a16:creationId xmlns:a16="http://schemas.microsoft.com/office/drawing/2014/main" id="{A3671532-2A8B-BC24-B777-CACCC015CD64}"/>
+                  </a:ext>
+                </a:extLst>
+              </p:cNvPr>
+              <p:cNvCxnSpPr>
+                <a:cxnSpLocks/>
+                <a:stCxn id="114" idx="6"/>
+                <a:endCxn id="118" idx="2"/>
+              </p:cNvCxnSpPr>
+              <p:nvPr/>
+            </p:nvCxnSpPr>
+            <p:spPr>
+              <a:xfrm>
+                <a:off x="7269783" y="1681296"/>
+                <a:ext cx="334109" cy="603672"/>
+              </a:xfrm>
+              <a:prstGeom prst="line">
+                <a:avLst/>
+              </a:prstGeom>
+              <a:ln w="38100">
+                <a:solidFill>
+                  <a:schemeClr val="tx1"/>
+                </a:solidFill>
+              </a:ln>
+            </p:spPr>
+            <p:style>
+              <a:lnRef idx="1">
+                <a:schemeClr val="accent1"/>
+              </a:lnRef>
+              <a:fillRef idx="0">
+                <a:schemeClr val="accent1"/>
+              </a:fillRef>
+              <a:effectRef idx="0">
+                <a:schemeClr val="accent1"/>
+              </a:effectRef>
+              <a:fontRef idx="minor">
+                <a:schemeClr val="tx1"/>
+              </a:fontRef>
+            </p:style>
+          </p:cxnSp>
+          <p:cxnSp>
+            <p:nvCxnSpPr>
+              <p:cNvPr id="126" name="Connettore diritto 125">
+                <a:extLst>
+                  <a:ext uri="{FF2B5EF4-FFF2-40B4-BE49-F238E27FC236}">
+                    <a16:creationId xmlns:a16="http://schemas.microsoft.com/office/drawing/2014/main" id="{DF679120-B219-E775-F9BE-1119B4B15644}"/>
+                  </a:ext>
+                </a:extLst>
+              </p:cNvPr>
+              <p:cNvCxnSpPr>
+                <a:cxnSpLocks/>
+                <a:stCxn id="115" idx="6"/>
+                <a:endCxn id="116" idx="2"/>
+              </p:cNvCxnSpPr>
+              <p:nvPr/>
+            </p:nvCxnSpPr>
+            <p:spPr>
+              <a:xfrm flipV="1">
+                <a:off x="7269783" y="1091279"/>
+                <a:ext cx="334109" cy="1193689"/>
+              </a:xfrm>
+              <a:prstGeom prst="line">
+                <a:avLst/>
+              </a:prstGeom>
+              <a:ln w="38100">
+                <a:solidFill>
+                  <a:schemeClr val="tx1"/>
+                </a:solidFill>
+              </a:ln>
+            </p:spPr>
+            <p:style>
+              <a:lnRef idx="1">
+                <a:schemeClr val="accent1"/>
+              </a:lnRef>
+              <a:fillRef idx="0">
+                <a:schemeClr val="accent1"/>
+              </a:fillRef>
+              <a:effectRef idx="0">
+                <a:schemeClr val="accent1"/>
+              </a:effectRef>
+              <a:fontRef idx="minor">
+                <a:schemeClr val="tx1"/>
+              </a:fontRef>
+            </p:style>
+          </p:cxnSp>
+          <p:cxnSp>
+            <p:nvCxnSpPr>
+              <p:cNvPr id="127" name="Connettore diritto 126">
+                <a:extLst>
+                  <a:ext uri="{FF2B5EF4-FFF2-40B4-BE49-F238E27FC236}">
+                    <a16:creationId xmlns:a16="http://schemas.microsoft.com/office/drawing/2014/main" id="{5A29496D-7C88-D197-2BFA-5A63F30BD3FA}"/>
+                  </a:ext>
+                </a:extLst>
+              </p:cNvPr>
+              <p:cNvCxnSpPr>
+                <a:cxnSpLocks/>
+                <a:stCxn id="115" idx="6"/>
+                <a:endCxn id="117" idx="2"/>
+              </p:cNvCxnSpPr>
+              <p:nvPr/>
+            </p:nvCxnSpPr>
+            <p:spPr>
+              <a:xfrm flipV="1">
+                <a:off x="7269783" y="1681296"/>
+                <a:ext cx="334109" cy="603672"/>
+              </a:xfrm>
+              <a:prstGeom prst="line">
+                <a:avLst/>
+              </a:prstGeom>
+              <a:ln w="38100">
+                <a:solidFill>
+                  <a:schemeClr val="tx1"/>
+                </a:solidFill>
+              </a:ln>
+            </p:spPr>
+            <p:style>
+              <a:lnRef idx="1">
+                <a:schemeClr val="accent1"/>
+              </a:lnRef>
+              <a:fillRef idx="0">
+                <a:schemeClr val="accent1"/>
+              </a:fillRef>
+              <a:effectRef idx="0">
+                <a:schemeClr val="accent1"/>
+              </a:effectRef>
+              <a:fontRef idx="minor">
+                <a:schemeClr val="tx1"/>
+              </a:fontRef>
+            </p:style>
+          </p:cxnSp>
+          <p:cxnSp>
+            <p:nvCxnSpPr>
+              <p:cNvPr id="128" name="Connettore diritto 127">
+                <a:extLst>
+                  <a:ext uri="{FF2B5EF4-FFF2-40B4-BE49-F238E27FC236}">
+                    <a16:creationId xmlns:a16="http://schemas.microsoft.com/office/drawing/2014/main" id="{47AB3AF5-8E00-68BB-4B74-98F600FF16BD}"/>
+                  </a:ext>
+                </a:extLst>
+              </p:cNvPr>
+              <p:cNvCxnSpPr>
+                <a:cxnSpLocks/>
+                <a:stCxn id="115" idx="6"/>
+                <a:endCxn id="118" idx="2"/>
+              </p:cNvCxnSpPr>
+              <p:nvPr/>
+            </p:nvCxnSpPr>
+            <p:spPr>
+              <a:xfrm>
+                <a:off x="7269783" y="2284968"/>
+                <a:ext cx="334109" cy="0"/>
+              </a:xfrm>
+              <a:prstGeom prst="line">
+                <a:avLst/>
+              </a:prstGeom>
+              <a:ln w="38100">
+                <a:solidFill>
+                  <a:schemeClr val="tx1"/>
+                </a:solidFill>
+              </a:ln>
+            </p:spPr>
+            <p:style>
+              <a:lnRef idx="1">
+                <a:schemeClr val="accent1"/>
+              </a:lnRef>
+              <a:fillRef idx="0">
+                <a:schemeClr val="accent1"/>
+              </a:fillRef>
+              <a:effectRef idx="0">
+                <a:schemeClr val="accent1"/>
+              </a:effectRef>
+              <a:fontRef idx="minor">
+                <a:schemeClr val="tx1"/>
+              </a:fontRef>
+            </p:style>
+          </p:cxnSp>
+          <p:cxnSp>
+            <p:nvCxnSpPr>
+              <p:cNvPr id="129" name="Connettore diritto 128">
+                <a:extLst>
+                  <a:ext uri="{FF2B5EF4-FFF2-40B4-BE49-F238E27FC236}">
+                    <a16:creationId xmlns:a16="http://schemas.microsoft.com/office/drawing/2014/main" id="{E5C55F65-C0E8-4D8D-533F-B48BB6D17E25}"/>
+                  </a:ext>
+                </a:extLst>
+              </p:cNvPr>
+              <p:cNvCxnSpPr>
+                <a:cxnSpLocks/>
+                <a:stCxn id="116" idx="6"/>
+                <a:endCxn id="119" idx="2"/>
+              </p:cNvCxnSpPr>
+              <p:nvPr/>
+            </p:nvCxnSpPr>
+            <p:spPr>
+              <a:xfrm>
+                <a:off x="8025922" y="1091279"/>
+                <a:ext cx="334109" cy="590016"/>
+              </a:xfrm>
+              <a:prstGeom prst="line">
+                <a:avLst/>
+              </a:prstGeom>
+              <a:ln w="38100">
+                <a:solidFill>
+                  <a:schemeClr val="tx1"/>
+                </a:solidFill>
+              </a:ln>
+            </p:spPr>
+            <p:style>
+              <a:lnRef idx="1">
+                <a:schemeClr val="accent1"/>
+              </a:lnRef>
+              <a:fillRef idx="0">
+                <a:schemeClr val="accent1"/>
+              </a:fillRef>
+              <a:effectRef idx="0">
+                <a:schemeClr val="accent1"/>
+              </a:effectRef>
+              <a:fontRef idx="minor">
+                <a:schemeClr val="tx1"/>
+              </a:fontRef>
+            </p:style>
+          </p:cxnSp>
+          <p:cxnSp>
+            <p:nvCxnSpPr>
+              <p:cNvPr id="130" name="Connettore diritto 129">
+                <a:extLst>
+                  <a:ext uri="{FF2B5EF4-FFF2-40B4-BE49-F238E27FC236}">
+                    <a16:creationId xmlns:a16="http://schemas.microsoft.com/office/drawing/2014/main" id="{0B5339F2-400B-A449-BFF6-5C5825CE0A98}"/>
+                  </a:ext>
+                </a:extLst>
+              </p:cNvPr>
+              <p:cNvCxnSpPr>
+                <a:cxnSpLocks/>
+                <a:stCxn id="117" idx="6"/>
+                <a:endCxn id="119" idx="2"/>
+              </p:cNvCxnSpPr>
+              <p:nvPr/>
+            </p:nvCxnSpPr>
+            <p:spPr>
+              <a:xfrm flipV="1">
+                <a:off x="8025922" y="1681295"/>
+                <a:ext cx="334109" cy="1"/>
+              </a:xfrm>
+              <a:prstGeom prst="line">
+                <a:avLst/>
+              </a:prstGeom>
+              <a:ln w="38100">
+                <a:solidFill>
+                  <a:schemeClr val="tx1"/>
+                </a:solidFill>
+              </a:ln>
+            </p:spPr>
+            <p:style>
+              <a:lnRef idx="1">
+                <a:schemeClr val="accent1"/>
+              </a:lnRef>
+              <a:fillRef idx="0">
+                <a:schemeClr val="accent1"/>
+              </a:fillRef>
+              <a:effectRef idx="0">
+                <a:schemeClr val="accent1"/>
+              </a:effectRef>
+              <a:fontRef idx="minor">
+                <a:schemeClr val="tx1"/>
+              </a:fontRef>
+            </p:style>
+          </p:cxnSp>
+          <p:cxnSp>
+            <p:nvCxnSpPr>
+              <p:cNvPr id="131" name="Connettore diritto 130">
+                <a:extLst>
+                  <a:ext uri="{FF2B5EF4-FFF2-40B4-BE49-F238E27FC236}">
+                    <a16:creationId xmlns:a16="http://schemas.microsoft.com/office/drawing/2014/main" id="{6E0F3861-EF5F-2787-503F-47287274B27E}"/>
+                  </a:ext>
+                </a:extLst>
+              </p:cNvPr>
+              <p:cNvCxnSpPr>
+                <a:cxnSpLocks/>
+                <a:stCxn id="118" idx="6"/>
+                <a:endCxn id="119" idx="2"/>
+              </p:cNvCxnSpPr>
+              <p:nvPr/>
+            </p:nvCxnSpPr>
+            <p:spPr>
+              <a:xfrm flipV="1">
+                <a:off x="8025922" y="1681295"/>
+                <a:ext cx="334109" cy="603673"/>
+              </a:xfrm>
+              <a:prstGeom prst="line">
+                <a:avLst/>
+              </a:prstGeom>
+              <a:ln w="38100">
+                <a:solidFill>
+                  <a:schemeClr val="tx1"/>
+                </a:solidFill>
+              </a:ln>
+            </p:spPr>
+            <p:style>
+              <a:lnRef idx="1">
+                <a:schemeClr val="accent1"/>
+              </a:lnRef>
+              <a:fillRef idx="0">
+                <a:schemeClr val="accent1"/>
+              </a:fillRef>
+              <a:effectRef idx="0">
+                <a:schemeClr val="accent1"/>
+              </a:effectRef>
+              <a:fontRef idx="minor">
+                <a:schemeClr val="tx1"/>
+              </a:fontRef>
+            </p:style>
+          </p:cxnSp>
+        </p:grpSp>
+        <p:sp>
+          <p:nvSpPr>
+            <p:cNvPr id="110" name="Rettangolo 109">
+              <a:extLst>
+                <a:ext uri="{FF2B5EF4-FFF2-40B4-BE49-F238E27FC236}">
+                  <a16:creationId xmlns:a16="http://schemas.microsoft.com/office/drawing/2014/main" id="{7C4BB601-41C9-B982-B7A7-96B2F852EE57}"/>
+                </a:ext>
+              </a:extLst>
+            </p:cNvPr>
+            <p:cNvSpPr/>
+            <p:nvPr/>
+          </p:nvSpPr>
+          <p:spPr>
+            <a:xfrm>
+              <a:off x="1929978" y="1493366"/>
+              <a:ext cx="432304" cy="110945"/>
+            </a:xfrm>
+            <a:prstGeom prst="rect">
+              <a:avLst/>
+            </a:prstGeom>
+            <a:solidFill>
+              <a:srgbClr val="FF0000"/>
+            </a:solidFill>
+          </p:spPr>
+          <p:style>
+            <a:lnRef idx="2">
+              <a:schemeClr val="accent1">
+                <a:shade val="15000"/>
+              </a:schemeClr>
+            </a:lnRef>
+            <a:fillRef idx="1">
+              <a:schemeClr val="accent1"/>
+            </a:fillRef>
+            <a:effectRef idx="0">
+              <a:schemeClr val="accent1"/>
+            </a:effectRef>
+            <a:fontRef idx="minor">
+              <a:schemeClr val="lt1"/>
+            </a:fontRef>
+          </p:style>
+          <p:txBody>
+            <a:bodyPr rtlCol="0" anchor="ctr"/>
+            <a:lstStyle/>
+            <a:p>
+              <a:pPr algn="ctr"/>
+              <a:endParaRPr lang="en-US" u="sng" dirty="0"/>
+            </a:p>
+          </p:txBody>
+        </p:sp>
+        <p:sp>
+          <p:nvSpPr>
+            <p:cNvPr id="111" name="Rettangolo 110">
+              <a:extLst>
+                <a:ext uri="{FF2B5EF4-FFF2-40B4-BE49-F238E27FC236}">
+                  <a16:creationId xmlns:a16="http://schemas.microsoft.com/office/drawing/2014/main" id="{794D6A04-D686-4AC3-2401-E31EF7803657}"/>
+                </a:ext>
+              </a:extLst>
+            </p:cNvPr>
+            <p:cNvSpPr/>
+            <p:nvPr/>
+          </p:nvSpPr>
+          <p:spPr>
+            <a:xfrm>
+              <a:off x="2125980" y="1821810"/>
+              <a:ext cx="216000" cy="110946"/>
+            </a:xfrm>
+            <a:prstGeom prst="rect">
+              <a:avLst/>
+            </a:prstGeom>
+          </p:spPr>
+          <p:style>
+            <a:lnRef idx="2">
+              <a:schemeClr val="accent1">
+                <a:shade val="15000"/>
+              </a:schemeClr>
+            </a:lnRef>
+            <a:fillRef idx="1">
+              <a:schemeClr val="accent1"/>
+            </a:fillRef>
+            <a:effectRef idx="0">
+              <a:schemeClr val="accent1"/>
+            </a:effectRef>
+            <a:fontRef idx="minor">
+              <a:schemeClr val="lt1"/>
+            </a:fontRef>
+          </p:style>
+          <p:txBody>
+            <a:bodyPr rtlCol="0" anchor="ctr"/>
+            <a:lstStyle/>
+            <a:p>
+              <a:pPr algn="ctr"/>
+              <a:endParaRPr lang="en-US" u="sng"/>
+            </a:p>
+          </p:txBody>
+        </p:sp>
+        <p:sp>
+          <p:nvSpPr>
+            <p:cNvPr id="112" name="Rettangolo 111">
+              <a:extLst>
+                <a:ext uri="{FF2B5EF4-FFF2-40B4-BE49-F238E27FC236}">
+                  <a16:creationId xmlns:a16="http://schemas.microsoft.com/office/drawing/2014/main" id="{07C22E17-AA05-E8AE-A573-A32FF4B2F6AB}"/>
+                </a:ext>
+              </a:extLst>
+            </p:cNvPr>
+            <p:cNvSpPr/>
+            <p:nvPr/>
+          </p:nvSpPr>
+          <p:spPr>
+            <a:xfrm>
+              <a:off x="2244297" y="2187427"/>
+              <a:ext cx="108000" cy="110945"/>
+            </a:xfrm>
+            <a:prstGeom prst="rect">
+              <a:avLst/>
+            </a:prstGeom>
+          </p:spPr>
+          <p:style>
+            <a:lnRef idx="2">
+              <a:schemeClr val="accent1">
+                <a:shade val="15000"/>
+              </a:schemeClr>
+            </a:lnRef>
+            <a:fillRef idx="1">
+              <a:schemeClr val="accent1"/>
+            </a:fillRef>
+            <a:effectRef idx="0">
+              <a:schemeClr val="accent1"/>
+            </a:effectRef>
+            <a:fontRef idx="minor">
+              <a:schemeClr val="lt1"/>
+            </a:fontRef>
+          </p:style>
+          <p:txBody>
+            <a:bodyPr rtlCol="0" anchor="ctr"/>
+            <a:lstStyle/>
+            <a:p>
+              <a:pPr algn="ctr"/>
+              <a:endParaRPr lang="en-US" u="sng"/>
+            </a:p>
+          </p:txBody>
+        </p:sp>
+      </p:grpSp>
+      <p:sp>
+        <p:nvSpPr>
+          <p:cNvPr id="132" name="Rettangolo 131">
+            <a:extLst>
+              <a:ext uri="{FF2B5EF4-FFF2-40B4-BE49-F238E27FC236}">
+                <a16:creationId xmlns:a16="http://schemas.microsoft.com/office/drawing/2014/main" id="{9DC26D15-077C-4AAA-A515-8F42B00CF47D}"/>
+              </a:ext>
+            </a:extLst>
+          </p:cNvPr>
+          <p:cNvSpPr/>
+          <p:nvPr/>
+        </p:nvSpPr>
+        <p:spPr>
+          <a:xfrm>
+            <a:off x="7504660" y="1543838"/>
+            <a:ext cx="432304" cy="110945"/>
+          </a:xfrm>
+          <a:prstGeom prst="rect">
+            <a:avLst/>
+          </a:prstGeom>
+          <a:solidFill>
+            <a:srgbClr val="FF0000"/>
+          </a:solidFill>
+        </p:spPr>
+        <p:style>
+          <a:lnRef idx="2">
+            <a:schemeClr val="accent1">
+              <a:shade val="15000"/>
+            </a:schemeClr>
+          </a:lnRef>
+          <a:fillRef idx="1">
+            <a:schemeClr val="accent1"/>
+          </a:fillRef>
+          <a:effectRef idx="0">
+            <a:schemeClr val="accent1"/>
+          </a:effectRef>
+          <a:fontRef idx="minor">
+            <a:schemeClr val="lt1"/>
+          </a:fontRef>
+        </p:style>
+        <p:txBody>
+          <a:bodyPr rtlCol="0" anchor="ctr"/>
+          <a:lstStyle/>
+          <a:p>
+            <a:pPr algn="ctr"/>
+            <a:endParaRPr lang="en-US" u="sng"/>
+          </a:p>
+        </p:txBody>
+      </p:sp>
+      <p:sp>
+        <p:nvSpPr>
+          <p:cNvPr id="133" name="Rettangolo 132">
+            <a:extLst>
+              <a:ext uri="{FF2B5EF4-FFF2-40B4-BE49-F238E27FC236}">
+                <a16:creationId xmlns:a16="http://schemas.microsoft.com/office/drawing/2014/main" id="{131C2C73-9FAA-C7D8-A03F-89DDE96859A6}"/>
+              </a:ext>
+            </a:extLst>
+          </p:cNvPr>
+          <p:cNvSpPr/>
+          <p:nvPr/>
+        </p:nvSpPr>
+        <p:spPr>
+          <a:xfrm>
+            <a:off x="7700662" y="1872282"/>
+            <a:ext cx="216000" cy="110946"/>
+          </a:xfrm>
+          <a:prstGeom prst="rect">
+            <a:avLst/>
+          </a:prstGeom>
+        </p:spPr>
+        <p:style>
+          <a:lnRef idx="2">
+            <a:schemeClr val="accent1">
+              <a:shade val="15000"/>
+            </a:schemeClr>
+          </a:lnRef>
+          <a:fillRef idx="1">
+            <a:schemeClr val="accent1"/>
+          </a:fillRef>
+          <a:effectRef idx="0">
+            <a:schemeClr val="accent1"/>
+          </a:effectRef>
+          <a:fontRef idx="minor">
+            <a:schemeClr val="lt1"/>
+          </a:fontRef>
+        </p:style>
+        <p:txBody>
+          <a:bodyPr rtlCol="0" anchor="ctr"/>
+          <a:lstStyle/>
+          <a:p>
+            <a:pPr algn="ctr"/>
+            <a:endParaRPr lang="en-US" u="sng"/>
+          </a:p>
+        </p:txBody>
+      </p:sp>
+      <p:sp>
+        <p:nvSpPr>
+          <p:cNvPr id="134" name="CasellaDiTesto 133">
+            <a:extLst>
+              <a:ext uri="{FF2B5EF4-FFF2-40B4-BE49-F238E27FC236}">
+                <a16:creationId xmlns:a16="http://schemas.microsoft.com/office/drawing/2014/main" id="{143B1C94-08BF-B0A6-764B-BC80D0CB0833}"/>
+              </a:ext>
+            </a:extLst>
+          </p:cNvPr>
+          <p:cNvSpPr txBox="1"/>
+          <p:nvPr/>
+        </p:nvSpPr>
+        <p:spPr>
+          <a:xfrm>
+            <a:off x="8064611" y="1491096"/>
+            <a:ext cx="1138189" cy="369332"/>
+          </a:xfrm>
+          <a:prstGeom prst="rect">
+            <a:avLst/>
+          </a:prstGeom>
+          <a:noFill/>
+        </p:spPr>
+        <p:txBody>
+          <a:bodyPr wrap="square" rtlCol="0">
+            <a:spAutoFit/>
+          </a:bodyPr>
+          <a:lstStyle/>
+          <a:p>
+            <a:r>
+              <a:rPr lang="en-US" u="sng" dirty="0"/>
+              <a:t>P cancer</a:t>
+            </a:r>
+          </a:p>
+        </p:txBody>
+      </p:sp>
+      <p:sp>
+        <p:nvSpPr>
+          <p:cNvPr id="135" name="CasellaDiTesto 134">
+            <a:extLst>
+              <a:ext uri="{FF2B5EF4-FFF2-40B4-BE49-F238E27FC236}">
+                <a16:creationId xmlns:a16="http://schemas.microsoft.com/office/drawing/2014/main" id="{AA34CE36-3760-7956-5B4F-B79AF4C722BD}"/>
+              </a:ext>
+            </a:extLst>
+          </p:cNvPr>
+          <p:cNvSpPr txBox="1"/>
+          <p:nvPr/>
+        </p:nvSpPr>
+        <p:spPr>
+          <a:xfrm>
+            <a:off x="7618763" y="463254"/>
+            <a:ext cx="1138189" cy="646331"/>
+          </a:xfrm>
+          <a:prstGeom prst="rect">
+            <a:avLst/>
+          </a:prstGeom>
+          <a:noFill/>
+        </p:spPr>
+        <p:txBody>
+          <a:bodyPr wrap="square" rtlCol="0">
+            <a:spAutoFit/>
+          </a:bodyPr>
+          <a:lstStyle/>
+          <a:p>
+            <a:r>
+              <a:rPr lang="en-US" u="sng" dirty="0"/>
+              <a:t>Group of patients</a:t>
+            </a:r>
+          </a:p>
+        </p:txBody>
+      </p:sp>
+      <p:sp>
+        <p:nvSpPr>
+          <p:cNvPr id="136" name="Rettangolo 135">
+            <a:extLst>
+              <a:ext uri="{FF2B5EF4-FFF2-40B4-BE49-F238E27FC236}">
+                <a16:creationId xmlns:a16="http://schemas.microsoft.com/office/drawing/2014/main" id="{D52026A6-826C-D3CD-2CDE-F3CF6854302F}"/>
+              </a:ext>
+            </a:extLst>
+          </p:cNvPr>
+          <p:cNvSpPr/>
+          <p:nvPr/>
+        </p:nvSpPr>
+        <p:spPr>
+          <a:xfrm>
+            <a:off x="6129283" y="1295319"/>
+            <a:ext cx="1241640" cy="1095190"/>
+          </a:xfrm>
+          <a:prstGeom prst="rect">
+            <a:avLst/>
+          </a:prstGeom>
+          <a:solidFill>
+            <a:schemeClr val="accent1">
+              <a:alpha val="34000"/>
+            </a:schemeClr>
+          </a:solidFill>
+        </p:spPr>
+        <p:style>
+          <a:lnRef idx="2">
+            <a:schemeClr val="accent1">
+              <a:shade val="15000"/>
+            </a:schemeClr>
+          </a:lnRef>
+          <a:fillRef idx="1">
+            <a:schemeClr val="accent1"/>
+          </a:fillRef>
+          <a:effectRef idx="0">
+            <a:schemeClr val="accent1"/>
+          </a:effectRef>
+          <a:fontRef idx="minor">
+            <a:schemeClr val="lt1"/>
+          </a:fontRef>
+        </p:style>
+        <p:txBody>
+          <a:bodyPr rtlCol="0" anchor="ctr"/>
+          <a:lstStyle/>
+          <a:p>
+            <a:pPr algn="ctr"/>
+            <a:endParaRPr lang="en-US" u="sng"/>
+          </a:p>
+        </p:txBody>
+      </p:sp>
+      <p:sp>
+        <p:nvSpPr>
+          <p:cNvPr id="137" name="CasellaDiTesto 136">
+            <a:extLst>
+              <a:ext uri="{FF2B5EF4-FFF2-40B4-BE49-F238E27FC236}">
+                <a16:creationId xmlns:a16="http://schemas.microsoft.com/office/drawing/2014/main" id="{1850CA17-F64D-AF3E-18EB-A0BB64A61617}"/>
+              </a:ext>
+            </a:extLst>
+          </p:cNvPr>
+          <p:cNvSpPr txBox="1"/>
+          <p:nvPr/>
+        </p:nvSpPr>
+        <p:spPr>
+          <a:xfrm>
+            <a:off x="6168627" y="2416819"/>
+            <a:ext cx="1138189" cy="646331"/>
+          </a:xfrm>
+          <a:prstGeom prst="rect">
+            <a:avLst/>
+          </a:prstGeom>
+          <a:noFill/>
+        </p:spPr>
+        <p:txBody>
+          <a:bodyPr wrap="square" rtlCol="0">
+            <a:spAutoFit/>
+          </a:bodyPr>
+          <a:lstStyle/>
+          <a:p>
+            <a:r>
+              <a:rPr lang="en-US" u="sng" dirty="0"/>
+              <a:t>Agnostic method</a:t>
+            </a:r>
+          </a:p>
+        </p:txBody>
+      </p:sp>
+      <p:grpSp>
+        <p:nvGrpSpPr>
+          <p:cNvPr id="138" name="Gruppo 137">
+            <a:extLst>
+              <a:ext uri="{FF2B5EF4-FFF2-40B4-BE49-F238E27FC236}">
+                <a16:creationId xmlns:a16="http://schemas.microsoft.com/office/drawing/2014/main" id="{8FCBE6C6-9000-5BC6-7653-BCBBD37946FA}"/>
+              </a:ext>
+            </a:extLst>
+          </p:cNvPr>
+          <p:cNvGrpSpPr/>
+          <p:nvPr/>
+        </p:nvGrpSpPr>
+        <p:grpSpPr>
+          <a:xfrm>
+            <a:off x="5986244" y="410433"/>
+            <a:ext cx="422024" cy="733858"/>
+            <a:chOff x="4098983" y="1359773"/>
+            <a:chExt cx="422024" cy="733858"/>
+          </a:xfrm>
+        </p:grpSpPr>
+        <p:sp>
+          <p:nvSpPr>
+            <p:cNvPr id="139" name="Rettangolo con angoli arrotondati 138">
+              <a:extLst>
+                <a:ext uri="{FF2B5EF4-FFF2-40B4-BE49-F238E27FC236}">
+                  <a16:creationId xmlns:a16="http://schemas.microsoft.com/office/drawing/2014/main" id="{BC3BFB5B-F643-0490-D1ED-3953DDEA770D}"/>
+                </a:ext>
+              </a:extLst>
+            </p:cNvPr>
+            <p:cNvSpPr/>
+            <p:nvPr/>
+          </p:nvSpPr>
+          <p:spPr>
+            <a:xfrm>
+              <a:off x="4098983" y="1636433"/>
+              <a:ext cx="422024" cy="457198"/>
+            </a:xfrm>
+            <a:prstGeom prst="roundRect">
+              <a:avLst/>
+            </a:prstGeom>
+          </p:spPr>
+          <p:style>
+            <a:lnRef idx="2">
+              <a:schemeClr val="accent1">
+                <a:shade val="15000"/>
+              </a:schemeClr>
+            </a:lnRef>
+            <a:fillRef idx="1">
+              <a:schemeClr val="accent1"/>
+            </a:fillRef>
+            <a:effectRef idx="0">
+              <a:schemeClr val="accent1"/>
+            </a:effectRef>
+            <a:fontRef idx="minor">
+              <a:schemeClr val="lt1"/>
+            </a:fontRef>
+          </p:style>
+          <p:txBody>
+            <a:bodyPr rtlCol="0" anchor="ctr"/>
+            <a:lstStyle/>
+            <a:p>
+              <a:pPr algn="ctr"/>
+              <a:endParaRPr lang="en-US" u="sng"/>
+            </a:p>
+          </p:txBody>
+        </p:sp>
+        <p:sp>
+          <p:nvSpPr>
+            <p:cNvPr id="140" name="Ovale 139">
+              <a:extLst>
+                <a:ext uri="{FF2B5EF4-FFF2-40B4-BE49-F238E27FC236}">
+                  <a16:creationId xmlns:a16="http://schemas.microsoft.com/office/drawing/2014/main" id="{734810C8-73EF-4E8B-7CFC-5A39DD60A81B}"/>
+                </a:ext>
+              </a:extLst>
+            </p:cNvPr>
+            <p:cNvSpPr/>
+            <p:nvPr/>
+          </p:nvSpPr>
+          <p:spPr>
+            <a:xfrm>
+              <a:off x="4161705" y="1359773"/>
+              <a:ext cx="287206" cy="236796"/>
+            </a:xfrm>
+            <a:prstGeom prst="ellipse">
+              <a:avLst/>
+            </a:prstGeom>
+          </p:spPr>
+          <p:style>
+            <a:lnRef idx="2">
+              <a:schemeClr val="accent1">
+                <a:shade val="15000"/>
+              </a:schemeClr>
+            </a:lnRef>
+            <a:fillRef idx="1">
+              <a:schemeClr val="accent1"/>
+            </a:fillRef>
+            <a:effectRef idx="0">
+              <a:schemeClr val="accent1"/>
+            </a:effectRef>
+            <a:fontRef idx="minor">
+              <a:schemeClr val="lt1"/>
+            </a:fontRef>
+          </p:style>
+          <p:txBody>
+            <a:bodyPr rtlCol="0" anchor="ctr"/>
+            <a:lstStyle/>
+            <a:p>
+              <a:pPr algn="ctr"/>
+              <a:endParaRPr lang="en-US" u="sng"/>
+            </a:p>
+          </p:txBody>
+        </p:sp>
+      </p:grpSp>
+      <p:grpSp>
+        <p:nvGrpSpPr>
+          <p:cNvPr id="141" name="Gruppo 140">
+            <a:extLst>
+              <a:ext uri="{FF2B5EF4-FFF2-40B4-BE49-F238E27FC236}">
+                <a16:creationId xmlns:a16="http://schemas.microsoft.com/office/drawing/2014/main" id="{8F8067B9-98EE-F624-42BB-5410C16ABDF2}"/>
+              </a:ext>
+            </a:extLst>
+          </p:cNvPr>
+          <p:cNvGrpSpPr/>
+          <p:nvPr/>
+        </p:nvGrpSpPr>
+        <p:grpSpPr>
+          <a:xfrm>
+            <a:off x="7064326" y="395246"/>
+            <a:ext cx="422024" cy="733858"/>
+            <a:chOff x="4098983" y="1359773"/>
+            <a:chExt cx="422024" cy="733858"/>
+          </a:xfrm>
+        </p:grpSpPr>
+        <p:sp>
+          <p:nvSpPr>
+            <p:cNvPr id="142" name="Rettangolo con angoli arrotondati 141">
+              <a:extLst>
+                <a:ext uri="{FF2B5EF4-FFF2-40B4-BE49-F238E27FC236}">
+                  <a16:creationId xmlns:a16="http://schemas.microsoft.com/office/drawing/2014/main" id="{46BD96AF-3D74-B4A8-F728-52F53B2287F7}"/>
+                </a:ext>
+              </a:extLst>
+            </p:cNvPr>
+            <p:cNvSpPr/>
+            <p:nvPr/>
+          </p:nvSpPr>
+          <p:spPr>
+            <a:xfrm>
+              <a:off x="4098983" y="1636433"/>
+              <a:ext cx="422024" cy="457198"/>
+            </a:xfrm>
+            <a:prstGeom prst="roundRect">
+              <a:avLst/>
+            </a:prstGeom>
+          </p:spPr>
+          <p:style>
+            <a:lnRef idx="2">
+              <a:schemeClr val="accent1">
+                <a:shade val="15000"/>
+              </a:schemeClr>
+            </a:lnRef>
+            <a:fillRef idx="1">
+              <a:schemeClr val="accent1"/>
+            </a:fillRef>
+            <a:effectRef idx="0">
+              <a:schemeClr val="accent1"/>
+            </a:effectRef>
+            <a:fontRef idx="minor">
+              <a:schemeClr val="lt1"/>
+            </a:fontRef>
+          </p:style>
+          <p:txBody>
+            <a:bodyPr rtlCol="0" anchor="ctr"/>
+            <a:lstStyle/>
+            <a:p>
+              <a:pPr algn="ctr"/>
+              <a:endParaRPr lang="en-US" u="sng"/>
+            </a:p>
+          </p:txBody>
+        </p:sp>
+        <p:sp>
+          <p:nvSpPr>
+            <p:cNvPr id="143" name="Ovale 142">
+              <a:extLst>
+                <a:ext uri="{FF2B5EF4-FFF2-40B4-BE49-F238E27FC236}">
+                  <a16:creationId xmlns:a16="http://schemas.microsoft.com/office/drawing/2014/main" id="{1E4BF031-D4F2-6A2F-2BDE-44E1E39F4DDB}"/>
+                </a:ext>
+              </a:extLst>
+            </p:cNvPr>
+            <p:cNvSpPr/>
+            <p:nvPr/>
+          </p:nvSpPr>
+          <p:spPr>
+            <a:xfrm>
+              <a:off x="4161705" y="1359773"/>
+              <a:ext cx="287206" cy="236796"/>
+            </a:xfrm>
+            <a:prstGeom prst="ellipse">
+              <a:avLst/>
+            </a:prstGeom>
+          </p:spPr>
+          <p:style>
+            <a:lnRef idx="2">
+              <a:schemeClr val="accent1">
+                <a:shade val="15000"/>
+              </a:schemeClr>
+            </a:lnRef>
+            <a:fillRef idx="1">
+              <a:schemeClr val="accent1"/>
+            </a:fillRef>
+            <a:effectRef idx="0">
+              <a:schemeClr val="accent1"/>
+            </a:effectRef>
+            <a:fontRef idx="minor">
+              <a:schemeClr val="lt1"/>
+            </a:fontRef>
+          </p:style>
+          <p:txBody>
+            <a:bodyPr rtlCol="0" anchor="ctr"/>
+            <a:lstStyle/>
+            <a:p>
+              <a:pPr algn="ctr"/>
+              <a:endParaRPr lang="en-US" u="sng"/>
+            </a:p>
+          </p:txBody>
+        </p:sp>
+      </p:grpSp>
+      <p:grpSp>
+        <p:nvGrpSpPr>
+          <p:cNvPr id="147" name="Gruppo 146">
+            <a:extLst>
+              <a:ext uri="{FF2B5EF4-FFF2-40B4-BE49-F238E27FC236}">
+                <a16:creationId xmlns:a16="http://schemas.microsoft.com/office/drawing/2014/main" id="{6B019971-1FF9-DD15-9927-622BB8139AD3}"/>
+              </a:ext>
+            </a:extLst>
+          </p:cNvPr>
+          <p:cNvGrpSpPr/>
+          <p:nvPr/>
+        </p:nvGrpSpPr>
+        <p:grpSpPr>
+          <a:xfrm>
+            <a:off x="5606707" y="4562959"/>
+            <a:ext cx="1705490" cy="899414"/>
+            <a:chOff x="1929978" y="1431377"/>
+            <a:chExt cx="1705490" cy="899414"/>
+          </a:xfrm>
+        </p:grpSpPr>
+        <p:grpSp>
+          <p:nvGrpSpPr>
+            <p:cNvPr id="148" name="Gruppo 147">
+              <a:extLst>
+                <a:ext uri="{FF2B5EF4-FFF2-40B4-BE49-F238E27FC236}">
+                  <a16:creationId xmlns:a16="http://schemas.microsoft.com/office/drawing/2014/main" id="{AF3472C9-AA32-66ED-2805-E738FFF39B16}"/>
+                </a:ext>
+              </a:extLst>
+            </p:cNvPr>
+            <p:cNvGrpSpPr/>
+            <p:nvPr/>
+          </p:nvGrpSpPr>
+          <p:grpSpPr>
+            <a:xfrm>
+              <a:off x="2444125" y="1431377"/>
+              <a:ext cx="1191343" cy="899414"/>
+              <a:chOff x="6847753" y="880263"/>
+              <a:chExt cx="1934308" cy="1615720"/>
+            </a:xfrm>
+          </p:grpSpPr>
+          <p:sp>
+            <p:nvSpPr>
+              <p:cNvPr id="152" name="Ovale 151">
+                <a:extLst>
+                  <a:ext uri="{FF2B5EF4-FFF2-40B4-BE49-F238E27FC236}">
+                    <a16:creationId xmlns:a16="http://schemas.microsoft.com/office/drawing/2014/main" id="{77ABB1B1-0B7B-E55D-7BA5-327FEC126341}"/>
+                  </a:ext>
+                </a:extLst>
+              </p:cNvPr>
+              <p:cNvSpPr/>
+              <p:nvPr/>
+            </p:nvSpPr>
+            <p:spPr>
+              <a:xfrm>
+                <a:off x="6847753" y="880263"/>
+                <a:ext cx="422030" cy="422031"/>
+              </a:xfrm>
+              <a:prstGeom prst="ellipse">
+                <a:avLst/>
+              </a:prstGeom>
+              <a:solidFill>
+                <a:srgbClr val="FF0000"/>
+              </a:solidFill>
+            </p:spPr>
+            <p:style>
+              <a:lnRef idx="2">
+                <a:schemeClr val="accent1">
+                  <a:shade val="15000"/>
+                </a:schemeClr>
+              </a:lnRef>
+              <a:fillRef idx="1">
+                <a:schemeClr val="accent1"/>
+              </a:fillRef>
+              <a:effectRef idx="0">
+                <a:schemeClr val="accent1"/>
+              </a:effectRef>
+              <a:fontRef idx="minor">
+                <a:schemeClr val="lt1"/>
+              </a:fontRef>
+            </p:style>
+            <p:txBody>
+              <a:bodyPr rtlCol="0" anchor="ctr"/>
+              <a:lstStyle/>
+              <a:p>
+                <a:pPr algn="ctr"/>
+                <a:endParaRPr lang="en-US" u="sng"/>
+              </a:p>
+            </p:txBody>
+          </p:sp>
+          <p:sp>
+            <p:nvSpPr>
+              <p:cNvPr id="153" name="Ovale 152">
+                <a:extLst>
+                  <a:ext uri="{FF2B5EF4-FFF2-40B4-BE49-F238E27FC236}">
+                    <a16:creationId xmlns:a16="http://schemas.microsoft.com/office/drawing/2014/main" id="{74E331A7-FB84-3788-8D34-02DB09430321}"/>
+                  </a:ext>
+                </a:extLst>
+              </p:cNvPr>
+              <p:cNvSpPr/>
+              <p:nvPr/>
+            </p:nvSpPr>
+            <p:spPr>
+              <a:xfrm>
+                <a:off x="6847753" y="1470280"/>
+                <a:ext cx="422030" cy="422031"/>
+              </a:xfrm>
+              <a:prstGeom prst="ellipse">
+                <a:avLst/>
+              </a:prstGeom>
+            </p:spPr>
+            <p:style>
+              <a:lnRef idx="2">
+                <a:schemeClr val="accent1">
+                  <a:shade val="15000"/>
+                </a:schemeClr>
+              </a:lnRef>
+              <a:fillRef idx="1">
+                <a:schemeClr val="accent1"/>
+              </a:fillRef>
+              <a:effectRef idx="0">
+                <a:schemeClr val="accent1"/>
+              </a:effectRef>
+              <a:fontRef idx="minor">
+                <a:schemeClr val="lt1"/>
+              </a:fontRef>
+            </p:style>
+            <p:txBody>
+              <a:bodyPr rtlCol="0" anchor="ctr"/>
+              <a:lstStyle/>
+              <a:p>
+                <a:pPr algn="ctr"/>
+                <a:endParaRPr lang="en-US" u="sng"/>
+              </a:p>
+            </p:txBody>
+          </p:sp>
+          <p:sp>
+            <p:nvSpPr>
+              <p:cNvPr id="154" name="Ovale 153">
+                <a:extLst>
+                  <a:ext uri="{FF2B5EF4-FFF2-40B4-BE49-F238E27FC236}">
+                    <a16:creationId xmlns:a16="http://schemas.microsoft.com/office/drawing/2014/main" id="{DFD5C3F2-4553-26D4-844E-6B4869ED2B3D}"/>
+                  </a:ext>
+                </a:extLst>
+              </p:cNvPr>
+              <p:cNvSpPr/>
+              <p:nvPr/>
+            </p:nvSpPr>
+            <p:spPr>
+              <a:xfrm>
+                <a:off x="6847753" y="2073952"/>
+                <a:ext cx="422030" cy="422031"/>
+              </a:xfrm>
+              <a:prstGeom prst="ellipse">
+                <a:avLst/>
+              </a:prstGeom>
+            </p:spPr>
+            <p:style>
+              <a:lnRef idx="2">
+                <a:schemeClr val="accent1">
+                  <a:shade val="15000"/>
+                </a:schemeClr>
+              </a:lnRef>
+              <a:fillRef idx="1">
+                <a:schemeClr val="accent1"/>
+              </a:fillRef>
+              <a:effectRef idx="0">
+                <a:schemeClr val="accent1"/>
+              </a:effectRef>
+              <a:fontRef idx="minor">
+                <a:schemeClr val="lt1"/>
+              </a:fontRef>
+            </p:style>
+            <p:txBody>
+              <a:bodyPr rtlCol="0" anchor="ctr"/>
+              <a:lstStyle/>
+              <a:p>
+                <a:pPr algn="ctr"/>
+                <a:endParaRPr lang="en-US" u="sng"/>
+              </a:p>
+            </p:txBody>
+          </p:sp>
+          <p:sp>
+            <p:nvSpPr>
+              <p:cNvPr id="155" name="Ovale 154">
+                <a:extLst>
+                  <a:ext uri="{FF2B5EF4-FFF2-40B4-BE49-F238E27FC236}">
+                    <a16:creationId xmlns:a16="http://schemas.microsoft.com/office/drawing/2014/main" id="{A6C766A0-32EC-1C9A-EBB1-FEC08F39F36B}"/>
+                  </a:ext>
+                </a:extLst>
+              </p:cNvPr>
+              <p:cNvSpPr/>
+              <p:nvPr/>
+            </p:nvSpPr>
+            <p:spPr>
+              <a:xfrm>
+                <a:off x="7603892" y="880263"/>
+                <a:ext cx="422030" cy="422031"/>
+              </a:xfrm>
+              <a:prstGeom prst="ellipse">
+                <a:avLst/>
+              </a:prstGeom>
+            </p:spPr>
+            <p:style>
+              <a:lnRef idx="2">
+                <a:schemeClr val="accent1">
+                  <a:shade val="15000"/>
+                </a:schemeClr>
+              </a:lnRef>
+              <a:fillRef idx="1">
+                <a:schemeClr val="accent1"/>
+              </a:fillRef>
+              <a:effectRef idx="0">
+                <a:schemeClr val="accent1"/>
+              </a:effectRef>
+              <a:fontRef idx="minor">
+                <a:schemeClr val="lt1"/>
+              </a:fontRef>
+            </p:style>
+            <p:txBody>
+              <a:bodyPr rtlCol="0" anchor="ctr"/>
+              <a:lstStyle/>
+              <a:p>
+                <a:pPr algn="ctr"/>
+                <a:endParaRPr lang="en-US" u="sng"/>
+              </a:p>
+            </p:txBody>
+          </p:sp>
+          <p:sp>
+            <p:nvSpPr>
+              <p:cNvPr id="156" name="Ovale 155">
+                <a:extLst>
+                  <a:ext uri="{FF2B5EF4-FFF2-40B4-BE49-F238E27FC236}">
+                    <a16:creationId xmlns:a16="http://schemas.microsoft.com/office/drawing/2014/main" id="{96272201-CC52-E845-A496-1EE79F75FB05}"/>
+                  </a:ext>
+                </a:extLst>
+              </p:cNvPr>
+              <p:cNvSpPr/>
+              <p:nvPr/>
+            </p:nvSpPr>
+            <p:spPr>
+              <a:xfrm>
+                <a:off x="7603892" y="1470280"/>
+                <a:ext cx="422030" cy="422031"/>
+              </a:xfrm>
+              <a:prstGeom prst="ellipse">
+                <a:avLst/>
+              </a:prstGeom>
+              <a:solidFill>
+                <a:srgbClr val="FF0000"/>
+              </a:solidFill>
+            </p:spPr>
+            <p:style>
+              <a:lnRef idx="2">
+                <a:schemeClr val="accent1">
+                  <a:shade val="15000"/>
+                </a:schemeClr>
+              </a:lnRef>
+              <a:fillRef idx="1">
+                <a:schemeClr val="accent1"/>
+              </a:fillRef>
+              <a:effectRef idx="0">
+                <a:schemeClr val="accent1"/>
+              </a:effectRef>
+              <a:fontRef idx="minor">
+                <a:schemeClr val="lt1"/>
+              </a:fontRef>
+            </p:style>
+            <p:txBody>
+              <a:bodyPr rtlCol="0" anchor="ctr"/>
+              <a:lstStyle/>
+              <a:p>
+                <a:pPr algn="ctr"/>
+                <a:endParaRPr lang="en-US" u="sng"/>
+              </a:p>
+            </p:txBody>
+          </p:sp>
+          <p:sp>
+            <p:nvSpPr>
+              <p:cNvPr id="157" name="Ovale 156">
+                <a:extLst>
+                  <a:ext uri="{FF2B5EF4-FFF2-40B4-BE49-F238E27FC236}">
+                    <a16:creationId xmlns:a16="http://schemas.microsoft.com/office/drawing/2014/main" id="{4868EA59-32B5-C0D1-1822-69287CE03F1E}"/>
+                  </a:ext>
+                </a:extLst>
+              </p:cNvPr>
+              <p:cNvSpPr/>
+              <p:nvPr/>
+            </p:nvSpPr>
+            <p:spPr>
+              <a:xfrm>
+                <a:off x="7603892" y="2073952"/>
+                <a:ext cx="422030" cy="422031"/>
+              </a:xfrm>
+              <a:prstGeom prst="ellipse">
+                <a:avLst/>
+              </a:prstGeom>
+            </p:spPr>
+            <p:style>
+              <a:lnRef idx="2">
+                <a:schemeClr val="accent1">
+                  <a:shade val="15000"/>
+                </a:schemeClr>
+              </a:lnRef>
+              <a:fillRef idx="1">
+                <a:schemeClr val="accent1"/>
+              </a:fillRef>
+              <a:effectRef idx="0">
+                <a:schemeClr val="accent1"/>
+              </a:effectRef>
+              <a:fontRef idx="minor">
+                <a:schemeClr val="lt1"/>
+              </a:fontRef>
+            </p:style>
+            <p:txBody>
+              <a:bodyPr rtlCol="0" anchor="ctr"/>
+              <a:lstStyle/>
+              <a:p>
+                <a:pPr algn="ctr"/>
+                <a:endParaRPr lang="en-US" u="sng"/>
+              </a:p>
+            </p:txBody>
+          </p:sp>
+          <p:sp>
+            <p:nvSpPr>
+              <p:cNvPr id="158" name="Ovale 157">
+                <a:extLst>
+                  <a:ext uri="{FF2B5EF4-FFF2-40B4-BE49-F238E27FC236}">
+                    <a16:creationId xmlns:a16="http://schemas.microsoft.com/office/drawing/2014/main" id="{E3D597B7-A3C1-C5F0-C9D3-547B79721A53}"/>
+                  </a:ext>
+                </a:extLst>
+              </p:cNvPr>
+              <p:cNvSpPr/>
+              <p:nvPr/>
+            </p:nvSpPr>
+            <p:spPr>
+              <a:xfrm>
+                <a:off x="8360031" y="1470279"/>
+                <a:ext cx="422030" cy="422031"/>
+              </a:xfrm>
+              <a:prstGeom prst="ellipse">
+                <a:avLst/>
+              </a:prstGeom>
+              <a:solidFill>
+                <a:srgbClr val="FF0000"/>
+              </a:solidFill>
+            </p:spPr>
+            <p:style>
+              <a:lnRef idx="2">
+                <a:schemeClr val="accent1">
+                  <a:shade val="15000"/>
+                </a:schemeClr>
+              </a:lnRef>
+              <a:fillRef idx="1">
+                <a:schemeClr val="accent1"/>
+              </a:fillRef>
+              <a:effectRef idx="0">
+                <a:schemeClr val="accent1"/>
+              </a:effectRef>
+              <a:fontRef idx="minor">
+                <a:schemeClr val="lt1"/>
+              </a:fontRef>
+            </p:style>
+            <p:txBody>
+              <a:bodyPr rtlCol="0" anchor="ctr"/>
+              <a:lstStyle/>
+              <a:p>
+                <a:pPr algn="ctr"/>
+                <a:endParaRPr lang="en-US" u="sng"/>
+              </a:p>
+            </p:txBody>
+          </p:sp>
+          <p:cxnSp>
+            <p:nvCxnSpPr>
+              <p:cNvPr id="159" name="Connettore diritto 158">
+                <a:extLst>
+                  <a:ext uri="{FF2B5EF4-FFF2-40B4-BE49-F238E27FC236}">
+                    <a16:creationId xmlns:a16="http://schemas.microsoft.com/office/drawing/2014/main" id="{465A6C5B-169A-FF97-D990-E95C24DF74A8}"/>
+                  </a:ext>
+                </a:extLst>
+              </p:cNvPr>
+              <p:cNvCxnSpPr>
+                <a:stCxn id="152" idx="6"/>
+                <a:endCxn id="155" idx="2"/>
+              </p:cNvCxnSpPr>
+              <p:nvPr/>
+            </p:nvCxnSpPr>
+            <p:spPr>
+              <a:xfrm>
+                <a:off x="7269783" y="1091279"/>
+                <a:ext cx="334109" cy="0"/>
+              </a:xfrm>
+              <a:prstGeom prst="line">
+                <a:avLst/>
+              </a:prstGeom>
+              <a:ln w="38100">
+                <a:solidFill>
+                  <a:schemeClr val="tx1"/>
+                </a:solidFill>
+              </a:ln>
+            </p:spPr>
+            <p:style>
+              <a:lnRef idx="1">
+                <a:schemeClr val="accent1"/>
+              </a:lnRef>
+              <a:fillRef idx="0">
+                <a:schemeClr val="accent1"/>
+              </a:fillRef>
+              <a:effectRef idx="0">
+                <a:schemeClr val="accent1"/>
+              </a:effectRef>
+              <a:fontRef idx="minor">
+                <a:schemeClr val="tx1"/>
+              </a:fontRef>
+            </p:style>
+          </p:cxnSp>
+          <p:cxnSp>
+            <p:nvCxnSpPr>
+              <p:cNvPr id="160" name="Connettore diritto 159">
+                <a:extLst>
+                  <a:ext uri="{FF2B5EF4-FFF2-40B4-BE49-F238E27FC236}">
+                    <a16:creationId xmlns:a16="http://schemas.microsoft.com/office/drawing/2014/main" id="{B7E39462-8BE2-B358-437D-A8F1C347818A}"/>
+                  </a:ext>
+                </a:extLst>
+              </p:cNvPr>
+              <p:cNvCxnSpPr>
+                <a:cxnSpLocks/>
+                <a:stCxn id="153" idx="6"/>
+                <a:endCxn id="155" idx="2"/>
+              </p:cNvCxnSpPr>
+              <p:nvPr/>
+            </p:nvCxnSpPr>
+            <p:spPr>
+              <a:xfrm flipV="1">
+                <a:off x="7269783" y="1091279"/>
+                <a:ext cx="334109" cy="590017"/>
+              </a:xfrm>
+              <a:prstGeom prst="line">
+                <a:avLst/>
+              </a:prstGeom>
+              <a:ln w="38100">
+                <a:solidFill>
+                  <a:schemeClr val="tx1"/>
+                </a:solidFill>
+              </a:ln>
+            </p:spPr>
+            <p:style>
+              <a:lnRef idx="1">
+                <a:schemeClr val="accent1"/>
+              </a:lnRef>
+              <a:fillRef idx="0">
+                <a:schemeClr val="accent1"/>
+              </a:fillRef>
+              <a:effectRef idx="0">
+                <a:schemeClr val="accent1"/>
+              </a:effectRef>
+              <a:fontRef idx="minor">
+                <a:schemeClr val="tx1"/>
+              </a:fontRef>
+            </p:style>
+          </p:cxnSp>
+          <p:cxnSp>
+            <p:nvCxnSpPr>
+              <p:cNvPr id="161" name="Connettore diritto 160">
+                <a:extLst>
+                  <a:ext uri="{FF2B5EF4-FFF2-40B4-BE49-F238E27FC236}">
+                    <a16:creationId xmlns:a16="http://schemas.microsoft.com/office/drawing/2014/main" id="{FDAE523A-D660-A9A0-21B1-007DC80FC29A}"/>
+                  </a:ext>
+                </a:extLst>
+              </p:cNvPr>
+              <p:cNvCxnSpPr>
+                <a:cxnSpLocks/>
+                <a:stCxn id="152" idx="6"/>
+                <a:endCxn id="156" idx="2"/>
+              </p:cNvCxnSpPr>
+              <p:nvPr/>
+            </p:nvCxnSpPr>
+            <p:spPr>
+              <a:xfrm>
+                <a:off x="7269783" y="1091279"/>
+                <a:ext cx="334109" cy="590017"/>
+              </a:xfrm>
+              <a:prstGeom prst="line">
+                <a:avLst/>
+              </a:prstGeom>
+              <a:ln w="38100">
+                <a:solidFill>
+                  <a:srgbClr val="FF0000"/>
+                </a:solidFill>
+              </a:ln>
+            </p:spPr>
+            <p:style>
+              <a:lnRef idx="1">
+                <a:schemeClr val="accent1"/>
+              </a:lnRef>
+              <a:fillRef idx="0">
+                <a:schemeClr val="accent1"/>
+              </a:fillRef>
+              <a:effectRef idx="0">
+                <a:schemeClr val="accent1"/>
+              </a:effectRef>
+              <a:fontRef idx="minor">
+                <a:schemeClr val="tx1"/>
+              </a:fontRef>
+            </p:style>
+          </p:cxnSp>
+          <p:cxnSp>
+            <p:nvCxnSpPr>
+              <p:cNvPr id="162" name="Connettore diritto 161">
+                <a:extLst>
+                  <a:ext uri="{FF2B5EF4-FFF2-40B4-BE49-F238E27FC236}">
+                    <a16:creationId xmlns:a16="http://schemas.microsoft.com/office/drawing/2014/main" id="{DD91BBDE-F928-6C78-8D14-6104DBD18CC3}"/>
+                  </a:ext>
+                </a:extLst>
+              </p:cNvPr>
+              <p:cNvCxnSpPr>
+                <a:cxnSpLocks/>
+                <a:stCxn id="153" idx="6"/>
+                <a:endCxn id="156" idx="2"/>
+              </p:cNvCxnSpPr>
+              <p:nvPr/>
+            </p:nvCxnSpPr>
+            <p:spPr>
+              <a:xfrm>
+                <a:off x="7269783" y="1681296"/>
+                <a:ext cx="334109" cy="0"/>
+              </a:xfrm>
+              <a:prstGeom prst="line">
+                <a:avLst/>
+              </a:prstGeom>
+              <a:ln w="38100">
+                <a:solidFill>
+                  <a:schemeClr val="tx1"/>
+                </a:solidFill>
+              </a:ln>
+            </p:spPr>
+            <p:style>
+              <a:lnRef idx="1">
+                <a:schemeClr val="accent1"/>
+              </a:lnRef>
+              <a:fillRef idx="0">
+                <a:schemeClr val="accent1"/>
+              </a:fillRef>
+              <a:effectRef idx="0">
+                <a:schemeClr val="accent1"/>
+              </a:effectRef>
+              <a:fontRef idx="minor">
+                <a:schemeClr val="tx1"/>
+              </a:fontRef>
+            </p:style>
+          </p:cxnSp>
+          <p:cxnSp>
+            <p:nvCxnSpPr>
+              <p:cNvPr id="163" name="Connettore diritto 162">
+                <a:extLst>
+                  <a:ext uri="{FF2B5EF4-FFF2-40B4-BE49-F238E27FC236}">
+                    <a16:creationId xmlns:a16="http://schemas.microsoft.com/office/drawing/2014/main" id="{83312365-6BA1-8201-A876-57643E7DEF5F}"/>
+                  </a:ext>
+                </a:extLst>
+              </p:cNvPr>
+              <p:cNvCxnSpPr>
+                <a:cxnSpLocks/>
+                <a:stCxn id="152" idx="6"/>
+                <a:endCxn id="157" idx="2"/>
+              </p:cNvCxnSpPr>
+              <p:nvPr/>
+            </p:nvCxnSpPr>
+            <p:spPr>
+              <a:xfrm>
+                <a:off x="7269783" y="1091279"/>
+                <a:ext cx="334109" cy="1193689"/>
+              </a:xfrm>
+              <a:prstGeom prst="line">
+                <a:avLst/>
+              </a:prstGeom>
+              <a:ln w="38100">
+                <a:solidFill>
+                  <a:schemeClr val="tx1"/>
+                </a:solidFill>
+              </a:ln>
+            </p:spPr>
+            <p:style>
+              <a:lnRef idx="1">
+                <a:schemeClr val="accent1"/>
+              </a:lnRef>
+              <a:fillRef idx="0">
+                <a:schemeClr val="accent1"/>
+              </a:fillRef>
+              <a:effectRef idx="0">
+                <a:schemeClr val="accent1"/>
+              </a:effectRef>
+              <a:fontRef idx="minor">
+                <a:schemeClr val="tx1"/>
+              </a:fontRef>
+            </p:style>
+          </p:cxnSp>
+          <p:cxnSp>
+            <p:nvCxnSpPr>
+              <p:cNvPr id="164" name="Connettore diritto 163">
+                <a:extLst>
+                  <a:ext uri="{FF2B5EF4-FFF2-40B4-BE49-F238E27FC236}">
+                    <a16:creationId xmlns:a16="http://schemas.microsoft.com/office/drawing/2014/main" id="{AFEDDE72-B0AB-5E8E-0985-BA6B6A5DF1AB}"/>
+                  </a:ext>
+                </a:extLst>
+              </p:cNvPr>
+              <p:cNvCxnSpPr>
+                <a:cxnSpLocks/>
+                <a:stCxn id="153" idx="6"/>
+                <a:endCxn id="157" idx="2"/>
+              </p:cNvCxnSpPr>
+              <p:nvPr/>
+            </p:nvCxnSpPr>
+            <p:spPr>
+              <a:xfrm>
+                <a:off x="7269783" y="1681296"/>
+                <a:ext cx="334109" cy="603672"/>
+              </a:xfrm>
+              <a:prstGeom prst="line">
+                <a:avLst/>
+              </a:prstGeom>
+              <a:ln w="38100">
+                <a:solidFill>
+                  <a:schemeClr val="tx1"/>
+                </a:solidFill>
+              </a:ln>
+            </p:spPr>
+            <p:style>
+              <a:lnRef idx="1">
+                <a:schemeClr val="accent1"/>
+              </a:lnRef>
+              <a:fillRef idx="0">
+                <a:schemeClr val="accent1"/>
+              </a:fillRef>
+              <a:effectRef idx="0">
+                <a:schemeClr val="accent1"/>
+              </a:effectRef>
+              <a:fontRef idx="minor">
+                <a:schemeClr val="tx1"/>
+              </a:fontRef>
+            </p:style>
+          </p:cxnSp>
+          <p:cxnSp>
+            <p:nvCxnSpPr>
+              <p:cNvPr id="165" name="Connettore diritto 164">
+                <a:extLst>
+                  <a:ext uri="{FF2B5EF4-FFF2-40B4-BE49-F238E27FC236}">
+                    <a16:creationId xmlns:a16="http://schemas.microsoft.com/office/drawing/2014/main" id="{569A85FA-3C47-6B8D-AACF-3954F2E85B3A}"/>
+                  </a:ext>
+                </a:extLst>
+              </p:cNvPr>
+              <p:cNvCxnSpPr>
+                <a:cxnSpLocks/>
+                <a:stCxn id="154" idx="6"/>
+                <a:endCxn id="155" idx="2"/>
+              </p:cNvCxnSpPr>
+              <p:nvPr/>
+            </p:nvCxnSpPr>
+            <p:spPr>
+              <a:xfrm flipV="1">
+                <a:off x="7269783" y="1091279"/>
+                <a:ext cx="334109" cy="1193689"/>
+              </a:xfrm>
+              <a:prstGeom prst="line">
+                <a:avLst/>
+              </a:prstGeom>
+              <a:ln w="38100">
+                <a:solidFill>
+                  <a:schemeClr val="tx1"/>
+                </a:solidFill>
+              </a:ln>
+            </p:spPr>
+            <p:style>
+              <a:lnRef idx="1">
+                <a:schemeClr val="accent1"/>
+              </a:lnRef>
+              <a:fillRef idx="0">
+                <a:schemeClr val="accent1"/>
+              </a:fillRef>
+              <a:effectRef idx="0">
+                <a:schemeClr val="accent1"/>
+              </a:effectRef>
+              <a:fontRef idx="minor">
+                <a:schemeClr val="tx1"/>
+              </a:fontRef>
+            </p:style>
+          </p:cxnSp>
+          <p:cxnSp>
+            <p:nvCxnSpPr>
+              <p:cNvPr id="166" name="Connettore diritto 165">
+                <a:extLst>
+                  <a:ext uri="{FF2B5EF4-FFF2-40B4-BE49-F238E27FC236}">
+                    <a16:creationId xmlns:a16="http://schemas.microsoft.com/office/drawing/2014/main" id="{6D67F3E2-7B3E-10CE-2184-2548779B65A7}"/>
+                  </a:ext>
+                </a:extLst>
+              </p:cNvPr>
+              <p:cNvCxnSpPr>
+                <a:cxnSpLocks/>
+                <a:stCxn id="154" idx="6"/>
+                <a:endCxn id="156" idx="2"/>
+              </p:cNvCxnSpPr>
+              <p:nvPr/>
+            </p:nvCxnSpPr>
+            <p:spPr>
+              <a:xfrm flipV="1">
+                <a:off x="7269783" y="1681296"/>
+                <a:ext cx="334109" cy="603672"/>
+              </a:xfrm>
+              <a:prstGeom prst="line">
+                <a:avLst/>
+              </a:prstGeom>
+              <a:ln w="38100">
+                <a:solidFill>
+                  <a:schemeClr val="tx1"/>
+                </a:solidFill>
+              </a:ln>
+            </p:spPr>
+            <p:style>
+              <a:lnRef idx="1">
+                <a:schemeClr val="accent1"/>
+              </a:lnRef>
+              <a:fillRef idx="0">
+                <a:schemeClr val="accent1"/>
+              </a:fillRef>
+              <a:effectRef idx="0">
+                <a:schemeClr val="accent1"/>
+              </a:effectRef>
+              <a:fontRef idx="minor">
+                <a:schemeClr val="tx1"/>
+              </a:fontRef>
+            </p:style>
+          </p:cxnSp>
+          <p:cxnSp>
+            <p:nvCxnSpPr>
+              <p:cNvPr id="167" name="Connettore diritto 166">
+                <a:extLst>
+                  <a:ext uri="{FF2B5EF4-FFF2-40B4-BE49-F238E27FC236}">
+                    <a16:creationId xmlns:a16="http://schemas.microsoft.com/office/drawing/2014/main" id="{FA746999-23B0-2D80-B5F1-B46D469CFE0C}"/>
+                  </a:ext>
+                </a:extLst>
+              </p:cNvPr>
+              <p:cNvCxnSpPr>
+                <a:cxnSpLocks/>
+                <a:stCxn id="154" idx="6"/>
+                <a:endCxn id="157" idx="2"/>
+              </p:cNvCxnSpPr>
+              <p:nvPr/>
+            </p:nvCxnSpPr>
+            <p:spPr>
+              <a:xfrm>
+                <a:off x="7269783" y="2284968"/>
+                <a:ext cx="334109" cy="0"/>
+              </a:xfrm>
+              <a:prstGeom prst="line">
+                <a:avLst/>
+              </a:prstGeom>
+              <a:ln w="38100">
+                <a:solidFill>
+                  <a:schemeClr val="tx1"/>
+                </a:solidFill>
+              </a:ln>
+            </p:spPr>
+            <p:style>
+              <a:lnRef idx="1">
+                <a:schemeClr val="accent1"/>
+              </a:lnRef>
+              <a:fillRef idx="0">
+                <a:schemeClr val="accent1"/>
+              </a:fillRef>
+              <a:effectRef idx="0">
+                <a:schemeClr val="accent1"/>
+              </a:effectRef>
+              <a:fontRef idx="minor">
+                <a:schemeClr val="tx1"/>
+              </a:fontRef>
+            </p:style>
+          </p:cxnSp>
+          <p:cxnSp>
+            <p:nvCxnSpPr>
+              <p:cNvPr id="168" name="Connettore diritto 167">
+                <a:extLst>
+                  <a:ext uri="{FF2B5EF4-FFF2-40B4-BE49-F238E27FC236}">
+                    <a16:creationId xmlns:a16="http://schemas.microsoft.com/office/drawing/2014/main" id="{9FC7D622-E195-4411-AFF7-D997ABA92B4B}"/>
+                  </a:ext>
+                </a:extLst>
+              </p:cNvPr>
+              <p:cNvCxnSpPr>
+                <a:cxnSpLocks/>
+                <a:stCxn id="155" idx="6"/>
+                <a:endCxn id="158" idx="2"/>
+              </p:cNvCxnSpPr>
+              <p:nvPr/>
+            </p:nvCxnSpPr>
+            <p:spPr>
+              <a:xfrm>
+                <a:off x="8025922" y="1091279"/>
+                <a:ext cx="334109" cy="590016"/>
+              </a:xfrm>
+              <a:prstGeom prst="line">
+                <a:avLst/>
+              </a:prstGeom>
+              <a:ln w="38100">
+                <a:solidFill>
+                  <a:schemeClr val="tx1"/>
+                </a:solidFill>
+              </a:ln>
+            </p:spPr>
+            <p:style>
+              <a:lnRef idx="1">
+                <a:schemeClr val="accent1"/>
+              </a:lnRef>
+              <a:fillRef idx="0">
+                <a:schemeClr val="accent1"/>
+              </a:fillRef>
+              <a:effectRef idx="0">
+                <a:schemeClr val="accent1"/>
+              </a:effectRef>
+              <a:fontRef idx="minor">
+                <a:schemeClr val="tx1"/>
+              </a:fontRef>
+            </p:style>
+          </p:cxnSp>
+          <p:cxnSp>
+            <p:nvCxnSpPr>
+              <p:cNvPr id="169" name="Connettore diritto 168">
+                <a:extLst>
+                  <a:ext uri="{FF2B5EF4-FFF2-40B4-BE49-F238E27FC236}">
+                    <a16:creationId xmlns:a16="http://schemas.microsoft.com/office/drawing/2014/main" id="{8CC7DD71-65D2-B60B-EEB4-C76172093C9C}"/>
+                  </a:ext>
+                </a:extLst>
+              </p:cNvPr>
+              <p:cNvCxnSpPr>
+                <a:cxnSpLocks/>
+                <a:stCxn id="156" idx="6"/>
+                <a:endCxn id="158" idx="2"/>
+              </p:cNvCxnSpPr>
+              <p:nvPr/>
+            </p:nvCxnSpPr>
+            <p:spPr>
+              <a:xfrm flipV="1">
+                <a:off x="8025922" y="1681295"/>
+                <a:ext cx="334109" cy="1"/>
+              </a:xfrm>
+              <a:prstGeom prst="line">
+                <a:avLst/>
+              </a:prstGeom>
+              <a:ln w="38100">
+                <a:solidFill>
+                  <a:srgbClr val="FF0000"/>
+                </a:solidFill>
+              </a:ln>
+            </p:spPr>
+            <p:style>
+              <a:lnRef idx="1">
+                <a:schemeClr val="accent1"/>
+              </a:lnRef>
+              <a:fillRef idx="0">
+                <a:schemeClr val="accent1"/>
+              </a:fillRef>
+              <a:effectRef idx="0">
+                <a:schemeClr val="accent1"/>
+              </a:effectRef>
+              <a:fontRef idx="minor">
+                <a:schemeClr val="tx1"/>
+              </a:fontRef>
+            </p:style>
+          </p:cxnSp>
+          <p:cxnSp>
+            <p:nvCxnSpPr>
+              <p:cNvPr id="170" name="Connettore diritto 169">
+                <a:extLst>
+                  <a:ext uri="{FF2B5EF4-FFF2-40B4-BE49-F238E27FC236}">
+                    <a16:creationId xmlns:a16="http://schemas.microsoft.com/office/drawing/2014/main" id="{836E0759-AA94-EF6B-F9CF-B28B668F6175}"/>
+                  </a:ext>
+                </a:extLst>
+              </p:cNvPr>
+              <p:cNvCxnSpPr>
+                <a:cxnSpLocks/>
+                <a:stCxn id="157" idx="6"/>
+                <a:endCxn id="158" idx="2"/>
+              </p:cNvCxnSpPr>
+              <p:nvPr/>
+            </p:nvCxnSpPr>
+            <p:spPr>
+              <a:xfrm flipV="1">
+                <a:off x="8025922" y="1681295"/>
+                <a:ext cx="334109" cy="603673"/>
+              </a:xfrm>
+              <a:prstGeom prst="line">
+                <a:avLst/>
+              </a:prstGeom>
+              <a:ln w="38100">
+                <a:solidFill>
+                  <a:schemeClr val="tx1"/>
+                </a:solidFill>
+              </a:ln>
+            </p:spPr>
+            <p:style>
+              <a:lnRef idx="1">
+                <a:schemeClr val="accent1"/>
+              </a:lnRef>
+              <a:fillRef idx="0">
+                <a:schemeClr val="accent1"/>
+              </a:fillRef>
+              <a:effectRef idx="0">
+                <a:schemeClr val="accent1"/>
+              </a:effectRef>
+              <a:fontRef idx="minor">
+                <a:schemeClr val="tx1"/>
+              </a:fontRef>
+            </p:style>
+          </p:cxnSp>
+        </p:grpSp>
+        <p:sp>
+          <p:nvSpPr>
+            <p:cNvPr id="149" name="Rettangolo 148">
+              <a:extLst>
+                <a:ext uri="{FF2B5EF4-FFF2-40B4-BE49-F238E27FC236}">
+                  <a16:creationId xmlns:a16="http://schemas.microsoft.com/office/drawing/2014/main" id="{059F825A-B3FC-7647-29B0-3AF148F66792}"/>
+                </a:ext>
+              </a:extLst>
+            </p:cNvPr>
+            <p:cNvSpPr/>
+            <p:nvPr/>
+          </p:nvSpPr>
+          <p:spPr>
+            <a:xfrm>
+              <a:off x="1929978" y="1493366"/>
+              <a:ext cx="432304" cy="110945"/>
+            </a:xfrm>
+            <a:prstGeom prst="rect">
+              <a:avLst/>
+            </a:prstGeom>
+            <a:solidFill>
+              <a:srgbClr val="FF0000"/>
+            </a:solidFill>
+          </p:spPr>
+          <p:style>
+            <a:lnRef idx="2">
+              <a:schemeClr val="accent1">
+                <a:shade val="15000"/>
+              </a:schemeClr>
+            </a:lnRef>
+            <a:fillRef idx="1">
+              <a:schemeClr val="accent1"/>
+            </a:fillRef>
+            <a:effectRef idx="0">
+              <a:schemeClr val="accent1"/>
+            </a:effectRef>
+            <a:fontRef idx="minor">
+              <a:schemeClr val="lt1"/>
+            </a:fontRef>
+          </p:style>
+          <p:txBody>
+            <a:bodyPr rtlCol="0" anchor="ctr"/>
+            <a:lstStyle/>
+            <a:p>
+              <a:pPr algn="ctr"/>
+              <a:endParaRPr lang="en-US" u="sng"/>
+            </a:p>
+          </p:txBody>
+        </p:sp>
+        <p:sp>
+          <p:nvSpPr>
+            <p:cNvPr id="150" name="Rettangolo 149">
+              <a:extLst>
+                <a:ext uri="{FF2B5EF4-FFF2-40B4-BE49-F238E27FC236}">
+                  <a16:creationId xmlns:a16="http://schemas.microsoft.com/office/drawing/2014/main" id="{D8B6DE03-29CE-F784-C215-29DAA98B957C}"/>
+                </a:ext>
+              </a:extLst>
+            </p:cNvPr>
+            <p:cNvSpPr/>
+            <p:nvPr/>
+          </p:nvSpPr>
+          <p:spPr>
+            <a:xfrm>
+              <a:off x="2125980" y="1821810"/>
+              <a:ext cx="216000" cy="110946"/>
+            </a:xfrm>
+            <a:prstGeom prst="rect">
+              <a:avLst/>
+            </a:prstGeom>
+          </p:spPr>
+          <p:style>
+            <a:lnRef idx="2">
+              <a:schemeClr val="accent1">
+                <a:shade val="15000"/>
+              </a:schemeClr>
+            </a:lnRef>
+            <a:fillRef idx="1">
+              <a:schemeClr val="accent1"/>
+            </a:fillRef>
+            <a:effectRef idx="0">
+              <a:schemeClr val="accent1"/>
+            </a:effectRef>
+            <a:fontRef idx="minor">
+              <a:schemeClr val="lt1"/>
+            </a:fontRef>
+          </p:style>
+          <p:txBody>
+            <a:bodyPr rtlCol="0" anchor="ctr"/>
+            <a:lstStyle/>
+            <a:p>
+              <a:pPr algn="ctr"/>
+              <a:endParaRPr lang="en-US" u="sng"/>
+            </a:p>
+          </p:txBody>
+        </p:sp>
+        <p:sp>
+          <p:nvSpPr>
+            <p:cNvPr id="151" name="Rettangolo 150">
+              <a:extLst>
+                <a:ext uri="{FF2B5EF4-FFF2-40B4-BE49-F238E27FC236}">
+                  <a16:creationId xmlns:a16="http://schemas.microsoft.com/office/drawing/2014/main" id="{F90C3479-5094-0D23-95A8-8A75AE7E9251}"/>
+                </a:ext>
+              </a:extLst>
+            </p:cNvPr>
+            <p:cNvSpPr/>
+            <p:nvPr/>
+          </p:nvSpPr>
+          <p:spPr>
+            <a:xfrm>
+              <a:off x="2244297" y="2187427"/>
+              <a:ext cx="108000" cy="110945"/>
+            </a:xfrm>
+            <a:prstGeom prst="rect">
+              <a:avLst/>
+            </a:prstGeom>
+          </p:spPr>
+          <p:style>
+            <a:lnRef idx="2">
+              <a:schemeClr val="accent1">
+                <a:shade val="15000"/>
+              </a:schemeClr>
+            </a:lnRef>
+            <a:fillRef idx="1">
+              <a:schemeClr val="accent1"/>
+            </a:fillRef>
+            <a:effectRef idx="0">
+              <a:schemeClr val="accent1"/>
+            </a:effectRef>
+            <a:fontRef idx="minor">
+              <a:schemeClr val="lt1"/>
+            </a:fontRef>
+          </p:style>
+          <p:txBody>
+            <a:bodyPr rtlCol="0" anchor="ctr"/>
+            <a:lstStyle/>
+            <a:p>
+              <a:pPr algn="ctr"/>
+              <a:endParaRPr lang="en-US" u="sng"/>
+            </a:p>
+          </p:txBody>
+        </p:sp>
+      </p:grpSp>
+      <p:sp>
+        <p:nvSpPr>
+          <p:cNvPr id="171" name="Rettangolo 170">
+            <a:extLst>
+              <a:ext uri="{FF2B5EF4-FFF2-40B4-BE49-F238E27FC236}">
+                <a16:creationId xmlns:a16="http://schemas.microsoft.com/office/drawing/2014/main" id="{C4858C3B-D2B6-27BA-11EE-C550F3FB2CAE}"/>
+              </a:ext>
+            </a:extLst>
+          </p:cNvPr>
+          <p:cNvSpPr/>
+          <p:nvPr/>
+        </p:nvSpPr>
+        <p:spPr>
+          <a:xfrm>
+            <a:off x="7445934" y="4733166"/>
+            <a:ext cx="432304" cy="110945"/>
+          </a:xfrm>
+          <a:prstGeom prst="rect">
+            <a:avLst/>
+          </a:prstGeom>
+          <a:solidFill>
+            <a:srgbClr val="FF0000"/>
+          </a:solidFill>
+        </p:spPr>
+        <p:style>
+          <a:lnRef idx="2">
+            <a:schemeClr val="accent1">
+              <a:shade val="15000"/>
+            </a:schemeClr>
+          </a:lnRef>
+          <a:fillRef idx="1">
+            <a:schemeClr val="accent1"/>
+          </a:fillRef>
+          <a:effectRef idx="0">
+            <a:schemeClr val="accent1"/>
+          </a:effectRef>
+          <a:fontRef idx="minor">
+            <a:schemeClr val="lt1"/>
+          </a:fontRef>
+        </p:style>
+        <p:txBody>
+          <a:bodyPr rtlCol="0" anchor="ctr"/>
+          <a:lstStyle/>
+          <a:p>
+            <a:pPr algn="ctr"/>
+            <a:endParaRPr lang="en-US" u="sng"/>
+          </a:p>
+        </p:txBody>
+      </p:sp>
+      <p:sp>
+        <p:nvSpPr>
+          <p:cNvPr id="172" name="Rettangolo 171">
+            <a:extLst>
+              <a:ext uri="{FF2B5EF4-FFF2-40B4-BE49-F238E27FC236}">
+                <a16:creationId xmlns:a16="http://schemas.microsoft.com/office/drawing/2014/main" id="{016B55B4-9633-D0D5-A1B8-D88C40D1FE3A}"/>
+              </a:ext>
+            </a:extLst>
+          </p:cNvPr>
+          <p:cNvSpPr/>
+          <p:nvPr/>
+        </p:nvSpPr>
+        <p:spPr>
+          <a:xfrm>
+            <a:off x="7641936" y="5061610"/>
+            <a:ext cx="216000" cy="110946"/>
+          </a:xfrm>
+          <a:prstGeom prst="rect">
+            <a:avLst/>
+          </a:prstGeom>
+        </p:spPr>
+        <p:style>
+          <a:lnRef idx="2">
+            <a:schemeClr val="accent1">
+              <a:shade val="15000"/>
+            </a:schemeClr>
+          </a:lnRef>
+          <a:fillRef idx="1">
+            <a:schemeClr val="accent1"/>
+          </a:fillRef>
+          <a:effectRef idx="0">
+            <a:schemeClr val="accent1"/>
+          </a:effectRef>
+          <a:fontRef idx="minor">
+            <a:schemeClr val="lt1"/>
+          </a:fontRef>
+        </p:style>
+        <p:txBody>
+          <a:bodyPr rtlCol="0" anchor="ctr"/>
+          <a:lstStyle/>
+          <a:p>
+            <a:pPr algn="ctr"/>
+            <a:endParaRPr lang="en-US" u="sng"/>
+          </a:p>
+        </p:txBody>
+      </p:sp>
+      <p:sp>
+        <p:nvSpPr>
+          <p:cNvPr id="173" name="CasellaDiTesto 172">
+            <a:extLst>
+              <a:ext uri="{FF2B5EF4-FFF2-40B4-BE49-F238E27FC236}">
+                <a16:creationId xmlns:a16="http://schemas.microsoft.com/office/drawing/2014/main" id="{4A5F48E4-B910-C27E-8B9D-A37316AE4708}"/>
+              </a:ext>
+            </a:extLst>
+          </p:cNvPr>
+          <p:cNvSpPr txBox="1"/>
+          <p:nvPr/>
+        </p:nvSpPr>
+        <p:spPr>
+          <a:xfrm>
+            <a:off x="8005885" y="4680424"/>
+            <a:ext cx="1138189" cy="369332"/>
+          </a:xfrm>
+          <a:prstGeom prst="rect">
+            <a:avLst/>
+          </a:prstGeom>
+          <a:noFill/>
+        </p:spPr>
+        <p:txBody>
+          <a:bodyPr wrap="square" rtlCol="0">
+            <a:spAutoFit/>
+          </a:bodyPr>
+          <a:lstStyle/>
+          <a:p>
+            <a:r>
+              <a:rPr lang="en-US" u="sng" dirty="0"/>
+              <a:t>P cancer</a:t>
+            </a:r>
+          </a:p>
+        </p:txBody>
+      </p:sp>
+      <p:grpSp>
+        <p:nvGrpSpPr>
+          <p:cNvPr id="175" name="Gruppo 174">
+            <a:extLst>
+              <a:ext uri="{FF2B5EF4-FFF2-40B4-BE49-F238E27FC236}">
+                <a16:creationId xmlns:a16="http://schemas.microsoft.com/office/drawing/2014/main" id="{2BF8ECA6-B84A-D901-407D-D4E26862D969}"/>
+              </a:ext>
+            </a:extLst>
+          </p:cNvPr>
+          <p:cNvGrpSpPr/>
+          <p:nvPr/>
+        </p:nvGrpSpPr>
+        <p:grpSpPr>
+          <a:xfrm>
+            <a:off x="6423267" y="3594996"/>
+            <a:ext cx="422024" cy="733858"/>
+            <a:chOff x="4098983" y="1359773"/>
+            <a:chExt cx="422024" cy="733858"/>
+          </a:xfrm>
+        </p:grpSpPr>
+        <p:sp>
+          <p:nvSpPr>
+            <p:cNvPr id="176" name="Rettangolo con angoli arrotondati 175">
+              <a:extLst>
+                <a:ext uri="{FF2B5EF4-FFF2-40B4-BE49-F238E27FC236}">
+                  <a16:creationId xmlns:a16="http://schemas.microsoft.com/office/drawing/2014/main" id="{A55B9394-FD07-A06D-A867-A82A63AE63B7}"/>
+                </a:ext>
+              </a:extLst>
+            </p:cNvPr>
+            <p:cNvSpPr/>
+            <p:nvPr/>
+          </p:nvSpPr>
+          <p:spPr>
+            <a:xfrm>
+              <a:off x="4098983" y="1636433"/>
+              <a:ext cx="422024" cy="457198"/>
+            </a:xfrm>
+            <a:prstGeom prst="roundRect">
+              <a:avLst/>
+            </a:prstGeom>
+          </p:spPr>
+          <p:style>
+            <a:lnRef idx="2">
+              <a:schemeClr val="accent1">
+                <a:shade val="15000"/>
+              </a:schemeClr>
+            </a:lnRef>
+            <a:fillRef idx="1">
+              <a:schemeClr val="accent1"/>
+            </a:fillRef>
+            <a:effectRef idx="0">
+              <a:schemeClr val="accent1"/>
+            </a:effectRef>
+            <a:fontRef idx="minor">
+              <a:schemeClr val="lt1"/>
+            </a:fontRef>
+          </p:style>
+          <p:txBody>
+            <a:bodyPr rtlCol="0" anchor="ctr"/>
+            <a:lstStyle/>
+            <a:p>
+              <a:pPr algn="ctr"/>
+              <a:endParaRPr lang="en-US" u="sng"/>
+            </a:p>
+          </p:txBody>
+        </p:sp>
+        <p:sp>
+          <p:nvSpPr>
+            <p:cNvPr id="177" name="Ovale 176">
+              <a:extLst>
+                <a:ext uri="{FF2B5EF4-FFF2-40B4-BE49-F238E27FC236}">
+                  <a16:creationId xmlns:a16="http://schemas.microsoft.com/office/drawing/2014/main" id="{529022ED-D433-EAB3-C208-BC26E5C06911}"/>
+                </a:ext>
+              </a:extLst>
+            </p:cNvPr>
+            <p:cNvSpPr/>
+            <p:nvPr/>
+          </p:nvSpPr>
+          <p:spPr>
+            <a:xfrm>
+              <a:off x="4161705" y="1359773"/>
+              <a:ext cx="287206" cy="236796"/>
+            </a:xfrm>
+            <a:prstGeom prst="ellipse">
+              <a:avLst/>
+            </a:prstGeom>
+          </p:spPr>
+          <p:style>
+            <a:lnRef idx="2">
+              <a:schemeClr val="accent1">
+                <a:shade val="15000"/>
+              </a:schemeClr>
+            </a:lnRef>
+            <a:fillRef idx="1">
+              <a:schemeClr val="accent1"/>
+            </a:fillRef>
+            <a:effectRef idx="0">
+              <a:schemeClr val="accent1"/>
+            </a:effectRef>
+            <a:fontRef idx="minor">
+              <a:schemeClr val="lt1"/>
+            </a:fontRef>
+          </p:style>
+          <p:txBody>
+            <a:bodyPr rtlCol="0" anchor="ctr"/>
+            <a:lstStyle/>
+            <a:p>
+              <a:pPr algn="ctr"/>
+              <a:endParaRPr lang="en-US" u="sng"/>
+            </a:p>
+          </p:txBody>
+        </p:sp>
+      </p:grpSp>
+      <p:sp>
+        <p:nvSpPr>
+          <p:cNvPr id="178" name="CasellaDiTesto 177">
+            <a:extLst>
+              <a:ext uri="{FF2B5EF4-FFF2-40B4-BE49-F238E27FC236}">
+                <a16:creationId xmlns:a16="http://schemas.microsoft.com/office/drawing/2014/main" id="{B68C1FDD-78A4-8E16-479D-8BFDDDAF6C50}"/>
+              </a:ext>
+            </a:extLst>
+          </p:cNvPr>
+          <p:cNvSpPr txBox="1"/>
+          <p:nvPr/>
+        </p:nvSpPr>
+        <p:spPr>
+          <a:xfrm>
+            <a:off x="7510723" y="3657432"/>
+            <a:ext cx="1138189" cy="646331"/>
+          </a:xfrm>
+          <a:prstGeom prst="rect">
+            <a:avLst/>
+          </a:prstGeom>
+          <a:noFill/>
+        </p:spPr>
+        <p:txBody>
+          <a:bodyPr wrap="square" rtlCol="0">
+            <a:spAutoFit/>
+          </a:bodyPr>
+          <a:lstStyle/>
+          <a:p>
+            <a:r>
+              <a:rPr lang="en-US" u="sng" dirty="0"/>
+              <a:t>Group of patients</a:t>
+            </a:r>
+          </a:p>
+        </p:txBody>
+      </p:sp>
+      <p:grpSp>
+        <p:nvGrpSpPr>
+          <p:cNvPr id="179" name="Gruppo 178">
+            <a:extLst>
+              <a:ext uri="{FF2B5EF4-FFF2-40B4-BE49-F238E27FC236}">
+                <a16:creationId xmlns:a16="http://schemas.microsoft.com/office/drawing/2014/main" id="{98864426-C0B6-8ABC-5DA5-436AC740FDB8}"/>
+              </a:ext>
+            </a:extLst>
+          </p:cNvPr>
+          <p:cNvGrpSpPr/>
+          <p:nvPr/>
+        </p:nvGrpSpPr>
+        <p:grpSpPr>
+          <a:xfrm>
+            <a:off x="5878204" y="3604611"/>
+            <a:ext cx="422024" cy="733858"/>
+            <a:chOff x="4098983" y="1359773"/>
+            <a:chExt cx="422024" cy="733858"/>
+          </a:xfrm>
+        </p:grpSpPr>
+        <p:sp>
+          <p:nvSpPr>
+            <p:cNvPr id="180" name="Rettangolo con angoli arrotondati 179">
+              <a:extLst>
+                <a:ext uri="{FF2B5EF4-FFF2-40B4-BE49-F238E27FC236}">
+                  <a16:creationId xmlns:a16="http://schemas.microsoft.com/office/drawing/2014/main" id="{C7C33342-2AFB-E2DF-13D0-E20E79806E65}"/>
+                </a:ext>
+              </a:extLst>
+            </p:cNvPr>
+            <p:cNvSpPr/>
+            <p:nvPr/>
+          </p:nvSpPr>
+          <p:spPr>
+            <a:xfrm>
+              <a:off x="4098983" y="1636433"/>
+              <a:ext cx="422024" cy="457198"/>
+            </a:xfrm>
+            <a:prstGeom prst="roundRect">
+              <a:avLst/>
+            </a:prstGeom>
+          </p:spPr>
+          <p:style>
+            <a:lnRef idx="2">
+              <a:schemeClr val="accent1">
+                <a:shade val="15000"/>
+              </a:schemeClr>
+            </a:lnRef>
+            <a:fillRef idx="1">
+              <a:schemeClr val="accent1"/>
+            </a:fillRef>
+            <a:effectRef idx="0">
+              <a:schemeClr val="accent1"/>
+            </a:effectRef>
+            <a:fontRef idx="minor">
+              <a:schemeClr val="lt1"/>
+            </a:fontRef>
+          </p:style>
+          <p:txBody>
+            <a:bodyPr rtlCol="0" anchor="ctr"/>
+            <a:lstStyle/>
+            <a:p>
+              <a:pPr algn="ctr"/>
+              <a:endParaRPr lang="en-US" u="sng"/>
+            </a:p>
+          </p:txBody>
+        </p:sp>
+        <p:sp>
+          <p:nvSpPr>
+            <p:cNvPr id="181" name="Ovale 180">
+              <a:extLst>
+                <a:ext uri="{FF2B5EF4-FFF2-40B4-BE49-F238E27FC236}">
+                  <a16:creationId xmlns:a16="http://schemas.microsoft.com/office/drawing/2014/main" id="{E8669DEA-8BC5-4FF7-ABF7-8BC1D8DB1A18}"/>
+                </a:ext>
+              </a:extLst>
+            </p:cNvPr>
+            <p:cNvSpPr/>
+            <p:nvPr/>
+          </p:nvSpPr>
+          <p:spPr>
+            <a:xfrm>
+              <a:off x="4161705" y="1359773"/>
+              <a:ext cx="287206" cy="236796"/>
+            </a:xfrm>
+            <a:prstGeom prst="ellipse">
+              <a:avLst/>
+            </a:prstGeom>
+          </p:spPr>
+          <p:style>
+            <a:lnRef idx="2">
+              <a:schemeClr val="accent1">
+                <a:shade val="15000"/>
+              </a:schemeClr>
+            </a:lnRef>
+            <a:fillRef idx="1">
+              <a:schemeClr val="accent1"/>
+            </a:fillRef>
+            <a:effectRef idx="0">
+              <a:schemeClr val="accent1"/>
+            </a:effectRef>
+            <a:fontRef idx="minor">
+              <a:schemeClr val="lt1"/>
+            </a:fontRef>
+          </p:style>
+          <p:txBody>
+            <a:bodyPr rtlCol="0" anchor="ctr"/>
+            <a:lstStyle/>
+            <a:p>
+              <a:pPr algn="ctr"/>
+              <a:endParaRPr lang="en-US" u="sng"/>
+            </a:p>
+          </p:txBody>
+        </p:sp>
+      </p:grpSp>
+      <p:grpSp>
+        <p:nvGrpSpPr>
+          <p:cNvPr id="182" name="Gruppo 181">
+            <a:extLst>
+              <a:ext uri="{FF2B5EF4-FFF2-40B4-BE49-F238E27FC236}">
+                <a16:creationId xmlns:a16="http://schemas.microsoft.com/office/drawing/2014/main" id="{E2D61984-AF5F-5913-6388-B3EBE861C6C7}"/>
+              </a:ext>
+            </a:extLst>
+          </p:cNvPr>
+          <p:cNvGrpSpPr/>
+          <p:nvPr/>
+        </p:nvGrpSpPr>
+        <p:grpSpPr>
+          <a:xfrm>
+            <a:off x="6956286" y="3589424"/>
+            <a:ext cx="422024" cy="733858"/>
+            <a:chOff x="4098983" y="1359773"/>
+            <a:chExt cx="422024" cy="733858"/>
+          </a:xfrm>
+        </p:grpSpPr>
+        <p:sp>
+          <p:nvSpPr>
+            <p:cNvPr id="183" name="Rettangolo con angoli arrotondati 182">
+              <a:extLst>
+                <a:ext uri="{FF2B5EF4-FFF2-40B4-BE49-F238E27FC236}">
+                  <a16:creationId xmlns:a16="http://schemas.microsoft.com/office/drawing/2014/main" id="{97A47084-E770-CC87-D6D8-1C5A188F6E41}"/>
+                </a:ext>
+              </a:extLst>
+            </p:cNvPr>
+            <p:cNvSpPr/>
+            <p:nvPr/>
+          </p:nvSpPr>
+          <p:spPr>
+            <a:xfrm>
+              <a:off x="4098983" y="1636433"/>
+              <a:ext cx="422024" cy="457198"/>
+            </a:xfrm>
+            <a:prstGeom prst="roundRect">
+              <a:avLst/>
+            </a:prstGeom>
+          </p:spPr>
+          <p:style>
+            <a:lnRef idx="2">
+              <a:schemeClr val="accent1">
+                <a:shade val="15000"/>
+              </a:schemeClr>
+            </a:lnRef>
+            <a:fillRef idx="1">
+              <a:schemeClr val="accent1"/>
+            </a:fillRef>
+            <a:effectRef idx="0">
+              <a:schemeClr val="accent1"/>
+            </a:effectRef>
+            <a:fontRef idx="minor">
+              <a:schemeClr val="lt1"/>
+            </a:fontRef>
+          </p:style>
+          <p:txBody>
+            <a:bodyPr rtlCol="0" anchor="ctr"/>
+            <a:lstStyle/>
+            <a:p>
+              <a:pPr algn="ctr"/>
+              <a:endParaRPr lang="en-US" u="sng"/>
+            </a:p>
+          </p:txBody>
+        </p:sp>
+        <p:sp>
+          <p:nvSpPr>
+            <p:cNvPr id="184" name="Ovale 183">
+              <a:extLst>
+                <a:ext uri="{FF2B5EF4-FFF2-40B4-BE49-F238E27FC236}">
+                  <a16:creationId xmlns:a16="http://schemas.microsoft.com/office/drawing/2014/main" id="{B1EA4ED6-C45E-6C11-5A49-39D96E597763}"/>
+                </a:ext>
+              </a:extLst>
+            </p:cNvPr>
+            <p:cNvSpPr/>
+            <p:nvPr/>
+          </p:nvSpPr>
+          <p:spPr>
+            <a:xfrm>
+              <a:off x="4161705" y="1359773"/>
+              <a:ext cx="287206" cy="236796"/>
+            </a:xfrm>
+            <a:prstGeom prst="ellipse">
+              <a:avLst/>
+            </a:prstGeom>
+          </p:spPr>
+          <p:style>
+            <a:lnRef idx="2">
+              <a:schemeClr val="accent1">
+                <a:shade val="15000"/>
+              </a:schemeClr>
+            </a:lnRef>
+            <a:fillRef idx="1">
+              <a:schemeClr val="accent1"/>
+            </a:fillRef>
+            <a:effectRef idx="0">
+              <a:schemeClr val="accent1"/>
+            </a:effectRef>
+            <a:fontRef idx="minor">
+              <a:schemeClr val="lt1"/>
+            </a:fontRef>
+          </p:style>
+          <p:txBody>
+            <a:bodyPr rtlCol="0" anchor="ctr"/>
+            <a:lstStyle/>
+            <a:p>
+              <a:pPr algn="ctr"/>
+              <a:endParaRPr lang="en-US" u="sng"/>
+            </a:p>
+          </p:txBody>
+        </p:sp>
+      </p:grpSp>
+    </p:spTree>
+    <p:extLst>
+      <p:ext uri="{BB962C8B-B14F-4D97-AF65-F5344CB8AC3E}">
+        <p14:creationId xmlns:p14="http://schemas.microsoft.com/office/powerpoint/2010/main" val="2067505840"/>
       </p:ext>
     </p:extLst>
   </p:cSld>

--- a/figures/addtional_figures.pptx
+++ b/figures/addtional_figures.pptx
@@ -5,13 +5,14 @@
     <p:sldMasterId id="2147483648" r:id="rId1"/>
   </p:sldMasterIdLst>
   <p:notesMasterIdLst>
-    <p:notesMasterId r:id="rId6"/>
+    <p:notesMasterId r:id="rId7"/>
   </p:notesMasterIdLst>
   <p:sldIdLst>
     <p:sldId id="256" r:id="rId2"/>
     <p:sldId id="257" r:id="rId3"/>
     <p:sldId id="258" r:id="rId4"/>
     <p:sldId id="259" r:id="rId5"/>
+    <p:sldId id="260" r:id="rId6"/>
   </p:sldIdLst>
   <p:sldSz cx="12192000" cy="6858000"/>
   <p:notesSz cx="6858000" cy="9144000"/>
@@ -200,7 +201,7 @@
           <a:p>
             <a:fld id="{141436AA-BBA3-41B5-A45C-EE3A47F06D69}" type="datetimeFigureOut">
               <a:rPr lang="en-US" smtClean="0"/>
-              <a:t>6/29/2024</a:t>
+              <a:t>6/30/2024</a:t>
             </a:fld>
             <a:endParaRPr lang="en-US"/>
           </a:p>
@@ -1007,7 +1008,7 @@
           <a:p>
             <a:fld id="{D1849B51-CB8F-4E70-B214-8C45EFD2E0E3}" type="datetimeFigureOut">
               <a:rPr lang="en-US" smtClean="0"/>
-              <a:t>6/29/2024</a:t>
+              <a:t>6/30/2024</a:t>
             </a:fld>
             <a:endParaRPr lang="en-US"/>
           </a:p>
@@ -1207,7 +1208,7 @@
           <a:p>
             <a:fld id="{D1849B51-CB8F-4E70-B214-8C45EFD2E0E3}" type="datetimeFigureOut">
               <a:rPr lang="en-US" smtClean="0"/>
-              <a:t>6/29/2024</a:t>
+              <a:t>6/30/2024</a:t>
             </a:fld>
             <a:endParaRPr lang="en-US"/>
           </a:p>
@@ -1417,7 +1418,7 @@
           <a:p>
             <a:fld id="{D1849B51-CB8F-4E70-B214-8C45EFD2E0E3}" type="datetimeFigureOut">
               <a:rPr lang="en-US" smtClean="0"/>
-              <a:t>6/29/2024</a:t>
+              <a:t>6/30/2024</a:t>
             </a:fld>
             <a:endParaRPr lang="en-US"/>
           </a:p>
@@ -1617,7 +1618,7 @@
           <a:p>
             <a:fld id="{D1849B51-CB8F-4E70-B214-8C45EFD2E0E3}" type="datetimeFigureOut">
               <a:rPr lang="en-US" smtClean="0"/>
-              <a:t>6/29/2024</a:t>
+              <a:t>6/30/2024</a:t>
             </a:fld>
             <a:endParaRPr lang="en-US"/>
           </a:p>
@@ -1893,7 +1894,7 @@
           <a:p>
             <a:fld id="{D1849B51-CB8F-4E70-B214-8C45EFD2E0E3}" type="datetimeFigureOut">
               <a:rPr lang="en-US" smtClean="0"/>
-              <a:t>6/29/2024</a:t>
+              <a:t>6/30/2024</a:t>
             </a:fld>
             <a:endParaRPr lang="en-US"/>
           </a:p>
@@ -2161,7 +2162,7 @@
           <a:p>
             <a:fld id="{D1849B51-CB8F-4E70-B214-8C45EFD2E0E3}" type="datetimeFigureOut">
               <a:rPr lang="en-US" smtClean="0"/>
-              <a:t>6/29/2024</a:t>
+              <a:t>6/30/2024</a:t>
             </a:fld>
             <a:endParaRPr lang="en-US"/>
           </a:p>
@@ -2576,7 +2577,7 @@
           <a:p>
             <a:fld id="{D1849B51-CB8F-4E70-B214-8C45EFD2E0E3}" type="datetimeFigureOut">
               <a:rPr lang="en-US" smtClean="0"/>
-              <a:t>6/29/2024</a:t>
+              <a:t>6/30/2024</a:t>
             </a:fld>
             <a:endParaRPr lang="en-US"/>
           </a:p>
@@ -2718,7 +2719,7 @@
           <a:p>
             <a:fld id="{D1849B51-CB8F-4E70-B214-8C45EFD2E0E3}" type="datetimeFigureOut">
               <a:rPr lang="en-US" smtClean="0"/>
-              <a:t>6/29/2024</a:t>
+              <a:t>6/30/2024</a:t>
             </a:fld>
             <a:endParaRPr lang="en-US"/>
           </a:p>
@@ -2831,7 +2832,7 @@
           <a:p>
             <a:fld id="{D1849B51-CB8F-4E70-B214-8C45EFD2E0E3}" type="datetimeFigureOut">
               <a:rPr lang="en-US" smtClean="0"/>
-              <a:t>6/29/2024</a:t>
+              <a:t>6/30/2024</a:t>
             </a:fld>
             <a:endParaRPr lang="en-US"/>
           </a:p>
@@ -3144,7 +3145,7 @@
           <a:p>
             <a:fld id="{D1849B51-CB8F-4E70-B214-8C45EFD2E0E3}" type="datetimeFigureOut">
               <a:rPr lang="en-US" smtClean="0"/>
-              <a:t>6/29/2024</a:t>
+              <a:t>6/30/2024</a:t>
             </a:fld>
             <a:endParaRPr lang="en-US"/>
           </a:p>
@@ -3433,7 +3434,7 @@
           <a:p>
             <a:fld id="{D1849B51-CB8F-4E70-B214-8C45EFD2E0E3}" type="datetimeFigureOut">
               <a:rPr lang="en-US" smtClean="0"/>
-              <a:t>6/29/2024</a:t>
+              <a:t>6/30/2024</a:t>
             </a:fld>
             <a:endParaRPr lang="en-US"/>
           </a:p>
@@ -3676,7 +3677,7 @@
           <a:p>
             <a:fld id="{D1849B51-CB8F-4E70-B214-8C45EFD2E0E3}" type="datetimeFigureOut">
               <a:rPr lang="en-US" smtClean="0"/>
-              <a:t>6/29/2024</a:t>
+              <a:t>6/30/2024</a:t>
             </a:fld>
             <a:endParaRPr lang="en-US"/>
           </a:p>
@@ -17283,6 +17284,9009 @@
 </p:sld>
 </file>
 
+<file path=ppt/slides/slide5.xml><?xml version="1.0" encoding="utf-8"?>
+<p:sld xmlns:a="http://schemas.openxmlformats.org/drawingml/2006/main" xmlns:r="http://schemas.openxmlformats.org/officeDocument/2006/relationships" xmlns:p="http://schemas.openxmlformats.org/presentationml/2006/main">
+  <p:cSld>
+    <p:spTree>
+      <p:nvGrpSpPr>
+        <p:cNvPr id="1" name=""/>
+        <p:cNvGrpSpPr/>
+        <p:nvPr/>
+      </p:nvGrpSpPr>
+      <p:grpSpPr>
+        <a:xfrm>
+          <a:off x="0" y="0"/>
+          <a:ext cx="0" cy="0"/>
+          <a:chOff x="0" y="0"/>
+          <a:chExt cx="0" cy="0"/>
+        </a:xfrm>
+      </p:grpSpPr>
+      <p:grpSp>
+        <p:nvGrpSpPr>
+          <p:cNvPr id="44" name="Gruppo 43">
+            <a:extLst>
+              <a:ext uri="{FF2B5EF4-FFF2-40B4-BE49-F238E27FC236}">
+                <a16:creationId xmlns:a16="http://schemas.microsoft.com/office/drawing/2014/main" id="{DA499814-3110-B892-F21E-172AEAEA0D0B}"/>
+              </a:ext>
+            </a:extLst>
+          </p:cNvPr>
+          <p:cNvGrpSpPr/>
+          <p:nvPr/>
+        </p:nvGrpSpPr>
+        <p:grpSpPr>
+          <a:xfrm>
+            <a:off x="2029680" y="432029"/>
+            <a:ext cx="1934308" cy="1615720"/>
+            <a:chOff x="3130062" y="826477"/>
+            <a:chExt cx="1934308" cy="1615720"/>
+          </a:xfrm>
+        </p:grpSpPr>
+        <p:sp>
+          <p:nvSpPr>
+            <p:cNvPr id="45" name="Ovale 44">
+              <a:extLst>
+                <a:ext uri="{FF2B5EF4-FFF2-40B4-BE49-F238E27FC236}">
+                  <a16:creationId xmlns:a16="http://schemas.microsoft.com/office/drawing/2014/main" id="{FBEF84DC-D457-5555-B7A8-58A288695F48}"/>
+                </a:ext>
+              </a:extLst>
+            </p:cNvPr>
+            <p:cNvSpPr/>
+            <p:nvPr/>
+          </p:nvSpPr>
+          <p:spPr>
+            <a:xfrm>
+              <a:off x="3130062" y="826477"/>
+              <a:ext cx="422030" cy="422031"/>
+            </a:xfrm>
+            <a:prstGeom prst="ellipse">
+              <a:avLst/>
+            </a:prstGeom>
+          </p:spPr>
+          <p:style>
+            <a:lnRef idx="2">
+              <a:schemeClr val="accent1">
+                <a:shade val="15000"/>
+              </a:schemeClr>
+            </a:lnRef>
+            <a:fillRef idx="1">
+              <a:schemeClr val="accent1"/>
+            </a:fillRef>
+            <a:effectRef idx="0">
+              <a:schemeClr val="accent1"/>
+            </a:effectRef>
+            <a:fontRef idx="minor">
+              <a:schemeClr val="lt1"/>
+            </a:fontRef>
+          </p:style>
+          <p:txBody>
+            <a:bodyPr rtlCol="0" anchor="ctr"/>
+            <a:lstStyle/>
+            <a:p>
+              <a:pPr algn="ctr"/>
+              <a:endParaRPr lang="en-US"/>
+            </a:p>
+          </p:txBody>
+        </p:sp>
+        <p:sp>
+          <p:nvSpPr>
+            <p:cNvPr id="46" name="Ovale 45">
+              <a:extLst>
+                <a:ext uri="{FF2B5EF4-FFF2-40B4-BE49-F238E27FC236}">
+                  <a16:creationId xmlns:a16="http://schemas.microsoft.com/office/drawing/2014/main" id="{9D8A3727-0B85-38FF-2A89-198028A6A80D}"/>
+                </a:ext>
+              </a:extLst>
+            </p:cNvPr>
+            <p:cNvSpPr/>
+            <p:nvPr/>
+          </p:nvSpPr>
+          <p:spPr>
+            <a:xfrm>
+              <a:off x="3130062" y="1416494"/>
+              <a:ext cx="422030" cy="422031"/>
+            </a:xfrm>
+            <a:prstGeom prst="ellipse">
+              <a:avLst/>
+            </a:prstGeom>
+          </p:spPr>
+          <p:style>
+            <a:lnRef idx="2">
+              <a:schemeClr val="accent1">
+                <a:shade val="15000"/>
+              </a:schemeClr>
+            </a:lnRef>
+            <a:fillRef idx="1">
+              <a:schemeClr val="accent1"/>
+            </a:fillRef>
+            <a:effectRef idx="0">
+              <a:schemeClr val="accent1"/>
+            </a:effectRef>
+            <a:fontRef idx="minor">
+              <a:schemeClr val="lt1"/>
+            </a:fontRef>
+          </p:style>
+          <p:txBody>
+            <a:bodyPr rtlCol="0" anchor="ctr"/>
+            <a:lstStyle/>
+            <a:p>
+              <a:pPr algn="ctr"/>
+              <a:endParaRPr lang="en-US"/>
+            </a:p>
+          </p:txBody>
+        </p:sp>
+        <p:sp>
+          <p:nvSpPr>
+            <p:cNvPr id="47" name="Ovale 46">
+              <a:extLst>
+                <a:ext uri="{FF2B5EF4-FFF2-40B4-BE49-F238E27FC236}">
+                  <a16:creationId xmlns:a16="http://schemas.microsoft.com/office/drawing/2014/main" id="{2596B259-6940-FBF9-99DD-13855D1F72ED}"/>
+                </a:ext>
+              </a:extLst>
+            </p:cNvPr>
+            <p:cNvSpPr/>
+            <p:nvPr/>
+          </p:nvSpPr>
+          <p:spPr>
+            <a:xfrm>
+              <a:off x="3130062" y="2020166"/>
+              <a:ext cx="422030" cy="422031"/>
+            </a:xfrm>
+            <a:prstGeom prst="ellipse">
+              <a:avLst/>
+            </a:prstGeom>
+          </p:spPr>
+          <p:style>
+            <a:lnRef idx="2">
+              <a:schemeClr val="accent1">
+                <a:shade val="15000"/>
+              </a:schemeClr>
+            </a:lnRef>
+            <a:fillRef idx="1">
+              <a:schemeClr val="accent1"/>
+            </a:fillRef>
+            <a:effectRef idx="0">
+              <a:schemeClr val="accent1"/>
+            </a:effectRef>
+            <a:fontRef idx="minor">
+              <a:schemeClr val="lt1"/>
+            </a:fontRef>
+          </p:style>
+          <p:txBody>
+            <a:bodyPr rtlCol="0" anchor="ctr"/>
+            <a:lstStyle/>
+            <a:p>
+              <a:pPr algn="ctr"/>
+              <a:endParaRPr lang="en-US"/>
+            </a:p>
+          </p:txBody>
+        </p:sp>
+        <p:sp>
+          <p:nvSpPr>
+            <p:cNvPr id="48" name="Ovale 47">
+              <a:extLst>
+                <a:ext uri="{FF2B5EF4-FFF2-40B4-BE49-F238E27FC236}">
+                  <a16:creationId xmlns:a16="http://schemas.microsoft.com/office/drawing/2014/main" id="{1B016AB2-168A-B6EC-C359-F9976A9B9439}"/>
+                </a:ext>
+              </a:extLst>
+            </p:cNvPr>
+            <p:cNvSpPr/>
+            <p:nvPr/>
+          </p:nvSpPr>
+          <p:spPr>
+            <a:xfrm>
+              <a:off x="3886201" y="826477"/>
+              <a:ext cx="422030" cy="422031"/>
+            </a:xfrm>
+            <a:prstGeom prst="ellipse">
+              <a:avLst/>
+            </a:prstGeom>
+          </p:spPr>
+          <p:style>
+            <a:lnRef idx="2">
+              <a:schemeClr val="accent1">
+                <a:shade val="15000"/>
+              </a:schemeClr>
+            </a:lnRef>
+            <a:fillRef idx="1">
+              <a:schemeClr val="accent1"/>
+            </a:fillRef>
+            <a:effectRef idx="0">
+              <a:schemeClr val="accent1"/>
+            </a:effectRef>
+            <a:fontRef idx="minor">
+              <a:schemeClr val="lt1"/>
+            </a:fontRef>
+          </p:style>
+          <p:txBody>
+            <a:bodyPr rtlCol="0" anchor="ctr"/>
+            <a:lstStyle/>
+            <a:p>
+              <a:pPr algn="ctr"/>
+              <a:endParaRPr lang="en-US"/>
+            </a:p>
+          </p:txBody>
+        </p:sp>
+        <p:sp>
+          <p:nvSpPr>
+            <p:cNvPr id="49" name="Ovale 48">
+              <a:extLst>
+                <a:ext uri="{FF2B5EF4-FFF2-40B4-BE49-F238E27FC236}">
+                  <a16:creationId xmlns:a16="http://schemas.microsoft.com/office/drawing/2014/main" id="{35AEA9BC-7931-ECF5-3626-D3A5EEB42CB9}"/>
+                </a:ext>
+              </a:extLst>
+            </p:cNvPr>
+            <p:cNvSpPr/>
+            <p:nvPr/>
+          </p:nvSpPr>
+          <p:spPr>
+            <a:xfrm>
+              <a:off x="3886201" y="1416494"/>
+              <a:ext cx="422030" cy="422031"/>
+            </a:xfrm>
+            <a:prstGeom prst="ellipse">
+              <a:avLst/>
+            </a:prstGeom>
+          </p:spPr>
+          <p:style>
+            <a:lnRef idx="2">
+              <a:schemeClr val="accent1">
+                <a:shade val="15000"/>
+              </a:schemeClr>
+            </a:lnRef>
+            <a:fillRef idx="1">
+              <a:schemeClr val="accent1"/>
+            </a:fillRef>
+            <a:effectRef idx="0">
+              <a:schemeClr val="accent1"/>
+            </a:effectRef>
+            <a:fontRef idx="minor">
+              <a:schemeClr val="lt1"/>
+            </a:fontRef>
+          </p:style>
+          <p:txBody>
+            <a:bodyPr rtlCol="0" anchor="ctr"/>
+            <a:lstStyle/>
+            <a:p>
+              <a:pPr algn="ctr"/>
+              <a:endParaRPr lang="en-US"/>
+            </a:p>
+          </p:txBody>
+        </p:sp>
+        <p:sp>
+          <p:nvSpPr>
+            <p:cNvPr id="50" name="Ovale 49">
+              <a:extLst>
+                <a:ext uri="{FF2B5EF4-FFF2-40B4-BE49-F238E27FC236}">
+                  <a16:creationId xmlns:a16="http://schemas.microsoft.com/office/drawing/2014/main" id="{9562B079-AF60-4FF5-6C95-8B40AD7118B7}"/>
+                </a:ext>
+              </a:extLst>
+            </p:cNvPr>
+            <p:cNvSpPr/>
+            <p:nvPr/>
+          </p:nvSpPr>
+          <p:spPr>
+            <a:xfrm>
+              <a:off x="3886201" y="2020166"/>
+              <a:ext cx="422030" cy="422031"/>
+            </a:xfrm>
+            <a:prstGeom prst="ellipse">
+              <a:avLst/>
+            </a:prstGeom>
+          </p:spPr>
+          <p:style>
+            <a:lnRef idx="2">
+              <a:schemeClr val="accent1">
+                <a:shade val="15000"/>
+              </a:schemeClr>
+            </a:lnRef>
+            <a:fillRef idx="1">
+              <a:schemeClr val="accent1"/>
+            </a:fillRef>
+            <a:effectRef idx="0">
+              <a:schemeClr val="accent1"/>
+            </a:effectRef>
+            <a:fontRef idx="minor">
+              <a:schemeClr val="lt1"/>
+            </a:fontRef>
+          </p:style>
+          <p:txBody>
+            <a:bodyPr rtlCol="0" anchor="ctr"/>
+            <a:lstStyle/>
+            <a:p>
+              <a:pPr algn="ctr"/>
+              <a:endParaRPr lang="en-US"/>
+            </a:p>
+          </p:txBody>
+        </p:sp>
+        <p:sp>
+          <p:nvSpPr>
+            <p:cNvPr id="51" name="Ovale 50">
+              <a:extLst>
+                <a:ext uri="{FF2B5EF4-FFF2-40B4-BE49-F238E27FC236}">
+                  <a16:creationId xmlns:a16="http://schemas.microsoft.com/office/drawing/2014/main" id="{85A6B31A-8A7B-1EAA-EA4D-296D6AFA3C1E}"/>
+                </a:ext>
+              </a:extLst>
+            </p:cNvPr>
+            <p:cNvSpPr/>
+            <p:nvPr/>
+          </p:nvSpPr>
+          <p:spPr>
+            <a:xfrm>
+              <a:off x="4642340" y="1416493"/>
+              <a:ext cx="422030" cy="422031"/>
+            </a:xfrm>
+            <a:prstGeom prst="ellipse">
+              <a:avLst/>
+            </a:prstGeom>
+          </p:spPr>
+          <p:style>
+            <a:lnRef idx="2">
+              <a:schemeClr val="accent1">
+                <a:shade val="15000"/>
+              </a:schemeClr>
+            </a:lnRef>
+            <a:fillRef idx="1">
+              <a:schemeClr val="accent1"/>
+            </a:fillRef>
+            <a:effectRef idx="0">
+              <a:schemeClr val="accent1"/>
+            </a:effectRef>
+            <a:fontRef idx="minor">
+              <a:schemeClr val="lt1"/>
+            </a:fontRef>
+          </p:style>
+          <p:txBody>
+            <a:bodyPr rtlCol="0" anchor="ctr"/>
+            <a:lstStyle/>
+            <a:p>
+              <a:pPr algn="ctr"/>
+              <a:endParaRPr lang="en-US"/>
+            </a:p>
+          </p:txBody>
+        </p:sp>
+        <p:cxnSp>
+          <p:nvCxnSpPr>
+            <p:cNvPr id="52" name="Connettore diritto 51">
+              <a:extLst>
+                <a:ext uri="{FF2B5EF4-FFF2-40B4-BE49-F238E27FC236}">
+                  <a16:creationId xmlns:a16="http://schemas.microsoft.com/office/drawing/2014/main" id="{B4CD2042-92BD-CF05-F6C0-1B1082918C98}"/>
+                </a:ext>
+              </a:extLst>
+            </p:cNvPr>
+            <p:cNvCxnSpPr>
+              <a:stCxn id="45" idx="6"/>
+              <a:endCxn id="48" idx="2"/>
+            </p:cNvCxnSpPr>
+            <p:nvPr/>
+          </p:nvCxnSpPr>
+          <p:spPr>
+            <a:xfrm>
+              <a:off x="3552092" y="1037493"/>
+              <a:ext cx="334109" cy="0"/>
+            </a:xfrm>
+            <a:prstGeom prst="line">
+              <a:avLst/>
+            </a:prstGeom>
+            <a:ln w="38100">
+              <a:solidFill>
+                <a:schemeClr val="tx1"/>
+              </a:solidFill>
+            </a:ln>
+          </p:spPr>
+          <p:style>
+            <a:lnRef idx="1">
+              <a:schemeClr val="accent1"/>
+            </a:lnRef>
+            <a:fillRef idx="0">
+              <a:schemeClr val="accent1"/>
+            </a:fillRef>
+            <a:effectRef idx="0">
+              <a:schemeClr val="accent1"/>
+            </a:effectRef>
+            <a:fontRef idx="minor">
+              <a:schemeClr val="tx1"/>
+            </a:fontRef>
+          </p:style>
+        </p:cxnSp>
+        <p:cxnSp>
+          <p:nvCxnSpPr>
+            <p:cNvPr id="53" name="Connettore diritto 52">
+              <a:extLst>
+                <a:ext uri="{FF2B5EF4-FFF2-40B4-BE49-F238E27FC236}">
+                  <a16:creationId xmlns:a16="http://schemas.microsoft.com/office/drawing/2014/main" id="{5E16BEBE-27AA-1CD8-38F5-050B654B9DF6}"/>
+                </a:ext>
+              </a:extLst>
+            </p:cNvPr>
+            <p:cNvCxnSpPr>
+              <a:cxnSpLocks/>
+              <a:stCxn id="46" idx="6"/>
+              <a:endCxn id="48" idx="2"/>
+            </p:cNvCxnSpPr>
+            <p:nvPr/>
+          </p:nvCxnSpPr>
+          <p:spPr>
+            <a:xfrm flipV="1">
+              <a:off x="3552092" y="1037493"/>
+              <a:ext cx="334109" cy="590017"/>
+            </a:xfrm>
+            <a:prstGeom prst="line">
+              <a:avLst/>
+            </a:prstGeom>
+            <a:ln w="38100">
+              <a:solidFill>
+                <a:schemeClr val="tx1"/>
+              </a:solidFill>
+            </a:ln>
+          </p:spPr>
+          <p:style>
+            <a:lnRef idx="1">
+              <a:schemeClr val="accent1"/>
+            </a:lnRef>
+            <a:fillRef idx="0">
+              <a:schemeClr val="accent1"/>
+            </a:fillRef>
+            <a:effectRef idx="0">
+              <a:schemeClr val="accent1"/>
+            </a:effectRef>
+            <a:fontRef idx="minor">
+              <a:schemeClr val="tx1"/>
+            </a:fontRef>
+          </p:style>
+        </p:cxnSp>
+        <p:cxnSp>
+          <p:nvCxnSpPr>
+            <p:cNvPr id="54" name="Connettore diritto 53">
+              <a:extLst>
+                <a:ext uri="{FF2B5EF4-FFF2-40B4-BE49-F238E27FC236}">
+                  <a16:creationId xmlns:a16="http://schemas.microsoft.com/office/drawing/2014/main" id="{F0D0417B-7031-1B29-6589-9F517CA38C8A}"/>
+                </a:ext>
+              </a:extLst>
+            </p:cNvPr>
+            <p:cNvCxnSpPr>
+              <a:cxnSpLocks/>
+              <a:stCxn id="45" idx="6"/>
+              <a:endCxn id="49" idx="2"/>
+            </p:cNvCxnSpPr>
+            <p:nvPr/>
+          </p:nvCxnSpPr>
+          <p:spPr>
+            <a:xfrm>
+              <a:off x="3552092" y="1037493"/>
+              <a:ext cx="334109" cy="590017"/>
+            </a:xfrm>
+            <a:prstGeom prst="line">
+              <a:avLst/>
+            </a:prstGeom>
+            <a:ln w="38100">
+              <a:solidFill>
+                <a:schemeClr val="tx1"/>
+              </a:solidFill>
+            </a:ln>
+          </p:spPr>
+          <p:style>
+            <a:lnRef idx="1">
+              <a:schemeClr val="accent1"/>
+            </a:lnRef>
+            <a:fillRef idx="0">
+              <a:schemeClr val="accent1"/>
+            </a:fillRef>
+            <a:effectRef idx="0">
+              <a:schemeClr val="accent1"/>
+            </a:effectRef>
+            <a:fontRef idx="minor">
+              <a:schemeClr val="tx1"/>
+            </a:fontRef>
+          </p:style>
+        </p:cxnSp>
+        <p:cxnSp>
+          <p:nvCxnSpPr>
+            <p:cNvPr id="55" name="Connettore diritto 54">
+              <a:extLst>
+                <a:ext uri="{FF2B5EF4-FFF2-40B4-BE49-F238E27FC236}">
+                  <a16:creationId xmlns:a16="http://schemas.microsoft.com/office/drawing/2014/main" id="{C61EFBB1-81AE-A35B-69DF-81F4BAFBEDFA}"/>
+                </a:ext>
+              </a:extLst>
+            </p:cNvPr>
+            <p:cNvCxnSpPr>
+              <a:cxnSpLocks/>
+              <a:stCxn id="46" idx="6"/>
+              <a:endCxn id="49" idx="2"/>
+            </p:cNvCxnSpPr>
+            <p:nvPr/>
+          </p:nvCxnSpPr>
+          <p:spPr>
+            <a:xfrm>
+              <a:off x="3552092" y="1627510"/>
+              <a:ext cx="334109" cy="0"/>
+            </a:xfrm>
+            <a:prstGeom prst="line">
+              <a:avLst/>
+            </a:prstGeom>
+            <a:ln w="38100">
+              <a:solidFill>
+                <a:schemeClr val="tx1"/>
+              </a:solidFill>
+            </a:ln>
+          </p:spPr>
+          <p:style>
+            <a:lnRef idx="1">
+              <a:schemeClr val="accent1"/>
+            </a:lnRef>
+            <a:fillRef idx="0">
+              <a:schemeClr val="accent1"/>
+            </a:fillRef>
+            <a:effectRef idx="0">
+              <a:schemeClr val="accent1"/>
+            </a:effectRef>
+            <a:fontRef idx="minor">
+              <a:schemeClr val="tx1"/>
+            </a:fontRef>
+          </p:style>
+        </p:cxnSp>
+        <p:cxnSp>
+          <p:nvCxnSpPr>
+            <p:cNvPr id="56" name="Connettore diritto 55">
+              <a:extLst>
+                <a:ext uri="{FF2B5EF4-FFF2-40B4-BE49-F238E27FC236}">
+                  <a16:creationId xmlns:a16="http://schemas.microsoft.com/office/drawing/2014/main" id="{5E1400AA-8B78-43CE-383D-C1089640B0B8}"/>
+                </a:ext>
+              </a:extLst>
+            </p:cNvPr>
+            <p:cNvCxnSpPr>
+              <a:cxnSpLocks/>
+              <a:stCxn id="45" idx="6"/>
+              <a:endCxn id="50" idx="2"/>
+            </p:cNvCxnSpPr>
+            <p:nvPr/>
+          </p:nvCxnSpPr>
+          <p:spPr>
+            <a:xfrm>
+              <a:off x="3552092" y="1037493"/>
+              <a:ext cx="334109" cy="1193689"/>
+            </a:xfrm>
+            <a:prstGeom prst="line">
+              <a:avLst/>
+            </a:prstGeom>
+            <a:ln w="38100">
+              <a:solidFill>
+                <a:schemeClr val="tx1"/>
+              </a:solidFill>
+            </a:ln>
+          </p:spPr>
+          <p:style>
+            <a:lnRef idx="1">
+              <a:schemeClr val="accent1"/>
+            </a:lnRef>
+            <a:fillRef idx="0">
+              <a:schemeClr val="accent1"/>
+            </a:fillRef>
+            <a:effectRef idx="0">
+              <a:schemeClr val="accent1"/>
+            </a:effectRef>
+            <a:fontRef idx="minor">
+              <a:schemeClr val="tx1"/>
+            </a:fontRef>
+          </p:style>
+        </p:cxnSp>
+        <p:cxnSp>
+          <p:nvCxnSpPr>
+            <p:cNvPr id="57" name="Connettore diritto 56">
+              <a:extLst>
+                <a:ext uri="{FF2B5EF4-FFF2-40B4-BE49-F238E27FC236}">
+                  <a16:creationId xmlns:a16="http://schemas.microsoft.com/office/drawing/2014/main" id="{B3FB2084-D82E-0EB3-D56D-CCEC6F449742}"/>
+                </a:ext>
+              </a:extLst>
+            </p:cNvPr>
+            <p:cNvCxnSpPr>
+              <a:cxnSpLocks/>
+              <a:stCxn id="46" idx="6"/>
+              <a:endCxn id="50" idx="2"/>
+            </p:cNvCxnSpPr>
+            <p:nvPr/>
+          </p:nvCxnSpPr>
+          <p:spPr>
+            <a:xfrm>
+              <a:off x="3552092" y="1627510"/>
+              <a:ext cx="334109" cy="603672"/>
+            </a:xfrm>
+            <a:prstGeom prst="line">
+              <a:avLst/>
+            </a:prstGeom>
+            <a:ln w="38100">
+              <a:solidFill>
+                <a:schemeClr val="tx1"/>
+              </a:solidFill>
+            </a:ln>
+          </p:spPr>
+          <p:style>
+            <a:lnRef idx="1">
+              <a:schemeClr val="accent1"/>
+            </a:lnRef>
+            <a:fillRef idx="0">
+              <a:schemeClr val="accent1"/>
+            </a:fillRef>
+            <a:effectRef idx="0">
+              <a:schemeClr val="accent1"/>
+            </a:effectRef>
+            <a:fontRef idx="minor">
+              <a:schemeClr val="tx1"/>
+            </a:fontRef>
+          </p:style>
+        </p:cxnSp>
+        <p:cxnSp>
+          <p:nvCxnSpPr>
+            <p:cNvPr id="58" name="Connettore diritto 57">
+              <a:extLst>
+                <a:ext uri="{FF2B5EF4-FFF2-40B4-BE49-F238E27FC236}">
+                  <a16:creationId xmlns:a16="http://schemas.microsoft.com/office/drawing/2014/main" id="{4AA9BC13-F46C-7F5A-7A43-CABB2A6B7090}"/>
+                </a:ext>
+              </a:extLst>
+            </p:cNvPr>
+            <p:cNvCxnSpPr>
+              <a:cxnSpLocks/>
+              <a:stCxn id="47" idx="6"/>
+              <a:endCxn id="48" idx="2"/>
+            </p:cNvCxnSpPr>
+            <p:nvPr/>
+          </p:nvCxnSpPr>
+          <p:spPr>
+            <a:xfrm flipV="1">
+              <a:off x="3552092" y="1037493"/>
+              <a:ext cx="334109" cy="1193689"/>
+            </a:xfrm>
+            <a:prstGeom prst="line">
+              <a:avLst/>
+            </a:prstGeom>
+            <a:ln w="38100">
+              <a:solidFill>
+                <a:schemeClr val="tx1"/>
+              </a:solidFill>
+            </a:ln>
+          </p:spPr>
+          <p:style>
+            <a:lnRef idx="1">
+              <a:schemeClr val="accent1"/>
+            </a:lnRef>
+            <a:fillRef idx="0">
+              <a:schemeClr val="accent1"/>
+            </a:fillRef>
+            <a:effectRef idx="0">
+              <a:schemeClr val="accent1"/>
+            </a:effectRef>
+            <a:fontRef idx="minor">
+              <a:schemeClr val="tx1"/>
+            </a:fontRef>
+          </p:style>
+        </p:cxnSp>
+        <p:cxnSp>
+          <p:nvCxnSpPr>
+            <p:cNvPr id="59" name="Connettore diritto 58">
+              <a:extLst>
+                <a:ext uri="{FF2B5EF4-FFF2-40B4-BE49-F238E27FC236}">
+                  <a16:creationId xmlns:a16="http://schemas.microsoft.com/office/drawing/2014/main" id="{1355B409-6C49-9C98-8FB8-A7528B8B99D8}"/>
+                </a:ext>
+              </a:extLst>
+            </p:cNvPr>
+            <p:cNvCxnSpPr>
+              <a:cxnSpLocks/>
+              <a:stCxn id="47" idx="6"/>
+              <a:endCxn id="49" idx="2"/>
+            </p:cNvCxnSpPr>
+            <p:nvPr/>
+          </p:nvCxnSpPr>
+          <p:spPr>
+            <a:xfrm flipV="1">
+              <a:off x="3552092" y="1627510"/>
+              <a:ext cx="334109" cy="603672"/>
+            </a:xfrm>
+            <a:prstGeom prst="line">
+              <a:avLst/>
+            </a:prstGeom>
+            <a:ln w="38100">
+              <a:solidFill>
+                <a:schemeClr val="tx1"/>
+              </a:solidFill>
+            </a:ln>
+          </p:spPr>
+          <p:style>
+            <a:lnRef idx="1">
+              <a:schemeClr val="accent1"/>
+            </a:lnRef>
+            <a:fillRef idx="0">
+              <a:schemeClr val="accent1"/>
+            </a:fillRef>
+            <a:effectRef idx="0">
+              <a:schemeClr val="accent1"/>
+            </a:effectRef>
+            <a:fontRef idx="minor">
+              <a:schemeClr val="tx1"/>
+            </a:fontRef>
+          </p:style>
+        </p:cxnSp>
+        <p:cxnSp>
+          <p:nvCxnSpPr>
+            <p:cNvPr id="60" name="Connettore diritto 59">
+              <a:extLst>
+                <a:ext uri="{FF2B5EF4-FFF2-40B4-BE49-F238E27FC236}">
+                  <a16:creationId xmlns:a16="http://schemas.microsoft.com/office/drawing/2014/main" id="{71A864F8-D746-E91A-69F5-5924088133E4}"/>
+                </a:ext>
+              </a:extLst>
+            </p:cNvPr>
+            <p:cNvCxnSpPr>
+              <a:cxnSpLocks/>
+              <a:stCxn id="47" idx="6"/>
+              <a:endCxn id="50" idx="2"/>
+            </p:cNvCxnSpPr>
+            <p:nvPr/>
+          </p:nvCxnSpPr>
+          <p:spPr>
+            <a:xfrm>
+              <a:off x="3552092" y="2231182"/>
+              <a:ext cx="334109" cy="0"/>
+            </a:xfrm>
+            <a:prstGeom prst="line">
+              <a:avLst/>
+            </a:prstGeom>
+            <a:ln w="38100">
+              <a:solidFill>
+                <a:schemeClr val="tx1"/>
+              </a:solidFill>
+            </a:ln>
+          </p:spPr>
+          <p:style>
+            <a:lnRef idx="1">
+              <a:schemeClr val="accent1"/>
+            </a:lnRef>
+            <a:fillRef idx="0">
+              <a:schemeClr val="accent1"/>
+            </a:fillRef>
+            <a:effectRef idx="0">
+              <a:schemeClr val="accent1"/>
+            </a:effectRef>
+            <a:fontRef idx="minor">
+              <a:schemeClr val="tx1"/>
+            </a:fontRef>
+          </p:style>
+        </p:cxnSp>
+        <p:cxnSp>
+          <p:nvCxnSpPr>
+            <p:cNvPr id="61" name="Connettore diritto 60">
+              <a:extLst>
+                <a:ext uri="{FF2B5EF4-FFF2-40B4-BE49-F238E27FC236}">
+                  <a16:creationId xmlns:a16="http://schemas.microsoft.com/office/drawing/2014/main" id="{DD424C8E-3E9B-B46F-4CAF-C85CC190253B}"/>
+                </a:ext>
+              </a:extLst>
+            </p:cNvPr>
+            <p:cNvCxnSpPr>
+              <a:cxnSpLocks/>
+              <a:stCxn id="48" idx="6"/>
+              <a:endCxn id="51" idx="2"/>
+            </p:cNvCxnSpPr>
+            <p:nvPr/>
+          </p:nvCxnSpPr>
+          <p:spPr>
+            <a:xfrm>
+              <a:off x="4308231" y="1037493"/>
+              <a:ext cx="334109" cy="590016"/>
+            </a:xfrm>
+            <a:prstGeom prst="line">
+              <a:avLst/>
+            </a:prstGeom>
+            <a:ln w="38100">
+              <a:solidFill>
+                <a:schemeClr val="tx1"/>
+              </a:solidFill>
+            </a:ln>
+          </p:spPr>
+          <p:style>
+            <a:lnRef idx="1">
+              <a:schemeClr val="accent1"/>
+            </a:lnRef>
+            <a:fillRef idx="0">
+              <a:schemeClr val="accent1"/>
+            </a:fillRef>
+            <a:effectRef idx="0">
+              <a:schemeClr val="accent1"/>
+            </a:effectRef>
+            <a:fontRef idx="minor">
+              <a:schemeClr val="tx1"/>
+            </a:fontRef>
+          </p:style>
+        </p:cxnSp>
+        <p:cxnSp>
+          <p:nvCxnSpPr>
+            <p:cNvPr id="62" name="Connettore diritto 61">
+              <a:extLst>
+                <a:ext uri="{FF2B5EF4-FFF2-40B4-BE49-F238E27FC236}">
+                  <a16:creationId xmlns:a16="http://schemas.microsoft.com/office/drawing/2014/main" id="{140BEE59-DE25-9FD9-3CE3-CFC03F6401CA}"/>
+                </a:ext>
+              </a:extLst>
+            </p:cNvPr>
+            <p:cNvCxnSpPr>
+              <a:cxnSpLocks/>
+              <a:stCxn id="49" idx="6"/>
+              <a:endCxn id="51" idx="2"/>
+            </p:cNvCxnSpPr>
+            <p:nvPr/>
+          </p:nvCxnSpPr>
+          <p:spPr>
+            <a:xfrm flipV="1">
+              <a:off x="4308231" y="1627509"/>
+              <a:ext cx="334109" cy="1"/>
+            </a:xfrm>
+            <a:prstGeom prst="line">
+              <a:avLst/>
+            </a:prstGeom>
+            <a:ln w="38100">
+              <a:solidFill>
+                <a:schemeClr val="tx1"/>
+              </a:solidFill>
+            </a:ln>
+          </p:spPr>
+          <p:style>
+            <a:lnRef idx="1">
+              <a:schemeClr val="accent1"/>
+            </a:lnRef>
+            <a:fillRef idx="0">
+              <a:schemeClr val="accent1"/>
+            </a:fillRef>
+            <a:effectRef idx="0">
+              <a:schemeClr val="accent1"/>
+            </a:effectRef>
+            <a:fontRef idx="minor">
+              <a:schemeClr val="tx1"/>
+            </a:fontRef>
+          </p:style>
+        </p:cxnSp>
+        <p:cxnSp>
+          <p:nvCxnSpPr>
+            <p:cNvPr id="63" name="Connettore diritto 62">
+              <a:extLst>
+                <a:ext uri="{FF2B5EF4-FFF2-40B4-BE49-F238E27FC236}">
+                  <a16:creationId xmlns:a16="http://schemas.microsoft.com/office/drawing/2014/main" id="{C4E73E68-DF1B-8901-62D3-B54FD56370EB}"/>
+                </a:ext>
+              </a:extLst>
+            </p:cNvPr>
+            <p:cNvCxnSpPr>
+              <a:cxnSpLocks/>
+              <a:stCxn id="50" idx="6"/>
+              <a:endCxn id="51" idx="2"/>
+            </p:cNvCxnSpPr>
+            <p:nvPr/>
+          </p:nvCxnSpPr>
+          <p:spPr>
+            <a:xfrm flipV="1">
+              <a:off x="4308231" y="1627509"/>
+              <a:ext cx="334109" cy="603673"/>
+            </a:xfrm>
+            <a:prstGeom prst="line">
+              <a:avLst/>
+            </a:prstGeom>
+            <a:ln w="38100">
+              <a:solidFill>
+                <a:schemeClr val="tx1"/>
+              </a:solidFill>
+            </a:ln>
+          </p:spPr>
+          <p:style>
+            <a:lnRef idx="1">
+              <a:schemeClr val="accent1"/>
+            </a:lnRef>
+            <a:fillRef idx="0">
+              <a:schemeClr val="accent1"/>
+            </a:fillRef>
+            <a:effectRef idx="0">
+              <a:schemeClr val="accent1"/>
+            </a:effectRef>
+            <a:fontRef idx="minor">
+              <a:schemeClr val="tx1"/>
+            </a:fontRef>
+          </p:style>
+        </p:cxnSp>
+      </p:grpSp>
+      <p:sp>
+        <p:nvSpPr>
+          <p:cNvPr id="64" name="CasellaDiTesto 63">
+            <a:extLst>
+              <a:ext uri="{FF2B5EF4-FFF2-40B4-BE49-F238E27FC236}">
+                <a16:creationId xmlns:a16="http://schemas.microsoft.com/office/drawing/2014/main" id="{EC2FD15C-2D2F-D62C-BFAF-F3833EBABCBF}"/>
+              </a:ext>
+            </a:extLst>
+          </p:cNvPr>
+          <p:cNvSpPr txBox="1"/>
+          <p:nvPr/>
+        </p:nvSpPr>
+        <p:spPr>
+          <a:xfrm>
+            <a:off x="1930685" y="2187655"/>
+            <a:ext cx="1769533" cy="369332"/>
+          </a:xfrm>
+          <a:prstGeom prst="rect">
+            <a:avLst/>
+          </a:prstGeom>
+          <a:noFill/>
+        </p:spPr>
+        <p:txBody>
+          <a:bodyPr wrap="square" rtlCol="0">
+            <a:spAutoFit/>
+          </a:bodyPr>
+          <a:lstStyle/>
+          <a:p>
+            <a:r>
+              <a:rPr lang="en-US" dirty="0"/>
+              <a:t>Neural Network</a:t>
+            </a:r>
+          </a:p>
+        </p:txBody>
+      </p:sp>
+      <p:grpSp>
+        <p:nvGrpSpPr>
+          <p:cNvPr id="65" name="Gruppo 64">
+            <a:extLst>
+              <a:ext uri="{FF2B5EF4-FFF2-40B4-BE49-F238E27FC236}">
+                <a16:creationId xmlns:a16="http://schemas.microsoft.com/office/drawing/2014/main" id="{9F9F9573-B1E8-C4F5-B2A3-3EBCF069D0F8}"/>
+              </a:ext>
+            </a:extLst>
+          </p:cNvPr>
+          <p:cNvGrpSpPr/>
+          <p:nvPr/>
+        </p:nvGrpSpPr>
+        <p:grpSpPr>
+          <a:xfrm>
+            <a:off x="299926" y="444187"/>
+            <a:ext cx="693519" cy="1009107"/>
+            <a:chOff x="911291" y="1250302"/>
+            <a:chExt cx="1138334" cy="1810139"/>
+          </a:xfrm>
+        </p:grpSpPr>
+        <p:sp>
+          <p:nvSpPr>
+            <p:cNvPr id="66" name="Rettangolo ad angolo ripiegato 65">
+              <a:extLst>
+                <a:ext uri="{FF2B5EF4-FFF2-40B4-BE49-F238E27FC236}">
+                  <a16:creationId xmlns:a16="http://schemas.microsoft.com/office/drawing/2014/main" id="{298B56F0-8F53-0CF5-B13D-1FCF54206036}"/>
+                </a:ext>
+              </a:extLst>
+            </p:cNvPr>
+            <p:cNvSpPr/>
+            <p:nvPr/>
+          </p:nvSpPr>
+          <p:spPr>
+            <a:xfrm rot="10800000" flipH="1">
+              <a:off x="911291" y="1250302"/>
+              <a:ext cx="1138334" cy="1810139"/>
+            </a:xfrm>
+            <a:prstGeom prst="foldedCorner">
+              <a:avLst>
+                <a:gd name="adj" fmla="val 41257"/>
+              </a:avLst>
+            </a:prstGeom>
+            <a:solidFill>
+              <a:schemeClr val="bg1"/>
+            </a:solidFill>
+            <a:ln>
+              <a:solidFill>
+                <a:schemeClr val="tx1"/>
+              </a:solidFill>
+            </a:ln>
+          </p:spPr>
+          <p:style>
+            <a:lnRef idx="2">
+              <a:schemeClr val="accent1">
+                <a:shade val="15000"/>
+              </a:schemeClr>
+            </a:lnRef>
+            <a:fillRef idx="1">
+              <a:schemeClr val="accent1"/>
+            </a:fillRef>
+            <a:effectRef idx="0">
+              <a:schemeClr val="accent1"/>
+            </a:effectRef>
+            <a:fontRef idx="minor">
+              <a:schemeClr val="lt1"/>
+            </a:fontRef>
+          </p:style>
+          <p:txBody>
+            <a:bodyPr rtlCol="0" anchor="ctr"/>
+            <a:lstStyle/>
+            <a:p>
+              <a:pPr algn="ctr"/>
+              <a:endParaRPr lang="en-US"/>
+            </a:p>
+          </p:txBody>
+        </p:sp>
+        <p:cxnSp>
+          <p:nvCxnSpPr>
+            <p:cNvPr id="67" name="Connettore diritto 66">
+              <a:extLst>
+                <a:ext uri="{FF2B5EF4-FFF2-40B4-BE49-F238E27FC236}">
+                  <a16:creationId xmlns:a16="http://schemas.microsoft.com/office/drawing/2014/main" id="{838A867D-2190-7E69-AA9F-EDC29C2ABFC7}"/>
+                </a:ext>
+              </a:extLst>
+            </p:cNvPr>
+            <p:cNvCxnSpPr/>
+            <p:nvPr/>
+          </p:nvCxnSpPr>
+          <p:spPr>
+            <a:xfrm>
+              <a:off x="1028700" y="1480458"/>
+              <a:ext cx="544286" cy="0"/>
+            </a:xfrm>
+            <a:prstGeom prst="line">
+              <a:avLst/>
+            </a:prstGeom>
+            <a:ln w="38100">
+              <a:solidFill>
+                <a:schemeClr val="tx1"/>
+              </a:solidFill>
+            </a:ln>
+          </p:spPr>
+          <p:style>
+            <a:lnRef idx="1">
+              <a:schemeClr val="accent1"/>
+            </a:lnRef>
+            <a:fillRef idx="0">
+              <a:schemeClr val="accent1"/>
+            </a:fillRef>
+            <a:effectRef idx="0">
+              <a:schemeClr val="accent1"/>
+            </a:effectRef>
+            <a:fontRef idx="minor">
+              <a:schemeClr val="tx1"/>
+            </a:fontRef>
+          </p:style>
+        </p:cxnSp>
+        <p:cxnSp>
+          <p:nvCxnSpPr>
+            <p:cNvPr id="68" name="Connettore diritto 67">
+              <a:extLst>
+                <a:ext uri="{FF2B5EF4-FFF2-40B4-BE49-F238E27FC236}">
+                  <a16:creationId xmlns:a16="http://schemas.microsoft.com/office/drawing/2014/main" id="{D7A86C14-C234-2789-8A9E-A39C56265757}"/>
+                </a:ext>
+              </a:extLst>
+            </p:cNvPr>
+            <p:cNvCxnSpPr/>
+            <p:nvPr/>
+          </p:nvCxnSpPr>
+          <p:spPr>
+            <a:xfrm>
+              <a:off x="1028700" y="1649186"/>
+              <a:ext cx="544286" cy="0"/>
+            </a:xfrm>
+            <a:prstGeom prst="line">
+              <a:avLst/>
+            </a:prstGeom>
+            <a:ln w="38100">
+              <a:solidFill>
+                <a:schemeClr val="tx1"/>
+              </a:solidFill>
+            </a:ln>
+          </p:spPr>
+          <p:style>
+            <a:lnRef idx="1">
+              <a:schemeClr val="accent1"/>
+            </a:lnRef>
+            <a:fillRef idx="0">
+              <a:schemeClr val="accent1"/>
+            </a:fillRef>
+            <a:effectRef idx="0">
+              <a:schemeClr val="accent1"/>
+            </a:effectRef>
+            <a:fontRef idx="minor">
+              <a:schemeClr val="tx1"/>
+            </a:fontRef>
+          </p:style>
+        </p:cxnSp>
+        <p:cxnSp>
+          <p:nvCxnSpPr>
+            <p:cNvPr id="69" name="Connettore diritto 68">
+              <a:extLst>
+                <a:ext uri="{FF2B5EF4-FFF2-40B4-BE49-F238E27FC236}">
+                  <a16:creationId xmlns:a16="http://schemas.microsoft.com/office/drawing/2014/main" id="{F4AAA0C3-4D64-BE01-F480-9F9F830CFB59}"/>
+                </a:ext>
+              </a:extLst>
+            </p:cNvPr>
+            <p:cNvCxnSpPr>
+              <a:cxnSpLocks/>
+            </p:cNvCxnSpPr>
+            <p:nvPr/>
+          </p:nvCxnSpPr>
+          <p:spPr>
+            <a:xfrm>
+              <a:off x="1028700" y="1856015"/>
+              <a:ext cx="892629" cy="0"/>
+            </a:xfrm>
+            <a:prstGeom prst="line">
+              <a:avLst/>
+            </a:prstGeom>
+            <a:ln w="38100">
+              <a:solidFill>
+                <a:schemeClr val="tx1"/>
+              </a:solidFill>
+            </a:ln>
+          </p:spPr>
+          <p:style>
+            <a:lnRef idx="1">
+              <a:schemeClr val="accent1"/>
+            </a:lnRef>
+            <a:fillRef idx="0">
+              <a:schemeClr val="accent1"/>
+            </a:fillRef>
+            <a:effectRef idx="0">
+              <a:schemeClr val="accent1"/>
+            </a:effectRef>
+            <a:fontRef idx="minor">
+              <a:schemeClr val="tx1"/>
+            </a:fontRef>
+          </p:style>
+        </p:cxnSp>
+        <p:cxnSp>
+          <p:nvCxnSpPr>
+            <p:cNvPr id="70" name="Connettore diritto 69">
+              <a:extLst>
+                <a:ext uri="{FF2B5EF4-FFF2-40B4-BE49-F238E27FC236}">
+                  <a16:creationId xmlns:a16="http://schemas.microsoft.com/office/drawing/2014/main" id="{B4592DD7-E2F5-E5C7-049E-06B71460F6AF}"/>
+                </a:ext>
+              </a:extLst>
+            </p:cNvPr>
+            <p:cNvCxnSpPr>
+              <a:cxnSpLocks/>
+            </p:cNvCxnSpPr>
+            <p:nvPr/>
+          </p:nvCxnSpPr>
+          <p:spPr>
+            <a:xfrm>
+              <a:off x="1028700" y="2024743"/>
+              <a:ext cx="892629" cy="0"/>
+            </a:xfrm>
+            <a:prstGeom prst="line">
+              <a:avLst/>
+            </a:prstGeom>
+            <a:ln w="38100">
+              <a:solidFill>
+                <a:schemeClr val="tx1"/>
+              </a:solidFill>
+            </a:ln>
+          </p:spPr>
+          <p:style>
+            <a:lnRef idx="1">
+              <a:schemeClr val="accent1"/>
+            </a:lnRef>
+            <a:fillRef idx="0">
+              <a:schemeClr val="accent1"/>
+            </a:fillRef>
+            <a:effectRef idx="0">
+              <a:schemeClr val="accent1"/>
+            </a:effectRef>
+            <a:fontRef idx="minor">
+              <a:schemeClr val="tx1"/>
+            </a:fontRef>
+          </p:style>
+        </p:cxnSp>
+        <p:cxnSp>
+          <p:nvCxnSpPr>
+            <p:cNvPr id="71" name="Connettore diritto 70">
+              <a:extLst>
+                <a:ext uri="{FF2B5EF4-FFF2-40B4-BE49-F238E27FC236}">
+                  <a16:creationId xmlns:a16="http://schemas.microsoft.com/office/drawing/2014/main" id="{E026EAA0-FCDC-71F9-54C6-049E852B7297}"/>
+                </a:ext>
+              </a:extLst>
+            </p:cNvPr>
+            <p:cNvCxnSpPr>
+              <a:cxnSpLocks/>
+            </p:cNvCxnSpPr>
+            <p:nvPr/>
+          </p:nvCxnSpPr>
+          <p:spPr>
+            <a:xfrm>
+              <a:off x="1028700" y="2198915"/>
+              <a:ext cx="892629" cy="0"/>
+            </a:xfrm>
+            <a:prstGeom prst="line">
+              <a:avLst/>
+            </a:prstGeom>
+            <a:ln w="38100">
+              <a:solidFill>
+                <a:schemeClr val="tx1"/>
+              </a:solidFill>
+            </a:ln>
+          </p:spPr>
+          <p:style>
+            <a:lnRef idx="1">
+              <a:schemeClr val="accent1"/>
+            </a:lnRef>
+            <a:fillRef idx="0">
+              <a:schemeClr val="accent1"/>
+            </a:fillRef>
+            <a:effectRef idx="0">
+              <a:schemeClr val="accent1"/>
+            </a:effectRef>
+            <a:fontRef idx="minor">
+              <a:schemeClr val="tx1"/>
+            </a:fontRef>
+          </p:style>
+        </p:cxnSp>
+        <p:cxnSp>
+          <p:nvCxnSpPr>
+            <p:cNvPr id="72" name="Connettore diritto 71">
+              <a:extLst>
+                <a:ext uri="{FF2B5EF4-FFF2-40B4-BE49-F238E27FC236}">
+                  <a16:creationId xmlns:a16="http://schemas.microsoft.com/office/drawing/2014/main" id="{44D2F2E1-2C24-D908-6D76-E11D07F023F0}"/>
+                </a:ext>
+              </a:extLst>
+            </p:cNvPr>
+            <p:cNvCxnSpPr>
+              <a:cxnSpLocks/>
+            </p:cNvCxnSpPr>
+            <p:nvPr/>
+          </p:nvCxnSpPr>
+          <p:spPr>
+            <a:xfrm>
+              <a:off x="1028700" y="2367643"/>
+              <a:ext cx="892629" cy="0"/>
+            </a:xfrm>
+            <a:prstGeom prst="line">
+              <a:avLst/>
+            </a:prstGeom>
+            <a:ln w="38100">
+              <a:solidFill>
+                <a:schemeClr val="tx1"/>
+              </a:solidFill>
+            </a:ln>
+          </p:spPr>
+          <p:style>
+            <a:lnRef idx="1">
+              <a:schemeClr val="accent1"/>
+            </a:lnRef>
+            <a:fillRef idx="0">
+              <a:schemeClr val="accent1"/>
+            </a:fillRef>
+            <a:effectRef idx="0">
+              <a:schemeClr val="accent1"/>
+            </a:effectRef>
+            <a:fontRef idx="minor">
+              <a:schemeClr val="tx1"/>
+            </a:fontRef>
+          </p:style>
+        </p:cxnSp>
+        <p:cxnSp>
+          <p:nvCxnSpPr>
+            <p:cNvPr id="73" name="Connettore diritto 72">
+              <a:extLst>
+                <a:ext uri="{FF2B5EF4-FFF2-40B4-BE49-F238E27FC236}">
+                  <a16:creationId xmlns:a16="http://schemas.microsoft.com/office/drawing/2014/main" id="{A71A0D05-4EAE-5DC9-FE49-DE52DA983EA1}"/>
+                </a:ext>
+              </a:extLst>
+            </p:cNvPr>
+            <p:cNvCxnSpPr>
+              <a:cxnSpLocks/>
+            </p:cNvCxnSpPr>
+            <p:nvPr/>
+          </p:nvCxnSpPr>
+          <p:spPr>
+            <a:xfrm>
+              <a:off x="1028699" y="2503715"/>
+              <a:ext cx="892629" cy="0"/>
+            </a:xfrm>
+            <a:prstGeom prst="line">
+              <a:avLst/>
+            </a:prstGeom>
+            <a:ln w="38100">
+              <a:solidFill>
+                <a:schemeClr val="tx1"/>
+              </a:solidFill>
+            </a:ln>
+          </p:spPr>
+          <p:style>
+            <a:lnRef idx="1">
+              <a:schemeClr val="accent1"/>
+            </a:lnRef>
+            <a:fillRef idx="0">
+              <a:schemeClr val="accent1"/>
+            </a:fillRef>
+            <a:effectRef idx="0">
+              <a:schemeClr val="accent1"/>
+            </a:effectRef>
+            <a:fontRef idx="minor">
+              <a:schemeClr val="tx1"/>
+            </a:fontRef>
+          </p:style>
+        </p:cxnSp>
+        <p:cxnSp>
+          <p:nvCxnSpPr>
+            <p:cNvPr id="74" name="Connettore diritto 73">
+              <a:extLst>
+                <a:ext uri="{FF2B5EF4-FFF2-40B4-BE49-F238E27FC236}">
+                  <a16:creationId xmlns:a16="http://schemas.microsoft.com/office/drawing/2014/main" id="{68B28853-2DCC-9619-8841-04E21C9F96FB}"/>
+                </a:ext>
+              </a:extLst>
+            </p:cNvPr>
+            <p:cNvCxnSpPr>
+              <a:cxnSpLocks/>
+            </p:cNvCxnSpPr>
+            <p:nvPr/>
+          </p:nvCxnSpPr>
+          <p:spPr>
+            <a:xfrm>
+              <a:off x="1028699" y="2672443"/>
+              <a:ext cx="495301" cy="0"/>
+            </a:xfrm>
+            <a:prstGeom prst="line">
+              <a:avLst/>
+            </a:prstGeom>
+            <a:ln w="38100">
+              <a:solidFill>
+                <a:schemeClr val="tx1"/>
+              </a:solidFill>
+            </a:ln>
+          </p:spPr>
+          <p:style>
+            <a:lnRef idx="1">
+              <a:schemeClr val="accent1"/>
+            </a:lnRef>
+            <a:fillRef idx="0">
+              <a:schemeClr val="accent1"/>
+            </a:fillRef>
+            <a:effectRef idx="0">
+              <a:schemeClr val="accent1"/>
+            </a:effectRef>
+            <a:fontRef idx="minor">
+              <a:schemeClr val="tx1"/>
+            </a:fontRef>
+          </p:style>
+        </p:cxnSp>
+      </p:grpSp>
+      <p:grpSp>
+        <p:nvGrpSpPr>
+          <p:cNvPr id="75" name="Gruppo 74">
+            <a:extLst>
+              <a:ext uri="{FF2B5EF4-FFF2-40B4-BE49-F238E27FC236}">
+                <a16:creationId xmlns:a16="http://schemas.microsoft.com/office/drawing/2014/main" id="{92BBF06B-BE6A-6D28-D9A8-9D82E42316F1}"/>
+              </a:ext>
+            </a:extLst>
+          </p:cNvPr>
+          <p:cNvGrpSpPr/>
+          <p:nvPr/>
+        </p:nvGrpSpPr>
+        <p:grpSpPr>
+          <a:xfrm>
+            <a:off x="524722" y="891475"/>
+            <a:ext cx="693519" cy="1009107"/>
+            <a:chOff x="911291" y="1250302"/>
+            <a:chExt cx="1138334" cy="1810139"/>
+          </a:xfrm>
+        </p:grpSpPr>
+        <p:sp>
+          <p:nvSpPr>
+            <p:cNvPr id="76" name="Rettangolo ad angolo ripiegato 75">
+              <a:extLst>
+                <a:ext uri="{FF2B5EF4-FFF2-40B4-BE49-F238E27FC236}">
+                  <a16:creationId xmlns:a16="http://schemas.microsoft.com/office/drawing/2014/main" id="{C37D01E3-243E-DF9A-E53D-5872B0049299}"/>
+                </a:ext>
+              </a:extLst>
+            </p:cNvPr>
+            <p:cNvSpPr/>
+            <p:nvPr/>
+          </p:nvSpPr>
+          <p:spPr>
+            <a:xfrm rot="10800000" flipH="1">
+              <a:off x="911291" y="1250302"/>
+              <a:ext cx="1138334" cy="1810139"/>
+            </a:xfrm>
+            <a:prstGeom prst="foldedCorner">
+              <a:avLst>
+                <a:gd name="adj" fmla="val 41257"/>
+              </a:avLst>
+            </a:prstGeom>
+            <a:solidFill>
+              <a:schemeClr val="bg1"/>
+            </a:solidFill>
+            <a:ln>
+              <a:solidFill>
+                <a:schemeClr val="tx1"/>
+              </a:solidFill>
+            </a:ln>
+          </p:spPr>
+          <p:style>
+            <a:lnRef idx="2">
+              <a:schemeClr val="accent1">
+                <a:shade val="15000"/>
+              </a:schemeClr>
+            </a:lnRef>
+            <a:fillRef idx="1">
+              <a:schemeClr val="accent1"/>
+            </a:fillRef>
+            <a:effectRef idx="0">
+              <a:schemeClr val="accent1"/>
+            </a:effectRef>
+            <a:fontRef idx="minor">
+              <a:schemeClr val="lt1"/>
+            </a:fontRef>
+          </p:style>
+          <p:txBody>
+            <a:bodyPr rtlCol="0" anchor="ctr"/>
+            <a:lstStyle/>
+            <a:p>
+              <a:pPr algn="ctr"/>
+              <a:endParaRPr lang="en-US"/>
+            </a:p>
+          </p:txBody>
+        </p:sp>
+        <p:cxnSp>
+          <p:nvCxnSpPr>
+            <p:cNvPr id="77" name="Connettore diritto 76">
+              <a:extLst>
+                <a:ext uri="{FF2B5EF4-FFF2-40B4-BE49-F238E27FC236}">
+                  <a16:creationId xmlns:a16="http://schemas.microsoft.com/office/drawing/2014/main" id="{4F3FC3C7-37B2-6FF6-2121-F1C07E0854B2}"/>
+                </a:ext>
+              </a:extLst>
+            </p:cNvPr>
+            <p:cNvCxnSpPr/>
+            <p:nvPr/>
+          </p:nvCxnSpPr>
+          <p:spPr>
+            <a:xfrm>
+              <a:off x="1028700" y="1480458"/>
+              <a:ext cx="544286" cy="0"/>
+            </a:xfrm>
+            <a:prstGeom prst="line">
+              <a:avLst/>
+            </a:prstGeom>
+            <a:ln w="38100">
+              <a:solidFill>
+                <a:schemeClr val="tx1"/>
+              </a:solidFill>
+            </a:ln>
+          </p:spPr>
+          <p:style>
+            <a:lnRef idx="1">
+              <a:schemeClr val="accent1"/>
+            </a:lnRef>
+            <a:fillRef idx="0">
+              <a:schemeClr val="accent1"/>
+            </a:fillRef>
+            <a:effectRef idx="0">
+              <a:schemeClr val="accent1"/>
+            </a:effectRef>
+            <a:fontRef idx="minor">
+              <a:schemeClr val="tx1"/>
+            </a:fontRef>
+          </p:style>
+        </p:cxnSp>
+        <p:cxnSp>
+          <p:nvCxnSpPr>
+            <p:cNvPr id="78" name="Connettore diritto 77">
+              <a:extLst>
+                <a:ext uri="{FF2B5EF4-FFF2-40B4-BE49-F238E27FC236}">
+                  <a16:creationId xmlns:a16="http://schemas.microsoft.com/office/drawing/2014/main" id="{BE9ADA13-8CFB-991D-DF7E-EC48355A86F8}"/>
+                </a:ext>
+              </a:extLst>
+            </p:cNvPr>
+            <p:cNvCxnSpPr/>
+            <p:nvPr/>
+          </p:nvCxnSpPr>
+          <p:spPr>
+            <a:xfrm>
+              <a:off x="1028700" y="1649186"/>
+              <a:ext cx="544286" cy="0"/>
+            </a:xfrm>
+            <a:prstGeom prst="line">
+              <a:avLst/>
+            </a:prstGeom>
+            <a:ln w="38100">
+              <a:solidFill>
+                <a:schemeClr val="tx1"/>
+              </a:solidFill>
+            </a:ln>
+          </p:spPr>
+          <p:style>
+            <a:lnRef idx="1">
+              <a:schemeClr val="accent1"/>
+            </a:lnRef>
+            <a:fillRef idx="0">
+              <a:schemeClr val="accent1"/>
+            </a:fillRef>
+            <a:effectRef idx="0">
+              <a:schemeClr val="accent1"/>
+            </a:effectRef>
+            <a:fontRef idx="minor">
+              <a:schemeClr val="tx1"/>
+            </a:fontRef>
+          </p:style>
+        </p:cxnSp>
+        <p:cxnSp>
+          <p:nvCxnSpPr>
+            <p:cNvPr id="79" name="Connettore diritto 78">
+              <a:extLst>
+                <a:ext uri="{FF2B5EF4-FFF2-40B4-BE49-F238E27FC236}">
+                  <a16:creationId xmlns:a16="http://schemas.microsoft.com/office/drawing/2014/main" id="{4B1E53AE-F10A-F8A2-7C64-59FC6220FE10}"/>
+                </a:ext>
+              </a:extLst>
+            </p:cNvPr>
+            <p:cNvCxnSpPr>
+              <a:cxnSpLocks/>
+            </p:cNvCxnSpPr>
+            <p:nvPr/>
+          </p:nvCxnSpPr>
+          <p:spPr>
+            <a:xfrm>
+              <a:off x="1028700" y="1856015"/>
+              <a:ext cx="892629" cy="0"/>
+            </a:xfrm>
+            <a:prstGeom prst="line">
+              <a:avLst/>
+            </a:prstGeom>
+            <a:ln w="38100">
+              <a:solidFill>
+                <a:schemeClr val="tx1"/>
+              </a:solidFill>
+            </a:ln>
+          </p:spPr>
+          <p:style>
+            <a:lnRef idx="1">
+              <a:schemeClr val="accent1"/>
+            </a:lnRef>
+            <a:fillRef idx="0">
+              <a:schemeClr val="accent1"/>
+            </a:fillRef>
+            <a:effectRef idx="0">
+              <a:schemeClr val="accent1"/>
+            </a:effectRef>
+            <a:fontRef idx="minor">
+              <a:schemeClr val="tx1"/>
+            </a:fontRef>
+          </p:style>
+        </p:cxnSp>
+        <p:cxnSp>
+          <p:nvCxnSpPr>
+            <p:cNvPr id="80" name="Connettore diritto 79">
+              <a:extLst>
+                <a:ext uri="{FF2B5EF4-FFF2-40B4-BE49-F238E27FC236}">
+                  <a16:creationId xmlns:a16="http://schemas.microsoft.com/office/drawing/2014/main" id="{12117972-2511-9517-4179-1CC7AFBDB0A6}"/>
+                </a:ext>
+              </a:extLst>
+            </p:cNvPr>
+            <p:cNvCxnSpPr>
+              <a:cxnSpLocks/>
+            </p:cNvCxnSpPr>
+            <p:nvPr/>
+          </p:nvCxnSpPr>
+          <p:spPr>
+            <a:xfrm>
+              <a:off x="1028700" y="2024743"/>
+              <a:ext cx="892629" cy="0"/>
+            </a:xfrm>
+            <a:prstGeom prst="line">
+              <a:avLst/>
+            </a:prstGeom>
+            <a:ln w="38100">
+              <a:solidFill>
+                <a:schemeClr val="tx1"/>
+              </a:solidFill>
+            </a:ln>
+          </p:spPr>
+          <p:style>
+            <a:lnRef idx="1">
+              <a:schemeClr val="accent1"/>
+            </a:lnRef>
+            <a:fillRef idx="0">
+              <a:schemeClr val="accent1"/>
+            </a:fillRef>
+            <a:effectRef idx="0">
+              <a:schemeClr val="accent1"/>
+            </a:effectRef>
+            <a:fontRef idx="minor">
+              <a:schemeClr val="tx1"/>
+            </a:fontRef>
+          </p:style>
+        </p:cxnSp>
+        <p:cxnSp>
+          <p:nvCxnSpPr>
+            <p:cNvPr id="81" name="Connettore diritto 80">
+              <a:extLst>
+                <a:ext uri="{FF2B5EF4-FFF2-40B4-BE49-F238E27FC236}">
+                  <a16:creationId xmlns:a16="http://schemas.microsoft.com/office/drawing/2014/main" id="{6CE4C92D-70DB-AFE0-3B55-F12F65B8C46B}"/>
+                </a:ext>
+              </a:extLst>
+            </p:cNvPr>
+            <p:cNvCxnSpPr>
+              <a:cxnSpLocks/>
+            </p:cNvCxnSpPr>
+            <p:nvPr/>
+          </p:nvCxnSpPr>
+          <p:spPr>
+            <a:xfrm>
+              <a:off x="1028700" y="2198915"/>
+              <a:ext cx="892629" cy="0"/>
+            </a:xfrm>
+            <a:prstGeom prst="line">
+              <a:avLst/>
+            </a:prstGeom>
+            <a:ln w="38100">
+              <a:solidFill>
+                <a:schemeClr val="tx1"/>
+              </a:solidFill>
+            </a:ln>
+          </p:spPr>
+          <p:style>
+            <a:lnRef idx="1">
+              <a:schemeClr val="accent1"/>
+            </a:lnRef>
+            <a:fillRef idx="0">
+              <a:schemeClr val="accent1"/>
+            </a:fillRef>
+            <a:effectRef idx="0">
+              <a:schemeClr val="accent1"/>
+            </a:effectRef>
+            <a:fontRef idx="minor">
+              <a:schemeClr val="tx1"/>
+            </a:fontRef>
+          </p:style>
+        </p:cxnSp>
+        <p:cxnSp>
+          <p:nvCxnSpPr>
+            <p:cNvPr id="82" name="Connettore diritto 81">
+              <a:extLst>
+                <a:ext uri="{FF2B5EF4-FFF2-40B4-BE49-F238E27FC236}">
+                  <a16:creationId xmlns:a16="http://schemas.microsoft.com/office/drawing/2014/main" id="{EEF51402-EE82-3B38-8963-B60EF23069E1}"/>
+                </a:ext>
+              </a:extLst>
+            </p:cNvPr>
+            <p:cNvCxnSpPr>
+              <a:cxnSpLocks/>
+            </p:cNvCxnSpPr>
+            <p:nvPr/>
+          </p:nvCxnSpPr>
+          <p:spPr>
+            <a:xfrm>
+              <a:off x="1028700" y="2367643"/>
+              <a:ext cx="892629" cy="0"/>
+            </a:xfrm>
+            <a:prstGeom prst="line">
+              <a:avLst/>
+            </a:prstGeom>
+            <a:ln w="38100">
+              <a:solidFill>
+                <a:schemeClr val="tx1"/>
+              </a:solidFill>
+            </a:ln>
+          </p:spPr>
+          <p:style>
+            <a:lnRef idx="1">
+              <a:schemeClr val="accent1"/>
+            </a:lnRef>
+            <a:fillRef idx="0">
+              <a:schemeClr val="accent1"/>
+            </a:fillRef>
+            <a:effectRef idx="0">
+              <a:schemeClr val="accent1"/>
+            </a:effectRef>
+            <a:fontRef idx="minor">
+              <a:schemeClr val="tx1"/>
+            </a:fontRef>
+          </p:style>
+        </p:cxnSp>
+        <p:cxnSp>
+          <p:nvCxnSpPr>
+            <p:cNvPr id="83" name="Connettore diritto 82">
+              <a:extLst>
+                <a:ext uri="{FF2B5EF4-FFF2-40B4-BE49-F238E27FC236}">
+                  <a16:creationId xmlns:a16="http://schemas.microsoft.com/office/drawing/2014/main" id="{4B441503-3F67-7EC9-5FDA-EEA1C2BE388C}"/>
+                </a:ext>
+              </a:extLst>
+            </p:cNvPr>
+            <p:cNvCxnSpPr>
+              <a:cxnSpLocks/>
+            </p:cNvCxnSpPr>
+            <p:nvPr/>
+          </p:nvCxnSpPr>
+          <p:spPr>
+            <a:xfrm>
+              <a:off x="1028699" y="2503715"/>
+              <a:ext cx="892629" cy="0"/>
+            </a:xfrm>
+            <a:prstGeom prst="line">
+              <a:avLst/>
+            </a:prstGeom>
+            <a:ln w="38100">
+              <a:solidFill>
+                <a:schemeClr val="tx1"/>
+              </a:solidFill>
+            </a:ln>
+          </p:spPr>
+          <p:style>
+            <a:lnRef idx="1">
+              <a:schemeClr val="accent1"/>
+            </a:lnRef>
+            <a:fillRef idx="0">
+              <a:schemeClr val="accent1"/>
+            </a:fillRef>
+            <a:effectRef idx="0">
+              <a:schemeClr val="accent1"/>
+            </a:effectRef>
+            <a:fontRef idx="minor">
+              <a:schemeClr val="tx1"/>
+            </a:fontRef>
+          </p:style>
+        </p:cxnSp>
+        <p:cxnSp>
+          <p:nvCxnSpPr>
+            <p:cNvPr id="84" name="Connettore diritto 83">
+              <a:extLst>
+                <a:ext uri="{FF2B5EF4-FFF2-40B4-BE49-F238E27FC236}">
+                  <a16:creationId xmlns:a16="http://schemas.microsoft.com/office/drawing/2014/main" id="{FE689385-FE3B-8E64-D19A-3FA624764FB7}"/>
+                </a:ext>
+              </a:extLst>
+            </p:cNvPr>
+            <p:cNvCxnSpPr>
+              <a:cxnSpLocks/>
+            </p:cNvCxnSpPr>
+            <p:nvPr/>
+          </p:nvCxnSpPr>
+          <p:spPr>
+            <a:xfrm>
+              <a:off x="1028699" y="2672443"/>
+              <a:ext cx="495301" cy="0"/>
+            </a:xfrm>
+            <a:prstGeom prst="line">
+              <a:avLst/>
+            </a:prstGeom>
+            <a:ln w="38100">
+              <a:solidFill>
+                <a:schemeClr val="tx1"/>
+              </a:solidFill>
+            </a:ln>
+          </p:spPr>
+          <p:style>
+            <a:lnRef idx="1">
+              <a:schemeClr val="accent1"/>
+            </a:lnRef>
+            <a:fillRef idx="0">
+              <a:schemeClr val="accent1"/>
+            </a:fillRef>
+            <a:effectRef idx="0">
+              <a:schemeClr val="accent1"/>
+            </a:effectRef>
+            <a:fontRef idx="minor">
+              <a:schemeClr val="tx1"/>
+            </a:fontRef>
+          </p:style>
+        </p:cxnSp>
+      </p:grpSp>
+      <p:grpSp>
+        <p:nvGrpSpPr>
+          <p:cNvPr id="85" name="Gruppo 84">
+            <a:extLst>
+              <a:ext uri="{FF2B5EF4-FFF2-40B4-BE49-F238E27FC236}">
+                <a16:creationId xmlns:a16="http://schemas.microsoft.com/office/drawing/2014/main" id="{7C74C0EA-EB5C-4F93-709B-C4F67BF4BB06}"/>
+              </a:ext>
+            </a:extLst>
+          </p:cNvPr>
+          <p:cNvGrpSpPr/>
+          <p:nvPr/>
+        </p:nvGrpSpPr>
+        <p:grpSpPr>
+          <a:xfrm>
+            <a:off x="781906" y="1316013"/>
+            <a:ext cx="693519" cy="1009107"/>
+            <a:chOff x="911291" y="1250302"/>
+            <a:chExt cx="1138334" cy="1810139"/>
+          </a:xfrm>
+        </p:grpSpPr>
+        <p:sp>
+          <p:nvSpPr>
+            <p:cNvPr id="86" name="Rettangolo ad angolo ripiegato 85">
+              <a:extLst>
+                <a:ext uri="{FF2B5EF4-FFF2-40B4-BE49-F238E27FC236}">
+                  <a16:creationId xmlns:a16="http://schemas.microsoft.com/office/drawing/2014/main" id="{FEBE462C-5364-38ED-C875-CB4875606E9B}"/>
+                </a:ext>
+              </a:extLst>
+            </p:cNvPr>
+            <p:cNvSpPr/>
+            <p:nvPr/>
+          </p:nvSpPr>
+          <p:spPr>
+            <a:xfrm rot="10800000" flipH="1">
+              <a:off x="911291" y="1250302"/>
+              <a:ext cx="1138334" cy="1810139"/>
+            </a:xfrm>
+            <a:prstGeom prst="foldedCorner">
+              <a:avLst>
+                <a:gd name="adj" fmla="val 41257"/>
+              </a:avLst>
+            </a:prstGeom>
+            <a:solidFill>
+              <a:schemeClr val="bg1"/>
+            </a:solidFill>
+            <a:ln>
+              <a:solidFill>
+                <a:schemeClr val="tx1"/>
+              </a:solidFill>
+            </a:ln>
+          </p:spPr>
+          <p:style>
+            <a:lnRef idx="2">
+              <a:schemeClr val="accent1">
+                <a:shade val="15000"/>
+              </a:schemeClr>
+            </a:lnRef>
+            <a:fillRef idx="1">
+              <a:schemeClr val="accent1"/>
+            </a:fillRef>
+            <a:effectRef idx="0">
+              <a:schemeClr val="accent1"/>
+            </a:effectRef>
+            <a:fontRef idx="minor">
+              <a:schemeClr val="lt1"/>
+            </a:fontRef>
+          </p:style>
+          <p:txBody>
+            <a:bodyPr rtlCol="0" anchor="ctr"/>
+            <a:lstStyle/>
+            <a:p>
+              <a:pPr algn="ctr"/>
+              <a:endParaRPr lang="en-US"/>
+            </a:p>
+          </p:txBody>
+        </p:sp>
+        <p:cxnSp>
+          <p:nvCxnSpPr>
+            <p:cNvPr id="87" name="Connettore diritto 86">
+              <a:extLst>
+                <a:ext uri="{FF2B5EF4-FFF2-40B4-BE49-F238E27FC236}">
+                  <a16:creationId xmlns:a16="http://schemas.microsoft.com/office/drawing/2014/main" id="{6783B6C1-22EA-8CCA-3A10-1092CB894304}"/>
+                </a:ext>
+              </a:extLst>
+            </p:cNvPr>
+            <p:cNvCxnSpPr/>
+            <p:nvPr/>
+          </p:nvCxnSpPr>
+          <p:spPr>
+            <a:xfrm>
+              <a:off x="1028700" y="1480458"/>
+              <a:ext cx="544286" cy="0"/>
+            </a:xfrm>
+            <a:prstGeom prst="line">
+              <a:avLst/>
+            </a:prstGeom>
+            <a:ln w="38100">
+              <a:solidFill>
+                <a:schemeClr val="tx1"/>
+              </a:solidFill>
+            </a:ln>
+          </p:spPr>
+          <p:style>
+            <a:lnRef idx="1">
+              <a:schemeClr val="accent1"/>
+            </a:lnRef>
+            <a:fillRef idx="0">
+              <a:schemeClr val="accent1"/>
+            </a:fillRef>
+            <a:effectRef idx="0">
+              <a:schemeClr val="accent1"/>
+            </a:effectRef>
+            <a:fontRef idx="minor">
+              <a:schemeClr val="tx1"/>
+            </a:fontRef>
+          </p:style>
+        </p:cxnSp>
+        <p:cxnSp>
+          <p:nvCxnSpPr>
+            <p:cNvPr id="88" name="Connettore diritto 87">
+              <a:extLst>
+                <a:ext uri="{FF2B5EF4-FFF2-40B4-BE49-F238E27FC236}">
+                  <a16:creationId xmlns:a16="http://schemas.microsoft.com/office/drawing/2014/main" id="{FE46EE26-61F6-CA76-DA49-E214291A382C}"/>
+                </a:ext>
+              </a:extLst>
+            </p:cNvPr>
+            <p:cNvCxnSpPr/>
+            <p:nvPr/>
+          </p:nvCxnSpPr>
+          <p:spPr>
+            <a:xfrm>
+              <a:off x="1028700" y="1649186"/>
+              <a:ext cx="544286" cy="0"/>
+            </a:xfrm>
+            <a:prstGeom prst="line">
+              <a:avLst/>
+            </a:prstGeom>
+            <a:ln w="38100">
+              <a:solidFill>
+                <a:schemeClr val="tx1"/>
+              </a:solidFill>
+            </a:ln>
+          </p:spPr>
+          <p:style>
+            <a:lnRef idx="1">
+              <a:schemeClr val="accent1"/>
+            </a:lnRef>
+            <a:fillRef idx="0">
+              <a:schemeClr val="accent1"/>
+            </a:fillRef>
+            <a:effectRef idx="0">
+              <a:schemeClr val="accent1"/>
+            </a:effectRef>
+            <a:fontRef idx="minor">
+              <a:schemeClr val="tx1"/>
+            </a:fontRef>
+          </p:style>
+        </p:cxnSp>
+        <p:cxnSp>
+          <p:nvCxnSpPr>
+            <p:cNvPr id="89" name="Connettore diritto 88">
+              <a:extLst>
+                <a:ext uri="{FF2B5EF4-FFF2-40B4-BE49-F238E27FC236}">
+                  <a16:creationId xmlns:a16="http://schemas.microsoft.com/office/drawing/2014/main" id="{BA95E265-FA9E-5A5F-5117-B6C14F0C760C}"/>
+                </a:ext>
+              </a:extLst>
+            </p:cNvPr>
+            <p:cNvCxnSpPr>
+              <a:cxnSpLocks/>
+            </p:cNvCxnSpPr>
+            <p:nvPr/>
+          </p:nvCxnSpPr>
+          <p:spPr>
+            <a:xfrm>
+              <a:off x="1028700" y="1856015"/>
+              <a:ext cx="892629" cy="0"/>
+            </a:xfrm>
+            <a:prstGeom prst="line">
+              <a:avLst/>
+            </a:prstGeom>
+            <a:ln w="38100">
+              <a:solidFill>
+                <a:schemeClr val="tx1"/>
+              </a:solidFill>
+            </a:ln>
+          </p:spPr>
+          <p:style>
+            <a:lnRef idx="1">
+              <a:schemeClr val="accent1"/>
+            </a:lnRef>
+            <a:fillRef idx="0">
+              <a:schemeClr val="accent1"/>
+            </a:fillRef>
+            <a:effectRef idx="0">
+              <a:schemeClr val="accent1"/>
+            </a:effectRef>
+            <a:fontRef idx="minor">
+              <a:schemeClr val="tx1"/>
+            </a:fontRef>
+          </p:style>
+        </p:cxnSp>
+        <p:cxnSp>
+          <p:nvCxnSpPr>
+            <p:cNvPr id="90" name="Connettore diritto 89">
+              <a:extLst>
+                <a:ext uri="{FF2B5EF4-FFF2-40B4-BE49-F238E27FC236}">
+                  <a16:creationId xmlns:a16="http://schemas.microsoft.com/office/drawing/2014/main" id="{43F57EF3-9D7A-97A0-B42D-10878EC4F2E2}"/>
+                </a:ext>
+              </a:extLst>
+            </p:cNvPr>
+            <p:cNvCxnSpPr>
+              <a:cxnSpLocks/>
+            </p:cNvCxnSpPr>
+            <p:nvPr/>
+          </p:nvCxnSpPr>
+          <p:spPr>
+            <a:xfrm>
+              <a:off x="1028700" y="2024743"/>
+              <a:ext cx="892629" cy="0"/>
+            </a:xfrm>
+            <a:prstGeom prst="line">
+              <a:avLst/>
+            </a:prstGeom>
+            <a:ln w="38100">
+              <a:solidFill>
+                <a:schemeClr val="tx1"/>
+              </a:solidFill>
+            </a:ln>
+          </p:spPr>
+          <p:style>
+            <a:lnRef idx="1">
+              <a:schemeClr val="accent1"/>
+            </a:lnRef>
+            <a:fillRef idx="0">
+              <a:schemeClr val="accent1"/>
+            </a:fillRef>
+            <a:effectRef idx="0">
+              <a:schemeClr val="accent1"/>
+            </a:effectRef>
+            <a:fontRef idx="minor">
+              <a:schemeClr val="tx1"/>
+            </a:fontRef>
+          </p:style>
+        </p:cxnSp>
+        <p:cxnSp>
+          <p:nvCxnSpPr>
+            <p:cNvPr id="91" name="Connettore diritto 90">
+              <a:extLst>
+                <a:ext uri="{FF2B5EF4-FFF2-40B4-BE49-F238E27FC236}">
+                  <a16:creationId xmlns:a16="http://schemas.microsoft.com/office/drawing/2014/main" id="{45A66804-2740-30DE-BB4D-6E77863D8E22}"/>
+                </a:ext>
+              </a:extLst>
+            </p:cNvPr>
+            <p:cNvCxnSpPr>
+              <a:cxnSpLocks/>
+            </p:cNvCxnSpPr>
+            <p:nvPr/>
+          </p:nvCxnSpPr>
+          <p:spPr>
+            <a:xfrm>
+              <a:off x="1028700" y="2198915"/>
+              <a:ext cx="892629" cy="0"/>
+            </a:xfrm>
+            <a:prstGeom prst="line">
+              <a:avLst/>
+            </a:prstGeom>
+            <a:ln w="38100">
+              <a:solidFill>
+                <a:schemeClr val="tx1"/>
+              </a:solidFill>
+            </a:ln>
+          </p:spPr>
+          <p:style>
+            <a:lnRef idx="1">
+              <a:schemeClr val="accent1"/>
+            </a:lnRef>
+            <a:fillRef idx="0">
+              <a:schemeClr val="accent1"/>
+            </a:fillRef>
+            <a:effectRef idx="0">
+              <a:schemeClr val="accent1"/>
+            </a:effectRef>
+            <a:fontRef idx="minor">
+              <a:schemeClr val="tx1"/>
+            </a:fontRef>
+          </p:style>
+        </p:cxnSp>
+        <p:cxnSp>
+          <p:nvCxnSpPr>
+            <p:cNvPr id="92" name="Connettore diritto 91">
+              <a:extLst>
+                <a:ext uri="{FF2B5EF4-FFF2-40B4-BE49-F238E27FC236}">
+                  <a16:creationId xmlns:a16="http://schemas.microsoft.com/office/drawing/2014/main" id="{ACC521DA-74AA-44B3-243E-EB0FC73ED5E3}"/>
+                </a:ext>
+              </a:extLst>
+            </p:cNvPr>
+            <p:cNvCxnSpPr>
+              <a:cxnSpLocks/>
+            </p:cNvCxnSpPr>
+            <p:nvPr/>
+          </p:nvCxnSpPr>
+          <p:spPr>
+            <a:xfrm>
+              <a:off x="1028700" y="2367643"/>
+              <a:ext cx="892629" cy="0"/>
+            </a:xfrm>
+            <a:prstGeom prst="line">
+              <a:avLst/>
+            </a:prstGeom>
+            <a:ln w="38100">
+              <a:solidFill>
+                <a:schemeClr val="tx1"/>
+              </a:solidFill>
+            </a:ln>
+          </p:spPr>
+          <p:style>
+            <a:lnRef idx="1">
+              <a:schemeClr val="accent1"/>
+            </a:lnRef>
+            <a:fillRef idx="0">
+              <a:schemeClr val="accent1"/>
+            </a:fillRef>
+            <a:effectRef idx="0">
+              <a:schemeClr val="accent1"/>
+            </a:effectRef>
+            <a:fontRef idx="minor">
+              <a:schemeClr val="tx1"/>
+            </a:fontRef>
+          </p:style>
+        </p:cxnSp>
+        <p:cxnSp>
+          <p:nvCxnSpPr>
+            <p:cNvPr id="93" name="Connettore diritto 92">
+              <a:extLst>
+                <a:ext uri="{FF2B5EF4-FFF2-40B4-BE49-F238E27FC236}">
+                  <a16:creationId xmlns:a16="http://schemas.microsoft.com/office/drawing/2014/main" id="{86CE448D-8108-C753-F51F-F25CD1591059}"/>
+                </a:ext>
+              </a:extLst>
+            </p:cNvPr>
+            <p:cNvCxnSpPr>
+              <a:cxnSpLocks/>
+            </p:cNvCxnSpPr>
+            <p:nvPr/>
+          </p:nvCxnSpPr>
+          <p:spPr>
+            <a:xfrm>
+              <a:off x="1028699" y="2503715"/>
+              <a:ext cx="892629" cy="0"/>
+            </a:xfrm>
+            <a:prstGeom prst="line">
+              <a:avLst/>
+            </a:prstGeom>
+            <a:ln w="38100">
+              <a:solidFill>
+                <a:schemeClr val="tx1"/>
+              </a:solidFill>
+            </a:ln>
+          </p:spPr>
+          <p:style>
+            <a:lnRef idx="1">
+              <a:schemeClr val="accent1"/>
+            </a:lnRef>
+            <a:fillRef idx="0">
+              <a:schemeClr val="accent1"/>
+            </a:fillRef>
+            <a:effectRef idx="0">
+              <a:schemeClr val="accent1"/>
+            </a:effectRef>
+            <a:fontRef idx="minor">
+              <a:schemeClr val="tx1"/>
+            </a:fontRef>
+          </p:style>
+        </p:cxnSp>
+        <p:cxnSp>
+          <p:nvCxnSpPr>
+            <p:cNvPr id="94" name="Connettore diritto 93">
+              <a:extLst>
+                <a:ext uri="{FF2B5EF4-FFF2-40B4-BE49-F238E27FC236}">
+                  <a16:creationId xmlns:a16="http://schemas.microsoft.com/office/drawing/2014/main" id="{3A703B23-9995-5E33-2BBE-CE99A81D68DF}"/>
+                </a:ext>
+              </a:extLst>
+            </p:cNvPr>
+            <p:cNvCxnSpPr>
+              <a:cxnSpLocks/>
+            </p:cNvCxnSpPr>
+            <p:nvPr/>
+          </p:nvCxnSpPr>
+          <p:spPr>
+            <a:xfrm>
+              <a:off x="1028699" y="2672443"/>
+              <a:ext cx="495301" cy="0"/>
+            </a:xfrm>
+            <a:prstGeom prst="line">
+              <a:avLst/>
+            </a:prstGeom>
+            <a:ln w="38100">
+              <a:solidFill>
+                <a:schemeClr val="tx1"/>
+              </a:solidFill>
+            </a:ln>
+          </p:spPr>
+          <p:style>
+            <a:lnRef idx="1">
+              <a:schemeClr val="accent1"/>
+            </a:lnRef>
+            <a:fillRef idx="0">
+              <a:schemeClr val="accent1"/>
+            </a:fillRef>
+            <a:effectRef idx="0">
+              <a:schemeClr val="accent1"/>
+            </a:effectRef>
+            <a:fontRef idx="minor">
+              <a:schemeClr val="tx1"/>
+            </a:fontRef>
+          </p:style>
+        </p:cxnSp>
+      </p:grpSp>
+      <p:sp>
+        <p:nvSpPr>
+          <p:cNvPr id="105" name="Rettangolo 104">
+            <a:extLst>
+              <a:ext uri="{FF2B5EF4-FFF2-40B4-BE49-F238E27FC236}">
+                <a16:creationId xmlns:a16="http://schemas.microsoft.com/office/drawing/2014/main" id="{8A3662B6-47EE-7AC0-77A0-3C5EF5DA9A14}"/>
+              </a:ext>
+            </a:extLst>
+          </p:cNvPr>
+          <p:cNvSpPr/>
+          <p:nvPr/>
+        </p:nvSpPr>
+        <p:spPr>
+          <a:xfrm>
+            <a:off x="4234429" y="326905"/>
+            <a:ext cx="1629103" cy="784980"/>
+          </a:xfrm>
+          <a:prstGeom prst="rect">
+            <a:avLst/>
+          </a:prstGeom>
+        </p:spPr>
+        <p:style>
+          <a:lnRef idx="2">
+            <a:schemeClr val="accent1">
+              <a:shade val="15000"/>
+            </a:schemeClr>
+          </a:lnRef>
+          <a:fillRef idx="1">
+            <a:schemeClr val="accent1"/>
+          </a:fillRef>
+          <a:effectRef idx="0">
+            <a:schemeClr val="accent1"/>
+          </a:effectRef>
+          <a:fontRef idx="minor">
+            <a:schemeClr val="lt1"/>
+          </a:fontRef>
+        </p:style>
+        <p:txBody>
+          <a:bodyPr rtlCol="0" anchor="ctr"/>
+          <a:lstStyle/>
+          <a:p>
+            <a:pPr algn="ctr"/>
+            <a:endParaRPr lang="en-US"/>
+          </a:p>
+        </p:txBody>
+      </p:sp>
+      <p:sp>
+        <p:nvSpPr>
+          <p:cNvPr id="106" name="Rettangolo 105">
+            <a:extLst>
+              <a:ext uri="{FF2B5EF4-FFF2-40B4-BE49-F238E27FC236}">
+                <a16:creationId xmlns:a16="http://schemas.microsoft.com/office/drawing/2014/main" id="{76B5C7F7-59F6-1E9B-68E3-5A9C9E5B85CA}"/>
+              </a:ext>
+            </a:extLst>
+          </p:cNvPr>
+          <p:cNvSpPr/>
+          <p:nvPr/>
+        </p:nvSpPr>
+        <p:spPr>
+          <a:xfrm>
+            <a:off x="4244739" y="1540140"/>
+            <a:ext cx="1629103" cy="784980"/>
+          </a:xfrm>
+          <a:prstGeom prst="rect">
+            <a:avLst/>
+          </a:prstGeom>
+          <a:solidFill>
+            <a:schemeClr val="accent1">
+              <a:lumMod val="60000"/>
+              <a:lumOff val="40000"/>
+            </a:schemeClr>
+          </a:solidFill>
+        </p:spPr>
+        <p:style>
+          <a:lnRef idx="2">
+            <a:schemeClr val="accent1">
+              <a:shade val="15000"/>
+            </a:schemeClr>
+          </a:lnRef>
+          <a:fillRef idx="1">
+            <a:schemeClr val="accent1"/>
+          </a:fillRef>
+          <a:effectRef idx="0">
+            <a:schemeClr val="accent1"/>
+          </a:effectRef>
+          <a:fontRef idx="minor">
+            <a:schemeClr val="lt1"/>
+          </a:fontRef>
+        </p:style>
+        <p:txBody>
+          <a:bodyPr rtlCol="0" anchor="ctr"/>
+          <a:lstStyle/>
+          <a:p>
+            <a:pPr algn="ctr"/>
+            <a:endParaRPr lang="en-US"/>
+          </a:p>
+        </p:txBody>
+      </p:sp>
+      <p:sp>
+        <p:nvSpPr>
+          <p:cNvPr id="96" name="Rettangolo ad angolo ripiegato 95">
+            <a:extLst>
+              <a:ext uri="{FF2B5EF4-FFF2-40B4-BE49-F238E27FC236}">
+                <a16:creationId xmlns:a16="http://schemas.microsoft.com/office/drawing/2014/main" id="{D3309C15-1AA4-3880-9799-7E4857FC9A63}"/>
+              </a:ext>
+            </a:extLst>
+          </p:cNvPr>
+          <p:cNvSpPr/>
+          <p:nvPr/>
+        </p:nvSpPr>
+        <p:spPr>
+          <a:xfrm rot="10800000" flipH="1">
+            <a:off x="4451119" y="561005"/>
+            <a:ext cx="234838" cy="341131"/>
+          </a:xfrm>
+          <a:prstGeom prst="foldedCorner">
+            <a:avLst>
+              <a:gd name="adj" fmla="val 41257"/>
+            </a:avLst>
+          </a:prstGeom>
+          <a:solidFill>
+            <a:schemeClr val="bg1"/>
+          </a:solidFill>
+          <a:ln>
+            <a:solidFill>
+              <a:schemeClr val="tx1"/>
+            </a:solidFill>
+          </a:ln>
+        </p:spPr>
+        <p:style>
+          <a:lnRef idx="2">
+            <a:schemeClr val="accent1">
+              <a:shade val="15000"/>
+            </a:schemeClr>
+          </a:lnRef>
+          <a:fillRef idx="1">
+            <a:schemeClr val="accent1"/>
+          </a:fillRef>
+          <a:effectRef idx="0">
+            <a:schemeClr val="accent1"/>
+          </a:effectRef>
+          <a:fontRef idx="minor">
+            <a:schemeClr val="lt1"/>
+          </a:fontRef>
+        </p:style>
+        <p:txBody>
+          <a:bodyPr rtlCol="0" anchor="ctr"/>
+          <a:lstStyle/>
+          <a:p>
+            <a:pPr algn="ctr"/>
+            <a:endParaRPr lang="en-US"/>
+          </a:p>
+        </p:txBody>
+      </p:sp>
+      <p:sp>
+        <p:nvSpPr>
+          <p:cNvPr id="117" name="Rettangolo ad angolo ripiegato 116">
+            <a:extLst>
+              <a:ext uri="{FF2B5EF4-FFF2-40B4-BE49-F238E27FC236}">
+                <a16:creationId xmlns:a16="http://schemas.microsoft.com/office/drawing/2014/main" id="{17263335-BE11-A091-13DE-70B9482F0C5A}"/>
+              </a:ext>
+            </a:extLst>
+          </p:cNvPr>
+          <p:cNvSpPr/>
+          <p:nvPr/>
+        </p:nvSpPr>
+        <p:spPr>
+          <a:xfrm rot="10800000" flipH="1">
+            <a:off x="4804221" y="550344"/>
+            <a:ext cx="234838" cy="341131"/>
+          </a:xfrm>
+          <a:prstGeom prst="foldedCorner">
+            <a:avLst>
+              <a:gd name="adj" fmla="val 41257"/>
+            </a:avLst>
+          </a:prstGeom>
+          <a:solidFill>
+            <a:schemeClr val="bg1"/>
+          </a:solidFill>
+          <a:ln>
+            <a:solidFill>
+              <a:schemeClr val="tx1"/>
+            </a:solidFill>
+          </a:ln>
+        </p:spPr>
+        <p:style>
+          <a:lnRef idx="2">
+            <a:schemeClr val="accent1">
+              <a:shade val="15000"/>
+            </a:schemeClr>
+          </a:lnRef>
+          <a:fillRef idx="1">
+            <a:schemeClr val="accent1"/>
+          </a:fillRef>
+          <a:effectRef idx="0">
+            <a:schemeClr val="accent1"/>
+          </a:effectRef>
+          <a:fontRef idx="minor">
+            <a:schemeClr val="lt1"/>
+          </a:fontRef>
+        </p:style>
+        <p:txBody>
+          <a:bodyPr rtlCol="0" anchor="ctr"/>
+          <a:lstStyle/>
+          <a:p>
+            <a:pPr algn="ctr"/>
+            <a:endParaRPr lang="en-US"/>
+          </a:p>
+        </p:txBody>
+      </p:sp>
+      <p:sp>
+        <p:nvSpPr>
+          <p:cNvPr id="118" name="Rettangolo ad angolo ripiegato 117">
+            <a:extLst>
+              <a:ext uri="{FF2B5EF4-FFF2-40B4-BE49-F238E27FC236}">
+                <a16:creationId xmlns:a16="http://schemas.microsoft.com/office/drawing/2014/main" id="{3463F54A-3FFC-4861-C57B-7703474ACA23}"/>
+              </a:ext>
+            </a:extLst>
+          </p:cNvPr>
+          <p:cNvSpPr/>
+          <p:nvPr/>
+        </p:nvSpPr>
+        <p:spPr>
+          <a:xfrm rot="10800000" flipH="1">
+            <a:off x="5165649" y="561005"/>
+            <a:ext cx="234838" cy="341131"/>
+          </a:xfrm>
+          <a:prstGeom prst="foldedCorner">
+            <a:avLst>
+              <a:gd name="adj" fmla="val 41257"/>
+            </a:avLst>
+          </a:prstGeom>
+          <a:solidFill>
+            <a:schemeClr val="bg1"/>
+          </a:solidFill>
+          <a:ln>
+            <a:solidFill>
+              <a:schemeClr val="tx1"/>
+            </a:solidFill>
+          </a:ln>
+        </p:spPr>
+        <p:style>
+          <a:lnRef idx="2">
+            <a:schemeClr val="accent1">
+              <a:shade val="15000"/>
+            </a:schemeClr>
+          </a:lnRef>
+          <a:fillRef idx="1">
+            <a:schemeClr val="accent1"/>
+          </a:fillRef>
+          <a:effectRef idx="0">
+            <a:schemeClr val="accent1"/>
+          </a:effectRef>
+          <a:fontRef idx="minor">
+            <a:schemeClr val="lt1"/>
+          </a:fontRef>
+        </p:style>
+        <p:txBody>
+          <a:bodyPr rtlCol="0" anchor="ctr"/>
+          <a:lstStyle/>
+          <a:p>
+            <a:pPr algn="ctr"/>
+            <a:endParaRPr lang="en-US"/>
+          </a:p>
+        </p:txBody>
+      </p:sp>
+      <p:sp>
+        <p:nvSpPr>
+          <p:cNvPr id="119" name="Rettangolo ad angolo ripiegato 118">
+            <a:extLst>
+              <a:ext uri="{FF2B5EF4-FFF2-40B4-BE49-F238E27FC236}">
+                <a16:creationId xmlns:a16="http://schemas.microsoft.com/office/drawing/2014/main" id="{9C132CFB-E684-0A42-0859-F170BBCCAF5F}"/>
+              </a:ext>
+            </a:extLst>
+          </p:cNvPr>
+          <p:cNvSpPr/>
+          <p:nvPr/>
+        </p:nvSpPr>
+        <p:spPr>
+          <a:xfrm rot="10800000" flipH="1">
+            <a:off x="4455457" y="1768674"/>
+            <a:ext cx="234838" cy="341131"/>
+          </a:xfrm>
+          <a:prstGeom prst="foldedCorner">
+            <a:avLst>
+              <a:gd name="adj" fmla="val 41257"/>
+            </a:avLst>
+          </a:prstGeom>
+          <a:solidFill>
+            <a:schemeClr val="bg1"/>
+          </a:solidFill>
+          <a:ln>
+            <a:solidFill>
+              <a:schemeClr val="tx1"/>
+            </a:solidFill>
+          </a:ln>
+        </p:spPr>
+        <p:style>
+          <a:lnRef idx="2">
+            <a:schemeClr val="accent1">
+              <a:shade val="15000"/>
+            </a:schemeClr>
+          </a:lnRef>
+          <a:fillRef idx="1">
+            <a:schemeClr val="accent1"/>
+          </a:fillRef>
+          <a:effectRef idx="0">
+            <a:schemeClr val="accent1"/>
+          </a:effectRef>
+          <a:fontRef idx="minor">
+            <a:schemeClr val="lt1"/>
+          </a:fontRef>
+        </p:style>
+        <p:txBody>
+          <a:bodyPr rtlCol="0" anchor="ctr"/>
+          <a:lstStyle/>
+          <a:p>
+            <a:pPr algn="ctr"/>
+            <a:endParaRPr lang="en-US"/>
+          </a:p>
+        </p:txBody>
+      </p:sp>
+      <p:sp>
+        <p:nvSpPr>
+          <p:cNvPr id="120" name="Rettangolo ad angolo ripiegato 119">
+            <a:extLst>
+              <a:ext uri="{FF2B5EF4-FFF2-40B4-BE49-F238E27FC236}">
+                <a16:creationId xmlns:a16="http://schemas.microsoft.com/office/drawing/2014/main" id="{C2346032-E5B1-9527-A30B-8A8B3DF6B0C4}"/>
+              </a:ext>
+            </a:extLst>
+          </p:cNvPr>
+          <p:cNvSpPr/>
+          <p:nvPr/>
+        </p:nvSpPr>
+        <p:spPr>
+          <a:xfrm rot="10800000" flipH="1">
+            <a:off x="4808559" y="1758013"/>
+            <a:ext cx="234838" cy="341131"/>
+          </a:xfrm>
+          <a:prstGeom prst="foldedCorner">
+            <a:avLst>
+              <a:gd name="adj" fmla="val 41257"/>
+            </a:avLst>
+          </a:prstGeom>
+          <a:solidFill>
+            <a:schemeClr val="bg1"/>
+          </a:solidFill>
+          <a:ln>
+            <a:solidFill>
+              <a:schemeClr val="tx1"/>
+            </a:solidFill>
+          </a:ln>
+        </p:spPr>
+        <p:style>
+          <a:lnRef idx="2">
+            <a:schemeClr val="accent1">
+              <a:shade val="15000"/>
+            </a:schemeClr>
+          </a:lnRef>
+          <a:fillRef idx="1">
+            <a:schemeClr val="accent1"/>
+          </a:fillRef>
+          <a:effectRef idx="0">
+            <a:schemeClr val="accent1"/>
+          </a:effectRef>
+          <a:fontRef idx="minor">
+            <a:schemeClr val="lt1"/>
+          </a:fontRef>
+        </p:style>
+        <p:txBody>
+          <a:bodyPr rtlCol="0" anchor="ctr"/>
+          <a:lstStyle/>
+          <a:p>
+            <a:pPr algn="ctr"/>
+            <a:endParaRPr lang="en-US"/>
+          </a:p>
+        </p:txBody>
+      </p:sp>
+      <p:grpSp>
+        <p:nvGrpSpPr>
+          <p:cNvPr id="121" name="Gruppo 120">
+            <a:extLst>
+              <a:ext uri="{FF2B5EF4-FFF2-40B4-BE49-F238E27FC236}">
+                <a16:creationId xmlns:a16="http://schemas.microsoft.com/office/drawing/2014/main" id="{ADC73C61-77FE-17C4-3657-998648E3D473}"/>
+              </a:ext>
+            </a:extLst>
+          </p:cNvPr>
+          <p:cNvGrpSpPr/>
+          <p:nvPr/>
+        </p:nvGrpSpPr>
+        <p:grpSpPr>
+          <a:xfrm>
+            <a:off x="8387384" y="432029"/>
+            <a:ext cx="1934308" cy="1615720"/>
+            <a:chOff x="3130062" y="826477"/>
+            <a:chExt cx="1934308" cy="1615720"/>
+          </a:xfrm>
+        </p:grpSpPr>
+        <p:sp>
+          <p:nvSpPr>
+            <p:cNvPr id="122" name="Ovale 121">
+              <a:extLst>
+                <a:ext uri="{FF2B5EF4-FFF2-40B4-BE49-F238E27FC236}">
+                  <a16:creationId xmlns:a16="http://schemas.microsoft.com/office/drawing/2014/main" id="{03477DF9-67D9-4466-005B-80CD58FF062E}"/>
+                </a:ext>
+              </a:extLst>
+            </p:cNvPr>
+            <p:cNvSpPr/>
+            <p:nvPr/>
+          </p:nvSpPr>
+          <p:spPr>
+            <a:xfrm>
+              <a:off x="3130062" y="826477"/>
+              <a:ext cx="422030" cy="422031"/>
+            </a:xfrm>
+            <a:prstGeom prst="ellipse">
+              <a:avLst/>
+            </a:prstGeom>
+          </p:spPr>
+          <p:style>
+            <a:lnRef idx="2">
+              <a:schemeClr val="accent1">
+                <a:shade val="15000"/>
+              </a:schemeClr>
+            </a:lnRef>
+            <a:fillRef idx="1">
+              <a:schemeClr val="accent1"/>
+            </a:fillRef>
+            <a:effectRef idx="0">
+              <a:schemeClr val="accent1"/>
+            </a:effectRef>
+            <a:fontRef idx="minor">
+              <a:schemeClr val="lt1"/>
+            </a:fontRef>
+          </p:style>
+          <p:txBody>
+            <a:bodyPr rtlCol="0" anchor="ctr"/>
+            <a:lstStyle/>
+            <a:p>
+              <a:pPr algn="ctr"/>
+              <a:endParaRPr lang="en-US"/>
+            </a:p>
+          </p:txBody>
+        </p:sp>
+        <p:sp>
+          <p:nvSpPr>
+            <p:cNvPr id="123" name="Ovale 122">
+              <a:extLst>
+                <a:ext uri="{FF2B5EF4-FFF2-40B4-BE49-F238E27FC236}">
+                  <a16:creationId xmlns:a16="http://schemas.microsoft.com/office/drawing/2014/main" id="{E67F450E-B050-AA54-F1D1-4809D2F002AE}"/>
+                </a:ext>
+              </a:extLst>
+            </p:cNvPr>
+            <p:cNvSpPr/>
+            <p:nvPr/>
+          </p:nvSpPr>
+          <p:spPr>
+            <a:xfrm>
+              <a:off x="3130062" y="1416494"/>
+              <a:ext cx="422030" cy="422031"/>
+            </a:xfrm>
+            <a:prstGeom prst="ellipse">
+              <a:avLst/>
+            </a:prstGeom>
+          </p:spPr>
+          <p:style>
+            <a:lnRef idx="2">
+              <a:schemeClr val="accent1">
+                <a:shade val="15000"/>
+              </a:schemeClr>
+            </a:lnRef>
+            <a:fillRef idx="1">
+              <a:schemeClr val="accent1"/>
+            </a:fillRef>
+            <a:effectRef idx="0">
+              <a:schemeClr val="accent1"/>
+            </a:effectRef>
+            <a:fontRef idx="minor">
+              <a:schemeClr val="lt1"/>
+            </a:fontRef>
+          </p:style>
+          <p:txBody>
+            <a:bodyPr rtlCol="0" anchor="ctr"/>
+            <a:lstStyle/>
+            <a:p>
+              <a:pPr algn="ctr"/>
+              <a:endParaRPr lang="en-US"/>
+            </a:p>
+          </p:txBody>
+        </p:sp>
+        <p:sp>
+          <p:nvSpPr>
+            <p:cNvPr id="124" name="Ovale 123">
+              <a:extLst>
+                <a:ext uri="{FF2B5EF4-FFF2-40B4-BE49-F238E27FC236}">
+                  <a16:creationId xmlns:a16="http://schemas.microsoft.com/office/drawing/2014/main" id="{23F0254C-0FBA-1167-B750-A327EE456BA1}"/>
+                </a:ext>
+              </a:extLst>
+            </p:cNvPr>
+            <p:cNvSpPr/>
+            <p:nvPr/>
+          </p:nvSpPr>
+          <p:spPr>
+            <a:xfrm>
+              <a:off x="3130062" y="2020166"/>
+              <a:ext cx="422030" cy="422031"/>
+            </a:xfrm>
+            <a:prstGeom prst="ellipse">
+              <a:avLst/>
+            </a:prstGeom>
+          </p:spPr>
+          <p:style>
+            <a:lnRef idx="2">
+              <a:schemeClr val="accent1">
+                <a:shade val="15000"/>
+              </a:schemeClr>
+            </a:lnRef>
+            <a:fillRef idx="1">
+              <a:schemeClr val="accent1"/>
+            </a:fillRef>
+            <a:effectRef idx="0">
+              <a:schemeClr val="accent1"/>
+            </a:effectRef>
+            <a:fontRef idx="minor">
+              <a:schemeClr val="lt1"/>
+            </a:fontRef>
+          </p:style>
+          <p:txBody>
+            <a:bodyPr rtlCol="0" anchor="ctr"/>
+            <a:lstStyle/>
+            <a:p>
+              <a:pPr algn="ctr"/>
+              <a:endParaRPr lang="en-US"/>
+            </a:p>
+          </p:txBody>
+        </p:sp>
+        <p:sp>
+          <p:nvSpPr>
+            <p:cNvPr id="125" name="Ovale 124">
+              <a:extLst>
+                <a:ext uri="{FF2B5EF4-FFF2-40B4-BE49-F238E27FC236}">
+                  <a16:creationId xmlns:a16="http://schemas.microsoft.com/office/drawing/2014/main" id="{446B3989-F2B4-A19D-086C-59A872A6D429}"/>
+                </a:ext>
+              </a:extLst>
+            </p:cNvPr>
+            <p:cNvSpPr/>
+            <p:nvPr/>
+          </p:nvSpPr>
+          <p:spPr>
+            <a:xfrm>
+              <a:off x="3886201" y="826477"/>
+              <a:ext cx="422030" cy="422031"/>
+            </a:xfrm>
+            <a:prstGeom prst="ellipse">
+              <a:avLst/>
+            </a:prstGeom>
+          </p:spPr>
+          <p:style>
+            <a:lnRef idx="2">
+              <a:schemeClr val="accent1">
+                <a:shade val="15000"/>
+              </a:schemeClr>
+            </a:lnRef>
+            <a:fillRef idx="1">
+              <a:schemeClr val="accent1"/>
+            </a:fillRef>
+            <a:effectRef idx="0">
+              <a:schemeClr val="accent1"/>
+            </a:effectRef>
+            <a:fontRef idx="minor">
+              <a:schemeClr val="lt1"/>
+            </a:fontRef>
+          </p:style>
+          <p:txBody>
+            <a:bodyPr rtlCol="0" anchor="ctr"/>
+            <a:lstStyle/>
+            <a:p>
+              <a:pPr algn="ctr"/>
+              <a:endParaRPr lang="en-US"/>
+            </a:p>
+          </p:txBody>
+        </p:sp>
+        <p:sp>
+          <p:nvSpPr>
+            <p:cNvPr id="126" name="Ovale 125">
+              <a:extLst>
+                <a:ext uri="{FF2B5EF4-FFF2-40B4-BE49-F238E27FC236}">
+                  <a16:creationId xmlns:a16="http://schemas.microsoft.com/office/drawing/2014/main" id="{0E52290B-898E-5D3D-CE54-9A69026F777D}"/>
+                </a:ext>
+              </a:extLst>
+            </p:cNvPr>
+            <p:cNvSpPr/>
+            <p:nvPr/>
+          </p:nvSpPr>
+          <p:spPr>
+            <a:xfrm>
+              <a:off x="3886201" y="1416494"/>
+              <a:ext cx="422030" cy="422031"/>
+            </a:xfrm>
+            <a:prstGeom prst="ellipse">
+              <a:avLst/>
+            </a:prstGeom>
+          </p:spPr>
+          <p:style>
+            <a:lnRef idx="2">
+              <a:schemeClr val="accent1">
+                <a:shade val="15000"/>
+              </a:schemeClr>
+            </a:lnRef>
+            <a:fillRef idx="1">
+              <a:schemeClr val="accent1"/>
+            </a:fillRef>
+            <a:effectRef idx="0">
+              <a:schemeClr val="accent1"/>
+            </a:effectRef>
+            <a:fontRef idx="minor">
+              <a:schemeClr val="lt1"/>
+            </a:fontRef>
+          </p:style>
+          <p:txBody>
+            <a:bodyPr rtlCol="0" anchor="ctr"/>
+            <a:lstStyle/>
+            <a:p>
+              <a:pPr algn="ctr"/>
+              <a:endParaRPr lang="en-US"/>
+            </a:p>
+          </p:txBody>
+        </p:sp>
+        <p:sp>
+          <p:nvSpPr>
+            <p:cNvPr id="127" name="Ovale 126">
+              <a:extLst>
+                <a:ext uri="{FF2B5EF4-FFF2-40B4-BE49-F238E27FC236}">
+                  <a16:creationId xmlns:a16="http://schemas.microsoft.com/office/drawing/2014/main" id="{9A09FC3D-636D-7AFD-A6F0-3A4379658CB5}"/>
+                </a:ext>
+              </a:extLst>
+            </p:cNvPr>
+            <p:cNvSpPr/>
+            <p:nvPr/>
+          </p:nvSpPr>
+          <p:spPr>
+            <a:xfrm>
+              <a:off x="3886201" y="2020166"/>
+              <a:ext cx="422030" cy="422031"/>
+            </a:xfrm>
+            <a:prstGeom prst="ellipse">
+              <a:avLst/>
+            </a:prstGeom>
+          </p:spPr>
+          <p:style>
+            <a:lnRef idx="2">
+              <a:schemeClr val="accent1">
+                <a:shade val="15000"/>
+              </a:schemeClr>
+            </a:lnRef>
+            <a:fillRef idx="1">
+              <a:schemeClr val="accent1"/>
+            </a:fillRef>
+            <a:effectRef idx="0">
+              <a:schemeClr val="accent1"/>
+            </a:effectRef>
+            <a:fontRef idx="minor">
+              <a:schemeClr val="lt1"/>
+            </a:fontRef>
+          </p:style>
+          <p:txBody>
+            <a:bodyPr rtlCol="0" anchor="ctr"/>
+            <a:lstStyle/>
+            <a:p>
+              <a:pPr algn="ctr"/>
+              <a:endParaRPr lang="en-US"/>
+            </a:p>
+          </p:txBody>
+        </p:sp>
+        <p:sp>
+          <p:nvSpPr>
+            <p:cNvPr id="128" name="Ovale 127">
+              <a:extLst>
+                <a:ext uri="{FF2B5EF4-FFF2-40B4-BE49-F238E27FC236}">
+                  <a16:creationId xmlns:a16="http://schemas.microsoft.com/office/drawing/2014/main" id="{B0EDFB6D-4A68-8561-DECB-DDCC84F413DE}"/>
+                </a:ext>
+              </a:extLst>
+            </p:cNvPr>
+            <p:cNvSpPr/>
+            <p:nvPr/>
+          </p:nvSpPr>
+          <p:spPr>
+            <a:xfrm>
+              <a:off x="4642340" y="1416493"/>
+              <a:ext cx="422030" cy="422031"/>
+            </a:xfrm>
+            <a:prstGeom prst="ellipse">
+              <a:avLst/>
+            </a:prstGeom>
+          </p:spPr>
+          <p:style>
+            <a:lnRef idx="2">
+              <a:schemeClr val="accent1">
+                <a:shade val="15000"/>
+              </a:schemeClr>
+            </a:lnRef>
+            <a:fillRef idx="1">
+              <a:schemeClr val="accent1"/>
+            </a:fillRef>
+            <a:effectRef idx="0">
+              <a:schemeClr val="accent1"/>
+            </a:effectRef>
+            <a:fontRef idx="minor">
+              <a:schemeClr val="lt1"/>
+            </a:fontRef>
+          </p:style>
+          <p:txBody>
+            <a:bodyPr rtlCol="0" anchor="ctr"/>
+            <a:lstStyle/>
+            <a:p>
+              <a:pPr algn="ctr"/>
+              <a:endParaRPr lang="en-US"/>
+            </a:p>
+          </p:txBody>
+        </p:sp>
+        <p:cxnSp>
+          <p:nvCxnSpPr>
+            <p:cNvPr id="129" name="Connettore diritto 128">
+              <a:extLst>
+                <a:ext uri="{FF2B5EF4-FFF2-40B4-BE49-F238E27FC236}">
+                  <a16:creationId xmlns:a16="http://schemas.microsoft.com/office/drawing/2014/main" id="{7996B411-2890-30B9-9F0D-8E9B52C7D479}"/>
+                </a:ext>
+              </a:extLst>
+            </p:cNvPr>
+            <p:cNvCxnSpPr>
+              <a:stCxn id="122" idx="6"/>
+              <a:endCxn id="125" idx="2"/>
+            </p:cNvCxnSpPr>
+            <p:nvPr/>
+          </p:nvCxnSpPr>
+          <p:spPr>
+            <a:xfrm>
+              <a:off x="3552092" y="1037493"/>
+              <a:ext cx="334109" cy="0"/>
+            </a:xfrm>
+            <a:prstGeom prst="line">
+              <a:avLst/>
+            </a:prstGeom>
+            <a:ln w="38100">
+              <a:solidFill>
+                <a:schemeClr val="tx1"/>
+              </a:solidFill>
+            </a:ln>
+          </p:spPr>
+          <p:style>
+            <a:lnRef idx="1">
+              <a:schemeClr val="accent1"/>
+            </a:lnRef>
+            <a:fillRef idx="0">
+              <a:schemeClr val="accent1"/>
+            </a:fillRef>
+            <a:effectRef idx="0">
+              <a:schemeClr val="accent1"/>
+            </a:effectRef>
+            <a:fontRef idx="minor">
+              <a:schemeClr val="tx1"/>
+            </a:fontRef>
+          </p:style>
+        </p:cxnSp>
+        <p:cxnSp>
+          <p:nvCxnSpPr>
+            <p:cNvPr id="130" name="Connettore diritto 129">
+              <a:extLst>
+                <a:ext uri="{FF2B5EF4-FFF2-40B4-BE49-F238E27FC236}">
+                  <a16:creationId xmlns:a16="http://schemas.microsoft.com/office/drawing/2014/main" id="{5DF97158-01B1-D96D-AB9A-FFB48DE6159D}"/>
+                </a:ext>
+              </a:extLst>
+            </p:cNvPr>
+            <p:cNvCxnSpPr>
+              <a:cxnSpLocks/>
+              <a:stCxn id="123" idx="6"/>
+              <a:endCxn id="125" idx="2"/>
+            </p:cNvCxnSpPr>
+            <p:nvPr/>
+          </p:nvCxnSpPr>
+          <p:spPr>
+            <a:xfrm flipV="1">
+              <a:off x="3552092" y="1037493"/>
+              <a:ext cx="334109" cy="590017"/>
+            </a:xfrm>
+            <a:prstGeom prst="line">
+              <a:avLst/>
+            </a:prstGeom>
+            <a:ln w="38100">
+              <a:solidFill>
+                <a:schemeClr val="tx1"/>
+              </a:solidFill>
+            </a:ln>
+          </p:spPr>
+          <p:style>
+            <a:lnRef idx="1">
+              <a:schemeClr val="accent1"/>
+            </a:lnRef>
+            <a:fillRef idx="0">
+              <a:schemeClr val="accent1"/>
+            </a:fillRef>
+            <a:effectRef idx="0">
+              <a:schemeClr val="accent1"/>
+            </a:effectRef>
+            <a:fontRef idx="minor">
+              <a:schemeClr val="tx1"/>
+            </a:fontRef>
+          </p:style>
+        </p:cxnSp>
+        <p:cxnSp>
+          <p:nvCxnSpPr>
+            <p:cNvPr id="131" name="Connettore diritto 130">
+              <a:extLst>
+                <a:ext uri="{FF2B5EF4-FFF2-40B4-BE49-F238E27FC236}">
+                  <a16:creationId xmlns:a16="http://schemas.microsoft.com/office/drawing/2014/main" id="{81A164C5-AA3F-5A3E-E874-A43990394CE9}"/>
+                </a:ext>
+              </a:extLst>
+            </p:cNvPr>
+            <p:cNvCxnSpPr>
+              <a:cxnSpLocks/>
+              <a:stCxn id="122" idx="6"/>
+              <a:endCxn id="126" idx="2"/>
+            </p:cNvCxnSpPr>
+            <p:nvPr/>
+          </p:nvCxnSpPr>
+          <p:spPr>
+            <a:xfrm>
+              <a:off x="3552092" y="1037493"/>
+              <a:ext cx="334109" cy="590017"/>
+            </a:xfrm>
+            <a:prstGeom prst="line">
+              <a:avLst/>
+            </a:prstGeom>
+            <a:ln w="38100">
+              <a:solidFill>
+                <a:schemeClr val="tx1"/>
+              </a:solidFill>
+            </a:ln>
+          </p:spPr>
+          <p:style>
+            <a:lnRef idx="1">
+              <a:schemeClr val="accent1"/>
+            </a:lnRef>
+            <a:fillRef idx="0">
+              <a:schemeClr val="accent1"/>
+            </a:fillRef>
+            <a:effectRef idx="0">
+              <a:schemeClr val="accent1"/>
+            </a:effectRef>
+            <a:fontRef idx="minor">
+              <a:schemeClr val="tx1"/>
+            </a:fontRef>
+          </p:style>
+        </p:cxnSp>
+        <p:cxnSp>
+          <p:nvCxnSpPr>
+            <p:cNvPr id="132" name="Connettore diritto 131">
+              <a:extLst>
+                <a:ext uri="{FF2B5EF4-FFF2-40B4-BE49-F238E27FC236}">
+                  <a16:creationId xmlns:a16="http://schemas.microsoft.com/office/drawing/2014/main" id="{1B31397B-C266-F37B-BE8D-B51501521F85}"/>
+                </a:ext>
+              </a:extLst>
+            </p:cNvPr>
+            <p:cNvCxnSpPr>
+              <a:cxnSpLocks/>
+              <a:stCxn id="123" idx="6"/>
+              <a:endCxn id="126" idx="2"/>
+            </p:cNvCxnSpPr>
+            <p:nvPr/>
+          </p:nvCxnSpPr>
+          <p:spPr>
+            <a:xfrm>
+              <a:off x="3552092" y="1627510"/>
+              <a:ext cx="334109" cy="0"/>
+            </a:xfrm>
+            <a:prstGeom prst="line">
+              <a:avLst/>
+            </a:prstGeom>
+            <a:ln w="38100">
+              <a:solidFill>
+                <a:schemeClr val="tx1"/>
+              </a:solidFill>
+            </a:ln>
+          </p:spPr>
+          <p:style>
+            <a:lnRef idx="1">
+              <a:schemeClr val="accent1"/>
+            </a:lnRef>
+            <a:fillRef idx="0">
+              <a:schemeClr val="accent1"/>
+            </a:fillRef>
+            <a:effectRef idx="0">
+              <a:schemeClr val="accent1"/>
+            </a:effectRef>
+            <a:fontRef idx="minor">
+              <a:schemeClr val="tx1"/>
+            </a:fontRef>
+          </p:style>
+        </p:cxnSp>
+        <p:cxnSp>
+          <p:nvCxnSpPr>
+            <p:cNvPr id="133" name="Connettore diritto 132">
+              <a:extLst>
+                <a:ext uri="{FF2B5EF4-FFF2-40B4-BE49-F238E27FC236}">
+                  <a16:creationId xmlns:a16="http://schemas.microsoft.com/office/drawing/2014/main" id="{1E25FE85-E52C-ADCC-924C-77B05965DF06}"/>
+                </a:ext>
+              </a:extLst>
+            </p:cNvPr>
+            <p:cNvCxnSpPr>
+              <a:cxnSpLocks/>
+              <a:stCxn id="122" idx="6"/>
+              <a:endCxn id="127" idx="2"/>
+            </p:cNvCxnSpPr>
+            <p:nvPr/>
+          </p:nvCxnSpPr>
+          <p:spPr>
+            <a:xfrm>
+              <a:off x="3552092" y="1037493"/>
+              <a:ext cx="334109" cy="1193689"/>
+            </a:xfrm>
+            <a:prstGeom prst="line">
+              <a:avLst/>
+            </a:prstGeom>
+            <a:ln w="38100">
+              <a:solidFill>
+                <a:schemeClr val="tx1"/>
+              </a:solidFill>
+            </a:ln>
+          </p:spPr>
+          <p:style>
+            <a:lnRef idx="1">
+              <a:schemeClr val="accent1"/>
+            </a:lnRef>
+            <a:fillRef idx="0">
+              <a:schemeClr val="accent1"/>
+            </a:fillRef>
+            <a:effectRef idx="0">
+              <a:schemeClr val="accent1"/>
+            </a:effectRef>
+            <a:fontRef idx="minor">
+              <a:schemeClr val="tx1"/>
+            </a:fontRef>
+          </p:style>
+        </p:cxnSp>
+        <p:cxnSp>
+          <p:nvCxnSpPr>
+            <p:cNvPr id="134" name="Connettore diritto 133">
+              <a:extLst>
+                <a:ext uri="{FF2B5EF4-FFF2-40B4-BE49-F238E27FC236}">
+                  <a16:creationId xmlns:a16="http://schemas.microsoft.com/office/drawing/2014/main" id="{01FF6029-7B52-976A-9F70-35AC1438FD6F}"/>
+                </a:ext>
+              </a:extLst>
+            </p:cNvPr>
+            <p:cNvCxnSpPr>
+              <a:cxnSpLocks/>
+              <a:stCxn id="123" idx="6"/>
+              <a:endCxn id="127" idx="2"/>
+            </p:cNvCxnSpPr>
+            <p:nvPr/>
+          </p:nvCxnSpPr>
+          <p:spPr>
+            <a:xfrm>
+              <a:off x="3552092" y="1627510"/>
+              <a:ext cx="334109" cy="603672"/>
+            </a:xfrm>
+            <a:prstGeom prst="line">
+              <a:avLst/>
+            </a:prstGeom>
+            <a:ln w="38100">
+              <a:solidFill>
+                <a:schemeClr val="tx1"/>
+              </a:solidFill>
+            </a:ln>
+          </p:spPr>
+          <p:style>
+            <a:lnRef idx="1">
+              <a:schemeClr val="accent1"/>
+            </a:lnRef>
+            <a:fillRef idx="0">
+              <a:schemeClr val="accent1"/>
+            </a:fillRef>
+            <a:effectRef idx="0">
+              <a:schemeClr val="accent1"/>
+            </a:effectRef>
+            <a:fontRef idx="minor">
+              <a:schemeClr val="tx1"/>
+            </a:fontRef>
+          </p:style>
+        </p:cxnSp>
+        <p:cxnSp>
+          <p:nvCxnSpPr>
+            <p:cNvPr id="135" name="Connettore diritto 134">
+              <a:extLst>
+                <a:ext uri="{FF2B5EF4-FFF2-40B4-BE49-F238E27FC236}">
+                  <a16:creationId xmlns:a16="http://schemas.microsoft.com/office/drawing/2014/main" id="{774FFD06-D057-224D-5B6F-D0796EE051EC}"/>
+                </a:ext>
+              </a:extLst>
+            </p:cNvPr>
+            <p:cNvCxnSpPr>
+              <a:cxnSpLocks/>
+              <a:stCxn id="124" idx="6"/>
+              <a:endCxn id="125" idx="2"/>
+            </p:cNvCxnSpPr>
+            <p:nvPr/>
+          </p:nvCxnSpPr>
+          <p:spPr>
+            <a:xfrm flipV="1">
+              <a:off x="3552092" y="1037493"/>
+              <a:ext cx="334109" cy="1193689"/>
+            </a:xfrm>
+            <a:prstGeom prst="line">
+              <a:avLst/>
+            </a:prstGeom>
+            <a:ln w="38100">
+              <a:solidFill>
+                <a:schemeClr val="tx1"/>
+              </a:solidFill>
+            </a:ln>
+          </p:spPr>
+          <p:style>
+            <a:lnRef idx="1">
+              <a:schemeClr val="accent1"/>
+            </a:lnRef>
+            <a:fillRef idx="0">
+              <a:schemeClr val="accent1"/>
+            </a:fillRef>
+            <a:effectRef idx="0">
+              <a:schemeClr val="accent1"/>
+            </a:effectRef>
+            <a:fontRef idx="minor">
+              <a:schemeClr val="tx1"/>
+            </a:fontRef>
+          </p:style>
+        </p:cxnSp>
+        <p:cxnSp>
+          <p:nvCxnSpPr>
+            <p:cNvPr id="136" name="Connettore diritto 135">
+              <a:extLst>
+                <a:ext uri="{FF2B5EF4-FFF2-40B4-BE49-F238E27FC236}">
+                  <a16:creationId xmlns:a16="http://schemas.microsoft.com/office/drawing/2014/main" id="{F2554D15-A085-B827-773B-56D07E57C047}"/>
+                </a:ext>
+              </a:extLst>
+            </p:cNvPr>
+            <p:cNvCxnSpPr>
+              <a:cxnSpLocks/>
+              <a:stCxn id="124" idx="6"/>
+              <a:endCxn id="126" idx="2"/>
+            </p:cNvCxnSpPr>
+            <p:nvPr/>
+          </p:nvCxnSpPr>
+          <p:spPr>
+            <a:xfrm flipV="1">
+              <a:off x="3552092" y="1627510"/>
+              <a:ext cx="334109" cy="603672"/>
+            </a:xfrm>
+            <a:prstGeom prst="line">
+              <a:avLst/>
+            </a:prstGeom>
+            <a:ln w="38100">
+              <a:solidFill>
+                <a:schemeClr val="tx1"/>
+              </a:solidFill>
+            </a:ln>
+          </p:spPr>
+          <p:style>
+            <a:lnRef idx="1">
+              <a:schemeClr val="accent1"/>
+            </a:lnRef>
+            <a:fillRef idx="0">
+              <a:schemeClr val="accent1"/>
+            </a:fillRef>
+            <a:effectRef idx="0">
+              <a:schemeClr val="accent1"/>
+            </a:effectRef>
+            <a:fontRef idx="minor">
+              <a:schemeClr val="tx1"/>
+            </a:fontRef>
+          </p:style>
+        </p:cxnSp>
+        <p:cxnSp>
+          <p:nvCxnSpPr>
+            <p:cNvPr id="137" name="Connettore diritto 136">
+              <a:extLst>
+                <a:ext uri="{FF2B5EF4-FFF2-40B4-BE49-F238E27FC236}">
+                  <a16:creationId xmlns:a16="http://schemas.microsoft.com/office/drawing/2014/main" id="{55C335A9-D522-15B3-7ADB-2F6E1CD8ACC9}"/>
+                </a:ext>
+              </a:extLst>
+            </p:cNvPr>
+            <p:cNvCxnSpPr>
+              <a:cxnSpLocks/>
+              <a:stCxn id="124" idx="6"/>
+              <a:endCxn id="127" idx="2"/>
+            </p:cNvCxnSpPr>
+            <p:nvPr/>
+          </p:nvCxnSpPr>
+          <p:spPr>
+            <a:xfrm>
+              <a:off x="3552092" y="2231182"/>
+              <a:ext cx="334109" cy="0"/>
+            </a:xfrm>
+            <a:prstGeom prst="line">
+              <a:avLst/>
+            </a:prstGeom>
+            <a:ln w="38100">
+              <a:solidFill>
+                <a:schemeClr val="tx1"/>
+              </a:solidFill>
+            </a:ln>
+          </p:spPr>
+          <p:style>
+            <a:lnRef idx="1">
+              <a:schemeClr val="accent1"/>
+            </a:lnRef>
+            <a:fillRef idx="0">
+              <a:schemeClr val="accent1"/>
+            </a:fillRef>
+            <a:effectRef idx="0">
+              <a:schemeClr val="accent1"/>
+            </a:effectRef>
+            <a:fontRef idx="minor">
+              <a:schemeClr val="tx1"/>
+            </a:fontRef>
+          </p:style>
+        </p:cxnSp>
+        <p:cxnSp>
+          <p:nvCxnSpPr>
+            <p:cNvPr id="138" name="Connettore diritto 137">
+              <a:extLst>
+                <a:ext uri="{FF2B5EF4-FFF2-40B4-BE49-F238E27FC236}">
+                  <a16:creationId xmlns:a16="http://schemas.microsoft.com/office/drawing/2014/main" id="{17F2362F-A7CC-4948-D11D-07EA7E164612}"/>
+                </a:ext>
+              </a:extLst>
+            </p:cNvPr>
+            <p:cNvCxnSpPr>
+              <a:cxnSpLocks/>
+              <a:stCxn id="125" idx="6"/>
+              <a:endCxn id="128" idx="2"/>
+            </p:cNvCxnSpPr>
+            <p:nvPr/>
+          </p:nvCxnSpPr>
+          <p:spPr>
+            <a:xfrm>
+              <a:off x="4308231" y="1037493"/>
+              <a:ext cx="334109" cy="590016"/>
+            </a:xfrm>
+            <a:prstGeom prst="line">
+              <a:avLst/>
+            </a:prstGeom>
+            <a:ln w="38100">
+              <a:solidFill>
+                <a:schemeClr val="tx1"/>
+              </a:solidFill>
+            </a:ln>
+          </p:spPr>
+          <p:style>
+            <a:lnRef idx="1">
+              <a:schemeClr val="accent1"/>
+            </a:lnRef>
+            <a:fillRef idx="0">
+              <a:schemeClr val="accent1"/>
+            </a:fillRef>
+            <a:effectRef idx="0">
+              <a:schemeClr val="accent1"/>
+            </a:effectRef>
+            <a:fontRef idx="minor">
+              <a:schemeClr val="tx1"/>
+            </a:fontRef>
+          </p:style>
+        </p:cxnSp>
+        <p:cxnSp>
+          <p:nvCxnSpPr>
+            <p:cNvPr id="139" name="Connettore diritto 138">
+              <a:extLst>
+                <a:ext uri="{FF2B5EF4-FFF2-40B4-BE49-F238E27FC236}">
+                  <a16:creationId xmlns:a16="http://schemas.microsoft.com/office/drawing/2014/main" id="{F2B52078-E3CA-54DC-8506-4B30AC56EFE1}"/>
+                </a:ext>
+              </a:extLst>
+            </p:cNvPr>
+            <p:cNvCxnSpPr>
+              <a:cxnSpLocks/>
+              <a:stCxn id="126" idx="6"/>
+              <a:endCxn id="128" idx="2"/>
+            </p:cNvCxnSpPr>
+            <p:nvPr/>
+          </p:nvCxnSpPr>
+          <p:spPr>
+            <a:xfrm flipV="1">
+              <a:off x="4308231" y="1627509"/>
+              <a:ext cx="334109" cy="1"/>
+            </a:xfrm>
+            <a:prstGeom prst="line">
+              <a:avLst/>
+            </a:prstGeom>
+            <a:ln w="38100">
+              <a:solidFill>
+                <a:schemeClr val="tx1"/>
+              </a:solidFill>
+            </a:ln>
+          </p:spPr>
+          <p:style>
+            <a:lnRef idx="1">
+              <a:schemeClr val="accent1"/>
+            </a:lnRef>
+            <a:fillRef idx="0">
+              <a:schemeClr val="accent1"/>
+            </a:fillRef>
+            <a:effectRef idx="0">
+              <a:schemeClr val="accent1"/>
+            </a:effectRef>
+            <a:fontRef idx="minor">
+              <a:schemeClr val="tx1"/>
+            </a:fontRef>
+          </p:style>
+        </p:cxnSp>
+        <p:cxnSp>
+          <p:nvCxnSpPr>
+            <p:cNvPr id="140" name="Connettore diritto 139">
+              <a:extLst>
+                <a:ext uri="{FF2B5EF4-FFF2-40B4-BE49-F238E27FC236}">
+                  <a16:creationId xmlns:a16="http://schemas.microsoft.com/office/drawing/2014/main" id="{29FB347C-3CD3-5679-F63B-6D3B615FF2F1}"/>
+                </a:ext>
+              </a:extLst>
+            </p:cNvPr>
+            <p:cNvCxnSpPr>
+              <a:cxnSpLocks/>
+              <a:stCxn id="127" idx="6"/>
+              <a:endCxn id="128" idx="2"/>
+            </p:cNvCxnSpPr>
+            <p:nvPr/>
+          </p:nvCxnSpPr>
+          <p:spPr>
+            <a:xfrm flipV="1">
+              <a:off x="4308231" y="1627509"/>
+              <a:ext cx="334109" cy="603673"/>
+            </a:xfrm>
+            <a:prstGeom prst="line">
+              <a:avLst/>
+            </a:prstGeom>
+            <a:ln w="38100">
+              <a:solidFill>
+                <a:schemeClr val="tx1"/>
+              </a:solidFill>
+            </a:ln>
+          </p:spPr>
+          <p:style>
+            <a:lnRef idx="1">
+              <a:schemeClr val="accent1"/>
+            </a:lnRef>
+            <a:fillRef idx="0">
+              <a:schemeClr val="accent1"/>
+            </a:fillRef>
+            <a:effectRef idx="0">
+              <a:schemeClr val="accent1"/>
+            </a:effectRef>
+            <a:fontRef idx="minor">
+              <a:schemeClr val="tx1"/>
+            </a:fontRef>
+          </p:style>
+        </p:cxnSp>
+      </p:grpSp>
+      <p:sp>
+        <p:nvSpPr>
+          <p:cNvPr id="141" name="CasellaDiTesto 140">
+            <a:extLst>
+              <a:ext uri="{FF2B5EF4-FFF2-40B4-BE49-F238E27FC236}">
+                <a16:creationId xmlns:a16="http://schemas.microsoft.com/office/drawing/2014/main" id="{D85CFDFF-E546-8CAC-1AF1-5AA4689EE67D}"/>
+              </a:ext>
+            </a:extLst>
+          </p:cNvPr>
+          <p:cNvSpPr txBox="1"/>
+          <p:nvPr/>
+        </p:nvSpPr>
+        <p:spPr>
+          <a:xfrm>
+            <a:off x="8288389" y="2187655"/>
+            <a:ext cx="1769533" cy="369332"/>
+          </a:xfrm>
+          <a:prstGeom prst="rect">
+            <a:avLst/>
+          </a:prstGeom>
+          <a:noFill/>
+        </p:spPr>
+        <p:txBody>
+          <a:bodyPr wrap="square" rtlCol="0">
+            <a:spAutoFit/>
+          </a:bodyPr>
+          <a:lstStyle/>
+          <a:p>
+            <a:r>
+              <a:rPr lang="en-US" dirty="0"/>
+              <a:t>Neural Network</a:t>
+            </a:r>
+          </a:p>
+        </p:txBody>
+      </p:sp>
+      <p:grpSp>
+        <p:nvGrpSpPr>
+          <p:cNvPr id="142" name="Gruppo 141">
+            <a:extLst>
+              <a:ext uri="{FF2B5EF4-FFF2-40B4-BE49-F238E27FC236}">
+                <a16:creationId xmlns:a16="http://schemas.microsoft.com/office/drawing/2014/main" id="{5A39B307-82D0-BFD5-0944-60DC78CCDB4E}"/>
+              </a:ext>
+            </a:extLst>
+          </p:cNvPr>
+          <p:cNvGrpSpPr/>
+          <p:nvPr/>
+        </p:nvGrpSpPr>
+        <p:grpSpPr>
+          <a:xfrm>
+            <a:off x="6657630" y="444187"/>
+            <a:ext cx="693519" cy="1009107"/>
+            <a:chOff x="911291" y="1250302"/>
+            <a:chExt cx="1138334" cy="1810139"/>
+          </a:xfrm>
+        </p:grpSpPr>
+        <p:sp>
+          <p:nvSpPr>
+            <p:cNvPr id="143" name="Rettangolo ad angolo ripiegato 142">
+              <a:extLst>
+                <a:ext uri="{FF2B5EF4-FFF2-40B4-BE49-F238E27FC236}">
+                  <a16:creationId xmlns:a16="http://schemas.microsoft.com/office/drawing/2014/main" id="{6DD7224A-F532-A400-04BF-9EFF74F1653E}"/>
+                </a:ext>
+              </a:extLst>
+            </p:cNvPr>
+            <p:cNvSpPr/>
+            <p:nvPr/>
+          </p:nvSpPr>
+          <p:spPr>
+            <a:xfrm rot="10800000" flipH="1">
+              <a:off x="911291" y="1250302"/>
+              <a:ext cx="1138334" cy="1810139"/>
+            </a:xfrm>
+            <a:prstGeom prst="foldedCorner">
+              <a:avLst>
+                <a:gd name="adj" fmla="val 41257"/>
+              </a:avLst>
+            </a:prstGeom>
+            <a:solidFill>
+              <a:schemeClr val="bg1"/>
+            </a:solidFill>
+            <a:ln>
+              <a:solidFill>
+                <a:schemeClr val="tx1"/>
+              </a:solidFill>
+            </a:ln>
+          </p:spPr>
+          <p:style>
+            <a:lnRef idx="2">
+              <a:schemeClr val="accent1">
+                <a:shade val="15000"/>
+              </a:schemeClr>
+            </a:lnRef>
+            <a:fillRef idx="1">
+              <a:schemeClr val="accent1"/>
+            </a:fillRef>
+            <a:effectRef idx="0">
+              <a:schemeClr val="accent1"/>
+            </a:effectRef>
+            <a:fontRef idx="minor">
+              <a:schemeClr val="lt1"/>
+            </a:fontRef>
+          </p:style>
+          <p:txBody>
+            <a:bodyPr rtlCol="0" anchor="ctr"/>
+            <a:lstStyle/>
+            <a:p>
+              <a:pPr algn="ctr"/>
+              <a:endParaRPr lang="en-US"/>
+            </a:p>
+          </p:txBody>
+        </p:sp>
+        <p:cxnSp>
+          <p:nvCxnSpPr>
+            <p:cNvPr id="144" name="Connettore diritto 143">
+              <a:extLst>
+                <a:ext uri="{FF2B5EF4-FFF2-40B4-BE49-F238E27FC236}">
+                  <a16:creationId xmlns:a16="http://schemas.microsoft.com/office/drawing/2014/main" id="{1397E561-71A7-401E-F213-496B0A741D63}"/>
+                </a:ext>
+              </a:extLst>
+            </p:cNvPr>
+            <p:cNvCxnSpPr/>
+            <p:nvPr/>
+          </p:nvCxnSpPr>
+          <p:spPr>
+            <a:xfrm>
+              <a:off x="1028700" y="1480458"/>
+              <a:ext cx="544286" cy="0"/>
+            </a:xfrm>
+            <a:prstGeom prst="line">
+              <a:avLst/>
+            </a:prstGeom>
+            <a:ln w="38100">
+              <a:solidFill>
+                <a:schemeClr val="tx1"/>
+              </a:solidFill>
+            </a:ln>
+          </p:spPr>
+          <p:style>
+            <a:lnRef idx="1">
+              <a:schemeClr val="accent1"/>
+            </a:lnRef>
+            <a:fillRef idx="0">
+              <a:schemeClr val="accent1"/>
+            </a:fillRef>
+            <a:effectRef idx="0">
+              <a:schemeClr val="accent1"/>
+            </a:effectRef>
+            <a:fontRef idx="minor">
+              <a:schemeClr val="tx1"/>
+            </a:fontRef>
+          </p:style>
+        </p:cxnSp>
+        <p:cxnSp>
+          <p:nvCxnSpPr>
+            <p:cNvPr id="145" name="Connettore diritto 144">
+              <a:extLst>
+                <a:ext uri="{FF2B5EF4-FFF2-40B4-BE49-F238E27FC236}">
+                  <a16:creationId xmlns:a16="http://schemas.microsoft.com/office/drawing/2014/main" id="{2F683EAA-C820-AD52-C3FE-E46F0C8656C7}"/>
+                </a:ext>
+              </a:extLst>
+            </p:cNvPr>
+            <p:cNvCxnSpPr/>
+            <p:nvPr/>
+          </p:nvCxnSpPr>
+          <p:spPr>
+            <a:xfrm>
+              <a:off x="1028700" y="1649186"/>
+              <a:ext cx="544286" cy="0"/>
+            </a:xfrm>
+            <a:prstGeom prst="line">
+              <a:avLst/>
+            </a:prstGeom>
+            <a:ln w="38100">
+              <a:solidFill>
+                <a:schemeClr val="tx1"/>
+              </a:solidFill>
+            </a:ln>
+          </p:spPr>
+          <p:style>
+            <a:lnRef idx="1">
+              <a:schemeClr val="accent1"/>
+            </a:lnRef>
+            <a:fillRef idx="0">
+              <a:schemeClr val="accent1"/>
+            </a:fillRef>
+            <a:effectRef idx="0">
+              <a:schemeClr val="accent1"/>
+            </a:effectRef>
+            <a:fontRef idx="minor">
+              <a:schemeClr val="tx1"/>
+            </a:fontRef>
+          </p:style>
+        </p:cxnSp>
+        <p:cxnSp>
+          <p:nvCxnSpPr>
+            <p:cNvPr id="146" name="Connettore diritto 145">
+              <a:extLst>
+                <a:ext uri="{FF2B5EF4-FFF2-40B4-BE49-F238E27FC236}">
+                  <a16:creationId xmlns:a16="http://schemas.microsoft.com/office/drawing/2014/main" id="{A0941A40-4E0F-92FA-A6D3-33B0D05A678B}"/>
+                </a:ext>
+              </a:extLst>
+            </p:cNvPr>
+            <p:cNvCxnSpPr>
+              <a:cxnSpLocks/>
+            </p:cNvCxnSpPr>
+            <p:nvPr/>
+          </p:nvCxnSpPr>
+          <p:spPr>
+            <a:xfrm>
+              <a:off x="1028700" y="1856015"/>
+              <a:ext cx="892629" cy="0"/>
+            </a:xfrm>
+            <a:prstGeom prst="line">
+              <a:avLst/>
+            </a:prstGeom>
+            <a:ln w="38100">
+              <a:solidFill>
+                <a:schemeClr val="tx1"/>
+              </a:solidFill>
+            </a:ln>
+          </p:spPr>
+          <p:style>
+            <a:lnRef idx="1">
+              <a:schemeClr val="accent1"/>
+            </a:lnRef>
+            <a:fillRef idx="0">
+              <a:schemeClr val="accent1"/>
+            </a:fillRef>
+            <a:effectRef idx="0">
+              <a:schemeClr val="accent1"/>
+            </a:effectRef>
+            <a:fontRef idx="minor">
+              <a:schemeClr val="tx1"/>
+            </a:fontRef>
+          </p:style>
+        </p:cxnSp>
+        <p:cxnSp>
+          <p:nvCxnSpPr>
+            <p:cNvPr id="147" name="Connettore diritto 146">
+              <a:extLst>
+                <a:ext uri="{FF2B5EF4-FFF2-40B4-BE49-F238E27FC236}">
+                  <a16:creationId xmlns:a16="http://schemas.microsoft.com/office/drawing/2014/main" id="{23A0F12A-BD44-0AA0-E29E-9E0A20C1C66B}"/>
+                </a:ext>
+              </a:extLst>
+            </p:cNvPr>
+            <p:cNvCxnSpPr>
+              <a:cxnSpLocks/>
+            </p:cNvCxnSpPr>
+            <p:nvPr/>
+          </p:nvCxnSpPr>
+          <p:spPr>
+            <a:xfrm>
+              <a:off x="1028700" y="2024743"/>
+              <a:ext cx="892629" cy="0"/>
+            </a:xfrm>
+            <a:prstGeom prst="line">
+              <a:avLst/>
+            </a:prstGeom>
+            <a:ln w="38100">
+              <a:solidFill>
+                <a:schemeClr val="tx1"/>
+              </a:solidFill>
+            </a:ln>
+          </p:spPr>
+          <p:style>
+            <a:lnRef idx="1">
+              <a:schemeClr val="accent1"/>
+            </a:lnRef>
+            <a:fillRef idx="0">
+              <a:schemeClr val="accent1"/>
+            </a:fillRef>
+            <a:effectRef idx="0">
+              <a:schemeClr val="accent1"/>
+            </a:effectRef>
+            <a:fontRef idx="minor">
+              <a:schemeClr val="tx1"/>
+            </a:fontRef>
+          </p:style>
+        </p:cxnSp>
+        <p:cxnSp>
+          <p:nvCxnSpPr>
+            <p:cNvPr id="148" name="Connettore diritto 147">
+              <a:extLst>
+                <a:ext uri="{FF2B5EF4-FFF2-40B4-BE49-F238E27FC236}">
+                  <a16:creationId xmlns:a16="http://schemas.microsoft.com/office/drawing/2014/main" id="{4F325ECD-DDC8-7DA2-01E1-7973E9503AEC}"/>
+                </a:ext>
+              </a:extLst>
+            </p:cNvPr>
+            <p:cNvCxnSpPr>
+              <a:cxnSpLocks/>
+            </p:cNvCxnSpPr>
+            <p:nvPr/>
+          </p:nvCxnSpPr>
+          <p:spPr>
+            <a:xfrm>
+              <a:off x="1028700" y="2198915"/>
+              <a:ext cx="892629" cy="0"/>
+            </a:xfrm>
+            <a:prstGeom prst="line">
+              <a:avLst/>
+            </a:prstGeom>
+            <a:ln w="38100">
+              <a:solidFill>
+                <a:schemeClr val="tx1"/>
+              </a:solidFill>
+            </a:ln>
+          </p:spPr>
+          <p:style>
+            <a:lnRef idx="1">
+              <a:schemeClr val="accent1"/>
+            </a:lnRef>
+            <a:fillRef idx="0">
+              <a:schemeClr val="accent1"/>
+            </a:fillRef>
+            <a:effectRef idx="0">
+              <a:schemeClr val="accent1"/>
+            </a:effectRef>
+            <a:fontRef idx="minor">
+              <a:schemeClr val="tx1"/>
+            </a:fontRef>
+          </p:style>
+        </p:cxnSp>
+        <p:cxnSp>
+          <p:nvCxnSpPr>
+            <p:cNvPr id="149" name="Connettore diritto 148">
+              <a:extLst>
+                <a:ext uri="{FF2B5EF4-FFF2-40B4-BE49-F238E27FC236}">
+                  <a16:creationId xmlns:a16="http://schemas.microsoft.com/office/drawing/2014/main" id="{4B6E8E66-8C30-9BE9-5CD1-A585CAAD1A47}"/>
+                </a:ext>
+              </a:extLst>
+            </p:cNvPr>
+            <p:cNvCxnSpPr>
+              <a:cxnSpLocks/>
+            </p:cNvCxnSpPr>
+            <p:nvPr/>
+          </p:nvCxnSpPr>
+          <p:spPr>
+            <a:xfrm>
+              <a:off x="1028700" y="2367643"/>
+              <a:ext cx="892629" cy="0"/>
+            </a:xfrm>
+            <a:prstGeom prst="line">
+              <a:avLst/>
+            </a:prstGeom>
+            <a:ln w="38100">
+              <a:solidFill>
+                <a:schemeClr val="tx1"/>
+              </a:solidFill>
+            </a:ln>
+          </p:spPr>
+          <p:style>
+            <a:lnRef idx="1">
+              <a:schemeClr val="accent1"/>
+            </a:lnRef>
+            <a:fillRef idx="0">
+              <a:schemeClr val="accent1"/>
+            </a:fillRef>
+            <a:effectRef idx="0">
+              <a:schemeClr val="accent1"/>
+            </a:effectRef>
+            <a:fontRef idx="minor">
+              <a:schemeClr val="tx1"/>
+            </a:fontRef>
+          </p:style>
+        </p:cxnSp>
+        <p:cxnSp>
+          <p:nvCxnSpPr>
+            <p:cNvPr id="150" name="Connettore diritto 149">
+              <a:extLst>
+                <a:ext uri="{FF2B5EF4-FFF2-40B4-BE49-F238E27FC236}">
+                  <a16:creationId xmlns:a16="http://schemas.microsoft.com/office/drawing/2014/main" id="{BE85D475-B6BD-35A6-EFE4-EE51AB74F797}"/>
+                </a:ext>
+              </a:extLst>
+            </p:cNvPr>
+            <p:cNvCxnSpPr>
+              <a:cxnSpLocks/>
+            </p:cNvCxnSpPr>
+            <p:nvPr/>
+          </p:nvCxnSpPr>
+          <p:spPr>
+            <a:xfrm>
+              <a:off x="1028699" y="2503715"/>
+              <a:ext cx="892629" cy="0"/>
+            </a:xfrm>
+            <a:prstGeom prst="line">
+              <a:avLst/>
+            </a:prstGeom>
+            <a:ln w="38100">
+              <a:solidFill>
+                <a:schemeClr val="tx1"/>
+              </a:solidFill>
+            </a:ln>
+          </p:spPr>
+          <p:style>
+            <a:lnRef idx="1">
+              <a:schemeClr val="accent1"/>
+            </a:lnRef>
+            <a:fillRef idx="0">
+              <a:schemeClr val="accent1"/>
+            </a:fillRef>
+            <a:effectRef idx="0">
+              <a:schemeClr val="accent1"/>
+            </a:effectRef>
+            <a:fontRef idx="minor">
+              <a:schemeClr val="tx1"/>
+            </a:fontRef>
+          </p:style>
+        </p:cxnSp>
+        <p:cxnSp>
+          <p:nvCxnSpPr>
+            <p:cNvPr id="151" name="Connettore diritto 150">
+              <a:extLst>
+                <a:ext uri="{FF2B5EF4-FFF2-40B4-BE49-F238E27FC236}">
+                  <a16:creationId xmlns:a16="http://schemas.microsoft.com/office/drawing/2014/main" id="{6490DC50-CDCE-BA33-25C8-C9E201AD867D}"/>
+                </a:ext>
+              </a:extLst>
+            </p:cNvPr>
+            <p:cNvCxnSpPr>
+              <a:cxnSpLocks/>
+            </p:cNvCxnSpPr>
+            <p:nvPr/>
+          </p:nvCxnSpPr>
+          <p:spPr>
+            <a:xfrm>
+              <a:off x="1028699" y="2672443"/>
+              <a:ext cx="495301" cy="0"/>
+            </a:xfrm>
+            <a:prstGeom prst="line">
+              <a:avLst/>
+            </a:prstGeom>
+            <a:ln w="38100">
+              <a:solidFill>
+                <a:schemeClr val="tx1"/>
+              </a:solidFill>
+            </a:ln>
+          </p:spPr>
+          <p:style>
+            <a:lnRef idx="1">
+              <a:schemeClr val="accent1"/>
+            </a:lnRef>
+            <a:fillRef idx="0">
+              <a:schemeClr val="accent1"/>
+            </a:fillRef>
+            <a:effectRef idx="0">
+              <a:schemeClr val="accent1"/>
+            </a:effectRef>
+            <a:fontRef idx="minor">
+              <a:schemeClr val="tx1"/>
+            </a:fontRef>
+          </p:style>
+        </p:cxnSp>
+      </p:grpSp>
+      <p:grpSp>
+        <p:nvGrpSpPr>
+          <p:cNvPr id="152" name="Gruppo 151">
+            <a:extLst>
+              <a:ext uri="{FF2B5EF4-FFF2-40B4-BE49-F238E27FC236}">
+                <a16:creationId xmlns:a16="http://schemas.microsoft.com/office/drawing/2014/main" id="{D66A6AE2-9CC7-5C72-0E96-008D0DED0B4C}"/>
+              </a:ext>
+            </a:extLst>
+          </p:cNvPr>
+          <p:cNvGrpSpPr/>
+          <p:nvPr/>
+        </p:nvGrpSpPr>
+        <p:grpSpPr>
+          <a:xfrm>
+            <a:off x="6882426" y="891475"/>
+            <a:ext cx="693519" cy="1009107"/>
+            <a:chOff x="911291" y="1250302"/>
+            <a:chExt cx="1138334" cy="1810139"/>
+          </a:xfrm>
+        </p:grpSpPr>
+        <p:sp>
+          <p:nvSpPr>
+            <p:cNvPr id="153" name="Rettangolo ad angolo ripiegato 152">
+              <a:extLst>
+                <a:ext uri="{FF2B5EF4-FFF2-40B4-BE49-F238E27FC236}">
+                  <a16:creationId xmlns:a16="http://schemas.microsoft.com/office/drawing/2014/main" id="{5E9A582A-8AD9-1EF4-C1AC-D23B288244E9}"/>
+                </a:ext>
+              </a:extLst>
+            </p:cNvPr>
+            <p:cNvSpPr/>
+            <p:nvPr/>
+          </p:nvSpPr>
+          <p:spPr>
+            <a:xfrm rot="10800000" flipH="1">
+              <a:off x="911291" y="1250302"/>
+              <a:ext cx="1138334" cy="1810139"/>
+            </a:xfrm>
+            <a:prstGeom prst="foldedCorner">
+              <a:avLst>
+                <a:gd name="adj" fmla="val 41257"/>
+              </a:avLst>
+            </a:prstGeom>
+            <a:solidFill>
+              <a:schemeClr val="bg1"/>
+            </a:solidFill>
+            <a:ln>
+              <a:solidFill>
+                <a:schemeClr val="tx1"/>
+              </a:solidFill>
+            </a:ln>
+          </p:spPr>
+          <p:style>
+            <a:lnRef idx="2">
+              <a:schemeClr val="accent1">
+                <a:shade val="15000"/>
+              </a:schemeClr>
+            </a:lnRef>
+            <a:fillRef idx="1">
+              <a:schemeClr val="accent1"/>
+            </a:fillRef>
+            <a:effectRef idx="0">
+              <a:schemeClr val="accent1"/>
+            </a:effectRef>
+            <a:fontRef idx="minor">
+              <a:schemeClr val="lt1"/>
+            </a:fontRef>
+          </p:style>
+          <p:txBody>
+            <a:bodyPr rtlCol="0" anchor="ctr"/>
+            <a:lstStyle/>
+            <a:p>
+              <a:pPr algn="ctr"/>
+              <a:endParaRPr lang="en-US"/>
+            </a:p>
+          </p:txBody>
+        </p:sp>
+        <p:cxnSp>
+          <p:nvCxnSpPr>
+            <p:cNvPr id="154" name="Connettore diritto 153">
+              <a:extLst>
+                <a:ext uri="{FF2B5EF4-FFF2-40B4-BE49-F238E27FC236}">
+                  <a16:creationId xmlns:a16="http://schemas.microsoft.com/office/drawing/2014/main" id="{A1B89080-A6BC-CF13-E1BB-D8A5139D08AA}"/>
+                </a:ext>
+              </a:extLst>
+            </p:cNvPr>
+            <p:cNvCxnSpPr/>
+            <p:nvPr/>
+          </p:nvCxnSpPr>
+          <p:spPr>
+            <a:xfrm>
+              <a:off x="1028700" y="1480458"/>
+              <a:ext cx="544286" cy="0"/>
+            </a:xfrm>
+            <a:prstGeom prst="line">
+              <a:avLst/>
+            </a:prstGeom>
+            <a:ln w="38100">
+              <a:solidFill>
+                <a:schemeClr val="tx1"/>
+              </a:solidFill>
+            </a:ln>
+          </p:spPr>
+          <p:style>
+            <a:lnRef idx="1">
+              <a:schemeClr val="accent1"/>
+            </a:lnRef>
+            <a:fillRef idx="0">
+              <a:schemeClr val="accent1"/>
+            </a:fillRef>
+            <a:effectRef idx="0">
+              <a:schemeClr val="accent1"/>
+            </a:effectRef>
+            <a:fontRef idx="minor">
+              <a:schemeClr val="tx1"/>
+            </a:fontRef>
+          </p:style>
+        </p:cxnSp>
+        <p:cxnSp>
+          <p:nvCxnSpPr>
+            <p:cNvPr id="155" name="Connettore diritto 154">
+              <a:extLst>
+                <a:ext uri="{FF2B5EF4-FFF2-40B4-BE49-F238E27FC236}">
+                  <a16:creationId xmlns:a16="http://schemas.microsoft.com/office/drawing/2014/main" id="{25CBD82F-1E4A-118A-7265-6D8A7C45CCF9}"/>
+                </a:ext>
+              </a:extLst>
+            </p:cNvPr>
+            <p:cNvCxnSpPr/>
+            <p:nvPr/>
+          </p:nvCxnSpPr>
+          <p:spPr>
+            <a:xfrm>
+              <a:off x="1028700" y="1649186"/>
+              <a:ext cx="544286" cy="0"/>
+            </a:xfrm>
+            <a:prstGeom prst="line">
+              <a:avLst/>
+            </a:prstGeom>
+            <a:ln w="38100">
+              <a:solidFill>
+                <a:schemeClr val="tx1"/>
+              </a:solidFill>
+            </a:ln>
+          </p:spPr>
+          <p:style>
+            <a:lnRef idx="1">
+              <a:schemeClr val="accent1"/>
+            </a:lnRef>
+            <a:fillRef idx="0">
+              <a:schemeClr val="accent1"/>
+            </a:fillRef>
+            <a:effectRef idx="0">
+              <a:schemeClr val="accent1"/>
+            </a:effectRef>
+            <a:fontRef idx="minor">
+              <a:schemeClr val="tx1"/>
+            </a:fontRef>
+          </p:style>
+        </p:cxnSp>
+        <p:cxnSp>
+          <p:nvCxnSpPr>
+            <p:cNvPr id="156" name="Connettore diritto 155">
+              <a:extLst>
+                <a:ext uri="{FF2B5EF4-FFF2-40B4-BE49-F238E27FC236}">
+                  <a16:creationId xmlns:a16="http://schemas.microsoft.com/office/drawing/2014/main" id="{305D21B9-FC11-8546-837F-9102CCACD156}"/>
+                </a:ext>
+              </a:extLst>
+            </p:cNvPr>
+            <p:cNvCxnSpPr>
+              <a:cxnSpLocks/>
+            </p:cNvCxnSpPr>
+            <p:nvPr/>
+          </p:nvCxnSpPr>
+          <p:spPr>
+            <a:xfrm>
+              <a:off x="1028700" y="1856015"/>
+              <a:ext cx="892629" cy="0"/>
+            </a:xfrm>
+            <a:prstGeom prst="line">
+              <a:avLst/>
+            </a:prstGeom>
+            <a:ln w="38100">
+              <a:solidFill>
+                <a:schemeClr val="tx1"/>
+              </a:solidFill>
+            </a:ln>
+          </p:spPr>
+          <p:style>
+            <a:lnRef idx="1">
+              <a:schemeClr val="accent1"/>
+            </a:lnRef>
+            <a:fillRef idx="0">
+              <a:schemeClr val="accent1"/>
+            </a:fillRef>
+            <a:effectRef idx="0">
+              <a:schemeClr val="accent1"/>
+            </a:effectRef>
+            <a:fontRef idx="minor">
+              <a:schemeClr val="tx1"/>
+            </a:fontRef>
+          </p:style>
+        </p:cxnSp>
+        <p:cxnSp>
+          <p:nvCxnSpPr>
+            <p:cNvPr id="157" name="Connettore diritto 156">
+              <a:extLst>
+                <a:ext uri="{FF2B5EF4-FFF2-40B4-BE49-F238E27FC236}">
+                  <a16:creationId xmlns:a16="http://schemas.microsoft.com/office/drawing/2014/main" id="{B1C55745-FC9A-2B3F-C439-37119E7A072D}"/>
+                </a:ext>
+              </a:extLst>
+            </p:cNvPr>
+            <p:cNvCxnSpPr>
+              <a:cxnSpLocks/>
+            </p:cNvCxnSpPr>
+            <p:nvPr/>
+          </p:nvCxnSpPr>
+          <p:spPr>
+            <a:xfrm>
+              <a:off x="1028700" y="2024743"/>
+              <a:ext cx="892629" cy="0"/>
+            </a:xfrm>
+            <a:prstGeom prst="line">
+              <a:avLst/>
+            </a:prstGeom>
+            <a:ln w="38100">
+              <a:solidFill>
+                <a:schemeClr val="tx1"/>
+              </a:solidFill>
+            </a:ln>
+          </p:spPr>
+          <p:style>
+            <a:lnRef idx="1">
+              <a:schemeClr val="accent1"/>
+            </a:lnRef>
+            <a:fillRef idx="0">
+              <a:schemeClr val="accent1"/>
+            </a:fillRef>
+            <a:effectRef idx="0">
+              <a:schemeClr val="accent1"/>
+            </a:effectRef>
+            <a:fontRef idx="minor">
+              <a:schemeClr val="tx1"/>
+            </a:fontRef>
+          </p:style>
+        </p:cxnSp>
+        <p:cxnSp>
+          <p:nvCxnSpPr>
+            <p:cNvPr id="158" name="Connettore diritto 157">
+              <a:extLst>
+                <a:ext uri="{FF2B5EF4-FFF2-40B4-BE49-F238E27FC236}">
+                  <a16:creationId xmlns:a16="http://schemas.microsoft.com/office/drawing/2014/main" id="{51F81419-51CA-CE2C-6523-630988481926}"/>
+                </a:ext>
+              </a:extLst>
+            </p:cNvPr>
+            <p:cNvCxnSpPr>
+              <a:cxnSpLocks/>
+            </p:cNvCxnSpPr>
+            <p:nvPr/>
+          </p:nvCxnSpPr>
+          <p:spPr>
+            <a:xfrm>
+              <a:off x="1028700" y="2198915"/>
+              <a:ext cx="892629" cy="0"/>
+            </a:xfrm>
+            <a:prstGeom prst="line">
+              <a:avLst/>
+            </a:prstGeom>
+            <a:ln w="38100">
+              <a:solidFill>
+                <a:schemeClr val="tx1"/>
+              </a:solidFill>
+            </a:ln>
+          </p:spPr>
+          <p:style>
+            <a:lnRef idx="1">
+              <a:schemeClr val="accent1"/>
+            </a:lnRef>
+            <a:fillRef idx="0">
+              <a:schemeClr val="accent1"/>
+            </a:fillRef>
+            <a:effectRef idx="0">
+              <a:schemeClr val="accent1"/>
+            </a:effectRef>
+            <a:fontRef idx="minor">
+              <a:schemeClr val="tx1"/>
+            </a:fontRef>
+          </p:style>
+        </p:cxnSp>
+        <p:cxnSp>
+          <p:nvCxnSpPr>
+            <p:cNvPr id="159" name="Connettore diritto 158">
+              <a:extLst>
+                <a:ext uri="{FF2B5EF4-FFF2-40B4-BE49-F238E27FC236}">
+                  <a16:creationId xmlns:a16="http://schemas.microsoft.com/office/drawing/2014/main" id="{11685C13-4227-689C-0AA9-5175CBD45675}"/>
+                </a:ext>
+              </a:extLst>
+            </p:cNvPr>
+            <p:cNvCxnSpPr>
+              <a:cxnSpLocks/>
+            </p:cNvCxnSpPr>
+            <p:nvPr/>
+          </p:nvCxnSpPr>
+          <p:spPr>
+            <a:xfrm>
+              <a:off x="1028700" y="2367643"/>
+              <a:ext cx="892629" cy="0"/>
+            </a:xfrm>
+            <a:prstGeom prst="line">
+              <a:avLst/>
+            </a:prstGeom>
+            <a:ln w="38100">
+              <a:solidFill>
+                <a:schemeClr val="tx1"/>
+              </a:solidFill>
+            </a:ln>
+          </p:spPr>
+          <p:style>
+            <a:lnRef idx="1">
+              <a:schemeClr val="accent1"/>
+            </a:lnRef>
+            <a:fillRef idx="0">
+              <a:schemeClr val="accent1"/>
+            </a:fillRef>
+            <a:effectRef idx="0">
+              <a:schemeClr val="accent1"/>
+            </a:effectRef>
+            <a:fontRef idx="minor">
+              <a:schemeClr val="tx1"/>
+            </a:fontRef>
+          </p:style>
+        </p:cxnSp>
+        <p:cxnSp>
+          <p:nvCxnSpPr>
+            <p:cNvPr id="160" name="Connettore diritto 159">
+              <a:extLst>
+                <a:ext uri="{FF2B5EF4-FFF2-40B4-BE49-F238E27FC236}">
+                  <a16:creationId xmlns:a16="http://schemas.microsoft.com/office/drawing/2014/main" id="{8B07B40F-AA9C-8E56-AB22-02CB0E4ACC9E}"/>
+                </a:ext>
+              </a:extLst>
+            </p:cNvPr>
+            <p:cNvCxnSpPr>
+              <a:cxnSpLocks/>
+            </p:cNvCxnSpPr>
+            <p:nvPr/>
+          </p:nvCxnSpPr>
+          <p:spPr>
+            <a:xfrm>
+              <a:off x="1028699" y="2503715"/>
+              <a:ext cx="892629" cy="0"/>
+            </a:xfrm>
+            <a:prstGeom prst="line">
+              <a:avLst/>
+            </a:prstGeom>
+            <a:ln w="38100">
+              <a:solidFill>
+                <a:schemeClr val="tx1"/>
+              </a:solidFill>
+            </a:ln>
+          </p:spPr>
+          <p:style>
+            <a:lnRef idx="1">
+              <a:schemeClr val="accent1"/>
+            </a:lnRef>
+            <a:fillRef idx="0">
+              <a:schemeClr val="accent1"/>
+            </a:fillRef>
+            <a:effectRef idx="0">
+              <a:schemeClr val="accent1"/>
+            </a:effectRef>
+            <a:fontRef idx="minor">
+              <a:schemeClr val="tx1"/>
+            </a:fontRef>
+          </p:style>
+        </p:cxnSp>
+        <p:cxnSp>
+          <p:nvCxnSpPr>
+            <p:cNvPr id="161" name="Connettore diritto 160">
+              <a:extLst>
+                <a:ext uri="{FF2B5EF4-FFF2-40B4-BE49-F238E27FC236}">
+                  <a16:creationId xmlns:a16="http://schemas.microsoft.com/office/drawing/2014/main" id="{8280F054-7951-A10E-EFC6-C3B8457D2404}"/>
+                </a:ext>
+              </a:extLst>
+            </p:cNvPr>
+            <p:cNvCxnSpPr>
+              <a:cxnSpLocks/>
+            </p:cNvCxnSpPr>
+            <p:nvPr/>
+          </p:nvCxnSpPr>
+          <p:spPr>
+            <a:xfrm>
+              <a:off x="1028699" y="2672443"/>
+              <a:ext cx="495301" cy="0"/>
+            </a:xfrm>
+            <a:prstGeom prst="line">
+              <a:avLst/>
+            </a:prstGeom>
+            <a:ln w="38100">
+              <a:solidFill>
+                <a:schemeClr val="tx1"/>
+              </a:solidFill>
+            </a:ln>
+          </p:spPr>
+          <p:style>
+            <a:lnRef idx="1">
+              <a:schemeClr val="accent1"/>
+            </a:lnRef>
+            <a:fillRef idx="0">
+              <a:schemeClr val="accent1"/>
+            </a:fillRef>
+            <a:effectRef idx="0">
+              <a:schemeClr val="accent1"/>
+            </a:effectRef>
+            <a:fontRef idx="minor">
+              <a:schemeClr val="tx1"/>
+            </a:fontRef>
+          </p:style>
+        </p:cxnSp>
+      </p:grpSp>
+      <p:grpSp>
+        <p:nvGrpSpPr>
+          <p:cNvPr id="162" name="Gruppo 161">
+            <a:extLst>
+              <a:ext uri="{FF2B5EF4-FFF2-40B4-BE49-F238E27FC236}">
+                <a16:creationId xmlns:a16="http://schemas.microsoft.com/office/drawing/2014/main" id="{C220AEA6-77AB-FAE6-F136-9F5E507E61BC}"/>
+              </a:ext>
+            </a:extLst>
+          </p:cNvPr>
+          <p:cNvGrpSpPr/>
+          <p:nvPr/>
+        </p:nvGrpSpPr>
+        <p:grpSpPr>
+          <a:xfrm>
+            <a:off x="7139610" y="1316013"/>
+            <a:ext cx="693519" cy="1009107"/>
+            <a:chOff x="911291" y="1250302"/>
+            <a:chExt cx="1138334" cy="1810139"/>
+          </a:xfrm>
+        </p:grpSpPr>
+        <p:sp>
+          <p:nvSpPr>
+            <p:cNvPr id="163" name="Rettangolo ad angolo ripiegato 162">
+              <a:extLst>
+                <a:ext uri="{FF2B5EF4-FFF2-40B4-BE49-F238E27FC236}">
+                  <a16:creationId xmlns:a16="http://schemas.microsoft.com/office/drawing/2014/main" id="{859A2999-56DC-F075-9633-BA8E7D8BEE51}"/>
+                </a:ext>
+              </a:extLst>
+            </p:cNvPr>
+            <p:cNvSpPr/>
+            <p:nvPr/>
+          </p:nvSpPr>
+          <p:spPr>
+            <a:xfrm rot="10800000" flipH="1">
+              <a:off x="911291" y="1250302"/>
+              <a:ext cx="1138334" cy="1810139"/>
+            </a:xfrm>
+            <a:prstGeom prst="foldedCorner">
+              <a:avLst>
+                <a:gd name="adj" fmla="val 41257"/>
+              </a:avLst>
+            </a:prstGeom>
+            <a:solidFill>
+              <a:schemeClr val="bg1"/>
+            </a:solidFill>
+            <a:ln>
+              <a:solidFill>
+                <a:schemeClr val="tx1"/>
+              </a:solidFill>
+            </a:ln>
+          </p:spPr>
+          <p:style>
+            <a:lnRef idx="2">
+              <a:schemeClr val="accent1">
+                <a:shade val="15000"/>
+              </a:schemeClr>
+            </a:lnRef>
+            <a:fillRef idx="1">
+              <a:schemeClr val="accent1"/>
+            </a:fillRef>
+            <a:effectRef idx="0">
+              <a:schemeClr val="accent1"/>
+            </a:effectRef>
+            <a:fontRef idx="minor">
+              <a:schemeClr val="lt1"/>
+            </a:fontRef>
+          </p:style>
+          <p:txBody>
+            <a:bodyPr rtlCol="0" anchor="ctr"/>
+            <a:lstStyle/>
+            <a:p>
+              <a:pPr algn="ctr"/>
+              <a:endParaRPr lang="en-US"/>
+            </a:p>
+          </p:txBody>
+        </p:sp>
+        <p:cxnSp>
+          <p:nvCxnSpPr>
+            <p:cNvPr id="164" name="Connettore diritto 163">
+              <a:extLst>
+                <a:ext uri="{FF2B5EF4-FFF2-40B4-BE49-F238E27FC236}">
+                  <a16:creationId xmlns:a16="http://schemas.microsoft.com/office/drawing/2014/main" id="{21795346-E5D8-7522-8B82-4436CF1A3EDE}"/>
+                </a:ext>
+              </a:extLst>
+            </p:cNvPr>
+            <p:cNvCxnSpPr/>
+            <p:nvPr/>
+          </p:nvCxnSpPr>
+          <p:spPr>
+            <a:xfrm>
+              <a:off x="1028700" y="1480458"/>
+              <a:ext cx="544286" cy="0"/>
+            </a:xfrm>
+            <a:prstGeom prst="line">
+              <a:avLst/>
+            </a:prstGeom>
+            <a:ln w="38100">
+              <a:solidFill>
+                <a:schemeClr val="tx1"/>
+              </a:solidFill>
+            </a:ln>
+          </p:spPr>
+          <p:style>
+            <a:lnRef idx="1">
+              <a:schemeClr val="accent1"/>
+            </a:lnRef>
+            <a:fillRef idx="0">
+              <a:schemeClr val="accent1"/>
+            </a:fillRef>
+            <a:effectRef idx="0">
+              <a:schemeClr val="accent1"/>
+            </a:effectRef>
+            <a:fontRef idx="minor">
+              <a:schemeClr val="tx1"/>
+            </a:fontRef>
+          </p:style>
+        </p:cxnSp>
+        <p:cxnSp>
+          <p:nvCxnSpPr>
+            <p:cNvPr id="165" name="Connettore diritto 164">
+              <a:extLst>
+                <a:ext uri="{FF2B5EF4-FFF2-40B4-BE49-F238E27FC236}">
+                  <a16:creationId xmlns:a16="http://schemas.microsoft.com/office/drawing/2014/main" id="{217D712B-5EC7-766C-5F37-89E45AD4E8E0}"/>
+                </a:ext>
+              </a:extLst>
+            </p:cNvPr>
+            <p:cNvCxnSpPr/>
+            <p:nvPr/>
+          </p:nvCxnSpPr>
+          <p:spPr>
+            <a:xfrm>
+              <a:off x="1028700" y="1649186"/>
+              <a:ext cx="544286" cy="0"/>
+            </a:xfrm>
+            <a:prstGeom prst="line">
+              <a:avLst/>
+            </a:prstGeom>
+            <a:ln w="38100">
+              <a:solidFill>
+                <a:schemeClr val="tx1"/>
+              </a:solidFill>
+            </a:ln>
+          </p:spPr>
+          <p:style>
+            <a:lnRef idx="1">
+              <a:schemeClr val="accent1"/>
+            </a:lnRef>
+            <a:fillRef idx="0">
+              <a:schemeClr val="accent1"/>
+            </a:fillRef>
+            <a:effectRef idx="0">
+              <a:schemeClr val="accent1"/>
+            </a:effectRef>
+            <a:fontRef idx="minor">
+              <a:schemeClr val="tx1"/>
+            </a:fontRef>
+          </p:style>
+        </p:cxnSp>
+        <p:cxnSp>
+          <p:nvCxnSpPr>
+            <p:cNvPr id="166" name="Connettore diritto 165">
+              <a:extLst>
+                <a:ext uri="{FF2B5EF4-FFF2-40B4-BE49-F238E27FC236}">
+                  <a16:creationId xmlns:a16="http://schemas.microsoft.com/office/drawing/2014/main" id="{94335D51-4E14-369E-8FFD-C763CB8646C1}"/>
+                </a:ext>
+              </a:extLst>
+            </p:cNvPr>
+            <p:cNvCxnSpPr>
+              <a:cxnSpLocks/>
+            </p:cNvCxnSpPr>
+            <p:nvPr/>
+          </p:nvCxnSpPr>
+          <p:spPr>
+            <a:xfrm>
+              <a:off x="1028700" y="1856015"/>
+              <a:ext cx="892629" cy="0"/>
+            </a:xfrm>
+            <a:prstGeom prst="line">
+              <a:avLst/>
+            </a:prstGeom>
+            <a:ln w="38100">
+              <a:solidFill>
+                <a:schemeClr val="tx1"/>
+              </a:solidFill>
+            </a:ln>
+          </p:spPr>
+          <p:style>
+            <a:lnRef idx="1">
+              <a:schemeClr val="accent1"/>
+            </a:lnRef>
+            <a:fillRef idx="0">
+              <a:schemeClr val="accent1"/>
+            </a:fillRef>
+            <a:effectRef idx="0">
+              <a:schemeClr val="accent1"/>
+            </a:effectRef>
+            <a:fontRef idx="minor">
+              <a:schemeClr val="tx1"/>
+            </a:fontRef>
+          </p:style>
+        </p:cxnSp>
+        <p:cxnSp>
+          <p:nvCxnSpPr>
+            <p:cNvPr id="167" name="Connettore diritto 166">
+              <a:extLst>
+                <a:ext uri="{FF2B5EF4-FFF2-40B4-BE49-F238E27FC236}">
+                  <a16:creationId xmlns:a16="http://schemas.microsoft.com/office/drawing/2014/main" id="{ACEE68B8-D81D-B73E-5390-BD4EDB04BABE}"/>
+                </a:ext>
+              </a:extLst>
+            </p:cNvPr>
+            <p:cNvCxnSpPr>
+              <a:cxnSpLocks/>
+            </p:cNvCxnSpPr>
+            <p:nvPr/>
+          </p:nvCxnSpPr>
+          <p:spPr>
+            <a:xfrm>
+              <a:off x="1028700" y="2024743"/>
+              <a:ext cx="892629" cy="0"/>
+            </a:xfrm>
+            <a:prstGeom prst="line">
+              <a:avLst/>
+            </a:prstGeom>
+            <a:ln w="38100">
+              <a:solidFill>
+                <a:schemeClr val="tx1"/>
+              </a:solidFill>
+            </a:ln>
+          </p:spPr>
+          <p:style>
+            <a:lnRef idx="1">
+              <a:schemeClr val="accent1"/>
+            </a:lnRef>
+            <a:fillRef idx="0">
+              <a:schemeClr val="accent1"/>
+            </a:fillRef>
+            <a:effectRef idx="0">
+              <a:schemeClr val="accent1"/>
+            </a:effectRef>
+            <a:fontRef idx="minor">
+              <a:schemeClr val="tx1"/>
+            </a:fontRef>
+          </p:style>
+        </p:cxnSp>
+        <p:cxnSp>
+          <p:nvCxnSpPr>
+            <p:cNvPr id="168" name="Connettore diritto 167">
+              <a:extLst>
+                <a:ext uri="{FF2B5EF4-FFF2-40B4-BE49-F238E27FC236}">
+                  <a16:creationId xmlns:a16="http://schemas.microsoft.com/office/drawing/2014/main" id="{3B173E05-BC2B-9526-5C2C-F2706AAFE8B0}"/>
+                </a:ext>
+              </a:extLst>
+            </p:cNvPr>
+            <p:cNvCxnSpPr>
+              <a:cxnSpLocks/>
+            </p:cNvCxnSpPr>
+            <p:nvPr/>
+          </p:nvCxnSpPr>
+          <p:spPr>
+            <a:xfrm>
+              <a:off x="1028700" y="2198915"/>
+              <a:ext cx="892629" cy="0"/>
+            </a:xfrm>
+            <a:prstGeom prst="line">
+              <a:avLst/>
+            </a:prstGeom>
+            <a:ln w="38100">
+              <a:solidFill>
+                <a:schemeClr val="tx1"/>
+              </a:solidFill>
+            </a:ln>
+          </p:spPr>
+          <p:style>
+            <a:lnRef idx="1">
+              <a:schemeClr val="accent1"/>
+            </a:lnRef>
+            <a:fillRef idx="0">
+              <a:schemeClr val="accent1"/>
+            </a:fillRef>
+            <a:effectRef idx="0">
+              <a:schemeClr val="accent1"/>
+            </a:effectRef>
+            <a:fontRef idx="minor">
+              <a:schemeClr val="tx1"/>
+            </a:fontRef>
+          </p:style>
+        </p:cxnSp>
+        <p:cxnSp>
+          <p:nvCxnSpPr>
+            <p:cNvPr id="169" name="Connettore diritto 168">
+              <a:extLst>
+                <a:ext uri="{FF2B5EF4-FFF2-40B4-BE49-F238E27FC236}">
+                  <a16:creationId xmlns:a16="http://schemas.microsoft.com/office/drawing/2014/main" id="{242D409C-C14A-A811-E125-C30F647C48AC}"/>
+                </a:ext>
+              </a:extLst>
+            </p:cNvPr>
+            <p:cNvCxnSpPr>
+              <a:cxnSpLocks/>
+            </p:cNvCxnSpPr>
+            <p:nvPr/>
+          </p:nvCxnSpPr>
+          <p:spPr>
+            <a:xfrm>
+              <a:off x="1028700" y="2367643"/>
+              <a:ext cx="892629" cy="0"/>
+            </a:xfrm>
+            <a:prstGeom prst="line">
+              <a:avLst/>
+            </a:prstGeom>
+            <a:ln w="38100">
+              <a:solidFill>
+                <a:schemeClr val="tx1"/>
+              </a:solidFill>
+            </a:ln>
+          </p:spPr>
+          <p:style>
+            <a:lnRef idx="1">
+              <a:schemeClr val="accent1"/>
+            </a:lnRef>
+            <a:fillRef idx="0">
+              <a:schemeClr val="accent1"/>
+            </a:fillRef>
+            <a:effectRef idx="0">
+              <a:schemeClr val="accent1"/>
+            </a:effectRef>
+            <a:fontRef idx="minor">
+              <a:schemeClr val="tx1"/>
+            </a:fontRef>
+          </p:style>
+        </p:cxnSp>
+        <p:cxnSp>
+          <p:nvCxnSpPr>
+            <p:cNvPr id="170" name="Connettore diritto 169">
+              <a:extLst>
+                <a:ext uri="{FF2B5EF4-FFF2-40B4-BE49-F238E27FC236}">
+                  <a16:creationId xmlns:a16="http://schemas.microsoft.com/office/drawing/2014/main" id="{DEBF078F-6EAC-27D7-3A61-682F4B831604}"/>
+                </a:ext>
+              </a:extLst>
+            </p:cNvPr>
+            <p:cNvCxnSpPr>
+              <a:cxnSpLocks/>
+            </p:cNvCxnSpPr>
+            <p:nvPr/>
+          </p:nvCxnSpPr>
+          <p:spPr>
+            <a:xfrm>
+              <a:off x="1028699" y="2503715"/>
+              <a:ext cx="892629" cy="0"/>
+            </a:xfrm>
+            <a:prstGeom prst="line">
+              <a:avLst/>
+            </a:prstGeom>
+            <a:ln w="38100">
+              <a:solidFill>
+                <a:schemeClr val="tx1"/>
+              </a:solidFill>
+            </a:ln>
+          </p:spPr>
+          <p:style>
+            <a:lnRef idx="1">
+              <a:schemeClr val="accent1"/>
+            </a:lnRef>
+            <a:fillRef idx="0">
+              <a:schemeClr val="accent1"/>
+            </a:fillRef>
+            <a:effectRef idx="0">
+              <a:schemeClr val="accent1"/>
+            </a:effectRef>
+            <a:fontRef idx="minor">
+              <a:schemeClr val="tx1"/>
+            </a:fontRef>
+          </p:style>
+        </p:cxnSp>
+        <p:cxnSp>
+          <p:nvCxnSpPr>
+            <p:cNvPr id="171" name="Connettore diritto 170">
+              <a:extLst>
+                <a:ext uri="{FF2B5EF4-FFF2-40B4-BE49-F238E27FC236}">
+                  <a16:creationId xmlns:a16="http://schemas.microsoft.com/office/drawing/2014/main" id="{E974A262-8930-74EE-C3F2-A2F64A8EDE21}"/>
+                </a:ext>
+              </a:extLst>
+            </p:cNvPr>
+            <p:cNvCxnSpPr>
+              <a:cxnSpLocks/>
+            </p:cNvCxnSpPr>
+            <p:nvPr/>
+          </p:nvCxnSpPr>
+          <p:spPr>
+            <a:xfrm>
+              <a:off x="1028699" y="2672443"/>
+              <a:ext cx="495301" cy="0"/>
+            </a:xfrm>
+            <a:prstGeom prst="line">
+              <a:avLst/>
+            </a:prstGeom>
+            <a:ln w="38100">
+              <a:solidFill>
+                <a:schemeClr val="tx1"/>
+              </a:solidFill>
+            </a:ln>
+          </p:spPr>
+          <p:style>
+            <a:lnRef idx="1">
+              <a:schemeClr val="accent1"/>
+            </a:lnRef>
+            <a:fillRef idx="0">
+              <a:schemeClr val="accent1"/>
+            </a:fillRef>
+            <a:effectRef idx="0">
+              <a:schemeClr val="accent1"/>
+            </a:effectRef>
+            <a:fontRef idx="minor">
+              <a:schemeClr val="tx1"/>
+            </a:fontRef>
+          </p:style>
+        </p:cxnSp>
+      </p:grpSp>
+      <p:grpSp>
+        <p:nvGrpSpPr>
+          <p:cNvPr id="172" name="Gruppo 171">
+            <a:extLst>
+              <a:ext uri="{FF2B5EF4-FFF2-40B4-BE49-F238E27FC236}">
+                <a16:creationId xmlns:a16="http://schemas.microsoft.com/office/drawing/2014/main" id="{4A354938-F154-03BB-E5FA-5CBEF3C71C3F}"/>
+              </a:ext>
+            </a:extLst>
+          </p:cNvPr>
+          <p:cNvGrpSpPr/>
+          <p:nvPr/>
+        </p:nvGrpSpPr>
+        <p:grpSpPr>
+          <a:xfrm>
+            <a:off x="10716576" y="663111"/>
+            <a:ext cx="693519" cy="1009107"/>
+            <a:chOff x="911291" y="1250302"/>
+            <a:chExt cx="1138334" cy="1810139"/>
+          </a:xfrm>
+        </p:grpSpPr>
+        <p:sp>
+          <p:nvSpPr>
+            <p:cNvPr id="173" name="Rettangolo ad angolo ripiegato 172">
+              <a:extLst>
+                <a:ext uri="{FF2B5EF4-FFF2-40B4-BE49-F238E27FC236}">
+                  <a16:creationId xmlns:a16="http://schemas.microsoft.com/office/drawing/2014/main" id="{D9AE0A5F-AC2A-F57E-3CB7-8704E0BC5EE9}"/>
+                </a:ext>
+              </a:extLst>
+            </p:cNvPr>
+            <p:cNvSpPr/>
+            <p:nvPr/>
+          </p:nvSpPr>
+          <p:spPr>
+            <a:xfrm rot="10800000" flipH="1">
+              <a:off x="911291" y="1250302"/>
+              <a:ext cx="1138334" cy="1810139"/>
+            </a:xfrm>
+            <a:prstGeom prst="foldedCorner">
+              <a:avLst>
+                <a:gd name="adj" fmla="val 41257"/>
+              </a:avLst>
+            </a:prstGeom>
+            <a:solidFill>
+              <a:schemeClr val="bg1"/>
+            </a:solidFill>
+            <a:ln>
+              <a:solidFill>
+                <a:schemeClr val="tx1"/>
+              </a:solidFill>
+            </a:ln>
+          </p:spPr>
+          <p:style>
+            <a:lnRef idx="2">
+              <a:schemeClr val="accent1">
+                <a:shade val="15000"/>
+              </a:schemeClr>
+            </a:lnRef>
+            <a:fillRef idx="1">
+              <a:schemeClr val="accent1"/>
+            </a:fillRef>
+            <a:effectRef idx="0">
+              <a:schemeClr val="accent1"/>
+            </a:effectRef>
+            <a:fontRef idx="minor">
+              <a:schemeClr val="lt1"/>
+            </a:fontRef>
+          </p:style>
+          <p:txBody>
+            <a:bodyPr rtlCol="0" anchor="ctr"/>
+            <a:lstStyle/>
+            <a:p>
+              <a:pPr algn="ctr"/>
+              <a:endParaRPr lang="en-US"/>
+            </a:p>
+          </p:txBody>
+        </p:sp>
+        <p:cxnSp>
+          <p:nvCxnSpPr>
+            <p:cNvPr id="174" name="Connettore diritto 173">
+              <a:extLst>
+                <a:ext uri="{FF2B5EF4-FFF2-40B4-BE49-F238E27FC236}">
+                  <a16:creationId xmlns:a16="http://schemas.microsoft.com/office/drawing/2014/main" id="{2A348D54-F79F-369C-4F2A-3DDB5C2819A5}"/>
+                </a:ext>
+              </a:extLst>
+            </p:cNvPr>
+            <p:cNvCxnSpPr/>
+            <p:nvPr/>
+          </p:nvCxnSpPr>
+          <p:spPr>
+            <a:xfrm>
+              <a:off x="1028700" y="1480458"/>
+              <a:ext cx="544286" cy="0"/>
+            </a:xfrm>
+            <a:prstGeom prst="line">
+              <a:avLst/>
+            </a:prstGeom>
+            <a:ln w="38100">
+              <a:solidFill>
+                <a:schemeClr val="tx1"/>
+              </a:solidFill>
+            </a:ln>
+          </p:spPr>
+          <p:style>
+            <a:lnRef idx="1">
+              <a:schemeClr val="accent1"/>
+            </a:lnRef>
+            <a:fillRef idx="0">
+              <a:schemeClr val="accent1"/>
+            </a:fillRef>
+            <a:effectRef idx="0">
+              <a:schemeClr val="accent1"/>
+            </a:effectRef>
+            <a:fontRef idx="minor">
+              <a:schemeClr val="tx1"/>
+            </a:fontRef>
+          </p:style>
+        </p:cxnSp>
+        <p:cxnSp>
+          <p:nvCxnSpPr>
+            <p:cNvPr id="175" name="Connettore diritto 174">
+              <a:extLst>
+                <a:ext uri="{FF2B5EF4-FFF2-40B4-BE49-F238E27FC236}">
+                  <a16:creationId xmlns:a16="http://schemas.microsoft.com/office/drawing/2014/main" id="{892D9D16-F5D9-9328-854D-C98FB7F1A681}"/>
+                </a:ext>
+              </a:extLst>
+            </p:cNvPr>
+            <p:cNvCxnSpPr/>
+            <p:nvPr/>
+          </p:nvCxnSpPr>
+          <p:spPr>
+            <a:xfrm>
+              <a:off x="1028700" y="1649186"/>
+              <a:ext cx="544286" cy="0"/>
+            </a:xfrm>
+            <a:prstGeom prst="line">
+              <a:avLst/>
+            </a:prstGeom>
+            <a:ln w="38100">
+              <a:solidFill>
+                <a:schemeClr val="tx1"/>
+              </a:solidFill>
+            </a:ln>
+          </p:spPr>
+          <p:style>
+            <a:lnRef idx="1">
+              <a:schemeClr val="accent1"/>
+            </a:lnRef>
+            <a:fillRef idx="0">
+              <a:schemeClr val="accent1"/>
+            </a:fillRef>
+            <a:effectRef idx="0">
+              <a:schemeClr val="accent1"/>
+            </a:effectRef>
+            <a:fontRef idx="minor">
+              <a:schemeClr val="tx1"/>
+            </a:fontRef>
+          </p:style>
+        </p:cxnSp>
+        <p:cxnSp>
+          <p:nvCxnSpPr>
+            <p:cNvPr id="176" name="Connettore diritto 175">
+              <a:extLst>
+                <a:ext uri="{FF2B5EF4-FFF2-40B4-BE49-F238E27FC236}">
+                  <a16:creationId xmlns:a16="http://schemas.microsoft.com/office/drawing/2014/main" id="{DAE1441E-41D3-39B2-DF88-2DB9EE430BCA}"/>
+                </a:ext>
+              </a:extLst>
+            </p:cNvPr>
+            <p:cNvCxnSpPr>
+              <a:cxnSpLocks/>
+            </p:cNvCxnSpPr>
+            <p:nvPr/>
+          </p:nvCxnSpPr>
+          <p:spPr>
+            <a:xfrm>
+              <a:off x="1028700" y="1856015"/>
+              <a:ext cx="892629" cy="0"/>
+            </a:xfrm>
+            <a:prstGeom prst="line">
+              <a:avLst/>
+            </a:prstGeom>
+            <a:ln w="38100">
+              <a:solidFill>
+                <a:schemeClr val="tx1"/>
+              </a:solidFill>
+            </a:ln>
+          </p:spPr>
+          <p:style>
+            <a:lnRef idx="1">
+              <a:schemeClr val="accent1"/>
+            </a:lnRef>
+            <a:fillRef idx="0">
+              <a:schemeClr val="accent1"/>
+            </a:fillRef>
+            <a:effectRef idx="0">
+              <a:schemeClr val="accent1"/>
+            </a:effectRef>
+            <a:fontRef idx="minor">
+              <a:schemeClr val="tx1"/>
+            </a:fontRef>
+          </p:style>
+        </p:cxnSp>
+        <p:cxnSp>
+          <p:nvCxnSpPr>
+            <p:cNvPr id="177" name="Connettore diritto 176">
+              <a:extLst>
+                <a:ext uri="{FF2B5EF4-FFF2-40B4-BE49-F238E27FC236}">
+                  <a16:creationId xmlns:a16="http://schemas.microsoft.com/office/drawing/2014/main" id="{5A5F9C01-F70A-B7BA-E940-092C11FB057F}"/>
+                </a:ext>
+              </a:extLst>
+            </p:cNvPr>
+            <p:cNvCxnSpPr>
+              <a:cxnSpLocks/>
+            </p:cNvCxnSpPr>
+            <p:nvPr/>
+          </p:nvCxnSpPr>
+          <p:spPr>
+            <a:xfrm>
+              <a:off x="1028700" y="2024743"/>
+              <a:ext cx="892629" cy="0"/>
+            </a:xfrm>
+            <a:prstGeom prst="line">
+              <a:avLst/>
+            </a:prstGeom>
+            <a:ln w="38100">
+              <a:solidFill>
+                <a:schemeClr val="tx1"/>
+              </a:solidFill>
+            </a:ln>
+          </p:spPr>
+          <p:style>
+            <a:lnRef idx="1">
+              <a:schemeClr val="accent1"/>
+            </a:lnRef>
+            <a:fillRef idx="0">
+              <a:schemeClr val="accent1"/>
+            </a:fillRef>
+            <a:effectRef idx="0">
+              <a:schemeClr val="accent1"/>
+            </a:effectRef>
+            <a:fontRef idx="minor">
+              <a:schemeClr val="tx1"/>
+            </a:fontRef>
+          </p:style>
+        </p:cxnSp>
+        <p:cxnSp>
+          <p:nvCxnSpPr>
+            <p:cNvPr id="178" name="Connettore diritto 177">
+              <a:extLst>
+                <a:ext uri="{FF2B5EF4-FFF2-40B4-BE49-F238E27FC236}">
+                  <a16:creationId xmlns:a16="http://schemas.microsoft.com/office/drawing/2014/main" id="{A72C2B8D-6E7C-077F-4176-9619A776DCB6}"/>
+                </a:ext>
+              </a:extLst>
+            </p:cNvPr>
+            <p:cNvCxnSpPr>
+              <a:cxnSpLocks/>
+            </p:cNvCxnSpPr>
+            <p:nvPr/>
+          </p:nvCxnSpPr>
+          <p:spPr>
+            <a:xfrm>
+              <a:off x="1028700" y="2198915"/>
+              <a:ext cx="892629" cy="0"/>
+            </a:xfrm>
+            <a:prstGeom prst="line">
+              <a:avLst/>
+            </a:prstGeom>
+            <a:ln w="38100">
+              <a:solidFill>
+                <a:schemeClr val="tx1"/>
+              </a:solidFill>
+            </a:ln>
+          </p:spPr>
+          <p:style>
+            <a:lnRef idx="1">
+              <a:schemeClr val="accent1"/>
+            </a:lnRef>
+            <a:fillRef idx="0">
+              <a:schemeClr val="accent1"/>
+            </a:fillRef>
+            <a:effectRef idx="0">
+              <a:schemeClr val="accent1"/>
+            </a:effectRef>
+            <a:fontRef idx="minor">
+              <a:schemeClr val="tx1"/>
+            </a:fontRef>
+          </p:style>
+        </p:cxnSp>
+        <p:cxnSp>
+          <p:nvCxnSpPr>
+            <p:cNvPr id="179" name="Connettore diritto 178">
+              <a:extLst>
+                <a:ext uri="{FF2B5EF4-FFF2-40B4-BE49-F238E27FC236}">
+                  <a16:creationId xmlns:a16="http://schemas.microsoft.com/office/drawing/2014/main" id="{77A33CDC-E188-C6CE-44A7-27106C563089}"/>
+                </a:ext>
+              </a:extLst>
+            </p:cNvPr>
+            <p:cNvCxnSpPr>
+              <a:cxnSpLocks/>
+            </p:cNvCxnSpPr>
+            <p:nvPr/>
+          </p:nvCxnSpPr>
+          <p:spPr>
+            <a:xfrm>
+              <a:off x="1028700" y="2367643"/>
+              <a:ext cx="892629" cy="0"/>
+            </a:xfrm>
+            <a:prstGeom prst="line">
+              <a:avLst/>
+            </a:prstGeom>
+            <a:ln w="38100">
+              <a:solidFill>
+                <a:schemeClr val="tx1"/>
+              </a:solidFill>
+            </a:ln>
+          </p:spPr>
+          <p:style>
+            <a:lnRef idx="1">
+              <a:schemeClr val="accent1"/>
+            </a:lnRef>
+            <a:fillRef idx="0">
+              <a:schemeClr val="accent1"/>
+            </a:fillRef>
+            <a:effectRef idx="0">
+              <a:schemeClr val="accent1"/>
+            </a:effectRef>
+            <a:fontRef idx="minor">
+              <a:schemeClr val="tx1"/>
+            </a:fontRef>
+          </p:style>
+        </p:cxnSp>
+        <p:cxnSp>
+          <p:nvCxnSpPr>
+            <p:cNvPr id="180" name="Connettore diritto 179">
+              <a:extLst>
+                <a:ext uri="{FF2B5EF4-FFF2-40B4-BE49-F238E27FC236}">
+                  <a16:creationId xmlns:a16="http://schemas.microsoft.com/office/drawing/2014/main" id="{B3B1C773-CEDF-9FF9-F21A-CC2BB59869EF}"/>
+                </a:ext>
+              </a:extLst>
+            </p:cNvPr>
+            <p:cNvCxnSpPr>
+              <a:cxnSpLocks/>
+            </p:cNvCxnSpPr>
+            <p:nvPr/>
+          </p:nvCxnSpPr>
+          <p:spPr>
+            <a:xfrm>
+              <a:off x="1028699" y="2503715"/>
+              <a:ext cx="892629" cy="0"/>
+            </a:xfrm>
+            <a:prstGeom prst="line">
+              <a:avLst/>
+            </a:prstGeom>
+            <a:ln w="38100">
+              <a:solidFill>
+                <a:schemeClr val="tx1"/>
+              </a:solidFill>
+            </a:ln>
+          </p:spPr>
+          <p:style>
+            <a:lnRef idx="1">
+              <a:schemeClr val="accent1"/>
+            </a:lnRef>
+            <a:fillRef idx="0">
+              <a:schemeClr val="accent1"/>
+            </a:fillRef>
+            <a:effectRef idx="0">
+              <a:schemeClr val="accent1"/>
+            </a:effectRef>
+            <a:fontRef idx="minor">
+              <a:schemeClr val="tx1"/>
+            </a:fontRef>
+          </p:style>
+        </p:cxnSp>
+        <p:cxnSp>
+          <p:nvCxnSpPr>
+            <p:cNvPr id="181" name="Connettore diritto 180">
+              <a:extLst>
+                <a:ext uri="{FF2B5EF4-FFF2-40B4-BE49-F238E27FC236}">
+                  <a16:creationId xmlns:a16="http://schemas.microsoft.com/office/drawing/2014/main" id="{2897D6BC-D8BB-985A-E215-B10EE36DAB0C}"/>
+                </a:ext>
+              </a:extLst>
+            </p:cNvPr>
+            <p:cNvCxnSpPr>
+              <a:cxnSpLocks/>
+            </p:cNvCxnSpPr>
+            <p:nvPr/>
+          </p:nvCxnSpPr>
+          <p:spPr>
+            <a:xfrm>
+              <a:off x="1028699" y="2672443"/>
+              <a:ext cx="495301" cy="0"/>
+            </a:xfrm>
+            <a:prstGeom prst="line">
+              <a:avLst/>
+            </a:prstGeom>
+            <a:ln w="38100">
+              <a:solidFill>
+                <a:schemeClr val="tx1"/>
+              </a:solidFill>
+            </a:ln>
+          </p:spPr>
+          <p:style>
+            <a:lnRef idx="1">
+              <a:schemeClr val="accent1"/>
+            </a:lnRef>
+            <a:fillRef idx="0">
+              <a:schemeClr val="accent1"/>
+            </a:fillRef>
+            <a:effectRef idx="0">
+              <a:schemeClr val="accent1"/>
+            </a:effectRef>
+            <a:fontRef idx="minor">
+              <a:schemeClr val="tx1"/>
+            </a:fontRef>
+          </p:style>
+        </p:cxnSp>
+      </p:grpSp>
+      <p:grpSp>
+        <p:nvGrpSpPr>
+          <p:cNvPr id="182" name="Gruppo 181">
+            <a:extLst>
+              <a:ext uri="{FF2B5EF4-FFF2-40B4-BE49-F238E27FC236}">
+                <a16:creationId xmlns:a16="http://schemas.microsoft.com/office/drawing/2014/main" id="{B0B4BC50-8863-F6A4-F627-070066CC08B0}"/>
+              </a:ext>
+            </a:extLst>
+          </p:cNvPr>
+          <p:cNvGrpSpPr/>
+          <p:nvPr/>
+        </p:nvGrpSpPr>
+        <p:grpSpPr>
+          <a:xfrm>
+            <a:off x="2029680" y="3493154"/>
+            <a:ext cx="1934308" cy="1615720"/>
+            <a:chOff x="3130062" y="826477"/>
+            <a:chExt cx="1934308" cy="1615720"/>
+          </a:xfrm>
+        </p:grpSpPr>
+        <p:sp>
+          <p:nvSpPr>
+            <p:cNvPr id="183" name="Ovale 182">
+              <a:extLst>
+                <a:ext uri="{FF2B5EF4-FFF2-40B4-BE49-F238E27FC236}">
+                  <a16:creationId xmlns:a16="http://schemas.microsoft.com/office/drawing/2014/main" id="{4A3FD5E8-BAB7-61F3-8E54-ED063AF669D7}"/>
+                </a:ext>
+              </a:extLst>
+            </p:cNvPr>
+            <p:cNvSpPr/>
+            <p:nvPr/>
+          </p:nvSpPr>
+          <p:spPr>
+            <a:xfrm>
+              <a:off x="3130062" y="826477"/>
+              <a:ext cx="422030" cy="422031"/>
+            </a:xfrm>
+            <a:prstGeom prst="ellipse">
+              <a:avLst/>
+            </a:prstGeom>
+          </p:spPr>
+          <p:style>
+            <a:lnRef idx="2">
+              <a:schemeClr val="accent1">
+                <a:shade val="15000"/>
+              </a:schemeClr>
+            </a:lnRef>
+            <a:fillRef idx="1">
+              <a:schemeClr val="accent1"/>
+            </a:fillRef>
+            <a:effectRef idx="0">
+              <a:schemeClr val="accent1"/>
+            </a:effectRef>
+            <a:fontRef idx="minor">
+              <a:schemeClr val="lt1"/>
+            </a:fontRef>
+          </p:style>
+          <p:txBody>
+            <a:bodyPr rtlCol="0" anchor="ctr"/>
+            <a:lstStyle/>
+            <a:p>
+              <a:pPr algn="ctr"/>
+              <a:endParaRPr lang="en-US"/>
+            </a:p>
+          </p:txBody>
+        </p:sp>
+        <p:sp>
+          <p:nvSpPr>
+            <p:cNvPr id="184" name="Ovale 183">
+              <a:extLst>
+                <a:ext uri="{FF2B5EF4-FFF2-40B4-BE49-F238E27FC236}">
+                  <a16:creationId xmlns:a16="http://schemas.microsoft.com/office/drawing/2014/main" id="{E5B0F915-7CE3-A6F9-7E43-D98562923768}"/>
+                </a:ext>
+              </a:extLst>
+            </p:cNvPr>
+            <p:cNvSpPr/>
+            <p:nvPr/>
+          </p:nvSpPr>
+          <p:spPr>
+            <a:xfrm>
+              <a:off x="3130062" y="1416494"/>
+              <a:ext cx="422030" cy="422031"/>
+            </a:xfrm>
+            <a:prstGeom prst="ellipse">
+              <a:avLst/>
+            </a:prstGeom>
+          </p:spPr>
+          <p:style>
+            <a:lnRef idx="2">
+              <a:schemeClr val="accent1">
+                <a:shade val="15000"/>
+              </a:schemeClr>
+            </a:lnRef>
+            <a:fillRef idx="1">
+              <a:schemeClr val="accent1"/>
+            </a:fillRef>
+            <a:effectRef idx="0">
+              <a:schemeClr val="accent1"/>
+            </a:effectRef>
+            <a:fontRef idx="minor">
+              <a:schemeClr val="lt1"/>
+            </a:fontRef>
+          </p:style>
+          <p:txBody>
+            <a:bodyPr rtlCol="0" anchor="ctr"/>
+            <a:lstStyle/>
+            <a:p>
+              <a:pPr algn="ctr"/>
+              <a:endParaRPr lang="en-US"/>
+            </a:p>
+          </p:txBody>
+        </p:sp>
+        <p:sp>
+          <p:nvSpPr>
+            <p:cNvPr id="185" name="Ovale 184">
+              <a:extLst>
+                <a:ext uri="{FF2B5EF4-FFF2-40B4-BE49-F238E27FC236}">
+                  <a16:creationId xmlns:a16="http://schemas.microsoft.com/office/drawing/2014/main" id="{9557EA2D-E907-C35C-6FAD-7A32AD28847D}"/>
+                </a:ext>
+              </a:extLst>
+            </p:cNvPr>
+            <p:cNvSpPr/>
+            <p:nvPr/>
+          </p:nvSpPr>
+          <p:spPr>
+            <a:xfrm>
+              <a:off x="3130062" y="2020166"/>
+              <a:ext cx="422030" cy="422031"/>
+            </a:xfrm>
+            <a:prstGeom prst="ellipse">
+              <a:avLst/>
+            </a:prstGeom>
+          </p:spPr>
+          <p:style>
+            <a:lnRef idx="2">
+              <a:schemeClr val="accent1">
+                <a:shade val="15000"/>
+              </a:schemeClr>
+            </a:lnRef>
+            <a:fillRef idx="1">
+              <a:schemeClr val="accent1"/>
+            </a:fillRef>
+            <a:effectRef idx="0">
+              <a:schemeClr val="accent1"/>
+            </a:effectRef>
+            <a:fontRef idx="minor">
+              <a:schemeClr val="lt1"/>
+            </a:fontRef>
+          </p:style>
+          <p:txBody>
+            <a:bodyPr rtlCol="0" anchor="ctr"/>
+            <a:lstStyle/>
+            <a:p>
+              <a:pPr algn="ctr"/>
+              <a:endParaRPr lang="en-US"/>
+            </a:p>
+          </p:txBody>
+        </p:sp>
+        <p:sp>
+          <p:nvSpPr>
+            <p:cNvPr id="186" name="Ovale 185">
+              <a:extLst>
+                <a:ext uri="{FF2B5EF4-FFF2-40B4-BE49-F238E27FC236}">
+                  <a16:creationId xmlns:a16="http://schemas.microsoft.com/office/drawing/2014/main" id="{3DF3B1E0-1B7D-267C-DBCF-CB81DAC27D40}"/>
+                </a:ext>
+              </a:extLst>
+            </p:cNvPr>
+            <p:cNvSpPr/>
+            <p:nvPr/>
+          </p:nvSpPr>
+          <p:spPr>
+            <a:xfrm>
+              <a:off x="3886201" y="826477"/>
+              <a:ext cx="422030" cy="422031"/>
+            </a:xfrm>
+            <a:prstGeom prst="ellipse">
+              <a:avLst/>
+            </a:prstGeom>
+          </p:spPr>
+          <p:style>
+            <a:lnRef idx="2">
+              <a:schemeClr val="accent1">
+                <a:shade val="15000"/>
+              </a:schemeClr>
+            </a:lnRef>
+            <a:fillRef idx="1">
+              <a:schemeClr val="accent1"/>
+            </a:fillRef>
+            <a:effectRef idx="0">
+              <a:schemeClr val="accent1"/>
+            </a:effectRef>
+            <a:fontRef idx="minor">
+              <a:schemeClr val="lt1"/>
+            </a:fontRef>
+          </p:style>
+          <p:txBody>
+            <a:bodyPr rtlCol="0" anchor="ctr"/>
+            <a:lstStyle/>
+            <a:p>
+              <a:pPr algn="ctr"/>
+              <a:endParaRPr lang="en-US"/>
+            </a:p>
+          </p:txBody>
+        </p:sp>
+        <p:sp>
+          <p:nvSpPr>
+            <p:cNvPr id="187" name="Ovale 186">
+              <a:extLst>
+                <a:ext uri="{FF2B5EF4-FFF2-40B4-BE49-F238E27FC236}">
+                  <a16:creationId xmlns:a16="http://schemas.microsoft.com/office/drawing/2014/main" id="{C2EE0A23-CE50-B688-54A5-44027774766D}"/>
+                </a:ext>
+              </a:extLst>
+            </p:cNvPr>
+            <p:cNvSpPr/>
+            <p:nvPr/>
+          </p:nvSpPr>
+          <p:spPr>
+            <a:xfrm>
+              <a:off x="3886201" y="1416494"/>
+              <a:ext cx="422030" cy="422031"/>
+            </a:xfrm>
+            <a:prstGeom prst="ellipse">
+              <a:avLst/>
+            </a:prstGeom>
+          </p:spPr>
+          <p:style>
+            <a:lnRef idx="2">
+              <a:schemeClr val="accent1">
+                <a:shade val="15000"/>
+              </a:schemeClr>
+            </a:lnRef>
+            <a:fillRef idx="1">
+              <a:schemeClr val="accent1"/>
+            </a:fillRef>
+            <a:effectRef idx="0">
+              <a:schemeClr val="accent1"/>
+            </a:effectRef>
+            <a:fontRef idx="minor">
+              <a:schemeClr val="lt1"/>
+            </a:fontRef>
+          </p:style>
+          <p:txBody>
+            <a:bodyPr rtlCol="0" anchor="ctr"/>
+            <a:lstStyle/>
+            <a:p>
+              <a:pPr algn="ctr"/>
+              <a:endParaRPr lang="en-US"/>
+            </a:p>
+          </p:txBody>
+        </p:sp>
+        <p:sp>
+          <p:nvSpPr>
+            <p:cNvPr id="188" name="Ovale 187">
+              <a:extLst>
+                <a:ext uri="{FF2B5EF4-FFF2-40B4-BE49-F238E27FC236}">
+                  <a16:creationId xmlns:a16="http://schemas.microsoft.com/office/drawing/2014/main" id="{256BA285-9972-C65A-07EF-2E7052B886E4}"/>
+                </a:ext>
+              </a:extLst>
+            </p:cNvPr>
+            <p:cNvSpPr/>
+            <p:nvPr/>
+          </p:nvSpPr>
+          <p:spPr>
+            <a:xfrm>
+              <a:off x="3886201" y="2020166"/>
+              <a:ext cx="422030" cy="422031"/>
+            </a:xfrm>
+            <a:prstGeom prst="ellipse">
+              <a:avLst/>
+            </a:prstGeom>
+          </p:spPr>
+          <p:style>
+            <a:lnRef idx="2">
+              <a:schemeClr val="accent1">
+                <a:shade val="15000"/>
+              </a:schemeClr>
+            </a:lnRef>
+            <a:fillRef idx="1">
+              <a:schemeClr val="accent1"/>
+            </a:fillRef>
+            <a:effectRef idx="0">
+              <a:schemeClr val="accent1"/>
+            </a:effectRef>
+            <a:fontRef idx="minor">
+              <a:schemeClr val="lt1"/>
+            </a:fontRef>
+          </p:style>
+          <p:txBody>
+            <a:bodyPr rtlCol="0" anchor="ctr"/>
+            <a:lstStyle/>
+            <a:p>
+              <a:pPr algn="ctr"/>
+              <a:endParaRPr lang="en-US"/>
+            </a:p>
+          </p:txBody>
+        </p:sp>
+        <p:sp>
+          <p:nvSpPr>
+            <p:cNvPr id="189" name="Ovale 188">
+              <a:extLst>
+                <a:ext uri="{FF2B5EF4-FFF2-40B4-BE49-F238E27FC236}">
+                  <a16:creationId xmlns:a16="http://schemas.microsoft.com/office/drawing/2014/main" id="{2064B6E3-50C7-A968-D412-F56A68B21D89}"/>
+                </a:ext>
+              </a:extLst>
+            </p:cNvPr>
+            <p:cNvSpPr/>
+            <p:nvPr/>
+          </p:nvSpPr>
+          <p:spPr>
+            <a:xfrm>
+              <a:off x="4642340" y="1416493"/>
+              <a:ext cx="422030" cy="422031"/>
+            </a:xfrm>
+            <a:prstGeom prst="ellipse">
+              <a:avLst/>
+            </a:prstGeom>
+          </p:spPr>
+          <p:style>
+            <a:lnRef idx="2">
+              <a:schemeClr val="accent1">
+                <a:shade val="15000"/>
+              </a:schemeClr>
+            </a:lnRef>
+            <a:fillRef idx="1">
+              <a:schemeClr val="accent1"/>
+            </a:fillRef>
+            <a:effectRef idx="0">
+              <a:schemeClr val="accent1"/>
+            </a:effectRef>
+            <a:fontRef idx="minor">
+              <a:schemeClr val="lt1"/>
+            </a:fontRef>
+          </p:style>
+          <p:txBody>
+            <a:bodyPr rtlCol="0" anchor="ctr"/>
+            <a:lstStyle/>
+            <a:p>
+              <a:pPr algn="ctr"/>
+              <a:endParaRPr lang="en-US"/>
+            </a:p>
+          </p:txBody>
+        </p:sp>
+        <p:cxnSp>
+          <p:nvCxnSpPr>
+            <p:cNvPr id="190" name="Connettore diritto 189">
+              <a:extLst>
+                <a:ext uri="{FF2B5EF4-FFF2-40B4-BE49-F238E27FC236}">
+                  <a16:creationId xmlns:a16="http://schemas.microsoft.com/office/drawing/2014/main" id="{1D09675E-38FA-6973-B785-F957AF3EE77C}"/>
+                </a:ext>
+              </a:extLst>
+            </p:cNvPr>
+            <p:cNvCxnSpPr>
+              <a:stCxn id="183" idx="6"/>
+              <a:endCxn id="186" idx="2"/>
+            </p:cNvCxnSpPr>
+            <p:nvPr/>
+          </p:nvCxnSpPr>
+          <p:spPr>
+            <a:xfrm>
+              <a:off x="3552092" y="1037493"/>
+              <a:ext cx="334109" cy="0"/>
+            </a:xfrm>
+            <a:prstGeom prst="line">
+              <a:avLst/>
+            </a:prstGeom>
+            <a:ln w="38100">
+              <a:solidFill>
+                <a:schemeClr val="tx1"/>
+              </a:solidFill>
+            </a:ln>
+          </p:spPr>
+          <p:style>
+            <a:lnRef idx="1">
+              <a:schemeClr val="accent1"/>
+            </a:lnRef>
+            <a:fillRef idx="0">
+              <a:schemeClr val="accent1"/>
+            </a:fillRef>
+            <a:effectRef idx="0">
+              <a:schemeClr val="accent1"/>
+            </a:effectRef>
+            <a:fontRef idx="minor">
+              <a:schemeClr val="tx1"/>
+            </a:fontRef>
+          </p:style>
+        </p:cxnSp>
+        <p:cxnSp>
+          <p:nvCxnSpPr>
+            <p:cNvPr id="191" name="Connettore diritto 190">
+              <a:extLst>
+                <a:ext uri="{FF2B5EF4-FFF2-40B4-BE49-F238E27FC236}">
+                  <a16:creationId xmlns:a16="http://schemas.microsoft.com/office/drawing/2014/main" id="{9CA71B6F-275A-274E-C8E0-1F70E50887EA}"/>
+                </a:ext>
+              </a:extLst>
+            </p:cNvPr>
+            <p:cNvCxnSpPr>
+              <a:cxnSpLocks/>
+              <a:stCxn id="184" idx="6"/>
+              <a:endCxn id="186" idx="2"/>
+            </p:cNvCxnSpPr>
+            <p:nvPr/>
+          </p:nvCxnSpPr>
+          <p:spPr>
+            <a:xfrm flipV="1">
+              <a:off x="3552092" y="1037493"/>
+              <a:ext cx="334109" cy="590017"/>
+            </a:xfrm>
+            <a:prstGeom prst="line">
+              <a:avLst/>
+            </a:prstGeom>
+            <a:ln w="38100">
+              <a:solidFill>
+                <a:schemeClr val="tx1"/>
+              </a:solidFill>
+            </a:ln>
+          </p:spPr>
+          <p:style>
+            <a:lnRef idx="1">
+              <a:schemeClr val="accent1"/>
+            </a:lnRef>
+            <a:fillRef idx="0">
+              <a:schemeClr val="accent1"/>
+            </a:fillRef>
+            <a:effectRef idx="0">
+              <a:schemeClr val="accent1"/>
+            </a:effectRef>
+            <a:fontRef idx="minor">
+              <a:schemeClr val="tx1"/>
+            </a:fontRef>
+          </p:style>
+        </p:cxnSp>
+        <p:cxnSp>
+          <p:nvCxnSpPr>
+            <p:cNvPr id="192" name="Connettore diritto 191">
+              <a:extLst>
+                <a:ext uri="{FF2B5EF4-FFF2-40B4-BE49-F238E27FC236}">
+                  <a16:creationId xmlns:a16="http://schemas.microsoft.com/office/drawing/2014/main" id="{07C9611B-7797-C4E3-44B5-DD30D0FCDCB0}"/>
+                </a:ext>
+              </a:extLst>
+            </p:cNvPr>
+            <p:cNvCxnSpPr>
+              <a:cxnSpLocks/>
+              <a:stCxn id="183" idx="6"/>
+              <a:endCxn id="187" idx="2"/>
+            </p:cNvCxnSpPr>
+            <p:nvPr/>
+          </p:nvCxnSpPr>
+          <p:spPr>
+            <a:xfrm>
+              <a:off x="3552092" y="1037493"/>
+              <a:ext cx="334109" cy="590017"/>
+            </a:xfrm>
+            <a:prstGeom prst="line">
+              <a:avLst/>
+            </a:prstGeom>
+            <a:ln w="38100">
+              <a:solidFill>
+                <a:schemeClr val="tx1"/>
+              </a:solidFill>
+            </a:ln>
+          </p:spPr>
+          <p:style>
+            <a:lnRef idx="1">
+              <a:schemeClr val="accent1"/>
+            </a:lnRef>
+            <a:fillRef idx="0">
+              <a:schemeClr val="accent1"/>
+            </a:fillRef>
+            <a:effectRef idx="0">
+              <a:schemeClr val="accent1"/>
+            </a:effectRef>
+            <a:fontRef idx="minor">
+              <a:schemeClr val="tx1"/>
+            </a:fontRef>
+          </p:style>
+        </p:cxnSp>
+        <p:cxnSp>
+          <p:nvCxnSpPr>
+            <p:cNvPr id="193" name="Connettore diritto 192">
+              <a:extLst>
+                <a:ext uri="{FF2B5EF4-FFF2-40B4-BE49-F238E27FC236}">
+                  <a16:creationId xmlns:a16="http://schemas.microsoft.com/office/drawing/2014/main" id="{2AA77E0C-5601-B8DD-C6D7-A85E5ACC3299}"/>
+                </a:ext>
+              </a:extLst>
+            </p:cNvPr>
+            <p:cNvCxnSpPr>
+              <a:cxnSpLocks/>
+              <a:stCxn id="184" idx="6"/>
+              <a:endCxn id="187" idx="2"/>
+            </p:cNvCxnSpPr>
+            <p:nvPr/>
+          </p:nvCxnSpPr>
+          <p:spPr>
+            <a:xfrm>
+              <a:off x="3552092" y="1627510"/>
+              <a:ext cx="334109" cy="0"/>
+            </a:xfrm>
+            <a:prstGeom prst="line">
+              <a:avLst/>
+            </a:prstGeom>
+            <a:ln w="38100">
+              <a:solidFill>
+                <a:schemeClr val="tx1"/>
+              </a:solidFill>
+            </a:ln>
+          </p:spPr>
+          <p:style>
+            <a:lnRef idx="1">
+              <a:schemeClr val="accent1"/>
+            </a:lnRef>
+            <a:fillRef idx="0">
+              <a:schemeClr val="accent1"/>
+            </a:fillRef>
+            <a:effectRef idx="0">
+              <a:schemeClr val="accent1"/>
+            </a:effectRef>
+            <a:fontRef idx="minor">
+              <a:schemeClr val="tx1"/>
+            </a:fontRef>
+          </p:style>
+        </p:cxnSp>
+        <p:cxnSp>
+          <p:nvCxnSpPr>
+            <p:cNvPr id="194" name="Connettore diritto 193">
+              <a:extLst>
+                <a:ext uri="{FF2B5EF4-FFF2-40B4-BE49-F238E27FC236}">
+                  <a16:creationId xmlns:a16="http://schemas.microsoft.com/office/drawing/2014/main" id="{72ED78B6-84E8-CF05-3641-0E634A3A2ED9}"/>
+                </a:ext>
+              </a:extLst>
+            </p:cNvPr>
+            <p:cNvCxnSpPr>
+              <a:cxnSpLocks/>
+              <a:stCxn id="183" idx="6"/>
+              <a:endCxn id="188" idx="2"/>
+            </p:cNvCxnSpPr>
+            <p:nvPr/>
+          </p:nvCxnSpPr>
+          <p:spPr>
+            <a:xfrm>
+              <a:off x="3552092" y="1037493"/>
+              <a:ext cx="334109" cy="1193689"/>
+            </a:xfrm>
+            <a:prstGeom prst="line">
+              <a:avLst/>
+            </a:prstGeom>
+            <a:ln w="38100">
+              <a:solidFill>
+                <a:schemeClr val="tx1"/>
+              </a:solidFill>
+            </a:ln>
+          </p:spPr>
+          <p:style>
+            <a:lnRef idx="1">
+              <a:schemeClr val="accent1"/>
+            </a:lnRef>
+            <a:fillRef idx="0">
+              <a:schemeClr val="accent1"/>
+            </a:fillRef>
+            <a:effectRef idx="0">
+              <a:schemeClr val="accent1"/>
+            </a:effectRef>
+            <a:fontRef idx="minor">
+              <a:schemeClr val="tx1"/>
+            </a:fontRef>
+          </p:style>
+        </p:cxnSp>
+        <p:cxnSp>
+          <p:nvCxnSpPr>
+            <p:cNvPr id="195" name="Connettore diritto 194">
+              <a:extLst>
+                <a:ext uri="{FF2B5EF4-FFF2-40B4-BE49-F238E27FC236}">
+                  <a16:creationId xmlns:a16="http://schemas.microsoft.com/office/drawing/2014/main" id="{24F81070-9120-CCF5-BC28-A36D40B35962}"/>
+                </a:ext>
+              </a:extLst>
+            </p:cNvPr>
+            <p:cNvCxnSpPr>
+              <a:cxnSpLocks/>
+              <a:stCxn id="184" idx="6"/>
+              <a:endCxn id="188" idx="2"/>
+            </p:cNvCxnSpPr>
+            <p:nvPr/>
+          </p:nvCxnSpPr>
+          <p:spPr>
+            <a:xfrm>
+              <a:off x="3552092" y="1627510"/>
+              <a:ext cx="334109" cy="603672"/>
+            </a:xfrm>
+            <a:prstGeom prst="line">
+              <a:avLst/>
+            </a:prstGeom>
+            <a:ln w="38100">
+              <a:solidFill>
+                <a:schemeClr val="tx1"/>
+              </a:solidFill>
+            </a:ln>
+          </p:spPr>
+          <p:style>
+            <a:lnRef idx="1">
+              <a:schemeClr val="accent1"/>
+            </a:lnRef>
+            <a:fillRef idx="0">
+              <a:schemeClr val="accent1"/>
+            </a:fillRef>
+            <a:effectRef idx="0">
+              <a:schemeClr val="accent1"/>
+            </a:effectRef>
+            <a:fontRef idx="minor">
+              <a:schemeClr val="tx1"/>
+            </a:fontRef>
+          </p:style>
+        </p:cxnSp>
+        <p:cxnSp>
+          <p:nvCxnSpPr>
+            <p:cNvPr id="196" name="Connettore diritto 195">
+              <a:extLst>
+                <a:ext uri="{FF2B5EF4-FFF2-40B4-BE49-F238E27FC236}">
+                  <a16:creationId xmlns:a16="http://schemas.microsoft.com/office/drawing/2014/main" id="{6CBB9335-43CD-7489-B793-2CCDD36A7C71}"/>
+                </a:ext>
+              </a:extLst>
+            </p:cNvPr>
+            <p:cNvCxnSpPr>
+              <a:cxnSpLocks/>
+              <a:stCxn id="185" idx="6"/>
+              <a:endCxn id="186" idx="2"/>
+            </p:cNvCxnSpPr>
+            <p:nvPr/>
+          </p:nvCxnSpPr>
+          <p:spPr>
+            <a:xfrm flipV="1">
+              <a:off x="3552092" y="1037493"/>
+              <a:ext cx="334109" cy="1193689"/>
+            </a:xfrm>
+            <a:prstGeom prst="line">
+              <a:avLst/>
+            </a:prstGeom>
+            <a:ln w="38100">
+              <a:solidFill>
+                <a:schemeClr val="tx1"/>
+              </a:solidFill>
+            </a:ln>
+          </p:spPr>
+          <p:style>
+            <a:lnRef idx="1">
+              <a:schemeClr val="accent1"/>
+            </a:lnRef>
+            <a:fillRef idx="0">
+              <a:schemeClr val="accent1"/>
+            </a:fillRef>
+            <a:effectRef idx="0">
+              <a:schemeClr val="accent1"/>
+            </a:effectRef>
+            <a:fontRef idx="minor">
+              <a:schemeClr val="tx1"/>
+            </a:fontRef>
+          </p:style>
+        </p:cxnSp>
+        <p:cxnSp>
+          <p:nvCxnSpPr>
+            <p:cNvPr id="197" name="Connettore diritto 196">
+              <a:extLst>
+                <a:ext uri="{FF2B5EF4-FFF2-40B4-BE49-F238E27FC236}">
+                  <a16:creationId xmlns:a16="http://schemas.microsoft.com/office/drawing/2014/main" id="{68A8683C-2121-56F9-77BE-F0EA35E7197B}"/>
+                </a:ext>
+              </a:extLst>
+            </p:cNvPr>
+            <p:cNvCxnSpPr>
+              <a:cxnSpLocks/>
+              <a:stCxn id="185" idx="6"/>
+              <a:endCxn id="187" idx="2"/>
+            </p:cNvCxnSpPr>
+            <p:nvPr/>
+          </p:nvCxnSpPr>
+          <p:spPr>
+            <a:xfrm flipV="1">
+              <a:off x="3552092" y="1627510"/>
+              <a:ext cx="334109" cy="603672"/>
+            </a:xfrm>
+            <a:prstGeom prst="line">
+              <a:avLst/>
+            </a:prstGeom>
+            <a:ln w="38100">
+              <a:solidFill>
+                <a:schemeClr val="tx1"/>
+              </a:solidFill>
+            </a:ln>
+          </p:spPr>
+          <p:style>
+            <a:lnRef idx="1">
+              <a:schemeClr val="accent1"/>
+            </a:lnRef>
+            <a:fillRef idx="0">
+              <a:schemeClr val="accent1"/>
+            </a:fillRef>
+            <a:effectRef idx="0">
+              <a:schemeClr val="accent1"/>
+            </a:effectRef>
+            <a:fontRef idx="minor">
+              <a:schemeClr val="tx1"/>
+            </a:fontRef>
+          </p:style>
+        </p:cxnSp>
+        <p:cxnSp>
+          <p:nvCxnSpPr>
+            <p:cNvPr id="198" name="Connettore diritto 197">
+              <a:extLst>
+                <a:ext uri="{FF2B5EF4-FFF2-40B4-BE49-F238E27FC236}">
+                  <a16:creationId xmlns:a16="http://schemas.microsoft.com/office/drawing/2014/main" id="{72E9D574-BE1A-DEDC-3081-B890836039F2}"/>
+                </a:ext>
+              </a:extLst>
+            </p:cNvPr>
+            <p:cNvCxnSpPr>
+              <a:cxnSpLocks/>
+              <a:stCxn id="185" idx="6"/>
+              <a:endCxn id="188" idx="2"/>
+            </p:cNvCxnSpPr>
+            <p:nvPr/>
+          </p:nvCxnSpPr>
+          <p:spPr>
+            <a:xfrm>
+              <a:off x="3552092" y="2231182"/>
+              <a:ext cx="334109" cy="0"/>
+            </a:xfrm>
+            <a:prstGeom prst="line">
+              <a:avLst/>
+            </a:prstGeom>
+            <a:ln w="38100">
+              <a:solidFill>
+                <a:schemeClr val="tx1"/>
+              </a:solidFill>
+            </a:ln>
+          </p:spPr>
+          <p:style>
+            <a:lnRef idx="1">
+              <a:schemeClr val="accent1"/>
+            </a:lnRef>
+            <a:fillRef idx="0">
+              <a:schemeClr val="accent1"/>
+            </a:fillRef>
+            <a:effectRef idx="0">
+              <a:schemeClr val="accent1"/>
+            </a:effectRef>
+            <a:fontRef idx="minor">
+              <a:schemeClr val="tx1"/>
+            </a:fontRef>
+          </p:style>
+        </p:cxnSp>
+        <p:cxnSp>
+          <p:nvCxnSpPr>
+            <p:cNvPr id="199" name="Connettore diritto 198">
+              <a:extLst>
+                <a:ext uri="{FF2B5EF4-FFF2-40B4-BE49-F238E27FC236}">
+                  <a16:creationId xmlns:a16="http://schemas.microsoft.com/office/drawing/2014/main" id="{F07F7450-A2FC-F876-E38A-6EF7BF81A231}"/>
+                </a:ext>
+              </a:extLst>
+            </p:cNvPr>
+            <p:cNvCxnSpPr>
+              <a:cxnSpLocks/>
+              <a:stCxn id="186" idx="6"/>
+              <a:endCxn id="189" idx="2"/>
+            </p:cNvCxnSpPr>
+            <p:nvPr/>
+          </p:nvCxnSpPr>
+          <p:spPr>
+            <a:xfrm>
+              <a:off x="4308231" y="1037493"/>
+              <a:ext cx="334109" cy="590016"/>
+            </a:xfrm>
+            <a:prstGeom prst="line">
+              <a:avLst/>
+            </a:prstGeom>
+            <a:ln w="38100">
+              <a:solidFill>
+                <a:schemeClr val="tx1"/>
+              </a:solidFill>
+            </a:ln>
+          </p:spPr>
+          <p:style>
+            <a:lnRef idx="1">
+              <a:schemeClr val="accent1"/>
+            </a:lnRef>
+            <a:fillRef idx="0">
+              <a:schemeClr val="accent1"/>
+            </a:fillRef>
+            <a:effectRef idx="0">
+              <a:schemeClr val="accent1"/>
+            </a:effectRef>
+            <a:fontRef idx="minor">
+              <a:schemeClr val="tx1"/>
+            </a:fontRef>
+          </p:style>
+        </p:cxnSp>
+        <p:cxnSp>
+          <p:nvCxnSpPr>
+            <p:cNvPr id="200" name="Connettore diritto 199">
+              <a:extLst>
+                <a:ext uri="{FF2B5EF4-FFF2-40B4-BE49-F238E27FC236}">
+                  <a16:creationId xmlns:a16="http://schemas.microsoft.com/office/drawing/2014/main" id="{8BF8DE49-98C2-5354-BB92-B00E4B5F674D}"/>
+                </a:ext>
+              </a:extLst>
+            </p:cNvPr>
+            <p:cNvCxnSpPr>
+              <a:cxnSpLocks/>
+              <a:stCxn id="187" idx="6"/>
+              <a:endCxn id="189" idx="2"/>
+            </p:cNvCxnSpPr>
+            <p:nvPr/>
+          </p:nvCxnSpPr>
+          <p:spPr>
+            <a:xfrm flipV="1">
+              <a:off x="4308231" y="1627509"/>
+              <a:ext cx="334109" cy="1"/>
+            </a:xfrm>
+            <a:prstGeom prst="line">
+              <a:avLst/>
+            </a:prstGeom>
+            <a:ln w="38100">
+              <a:solidFill>
+                <a:schemeClr val="tx1"/>
+              </a:solidFill>
+            </a:ln>
+          </p:spPr>
+          <p:style>
+            <a:lnRef idx="1">
+              <a:schemeClr val="accent1"/>
+            </a:lnRef>
+            <a:fillRef idx="0">
+              <a:schemeClr val="accent1"/>
+            </a:fillRef>
+            <a:effectRef idx="0">
+              <a:schemeClr val="accent1"/>
+            </a:effectRef>
+            <a:fontRef idx="minor">
+              <a:schemeClr val="tx1"/>
+            </a:fontRef>
+          </p:style>
+        </p:cxnSp>
+        <p:cxnSp>
+          <p:nvCxnSpPr>
+            <p:cNvPr id="201" name="Connettore diritto 200">
+              <a:extLst>
+                <a:ext uri="{FF2B5EF4-FFF2-40B4-BE49-F238E27FC236}">
+                  <a16:creationId xmlns:a16="http://schemas.microsoft.com/office/drawing/2014/main" id="{C2643787-3E8E-200D-7A61-DE6122E75239}"/>
+                </a:ext>
+              </a:extLst>
+            </p:cNvPr>
+            <p:cNvCxnSpPr>
+              <a:cxnSpLocks/>
+              <a:stCxn id="188" idx="6"/>
+              <a:endCxn id="189" idx="2"/>
+            </p:cNvCxnSpPr>
+            <p:nvPr/>
+          </p:nvCxnSpPr>
+          <p:spPr>
+            <a:xfrm flipV="1">
+              <a:off x="4308231" y="1627509"/>
+              <a:ext cx="334109" cy="603673"/>
+            </a:xfrm>
+            <a:prstGeom prst="line">
+              <a:avLst/>
+            </a:prstGeom>
+            <a:ln w="38100">
+              <a:solidFill>
+                <a:schemeClr val="tx1"/>
+              </a:solidFill>
+            </a:ln>
+          </p:spPr>
+          <p:style>
+            <a:lnRef idx="1">
+              <a:schemeClr val="accent1"/>
+            </a:lnRef>
+            <a:fillRef idx="0">
+              <a:schemeClr val="accent1"/>
+            </a:fillRef>
+            <a:effectRef idx="0">
+              <a:schemeClr val="accent1"/>
+            </a:effectRef>
+            <a:fontRef idx="minor">
+              <a:schemeClr val="tx1"/>
+            </a:fontRef>
+          </p:style>
+        </p:cxnSp>
+      </p:grpSp>
+      <p:sp>
+        <p:nvSpPr>
+          <p:cNvPr id="202" name="CasellaDiTesto 201">
+            <a:extLst>
+              <a:ext uri="{FF2B5EF4-FFF2-40B4-BE49-F238E27FC236}">
+                <a16:creationId xmlns:a16="http://schemas.microsoft.com/office/drawing/2014/main" id="{1E18DDB3-7D82-D1A6-1866-91C81742C701}"/>
+              </a:ext>
+            </a:extLst>
+          </p:cNvPr>
+          <p:cNvSpPr txBox="1"/>
+          <p:nvPr/>
+        </p:nvSpPr>
+        <p:spPr>
+          <a:xfrm>
+            <a:off x="1930685" y="5248780"/>
+            <a:ext cx="1769533" cy="369332"/>
+          </a:xfrm>
+          <a:prstGeom prst="rect">
+            <a:avLst/>
+          </a:prstGeom>
+          <a:noFill/>
+        </p:spPr>
+        <p:txBody>
+          <a:bodyPr wrap="square" rtlCol="0">
+            <a:spAutoFit/>
+          </a:bodyPr>
+          <a:lstStyle/>
+          <a:p>
+            <a:r>
+              <a:rPr lang="en-US" dirty="0"/>
+              <a:t>Neural Network</a:t>
+            </a:r>
+          </a:p>
+        </p:txBody>
+      </p:sp>
+      <p:grpSp>
+        <p:nvGrpSpPr>
+          <p:cNvPr id="203" name="Gruppo 202">
+            <a:extLst>
+              <a:ext uri="{FF2B5EF4-FFF2-40B4-BE49-F238E27FC236}">
+                <a16:creationId xmlns:a16="http://schemas.microsoft.com/office/drawing/2014/main" id="{33C9BE89-6129-E91F-621A-B1F0BE5963CE}"/>
+              </a:ext>
+            </a:extLst>
+          </p:cNvPr>
+          <p:cNvGrpSpPr/>
+          <p:nvPr/>
+        </p:nvGrpSpPr>
+        <p:grpSpPr>
+          <a:xfrm>
+            <a:off x="299926" y="3505312"/>
+            <a:ext cx="693519" cy="1009107"/>
+            <a:chOff x="911291" y="1250302"/>
+            <a:chExt cx="1138334" cy="1810139"/>
+          </a:xfrm>
+        </p:grpSpPr>
+        <p:sp>
+          <p:nvSpPr>
+            <p:cNvPr id="204" name="Rettangolo ad angolo ripiegato 203">
+              <a:extLst>
+                <a:ext uri="{FF2B5EF4-FFF2-40B4-BE49-F238E27FC236}">
+                  <a16:creationId xmlns:a16="http://schemas.microsoft.com/office/drawing/2014/main" id="{DB9722D1-66BC-34CD-558F-8577A85B83A0}"/>
+                </a:ext>
+              </a:extLst>
+            </p:cNvPr>
+            <p:cNvSpPr/>
+            <p:nvPr/>
+          </p:nvSpPr>
+          <p:spPr>
+            <a:xfrm rot="10800000" flipH="1">
+              <a:off x="911291" y="1250302"/>
+              <a:ext cx="1138334" cy="1810139"/>
+            </a:xfrm>
+            <a:prstGeom prst="foldedCorner">
+              <a:avLst>
+                <a:gd name="adj" fmla="val 41257"/>
+              </a:avLst>
+            </a:prstGeom>
+            <a:solidFill>
+              <a:schemeClr val="bg1"/>
+            </a:solidFill>
+            <a:ln>
+              <a:solidFill>
+                <a:schemeClr val="tx1"/>
+              </a:solidFill>
+            </a:ln>
+          </p:spPr>
+          <p:style>
+            <a:lnRef idx="2">
+              <a:schemeClr val="accent1">
+                <a:shade val="15000"/>
+              </a:schemeClr>
+            </a:lnRef>
+            <a:fillRef idx="1">
+              <a:schemeClr val="accent1"/>
+            </a:fillRef>
+            <a:effectRef idx="0">
+              <a:schemeClr val="accent1"/>
+            </a:effectRef>
+            <a:fontRef idx="minor">
+              <a:schemeClr val="lt1"/>
+            </a:fontRef>
+          </p:style>
+          <p:txBody>
+            <a:bodyPr rtlCol="0" anchor="ctr"/>
+            <a:lstStyle/>
+            <a:p>
+              <a:pPr algn="ctr"/>
+              <a:endParaRPr lang="en-US"/>
+            </a:p>
+          </p:txBody>
+        </p:sp>
+        <p:cxnSp>
+          <p:nvCxnSpPr>
+            <p:cNvPr id="205" name="Connettore diritto 204">
+              <a:extLst>
+                <a:ext uri="{FF2B5EF4-FFF2-40B4-BE49-F238E27FC236}">
+                  <a16:creationId xmlns:a16="http://schemas.microsoft.com/office/drawing/2014/main" id="{6377E7A1-1AE0-641F-E2BE-B491D69C34A4}"/>
+                </a:ext>
+              </a:extLst>
+            </p:cNvPr>
+            <p:cNvCxnSpPr/>
+            <p:nvPr/>
+          </p:nvCxnSpPr>
+          <p:spPr>
+            <a:xfrm>
+              <a:off x="1028700" y="1480458"/>
+              <a:ext cx="544286" cy="0"/>
+            </a:xfrm>
+            <a:prstGeom prst="line">
+              <a:avLst/>
+            </a:prstGeom>
+            <a:ln w="38100">
+              <a:solidFill>
+                <a:schemeClr val="tx1"/>
+              </a:solidFill>
+            </a:ln>
+          </p:spPr>
+          <p:style>
+            <a:lnRef idx="1">
+              <a:schemeClr val="accent1"/>
+            </a:lnRef>
+            <a:fillRef idx="0">
+              <a:schemeClr val="accent1"/>
+            </a:fillRef>
+            <a:effectRef idx="0">
+              <a:schemeClr val="accent1"/>
+            </a:effectRef>
+            <a:fontRef idx="minor">
+              <a:schemeClr val="tx1"/>
+            </a:fontRef>
+          </p:style>
+        </p:cxnSp>
+        <p:cxnSp>
+          <p:nvCxnSpPr>
+            <p:cNvPr id="206" name="Connettore diritto 205">
+              <a:extLst>
+                <a:ext uri="{FF2B5EF4-FFF2-40B4-BE49-F238E27FC236}">
+                  <a16:creationId xmlns:a16="http://schemas.microsoft.com/office/drawing/2014/main" id="{1ED24689-B2CC-09D1-CD07-1511CB7758F5}"/>
+                </a:ext>
+              </a:extLst>
+            </p:cNvPr>
+            <p:cNvCxnSpPr/>
+            <p:nvPr/>
+          </p:nvCxnSpPr>
+          <p:spPr>
+            <a:xfrm>
+              <a:off x="1028700" y="1649186"/>
+              <a:ext cx="544286" cy="0"/>
+            </a:xfrm>
+            <a:prstGeom prst="line">
+              <a:avLst/>
+            </a:prstGeom>
+            <a:ln w="38100">
+              <a:solidFill>
+                <a:schemeClr val="tx1"/>
+              </a:solidFill>
+            </a:ln>
+          </p:spPr>
+          <p:style>
+            <a:lnRef idx="1">
+              <a:schemeClr val="accent1"/>
+            </a:lnRef>
+            <a:fillRef idx="0">
+              <a:schemeClr val="accent1"/>
+            </a:fillRef>
+            <a:effectRef idx="0">
+              <a:schemeClr val="accent1"/>
+            </a:effectRef>
+            <a:fontRef idx="minor">
+              <a:schemeClr val="tx1"/>
+            </a:fontRef>
+          </p:style>
+        </p:cxnSp>
+        <p:cxnSp>
+          <p:nvCxnSpPr>
+            <p:cNvPr id="207" name="Connettore diritto 206">
+              <a:extLst>
+                <a:ext uri="{FF2B5EF4-FFF2-40B4-BE49-F238E27FC236}">
+                  <a16:creationId xmlns:a16="http://schemas.microsoft.com/office/drawing/2014/main" id="{E3ECAD15-F9C5-143F-5895-A2F87078975E}"/>
+                </a:ext>
+              </a:extLst>
+            </p:cNvPr>
+            <p:cNvCxnSpPr>
+              <a:cxnSpLocks/>
+            </p:cNvCxnSpPr>
+            <p:nvPr/>
+          </p:nvCxnSpPr>
+          <p:spPr>
+            <a:xfrm>
+              <a:off x="1028700" y="1856015"/>
+              <a:ext cx="892629" cy="0"/>
+            </a:xfrm>
+            <a:prstGeom prst="line">
+              <a:avLst/>
+            </a:prstGeom>
+            <a:ln w="38100">
+              <a:solidFill>
+                <a:schemeClr val="tx1"/>
+              </a:solidFill>
+            </a:ln>
+          </p:spPr>
+          <p:style>
+            <a:lnRef idx="1">
+              <a:schemeClr val="accent1"/>
+            </a:lnRef>
+            <a:fillRef idx="0">
+              <a:schemeClr val="accent1"/>
+            </a:fillRef>
+            <a:effectRef idx="0">
+              <a:schemeClr val="accent1"/>
+            </a:effectRef>
+            <a:fontRef idx="minor">
+              <a:schemeClr val="tx1"/>
+            </a:fontRef>
+          </p:style>
+        </p:cxnSp>
+        <p:cxnSp>
+          <p:nvCxnSpPr>
+            <p:cNvPr id="208" name="Connettore diritto 207">
+              <a:extLst>
+                <a:ext uri="{FF2B5EF4-FFF2-40B4-BE49-F238E27FC236}">
+                  <a16:creationId xmlns:a16="http://schemas.microsoft.com/office/drawing/2014/main" id="{B9292617-D10A-DE12-FB1B-7696F9EA85CC}"/>
+                </a:ext>
+              </a:extLst>
+            </p:cNvPr>
+            <p:cNvCxnSpPr>
+              <a:cxnSpLocks/>
+            </p:cNvCxnSpPr>
+            <p:nvPr/>
+          </p:nvCxnSpPr>
+          <p:spPr>
+            <a:xfrm>
+              <a:off x="1028700" y="2024743"/>
+              <a:ext cx="892629" cy="0"/>
+            </a:xfrm>
+            <a:prstGeom prst="line">
+              <a:avLst/>
+            </a:prstGeom>
+            <a:ln w="38100">
+              <a:solidFill>
+                <a:schemeClr val="tx1"/>
+              </a:solidFill>
+            </a:ln>
+          </p:spPr>
+          <p:style>
+            <a:lnRef idx="1">
+              <a:schemeClr val="accent1"/>
+            </a:lnRef>
+            <a:fillRef idx="0">
+              <a:schemeClr val="accent1"/>
+            </a:fillRef>
+            <a:effectRef idx="0">
+              <a:schemeClr val="accent1"/>
+            </a:effectRef>
+            <a:fontRef idx="minor">
+              <a:schemeClr val="tx1"/>
+            </a:fontRef>
+          </p:style>
+        </p:cxnSp>
+        <p:cxnSp>
+          <p:nvCxnSpPr>
+            <p:cNvPr id="209" name="Connettore diritto 208">
+              <a:extLst>
+                <a:ext uri="{FF2B5EF4-FFF2-40B4-BE49-F238E27FC236}">
+                  <a16:creationId xmlns:a16="http://schemas.microsoft.com/office/drawing/2014/main" id="{BEC1FC00-86F8-9583-ACD3-49F84BECEF55}"/>
+                </a:ext>
+              </a:extLst>
+            </p:cNvPr>
+            <p:cNvCxnSpPr>
+              <a:cxnSpLocks/>
+            </p:cNvCxnSpPr>
+            <p:nvPr/>
+          </p:nvCxnSpPr>
+          <p:spPr>
+            <a:xfrm>
+              <a:off x="1028700" y="2198915"/>
+              <a:ext cx="892629" cy="0"/>
+            </a:xfrm>
+            <a:prstGeom prst="line">
+              <a:avLst/>
+            </a:prstGeom>
+            <a:ln w="38100">
+              <a:solidFill>
+                <a:schemeClr val="tx1"/>
+              </a:solidFill>
+            </a:ln>
+          </p:spPr>
+          <p:style>
+            <a:lnRef idx="1">
+              <a:schemeClr val="accent1"/>
+            </a:lnRef>
+            <a:fillRef idx="0">
+              <a:schemeClr val="accent1"/>
+            </a:fillRef>
+            <a:effectRef idx="0">
+              <a:schemeClr val="accent1"/>
+            </a:effectRef>
+            <a:fontRef idx="minor">
+              <a:schemeClr val="tx1"/>
+            </a:fontRef>
+          </p:style>
+        </p:cxnSp>
+        <p:cxnSp>
+          <p:nvCxnSpPr>
+            <p:cNvPr id="210" name="Connettore diritto 209">
+              <a:extLst>
+                <a:ext uri="{FF2B5EF4-FFF2-40B4-BE49-F238E27FC236}">
+                  <a16:creationId xmlns:a16="http://schemas.microsoft.com/office/drawing/2014/main" id="{EF251F8B-A730-1D45-77BC-CD65AB854CBD}"/>
+                </a:ext>
+              </a:extLst>
+            </p:cNvPr>
+            <p:cNvCxnSpPr>
+              <a:cxnSpLocks/>
+            </p:cNvCxnSpPr>
+            <p:nvPr/>
+          </p:nvCxnSpPr>
+          <p:spPr>
+            <a:xfrm>
+              <a:off x="1028700" y="2367643"/>
+              <a:ext cx="892629" cy="0"/>
+            </a:xfrm>
+            <a:prstGeom prst="line">
+              <a:avLst/>
+            </a:prstGeom>
+            <a:ln w="38100">
+              <a:solidFill>
+                <a:schemeClr val="tx1"/>
+              </a:solidFill>
+            </a:ln>
+          </p:spPr>
+          <p:style>
+            <a:lnRef idx="1">
+              <a:schemeClr val="accent1"/>
+            </a:lnRef>
+            <a:fillRef idx="0">
+              <a:schemeClr val="accent1"/>
+            </a:fillRef>
+            <a:effectRef idx="0">
+              <a:schemeClr val="accent1"/>
+            </a:effectRef>
+            <a:fontRef idx="minor">
+              <a:schemeClr val="tx1"/>
+            </a:fontRef>
+          </p:style>
+        </p:cxnSp>
+        <p:cxnSp>
+          <p:nvCxnSpPr>
+            <p:cNvPr id="211" name="Connettore diritto 210">
+              <a:extLst>
+                <a:ext uri="{FF2B5EF4-FFF2-40B4-BE49-F238E27FC236}">
+                  <a16:creationId xmlns:a16="http://schemas.microsoft.com/office/drawing/2014/main" id="{B758B4B6-70C4-1240-C932-E4160600553C}"/>
+                </a:ext>
+              </a:extLst>
+            </p:cNvPr>
+            <p:cNvCxnSpPr>
+              <a:cxnSpLocks/>
+            </p:cNvCxnSpPr>
+            <p:nvPr/>
+          </p:nvCxnSpPr>
+          <p:spPr>
+            <a:xfrm>
+              <a:off x="1028699" y="2503715"/>
+              <a:ext cx="892629" cy="0"/>
+            </a:xfrm>
+            <a:prstGeom prst="line">
+              <a:avLst/>
+            </a:prstGeom>
+            <a:ln w="38100">
+              <a:solidFill>
+                <a:schemeClr val="tx1"/>
+              </a:solidFill>
+            </a:ln>
+          </p:spPr>
+          <p:style>
+            <a:lnRef idx="1">
+              <a:schemeClr val="accent1"/>
+            </a:lnRef>
+            <a:fillRef idx="0">
+              <a:schemeClr val="accent1"/>
+            </a:fillRef>
+            <a:effectRef idx="0">
+              <a:schemeClr val="accent1"/>
+            </a:effectRef>
+            <a:fontRef idx="minor">
+              <a:schemeClr val="tx1"/>
+            </a:fontRef>
+          </p:style>
+        </p:cxnSp>
+        <p:cxnSp>
+          <p:nvCxnSpPr>
+            <p:cNvPr id="212" name="Connettore diritto 211">
+              <a:extLst>
+                <a:ext uri="{FF2B5EF4-FFF2-40B4-BE49-F238E27FC236}">
+                  <a16:creationId xmlns:a16="http://schemas.microsoft.com/office/drawing/2014/main" id="{5F2E3691-0454-A844-78A5-C562E1C9F477}"/>
+                </a:ext>
+              </a:extLst>
+            </p:cNvPr>
+            <p:cNvCxnSpPr>
+              <a:cxnSpLocks/>
+            </p:cNvCxnSpPr>
+            <p:nvPr/>
+          </p:nvCxnSpPr>
+          <p:spPr>
+            <a:xfrm>
+              <a:off x="1028699" y="2672443"/>
+              <a:ext cx="495301" cy="0"/>
+            </a:xfrm>
+            <a:prstGeom prst="line">
+              <a:avLst/>
+            </a:prstGeom>
+            <a:ln w="38100">
+              <a:solidFill>
+                <a:schemeClr val="tx1"/>
+              </a:solidFill>
+            </a:ln>
+          </p:spPr>
+          <p:style>
+            <a:lnRef idx="1">
+              <a:schemeClr val="accent1"/>
+            </a:lnRef>
+            <a:fillRef idx="0">
+              <a:schemeClr val="accent1"/>
+            </a:fillRef>
+            <a:effectRef idx="0">
+              <a:schemeClr val="accent1"/>
+            </a:effectRef>
+            <a:fontRef idx="minor">
+              <a:schemeClr val="tx1"/>
+            </a:fontRef>
+          </p:style>
+        </p:cxnSp>
+      </p:grpSp>
+      <p:grpSp>
+        <p:nvGrpSpPr>
+          <p:cNvPr id="213" name="Gruppo 212">
+            <a:extLst>
+              <a:ext uri="{FF2B5EF4-FFF2-40B4-BE49-F238E27FC236}">
+                <a16:creationId xmlns:a16="http://schemas.microsoft.com/office/drawing/2014/main" id="{769B8113-144A-BBF1-16BE-A56FE2FD6079}"/>
+              </a:ext>
+            </a:extLst>
+          </p:cNvPr>
+          <p:cNvGrpSpPr/>
+          <p:nvPr/>
+        </p:nvGrpSpPr>
+        <p:grpSpPr>
+          <a:xfrm>
+            <a:off x="524722" y="3952600"/>
+            <a:ext cx="693519" cy="1009107"/>
+            <a:chOff x="911291" y="1250302"/>
+            <a:chExt cx="1138334" cy="1810139"/>
+          </a:xfrm>
+        </p:grpSpPr>
+        <p:sp>
+          <p:nvSpPr>
+            <p:cNvPr id="214" name="Rettangolo ad angolo ripiegato 213">
+              <a:extLst>
+                <a:ext uri="{FF2B5EF4-FFF2-40B4-BE49-F238E27FC236}">
+                  <a16:creationId xmlns:a16="http://schemas.microsoft.com/office/drawing/2014/main" id="{3A0262D8-6D2F-90C4-49D4-155B38E2D6C5}"/>
+                </a:ext>
+              </a:extLst>
+            </p:cNvPr>
+            <p:cNvSpPr/>
+            <p:nvPr/>
+          </p:nvSpPr>
+          <p:spPr>
+            <a:xfrm rot="10800000" flipH="1">
+              <a:off x="911291" y="1250302"/>
+              <a:ext cx="1138334" cy="1810139"/>
+            </a:xfrm>
+            <a:prstGeom prst="foldedCorner">
+              <a:avLst>
+                <a:gd name="adj" fmla="val 41257"/>
+              </a:avLst>
+            </a:prstGeom>
+            <a:solidFill>
+              <a:schemeClr val="bg1"/>
+            </a:solidFill>
+            <a:ln>
+              <a:solidFill>
+                <a:schemeClr val="tx1"/>
+              </a:solidFill>
+            </a:ln>
+          </p:spPr>
+          <p:style>
+            <a:lnRef idx="2">
+              <a:schemeClr val="accent1">
+                <a:shade val="15000"/>
+              </a:schemeClr>
+            </a:lnRef>
+            <a:fillRef idx="1">
+              <a:schemeClr val="accent1"/>
+            </a:fillRef>
+            <a:effectRef idx="0">
+              <a:schemeClr val="accent1"/>
+            </a:effectRef>
+            <a:fontRef idx="minor">
+              <a:schemeClr val="lt1"/>
+            </a:fontRef>
+          </p:style>
+          <p:txBody>
+            <a:bodyPr rtlCol="0" anchor="ctr"/>
+            <a:lstStyle/>
+            <a:p>
+              <a:pPr algn="ctr"/>
+              <a:endParaRPr lang="en-US"/>
+            </a:p>
+          </p:txBody>
+        </p:sp>
+        <p:cxnSp>
+          <p:nvCxnSpPr>
+            <p:cNvPr id="215" name="Connettore diritto 214">
+              <a:extLst>
+                <a:ext uri="{FF2B5EF4-FFF2-40B4-BE49-F238E27FC236}">
+                  <a16:creationId xmlns:a16="http://schemas.microsoft.com/office/drawing/2014/main" id="{34F689BB-8050-3D58-AE61-DD3A8A770719}"/>
+                </a:ext>
+              </a:extLst>
+            </p:cNvPr>
+            <p:cNvCxnSpPr/>
+            <p:nvPr/>
+          </p:nvCxnSpPr>
+          <p:spPr>
+            <a:xfrm>
+              <a:off x="1028700" y="1480458"/>
+              <a:ext cx="544286" cy="0"/>
+            </a:xfrm>
+            <a:prstGeom prst="line">
+              <a:avLst/>
+            </a:prstGeom>
+            <a:ln w="38100">
+              <a:solidFill>
+                <a:schemeClr val="tx1"/>
+              </a:solidFill>
+            </a:ln>
+          </p:spPr>
+          <p:style>
+            <a:lnRef idx="1">
+              <a:schemeClr val="accent1"/>
+            </a:lnRef>
+            <a:fillRef idx="0">
+              <a:schemeClr val="accent1"/>
+            </a:fillRef>
+            <a:effectRef idx="0">
+              <a:schemeClr val="accent1"/>
+            </a:effectRef>
+            <a:fontRef idx="minor">
+              <a:schemeClr val="tx1"/>
+            </a:fontRef>
+          </p:style>
+        </p:cxnSp>
+        <p:cxnSp>
+          <p:nvCxnSpPr>
+            <p:cNvPr id="216" name="Connettore diritto 215">
+              <a:extLst>
+                <a:ext uri="{FF2B5EF4-FFF2-40B4-BE49-F238E27FC236}">
+                  <a16:creationId xmlns:a16="http://schemas.microsoft.com/office/drawing/2014/main" id="{7583D913-BC1D-C779-45C5-6F707D9F7BDB}"/>
+                </a:ext>
+              </a:extLst>
+            </p:cNvPr>
+            <p:cNvCxnSpPr/>
+            <p:nvPr/>
+          </p:nvCxnSpPr>
+          <p:spPr>
+            <a:xfrm>
+              <a:off x="1028700" y="1649186"/>
+              <a:ext cx="544286" cy="0"/>
+            </a:xfrm>
+            <a:prstGeom prst="line">
+              <a:avLst/>
+            </a:prstGeom>
+            <a:ln w="38100">
+              <a:solidFill>
+                <a:schemeClr val="tx1"/>
+              </a:solidFill>
+            </a:ln>
+          </p:spPr>
+          <p:style>
+            <a:lnRef idx="1">
+              <a:schemeClr val="accent1"/>
+            </a:lnRef>
+            <a:fillRef idx="0">
+              <a:schemeClr val="accent1"/>
+            </a:fillRef>
+            <a:effectRef idx="0">
+              <a:schemeClr val="accent1"/>
+            </a:effectRef>
+            <a:fontRef idx="minor">
+              <a:schemeClr val="tx1"/>
+            </a:fontRef>
+          </p:style>
+        </p:cxnSp>
+        <p:cxnSp>
+          <p:nvCxnSpPr>
+            <p:cNvPr id="217" name="Connettore diritto 216">
+              <a:extLst>
+                <a:ext uri="{FF2B5EF4-FFF2-40B4-BE49-F238E27FC236}">
+                  <a16:creationId xmlns:a16="http://schemas.microsoft.com/office/drawing/2014/main" id="{2AD3F2F6-1D58-E8FC-0640-5B8081D35FA7}"/>
+                </a:ext>
+              </a:extLst>
+            </p:cNvPr>
+            <p:cNvCxnSpPr>
+              <a:cxnSpLocks/>
+            </p:cNvCxnSpPr>
+            <p:nvPr/>
+          </p:nvCxnSpPr>
+          <p:spPr>
+            <a:xfrm>
+              <a:off x="1028700" y="1856015"/>
+              <a:ext cx="892629" cy="0"/>
+            </a:xfrm>
+            <a:prstGeom prst="line">
+              <a:avLst/>
+            </a:prstGeom>
+            <a:ln w="38100">
+              <a:solidFill>
+                <a:schemeClr val="tx1"/>
+              </a:solidFill>
+            </a:ln>
+          </p:spPr>
+          <p:style>
+            <a:lnRef idx="1">
+              <a:schemeClr val="accent1"/>
+            </a:lnRef>
+            <a:fillRef idx="0">
+              <a:schemeClr val="accent1"/>
+            </a:fillRef>
+            <a:effectRef idx="0">
+              <a:schemeClr val="accent1"/>
+            </a:effectRef>
+            <a:fontRef idx="minor">
+              <a:schemeClr val="tx1"/>
+            </a:fontRef>
+          </p:style>
+        </p:cxnSp>
+        <p:cxnSp>
+          <p:nvCxnSpPr>
+            <p:cNvPr id="218" name="Connettore diritto 217">
+              <a:extLst>
+                <a:ext uri="{FF2B5EF4-FFF2-40B4-BE49-F238E27FC236}">
+                  <a16:creationId xmlns:a16="http://schemas.microsoft.com/office/drawing/2014/main" id="{56ECAC24-0AA7-039D-0265-2BFA86ACFF4D}"/>
+                </a:ext>
+              </a:extLst>
+            </p:cNvPr>
+            <p:cNvCxnSpPr>
+              <a:cxnSpLocks/>
+            </p:cNvCxnSpPr>
+            <p:nvPr/>
+          </p:nvCxnSpPr>
+          <p:spPr>
+            <a:xfrm>
+              <a:off x="1028700" y="2024743"/>
+              <a:ext cx="892629" cy="0"/>
+            </a:xfrm>
+            <a:prstGeom prst="line">
+              <a:avLst/>
+            </a:prstGeom>
+            <a:ln w="38100">
+              <a:solidFill>
+                <a:schemeClr val="tx1"/>
+              </a:solidFill>
+            </a:ln>
+          </p:spPr>
+          <p:style>
+            <a:lnRef idx="1">
+              <a:schemeClr val="accent1"/>
+            </a:lnRef>
+            <a:fillRef idx="0">
+              <a:schemeClr val="accent1"/>
+            </a:fillRef>
+            <a:effectRef idx="0">
+              <a:schemeClr val="accent1"/>
+            </a:effectRef>
+            <a:fontRef idx="minor">
+              <a:schemeClr val="tx1"/>
+            </a:fontRef>
+          </p:style>
+        </p:cxnSp>
+        <p:cxnSp>
+          <p:nvCxnSpPr>
+            <p:cNvPr id="219" name="Connettore diritto 218">
+              <a:extLst>
+                <a:ext uri="{FF2B5EF4-FFF2-40B4-BE49-F238E27FC236}">
+                  <a16:creationId xmlns:a16="http://schemas.microsoft.com/office/drawing/2014/main" id="{D6CC5094-C39A-1875-6067-7870BE4F715C}"/>
+                </a:ext>
+              </a:extLst>
+            </p:cNvPr>
+            <p:cNvCxnSpPr>
+              <a:cxnSpLocks/>
+            </p:cNvCxnSpPr>
+            <p:nvPr/>
+          </p:nvCxnSpPr>
+          <p:spPr>
+            <a:xfrm>
+              <a:off x="1028700" y="2198915"/>
+              <a:ext cx="892629" cy="0"/>
+            </a:xfrm>
+            <a:prstGeom prst="line">
+              <a:avLst/>
+            </a:prstGeom>
+            <a:ln w="38100">
+              <a:solidFill>
+                <a:schemeClr val="tx1"/>
+              </a:solidFill>
+            </a:ln>
+          </p:spPr>
+          <p:style>
+            <a:lnRef idx="1">
+              <a:schemeClr val="accent1"/>
+            </a:lnRef>
+            <a:fillRef idx="0">
+              <a:schemeClr val="accent1"/>
+            </a:fillRef>
+            <a:effectRef idx="0">
+              <a:schemeClr val="accent1"/>
+            </a:effectRef>
+            <a:fontRef idx="minor">
+              <a:schemeClr val="tx1"/>
+            </a:fontRef>
+          </p:style>
+        </p:cxnSp>
+        <p:cxnSp>
+          <p:nvCxnSpPr>
+            <p:cNvPr id="220" name="Connettore diritto 219">
+              <a:extLst>
+                <a:ext uri="{FF2B5EF4-FFF2-40B4-BE49-F238E27FC236}">
+                  <a16:creationId xmlns:a16="http://schemas.microsoft.com/office/drawing/2014/main" id="{05DB7E5A-64EB-C9C1-51B3-D0D49C212335}"/>
+                </a:ext>
+              </a:extLst>
+            </p:cNvPr>
+            <p:cNvCxnSpPr>
+              <a:cxnSpLocks/>
+            </p:cNvCxnSpPr>
+            <p:nvPr/>
+          </p:nvCxnSpPr>
+          <p:spPr>
+            <a:xfrm>
+              <a:off x="1028700" y="2367643"/>
+              <a:ext cx="892629" cy="0"/>
+            </a:xfrm>
+            <a:prstGeom prst="line">
+              <a:avLst/>
+            </a:prstGeom>
+            <a:ln w="38100">
+              <a:solidFill>
+                <a:schemeClr val="tx1"/>
+              </a:solidFill>
+            </a:ln>
+          </p:spPr>
+          <p:style>
+            <a:lnRef idx="1">
+              <a:schemeClr val="accent1"/>
+            </a:lnRef>
+            <a:fillRef idx="0">
+              <a:schemeClr val="accent1"/>
+            </a:fillRef>
+            <a:effectRef idx="0">
+              <a:schemeClr val="accent1"/>
+            </a:effectRef>
+            <a:fontRef idx="minor">
+              <a:schemeClr val="tx1"/>
+            </a:fontRef>
+          </p:style>
+        </p:cxnSp>
+        <p:cxnSp>
+          <p:nvCxnSpPr>
+            <p:cNvPr id="221" name="Connettore diritto 220">
+              <a:extLst>
+                <a:ext uri="{FF2B5EF4-FFF2-40B4-BE49-F238E27FC236}">
+                  <a16:creationId xmlns:a16="http://schemas.microsoft.com/office/drawing/2014/main" id="{7339C668-4825-AF80-D905-3302F10B8E68}"/>
+                </a:ext>
+              </a:extLst>
+            </p:cNvPr>
+            <p:cNvCxnSpPr>
+              <a:cxnSpLocks/>
+            </p:cNvCxnSpPr>
+            <p:nvPr/>
+          </p:nvCxnSpPr>
+          <p:spPr>
+            <a:xfrm>
+              <a:off x="1028699" y="2503715"/>
+              <a:ext cx="892629" cy="0"/>
+            </a:xfrm>
+            <a:prstGeom prst="line">
+              <a:avLst/>
+            </a:prstGeom>
+            <a:ln w="38100">
+              <a:solidFill>
+                <a:schemeClr val="tx1"/>
+              </a:solidFill>
+            </a:ln>
+          </p:spPr>
+          <p:style>
+            <a:lnRef idx="1">
+              <a:schemeClr val="accent1"/>
+            </a:lnRef>
+            <a:fillRef idx="0">
+              <a:schemeClr val="accent1"/>
+            </a:fillRef>
+            <a:effectRef idx="0">
+              <a:schemeClr val="accent1"/>
+            </a:effectRef>
+            <a:fontRef idx="minor">
+              <a:schemeClr val="tx1"/>
+            </a:fontRef>
+          </p:style>
+        </p:cxnSp>
+        <p:cxnSp>
+          <p:nvCxnSpPr>
+            <p:cNvPr id="222" name="Connettore diritto 221">
+              <a:extLst>
+                <a:ext uri="{FF2B5EF4-FFF2-40B4-BE49-F238E27FC236}">
+                  <a16:creationId xmlns:a16="http://schemas.microsoft.com/office/drawing/2014/main" id="{C3CE425C-F85B-AEBC-A309-7151522D25B2}"/>
+                </a:ext>
+              </a:extLst>
+            </p:cNvPr>
+            <p:cNvCxnSpPr>
+              <a:cxnSpLocks/>
+            </p:cNvCxnSpPr>
+            <p:nvPr/>
+          </p:nvCxnSpPr>
+          <p:spPr>
+            <a:xfrm>
+              <a:off x="1028699" y="2672443"/>
+              <a:ext cx="495301" cy="0"/>
+            </a:xfrm>
+            <a:prstGeom prst="line">
+              <a:avLst/>
+            </a:prstGeom>
+            <a:ln w="38100">
+              <a:solidFill>
+                <a:schemeClr val="tx1"/>
+              </a:solidFill>
+            </a:ln>
+          </p:spPr>
+          <p:style>
+            <a:lnRef idx="1">
+              <a:schemeClr val="accent1"/>
+            </a:lnRef>
+            <a:fillRef idx="0">
+              <a:schemeClr val="accent1"/>
+            </a:fillRef>
+            <a:effectRef idx="0">
+              <a:schemeClr val="accent1"/>
+            </a:effectRef>
+            <a:fontRef idx="minor">
+              <a:schemeClr val="tx1"/>
+            </a:fontRef>
+          </p:style>
+        </p:cxnSp>
+      </p:grpSp>
+      <p:grpSp>
+        <p:nvGrpSpPr>
+          <p:cNvPr id="223" name="Gruppo 222">
+            <a:extLst>
+              <a:ext uri="{FF2B5EF4-FFF2-40B4-BE49-F238E27FC236}">
+                <a16:creationId xmlns:a16="http://schemas.microsoft.com/office/drawing/2014/main" id="{52A24C73-0D2E-F947-D2A5-DFDD90D31F0C}"/>
+              </a:ext>
+            </a:extLst>
+          </p:cNvPr>
+          <p:cNvGrpSpPr/>
+          <p:nvPr/>
+        </p:nvGrpSpPr>
+        <p:grpSpPr>
+          <a:xfrm>
+            <a:off x="781906" y="4377138"/>
+            <a:ext cx="693519" cy="1009107"/>
+            <a:chOff x="911291" y="1250302"/>
+            <a:chExt cx="1138334" cy="1810139"/>
+          </a:xfrm>
+        </p:grpSpPr>
+        <p:sp>
+          <p:nvSpPr>
+            <p:cNvPr id="224" name="Rettangolo ad angolo ripiegato 223">
+              <a:extLst>
+                <a:ext uri="{FF2B5EF4-FFF2-40B4-BE49-F238E27FC236}">
+                  <a16:creationId xmlns:a16="http://schemas.microsoft.com/office/drawing/2014/main" id="{41FBD42D-F4B4-03B4-5D3B-C13EDCD5F909}"/>
+                </a:ext>
+              </a:extLst>
+            </p:cNvPr>
+            <p:cNvSpPr/>
+            <p:nvPr/>
+          </p:nvSpPr>
+          <p:spPr>
+            <a:xfrm rot="10800000" flipH="1">
+              <a:off x="911291" y="1250302"/>
+              <a:ext cx="1138334" cy="1810139"/>
+            </a:xfrm>
+            <a:prstGeom prst="foldedCorner">
+              <a:avLst>
+                <a:gd name="adj" fmla="val 41257"/>
+              </a:avLst>
+            </a:prstGeom>
+            <a:solidFill>
+              <a:schemeClr val="bg1"/>
+            </a:solidFill>
+            <a:ln>
+              <a:solidFill>
+                <a:schemeClr val="tx1"/>
+              </a:solidFill>
+            </a:ln>
+          </p:spPr>
+          <p:style>
+            <a:lnRef idx="2">
+              <a:schemeClr val="accent1">
+                <a:shade val="15000"/>
+              </a:schemeClr>
+            </a:lnRef>
+            <a:fillRef idx="1">
+              <a:schemeClr val="accent1"/>
+            </a:fillRef>
+            <a:effectRef idx="0">
+              <a:schemeClr val="accent1"/>
+            </a:effectRef>
+            <a:fontRef idx="minor">
+              <a:schemeClr val="lt1"/>
+            </a:fontRef>
+          </p:style>
+          <p:txBody>
+            <a:bodyPr rtlCol="0" anchor="ctr"/>
+            <a:lstStyle/>
+            <a:p>
+              <a:pPr algn="ctr"/>
+              <a:endParaRPr lang="en-US"/>
+            </a:p>
+          </p:txBody>
+        </p:sp>
+        <p:cxnSp>
+          <p:nvCxnSpPr>
+            <p:cNvPr id="225" name="Connettore diritto 224">
+              <a:extLst>
+                <a:ext uri="{FF2B5EF4-FFF2-40B4-BE49-F238E27FC236}">
+                  <a16:creationId xmlns:a16="http://schemas.microsoft.com/office/drawing/2014/main" id="{231B3167-828C-34DF-8C41-732AB4EFCFAB}"/>
+                </a:ext>
+              </a:extLst>
+            </p:cNvPr>
+            <p:cNvCxnSpPr/>
+            <p:nvPr/>
+          </p:nvCxnSpPr>
+          <p:spPr>
+            <a:xfrm>
+              <a:off x="1028700" y="1480458"/>
+              <a:ext cx="544286" cy="0"/>
+            </a:xfrm>
+            <a:prstGeom prst="line">
+              <a:avLst/>
+            </a:prstGeom>
+            <a:ln w="38100">
+              <a:solidFill>
+                <a:schemeClr val="tx1"/>
+              </a:solidFill>
+            </a:ln>
+          </p:spPr>
+          <p:style>
+            <a:lnRef idx="1">
+              <a:schemeClr val="accent1"/>
+            </a:lnRef>
+            <a:fillRef idx="0">
+              <a:schemeClr val="accent1"/>
+            </a:fillRef>
+            <a:effectRef idx="0">
+              <a:schemeClr val="accent1"/>
+            </a:effectRef>
+            <a:fontRef idx="minor">
+              <a:schemeClr val="tx1"/>
+            </a:fontRef>
+          </p:style>
+        </p:cxnSp>
+        <p:cxnSp>
+          <p:nvCxnSpPr>
+            <p:cNvPr id="226" name="Connettore diritto 225">
+              <a:extLst>
+                <a:ext uri="{FF2B5EF4-FFF2-40B4-BE49-F238E27FC236}">
+                  <a16:creationId xmlns:a16="http://schemas.microsoft.com/office/drawing/2014/main" id="{CA1BDA74-7002-DF12-7FC3-B798FF13237F}"/>
+                </a:ext>
+              </a:extLst>
+            </p:cNvPr>
+            <p:cNvCxnSpPr/>
+            <p:nvPr/>
+          </p:nvCxnSpPr>
+          <p:spPr>
+            <a:xfrm>
+              <a:off x="1028700" y="1649186"/>
+              <a:ext cx="544286" cy="0"/>
+            </a:xfrm>
+            <a:prstGeom prst="line">
+              <a:avLst/>
+            </a:prstGeom>
+            <a:ln w="38100">
+              <a:solidFill>
+                <a:schemeClr val="tx1"/>
+              </a:solidFill>
+            </a:ln>
+          </p:spPr>
+          <p:style>
+            <a:lnRef idx="1">
+              <a:schemeClr val="accent1"/>
+            </a:lnRef>
+            <a:fillRef idx="0">
+              <a:schemeClr val="accent1"/>
+            </a:fillRef>
+            <a:effectRef idx="0">
+              <a:schemeClr val="accent1"/>
+            </a:effectRef>
+            <a:fontRef idx="minor">
+              <a:schemeClr val="tx1"/>
+            </a:fontRef>
+          </p:style>
+        </p:cxnSp>
+        <p:cxnSp>
+          <p:nvCxnSpPr>
+            <p:cNvPr id="227" name="Connettore diritto 226">
+              <a:extLst>
+                <a:ext uri="{FF2B5EF4-FFF2-40B4-BE49-F238E27FC236}">
+                  <a16:creationId xmlns:a16="http://schemas.microsoft.com/office/drawing/2014/main" id="{78999004-1F26-D974-0CBA-B34F8C8E83DC}"/>
+                </a:ext>
+              </a:extLst>
+            </p:cNvPr>
+            <p:cNvCxnSpPr>
+              <a:cxnSpLocks/>
+            </p:cNvCxnSpPr>
+            <p:nvPr/>
+          </p:nvCxnSpPr>
+          <p:spPr>
+            <a:xfrm>
+              <a:off x="1028700" y="1856015"/>
+              <a:ext cx="892629" cy="0"/>
+            </a:xfrm>
+            <a:prstGeom prst="line">
+              <a:avLst/>
+            </a:prstGeom>
+            <a:ln w="38100">
+              <a:solidFill>
+                <a:schemeClr val="tx1"/>
+              </a:solidFill>
+            </a:ln>
+          </p:spPr>
+          <p:style>
+            <a:lnRef idx="1">
+              <a:schemeClr val="accent1"/>
+            </a:lnRef>
+            <a:fillRef idx="0">
+              <a:schemeClr val="accent1"/>
+            </a:fillRef>
+            <a:effectRef idx="0">
+              <a:schemeClr val="accent1"/>
+            </a:effectRef>
+            <a:fontRef idx="minor">
+              <a:schemeClr val="tx1"/>
+            </a:fontRef>
+          </p:style>
+        </p:cxnSp>
+        <p:cxnSp>
+          <p:nvCxnSpPr>
+            <p:cNvPr id="228" name="Connettore diritto 227">
+              <a:extLst>
+                <a:ext uri="{FF2B5EF4-FFF2-40B4-BE49-F238E27FC236}">
+                  <a16:creationId xmlns:a16="http://schemas.microsoft.com/office/drawing/2014/main" id="{B02C6547-2D12-D01C-5078-8BE64388016E}"/>
+                </a:ext>
+              </a:extLst>
+            </p:cNvPr>
+            <p:cNvCxnSpPr>
+              <a:cxnSpLocks/>
+            </p:cNvCxnSpPr>
+            <p:nvPr/>
+          </p:nvCxnSpPr>
+          <p:spPr>
+            <a:xfrm>
+              <a:off x="1028700" y="2024743"/>
+              <a:ext cx="892629" cy="0"/>
+            </a:xfrm>
+            <a:prstGeom prst="line">
+              <a:avLst/>
+            </a:prstGeom>
+            <a:ln w="38100">
+              <a:solidFill>
+                <a:schemeClr val="tx1"/>
+              </a:solidFill>
+            </a:ln>
+          </p:spPr>
+          <p:style>
+            <a:lnRef idx="1">
+              <a:schemeClr val="accent1"/>
+            </a:lnRef>
+            <a:fillRef idx="0">
+              <a:schemeClr val="accent1"/>
+            </a:fillRef>
+            <a:effectRef idx="0">
+              <a:schemeClr val="accent1"/>
+            </a:effectRef>
+            <a:fontRef idx="minor">
+              <a:schemeClr val="tx1"/>
+            </a:fontRef>
+          </p:style>
+        </p:cxnSp>
+        <p:cxnSp>
+          <p:nvCxnSpPr>
+            <p:cNvPr id="229" name="Connettore diritto 228">
+              <a:extLst>
+                <a:ext uri="{FF2B5EF4-FFF2-40B4-BE49-F238E27FC236}">
+                  <a16:creationId xmlns:a16="http://schemas.microsoft.com/office/drawing/2014/main" id="{A043B80C-4CC6-0D49-7F38-5A0A87A547ED}"/>
+                </a:ext>
+              </a:extLst>
+            </p:cNvPr>
+            <p:cNvCxnSpPr>
+              <a:cxnSpLocks/>
+            </p:cNvCxnSpPr>
+            <p:nvPr/>
+          </p:nvCxnSpPr>
+          <p:spPr>
+            <a:xfrm>
+              <a:off x="1028700" y="2198915"/>
+              <a:ext cx="892629" cy="0"/>
+            </a:xfrm>
+            <a:prstGeom prst="line">
+              <a:avLst/>
+            </a:prstGeom>
+            <a:ln w="38100">
+              <a:solidFill>
+                <a:schemeClr val="tx1"/>
+              </a:solidFill>
+            </a:ln>
+          </p:spPr>
+          <p:style>
+            <a:lnRef idx="1">
+              <a:schemeClr val="accent1"/>
+            </a:lnRef>
+            <a:fillRef idx="0">
+              <a:schemeClr val="accent1"/>
+            </a:fillRef>
+            <a:effectRef idx="0">
+              <a:schemeClr val="accent1"/>
+            </a:effectRef>
+            <a:fontRef idx="minor">
+              <a:schemeClr val="tx1"/>
+            </a:fontRef>
+          </p:style>
+        </p:cxnSp>
+        <p:cxnSp>
+          <p:nvCxnSpPr>
+            <p:cNvPr id="230" name="Connettore diritto 229">
+              <a:extLst>
+                <a:ext uri="{FF2B5EF4-FFF2-40B4-BE49-F238E27FC236}">
+                  <a16:creationId xmlns:a16="http://schemas.microsoft.com/office/drawing/2014/main" id="{3014AD45-EB13-6F11-E673-4188D4AE018D}"/>
+                </a:ext>
+              </a:extLst>
+            </p:cNvPr>
+            <p:cNvCxnSpPr>
+              <a:cxnSpLocks/>
+            </p:cNvCxnSpPr>
+            <p:nvPr/>
+          </p:nvCxnSpPr>
+          <p:spPr>
+            <a:xfrm>
+              <a:off x="1028700" y="2367643"/>
+              <a:ext cx="892629" cy="0"/>
+            </a:xfrm>
+            <a:prstGeom prst="line">
+              <a:avLst/>
+            </a:prstGeom>
+            <a:ln w="38100">
+              <a:solidFill>
+                <a:schemeClr val="tx1"/>
+              </a:solidFill>
+            </a:ln>
+          </p:spPr>
+          <p:style>
+            <a:lnRef idx="1">
+              <a:schemeClr val="accent1"/>
+            </a:lnRef>
+            <a:fillRef idx="0">
+              <a:schemeClr val="accent1"/>
+            </a:fillRef>
+            <a:effectRef idx="0">
+              <a:schemeClr val="accent1"/>
+            </a:effectRef>
+            <a:fontRef idx="minor">
+              <a:schemeClr val="tx1"/>
+            </a:fontRef>
+          </p:style>
+        </p:cxnSp>
+        <p:cxnSp>
+          <p:nvCxnSpPr>
+            <p:cNvPr id="231" name="Connettore diritto 230">
+              <a:extLst>
+                <a:ext uri="{FF2B5EF4-FFF2-40B4-BE49-F238E27FC236}">
+                  <a16:creationId xmlns:a16="http://schemas.microsoft.com/office/drawing/2014/main" id="{3F094A13-386D-CE68-9F79-9D861A84674E}"/>
+                </a:ext>
+              </a:extLst>
+            </p:cNvPr>
+            <p:cNvCxnSpPr>
+              <a:cxnSpLocks/>
+            </p:cNvCxnSpPr>
+            <p:nvPr/>
+          </p:nvCxnSpPr>
+          <p:spPr>
+            <a:xfrm>
+              <a:off x="1028699" y="2503715"/>
+              <a:ext cx="892629" cy="0"/>
+            </a:xfrm>
+            <a:prstGeom prst="line">
+              <a:avLst/>
+            </a:prstGeom>
+            <a:ln w="38100">
+              <a:solidFill>
+                <a:schemeClr val="tx1"/>
+              </a:solidFill>
+            </a:ln>
+          </p:spPr>
+          <p:style>
+            <a:lnRef idx="1">
+              <a:schemeClr val="accent1"/>
+            </a:lnRef>
+            <a:fillRef idx="0">
+              <a:schemeClr val="accent1"/>
+            </a:fillRef>
+            <a:effectRef idx="0">
+              <a:schemeClr val="accent1"/>
+            </a:effectRef>
+            <a:fontRef idx="minor">
+              <a:schemeClr val="tx1"/>
+            </a:fontRef>
+          </p:style>
+        </p:cxnSp>
+        <p:cxnSp>
+          <p:nvCxnSpPr>
+            <p:cNvPr id="232" name="Connettore diritto 231">
+              <a:extLst>
+                <a:ext uri="{FF2B5EF4-FFF2-40B4-BE49-F238E27FC236}">
+                  <a16:creationId xmlns:a16="http://schemas.microsoft.com/office/drawing/2014/main" id="{BC7FC1AA-8AC5-61EB-C567-880B0B6C110A}"/>
+                </a:ext>
+              </a:extLst>
+            </p:cNvPr>
+            <p:cNvCxnSpPr>
+              <a:cxnSpLocks/>
+            </p:cNvCxnSpPr>
+            <p:nvPr/>
+          </p:nvCxnSpPr>
+          <p:spPr>
+            <a:xfrm>
+              <a:off x="1028699" y="2672443"/>
+              <a:ext cx="495301" cy="0"/>
+            </a:xfrm>
+            <a:prstGeom prst="line">
+              <a:avLst/>
+            </a:prstGeom>
+            <a:ln w="38100">
+              <a:solidFill>
+                <a:schemeClr val="tx1"/>
+              </a:solidFill>
+            </a:ln>
+          </p:spPr>
+          <p:style>
+            <a:lnRef idx="1">
+              <a:schemeClr val="accent1"/>
+            </a:lnRef>
+            <a:fillRef idx="0">
+              <a:schemeClr val="accent1"/>
+            </a:fillRef>
+            <a:effectRef idx="0">
+              <a:schemeClr val="accent1"/>
+            </a:effectRef>
+            <a:fontRef idx="minor">
+              <a:schemeClr val="tx1"/>
+            </a:fontRef>
+          </p:style>
+        </p:cxnSp>
+      </p:grpSp>
+      <p:sp>
+        <p:nvSpPr>
+          <p:cNvPr id="233" name="Rettangolo con angoli arrotondati 232">
+            <a:extLst>
+              <a:ext uri="{FF2B5EF4-FFF2-40B4-BE49-F238E27FC236}">
+                <a16:creationId xmlns:a16="http://schemas.microsoft.com/office/drawing/2014/main" id="{8F8C5764-34E8-5FB9-7BE8-55C46EDE2FA4}"/>
+              </a:ext>
+            </a:extLst>
+          </p:cNvPr>
+          <p:cNvSpPr/>
+          <p:nvPr/>
+        </p:nvSpPr>
+        <p:spPr>
+          <a:xfrm>
+            <a:off x="4440018" y="3682920"/>
+            <a:ext cx="1803400" cy="341131"/>
+          </a:xfrm>
+          <a:prstGeom prst="roundRect">
+            <a:avLst/>
+          </a:prstGeom>
+          <a:solidFill>
+            <a:srgbClr val="0070C0"/>
+          </a:solidFill>
+        </p:spPr>
+        <p:style>
+          <a:lnRef idx="2">
+            <a:schemeClr val="accent1">
+              <a:shade val="15000"/>
+            </a:schemeClr>
+          </a:lnRef>
+          <a:fillRef idx="1">
+            <a:schemeClr val="accent1"/>
+          </a:fillRef>
+          <a:effectRef idx="0">
+            <a:schemeClr val="accent1"/>
+          </a:effectRef>
+          <a:fontRef idx="minor">
+            <a:schemeClr val="lt1"/>
+          </a:fontRef>
+        </p:style>
+        <p:txBody>
+          <a:bodyPr rtlCol="0" anchor="ctr"/>
+          <a:lstStyle/>
+          <a:p>
+            <a:pPr algn="ctr"/>
+            <a:r>
+              <a:rPr lang="en-US" dirty="0">
+                <a:solidFill>
+                  <a:schemeClr val="tx1"/>
+                </a:solidFill>
+              </a:rPr>
+              <a:t>Covid-19</a:t>
+            </a:r>
+          </a:p>
+        </p:txBody>
+      </p:sp>
+      <p:sp>
+        <p:nvSpPr>
+          <p:cNvPr id="234" name="Rettangolo con angoli arrotondati 233">
+            <a:extLst>
+              <a:ext uri="{FF2B5EF4-FFF2-40B4-BE49-F238E27FC236}">
+                <a16:creationId xmlns:a16="http://schemas.microsoft.com/office/drawing/2014/main" id="{37361DE2-6A10-1B09-B697-7BD3F802A5E7}"/>
+              </a:ext>
+            </a:extLst>
+          </p:cNvPr>
+          <p:cNvSpPr/>
+          <p:nvPr/>
+        </p:nvSpPr>
+        <p:spPr>
+          <a:xfrm>
+            <a:off x="4440018" y="4099696"/>
+            <a:ext cx="1803400" cy="341131"/>
+          </a:xfrm>
+          <a:prstGeom prst="roundRect">
+            <a:avLst/>
+          </a:prstGeom>
+          <a:solidFill>
+            <a:schemeClr val="accent5">
+              <a:lumMod val="60000"/>
+              <a:lumOff val="40000"/>
+            </a:schemeClr>
+          </a:solidFill>
+        </p:spPr>
+        <p:style>
+          <a:lnRef idx="2">
+            <a:schemeClr val="accent1">
+              <a:shade val="15000"/>
+            </a:schemeClr>
+          </a:lnRef>
+          <a:fillRef idx="1">
+            <a:schemeClr val="accent1"/>
+          </a:fillRef>
+          <a:effectRef idx="0">
+            <a:schemeClr val="accent1"/>
+          </a:effectRef>
+          <a:fontRef idx="minor">
+            <a:schemeClr val="lt1"/>
+          </a:fontRef>
+        </p:style>
+        <p:txBody>
+          <a:bodyPr rtlCol="0" anchor="ctr"/>
+          <a:lstStyle/>
+          <a:p>
+            <a:pPr algn="ctr"/>
+            <a:r>
+              <a:rPr lang="en-US" dirty="0">
+                <a:solidFill>
+                  <a:schemeClr val="tx1"/>
+                </a:solidFill>
+              </a:rPr>
+              <a:t>Pneumonia</a:t>
+            </a:r>
+          </a:p>
+        </p:txBody>
+      </p:sp>
+      <p:sp>
+        <p:nvSpPr>
+          <p:cNvPr id="235" name="Rettangolo con angoli arrotondati 234">
+            <a:extLst>
+              <a:ext uri="{FF2B5EF4-FFF2-40B4-BE49-F238E27FC236}">
+                <a16:creationId xmlns:a16="http://schemas.microsoft.com/office/drawing/2014/main" id="{84FD6CDD-290B-3288-DBB5-72C23865DC23}"/>
+              </a:ext>
+            </a:extLst>
+          </p:cNvPr>
+          <p:cNvSpPr/>
+          <p:nvPr/>
+        </p:nvSpPr>
+        <p:spPr>
+          <a:xfrm>
+            <a:off x="4440018" y="4516472"/>
+            <a:ext cx="1803400" cy="341131"/>
+          </a:xfrm>
+          <a:prstGeom prst="roundRect">
+            <a:avLst/>
+          </a:prstGeom>
+          <a:solidFill>
+            <a:schemeClr val="accent5">
+              <a:lumMod val="40000"/>
+              <a:lumOff val="60000"/>
+            </a:schemeClr>
+          </a:solidFill>
+        </p:spPr>
+        <p:style>
+          <a:lnRef idx="2">
+            <a:schemeClr val="accent1">
+              <a:shade val="15000"/>
+            </a:schemeClr>
+          </a:lnRef>
+          <a:fillRef idx="1">
+            <a:schemeClr val="accent1"/>
+          </a:fillRef>
+          <a:effectRef idx="0">
+            <a:schemeClr val="accent1"/>
+          </a:effectRef>
+          <a:fontRef idx="minor">
+            <a:schemeClr val="lt1"/>
+          </a:fontRef>
+        </p:style>
+        <p:txBody>
+          <a:bodyPr rtlCol="0" anchor="ctr"/>
+          <a:lstStyle/>
+          <a:p>
+            <a:pPr algn="ctr"/>
+            <a:r>
+              <a:rPr lang="en-US" dirty="0">
+                <a:solidFill>
+                  <a:schemeClr val="tx1"/>
+                </a:solidFill>
+              </a:rPr>
+              <a:t>Tuberculosis</a:t>
+            </a:r>
+          </a:p>
+        </p:txBody>
+      </p:sp>
+      <p:sp>
+        <p:nvSpPr>
+          <p:cNvPr id="236" name="Rettangolo con angoli arrotondati 235">
+            <a:extLst>
+              <a:ext uri="{FF2B5EF4-FFF2-40B4-BE49-F238E27FC236}">
+                <a16:creationId xmlns:a16="http://schemas.microsoft.com/office/drawing/2014/main" id="{1A472E2D-CE2F-8653-6AE6-3C3F5C40C595}"/>
+              </a:ext>
+            </a:extLst>
+          </p:cNvPr>
+          <p:cNvSpPr/>
+          <p:nvPr/>
+        </p:nvSpPr>
+        <p:spPr>
+          <a:xfrm>
+            <a:off x="4440018" y="4915903"/>
+            <a:ext cx="1803400" cy="341131"/>
+          </a:xfrm>
+          <a:prstGeom prst="roundRect">
+            <a:avLst/>
+          </a:prstGeom>
+          <a:solidFill>
+            <a:schemeClr val="accent5">
+              <a:lumMod val="20000"/>
+              <a:lumOff val="80000"/>
+            </a:schemeClr>
+          </a:solidFill>
+        </p:spPr>
+        <p:style>
+          <a:lnRef idx="2">
+            <a:schemeClr val="accent1">
+              <a:shade val="15000"/>
+            </a:schemeClr>
+          </a:lnRef>
+          <a:fillRef idx="1">
+            <a:schemeClr val="accent1"/>
+          </a:fillRef>
+          <a:effectRef idx="0">
+            <a:schemeClr val="accent1"/>
+          </a:effectRef>
+          <a:fontRef idx="minor">
+            <a:schemeClr val="lt1"/>
+          </a:fontRef>
+        </p:style>
+        <p:txBody>
+          <a:bodyPr rtlCol="0" anchor="ctr"/>
+          <a:lstStyle/>
+          <a:p>
+            <a:pPr algn="ctr"/>
+            <a:r>
+              <a:rPr lang="en-US" dirty="0">
+                <a:solidFill>
+                  <a:schemeClr val="tx1"/>
+                </a:solidFill>
+              </a:rPr>
+              <a:t>Lung Cancer</a:t>
+            </a:r>
+          </a:p>
+        </p:txBody>
+      </p:sp>
+      <p:sp>
+        <p:nvSpPr>
+          <p:cNvPr id="237" name="Rettangolo 236">
+            <a:extLst>
+              <a:ext uri="{FF2B5EF4-FFF2-40B4-BE49-F238E27FC236}">
+                <a16:creationId xmlns:a16="http://schemas.microsoft.com/office/drawing/2014/main" id="{718867FA-5F9E-5F7A-FBF8-5E8AF419518D}"/>
+              </a:ext>
+            </a:extLst>
+          </p:cNvPr>
+          <p:cNvSpPr/>
+          <p:nvPr/>
+        </p:nvSpPr>
+        <p:spPr>
+          <a:xfrm>
+            <a:off x="4019288" y="3730393"/>
+            <a:ext cx="334109" cy="194733"/>
+          </a:xfrm>
+          <a:prstGeom prst="rect">
+            <a:avLst/>
+          </a:prstGeom>
+        </p:spPr>
+        <p:style>
+          <a:lnRef idx="2">
+            <a:schemeClr val="accent1">
+              <a:shade val="15000"/>
+            </a:schemeClr>
+          </a:lnRef>
+          <a:fillRef idx="1">
+            <a:schemeClr val="accent1"/>
+          </a:fillRef>
+          <a:effectRef idx="0">
+            <a:schemeClr val="accent1"/>
+          </a:effectRef>
+          <a:fontRef idx="minor">
+            <a:schemeClr val="lt1"/>
+          </a:fontRef>
+        </p:style>
+        <p:txBody>
+          <a:bodyPr rtlCol="0" anchor="ctr"/>
+          <a:lstStyle/>
+          <a:p>
+            <a:pPr algn="ctr"/>
+            <a:endParaRPr lang="en-US"/>
+          </a:p>
+        </p:txBody>
+      </p:sp>
+      <p:sp>
+        <p:nvSpPr>
+          <p:cNvPr id="238" name="Rettangolo 237">
+            <a:extLst>
+              <a:ext uri="{FF2B5EF4-FFF2-40B4-BE49-F238E27FC236}">
+                <a16:creationId xmlns:a16="http://schemas.microsoft.com/office/drawing/2014/main" id="{9C59CC60-9FB5-C6C2-A500-10C4982FF372}"/>
+              </a:ext>
+            </a:extLst>
+          </p:cNvPr>
+          <p:cNvSpPr/>
+          <p:nvPr/>
+        </p:nvSpPr>
+        <p:spPr>
+          <a:xfrm>
+            <a:off x="4180154" y="4180032"/>
+            <a:ext cx="173243" cy="194733"/>
+          </a:xfrm>
+          <a:prstGeom prst="rect">
+            <a:avLst/>
+          </a:prstGeom>
+        </p:spPr>
+        <p:style>
+          <a:lnRef idx="2">
+            <a:schemeClr val="accent1">
+              <a:shade val="15000"/>
+            </a:schemeClr>
+          </a:lnRef>
+          <a:fillRef idx="1">
+            <a:schemeClr val="accent1"/>
+          </a:fillRef>
+          <a:effectRef idx="0">
+            <a:schemeClr val="accent1"/>
+          </a:effectRef>
+          <a:fontRef idx="minor">
+            <a:schemeClr val="lt1"/>
+          </a:fontRef>
+        </p:style>
+        <p:txBody>
+          <a:bodyPr rtlCol="0" anchor="ctr"/>
+          <a:lstStyle/>
+          <a:p>
+            <a:pPr algn="ctr"/>
+            <a:endParaRPr lang="en-US"/>
+          </a:p>
+        </p:txBody>
+      </p:sp>
+      <p:sp>
+        <p:nvSpPr>
+          <p:cNvPr id="239" name="Rettangolo 238">
+            <a:extLst>
+              <a:ext uri="{FF2B5EF4-FFF2-40B4-BE49-F238E27FC236}">
+                <a16:creationId xmlns:a16="http://schemas.microsoft.com/office/drawing/2014/main" id="{A23AFA20-F4D8-68FF-D471-65FFA3CDAF5E}"/>
+              </a:ext>
+            </a:extLst>
+          </p:cNvPr>
+          <p:cNvSpPr/>
+          <p:nvPr/>
+        </p:nvSpPr>
+        <p:spPr>
+          <a:xfrm>
+            <a:off x="4253100" y="4589670"/>
+            <a:ext cx="100297" cy="194733"/>
+          </a:xfrm>
+          <a:prstGeom prst="rect">
+            <a:avLst/>
+          </a:prstGeom>
+        </p:spPr>
+        <p:style>
+          <a:lnRef idx="2">
+            <a:schemeClr val="accent1">
+              <a:shade val="15000"/>
+            </a:schemeClr>
+          </a:lnRef>
+          <a:fillRef idx="1">
+            <a:schemeClr val="accent1"/>
+          </a:fillRef>
+          <a:effectRef idx="0">
+            <a:schemeClr val="accent1"/>
+          </a:effectRef>
+          <a:fontRef idx="minor">
+            <a:schemeClr val="lt1"/>
+          </a:fontRef>
+        </p:style>
+        <p:txBody>
+          <a:bodyPr rtlCol="0" anchor="ctr"/>
+          <a:lstStyle/>
+          <a:p>
+            <a:pPr algn="ctr"/>
+            <a:endParaRPr lang="en-US"/>
+          </a:p>
+        </p:txBody>
+      </p:sp>
+      <p:sp>
+        <p:nvSpPr>
+          <p:cNvPr id="240" name="Rettangolo 239">
+            <a:extLst>
+              <a:ext uri="{FF2B5EF4-FFF2-40B4-BE49-F238E27FC236}">
+                <a16:creationId xmlns:a16="http://schemas.microsoft.com/office/drawing/2014/main" id="{3A644487-DCA9-849E-A318-AC98FF14B8A3}"/>
+              </a:ext>
+            </a:extLst>
+          </p:cNvPr>
+          <p:cNvSpPr/>
+          <p:nvPr/>
+        </p:nvSpPr>
+        <p:spPr>
+          <a:xfrm>
+            <a:off x="4307678" y="4949807"/>
+            <a:ext cx="45719" cy="194733"/>
+          </a:xfrm>
+          <a:prstGeom prst="rect">
+            <a:avLst/>
+          </a:prstGeom>
+        </p:spPr>
+        <p:style>
+          <a:lnRef idx="2">
+            <a:schemeClr val="accent1">
+              <a:shade val="15000"/>
+            </a:schemeClr>
+          </a:lnRef>
+          <a:fillRef idx="1">
+            <a:schemeClr val="accent1"/>
+          </a:fillRef>
+          <a:effectRef idx="0">
+            <a:schemeClr val="accent1"/>
+          </a:effectRef>
+          <a:fontRef idx="minor">
+            <a:schemeClr val="lt1"/>
+          </a:fontRef>
+        </p:style>
+        <p:txBody>
+          <a:bodyPr rtlCol="0" anchor="ctr"/>
+          <a:lstStyle/>
+          <a:p>
+            <a:pPr algn="ctr"/>
+            <a:endParaRPr lang="en-US"/>
+          </a:p>
+        </p:txBody>
+      </p:sp>
+      <p:sp>
+        <p:nvSpPr>
+          <p:cNvPr id="241" name="CasellaDiTesto 240">
+            <a:extLst>
+              <a:ext uri="{FF2B5EF4-FFF2-40B4-BE49-F238E27FC236}">
+                <a16:creationId xmlns:a16="http://schemas.microsoft.com/office/drawing/2014/main" id="{6BE96E46-4D39-F135-4293-73197455242E}"/>
+              </a:ext>
+            </a:extLst>
+          </p:cNvPr>
+          <p:cNvSpPr txBox="1"/>
+          <p:nvPr/>
+        </p:nvSpPr>
+        <p:spPr>
+          <a:xfrm>
+            <a:off x="4035897" y="3179691"/>
+            <a:ext cx="2324427" cy="369332"/>
+          </a:xfrm>
+          <a:prstGeom prst="rect">
+            <a:avLst/>
+          </a:prstGeom>
+          <a:noFill/>
+        </p:spPr>
+        <p:txBody>
+          <a:bodyPr wrap="square" rtlCol="0">
+            <a:spAutoFit/>
+          </a:bodyPr>
+          <a:lstStyle/>
+          <a:p>
+            <a:r>
+              <a:rPr lang="en-US" dirty="0"/>
+              <a:t>Disease probability</a:t>
+            </a:r>
+          </a:p>
+        </p:txBody>
+      </p:sp>
+      <p:grpSp>
+        <p:nvGrpSpPr>
+          <p:cNvPr id="242" name="Gruppo 241">
+            <a:extLst>
+              <a:ext uri="{FF2B5EF4-FFF2-40B4-BE49-F238E27FC236}">
+                <a16:creationId xmlns:a16="http://schemas.microsoft.com/office/drawing/2014/main" id="{116D84FD-0B5B-46B8-A0FC-EA89F1415C71}"/>
+              </a:ext>
+            </a:extLst>
+          </p:cNvPr>
+          <p:cNvGrpSpPr/>
+          <p:nvPr/>
+        </p:nvGrpSpPr>
+        <p:grpSpPr>
+          <a:xfrm>
+            <a:off x="8312564" y="3493154"/>
+            <a:ext cx="1934308" cy="1615720"/>
+            <a:chOff x="3130062" y="826477"/>
+            <a:chExt cx="1934308" cy="1615720"/>
+          </a:xfrm>
+        </p:grpSpPr>
+        <p:sp>
+          <p:nvSpPr>
+            <p:cNvPr id="243" name="Ovale 242">
+              <a:extLst>
+                <a:ext uri="{FF2B5EF4-FFF2-40B4-BE49-F238E27FC236}">
+                  <a16:creationId xmlns:a16="http://schemas.microsoft.com/office/drawing/2014/main" id="{E819E643-05BB-34B2-01F9-8140370BE08B}"/>
+                </a:ext>
+              </a:extLst>
+            </p:cNvPr>
+            <p:cNvSpPr/>
+            <p:nvPr/>
+          </p:nvSpPr>
+          <p:spPr>
+            <a:xfrm>
+              <a:off x="3130062" y="826477"/>
+              <a:ext cx="422030" cy="422031"/>
+            </a:xfrm>
+            <a:prstGeom prst="ellipse">
+              <a:avLst/>
+            </a:prstGeom>
+          </p:spPr>
+          <p:style>
+            <a:lnRef idx="2">
+              <a:schemeClr val="accent1">
+                <a:shade val="15000"/>
+              </a:schemeClr>
+            </a:lnRef>
+            <a:fillRef idx="1">
+              <a:schemeClr val="accent1"/>
+            </a:fillRef>
+            <a:effectRef idx="0">
+              <a:schemeClr val="accent1"/>
+            </a:effectRef>
+            <a:fontRef idx="minor">
+              <a:schemeClr val="lt1"/>
+            </a:fontRef>
+          </p:style>
+          <p:txBody>
+            <a:bodyPr rtlCol="0" anchor="ctr"/>
+            <a:lstStyle/>
+            <a:p>
+              <a:pPr algn="ctr"/>
+              <a:endParaRPr lang="en-US"/>
+            </a:p>
+          </p:txBody>
+        </p:sp>
+        <p:sp>
+          <p:nvSpPr>
+            <p:cNvPr id="244" name="Ovale 243">
+              <a:extLst>
+                <a:ext uri="{FF2B5EF4-FFF2-40B4-BE49-F238E27FC236}">
+                  <a16:creationId xmlns:a16="http://schemas.microsoft.com/office/drawing/2014/main" id="{29F76F34-27A2-5489-2F74-507FFBCB1060}"/>
+                </a:ext>
+              </a:extLst>
+            </p:cNvPr>
+            <p:cNvSpPr/>
+            <p:nvPr/>
+          </p:nvSpPr>
+          <p:spPr>
+            <a:xfrm>
+              <a:off x="3130062" y="1416494"/>
+              <a:ext cx="422030" cy="422031"/>
+            </a:xfrm>
+            <a:prstGeom prst="ellipse">
+              <a:avLst/>
+            </a:prstGeom>
+          </p:spPr>
+          <p:style>
+            <a:lnRef idx="2">
+              <a:schemeClr val="accent1">
+                <a:shade val="15000"/>
+              </a:schemeClr>
+            </a:lnRef>
+            <a:fillRef idx="1">
+              <a:schemeClr val="accent1"/>
+            </a:fillRef>
+            <a:effectRef idx="0">
+              <a:schemeClr val="accent1"/>
+            </a:effectRef>
+            <a:fontRef idx="minor">
+              <a:schemeClr val="lt1"/>
+            </a:fontRef>
+          </p:style>
+          <p:txBody>
+            <a:bodyPr rtlCol="0" anchor="ctr"/>
+            <a:lstStyle/>
+            <a:p>
+              <a:pPr algn="ctr"/>
+              <a:endParaRPr lang="en-US"/>
+            </a:p>
+          </p:txBody>
+        </p:sp>
+        <p:sp>
+          <p:nvSpPr>
+            <p:cNvPr id="245" name="Ovale 244">
+              <a:extLst>
+                <a:ext uri="{FF2B5EF4-FFF2-40B4-BE49-F238E27FC236}">
+                  <a16:creationId xmlns:a16="http://schemas.microsoft.com/office/drawing/2014/main" id="{3A78396F-29EA-DDF2-CC46-757C916CD0A6}"/>
+                </a:ext>
+              </a:extLst>
+            </p:cNvPr>
+            <p:cNvSpPr/>
+            <p:nvPr/>
+          </p:nvSpPr>
+          <p:spPr>
+            <a:xfrm>
+              <a:off x="3130062" y="2020166"/>
+              <a:ext cx="422030" cy="422031"/>
+            </a:xfrm>
+            <a:prstGeom prst="ellipse">
+              <a:avLst/>
+            </a:prstGeom>
+          </p:spPr>
+          <p:style>
+            <a:lnRef idx="2">
+              <a:schemeClr val="accent1">
+                <a:shade val="15000"/>
+              </a:schemeClr>
+            </a:lnRef>
+            <a:fillRef idx="1">
+              <a:schemeClr val="accent1"/>
+            </a:fillRef>
+            <a:effectRef idx="0">
+              <a:schemeClr val="accent1"/>
+            </a:effectRef>
+            <a:fontRef idx="minor">
+              <a:schemeClr val="lt1"/>
+            </a:fontRef>
+          </p:style>
+          <p:txBody>
+            <a:bodyPr rtlCol="0" anchor="ctr"/>
+            <a:lstStyle/>
+            <a:p>
+              <a:pPr algn="ctr"/>
+              <a:endParaRPr lang="en-US"/>
+            </a:p>
+          </p:txBody>
+        </p:sp>
+        <p:sp>
+          <p:nvSpPr>
+            <p:cNvPr id="246" name="Ovale 245">
+              <a:extLst>
+                <a:ext uri="{FF2B5EF4-FFF2-40B4-BE49-F238E27FC236}">
+                  <a16:creationId xmlns:a16="http://schemas.microsoft.com/office/drawing/2014/main" id="{93096703-781E-0D8A-6B44-BB5117E191BE}"/>
+                </a:ext>
+              </a:extLst>
+            </p:cNvPr>
+            <p:cNvSpPr/>
+            <p:nvPr/>
+          </p:nvSpPr>
+          <p:spPr>
+            <a:xfrm>
+              <a:off x="3886201" y="826477"/>
+              <a:ext cx="422030" cy="422031"/>
+            </a:xfrm>
+            <a:prstGeom prst="ellipse">
+              <a:avLst/>
+            </a:prstGeom>
+          </p:spPr>
+          <p:style>
+            <a:lnRef idx="2">
+              <a:schemeClr val="accent1">
+                <a:shade val="15000"/>
+              </a:schemeClr>
+            </a:lnRef>
+            <a:fillRef idx="1">
+              <a:schemeClr val="accent1"/>
+            </a:fillRef>
+            <a:effectRef idx="0">
+              <a:schemeClr val="accent1"/>
+            </a:effectRef>
+            <a:fontRef idx="minor">
+              <a:schemeClr val="lt1"/>
+            </a:fontRef>
+          </p:style>
+          <p:txBody>
+            <a:bodyPr rtlCol="0" anchor="ctr"/>
+            <a:lstStyle/>
+            <a:p>
+              <a:pPr algn="ctr"/>
+              <a:endParaRPr lang="en-US"/>
+            </a:p>
+          </p:txBody>
+        </p:sp>
+        <p:sp>
+          <p:nvSpPr>
+            <p:cNvPr id="247" name="Ovale 246">
+              <a:extLst>
+                <a:ext uri="{FF2B5EF4-FFF2-40B4-BE49-F238E27FC236}">
+                  <a16:creationId xmlns:a16="http://schemas.microsoft.com/office/drawing/2014/main" id="{3D66A814-B306-9CE6-2535-85520B003A81}"/>
+                </a:ext>
+              </a:extLst>
+            </p:cNvPr>
+            <p:cNvSpPr/>
+            <p:nvPr/>
+          </p:nvSpPr>
+          <p:spPr>
+            <a:xfrm>
+              <a:off x="3886201" y="1416494"/>
+              <a:ext cx="422030" cy="422031"/>
+            </a:xfrm>
+            <a:prstGeom prst="ellipse">
+              <a:avLst/>
+            </a:prstGeom>
+          </p:spPr>
+          <p:style>
+            <a:lnRef idx="2">
+              <a:schemeClr val="accent1">
+                <a:shade val="15000"/>
+              </a:schemeClr>
+            </a:lnRef>
+            <a:fillRef idx="1">
+              <a:schemeClr val="accent1"/>
+            </a:fillRef>
+            <a:effectRef idx="0">
+              <a:schemeClr val="accent1"/>
+            </a:effectRef>
+            <a:fontRef idx="minor">
+              <a:schemeClr val="lt1"/>
+            </a:fontRef>
+          </p:style>
+          <p:txBody>
+            <a:bodyPr rtlCol="0" anchor="ctr"/>
+            <a:lstStyle/>
+            <a:p>
+              <a:pPr algn="ctr"/>
+              <a:endParaRPr lang="en-US"/>
+            </a:p>
+          </p:txBody>
+        </p:sp>
+        <p:sp>
+          <p:nvSpPr>
+            <p:cNvPr id="248" name="Ovale 247">
+              <a:extLst>
+                <a:ext uri="{FF2B5EF4-FFF2-40B4-BE49-F238E27FC236}">
+                  <a16:creationId xmlns:a16="http://schemas.microsoft.com/office/drawing/2014/main" id="{89C542A2-3CEE-CDBF-FF20-EC3CDD71415F}"/>
+                </a:ext>
+              </a:extLst>
+            </p:cNvPr>
+            <p:cNvSpPr/>
+            <p:nvPr/>
+          </p:nvSpPr>
+          <p:spPr>
+            <a:xfrm>
+              <a:off x="3886201" y="2020166"/>
+              <a:ext cx="422030" cy="422031"/>
+            </a:xfrm>
+            <a:prstGeom prst="ellipse">
+              <a:avLst/>
+            </a:prstGeom>
+          </p:spPr>
+          <p:style>
+            <a:lnRef idx="2">
+              <a:schemeClr val="accent1">
+                <a:shade val="15000"/>
+              </a:schemeClr>
+            </a:lnRef>
+            <a:fillRef idx="1">
+              <a:schemeClr val="accent1"/>
+            </a:fillRef>
+            <a:effectRef idx="0">
+              <a:schemeClr val="accent1"/>
+            </a:effectRef>
+            <a:fontRef idx="minor">
+              <a:schemeClr val="lt1"/>
+            </a:fontRef>
+          </p:style>
+          <p:txBody>
+            <a:bodyPr rtlCol="0" anchor="ctr"/>
+            <a:lstStyle/>
+            <a:p>
+              <a:pPr algn="ctr"/>
+              <a:endParaRPr lang="en-US"/>
+            </a:p>
+          </p:txBody>
+        </p:sp>
+        <p:sp>
+          <p:nvSpPr>
+            <p:cNvPr id="249" name="Ovale 248">
+              <a:extLst>
+                <a:ext uri="{FF2B5EF4-FFF2-40B4-BE49-F238E27FC236}">
+                  <a16:creationId xmlns:a16="http://schemas.microsoft.com/office/drawing/2014/main" id="{77E52C56-8FB3-9D91-92DA-5DA12CF62CD2}"/>
+                </a:ext>
+              </a:extLst>
+            </p:cNvPr>
+            <p:cNvSpPr/>
+            <p:nvPr/>
+          </p:nvSpPr>
+          <p:spPr>
+            <a:xfrm>
+              <a:off x="4642340" y="1416493"/>
+              <a:ext cx="422030" cy="422031"/>
+            </a:xfrm>
+            <a:prstGeom prst="ellipse">
+              <a:avLst/>
+            </a:prstGeom>
+          </p:spPr>
+          <p:style>
+            <a:lnRef idx="2">
+              <a:schemeClr val="accent1">
+                <a:shade val="15000"/>
+              </a:schemeClr>
+            </a:lnRef>
+            <a:fillRef idx="1">
+              <a:schemeClr val="accent1"/>
+            </a:fillRef>
+            <a:effectRef idx="0">
+              <a:schemeClr val="accent1"/>
+            </a:effectRef>
+            <a:fontRef idx="minor">
+              <a:schemeClr val="lt1"/>
+            </a:fontRef>
+          </p:style>
+          <p:txBody>
+            <a:bodyPr rtlCol="0" anchor="ctr"/>
+            <a:lstStyle/>
+            <a:p>
+              <a:pPr algn="ctr"/>
+              <a:endParaRPr lang="en-US"/>
+            </a:p>
+          </p:txBody>
+        </p:sp>
+        <p:cxnSp>
+          <p:nvCxnSpPr>
+            <p:cNvPr id="250" name="Connettore diritto 249">
+              <a:extLst>
+                <a:ext uri="{FF2B5EF4-FFF2-40B4-BE49-F238E27FC236}">
+                  <a16:creationId xmlns:a16="http://schemas.microsoft.com/office/drawing/2014/main" id="{219EA44D-422F-C352-8D36-3C825891B552}"/>
+                </a:ext>
+              </a:extLst>
+            </p:cNvPr>
+            <p:cNvCxnSpPr>
+              <a:stCxn id="243" idx="6"/>
+              <a:endCxn id="246" idx="2"/>
+            </p:cNvCxnSpPr>
+            <p:nvPr/>
+          </p:nvCxnSpPr>
+          <p:spPr>
+            <a:xfrm>
+              <a:off x="3552092" y="1037493"/>
+              <a:ext cx="334109" cy="0"/>
+            </a:xfrm>
+            <a:prstGeom prst="line">
+              <a:avLst/>
+            </a:prstGeom>
+            <a:ln w="38100">
+              <a:solidFill>
+                <a:schemeClr val="tx1"/>
+              </a:solidFill>
+            </a:ln>
+          </p:spPr>
+          <p:style>
+            <a:lnRef idx="1">
+              <a:schemeClr val="accent1"/>
+            </a:lnRef>
+            <a:fillRef idx="0">
+              <a:schemeClr val="accent1"/>
+            </a:fillRef>
+            <a:effectRef idx="0">
+              <a:schemeClr val="accent1"/>
+            </a:effectRef>
+            <a:fontRef idx="minor">
+              <a:schemeClr val="tx1"/>
+            </a:fontRef>
+          </p:style>
+        </p:cxnSp>
+        <p:cxnSp>
+          <p:nvCxnSpPr>
+            <p:cNvPr id="251" name="Connettore diritto 250">
+              <a:extLst>
+                <a:ext uri="{FF2B5EF4-FFF2-40B4-BE49-F238E27FC236}">
+                  <a16:creationId xmlns:a16="http://schemas.microsoft.com/office/drawing/2014/main" id="{8F5CC6C1-DE47-CEB7-B417-942CE781E229}"/>
+                </a:ext>
+              </a:extLst>
+            </p:cNvPr>
+            <p:cNvCxnSpPr>
+              <a:cxnSpLocks/>
+              <a:stCxn id="244" idx="6"/>
+              <a:endCxn id="246" idx="2"/>
+            </p:cNvCxnSpPr>
+            <p:nvPr/>
+          </p:nvCxnSpPr>
+          <p:spPr>
+            <a:xfrm flipV="1">
+              <a:off x="3552092" y="1037493"/>
+              <a:ext cx="334109" cy="590017"/>
+            </a:xfrm>
+            <a:prstGeom prst="line">
+              <a:avLst/>
+            </a:prstGeom>
+            <a:ln w="38100">
+              <a:solidFill>
+                <a:schemeClr val="tx1"/>
+              </a:solidFill>
+            </a:ln>
+          </p:spPr>
+          <p:style>
+            <a:lnRef idx="1">
+              <a:schemeClr val="accent1"/>
+            </a:lnRef>
+            <a:fillRef idx="0">
+              <a:schemeClr val="accent1"/>
+            </a:fillRef>
+            <a:effectRef idx="0">
+              <a:schemeClr val="accent1"/>
+            </a:effectRef>
+            <a:fontRef idx="minor">
+              <a:schemeClr val="tx1"/>
+            </a:fontRef>
+          </p:style>
+        </p:cxnSp>
+        <p:cxnSp>
+          <p:nvCxnSpPr>
+            <p:cNvPr id="252" name="Connettore diritto 251">
+              <a:extLst>
+                <a:ext uri="{FF2B5EF4-FFF2-40B4-BE49-F238E27FC236}">
+                  <a16:creationId xmlns:a16="http://schemas.microsoft.com/office/drawing/2014/main" id="{D461F72D-43E3-F5E9-3751-6EA20DCE814F}"/>
+                </a:ext>
+              </a:extLst>
+            </p:cNvPr>
+            <p:cNvCxnSpPr>
+              <a:cxnSpLocks/>
+              <a:stCxn id="243" idx="6"/>
+              <a:endCxn id="247" idx="2"/>
+            </p:cNvCxnSpPr>
+            <p:nvPr/>
+          </p:nvCxnSpPr>
+          <p:spPr>
+            <a:xfrm>
+              <a:off x="3552092" y="1037493"/>
+              <a:ext cx="334109" cy="590017"/>
+            </a:xfrm>
+            <a:prstGeom prst="line">
+              <a:avLst/>
+            </a:prstGeom>
+            <a:ln w="38100">
+              <a:solidFill>
+                <a:schemeClr val="tx1"/>
+              </a:solidFill>
+            </a:ln>
+          </p:spPr>
+          <p:style>
+            <a:lnRef idx="1">
+              <a:schemeClr val="accent1"/>
+            </a:lnRef>
+            <a:fillRef idx="0">
+              <a:schemeClr val="accent1"/>
+            </a:fillRef>
+            <a:effectRef idx="0">
+              <a:schemeClr val="accent1"/>
+            </a:effectRef>
+            <a:fontRef idx="minor">
+              <a:schemeClr val="tx1"/>
+            </a:fontRef>
+          </p:style>
+        </p:cxnSp>
+        <p:cxnSp>
+          <p:nvCxnSpPr>
+            <p:cNvPr id="253" name="Connettore diritto 252">
+              <a:extLst>
+                <a:ext uri="{FF2B5EF4-FFF2-40B4-BE49-F238E27FC236}">
+                  <a16:creationId xmlns:a16="http://schemas.microsoft.com/office/drawing/2014/main" id="{86093464-295C-BA39-2ADC-3013FED20DCC}"/>
+                </a:ext>
+              </a:extLst>
+            </p:cNvPr>
+            <p:cNvCxnSpPr>
+              <a:cxnSpLocks/>
+              <a:stCxn id="244" idx="6"/>
+              <a:endCxn id="247" idx="2"/>
+            </p:cNvCxnSpPr>
+            <p:nvPr/>
+          </p:nvCxnSpPr>
+          <p:spPr>
+            <a:xfrm>
+              <a:off x="3552092" y="1627510"/>
+              <a:ext cx="334109" cy="0"/>
+            </a:xfrm>
+            <a:prstGeom prst="line">
+              <a:avLst/>
+            </a:prstGeom>
+            <a:ln w="38100">
+              <a:solidFill>
+                <a:schemeClr val="tx1"/>
+              </a:solidFill>
+            </a:ln>
+          </p:spPr>
+          <p:style>
+            <a:lnRef idx="1">
+              <a:schemeClr val="accent1"/>
+            </a:lnRef>
+            <a:fillRef idx="0">
+              <a:schemeClr val="accent1"/>
+            </a:fillRef>
+            <a:effectRef idx="0">
+              <a:schemeClr val="accent1"/>
+            </a:effectRef>
+            <a:fontRef idx="minor">
+              <a:schemeClr val="tx1"/>
+            </a:fontRef>
+          </p:style>
+        </p:cxnSp>
+        <p:cxnSp>
+          <p:nvCxnSpPr>
+            <p:cNvPr id="254" name="Connettore diritto 253">
+              <a:extLst>
+                <a:ext uri="{FF2B5EF4-FFF2-40B4-BE49-F238E27FC236}">
+                  <a16:creationId xmlns:a16="http://schemas.microsoft.com/office/drawing/2014/main" id="{41657DA6-059B-CD24-C1AB-83D34A61EE22}"/>
+                </a:ext>
+              </a:extLst>
+            </p:cNvPr>
+            <p:cNvCxnSpPr>
+              <a:cxnSpLocks/>
+              <a:stCxn id="243" idx="6"/>
+              <a:endCxn id="248" idx="2"/>
+            </p:cNvCxnSpPr>
+            <p:nvPr/>
+          </p:nvCxnSpPr>
+          <p:spPr>
+            <a:xfrm>
+              <a:off x="3552092" y="1037493"/>
+              <a:ext cx="334109" cy="1193689"/>
+            </a:xfrm>
+            <a:prstGeom prst="line">
+              <a:avLst/>
+            </a:prstGeom>
+            <a:ln w="38100">
+              <a:solidFill>
+                <a:schemeClr val="tx1"/>
+              </a:solidFill>
+            </a:ln>
+          </p:spPr>
+          <p:style>
+            <a:lnRef idx="1">
+              <a:schemeClr val="accent1"/>
+            </a:lnRef>
+            <a:fillRef idx="0">
+              <a:schemeClr val="accent1"/>
+            </a:fillRef>
+            <a:effectRef idx="0">
+              <a:schemeClr val="accent1"/>
+            </a:effectRef>
+            <a:fontRef idx="minor">
+              <a:schemeClr val="tx1"/>
+            </a:fontRef>
+          </p:style>
+        </p:cxnSp>
+        <p:cxnSp>
+          <p:nvCxnSpPr>
+            <p:cNvPr id="255" name="Connettore diritto 254">
+              <a:extLst>
+                <a:ext uri="{FF2B5EF4-FFF2-40B4-BE49-F238E27FC236}">
+                  <a16:creationId xmlns:a16="http://schemas.microsoft.com/office/drawing/2014/main" id="{846FE286-F05E-DED4-D12A-88A95BAB13EA}"/>
+                </a:ext>
+              </a:extLst>
+            </p:cNvPr>
+            <p:cNvCxnSpPr>
+              <a:cxnSpLocks/>
+              <a:stCxn id="244" idx="6"/>
+              <a:endCxn id="248" idx="2"/>
+            </p:cNvCxnSpPr>
+            <p:nvPr/>
+          </p:nvCxnSpPr>
+          <p:spPr>
+            <a:xfrm>
+              <a:off x="3552092" y="1627510"/>
+              <a:ext cx="334109" cy="603672"/>
+            </a:xfrm>
+            <a:prstGeom prst="line">
+              <a:avLst/>
+            </a:prstGeom>
+            <a:ln w="38100">
+              <a:solidFill>
+                <a:schemeClr val="tx1"/>
+              </a:solidFill>
+            </a:ln>
+          </p:spPr>
+          <p:style>
+            <a:lnRef idx="1">
+              <a:schemeClr val="accent1"/>
+            </a:lnRef>
+            <a:fillRef idx="0">
+              <a:schemeClr val="accent1"/>
+            </a:fillRef>
+            <a:effectRef idx="0">
+              <a:schemeClr val="accent1"/>
+            </a:effectRef>
+            <a:fontRef idx="minor">
+              <a:schemeClr val="tx1"/>
+            </a:fontRef>
+          </p:style>
+        </p:cxnSp>
+        <p:cxnSp>
+          <p:nvCxnSpPr>
+            <p:cNvPr id="256" name="Connettore diritto 255">
+              <a:extLst>
+                <a:ext uri="{FF2B5EF4-FFF2-40B4-BE49-F238E27FC236}">
+                  <a16:creationId xmlns:a16="http://schemas.microsoft.com/office/drawing/2014/main" id="{8CFA7415-200D-AEB9-5950-83444FFCDE08}"/>
+                </a:ext>
+              </a:extLst>
+            </p:cNvPr>
+            <p:cNvCxnSpPr>
+              <a:cxnSpLocks/>
+              <a:stCxn id="245" idx="6"/>
+              <a:endCxn id="246" idx="2"/>
+            </p:cNvCxnSpPr>
+            <p:nvPr/>
+          </p:nvCxnSpPr>
+          <p:spPr>
+            <a:xfrm flipV="1">
+              <a:off x="3552092" y="1037493"/>
+              <a:ext cx="334109" cy="1193689"/>
+            </a:xfrm>
+            <a:prstGeom prst="line">
+              <a:avLst/>
+            </a:prstGeom>
+            <a:ln w="38100">
+              <a:solidFill>
+                <a:schemeClr val="tx1"/>
+              </a:solidFill>
+            </a:ln>
+          </p:spPr>
+          <p:style>
+            <a:lnRef idx="1">
+              <a:schemeClr val="accent1"/>
+            </a:lnRef>
+            <a:fillRef idx="0">
+              <a:schemeClr val="accent1"/>
+            </a:fillRef>
+            <a:effectRef idx="0">
+              <a:schemeClr val="accent1"/>
+            </a:effectRef>
+            <a:fontRef idx="minor">
+              <a:schemeClr val="tx1"/>
+            </a:fontRef>
+          </p:style>
+        </p:cxnSp>
+        <p:cxnSp>
+          <p:nvCxnSpPr>
+            <p:cNvPr id="257" name="Connettore diritto 256">
+              <a:extLst>
+                <a:ext uri="{FF2B5EF4-FFF2-40B4-BE49-F238E27FC236}">
+                  <a16:creationId xmlns:a16="http://schemas.microsoft.com/office/drawing/2014/main" id="{8B410F65-877E-141B-EB5D-ED641469E90F}"/>
+                </a:ext>
+              </a:extLst>
+            </p:cNvPr>
+            <p:cNvCxnSpPr>
+              <a:cxnSpLocks/>
+              <a:stCxn id="245" idx="6"/>
+              <a:endCxn id="247" idx="2"/>
+            </p:cNvCxnSpPr>
+            <p:nvPr/>
+          </p:nvCxnSpPr>
+          <p:spPr>
+            <a:xfrm flipV="1">
+              <a:off x="3552092" y="1627510"/>
+              <a:ext cx="334109" cy="603672"/>
+            </a:xfrm>
+            <a:prstGeom prst="line">
+              <a:avLst/>
+            </a:prstGeom>
+            <a:ln w="38100">
+              <a:solidFill>
+                <a:schemeClr val="tx1"/>
+              </a:solidFill>
+            </a:ln>
+          </p:spPr>
+          <p:style>
+            <a:lnRef idx="1">
+              <a:schemeClr val="accent1"/>
+            </a:lnRef>
+            <a:fillRef idx="0">
+              <a:schemeClr val="accent1"/>
+            </a:fillRef>
+            <a:effectRef idx="0">
+              <a:schemeClr val="accent1"/>
+            </a:effectRef>
+            <a:fontRef idx="minor">
+              <a:schemeClr val="tx1"/>
+            </a:fontRef>
+          </p:style>
+        </p:cxnSp>
+        <p:cxnSp>
+          <p:nvCxnSpPr>
+            <p:cNvPr id="258" name="Connettore diritto 257">
+              <a:extLst>
+                <a:ext uri="{FF2B5EF4-FFF2-40B4-BE49-F238E27FC236}">
+                  <a16:creationId xmlns:a16="http://schemas.microsoft.com/office/drawing/2014/main" id="{07D5AAF2-C85B-1860-ECD1-4B2A1A7882AA}"/>
+                </a:ext>
+              </a:extLst>
+            </p:cNvPr>
+            <p:cNvCxnSpPr>
+              <a:cxnSpLocks/>
+              <a:stCxn id="245" idx="6"/>
+              <a:endCxn id="248" idx="2"/>
+            </p:cNvCxnSpPr>
+            <p:nvPr/>
+          </p:nvCxnSpPr>
+          <p:spPr>
+            <a:xfrm>
+              <a:off x="3552092" y="2231182"/>
+              <a:ext cx="334109" cy="0"/>
+            </a:xfrm>
+            <a:prstGeom prst="line">
+              <a:avLst/>
+            </a:prstGeom>
+            <a:ln w="38100">
+              <a:solidFill>
+                <a:schemeClr val="tx1"/>
+              </a:solidFill>
+            </a:ln>
+          </p:spPr>
+          <p:style>
+            <a:lnRef idx="1">
+              <a:schemeClr val="accent1"/>
+            </a:lnRef>
+            <a:fillRef idx="0">
+              <a:schemeClr val="accent1"/>
+            </a:fillRef>
+            <a:effectRef idx="0">
+              <a:schemeClr val="accent1"/>
+            </a:effectRef>
+            <a:fontRef idx="minor">
+              <a:schemeClr val="tx1"/>
+            </a:fontRef>
+          </p:style>
+        </p:cxnSp>
+        <p:cxnSp>
+          <p:nvCxnSpPr>
+            <p:cNvPr id="259" name="Connettore diritto 258">
+              <a:extLst>
+                <a:ext uri="{FF2B5EF4-FFF2-40B4-BE49-F238E27FC236}">
+                  <a16:creationId xmlns:a16="http://schemas.microsoft.com/office/drawing/2014/main" id="{FCFA9E4F-23D7-CB4D-5889-73B061BBAA7C}"/>
+                </a:ext>
+              </a:extLst>
+            </p:cNvPr>
+            <p:cNvCxnSpPr>
+              <a:cxnSpLocks/>
+              <a:stCxn id="246" idx="6"/>
+              <a:endCxn id="249" idx="2"/>
+            </p:cNvCxnSpPr>
+            <p:nvPr/>
+          </p:nvCxnSpPr>
+          <p:spPr>
+            <a:xfrm>
+              <a:off x="4308231" y="1037493"/>
+              <a:ext cx="334109" cy="590016"/>
+            </a:xfrm>
+            <a:prstGeom prst="line">
+              <a:avLst/>
+            </a:prstGeom>
+            <a:ln w="38100">
+              <a:solidFill>
+                <a:schemeClr val="tx1"/>
+              </a:solidFill>
+            </a:ln>
+          </p:spPr>
+          <p:style>
+            <a:lnRef idx="1">
+              <a:schemeClr val="accent1"/>
+            </a:lnRef>
+            <a:fillRef idx="0">
+              <a:schemeClr val="accent1"/>
+            </a:fillRef>
+            <a:effectRef idx="0">
+              <a:schemeClr val="accent1"/>
+            </a:effectRef>
+            <a:fontRef idx="minor">
+              <a:schemeClr val="tx1"/>
+            </a:fontRef>
+          </p:style>
+        </p:cxnSp>
+        <p:cxnSp>
+          <p:nvCxnSpPr>
+            <p:cNvPr id="260" name="Connettore diritto 259">
+              <a:extLst>
+                <a:ext uri="{FF2B5EF4-FFF2-40B4-BE49-F238E27FC236}">
+                  <a16:creationId xmlns:a16="http://schemas.microsoft.com/office/drawing/2014/main" id="{38C4DC5F-B24B-4D46-D76A-0B219B4B8839}"/>
+                </a:ext>
+              </a:extLst>
+            </p:cNvPr>
+            <p:cNvCxnSpPr>
+              <a:cxnSpLocks/>
+              <a:stCxn id="247" idx="6"/>
+              <a:endCxn id="249" idx="2"/>
+            </p:cNvCxnSpPr>
+            <p:nvPr/>
+          </p:nvCxnSpPr>
+          <p:spPr>
+            <a:xfrm flipV="1">
+              <a:off x="4308231" y="1627509"/>
+              <a:ext cx="334109" cy="1"/>
+            </a:xfrm>
+            <a:prstGeom prst="line">
+              <a:avLst/>
+            </a:prstGeom>
+            <a:ln w="38100">
+              <a:solidFill>
+                <a:schemeClr val="tx1"/>
+              </a:solidFill>
+            </a:ln>
+          </p:spPr>
+          <p:style>
+            <a:lnRef idx="1">
+              <a:schemeClr val="accent1"/>
+            </a:lnRef>
+            <a:fillRef idx="0">
+              <a:schemeClr val="accent1"/>
+            </a:fillRef>
+            <a:effectRef idx="0">
+              <a:schemeClr val="accent1"/>
+            </a:effectRef>
+            <a:fontRef idx="minor">
+              <a:schemeClr val="tx1"/>
+            </a:fontRef>
+          </p:style>
+        </p:cxnSp>
+        <p:cxnSp>
+          <p:nvCxnSpPr>
+            <p:cNvPr id="261" name="Connettore diritto 260">
+              <a:extLst>
+                <a:ext uri="{FF2B5EF4-FFF2-40B4-BE49-F238E27FC236}">
+                  <a16:creationId xmlns:a16="http://schemas.microsoft.com/office/drawing/2014/main" id="{B3F193BF-602C-3B01-8D76-0E8C93A2ED12}"/>
+                </a:ext>
+              </a:extLst>
+            </p:cNvPr>
+            <p:cNvCxnSpPr>
+              <a:cxnSpLocks/>
+              <a:stCxn id="248" idx="6"/>
+              <a:endCxn id="249" idx="2"/>
+            </p:cNvCxnSpPr>
+            <p:nvPr/>
+          </p:nvCxnSpPr>
+          <p:spPr>
+            <a:xfrm flipV="1">
+              <a:off x="4308231" y="1627509"/>
+              <a:ext cx="334109" cy="603673"/>
+            </a:xfrm>
+            <a:prstGeom prst="line">
+              <a:avLst/>
+            </a:prstGeom>
+            <a:ln w="38100">
+              <a:solidFill>
+                <a:schemeClr val="tx1"/>
+              </a:solidFill>
+            </a:ln>
+          </p:spPr>
+          <p:style>
+            <a:lnRef idx="1">
+              <a:schemeClr val="accent1"/>
+            </a:lnRef>
+            <a:fillRef idx="0">
+              <a:schemeClr val="accent1"/>
+            </a:fillRef>
+            <a:effectRef idx="0">
+              <a:schemeClr val="accent1"/>
+            </a:effectRef>
+            <a:fontRef idx="minor">
+              <a:schemeClr val="tx1"/>
+            </a:fontRef>
+          </p:style>
+        </p:cxnSp>
+      </p:grpSp>
+      <p:sp>
+        <p:nvSpPr>
+          <p:cNvPr id="262" name="CasellaDiTesto 261">
+            <a:extLst>
+              <a:ext uri="{FF2B5EF4-FFF2-40B4-BE49-F238E27FC236}">
+                <a16:creationId xmlns:a16="http://schemas.microsoft.com/office/drawing/2014/main" id="{027D21C3-14E3-DF95-CC16-89E1311A1E85}"/>
+              </a:ext>
+            </a:extLst>
+          </p:cNvPr>
+          <p:cNvSpPr txBox="1"/>
+          <p:nvPr/>
+        </p:nvSpPr>
+        <p:spPr>
+          <a:xfrm>
+            <a:off x="8213569" y="5248780"/>
+            <a:ext cx="1769533" cy="369332"/>
+          </a:xfrm>
+          <a:prstGeom prst="rect">
+            <a:avLst/>
+          </a:prstGeom>
+          <a:noFill/>
+        </p:spPr>
+        <p:txBody>
+          <a:bodyPr wrap="square" rtlCol="0">
+            <a:spAutoFit/>
+          </a:bodyPr>
+          <a:lstStyle/>
+          <a:p>
+            <a:r>
+              <a:rPr lang="en-US" dirty="0"/>
+              <a:t>Neural Network</a:t>
+            </a:r>
+          </a:p>
+        </p:txBody>
+      </p:sp>
+      <p:grpSp>
+        <p:nvGrpSpPr>
+          <p:cNvPr id="263" name="Gruppo 262">
+            <a:extLst>
+              <a:ext uri="{FF2B5EF4-FFF2-40B4-BE49-F238E27FC236}">
+                <a16:creationId xmlns:a16="http://schemas.microsoft.com/office/drawing/2014/main" id="{26D1EAB1-BFF3-1ED3-4451-A13AE0367466}"/>
+              </a:ext>
+            </a:extLst>
+          </p:cNvPr>
+          <p:cNvGrpSpPr/>
+          <p:nvPr/>
+        </p:nvGrpSpPr>
+        <p:grpSpPr>
+          <a:xfrm>
+            <a:off x="7345413" y="3923341"/>
+            <a:ext cx="422024" cy="733858"/>
+            <a:chOff x="4098983" y="1359773"/>
+            <a:chExt cx="422024" cy="733858"/>
+          </a:xfrm>
+        </p:grpSpPr>
+        <p:sp>
+          <p:nvSpPr>
+            <p:cNvPr id="264" name="Rettangolo con angoli arrotondati 263">
+              <a:extLst>
+                <a:ext uri="{FF2B5EF4-FFF2-40B4-BE49-F238E27FC236}">
+                  <a16:creationId xmlns:a16="http://schemas.microsoft.com/office/drawing/2014/main" id="{8F296BB6-74A4-62C9-472A-4F0ED15081A8}"/>
+                </a:ext>
+              </a:extLst>
+            </p:cNvPr>
+            <p:cNvSpPr/>
+            <p:nvPr/>
+          </p:nvSpPr>
+          <p:spPr>
+            <a:xfrm>
+              <a:off x="4098983" y="1636433"/>
+              <a:ext cx="422024" cy="457198"/>
+            </a:xfrm>
+            <a:prstGeom prst="roundRect">
+              <a:avLst/>
+            </a:prstGeom>
+          </p:spPr>
+          <p:style>
+            <a:lnRef idx="2">
+              <a:schemeClr val="accent1">
+                <a:shade val="15000"/>
+              </a:schemeClr>
+            </a:lnRef>
+            <a:fillRef idx="1">
+              <a:schemeClr val="accent1"/>
+            </a:fillRef>
+            <a:effectRef idx="0">
+              <a:schemeClr val="accent1"/>
+            </a:effectRef>
+            <a:fontRef idx="minor">
+              <a:schemeClr val="lt1"/>
+            </a:fontRef>
+          </p:style>
+          <p:txBody>
+            <a:bodyPr rtlCol="0" anchor="ctr"/>
+            <a:lstStyle/>
+            <a:p>
+              <a:pPr algn="ctr"/>
+              <a:endParaRPr lang="en-US" u="sng"/>
+            </a:p>
+          </p:txBody>
+        </p:sp>
+        <p:sp>
+          <p:nvSpPr>
+            <p:cNvPr id="265" name="Ovale 264">
+              <a:extLst>
+                <a:ext uri="{FF2B5EF4-FFF2-40B4-BE49-F238E27FC236}">
+                  <a16:creationId xmlns:a16="http://schemas.microsoft.com/office/drawing/2014/main" id="{60250828-754C-2A56-7A3A-0FE10BFB65B7}"/>
+                </a:ext>
+              </a:extLst>
+            </p:cNvPr>
+            <p:cNvSpPr/>
+            <p:nvPr/>
+          </p:nvSpPr>
+          <p:spPr>
+            <a:xfrm>
+              <a:off x="4161705" y="1359773"/>
+              <a:ext cx="287206" cy="236796"/>
+            </a:xfrm>
+            <a:prstGeom prst="ellipse">
+              <a:avLst/>
+            </a:prstGeom>
+          </p:spPr>
+          <p:style>
+            <a:lnRef idx="2">
+              <a:schemeClr val="accent1">
+                <a:shade val="15000"/>
+              </a:schemeClr>
+            </a:lnRef>
+            <a:fillRef idx="1">
+              <a:schemeClr val="accent1"/>
+            </a:fillRef>
+            <a:effectRef idx="0">
+              <a:schemeClr val="accent1"/>
+            </a:effectRef>
+            <a:fontRef idx="minor">
+              <a:schemeClr val="lt1"/>
+            </a:fontRef>
+          </p:style>
+          <p:txBody>
+            <a:bodyPr rtlCol="0" anchor="ctr"/>
+            <a:lstStyle/>
+            <a:p>
+              <a:pPr algn="ctr"/>
+              <a:endParaRPr lang="en-US" u="sng"/>
+            </a:p>
+          </p:txBody>
+        </p:sp>
+      </p:grpSp>
+      <p:sp>
+        <p:nvSpPr>
+          <p:cNvPr id="269" name="Fumetto: ovale 268">
+            <a:extLst>
+              <a:ext uri="{FF2B5EF4-FFF2-40B4-BE49-F238E27FC236}">
+                <a16:creationId xmlns:a16="http://schemas.microsoft.com/office/drawing/2014/main" id="{B1C2CB98-1B53-5E32-F96D-BBF488D0B65E}"/>
+              </a:ext>
+            </a:extLst>
+          </p:cNvPr>
+          <p:cNvSpPr/>
+          <p:nvPr/>
+        </p:nvSpPr>
+        <p:spPr>
+          <a:xfrm>
+            <a:off x="10295205" y="3045111"/>
+            <a:ext cx="1589315" cy="827594"/>
+          </a:xfrm>
+          <a:prstGeom prst="wedgeEllipseCallout">
+            <a:avLst>
+              <a:gd name="adj1" fmla="val -78794"/>
+              <a:gd name="adj2" fmla="val 58255"/>
+            </a:avLst>
+          </a:prstGeom>
+        </p:spPr>
+        <p:style>
+          <a:lnRef idx="2">
+            <a:schemeClr val="accent1">
+              <a:shade val="15000"/>
+            </a:schemeClr>
+          </a:lnRef>
+          <a:fillRef idx="1">
+            <a:schemeClr val="accent1"/>
+          </a:fillRef>
+          <a:effectRef idx="0">
+            <a:schemeClr val="accent1"/>
+          </a:effectRef>
+          <a:fontRef idx="minor">
+            <a:schemeClr val="lt1"/>
+          </a:fontRef>
+        </p:style>
+        <p:txBody>
+          <a:bodyPr rtlCol="0" anchor="ctr"/>
+          <a:lstStyle/>
+          <a:p>
+            <a:pPr algn="ctr"/>
+            <a:r>
+              <a:rPr lang="en-US" dirty="0"/>
+              <a:t>Hi, I am here…</a:t>
+            </a:r>
+          </a:p>
+        </p:txBody>
+      </p:sp>
+      <p:sp>
+        <p:nvSpPr>
+          <p:cNvPr id="270" name="CasellaDiTesto 269">
+            <a:extLst>
+              <a:ext uri="{FF2B5EF4-FFF2-40B4-BE49-F238E27FC236}">
+                <a16:creationId xmlns:a16="http://schemas.microsoft.com/office/drawing/2014/main" id="{7B8F18B8-0389-4859-C2B8-7B931CA7DD33}"/>
+              </a:ext>
+            </a:extLst>
+          </p:cNvPr>
+          <p:cNvSpPr txBox="1"/>
+          <p:nvPr/>
+        </p:nvSpPr>
+        <p:spPr>
+          <a:xfrm>
+            <a:off x="155330" y="-35286"/>
+            <a:ext cx="569884" cy="369332"/>
+          </a:xfrm>
+          <a:prstGeom prst="rect">
+            <a:avLst/>
+          </a:prstGeom>
+          <a:noFill/>
+        </p:spPr>
+        <p:txBody>
+          <a:bodyPr wrap="square" rtlCol="0">
+            <a:spAutoFit/>
+          </a:bodyPr>
+          <a:lstStyle/>
+          <a:p>
+            <a:r>
+              <a:rPr lang="en-US" dirty="0"/>
+              <a:t>A)</a:t>
+            </a:r>
+          </a:p>
+        </p:txBody>
+      </p:sp>
+      <p:sp>
+        <p:nvSpPr>
+          <p:cNvPr id="271" name="CasellaDiTesto 270">
+            <a:extLst>
+              <a:ext uri="{FF2B5EF4-FFF2-40B4-BE49-F238E27FC236}">
+                <a16:creationId xmlns:a16="http://schemas.microsoft.com/office/drawing/2014/main" id="{9EAF0B79-8842-2024-98B0-E29B6A5F2A07}"/>
+              </a:ext>
+            </a:extLst>
+          </p:cNvPr>
+          <p:cNvSpPr txBox="1"/>
+          <p:nvPr/>
+        </p:nvSpPr>
+        <p:spPr>
+          <a:xfrm>
+            <a:off x="6367427" y="-30659"/>
+            <a:ext cx="569884" cy="369332"/>
+          </a:xfrm>
+          <a:prstGeom prst="rect">
+            <a:avLst/>
+          </a:prstGeom>
+          <a:noFill/>
+        </p:spPr>
+        <p:txBody>
+          <a:bodyPr wrap="square" rtlCol="0">
+            <a:spAutoFit/>
+          </a:bodyPr>
+          <a:lstStyle/>
+          <a:p>
+            <a:r>
+              <a:rPr lang="en-US" dirty="0"/>
+              <a:t>B)</a:t>
+            </a:r>
+          </a:p>
+        </p:txBody>
+      </p:sp>
+      <p:sp>
+        <p:nvSpPr>
+          <p:cNvPr id="272" name="CasellaDiTesto 271">
+            <a:extLst>
+              <a:ext uri="{FF2B5EF4-FFF2-40B4-BE49-F238E27FC236}">
+                <a16:creationId xmlns:a16="http://schemas.microsoft.com/office/drawing/2014/main" id="{11087C58-844E-8C1C-4D73-D2C0AB163515}"/>
+              </a:ext>
+            </a:extLst>
+          </p:cNvPr>
+          <p:cNvSpPr txBox="1"/>
+          <p:nvPr/>
+        </p:nvSpPr>
+        <p:spPr>
+          <a:xfrm>
+            <a:off x="77815" y="3059632"/>
+            <a:ext cx="569884" cy="369332"/>
+          </a:xfrm>
+          <a:prstGeom prst="rect">
+            <a:avLst/>
+          </a:prstGeom>
+          <a:noFill/>
+        </p:spPr>
+        <p:txBody>
+          <a:bodyPr wrap="square" rtlCol="0">
+            <a:spAutoFit/>
+          </a:bodyPr>
+          <a:lstStyle/>
+          <a:p>
+            <a:r>
+              <a:rPr lang="en-US" dirty="0"/>
+              <a:t>C)</a:t>
+            </a:r>
+          </a:p>
+        </p:txBody>
+      </p:sp>
+      <p:sp>
+        <p:nvSpPr>
+          <p:cNvPr id="273" name="CasellaDiTesto 272">
+            <a:extLst>
+              <a:ext uri="{FF2B5EF4-FFF2-40B4-BE49-F238E27FC236}">
+                <a16:creationId xmlns:a16="http://schemas.microsoft.com/office/drawing/2014/main" id="{92851FCE-39A0-8D33-B405-6FCE933281E0}"/>
+              </a:ext>
+            </a:extLst>
+          </p:cNvPr>
+          <p:cNvSpPr txBox="1"/>
+          <p:nvPr/>
+        </p:nvSpPr>
+        <p:spPr>
+          <a:xfrm>
+            <a:off x="6373680" y="3042673"/>
+            <a:ext cx="569884" cy="369332"/>
+          </a:xfrm>
+          <a:prstGeom prst="rect">
+            <a:avLst/>
+          </a:prstGeom>
+          <a:noFill/>
+        </p:spPr>
+        <p:txBody>
+          <a:bodyPr wrap="square" rtlCol="0">
+            <a:spAutoFit/>
+          </a:bodyPr>
+          <a:lstStyle/>
+          <a:p>
+            <a:r>
+              <a:rPr lang="en-US" dirty="0"/>
+              <a:t>D)</a:t>
+            </a:r>
+          </a:p>
+        </p:txBody>
+      </p:sp>
+    </p:spTree>
+    <p:extLst>
+      <p:ext uri="{BB962C8B-B14F-4D97-AF65-F5344CB8AC3E}">
+        <p14:creationId xmlns:p14="http://schemas.microsoft.com/office/powerpoint/2010/main" val="2178142629"/>
+      </p:ext>
+    </p:extLst>
+  </p:cSld>
+  <p:clrMapOvr>
+    <a:masterClrMapping/>
+  </p:clrMapOvr>
+</p:sld>
+</file>
+
 <file path=ppt/theme/theme1.xml><?xml version="1.0" encoding="utf-8"?>
 <a:theme xmlns:a="http://schemas.openxmlformats.org/drawingml/2006/main" name="Tema di Office">
   <a:themeElements>

--- a/figures/addtional_figures.pptx
+++ b/figures/addtional_figures.pptx
@@ -5,7 +5,7 @@
     <p:sldMasterId id="2147483648" r:id="rId1"/>
   </p:sldMasterIdLst>
   <p:notesMasterIdLst>
-    <p:notesMasterId r:id="rId7"/>
+    <p:notesMasterId r:id="rId8"/>
   </p:notesMasterIdLst>
   <p:sldIdLst>
     <p:sldId id="256" r:id="rId2"/>
@@ -13,6 +13,7 @@
     <p:sldId id="258" r:id="rId4"/>
     <p:sldId id="259" r:id="rId5"/>
     <p:sldId id="260" r:id="rId6"/>
+    <p:sldId id="261" r:id="rId7"/>
   </p:sldIdLst>
   <p:sldSz cx="12192000" cy="6858000"/>
   <p:notesSz cx="6858000" cy="9144000"/>
@@ -201,7 +202,7 @@
           <a:p>
             <a:fld id="{141436AA-BBA3-41B5-A45C-EE3A47F06D69}" type="datetimeFigureOut">
               <a:rPr lang="en-US" smtClean="0"/>
-              <a:t>6/30/2024</a:t>
+              <a:t>7/28/2024</a:t>
             </a:fld>
             <a:endParaRPr lang="en-US"/>
           </a:p>
@@ -1008,7 +1009,7 @@
           <a:p>
             <a:fld id="{D1849B51-CB8F-4E70-B214-8C45EFD2E0E3}" type="datetimeFigureOut">
               <a:rPr lang="en-US" smtClean="0"/>
-              <a:t>6/30/2024</a:t>
+              <a:t>7/28/2024</a:t>
             </a:fld>
             <a:endParaRPr lang="en-US"/>
           </a:p>
@@ -1208,7 +1209,7 @@
           <a:p>
             <a:fld id="{D1849B51-CB8F-4E70-B214-8C45EFD2E0E3}" type="datetimeFigureOut">
               <a:rPr lang="en-US" smtClean="0"/>
-              <a:t>6/30/2024</a:t>
+              <a:t>7/28/2024</a:t>
             </a:fld>
             <a:endParaRPr lang="en-US"/>
           </a:p>
@@ -1418,7 +1419,7 @@
           <a:p>
             <a:fld id="{D1849B51-CB8F-4E70-B214-8C45EFD2E0E3}" type="datetimeFigureOut">
               <a:rPr lang="en-US" smtClean="0"/>
-              <a:t>6/30/2024</a:t>
+              <a:t>7/28/2024</a:t>
             </a:fld>
             <a:endParaRPr lang="en-US"/>
           </a:p>
@@ -1618,7 +1619,7 @@
           <a:p>
             <a:fld id="{D1849B51-CB8F-4E70-B214-8C45EFD2E0E3}" type="datetimeFigureOut">
               <a:rPr lang="en-US" smtClean="0"/>
-              <a:t>6/30/2024</a:t>
+              <a:t>7/28/2024</a:t>
             </a:fld>
             <a:endParaRPr lang="en-US"/>
           </a:p>
@@ -1894,7 +1895,7 @@
           <a:p>
             <a:fld id="{D1849B51-CB8F-4E70-B214-8C45EFD2E0E3}" type="datetimeFigureOut">
               <a:rPr lang="en-US" smtClean="0"/>
-              <a:t>6/30/2024</a:t>
+              <a:t>7/28/2024</a:t>
             </a:fld>
             <a:endParaRPr lang="en-US"/>
           </a:p>
@@ -2162,7 +2163,7 @@
           <a:p>
             <a:fld id="{D1849B51-CB8F-4E70-B214-8C45EFD2E0E3}" type="datetimeFigureOut">
               <a:rPr lang="en-US" smtClean="0"/>
-              <a:t>6/30/2024</a:t>
+              <a:t>7/28/2024</a:t>
             </a:fld>
             <a:endParaRPr lang="en-US"/>
           </a:p>
@@ -2577,7 +2578,7 @@
           <a:p>
             <a:fld id="{D1849B51-CB8F-4E70-B214-8C45EFD2E0E3}" type="datetimeFigureOut">
               <a:rPr lang="en-US" smtClean="0"/>
-              <a:t>6/30/2024</a:t>
+              <a:t>7/28/2024</a:t>
             </a:fld>
             <a:endParaRPr lang="en-US"/>
           </a:p>
@@ -2719,7 +2720,7 @@
           <a:p>
             <a:fld id="{D1849B51-CB8F-4E70-B214-8C45EFD2E0E3}" type="datetimeFigureOut">
               <a:rPr lang="en-US" smtClean="0"/>
-              <a:t>6/30/2024</a:t>
+              <a:t>7/28/2024</a:t>
             </a:fld>
             <a:endParaRPr lang="en-US"/>
           </a:p>
@@ -2832,7 +2833,7 @@
           <a:p>
             <a:fld id="{D1849B51-CB8F-4E70-B214-8C45EFD2E0E3}" type="datetimeFigureOut">
               <a:rPr lang="en-US" smtClean="0"/>
-              <a:t>6/30/2024</a:t>
+              <a:t>7/28/2024</a:t>
             </a:fld>
             <a:endParaRPr lang="en-US"/>
           </a:p>
@@ -3145,7 +3146,7 @@
           <a:p>
             <a:fld id="{D1849B51-CB8F-4E70-B214-8C45EFD2E0E3}" type="datetimeFigureOut">
               <a:rPr lang="en-US" smtClean="0"/>
-              <a:t>6/30/2024</a:t>
+              <a:t>7/28/2024</a:t>
             </a:fld>
             <a:endParaRPr lang="en-US"/>
           </a:p>
@@ -3434,7 +3435,7 @@
           <a:p>
             <a:fld id="{D1849B51-CB8F-4E70-B214-8C45EFD2E0E3}" type="datetimeFigureOut">
               <a:rPr lang="en-US" smtClean="0"/>
-              <a:t>6/30/2024</a:t>
+              <a:t>7/28/2024</a:t>
             </a:fld>
             <a:endParaRPr lang="en-US"/>
           </a:p>
@@ -3677,7 +3678,7 @@
           <a:p>
             <a:fld id="{D1849B51-CB8F-4E70-B214-8C45EFD2E0E3}" type="datetimeFigureOut">
               <a:rPr lang="en-US" smtClean="0"/>
-              <a:t>6/30/2024</a:t>
+              <a:t>7/28/2024</a:t>
             </a:fld>
             <a:endParaRPr lang="en-US"/>
           </a:p>
@@ -26287,6 +26288,1649 @@
 </p:sld>
 </file>
 
+<file path=ppt/slides/slide6.xml><?xml version="1.0" encoding="utf-8"?>
+<p:sld xmlns:a="http://schemas.openxmlformats.org/drawingml/2006/main" xmlns:r="http://schemas.openxmlformats.org/officeDocument/2006/relationships" xmlns:p="http://schemas.openxmlformats.org/presentationml/2006/main">
+  <p:cSld>
+    <p:spTree>
+      <p:nvGrpSpPr>
+        <p:cNvPr id="1" name=""/>
+        <p:cNvGrpSpPr/>
+        <p:nvPr/>
+      </p:nvGrpSpPr>
+      <p:grpSpPr>
+        <a:xfrm>
+          <a:off x="0" y="0"/>
+          <a:ext cx="0" cy="0"/>
+          <a:chOff x="0" y="0"/>
+          <a:chExt cx="0" cy="0"/>
+        </a:xfrm>
+      </p:grpSpPr>
+      <p:sp>
+        <p:nvSpPr>
+          <p:cNvPr id="2" name="Rettangolo 1">
+            <a:extLst>
+              <a:ext uri="{FF2B5EF4-FFF2-40B4-BE49-F238E27FC236}">
+                <a16:creationId xmlns:a16="http://schemas.microsoft.com/office/drawing/2014/main" id="{938AD8C0-E0F0-4489-1490-B2AB0267560D}"/>
+              </a:ext>
+            </a:extLst>
+          </p:cNvPr>
+          <p:cNvSpPr/>
+          <p:nvPr/>
+        </p:nvSpPr>
+        <p:spPr>
+          <a:xfrm>
+            <a:off x="685799" y="0"/>
+            <a:ext cx="2268415" cy="756138"/>
+          </a:xfrm>
+          <a:prstGeom prst="rect">
+            <a:avLst/>
+          </a:prstGeom>
+        </p:spPr>
+        <p:style>
+          <a:lnRef idx="2">
+            <a:schemeClr val="accent1">
+              <a:shade val="15000"/>
+            </a:schemeClr>
+          </a:lnRef>
+          <a:fillRef idx="1">
+            <a:schemeClr val="accent1"/>
+          </a:fillRef>
+          <a:effectRef idx="0">
+            <a:schemeClr val="accent1"/>
+          </a:effectRef>
+          <a:fontRef idx="minor">
+            <a:schemeClr val="lt1"/>
+          </a:fontRef>
+        </p:style>
+        <p:txBody>
+          <a:bodyPr rtlCol="0" anchor="ctr"/>
+          <a:lstStyle/>
+          <a:p>
+            <a:pPr algn="ctr"/>
+            <a:r>
+              <a:rPr lang="en-US" b="1" dirty="0"/>
+              <a:t>Attention based</a:t>
+            </a:r>
+          </a:p>
+        </p:txBody>
+      </p:sp>
+      <p:sp>
+        <p:nvSpPr>
+          <p:cNvPr id="3" name="Rettangolo 2">
+            <a:extLst>
+              <a:ext uri="{FF2B5EF4-FFF2-40B4-BE49-F238E27FC236}">
+                <a16:creationId xmlns:a16="http://schemas.microsoft.com/office/drawing/2014/main" id="{529B98C2-C70E-7060-75E7-BE033FB5FE1D}"/>
+              </a:ext>
+            </a:extLst>
+          </p:cNvPr>
+          <p:cNvSpPr/>
+          <p:nvPr/>
+        </p:nvSpPr>
+        <p:spPr>
+          <a:xfrm>
+            <a:off x="685799" y="2356339"/>
+            <a:ext cx="2268415" cy="914400"/>
+          </a:xfrm>
+          <a:prstGeom prst="rect">
+            <a:avLst/>
+          </a:prstGeom>
+          <a:solidFill>
+            <a:schemeClr val="accent2">
+              <a:lumMod val="75000"/>
+            </a:schemeClr>
+          </a:solidFill>
+        </p:spPr>
+        <p:style>
+          <a:lnRef idx="2">
+            <a:schemeClr val="accent1">
+              <a:shade val="15000"/>
+            </a:schemeClr>
+          </a:lnRef>
+          <a:fillRef idx="1">
+            <a:schemeClr val="accent1"/>
+          </a:fillRef>
+          <a:effectRef idx="0">
+            <a:schemeClr val="accent1"/>
+          </a:effectRef>
+          <a:fontRef idx="minor">
+            <a:schemeClr val="lt1"/>
+          </a:fontRef>
+        </p:style>
+        <p:txBody>
+          <a:bodyPr rtlCol="0" anchor="ctr"/>
+          <a:lstStyle/>
+          <a:p>
+            <a:pPr algn="ctr"/>
+            <a:r>
+              <a:rPr lang="en-US" b="1" dirty="0"/>
+              <a:t>Feature attribution</a:t>
+            </a:r>
+          </a:p>
+        </p:txBody>
+      </p:sp>
+      <p:sp>
+        <p:nvSpPr>
+          <p:cNvPr id="4" name="Rettangolo 3">
+            <a:extLst>
+              <a:ext uri="{FF2B5EF4-FFF2-40B4-BE49-F238E27FC236}">
+                <a16:creationId xmlns:a16="http://schemas.microsoft.com/office/drawing/2014/main" id="{C8EF8ACA-776D-4E31-96A2-C2EE0C33A1A0}"/>
+              </a:ext>
+            </a:extLst>
+          </p:cNvPr>
+          <p:cNvSpPr/>
+          <p:nvPr/>
+        </p:nvSpPr>
+        <p:spPr>
+          <a:xfrm>
+            <a:off x="685799" y="4583723"/>
+            <a:ext cx="2268415" cy="914400"/>
+          </a:xfrm>
+          <a:prstGeom prst="rect">
+            <a:avLst/>
+          </a:prstGeom>
+          <a:solidFill>
+            <a:schemeClr val="accent6">
+              <a:lumMod val="75000"/>
+            </a:schemeClr>
+          </a:solidFill>
+        </p:spPr>
+        <p:style>
+          <a:lnRef idx="2">
+            <a:schemeClr val="accent1">
+              <a:shade val="15000"/>
+            </a:schemeClr>
+          </a:lnRef>
+          <a:fillRef idx="1">
+            <a:schemeClr val="accent1"/>
+          </a:fillRef>
+          <a:effectRef idx="0">
+            <a:schemeClr val="accent1"/>
+          </a:effectRef>
+          <a:fontRef idx="minor">
+            <a:schemeClr val="lt1"/>
+          </a:fontRef>
+        </p:style>
+        <p:txBody>
+          <a:bodyPr rtlCol="0" anchor="ctr"/>
+          <a:lstStyle/>
+          <a:p>
+            <a:pPr algn="ctr"/>
+            <a:r>
+              <a:rPr lang="en-US" b="1" dirty="0"/>
+              <a:t>Example based</a:t>
+            </a:r>
+          </a:p>
+        </p:txBody>
+      </p:sp>
+      <p:sp>
+        <p:nvSpPr>
+          <p:cNvPr id="5" name="Rettangolo 4">
+            <a:extLst>
+              <a:ext uri="{FF2B5EF4-FFF2-40B4-BE49-F238E27FC236}">
+                <a16:creationId xmlns:a16="http://schemas.microsoft.com/office/drawing/2014/main" id="{12AB8E3E-E38A-6461-DF10-50CBBDDE263A}"/>
+              </a:ext>
+            </a:extLst>
+          </p:cNvPr>
+          <p:cNvSpPr/>
+          <p:nvPr/>
+        </p:nvSpPr>
+        <p:spPr>
+          <a:xfrm>
+            <a:off x="685799" y="6264570"/>
+            <a:ext cx="2268415" cy="914400"/>
+          </a:xfrm>
+          <a:prstGeom prst="rect">
+            <a:avLst/>
+          </a:prstGeom>
+        </p:spPr>
+        <p:style>
+          <a:lnRef idx="2">
+            <a:schemeClr val="accent1">
+              <a:shade val="15000"/>
+            </a:schemeClr>
+          </a:lnRef>
+          <a:fillRef idx="1">
+            <a:schemeClr val="accent1"/>
+          </a:fillRef>
+          <a:effectRef idx="0">
+            <a:schemeClr val="accent1"/>
+          </a:effectRef>
+          <a:fontRef idx="minor">
+            <a:schemeClr val="lt1"/>
+          </a:fontRef>
+        </p:style>
+        <p:txBody>
+          <a:bodyPr rtlCol="0" anchor="ctr"/>
+          <a:lstStyle/>
+          <a:p>
+            <a:pPr algn="ctr"/>
+            <a:r>
+              <a:rPr lang="en-US" b="1" dirty="0"/>
+              <a:t>Natural language </a:t>
+            </a:r>
+          </a:p>
+        </p:txBody>
+      </p:sp>
+      <p:sp>
+        <p:nvSpPr>
+          <p:cNvPr id="6" name="Rettangolo 5">
+            <a:extLst>
+              <a:ext uri="{FF2B5EF4-FFF2-40B4-BE49-F238E27FC236}">
+                <a16:creationId xmlns:a16="http://schemas.microsoft.com/office/drawing/2014/main" id="{A9B5FD29-6C60-966B-6759-707C039729FD}"/>
+              </a:ext>
+            </a:extLst>
+          </p:cNvPr>
+          <p:cNvSpPr/>
+          <p:nvPr/>
+        </p:nvSpPr>
+        <p:spPr>
+          <a:xfrm>
+            <a:off x="4067906" y="-386859"/>
+            <a:ext cx="2268415" cy="509954"/>
+          </a:xfrm>
+          <a:prstGeom prst="rect">
+            <a:avLst/>
+          </a:prstGeom>
+          <a:solidFill>
+            <a:schemeClr val="accent1">
+              <a:alpha val="50000"/>
+            </a:schemeClr>
+          </a:solidFill>
+        </p:spPr>
+        <p:style>
+          <a:lnRef idx="2">
+            <a:schemeClr val="accent1">
+              <a:shade val="15000"/>
+            </a:schemeClr>
+          </a:lnRef>
+          <a:fillRef idx="1">
+            <a:schemeClr val="accent1"/>
+          </a:fillRef>
+          <a:effectRef idx="0">
+            <a:schemeClr val="accent1"/>
+          </a:effectRef>
+          <a:fontRef idx="minor">
+            <a:schemeClr val="lt1"/>
+          </a:fontRef>
+        </p:style>
+        <p:txBody>
+          <a:bodyPr rtlCol="0" anchor="ctr"/>
+          <a:lstStyle/>
+          <a:p>
+            <a:pPr algn="ctr"/>
+            <a:r>
+              <a:rPr lang="en-US" b="1" dirty="0">
+                <a:solidFill>
+                  <a:schemeClr val="tx1"/>
+                </a:solidFill>
+              </a:rPr>
+              <a:t>Function based</a:t>
+            </a:r>
+          </a:p>
+        </p:txBody>
+      </p:sp>
+      <p:sp>
+        <p:nvSpPr>
+          <p:cNvPr id="7" name="Rettangolo 6">
+            <a:extLst>
+              <a:ext uri="{FF2B5EF4-FFF2-40B4-BE49-F238E27FC236}">
+                <a16:creationId xmlns:a16="http://schemas.microsoft.com/office/drawing/2014/main" id="{905F665A-3356-C689-F685-56BB814BD13F}"/>
+              </a:ext>
+            </a:extLst>
+          </p:cNvPr>
+          <p:cNvSpPr/>
+          <p:nvPr/>
+        </p:nvSpPr>
+        <p:spPr>
+          <a:xfrm>
+            <a:off x="4067905" y="369279"/>
+            <a:ext cx="2268415" cy="509954"/>
+          </a:xfrm>
+          <a:prstGeom prst="rect">
+            <a:avLst/>
+          </a:prstGeom>
+          <a:solidFill>
+            <a:schemeClr val="accent1">
+              <a:alpha val="50000"/>
+            </a:schemeClr>
+          </a:solidFill>
+        </p:spPr>
+        <p:style>
+          <a:lnRef idx="2">
+            <a:schemeClr val="accent1">
+              <a:shade val="15000"/>
+            </a:schemeClr>
+          </a:lnRef>
+          <a:fillRef idx="1">
+            <a:schemeClr val="accent1"/>
+          </a:fillRef>
+          <a:effectRef idx="0">
+            <a:schemeClr val="accent1"/>
+          </a:effectRef>
+          <a:fontRef idx="minor">
+            <a:schemeClr val="lt1"/>
+          </a:fontRef>
+        </p:style>
+        <p:txBody>
+          <a:bodyPr rtlCol="0" anchor="ctr"/>
+          <a:lstStyle/>
+          <a:p>
+            <a:pPr algn="ctr"/>
+            <a:r>
+              <a:rPr lang="en-US" b="1" dirty="0">
+                <a:solidFill>
+                  <a:schemeClr val="tx1"/>
+                </a:solidFill>
+              </a:rPr>
+              <a:t>Visualization </a:t>
+            </a:r>
+          </a:p>
+        </p:txBody>
+      </p:sp>
+      <p:sp>
+        <p:nvSpPr>
+          <p:cNvPr id="9" name="Rettangolo 8">
+            <a:extLst>
+              <a:ext uri="{FF2B5EF4-FFF2-40B4-BE49-F238E27FC236}">
+                <a16:creationId xmlns:a16="http://schemas.microsoft.com/office/drawing/2014/main" id="{20321646-6476-6FD6-BF1C-4B5F2F3F3EAD}"/>
+              </a:ext>
+            </a:extLst>
+          </p:cNvPr>
+          <p:cNvSpPr/>
+          <p:nvPr/>
+        </p:nvSpPr>
+        <p:spPr>
+          <a:xfrm>
+            <a:off x="4067907" y="1257301"/>
+            <a:ext cx="2268415" cy="509954"/>
+          </a:xfrm>
+          <a:prstGeom prst="rect">
+            <a:avLst/>
+          </a:prstGeom>
+          <a:solidFill>
+            <a:schemeClr val="accent2">
+              <a:lumMod val="75000"/>
+              <a:alpha val="50000"/>
+            </a:schemeClr>
+          </a:solidFill>
+        </p:spPr>
+        <p:style>
+          <a:lnRef idx="2">
+            <a:schemeClr val="accent1">
+              <a:shade val="15000"/>
+            </a:schemeClr>
+          </a:lnRef>
+          <a:fillRef idx="1">
+            <a:schemeClr val="accent1"/>
+          </a:fillRef>
+          <a:effectRef idx="0">
+            <a:schemeClr val="accent1"/>
+          </a:effectRef>
+          <a:fontRef idx="minor">
+            <a:schemeClr val="lt1"/>
+          </a:fontRef>
+        </p:style>
+        <p:txBody>
+          <a:bodyPr rtlCol="0" anchor="ctr"/>
+          <a:lstStyle/>
+          <a:p>
+            <a:pPr algn="ctr"/>
+            <a:r>
+              <a:rPr lang="en-US" b="1" dirty="0">
+                <a:solidFill>
+                  <a:schemeClr val="tx1"/>
+                </a:solidFill>
+              </a:rPr>
+              <a:t>Perturbation</a:t>
+            </a:r>
+          </a:p>
+        </p:txBody>
+      </p:sp>
+      <p:sp>
+        <p:nvSpPr>
+          <p:cNvPr id="10" name="Rettangolo 9">
+            <a:extLst>
+              <a:ext uri="{FF2B5EF4-FFF2-40B4-BE49-F238E27FC236}">
+                <a16:creationId xmlns:a16="http://schemas.microsoft.com/office/drawing/2014/main" id="{BF3DE9E4-F8CB-95B8-AF5A-ABC5D1B7F4C0}"/>
+              </a:ext>
+            </a:extLst>
+          </p:cNvPr>
+          <p:cNvSpPr/>
+          <p:nvPr/>
+        </p:nvSpPr>
+        <p:spPr>
+          <a:xfrm>
+            <a:off x="4067906" y="2069124"/>
+            <a:ext cx="2268415" cy="509954"/>
+          </a:xfrm>
+          <a:prstGeom prst="rect">
+            <a:avLst/>
+          </a:prstGeom>
+          <a:solidFill>
+            <a:schemeClr val="accent2">
+              <a:lumMod val="75000"/>
+              <a:alpha val="50000"/>
+            </a:schemeClr>
+          </a:solidFill>
+        </p:spPr>
+        <p:style>
+          <a:lnRef idx="2">
+            <a:schemeClr val="accent1">
+              <a:shade val="15000"/>
+            </a:schemeClr>
+          </a:lnRef>
+          <a:fillRef idx="1">
+            <a:schemeClr val="accent1"/>
+          </a:fillRef>
+          <a:effectRef idx="0">
+            <a:schemeClr val="accent1"/>
+          </a:effectRef>
+          <a:fontRef idx="minor">
+            <a:schemeClr val="lt1"/>
+          </a:fontRef>
+        </p:style>
+        <p:txBody>
+          <a:bodyPr rtlCol="0" anchor="ctr"/>
+          <a:lstStyle/>
+          <a:p>
+            <a:pPr algn="ctr"/>
+            <a:r>
+              <a:rPr lang="en-US" b="1" dirty="0">
+                <a:solidFill>
+                  <a:schemeClr val="tx1"/>
+                </a:solidFill>
+              </a:rPr>
+              <a:t>Gradient</a:t>
+            </a:r>
+          </a:p>
+        </p:txBody>
+      </p:sp>
+      <p:sp>
+        <p:nvSpPr>
+          <p:cNvPr id="11" name="Rettangolo 10">
+            <a:extLst>
+              <a:ext uri="{FF2B5EF4-FFF2-40B4-BE49-F238E27FC236}">
+                <a16:creationId xmlns:a16="http://schemas.microsoft.com/office/drawing/2014/main" id="{64DF7112-E848-986D-AB4D-5A091BC3DE78}"/>
+              </a:ext>
+            </a:extLst>
+          </p:cNvPr>
+          <p:cNvSpPr/>
+          <p:nvPr/>
+        </p:nvSpPr>
+        <p:spPr>
+          <a:xfrm>
+            <a:off x="4067905" y="2793024"/>
+            <a:ext cx="2268415" cy="509954"/>
+          </a:xfrm>
+          <a:prstGeom prst="rect">
+            <a:avLst/>
+          </a:prstGeom>
+          <a:solidFill>
+            <a:schemeClr val="accent2">
+              <a:lumMod val="75000"/>
+              <a:alpha val="50000"/>
+            </a:schemeClr>
+          </a:solidFill>
+        </p:spPr>
+        <p:style>
+          <a:lnRef idx="2">
+            <a:schemeClr val="accent1">
+              <a:shade val="15000"/>
+            </a:schemeClr>
+          </a:lnRef>
+          <a:fillRef idx="1">
+            <a:schemeClr val="accent1"/>
+          </a:fillRef>
+          <a:effectRef idx="0">
+            <a:schemeClr val="accent1"/>
+          </a:effectRef>
+          <a:fontRef idx="minor">
+            <a:schemeClr val="lt1"/>
+          </a:fontRef>
+        </p:style>
+        <p:txBody>
+          <a:bodyPr rtlCol="0" anchor="ctr"/>
+          <a:lstStyle/>
+          <a:p>
+            <a:pPr algn="ctr"/>
+            <a:r>
+              <a:rPr lang="en-US" b="1" dirty="0">
+                <a:solidFill>
+                  <a:schemeClr val="tx1"/>
+                </a:solidFill>
+              </a:rPr>
+              <a:t>Surrogate model</a:t>
+            </a:r>
+          </a:p>
+        </p:txBody>
+      </p:sp>
+      <p:sp>
+        <p:nvSpPr>
+          <p:cNvPr id="12" name="Rettangolo 11">
+            <a:extLst>
+              <a:ext uri="{FF2B5EF4-FFF2-40B4-BE49-F238E27FC236}">
+                <a16:creationId xmlns:a16="http://schemas.microsoft.com/office/drawing/2014/main" id="{F240BF9B-188F-CCB2-4255-F20CF00B2C50}"/>
+              </a:ext>
+            </a:extLst>
+          </p:cNvPr>
+          <p:cNvSpPr/>
+          <p:nvPr/>
+        </p:nvSpPr>
+        <p:spPr>
+          <a:xfrm>
+            <a:off x="4067905" y="3555024"/>
+            <a:ext cx="2268415" cy="509954"/>
+          </a:xfrm>
+          <a:prstGeom prst="rect">
+            <a:avLst/>
+          </a:prstGeom>
+          <a:solidFill>
+            <a:schemeClr val="accent2">
+              <a:lumMod val="75000"/>
+              <a:alpha val="50000"/>
+            </a:schemeClr>
+          </a:solidFill>
+        </p:spPr>
+        <p:style>
+          <a:lnRef idx="2">
+            <a:schemeClr val="accent1">
+              <a:shade val="15000"/>
+            </a:schemeClr>
+          </a:lnRef>
+          <a:fillRef idx="1">
+            <a:schemeClr val="accent1"/>
+          </a:fillRef>
+          <a:effectRef idx="0">
+            <a:schemeClr val="accent1"/>
+          </a:effectRef>
+          <a:fontRef idx="minor">
+            <a:schemeClr val="lt1"/>
+          </a:fontRef>
+        </p:style>
+        <p:txBody>
+          <a:bodyPr rtlCol="0" anchor="ctr"/>
+          <a:lstStyle/>
+          <a:p>
+            <a:pPr algn="ctr"/>
+            <a:r>
+              <a:rPr lang="en-US" b="1" dirty="0">
+                <a:solidFill>
+                  <a:schemeClr val="tx1"/>
+                </a:solidFill>
+              </a:rPr>
+              <a:t>Decomposition</a:t>
+            </a:r>
+          </a:p>
+        </p:txBody>
+      </p:sp>
+      <p:sp>
+        <p:nvSpPr>
+          <p:cNvPr id="13" name="Rettangolo 12">
+            <a:extLst>
+              <a:ext uri="{FF2B5EF4-FFF2-40B4-BE49-F238E27FC236}">
+                <a16:creationId xmlns:a16="http://schemas.microsoft.com/office/drawing/2014/main" id="{5D28B9DE-5A1E-CC4D-1237-3B3342F756F5}"/>
+              </a:ext>
+            </a:extLst>
+          </p:cNvPr>
+          <p:cNvSpPr/>
+          <p:nvPr/>
+        </p:nvSpPr>
+        <p:spPr>
+          <a:xfrm>
+            <a:off x="4067905" y="4583722"/>
+            <a:ext cx="2268415" cy="509954"/>
+          </a:xfrm>
+          <a:prstGeom prst="rect">
+            <a:avLst/>
+          </a:prstGeom>
+          <a:solidFill>
+            <a:schemeClr val="accent6">
+              <a:lumMod val="75000"/>
+              <a:alpha val="50000"/>
+            </a:schemeClr>
+          </a:solidFill>
+        </p:spPr>
+        <p:style>
+          <a:lnRef idx="2">
+            <a:schemeClr val="accent1">
+              <a:shade val="15000"/>
+            </a:schemeClr>
+          </a:lnRef>
+          <a:fillRef idx="1">
+            <a:schemeClr val="accent1"/>
+          </a:fillRef>
+          <a:effectRef idx="0">
+            <a:schemeClr val="accent1"/>
+          </a:effectRef>
+          <a:fontRef idx="minor">
+            <a:schemeClr val="lt1"/>
+          </a:fontRef>
+        </p:style>
+        <p:txBody>
+          <a:bodyPr rtlCol="0" anchor="ctr"/>
+          <a:lstStyle/>
+          <a:p>
+            <a:pPr algn="ctr"/>
+            <a:r>
+              <a:rPr lang="en-US" b="1" dirty="0">
+                <a:solidFill>
+                  <a:schemeClr val="tx1"/>
+                </a:solidFill>
+              </a:rPr>
+              <a:t>counterfactual</a:t>
+            </a:r>
+          </a:p>
+        </p:txBody>
+      </p:sp>
+      <p:sp>
+        <p:nvSpPr>
+          <p:cNvPr id="14" name="Rettangolo 13">
+            <a:extLst>
+              <a:ext uri="{FF2B5EF4-FFF2-40B4-BE49-F238E27FC236}">
+                <a16:creationId xmlns:a16="http://schemas.microsoft.com/office/drawing/2014/main" id="{A8B82E6A-F7A6-6FF2-A390-A298B6C7ED41}"/>
+              </a:ext>
+            </a:extLst>
+          </p:cNvPr>
+          <p:cNvSpPr/>
+          <p:nvPr/>
+        </p:nvSpPr>
+        <p:spPr>
+          <a:xfrm>
+            <a:off x="4067905" y="5345722"/>
+            <a:ext cx="2268415" cy="509954"/>
+          </a:xfrm>
+          <a:prstGeom prst="rect">
+            <a:avLst/>
+          </a:prstGeom>
+          <a:solidFill>
+            <a:schemeClr val="accent6">
+              <a:lumMod val="75000"/>
+              <a:alpha val="50000"/>
+            </a:schemeClr>
+          </a:solidFill>
+        </p:spPr>
+        <p:style>
+          <a:lnRef idx="2">
+            <a:schemeClr val="accent1">
+              <a:shade val="15000"/>
+            </a:schemeClr>
+          </a:lnRef>
+          <a:fillRef idx="1">
+            <a:schemeClr val="accent1"/>
+          </a:fillRef>
+          <a:effectRef idx="0">
+            <a:schemeClr val="accent1"/>
+          </a:effectRef>
+          <a:fontRef idx="minor">
+            <a:schemeClr val="lt1"/>
+          </a:fontRef>
+        </p:style>
+        <p:txBody>
+          <a:bodyPr rtlCol="0" anchor="ctr"/>
+          <a:lstStyle/>
+          <a:p>
+            <a:pPr algn="ctr"/>
+            <a:r>
+              <a:rPr lang="en-US" b="1" dirty="0">
+                <a:solidFill>
+                  <a:schemeClr val="tx1"/>
+                </a:solidFill>
+              </a:rPr>
+              <a:t>Adversarial example</a:t>
+            </a:r>
+          </a:p>
+        </p:txBody>
+      </p:sp>
+      <p:sp>
+        <p:nvSpPr>
+          <p:cNvPr id="19" name="CasellaDiTesto 18">
+            <a:extLst>
+              <a:ext uri="{FF2B5EF4-FFF2-40B4-BE49-F238E27FC236}">
+                <a16:creationId xmlns:a16="http://schemas.microsoft.com/office/drawing/2014/main" id="{0825B0D7-DE63-1795-B95B-90691F1E9837}"/>
+              </a:ext>
+            </a:extLst>
+          </p:cNvPr>
+          <p:cNvSpPr txBox="1"/>
+          <p:nvPr/>
+        </p:nvSpPr>
+        <p:spPr>
+          <a:xfrm>
+            <a:off x="7067060" y="1228646"/>
+            <a:ext cx="6155830" cy="1077218"/>
+          </a:xfrm>
+          <a:prstGeom prst="rect">
+            <a:avLst/>
+          </a:prstGeom>
+          <a:noFill/>
+          <a:ln>
+            <a:solidFill>
+              <a:schemeClr val="accent1"/>
+            </a:solidFill>
+          </a:ln>
+        </p:spPr>
+        <p:txBody>
+          <a:bodyPr wrap="square">
+            <a:spAutoFit/>
+          </a:bodyPr>
+          <a:lstStyle/>
+          <a:p>
+            <a:r>
+              <a:rPr lang="en-US" sz="1600" b="1" dirty="0"/>
+              <a:t>Context</a:t>
+            </a:r>
+            <a:r>
+              <a:rPr lang="en-US" sz="1600" dirty="0"/>
+              <a:t>: In 1899, John Jacob Astor IV invested $100,000 for Tesla to further develop and produce a new lighting system. Instead, Tesla used the money to fund his </a:t>
+            </a:r>
+            <a:r>
+              <a:rPr lang="en-US" sz="1600" dirty="0">
+                <a:solidFill>
+                  <a:srgbClr val="0070C0"/>
+                </a:solidFill>
+              </a:rPr>
+              <a:t>Colorado Springs experiments</a:t>
+            </a:r>
+            <a:r>
+              <a:rPr lang="en-US" sz="1600" dirty="0"/>
+              <a:t>. </a:t>
+            </a:r>
+            <a:r>
+              <a:rPr lang="en-US" sz="1600" b="1" dirty="0"/>
+              <a:t>Original </a:t>
+            </a:r>
+            <a:r>
+              <a:rPr lang="en-US" sz="1600" dirty="0"/>
+              <a:t>What </a:t>
+            </a:r>
+            <a:r>
+              <a:rPr lang="en-US" sz="1600" dirty="0">
+                <a:solidFill>
+                  <a:srgbClr val="C00000"/>
+                </a:solidFill>
+              </a:rPr>
+              <a:t>did</a:t>
+            </a:r>
+            <a:r>
+              <a:rPr lang="en-US" sz="1600" dirty="0"/>
+              <a:t> Tesla spend Astor’s money on ? </a:t>
+            </a:r>
+            <a:r>
+              <a:rPr lang="en-US" sz="1600" b="1" dirty="0"/>
+              <a:t>Confidence </a:t>
+            </a:r>
+            <a:r>
+              <a:rPr lang="en-US" sz="1600" dirty="0"/>
+              <a:t>0.78 → 0.91</a:t>
+            </a:r>
+          </a:p>
+        </p:txBody>
+      </p:sp>
+      <p:cxnSp>
+        <p:nvCxnSpPr>
+          <p:cNvPr id="21" name="Connettore 2 20">
+            <a:extLst>
+              <a:ext uri="{FF2B5EF4-FFF2-40B4-BE49-F238E27FC236}">
+                <a16:creationId xmlns:a16="http://schemas.microsoft.com/office/drawing/2014/main" id="{26E2A7A7-4479-AC19-79CB-1BED6BBE9134}"/>
+              </a:ext>
+            </a:extLst>
+          </p:cNvPr>
+          <p:cNvCxnSpPr>
+            <a:stCxn id="9" idx="3"/>
+            <a:endCxn id="19" idx="1"/>
+          </p:cNvCxnSpPr>
+          <p:nvPr/>
+        </p:nvCxnSpPr>
+        <p:spPr>
+          <a:xfrm>
+            <a:off x="6336322" y="1512278"/>
+            <a:ext cx="730738" cy="254977"/>
+          </a:xfrm>
+          <a:prstGeom prst="straightConnector1">
+            <a:avLst/>
+          </a:prstGeom>
+          <a:ln w="28575">
+            <a:solidFill>
+              <a:schemeClr val="tx1"/>
+            </a:solidFill>
+            <a:tailEnd type="triangle"/>
+          </a:ln>
+        </p:spPr>
+        <p:style>
+          <a:lnRef idx="1">
+            <a:schemeClr val="accent1"/>
+          </a:lnRef>
+          <a:fillRef idx="0">
+            <a:schemeClr val="accent1"/>
+          </a:fillRef>
+          <a:effectRef idx="0">
+            <a:schemeClr val="accent1"/>
+          </a:effectRef>
+          <a:fontRef idx="minor">
+            <a:schemeClr val="tx1"/>
+          </a:fontRef>
+        </p:style>
+      </p:cxnSp>
+      <p:pic>
+        <p:nvPicPr>
+          <p:cNvPr id="23" name="Immagine 22">
+            <a:extLst>
+              <a:ext uri="{FF2B5EF4-FFF2-40B4-BE49-F238E27FC236}">
+                <a16:creationId xmlns:a16="http://schemas.microsoft.com/office/drawing/2014/main" id="{50D75FBB-4F4D-A276-5744-F8F2997D0216}"/>
+              </a:ext>
+            </a:extLst>
+          </p:cNvPr>
+          <p:cNvPicPr>
+            <a:picLocks noChangeAspect="1"/>
+          </p:cNvPicPr>
+          <p:nvPr/>
+        </p:nvPicPr>
+        <p:blipFill>
+          <a:blip r:embed="rId2"/>
+          <a:stretch>
+            <a:fillRect/>
+          </a:stretch>
+        </p:blipFill>
+        <p:spPr>
+          <a:xfrm>
+            <a:off x="9593415" y="-709984"/>
+            <a:ext cx="1912786" cy="1844200"/>
+          </a:xfrm>
+          <a:prstGeom prst="rect">
+            <a:avLst/>
+          </a:prstGeom>
+        </p:spPr>
+      </p:pic>
+      <p:cxnSp>
+        <p:nvCxnSpPr>
+          <p:cNvPr id="24" name="Connettore 2 23">
+            <a:extLst>
+              <a:ext uri="{FF2B5EF4-FFF2-40B4-BE49-F238E27FC236}">
+                <a16:creationId xmlns:a16="http://schemas.microsoft.com/office/drawing/2014/main" id="{535A3AA2-C52C-405B-415A-E4BFF1B171F6}"/>
+              </a:ext>
+            </a:extLst>
+          </p:cNvPr>
+          <p:cNvCxnSpPr>
+            <a:cxnSpLocks/>
+            <a:stCxn id="7" idx="3"/>
+            <a:endCxn id="23" idx="1"/>
+          </p:cNvCxnSpPr>
+          <p:nvPr/>
+        </p:nvCxnSpPr>
+        <p:spPr>
+          <a:xfrm flipV="1">
+            <a:off x="6336320" y="212116"/>
+            <a:ext cx="3257095" cy="412140"/>
+          </a:xfrm>
+          <a:prstGeom prst="straightConnector1">
+            <a:avLst/>
+          </a:prstGeom>
+          <a:ln w="28575">
+            <a:solidFill>
+              <a:schemeClr val="tx1"/>
+            </a:solidFill>
+            <a:tailEnd type="triangle"/>
+          </a:ln>
+        </p:spPr>
+        <p:style>
+          <a:lnRef idx="1">
+            <a:schemeClr val="accent1"/>
+          </a:lnRef>
+          <a:fillRef idx="0">
+            <a:schemeClr val="accent1"/>
+          </a:fillRef>
+          <a:effectRef idx="0">
+            <a:schemeClr val="accent1"/>
+          </a:effectRef>
+          <a:fontRef idx="minor">
+            <a:schemeClr val="tx1"/>
+          </a:fontRef>
+        </p:style>
+      </p:cxnSp>
+      <p:pic>
+        <p:nvPicPr>
+          <p:cNvPr id="28" name="Immagine 27">
+            <a:extLst>
+              <a:ext uri="{FF2B5EF4-FFF2-40B4-BE49-F238E27FC236}">
+                <a16:creationId xmlns:a16="http://schemas.microsoft.com/office/drawing/2014/main" id="{9C9F681E-99D7-B966-7844-3ECE64DD4520}"/>
+              </a:ext>
+            </a:extLst>
+          </p:cNvPr>
+          <p:cNvPicPr>
+            <a:picLocks noChangeAspect="1"/>
+          </p:cNvPicPr>
+          <p:nvPr/>
+        </p:nvPicPr>
+        <p:blipFill>
+          <a:blip r:embed="rId3"/>
+          <a:stretch>
+            <a:fillRect/>
+          </a:stretch>
+        </p:blipFill>
+        <p:spPr>
+          <a:xfrm>
+            <a:off x="7067060" y="3106387"/>
+            <a:ext cx="5212532" cy="701101"/>
+          </a:xfrm>
+          <a:prstGeom prst="rect">
+            <a:avLst/>
+          </a:prstGeom>
+        </p:spPr>
+      </p:pic>
+      <p:cxnSp>
+        <p:nvCxnSpPr>
+          <p:cNvPr id="29" name="Connettore 2 28">
+            <a:extLst>
+              <a:ext uri="{FF2B5EF4-FFF2-40B4-BE49-F238E27FC236}">
+                <a16:creationId xmlns:a16="http://schemas.microsoft.com/office/drawing/2014/main" id="{3857B72E-1020-4AD9-B0F7-9254990C1E5B}"/>
+              </a:ext>
+            </a:extLst>
+          </p:cNvPr>
+          <p:cNvCxnSpPr>
+            <a:cxnSpLocks/>
+            <a:stCxn id="11" idx="3"/>
+            <a:endCxn id="28" idx="1"/>
+          </p:cNvCxnSpPr>
+          <p:nvPr/>
+        </p:nvCxnSpPr>
+        <p:spPr>
+          <a:xfrm>
+            <a:off x="6336320" y="3048001"/>
+            <a:ext cx="730740" cy="408937"/>
+          </a:xfrm>
+          <a:prstGeom prst="straightConnector1">
+            <a:avLst/>
+          </a:prstGeom>
+          <a:ln w="28575">
+            <a:solidFill>
+              <a:schemeClr val="tx1"/>
+            </a:solidFill>
+            <a:tailEnd type="triangle"/>
+          </a:ln>
+        </p:spPr>
+        <p:style>
+          <a:lnRef idx="1">
+            <a:schemeClr val="accent1"/>
+          </a:lnRef>
+          <a:fillRef idx="0">
+            <a:schemeClr val="accent1"/>
+          </a:fillRef>
+          <a:effectRef idx="0">
+            <a:schemeClr val="accent1"/>
+          </a:effectRef>
+          <a:fontRef idx="minor">
+            <a:schemeClr val="tx1"/>
+          </a:fontRef>
+        </p:style>
+      </p:cxnSp>
+      <p:sp>
+        <p:nvSpPr>
+          <p:cNvPr id="35" name="CasellaDiTesto 34">
+            <a:extLst>
+              <a:ext uri="{FF2B5EF4-FFF2-40B4-BE49-F238E27FC236}">
+                <a16:creationId xmlns:a16="http://schemas.microsoft.com/office/drawing/2014/main" id="{D1EE00BB-6DF5-C44E-65D3-939AAE85801F}"/>
+              </a:ext>
+            </a:extLst>
+          </p:cNvPr>
+          <p:cNvSpPr txBox="1"/>
+          <p:nvPr/>
+        </p:nvSpPr>
+        <p:spPr>
+          <a:xfrm>
+            <a:off x="6901960" y="6697494"/>
+            <a:ext cx="6155830" cy="830997"/>
+          </a:xfrm>
+          <a:prstGeom prst="rect">
+            <a:avLst/>
+          </a:prstGeom>
+          <a:noFill/>
+          <a:ln>
+            <a:solidFill>
+              <a:schemeClr val="tx1"/>
+            </a:solidFill>
+          </a:ln>
+        </p:spPr>
+        <p:txBody>
+          <a:bodyPr wrap="square">
+            <a:spAutoFit/>
+          </a:bodyPr>
+          <a:lstStyle/>
+          <a:p>
+            <a:r>
+              <a:rPr lang="en-US" sz="1600" b="1" dirty="0"/>
+              <a:t>Question</a:t>
+            </a:r>
+            <a:r>
+              <a:rPr lang="en-US" sz="1600" dirty="0"/>
+              <a:t>: After getting drunk people couldn’t understand </a:t>
+            </a:r>
+            <a:r>
+              <a:rPr lang="en-US" sz="1600" dirty="0" err="1"/>
+              <a:t>him,it</a:t>
+            </a:r>
+            <a:r>
+              <a:rPr lang="en-US" sz="1600" dirty="0"/>
+              <a:t> was because of his what? </a:t>
+            </a:r>
+            <a:r>
+              <a:rPr lang="en-US" sz="1600" b="1" dirty="0"/>
+              <a:t>Choices</a:t>
+            </a:r>
+            <a:r>
+              <a:rPr lang="en-US" sz="1600" dirty="0"/>
+              <a:t>: lower standards, </a:t>
+            </a:r>
+            <a:r>
+              <a:rPr lang="en-US" sz="1600" dirty="0">
+                <a:solidFill>
+                  <a:srgbClr val="0070C0"/>
+                </a:solidFill>
+              </a:rPr>
+              <a:t>slurred speech</a:t>
+            </a:r>
+            <a:r>
+              <a:rPr lang="en-US" sz="1600" dirty="0"/>
+              <a:t>, or falling down </a:t>
+            </a:r>
+            <a:r>
+              <a:rPr lang="en-US" sz="1600" b="1" dirty="0"/>
+              <a:t>Explanation</a:t>
+            </a:r>
+            <a:r>
+              <a:rPr lang="en-US" sz="1600" dirty="0"/>
+              <a:t>: People who are drunk have difficulty speaking.</a:t>
+            </a:r>
+          </a:p>
+        </p:txBody>
+      </p:sp>
+      <p:cxnSp>
+        <p:nvCxnSpPr>
+          <p:cNvPr id="36" name="Connettore 2 35">
+            <a:extLst>
+              <a:ext uri="{FF2B5EF4-FFF2-40B4-BE49-F238E27FC236}">
+                <a16:creationId xmlns:a16="http://schemas.microsoft.com/office/drawing/2014/main" id="{4FB683C6-D0F6-FD95-88B4-5315CD894877}"/>
+              </a:ext>
+            </a:extLst>
+          </p:cNvPr>
+          <p:cNvCxnSpPr>
+            <a:cxnSpLocks/>
+            <a:stCxn id="5" idx="3"/>
+            <a:endCxn id="35" idx="1"/>
+          </p:cNvCxnSpPr>
+          <p:nvPr/>
+        </p:nvCxnSpPr>
+        <p:spPr>
+          <a:xfrm>
+            <a:off x="2954214" y="6721770"/>
+            <a:ext cx="3947746" cy="391223"/>
+          </a:xfrm>
+          <a:prstGeom prst="straightConnector1">
+            <a:avLst/>
+          </a:prstGeom>
+          <a:ln w="28575">
+            <a:solidFill>
+              <a:schemeClr val="tx1"/>
+            </a:solidFill>
+            <a:tailEnd type="triangle"/>
+          </a:ln>
+        </p:spPr>
+        <p:style>
+          <a:lnRef idx="1">
+            <a:schemeClr val="accent1"/>
+          </a:lnRef>
+          <a:fillRef idx="0">
+            <a:schemeClr val="accent1"/>
+          </a:fillRef>
+          <a:effectRef idx="0">
+            <a:schemeClr val="accent1"/>
+          </a:effectRef>
+          <a:fontRef idx="minor">
+            <a:schemeClr val="tx1"/>
+          </a:fontRef>
+        </p:style>
+      </p:cxnSp>
+      <p:sp>
+        <p:nvSpPr>
+          <p:cNvPr id="40" name="CasellaDiTesto 39">
+            <a:extLst>
+              <a:ext uri="{FF2B5EF4-FFF2-40B4-BE49-F238E27FC236}">
+                <a16:creationId xmlns:a16="http://schemas.microsoft.com/office/drawing/2014/main" id="{82849A10-BBD3-20E2-3FA7-31A81FDEDD8D}"/>
+              </a:ext>
+            </a:extLst>
+          </p:cNvPr>
+          <p:cNvSpPr txBox="1"/>
+          <p:nvPr/>
+        </p:nvSpPr>
+        <p:spPr>
+          <a:xfrm>
+            <a:off x="7067060" y="4744248"/>
+            <a:ext cx="6155830" cy="584775"/>
+          </a:xfrm>
+          <a:prstGeom prst="rect">
+            <a:avLst/>
+          </a:prstGeom>
+          <a:noFill/>
+          <a:ln>
+            <a:solidFill>
+              <a:schemeClr val="tx1"/>
+            </a:solidFill>
+          </a:ln>
+        </p:spPr>
+        <p:txBody>
+          <a:bodyPr wrap="square">
+            <a:spAutoFit/>
+          </a:bodyPr>
+          <a:lstStyle/>
+          <a:p>
+            <a:r>
+              <a:rPr lang="en-US" sz="1600" b="1" dirty="0"/>
+              <a:t>Original text: </a:t>
+            </a:r>
+            <a:r>
+              <a:rPr lang="en-US" sz="1600" dirty="0"/>
+              <a:t>The product is amazing (</a:t>
+            </a:r>
+            <a:r>
+              <a:rPr lang="en-US" sz="1600" dirty="0">
+                <a:solidFill>
+                  <a:srgbClr val="0070C0"/>
+                </a:solidFill>
+              </a:rPr>
+              <a:t>positive</a:t>
+            </a:r>
+            <a:r>
+              <a:rPr lang="en-US" sz="1600" dirty="0"/>
+              <a:t>)</a:t>
+            </a:r>
+          </a:p>
+          <a:p>
+            <a:r>
+              <a:rPr lang="en-US" sz="1600" b="1" dirty="0"/>
+              <a:t>Contradiction: </a:t>
+            </a:r>
+            <a:r>
+              <a:rPr lang="en-US" sz="1600" dirty="0"/>
+              <a:t>The product is not good (</a:t>
+            </a:r>
+            <a:r>
+              <a:rPr lang="en-US" sz="1600" dirty="0">
+                <a:solidFill>
+                  <a:srgbClr val="C00000"/>
+                </a:solidFill>
+              </a:rPr>
+              <a:t>negative</a:t>
+            </a:r>
+            <a:r>
+              <a:rPr lang="en-US" sz="1600" dirty="0"/>
+              <a:t>)</a:t>
+            </a:r>
+          </a:p>
+        </p:txBody>
+      </p:sp>
+      <p:cxnSp>
+        <p:nvCxnSpPr>
+          <p:cNvPr id="41" name="Connettore 2 40">
+            <a:extLst>
+              <a:ext uri="{FF2B5EF4-FFF2-40B4-BE49-F238E27FC236}">
+                <a16:creationId xmlns:a16="http://schemas.microsoft.com/office/drawing/2014/main" id="{23762CF9-9547-7C64-A6BE-D02F34A11B28}"/>
+              </a:ext>
+            </a:extLst>
+          </p:cNvPr>
+          <p:cNvCxnSpPr>
+            <a:cxnSpLocks/>
+            <a:stCxn id="13" idx="3"/>
+            <a:endCxn id="40" idx="1"/>
+          </p:cNvCxnSpPr>
+          <p:nvPr/>
+        </p:nvCxnSpPr>
+        <p:spPr>
+          <a:xfrm>
+            <a:off x="6336320" y="4838699"/>
+            <a:ext cx="730740" cy="197937"/>
+          </a:xfrm>
+          <a:prstGeom prst="straightConnector1">
+            <a:avLst/>
+          </a:prstGeom>
+          <a:ln w="28575">
+            <a:solidFill>
+              <a:schemeClr val="tx1"/>
+            </a:solidFill>
+            <a:tailEnd type="triangle"/>
+          </a:ln>
+        </p:spPr>
+        <p:style>
+          <a:lnRef idx="1">
+            <a:schemeClr val="accent1"/>
+          </a:lnRef>
+          <a:fillRef idx="0">
+            <a:schemeClr val="accent1"/>
+          </a:fillRef>
+          <a:effectRef idx="0">
+            <a:schemeClr val="accent1"/>
+          </a:effectRef>
+          <a:fontRef idx="minor">
+            <a:schemeClr val="tx1"/>
+          </a:fontRef>
+        </p:style>
+      </p:cxnSp>
+      <p:sp>
+        <p:nvSpPr>
+          <p:cNvPr id="45" name="CasellaDiTesto 44">
+            <a:extLst>
+              <a:ext uri="{FF2B5EF4-FFF2-40B4-BE49-F238E27FC236}">
+                <a16:creationId xmlns:a16="http://schemas.microsoft.com/office/drawing/2014/main" id="{8DD700FB-32C1-A49F-0908-9DF1CEE4FE51}"/>
+              </a:ext>
+            </a:extLst>
+          </p:cNvPr>
+          <p:cNvSpPr txBox="1"/>
+          <p:nvPr/>
+        </p:nvSpPr>
+        <p:spPr>
+          <a:xfrm>
+            <a:off x="7067060" y="5517884"/>
+            <a:ext cx="6155830" cy="1077218"/>
+          </a:xfrm>
+          <a:prstGeom prst="rect">
+            <a:avLst/>
+          </a:prstGeom>
+          <a:noFill/>
+          <a:ln>
+            <a:solidFill>
+              <a:schemeClr val="tx1"/>
+            </a:solidFill>
+          </a:ln>
+        </p:spPr>
+        <p:txBody>
+          <a:bodyPr wrap="square">
+            <a:spAutoFit/>
+          </a:bodyPr>
+          <a:lstStyle/>
+          <a:p>
+            <a:r>
+              <a:rPr lang="en-US" sz="1600" b="1" dirty="0"/>
+              <a:t>Original text: </a:t>
+            </a:r>
+            <a:r>
+              <a:rPr lang="en-US" sz="1600" dirty="0"/>
+              <a:t>The characters, cast in impossibly contrived situations, are totally estranged from reality. (</a:t>
+            </a:r>
+            <a:r>
+              <a:rPr lang="en-US" sz="1600" dirty="0">
+                <a:solidFill>
+                  <a:srgbClr val="0070C0"/>
+                </a:solidFill>
+              </a:rPr>
+              <a:t>positive</a:t>
+            </a:r>
+            <a:r>
+              <a:rPr lang="en-US" sz="1600" dirty="0"/>
+              <a:t>)</a:t>
+            </a:r>
+          </a:p>
+          <a:p>
+            <a:r>
+              <a:rPr lang="en-US" sz="1600" b="1" dirty="0"/>
+              <a:t>Attack:  </a:t>
+            </a:r>
+            <a:r>
+              <a:rPr lang="en-US" sz="1600" dirty="0"/>
+              <a:t>The characters, cast in impossibly </a:t>
+            </a:r>
+            <a:r>
+              <a:rPr lang="en-US" sz="1600" dirty="0">
+                <a:solidFill>
+                  <a:srgbClr val="C00000"/>
+                </a:solidFill>
+              </a:rPr>
+              <a:t>engineered circumstances</a:t>
+            </a:r>
+            <a:r>
+              <a:rPr lang="en-US" sz="1600" dirty="0"/>
+              <a:t>, are </a:t>
+            </a:r>
+            <a:r>
+              <a:rPr lang="en-US" sz="1600" dirty="0">
+                <a:solidFill>
+                  <a:srgbClr val="C00000"/>
+                </a:solidFill>
+              </a:rPr>
+              <a:t>fully</a:t>
+            </a:r>
+            <a:r>
+              <a:rPr lang="en-US" sz="1600" dirty="0"/>
+              <a:t> estranged from reality. (</a:t>
+            </a:r>
+            <a:r>
+              <a:rPr lang="en-US" sz="1600" dirty="0">
+                <a:solidFill>
+                  <a:srgbClr val="C00000"/>
+                </a:solidFill>
+              </a:rPr>
+              <a:t>negative</a:t>
+            </a:r>
+            <a:r>
+              <a:rPr lang="en-US" sz="1600" dirty="0"/>
+              <a:t>)</a:t>
+            </a:r>
+          </a:p>
+        </p:txBody>
+      </p:sp>
+      <p:cxnSp>
+        <p:nvCxnSpPr>
+          <p:cNvPr id="46" name="Connettore 2 45">
+            <a:extLst>
+              <a:ext uri="{FF2B5EF4-FFF2-40B4-BE49-F238E27FC236}">
+                <a16:creationId xmlns:a16="http://schemas.microsoft.com/office/drawing/2014/main" id="{50652EBC-9AF7-DF55-8068-8DCB3A03AA15}"/>
+              </a:ext>
+            </a:extLst>
+          </p:cNvPr>
+          <p:cNvCxnSpPr>
+            <a:cxnSpLocks/>
+            <a:stCxn id="14" idx="3"/>
+            <a:endCxn id="45" idx="1"/>
+          </p:cNvCxnSpPr>
+          <p:nvPr/>
+        </p:nvCxnSpPr>
+        <p:spPr>
+          <a:xfrm>
+            <a:off x="6336320" y="5600699"/>
+            <a:ext cx="730740" cy="455794"/>
+          </a:xfrm>
+          <a:prstGeom prst="straightConnector1">
+            <a:avLst/>
+          </a:prstGeom>
+          <a:ln w="28575">
+            <a:solidFill>
+              <a:schemeClr val="tx1"/>
+            </a:solidFill>
+            <a:tailEnd type="triangle"/>
+          </a:ln>
+        </p:spPr>
+        <p:style>
+          <a:lnRef idx="1">
+            <a:schemeClr val="accent1"/>
+          </a:lnRef>
+          <a:fillRef idx="0">
+            <a:schemeClr val="accent1"/>
+          </a:fillRef>
+          <a:effectRef idx="0">
+            <a:schemeClr val="accent1"/>
+          </a:effectRef>
+          <a:fontRef idx="minor">
+            <a:schemeClr val="tx1"/>
+          </a:fontRef>
+        </p:style>
+      </p:cxnSp>
+      <p:pic>
+        <p:nvPicPr>
+          <p:cNvPr id="50" name="Immagine 49">
+            <a:extLst>
+              <a:ext uri="{FF2B5EF4-FFF2-40B4-BE49-F238E27FC236}">
+                <a16:creationId xmlns:a16="http://schemas.microsoft.com/office/drawing/2014/main" id="{915CF26C-BCAF-13F3-DEE4-AD709B43B716}"/>
+              </a:ext>
+            </a:extLst>
+          </p:cNvPr>
+          <p:cNvPicPr>
+            <a:picLocks noChangeAspect="1"/>
+          </p:cNvPicPr>
+          <p:nvPr/>
+        </p:nvPicPr>
+        <p:blipFill>
+          <a:blip r:embed="rId4"/>
+          <a:stretch>
+            <a:fillRect/>
+          </a:stretch>
+        </p:blipFill>
+        <p:spPr>
+          <a:xfrm>
+            <a:off x="7346460" y="-2549886"/>
+            <a:ext cx="1638442" cy="2659610"/>
+          </a:xfrm>
+          <a:prstGeom prst="rect">
+            <a:avLst/>
+          </a:prstGeom>
+        </p:spPr>
+      </p:pic>
+      <p:cxnSp>
+        <p:nvCxnSpPr>
+          <p:cNvPr id="52" name="Connettore 2 51">
+            <a:extLst>
+              <a:ext uri="{FF2B5EF4-FFF2-40B4-BE49-F238E27FC236}">
+                <a16:creationId xmlns:a16="http://schemas.microsoft.com/office/drawing/2014/main" id="{6175940A-A082-2AEB-61F9-99A057D41AFD}"/>
+              </a:ext>
+            </a:extLst>
+          </p:cNvPr>
+          <p:cNvCxnSpPr>
+            <a:cxnSpLocks/>
+            <a:stCxn id="6" idx="3"/>
+            <a:endCxn id="50" idx="1"/>
+          </p:cNvCxnSpPr>
+          <p:nvPr/>
+        </p:nvCxnSpPr>
+        <p:spPr>
+          <a:xfrm flipV="1">
+            <a:off x="6336321" y="-1220081"/>
+            <a:ext cx="1010139" cy="1088199"/>
+          </a:xfrm>
+          <a:prstGeom prst="straightConnector1">
+            <a:avLst/>
+          </a:prstGeom>
+          <a:ln w="28575">
+            <a:solidFill>
+              <a:schemeClr val="tx1"/>
+            </a:solidFill>
+            <a:tailEnd type="triangle"/>
+          </a:ln>
+        </p:spPr>
+        <p:style>
+          <a:lnRef idx="1">
+            <a:schemeClr val="accent1"/>
+          </a:lnRef>
+          <a:fillRef idx="0">
+            <a:schemeClr val="accent1"/>
+          </a:fillRef>
+          <a:effectRef idx="0">
+            <a:schemeClr val="accent1"/>
+          </a:effectRef>
+          <a:fontRef idx="minor">
+            <a:schemeClr val="tx1"/>
+          </a:fontRef>
+        </p:style>
+      </p:cxnSp>
+      <p:sp>
+        <p:nvSpPr>
+          <p:cNvPr id="61" name="CasellaDiTesto 60">
+            <a:extLst>
+              <a:ext uri="{FF2B5EF4-FFF2-40B4-BE49-F238E27FC236}">
+                <a16:creationId xmlns:a16="http://schemas.microsoft.com/office/drawing/2014/main" id="{6158FB79-B24E-0176-85E1-E97BF1A2BE6C}"/>
+              </a:ext>
+            </a:extLst>
+          </p:cNvPr>
+          <p:cNvSpPr txBox="1"/>
+          <p:nvPr/>
+        </p:nvSpPr>
+        <p:spPr>
+          <a:xfrm>
+            <a:off x="7067060" y="2449871"/>
+            <a:ext cx="6629400" cy="584775"/>
+          </a:xfrm>
+          <a:prstGeom prst="rect">
+            <a:avLst/>
+          </a:prstGeom>
+          <a:noFill/>
+          <a:ln>
+            <a:solidFill>
+              <a:schemeClr val="tx1"/>
+            </a:solidFill>
+          </a:ln>
+        </p:spPr>
+        <p:txBody>
+          <a:bodyPr wrap="square">
+            <a:spAutoFit/>
+          </a:bodyPr>
+          <a:lstStyle/>
+          <a:p>
+            <a:r>
+              <a:rPr lang="en-US" sz="1600" b="1" dirty="0"/>
+              <a:t>Sentence: </a:t>
+            </a:r>
+            <a:r>
+              <a:rPr lang="en-US" sz="1600" dirty="0"/>
+              <a:t>a </a:t>
+            </a:r>
+            <a:r>
+              <a:rPr lang="en-US" sz="1600" b="1" u="sng" dirty="0"/>
+              <a:t>well-made</a:t>
+            </a:r>
+            <a:r>
+              <a:rPr lang="en-US" sz="1600" dirty="0"/>
+              <a:t> and often </a:t>
+            </a:r>
+            <a:r>
+              <a:rPr lang="en-US" sz="1600" b="1" dirty="0"/>
+              <a:t>lovely</a:t>
+            </a:r>
+            <a:r>
+              <a:rPr lang="en-US" sz="1600" dirty="0"/>
+              <a:t> depiction of the mysteries of friendship</a:t>
+            </a:r>
+          </a:p>
+        </p:txBody>
+      </p:sp>
+      <p:cxnSp>
+        <p:nvCxnSpPr>
+          <p:cNvPr id="62" name="Connettore 2 61">
+            <a:extLst>
+              <a:ext uri="{FF2B5EF4-FFF2-40B4-BE49-F238E27FC236}">
+                <a16:creationId xmlns:a16="http://schemas.microsoft.com/office/drawing/2014/main" id="{29BD74E1-B1BC-6934-5209-726FAC48C843}"/>
+              </a:ext>
+            </a:extLst>
+          </p:cNvPr>
+          <p:cNvCxnSpPr>
+            <a:cxnSpLocks/>
+            <a:stCxn id="10" idx="3"/>
+            <a:endCxn id="61" idx="1"/>
+          </p:cNvCxnSpPr>
+          <p:nvPr/>
+        </p:nvCxnSpPr>
+        <p:spPr>
+          <a:xfrm>
+            <a:off x="6336321" y="2324101"/>
+            <a:ext cx="730739" cy="418158"/>
+          </a:xfrm>
+          <a:prstGeom prst="straightConnector1">
+            <a:avLst/>
+          </a:prstGeom>
+          <a:ln w="28575">
+            <a:solidFill>
+              <a:schemeClr val="tx1"/>
+            </a:solidFill>
+            <a:tailEnd type="triangle"/>
+          </a:ln>
+        </p:spPr>
+        <p:style>
+          <a:lnRef idx="1">
+            <a:schemeClr val="accent1"/>
+          </a:lnRef>
+          <a:fillRef idx="0">
+            <a:schemeClr val="accent1"/>
+          </a:fillRef>
+          <a:effectRef idx="0">
+            <a:schemeClr val="accent1"/>
+          </a:effectRef>
+          <a:fontRef idx="minor">
+            <a:schemeClr val="tx1"/>
+          </a:fontRef>
+        </p:style>
+      </p:cxnSp>
+      <p:pic>
+        <p:nvPicPr>
+          <p:cNvPr id="66" name="Immagine 65">
+            <a:extLst>
+              <a:ext uri="{FF2B5EF4-FFF2-40B4-BE49-F238E27FC236}">
+                <a16:creationId xmlns:a16="http://schemas.microsoft.com/office/drawing/2014/main" id="{6EBE4E21-168C-E6D8-FB7C-7C0A32C65CBA}"/>
+              </a:ext>
+            </a:extLst>
+          </p:cNvPr>
+          <p:cNvPicPr>
+            <a:picLocks noChangeAspect="1"/>
+          </p:cNvPicPr>
+          <p:nvPr/>
+        </p:nvPicPr>
+        <p:blipFill>
+          <a:blip r:embed="rId5"/>
+          <a:stretch>
+            <a:fillRect/>
+          </a:stretch>
+        </p:blipFill>
+        <p:spPr>
+          <a:xfrm>
+            <a:off x="7964867" y="3816313"/>
+            <a:ext cx="3071126" cy="823031"/>
+          </a:xfrm>
+          <a:prstGeom prst="rect">
+            <a:avLst/>
+          </a:prstGeom>
+        </p:spPr>
+      </p:pic>
+      <p:cxnSp>
+        <p:nvCxnSpPr>
+          <p:cNvPr id="67" name="Connettore 2 66">
+            <a:extLst>
+              <a:ext uri="{FF2B5EF4-FFF2-40B4-BE49-F238E27FC236}">
+                <a16:creationId xmlns:a16="http://schemas.microsoft.com/office/drawing/2014/main" id="{2F021F4B-CF7B-B380-1819-02A93853F861}"/>
+              </a:ext>
+            </a:extLst>
+          </p:cNvPr>
+          <p:cNvCxnSpPr>
+            <a:cxnSpLocks/>
+            <a:stCxn id="12" idx="3"/>
+            <a:endCxn id="66" idx="1"/>
+          </p:cNvCxnSpPr>
+          <p:nvPr/>
+        </p:nvCxnSpPr>
+        <p:spPr>
+          <a:xfrm>
+            <a:off x="6336320" y="3810001"/>
+            <a:ext cx="1628547" cy="417828"/>
+          </a:xfrm>
+          <a:prstGeom prst="straightConnector1">
+            <a:avLst/>
+          </a:prstGeom>
+          <a:ln w="28575">
+            <a:solidFill>
+              <a:schemeClr val="tx1"/>
+            </a:solidFill>
+            <a:tailEnd type="triangle"/>
+          </a:ln>
+        </p:spPr>
+        <p:style>
+          <a:lnRef idx="1">
+            <a:schemeClr val="accent1"/>
+          </a:lnRef>
+          <a:fillRef idx="0">
+            <a:schemeClr val="accent1"/>
+          </a:fillRef>
+          <a:effectRef idx="0">
+            <a:schemeClr val="accent1"/>
+          </a:effectRef>
+          <a:fontRef idx="minor">
+            <a:schemeClr val="tx1"/>
+          </a:fontRef>
+        </p:style>
+      </p:cxnSp>
+    </p:spTree>
+    <p:extLst>
+      <p:ext uri="{BB962C8B-B14F-4D97-AF65-F5344CB8AC3E}">
+        <p14:creationId xmlns:p14="http://schemas.microsoft.com/office/powerpoint/2010/main" val="1831932029"/>
+      </p:ext>
+    </p:extLst>
+  </p:cSld>
+  <p:clrMapOvr>
+    <a:masterClrMapping/>
+  </p:clrMapOvr>
+</p:sld>
+</file>
+
 <file path=ppt/theme/theme1.xml><?xml version="1.0" encoding="utf-8"?>
 <a:theme xmlns:a="http://schemas.openxmlformats.org/drawingml/2006/main" name="Tema di Office">
   <a:themeElements>

--- a/figures/addtional_figures.pptx
+++ b/figures/addtional_figures.pptx
@@ -27918,6 +27918,321 @@
           </a:fontRef>
         </p:style>
       </p:cxnSp>
+      <p:sp>
+        <p:nvSpPr>
+          <p:cNvPr id="70" name="CasellaDiTesto 69">
+            <a:extLst>
+              <a:ext uri="{FF2B5EF4-FFF2-40B4-BE49-F238E27FC236}">
+                <a16:creationId xmlns:a16="http://schemas.microsoft.com/office/drawing/2014/main" id="{99A777C6-C420-50E3-41ED-8677749738BB}"/>
+              </a:ext>
+            </a:extLst>
+          </p:cNvPr>
+          <p:cNvSpPr txBox="1"/>
+          <p:nvPr/>
+        </p:nvSpPr>
+        <p:spPr>
+          <a:xfrm>
+            <a:off x="3352800" y="-386859"/>
+            <a:ext cx="419100" cy="369332"/>
+          </a:xfrm>
+          <a:prstGeom prst="rect">
+            <a:avLst/>
+          </a:prstGeom>
+          <a:noFill/>
+        </p:spPr>
+        <p:txBody>
+          <a:bodyPr wrap="square" rtlCol="0">
+            <a:spAutoFit/>
+          </a:bodyPr>
+          <a:lstStyle/>
+          <a:p>
+            <a:r>
+              <a:rPr lang="en-US" b="1" dirty="0"/>
+              <a:t>A)</a:t>
+            </a:r>
+          </a:p>
+        </p:txBody>
+      </p:sp>
+      <p:sp>
+        <p:nvSpPr>
+          <p:cNvPr id="71" name="CasellaDiTesto 70">
+            <a:extLst>
+              <a:ext uri="{FF2B5EF4-FFF2-40B4-BE49-F238E27FC236}">
+                <a16:creationId xmlns:a16="http://schemas.microsoft.com/office/drawing/2014/main" id="{97942C57-4B65-08E0-1257-ECA19A7CA5AF}"/>
+              </a:ext>
+            </a:extLst>
+          </p:cNvPr>
+          <p:cNvSpPr txBox="1"/>
+          <p:nvPr/>
+        </p:nvSpPr>
+        <p:spPr>
+          <a:xfrm>
+            <a:off x="3358659" y="374227"/>
+            <a:ext cx="419100" cy="369332"/>
+          </a:xfrm>
+          <a:prstGeom prst="rect">
+            <a:avLst/>
+          </a:prstGeom>
+          <a:noFill/>
+        </p:spPr>
+        <p:txBody>
+          <a:bodyPr wrap="square" rtlCol="0">
+            <a:spAutoFit/>
+          </a:bodyPr>
+          <a:lstStyle/>
+          <a:p>
+            <a:r>
+              <a:rPr lang="en-US" b="1" dirty="0"/>
+              <a:t>B)</a:t>
+            </a:r>
+          </a:p>
+        </p:txBody>
+      </p:sp>
+      <p:sp>
+        <p:nvSpPr>
+          <p:cNvPr id="72" name="CasellaDiTesto 71">
+            <a:extLst>
+              <a:ext uri="{FF2B5EF4-FFF2-40B4-BE49-F238E27FC236}">
+                <a16:creationId xmlns:a16="http://schemas.microsoft.com/office/drawing/2014/main" id="{55668581-D9C9-1DB7-96C9-1D558BF422B4}"/>
+              </a:ext>
+            </a:extLst>
+          </p:cNvPr>
+          <p:cNvSpPr txBox="1"/>
+          <p:nvPr/>
+        </p:nvSpPr>
+        <p:spPr>
+          <a:xfrm>
+            <a:off x="3355227" y="1335569"/>
+            <a:ext cx="419100" cy="369332"/>
+          </a:xfrm>
+          <a:prstGeom prst="rect">
+            <a:avLst/>
+          </a:prstGeom>
+          <a:noFill/>
+        </p:spPr>
+        <p:txBody>
+          <a:bodyPr wrap="square" rtlCol="0">
+            <a:spAutoFit/>
+          </a:bodyPr>
+          <a:lstStyle/>
+          <a:p>
+            <a:r>
+              <a:rPr lang="en-US" b="1" dirty="0"/>
+              <a:t>C)</a:t>
+            </a:r>
+          </a:p>
+        </p:txBody>
+      </p:sp>
+      <p:sp>
+        <p:nvSpPr>
+          <p:cNvPr id="73" name="CasellaDiTesto 72">
+            <a:extLst>
+              <a:ext uri="{FF2B5EF4-FFF2-40B4-BE49-F238E27FC236}">
+                <a16:creationId xmlns:a16="http://schemas.microsoft.com/office/drawing/2014/main" id="{4D2BD0DE-B99B-EF2A-9FB7-56B1A8ADF0FE}"/>
+              </a:ext>
+            </a:extLst>
+          </p:cNvPr>
+          <p:cNvSpPr txBox="1"/>
+          <p:nvPr/>
+        </p:nvSpPr>
+        <p:spPr>
+          <a:xfrm>
+            <a:off x="3361086" y="2096655"/>
+            <a:ext cx="419100" cy="369332"/>
+          </a:xfrm>
+          <a:prstGeom prst="rect">
+            <a:avLst/>
+          </a:prstGeom>
+          <a:noFill/>
+        </p:spPr>
+        <p:txBody>
+          <a:bodyPr wrap="square" rtlCol="0">
+            <a:spAutoFit/>
+          </a:bodyPr>
+          <a:lstStyle/>
+          <a:p>
+            <a:r>
+              <a:rPr lang="en-US" b="1" dirty="0"/>
+              <a:t>D)</a:t>
+            </a:r>
+          </a:p>
+        </p:txBody>
+      </p:sp>
+      <p:sp>
+        <p:nvSpPr>
+          <p:cNvPr id="74" name="CasellaDiTesto 73">
+            <a:extLst>
+              <a:ext uri="{FF2B5EF4-FFF2-40B4-BE49-F238E27FC236}">
+                <a16:creationId xmlns:a16="http://schemas.microsoft.com/office/drawing/2014/main" id="{53EC074A-7CC5-4187-12B2-99D166ED1297}"/>
+              </a:ext>
+            </a:extLst>
+          </p:cNvPr>
+          <p:cNvSpPr txBox="1"/>
+          <p:nvPr/>
+        </p:nvSpPr>
+        <p:spPr>
+          <a:xfrm>
+            <a:off x="3355227" y="2870561"/>
+            <a:ext cx="419100" cy="369332"/>
+          </a:xfrm>
+          <a:prstGeom prst="rect">
+            <a:avLst/>
+          </a:prstGeom>
+          <a:noFill/>
+        </p:spPr>
+        <p:txBody>
+          <a:bodyPr wrap="square" rtlCol="0">
+            <a:spAutoFit/>
+          </a:bodyPr>
+          <a:lstStyle/>
+          <a:p>
+            <a:r>
+              <a:rPr lang="en-US" b="1" dirty="0"/>
+              <a:t>E)</a:t>
+            </a:r>
+          </a:p>
+        </p:txBody>
+      </p:sp>
+      <p:sp>
+        <p:nvSpPr>
+          <p:cNvPr id="75" name="CasellaDiTesto 74">
+            <a:extLst>
+              <a:ext uri="{FF2B5EF4-FFF2-40B4-BE49-F238E27FC236}">
+                <a16:creationId xmlns:a16="http://schemas.microsoft.com/office/drawing/2014/main" id="{3565B377-ABAA-D848-7B6A-CCDE1012E99A}"/>
+              </a:ext>
+            </a:extLst>
+          </p:cNvPr>
+          <p:cNvSpPr txBox="1"/>
+          <p:nvPr/>
+        </p:nvSpPr>
+        <p:spPr>
+          <a:xfrm>
+            <a:off x="3361086" y="3631647"/>
+            <a:ext cx="419100" cy="369332"/>
+          </a:xfrm>
+          <a:prstGeom prst="rect">
+            <a:avLst/>
+          </a:prstGeom>
+          <a:noFill/>
+        </p:spPr>
+        <p:txBody>
+          <a:bodyPr wrap="square" rtlCol="0">
+            <a:spAutoFit/>
+          </a:bodyPr>
+          <a:lstStyle/>
+          <a:p>
+            <a:r>
+              <a:rPr lang="en-US" b="1" dirty="0"/>
+              <a:t>F)</a:t>
+            </a:r>
+          </a:p>
+        </p:txBody>
+      </p:sp>
+      <p:sp>
+        <p:nvSpPr>
+          <p:cNvPr id="76" name="CasellaDiTesto 75">
+            <a:extLst>
+              <a:ext uri="{FF2B5EF4-FFF2-40B4-BE49-F238E27FC236}">
+                <a16:creationId xmlns:a16="http://schemas.microsoft.com/office/drawing/2014/main" id="{AEDE28E9-FF8F-4A69-2878-3542997304A8}"/>
+              </a:ext>
+            </a:extLst>
+          </p:cNvPr>
+          <p:cNvSpPr txBox="1"/>
+          <p:nvPr/>
+        </p:nvSpPr>
+        <p:spPr>
+          <a:xfrm>
+            <a:off x="3355227" y="4590471"/>
+            <a:ext cx="419100" cy="369332"/>
+          </a:xfrm>
+          <a:prstGeom prst="rect">
+            <a:avLst/>
+          </a:prstGeom>
+          <a:noFill/>
+        </p:spPr>
+        <p:txBody>
+          <a:bodyPr wrap="square" rtlCol="0">
+            <a:spAutoFit/>
+          </a:bodyPr>
+          <a:lstStyle/>
+          <a:p>
+            <a:r>
+              <a:rPr lang="en-US" b="1" dirty="0"/>
+              <a:t>G)</a:t>
+            </a:r>
+          </a:p>
+        </p:txBody>
+      </p:sp>
+      <p:sp>
+        <p:nvSpPr>
+          <p:cNvPr id="77" name="CasellaDiTesto 76">
+            <a:extLst>
+              <a:ext uri="{FF2B5EF4-FFF2-40B4-BE49-F238E27FC236}">
+                <a16:creationId xmlns:a16="http://schemas.microsoft.com/office/drawing/2014/main" id="{32F1ACA9-AB26-B51C-269E-1B2F4A34F4EA}"/>
+              </a:ext>
+            </a:extLst>
+          </p:cNvPr>
+          <p:cNvSpPr txBox="1"/>
+          <p:nvPr/>
+        </p:nvSpPr>
+        <p:spPr>
+          <a:xfrm>
+            <a:off x="3361086" y="5351557"/>
+            <a:ext cx="419100" cy="369332"/>
+          </a:xfrm>
+          <a:prstGeom prst="rect">
+            <a:avLst/>
+          </a:prstGeom>
+          <a:noFill/>
+        </p:spPr>
+        <p:txBody>
+          <a:bodyPr wrap="square" rtlCol="0">
+            <a:spAutoFit/>
+          </a:bodyPr>
+          <a:lstStyle/>
+          <a:p>
+            <a:r>
+              <a:rPr lang="en-US" b="1" dirty="0"/>
+              <a:t>H)</a:t>
+            </a:r>
+          </a:p>
+        </p:txBody>
+      </p:sp>
+      <p:sp>
+        <p:nvSpPr>
+          <p:cNvPr id="78" name="CasellaDiTesto 77">
+            <a:extLst>
+              <a:ext uri="{FF2B5EF4-FFF2-40B4-BE49-F238E27FC236}">
+                <a16:creationId xmlns:a16="http://schemas.microsoft.com/office/drawing/2014/main" id="{03E310BC-F464-A6F6-5D0E-BD16F911B55E}"/>
+              </a:ext>
+            </a:extLst>
+          </p:cNvPr>
+          <p:cNvSpPr txBox="1"/>
+          <p:nvPr/>
+        </p:nvSpPr>
+        <p:spPr>
+          <a:xfrm>
+            <a:off x="3361086" y="6210145"/>
+            <a:ext cx="419100" cy="369332"/>
+          </a:xfrm>
+          <a:prstGeom prst="rect">
+            <a:avLst/>
+          </a:prstGeom>
+          <a:noFill/>
+        </p:spPr>
+        <p:txBody>
+          <a:bodyPr wrap="square" rtlCol="0">
+            <a:spAutoFit/>
+          </a:bodyPr>
+          <a:lstStyle/>
+          <a:p>
+            <a:r>
+              <a:rPr lang="en-US" b="1" dirty="0"/>
+              <a:t>I)</a:t>
+            </a:r>
+          </a:p>
+        </p:txBody>
+      </p:sp>
     </p:spTree>
     <p:extLst>
       <p:ext uri="{BB962C8B-B14F-4D97-AF65-F5344CB8AC3E}">

--- a/figures/addtional_figures.pptx
+++ b/figures/addtional_figures.pptx
@@ -5,7 +5,7 @@
     <p:sldMasterId id="2147483648" r:id="rId1"/>
   </p:sldMasterIdLst>
   <p:notesMasterIdLst>
-    <p:notesMasterId r:id="rId8"/>
+    <p:notesMasterId r:id="rId9"/>
   </p:notesMasterIdLst>
   <p:sldIdLst>
     <p:sldId id="256" r:id="rId2"/>
@@ -14,6 +14,7 @@
     <p:sldId id="259" r:id="rId5"/>
     <p:sldId id="260" r:id="rId6"/>
     <p:sldId id="261" r:id="rId7"/>
+    <p:sldId id="262" r:id="rId8"/>
   </p:sldIdLst>
   <p:sldSz cx="12192000" cy="6858000"/>
   <p:notesSz cx="6858000" cy="9144000"/>
@@ -202,7 +203,7 @@
           <a:p>
             <a:fld id="{141436AA-BBA3-41B5-A45C-EE3A47F06D69}" type="datetimeFigureOut">
               <a:rPr lang="en-US" smtClean="0"/>
-              <a:t>7/28/2024</a:t>
+              <a:t>8/3/2024</a:t>
             </a:fld>
             <a:endParaRPr lang="en-US"/>
           </a:p>
@@ -1009,7 +1010,7 @@
           <a:p>
             <a:fld id="{D1849B51-CB8F-4E70-B214-8C45EFD2E0E3}" type="datetimeFigureOut">
               <a:rPr lang="en-US" smtClean="0"/>
-              <a:t>7/28/2024</a:t>
+              <a:t>8/3/2024</a:t>
             </a:fld>
             <a:endParaRPr lang="en-US"/>
           </a:p>
@@ -1209,7 +1210,7 @@
           <a:p>
             <a:fld id="{D1849B51-CB8F-4E70-B214-8C45EFD2E0E3}" type="datetimeFigureOut">
               <a:rPr lang="en-US" smtClean="0"/>
-              <a:t>7/28/2024</a:t>
+              <a:t>8/3/2024</a:t>
             </a:fld>
             <a:endParaRPr lang="en-US"/>
           </a:p>
@@ -1419,7 +1420,7 @@
           <a:p>
             <a:fld id="{D1849B51-CB8F-4E70-B214-8C45EFD2E0E3}" type="datetimeFigureOut">
               <a:rPr lang="en-US" smtClean="0"/>
-              <a:t>7/28/2024</a:t>
+              <a:t>8/3/2024</a:t>
             </a:fld>
             <a:endParaRPr lang="en-US"/>
           </a:p>
@@ -1619,7 +1620,7 @@
           <a:p>
             <a:fld id="{D1849B51-CB8F-4E70-B214-8C45EFD2E0E3}" type="datetimeFigureOut">
               <a:rPr lang="en-US" smtClean="0"/>
-              <a:t>7/28/2024</a:t>
+              <a:t>8/3/2024</a:t>
             </a:fld>
             <a:endParaRPr lang="en-US"/>
           </a:p>
@@ -1895,7 +1896,7 @@
           <a:p>
             <a:fld id="{D1849B51-CB8F-4E70-B214-8C45EFD2E0E3}" type="datetimeFigureOut">
               <a:rPr lang="en-US" smtClean="0"/>
-              <a:t>7/28/2024</a:t>
+              <a:t>8/3/2024</a:t>
             </a:fld>
             <a:endParaRPr lang="en-US"/>
           </a:p>
@@ -2163,7 +2164,7 @@
           <a:p>
             <a:fld id="{D1849B51-CB8F-4E70-B214-8C45EFD2E0E3}" type="datetimeFigureOut">
               <a:rPr lang="en-US" smtClean="0"/>
-              <a:t>7/28/2024</a:t>
+              <a:t>8/3/2024</a:t>
             </a:fld>
             <a:endParaRPr lang="en-US"/>
           </a:p>
@@ -2578,7 +2579,7 @@
           <a:p>
             <a:fld id="{D1849B51-CB8F-4E70-B214-8C45EFD2E0E3}" type="datetimeFigureOut">
               <a:rPr lang="en-US" smtClean="0"/>
-              <a:t>7/28/2024</a:t>
+              <a:t>8/3/2024</a:t>
             </a:fld>
             <a:endParaRPr lang="en-US"/>
           </a:p>
@@ -2720,7 +2721,7 @@
           <a:p>
             <a:fld id="{D1849B51-CB8F-4E70-B214-8C45EFD2E0E3}" type="datetimeFigureOut">
               <a:rPr lang="en-US" smtClean="0"/>
-              <a:t>7/28/2024</a:t>
+              <a:t>8/3/2024</a:t>
             </a:fld>
             <a:endParaRPr lang="en-US"/>
           </a:p>
@@ -2833,7 +2834,7 @@
           <a:p>
             <a:fld id="{D1849B51-CB8F-4E70-B214-8C45EFD2E0E3}" type="datetimeFigureOut">
               <a:rPr lang="en-US" smtClean="0"/>
-              <a:t>7/28/2024</a:t>
+              <a:t>8/3/2024</a:t>
             </a:fld>
             <a:endParaRPr lang="en-US"/>
           </a:p>
@@ -3146,7 +3147,7 @@
           <a:p>
             <a:fld id="{D1849B51-CB8F-4E70-B214-8C45EFD2E0E3}" type="datetimeFigureOut">
               <a:rPr lang="en-US" smtClean="0"/>
-              <a:t>7/28/2024</a:t>
+              <a:t>8/3/2024</a:t>
             </a:fld>
             <a:endParaRPr lang="en-US"/>
           </a:p>
@@ -3435,7 +3436,7 @@
           <a:p>
             <a:fld id="{D1849B51-CB8F-4E70-B214-8C45EFD2E0E3}" type="datetimeFigureOut">
               <a:rPr lang="en-US" smtClean="0"/>
-              <a:t>7/28/2024</a:t>
+              <a:t>8/3/2024</a:t>
             </a:fld>
             <a:endParaRPr lang="en-US"/>
           </a:p>
@@ -3678,7 +3679,7 @@
           <a:p>
             <a:fld id="{D1849B51-CB8F-4E70-B214-8C45EFD2E0E3}" type="datetimeFigureOut">
               <a:rPr lang="en-US" smtClean="0"/>
-              <a:t>7/28/2024</a:t>
+              <a:t>8/3/2024</a:t>
             </a:fld>
             <a:endParaRPr lang="en-US"/>
           </a:p>
@@ -28246,6 +28247,1897 @@
 </p:sld>
 </file>
 
+<file path=ppt/slides/slide7.xml><?xml version="1.0" encoding="utf-8"?>
+<p:sld xmlns:a="http://schemas.openxmlformats.org/drawingml/2006/main" xmlns:r="http://schemas.openxmlformats.org/officeDocument/2006/relationships" xmlns:p="http://schemas.openxmlformats.org/presentationml/2006/main">
+  <p:cSld>
+    <p:spTree>
+      <p:nvGrpSpPr>
+        <p:cNvPr id="1" name=""/>
+        <p:cNvGrpSpPr/>
+        <p:nvPr/>
+      </p:nvGrpSpPr>
+      <p:grpSpPr>
+        <a:xfrm>
+          <a:off x="0" y="0"/>
+          <a:ext cx="0" cy="0"/>
+          <a:chOff x="0" y="0"/>
+          <a:chExt cx="0" cy="0"/>
+        </a:xfrm>
+      </p:grpSpPr>
+      <p:pic>
+        <p:nvPicPr>
+          <p:cNvPr id="65" name="Immagine 64">
+            <a:extLst>
+              <a:ext uri="{FF2B5EF4-FFF2-40B4-BE49-F238E27FC236}">
+                <a16:creationId xmlns:a16="http://schemas.microsoft.com/office/drawing/2014/main" id="{5B39C8BB-F937-F621-0933-7D7EBFEA7769}"/>
+              </a:ext>
+            </a:extLst>
+          </p:cNvPr>
+          <p:cNvPicPr>
+            <a:picLocks noChangeAspect="1"/>
+          </p:cNvPicPr>
+          <p:nvPr/>
+        </p:nvPicPr>
+        <p:blipFill rotWithShape="1">
+          <a:blip r:embed="rId2">
+            <a:extLst>
+              <a:ext uri="{28A0092B-C50C-407E-A947-70E740481C1C}">
+                <a14:useLocalDpi xmlns:a14="http://schemas.microsoft.com/office/drawing/2010/main" val="0"/>
+              </a:ext>
+            </a:extLst>
+          </a:blip>
+          <a:srcRect l="57187" t="56507" r="-363" b="-1153"/>
+          <a:stretch/>
+        </p:blipFill>
+        <p:spPr>
+          <a:xfrm>
+            <a:off x="7472530" y="4982350"/>
+            <a:ext cx="1885692" cy="1858950"/>
+          </a:xfrm>
+          <a:prstGeom prst="rect">
+            <a:avLst/>
+          </a:prstGeom>
+        </p:spPr>
+      </p:pic>
+      <p:pic>
+        <p:nvPicPr>
+          <p:cNvPr id="64" name="Immagine 63">
+            <a:extLst>
+              <a:ext uri="{FF2B5EF4-FFF2-40B4-BE49-F238E27FC236}">
+                <a16:creationId xmlns:a16="http://schemas.microsoft.com/office/drawing/2014/main" id="{255973F1-0895-D230-2E0D-9B9BF157E3D7}"/>
+              </a:ext>
+            </a:extLst>
+          </p:cNvPr>
+          <p:cNvPicPr>
+            <a:picLocks noChangeAspect="1"/>
+          </p:cNvPicPr>
+          <p:nvPr/>
+        </p:nvPicPr>
+        <p:blipFill rotWithShape="1">
+          <a:blip r:embed="rId2">
+            <a:extLst>
+              <a:ext uri="{28A0092B-C50C-407E-A947-70E740481C1C}">
+                <a14:useLocalDpi xmlns:a14="http://schemas.microsoft.com/office/drawing/2010/main" val="0"/>
+              </a:ext>
+            </a:extLst>
+          </a:blip>
+          <a:srcRect l="47" t="56842" r="56777" b="-419"/>
+          <a:stretch/>
+        </p:blipFill>
+        <p:spPr>
+          <a:xfrm>
+            <a:off x="7452156" y="2831084"/>
+            <a:ext cx="1885692" cy="1814436"/>
+          </a:xfrm>
+          <a:prstGeom prst="rect">
+            <a:avLst/>
+          </a:prstGeom>
+        </p:spPr>
+      </p:pic>
+      <p:pic>
+        <p:nvPicPr>
+          <p:cNvPr id="63" name="Immagine 62">
+            <a:extLst>
+              <a:ext uri="{FF2B5EF4-FFF2-40B4-BE49-F238E27FC236}">
+                <a16:creationId xmlns:a16="http://schemas.microsoft.com/office/drawing/2014/main" id="{6171EB4B-7E3E-C33E-FD87-E9C0BFD3B2FF}"/>
+              </a:ext>
+            </a:extLst>
+          </p:cNvPr>
+          <p:cNvPicPr>
+            <a:picLocks noChangeAspect="1"/>
+          </p:cNvPicPr>
+          <p:nvPr/>
+        </p:nvPicPr>
+        <p:blipFill rotWithShape="1">
+          <a:blip r:embed="rId2">
+            <a:extLst>
+              <a:ext uri="{28A0092B-C50C-407E-A947-70E740481C1C}">
+                <a14:useLocalDpi xmlns:a14="http://schemas.microsoft.com/office/drawing/2010/main" val="0"/>
+              </a:ext>
+            </a:extLst>
+          </a:blip>
+          <a:srcRect l="56824" t="7665" b="48758"/>
+          <a:stretch/>
+        </p:blipFill>
+        <p:spPr>
+          <a:xfrm>
+            <a:off x="7441689" y="601562"/>
+            <a:ext cx="1885692" cy="1814436"/>
+          </a:xfrm>
+          <a:prstGeom prst="rect">
+            <a:avLst/>
+          </a:prstGeom>
+        </p:spPr>
+      </p:pic>
+      <p:pic>
+        <p:nvPicPr>
+          <p:cNvPr id="52" name="Immagine 51">
+            <a:extLst>
+              <a:ext uri="{FF2B5EF4-FFF2-40B4-BE49-F238E27FC236}">
+                <a16:creationId xmlns:a16="http://schemas.microsoft.com/office/drawing/2014/main" id="{6E2131A7-6C6B-E68C-484E-2ADA1E8A694C}"/>
+              </a:ext>
+            </a:extLst>
+          </p:cNvPr>
+          <p:cNvPicPr>
+            <a:picLocks noChangeAspect="1"/>
+          </p:cNvPicPr>
+          <p:nvPr/>
+        </p:nvPicPr>
+        <p:blipFill rotWithShape="1">
+          <a:blip r:embed="rId3">
+            <a:extLst>
+              <a:ext uri="{28A0092B-C50C-407E-A947-70E740481C1C}">
+                <a14:useLocalDpi xmlns:a14="http://schemas.microsoft.com/office/drawing/2010/main" val="0"/>
+              </a:ext>
+            </a:extLst>
+          </a:blip>
+          <a:srcRect l="-138" t="57026" r="57978" b="830"/>
+          <a:stretch/>
+        </p:blipFill>
+        <p:spPr>
+          <a:xfrm>
+            <a:off x="5558070" y="5005635"/>
+            <a:ext cx="1842662" cy="1756013"/>
+          </a:xfrm>
+          <a:prstGeom prst="rect">
+            <a:avLst/>
+          </a:prstGeom>
+        </p:spPr>
+      </p:pic>
+      <p:pic>
+        <p:nvPicPr>
+          <p:cNvPr id="51" name="Immagine 50">
+            <a:extLst>
+              <a:ext uri="{FF2B5EF4-FFF2-40B4-BE49-F238E27FC236}">
+                <a16:creationId xmlns:a16="http://schemas.microsoft.com/office/drawing/2014/main" id="{9BDC0C7E-3E69-7023-1931-D272AB3B2E84}"/>
+              </a:ext>
+            </a:extLst>
+          </p:cNvPr>
+          <p:cNvPicPr>
+            <a:picLocks noChangeAspect="1"/>
+          </p:cNvPicPr>
+          <p:nvPr/>
+        </p:nvPicPr>
+        <p:blipFill rotWithShape="1">
+          <a:blip r:embed="rId3">
+            <a:extLst>
+              <a:ext uri="{28A0092B-C50C-407E-A947-70E740481C1C}">
+                <a14:useLocalDpi xmlns:a14="http://schemas.microsoft.com/office/drawing/2010/main" val="0"/>
+              </a:ext>
+            </a:extLst>
+          </a:blip>
+          <a:srcRect l="57957" t="57191" r="-117" b="665"/>
+          <a:stretch/>
+        </p:blipFill>
+        <p:spPr>
+          <a:xfrm>
+            <a:off x="5541610" y="2831084"/>
+            <a:ext cx="1842662" cy="1756013"/>
+          </a:xfrm>
+          <a:prstGeom prst="rect">
+            <a:avLst/>
+          </a:prstGeom>
+        </p:spPr>
+      </p:pic>
+      <p:pic>
+        <p:nvPicPr>
+          <p:cNvPr id="49" name="Immagine 48">
+            <a:extLst>
+              <a:ext uri="{FF2B5EF4-FFF2-40B4-BE49-F238E27FC236}">
+                <a16:creationId xmlns:a16="http://schemas.microsoft.com/office/drawing/2014/main" id="{5D8930DF-1D2D-B876-7244-E659C88E4C93}"/>
+              </a:ext>
+            </a:extLst>
+          </p:cNvPr>
+          <p:cNvPicPr>
+            <a:picLocks noChangeAspect="1"/>
+          </p:cNvPicPr>
+          <p:nvPr/>
+        </p:nvPicPr>
+        <p:blipFill rotWithShape="1">
+          <a:blip r:embed="rId3">
+            <a:extLst>
+              <a:ext uri="{28A0092B-C50C-407E-A947-70E740481C1C}">
+                <a14:useLocalDpi xmlns:a14="http://schemas.microsoft.com/office/drawing/2010/main" val="0"/>
+              </a:ext>
+            </a:extLst>
+          </a:blip>
+          <a:srcRect l="57840" t="7856" b="50000"/>
+          <a:stretch/>
+        </p:blipFill>
+        <p:spPr>
+          <a:xfrm>
+            <a:off x="5549536" y="578617"/>
+            <a:ext cx="1842662" cy="1756013"/>
+          </a:xfrm>
+          <a:prstGeom prst="rect">
+            <a:avLst/>
+          </a:prstGeom>
+        </p:spPr>
+      </p:pic>
+      <p:pic>
+        <p:nvPicPr>
+          <p:cNvPr id="39" name="Immagine 38">
+            <a:extLst>
+              <a:ext uri="{FF2B5EF4-FFF2-40B4-BE49-F238E27FC236}">
+                <a16:creationId xmlns:a16="http://schemas.microsoft.com/office/drawing/2014/main" id="{95706E1D-84B7-BED6-F7E9-B0FD97A27BB2}"/>
+              </a:ext>
+            </a:extLst>
+          </p:cNvPr>
+          <p:cNvPicPr>
+            <a:picLocks noChangeAspect="1"/>
+          </p:cNvPicPr>
+          <p:nvPr/>
+        </p:nvPicPr>
+        <p:blipFill rotWithShape="1">
+          <a:blip r:embed="rId4">
+            <a:extLst>
+              <a:ext uri="{28A0092B-C50C-407E-A947-70E740481C1C}">
+                <a14:useLocalDpi xmlns:a14="http://schemas.microsoft.com/office/drawing/2010/main" val="0"/>
+              </a:ext>
+            </a:extLst>
+          </a:blip>
+          <a:srcRect l="77052" t="40275" r="-807" b="33892"/>
+          <a:stretch/>
+        </p:blipFill>
+        <p:spPr>
+          <a:xfrm>
+            <a:off x="3788479" y="4988607"/>
+            <a:ext cx="1900588" cy="1756013"/>
+          </a:xfrm>
+          <a:prstGeom prst="rect">
+            <a:avLst/>
+          </a:prstGeom>
+        </p:spPr>
+      </p:pic>
+      <p:pic>
+        <p:nvPicPr>
+          <p:cNvPr id="38" name="Immagine 37">
+            <a:extLst>
+              <a:ext uri="{FF2B5EF4-FFF2-40B4-BE49-F238E27FC236}">
+                <a16:creationId xmlns:a16="http://schemas.microsoft.com/office/drawing/2014/main" id="{01DC40FF-4317-7FD4-D06E-E4B549499DB8}"/>
+              </a:ext>
+            </a:extLst>
+          </p:cNvPr>
+          <p:cNvPicPr>
+            <a:picLocks noChangeAspect="1"/>
+          </p:cNvPicPr>
+          <p:nvPr/>
+        </p:nvPicPr>
+        <p:blipFill rotWithShape="1">
+          <a:blip r:embed="rId4">
+            <a:extLst>
+              <a:ext uri="{28A0092B-C50C-407E-A947-70E740481C1C}">
+                <a14:useLocalDpi xmlns:a14="http://schemas.microsoft.com/office/drawing/2010/main" val="0"/>
+              </a:ext>
+            </a:extLst>
+          </a:blip>
+          <a:srcRect l="1432" t="73155" r="74813" b="1012"/>
+          <a:stretch/>
+        </p:blipFill>
+        <p:spPr>
+          <a:xfrm>
+            <a:off x="3723943" y="2786570"/>
+            <a:ext cx="1900588" cy="1756013"/>
+          </a:xfrm>
+          <a:prstGeom prst="rect">
+            <a:avLst/>
+          </a:prstGeom>
+        </p:spPr>
+      </p:pic>
+      <p:pic>
+        <p:nvPicPr>
+          <p:cNvPr id="3" name="Immagine 2">
+            <a:extLst>
+              <a:ext uri="{FF2B5EF4-FFF2-40B4-BE49-F238E27FC236}">
+                <a16:creationId xmlns:a16="http://schemas.microsoft.com/office/drawing/2014/main" id="{D4A6931D-2448-D935-E2EB-320DDEF26062}"/>
+              </a:ext>
+            </a:extLst>
+          </p:cNvPr>
+          <p:cNvPicPr>
+            <a:picLocks noChangeAspect="1"/>
+          </p:cNvPicPr>
+          <p:nvPr/>
+        </p:nvPicPr>
+        <p:blipFill rotWithShape="1">
+          <a:blip r:embed="rId5">
+            <a:extLst>
+              <a:ext uri="{28A0092B-C50C-407E-A947-70E740481C1C}">
+                <a14:useLocalDpi xmlns:a14="http://schemas.microsoft.com/office/drawing/2010/main" val="0"/>
+              </a:ext>
+            </a:extLst>
+          </a:blip>
+          <a:srcRect l="1668" t="6012" r="58172" b="50854"/>
+          <a:stretch/>
+        </p:blipFill>
+        <p:spPr>
+          <a:xfrm>
+            <a:off x="8780" y="557048"/>
+            <a:ext cx="1724894" cy="1744718"/>
+          </a:xfrm>
+          <a:prstGeom prst="rect">
+            <a:avLst/>
+          </a:prstGeom>
+        </p:spPr>
+      </p:pic>
+      <p:cxnSp>
+        <p:nvCxnSpPr>
+          <p:cNvPr id="5" name="Connettore diritto 4">
+            <a:extLst>
+              <a:ext uri="{FF2B5EF4-FFF2-40B4-BE49-F238E27FC236}">
+                <a16:creationId xmlns:a16="http://schemas.microsoft.com/office/drawing/2014/main" id="{CBA2350D-1030-21EA-55E5-BDFC0DECC3B2}"/>
+              </a:ext>
+            </a:extLst>
+          </p:cNvPr>
+          <p:cNvCxnSpPr/>
+          <p:nvPr/>
+        </p:nvCxnSpPr>
+        <p:spPr>
+          <a:xfrm>
+            <a:off x="1775238" y="0"/>
+            <a:ext cx="0" cy="6858000"/>
+          </a:xfrm>
+          <a:prstGeom prst="line">
+            <a:avLst/>
+          </a:prstGeom>
+          <a:ln w="28575">
+            <a:solidFill>
+              <a:schemeClr val="tx1"/>
+            </a:solidFill>
+          </a:ln>
+        </p:spPr>
+        <p:style>
+          <a:lnRef idx="1">
+            <a:schemeClr val="accent1"/>
+          </a:lnRef>
+          <a:fillRef idx="0">
+            <a:schemeClr val="accent1"/>
+          </a:fillRef>
+          <a:effectRef idx="0">
+            <a:schemeClr val="accent1"/>
+          </a:effectRef>
+          <a:fontRef idx="minor">
+            <a:schemeClr val="tx1"/>
+          </a:fontRef>
+        </p:style>
+      </p:cxnSp>
+      <p:sp>
+        <p:nvSpPr>
+          <p:cNvPr id="6" name="CasellaDiTesto 5">
+            <a:extLst>
+              <a:ext uri="{FF2B5EF4-FFF2-40B4-BE49-F238E27FC236}">
+                <a16:creationId xmlns:a16="http://schemas.microsoft.com/office/drawing/2014/main" id="{9EE8E2DF-A70A-49CB-2D27-0EF592C0466E}"/>
+              </a:ext>
+            </a:extLst>
+          </p:cNvPr>
+          <p:cNvSpPr txBox="1"/>
+          <p:nvPr/>
+        </p:nvSpPr>
+        <p:spPr>
+          <a:xfrm>
+            <a:off x="8780" y="-105509"/>
+            <a:ext cx="1591417" cy="369332"/>
+          </a:xfrm>
+          <a:prstGeom prst="rect">
+            <a:avLst/>
+          </a:prstGeom>
+          <a:noFill/>
+        </p:spPr>
+        <p:txBody>
+          <a:bodyPr wrap="square" rtlCol="0">
+            <a:spAutoFit/>
+          </a:bodyPr>
+          <a:lstStyle/>
+          <a:p>
+            <a:r>
+              <a:rPr lang="en-US" dirty="0"/>
+              <a:t>Original image</a:t>
+            </a:r>
+          </a:p>
+        </p:txBody>
+      </p:sp>
+      <p:sp>
+        <p:nvSpPr>
+          <p:cNvPr id="7" name="CasellaDiTesto 6">
+            <a:extLst>
+              <a:ext uri="{FF2B5EF4-FFF2-40B4-BE49-F238E27FC236}">
+                <a16:creationId xmlns:a16="http://schemas.microsoft.com/office/drawing/2014/main" id="{47B0913C-258A-9E74-AA8C-6F899B9D435C}"/>
+              </a:ext>
+            </a:extLst>
+          </p:cNvPr>
+          <p:cNvSpPr txBox="1"/>
+          <p:nvPr/>
+        </p:nvSpPr>
+        <p:spPr>
+          <a:xfrm>
+            <a:off x="2139970" y="-105123"/>
+            <a:ext cx="1383326" cy="369332"/>
+          </a:xfrm>
+          <a:prstGeom prst="rect">
+            <a:avLst/>
+          </a:prstGeom>
+          <a:noFill/>
+        </p:spPr>
+        <p:txBody>
+          <a:bodyPr wrap="square" rtlCol="0">
+            <a:spAutoFit/>
+          </a:bodyPr>
+          <a:lstStyle/>
+          <a:p>
+            <a:r>
+              <a:rPr lang="en-US" dirty="0" err="1"/>
+              <a:t>GradCam</a:t>
+            </a:r>
+            <a:endParaRPr lang="en-US" dirty="0"/>
+          </a:p>
+        </p:txBody>
+      </p:sp>
+      <p:cxnSp>
+        <p:nvCxnSpPr>
+          <p:cNvPr id="8" name="Connettore diritto 7">
+            <a:extLst>
+              <a:ext uri="{FF2B5EF4-FFF2-40B4-BE49-F238E27FC236}">
+                <a16:creationId xmlns:a16="http://schemas.microsoft.com/office/drawing/2014/main" id="{3507CF98-D93A-D182-621A-78E8CCC6DB6C}"/>
+              </a:ext>
+            </a:extLst>
+          </p:cNvPr>
+          <p:cNvCxnSpPr/>
+          <p:nvPr/>
+        </p:nvCxnSpPr>
+        <p:spPr>
+          <a:xfrm>
+            <a:off x="3650930" y="0"/>
+            <a:ext cx="0" cy="6858000"/>
+          </a:xfrm>
+          <a:prstGeom prst="line">
+            <a:avLst/>
+          </a:prstGeom>
+          <a:ln w="28575">
+            <a:solidFill>
+              <a:schemeClr val="tx1"/>
+            </a:solidFill>
+          </a:ln>
+        </p:spPr>
+        <p:style>
+          <a:lnRef idx="1">
+            <a:schemeClr val="accent1"/>
+          </a:lnRef>
+          <a:fillRef idx="0">
+            <a:schemeClr val="accent1"/>
+          </a:fillRef>
+          <a:effectRef idx="0">
+            <a:schemeClr val="accent1"/>
+          </a:effectRef>
+          <a:fontRef idx="minor">
+            <a:schemeClr val="tx1"/>
+          </a:fontRef>
+        </p:style>
+      </p:cxnSp>
+      <p:pic>
+        <p:nvPicPr>
+          <p:cNvPr id="9" name="Immagine 8">
+            <a:extLst>
+              <a:ext uri="{FF2B5EF4-FFF2-40B4-BE49-F238E27FC236}">
+                <a16:creationId xmlns:a16="http://schemas.microsoft.com/office/drawing/2014/main" id="{C9A03516-9AC2-C2A3-EAE4-81E6D320E183}"/>
+              </a:ext>
+            </a:extLst>
+          </p:cNvPr>
+          <p:cNvPicPr>
+            <a:picLocks noChangeAspect="1"/>
+          </p:cNvPicPr>
+          <p:nvPr/>
+        </p:nvPicPr>
+        <p:blipFill rotWithShape="1">
+          <a:blip r:embed="rId5">
+            <a:extLst>
+              <a:ext uri="{28A0092B-C50C-407E-A947-70E740481C1C}">
+                <a14:useLocalDpi xmlns:a14="http://schemas.microsoft.com/office/drawing/2010/main" val="0"/>
+              </a:ext>
+            </a:extLst>
+          </a:blip>
+          <a:srcRect l="58167" t="5941" r="1673" b="50925"/>
+          <a:stretch/>
+        </p:blipFill>
+        <p:spPr>
+          <a:xfrm>
+            <a:off x="1884471" y="539321"/>
+            <a:ext cx="1724894" cy="1744718"/>
+          </a:xfrm>
+          <a:prstGeom prst="rect">
+            <a:avLst/>
+          </a:prstGeom>
+        </p:spPr>
+      </p:pic>
+      <p:pic>
+        <p:nvPicPr>
+          <p:cNvPr id="10" name="Immagine 9">
+            <a:extLst>
+              <a:ext uri="{FF2B5EF4-FFF2-40B4-BE49-F238E27FC236}">
+                <a16:creationId xmlns:a16="http://schemas.microsoft.com/office/drawing/2014/main" id="{55091BFB-9322-4025-30B8-92052368D53D}"/>
+              </a:ext>
+            </a:extLst>
+          </p:cNvPr>
+          <p:cNvPicPr>
+            <a:picLocks noChangeAspect="1"/>
+          </p:cNvPicPr>
+          <p:nvPr/>
+        </p:nvPicPr>
+        <p:blipFill rotWithShape="1">
+          <a:blip r:embed="rId5">
+            <a:extLst>
+              <a:ext uri="{28A0092B-C50C-407E-A947-70E740481C1C}">
+                <a14:useLocalDpi xmlns:a14="http://schemas.microsoft.com/office/drawing/2010/main" val="0"/>
+              </a:ext>
+            </a:extLst>
+          </a:blip>
+          <a:srcRect l="1755" t="54908" r="58085" b="1958"/>
+          <a:stretch/>
+        </p:blipFill>
+        <p:spPr>
+          <a:xfrm>
+            <a:off x="1871416" y="2629536"/>
+            <a:ext cx="1724894" cy="1744718"/>
+          </a:xfrm>
+          <a:prstGeom prst="rect">
+            <a:avLst/>
+          </a:prstGeom>
+        </p:spPr>
+      </p:pic>
+      <p:pic>
+        <p:nvPicPr>
+          <p:cNvPr id="11" name="Immagine 10">
+            <a:extLst>
+              <a:ext uri="{FF2B5EF4-FFF2-40B4-BE49-F238E27FC236}">
+                <a16:creationId xmlns:a16="http://schemas.microsoft.com/office/drawing/2014/main" id="{5E2301A0-F3BD-F145-0B1D-C70D8705B8D4}"/>
+              </a:ext>
+            </a:extLst>
+          </p:cNvPr>
+          <p:cNvPicPr>
+            <a:picLocks noChangeAspect="1"/>
+          </p:cNvPicPr>
+          <p:nvPr/>
+        </p:nvPicPr>
+        <p:blipFill rotWithShape="1">
+          <a:blip r:embed="rId5">
+            <a:extLst>
+              <a:ext uri="{28A0092B-C50C-407E-A947-70E740481C1C}">
+                <a14:useLocalDpi xmlns:a14="http://schemas.microsoft.com/office/drawing/2010/main" val="0"/>
+              </a:ext>
+            </a:extLst>
+          </a:blip>
+          <a:srcRect l="57948" t="58120" r="1892" b="-1254"/>
+          <a:stretch/>
+        </p:blipFill>
+        <p:spPr>
+          <a:xfrm>
+            <a:off x="1798402" y="4855376"/>
+            <a:ext cx="1724894" cy="1744718"/>
+          </a:xfrm>
+          <a:prstGeom prst="rect">
+            <a:avLst/>
+          </a:prstGeom>
+        </p:spPr>
+      </p:pic>
+      <p:sp>
+        <p:nvSpPr>
+          <p:cNvPr id="12" name="CasellaDiTesto 11">
+            <a:extLst>
+              <a:ext uri="{FF2B5EF4-FFF2-40B4-BE49-F238E27FC236}">
+                <a16:creationId xmlns:a16="http://schemas.microsoft.com/office/drawing/2014/main" id="{90697022-1586-F32E-57AB-3DA9EDC958A8}"/>
+              </a:ext>
+            </a:extLst>
+          </p:cNvPr>
+          <p:cNvSpPr txBox="1"/>
+          <p:nvPr/>
+        </p:nvSpPr>
+        <p:spPr>
+          <a:xfrm>
+            <a:off x="1816803" y="2260204"/>
+            <a:ext cx="1724887" cy="369332"/>
+          </a:xfrm>
+          <a:prstGeom prst="rect">
+            <a:avLst/>
+          </a:prstGeom>
+          <a:noFill/>
+        </p:spPr>
+        <p:txBody>
+          <a:bodyPr wrap="square" rtlCol="0">
+            <a:spAutoFit/>
+          </a:bodyPr>
+          <a:lstStyle/>
+          <a:p>
+            <a:pPr algn="ctr"/>
+            <a:r>
+              <a:rPr lang="en-US" dirty="0"/>
+              <a:t>Heatmap</a:t>
+            </a:r>
+          </a:p>
+        </p:txBody>
+      </p:sp>
+      <p:sp>
+        <p:nvSpPr>
+          <p:cNvPr id="13" name="CasellaDiTesto 12">
+            <a:extLst>
+              <a:ext uri="{FF2B5EF4-FFF2-40B4-BE49-F238E27FC236}">
+                <a16:creationId xmlns:a16="http://schemas.microsoft.com/office/drawing/2014/main" id="{3739E5B1-DD2D-7080-7EF2-4DE159775146}"/>
+              </a:ext>
+            </a:extLst>
+          </p:cNvPr>
+          <p:cNvSpPr txBox="1"/>
+          <p:nvPr/>
+        </p:nvSpPr>
+        <p:spPr>
+          <a:xfrm>
+            <a:off x="1793632" y="4430149"/>
+            <a:ext cx="1724887" cy="369332"/>
+          </a:xfrm>
+          <a:prstGeom prst="rect">
+            <a:avLst/>
+          </a:prstGeom>
+          <a:noFill/>
+        </p:spPr>
+        <p:txBody>
+          <a:bodyPr wrap="square" rtlCol="0">
+            <a:spAutoFit/>
+          </a:bodyPr>
+          <a:lstStyle/>
+          <a:p>
+            <a:pPr algn="ctr"/>
+            <a:r>
+              <a:rPr lang="en-US" dirty="0"/>
+              <a:t>Activation map</a:t>
+            </a:r>
+          </a:p>
+        </p:txBody>
+      </p:sp>
+      <p:sp>
+        <p:nvSpPr>
+          <p:cNvPr id="14" name="CasellaDiTesto 13">
+            <a:extLst>
+              <a:ext uri="{FF2B5EF4-FFF2-40B4-BE49-F238E27FC236}">
+                <a16:creationId xmlns:a16="http://schemas.microsoft.com/office/drawing/2014/main" id="{D68C2766-05CE-EB27-E15D-1925488A2D01}"/>
+              </a:ext>
+            </a:extLst>
+          </p:cNvPr>
+          <p:cNvSpPr txBox="1"/>
+          <p:nvPr/>
+        </p:nvSpPr>
+        <p:spPr>
+          <a:xfrm>
+            <a:off x="1793631" y="6595768"/>
+            <a:ext cx="1724887" cy="646331"/>
+          </a:xfrm>
+          <a:prstGeom prst="rect">
+            <a:avLst/>
+          </a:prstGeom>
+          <a:noFill/>
+        </p:spPr>
+        <p:txBody>
+          <a:bodyPr wrap="square" rtlCol="0">
+            <a:spAutoFit/>
+          </a:bodyPr>
+          <a:lstStyle/>
+          <a:p>
+            <a:pPr algn="ctr"/>
+            <a:r>
+              <a:rPr lang="en-US" dirty="0"/>
+              <a:t>Heatmap on image</a:t>
+            </a:r>
+          </a:p>
+        </p:txBody>
+      </p:sp>
+      <p:sp>
+        <p:nvSpPr>
+          <p:cNvPr id="28" name="CasellaDiTesto 27">
+            <a:extLst>
+              <a:ext uri="{FF2B5EF4-FFF2-40B4-BE49-F238E27FC236}">
+                <a16:creationId xmlns:a16="http://schemas.microsoft.com/office/drawing/2014/main" id="{924C3E3A-A37B-30E7-116F-F94F16A7DDBC}"/>
+              </a:ext>
+            </a:extLst>
+          </p:cNvPr>
+          <p:cNvSpPr txBox="1"/>
+          <p:nvPr/>
+        </p:nvSpPr>
+        <p:spPr>
+          <a:xfrm>
+            <a:off x="3778565" y="-105123"/>
+            <a:ext cx="1744493" cy="646331"/>
+          </a:xfrm>
+          <a:prstGeom prst="rect">
+            <a:avLst/>
+          </a:prstGeom>
+          <a:noFill/>
+        </p:spPr>
+        <p:txBody>
+          <a:bodyPr wrap="square" rtlCol="0">
+            <a:spAutoFit/>
+          </a:bodyPr>
+          <a:lstStyle/>
+          <a:p>
+            <a:pPr algn="ctr"/>
+            <a:r>
+              <a:rPr lang="en-US" dirty="0"/>
+              <a:t>Grad times images</a:t>
+            </a:r>
+          </a:p>
+        </p:txBody>
+      </p:sp>
+      <p:sp>
+        <p:nvSpPr>
+          <p:cNvPr id="33" name="CasellaDiTesto 32">
+            <a:extLst>
+              <a:ext uri="{FF2B5EF4-FFF2-40B4-BE49-F238E27FC236}">
+                <a16:creationId xmlns:a16="http://schemas.microsoft.com/office/drawing/2014/main" id="{67974440-C690-B14F-4CBA-E7326BF662FF}"/>
+              </a:ext>
+            </a:extLst>
+          </p:cNvPr>
+          <p:cNvSpPr txBox="1"/>
+          <p:nvPr/>
+        </p:nvSpPr>
+        <p:spPr>
+          <a:xfrm>
+            <a:off x="3723943" y="2260204"/>
+            <a:ext cx="1724887" cy="646331"/>
+          </a:xfrm>
+          <a:prstGeom prst="rect">
+            <a:avLst/>
+          </a:prstGeom>
+          <a:noFill/>
+        </p:spPr>
+        <p:txBody>
+          <a:bodyPr wrap="square" rtlCol="0">
+            <a:spAutoFit/>
+          </a:bodyPr>
+          <a:lstStyle/>
+          <a:p>
+            <a:pPr algn="ctr"/>
+            <a:r>
+              <a:rPr lang="en-US" dirty="0"/>
+              <a:t>Vanilla grad x image</a:t>
+            </a:r>
+          </a:p>
+        </p:txBody>
+      </p:sp>
+      <p:sp>
+        <p:nvSpPr>
+          <p:cNvPr id="34" name="CasellaDiTesto 33">
+            <a:extLst>
+              <a:ext uri="{FF2B5EF4-FFF2-40B4-BE49-F238E27FC236}">
+                <a16:creationId xmlns:a16="http://schemas.microsoft.com/office/drawing/2014/main" id="{5C5FF9EA-726B-63F5-24BA-F8D560D7AF9C}"/>
+              </a:ext>
+            </a:extLst>
+          </p:cNvPr>
+          <p:cNvSpPr txBox="1"/>
+          <p:nvPr/>
+        </p:nvSpPr>
+        <p:spPr>
+          <a:xfrm>
+            <a:off x="3700772" y="4430149"/>
+            <a:ext cx="1724887" cy="646331"/>
+          </a:xfrm>
+          <a:prstGeom prst="rect">
+            <a:avLst/>
+          </a:prstGeom>
+          <a:noFill/>
+        </p:spPr>
+        <p:txBody>
+          <a:bodyPr wrap="square" rtlCol="0">
+            <a:spAutoFit/>
+          </a:bodyPr>
+          <a:lstStyle/>
+          <a:p>
+            <a:pPr algn="ctr"/>
+            <a:r>
+              <a:rPr lang="en-US" dirty="0"/>
+              <a:t>Integrated grad x image</a:t>
+            </a:r>
+          </a:p>
+        </p:txBody>
+      </p:sp>
+      <p:sp>
+        <p:nvSpPr>
+          <p:cNvPr id="35" name="CasellaDiTesto 34">
+            <a:extLst>
+              <a:ext uri="{FF2B5EF4-FFF2-40B4-BE49-F238E27FC236}">
+                <a16:creationId xmlns:a16="http://schemas.microsoft.com/office/drawing/2014/main" id="{1AFA4BE5-8D23-D4F6-2467-EC85974382E5}"/>
+              </a:ext>
+            </a:extLst>
+          </p:cNvPr>
+          <p:cNvSpPr txBox="1"/>
+          <p:nvPr/>
+        </p:nvSpPr>
+        <p:spPr>
+          <a:xfrm>
+            <a:off x="3682378" y="6595768"/>
+            <a:ext cx="1724887" cy="923330"/>
+          </a:xfrm>
+          <a:prstGeom prst="rect">
+            <a:avLst/>
+          </a:prstGeom>
+          <a:noFill/>
+        </p:spPr>
+        <p:txBody>
+          <a:bodyPr wrap="square" rtlCol="0">
+            <a:spAutoFit/>
+          </a:bodyPr>
+          <a:lstStyle/>
+          <a:p>
+            <a:pPr algn="ctr"/>
+            <a:r>
+              <a:rPr lang="en-US" dirty="0"/>
+              <a:t>Colored integrated grad x image</a:t>
+            </a:r>
+          </a:p>
+        </p:txBody>
+      </p:sp>
+      <p:pic>
+        <p:nvPicPr>
+          <p:cNvPr id="37" name="Immagine 36">
+            <a:extLst>
+              <a:ext uri="{FF2B5EF4-FFF2-40B4-BE49-F238E27FC236}">
+                <a16:creationId xmlns:a16="http://schemas.microsoft.com/office/drawing/2014/main" id="{5CEE7A3D-5007-E6B2-98F5-3CC8E3C3222F}"/>
+              </a:ext>
+            </a:extLst>
+          </p:cNvPr>
+          <p:cNvPicPr>
+            <a:picLocks noChangeAspect="1"/>
+          </p:cNvPicPr>
+          <p:nvPr/>
+        </p:nvPicPr>
+        <p:blipFill rotWithShape="1">
+          <a:blip r:embed="rId4">
+            <a:extLst>
+              <a:ext uri="{28A0092B-C50C-407E-A947-70E740481C1C}">
+                <a14:useLocalDpi xmlns:a14="http://schemas.microsoft.com/office/drawing/2010/main" val="0"/>
+              </a:ext>
+            </a:extLst>
+          </a:blip>
+          <a:srcRect l="76245" t="7706" b="66461"/>
+          <a:stretch/>
+        </p:blipFill>
+        <p:spPr>
+          <a:xfrm>
+            <a:off x="3692495" y="561959"/>
+            <a:ext cx="1900588" cy="1756013"/>
+          </a:xfrm>
+          <a:prstGeom prst="rect">
+            <a:avLst/>
+          </a:prstGeom>
+        </p:spPr>
+      </p:pic>
+      <p:cxnSp>
+        <p:nvCxnSpPr>
+          <p:cNvPr id="29" name="Connettore diritto 28">
+            <a:extLst>
+              <a:ext uri="{FF2B5EF4-FFF2-40B4-BE49-F238E27FC236}">
+                <a16:creationId xmlns:a16="http://schemas.microsoft.com/office/drawing/2014/main" id="{B7A9C928-2336-B234-8F3B-7C827A3C11C6}"/>
+              </a:ext>
+            </a:extLst>
+          </p:cNvPr>
+          <p:cNvCxnSpPr/>
+          <p:nvPr/>
+        </p:nvCxnSpPr>
+        <p:spPr>
+          <a:xfrm>
+            <a:off x="5558070" y="0"/>
+            <a:ext cx="0" cy="6858000"/>
+          </a:xfrm>
+          <a:prstGeom prst="line">
+            <a:avLst/>
+          </a:prstGeom>
+          <a:ln w="28575">
+            <a:solidFill>
+              <a:schemeClr val="tx1"/>
+            </a:solidFill>
+          </a:ln>
+        </p:spPr>
+        <p:style>
+          <a:lnRef idx="1">
+            <a:schemeClr val="accent1"/>
+          </a:lnRef>
+          <a:fillRef idx="0">
+            <a:schemeClr val="accent1"/>
+          </a:fillRef>
+          <a:effectRef idx="0">
+            <a:schemeClr val="accent1"/>
+          </a:effectRef>
+          <a:fontRef idx="minor">
+            <a:schemeClr val="tx1"/>
+          </a:fontRef>
+        </p:style>
+      </p:cxnSp>
+      <p:sp>
+        <p:nvSpPr>
+          <p:cNvPr id="42" name="CasellaDiTesto 41">
+            <a:extLst>
+              <a:ext uri="{FF2B5EF4-FFF2-40B4-BE49-F238E27FC236}">
+                <a16:creationId xmlns:a16="http://schemas.microsoft.com/office/drawing/2014/main" id="{7BA958F2-65E0-561C-A9B1-011FD0133728}"/>
+              </a:ext>
+            </a:extLst>
+          </p:cNvPr>
+          <p:cNvSpPr txBox="1"/>
+          <p:nvPr/>
+        </p:nvSpPr>
+        <p:spPr>
+          <a:xfrm>
+            <a:off x="5654257" y="-105123"/>
+            <a:ext cx="1744493" cy="369332"/>
+          </a:xfrm>
+          <a:prstGeom prst="rect">
+            <a:avLst/>
+          </a:prstGeom>
+          <a:noFill/>
+        </p:spPr>
+        <p:txBody>
+          <a:bodyPr wrap="square" rtlCol="0">
+            <a:spAutoFit/>
+          </a:bodyPr>
+          <a:lstStyle/>
+          <a:p>
+            <a:pPr algn="ctr"/>
+            <a:r>
+              <a:rPr lang="en-US" dirty="0" err="1"/>
+              <a:t>LayerCAM</a:t>
+            </a:r>
+            <a:endParaRPr lang="en-US" dirty="0"/>
+          </a:p>
+        </p:txBody>
+      </p:sp>
+      <p:sp>
+        <p:nvSpPr>
+          <p:cNvPr id="43" name="CasellaDiTesto 42">
+            <a:extLst>
+              <a:ext uri="{FF2B5EF4-FFF2-40B4-BE49-F238E27FC236}">
+                <a16:creationId xmlns:a16="http://schemas.microsoft.com/office/drawing/2014/main" id="{F2FB4BAE-D6C9-DDF1-BA17-7EBA77356D7B}"/>
+              </a:ext>
+            </a:extLst>
+          </p:cNvPr>
+          <p:cNvSpPr txBox="1"/>
+          <p:nvPr/>
+        </p:nvSpPr>
+        <p:spPr>
+          <a:xfrm>
+            <a:off x="5599635" y="2260204"/>
+            <a:ext cx="1724887" cy="646331"/>
+          </a:xfrm>
+          <a:prstGeom prst="rect">
+            <a:avLst/>
+          </a:prstGeom>
+          <a:noFill/>
+        </p:spPr>
+        <p:txBody>
+          <a:bodyPr wrap="square" rtlCol="0">
+            <a:spAutoFit/>
+          </a:bodyPr>
+          <a:lstStyle/>
+          <a:p>
+            <a:pPr algn="ctr"/>
+            <a:r>
+              <a:rPr lang="en-US" dirty="0"/>
+              <a:t>Class activation heatmap</a:t>
+            </a:r>
+          </a:p>
+        </p:txBody>
+      </p:sp>
+      <p:sp>
+        <p:nvSpPr>
+          <p:cNvPr id="44" name="CasellaDiTesto 43">
+            <a:extLst>
+              <a:ext uri="{FF2B5EF4-FFF2-40B4-BE49-F238E27FC236}">
+                <a16:creationId xmlns:a16="http://schemas.microsoft.com/office/drawing/2014/main" id="{A0DF3ED5-936D-D242-268B-0EEBEEA5F74D}"/>
+              </a:ext>
+            </a:extLst>
+          </p:cNvPr>
+          <p:cNvSpPr txBox="1"/>
+          <p:nvPr/>
+        </p:nvSpPr>
+        <p:spPr>
+          <a:xfrm>
+            <a:off x="5576464" y="4430149"/>
+            <a:ext cx="1724887" cy="646331"/>
+          </a:xfrm>
+          <a:prstGeom prst="rect">
+            <a:avLst/>
+          </a:prstGeom>
+          <a:noFill/>
+        </p:spPr>
+        <p:txBody>
+          <a:bodyPr wrap="square" rtlCol="0">
+            <a:spAutoFit/>
+          </a:bodyPr>
+          <a:lstStyle/>
+          <a:p>
+            <a:pPr algn="ctr"/>
+            <a:r>
+              <a:rPr lang="en-US" dirty="0"/>
+              <a:t>Class activation map</a:t>
+            </a:r>
+          </a:p>
+        </p:txBody>
+      </p:sp>
+      <p:sp>
+        <p:nvSpPr>
+          <p:cNvPr id="45" name="CasellaDiTesto 44">
+            <a:extLst>
+              <a:ext uri="{FF2B5EF4-FFF2-40B4-BE49-F238E27FC236}">
+                <a16:creationId xmlns:a16="http://schemas.microsoft.com/office/drawing/2014/main" id="{1BF190D3-D58C-BDEA-FF50-B981E85AFBED}"/>
+              </a:ext>
+            </a:extLst>
+          </p:cNvPr>
+          <p:cNvSpPr txBox="1"/>
+          <p:nvPr/>
+        </p:nvSpPr>
+        <p:spPr>
+          <a:xfrm>
+            <a:off x="5558070" y="6595768"/>
+            <a:ext cx="1724887" cy="923330"/>
+          </a:xfrm>
+          <a:prstGeom prst="rect">
+            <a:avLst/>
+          </a:prstGeom>
+          <a:noFill/>
+        </p:spPr>
+        <p:txBody>
+          <a:bodyPr wrap="square" rtlCol="0">
+            <a:spAutoFit/>
+          </a:bodyPr>
+          <a:lstStyle/>
+          <a:p>
+            <a:pPr algn="ctr"/>
+            <a:r>
+              <a:rPr lang="en-US" dirty="0"/>
+              <a:t>Class activation heatmap on image</a:t>
+            </a:r>
+          </a:p>
+        </p:txBody>
+      </p:sp>
+      <p:cxnSp>
+        <p:nvCxnSpPr>
+          <p:cNvPr id="47" name="Connettore diritto 46">
+            <a:extLst>
+              <a:ext uri="{FF2B5EF4-FFF2-40B4-BE49-F238E27FC236}">
+                <a16:creationId xmlns:a16="http://schemas.microsoft.com/office/drawing/2014/main" id="{EEBAF9FA-5AA2-AFFC-C3F5-1A100DE504D2}"/>
+              </a:ext>
+            </a:extLst>
+          </p:cNvPr>
+          <p:cNvCxnSpPr/>
+          <p:nvPr/>
+        </p:nvCxnSpPr>
+        <p:spPr>
+          <a:xfrm>
+            <a:off x="7433762" y="0"/>
+            <a:ext cx="0" cy="6858000"/>
+          </a:xfrm>
+          <a:prstGeom prst="line">
+            <a:avLst/>
+          </a:prstGeom>
+          <a:ln w="28575">
+            <a:solidFill>
+              <a:schemeClr val="tx1"/>
+            </a:solidFill>
+          </a:ln>
+        </p:spPr>
+        <p:style>
+          <a:lnRef idx="1">
+            <a:schemeClr val="accent1"/>
+          </a:lnRef>
+          <a:fillRef idx="0">
+            <a:schemeClr val="accent1"/>
+          </a:fillRef>
+          <a:effectRef idx="0">
+            <a:schemeClr val="accent1"/>
+          </a:effectRef>
+          <a:fontRef idx="minor">
+            <a:schemeClr val="tx1"/>
+          </a:fontRef>
+        </p:style>
+      </p:cxnSp>
+      <p:sp>
+        <p:nvSpPr>
+          <p:cNvPr id="57" name="CasellaDiTesto 56">
+            <a:extLst>
+              <a:ext uri="{FF2B5EF4-FFF2-40B4-BE49-F238E27FC236}">
+                <a16:creationId xmlns:a16="http://schemas.microsoft.com/office/drawing/2014/main" id="{10FBF99E-1CF9-DCC0-6288-7573D3D4BD4A}"/>
+              </a:ext>
+            </a:extLst>
+          </p:cNvPr>
+          <p:cNvSpPr txBox="1"/>
+          <p:nvPr/>
+        </p:nvSpPr>
+        <p:spPr>
+          <a:xfrm>
+            <a:off x="7617484" y="-70340"/>
+            <a:ext cx="1744493" cy="646331"/>
+          </a:xfrm>
+          <a:prstGeom prst="rect">
+            <a:avLst/>
+          </a:prstGeom>
+          <a:noFill/>
+        </p:spPr>
+        <p:txBody>
+          <a:bodyPr wrap="square" rtlCol="0">
+            <a:spAutoFit/>
+          </a:bodyPr>
+          <a:lstStyle/>
+          <a:p>
+            <a:pPr algn="ctr"/>
+            <a:r>
+              <a:rPr lang="en-US" dirty="0" err="1"/>
+              <a:t>Layerwise</a:t>
+            </a:r>
+            <a:r>
+              <a:rPr lang="en-US" dirty="0"/>
+              <a:t> relevance (LRP)</a:t>
+            </a:r>
+          </a:p>
+        </p:txBody>
+      </p:sp>
+      <p:sp>
+        <p:nvSpPr>
+          <p:cNvPr id="58" name="CasellaDiTesto 57">
+            <a:extLst>
+              <a:ext uri="{FF2B5EF4-FFF2-40B4-BE49-F238E27FC236}">
+                <a16:creationId xmlns:a16="http://schemas.microsoft.com/office/drawing/2014/main" id="{B7F94844-F15D-E2F9-FB12-1F9F749E28A6}"/>
+              </a:ext>
+            </a:extLst>
+          </p:cNvPr>
+          <p:cNvSpPr txBox="1"/>
+          <p:nvPr/>
+        </p:nvSpPr>
+        <p:spPr>
+          <a:xfrm>
+            <a:off x="7562862" y="2294987"/>
+            <a:ext cx="1724887" cy="369332"/>
+          </a:xfrm>
+          <a:prstGeom prst="rect">
+            <a:avLst/>
+          </a:prstGeom>
+          <a:noFill/>
+        </p:spPr>
+        <p:txBody>
+          <a:bodyPr wrap="square" rtlCol="0">
+            <a:spAutoFit/>
+          </a:bodyPr>
+          <a:lstStyle/>
+          <a:p>
+            <a:pPr algn="ctr"/>
+            <a:r>
+              <a:rPr lang="en-US" dirty="0"/>
+              <a:t>Layer 1</a:t>
+            </a:r>
+          </a:p>
+        </p:txBody>
+      </p:sp>
+      <p:sp>
+        <p:nvSpPr>
+          <p:cNvPr id="59" name="CasellaDiTesto 58">
+            <a:extLst>
+              <a:ext uri="{FF2B5EF4-FFF2-40B4-BE49-F238E27FC236}">
+                <a16:creationId xmlns:a16="http://schemas.microsoft.com/office/drawing/2014/main" id="{60ACC85C-94BF-AB80-DD8E-77BF070E4DF5}"/>
+              </a:ext>
+            </a:extLst>
+          </p:cNvPr>
+          <p:cNvSpPr txBox="1"/>
+          <p:nvPr/>
+        </p:nvSpPr>
+        <p:spPr>
+          <a:xfrm>
+            <a:off x="7539691" y="4464932"/>
+            <a:ext cx="1724887" cy="369332"/>
+          </a:xfrm>
+          <a:prstGeom prst="rect">
+            <a:avLst/>
+          </a:prstGeom>
+          <a:noFill/>
+        </p:spPr>
+        <p:txBody>
+          <a:bodyPr wrap="square" rtlCol="0">
+            <a:spAutoFit/>
+          </a:bodyPr>
+          <a:lstStyle/>
+          <a:p>
+            <a:pPr algn="ctr"/>
+            <a:r>
+              <a:rPr lang="en-US" dirty="0"/>
+              <a:t>Layer3</a:t>
+            </a:r>
+          </a:p>
+        </p:txBody>
+      </p:sp>
+      <p:sp>
+        <p:nvSpPr>
+          <p:cNvPr id="60" name="CasellaDiTesto 59">
+            <a:extLst>
+              <a:ext uri="{FF2B5EF4-FFF2-40B4-BE49-F238E27FC236}">
+                <a16:creationId xmlns:a16="http://schemas.microsoft.com/office/drawing/2014/main" id="{DB163687-9054-9AEA-41F2-1D2D92B0AFB9}"/>
+              </a:ext>
+            </a:extLst>
+          </p:cNvPr>
+          <p:cNvSpPr txBox="1"/>
+          <p:nvPr/>
+        </p:nvSpPr>
+        <p:spPr>
+          <a:xfrm>
+            <a:off x="7521297" y="6630551"/>
+            <a:ext cx="1724887" cy="369332"/>
+          </a:xfrm>
+          <a:prstGeom prst="rect">
+            <a:avLst/>
+          </a:prstGeom>
+          <a:noFill/>
+        </p:spPr>
+        <p:txBody>
+          <a:bodyPr wrap="square" rtlCol="0">
+            <a:spAutoFit/>
+          </a:bodyPr>
+          <a:lstStyle/>
+          <a:p>
+            <a:pPr algn="ctr"/>
+            <a:r>
+              <a:rPr lang="en-US" dirty="0"/>
+              <a:t>Layer 7</a:t>
+            </a:r>
+          </a:p>
+        </p:txBody>
+      </p:sp>
+      <p:cxnSp>
+        <p:nvCxnSpPr>
+          <p:cNvPr id="61" name="Connettore diritto 60">
+            <a:extLst>
+              <a:ext uri="{FF2B5EF4-FFF2-40B4-BE49-F238E27FC236}">
+                <a16:creationId xmlns:a16="http://schemas.microsoft.com/office/drawing/2014/main" id="{CF34336E-D22F-43E4-56DB-90726D4E3FF2}"/>
+              </a:ext>
+            </a:extLst>
+          </p:cNvPr>
+          <p:cNvCxnSpPr/>
+          <p:nvPr/>
+        </p:nvCxnSpPr>
+        <p:spPr>
+          <a:xfrm>
+            <a:off x="9396989" y="34783"/>
+            <a:ext cx="0" cy="6858000"/>
+          </a:xfrm>
+          <a:prstGeom prst="line">
+            <a:avLst/>
+          </a:prstGeom>
+          <a:ln w="28575">
+            <a:solidFill>
+              <a:schemeClr val="tx1"/>
+            </a:solidFill>
+          </a:ln>
+        </p:spPr>
+        <p:style>
+          <a:lnRef idx="1">
+            <a:schemeClr val="accent1"/>
+          </a:lnRef>
+          <a:fillRef idx="0">
+            <a:schemeClr val="accent1"/>
+          </a:fillRef>
+          <a:effectRef idx="0">
+            <a:schemeClr val="accent1"/>
+          </a:effectRef>
+          <a:fontRef idx="minor">
+            <a:schemeClr val="tx1"/>
+          </a:fontRef>
+        </p:style>
+      </p:cxnSp>
+      <p:sp>
+        <p:nvSpPr>
+          <p:cNvPr id="70" name="CasellaDiTesto 69">
+            <a:extLst>
+              <a:ext uri="{FF2B5EF4-FFF2-40B4-BE49-F238E27FC236}">
+                <a16:creationId xmlns:a16="http://schemas.microsoft.com/office/drawing/2014/main" id="{2EB33363-945A-AB0B-F8DE-E1A8D3DADD8B}"/>
+              </a:ext>
+            </a:extLst>
+          </p:cNvPr>
+          <p:cNvSpPr txBox="1"/>
+          <p:nvPr/>
+        </p:nvSpPr>
+        <p:spPr>
+          <a:xfrm>
+            <a:off x="9651531" y="-321768"/>
+            <a:ext cx="1744493" cy="923330"/>
+          </a:xfrm>
+          <a:prstGeom prst="rect">
+            <a:avLst/>
+          </a:prstGeom>
+          <a:noFill/>
+        </p:spPr>
+        <p:txBody>
+          <a:bodyPr wrap="square" rtlCol="0">
+            <a:spAutoFit/>
+          </a:bodyPr>
+          <a:lstStyle/>
+          <a:p>
+            <a:pPr algn="ctr"/>
+            <a:r>
+              <a:rPr lang="en-US" dirty="0"/>
+              <a:t>Layer activation with guided backpropagation</a:t>
+            </a:r>
+          </a:p>
+        </p:txBody>
+      </p:sp>
+      <p:sp>
+        <p:nvSpPr>
+          <p:cNvPr id="71" name="CasellaDiTesto 70">
+            <a:extLst>
+              <a:ext uri="{FF2B5EF4-FFF2-40B4-BE49-F238E27FC236}">
+                <a16:creationId xmlns:a16="http://schemas.microsoft.com/office/drawing/2014/main" id="{4F8A70A6-ECA6-6F7B-DE04-51137517E714}"/>
+              </a:ext>
+            </a:extLst>
+          </p:cNvPr>
+          <p:cNvSpPr txBox="1"/>
+          <p:nvPr/>
+        </p:nvSpPr>
+        <p:spPr>
+          <a:xfrm>
+            <a:off x="9596910" y="2313930"/>
+            <a:ext cx="1724887" cy="646331"/>
+          </a:xfrm>
+          <a:prstGeom prst="rect">
+            <a:avLst/>
+          </a:prstGeom>
+          <a:noFill/>
+        </p:spPr>
+        <p:txBody>
+          <a:bodyPr wrap="square" rtlCol="0">
+            <a:spAutoFit/>
+          </a:bodyPr>
+          <a:lstStyle/>
+          <a:p>
+            <a:pPr algn="ctr"/>
+            <a:r>
+              <a:rPr lang="en-US" dirty="0"/>
+              <a:t>Positive saliency map</a:t>
+            </a:r>
+          </a:p>
+        </p:txBody>
+      </p:sp>
+      <p:sp>
+        <p:nvSpPr>
+          <p:cNvPr id="72" name="CasellaDiTesto 71">
+            <a:extLst>
+              <a:ext uri="{FF2B5EF4-FFF2-40B4-BE49-F238E27FC236}">
+                <a16:creationId xmlns:a16="http://schemas.microsoft.com/office/drawing/2014/main" id="{DE1C9046-085A-0E39-F66C-B3D67A325566}"/>
+              </a:ext>
+            </a:extLst>
+          </p:cNvPr>
+          <p:cNvSpPr txBox="1"/>
+          <p:nvPr/>
+        </p:nvSpPr>
+        <p:spPr>
+          <a:xfrm>
+            <a:off x="9393234" y="4483875"/>
+            <a:ext cx="2002791" cy="646331"/>
+          </a:xfrm>
+          <a:prstGeom prst="rect">
+            <a:avLst/>
+          </a:prstGeom>
+          <a:noFill/>
+        </p:spPr>
+        <p:txBody>
+          <a:bodyPr wrap="square" rtlCol="0">
+            <a:spAutoFit/>
+          </a:bodyPr>
+          <a:lstStyle/>
+          <a:p>
+            <a:pPr algn="ctr"/>
+            <a:r>
+              <a:rPr lang="en-US" dirty="0"/>
+              <a:t>Grayscale guided backprop</a:t>
+            </a:r>
+          </a:p>
+        </p:txBody>
+      </p:sp>
+      <p:sp>
+        <p:nvSpPr>
+          <p:cNvPr id="73" name="CasellaDiTesto 72">
+            <a:extLst>
+              <a:ext uri="{FF2B5EF4-FFF2-40B4-BE49-F238E27FC236}">
+                <a16:creationId xmlns:a16="http://schemas.microsoft.com/office/drawing/2014/main" id="{83489E22-078A-89FB-ED97-66FFA4DC70B1}"/>
+              </a:ext>
+            </a:extLst>
+          </p:cNvPr>
+          <p:cNvSpPr txBox="1"/>
+          <p:nvPr/>
+        </p:nvSpPr>
+        <p:spPr>
+          <a:xfrm>
+            <a:off x="9555345" y="6649494"/>
+            <a:ext cx="1724887" cy="646331"/>
+          </a:xfrm>
+          <a:prstGeom prst="rect">
+            <a:avLst/>
+          </a:prstGeom>
+          <a:noFill/>
+        </p:spPr>
+        <p:txBody>
+          <a:bodyPr wrap="square" rtlCol="0">
+            <a:spAutoFit/>
+          </a:bodyPr>
+          <a:lstStyle/>
+          <a:p>
+            <a:pPr algn="ctr"/>
+            <a:r>
+              <a:rPr lang="en-US" dirty="0"/>
+              <a:t>colored guided backprop</a:t>
+            </a:r>
+          </a:p>
+        </p:txBody>
+      </p:sp>
+      <p:cxnSp>
+        <p:nvCxnSpPr>
+          <p:cNvPr id="74" name="Connettore diritto 73">
+            <a:extLst>
+              <a:ext uri="{FF2B5EF4-FFF2-40B4-BE49-F238E27FC236}">
+                <a16:creationId xmlns:a16="http://schemas.microsoft.com/office/drawing/2014/main" id="{1FD99D36-84D7-78D8-25B8-042F56154B53}"/>
+              </a:ext>
+            </a:extLst>
+          </p:cNvPr>
+          <p:cNvCxnSpPr/>
+          <p:nvPr/>
+        </p:nvCxnSpPr>
+        <p:spPr>
+          <a:xfrm>
+            <a:off x="11431037" y="53726"/>
+            <a:ext cx="0" cy="6858000"/>
+          </a:xfrm>
+          <a:prstGeom prst="line">
+            <a:avLst/>
+          </a:prstGeom>
+          <a:ln w="28575">
+            <a:solidFill>
+              <a:schemeClr val="tx1"/>
+            </a:solidFill>
+          </a:ln>
+        </p:spPr>
+        <p:style>
+          <a:lnRef idx="1">
+            <a:schemeClr val="accent1"/>
+          </a:lnRef>
+          <a:fillRef idx="0">
+            <a:schemeClr val="accent1"/>
+          </a:fillRef>
+          <a:effectRef idx="0">
+            <a:schemeClr val="accent1"/>
+          </a:effectRef>
+          <a:fontRef idx="minor">
+            <a:schemeClr val="tx1"/>
+          </a:fontRef>
+        </p:style>
+      </p:cxnSp>
+      <p:pic>
+        <p:nvPicPr>
+          <p:cNvPr id="76" name="Immagine 75">
+            <a:extLst>
+              <a:ext uri="{FF2B5EF4-FFF2-40B4-BE49-F238E27FC236}">
+                <a16:creationId xmlns:a16="http://schemas.microsoft.com/office/drawing/2014/main" id="{C4DCDEE2-65B4-0813-979A-A6836BEE7A45}"/>
+              </a:ext>
+            </a:extLst>
+          </p:cNvPr>
+          <p:cNvPicPr>
+            <a:picLocks noChangeAspect="1"/>
+          </p:cNvPicPr>
+          <p:nvPr/>
+        </p:nvPicPr>
+        <p:blipFill rotWithShape="1">
+          <a:blip r:embed="rId6">
+            <a:extLst>
+              <a:ext uri="{28A0092B-C50C-407E-A947-70E740481C1C}">
+                <a14:useLocalDpi xmlns:a14="http://schemas.microsoft.com/office/drawing/2010/main" val="0"/>
+              </a:ext>
+            </a:extLst>
+          </a:blip>
+          <a:srcRect l="429" t="55658" r="66837" b="1167"/>
+          <a:stretch/>
+        </p:blipFill>
+        <p:spPr>
+          <a:xfrm>
+            <a:off x="9618869" y="575991"/>
+            <a:ext cx="1702928" cy="1668551"/>
+          </a:xfrm>
+          <a:prstGeom prst="rect">
+            <a:avLst/>
+          </a:prstGeom>
+        </p:spPr>
+      </p:pic>
+      <p:pic>
+        <p:nvPicPr>
+          <p:cNvPr id="79" name="Immagine 78">
+            <a:extLst>
+              <a:ext uri="{FF2B5EF4-FFF2-40B4-BE49-F238E27FC236}">
+                <a16:creationId xmlns:a16="http://schemas.microsoft.com/office/drawing/2014/main" id="{CB534742-2B52-058C-6BA2-4C022303FD4C}"/>
+              </a:ext>
+            </a:extLst>
+          </p:cNvPr>
+          <p:cNvPicPr>
+            <a:picLocks noChangeAspect="1"/>
+          </p:cNvPicPr>
+          <p:nvPr/>
+        </p:nvPicPr>
+        <p:blipFill rotWithShape="1">
+          <a:blip r:embed="rId6">
+            <a:extLst>
+              <a:ext uri="{28A0092B-C50C-407E-A947-70E740481C1C}">
+                <a14:useLocalDpi xmlns:a14="http://schemas.microsoft.com/office/drawing/2010/main" val="0"/>
+              </a:ext>
+            </a:extLst>
+          </a:blip>
+          <a:srcRect l="67266" t="6825" b="50000"/>
+          <a:stretch/>
+        </p:blipFill>
+        <p:spPr>
+          <a:xfrm>
+            <a:off x="9577304" y="2885630"/>
+            <a:ext cx="1702928" cy="1668551"/>
+          </a:xfrm>
+          <a:prstGeom prst="rect">
+            <a:avLst/>
+          </a:prstGeom>
+        </p:spPr>
+      </p:pic>
+      <p:pic>
+        <p:nvPicPr>
+          <p:cNvPr id="80" name="Immagine 79">
+            <a:extLst>
+              <a:ext uri="{FF2B5EF4-FFF2-40B4-BE49-F238E27FC236}">
+                <a16:creationId xmlns:a16="http://schemas.microsoft.com/office/drawing/2014/main" id="{2E953EAE-966D-49C6-F955-C7CAD52FDEE7}"/>
+              </a:ext>
+            </a:extLst>
+          </p:cNvPr>
+          <p:cNvPicPr>
+            <a:picLocks noChangeAspect="1"/>
+          </p:cNvPicPr>
+          <p:nvPr/>
+        </p:nvPicPr>
+        <p:blipFill rotWithShape="1">
+          <a:blip r:embed="rId6">
+            <a:extLst>
+              <a:ext uri="{28A0092B-C50C-407E-A947-70E740481C1C}">
+                <a14:useLocalDpi xmlns:a14="http://schemas.microsoft.com/office/drawing/2010/main" val="0"/>
+              </a:ext>
+            </a:extLst>
+          </a:blip>
+          <a:srcRect l="33415" t="7497" r="33851" b="49328"/>
+          <a:stretch/>
+        </p:blipFill>
+        <p:spPr>
+          <a:xfrm>
+            <a:off x="9596562" y="5055791"/>
+            <a:ext cx="1702928" cy="1668551"/>
+          </a:xfrm>
+          <a:prstGeom prst="rect">
+            <a:avLst/>
+          </a:prstGeom>
+        </p:spPr>
+      </p:pic>
+      <p:sp>
+        <p:nvSpPr>
+          <p:cNvPr id="81" name="CasellaDiTesto 80">
+            <a:extLst>
+              <a:ext uri="{FF2B5EF4-FFF2-40B4-BE49-F238E27FC236}">
+                <a16:creationId xmlns:a16="http://schemas.microsoft.com/office/drawing/2014/main" id="{2F750F67-DDEF-3A57-0DC7-1E335CD3DA23}"/>
+              </a:ext>
+            </a:extLst>
+          </p:cNvPr>
+          <p:cNvSpPr txBox="1"/>
+          <p:nvPr/>
+        </p:nvSpPr>
+        <p:spPr>
+          <a:xfrm>
+            <a:off x="11592543" y="-105509"/>
+            <a:ext cx="1744493" cy="369332"/>
+          </a:xfrm>
+          <a:prstGeom prst="rect">
+            <a:avLst/>
+          </a:prstGeom>
+          <a:noFill/>
+        </p:spPr>
+        <p:txBody>
+          <a:bodyPr wrap="square" rtlCol="0">
+            <a:spAutoFit/>
+          </a:bodyPr>
+          <a:lstStyle/>
+          <a:p>
+            <a:pPr algn="ctr"/>
+            <a:r>
+              <a:rPr lang="en-US" dirty="0" err="1"/>
+              <a:t>ScoreCam</a:t>
+            </a:r>
+            <a:endParaRPr lang="en-US" dirty="0"/>
+          </a:p>
+        </p:txBody>
+      </p:sp>
+      <p:sp>
+        <p:nvSpPr>
+          <p:cNvPr id="82" name="CasellaDiTesto 81">
+            <a:extLst>
+              <a:ext uri="{FF2B5EF4-FFF2-40B4-BE49-F238E27FC236}">
+                <a16:creationId xmlns:a16="http://schemas.microsoft.com/office/drawing/2014/main" id="{E17E107F-4F43-5DA4-89ED-E5905F2AD964}"/>
+              </a:ext>
+            </a:extLst>
+          </p:cNvPr>
+          <p:cNvSpPr txBox="1"/>
+          <p:nvPr/>
+        </p:nvSpPr>
+        <p:spPr>
+          <a:xfrm>
+            <a:off x="11578312" y="2334208"/>
+            <a:ext cx="1724887" cy="646331"/>
+          </a:xfrm>
+          <a:prstGeom prst="rect">
+            <a:avLst/>
+          </a:prstGeom>
+          <a:noFill/>
+        </p:spPr>
+        <p:txBody>
+          <a:bodyPr wrap="square" rtlCol="0">
+            <a:spAutoFit/>
+          </a:bodyPr>
+          <a:lstStyle/>
+          <a:p>
+            <a:pPr algn="ctr"/>
+            <a:r>
+              <a:rPr lang="en-US" dirty="0"/>
+              <a:t>Class activation heatmap</a:t>
+            </a:r>
+          </a:p>
+        </p:txBody>
+      </p:sp>
+      <p:sp>
+        <p:nvSpPr>
+          <p:cNvPr id="83" name="CasellaDiTesto 82">
+            <a:extLst>
+              <a:ext uri="{FF2B5EF4-FFF2-40B4-BE49-F238E27FC236}">
+                <a16:creationId xmlns:a16="http://schemas.microsoft.com/office/drawing/2014/main" id="{D9AFECF4-D225-15B3-D112-D1F8CA807E3F}"/>
+              </a:ext>
+            </a:extLst>
+          </p:cNvPr>
+          <p:cNvSpPr txBox="1"/>
+          <p:nvPr/>
+        </p:nvSpPr>
+        <p:spPr>
+          <a:xfrm>
+            <a:off x="11536747" y="6669772"/>
+            <a:ext cx="1724887" cy="646331"/>
+          </a:xfrm>
+          <a:prstGeom prst="rect">
+            <a:avLst/>
+          </a:prstGeom>
+          <a:noFill/>
+        </p:spPr>
+        <p:txBody>
+          <a:bodyPr wrap="square" rtlCol="0">
+            <a:spAutoFit/>
+          </a:bodyPr>
+          <a:lstStyle/>
+          <a:p>
+            <a:pPr algn="ctr"/>
+            <a:r>
+              <a:rPr lang="en-US" dirty="0" err="1"/>
+              <a:t>Scorecam</a:t>
+            </a:r>
+            <a:r>
+              <a:rPr lang="en-US" dirty="0"/>
+              <a:t> on image</a:t>
+            </a:r>
+          </a:p>
+        </p:txBody>
+      </p:sp>
+      <p:cxnSp>
+        <p:nvCxnSpPr>
+          <p:cNvPr id="84" name="Connettore diritto 83">
+            <a:extLst>
+              <a:ext uri="{FF2B5EF4-FFF2-40B4-BE49-F238E27FC236}">
+                <a16:creationId xmlns:a16="http://schemas.microsoft.com/office/drawing/2014/main" id="{B981CC6A-F197-DA90-D1AE-820D8E7EB6A8}"/>
+              </a:ext>
+            </a:extLst>
+          </p:cNvPr>
+          <p:cNvCxnSpPr/>
+          <p:nvPr/>
+        </p:nvCxnSpPr>
+        <p:spPr>
+          <a:xfrm>
+            <a:off x="13412439" y="74004"/>
+            <a:ext cx="0" cy="6858000"/>
+          </a:xfrm>
+          <a:prstGeom prst="line">
+            <a:avLst/>
+          </a:prstGeom>
+          <a:ln w="28575">
+            <a:solidFill>
+              <a:schemeClr val="tx1"/>
+            </a:solidFill>
+          </a:ln>
+        </p:spPr>
+        <p:style>
+          <a:lnRef idx="1">
+            <a:schemeClr val="accent1"/>
+          </a:lnRef>
+          <a:fillRef idx="0">
+            <a:schemeClr val="accent1"/>
+          </a:fillRef>
+          <a:effectRef idx="0">
+            <a:schemeClr val="accent1"/>
+          </a:effectRef>
+          <a:fontRef idx="minor">
+            <a:schemeClr val="tx1"/>
+          </a:fontRef>
+        </p:style>
+      </p:cxnSp>
+      <p:sp>
+        <p:nvSpPr>
+          <p:cNvPr id="88" name="CasellaDiTesto 87">
+            <a:extLst>
+              <a:ext uri="{FF2B5EF4-FFF2-40B4-BE49-F238E27FC236}">
+                <a16:creationId xmlns:a16="http://schemas.microsoft.com/office/drawing/2014/main" id="{5DCB0F44-2807-67B8-1527-3210F4C84521}"/>
+              </a:ext>
+            </a:extLst>
+          </p:cNvPr>
+          <p:cNvSpPr txBox="1"/>
+          <p:nvPr/>
+        </p:nvSpPr>
+        <p:spPr>
+          <a:xfrm>
+            <a:off x="11285509" y="4483874"/>
+            <a:ext cx="2002791" cy="646331"/>
+          </a:xfrm>
+          <a:prstGeom prst="rect">
+            <a:avLst/>
+          </a:prstGeom>
+          <a:noFill/>
+        </p:spPr>
+        <p:txBody>
+          <a:bodyPr wrap="square" rtlCol="0">
+            <a:spAutoFit/>
+          </a:bodyPr>
+          <a:lstStyle/>
+          <a:p>
+            <a:pPr algn="ctr"/>
+            <a:r>
+              <a:rPr lang="en-US" dirty="0"/>
+              <a:t>Class activation map</a:t>
+            </a:r>
+          </a:p>
+        </p:txBody>
+      </p:sp>
+      <p:pic>
+        <p:nvPicPr>
+          <p:cNvPr id="91" name="Immagine 90">
+            <a:extLst>
+              <a:ext uri="{FF2B5EF4-FFF2-40B4-BE49-F238E27FC236}">
+                <a16:creationId xmlns:a16="http://schemas.microsoft.com/office/drawing/2014/main" id="{79180286-65E3-E484-09AC-BF8FADFD9374}"/>
+              </a:ext>
+            </a:extLst>
+          </p:cNvPr>
+          <p:cNvPicPr>
+            <a:picLocks noChangeAspect="1"/>
+          </p:cNvPicPr>
+          <p:nvPr/>
+        </p:nvPicPr>
+        <p:blipFill rotWithShape="1">
+          <a:blip r:embed="rId7">
+            <a:extLst>
+              <a:ext uri="{28A0092B-C50C-407E-A947-70E740481C1C}">
+                <a14:useLocalDpi xmlns:a14="http://schemas.microsoft.com/office/drawing/2010/main" val="0"/>
+              </a:ext>
+            </a:extLst>
+          </a:blip>
+          <a:srcRect l="-696" t="56922" r="58536" b="860"/>
+          <a:stretch/>
+        </p:blipFill>
+        <p:spPr>
+          <a:xfrm>
+            <a:off x="11568690" y="2898134"/>
+            <a:ext cx="1724887" cy="1646699"/>
+          </a:xfrm>
+          <a:prstGeom prst="rect">
+            <a:avLst/>
+          </a:prstGeom>
+        </p:spPr>
+      </p:pic>
+      <p:pic>
+        <p:nvPicPr>
+          <p:cNvPr id="92" name="Immagine 91">
+            <a:extLst>
+              <a:ext uri="{FF2B5EF4-FFF2-40B4-BE49-F238E27FC236}">
+                <a16:creationId xmlns:a16="http://schemas.microsoft.com/office/drawing/2014/main" id="{62F504F0-0C15-30BD-FB5C-E8A403BF90FA}"/>
+              </a:ext>
+            </a:extLst>
+          </p:cNvPr>
+          <p:cNvPicPr>
+            <a:picLocks noChangeAspect="1"/>
+          </p:cNvPicPr>
+          <p:nvPr/>
+        </p:nvPicPr>
+        <p:blipFill rotWithShape="1">
+          <a:blip r:embed="rId7">
+            <a:extLst>
+              <a:ext uri="{28A0092B-C50C-407E-A947-70E740481C1C}">
+                <a14:useLocalDpi xmlns:a14="http://schemas.microsoft.com/office/drawing/2010/main" val="0"/>
+              </a:ext>
+            </a:extLst>
+          </a:blip>
+          <a:srcRect l="57840" t="7093" b="50689"/>
+          <a:stretch/>
+        </p:blipFill>
+        <p:spPr>
+          <a:xfrm>
+            <a:off x="11568690" y="535217"/>
+            <a:ext cx="1724887" cy="1646699"/>
+          </a:xfrm>
+          <a:prstGeom prst="rect">
+            <a:avLst/>
+          </a:prstGeom>
+        </p:spPr>
+      </p:pic>
+      <p:pic>
+        <p:nvPicPr>
+          <p:cNvPr id="93" name="Immagine 92">
+            <a:extLst>
+              <a:ext uri="{FF2B5EF4-FFF2-40B4-BE49-F238E27FC236}">
+                <a16:creationId xmlns:a16="http://schemas.microsoft.com/office/drawing/2014/main" id="{38301A0F-B5C4-C51C-3FA7-3D9EE8B1929E}"/>
+              </a:ext>
+            </a:extLst>
+          </p:cNvPr>
+          <p:cNvPicPr>
+            <a:picLocks noChangeAspect="1"/>
+          </p:cNvPicPr>
+          <p:nvPr/>
+        </p:nvPicPr>
+        <p:blipFill rotWithShape="1">
+          <a:blip r:embed="rId7">
+            <a:extLst>
+              <a:ext uri="{28A0092B-C50C-407E-A947-70E740481C1C}">
+                <a14:useLocalDpi xmlns:a14="http://schemas.microsoft.com/office/drawing/2010/main" val="0"/>
+              </a:ext>
+            </a:extLst>
+          </a:blip>
+          <a:srcRect l="57163" t="56383" r="677" b="1399"/>
+          <a:stretch/>
+        </p:blipFill>
+        <p:spPr>
+          <a:xfrm>
+            <a:off x="11523957" y="5023073"/>
+            <a:ext cx="1724887" cy="1646699"/>
+          </a:xfrm>
+          <a:prstGeom prst="rect">
+            <a:avLst/>
+          </a:prstGeom>
+        </p:spPr>
+      </p:pic>
+    </p:spTree>
+    <p:extLst>
+      <p:ext uri="{BB962C8B-B14F-4D97-AF65-F5344CB8AC3E}">
+        <p14:creationId xmlns:p14="http://schemas.microsoft.com/office/powerpoint/2010/main" val="3370173392"/>
+      </p:ext>
+    </p:extLst>
+  </p:cSld>
+  <p:clrMapOvr>
+    <a:masterClrMapping/>
+  </p:clrMapOvr>
+</p:sld>
+</file>
+
 <file path=ppt/theme/theme1.xml><?xml version="1.0" encoding="utf-8"?>
 <a:theme xmlns:a="http://schemas.openxmlformats.org/drawingml/2006/main" name="Tema di Office">
   <a:themeElements>

--- a/figures/addtional_figures.pptx
+++ b/figures/addtional_figures.pptx
@@ -5,7 +5,7 @@
     <p:sldMasterId id="2147483648" r:id="rId1"/>
   </p:sldMasterIdLst>
   <p:notesMasterIdLst>
-    <p:notesMasterId r:id="rId9"/>
+    <p:notesMasterId r:id="rId10"/>
   </p:notesMasterIdLst>
   <p:sldIdLst>
     <p:sldId id="256" r:id="rId2"/>
@@ -15,6 +15,7 @@
     <p:sldId id="260" r:id="rId6"/>
     <p:sldId id="261" r:id="rId7"/>
     <p:sldId id="262" r:id="rId8"/>
+    <p:sldId id="263" r:id="rId9"/>
   </p:sldIdLst>
   <p:sldSz cx="12192000" cy="6858000"/>
   <p:notesSz cx="6858000" cy="9144000"/>
@@ -203,7 +204,7 @@
           <a:p>
             <a:fld id="{141436AA-BBA3-41B5-A45C-EE3A47F06D69}" type="datetimeFigureOut">
               <a:rPr lang="en-US" smtClean="0"/>
-              <a:t>8/3/2024</a:t>
+              <a:t>8/25/2024</a:t>
             </a:fld>
             <a:endParaRPr lang="en-US"/>
           </a:p>
@@ -1010,7 +1011,7 @@
           <a:p>
             <a:fld id="{D1849B51-CB8F-4E70-B214-8C45EFD2E0E3}" type="datetimeFigureOut">
               <a:rPr lang="en-US" smtClean="0"/>
-              <a:t>8/3/2024</a:t>
+              <a:t>8/25/2024</a:t>
             </a:fld>
             <a:endParaRPr lang="en-US"/>
           </a:p>
@@ -1210,7 +1211,7 @@
           <a:p>
             <a:fld id="{D1849B51-CB8F-4E70-B214-8C45EFD2E0E3}" type="datetimeFigureOut">
               <a:rPr lang="en-US" smtClean="0"/>
-              <a:t>8/3/2024</a:t>
+              <a:t>8/25/2024</a:t>
             </a:fld>
             <a:endParaRPr lang="en-US"/>
           </a:p>
@@ -1420,7 +1421,7 @@
           <a:p>
             <a:fld id="{D1849B51-CB8F-4E70-B214-8C45EFD2E0E3}" type="datetimeFigureOut">
               <a:rPr lang="en-US" smtClean="0"/>
-              <a:t>8/3/2024</a:t>
+              <a:t>8/25/2024</a:t>
             </a:fld>
             <a:endParaRPr lang="en-US"/>
           </a:p>
@@ -1620,7 +1621,7 @@
           <a:p>
             <a:fld id="{D1849B51-CB8F-4E70-B214-8C45EFD2E0E3}" type="datetimeFigureOut">
               <a:rPr lang="en-US" smtClean="0"/>
-              <a:t>8/3/2024</a:t>
+              <a:t>8/25/2024</a:t>
             </a:fld>
             <a:endParaRPr lang="en-US"/>
           </a:p>
@@ -1896,7 +1897,7 @@
           <a:p>
             <a:fld id="{D1849B51-CB8F-4E70-B214-8C45EFD2E0E3}" type="datetimeFigureOut">
               <a:rPr lang="en-US" smtClean="0"/>
-              <a:t>8/3/2024</a:t>
+              <a:t>8/25/2024</a:t>
             </a:fld>
             <a:endParaRPr lang="en-US"/>
           </a:p>
@@ -2164,7 +2165,7 @@
           <a:p>
             <a:fld id="{D1849B51-CB8F-4E70-B214-8C45EFD2E0E3}" type="datetimeFigureOut">
               <a:rPr lang="en-US" smtClean="0"/>
-              <a:t>8/3/2024</a:t>
+              <a:t>8/25/2024</a:t>
             </a:fld>
             <a:endParaRPr lang="en-US"/>
           </a:p>
@@ -2579,7 +2580,7 @@
           <a:p>
             <a:fld id="{D1849B51-CB8F-4E70-B214-8C45EFD2E0E3}" type="datetimeFigureOut">
               <a:rPr lang="en-US" smtClean="0"/>
-              <a:t>8/3/2024</a:t>
+              <a:t>8/25/2024</a:t>
             </a:fld>
             <a:endParaRPr lang="en-US"/>
           </a:p>
@@ -2721,7 +2722,7 @@
           <a:p>
             <a:fld id="{D1849B51-CB8F-4E70-B214-8C45EFD2E0E3}" type="datetimeFigureOut">
               <a:rPr lang="en-US" smtClean="0"/>
-              <a:t>8/3/2024</a:t>
+              <a:t>8/25/2024</a:t>
             </a:fld>
             <a:endParaRPr lang="en-US"/>
           </a:p>
@@ -2834,7 +2835,7 @@
           <a:p>
             <a:fld id="{D1849B51-CB8F-4E70-B214-8C45EFD2E0E3}" type="datetimeFigureOut">
               <a:rPr lang="en-US" smtClean="0"/>
-              <a:t>8/3/2024</a:t>
+              <a:t>8/25/2024</a:t>
             </a:fld>
             <a:endParaRPr lang="en-US"/>
           </a:p>
@@ -3147,7 +3148,7 @@
           <a:p>
             <a:fld id="{D1849B51-CB8F-4E70-B214-8C45EFD2E0E3}" type="datetimeFigureOut">
               <a:rPr lang="en-US" smtClean="0"/>
-              <a:t>8/3/2024</a:t>
+              <a:t>8/25/2024</a:t>
             </a:fld>
             <a:endParaRPr lang="en-US"/>
           </a:p>
@@ -3436,7 +3437,7 @@
           <a:p>
             <a:fld id="{D1849B51-CB8F-4E70-B214-8C45EFD2E0E3}" type="datetimeFigureOut">
               <a:rPr lang="en-US" smtClean="0"/>
-              <a:t>8/3/2024</a:t>
+              <a:t>8/25/2024</a:t>
             </a:fld>
             <a:endParaRPr lang="en-US"/>
           </a:p>
@@ -3679,7 +3680,7 @@
           <a:p>
             <a:fld id="{D1849B51-CB8F-4E70-B214-8C45EFD2E0E3}" type="datetimeFigureOut">
               <a:rPr lang="en-US" smtClean="0"/>
-              <a:t>8/3/2024</a:t>
+              <a:t>8/25/2024</a:t>
             </a:fld>
             <a:endParaRPr lang="en-US"/>
           </a:p>
@@ -30138,6 +30139,5271 @@
 </p:sld>
 </file>
 
+<file path=ppt/slides/slide8.xml><?xml version="1.0" encoding="utf-8"?>
+<p:sld xmlns:a="http://schemas.openxmlformats.org/drawingml/2006/main" xmlns:r="http://schemas.openxmlformats.org/officeDocument/2006/relationships" xmlns:p="http://schemas.openxmlformats.org/presentationml/2006/main">
+  <p:cSld>
+    <p:spTree>
+      <p:nvGrpSpPr>
+        <p:cNvPr id="1" name=""/>
+        <p:cNvGrpSpPr/>
+        <p:nvPr/>
+      </p:nvGrpSpPr>
+      <p:grpSpPr>
+        <a:xfrm>
+          <a:off x="0" y="0"/>
+          <a:ext cx="0" cy="0"/>
+          <a:chOff x="0" y="0"/>
+          <a:chExt cx="0" cy="0"/>
+        </a:xfrm>
+      </p:grpSpPr>
+      <p:sp>
+        <p:nvSpPr>
+          <p:cNvPr id="3" name="Ovale 2">
+            <a:extLst>
+              <a:ext uri="{FF2B5EF4-FFF2-40B4-BE49-F238E27FC236}">
+                <a16:creationId xmlns:a16="http://schemas.microsoft.com/office/drawing/2014/main" id="{6C1FB64F-08F9-21B1-C5A4-DF0A1C1E71A1}"/>
+              </a:ext>
+            </a:extLst>
+          </p:cNvPr>
+          <p:cNvSpPr/>
+          <p:nvPr/>
+        </p:nvSpPr>
+        <p:spPr>
+          <a:xfrm>
+            <a:off x="1189349" y="494508"/>
+            <a:ext cx="422030" cy="422031"/>
+          </a:xfrm>
+          <a:prstGeom prst="ellipse">
+            <a:avLst/>
+          </a:prstGeom>
+        </p:spPr>
+        <p:style>
+          <a:lnRef idx="2">
+            <a:schemeClr val="accent1">
+              <a:shade val="15000"/>
+            </a:schemeClr>
+          </a:lnRef>
+          <a:fillRef idx="1">
+            <a:schemeClr val="accent1"/>
+          </a:fillRef>
+          <a:effectRef idx="0">
+            <a:schemeClr val="accent1"/>
+          </a:effectRef>
+          <a:fontRef idx="minor">
+            <a:schemeClr val="lt1"/>
+          </a:fontRef>
+        </p:style>
+        <p:txBody>
+          <a:bodyPr rtlCol="0" anchor="ctr"/>
+          <a:lstStyle/>
+          <a:p>
+            <a:pPr algn="ctr"/>
+            <a:endParaRPr lang="en-US"/>
+          </a:p>
+        </p:txBody>
+      </p:sp>
+      <p:sp>
+        <p:nvSpPr>
+          <p:cNvPr id="4" name="Ovale 3">
+            <a:extLst>
+              <a:ext uri="{FF2B5EF4-FFF2-40B4-BE49-F238E27FC236}">
+                <a16:creationId xmlns:a16="http://schemas.microsoft.com/office/drawing/2014/main" id="{ADC8A520-F375-4243-91D3-75B28151EADD}"/>
+              </a:ext>
+            </a:extLst>
+          </p:cNvPr>
+          <p:cNvSpPr/>
+          <p:nvPr/>
+        </p:nvSpPr>
+        <p:spPr>
+          <a:xfrm>
+            <a:off x="526701" y="1022046"/>
+            <a:ext cx="422030" cy="422031"/>
+          </a:xfrm>
+          <a:prstGeom prst="ellipse">
+            <a:avLst/>
+          </a:prstGeom>
+        </p:spPr>
+        <p:style>
+          <a:lnRef idx="2">
+            <a:schemeClr val="accent1">
+              <a:shade val="15000"/>
+            </a:schemeClr>
+          </a:lnRef>
+          <a:fillRef idx="1">
+            <a:schemeClr val="accent1"/>
+          </a:fillRef>
+          <a:effectRef idx="0">
+            <a:schemeClr val="accent1"/>
+          </a:effectRef>
+          <a:fontRef idx="minor">
+            <a:schemeClr val="lt1"/>
+          </a:fontRef>
+        </p:style>
+        <p:txBody>
+          <a:bodyPr rtlCol="0" anchor="ctr"/>
+          <a:lstStyle/>
+          <a:p>
+            <a:pPr algn="ctr"/>
+            <a:endParaRPr lang="en-US"/>
+          </a:p>
+        </p:txBody>
+      </p:sp>
+      <p:sp>
+        <p:nvSpPr>
+          <p:cNvPr id="5" name="Ovale 4">
+            <a:extLst>
+              <a:ext uri="{FF2B5EF4-FFF2-40B4-BE49-F238E27FC236}">
+                <a16:creationId xmlns:a16="http://schemas.microsoft.com/office/drawing/2014/main" id="{EF4F29C0-7E54-374A-7E9B-46B5EB910047}"/>
+              </a:ext>
+            </a:extLst>
+          </p:cNvPr>
+          <p:cNvSpPr/>
+          <p:nvPr/>
+        </p:nvSpPr>
+        <p:spPr>
+          <a:xfrm>
+            <a:off x="1060288" y="1665204"/>
+            <a:ext cx="422030" cy="422031"/>
+          </a:xfrm>
+          <a:prstGeom prst="ellipse">
+            <a:avLst/>
+          </a:prstGeom>
+        </p:spPr>
+        <p:style>
+          <a:lnRef idx="2">
+            <a:schemeClr val="accent1">
+              <a:shade val="15000"/>
+            </a:schemeClr>
+          </a:lnRef>
+          <a:fillRef idx="1">
+            <a:schemeClr val="accent1"/>
+          </a:fillRef>
+          <a:effectRef idx="0">
+            <a:schemeClr val="accent1"/>
+          </a:effectRef>
+          <a:fontRef idx="minor">
+            <a:schemeClr val="lt1"/>
+          </a:fontRef>
+        </p:style>
+        <p:txBody>
+          <a:bodyPr rtlCol="0" anchor="ctr"/>
+          <a:lstStyle/>
+          <a:p>
+            <a:pPr algn="ctr"/>
+            <a:endParaRPr lang="en-US"/>
+          </a:p>
+        </p:txBody>
+      </p:sp>
+      <p:sp>
+        <p:nvSpPr>
+          <p:cNvPr id="6" name="Ovale 5">
+            <a:extLst>
+              <a:ext uri="{FF2B5EF4-FFF2-40B4-BE49-F238E27FC236}">
+                <a16:creationId xmlns:a16="http://schemas.microsoft.com/office/drawing/2014/main" id="{180C44F0-09FB-9C7C-693E-5C535840A347}"/>
+              </a:ext>
+            </a:extLst>
+          </p:cNvPr>
+          <p:cNvSpPr/>
+          <p:nvPr/>
+        </p:nvSpPr>
+        <p:spPr>
+          <a:xfrm>
+            <a:off x="2231570" y="298180"/>
+            <a:ext cx="422030" cy="422031"/>
+          </a:xfrm>
+          <a:prstGeom prst="ellipse">
+            <a:avLst/>
+          </a:prstGeom>
+        </p:spPr>
+        <p:style>
+          <a:lnRef idx="2">
+            <a:schemeClr val="accent1">
+              <a:shade val="15000"/>
+            </a:schemeClr>
+          </a:lnRef>
+          <a:fillRef idx="1">
+            <a:schemeClr val="accent1"/>
+          </a:fillRef>
+          <a:effectRef idx="0">
+            <a:schemeClr val="accent1"/>
+          </a:effectRef>
+          <a:fontRef idx="minor">
+            <a:schemeClr val="lt1"/>
+          </a:fontRef>
+        </p:style>
+        <p:txBody>
+          <a:bodyPr rtlCol="0" anchor="ctr"/>
+          <a:lstStyle/>
+          <a:p>
+            <a:pPr algn="ctr"/>
+            <a:endParaRPr lang="en-US"/>
+          </a:p>
+        </p:txBody>
+      </p:sp>
+      <p:sp>
+        <p:nvSpPr>
+          <p:cNvPr id="7" name="Ovale 6">
+            <a:extLst>
+              <a:ext uri="{FF2B5EF4-FFF2-40B4-BE49-F238E27FC236}">
+                <a16:creationId xmlns:a16="http://schemas.microsoft.com/office/drawing/2014/main" id="{0E8E6CCE-B96B-0A75-0FA6-B7E8FB1643A7}"/>
+              </a:ext>
+            </a:extLst>
+          </p:cNvPr>
+          <p:cNvSpPr/>
+          <p:nvPr/>
+        </p:nvSpPr>
+        <p:spPr>
+          <a:xfrm>
+            <a:off x="2015905" y="1041880"/>
+            <a:ext cx="422030" cy="422031"/>
+          </a:xfrm>
+          <a:prstGeom prst="ellipse">
+            <a:avLst/>
+          </a:prstGeom>
+        </p:spPr>
+        <p:style>
+          <a:lnRef idx="2">
+            <a:schemeClr val="accent1">
+              <a:shade val="15000"/>
+            </a:schemeClr>
+          </a:lnRef>
+          <a:fillRef idx="1">
+            <a:schemeClr val="accent1"/>
+          </a:fillRef>
+          <a:effectRef idx="0">
+            <a:schemeClr val="accent1"/>
+          </a:effectRef>
+          <a:fontRef idx="minor">
+            <a:schemeClr val="lt1"/>
+          </a:fontRef>
+        </p:style>
+        <p:txBody>
+          <a:bodyPr rtlCol="0" anchor="ctr"/>
+          <a:lstStyle/>
+          <a:p>
+            <a:pPr algn="ctr"/>
+            <a:endParaRPr lang="en-US"/>
+          </a:p>
+        </p:txBody>
+      </p:sp>
+      <p:sp>
+        <p:nvSpPr>
+          <p:cNvPr id="8" name="Ovale 7">
+            <a:extLst>
+              <a:ext uri="{FF2B5EF4-FFF2-40B4-BE49-F238E27FC236}">
+                <a16:creationId xmlns:a16="http://schemas.microsoft.com/office/drawing/2014/main" id="{76798B5A-2BEA-F442-304B-09B97BE4DD43}"/>
+              </a:ext>
+            </a:extLst>
+          </p:cNvPr>
+          <p:cNvSpPr/>
+          <p:nvPr/>
+        </p:nvSpPr>
+        <p:spPr>
+          <a:xfrm>
+            <a:off x="2187609" y="1688197"/>
+            <a:ext cx="422030" cy="422031"/>
+          </a:xfrm>
+          <a:prstGeom prst="ellipse">
+            <a:avLst/>
+          </a:prstGeom>
+        </p:spPr>
+        <p:style>
+          <a:lnRef idx="2">
+            <a:schemeClr val="accent1">
+              <a:shade val="15000"/>
+            </a:schemeClr>
+          </a:lnRef>
+          <a:fillRef idx="1">
+            <a:schemeClr val="accent1"/>
+          </a:fillRef>
+          <a:effectRef idx="0">
+            <a:schemeClr val="accent1"/>
+          </a:effectRef>
+          <a:fontRef idx="minor">
+            <a:schemeClr val="lt1"/>
+          </a:fontRef>
+        </p:style>
+        <p:txBody>
+          <a:bodyPr rtlCol="0" anchor="ctr"/>
+          <a:lstStyle/>
+          <a:p>
+            <a:pPr algn="ctr"/>
+            <a:endParaRPr lang="en-US"/>
+          </a:p>
+        </p:txBody>
+      </p:sp>
+      <p:sp>
+        <p:nvSpPr>
+          <p:cNvPr id="9" name="Ovale 8">
+            <a:extLst>
+              <a:ext uri="{FF2B5EF4-FFF2-40B4-BE49-F238E27FC236}">
+                <a16:creationId xmlns:a16="http://schemas.microsoft.com/office/drawing/2014/main" id="{896B7466-E7ED-48F4-FE76-CBDDF3B9726C}"/>
+              </a:ext>
+            </a:extLst>
+          </p:cNvPr>
+          <p:cNvSpPr/>
+          <p:nvPr/>
+        </p:nvSpPr>
+        <p:spPr>
+          <a:xfrm>
+            <a:off x="2987535" y="1031963"/>
+            <a:ext cx="422030" cy="422031"/>
+          </a:xfrm>
+          <a:prstGeom prst="ellipse">
+            <a:avLst/>
+          </a:prstGeom>
+        </p:spPr>
+        <p:style>
+          <a:lnRef idx="2">
+            <a:schemeClr val="accent1">
+              <a:shade val="15000"/>
+            </a:schemeClr>
+          </a:lnRef>
+          <a:fillRef idx="1">
+            <a:schemeClr val="accent1"/>
+          </a:fillRef>
+          <a:effectRef idx="0">
+            <a:schemeClr val="accent1"/>
+          </a:effectRef>
+          <a:fontRef idx="minor">
+            <a:schemeClr val="lt1"/>
+          </a:fontRef>
+        </p:style>
+        <p:txBody>
+          <a:bodyPr rtlCol="0" anchor="ctr"/>
+          <a:lstStyle/>
+          <a:p>
+            <a:pPr algn="ctr"/>
+            <a:endParaRPr lang="en-US"/>
+          </a:p>
+        </p:txBody>
+      </p:sp>
+      <p:cxnSp>
+        <p:nvCxnSpPr>
+          <p:cNvPr id="10" name="Connettore diritto 9">
+            <a:extLst>
+              <a:ext uri="{FF2B5EF4-FFF2-40B4-BE49-F238E27FC236}">
+                <a16:creationId xmlns:a16="http://schemas.microsoft.com/office/drawing/2014/main" id="{F40B65F1-83D7-635C-06C8-9A86C8BD1B89}"/>
+              </a:ext>
+            </a:extLst>
+          </p:cNvPr>
+          <p:cNvCxnSpPr>
+            <a:stCxn id="3" idx="6"/>
+            <a:endCxn id="6" idx="2"/>
+          </p:cNvCxnSpPr>
+          <p:nvPr/>
+        </p:nvCxnSpPr>
+        <p:spPr>
+          <a:xfrm flipV="1">
+            <a:off x="1611379" y="509196"/>
+            <a:ext cx="620191" cy="196328"/>
+          </a:xfrm>
+          <a:prstGeom prst="line">
+            <a:avLst/>
+          </a:prstGeom>
+          <a:ln w="38100">
+            <a:solidFill>
+              <a:schemeClr val="tx1"/>
+            </a:solidFill>
+          </a:ln>
+        </p:spPr>
+        <p:style>
+          <a:lnRef idx="1">
+            <a:schemeClr val="accent1"/>
+          </a:lnRef>
+          <a:fillRef idx="0">
+            <a:schemeClr val="accent1"/>
+          </a:fillRef>
+          <a:effectRef idx="0">
+            <a:schemeClr val="accent1"/>
+          </a:effectRef>
+          <a:fontRef idx="minor">
+            <a:schemeClr val="tx1"/>
+          </a:fontRef>
+        </p:style>
+      </p:cxnSp>
+      <p:cxnSp>
+        <p:nvCxnSpPr>
+          <p:cNvPr id="12" name="Connettore diritto 11">
+            <a:extLst>
+              <a:ext uri="{FF2B5EF4-FFF2-40B4-BE49-F238E27FC236}">
+                <a16:creationId xmlns:a16="http://schemas.microsoft.com/office/drawing/2014/main" id="{5F495622-F6AD-4667-32CB-D40D19AFCA11}"/>
+              </a:ext>
+            </a:extLst>
+          </p:cNvPr>
+          <p:cNvCxnSpPr>
+            <a:cxnSpLocks/>
+            <a:stCxn id="3" idx="6"/>
+            <a:endCxn id="7" idx="2"/>
+          </p:cNvCxnSpPr>
+          <p:nvPr/>
+        </p:nvCxnSpPr>
+        <p:spPr>
+          <a:xfrm>
+            <a:off x="1611379" y="705524"/>
+            <a:ext cx="404526" cy="547372"/>
+          </a:xfrm>
+          <a:prstGeom prst="line">
+            <a:avLst/>
+          </a:prstGeom>
+          <a:ln w="38100">
+            <a:solidFill>
+              <a:schemeClr val="tx1"/>
+            </a:solidFill>
+          </a:ln>
+        </p:spPr>
+        <p:style>
+          <a:lnRef idx="1">
+            <a:schemeClr val="accent1"/>
+          </a:lnRef>
+          <a:fillRef idx="0">
+            <a:schemeClr val="accent1"/>
+          </a:fillRef>
+          <a:effectRef idx="0">
+            <a:schemeClr val="accent1"/>
+          </a:effectRef>
+          <a:fontRef idx="minor">
+            <a:schemeClr val="tx1"/>
+          </a:fontRef>
+        </p:style>
+      </p:cxnSp>
+      <p:cxnSp>
+        <p:nvCxnSpPr>
+          <p:cNvPr id="13" name="Connettore diritto 12">
+            <a:extLst>
+              <a:ext uri="{FF2B5EF4-FFF2-40B4-BE49-F238E27FC236}">
+                <a16:creationId xmlns:a16="http://schemas.microsoft.com/office/drawing/2014/main" id="{CA0011CD-BF52-31A6-8341-5F9651626AF5}"/>
+              </a:ext>
+            </a:extLst>
+          </p:cNvPr>
+          <p:cNvCxnSpPr>
+            <a:cxnSpLocks/>
+            <a:stCxn id="4" idx="6"/>
+            <a:endCxn id="7" idx="2"/>
+          </p:cNvCxnSpPr>
+          <p:nvPr/>
+        </p:nvCxnSpPr>
+        <p:spPr>
+          <a:xfrm>
+            <a:off x="948731" y="1233062"/>
+            <a:ext cx="1067174" cy="19834"/>
+          </a:xfrm>
+          <a:prstGeom prst="line">
+            <a:avLst/>
+          </a:prstGeom>
+          <a:ln w="38100">
+            <a:solidFill>
+              <a:schemeClr val="tx1"/>
+            </a:solidFill>
+          </a:ln>
+        </p:spPr>
+        <p:style>
+          <a:lnRef idx="1">
+            <a:schemeClr val="accent1"/>
+          </a:lnRef>
+          <a:fillRef idx="0">
+            <a:schemeClr val="accent1"/>
+          </a:fillRef>
+          <a:effectRef idx="0">
+            <a:schemeClr val="accent1"/>
+          </a:effectRef>
+          <a:fontRef idx="minor">
+            <a:schemeClr val="tx1"/>
+          </a:fontRef>
+        </p:style>
+      </p:cxnSp>
+      <p:cxnSp>
+        <p:nvCxnSpPr>
+          <p:cNvPr id="15" name="Connettore diritto 14">
+            <a:extLst>
+              <a:ext uri="{FF2B5EF4-FFF2-40B4-BE49-F238E27FC236}">
+                <a16:creationId xmlns:a16="http://schemas.microsoft.com/office/drawing/2014/main" id="{CEAFF4BD-8BBD-E5D5-3188-FA40FE666E76}"/>
+              </a:ext>
+            </a:extLst>
+          </p:cNvPr>
+          <p:cNvCxnSpPr>
+            <a:cxnSpLocks/>
+            <a:stCxn id="4" idx="6"/>
+            <a:endCxn id="8" idx="2"/>
+          </p:cNvCxnSpPr>
+          <p:nvPr/>
+        </p:nvCxnSpPr>
+        <p:spPr>
+          <a:xfrm>
+            <a:off x="948731" y="1233062"/>
+            <a:ext cx="1238878" cy="666151"/>
+          </a:xfrm>
+          <a:prstGeom prst="line">
+            <a:avLst/>
+          </a:prstGeom>
+          <a:ln w="38100">
+            <a:solidFill>
+              <a:schemeClr val="tx1"/>
+            </a:solidFill>
+          </a:ln>
+        </p:spPr>
+        <p:style>
+          <a:lnRef idx="1">
+            <a:schemeClr val="accent1"/>
+          </a:lnRef>
+          <a:fillRef idx="0">
+            <a:schemeClr val="accent1"/>
+          </a:fillRef>
+          <a:effectRef idx="0">
+            <a:schemeClr val="accent1"/>
+          </a:effectRef>
+          <a:fontRef idx="minor">
+            <a:schemeClr val="tx1"/>
+          </a:fontRef>
+        </p:style>
+      </p:cxnSp>
+      <p:cxnSp>
+        <p:nvCxnSpPr>
+          <p:cNvPr id="17" name="Connettore diritto 16">
+            <a:extLst>
+              <a:ext uri="{FF2B5EF4-FFF2-40B4-BE49-F238E27FC236}">
+                <a16:creationId xmlns:a16="http://schemas.microsoft.com/office/drawing/2014/main" id="{A75C8BC1-5800-7C5D-A5B5-55046BCB3E29}"/>
+              </a:ext>
+            </a:extLst>
+          </p:cNvPr>
+          <p:cNvCxnSpPr>
+            <a:cxnSpLocks/>
+            <a:stCxn id="5" idx="6"/>
+            <a:endCxn id="7" idx="2"/>
+          </p:cNvCxnSpPr>
+          <p:nvPr/>
+        </p:nvCxnSpPr>
+        <p:spPr>
+          <a:xfrm flipV="1">
+            <a:off x="1482318" y="1252896"/>
+            <a:ext cx="533587" cy="623324"/>
+          </a:xfrm>
+          <a:prstGeom prst="line">
+            <a:avLst/>
+          </a:prstGeom>
+          <a:ln w="38100">
+            <a:solidFill>
+              <a:schemeClr val="tx1"/>
+            </a:solidFill>
+          </a:ln>
+        </p:spPr>
+        <p:style>
+          <a:lnRef idx="1">
+            <a:schemeClr val="accent1"/>
+          </a:lnRef>
+          <a:fillRef idx="0">
+            <a:schemeClr val="accent1"/>
+          </a:fillRef>
+          <a:effectRef idx="0">
+            <a:schemeClr val="accent1"/>
+          </a:effectRef>
+          <a:fontRef idx="minor">
+            <a:schemeClr val="tx1"/>
+          </a:fontRef>
+        </p:style>
+      </p:cxnSp>
+      <p:cxnSp>
+        <p:nvCxnSpPr>
+          <p:cNvPr id="18" name="Connettore diritto 17">
+            <a:extLst>
+              <a:ext uri="{FF2B5EF4-FFF2-40B4-BE49-F238E27FC236}">
+                <a16:creationId xmlns:a16="http://schemas.microsoft.com/office/drawing/2014/main" id="{EC0B95B4-266B-738B-69C9-E5B8B3AB5F02}"/>
+              </a:ext>
+            </a:extLst>
+          </p:cNvPr>
+          <p:cNvCxnSpPr>
+            <a:cxnSpLocks/>
+            <a:stCxn id="5" idx="6"/>
+            <a:endCxn id="8" idx="2"/>
+          </p:cNvCxnSpPr>
+          <p:nvPr/>
+        </p:nvCxnSpPr>
+        <p:spPr>
+          <a:xfrm>
+            <a:off x="1482318" y="1876220"/>
+            <a:ext cx="705291" cy="22993"/>
+          </a:xfrm>
+          <a:prstGeom prst="line">
+            <a:avLst/>
+          </a:prstGeom>
+          <a:ln w="38100">
+            <a:solidFill>
+              <a:schemeClr val="tx1"/>
+            </a:solidFill>
+          </a:ln>
+        </p:spPr>
+        <p:style>
+          <a:lnRef idx="1">
+            <a:schemeClr val="accent1"/>
+          </a:lnRef>
+          <a:fillRef idx="0">
+            <a:schemeClr val="accent1"/>
+          </a:fillRef>
+          <a:effectRef idx="0">
+            <a:schemeClr val="accent1"/>
+          </a:effectRef>
+          <a:fontRef idx="minor">
+            <a:schemeClr val="tx1"/>
+          </a:fontRef>
+        </p:style>
+      </p:cxnSp>
+      <p:cxnSp>
+        <p:nvCxnSpPr>
+          <p:cNvPr id="19" name="Connettore diritto 18">
+            <a:extLst>
+              <a:ext uri="{FF2B5EF4-FFF2-40B4-BE49-F238E27FC236}">
+                <a16:creationId xmlns:a16="http://schemas.microsoft.com/office/drawing/2014/main" id="{C64E089E-072B-B550-1FE2-22BD1FE79624}"/>
+              </a:ext>
+            </a:extLst>
+          </p:cNvPr>
+          <p:cNvCxnSpPr>
+            <a:cxnSpLocks/>
+            <a:stCxn id="6" idx="6"/>
+            <a:endCxn id="9" idx="2"/>
+          </p:cNvCxnSpPr>
+          <p:nvPr/>
+        </p:nvCxnSpPr>
+        <p:spPr>
+          <a:xfrm>
+            <a:off x="2653600" y="509196"/>
+            <a:ext cx="333935" cy="733783"/>
+          </a:xfrm>
+          <a:prstGeom prst="line">
+            <a:avLst/>
+          </a:prstGeom>
+          <a:ln w="38100">
+            <a:solidFill>
+              <a:schemeClr val="tx1"/>
+            </a:solidFill>
+          </a:ln>
+        </p:spPr>
+        <p:style>
+          <a:lnRef idx="1">
+            <a:schemeClr val="accent1"/>
+          </a:lnRef>
+          <a:fillRef idx="0">
+            <a:schemeClr val="accent1"/>
+          </a:fillRef>
+          <a:effectRef idx="0">
+            <a:schemeClr val="accent1"/>
+          </a:effectRef>
+          <a:fontRef idx="minor">
+            <a:schemeClr val="tx1"/>
+          </a:fontRef>
+        </p:style>
+      </p:cxnSp>
+      <p:cxnSp>
+        <p:nvCxnSpPr>
+          <p:cNvPr id="20" name="Connettore diritto 19">
+            <a:extLst>
+              <a:ext uri="{FF2B5EF4-FFF2-40B4-BE49-F238E27FC236}">
+                <a16:creationId xmlns:a16="http://schemas.microsoft.com/office/drawing/2014/main" id="{255C0479-DA4E-C342-D3FC-9853ED9D6433}"/>
+              </a:ext>
+            </a:extLst>
+          </p:cNvPr>
+          <p:cNvCxnSpPr>
+            <a:cxnSpLocks/>
+            <a:stCxn id="7" idx="6"/>
+            <a:endCxn id="9" idx="2"/>
+          </p:cNvCxnSpPr>
+          <p:nvPr/>
+        </p:nvCxnSpPr>
+        <p:spPr>
+          <a:xfrm flipV="1">
+            <a:off x="2437935" y="1242979"/>
+            <a:ext cx="549600" cy="9917"/>
+          </a:xfrm>
+          <a:prstGeom prst="line">
+            <a:avLst/>
+          </a:prstGeom>
+          <a:ln w="38100">
+            <a:solidFill>
+              <a:schemeClr val="tx1"/>
+            </a:solidFill>
+          </a:ln>
+        </p:spPr>
+        <p:style>
+          <a:lnRef idx="1">
+            <a:schemeClr val="accent1"/>
+          </a:lnRef>
+          <a:fillRef idx="0">
+            <a:schemeClr val="accent1"/>
+          </a:fillRef>
+          <a:effectRef idx="0">
+            <a:schemeClr val="accent1"/>
+          </a:effectRef>
+          <a:fontRef idx="minor">
+            <a:schemeClr val="tx1"/>
+          </a:fontRef>
+        </p:style>
+      </p:cxnSp>
+      <p:cxnSp>
+        <p:nvCxnSpPr>
+          <p:cNvPr id="21" name="Connettore diritto 20">
+            <a:extLst>
+              <a:ext uri="{FF2B5EF4-FFF2-40B4-BE49-F238E27FC236}">
+                <a16:creationId xmlns:a16="http://schemas.microsoft.com/office/drawing/2014/main" id="{5E3E7BBA-5F13-5B76-6146-ED537083575B}"/>
+              </a:ext>
+            </a:extLst>
+          </p:cNvPr>
+          <p:cNvCxnSpPr>
+            <a:cxnSpLocks/>
+            <a:stCxn id="8" idx="6"/>
+            <a:endCxn id="9" idx="2"/>
+          </p:cNvCxnSpPr>
+          <p:nvPr/>
+        </p:nvCxnSpPr>
+        <p:spPr>
+          <a:xfrm flipV="1">
+            <a:off x="2609639" y="1242979"/>
+            <a:ext cx="377896" cy="656234"/>
+          </a:xfrm>
+          <a:prstGeom prst="line">
+            <a:avLst/>
+          </a:prstGeom>
+          <a:ln w="38100">
+            <a:solidFill>
+              <a:schemeClr val="tx1"/>
+            </a:solidFill>
+          </a:ln>
+        </p:spPr>
+        <p:style>
+          <a:lnRef idx="1">
+            <a:schemeClr val="accent1"/>
+          </a:lnRef>
+          <a:fillRef idx="0">
+            <a:schemeClr val="accent1"/>
+          </a:fillRef>
+          <a:effectRef idx="0">
+            <a:schemeClr val="accent1"/>
+          </a:effectRef>
+          <a:fontRef idx="minor">
+            <a:schemeClr val="tx1"/>
+          </a:fontRef>
+        </p:style>
+      </p:cxnSp>
+      <p:sp>
+        <p:nvSpPr>
+          <p:cNvPr id="57" name="Ovale 56">
+            <a:extLst>
+              <a:ext uri="{FF2B5EF4-FFF2-40B4-BE49-F238E27FC236}">
+                <a16:creationId xmlns:a16="http://schemas.microsoft.com/office/drawing/2014/main" id="{E801182C-A80F-2F95-ADEE-58C5FFB9FF58}"/>
+              </a:ext>
+            </a:extLst>
+          </p:cNvPr>
+          <p:cNvSpPr/>
+          <p:nvPr/>
+        </p:nvSpPr>
+        <p:spPr>
+          <a:xfrm>
+            <a:off x="5093942" y="561730"/>
+            <a:ext cx="422030" cy="422031"/>
+          </a:xfrm>
+          <a:prstGeom prst="ellipse">
+            <a:avLst/>
+          </a:prstGeom>
+          <a:solidFill>
+            <a:srgbClr val="FF0000"/>
+          </a:solidFill>
+        </p:spPr>
+        <p:style>
+          <a:lnRef idx="2">
+            <a:schemeClr val="accent1">
+              <a:shade val="15000"/>
+            </a:schemeClr>
+          </a:lnRef>
+          <a:fillRef idx="1">
+            <a:schemeClr val="accent1"/>
+          </a:fillRef>
+          <a:effectRef idx="0">
+            <a:schemeClr val="accent1"/>
+          </a:effectRef>
+          <a:fontRef idx="minor">
+            <a:schemeClr val="lt1"/>
+          </a:fontRef>
+        </p:style>
+        <p:txBody>
+          <a:bodyPr rtlCol="0" anchor="ctr"/>
+          <a:lstStyle/>
+          <a:p>
+            <a:pPr algn="ctr"/>
+            <a:endParaRPr lang="en-US"/>
+          </a:p>
+        </p:txBody>
+      </p:sp>
+      <p:sp>
+        <p:nvSpPr>
+          <p:cNvPr id="58" name="Triangolo isoscele 57">
+            <a:extLst>
+              <a:ext uri="{FF2B5EF4-FFF2-40B4-BE49-F238E27FC236}">
+                <a16:creationId xmlns:a16="http://schemas.microsoft.com/office/drawing/2014/main" id="{59AD55E7-00E7-ABD5-12F8-6EE838D20853}"/>
+              </a:ext>
+            </a:extLst>
+          </p:cNvPr>
+          <p:cNvSpPr/>
+          <p:nvPr/>
+        </p:nvSpPr>
+        <p:spPr>
+          <a:xfrm>
+            <a:off x="4431294" y="1089268"/>
+            <a:ext cx="422030" cy="422031"/>
+          </a:xfrm>
+          <a:prstGeom prst="triangle">
+            <a:avLst/>
+          </a:prstGeom>
+          <a:solidFill>
+            <a:srgbClr val="00B050"/>
+          </a:solidFill>
+        </p:spPr>
+        <p:style>
+          <a:lnRef idx="2">
+            <a:schemeClr val="accent1">
+              <a:shade val="15000"/>
+            </a:schemeClr>
+          </a:lnRef>
+          <a:fillRef idx="1">
+            <a:schemeClr val="accent1"/>
+          </a:fillRef>
+          <a:effectRef idx="0">
+            <a:schemeClr val="accent1"/>
+          </a:effectRef>
+          <a:fontRef idx="minor">
+            <a:schemeClr val="lt1"/>
+          </a:fontRef>
+        </p:style>
+        <p:txBody>
+          <a:bodyPr rtlCol="0" anchor="ctr"/>
+          <a:lstStyle/>
+          <a:p>
+            <a:pPr algn="ctr"/>
+            <a:endParaRPr lang="en-US"/>
+          </a:p>
+        </p:txBody>
+      </p:sp>
+      <p:sp>
+        <p:nvSpPr>
+          <p:cNvPr id="59" name="Ovale 58">
+            <a:extLst>
+              <a:ext uri="{FF2B5EF4-FFF2-40B4-BE49-F238E27FC236}">
+                <a16:creationId xmlns:a16="http://schemas.microsoft.com/office/drawing/2014/main" id="{AD9C7A92-2EEB-B99A-01A0-55AC122CA48C}"/>
+              </a:ext>
+            </a:extLst>
+          </p:cNvPr>
+          <p:cNvSpPr/>
+          <p:nvPr/>
+        </p:nvSpPr>
+        <p:spPr>
+          <a:xfrm>
+            <a:off x="4964881" y="1732426"/>
+            <a:ext cx="422030" cy="422031"/>
+          </a:xfrm>
+          <a:prstGeom prst="ellipse">
+            <a:avLst/>
+          </a:prstGeom>
+        </p:spPr>
+        <p:style>
+          <a:lnRef idx="2">
+            <a:schemeClr val="accent1">
+              <a:shade val="15000"/>
+            </a:schemeClr>
+          </a:lnRef>
+          <a:fillRef idx="1">
+            <a:schemeClr val="accent1"/>
+          </a:fillRef>
+          <a:effectRef idx="0">
+            <a:schemeClr val="accent1"/>
+          </a:effectRef>
+          <a:fontRef idx="minor">
+            <a:schemeClr val="lt1"/>
+          </a:fontRef>
+        </p:style>
+        <p:txBody>
+          <a:bodyPr rtlCol="0" anchor="ctr"/>
+          <a:lstStyle/>
+          <a:p>
+            <a:pPr algn="ctr"/>
+            <a:endParaRPr lang="en-US"/>
+          </a:p>
+        </p:txBody>
+      </p:sp>
+      <p:sp>
+        <p:nvSpPr>
+          <p:cNvPr id="60" name="Ovale 59">
+            <a:extLst>
+              <a:ext uri="{FF2B5EF4-FFF2-40B4-BE49-F238E27FC236}">
+                <a16:creationId xmlns:a16="http://schemas.microsoft.com/office/drawing/2014/main" id="{7B03B4D9-3083-1DB3-FA74-46F7AC9DE3B1}"/>
+              </a:ext>
+            </a:extLst>
+          </p:cNvPr>
+          <p:cNvSpPr/>
+          <p:nvPr/>
+        </p:nvSpPr>
+        <p:spPr>
+          <a:xfrm>
+            <a:off x="6136163" y="365402"/>
+            <a:ext cx="422030" cy="422031"/>
+          </a:xfrm>
+          <a:prstGeom prst="ellipse">
+            <a:avLst/>
+          </a:prstGeom>
+          <a:solidFill>
+            <a:srgbClr val="FF0000"/>
+          </a:solidFill>
+        </p:spPr>
+        <p:style>
+          <a:lnRef idx="2">
+            <a:schemeClr val="accent1">
+              <a:shade val="15000"/>
+            </a:schemeClr>
+          </a:lnRef>
+          <a:fillRef idx="1">
+            <a:schemeClr val="accent1"/>
+          </a:fillRef>
+          <a:effectRef idx="0">
+            <a:schemeClr val="accent1"/>
+          </a:effectRef>
+          <a:fontRef idx="minor">
+            <a:schemeClr val="lt1"/>
+          </a:fontRef>
+        </p:style>
+        <p:txBody>
+          <a:bodyPr rtlCol="0" anchor="ctr"/>
+          <a:lstStyle/>
+          <a:p>
+            <a:pPr algn="ctr"/>
+            <a:endParaRPr lang="en-US"/>
+          </a:p>
+        </p:txBody>
+      </p:sp>
+      <p:sp>
+        <p:nvSpPr>
+          <p:cNvPr id="61" name="Rombo 60">
+            <a:extLst>
+              <a:ext uri="{FF2B5EF4-FFF2-40B4-BE49-F238E27FC236}">
+                <a16:creationId xmlns:a16="http://schemas.microsoft.com/office/drawing/2014/main" id="{1CBD54C6-F467-FAC6-9A81-E5BF49B1F153}"/>
+              </a:ext>
+            </a:extLst>
+          </p:cNvPr>
+          <p:cNvSpPr/>
+          <p:nvPr/>
+        </p:nvSpPr>
+        <p:spPr>
+          <a:xfrm>
+            <a:off x="5920498" y="1109102"/>
+            <a:ext cx="422030" cy="422031"/>
+          </a:xfrm>
+          <a:prstGeom prst="diamond">
+            <a:avLst/>
+          </a:prstGeom>
+        </p:spPr>
+        <p:style>
+          <a:lnRef idx="2">
+            <a:schemeClr val="accent1">
+              <a:shade val="15000"/>
+            </a:schemeClr>
+          </a:lnRef>
+          <a:fillRef idx="1">
+            <a:schemeClr val="accent1"/>
+          </a:fillRef>
+          <a:effectRef idx="0">
+            <a:schemeClr val="accent1"/>
+          </a:effectRef>
+          <a:fontRef idx="minor">
+            <a:schemeClr val="lt1"/>
+          </a:fontRef>
+        </p:style>
+        <p:txBody>
+          <a:bodyPr rtlCol="0" anchor="ctr"/>
+          <a:lstStyle/>
+          <a:p>
+            <a:pPr algn="ctr"/>
+            <a:endParaRPr lang="en-US"/>
+          </a:p>
+        </p:txBody>
+      </p:sp>
+      <p:sp>
+        <p:nvSpPr>
+          <p:cNvPr id="62" name="Triangolo isoscele 61">
+            <a:extLst>
+              <a:ext uri="{FF2B5EF4-FFF2-40B4-BE49-F238E27FC236}">
+                <a16:creationId xmlns:a16="http://schemas.microsoft.com/office/drawing/2014/main" id="{2A52E38E-C57A-20A4-88CE-0AD1582CF29D}"/>
+              </a:ext>
+            </a:extLst>
+          </p:cNvPr>
+          <p:cNvSpPr/>
+          <p:nvPr/>
+        </p:nvSpPr>
+        <p:spPr>
+          <a:xfrm>
+            <a:off x="6092202" y="1755419"/>
+            <a:ext cx="422030" cy="422031"/>
+          </a:xfrm>
+          <a:prstGeom prst="triangle">
+            <a:avLst/>
+          </a:prstGeom>
+          <a:solidFill>
+            <a:srgbClr val="00B050"/>
+          </a:solidFill>
+        </p:spPr>
+        <p:style>
+          <a:lnRef idx="2">
+            <a:schemeClr val="accent1">
+              <a:shade val="15000"/>
+            </a:schemeClr>
+          </a:lnRef>
+          <a:fillRef idx="1">
+            <a:schemeClr val="accent1"/>
+          </a:fillRef>
+          <a:effectRef idx="0">
+            <a:schemeClr val="accent1"/>
+          </a:effectRef>
+          <a:fontRef idx="minor">
+            <a:schemeClr val="lt1"/>
+          </a:fontRef>
+        </p:style>
+        <p:txBody>
+          <a:bodyPr rtlCol="0" anchor="ctr"/>
+          <a:lstStyle/>
+          <a:p>
+            <a:pPr algn="ctr"/>
+            <a:endParaRPr lang="en-US"/>
+          </a:p>
+        </p:txBody>
+      </p:sp>
+      <p:sp>
+        <p:nvSpPr>
+          <p:cNvPr id="63" name="Ovale 62">
+            <a:extLst>
+              <a:ext uri="{FF2B5EF4-FFF2-40B4-BE49-F238E27FC236}">
+                <a16:creationId xmlns:a16="http://schemas.microsoft.com/office/drawing/2014/main" id="{6CB3E5D9-1250-7DE3-8815-4E54072578B8}"/>
+              </a:ext>
+            </a:extLst>
+          </p:cNvPr>
+          <p:cNvSpPr/>
+          <p:nvPr/>
+        </p:nvSpPr>
+        <p:spPr>
+          <a:xfrm>
+            <a:off x="6892128" y="1099185"/>
+            <a:ext cx="422030" cy="422031"/>
+          </a:xfrm>
+          <a:prstGeom prst="ellipse">
+            <a:avLst/>
+          </a:prstGeom>
+        </p:spPr>
+        <p:style>
+          <a:lnRef idx="2">
+            <a:schemeClr val="accent1">
+              <a:shade val="15000"/>
+            </a:schemeClr>
+          </a:lnRef>
+          <a:fillRef idx="1">
+            <a:schemeClr val="accent1"/>
+          </a:fillRef>
+          <a:effectRef idx="0">
+            <a:schemeClr val="accent1"/>
+          </a:effectRef>
+          <a:fontRef idx="minor">
+            <a:schemeClr val="lt1"/>
+          </a:fontRef>
+        </p:style>
+        <p:txBody>
+          <a:bodyPr rtlCol="0" anchor="ctr"/>
+          <a:lstStyle/>
+          <a:p>
+            <a:pPr algn="ctr"/>
+            <a:endParaRPr lang="en-US"/>
+          </a:p>
+        </p:txBody>
+      </p:sp>
+      <p:cxnSp>
+        <p:nvCxnSpPr>
+          <p:cNvPr id="64" name="Connettore diritto 63">
+            <a:extLst>
+              <a:ext uri="{FF2B5EF4-FFF2-40B4-BE49-F238E27FC236}">
+                <a16:creationId xmlns:a16="http://schemas.microsoft.com/office/drawing/2014/main" id="{8CD04459-EFFD-2DE9-E9B8-680CBE220406}"/>
+              </a:ext>
+            </a:extLst>
+          </p:cNvPr>
+          <p:cNvCxnSpPr>
+            <a:stCxn id="57" idx="6"/>
+            <a:endCxn id="60" idx="2"/>
+          </p:cNvCxnSpPr>
+          <p:nvPr/>
+        </p:nvCxnSpPr>
+        <p:spPr>
+          <a:xfrm flipV="1">
+            <a:off x="5515972" y="576418"/>
+            <a:ext cx="620191" cy="196328"/>
+          </a:xfrm>
+          <a:prstGeom prst="line">
+            <a:avLst/>
+          </a:prstGeom>
+          <a:ln w="38100">
+            <a:solidFill>
+              <a:schemeClr val="tx1"/>
+            </a:solidFill>
+          </a:ln>
+        </p:spPr>
+        <p:style>
+          <a:lnRef idx="1">
+            <a:schemeClr val="accent1"/>
+          </a:lnRef>
+          <a:fillRef idx="0">
+            <a:schemeClr val="accent1"/>
+          </a:fillRef>
+          <a:effectRef idx="0">
+            <a:schemeClr val="accent1"/>
+          </a:effectRef>
+          <a:fontRef idx="minor">
+            <a:schemeClr val="tx1"/>
+          </a:fontRef>
+        </p:style>
+      </p:cxnSp>
+      <p:cxnSp>
+        <p:nvCxnSpPr>
+          <p:cNvPr id="65" name="Connettore diritto 64">
+            <a:extLst>
+              <a:ext uri="{FF2B5EF4-FFF2-40B4-BE49-F238E27FC236}">
+                <a16:creationId xmlns:a16="http://schemas.microsoft.com/office/drawing/2014/main" id="{D7CFC7FB-FCDF-455D-A1E5-53EBB36F4140}"/>
+              </a:ext>
+            </a:extLst>
+          </p:cNvPr>
+          <p:cNvCxnSpPr>
+            <a:cxnSpLocks/>
+            <a:stCxn id="57" idx="6"/>
+          </p:cNvCxnSpPr>
+          <p:nvPr/>
+        </p:nvCxnSpPr>
+        <p:spPr>
+          <a:xfrm>
+            <a:off x="5515972" y="772746"/>
+            <a:ext cx="404526" cy="547372"/>
+          </a:xfrm>
+          <a:prstGeom prst="line">
+            <a:avLst/>
+          </a:prstGeom>
+          <a:ln w="38100">
+            <a:solidFill>
+              <a:schemeClr val="accent1"/>
+            </a:solidFill>
+            <a:prstDash val="dash"/>
+          </a:ln>
+        </p:spPr>
+        <p:style>
+          <a:lnRef idx="1">
+            <a:schemeClr val="accent1"/>
+          </a:lnRef>
+          <a:fillRef idx="0">
+            <a:schemeClr val="accent1"/>
+          </a:fillRef>
+          <a:effectRef idx="0">
+            <a:schemeClr val="accent1"/>
+          </a:effectRef>
+          <a:fontRef idx="minor">
+            <a:schemeClr val="tx1"/>
+          </a:fontRef>
+        </p:style>
+      </p:cxnSp>
+      <p:cxnSp>
+        <p:nvCxnSpPr>
+          <p:cNvPr id="66" name="Connettore diritto 65">
+            <a:extLst>
+              <a:ext uri="{FF2B5EF4-FFF2-40B4-BE49-F238E27FC236}">
+                <a16:creationId xmlns:a16="http://schemas.microsoft.com/office/drawing/2014/main" id="{7DD7D7C3-B811-2620-586C-3042FB91263E}"/>
+              </a:ext>
+            </a:extLst>
+          </p:cNvPr>
+          <p:cNvCxnSpPr>
+            <a:cxnSpLocks/>
+            <a:stCxn id="58" idx="5"/>
+          </p:cNvCxnSpPr>
+          <p:nvPr/>
+        </p:nvCxnSpPr>
+        <p:spPr>
+          <a:xfrm>
+            <a:off x="4747817" y="1300284"/>
+            <a:ext cx="1172681" cy="19834"/>
+          </a:xfrm>
+          <a:prstGeom prst="line">
+            <a:avLst/>
+          </a:prstGeom>
+          <a:ln w="38100">
+            <a:solidFill>
+              <a:srgbClr val="FF0000"/>
+            </a:solidFill>
+          </a:ln>
+        </p:spPr>
+        <p:style>
+          <a:lnRef idx="1">
+            <a:schemeClr val="accent1"/>
+          </a:lnRef>
+          <a:fillRef idx="0">
+            <a:schemeClr val="accent1"/>
+          </a:fillRef>
+          <a:effectRef idx="0">
+            <a:schemeClr val="accent1"/>
+          </a:effectRef>
+          <a:fontRef idx="minor">
+            <a:schemeClr val="tx1"/>
+          </a:fontRef>
+        </p:style>
+      </p:cxnSp>
+      <p:cxnSp>
+        <p:nvCxnSpPr>
+          <p:cNvPr id="67" name="Connettore diritto 66">
+            <a:extLst>
+              <a:ext uri="{FF2B5EF4-FFF2-40B4-BE49-F238E27FC236}">
+                <a16:creationId xmlns:a16="http://schemas.microsoft.com/office/drawing/2014/main" id="{3B89E9F7-663B-8F9A-7D1B-A9FFAFFDEC5B}"/>
+              </a:ext>
+            </a:extLst>
+          </p:cNvPr>
+          <p:cNvCxnSpPr>
+            <a:cxnSpLocks/>
+            <a:stCxn id="58" idx="5"/>
+            <a:endCxn id="62" idx="1"/>
+          </p:cNvCxnSpPr>
+          <p:nvPr/>
+        </p:nvCxnSpPr>
+        <p:spPr>
+          <a:xfrm>
+            <a:off x="4747817" y="1300284"/>
+            <a:ext cx="1449893" cy="666151"/>
+          </a:xfrm>
+          <a:prstGeom prst="line">
+            <a:avLst/>
+          </a:prstGeom>
+          <a:ln w="38100">
+            <a:solidFill>
+              <a:schemeClr val="tx1"/>
+            </a:solidFill>
+          </a:ln>
+        </p:spPr>
+        <p:style>
+          <a:lnRef idx="1">
+            <a:schemeClr val="accent1"/>
+          </a:lnRef>
+          <a:fillRef idx="0">
+            <a:schemeClr val="accent1"/>
+          </a:fillRef>
+          <a:effectRef idx="0">
+            <a:schemeClr val="accent1"/>
+          </a:effectRef>
+          <a:fontRef idx="minor">
+            <a:schemeClr val="tx1"/>
+          </a:fontRef>
+        </p:style>
+      </p:cxnSp>
+      <p:cxnSp>
+        <p:nvCxnSpPr>
+          <p:cNvPr id="68" name="Connettore diritto 67">
+            <a:extLst>
+              <a:ext uri="{FF2B5EF4-FFF2-40B4-BE49-F238E27FC236}">
+                <a16:creationId xmlns:a16="http://schemas.microsoft.com/office/drawing/2014/main" id="{A7AC6058-A571-5DD9-74FC-DD39ADB99BE8}"/>
+              </a:ext>
+            </a:extLst>
+          </p:cNvPr>
+          <p:cNvCxnSpPr>
+            <a:cxnSpLocks/>
+            <a:stCxn id="59" idx="6"/>
+          </p:cNvCxnSpPr>
+          <p:nvPr/>
+        </p:nvCxnSpPr>
+        <p:spPr>
+          <a:xfrm flipV="1">
+            <a:off x="5386911" y="1320118"/>
+            <a:ext cx="533587" cy="623324"/>
+          </a:xfrm>
+          <a:prstGeom prst="line">
+            <a:avLst/>
+          </a:prstGeom>
+          <a:ln w="38100">
+            <a:solidFill>
+              <a:srgbClr val="7030A0"/>
+            </a:solidFill>
+          </a:ln>
+        </p:spPr>
+        <p:style>
+          <a:lnRef idx="1">
+            <a:schemeClr val="accent1"/>
+          </a:lnRef>
+          <a:fillRef idx="0">
+            <a:schemeClr val="accent1"/>
+          </a:fillRef>
+          <a:effectRef idx="0">
+            <a:schemeClr val="accent1"/>
+          </a:effectRef>
+          <a:fontRef idx="minor">
+            <a:schemeClr val="tx1"/>
+          </a:fontRef>
+        </p:style>
+      </p:cxnSp>
+      <p:cxnSp>
+        <p:nvCxnSpPr>
+          <p:cNvPr id="69" name="Connettore diritto 68">
+            <a:extLst>
+              <a:ext uri="{FF2B5EF4-FFF2-40B4-BE49-F238E27FC236}">
+                <a16:creationId xmlns:a16="http://schemas.microsoft.com/office/drawing/2014/main" id="{D76277AF-301E-396B-D54F-E62124C64B5C}"/>
+              </a:ext>
+            </a:extLst>
+          </p:cNvPr>
+          <p:cNvCxnSpPr>
+            <a:cxnSpLocks/>
+            <a:stCxn id="59" idx="6"/>
+            <a:endCxn id="62" idx="1"/>
+          </p:cNvCxnSpPr>
+          <p:nvPr/>
+        </p:nvCxnSpPr>
+        <p:spPr>
+          <a:xfrm>
+            <a:off x="5386911" y="1943442"/>
+            <a:ext cx="810799" cy="22993"/>
+          </a:xfrm>
+          <a:prstGeom prst="line">
+            <a:avLst/>
+          </a:prstGeom>
+          <a:ln w="38100">
+            <a:solidFill>
+              <a:schemeClr val="tx1"/>
+            </a:solidFill>
+          </a:ln>
+        </p:spPr>
+        <p:style>
+          <a:lnRef idx="1">
+            <a:schemeClr val="accent1"/>
+          </a:lnRef>
+          <a:fillRef idx="0">
+            <a:schemeClr val="accent1"/>
+          </a:fillRef>
+          <a:effectRef idx="0">
+            <a:schemeClr val="accent1"/>
+          </a:effectRef>
+          <a:fontRef idx="minor">
+            <a:schemeClr val="tx1"/>
+          </a:fontRef>
+        </p:style>
+      </p:cxnSp>
+      <p:cxnSp>
+        <p:nvCxnSpPr>
+          <p:cNvPr id="70" name="Connettore diritto 69">
+            <a:extLst>
+              <a:ext uri="{FF2B5EF4-FFF2-40B4-BE49-F238E27FC236}">
+                <a16:creationId xmlns:a16="http://schemas.microsoft.com/office/drawing/2014/main" id="{B2C90C86-4CA6-FD56-333E-840744C3F12F}"/>
+              </a:ext>
+            </a:extLst>
+          </p:cNvPr>
+          <p:cNvCxnSpPr>
+            <a:cxnSpLocks/>
+            <a:stCxn id="60" idx="6"/>
+            <a:endCxn id="63" idx="2"/>
+          </p:cNvCxnSpPr>
+          <p:nvPr/>
+        </p:nvCxnSpPr>
+        <p:spPr>
+          <a:xfrm>
+            <a:off x="6558193" y="576418"/>
+            <a:ext cx="333935" cy="733783"/>
+          </a:xfrm>
+          <a:prstGeom prst="line">
+            <a:avLst/>
+          </a:prstGeom>
+          <a:ln w="76200">
+            <a:solidFill>
+              <a:schemeClr val="tx1"/>
+            </a:solidFill>
+          </a:ln>
+        </p:spPr>
+        <p:style>
+          <a:lnRef idx="1">
+            <a:schemeClr val="accent1"/>
+          </a:lnRef>
+          <a:fillRef idx="0">
+            <a:schemeClr val="accent1"/>
+          </a:fillRef>
+          <a:effectRef idx="0">
+            <a:schemeClr val="accent1"/>
+          </a:effectRef>
+          <a:fontRef idx="minor">
+            <a:schemeClr val="tx1"/>
+          </a:fontRef>
+        </p:style>
+      </p:cxnSp>
+      <p:cxnSp>
+        <p:nvCxnSpPr>
+          <p:cNvPr id="71" name="Connettore diritto 70">
+            <a:extLst>
+              <a:ext uri="{FF2B5EF4-FFF2-40B4-BE49-F238E27FC236}">
+                <a16:creationId xmlns:a16="http://schemas.microsoft.com/office/drawing/2014/main" id="{7B6FDCD4-3D0C-22E1-94E8-32553AD8CA75}"/>
+              </a:ext>
+            </a:extLst>
+          </p:cNvPr>
+          <p:cNvCxnSpPr>
+            <a:cxnSpLocks/>
+            <a:endCxn id="63" idx="2"/>
+          </p:cNvCxnSpPr>
+          <p:nvPr/>
+        </p:nvCxnSpPr>
+        <p:spPr>
+          <a:xfrm flipV="1">
+            <a:off x="6342528" y="1310201"/>
+            <a:ext cx="549600" cy="9917"/>
+          </a:xfrm>
+          <a:prstGeom prst="line">
+            <a:avLst/>
+          </a:prstGeom>
+          <a:ln w="38100">
+            <a:solidFill>
+              <a:srgbClr val="FF0000"/>
+            </a:solidFill>
+          </a:ln>
+        </p:spPr>
+        <p:style>
+          <a:lnRef idx="1">
+            <a:schemeClr val="accent1"/>
+          </a:lnRef>
+          <a:fillRef idx="0">
+            <a:schemeClr val="accent1"/>
+          </a:fillRef>
+          <a:effectRef idx="0">
+            <a:schemeClr val="accent1"/>
+          </a:effectRef>
+          <a:fontRef idx="minor">
+            <a:schemeClr val="tx1"/>
+          </a:fontRef>
+        </p:style>
+      </p:cxnSp>
+      <p:cxnSp>
+        <p:nvCxnSpPr>
+          <p:cNvPr id="72" name="Connettore diritto 71">
+            <a:extLst>
+              <a:ext uri="{FF2B5EF4-FFF2-40B4-BE49-F238E27FC236}">
+                <a16:creationId xmlns:a16="http://schemas.microsoft.com/office/drawing/2014/main" id="{8FBBC644-8FD0-7123-E6FF-38DDAD71D6C9}"/>
+              </a:ext>
+            </a:extLst>
+          </p:cNvPr>
+          <p:cNvCxnSpPr>
+            <a:cxnSpLocks/>
+            <a:stCxn id="62" idx="5"/>
+            <a:endCxn id="63" idx="2"/>
+          </p:cNvCxnSpPr>
+          <p:nvPr/>
+        </p:nvCxnSpPr>
+        <p:spPr>
+          <a:xfrm flipV="1">
+            <a:off x="6408725" y="1310201"/>
+            <a:ext cx="483403" cy="656234"/>
+          </a:xfrm>
+          <a:prstGeom prst="line">
+            <a:avLst/>
+          </a:prstGeom>
+          <a:ln w="19050">
+            <a:solidFill>
+              <a:schemeClr val="tx1"/>
+            </a:solidFill>
+          </a:ln>
+        </p:spPr>
+        <p:style>
+          <a:lnRef idx="1">
+            <a:schemeClr val="accent1"/>
+          </a:lnRef>
+          <a:fillRef idx="0">
+            <a:schemeClr val="accent1"/>
+          </a:fillRef>
+          <a:effectRef idx="0">
+            <a:schemeClr val="accent1"/>
+          </a:effectRef>
+          <a:fontRef idx="minor">
+            <a:schemeClr val="tx1"/>
+          </a:fontRef>
+        </p:style>
+      </p:cxnSp>
+      <p:cxnSp>
+        <p:nvCxnSpPr>
+          <p:cNvPr id="78" name="Connettore diritto 77">
+            <a:extLst>
+              <a:ext uri="{FF2B5EF4-FFF2-40B4-BE49-F238E27FC236}">
+                <a16:creationId xmlns:a16="http://schemas.microsoft.com/office/drawing/2014/main" id="{F38E1A49-B88F-A705-DE72-D0B3746EBEC6}"/>
+              </a:ext>
+            </a:extLst>
+          </p:cNvPr>
+          <p:cNvCxnSpPr>
+            <a:cxnSpLocks/>
+          </p:cNvCxnSpPr>
+          <p:nvPr/>
+        </p:nvCxnSpPr>
+        <p:spPr>
+          <a:xfrm flipV="1">
+            <a:off x="4713762" y="1216190"/>
+            <a:ext cx="1253441" cy="6954"/>
+          </a:xfrm>
+          <a:prstGeom prst="line">
+            <a:avLst/>
+          </a:prstGeom>
+          <a:ln w="38100">
+            <a:solidFill>
+              <a:srgbClr val="00B050"/>
+            </a:solidFill>
+          </a:ln>
+        </p:spPr>
+        <p:style>
+          <a:lnRef idx="1">
+            <a:schemeClr val="accent1"/>
+          </a:lnRef>
+          <a:fillRef idx="0">
+            <a:schemeClr val="accent1"/>
+          </a:fillRef>
+          <a:effectRef idx="0">
+            <a:schemeClr val="accent1"/>
+          </a:effectRef>
+          <a:fontRef idx="minor">
+            <a:schemeClr val="tx1"/>
+          </a:fontRef>
+        </p:style>
+      </p:cxnSp>
+      <p:sp>
+        <p:nvSpPr>
+          <p:cNvPr id="81" name="Ovale 80">
+            <a:extLst>
+              <a:ext uri="{FF2B5EF4-FFF2-40B4-BE49-F238E27FC236}">
+                <a16:creationId xmlns:a16="http://schemas.microsoft.com/office/drawing/2014/main" id="{2AAB0DE8-8FD0-E042-6F3C-152D8FF8FA62}"/>
+              </a:ext>
+            </a:extLst>
+          </p:cNvPr>
+          <p:cNvSpPr/>
+          <p:nvPr/>
+        </p:nvSpPr>
+        <p:spPr>
+          <a:xfrm>
+            <a:off x="8492896" y="541709"/>
+            <a:ext cx="422030" cy="422031"/>
+          </a:xfrm>
+          <a:prstGeom prst="ellipse">
+            <a:avLst/>
+          </a:prstGeom>
+        </p:spPr>
+        <p:style>
+          <a:lnRef idx="2">
+            <a:schemeClr val="accent1">
+              <a:shade val="15000"/>
+            </a:schemeClr>
+          </a:lnRef>
+          <a:fillRef idx="1">
+            <a:schemeClr val="accent1"/>
+          </a:fillRef>
+          <a:effectRef idx="0">
+            <a:schemeClr val="accent1"/>
+          </a:effectRef>
+          <a:fontRef idx="minor">
+            <a:schemeClr val="lt1"/>
+          </a:fontRef>
+        </p:style>
+        <p:txBody>
+          <a:bodyPr rtlCol="0" anchor="ctr"/>
+          <a:lstStyle/>
+          <a:p>
+            <a:pPr algn="ctr"/>
+            <a:r>
+              <a:rPr lang="en-US" dirty="0"/>
+              <a:t>e2</a:t>
+            </a:r>
+          </a:p>
+        </p:txBody>
+      </p:sp>
+      <p:sp>
+        <p:nvSpPr>
+          <p:cNvPr id="82" name="Ovale 81">
+            <a:extLst>
+              <a:ext uri="{FF2B5EF4-FFF2-40B4-BE49-F238E27FC236}">
+                <a16:creationId xmlns:a16="http://schemas.microsoft.com/office/drawing/2014/main" id="{7BD26995-8D32-0274-7DCF-B7E68ABDA508}"/>
+              </a:ext>
+            </a:extLst>
+          </p:cNvPr>
+          <p:cNvSpPr/>
+          <p:nvPr/>
+        </p:nvSpPr>
+        <p:spPr>
+          <a:xfrm>
+            <a:off x="7830248" y="1069247"/>
+            <a:ext cx="422030" cy="422031"/>
+          </a:xfrm>
+          <a:prstGeom prst="ellipse">
+            <a:avLst/>
+          </a:prstGeom>
+          <a:solidFill>
+            <a:srgbClr val="C00000"/>
+          </a:solidFill>
+        </p:spPr>
+        <p:style>
+          <a:lnRef idx="2">
+            <a:schemeClr val="accent1">
+              <a:shade val="15000"/>
+            </a:schemeClr>
+          </a:lnRef>
+          <a:fillRef idx="1">
+            <a:schemeClr val="accent1"/>
+          </a:fillRef>
+          <a:effectRef idx="0">
+            <a:schemeClr val="accent1"/>
+          </a:effectRef>
+          <a:fontRef idx="minor">
+            <a:schemeClr val="lt1"/>
+          </a:fontRef>
+        </p:style>
+        <p:txBody>
+          <a:bodyPr rtlCol="0" anchor="ctr"/>
+          <a:lstStyle/>
+          <a:p>
+            <a:pPr algn="ctr"/>
+            <a:r>
+              <a:rPr lang="en-US" dirty="0"/>
+              <a:t>e1</a:t>
+            </a:r>
+          </a:p>
+        </p:txBody>
+      </p:sp>
+      <p:sp>
+        <p:nvSpPr>
+          <p:cNvPr id="83" name="Ovale 82">
+            <a:extLst>
+              <a:ext uri="{FF2B5EF4-FFF2-40B4-BE49-F238E27FC236}">
+                <a16:creationId xmlns:a16="http://schemas.microsoft.com/office/drawing/2014/main" id="{2AF3757E-E9E5-6CA0-0C7A-0ADF5E65EA37}"/>
+              </a:ext>
+            </a:extLst>
+          </p:cNvPr>
+          <p:cNvSpPr/>
+          <p:nvPr/>
+        </p:nvSpPr>
+        <p:spPr>
+          <a:xfrm>
+            <a:off x="8363835" y="1712405"/>
+            <a:ext cx="422030" cy="422031"/>
+          </a:xfrm>
+          <a:prstGeom prst="ellipse">
+            <a:avLst/>
+          </a:prstGeom>
+        </p:spPr>
+        <p:style>
+          <a:lnRef idx="2">
+            <a:schemeClr val="accent1">
+              <a:shade val="15000"/>
+            </a:schemeClr>
+          </a:lnRef>
+          <a:fillRef idx="1">
+            <a:schemeClr val="accent1"/>
+          </a:fillRef>
+          <a:effectRef idx="0">
+            <a:schemeClr val="accent1"/>
+          </a:effectRef>
+          <a:fontRef idx="minor">
+            <a:schemeClr val="lt1"/>
+          </a:fontRef>
+        </p:style>
+        <p:txBody>
+          <a:bodyPr rtlCol="0" anchor="ctr"/>
+          <a:lstStyle/>
+          <a:p>
+            <a:pPr algn="ctr"/>
+            <a:r>
+              <a:rPr lang="en-US" dirty="0"/>
+              <a:t>e3</a:t>
+            </a:r>
+          </a:p>
+        </p:txBody>
+      </p:sp>
+      <p:sp>
+        <p:nvSpPr>
+          <p:cNvPr id="84" name="Ovale 83">
+            <a:extLst>
+              <a:ext uri="{FF2B5EF4-FFF2-40B4-BE49-F238E27FC236}">
+                <a16:creationId xmlns:a16="http://schemas.microsoft.com/office/drawing/2014/main" id="{906F22CE-33F8-1190-420F-C31B9F4C4D9A}"/>
+              </a:ext>
+            </a:extLst>
+          </p:cNvPr>
+          <p:cNvSpPr/>
+          <p:nvPr/>
+        </p:nvSpPr>
+        <p:spPr>
+          <a:xfrm>
+            <a:off x="9535117" y="345381"/>
+            <a:ext cx="422030" cy="422031"/>
+          </a:xfrm>
+          <a:prstGeom prst="ellipse">
+            <a:avLst/>
+          </a:prstGeom>
+        </p:spPr>
+        <p:style>
+          <a:lnRef idx="2">
+            <a:schemeClr val="accent1">
+              <a:shade val="15000"/>
+            </a:schemeClr>
+          </a:lnRef>
+          <a:fillRef idx="1">
+            <a:schemeClr val="accent1"/>
+          </a:fillRef>
+          <a:effectRef idx="0">
+            <a:schemeClr val="accent1"/>
+          </a:effectRef>
+          <a:fontRef idx="minor">
+            <a:schemeClr val="lt1"/>
+          </a:fontRef>
+        </p:style>
+        <p:txBody>
+          <a:bodyPr rtlCol="0" anchor="ctr"/>
+          <a:lstStyle/>
+          <a:p>
+            <a:pPr algn="ctr"/>
+            <a:r>
+              <a:rPr lang="en-US" dirty="0"/>
+              <a:t>e7</a:t>
+            </a:r>
+          </a:p>
+        </p:txBody>
+      </p:sp>
+      <p:sp>
+        <p:nvSpPr>
+          <p:cNvPr id="85" name="Ovale 84">
+            <a:extLst>
+              <a:ext uri="{FF2B5EF4-FFF2-40B4-BE49-F238E27FC236}">
+                <a16:creationId xmlns:a16="http://schemas.microsoft.com/office/drawing/2014/main" id="{506FE44B-B7AC-2F1B-3718-13C9EEA292EF}"/>
+              </a:ext>
+            </a:extLst>
+          </p:cNvPr>
+          <p:cNvSpPr/>
+          <p:nvPr/>
+        </p:nvSpPr>
+        <p:spPr>
+          <a:xfrm>
+            <a:off x="9319452" y="1089081"/>
+            <a:ext cx="422030" cy="422031"/>
+          </a:xfrm>
+          <a:prstGeom prst="ellipse">
+            <a:avLst/>
+          </a:prstGeom>
+          <a:solidFill>
+            <a:srgbClr val="C00000"/>
+          </a:solidFill>
+        </p:spPr>
+        <p:style>
+          <a:lnRef idx="2">
+            <a:schemeClr val="accent1">
+              <a:shade val="15000"/>
+            </a:schemeClr>
+          </a:lnRef>
+          <a:fillRef idx="1">
+            <a:schemeClr val="accent1"/>
+          </a:fillRef>
+          <a:effectRef idx="0">
+            <a:schemeClr val="accent1"/>
+          </a:effectRef>
+          <a:fontRef idx="minor">
+            <a:schemeClr val="lt1"/>
+          </a:fontRef>
+        </p:style>
+        <p:txBody>
+          <a:bodyPr rtlCol="0" anchor="ctr"/>
+          <a:lstStyle/>
+          <a:p>
+            <a:pPr algn="ctr"/>
+            <a:r>
+              <a:rPr lang="en-US" dirty="0"/>
+              <a:t>e4</a:t>
+            </a:r>
+          </a:p>
+        </p:txBody>
+      </p:sp>
+      <p:sp>
+        <p:nvSpPr>
+          <p:cNvPr id="86" name="Ovale 85">
+            <a:extLst>
+              <a:ext uri="{FF2B5EF4-FFF2-40B4-BE49-F238E27FC236}">
+                <a16:creationId xmlns:a16="http://schemas.microsoft.com/office/drawing/2014/main" id="{F37C8E16-A2F4-0466-9982-2C4DB634D4D7}"/>
+              </a:ext>
+            </a:extLst>
+          </p:cNvPr>
+          <p:cNvSpPr/>
+          <p:nvPr/>
+        </p:nvSpPr>
+        <p:spPr>
+          <a:xfrm>
+            <a:off x="9491156" y="1735398"/>
+            <a:ext cx="422030" cy="422031"/>
+          </a:xfrm>
+          <a:prstGeom prst="ellipse">
+            <a:avLst/>
+          </a:prstGeom>
+        </p:spPr>
+        <p:style>
+          <a:lnRef idx="2">
+            <a:schemeClr val="accent1">
+              <a:shade val="15000"/>
+            </a:schemeClr>
+          </a:lnRef>
+          <a:fillRef idx="1">
+            <a:schemeClr val="accent1"/>
+          </a:fillRef>
+          <a:effectRef idx="0">
+            <a:schemeClr val="accent1"/>
+          </a:effectRef>
+          <a:fontRef idx="minor">
+            <a:schemeClr val="lt1"/>
+          </a:fontRef>
+        </p:style>
+        <p:txBody>
+          <a:bodyPr rtlCol="0" anchor="ctr"/>
+          <a:lstStyle/>
+          <a:p>
+            <a:pPr algn="ctr"/>
+            <a:r>
+              <a:rPr lang="en-US" dirty="0"/>
+              <a:t>e5</a:t>
+            </a:r>
+          </a:p>
+        </p:txBody>
+      </p:sp>
+      <p:sp>
+        <p:nvSpPr>
+          <p:cNvPr id="87" name="Ovale 86">
+            <a:extLst>
+              <a:ext uri="{FF2B5EF4-FFF2-40B4-BE49-F238E27FC236}">
+                <a16:creationId xmlns:a16="http://schemas.microsoft.com/office/drawing/2014/main" id="{F637EE0B-FD77-23A2-FD29-1C2B9D2F6968}"/>
+              </a:ext>
+            </a:extLst>
+          </p:cNvPr>
+          <p:cNvSpPr/>
+          <p:nvPr/>
+        </p:nvSpPr>
+        <p:spPr>
+          <a:xfrm>
+            <a:off x="10291082" y="1079164"/>
+            <a:ext cx="422030" cy="422031"/>
+          </a:xfrm>
+          <a:prstGeom prst="ellipse">
+            <a:avLst/>
+          </a:prstGeom>
+        </p:spPr>
+        <p:style>
+          <a:lnRef idx="2">
+            <a:schemeClr val="accent1">
+              <a:shade val="15000"/>
+            </a:schemeClr>
+          </a:lnRef>
+          <a:fillRef idx="1">
+            <a:schemeClr val="accent1"/>
+          </a:fillRef>
+          <a:effectRef idx="0">
+            <a:schemeClr val="accent1"/>
+          </a:effectRef>
+          <a:fontRef idx="minor">
+            <a:schemeClr val="lt1"/>
+          </a:fontRef>
+        </p:style>
+        <p:txBody>
+          <a:bodyPr rtlCol="0" anchor="ctr"/>
+          <a:lstStyle/>
+          <a:p>
+            <a:pPr algn="ctr"/>
+            <a:r>
+              <a:rPr lang="en-US" dirty="0"/>
+              <a:t>e6</a:t>
+            </a:r>
+          </a:p>
+        </p:txBody>
+      </p:sp>
+      <p:cxnSp>
+        <p:nvCxnSpPr>
+          <p:cNvPr id="88" name="Connettore diritto 87">
+            <a:extLst>
+              <a:ext uri="{FF2B5EF4-FFF2-40B4-BE49-F238E27FC236}">
+                <a16:creationId xmlns:a16="http://schemas.microsoft.com/office/drawing/2014/main" id="{C5DEF583-5C06-CE0B-DE8A-948A18749B6B}"/>
+              </a:ext>
+            </a:extLst>
+          </p:cNvPr>
+          <p:cNvCxnSpPr>
+            <a:stCxn id="81" idx="6"/>
+            <a:endCxn id="84" idx="2"/>
+          </p:cNvCxnSpPr>
+          <p:nvPr/>
+        </p:nvCxnSpPr>
+        <p:spPr>
+          <a:xfrm flipV="1">
+            <a:off x="8914926" y="556397"/>
+            <a:ext cx="620191" cy="196328"/>
+          </a:xfrm>
+          <a:prstGeom prst="line">
+            <a:avLst/>
+          </a:prstGeom>
+          <a:ln w="38100">
+            <a:solidFill>
+              <a:schemeClr val="tx1"/>
+            </a:solidFill>
+            <a:headEnd type="none" w="med" len="med"/>
+            <a:tailEnd type="arrow" w="med" len="med"/>
+          </a:ln>
+        </p:spPr>
+        <p:style>
+          <a:lnRef idx="1">
+            <a:schemeClr val="accent1"/>
+          </a:lnRef>
+          <a:fillRef idx="0">
+            <a:schemeClr val="accent1"/>
+          </a:fillRef>
+          <a:effectRef idx="0">
+            <a:schemeClr val="accent1"/>
+          </a:effectRef>
+          <a:fontRef idx="minor">
+            <a:schemeClr val="tx1"/>
+          </a:fontRef>
+        </p:style>
+      </p:cxnSp>
+      <p:cxnSp>
+        <p:nvCxnSpPr>
+          <p:cNvPr id="89" name="Connettore diritto 88">
+            <a:extLst>
+              <a:ext uri="{FF2B5EF4-FFF2-40B4-BE49-F238E27FC236}">
+                <a16:creationId xmlns:a16="http://schemas.microsoft.com/office/drawing/2014/main" id="{7DB2076E-BE21-4D53-CE32-358A2C39E8BD}"/>
+              </a:ext>
+            </a:extLst>
+          </p:cNvPr>
+          <p:cNvCxnSpPr>
+            <a:cxnSpLocks/>
+            <a:stCxn id="81" idx="6"/>
+            <a:endCxn id="85" idx="2"/>
+          </p:cNvCxnSpPr>
+          <p:nvPr/>
+        </p:nvCxnSpPr>
+        <p:spPr>
+          <a:xfrm>
+            <a:off x="8914926" y="752725"/>
+            <a:ext cx="404526" cy="547372"/>
+          </a:xfrm>
+          <a:prstGeom prst="line">
+            <a:avLst/>
+          </a:prstGeom>
+          <a:ln w="38100">
+            <a:solidFill>
+              <a:schemeClr val="tx1"/>
+            </a:solidFill>
+            <a:headEnd type="none" w="med" len="med"/>
+            <a:tailEnd type="arrow" w="med" len="med"/>
+          </a:ln>
+        </p:spPr>
+        <p:style>
+          <a:lnRef idx="1">
+            <a:schemeClr val="accent1"/>
+          </a:lnRef>
+          <a:fillRef idx="0">
+            <a:schemeClr val="accent1"/>
+          </a:fillRef>
+          <a:effectRef idx="0">
+            <a:schemeClr val="accent1"/>
+          </a:effectRef>
+          <a:fontRef idx="minor">
+            <a:schemeClr val="tx1"/>
+          </a:fontRef>
+        </p:style>
+      </p:cxnSp>
+      <p:cxnSp>
+        <p:nvCxnSpPr>
+          <p:cNvPr id="90" name="Connettore diritto 89">
+            <a:extLst>
+              <a:ext uri="{FF2B5EF4-FFF2-40B4-BE49-F238E27FC236}">
+                <a16:creationId xmlns:a16="http://schemas.microsoft.com/office/drawing/2014/main" id="{962915C5-2487-215F-6E17-B93D14299AAD}"/>
+              </a:ext>
+            </a:extLst>
+          </p:cNvPr>
+          <p:cNvCxnSpPr>
+            <a:cxnSpLocks/>
+            <a:stCxn id="82" idx="6"/>
+            <a:endCxn id="85" idx="2"/>
+          </p:cNvCxnSpPr>
+          <p:nvPr/>
+        </p:nvCxnSpPr>
+        <p:spPr>
+          <a:xfrm>
+            <a:off x="8252278" y="1280263"/>
+            <a:ext cx="1067174" cy="19834"/>
+          </a:xfrm>
+          <a:prstGeom prst="line">
+            <a:avLst/>
+          </a:prstGeom>
+          <a:ln w="38100">
+            <a:solidFill>
+              <a:schemeClr val="tx1"/>
+            </a:solidFill>
+            <a:headEnd type="none" w="med" len="med"/>
+            <a:tailEnd type="arrow" w="med" len="med"/>
+          </a:ln>
+        </p:spPr>
+        <p:style>
+          <a:lnRef idx="1">
+            <a:schemeClr val="accent1"/>
+          </a:lnRef>
+          <a:fillRef idx="0">
+            <a:schemeClr val="accent1"/>
+          </a:fillRef>
+          <a:effectRef idx="0">
+            <a:schemeClr val="accent1"/>
+          </a:effectRef>
+          <a:fontRef idx="minor">
+            <a:schemeClr val="tx1"/>
+          </a:fontRef>
+        </p:style>
+      </p:cxnSp>
+      <p:cxnSp>
+        <p:nvCxnSpPr>
+          <p:cNvPr id="91" name="Connettore diritto 90">
+            <a:extLst>
+              <a:ext uri="{FF2B5EF4-FFF2-40B4-BE49-F238E27FC236}">
+                <a16:creationId xmlns:a16="http://schemas.microsoft.com/office/drawing/2014/main" id="{156DA81A-FF07-F352-AF39-BE5C065D62C3}"/>
+              </a:ext>
+            </a:extLst>
+          </p:cNvPr>
+          <p:cNvCxnSpPr>
+            <a:cxnSpLocks/>
+            <a:stCxn id="82" idx="6"/>
+            <a:endCxn id="86" idx="2"/>
+          </p:cNvCxnSpPr>
+          <p:nvPr/>
+        </p:nvCxnSpPr>
+        <p:spPr>
+          <a:xfrm>
+            <a:off x="8252278" y="1280263"/>
+            <a:ext cx="1238878" cy="666151"/>
+          </a:xfrm>
+          <a:prstGeom prst="line">
+            <a:avLst/>
+          </a:prstGeom>
+          <a:ln w="38100">
+            <a:solidFill>
+              <a:schemeClr val="tx1"/>
+            </a:solidFill>
+            <a:headEnd type="none" w="med" len="med"/>
+            <a:tailEnd type="arrow" w="med" len="med"/>
+          </a:ln>
+        </p:spPr>
+        <p:style>
+          <a:lnRef idx="1">
+            <a:schemeClr val="accent1"/>
+          </a:lnRef>
+          <a:fillRef idx="0">
+            <a:schemeClr val="accent1"/>
+          </a:fillRef>
+          <a:effectRef idx="0">
+            <a:schemeClr val="accent1"/>
+          </a:effectRef>
+          <a:fontRef idx="minor">
+            <a:schemeClr val="tx1"/>
+          </a:fontRef>
+        </p:style>
+      </p:cxnSp>
+      <p:cxnSp>
+        <p:nvCxnSpPr>
+          <p:cNvPr id="92" name="Connettore diritto 91">
+            <a:extLst>
+              <a:ext uri="{FF2B5EF4-FFF2-40B4-BE49-F238E27FC236}">
+                <a16:creationId xmlns:a16="http://schemas.microsoft.com/office/drawing/2014/main" id="{53B1C210-9BB3-3478-927E-1BFDC31E3C5F}"/>
+              </a:ext>
+            </a:extLst>
+          </p:cNvPr>
+          <p:cNvCxnSpPr>
+            <a:cxnSpLocks/>
+            <a:stCxn id="83" idx="6"/>
+            <a:endCxn id="85" idx="2"/>
+          </p:cNvCxnSpPr>
+          <p:nvPr/>
+        </p:nvCxnSpPr>
+        <p:spPr>
+          <a:xfrm flipV="1">
+            <a:off x="8785865" y="1300097"/>
+            <a:ext cx="533587" cy="623324"/>
+          </a:xfrm>
+          <a:prstGeom prst="line">
+            <a:avLst/>
+          </a:prstGeom>
+          <a:ln w="38100">
+            <a:solidFill>
+              <a:schemeClr val="tx1"/>
+            </a:solidFill>
+            <a:headEnd type="none" w="med" len="med"/>
+            <a:tailEnd type="arrow" w="med" len="med"/>
+          </a:ln>
+        </p:spPr>
+        <p:style>
+          <a:lnRef idx="1">
+            <a:schemeClr val="accent1"/>
+          </a:lnRef>
+          <a:fillRef idx="0">
+            <a:schemeClr val="accent1"/>
+          </a:fillRef>
+          <a:effectRef idx="0">
+            <a:schemeClr val="accent1"/>
+          </a:effectRef>
+          <a:fontRef idx="minor">
+            <a:schemeClr val="tx1"/>
+          </a:fontRef>
+        </p:style>
+      </p:cxnSp>
+      <p:cxnSp>
+        <p:nvCxnSpPr>
+          <p:cNvPr id="93" name="Connettore diritto 92">
+            <a:extLst>
+              <a:ext uri="{FF2B5EF4-FFF2-40B4-BE49-F238E27FC236}">
+                <a16:creationId xmlns:a16="http://schemas.microsoft.com/office/drawing/2014/main" id="{03432BF4-D0B8-864D-21C1-625B167A79B3}"/>
+              </a:ext>
+            </a:extLst>
+          </p:cNvPr>
+          <p:cNvCxnSpPr>
+            <a:cxnSpLocks/>
+            <a:stCxn id="83" idx="6"/>
+            <a:endCxn id="86" idx="2"/>
+          </p:cNvCxnSpPr>
+          <p:nvPr/>
+        </p:nvCxnSpPr>
+        <p:spPr>
+          <a:xfrm>
+            <a:off x="8785865" y="1923421"/>
+            <a:ext cx="705291" cy="22993"/>
+          </a:xfrm>
+          <a:prstGeom prst="line">
+            <a:avLst/>
+          </a:prstGeom>
+          <a:ln w="38100">
+            <a:solidFill>
+              <a:schemeClr val="tx1"/>
+            </a:solidFill>
+            <a:headEnd type="none" w="med" len="med"/>
+            <a:tailEnd type="arrow" w="med" len="med"/>
+          </a:ln>
+        </p:spPr>
+        <p:style>
+          <a:lnRef idx="1">
+            <a:schemeClr val="accent1"/>
+          </a:lnRef>
+          <a:fillRef idx="0">
+            <a:schemeClr val="accent1"/>
+          </a:fillRef>
+          <a:effectRef idx="0">
+            <a:schemeClr val="accent1"/>
+          </a:effectRef>
+          <a:fontRef idx="minor">
+            <a:schemeClr val="tx1"/>
+          </a:fontRef>
+        </p:style>
+      </p:cxnSp>
+      <p:cxnSp>
+        <p:nvCxnSpPr>
+          <p:cNvPr id="94" name="Connettore diritto 93">
+            <a:extLst>
+              <a:ext uri="{FF2B5EF4-FFF2-40B4-BE49-F238E27FC236}">
+                <a16:creationId xmlns:a16="http://schemas.microsoft.com/office/drawing/2014/main" id="{264493E0-ACA7-2D00-7DB5-F840885DD787}"/>
+              </a:ext>
+            </a:extLst>
+          </p:cNvPr>
+          <p:cNvCxnSpPr>
+            <a:cxnSpLocks/>
+            <a:stCxn id="84" idx="6"/>
+            <a:endCxn id="87" idx="2"/>
+          </p:cNvCxnSpPr>
+          <p:nvPr/>
+        </p:nvCxnSpPr>
+        <p:spPr>
+          <a:xfrm>
+            <a:off x="9957147" y="556397"/>
+            <a:ext cx="333935" cy="733783"/>
+          </a:xfrm>
+          <a:prstGeom prst="line">
+            <a:avLst/>
+          </a:prstGeom>
+          <a:ln w="38100">
+            <a:solidFill>
+              <a:schemeClr val="tx1"/>
+            </a:solidFill>
+            <a:headEnd type="none" w="med" len="med"/>
+            <a:tailEnd type="arrow" w="med" len="med"/>
+          </a:ln>
+        </p:spPr>
+        <p:style>
+          <a:lnRef idx="1">
+            <a:schemeClr val="accent1"/>
+          </a:lnRef>
+          <a:fillRef idx="0">
+            <a:schemeClr val="accent1"/>
+          </a:fillRef>
+          <a:effectRef idx="0">
+            <a:schemeClr val="accent1"/>
+          </a:effectRef>
+          <a:fontRef idx="minor">
+            <a:schemeClr val="tx1"/>
+          </a:fontRef>
+        </p:style>
+      </p:cxnSp>
+      <p:cxnSp>
+        <p:nvCxnSpPr>
+          <p:cNvPr id="95" name="Connettore diritto 94">
+            <a:extLst>
+              <a:ext uri="{FF2B5EF4-FFF2-40B4-BE49-F238E27FC236}">
+                <a16:creationId xmlns:a16="http://schemas.microsoft.com/office/drawing/2014/main" id="{53A9AA82-F21D-491C-0572-B99EC9DA17DC}"/>
+              </a:ext>
+            </a:extLst>
+          </p:cNvPr>
+          <p:cNvCxnSpPr>
+            <a:cxnSpLocks/>
+            <a:stCxn id="85" idx="6"/>
+            <a:endCxn id="87" idx="2"/>
+          </p:cNvCxnSpPr>
+          <p:nvPr/>
+        </p:nvCxnSpPr>
+        <p:spPr>
+          <a:xfrm flipV="1">
+            <a:off x="9741482" y="1290180"/>
+            <a:ext cx="549600" cy="9917"/>
+          </a:xfrm>
+          <a:prstGeom prst="line">
+            <a:avLst/>
+          </a:prstGeom>
+          <a:ln w="38100">
+            <a:solidFill>
+              <a:schemeClr val="tx1"/>
+            </a:solidFill>
+            <a:headEnd type="none" w="med" len="med"/>
+            <a:tailEnd type="arrow" w="med" len="med"/>
+          </a:ln>
+        </p:spPr>
+        <p:style>
+          <a:lnRef idx="1">
+            <a:schemeClr val="accent1"/>
+          </a:lnRef>
+          <a:fillRef idx="0">
+            <a:schemeClr val="accent1"/>
+          </a:fillRef>
+          <a:effectRef idx="0">
+            <a:schemeClr val="accent1"/>
+          </a:effectRef>
+          <a:fontRef idx="minor">
+            <a:schemeClr val="tx1"/>
+          </a:fontRef>
+        </p:style>
+      </p:cxnSp>
+      <p:cxnSp>
+        <p:nvCxnSpPr>
+          <p:cNvPr id="96" name="Connettore diritto 95">
+            <a:extLst>
+              <a:ext uri="{FF2B5EF4-FFF2-40B4-BE49-F238E27FC236}">
+                <a16:creationId xmlns:a16="http://schemas.microsoft.com/office/drawing/2014/main" id="{7A2B4DBB-BE19-6C60-1B38-4D2DDBCD0A9C}"/>
+              </a:ext>
+            </a:extLst>
+          </p:cNvPr>
+          <p:cNvCxnSpPr>
+            <a:cxnSpLocks/>
+            <a:stCxn id="86" idx="6"/>
+            <a:endCxn id="87" idx="2"/>
+          </p:cNvCxnSpPr>
+          <p:nvPr/>
+        </p:nvCxnSpPr>
+        <p:spPr>
+          <a:xfrm flipV="1">
+            <a:off x="9913186" y="1290180"/>
+            <a:ext cx="377896" cy="656234"/>
+          </a:xfrm>
+          <a:prstGeom prst="line">
+            <a:avLst/>
+          </a:prstGeom>
+          <a:ln w="38100">
+            <a:solidFill>
+              <a:schemeClr val="tx1"/>
+            </a:solidFill>
+            <a:headEnd type="none" w="med" len="med"/>
+            <a:tailEnd type="arrow" w="med" len="med"/>
+          </a:ln>
+        </p:spPr>
+        <p:style>
+          <a:lnRef idx="1">
+            <a:schemeClr val="accent1"/>
+          </a:lnRef>
+          <a:fillRef idx="0">
+            <a:schemeClr val="accent1"/>
+          </a:fillRef>
+          <a:effectRef idx="0">
+            <a:schemeClr val="accent1"/>
+          </a:effectRef>
+          <a:fontRef idx="minor">
+            <a:schemeClr val="tx1"/>
+          </a:fontRef>
+        </p:style>
+      </p:cxnSp>
+      <p:sp>
+        <p:nvSpPr>
+          <p:cNvPr id="99" name="CasellaDiTesto 98">
+            <a:extLst>
+              <a:ext uri="{FF2B5EF4-FFF2-40B4-BE49-F238E27FC236}">
+                <a16:creationId xmlns:a16="http://schemas.microsoft.com/office/drawing/2014/main" id="{37446F3F-0BA5-1114-1CDE-FE29C187AF59}"/>
+              </a:ext>
+            </a:extLst>
+          </p:cNvPr>
+          <p:cNvSpPr txBox="1"/>
+          <p:nvPr/>
+        </p:nvSpPr>
+        <p:spPr>
+          <a:xfrm>
+            <a:off x="7830248" y="767412"/>
+            <a:ext cx="404526" cy="369332"/>
+          </a:xfrm>
+          <a:prstGeom prst="rect">
+            <a:avLst/>
+          </a:prstGeom>
+          <a:noFill/>
+        </p:spPr>
+        <p:txBody>
+          <a:bodyPr wrap="square" rtlCol="0">
+            <a:spAutoFit/>
+          </a:bodyPr>
+          <a:lstStyle/>
+          <a:p>
+            <a:pPr algn="ctr"/>
+            <a:r>
+              <a:rPr lang="en-US" dirty="0"/>
+              <a:t>h</a:t>
+            </a:r>
+          </a:p>
+        </p:txBody>
+      </p:sp>
+      <p:sp>
+        <p:nvSpPr>
+          <p:cNvPr id="116" name="CasellaDiTesto 115">
+            <a:extLst>
+              <a:ext uri="{FF2B5EF4-FFF2-40B4-BE49-F238E27FC236}">
+                <a16:creationId xmlns:a16="http://schemas.microsoft.com/office/drawing/2014/main" id="{EF2A16BE-A91D-8F7A-4AD4-4910156744E2}"/>
+              </a:ext>
+            </a:extLst>
+          </p:cNvPr>
+          <p:cNvSpPr txBox="1"/>
+          <p:nvPr/>
+        </p:nvSpPr>
+        <p:spPr>
+          <a:xfrm>
+            <a:off x="8467018" y="940868"/>
+            <a:ext cx="404526" cy="369332"/>
+          </a:xfrm>
+          <a:prstGeom prst="rect">
+            <a:avLst/>
+          </a:prstGeom>
+          <a:noFill/>
+        </p:spPr>
+        <p:txBody>
+          <a:bodyPr wrap="square" rtlCol="0">
+            <a:spAutoFit/>
+          </a:bodyPr>
+          <a:lstStyle/>
+          <a:p>
+            <a:pPr algn="ctr"/>
+            <a:r>
+              <a:rPr lang="en-US" dirty="0"/>
+              <a:t>r1</a:t>
+            </a:r>
+          </a:p>
+        </p:txBody>
+      </p:sp>
+      <p:sp>
+        <p:nvSpPr>
+          <p:cNvPr id="117" name="CasellaDiTesto 116">
+            <a:extLst>
+              <a:ext uri="{FF2B5EF4-FFF2-40B4-BE49-F238E27FC236}">
+                <a16:creationId xmlns:a16="http://schemas.microsoft.com/office/drawing/2014/main" id="{7D716E3C-E0BC-B8A1-3B9D-0AFA50DF3FE0}"/>
+              </a:ext>
+            </a:extLst>
+          </p:cNvPr>
+          <p:cNvSpPr txBox="1"/>
+          <p:nvPr/>
+        </p:nvSpPr>
+        <p:spPr>
+          <a:xfrm>
+            <a:off x="9319452" y="779292"/>
+            <a:ext cx="404526" cy="369332"/>
+          </a:xfrm>
+          <a:prstGeom prst="rect">
+            <a:avLst/>
+          </a:prstGeom>
+          <a:noFill/>
+        </p:spPr>
+        <p:txBody>
+          <a:bodyPr wrap="square" rtlCol="0">
+            <a:spAutoFit/>
+          </a:bodyPr>
+          <a:lstStyle/>
+          <a:p>
+            <a:pPr algn="ctr"/>
+            <a:r>
+              <a:rPr lang="en-US" dirty="0"/>
+              <a:t>t</a:t>
+            </a:r>
+          </a:p>
+        </p:txBody>
+      </p:sp>
+      <p:sp>
+        <p:nvSpPr>
+          <p:cNvPr id="119" name="CasellaDiTesto 118">
+            <a:extLst>
+              <a:ext uri="{FF2B5EF4-FFF2-40B4-BE49-F238E27FC236}">
+                <a16:creationId xmlns:a16="http://schemas.microsoft.com/office/drawing/2014/main" id="{0672FF2B-63CB-2D8B-7383-1A7FBF35656C}"/>
+              </a:ext>
+            </a:extLst>
+          </p:cNvPr>
+          <p:cNvSpPr txBox="1"/>
+          <p:nvPr/>
+        </p:nvSpPr>
+        <p:spPr>
+          <a:xfrm>
+            <a:off x="155330" y="-35286"/>
+            <a:ext cx="569884" cy="369332"/>
+          </a:xfrm>
+          <a:prstGeom prst="rect">
+            <a:avLst/>
+          </a:prstGeom>
+          <a:noFill/>
+        </p:spPr>
+        <p:txBody>
+          <a:bodyPr wrap="square" rtlCol="0">
+            <a:spAutoFit/>
+          </a:bodyPr>
+          <a:lstStyle/>
+          <a:p>
+            <a:r>
+              <a:rPr lang="en-US" dirty="0"/>
+              <a:t>A)</a:t>
+            </a:r>
+          </a:p>
+        </p:txBody>
+      </p:sp>
+      <p:sp>
+        <p:nvSpPr>
+          <p:cNvPr id="120" name="CasellaDiTesto 119">
+            <a:extLst>
+              <a:ext uri="{FF2B5EF4-FFF2-40B4-BE49-F238E27FC236}">
+                <a16:creationId xmlns:a16="http://schemas.microsoft.com/office/drawing/2014/main" id="{67DB7E30-8BC8-F55D-8470-EDC1A9506675}"/>
+              </a:ext>
+            </a:extLst>
+          </p:cNvPr>
+          <p:cNvSpPr txBox="1"/>
+          <p:nvPr/>
+        </p:nvSpPr>
+        <p:spPr>
+          <a:xfrm>
+            <a:off x="4357367" y="-35286"/>
+            <a:ext cx="569884" cy="369332"/>
+          </a:xfrm>
+          <a:prstGeom prst="rect">
+            <a:avLst/>
+          </a:prstGeom>
+          <a:noFill/>
+        </p:spPr>
+        <p:txBody>
+          <a:bodyPr wrap="square" rtlCol="0">
+            <a:spAutoFit/>
+          </a:bodyPr>
+          <a:lstStyle/>
+          <a:p>
+            <a:r>
+              <a:rPr lang="en-US" dirty="0"/>
+              <a:t>B)</a:t>
+            </a:r>
+          </a:p>
+        </p:txBody>
+      </p:sp>
+      <p:sp>
+        <p:nvSpPr>
+          <p:cNvPr id="121" name="CasellaDiTesto 120">
+            <a:extLst>
+              <a:ext uri="{FF2B5EF4-FFF2-40B4-BE49-F238E27FC236}">
+                <a16:creationId xmlns:a16="http://schemas.microsoft.com/office/drawing/2014/main" id="{6E3EC55D-3404-0132-ACAD-59EFE7F0B87A}"/>
+              </a:ext>
+            </a:extLst>
+          </p:cNvPr>
+          <p:cNvSpPr txBox="1"/>
+          <p:nvPr/>
+        </p:nvSpPr>
+        <p:spPr>
+          <a:xfrm>
+            <a:off x="7756321" y="-35286"/>
+            <a:ext cx="569884" cy="369332"/>
+          </a:xfrm>
+          <a:prstGeom prst="rect">
+            <a:avLst/>
+          </a:prstGeom>
+          <a:noFill/>
+        </p:spPr>
+        <p:txBody>
+          <a:bodyPr wrap="square" rtlCol="0">
+            <a:spAutoFit/>
+          </a:bodyPr>
+          <a:lstStyle/>
+          <a:p>
+            <a:r>
+              <a:rPr lang="en-US" dirty="0"/>
+              <a:t>C)</a:t>
+            </a:r>
+          </a:p>
+        </p:txBody>
+      </p:sp>
+      <p:grpSp>
+        <p:nvGrpSpPr>
+          <p:cNvPr id="138" name="Gruppo 137">
+            <a:extLst>
+              <a:ext uri="{FF2B5EF4-FFF2-40B4-BE49-F238E27FC236}">
+                <a16:creationId xmlns:a16="http://schemas.microsoft.com/office/drawing/2014/main" id="{AAFBBBEC-198F-D220-42CA-F2B899A004C6}"/>
+              </a:ext>
+            </a:extLst>
+          </p:cNvPr>
+          <p:cNvGrpSpPr/>
+          <p:nvPr/>
+        </p:nvGrpSpPr>
+        <p:grpSpPr>
+          <a:xfrm>
+            <a:off x="691126" y="3429000"/>
+            <a:ext cx="1166632" cy="990037"/>
+            <a:chOff x="315686" y="3161410"/>
+            <a:chExt cx="2882864" cy="1812048"/>
+          </a:xfrm>
+        </p:grpSpPr>
+        <p:sp>
+          <p:nvSpPr>
+            <p:cNvPr id="122" name="Ovale 121">
+              <a:extLst>
+                <a:ext uri="{FF2B5EF4-FFF2-40B4-BE49-F238E27FC236}">
+                  <a16:creationId xmlns:a16="http://schemas.microsoft.com/office/drawing/2014/main" id="{144DD9B1-C2DD-0B7D-6C76-03792AAAEBA4}"/>
+                </a:ext>
+              </a:extLst>
+            </p:cNvPr>
+            <p:cNvSpPr/>
+            <p:nvPr/>
+          </p:nvSpPr>
+          <p:spPr>
+            <a:xfrm>
+              <a:off x="978334" y="3357738"/>
+              <a:ext cx="422030" cy="422031"/>
+            </a:xfrm>
+            <a:prstGeom prst="ellipse">
+              <a:avLst/>
+            </a:prstGeom>
+          </p:spPr>
+          <p:style>
+            <a:lnRef idx="2">
+              <a:schemeClr val="accent1">
+                <a:shade val="15000"/>
+              </a:schemeClr>
+            </a:lnRef>
+            <a:fillRef idx="1">
+              <a:schemeClr val="accent1"/>
+            </a:fillRef>
+            <a:effectRef idx="0">
+              <a:schemeClr val="accent1"/>
+            </a:effectRef>
+            <a:fontRef idx="minor">
+              <a:schemeClr val="lt1"/>
+            </a:fontRef>
+          </p:style>
+          <p:txBody>
+            <a:bodyPr rtlCol="0" anchor="ctr"/>
+            <a:lstStyle/>
+            <a:p>
+              <a:pPr algn="ctr"/>
+              <a:endParaRPr lang="en-US"/>
+            </a:p>
+          </p:txBody>
+        </p:sp>
+        <p:sp>
+          <p:nvSpPr>
+            <p:cNvPr id="123" name="Ovale 122">
+              <a:extLst>
+                <a:ext uri="{FF2B5EF4-FFF2-40B4-BE49-F238E27FC236}">
+                  <a16:creationId xmlns:a16="http://schemas.microsoft.com/office/drawing/2014/main" id="{448BBC0F-D67C-D3E4-943F-89D5A3D14419}"/>
+                </a:ext>
+              </a:extLst>
+            </p:cNvPr>
+            <p:cNvSpPr/>
+            <p:nvPr/>
+          </p:nvSpPr>
+          <p:spPr>
+            <a:xfrm>
+              <a:off x="315686" y="3885276"/>
+              <a:ext cx="422030" cy="422031"/>
+            </a:xfrm>
+            <a:prstGeom prst="ellipse">
+              <a:avLst/>
+            </a:prstGeom>
+            <a:solidFill>
+              <a:srgbClr val="FF0000"/>
+            </a:solidFill>
+          </p:spPr>
+          <p:style>
+            <a:lnRef idx="2">
+              <a:schemeClr val="accent1">
+                <a:shade val="15000"/>
+              </a:schemeClr>
+            </a:lnRef>
+            <a:fillRef idx="1">
+              <a:schemeClr val="accent1"/>
+            </a:fillRef>
+            <a:effectRef idx="0">
+              <a:schemeClr val="accent1"/>
+            </a:effectRef>
+            <a:fontRef idx="minor">
+              <a:schemeClr val="lt1"/>
+            </a:fontRef>
+          </p:style>
+          <p:txBody>
+            <a:bodyPr rtlCol="0" anchor="ctr"/>
+            <a:lstStyle/>
+            <a:p>
+              <a:pPr algn="ctr"/>
+              <a:endParaRPr lang="en-US"/>
+            </a:p>
+          </p:txBody>
+        </p:sp>
+        <p:sp>
+          <p:nvSpPr>
+            <p:cNvPr id="124" name="Ovale 123">
+              <a:extLst>
+                <a:ext uri="{FF2B5EF4-FFF2-40B4-BE49-F238E27FC236}">
+                  <a16:creationId xmlns:a16="http://schemas.microsoft.com/office/drawing/2014/main" id="{07FE334B-8A6A-1E98-A0BD-0D71E3F3BD47}"/>
+                </a:ext>
+              </a:extLst>
+            </p:cNvPr>
+            <p:cNvSpPr/>
+            <p:nvPr/>
+          </p:nvSpPr>
+          <p:spPr>
+            <a:xfrm>
+              <a:off x="849273" y="4528434"/>
+              <a:ext cx="422030" cy="422031"/>
+            </a:xfrm>
+            <a:prstGeom prst="ellipse">
+              <a:avLst/>
+            </a:prstGeom>
+            <a:solidFill>
+              <a:srgbClr val="FF0000"/>
+            </a:solidFill>
+          </p:spPr>
+          <p:style>
+            <a:lnRef idx="2">
+              <a:schemeClr val="accent1">
+                <a:shade val="15000"/>
+              </a:schemeClr>
+            </a:lnRef>
+            <a:fillRef idx="1">
+              <a:schemeClr val="accent1"/>
+            </a:fillRef>
+            <a:effectRef idx="0">
+              <a:schemeClr val="accent1"/>
+            </a:effectRef>
+            <a:fontRef idx="minor">
+              <a:schemeClr val="lt1"/>
+            </a:fontRef>
+          </p:style>
+          <p:txBody>
+            <a:bodyPr rtlCol="0" anchor="ctr"/>
+            <a:lstStyle/>
+            <a:p>
+              <a:pPr algn="ctr"/>
+              <a:endParaRPr lang="en-US"/>
+            </a:p>
+          </p:txBody>
+        </p:sp>
+        <p:sp>
+          <p:nvSpPr>
+            <p:cNvPr id="125" name="Ovale 124">
+              <a:extLst>
+                <a:ext uri="{FF2B5EF4-FFF2-40B4-BE49-F238E27FC236}">
+                  <a16:creationId xmlns:a16="http://schemas.microsoft.com/office/drawing/2014/main" id="{85120515-36D4-C27B-7C92-7E8F1F2C91D9}"/>
+                </a:ext>
+              </a:extLst>
+            </p:cNvPr>
+            <p:cNvSpPr/>
+            <p:nvPr/>
+          </p:nvSpPr>
+          <p:spPr>
+            <a:xfrm>
+              <a:off x="2020555" y="3161410"/>
+              <a:ext cx="422030" cy="422031"/>
+            </a:xfrm>
+            <a:prstGeom prst="ellipse">
+              <a:avLst/>
+            </a:prstGeom>
+          </p:spPr>
+          <p:style>
+            <a:lnRef idx="2">
+              <a:schemeClr val="accent1">
+                <a:shade val="15000"/>
+              </a:schemeClr>
+            </a:lnRef>
+            <a:fillRef idx="1">
+              <a:schemeClr val="accent1"/>
+            </a:fillRef>
+            <a:effectRef idx="0">
+              <a:schemeClr val="accent1"/>
+            </a:effectRef>
+            <a:fontRef idx="minor">
+              <a:schemeClr val="lt1"/>
+            </a:fontRef>
+          </p:style>
+          <p:txBody>
+            <a:bodyPr rtlCol="0" anchor="ctr"/>
+            <a:lstStyle/>
+            <a:p>
+              <a:pPr algn="ctr"/>
+              <a:endParaRPr lang="en-US"/>
+            </a:p>
+          </p:txBody>
+        </p:sp>
+        <p:sp>
+          <p:nvSpPr>
+            <p:cNvPr id="126" name="Ovale 125">
+              <a:extLst>
+                <a:ext uri="{FF2B5EF4-FFF2-40B4-BE49-F238E27FC236}">
+                  <a16:creationId xmlns:a16="http://schemas.microsoft.com/office/drawing/2014/main" id="{2B4F8ABD-834C-33E5-AAB6-BFE02D4A98DF}"/>
+                </a:ext>
+              </a:extLst>
+            </p:cNvPr>
+            <p:cNvSpPr/>
+            <p:nvPr/>
+          </p:nvSpPr>
+          <p:spPr>
+            <a:xfrm>
+              <a:off x="1804890" y="3905110"/>
+              <a:ext cx="422030" cy="422031"/>
+            </a:xfrm>
+            <a:prstGeom prst="ellipse">
+              <a:avLst/>
+            </a:prstGeom>
+          </p:spPr>
+          <p:style>
+            <a:lnRef idx="2">
+              <a:schemeClr val="accent1">
+                <a:shade val="15000"/>
+              </a:schemeClr>
+            </a:lnRef>
+            <a:fillRef idx="1">
+              <a:schemeClr val="accent1"/>
+            </a:fillRef>
+            <a:effectRef idx="0">
+              <a:schemeClr val="accent1"/>
+            </a:effectRef>
+            <a:fontRef idx="minor">
+              <a:schemeClr val="lt1"/>
+            </a:fontRef>
+          </p:style>
+          <p:txBody>
+            <a:bodyPr rtlCol="0" anchor="ctr"/>
+            <a:lstStyle/>
+            <a:p>
+              <a:pPr algn="ctr"/>
+              <a:endParaRPr lang="en-US"/>
+            </a:p>
+          </p:txBody>
+        </p:sp>
+        <p:sp>
+          <p:nvSpPr>
+            <p:cNvPr id="127" name="Ovale 126">
+              <a:extLst>
+                <a:ext uri="{FF2B5EF4-FFF2-40B4-BE49-F238E27FC236}">
+                  <a16:creationId xmlns:a16="http://schemas.microsoft.com/office/drawing/2014/main" id="{B4935110-678A-77C7-BBD3-80B325BB9BCB}"/>
+                </a:ext>
+              </a:extLst>
+            </p:cNvPr>
+            <p:cNvSpPr/>
+            <p:nvPr/>
+          </p:nvSpPr>
+          <p:spPr>
+            <a:xfrm>
+              <a:off x="1976594" y="4551427"/>
+              <a:ext cx="422030" cy="422031"/>
+            </a:xfrm>
+            <a:prstGeom prst="ellipse">
+              <a:avLst/>
+            </a:prstGeom>
+            <a:solidFill>
+              <a:srgbClr val="FF0000"/>
+            </a:solidFill>
+          </p:spPr>
+          <p:style>
+            <a:lnRef idx="2">
+              <a:schemeClr val="accent1">
+                <a:shade val="15000"/>
+              </a:schemeClr>
+            </a:lnRef>
+            <a:fillRef idx="1">
+              <a:schemeClr val="accent1"/>
+            </a:fillRef>
+            <a:effectRef idx="0">
+              <a:schemeClr val="accent1"/>
+            </a:effectRef>
+            <a:fontRef idx="minor">
+              <a:schemeClr val="lt1"/>
+            </a:fontRef>
+          </p:style>
+          <p:txBody>
+            <a:bodyPr rtlCol="0" anchor="ctr"/>
+            <a:lstStyle/>
+            <a:p>
+              <a:pPr algn="ctr"/>
+              <a:endParaRPr lang="en-US"/>
+            </a:p>
+          </p:txBody>
+        </p:sp>
+        <p:sp>
+          <p:nvSpPr>
+            <p:cNvPr id="128" name="Ovale 127">
+              <a:extLst>
+                <a:ext uri="{FF2B5EF4-FFF2-40B4-BE49-F238E27FC236}">
+                  <a16:creationId xmlns:a16="http://schemas.microsoft.com/office/drawing/2014/main" id="{2C1EC4B7-E2A6-41FF-66F2-A9F9CE844D55}"/>
+                </a:ext>
+              </a:extLst>
+            </p:cNvPr>
+            <p:cNvSpPr/>
+            <p:nvPr/>
+          </p:nvSpPr>
+          <p:spPr>
+            <a:xfrm>
+              <a:off x="2776520" y="3895193"/>
+              <a:ext cx="422030" cy="422031"/>
+            </a:xfrm>
+            <a:prstGeom prst="ellipse">
+              <a:avLst/>
+            </a:prstGeom>
+            <a:solidFill>
+              <a:srgbClr val="00B050"/>
+            </a:solidFill>
+          </p:spPr>
+          <p:style>
+            <a:lnRef idx="2">
+              <a:schemeClr val="accent1">
+                <a:shade val="15000"/>
+              </a:schemeClr>
+            </a:lnRef>
+            <a:fillRef idx="1">
+              <a:schemeClr val="accent1"/>
+            </a:fillRef>
+            <a:effectRef idx="0">
+              <a:schemeClr val="accent1"/>
+            </a:effectRef>
+            <a:fontRef idx="minor">
+              <a:schemeClr val="lt1"/>
+            </a:fontRef>
+          </p:style>
+          <p:txBody>
+            <a:bodyPr rtlCol="0" anchor="ctr"/>
+            <a:lstStyle/>
+            <a:p>
+              <a:pPr algn="ctr"/>
+              <a:endParaRPr lang="en-US"/>
+            </a:p>
+          </p:txBody>
+        </p:sp>
+        <p:cxnSp>
+          <p:nvCxnSpPr>
+            <p:cNvPr id="129" name="Connettore diritto 128">
+              <a:extLst>
+                <a:ext uri="{FF2B5EF4-FFF2-40B4-BE49-F238E27FC236}">
+                  <a16:creationId xmlns:a16="http://schemas.microsoft.com/office/drawing/2014/main" id="{544D2D3C-342A-316F-25D2-F9F058E1FF45}"/>
+                </a:ext>
+              </a:extLst>
+            </p:cNvPr>
+            <p:cNvCxnSpPr>
+              <a:stCxn id="122" idx="6"/>
+              <a:endCxn id="125" idx="2"/>
+            </p:cNvCxnSpPr>
+            <p:nvPr/>
+          </p:nvCxnSpPr>
+          <p:spPr>
+            <a:xfrm flipV="1">
+              <a:off x="1400364" y="3372426"/>
+              <a:ext cx="620191" cy="196328"/>
+            </a:xfrm>
+            <a:prstGeom prst="line">
+              <a:avLst/>
+            </a:prstGeom>
+            <a:ln w="38100">
+              <a:solidFill>
+                <a:schemeClr val="tx1"/>
+              </a:solidFill>
+            </a:ln>
+          </p:spPr>
+          <p:style>
+            <a:lnRef idx="1">
+              <a:schemeClr val="accent1"/>
+            </a:lnRef>
+            <a:fillRef idx="0">
+              <a:schemeClr val="accent1"/>
+            </a:fillRef>
+            <a:effectRef idx="0">
+              <a:schemeClr val="accent1"/>
+            </a:effectRef>
+            <a:fontRef idx="minor">
+              <a:schemeClr val="tx1"/>
+            </a:fontRef>
+          </p:style>
+        </p:cxnSp>
+        <p:cxnSp>
+          <p:nvCxnSpPr>
+            <p:cNvPr id="130" name="Connettore diritto 129">
+              <a:extLst>
+                <a:ext uri="{FF2B5EF4-FFF2-40B4-BE49-F238E27FC236}">
+                  <a16:creationId xmlns:a16="http://schemas.microsoft.com/office/drawing/2014/main" id="{8632FACC-D72F-6BA5-A8F6-36CB00CF99F1}"/>
+                </a:ext>
+              </a:extLst>
+            </p:cNvPr>
+            <p:cNvCxnSpPr>
+              <a:cxnSpLocks/>
+              <a:stCxn id="122" idx="6"/>
+              <a:endCxn id="126" idx="2"/>
+            </p:cNvCxnSpPr>
+            <p:nvPr/>
+          </p:nvCxnSpPr>
+          <p:spPr>
+            <a:xfrm>
+              <a:off x="1400364" y="3568754"/>
+              <a:ext cx="404526" cy="547372"/>
+            </a:xfrm>
+            <a:prstGeom prst="line">
+              <a:avLst/>
+            </a:prstGeom>
+            <a:ln w="38100">
+              <a:solidFill>
+                <a:schemeClr val="tx1"/>
+              </a:solidFill>
+            </a:ln>
+          </p:spPr>
+          <p:style>
+            <a:lnRef idx="1">
+              <a:schemeClr val="accent1"/>
+            </a:lnRef>
+            <a:fillRef idx="0">
+              <a:schemeClr val="accent1"/>
+            </a:fillRef>
+            <a:effectRef idx="0">
+              <a:schemeClr val="accent1"/>
+            </a:effectRef>
+            <a:fontRef idx="minor">
+              <a:schemeClr val="tx1"/>
+            </a:fontRef>
+          </p:style>
+        </p:cxnSp>
+        <p:cxnSp>
+          <p:nvCxnSpPr>
+            <p:cNvPr id="131" name="Connettore diritto 130">
+              <a:extLst>
+                <a:ext uri="{FF2B5EF4-FFF2-40B4-BE49-F238E27FC236}">
+                  <a16:creationId xmlns:a16="http://schemas.microsoft.com/office/drawing/2014/main" id="{DFE5BEA0-195E-2B5C-5556-A1A5A6C571AE}"/>
+                </a:ext>
+              </a:extLst>
+            </p:cNvPr>
+            <p:cNvCxnSpPr>
+              <a:cxnSpLocks/>
+              <a:stCxn id="123" idx="6"/>
+              <a:endCxn id="126" idx="2"/>
+            </p:cNvCxnSpPr>
+            <p:nvPr/>
+          </p:nvCxnSpPr>
+          <p:spPr>
+            <a:xfrm>
+              <a:off x="737716" y="4096292"/>
+              <a:ext cx="1067174" cy="19834"/>
+            </a:xfrm>
+            <a:prstGeom prst="line">
+              <a:avLst/>
+            </a:prstGeom>
+            <a:ln w="38100">
+              <a:solidFill>
+                <a:schemeClr val="tx1"/>
+              </a:solidFill>
+            </a:ln>
+          </p:spPr>
+          <p:style>
+            <a:lnRef idx="1">
+              <a:schemeClr val="accent1"/>
+            </a:lnRef>
+            <a:fillRef idx="0">
+              <a:schemeClr val="accent1"/>
+            </a:fillRef>
+            <a:effectRef idx="0">
+              <a:schemeClr val="accent1"/>
+            </a:effectRef>
+            <a:fontRef idx="minor">
+              <a:schemeClr val="tx1"/>
+            </a:fontRef>
+          </p:style>
+        </p:cxnSp>
+        <p:cxnSp>
+          <p:nvCxnSpPr>
+            <p:cNvPr id="132" name="Connettore diritto 131">
+              <a:extLst>
+                <a:ext uri="{FF2B5EF4-FFF2-40B4-BE49-F238E27FC236}">
+                  <a16:creationId xmlns:a16="http://schemas.microsoft.com/office/drawing/2014/main" id="{7823BBF1-0612-9DCA-AF70-6D962601A273}"/>
+                </a:ext>
+              </a:extLst>
+            </p:cNvPr>
+            <p:cNvCxnSpPr>
+              <a:cxnSpLocks/>
+              <a:stCxn id="123" idx="6"/>
+              <a:endCxn id="127" idx="2"/>
+            </p:cNvCxnSpPr>
+            <p:nvPr/>
+          </p:nvCxnSpPr>
+          <p:spPr>
+            <a:xfrm>
+              <a:off x="737716" y="4096292"/>
+              <a:ext cx="1238878" cy="666151"/>
+            </a:xfrm>
+            <a:prstGeom prst="line">
+              <a:avLst/>
+            </a:prstGeom>
+            <a:ln w="38100">
+              <a:solidFill>
+                <a:schemeClr val="tx1"/>
+              </a:solidFill>
+            </a:ln>
+          </p:spPr>
+          <p:style>
+            <a:lnRef idx="1">
+              <a:schemeClr val="accent1"/>
+            </a:lnRef>
+            <a:fillRef idx="0">
+              <a:schemeClr val="accent1"/>
+            </a:fillRef>
+            <a:effectRef idx="0">
+              <a:schemeClr val="accent1"/>
+            </a:effectRef>
+            <a:fontRef idx="minor">
+              <a:schemeClr val="tx1"/>
+            </a:fontRef>
+          </p:style>
+        </p:cxnSp>
+        <p:cxnSp>
+          <p:nvCxnSpPr>
+            <p:cNvPr id="133" name="Connettore diritto 132">
+              <a:extLst>
+                <a:ext uri="{FF2B5EF4-FFF2-40B4-BE49-F238E27FC236}">
+                  <a16:creationId xmlns:a16="http://schemas.microsoft.com/office/drawing/2014/main" id="{1A58F3EE-6876-BD74-9C6F-01944D6A03C9}"/>
+                </a:ext>
+              </a:extLst>
+            </p:cNvPr>
+            <p:cNvCxnSpPr>
+              <a:cxnSpLocks/>
+              <a:stCxn id="124" idx="6"/>
+              <a:endCxn id="126" idx="2"/>
+            </p:cNvCxnSpPr>
+            <p:nvPr/>
+          </p:nvCxnSpPr>
+          <p:spPr>
+            <a:xfrm flipV="1">
+              <a:off x="1271303" y="4116126"/>
+              <a:ext cx="533587" cy="623324"/>
+            </a:xfrm>
+            <a:prstGeom prst="line">
+              <a:avLst/>
+            </a:prstGeom>
+            <a:solidFill>
+              <a:srgbClr val="FF0000"/>
+            </a:solidFill>
+            <a:ln w="38100">
+              <a:solidFill>
+                <a:schemeClr val="tx1"/>
+              </a:solidFill>
+            </a:ln>
+          </p:spPr>
+          <p:style>
+            <a:lnRef idx="1">
+              <a:schemeClr val="accent1"/>
+            </a:lnRef>
+            <a:fillRef idx="0">
+              <a:schemeClr val="accent1"/>
+            </a:fillRef>
+            <a:effectRef idx="0">
+              <a:schemeClr val="accent1"/>
+            </a:effectRef>
+            <a:fontRef idx="minor">
+              <a:schemeClr val="tx1"/>
+            </a:fontRef>
+          </p:style>
+        </p:cxnSp>
+        <p:cxnSp>
+          <p:nvCxnSpPr>
+            <p:cNvPr id="134" name="Connettore diritto 133">
+              <a:extLst>
+                <a:ext uri="{FF2B5EF4-FFF2-40B4-BE49-F238E27FC236}">
+                  <a16:creationId xmlns:a16="http://schemas.microsoft.com/office/drawing/2014/main" id="{9B5642E3-C89A-847B-CB2E-E54FDFD14EDA}"/>
+                </a:ext>
+              </a:extLst>
+            </p:cNvPr>
+            <p:cNvCxnSpPr>
+              <a:cxnSpLocks/>
+              <a:stCxn id="124" idx="6"/>
+              <a:endCxn id="127" idx="2"/>
+            </p:cNvCxnSpPr>
+            <p:nvPr/>
+          </p:nvCxnSpPr>
+          <p:spPr>
+            <a:xfrm>
+              <a:off x="1271303" y="4739450"/>
+              <a:ext cx="705291" cy="22993"/>
+            </a:xfrm>
+            <a:prstGeom prst="line">
+              <a:avLst/>
+            </a:prstGeom>
+            <a:ln w="38100">
+              <a:solidFill>
+                <a:schemeClr val="tx1"/>
+              </a:solidFill>
+            </a:ln>
+          </p:spPr>
+          <p:style>
+            <a:lnRef idx="1">
+              <a:schemeClr val="accent1"/>
+            </a:lnRef>
+            <a:fillRef idx="0">
+              <a:schemeClr val="accent1"/>
+            </a:fillRef>
+            <a:effectRef idx="0">
+              <a:schemeClr val="accent1"/>
+            </a:effectRef>
+            <a:fontRef idx="minor">
+              <a:schemeClr val="tx1"/>
+            </a:fontRef>
+          </p:style>
+        </p:cxnSp>
+        <p:cxnSp>
+          <p:nvCxnSpPr>
+            <p:cNvPr id="135" name="Connettore diritto 134">
+              <a:extLst>
+                <a:ext uri="{FF2B5EF4-FFF2-40B4-BE49-F238E27FC236}">
+                  <a16:creationId xmlns:a16="http://schemas.microsoft.com/office/drawing/2014/main" id="{070E424F-EBF9-9986-6010-24DEF4EC3BC9}"/>
+                </a:ext>
+              </a:extLst>
+            </p:cNvPr>
+            <p:cNvCxnSpPr>
+              <a:cxnSpLocks/>
+              <a:stCxn id="125" idx="6"/>
+              <a:endCxn id="128" idx="2"/>
+            </p:cNvCxnSpPr>
+            <p:nvPr/>
+          </p:nvCxnSpPr>
+          <p:spPr>
+            <a:xfrm>
+              <a:off x="2442585" y="3372426"/>
+              <a:ext cx="333935" cy="733783"/>
+            </a:xfrm>
+            <a:prstGeom prst="line">
+              <a:avLst/>
+            </a:prstGeom>
+            <a:ln w="38100">
+              <a:solidFill>
+                <a:schemeClr val="tx1"/>
+              </a:solidFill>
+            </a:ln>
+          </p:spPr>
+          <p:style>
+            <a:lnRef idx="1">
+              <a:schemeClr val="accent1"/>
+            </a:lnRef>
+            <a:fillRef idx="0">
+              <a:schemeClr val="accent1"/>
+            </a:fillRef>
+            <a:effectRef idx="0">
+              <a:schemeClr val="accent1"/>
+            </a:effectRef>
+            <a:fontRef idx="minor">
+              <a:schemeClr val="tx1"/>
+            </a:fontRef>
+          </p:style>
+        </p:cxnSp>
+        <p:cxnSp>
+          <p:nvCxnSpPr>
+            <p:cNvPr id="136" name="Connettore diritto 135">
+              <a:extLst>
+                <a:ext uri="{FF2B5EF4-FFF2-40B4-BE49-F238E27FC236}">
+                  <a16:creationId xmlns:a16="http://schemas.microsoft.com/office/drawing/2014/main" id="{CB3A0333-28A3-1C2C-A2F7-B7232DC7571B}"/>
+                </a:ext>
+              </a:extLst>
+            </p:cNvPr>
+            <p:cNvCxnSpPr>
+              <a:cxnSpLocks/>
+              <a:stCxn id="126" idx="6"/>
+              <a:endCxn id="128" idx="2"/>
+            </p:cNvCxnSpPr>
+            <p:nvPr/>
+          </p:nvCxnSpPr>
+          <p:spPr>
+            <a:xfrm flipV="1">
+              <a:off x="2226920" y="4106209"/>
+              <a:ext cx="549600" cy="9917"/>
+            </a:xfrm>
+            <a:prstGeom prst="line">
+              <a:avLst/>
+            </a:prstGeom>
+            <a:ln w="38100">
+              <a:solidFill>
+                <a:schemeClr val="tx1"/>
+              </a:solidFill>
+            </a:ln>
+          </p:spPr>
+          <p:style>
+            <a:lnRef idx="1">
+              <a:schemeClr val="accent1"/>
+            </a:lnRef>
+            <a:fillRef idx="0">
+              <a:schemeClr val="accent1"/>
+            </a:fillRef>
+            <a:effectRef idx="0">
+              <a:schemeClr val="accent1"/>
+            </a:effectRef>
+            <a:fontRef idx="minor">
+              <a:schemeClr val="tx1"/>
+            </a:fontRef>
+          </p:style>
+        </p:cxnSp>
+        <p:cxnSp>
+          <p:nvCxnSpPr>
+            <p:cNvPr id="137" name="Connettore diritto 136">
+              <a:extLst>
+                <a:ext uri="{FF2B5EF4-FFF2-40B4-BE49-F238E27FC236}">
+                  <a16:creationId xmlns:a16="http://schemas.microsoft.com/office/drawing/2014/main" id="{396CEF05-AA12-DEB6-52CC-451D9A08734A}"/>
+                </a:ext>
+              </a:extLst>
+            </p:cNvPr>
+            <p:cNvCxnSpPr>
+              <a:cxnSpLocks/>
+              <a:stCxn id="127" idx="6"/>
+              <a:endCxn id="128" idx="2"/>
+            </p:cNvCxnSpPr>
+            <p:nvPr/>
+          </p:nvCxnSpPr>
+          <p:spPr>
+            <a:xfrm flipV="1">
+              <a:off x="2398624" y="4106209"/>
+              <a:ext cx="377896" cy="656234"/>
+            </a:xfrm>
+            <a:prstGeom prst="line">
+              <a:avLst/>
+            </a:prstGeom>
+            <a:ln w="38100">
+              <a:solidFill>
+                <a:schemeClr val="tx1"/>
+              </a:solidFill>
+            </a:ln>
+          </p:spPr>
+          <p:style>
+            <a:lnRef idx="1">
+              <a:schemeClr val="accent1"/>
+            </a:lnRef>
+            <a:fillRef idx="0">
+              <a:schemeClr val="accent1"/>
+            </a:fillRef>
+            <a:effectRef idx="0">
+              <a:schemeClr val="accent1"/>
+            </a:effectRef>
+            <a:fontRef idx="minor">
+              <a:schemeClr val="tx1"/>
+            </a:fontRef>
+          </p:style>
+        </p:cxnSp>
+      </p:grpSp>
+      <p:sp>
+        <p:nvSpPr>
+          <p:cNvPr id="139" name="Freccia a destra 138">
+            <a:extLst>
+              <a:ext uri="{FF2B5EF4-FFF2-40B4-BE49-F238E27FC236}">
+                <a16:creationId xmlns:a16="http://schemas.microsoft.com/office/drawing/2014/main" id="{57F41672-4541-5D40-F74C-63E9783EE396}"/>
+              </a:ext>
+            </a:extLst>
+          </p:cNvPr>
+          <p:cNvSpPr/>
+          <p:nvPr/>
+        </p:nvSpPr>
+        <p:spPr>
+          <a:xfrm>
+            <a:off x="2033695" y="3647932"/>
+            <a:ext cx="593734" cy="583706"/>
+          </a:xfrm>
+          <a:prstGeom prst="rightArrow">
+            <a:avLst/>
+          </a:prstGeom>
+        </p:spPr>
+        <p:style>
+          <a:lnRef idx="2">
+            <a:schemeClr val="accent1">
+              <a:shade val="15000"/>
+            </a:schemeClr>
+          </a:lnRef>
+          <a:fillRef idx="1">
+            <a:schemeClr val="accent1"/>
+          </a:fillRef>
+          <a:effectRef idx="0">
+            <a:schemeClr val="accent1"/>
+          </a:effectRef>
+          <a:fontRef idx="minor">
+            <a:schemeClr val="lt1"/>
+          </a:fontRef>
+        </p:style>
+        <p:txBody>
+          <a:bodyPr rtlCol="0" anchor="ctr"/>
+          <a:lstStyle/>
+          <a:p>
+            <a:pPr algn="ctr"/>
+            <a:endParaRPr lang="en-US"/>
+          </a:p>
+        </p:txBody>
+      </p:sp>
+      <p:sp>
+        <p:nvSpPr>
+          <p:cNvPr id="140" name="Rettangolo 139">
+            <a:extLst>
+              <a:ext uri="{FF2B5EF4-FFF2-40B4-BE49-F238E27FC236}">
+                <a16:creationId xmlns:a16="http://schemas.microsoft.com/office/drawing/2014/main" id="{564E7123-B11C-EEFC-DE84-1389CD034EBE}"/>
+              </a:ext>
+            </a:extLst>
+          </p:cNvPr>
+          <p:cNvSpPr/>
+          <p:nvPr/>
+        </p:nvSpPr>
+        <p:spPr>
+          <a:xfrm>
+            <a:off x="2712735" y="3429000"/>
+            <a:ext cx="1123541" cy="990037"/>
+          </a:xfrm>
+          <a:prstGeom prst="rect">
+            <a:avLst/>
+          </a:prstGeom>
+          <a:solidFill>
+            <a:schemeClr val="bg1"/>
+          </a:solidFill>
+        </p:spPr>
+        <p:style>
+          <a:lnRef idx="2">
+            <a:schemeClr val="accent1">
+              <a:shade val="15000"/>
+            </a:schemeClr>
+          </a:lnRef>
+          <a:fillRef idx="1">
+            <a:schemeClr val="accent1"/>
+          </a:fillRef>
+          <a:effectRef idx="0">
+            <a:schemeClr val="accent1"/>
+          </a:effectRef>
+          <a:fontRef idx="minor">
+            <a:schemeClr val="lt1"/>
+          </a:fontRef>
+        </p:style>
+        <p:txBody>
+          <a:bodyPr rtlCol="0" anchor="ctr"/>
+          <a:lstStyle/>
+          <a:p>
+            <a:pPr algn="ctr"/>
+            <a:endParaRPr lang="en-US"/>
+          </a:p>
+        </p:txBody>
+      </p:sp>
+      <p:sp>
+        <p:nvSpPr>
+          <p:cNvPr id="158" name="Ovale 157">
+            <a:extLst>
+              <a:ext uri="{FF2B5EF4-FFF2-40B4-BE49-F238E27FC236}">
+                <a16:creationId xmlns:a16="http://schemas.microsoft.com/office/drawing/2014/main" id="{6C79710E-AB8F-BB39-D878-DFF2CC36FBF4}"/>
+              </a:ext>
+            </a:extLst>
+          </p:cNvPr>
+          <p:cNvSpPr/>
+          <p:nvPr/>
+        </p:nvSpPr>
+        <p:spPr>
+          <a:xfrm>
+            <a:off x="2762478" y="3814428"/>
+            <a:ext cx="170786" cy="230582"/>
+          </a:xfrm>
+          <a:prstGeom prst="ellipse">
+            <a:avLst/>
+          </a:prstGeom>
+          <a:solidFill>
+            <a:srgbClr val="FF0000"/>
+          </a:solidFill>
+        </p:spPr>
+        <p:style>
+          <a:lnRef idx="2">
+            <a:schemeClr val="accent1">
+              <a:shade val="15000"/>
+            </a:schemeClr>
+          </a:lnRef>
+          <a:fillRef idx="1">
+            <a:schemeClr val="accent1"/>
+          </a:fillRef>
+          <a:effectRef idx="0">
+            <a:schemeClr val="accent1"/>
+          </a:effectRef>
+          <a:fontRef idx="minor">
+            <a:schemeClr val="lt1"/>
+          </a:fontRef>
+        </p:style>
+        <p:txBody>
+          <a:bodyPr rtlCol="0" anchor="ctr"/>
+          <a:lstStyle/>
+          <a:p>
+            <a:pPr algn="ctr"/>
+            <a:endParaRPr lang="en-US"/>
+          </a:p>
+        </p:txBody>
+      </p:sp>
+      <p:sp>
+        <p:nvSpPr>
+          <p:cNvPr id="159" name="Ovale 158">
+            <a:extLst>
+              <a:ext uri="{FF2B5EF4-FFF2-40B4-BE49-F238E27FC236}">
+                <a16:creationId xmlns:a16="http://schemas.microsoft.com/office/drawing/2014/main" id="{C1B06364-8292-0A83-DE98-A8259975E281}"/>
+              </a:ext>
+            </a:extLst>
+          </p:cNvPr>
+          <p:cNvSpPr/>
+          <p:nvPr/>
+        </p:nvSpPr>
+        <p:spPr>
+          <a:xfrm>
+            <a:off x="2895121" y="4123211"/>
+            <a:ext cx="170786" cy="230582"/>
+          </a:xfrm>
+          <a:prstGeom prst="ellipse">
+            <a:avLst/>
+          </a:prstGeom>
+          <a:solidFill>
+            <a:srgbClr val="FF0000"/>
+          </a:solidFill>
+        </p:spPr>
+        <p:style>
+          <a:lnRef idx="2">
+            <a:schemeClr val="accent1">
+              <a:shade val="15000"/>
+            </a:schemeClr>
+          </a:lnRef>
+          <a:fillRef idx="1">
+            <a:schemeClr val="accent1"/>
+          </a:fillRef>
+          <a:effectRef idx="0">
+            <a:schemeClr val="accent1"/>
+          </a:effectRef>
+          <a:fontRef idx="minor">
+            <a:schemeClr val="lt1"/>
+          </a:fontRef>
+        </p:style>
+        <p:txBody>
+          <a:bodyPr rtlCol="0" anchor="ctr"/>
+          <a:lstStyle/>
+          <a:p>
+            <a:pPr algn="ctr"/>
+            <a:endParaRPr lang="en-US"/>
+          </a:p>
+        </p:txBody>
+      </p:sp>
+      <p:sp>
+        <p:nvSpPr>
+          <p:cNvPr id="160" name="Ovale 159">
+            <a:extLst>
+              <a:ext uri="{FF2B5EF4-FFF2-40B4-BE49-F238E27FC236}">
+                <a16:creationId xmlns:a16="http://schemas.microsoft.com/office/drawing/2014/main" id="{068EAB8D-5D9F-CDC5-236E-EEE4555B24D0}"/>
+              </a:ext>
+            </a:extLst>
+          </p:cNvPr>
+          <p:cNvSpPr/>
+          <p:nvPr/>
+        </p:nvSpPr>
+        <p:spPr>
+          <a:xfrm>
+            <a:off x="3027139" y="3916033"/>
+            <a:ext cx="170786" cy="230582"/>
+          </a:xfrm>
+          <a:prstGeom prst="ellipse">
+            <a:avLst/>
+          </a:prstGeom>
+          <a:solidFill>
+            <a:srgbClr val="FF0000"/>
+          </a:solidFill>
+        </p:spPr>
+        <p:style>
+          <a:lnRef idx="2">
+            <a:schemeClr val="accent1">
+              <a:shade val="15000"/>
+            </a:schemeClr>
+          </a:lnRef>
+          <a:fillRef idx="1">
+            <a:schemeClr val="accent1"/>
+          </a:fillRef>
+          <a:effectRef idx="0">
+            <a:schemeClr val="accent1"/>
+          </a:effectRef>
+          <a:fontRef idx="minor">
+            <a:schemeClr val="lt1"/>
+          </a:fontRef>
+        </p:style>
+        <p:txBody>
+          <a:bodyPr rtlCol="0" anchor="ctr"/>
+          <a:lstStyle/>
+          <a:p>
+            <a:pPr algn="ctr"/>
+            <a:endParaRPr lang="en-US"/>
+          </a:p>
+        </p:txBody>
+      </p:sp>
+      <p:sp>
+        <p:nvSpPr>
+          <p:cNvPr id="161" name="Ovale 160">
+            <a:extLst>
+              <a:ext uri="{FF2B5EF4-FFF2-40B4-BE49-F238E27FC236}">
+                <a16:creationId xmlns:a16="http://schemas.microsoft.com/office/drawing/2014/main" id="{F34E10F1-3F31-DB83-72CF-8F0234F1F8DD}"/>
+              </a:ext>
+            </a:extLst>
+          </p:cNvPr>
+          <p:cNvSpPr/>
+          <p:nvPr/>
+        </p:nvSpPr>
+        <p:spPr>
+          <a:xfrm>
+            <a:off x="3449455" y="3482633"/>
+            <a:ext cx="170786" cy="230582"/>
+          </a:xfrm>
+          <a:prstGeom prst="ellipse">
+            <a:avLst/>
+          </a:prstGeom>
+        </p:spPr>
+        <p:style>
+          <a:lnRef idx="2">
+            <a:schemeClr val="accent1">
+              <a:shade val="15000"/>
+            </a:schemeClr>
+          </a:lnRef>
+          <a:fillRef idx="1">
+            <a:schemeClr val="accent1"/>
+          </a:fillRef>
+          <a:effectRef idx="0">
+            <a:schemeClr val="accent1"/>
+          </a:effectRef>
+          <a:fontRef idx="minor">
+            <a:schemeClr val="lt1"/>
+          </a:fontRef>
+        </p:style>
+        <p:txBody>
+          <a:bodyPr rtlCol="0" anchor="ctr"/>
+          <a:lstStyle/>
+          <a:p>
+            <a:pPr algn="ctr"/>
+            <a:endParaRPr lang="en-US"/>
+          </a:p>
+        </p:txBody>
+      </p:sp>
+      <p:sp>
+        <p:nvSpPr>
+          <p:cNvPr id="162" name="Ovale 161">
+            <a:extLst>
+              <a:ext uri="{FF2B5EF4-FFF2-40B4-BE49-F238E27FC236}">
+                <a16:creationId xmlns:a16="http://schemas.microsoft.com/office/drawing/2014/main" id="{14ECB4D4-5D6C-5C76-B9E9-6B321FF281E4}"/>
+              </a:ext>
+            </a:extLst>
+          </p:cNvPr>
+          <p:cNvSpPr/>
+          <p:nvPr/>
+        </p:nvSpPr>
+        <p:spPr>
+          <a:xfrm>
+            <a:off x="3632456" y="3450224"/>
+            <a:ext cx="170786" cy="230582"/>
+          </a:xfrm>
+          <a:prstGeom prst="ellipse">
+            <a:avLst/>
+          </a:prstGeom>
+        </p:spPr>
+        <p:style>
+          <a:lnRef idx="2">
+            <a:schemeClr val="accent1">
+              <a:shade val="15000"/>
+            </a:schemeClr>
+          </a:lnRef>
+          <a:fillRef idx="1">
+            <a:schemeClr val="accent1"/>
+          </a:fillRef>
+          <a:effectRef idx="0">
+            <a:schemeClr val="accent1"/>
+          </a:effectRef>
+          <a:fontRef idx="minor">
+            <a:schemeClr val="lt1"/>
+          </a:fontRef>
+        </p:style>
+        <p:txBody>
+          <a:bodyPr rtlCol="0" anchor="ctr"/>
+          <a:lstStyle/>
+          <a:p>
+            <a:pPr algn="ctr"/>
+            <a:endParaRPr lang="en-US"/>
+          </a:p>
+        </p:txBody>
+      </p:sp>
+      <p:sp>
+        <p:nvSpPr>
+          <p:cNvPr id="163" name="Ovale 162">
+            <a:extLst>
+              <a:ext uri="{FF2B5EF4-FFF2-40B4-BE49-F238E27FC236}">
+                <a16:creationId xmlns:a16="http://schemas.microsoft.com/office/drawing/2014/main" id="{78ABA86F-EEDC-E7F3-2487-079554D5911C}"/>
+              </a:ext>
+            </a:extLst>
+          </p:cNvPr>
+          <p:cNvSpPr/>
+          <p:nvPr/>
+        </p:nvSpPr>
+        <p:spPr>
+          <a:xfrm>
+            <a:off x="3557472" y="3688788"/>
+            <a:ext cx="170786" cy="230582"/>
+          </a:xfrm>
+          <a:prstGeom prst="ellipse">
+            <a:avLst/>
+          </a:prstGeom>
+        </p:spPr>
+        <p:style>
+          <a:lnRef idx="2">
+            <a:schemeClr val="accent1">
+              <a:shade val="15000"/>
+            </a:schemeClr>
+          </a:lnRef>
+          <a:fillRef idx="1">
+            <a:schemeClr val="accent1"/>
+          </a:fillRef>
+          <a:effectRef idx="0">
+            <a:schemeClr val="accent1"/>
+          </a:effectRef>
+          <a:fontRef idx="minor">
+            <a:schemeClr val="lt1"/>
+          </a:fontRef>
+        </p:style>
+        <p:txBody>
+          <a:bodyPr rtlCol="0" anchor="ctr"/>
+          <a:lstStyle/>
+          <a:p>
+            <a:pPr algn="ctr"/>
+            <a:endParaRPr lang="en-US"/>
+          </a:p>
+        </p:txBody>
+      </p:sp>
+      <p:sp>
+        <p:nvSpPr>
+          <p:cNvPr id="164" name="Ovale 163">
+            <a:extLst>
+              <a:ext uri="{FF2B5EF4-FFF2-40B4-BE49-F238E27FC236}">
+                <a16:creationId xmlns:a16="http://schemas.microsoft.com/office/drawing/2014/main" id="{1A06336B-F5EF-5404-D00B-3B06981A8A99}"/>
+              </a:ext>
+            </a:extLst>
+          </p:cNvPr>
+          <p:cNvSpPr/>
+          <p:nvPr/>
+        </p:nvSpPr>
+        <p:spPr>
+          <a:xfrm>
+            <a:off x="3627246" y="4144184"/>
+            <a:ext cx="170786" cy="230582"/>
+          </a:xfrm>
+          <a:prstGeom prst="ellipse">
+            <a:avLst/>
+          </a:prstGeom>
+          <a:solidFill>
+            <a:srgbClr val="00B050"/>
+          </a:solidFill>
+        </p:spPr>
+        <p:style>
+          <a:lnRef idx="2">
+            <a:schemeClr val="accent1">
+              <a:shade val="15000"/>
+            </a:schemeClr>
+          </a:lnRef>
+          <a:fillRef idx="1">
+            <a:schemeClr val="accent1"/>
+          </a:fillRef>
+          <a:effectRef idx="0">
+            <a:schemeClr val="accent1"/>
+          </a:effectRef>
+          <a:fontRef idx="minor">
+            <a:schemeClr val="lt1"/>
+          </a:fontRef>
+        </p:style>
+        <p:txBody>
+          <a:bodyPr rtlCol="0" anchor="ctr"/>
+          <a:lstStyle/>
+          <a:p>
+            <a:pPr algn="ctr"/>
+            <a:endParaRPr lang="en-US"/>
+          </a:p>
+        </p:txBody>
+      </p:sp>
+      <p:sp>
+        <p:nvSpPr>
+          <p:cNvPr id="165" name="CasellaDiTesto 164">
+            <a:extLst>
+              <a:ext uri="{FF2B5EF4-FFF2-40B4-BE49-F238E27FC236}">
+                <a16:creationId xmlns:a16="http://schemas.microsoft.com/office/drawing/2014/main" id="{4A5CF98C-5944-ED86-BC47-FA27A4C57BC2}"/>
+              </a:ext>
+            </a:extLst>
+          </p:cNvPr>
+          <p:cNvSpPr txBox="1"/>
+          <p:nvPr/>
+        </p:nvSpPr>
+        <p:spPr>
+          <a:xfrm>
+            <a:off x="176650" y="2848840"/>
+            <a:ext cx="569884" cy="369332"/>
+          </a:xfrm>
+          <a:prstGeom prst="rect">
+            <a:avLst/>
+          </a:prstGeom>
+          <a:noFill/>
+        </p:spPr>
+        <p:txBody>
+          <a:bodyPr wrap="square" rtlCol="0">
+            <a:spAutoFit/>
+          </a:bodyPr>
+          <a:lstStyle/>
+          <a:p>
+            <a:r>
+              <a:rPr lang="en-US" dirty="0"/>
+              <a:t>D)</a:t>
+            </a:r>
+          </a:p>
+        </p:txBody>
+      </p:sp>
+      <p:grpSp>
+        <p:nvGrpSpPr>
+          <p:cNvPr id="166" name="Gruppo 165">
+            <a:extLst>
+              <a:ext uri="{FF2B5EF4-FFF2-40B4-BE49-F238E27FC236}">
+                <a16:creationId xmlns:a16="http://schemas.microsoft.com/office/drawing/2014/main" id="{A6916676-697D-0B82-C230-03C23B44AE90}"/>
+              </a:ext>
+            </a:extLst>
+          </p:cNvPr>
+          <p:cNvGrpSpPr/>
+          <p:nvPr/>
+        </p:nvGrpSpPr>
+        <p:grpSpPr>
+          <a:xfrm>
+            <a:off x="4800571" y="3384729"/>
+            <a:ext cx="1166632" cy="990037"/>
+            <a:chOff x="315686" y="3161410"/>
+            <a:chExt cx="2882864" cy="1812048"/>
+          </a:xfrm>
+        </p:grpSpPr>
+        <p:sp>
+          <p:nvSpPr>
+            <p:cNvPr id="167" name="Ovale 166">
+              <a:extLst>
+                <a:ext uri="{FF2B5EF4-FFF2-40B4-BE49-F238E27FC236}">
+                  <a16:creationId xmlns:a16="http://schemas.microsoft.com/office/drawing/2014/main" id="{B0897D65-07E3-795F-E18F-C59EA5508073}"/>
+                </a:ext>
+              </a:extLst>
+            </p:cNvPr>
+            <p:cNvSpPr/>
+            <p:nvPr/>
+          </p:nvSpPr>
+          <p:spPr>
+            <a:xfrm>
+              <a:off x="978334" y="3357738"/>
+              <a:ext cx="422030" cy="422031"/>
+            </a:xfrm>
+            <a:prstGeom prst="ellipse">
+              <a:avLst/>
+            </a:prstGeom>
+          </p:spPr>
+          <p:style>
+            <a:lnRef idx="2">
+              <a:schemeClr val="accent1">
+                <a:shade val="15000"/>
+              </a:schemeClr>
+            </a:lnRef>
+            <a:fillRef idx="1">
+              <a:schemeClr val="accent1"/>
+            </a:fillRef>
+            <a:effectRef idx="0">
+              <a:schemeClr val="accent1"/>
+            </a:effectRef>
+            <a:fontRef idx="minor">
+              <a:schemeClr val="lt1"/>
+            </a:fontRef>
+          </p:style>
+          <p:txBody>
+            <a:bodyPr rtlCol="0" anchor="ctr"/>
+            <a:lstStyle/>
+            <a:p>
+              <a:pPr algn="ctr"/>
+              <a:endParaRPr lang="en-US"/>
+            </a:p>
+          </p:txBody>
+        </p:sp>
+        <p:sp>
+          <p:nvSpPr>
+            <p:cNvPr id="168" name="Ovale 167">
+              <a:extLst>
+                <a:ext uri="{FF2B5EF4-FFF2-40B4-BE49-F238E27FC236}">
+                  <a16:creationId xmlns:a16="http://schemas.microsoft.com/office/drawing/2014/main" id="{91CC7A4C-E112-95C8-C113-ED70C33D3DC7}"/>
+                </a:ext>
+              </a:extLst>
+            </p:cNvPr>
+            <p:cNvSpPr/>
+            <p:nvPr/>
+          </p:nvSpPr>
+          <p:spPr>
+            <a:xfrm>
+              <a:off x="315686" y="3885276"/>
+              <a:ext cx="422030" cy="422031"/>
+            </a:xfrm>
+            <a:prstGeom prst="ellipse">
+              <a:avLst/>
+            </a:prstGeom>
+            <a:solidFill>
+              <a:srgbClr val="FF0000"/>
+            </a:solidFill>
+          </p:spPr>
+          <p:style>
+            <a:lnRef idx="2">
+              <a:schemeClr val="accent1">
+                <a:shade val="15000"/>
+              </a:schemeClr>
+            </a:lnRef>
+            <a:fillRef idx="1">
+              <a:schemeClr val="accent1"/>
+            </a:fillRef>
+            <a:effectRef idx="0">
+              <a:schemeClr val="accent1"/>
+            </a:effectRef>
+            <a:fontRef idx="minor">
+              <a:schemeClr val="lt1"/>
+            </a:fontRef>
+          </p:style>
+          <p:txBody>
+            <a:bodyPr rtlCol="0" anchor="ctr"/>
+            <a:lstStyle/>
+            <a:p>
+              <a:pPr algn="ctr"/>
+              <a:endParaRPr lang="en-US"/>
+            </a:p>
+          </p:txBody>
+        </p:sp>
+        <p:sp>
+          <p:nvSpPr>
+            <p:cNvPr id="169" name="Ovale 168">
+              <a:extLst>
+                <a:ext uri="{FF2B5EF4-FFF2-40B4-BE49-F238E27FC236}">
+                  <a16:creationId xmlns:a16="http://schemas.microsoft.com/office/drawing/2014/main" id="{10D34AE4-936C-ECC3-C602-1BBE8EAA94B6}"/>
+                </a:ext>
+              </a:extLst>
+            </p:cNvPr>
+            <p:cNvSpPr/>
+            <p:nvPr/>
+          </p:nvSpPr>
+          <p:spPr>
+            <a:xfrm>
+              <a:off x="849273" y="4528434"/>
+              <a:ext cx="422030" cy="422031"/>
+            </a:xfrm>
+            <a:prstGeom prst="ellipse">
+              <a:avLst/>
+            </a:prstGeom>
+            <a:solidFill>
+              <a:srgbClr val="FF0000"/>
+            </a:solidFill>
+          </p:spPr>
+          <p:style>
+            <a:lnRef idx="2">
+              <a:schemeClr val="accent1">
+                <a:shade val="15000"/>
+              </a:schemeClr>
+            </a:lnRef>
+            <a:fillRef idx="1">
+              <a:schemeClr val="accent1"/>
+            </a:fillRef>
+            <a:effectRef idx="0">
+              <a:schemeClr val="accent1"/>
+            </a:effectRef>
+            <a:fontRef idx="minor">
+              <a:schemeClr val="lt1"/>
+            </a:fontRef>
+          </p:style>
+          <p:txBody>
+            <a:bodyPr rtlCol="0" anchor="ctr"/>
+            <a:lstStyle/>
+            <a:p>
+              <a:pPr algn="ctr"/>
+              <a:endParaRPr lang="en-US"/>
+            </a:p>
+          </p:txBody>
+        </p:sp>
+        <p:sp>
+          <p:nvSpPr>
+            <p:cNvPr id="170" name="Ovale 169">
+              <a:extLst>
+                <a:ext uri="{FF2B5EF4-FFF2-40B4-BE49-F238E27FC236}">
+                  <a16:creationId xmlns:a16="http://schemas.microsoft.com/office/drawing/2014/main" id="{C3BF64E9-8535-26B1-BB27-B20F570D74EE}"/>
+                </a:ext>
+              </a:extLst>
+            </p:cNvPr>
+            <p:cNvSpPr/>
+            <p:nvPr/>
+          </p:nvSpPr>
+          <p:spPr>
+            <a:xfrm>
+              <a:off x="2020555" y="3161410"/>
+              <a:ext cx="422030" cy="422031"/>
+            </a:xfrm>
+            <a:prstGeom prst="ellipse">
+              <a:avLst/>
+            </a:prstGeom>
+          </p:spPr>
+          <p:style>
+            <a:lnRef idx="2">
+              <a:schemeClr val="accent1">
+                <a:shade val="15000"/>
+              </a:schemeClr>
+            </a:lnRef>
+            <a:fillRef idx="1">
+              <a:schemeClr val="accent1"/>
+            </a:fillRef>
+            <a:effectRef idx="0">
+              <a:schemeClr val="accent1"/>
+            </a:effectRef>
+            <a:fontRef idx="minor">
+              <a:schemeClr val="lt1"/>
+            </a:fontRef>
+          </p:style>
+          <p:txBody>
+            <a:bodyPr rtlCol="0" anchor="ctr"/>
+            <a:lstStyle/>
+            <a:p>
+              <a:pPr algn="ctr"/>
+              <a:endParaRPr lang="en-US"/>
+            </a:p>
+          </p:txBody>
+        </p:sp>
+        <p:sp>
+          <p:nvSpPr>
+            <p:cNvPr id="171" name="Ovale 170">
+              <a:extLst>
+                <a:ext uri="{FF2B5EF4-FFF2-40B4-BE49-F238E27FC236}">
+                  <a16:creationId xmlns:a16="http://schemas.microsoft.com/office/drawing/2014/main" id="{153F140C-B89B-E6C3-4976-07F5D721A258}"/>
+                </a:ext>
+              </a:extLst>
+            </p:cNvPr>
+            <p:cNvSpPr/>
+            <p:nvPr/>
+          </p:nvSpPr>
+          <p:spPr>
+            <a:xfrm>
+              <a:off x="1804890" y="3905110"/>
+              <a:ext cx="422030" cy="422031"/>
+            </a:xfrm>
+            <a:prstGeom prst="ellipse">
+              <a:avLst/>
+            </a:prstGeom>
+          </p:spPr>
+          <p:style>
+            <a:lnRef idx="2">
+              <a:schemeClr val="accent1">
+                <a:shade val="15000"/>
+              </a:schemeClr>
+            </a:lnRef>
+            <a:fillRef idx="1">
+              <a:schemeClr val="accent1"/>
+            </a:fillRef>
+            <a:effectRef idx="0">
+              <a:schemeClr val="accent1"/>
+            </a:effectRef>
+            <a:fontRef idx="minor">
+              <a:schemeClr val="lt1"/>
+            </a:fontRef>
+          </p:style>
+          <p:txBody>
+            <a:bodyPr rtlCol="0" anchor="ctr"/>
+            <a:lstStyle/>
+            <a:p>
+              <a:pPr algn="ctr"/>
+              <a:endParaRPr lang="en-US"/>
+            </a:p>
+          </p:txBody>
+        </p:sp>
+        <p:sp>
+          <p:nvSpPr>
+            <p:cNvPr id="172" name="Ovale 171">
+              <a:extLst>
+                <a:ext uri="{FF2B5EF4-FFF2-40B4-BE49-F238E27FC236}">
+                  <a16:creationId xmlns:a16="http://schemas.microsoft.com/office/drawing/2014/main" id="{C6E4543C-5C1D-AD24-64A9-77FD637EA798}"/>
+                </a:ext>
+              </a:extLst>
+            </p:cNvPr>
+            <p:cNvSpPr/>
+            <p:nvPr/>
+          </p:nvSpPr>
+          <p:spPr>
+            <a:xfrm>
+              <a:off x="1976594" y="4551427"/>
+              <a:ext cx="422030" cy="422031"/>
+            </a:xfrm>
+            <a:prstGeom prst="ellipse">
+              <a:avLst/>
+            </a:prstGeom>
+            <a:solidFill>
+              <a:srgbClr val="FF0000"/>
+            </a:solidFill>
+          </p:spPr>
+          <p:style>
+            <a:lnRef idx="2">
+              <a:schemeClr val="accent1">
+                <a:shade val="15000"/>
+              </a:schemeClr>
+            </a:lnRef>
+            <a:fillRef idx="1">
+              <a:schemeClr val="accent1"/>
+            </a:fillRef>
+            <a:effectRef idx="0">
+              <a:schemeClr val="accent1"/>
+            </a:effectRef>
+            <a:fontRef idx="minor">
+              <a:schemeClr val="lt1"/>
+            </a:fontRef>
+          </p:style>
+          <p:txBody>
+            <a:bodyPr rtlCol="0" anchor="ctr"/>
+            <a:lstStyle/>
+            <a:p>
+              <a:pPr algn="ctr"/>
+              <a:endParaRPr lang="en-US"/>
+            </a:p>
+          </p:txBody>
+        </p:sp>
+        <p:sp>
+          <p:nvSpPr>
+            <p:cNvPr id="173" name="Ovale 172">
+              <a:extLst>
+                <a:ext uri="{FF2B5EF4-FFF2-40B4-BE49-F238E27FC236}">
+                  <a16:creationId xmlns:a16="http://schemas.microsoft.com/office/drawing/2014/main" id="{31A7CDC9-FA36-9F7D-D2F1-87476F409976}"/>
+                </a:ext>
+              </a:extLst>
+            </p:cNvPr>
+            <p:cNvSpPr/>
+            <p:nvPr/>
+          </p:nvSpPr>
+          <p:spPr>
+            <a:xfrm>
+              <a:off x="2776520" y="3895193"/>
+              <a:ext cx="422030" cy="422031"/>
+            </a:xfrm>
+            <a:prstGeom prst="ellipse">
+              <a:avLst/>
+            </a:prstGeom>
+            <a:solidFill>
+              <a:srgbClr val="00B050"/>
+            </a:solidFill>
+          </p:spPr>
+          <p:style>
+            <a:lnRef idx="2">
+              <a:schemeClr val="accent1">
+                <a:shade val="15000"/>
+              </a:schemeClr>
+            </a:lnRef>
+            <a:fillRef idx="1">
+              <a:schemeClr val="accent1"/>
+            </a:fillRef>
+            <a:effectRef idx="0">
+              <a:schemeClr val="accent1"/>
+            </a:effectRef>
+            <a:fontRef idx="minor">
+              <a:schemeClr val="lt1"/>
+            </a:fontRef>
+          </p:style>
+          <p:txBody>
+            <a:bodyPr rtlCol="0" anchor="ctr"/>
+            <a:lstStyle/>
+            <a:p>
+              <a:pPr algn="ctr"/>
+              <a:endParaRPr lang="en-US"/>
+            </a:p>
+          </p:txBody>
+        </p:sp>
+        <p:cxnSp>
+          <p:nvCxnSpPr>
+            <p:cNvPr id="174" name="Connettore diritto 173">
+              <a:extLst>
+                <a:ext uri="{FF2B5EF4-FFF2-40B4-BE49-F238E27FC236}">
+                  <a16:creationId xmlns:a16="http://schemas.microsoft.com/office/drawing/2014/main" id="{D5A0328F-863A-26CA-B378-1148532794E6}"/>
+                </a:ext>
+              </a:extLst>
+            </p:cNvPr>
+            <p:cNvCxnSpPr>
+              <a:stCxn id="167" idx="6"/>
+              <a:endCxn id="170" idx="2"/>
+            </p:cNvCxnSpPr>
+            <p:nvPr/>
+          </p:nvCxnSpPr>
+          <p:spPr>
+            <a:xfrm flipV="1">
+              <a:off x="1400364" y="3372426"/>
+              <a:ext cx="620191" cy="196328"/>
+            </a:xfrm>
+            <a:prstGeom prst="line">
+              <a:avLst/>
+            </a:prstGeom>
+            <a:ln w="38100">
+              <a:solidFill>
+                <a:schemeClr val="tx1"/>
+              </a:solidFill>
+            </a:ln>
+          </p:spPr>
+          <p:style>
+            <a:lnRef idx="1">
+              <a:schemeClr val="accent1"/>
+            </a:lnRef>
+            <a:fillRef idx="0">
+              <a:schemeClr val="accent1"/>
+            </a:fillRef>
+            <a:effectRef idx="0">
+              <a:schemeClr val="accent1"/>
+            </a:effectRef>
+            <a:fontRef idx="minor">
+              <a:schemeClr val="tx1"/>
+            </a:fontRef>
+          </p:style>
+        </p:cxnSp>
+        <p:cxnSp>
+          <p:nvCxnSpPr>
+            <p:cNvPr id="175" name="Connettore diritto 174">
+              <a:extLst>
+                <a:ext uri="{FF2B5EF4-FFF2-40B4-BE49-F238E27FC236}">
+                  <a16:creationId xmlns:a16="http://schemas.microsoft.com/office/drawing/2014/main" id="{298D6A91-C0FC-55A9-3A99-87FC26CD94B7}"/>
+                </a:ext>
+              </a:extLst>
+            </p:cNvPr>
+            <p:cNvCxnSpPr>
+              <a:cxnSpLocks/>
+              <a:stCxn id="167" idx="6"/>
+              <a:endCxn id="171" idx="2"/>
+            </p:cNvCxnSpPr>
+            <p:nvPr/>
+          </p:nvCxnSpPr>
+          <p:spPr>
+            <a:xfrm>
+              <a:off x="1400364" y="3568754"/>
+              <a:ext cx="404526" cy="547372"/>
+            </a:xfrm>
+            <a:prstGeom prst="line">
+              <a:avLst/>
+            </a:prstGeom>
+            <a:ln w="38100">
+              <a:solidFill>
+                <a:schemeClr val="tx1"/>
+              </a:solidFill>
+            </a:ln>
+          </p:spPr>
+          <p:style>
+            <a:lnRef idx="1">
+              <a:schemeClr val="accent1"/>
+            </a:lnRef>
+            <a:fillRef idx="0">
+              <a:schemeClr val="accent1"/>
+            </a:fillRef>
+            <a:effectRef idx="0">
+              <a:schemeClr val="accent1"/>
+            </a:effectRef>
+            <a:fontRef idx="minor">
+              <a:schemeClr val="tx1"/>
+            </a:fontRef>
+          </p:style>
+        </p:cxnSp>
+        <p:cxnSp>
+          <p:nvCxnSpPr>
+            <p:cNvPr id="176" name="Connettore diritto 175">
+              <a:extLst>
+                <a:ext uri="{FF2B5EF4-FFF2-40B4-BE49-F238E27FC236}">
+                  <a16:creationId xmlns:a16="http://schemas.microsoft.com/office/drawing/2014/main" id="{A741C62A-B561-8874-CFB8-940779D3950B}"/>
+                </a:ext>
+              </a:extLst>
+            </p:cNvPr>
+            <p:cNvCxnSpPr>
+              <a:cxnSpLocks/>
+              <a:stCxn id="168" idx="6"/>
+              <a:endCxn id="171" idx="2"/>
+            </p:cNvCxnSpPr>
+            <p:nvPr/>
+          </p:nvCxnSpPr>
+          <p:spPr>
+            <a:xfrm>
+              <a:off x="737716" y="4096292"/>
+              <a:ext cx="1067174" cy="19834"/>
+            </a:xfrm>
+            <a:prstGeom prst="line">
+              <a:avLst/>
+            </a:prstGeom>
+            <a:ln w="38100">
+              <a:solidFill>
+                <a:schemeClr val="tx1"/>
+              </a:solidFill>
+            </a:ln>
+          </p:spPr>
+          <p:style>
+            <a:lnRef idx="1">
+              <a:schemeClr val="accent1"/>
+            </a:lnRef>
+            <a:fillRef idx="0">
+              <a:schemeClr val="accent1"/>
+            </a:fillRef>
+            <a:effectRef idx="0">
+              <a:schemeClr val="accent1"/>
+            </a:effectRef>
+            <a:fontRef idx="minor">
+              <a:schemeClr val="tx1"/>
+            </a:fontRef>
+          </p:style>
+        </p:cxnSp>
+        <p:cxnSp>
+          <p:nvCxnSpPr>
+            <p:cNvPr id="177" name="Connettore diritto 176">
+              <a:extLst>
+                <a:ext uri="{FF2B5EF4-FFF2-40B4-BE49-F238E27FC236}">
+                  <a16:creationId xmlns:a16="http://schemas.microsoft.com/office/drawing/2014/main" id="{74732CC7-2B89-7E76-5919-87CB3F1D81CF}"/>
+                </a:ext>
+              </a:extLst>
+            </p:cNvPr>
+            <p:cNvCxnSpPr>
+              <a:cxnSpLocks/>
+              <a:stCxn id="168" idx="6"/>
+              <a:endCxn id="172" idx="2"/>
+            </p:cNvCxnSpPr>
+            <p:nvPr/>
+          </p:nvCxnSpPr>
+          <p:spPr>
+            <a:xfrm>
+              <a:off x="737716" y="4096292"/>
+              <a:ext cx="1238878" cy="666151"/>
+            </a:xfrm>
+            <a:prstGeom prst="line">
+              <a:avLst/>
+            </a:prstGeom>
+            <a:ln w="38100">
+              <a:solidFill>
+                <a:schemeClr val="tx1"/>
+              </a:solidFill>
+            </a:ln>
+          </p:spPr>
+          <p:style>
+            <a:lnRef idx="1">
+              <a:schemeClr val="accent1"/>
+            </a:lnRef>
+            <a:fillRef idx="0">
+              <a:schemeClr val="accent1"/>
+            </a:fillRef>
+            <a:effectRef idx="0">
+              <a:schemeClr val="accent1"/>
+            </a:effectRef>
+            <a:fontRef idx="minor">
+              <a:schemeClr val="tx1"/>
+            </a:fontRef>
+          </p:style>
+        </p:cxnSp>
+        <p:cxnSp>
+          <p:nvCxnSpPr>
+            <p:cNvPr id="178" name="Connettore diritto 177">
+              <a:extLst>
+                <a:ext uri="{FF2B5EF4-FFF2-40B4-BE49-F238E27FC236}">
+                  <a16:creationId xmlns:a16="http://schemas.microsoft.com/office/drawing/2014/main" id="{A205BFDD-7641-4EBB-6078-B7B626FB4125}"/>
+                </a:ext>
+              </a:extLst>
+            </p:cNvPr>
+            <p:cNvCxnSpPr>
+              <a:cxnSpLocks/>
+              <a:stCxn id="169" idx="6"/>
+              <a:endCxn id="171" idx="2"/>
+            </p:cNvCxnSpPr>
+            <p:nvPr/>
+          </p:nvCxnSpPr>
+          <p:spPr>
+            <a:xfrm flipV="1">
+              <a:off x="1271303" y="4116126"/>
+              <a:ext cx="533587" cy="623324"/>
+            </a:xfrm>
+            <a:prstGeom prst="line">
+              <a:avLst/>
+            </a:prstGeom>
+            <a:solidFill>
+              <a:srgbClr val="FF0000"/>
+            </a:solidFill>
+            <a:ln w="38100">
+              <a:solidFill>
+                <a:schemeClr val="tx1"/>
+              </a:solidFill>
+            </a:ln>
+          </p:spPr>
+          <p:style>
+            <a:lnRef idx="1">
+              <a:schemeClr val="accent1"/>
+            </a:lnRef>
+            <a:fillRef idx="0">
+              <a:schemeClr val="accent1"/>
+            </a:fillRef>
+            <a:effectRef idx="0">
+              <a:schemeClr val="accent1"/>
+            </a:effectRef>
+            <a:fontRef idx="minor">
+              <a:schemeClr val="tx1"/>
+            </a:fontRef>
+          </p:style>
+        </p:cxnSp>
+        <p:cxnSp>
+          <p:nvCxnSpPr>
+            <p:cNvPr id="179" name="Connettore diritto 178">
+              <a:extLst>
+                <a:ext uri="{FF2B5EF4-FFF2-40B4-BE49-F238E27FC236}">
+                  <a16:creationId xmlns:a16="http://schemas.microsoft.com/office/drawing/2014/main" id="{3AF89722-48DC-4B66-2DC2-E7F38E87C48D}"/>
+                </a:ext>
+              </a:extLst>
+            </p:cNvPr>
+            <p:cNvCxnSpPr>
+              <a:cxnSpLocks/>
+              <a:stCxn id="169" idx="6"/>
+              <a:endCxn id="172" idx="2"/>
+            </p:cNvCxnSpPr>
+            <p:nvPr/>
+          </p:nvCxnSpPr>
+          <p:spPr>
+            <a:xfrm>
+              <a:off x="1271303" y="4739450"/>
+              <a:ext cx="705291" cy="22993"/>
+            </a:xfrm>
+            <a:prstGeom prst="line">
+              <a:avLst/>
+            </a:prstGeom>
+            <a:ln w="38100">
+              <a:solidFill>
+                <a:schemeClr val="tx1"/>
+              </a:solidFill>
+            </a:ln>
+          </p:spPr>
+          <p:style>
+            <a:lnRef idx="1">
+              <a:schemeClr val="accent1"/>
+            </a:lnRef>
+            <a:fillRef idx="0">
+              <a:schemeClr val="accent1"/>
+            </a:fillRef>
+            <a:effectRef idx="0">
+              <a:schemeClr val="accent1"/>
+            </a:effectRef>
+            <a:fontRef idx="minor">
+              <a:schemeClr val="tx1"/>
+            </a:fontRef>
+          </p:style>
+        </p:cxnSp>
+        <p:cxnSp>
+          <p:nvCxnSpPr>
+            <p:cNvPr id="180" name="Connettore diritto 179">
+              <a:extLst>
+                <a:ext uri="{FF2B5EF4-FFF2-40B4-BE49-F238E27FC236}">
+                  <a16:creationId xmlns:a16="http://schemas.microsoft.com/office/drawing/2014/main" id="{A0B7F87C-7DA3-26F2-B369-357EC22D0D1C}"/>
+                </a:ext>
+              </a:extLst>
+            </p:cNvPr>
+            <p:cNvCxnSpPr>
+              <a:cxnSpLocks/>
+              <a:stCxn id="170" idx="6"/>
+              <a:endCxn id="173" idx="2"/>
+            </p:cNvCxnSpPr>
+            <p:nvPr/>
+          </p:nvCxnSpPr>
+          <p:spPr>
+            <a:xfrm>
+              <a:off x="2442585" y="3372426"/>
+              <a:ext cx="333935" cy="733783"/>
+            </a:xfrm>
+            <a:prstGeom prst="line">
+              <a:avLst/>
+            </a:prstGeom>
+            <a:ln w="38100">
+              <a:solidFill>
+                <a:schemeClr val="tx1"/>
+              </a:solidFill>
+            </a:ln>
+          </p:spPr>
+          <p:style>
+            <a:lnRef idx="1">
+              <a:schemeClr val="accent1"/>
+            </a:lnRef>
+            <a:fillRef idx="0">
+              <a:schemeClr val="accent1"/>
+            </a:fillRef>
+            <a:effectRef idx="0">
+              <a:schemeClr val="accent1"/>
+            </a:effectRef>
+            <a:fontRef idx="minor">
+              <a:schemeClr val="tx1"/>
+            </a:fontRef>
+          </p:style>
+        </p:cxnSp>
+        <p:cxnSp>
+          <p:nvCxnSpPr>
+            <p:cNvPr id="181" name="Connettore diritto 180">
+              <a:extLst>
+                <a:ext uri="{FF2B5EF4-FFF2-40B4-BE49-F238E27FC236}">
+                  <a16:creationId xmlns:a16="http://schemas.microsoft.com/office/drawing/2014/main" id="{605E34E2-1289-870D-AC0F-65EFF1B6A44B}"/>
+                </a:ext>
+              </a:extLst>
+            </p:cNvPr>
+            <p:cNvCxnSpPr>
+              <a:cxnSpLocks/>
+              <a:stCxn id="171" idx="6"/>
+              <a:endCxn id="173" idx="2"/>
+            </p:cNvCxnSpPr>
+            <p:nvPr/>
+          </p:nvCxnSpPr>
+          <p:spPr>
+            <a:xfrm flipV="1">
+              <a:off x="2226920" y="4106209"/>
+              <a:ext cx="549600" cy="9917"/>
+            </a:xfrm>
+            <a:prstGeom prst="line">
+              <a:avLst/>
+            </a:prstGeom>
+            <a:ln w="38100">
+              <a:solidFill>
+                <a:schemeClr val="tx1"/>
+              </a:solidFill>
+            </a:ln>
+          </p:spPr>
+          <p:style>
+            <a:lnRef idx="1">
+              <a:schemeClr val="accent1"/>
+            </a:lnRef>
+            <a:fillRef idx="0">
+              <a:schemeClr val="accent1"/>
+            </a:fillRef>
+            <a:effectRef idx="0">
+              <a:schemeClr val="accent1"/>
+            </a:effectRef>
+            <a:fontRef idx="minor">
+              <a:schemeClr val="tx1"/>
+            </a:fontRef>
+          </p:style>
+        </p:cxnSp>
+        <p:cxnSp>
+          <p:nvCxnSpPr>
+            <p:cNvPr id="182" name="Connettore diritto 181">
+              <a:extLst>
+                <a:ext uri="{FF2B5EF4-FFF2-40B4-BE49-F238E27FC236}">
+                  <a16:creationId xmlns:a16="http://schemas.microsoft.com/office/drawing/2014/main" id="{1ECE4C10-85F7-EA7F-8A1D-E76341BF09F0}"/>
+                </a:ext>
+              </a:extLst>
+            </p:cNvPr>
+            <p:cNvCxnSpPr>
+              <a:cxnSpLocks/>
+              <a:stCxn id="172" idx="6"/>
+              <a:endCxn id="173" idx="2"/>
+            </p:cNvCxnSpPr>
+            <p:nvPr/>
+          </p:nvCxnSpPr>
+          <p:spPr>
+            <a:xfrm flipV="1">
+              <a:off x="2398624" y="4106209"/>
+              <a:ext cx="377896" cy="656234"/>
+            </a:xfrm>
+            <a:prstGeom prst="line">
+              <a:avLst/>
+            </a:prstGeom>
+            <a:ln w="38100">
+              <a:solidFill>
+                <a:schemeClr val="tx1"/>
+              </a:solidFill>
+            </a:ln>
+          </p:spPr>
+          <p:style>
+            <a:lnRef idx="1">
+              <a:schemeClr val="accent1"/>
+            </a:lnRef>
+            <a:fillRef idx="0">
+              <a:schemeClr val="accent1"/>
+            </a:fillRef>
+            <a:effectRef idx="0">
+              <a:schemeClr val="accent1"/>
+            </a:effectRef>
+            <a:fontRef idx="minor">
+              <a:schemeClr val="tx1"/>
+            </a:fontRef>
+          </p:style>
+        </p:cxnSp>
+      </p:grpSp>
+      <p:sp>
+        <p:nvSpPr>
+          <p:cNvPr id="183" name="Freccia a destra 182">
+            <a:extLst>
+              <a:ext uri="{FF2B5EF4-FFF2-40B4-BE49-F238E27FC236}">
+                <a16:creationId xmlns:a16="http://schemas.microsoft.com/office/drawing/2014/main" id="{AC18EF70-2EBB-B1EF-BF54-6F9750308E24}"/>
+              </a:ext>
+            </a:extLst>
+          </p:cNvPr>
+          <p:cNvSpPr/>
+          <p:nvPr/>
+        </p:nvSpPr>
+        <p:spPr>
+          <a:xfrm>
+            <a:off x="6143140" y="3603661"/>
+            <a:ext cx="593734" cy="583706"/>
+          </a:xfrm>
+          <a:prstGeom prst="rightArrow">
+            <a:avLst/>
+          </a:prstGeom>
+        </p:spPr>
+        <p:style>
+          <a:lnRef idx="2">
+            <a:schemeClr val="accent1">
+              <a:shade val="15000"/>
+            </a:schemeClr>
+          </a:lnRef>
+          <a:fillRef idx="1">
+            <a:schemeClr val="accent1"/>
+          </a:fillRef>
+          <a:effectRef idx="0">
+            <a:schemeClr val="accent1"/>
+          </a:effectRef>
+          <a:fontRef idx="minor">
+            <a:schemeClr val="lt1"/>
+          </a:fontRef>
+        </p:style>
+        <p:txBody>
+          <a:bodyPr rtlCol="0" anchor="ctr"/>
+          <a:lstStyle/>
+          <a:p>
+            <a:pPr algn="ctr"/>
+            <a:endParaRPr lang="en-US"/>
+          </a:p>
+        </p:txBody>
+      </p:sp>
+      <p:sp>
+        <p:nvSpPr>
+          <p:cNvPr id="184" name="Rettangolo 183">
+            <a:extLst>
+              <a:ext uri="{FF2B5EF4-FFF2-40B4-BE49-F238E27FC236}">
+                <a16:creationId xmlns:a16="http://schemas.microsoft.com/office/drawing/2014/main" id="{91ED8422-A4C6-D711-4DA3-B775010DE4EF}"/>
+              </a:ext>
+            </a:extLst>
+          </p:cNvPr>
+          <p:cNvSpPr/>
+          <p:nvPr/>
+        </p:nvSpPr>
+        <p:spPr>
+          <a:xfrm>
+            <a:off x="7121769" y="3384729"/>
+            <a:ext cx="323713" cy="990037"/>
+          </a:xfrm>
+          <a:prstGeom prst="rect">
+            <a:avLst/>
+          </a:prstGeom>
+        </p:spPr>
+        <p:style>
+          <a:lnRef idx="2">
+            <a:schemeClr val="accent1">
+              <a:shade val="15000"/>
+            </a:schemeClr>
+          </a:lnRef>
+          <a:fillRef idx="1">
+            <a:schemeClr val="accent1"/>
+          </a:fillRef>
+          <a:effectRef idx="0">
+            <a:schemeClr val="accent1"/>
+          </a:effectRef>
+          <a:fontRef idx="minor">
+            <a:schemeClr val="lt1"/>
+          </a:fontRef>
+        </p:style>
+        <p:txBody>
+          <a:bodyPr rtlCol="0" anchor="ctr"/>
+          <a:lstStyle/>
+          <a:p>
+            <a:pPr algn="ctr"/>
+            <a:endParaRPr lang="en-US"/>
+          </a:p>
+        </p:txBody>
+      </p:sp>
+      <p:sp>
+        <p:nvSpPr>
+          <p:cNvPr id="185" name="Rettangolo 184">
+            <a:extLst>
+              <a:ext uri="{FF2B5EF4-FFF2-40B4-BE49-F238E27FC236}">
+                <a16:creationId xmlns:a16="http://schemas.microsoft.com/office/drawing/2014/main" id="{CCFAE007-B3F9-A4E2-528E-8642FD0787D8}"/>
+              </a:ext>
+            </a:extLst>
+          </p:cNvPr>
+          <p:cNvSpPr/>
+          <p:nvPr/>
+        </p:nvSpPr>
+        <p:spPr>
+          <a:xfrm>
+            <a:off x="7558900" y="3384728"/>
+            <a:ext cx="323713" cy="990037"/>
+          </a:xfrm>
+          <a:prstGeom prst="rect">
+            <a:avLst/>
+          </a:prstGeom>
+        </p:spPr>
+        <p:style>
+          <a:lnRef idx="2">
+            <a:schemeClr val="accent1">
+              <a:shade val="15000"/>
+            </a:schemeClr>
+          </a:lnRef>
+          <a:fillRef idx="1">
+            <a:schemeClr val="accent1"/>
+          </a:fillRef>
+          <a:effectRef idx="0">
+            <a:schemeClr val="accent1"/>
+          </a:effectRef>
+          <a:fontRef idx="minor">
+            <a:schemeClr val="lt1"/>
+          </a:fontRef>
+        </p:style>
+        <p:txBody>
+          <a:bodyPr rtlCol="0" anchor="ctr"/>
+          <a:lstStyle/>
+          <a:p>
+            <a:pPr algn="ctr"/>
+            <a:endParaRPr lang="en-US"/>
+          </a:p>
+        </p:txBody>
+      </p:sp>
+      <p:sp>
+        <p:nvSpPr>
+          <p:cNvPr id="186" name="Rettangolo 185">
+            <a:extLst>
+              <a:ext uri="{FF2B5EF4-FFF2-40B4-BE49-F238E27FC236}">
+                <a16:creationId xmlns:a16="http://schemas.microsoft.com/office/drawing/2014/main" id="{B5965322-95F3-39FE-5EBE-3A70EBCD60DA}"/>
+              </a:ext>
+            </a:extLst>
+          </p:cNvPr>
+          <p:cNvSpPr/>
+          <p:nvPr/>
+        </p:nvSpPr>
+        <p:spPr>
+          <a:xfrm>
+            <a:off x="8009990" y="3384729"/>
+            <a:ext cx="323713" cy="990037"/>
+          </a:xfrm>
+          <a:prstGeom prst="rect">
+            <a:avLst/>
+          </a:prstGeom>
+        </p:spPr>
+        <p:style>
+          <a:lnRef idx="2">
+            <a:schemeClr val="accent1">
+              <a:shade val="15000"/>
+            </a:schemeClr>
+          </a:lnRef>
+          <a:fillRef idx="1">
+            <a:schemeClr val="accent1"/>
+          </a:fillRef>
+          <a:effectRef idx="0">
+            <a:schemeClr val="accent1"/>
+          </a:effectRef>
+          <a:fontRef idx="minor">
+            <a:schemeClr val="lt1"/>
+          </a:fontRef>
+        </p:style>
+        <p:txBody>
+          <a:bodyPr rtlCol="0" anchor="ctr"/>
+          <a:lstStyle/>
+          <a:p>
+            <a:pPr algn="ctr"/>
+            <a:endParaRPr lang="en-US"/>
+          </a:p>
+        </p:txBody>
+      </p:sp>
+      <p:sp>
+        <p:nvSpPr>
+          <p:cNvPr id="187" name="Rettangolo 186">
+            <a:extLst>
+              <a:ext uri="{FF2B5EF4-FFF2-40B4-BE49-F238E27FC236}">
+                <a16:creationId xmlns:a16="http://schemas.microsoft.com/office/drawing/2014/main" id="{7A12568A-D284-B191-09A2-097C534A1C8D}"/>
+              </a:ext>
+            </a:extLst>
+          </p:cNvPr>
+          <p:cNvSpPr/>
+          <p:nvPr/>
+        </p:nvSpPr>
+        <p:spPr>
+          <a:xfrm>
+            <a:off x="8447121" y="3384728"/>
+            <a:ext cx="323713" cy="990037"/>
+          </a:xfrm>
+          <a:prstGeom prst="rect">
+            <a:avLst/>
+          </a:prstGeom>
+        </p:spPr>
+        <p:style>
+          <a:lnRef idx="2">
+            <a:schemeClr val="accent1">
+              <a:shade val="15000"/>
+            </a:schemeClr>
+          </a:lnRef>
+          <a:fillRef idx="1">
+            <a:schemeClr val="accent1"/>
+          </a:fillRef>
+          <a:effectRef idx="0">
+            <a:schemeClr val="accent1"/>
+          </a:effectRef>
+          <a:fontRef idx="minor">
+            <a:schemeClr val="lt1"/>
+          </a:fontRef>
+        </p:style>
+        <p:txBody>
+          <a:bodyPr rtlCol="0" anchor="ctr"/>
+          <a:lstStyle/>
+          <a:p>
+            <a:pPr algn="ctr"/>
+            <a:endParaRPr lang="en-US"/>
+          </a:p>
+        </p:txBody>
+      </p:sp>
+      <p:sp>
+        <p:nvSpPr>
+          <p:cNvPr id="188" name="Rettangolo 187">
+            <a:extLst>
+              <a:ext uri="{FF2B5EF4-FFF2-40B4-BE49-F238E27FC236}">
+                <a16:creationId xmlns:a16="http://schemas.microsoft.com/office/drawing/2014/main" id="{C826E59A-B2B3-424E-7073-E23624116085}"/>
+              </a:ext>
+            </a:extLst>
+          </p:cNvPr>
+          <p:cNvSpPr/>
+          <p:nvPr/>
+        </p:nvSpPr>
+        <p:spPr>
+          <a:xfrm>
+            <a:off x="6949771" y="3218172"/>
+            <a:ext cx="1960245" cy="1275463"/>
+          </a:xfrm>
+          <a:prstGeom prst="rect">
+            <a:avLst/>
+          </a:prstGeom>
+          <a:solidFill>
+            <a:schemeClr val="accent1">
+              <a:alpha val="44000"/>
+            </a:schemeClr>
+          </a:solidFill>
+        </p:spPr>
+        <p:style>
+          <a:lnRef idx="2">
+            <a:schemeClr val="accent1">
+              <a:shade val="15000"/>
+            </a:schemeClr>
+          </a:lnRef>
+          <a:fillRef idx="1">
+            <a:schemeClr val="accent1"/>
+          </a:fillRef>
+          <a:effectRef idx="0">
+            <a:schemeClr val="accent1"/>
+          </a:effectRef>
+          <a:fontRef idx="minor">
+            <a:schemeClr val="lt1"/>
+          </a:fontRef>
+        </p:style>
+        <p:txBody>
+          <a:bodyPr rtlCol="0" anchor="ctr"/>
+          <a:lstStyle/>
+          <a:p>
+            <a:pPr algn="ctr"/>
+            <a:endParaRPr lang="en-US"/>
+          </a:p>
+        </p:txBody>
+      </p:sp>
+      <p:sp>
+        <p:nvSpPr>
+          <p:cNvPr id="190" name="Freccia a destra 189">
+            <a:extLst>
+              <a:ext uri="{FF2B5EF4-FFF2-40B4-BE49-F238E27FC236}">
+                <a16:creationId xmlns:a16="http://schemas.microsoft.com/office/drawing/2014/main" id="{0D270989-4EEC-26B9-CA1D-F7006359DC7E}"/>
+              </a:ext>
+            </a:extLst>
+          </p:cNvPr>
+          <p:cNvSpPr/>
+          <p:nvPr/>
+        </p:nvSpPr>
+        <p:spPr>
+          <a:xfrm>
+            <a:off x="9052658" y="3556927"/>
+            <a:ext cx="593734" cy="583706"/>
+          </a:xfrm>
+          <a:prstGeom prst="rightArrow">
+            <a:avLst/>
+          </a:prstGeom>
+        </p:spPr>
+        <p:style>
+          <a:lnRef idx="2">
+            <a:schemeClr val="accent1">
+              <a:shade val="15000"/>
+            </a:schemeClr>
+          </a:lnRef>
+          <a:fillRef idx="1">
+            <a:schemeClr val="accent1"/>
+          </a:fillRef>
+          <a:effectRef idx="0">
+            <a:schemeClr val="accent1"/>
+          </a:effectRef>
+          <a:fontRef idx="minor">
+            <a:schemeClr val="lt1"/>
+          </a:fontRef>
+        </p:style>
+        <p:txBody>
+          <a:bodyPr rtlCol="0" anchor="ctr"/>
+          <a:lstStyle/>
+          <a:p>
+            <a:pPr algn="ctr"/>
+            <a:endParaRPr lang="en-US"/>
+          </a:p>
+        </p:txBody>
+      </p:sp>
+      <p:sp>
+        <p:nvSpPr>
+          <p:cNvPr id="191" name="CasellaDiTesto 190">
+            <a:extLst>
+              <a:ext uri="{FF2B5EF4-FFF2-40B4-BE49-F238E27FC236}">
+                <a16:creationId xmlns:a16="http://schemas.microsoft.com/office/drawing/2014/main" id="{DF1E8AEC-82C4-3A03-6633-717DB7A629BF}"/>
+              </a:ext>
+            </a:extLst>
+          </p:cNvPr>
+          <p:cNvSpPr txBox="1"/>
+          <p:nvPr/>
+        </p:nvSpPr>
+        <p:spPr>
+          <a:xfrm>
+            <a:off x="9913186" y="3659582"/>
+            <a:ext cx="905759" cy="369332"/>
+          </a:xfrm>
+          <a:prstGeom prst="rect">
+            <a:avLst/>
+          </a:prstGeom>
+          <a:noFill/>
+        </p:spPr>
+        <p:txBody>
+          <a:bodyPr wrap="square" rtlCol="0">
+            <a:spAutoFit/>
+          </a:bodyPr>
+          <a:lstStyle/>
+          <a:p>
+            <a:r>
+              <a:rPr lang="en-US" dirty="0"/>
+              <a:t>Output </a:t>
+            </a:r>
+          </a:p>
+        </p:txBody>
+      </p:sp>
+      <p:sp>
+        <p:nvSpPr>
+          <p:cNvPr id="192" name="Rettangolo 191">
+            <a:extLst>
+              <a:ext uri="{FF2B5EF4-FFF2-40B4-BE49-F238E27FC236}">
+                <a16:creationId xmlns:a16="http://schemas.microsoft.com/office/drawing/2014/main" id="{3BD618AB-9CEC-1011-F317-7B156A525125}"/>
+              </a:ext>
+            </a:extLst>
+          </p:cNvPr>
+          <p:cNvSpPr/>
+          <p:nvPr/>
+        </p:nvSpPr>
+        <p:spPr>
+          <a:xfrm>
+            <a:off x="1122430" y="4978591"/>
+            <a:ext cx="323713" cy="990037"/>
+          </a:xfrm>
+          <a:prstGeom prst="rect">
+            <a:avLst/>
+          </a:prstGeom>
+        </p:spPr>
+        <p:style>
+          <a:lnRef idx="2">
+            <a:schemeClr val="accent1">
+              <a:shade val="15000"/>
+            </a:schemeClr>
+          </a:lnRef>
+          <a:fillRef idx="1">
+            <a:schemeClr val="accent1"/>
+          </a:fillRef>
+          <a:effectRef idx="0">
+            <a:schemeClr val="accent1"/>
+          </a:effectRef>
+          <a:fontRef idx="minor">
+            <a:schemeClr val="lt1"/>
+          </a:fontRef>
+        </p:style>
+        <p:txBody>
+          <a:bodyPr rtlCol="0" anchor="ctr"/>
+          <a:lstStyle/>
+          <a:p>
+            <a:pPr algn="ctr"/>
+            <a:endParaRPr lang="en-US"/>
+          </a:p>
+        </p:txBody>
+      </p:sp>
+      <p:sp>
+        <p:nvSpPr>
+          <p:cNvPr id="193" name="Rettangolo 192">
+            <a:extLst>
+              <a:ext uri="{FF2B5EF4-FFF2-40B4-BE49-F238E27FC236}">
+                <a16:creationId xmlns:a16="http://schemas.microsoft.com/office/drawing/2014/main" id="{1BBBAF3F-F35F-7974-6096-186BD09FA0EB}"/>
+              </a:ext>
+            </a:extLst>
+          </p:cNvPr>
+          <p:cNvSpPr/>
+          <p:nvPr/>
+        </p:nvSpPr>
+        <p:spPr>
+          <a:xfrm>
+            <a:off x="1559561" y="4978590"/>
+            <a:ext cx="323713" cy="990037"/>
+          </a:xfrm>
+          <a:prstGeom prst="rect">
+            <a:avLst/>
+          </a:prstGeom>
+        </p:spPr>
+        <p:style>
+          <a:lnRef idx="2">
+            <a:schemeClr val="accent1">
+              <a:shade val="15000"/>
+            </a:schemeClr>
+          </a:lnRef>
+          <a:fillRef idx="1">
+            <a:schemeClr val="accent1"/>
+          </a:fillRef>
+          <a:effectRef idx="0">
+            <a:schemeClr val="accent1"/>
+          </a:effectRef>
+          <a:fontRef idx="minor">
+            <a:schemeClr val="lt1"/>
+          </a:fontRef>
+        </p:style>
+        <p:txBody>
+          <a:bodyPr rtlCol="0" anchor="ctr"/>
+          <a:lstStyle/>
+          <a:p>
+            <a:pPr algn="ctr"/>
+            <a:endParaRPr lang="en-US"/>
+          </a:p>
+        </p:txBody>
+      </p:sp>
+      <p:sp>
+        <p:nvSpPr>
+          <p:cNvPr id="194" name="Rettangolo 193">
+            <a:extLst>
+              <a:ext uri="{FF2B5EF4-FFF2-40B4-BE49-F238E27FC236}">
+                <a16:creationId xmlns:a16="http://schemas.microsoft.com/office/drawing/2014/main" id="{2FE8D9B6-4076-32A3-3327-8A543DDA0B23}"/>
+              </a:ext>
+            </a:extLst>
+          </p:cNvPr>
+          <p:cNvSpPr/>
+          <p:nvPr/>
+        </p:nvSpPr>
+        <p:spPr>
+          <a:xfrm>
+            <a:off x="2010651" y="4978591"/>
+            <a:ext cx="323713" cy="990037"/>
+          </a:xfrm>
+          <a:prstGeom prst="rect">
+            <a:avLst/>
+          </a:prstGeom>
+        </p:spPr>
+        <p:style>
+          <a:lnRef idx="2">
+            <a:schemeClr val="accent1">
+              <a:shade val="15000"/>
+            </a:schemeClr>
+          </a:lnRef>
+          <a:fillRef idx="1">
+            <a:schemeClr val="accent1"/>
+          </a:fillRef>
+          <a:effectRef idx="0">
+            <a:schemeClr val="accent1"/>
+          </a:effectRef>
+          <a:fontRef idx="minor">
+            <a:schemeClr val="lt1"/>
+          </a:fontRef>
+        </p:style>
+        <p:txBody>
+          <a:bodyPr rtlCol="0" anchor="ctr"/>
+          <a:lstStyle/>
+          <a:p>
+            <a:pPr algn="ctr"/>
+            <a:endParaRPr lang="en-US"/>
+          </a:p>
+        </p:txBody>
+      </p:sp>
+      <p:sp>
+        <p:nvSpPr>
+          <p:cNvPr id="195" name="Rettangolo 194">
+            <a:extLst>
+              <a:ext uri="{FF2B5EF4-FFF2-40B4-BE49-F238E27FC236}">
+                <a16:creationId xmlns:a16="http://schemas.microsoft.com/office/drawing/2014/main" id="{436E06D8-C23E-903D-302F-6BA4448F7DD0}"/>
+              </a:ext>
+            </a:extLst>
+          </p:cNvPr>
+          <p:cNvSpPr/>
+          <p:nvPr/>
+        </p:nvSpPr>
+        <p:spPr>
+          <a:xfrm>
+            <a:off x="2447782" y="4978590"/>
+            <a:ext cx="323713" cy="990037"/>
+          </a:xfrm>
+          <a:prstGeom prst="rect">
+            <a:avLst/>
+          </a:prstGeom>
+        </p:spPr>
+        <p:style>
+          <a:lnRef idx="2">
+            <a:schemeClr val="accent1">
+              <a:shade val="15000"/>
+            </a:schemeClr>
+          </a:lnRef>
+          <a:fillRef idx="1">
+            <a:schemeClr val="accent1"/>
+          </a:fillRef>
+          <a:effectRef idx="0">
+            <a:schemeClr val="accent1"/>
+          </a:effectRef>
+          <a:fontRef idx="minor">
+            <a:schemeClr val="lt1"/>
+          </a:fontRef>
+        </p:style>
+        <p:txBody>
+          <a:bodyPr rtlCol="0" anchor="ctr"/>
+          <a:lstStyle/>
+          <a:p>
+            <a:pPr algn="ctr"/>
+            <a:endParaRPr lang="en-US"/>
+          </a:p>
+        </p:txBody>
+      </p:sp>
+      <p:sp>
+        <p:nvSpPr>
+          <p:cNvPr id="196" name="Rettangolo 195">
+            <a:extLst>
+              <a:ext uri="{FF2B5EF4-FFF2-40B4-BE49-F238E27FC236}">
+                <a16:creationId xmlns:a16="http://schemas.microsoft.com/office/drawing/2014/main" id="{0E0AC0AA-14DE-AE3C-16E1-0A0F3FE54814}"/>
+              </a:ext>
+            </a:extLst>
+          </p:cNvPr>
+          <p:cNvSpPr/>
+          <p:nvPr/>
+        </p:nvSpPr>
+        <p:spPr>
+          <a:xfrm>
+            <a:off x="950432" y="4812034"/>
+            <a:ext cx="1960245" cy="1275463"/>
+          </a:xfrm>
+          <a:prstGeom prst="rect">
+            <a:avLst/>
+          </a:prstGeom>
+          <a:solidFill>
+            <a:schemeClr val="accent1">
+              <a:alpha val="44000"/>
+            </a:schemeClr>
+          </a:solidFill>
+        </p:spPr>
+        <p:style>
+          <a:lnRef idx="2">
+            <a:schemeClr val="accent1">
+              <a:shade val="15000"/>
+            </a:schemeClr>
+          </a:lnRef>
+          <a:fillRef idx="1">
+            <a:schemeClr val="accent1"/>
+          </a:fillRef>
+          <a:effectRef idx="0">
+            <a:schemeClr val="accent1"/>
+          </a:effectRef>
+          <a:fontRef idx="minor">
+            <a:schemeClr val="lt1"/>
+          </a:fontRef>
+        </p:style>
+        <p:txBody>
+          <a:bodyPr rtlCol="0" anchor="ctr"/>
+          <a:lstStyle/>
+          <a:p>
+            <a:pPr algn="ctr"/>
+            <a:endParaRPr lang="en-US"/>
+          </a:p>
+        </p:txBody>
+      </p:sp>
+      <p:sp>
+        <p:nvSpPr>
+          <p:cNvPr id="197" name="Freccia a destra 196">
+            <a:extLst>
+              <a:ext uri="{FF2B5EF4-FFF2-40B4-BE49-F238E27FC236}">
+                <a16:creationId xmlns:a16="http://schemas.microsoft.com/office/drawing/2014/main" id="{C9DCBC5E-4F4B-164D-A11F-968E91AF3FFD}"/>
+              </a:ext>
+            </a:extLst>
+          </p:cNvPr>
+          <p:cNvSpPr/>
+          <p:nvPr/>
+        </p:nvSpPr>
+        <p:spPr>
+          <a:xfrm>
+            <a:off x="3053319" y="5150789"/>
+            <a:ext cx="593734" cy="583706"/>
+          </a:xfrm>
+          <a:prstGeom prst="rightArrow">
+            <a:avLst/>
+          </a:prstGeom>
+        </p:spPr>
+        <p:style>
+          <a:lnRef idx="2">
+            <a:schemeClr val="accent1">
+              <a:shade val="15000"/>
+            </a:schemeClr>
+          </a:lnRef>
+          <a:fillRef idx="1">
+            <a:schemeClr val="accent1"/>
+          </a:fillRef>
+          <a:effectRef idx="0">
+            <a:schemeClr val="accent1"/>
+          </a:effectRef>
+          <a:fontRef idx="minor">
+            <a:schemeClr val="lt1"/>
+          </a:fontRef>
+        </p:style>
+        <p:txBody>
+          <a:bodyPr rtlCol="0" anchor="ctr"/>
+          <a:lstStyle/>
+          <a:p>
+            <a:pPr algn="ctr"/>
+            <a:endParaRPr lang="en-US"/>
+          </a:p>
+        </p:txBody>
+      </p:sp>
+      <p:sp>
+        <p:nvSpPr>
+          <p:cNvPr id="198" name="CasellaDiTesto 197">
+            <a:extLst>
+              <a:ext uri="{FF2B5EF4-FFF2-40B4-BE49-F238E27FC236}">
+                <a16:creationId xmlns:a16="http://schemas.microsoft.com/office/drawing/2014/main" id="{E7451DF7-16CE-B7D1-37D4-56A669B8C3D5}"/>
+              </a:ext>
+            </a:extLst>
+          </p:cNvPr>
+          <p:cNvSpPr txBox="1"/>
+          <p:nvPr/>
+        </p:nvSpPr>
+        <p:spPr>
+          <a:xfrm>
+            <a:off x="3666024" y="5257976"/>
+            <a:ext cx="905759" cy="369332"/>
+          </a:xfrm>
+          <a:prstGeom prst="rect">
+            <a:avLst/>
+          </a:prstGeom>
+          <a:noFill/>
+        </p:spPr>
+        <p:txBody>
+          <a:bodyPr wrap="square" rtlCol="0">
+            <a:spAutoFit/>
+          </a:bodyPr>
+          <a:lstStyle/>
+          <a:p>
+            <a:r>
+              <a:rPr lang="en-US" dirty="0"/>
+              <a:t>Output </a:t>
+            </a:r>
+          </a:p>
+        </p:txBody>
+      </p:sp>
+      <p:sp>
+        <p:nvSpPr>
+          <p:cNvPr id="199" name="Freccia a destra 198">
+            <a:extLst>
+              <a:ext uri="{FF2B5EF4-FFF2-40B4-BE49-F238E27FC236}">
+                <a16:creationId xmlns:a16="http://schemas.microsoft.com/office/drawing/2014/main" id="{AE70FCDC-E92A-4BD9-BAEF-BDAA03054126}"/>
+              </a:ext>
+            </a:extLst>
+          </p:cNvPr>
+          <p:cNvSpPr/>
+          <p:nvPr/>
+        </p:nvSpPr>
+        <p:spPr>
+          <a:xfrm rot="8740335">
+            <a:off x="2079781" y="4272739"/>
+            <a:ext cx="593734" cy="583706"/>
+          </a:xfrm>
+          <a:prstGeom prst="rightArrow">
+            <a:avLst/>
+          </a:prstGeom>
+        </p:spPr>
+        <p:style>
+          <a:lnRef idx="2">
+            <a:schemeClr val="accent1">
+              <a:shade val="15000"/>
+            </a:schemeClr>
+          </a:lnRef>
+          <a:fillRef idx="1">
+            <a:schemeClr val="accent1"/>
+          </a:fillRef>
+          <a:effectRef idx="0">
+            <a:schemeClr val="accent1"/>
+          </a:effectRef>
+          <a:fontRef idx="minor">
+            <a:schemeClr val="lt1"/>
+          </a:fontRef>
+        </p:style>
+        <p:txBody>
+          <a:bodyPr rtlCol="0" anchor="ctr"/>
+          <a:lstStyle/>
+          <a:p>
+            <a:pPr algn="ctr"/>
+            <a:endParaRPr lang="en-US"/>
+          </a:p>
+        </p:txBody>
+      </p:sp>
+      <p:sp>
+        <p:nvSpPr>
+          <p:cNvPr id="200" name="CasellaDiTesto 199">
+            <a:extLst>
+              <a:ext uri="{FF2B5EF4-FFF2-40B4-BE49-F238E27FC236}">
+                <a16:creationId xmlns:a16="http://schemas.microsoft.com/office/drawing/2014/main" id="{BAC4CACB-52C4-9F41-1BC9-F15D8EF7D114}"/>
+              </a:ext>
+            </a:extLst>
+          </p:cNvPr>
+          <p:cNvSpPr txBox="1"/>
+          <p:nvPr/>
+        </p:nvSpPr>
+        <p:spPr>
+          <a:xfrm>
+            <a:off x="4362219" y="2848840"/>
+            <a:ext cx="569884" cy="369332"/>
+          </a:xfrm>
+          <a:prstGeom prst="rect">
+            <a:avLst/>
+          </a:prstGeom>
+          <a:noFill/>
+        </p:spPr>
+        <p:txBody>
+          <a:bodyPr wrap="square" rtlCol="0">
+            <a:spAutoFit/>
+          </a:bodyPr>
+          <a:lstStyle/>
+          <a:p>
+            <a:r>
+              <a:rPr lang="en-US" dirty="0"/>
+              <a:t>E)</a:t>
+            </a:r>
+          </a:p>
+        </p:txBody>
+      </p:sp>
+    </p:spTree>
+    <p:extLst>
+      <p:ext uri="{BB962C8B-B14F-4D97-AF65-F5344CB8AC3E}">
+        <p14:creationId xmlns:p14="http://schemas.microsoft.com/office/powerpoint/2010/main" val="4247368147"/>
+      </p:ext>
+    </p:extLst>
+  </p:cSld>
+  <p:clrMapOvr>
+    <a:masterClrMapping/>
+  </p:clrMapOvr>
+</p:sld>
+</file>
+
 <file path=ppt/theme/theme1.xml><?xml version="1.0" encoding="utf-8"?>
 <a:theme xmlns:a="http://schemas.openxmlformats.org/drawingml/2006/main" name="Tema di Office">
   <a:themeElements>

--- a/figures/addtional_figures.pptx
+++ b/figures/addtional_figures.pptx
@@ -5,7 +5,7 @@
     <p:sldMasterId id="2147483648" r:id="rId1"/>
   </p:sldMasterIdLst>
   <p:notesMasterIdLst>
-    <p:notesMasterId r:id="rId10"/>
+    <p:notesMasterId r:id="rId11"/>
   </p:notesMasterIdLst>
   <p:sldIdLst>
     <p:sldId id="256" r:id="rId2"/>
@@ -16,6 +16,7 @@
     <p:sldId id="261" r:id="rId7"/>
     <p:sldId id="262" r:id="rId8"/>
     <p:sldId id="263" r:id="rId9"/>
+    <p:sldId id="264" r:id="rId10"/>
   </p:sldIdLst>
   <p:sldSz cx="12192000" cy="6858000"/>
   <p:notesSz cx="6858000" cy="9144000"/>
@@ -35391,10 +35392,8260 @@
           </a:p>
         </p:txBody>
       </p:sp>
+      <p:sp>
+        <p:nvSpPr>
+          <p:cNvPr id="201" name="CasellaDiTesto 200">
+            <a:extLst>
+              <a:ext uri="{FF2B5EF4-FFF2-40B4-BE49-F238E27FC236}">
+                <a16:creationId xmlns:a16="http://schemas.microsoft.com/office/drawing/2014/main" id="{E41A1751-8CFB-4936-0E5C-4AAACFF47DC6}"/>
+              </a:ext>
+            </a:extLst>
+          </p:cNvPr>
+          <p:cNvSpPr txBox="1"/>
+          <p:nvPr/>
+        </p:nvSpPr>
+        <p:spPr>
+          <a:xfrm>
+            <a:off x="6949771" y="4686300"/>
+            <a:ext cx="1960245" cy="369332"/>
+          </a:xfrm>
+          <a:prstGeom prst="rect">
+            <a:avLst/>
+          </a:prstGeom>
+          <a:noFill/>
+        </p:spPr>
+        <p:txBody>
+          <a:bodyPr wrap="square" rtlCol="0">
+            <a:spAutoFit/>
+          </a:bodyPr>
+          <a:lstStyle/>
+          <a:p>
+            <a:pPr algn="ctr"/>
+            <a:r>
+              <a:rPr lang="en-US" dirty="0"/>
+              <a:t>Model </a:t>
+            </a:r>
+          </a:p>
+        </p:txBody>
+      </p:sp>
+      <p:sp>
+        <p:nvSpPr>
+          <p:cNvPr id="202" name="CasellaDiTesto 201">
+            <a:extLst>
+              <a:ext uri="{FF2B5EF4-FFF2-40B4-BE49-F238E27FC236}">
+                <a16:creationId xmlns:a16="http://schemas.microsoft.com/office/drawing/2014/main" id="{316C0AEB-A3A4-7294-41F4-E564411631E1}"/>
+              </a:ext>
+            </a:extLst>
+          </p:cNvPr>
+          <p:cNvSpPr txBox="1"/>
+          <p:nvPr/>
+        </p:nvSpPr>
+        <p:spPr>
+          <a:xfrm>
+            <a:off x="934876" y="6147265"/>
+            <a:ext cx="1960245" cy="369332"/>
+          </a:xfrm>
+          <a:prstGeom prst="rect">
+            <a:avLst/>
+          </a:prstGeom>
+          <a:noFill/>
+        </p:spPr>
+        <p:txBody>
+          <a:bodyPr wrap="square" rtlCol="0">
+            <a:spAutoFit/>
+          </a:bodyPr>
+          <a:lstStyle/>
+          <a:p>
+            <a:pPr algn="ctr"/>
+            <a:r>
+              <a:rPr lang="en-US" dirty="0"/>
+              <a:t>Model </a:t>
+            </a:r>
+          </a:p>
+        </p:txBody>
+      </p:sp>
     </p:spTree>
     <p:extLst>
       <p:ext uri="{BB962C8B-B14F-4D97-AF65-F5344CB8AC3E}">
         <p14:creationId xmlns:p14="http://schemas.microsoft.com/office/powerpoint/2010/main" val="4247368147"/>
+      </p:ext>
+    </p:extLst>
+  </p:cSld>
+  <p:clrMapOvr>
+    <a:masterClrMapping/>
+  </p:clrMapOvr>
+</p:sld>
+</file>
+
+<file path=ppt/slides/slide9.xml><?xml version="1.0" encoding="utf-8"?>
+<p:sld xmlns:a="http://schemas.openxmlformats.org/drawingml/2006/main" xmlns:r="http://schemas.openxmlformats.org/officeDocument/2006/relationships" xmlns:p="http://schemas.openxmlformats.org/presentationml/2006/main">
+  <p:cSld>
+    <p:spTree>
+      <p:nvGrpSpPr>
+        <p:cNvPr id="1" name=""/>
+        <p:cNvGrpSpPr/>
+        <p:nvPr/>
+      </p:nvGrpSpPr>
+      <p:grpSpPr>
+        <a:xfrm>
+          <a:off x="0" y="0"/>
+          <a:ext cx="0" cy="0"/>
+          <a:chOff x="0" y="0"/>
+          <a:chExt cx="0" cy="0"/>
+        </a:xfrm>
+      </p:grpSpPr>
+      <p:sp>
+        <p:nvSpPr>
+          <p:cNvPr id="18" name="CasellaDiTesto 17">
+            <a:extLst>
+              <a:ext uri="{FF2B5EF4-FFF2-40B4-BE49-F238E27FC236}">
+                <a16:creationId xmlns:a16="http://schemas.microsoft.com/office/drawing/2014/main" id="{89D68CE1-09EB-3224-6848-3BAC6C5E185A}"/>
+              </a:ext>
+            </a:extLst>
+          </p:cNvPr>
+          <p:cNvSpPr txBox="1"/>
+          <p:nvPr/>
+        </p:nvSpPr>
+        <p:spPr>
+          <a:xfrm>
+            <a:off x="155330" y="-35286"/>
+            <a:ext cx="569884" cy="369332"/>
+          </a:xfrm>
+          <a:prstGeom prst="rect">
+            <a:avLst/>
+          </a:prstGeom>
+          <a:noFill/>
+        </p:spPr>
+        <p:txBody>
+          <a:bodyPr wrap="square" rtlCol="0">
+            <a:spAutoFit/>
+          </a:bodyPr>
+          <a:lstStyle/>
+          <a:p>
+            <a:r>
+              <a:rPr lang="en-US" dirty="0"/>
+              <a:t>A)</a:t>
+            </a:r>
+          </a:p>
+        </p:txBody>
+      </p:sp>
+      <p:pic>
+        <p:nvPicPr>
+          <p:cNvPr id="1026" name="Picture 2" descr="formula di struttura">
+            <a:extLst>
+              <a:ext uri="{FF2B5EF4-FFF2-40B4-BE49-F238E27FC236}">
+                <a16:creationId xmlns:a16="http://schemas.microsoft.com/office/drawing/2014/main" id="{FC218E2D-CA75-013A-63D8-1A9EAB51E45F}"/>
+              </a:ext>
+            </a:extLst>
+          </p:cNvPr>
+          <p:cNvPicPr>
+            <a:picLocks noChangeAspect="1" noChangeArrowheads="1"/>
+          </p:cNvPicPr>
+          <p:nvPr/>
+        </p:nvPicPr>
+        <p:blipFill>
+          <a:blip r:embed="rId2">
+            <a:extLst>
+              <a:ext uri="{28A0092B-C50C-407E-A947-70E740481C1C}">
+                <a14:useLocalDpi xmlns:a14="http://schemas.microsoft.com/office/drawing/2010/main" val="0"/>
+              </a:ext>
+            </a:extLst>
+          </a:blip>
+          <a:srcRect/>
+          <a:stretch>
+            <a:fillRect/>
+          </a:stretch>
+        </p:blipFill>
+        <p:spPr bwMode="auto">
+          <a:xfrm>
+            <a:off x="57364" y="346856"/>
+            <a:ext cx="1491478" cy="1450515"/>
+          </a:xfrm>
+          <a:prstGeom prst="rect">
+            <a:avLst/>
+          </a:prstGeom>
+          <a:noFill/>
+          <a:extLst>
+            <a:ext uri="{909E8E84-426E-40DD-AFC4-6F175D3DCCD1}">
+              <a14:hiddenFill xmlns:a14="http://schemas.microsoft.com/office/drawing/2010/main">
+                <a:solidFill>
+                  <a:srgbClr val="FFFFFF"/>
+                </a:solidFill>
+              </a14:hiddenFill>
+            </a:ext>
+          </a:extLst>
+        </p:spPr>
+      </p:pic>
+      <p:sp>
+        <p:nvSpPr>
+          <p:cNvPr id="21" name="Freccia a destra 20">
+            <a:extLst>
+              <a:ext uri="{FF2B5EF4-FFF2-40B4-BE49-F238E27FC236}">
+                <a16:creationId xmlns:a16="http://schemas.microsoft.com/office/drawing/2014/main" id="{86D611DB-B3F8-37CB-37DA-D0D33020578C}"/>
+              </a:ext>
+            </a:extLst>
+          </p:cNvPr>
+          <p:cNvSpPr/>
+          <p:nvPr/>
+        </p:nvSpPr>
+        <p:spPr>
+          <a:xfrm>
+            <a:off x="1700490" y="915532"/>
+            <a:ext cx="431800" cy="317500"/>
+          </a:xfrm>
+          <a:prstGeom prst="rightArrow">
+            <a:avLst/>
+          </a:prstGeom>
+        </p:spPr>
+        <p:style>
+          <a:lnRef idx="2">
+            <a:schemeClr val="accent1">
+              <a:shade val="15000"/>
+            </a:schemeClr>
+          </a:lnRef>
+          <a:fillRef idx="1">
+            <a:schemeClr val="accent1"/>
+          </a:fillRef>
+          <a:effectRef idx="0">
+            <a:schemeClr val="accent1"/>
+          </a:effectRef>
+          <a:fontRef idx="minor">
+            <a:schemeClr val="lt1"/>
+          </a:fontRef>
+        </p:style>
+        <p:txBody>
+          <a:bodyPr rtlCol="0" anchor="ctr"/>
+          <a:lstStyle/>
+          <a:p>
+            <a:pPr algn="ctr"/>
+            <a:endParaRPr lang="en-US"/>
+          </a:p>
+        </p:txBody>
+      </p:sp>
+      <p:grpSp>
+        <p:nvGrpSpPr>
+          <p:cNvPr id="1104" name="Gruppo 1103">
+            <a:extLst>
+              <a:ext uri="{FF2B5EF4-FFF2-40B4-BE49-F238E27FC236}">
+                <a16:creationId xmlns:a16="http://schemas.microsoft.com/office/drawing/2014/main" id="{88648938-34F7-66B8-D5A7-3C5B5D834C2D}"/>
+              </a:ext>
+            </a:extLst>
+          </p:cNvPr>
+          <p:cNvGrpSpPr/>
+          <p:nvPr/>
+        </p:nvGrpSpPr>
+        <p:grpSpPr>
+          <a:xfrm>
+            <a:off x="2221869" y="511462"/>
+            <a:ext cx="1271834" cy="1028375"/>
+            <a:chOff x="5122420" y="505038"/>
+            <a:chExt cx="2641509" cy="2724712"/>
+          </a:xfrm>
+        </p:grpSpPr>
+        <p:sp>
+          <p:nvSpPr>
+            <p:cNvPr id="1036" name="Ovale 1035">
+              <a:extLst>
+                <a:ext uri="{FF2B5EF4-FFF2-40B4-BE49-F238E27FC236}">
+                  <a16:creationId xmlns:a16="http://schemas.microsoft.com/office/drawing/2014/main" id="{062C975A-D990-0FA0-2E79-278ED6DFE8BB}"/>
+                </a:ext>
+              </a:extLst>
+            </p:cNvPr>
+            <p:cNvSpPr/>
+            <p:nvPr/>
+          </p:nvSpPr>
+          <p:spPr>
+            <a:xfrm>
+              <a:off x="5520266" y="1392590"/>
+              <a:ext cx="287866" cy="317500"/>
+            </a:xfrm>
+            <a:prstGeom prst="ellipse">
+              <a:avLst/>
+            </a:prstGeom>
+            <a:solidFill>
+              <a:srgbClr val="FF0000"/>
+            </a:solidFill>
+          </p:spPr>
+          <p:style>
+            <a:lnRef idx="2">
+              <a:schemeClr val="accent1">
+                <a:shade val="15000"/>
+              </a:schemeClr>
+            </a:lnRef>
+            <a:fillRef idx="1">
+              <a:schemeClr val="accent1"/>
+            </a:fillRef>
+            <a:effectRef idx="0">
+              <a:schemeClr val="accent1"/>
+            </a:effectRef>
+            <a:fontRef idx="minor">
+              <a:schemeClr val="lt1"/>
+            </a:fontRef>
+          </p:style>
+          <p:txBody>
+            <a:bodyPr rtlCol="0" anchor="ctr"/>
+            <a:lstStyle/>
+            <a:p>
+              <a:pPr algn="ctr"/>
+              <a:endParaRPr lang="en-US"/>
+            </a:p>
+          </p:txBody>
+        </p:sp>
+        <p:sp>
+          <p:nvSpPr>
+            <p:cNvPr id="1037" name="Ovale 1036">
+              <a:extLst>
+                <a:ext uri="{FF2B5EF4-FFF2-40B4-BE49-F238E27FC236}">
+                  <a16:creationId xmlns:a16="http://schemas.microsoft.com/office/drawing/2014/main" id="{2DDB2BF0-F561-B57C-4216-A10EAF8FBA1E}"/>
+                </a:ext>
+              </a:extLst>
+            </p:cNvPr>
+            <p:cNvSpPr/>
+            <p:nvPr/>
+          </p:nvSpPr>
+          <p:spPr>
+            <a:xfrm>
+              <a:off x="5520266" y="2014890"/>
+              <a:ext cx="287866" cy="317500"/>
+            </a:xfrm>
+            <a:prstGeom prst="ellipse">
+              <a:avLst/>
+            </a:prstGeom>
+          </p:spPr>
+          <p:style>
+            <a:lnRef idx="2">
+              <a:schemeClr val="accent1">
+                <a:shade val="15000"/>
+              </a:schemeClr>
+            </a:lnRef>
+            <a:fillRef idx="1">
+              <a:schemeClr val="accent1"/>
+            </a:fillRef>
+            <a:effectRef idx="0">
+              <a:schemeClr val="accent1"/>
+            </a:effectRef>
+            <a:fontRef idx="minor">
+              <a:schemeClr val="lt1"/>
+            </a:fontRef>
+          </p:style>
+          <p:txBody>
+            <a:bodyPr rtlCol="0" anchor="ctr"/>
+            <a:lstStyle/>
+            <a:p>
+              <a:pPr algn="ctr"/>
+              <a:endParaRPr lang="en-US"/>
+            </a:p>
+          </p:txBody>
+        </p:sp>
+        <p:cxnSp>
+          <p:nvCxnSpPr>
+            <p:cNvPr id="1039" name="Connettore diritto 1038">
+              <a:extLst>
+                <a:ext uri="{FF2B5EF4-FFF2-40B4-BE49-F238E27FC236}">
+                  <a16:creationId xmlns:a16="http://schemas.microsoft.com/office/drawing/2014/main" id="{9D82F2FC-5947-15F4-8AD6-AC9E4847975C}"/>
+                </a:ext>
+              </a:extLst>
+            </p:cNvPr>
+            <p:cNvCxnSpPr>
+              <a:stCxn id="1036" idx="4"/>
+              <a:endCxn id="1037" idx="0"/>
+            </p:cNvCxnSpPr>
+            <p:nvPr/>
+          </p:nvCxnSpPr>
+          <p:spPr>
+            <a:xfrm>
+              <a:off x="5664199" y="1710090"/>
+              <a:ext cx="0" cy="304800"/>
+            </a:xfrm>
+            <a:prstGeom prst="line">
+              <a:avLst/>
+            </a:prstGeom>
+            <a:ln w="28575">
+              <a:solidFill>
+                <a:schemeClr val="tx1">
+                  <a:lumMod val="95000"/>
+                  <a:lumOff val="5000"/>
+                </a:schemeClr>
+              </a:solidFill>
+            </a:ln>
+          </p:spPr>
+          <p:style>
+            <a:lnRef idx="1">
+              <a:schemeClr val="accent1"/>
+            </a:lnRef>
+            <a:fillRef idx="0">
+              <a:schemeClr val="accent1"/>
+            </a:fillRef>
+            <a:effectRef idx="0">
+              <a:schemeClr val="accent1"/>
+            </a:effectRef>
+            <a:fontRef idx="minor">
+              <a:schemeClr val="tx1"/>
+            </a:fontRef>
+          </p:style>
+        </p:cxnSp>
+        <p:sp>
+          <p:nvSpPr>
+            <p:cNvPr id="1042" name="Ovale 1041">
+              <a:extLst>
+                <a:ext uri="{FF2B5EF4-FFF2-40B4-BE49-F238E27FC236}">
+                  <a16:creationId xmlns:a16="http://schemas.microsoft.com/office/drawing/2014/main" id="{AE89EE31-9BD9-B067-1E58-44BD63977B46}"/>
+                </a:ext>
+              </a:extLst>
+            </p:cNvPr>
+            <p:cNvSpPr/>
+            <p:nvPr/>
+          </p:nvSpPr>
+          <p:spPr>
+            <a:xfrm>
+              <a:off x="6354232" y="1392590"/>
+              <a:ext cx="287866" cy="317500"/>
+            </a:xfrm>
+            <a:prstGeom prst="ellipse">
+              <a:avLst/>
+            </a:prstGeom>
+          </p:spPr>
+          <p:style>
+            <a:lnRef idx="2">
+              <a:schemeClr val="accent1">
+                <a:shade val="15000"/>
+              </a:schemeClr>
+            </a:lnRef>
+            <a:fillRef idx="1">
+              <a:schemeClr val="accent1"/>
+            </a:fillRef>
+            <a:effectRef idx="0">
+              <a:schemeClr val="accent1"/>
+            </a:effectRef>
+            <a:fontRef idx="minor">
+              <a:schemeClr val="lt1"/>
+            </a:fontRef>
+          </p:style>
+          <p:txBody>
+            <a:bodyPr rtlCol="0" anchor="ctr"/>
+            <a:lstStyle/>
+            <a:p>
+              <a:pPr algn="ctr"/>
+              <a:endParaRPr lang="en-US"/>
+            </a:p>
+          </p:txBody>
+        </p:sp>
+        <p:sp>
+          <p:nvSpPr>
+            <p:cNvPr id="1043" name="Ovale 1042">
+              <a:extLst>
+                <a:ext uri="{FF2B5EF4-FFF2-40B4-BE49-F238E27FC236}">
+                  <a16:creationId xmlns:a16="http://schemas.microsoft.com/office/drawing/2014/main" id="{944D250A-4B72-D13A-A1B8-2806EF53E550}"/>
+                </a:ext>
+              </a:extLst>
+            </p:cNvPr>
+            <p:cNvSpPr/>
+            <p:nvPr/>
+          </p:nvSpPr>
+          <p:spPr>
+            <a:xfrm>
+              <a:off x="6354232" y="2014890"/>
+              <a:ext cx="287866" cy="317500"/>
+            </a:xfrm>
+            <a:prstGeom prst="ellipse">
+              <a:avLst/>
+            </a:prstGeom>
+          </p:spPr>
+          <p:style>
+            <a:lnRef idx="2">
+              <a:schemeClr val="accent1">
+                <a:shade val="15000"/>
+              </a:schemeClr>
+            </a:lnRef>
+            <a:fillRef idx="1">
+              <a:schemeClr val="accent1"/>
+            </a:fillRef>
+            <a:effectRef idx="0">
+              <a:schemeClr val="accent1"/>
+            </a:effectRef>
+            <a:fontRef idx="minor">
+              <a:schemeClr val="lt1"/>
+            </a:fontRef>
+          </p:style>
+          <p:txBody>
+            <a:bodyPr rtlCol="0" anchor="ctr"/>
+            <a:lstStyle/>
+            <a:p>
+              <a:pPr algn="ctr"/>
+              <a:endParaRPr lang="en-US"/>
+            </a:p>
+          </p:txBody>
+        </p:sp>
+        <p:cxnSp>
+          <p:nvCxnSpPr>
+            <p:cNvPr id="1044" name="Connettore diritto 1043">
+              <a:extLst>
+                <a:ext uri="{FF2B5EF4-FFF2-40B4-BE49-F238E27FC236}">
+                  <a16:creationId xmlns:a16="http://schemas.microsoft.com/office/drawing/2014/main" id="{34C8718A-6531-3719-7177-51CE9A53D7B2}"/>
+                </a:ext>
+              </a:extLst>
+            </p:cNvPr>
+            <p:cNvCxnSpPr>
+              <a:stCxn id="1042" idx="4"/>
+              <a:endCxn id="1043" idx="0"/>
+            </p:cNvCxnSpPr>
+            <p:nvPr/>
+          </p:nvCxnSpPr>
+          <p:spPr>
+            <a:xfrm>
+              <a:off x="6498165" y="1710090"/>
+              <a:ext cx="0" cy="304800"/>
+            </a:xfrm>
+            <a:prstGeom prst="line">
+              <a:avLst/>
+            </a:prstGeom>
+            <a:ln w="28575">
+              <a:solidFill>
+                <a:schemeClr val="tx1">
+                  <a:lumMod val="95000"/>
+                  <a:lumOff val="5000"/>
+                </a:schemeClr>
+              </a:solidFill>
+            </a:ln>
+          </p:spPr>
+          <p:style>
+            <a:lnRef idx="1">
+              <a:schemeClr val="accent1"/>
+            </a:lnRef>
+            <a:fillRef idx="0">
+              <a:schemeClr val="accent1"/>
+            </a:fillRef>
+            <a:effectRef idx="0">
+              <a:schemeClr val="accent1"/>
+            </a:effectRef>
+            <a:fontRef idx="minor">
+              <a:schemeClr val="tx1"/>
+            </a:fontRef>
+          </p:style>
+        </p:cxnSp>
+        <p:sp>
+          <p:nvSpPr>
+            <p:cNvPr id="1045" name="Ovale 1044">
+              <a:extLst>
+                <a:ext uri="{FF2B5EF4-FFF2-40B4-BE49-F238E27FC236}">
+                  <a16:creationId xmlns:a16="http://schemas.microsoft.com/office/drawing/2014/main" id="{B2995DA8-67BC-C513-84E9-25B9299F469E}"/>
+                </a:ext>
+              </a:extLst>
+            </p:cNvPr>
+            <p:cNvSpPr/>
+            <p:nvPr/>
+          </p:nvSpPr>
+          <p:spPr>
+            <a:xfrm>
+              <a:off x="5952066" y="1075090"/>
+              <a:ext cx="287866" cy="317500"/>
+            </a:xfrm>
+            <a:prstGeom prst="ellipse">
+              <a:avLst/>
+            </a:prstGeom>
+          </p:spPr>
+          <p:style>
+            <a:lnRef idx="2">
+              <a:schemeClr val="accent1">
+                <a:shade val="15000"/>
+              </a:schemeClr>
+            </a:lnRef>
+            <a:fillRef idx="1">
+              <a:schemeClr val="accent1"/>
+            </a:fillRef>
+            <a:effectRef idx="0">
+              <a:schemeClr val="accent1"/>
+            </a:effectRef>
+            <a:fontRef idx="minor">
+              <a:schemeClr val="lt1"/>
+            </a:fontRef>
+          </p:style>
+          <p:txBody>
+            <a:bodyPr rtlCol="0" anchor="ctr"/>
+            <a:lstStyle/>
+            <a:p>
+              <a:pPr algn="ctr"/>
+              <a:endParaRPr lang="en-US"/>
+            </a:p>
+          </p:txBody>
+        </p:sp>
+        <p:cxnSp>
+          <p:nvCxnSpPr>
+            <p:cNvPr id="1046" name="Connettore diritto 1045">
+              <a:extLst>
+                <a:ext uri="{FF2B5EF4-FFF2-40B4-BE49-F238E27FC236}">
+                  <a16:creationId xmlns:a16="http://schemas.microsoft.com/office/drawing/2014/main" id="{A310DB58-9901-ABE9-5716-F60DDCE7571B}"/>
+                </a:ext>
+              </a:extLst>
+            </p:cNvPr>
+            <p:cNvCxnSpPr>
+              <a:cxnSpLocks/>
+              <a:stCxn id="1045" idx="2"/>
+              <a:endCxn id="1036" idx="7"/>
+            </p:cNvCxnSpPr>
+            <p:nvPr/>
+          </p:nvCxnSpPr>
+          <p:spPr>
+            <a:xfrm flipH="1">
+              <a:off x="5765975" y="1233840"/>
+              <a:ext cx="186091" cy="205247"/>
+            </a:xfrm>
+            <a:prstGeom prst="line">
+              <a:avLst/>
+            </a:prstGeom>
+            <a:ln w="28575">
+              <a:solidFill>
+                <a:schemeClr val="tx1">
+                  <a:lumMod val="95000"/>
+                  <a:lumOff val="5000"/>
+                </a:schemeClr>
+              </a:solidFill>
+            </a:ln>
+          </p:spPr>
+          <p:style>
+            <a:lnRef idx="1">
+              <a:schemeClr val="accent1"/>
+            </a:lnRef>
+            <a:fillRef idx="0">
+              <a:schemeClr val="accent1"/>
+            </a:fillRef>
+            <a:effectRef idx="0">
+              <a:schemeClr val="accent1"/>
+            </a:effectRef>
+            <a:fontRef idx="minor">
+              <a:schemeClr val="tx1"/>
+            </a:fontRef>
+          </p:style>
+        </p:cxnSp>
+        <p:cxnSp>
+          <p:nvCxnSpPr>
+            <p:cNvPr id="1049" name="Connettore diritto 1048">
+              <a:extLst>
+                <a:ext uri="{FF2B5EF4-FFF2-40B4-BE49-F238E27FC236}">
+                  <a16:creationId xmlns:a16="http://schemas.microsoft.com/office/drawing/2014/main" id="{E2F87F85-EF0A-8FA0-F8E3-2513FD180976}"/>
+                </a:ext>
+              </a:extLst>
+            </p:cNvPr>
+            <p:cNvCxnSpPr>
+              <a:cxnSpLocks/>
+              <a:stCxn id="1045" idx="6"/>
+              <a:endCxn id="1042" idx="1"/>
+            </p:cNvCxnSpPr>
+            <p:nvPr/>
+          </p:nvCxnSpPr>
+          <p:spPr>
+            <a:xfrm>
+              <a:off x="6239932" y="1233840"/>
+              <a:ext cx="156457" cy="205247"/>
+            </a:xfrm>
+            <a:prstGeom prst="line">
+              <a:avLst/>
+            </a:prstGeom>
+            <a:ln w="28575">
+              <a:solidFill>
+                <a:schemeClr val="tx1">
+                  <a:lumMod val="95000"/>
+                  <a:lumOff val="5000"/>
+                </a:schemeClr>
+              </a:solidFill>
+            </a:ln>
+          </p:spPr>
+          <p:style>
+            <a:lnRef idx="1">
+              <a:schemeClr val="accent1"/>
+            </a:lnRef>
+            <a:fillRef idx="0">
+              <a:schemeClr val="accent1"/>
+            </a:fillRef>
+            <a:effectRef idx="0">
+              <a:schemeClr val="accent1"/>
+            </a:effectRef>
+            <a:fontRef idx="minor">
+              <a:schemeClr val="tx1"/>
+            </a:fontRef>
+          </p:style>
+        </p:cxnSp>
+        <p:sp>
+          <p:nvSpPr>
+            <p:cNvPr id="1052" name="Ovale 1051">
+              <a:extLst>
+                <a:ext uri="{FF2B5EF4-FFF2-40B4-BE49-F238E27FC236}">
+                  <a16:creationId xmlns:a16="http://schemas.microsoft.com/office/drawing/2014/main" id="{F3D2B056-AB1E-0628-44C6-6BEAB52243C2}"/>
+                </a:ext>
+              </a:extLst>
+            </p:cNvPr>
+            <p:cNvSpPr/>
+            <p:nvPr/>
+          </p:nvSpPr>
+          <p:spPr>
+            <a:xfrm>
+              <a:off x="5937249" y="2336447"/>
+              <a:ext cx="287866" cy="317500"/>
+            </a:xfrm>
+            <a:prstGeom prst="ellipse">
+              <a:avLst/>
+            </a:prstGeom>
+            <a:solidFill>
+              <a:srgbClr val="FF0000"/>
+            </a:solidFill>
+          </p:spPr>
+          <p:style>
+            <a:lnRef idx="2">
+              <a:schemeClr val="accent1">
+                <a:shade val="15000"/>
+              </a:schemeClr>
+            </a:lnRef>
+            <a:fillRef idx="1">
+              <a:schemeClr val="accent1"/>
+            </a:fillRef>
+            <a:effectRef idx="0">
+              <a:schemeClr val="accent1"/>
+            </a:effectRef>
+            <a:fontRef idx="minor">
+              <a:schemeClr val="lt1"/>
+            </a:fontRef>
+          </p:style>
+          <p:txBody>
+            <a:bodyPr rtlCol="0" anchor="ctr"/>
+            <a:lstStyle/>
+            <a:p>
+              <a:pPr algn="ctr"/>
+              <a:endParaRPr lang="en-US"/>
+            </a:p>
+          </p:txBody>
+        </p:sp>
+        <p:cxnSp>
+          <p:nvCxnSpPr>
+            <p:cNvPr id="1053" name="Connettore diritto 1052">
+              <a:extLst>
+                <a:ext uri="{FF2B5EF4-FFF2-40B4-BE49-F238E27FC236}">
+                  <a16:creationId xmlns:a16="http://schemas.microsoft.com/office/drawing/2014/main" id="{886CC37A-EA81-337B-D970-159D3F09C110}"/>
+                </a:ext>
+              </a:extLst>
+            </p:cNvPr>
+            <p:cNvCxnSpPr>
+              <a:cxnSpLocks/>
+              <a:stCxn id="1052" idx="2"/>
+              <a:endCxn id="1037" idx="5"/>
+            </p:cNvCxnSpPr>
+            <p:nvPr/>
+          </p:nvCxnSpPr>
+          <p:spPr>
+            <a:xfrm flipH="1" flipV="1">
+              <a:off x="5765975" y="2285893"/>
+              <a:ext cx="171274" cy="209304"/>
+            </a:xfrm>
+            <a:prstGeom prst="line">
+              <a:avLst/>
+            </a:prstGeom>
+            <a:ln w="28575">
+              <a:solidFill>
+                <a:schemeClr val="tx1">
+                  <a:lumMod val="95000"/>
+                  <a:lumOff val="5000"/>
+                </a:schemeClr>
+              </a:solidFill>
+            </a:ln>
+          </p:spPr>
+          <p:style>
+            <a:lnRef idx="1">
+              <a:schemeClr val="accent1"/>
+            </a:lnRef>
+            <a:fillRef idx="0">
+              <a:schemeClr val="accent1"/>
+            </a:fillRef>
+            <a:effectRef idx="0">
+              <a:schemeClr val="accent1"/>
+            </a:effectRef>
+            <a:fontRef idx="minor">
+              <a:schemeClr val="tx1"/>
+            </a:fontRef>
+          </p:style>
+        </p:cxnSp>
+        <p:cxnSp>
+          <p:nvCxnSpPr>
+            <p:cNvPr id="1054" name="Connettore diritto 1053">
+              <a:extLst>
+                <a:ext uri="{FF2B5EF4-FFF2-40B4-BE49-F238E27FC236}">
+                  <a16:creationId xmlns:a16="http://schemas.microsoft.com/office/drawing/2014/main" id="{44540333-636A-12D8-749B-7EADE212A8D5}"/>
+                </a:ext>
+              </a:extLst>
+            </p:cNvPr>
+            <p:cNvCxnSpPr>
+              <a:cxnSpLocks/>
+              <a:stCxn id="1052" idx="6"/>
+              <a:endCxn id="1043" idx="3"/>
+            </p:cNvCxnSpPr>
+            <p:nvPr/>
+          </p:nvCxnSpPr>
+          <p:spPr>
+            <a:xfrm flipV="1">
+              <a:off x="6225115" y="2285893"/>
+              <a:ext cx="171274" cy="209304"/>
+            </a:xfrm>
+            <a:prstGeom prst="line">
+              <a:avLst/>
+            </a:prstGeom>
+            <a:ln w="28575">
+              <a:solidFill>
+                <a:schemeClr val="tx1">
+                  <a:lumMod val="95000"/>
+                  <a:lumOff val="5000"/>
+                </a:schemeClr>
+              </a:solidFill>
+            </a:ln>
+          </p:spPr>
+          <p:style>
+            <a:lnRef idx="1">
+              <a:schemeClr val="accent1"/>
+            </a:lnRef>
+            <a:fillRef idx="0">
+              <a:schemeClr val="accent1"/>
+            </a:fillRef>
+            <a:effectRef idx="0">
+              <a:schemeClr val="accent1"/>
+            </a:effectRef>
+            <a:fontRef idx="minor">
+              <a:schemeClr val="tx1"/>
+            </a:fontRef>
+          </p:style>
+        </p:cxnSp>
+        <p:sp>
+          <p:nvSpPr>
+            <p:cNvPr id="1060" name="Ovale 1059">
+              <a:extLst>
+                <a:ext uri="{FF2B5EF4-FFF2-40B4-BE49-F238E27FC236}">
+                  <a16:creationId xmlns:a16="http://schemas.microsoft.com/office/drawing/2014/main" id="{04457658-6090-F7DF-9BF5-6246179D5684}"/>
+                </a:ext>
+              </a:extLst>
+            </p:cNvPr>
+            <p:cNvSpPr/>
+            <p:nvPr/>
+          </p:nvSpPr>
+          <p:spPr>
+            <a:xfrm>
+              <a:off x="5937249" y="2912250"/>
+              <a:ext cx="287866" cy="317500"/>
+            </a:xfrm>
+            <a:prstGeom prst="ellipse">
+              <a:avLst/>
+            </a:prstGeom>
+            <a:solidFill>
+              <a:srgbClr val="FFC000"/>
+            </a:solidFill>
+          </p:spPr>
+          <p:style>
+            <a:lnRef idx="2">
+              <a:schemeClr val="accent1">
+                <a:shade val="15000"/>
+              </a:schemeClr>
+            </a:lnRef>
+            <a:fillRef idx="1">
+              <a:schemeClr val="accent1"/>
+            </a:fillRef>
+            <a:effectRef idx="0">
+              <a:schemeClr val="accent1"/>
+            </a:effectRef>
+            <a:fontRef idx="minor">
+              <a:schemeClr val="lt1"/>
+            </a:fontRef>
+          </p:style>
+          <p:txBody>
+            <a:bodyPr rtlCol="0" anchor="ctr"/>
+            <a:lstStyle/>
+            <a:p>
+              <a:pPr algn="ctr"/>
+              <a:endParaRPr lang="en-US"/>
+            </a:p>
+          </p:txBody>
+        </p:sp>
+        <p:cxnSp>
+          <p:nvCxnSpPr>
+            <p:cNvPr id="1061" name="Connettore diritto 1060">
+              <a:extLst>
+                <a:ext uri="{FF2B5EF4-FFF2-40B4-BE49-F238E27FC236}">
+                  <a16:creationId xmlns:a16="http://schemas.microsoft.com/office/drawing/2014/main" id="{10B2F2EB-A04A-9B3E-A847-750002C64F25}"/>
+                </a:ext>
+              </a:extLst>
+            </p:cNvPr>
+            <p:cNvCxnSpPr>
+              <a:cxnSpLocks/>
+              <a:stCxn id="1052" idx="4"/>
+              <a:endCxn id="1060" idx="0"/>
+            </p:cNvCxnSpPr>
+            <p:nvPr/>
+          </p:nvCxnSpPr>
+          <p:spPr>
+            <a:xfrm>
+              <a:off x="6081182" y="2653947"/>
+              <a:ext cx="0" cy="258303"/>
+            </a:xfrm>
+            <a:prstGeom prst="line">
+              <a:avLst/>
+            </a:prstGeom>
+            <a:ln w="28575">
+              <a:solidFill>
+                <a:schemeClr val="tx1">
+                  <a:lumMod val="95000"/>
+                  <a:lumOff val="5000"/>
+                </a:schemeClr>
+              </a:solidFill>
+            </a:ln>
+          </p:spPr>
+          <p:style>
+            <a:lnRef idx="1">
+              <a:schemeClr val="accent1"/>
+            </a:lnRef>
+            <a:fillRef idx="0">
+              <a:schemeClr val="accent1"/>
+            </a:fillRef>
+            <a:effectRef idx="0">
+              <a:schemeClr val="accent1"/>
+            </a:effectRef>
+            <a:fontRef idx="minor">
+              <a:schemeClr val="tx1"/>
+            </a:fontRef>
+          </p:style>
+        </p:cxnSp>
+        <p:sp>
+          <p:nvSpPr>
+            <p:cNvPr id="1065" name="Ovale 1064">
+              <a:extLst>
+                <a:ext uri="{FF2B5EF4-FFF2-40B4-BE49-F238E27FC236}">
+                  <a16:creationId xmlns:a16="http://schemas.microsoft.com/office/drawing/2014/main" id="{541D08F4-ED58-41C2-2CDC-68CB695F28AD}"/>
+                </a:ext>
+              </a:extLst>
+            </p:cNvPr>
+            <p:cNvSpPr/>
+            <p:nvPr/>
+          </p:nvSpPr>
+          <p:spPr>
+            <a:xfrm>
+              <a:off x="5952066" y="505038"/>
+              <a:ext cx="287866" cy="317500"/>
+            </a:xfrm>
+            <a:prstGeom prst="ellipse">
+              <a:avLst/>
+            </a:prstGeom>
+            <a:solidFill>
+              <a:srgbClr val="00B050"/>
+            </a:solidFill>
+          </p:spPr>
+          <p:style>
+            <a:lnRef idx="2">
+              <a:schemeClr val="accent1">
+                <a:shade val="15000"/>
+              </a:schemeClr>
+            </a:lnRef>
+            <a:fillRef idx="1">
+              <a:schemeClr val="accent1"/>
+            </a:fillRef>
+            <a:effectRef idx="0">
+              <a:schemeClr val="accent1"/>
+            </a:effectRef>
+            <a:fontRef idx="minor">
+              <a:schemeClr val="lt1"/>
+            </a:fontRef>
+          </p:style>
+          <p:txBody>
+            <a:bodyPr rtlCol="0" anchor="ctr"/>
+            <a:lstStyle/>
+            <a:p>
+              <a:pPr algn="ctr"/>
+              <a:endParaRPr lang="en-US"/>
+            </a:p>
+          </p:txBody>
+        </p:sp>
+        <p:cxnSp>
+          <p:nvCxnSpPr>
+            <p:cNvPr id="1066" name="Connettore diritto 1065">
+              <a:extLst>
+                <a:ext uri="{FF2B5EF4-FFF2-40B4-BE49-F238E27FC236}">
+                  <a16:creationId xmlns:a16="http://schemas.microsoft.com/office/drawing/2014/main" id="{040CC8BE-3FEB-28EA-7C3B-AA3FB5687981}"/>
+                </a:ext>
+              </a:extLst>
+            </p:cNvPr>
+            <p:cNvCxnSpPr>
+              <a:cxnSpLocks/>
+              <a:stCxn id="1065" idx="4"/>
+              <a:endCxn id="1045" idx="0"/>
+            </p:cNvCxnSpPr>
+            <p:nvPr/>
+          </p:nvCxnSpPr>
+          <p:spPr>
+            <a:xfrm>
+              <a:off x="6095999" y="822538"/>
+              <a:ext cx="0" cy="252552"/>
+            </a:xfrm>
+            <a:prstGeom prst="line">
+              <a:avLst/>
+            </a:prstGeom>
+            <a:ln w="28575">
+              <a:solidFill>
+                <a:schemeClr val="tx1">
+                  <a:lumMod val="95000"/>
+                  <a:lumOff val="5000"/>
+                </a:schemeClr>
+              </a:solidFill>
+            </a:ln>
+          </p:spPr>
+          <p:style>
+            <a:lnRef idx="1">
+              <a:schemeClr val="accent1"/>
+            </a:lnRef>
+            <a:fillRef idx="0">
+              <a:schemeClr val="accent1"/>
+            </a:fillRef>
+            <a:effectRef idx="0">
+              <a:schemeClr val="accent1"/>
+            </a:effectRef>
+            <a:fontRef idx="minor">
+              <a:schemeClr val="tx1"/>
+            </a:fontRef>
+          </p:style>
+        </p:cxnSp>
+        <p:sp>
+          <p:nvSpPr>
+            <p:cNvPr id="1068" name="Ovale 1067">
+              <a:extLst>
+                <a:ext uri="{FF2B5EF4-FFF2-40B4-BE49-F238E27FC236}">
+                  <a16:creationId xmlns:a16="http://schemas.microsoft.com/office/drawing/2014/main" id="{23D5F467-C34A-BC0C-DD43-10F8E3A985F7}"/>
+                </a:ext>
+              </a:extLst>
+            </p:cNvPr>
+            <p:cNvSpPr/>
+            <p:nvPr/>
+          </p:nvSpPr>
+          <p:spPr>
+            <a:xfrm>
+              <a:off x="5139355" y="2448700"/>
+              <a:ext cx="287866" cy="317500"/>
+            </a:xfrm>
+            <a:prstGeom prst="ellipse">
+              <a:avLst/>
+            </a:prstGeom>
+            <a:solidFill>
+              <a:srgbClr val="00B050"/>
+            </a:solidFill>
+          </p:spPr>
+          <p:style>
+            <a:lnRef idx="2">
+              <a:schemeClr val="accent1">
+                <a:shade val="15000"/>
+              </a:schemeClr>
+            </a:lnRef>
+            <a:fillRef idx="1">
+              <a:schemeClr val="accent1"/>
+            </a:fillRef>
+            <a:effectRef idx="0">
+              <a:schemeClr val="accent1"/>
+            </a:effectRef>
+            <a:fontRef idx="minor">
+              <a:schemeClr val="lt1"/>
+            </a:fontRef>
+          </p:style>
+          <p:txBody>
+            <a:bodyPr rtlCol="0" anchor="ctr"/>
+            <a:lstStyle/>
+            <a:p>
+              <a:pPr algn="ctr"/>
+              <a:endParaRPr lang="en-US"/>
+            </a:p>
+          </p:txBody>
+        </p:sp>
+        <p:cxnSp>
+          <p:nvCxnSpPr>
+            <p:cNvPr id="1069" name="Connettore diritto 1068">
+              <a:extLst>
+                <a:ext uri="{FF2B5EF4-FFF2-40B4-BE49-F238E27FC236}">
+                  <a16:creationId xmlns:a16="http://schemas.microsoft.com/office/drawing/2014/main" id="{779A2E3A-7A88-D90B-D9A1-88BB54F3D061}"/>
+                </a:ext>
+              </a:extLst>
+            </p:cNvPr>
+            <p:cNvCxnSpPr>
+              <a:cxnSpLocks/>
+              <a:stCxn id="1037" idx="3"/>
+              <a:endCxn id="1068" idx="7"/>
+            </p:cNvCxnSpPr>
+            <p:nvPr/>
+          </p:nvCxnSpPr>
+          <p:spPr>
+            <a:xfrm flipH="1">
+              <a:off x="5385064" y="2285893"/>
+              <a:ext cx="177359" cy="209304"/>
+            </a:xfrm>
+            <a:prstGeom prst="line">
+              <a:avLst/>
+            </a:prstGeom>
+            <a:ln w="28575">
+              <a:solidFill>
+                <a:schemeClr val="tx1">
+                  <a:lumMod val="95000"/>
+                  <a:lumOff val="5000"/>
+                </a:schemeClr>
+              </a:solidFill>
+            </a:ln>
+          </p:spPr>
+          <p:style>
+            <a:lnRef idx="1">
+              <a:schemeClr val="accent1"/>
+            </a:lnRef>
+            <a:fillRef idx="0">
+              <a:schemeClr val="accent1"/>
+            </a:fillRef>
+            <a:effectRef idx="0">
+              <a:schemeClr val="accent1"/>
+            </a:effectRef>
+            <a:fontRef idx="minor">
+              <a:schemeClr val="tx1"/>
+            </a:fontRef>
+          </p:style>
+        </p:cxnSp>
+        <p:sp>
+          <p:nvSpPr>
+            <p:cNvPr id="1071" name="Ovale 1070">
+              <a:extLst>
+                <a:ext uri="{FF2B5EF4-FFF2-40B4-BE49-F238E27FC236}">
+                  <a16:creationId xmlns:a16="http://schemas.microsoft.com/office/drawing/2014/main" id="{347DEEB8-E0B4-B3B7-6463-C7348E91A132}"/>
+                </a:ext>
+              </a:extLst>
+            </p:cNvPr>
+            <p:cNvSpPr/>
+            <p:nvPr/>
+          </p:nvSpPr>
+          <p:spPr>
+            <a:xfrm>
+              <a:off x="5122420" y="1032615"/>
+              <a:ext cx="287866" cy="317500"/>
+            </a:xfrm>
+            <a:prstGeom prst="ellipse">
+              <a:avLst/>
+            </a:prstGeom>
+            <a:solidFill>
+              <a:srgbClr val="FFC000"/>
+            </a:solidFill>
+          </p:spPr>
+          <p:style>
+            <a:lnRef idx="2">
+              <a:schemeClr val="accent1">
+                <a:shade val="15000"/>
+              </a:schemeClr>
+            </a:lnRef>
+            <a:fillRef idx="1">
+              <a:schemeClr val="accent1"/>
+            </a:fillRef>
+            <a:effectRef idx="0">
+              <a:schemeClr val="accent1"/>
+            </a:effectRef>
+            <a:fontRef idx="minor">
+              <a:schemeClr val="lt1"/>
+            </a:fontRef>
+          </p:style>
+          <p:txBody>
+            <a:bodyPr rtlCol="0" anchor="ctr"/>
+            <a:lstStyle/>
+            <a:p>
+              <a:pPr algn="ctr"/>
+              <a:endParaRPr lang="en-US"/>
+            </a:p>
+          </p:txBody>
+        </p:sp>
+        <p:cxnSp>
+          <p:nvCxnSpPr>
+            <p:cNvPr id="1072" name="Connettore diritto 1071">
+              <a:extLst>
+                <a:ext uri="{FF2B5EF4-FFF2-40B4-BE49-F238E27FC236}">
+                  <a16:creationId xmlns:a16="http://schemas.microsoft.com/office/drawing/2014/main" id="{0275A56A-DA37-3BAD-C233-5DE665FABF57}"/>
+                </a:ext>
+              </a:extLst>
+            </p:cNvPr>
+            <p:cNvCxnSpPr>
+              <a:cxnSpLocks/>
+              <a:stCxn id="1071" idx="5"/>
+              <a:endCxn id="1036" idx="1"/>
+            </p:cNvCxnSpPr>
+            <p:nvPr/>
+          </p:nvCxnSpPr>
+          <p:spPr>
+            <a:xfrm>
+              <a:off x="5368129" y="1303618"/>
+              <a:ext cx="194294" cy="135469"/>
+            </a:xfrm>
+            <a:prstGeom prst="line">
+              <a:avLst/>
+            </a:prstGeom>
+            <a:ln w="28575">
+              <a:solidFill>
+                <a:schemeClr val="tx1">
+                  <a:lumMod val="95000"/>
+                  <a:lumOff val="5000"/>
+                </a:schemeClr>
+              </a:solidFill>
+            </a:ln>
+          </p:spPr>
+          <p:style>
+            <a:lnRef idx="1">
+              <a:schemeClr val="accent1"/>
+            </a:lnRef>
+            <a:fillRef idx="0">
+              <a:schemeClr val="accent1"/>
+            </a:fillRef>
+            <a:effectRef idx="0">
+              <a:schemeClr val="accent1"/>
+            </a:effectRef>
+            <a:fontRef idx="minor">
+              <a:schemeClr val="tx1"/>
+            </a:fontRef>
+          </p:style>
+        </p:cxnSp>
+        <p:sp>
+          <p:nvSpPr>
+            <p:cNvPr id="1075" name="Ovale 1074">
+              <a:extLst>
+                <a:ext uri="{FF2B5EF4-FFF2-40B4-BE49-F238E27FC236}">
+                  <a16:creationId xmlns:a16="http://schemas.microsoft.com/office/drawing/2014/main" id="{DA4CE55D-D0EC-6E25-D17B-D117F9611ABD}"/>
+                </a:ext>
+              </a:extLst>
+            </p:cNvPr>
+            <p:cNvSpPr/>
+            <p:nvPr/>
+          </p:nvSpPr>
+          <p:spPr>
+            <a:xfrm>
+              <a:off x="7476063" y="1604430"/>
+              <a:ext cx="287866" cy="317500"/>
+            </a:xfrm>
+            <a:prstGeom prst="ellipse">
+              <a:avLst/>
+            </a:prstGeom>
+          </p:spPr>
+          <p:style>
+            <a:lnRef idx="2">
+              <a:schemeClr val="accent1">
+                <a:shade val="15000"/>
+              </a:schemeClr>
+            </a:lnRef>
+            <a:fillRef idx="1">
+              <a:schemeClr val="accent1"/>
+            </a:fillRef>
+            <a:effectRef idx="0">
+              <a:schemeClr val="accent1"/>
+            </a:effectRef>
+            <a:fontRef idx="minor">
+              <a:schemeClr val="lt1"/>
+            </a:fontRef>
+          </p:style>
+          <p:txBody>
+            <a:bodyPr rtlCol="0" anchor="ctr"/>
+            <a:lstStyle/>
+            <a:p>
+              <a:pPr algn="ctr"/>
+              <a:endParaRPr lang="en-US"/>
+            </a:p>
+          </p:txBody>
+        </p:sp>
+        <p:sp>
+          <p:nvSpPr>
+            <p:cNvPr id="1076" name="Ovale 1075">
+              <a:extLst>
+                <a:ext uri="{FF2B5EF4-FFF2-40B4-BE49-F238E27FC236}">
+                  <a16:creationId xmlns:a16="http://schemas.microsoft.com/office/drawing/2014/main" id="{A2A8B899-8E5A-55A9-3266-C2B6A6BAF6D0}"/>
+                </a:ext>
+              </a:extLst>
+            </p:cNvPr>
+            <p:cNvSpPr/>
+            <p:nvPr/>
+          </p:nvSpPr>
+          <p:spPr>
+            <a:xfrm>
+              <a:off x="7067720" y="2177697"/>
+              <a:ext cx="287866" cy="317500"/>
+            </a:xfrm>
+            <a:prstGeom prst="ellipse">
+              <a:avLst/>
+            </a:prstGeom>
+            <a:solidFill>
+              <a:srgbClr val="FF0000"/>
+            </a:solidFill>
+          </p:spPr>
+          <p:style>
+            <a:lnRef idx="2">
+              <a:schemeClr val="accent1">
+                <a:shade val="15000"/>
+              </a:schemeClr>
+            </a:lnRef>
+            <a:fillRef idx="1">
+              <a:schemeClr val="accent1"/>
+            </a:fillRef>
+            <a:effectRef idx="0">
+              <a:schemeClr val="accent1"/>
+            </a:effectRef>
+            <a:fontRef idx="minor">
+              <a:schemeClr val="lt1"/>
+            </a:fontRef>
+          </p:style>
+          <p:txBody>
+            <a:bodyPr rtlCol="0" anchor="ctr"/>
+            <a:lstStyle/>
+            <a:p>
+              <a:pPr algn="ctr"/>
+              <a:endParaRPr lang="en-US"/>
+            </a:p>
+          </p:txBody>
+        </p:sp>
+        <p:cxnSp>
+          <p:nvCxnSpPr>
+            <p:cNvPr id="1077" name="Connettore diritto 1076">
+              <a:extLst>
+                <a:ext uri="{FF2B5EF4-FFF2-40B4-BE49-F238E27FC236}">
+                  <a16:creationId xmlns:a16="http://schemas.microsoft.com/office/drawing/2014/main" id="{D51DB10B-07A1-BA7A-7FF0-5EF6554B3C3E}"/>
+                </a:ext>
+              </a:extLst>
+            </p:cNvPr>
+            <p:cNvCxnSpPr>
+              <a:cxnSpLocks/>
+              <a:stCxn id="1075" idx="3"/>
+              <a:endCxn id="1076" idx="7"/>
+            </p:cNvCxnSpPr>
+            <p:nvPr/>
+          </p:nvCxnSpPr>
+          <p:spPr>
+            <a:xfrm flipH="1">
+              <a:off x="7313429" y="1875433"/>
+              <a:ext cx="204791" cy="348761"/>
+            </a:xfrm>
+            <a:prstGeom prst="line">
+              <a:avLst/>
+            </a:prstGeom>
+            <a:ln w="28575">
+              <a:solidFill>
+                <a:schemeClr val="tx1">
+                  <a:lumMod val="95000"/>
+                  <a:lumOff val="5000"/>
+                </a:schemeClr>
+              </a:solidFill>
+            </a:ln>
+          </p:spPr>
+          <p:style>
+            <a:lnRef idx="1">
+              <a:schemeClr val="accent1"/>
+            </a:lnRef>
+            <a:fillRef idx="0">
+              <a:schemeClr val="accent1"/>
+            </a:fillRef>
+            <a:effectRef idx="0">
+              <a:schemeClr val="accent1"/>
+            </a:effectRef>
+            <a:fontRef idx="minor">
+              <a:schemeClr val="tx1"/>
+            </a:fontRef>
+          </p:style>
+        </p:cxnSp>
+        <p:sp>
+          <p:nvSpPr>
+            <p:cNvPr id="1078" name="Ovale 1077">
+              <a:extLst>
+                <a:ext uri="{FF2B5EF4-FFF2-40B4-BE49-F238E27FC236}">
+                  <a16:creationId xmlns:a16="http://schemas.microsoft.com/office/drawing/2014/main" id="{C2AEE5ED-4981-C333-8654-4EC0EAAD3124}"/>
+                </a:ext>
+              </a:extLst>
+            </p:cNvPr>
+            <p:cNvSpPr/>
+            <p:nvPr/>
+          </p:nvSpPr>
+          <p:spPr>
+            <a:xfrm>
+              <a:off x="6984820" y="1199583"/>
+              <a:ext cx="287866" cy="317500"/>
+            </a:xfrm>
+            <a:prstGeom prst="ellipse">
+              <a:avLst/>
+            </a:prstGeom>
+            <a:solidFill>
+              <a:srgbClr val="FF0000"/>
+            </a:solidFill>
+          </p:spPr>
+          <p:style>
+            <a:lnRef idx="2">
+              <a:schemeClr val="accent1">
+                <a:shade val="15000"/>
+              </a:schemeClr>
+            </a:lnRef>
+            <a:fillRef idx="1">
+              <a:schemeClr val="accent1"/>
+            </a:fillRef>
+            <a:effectRef idx="0">
+              <a:schemeClr val="accent1"/>
+            </a:effectRef>
+            <a:fontRef idx="minor">
+              <a:schemeClr val="lt1"/>
+            </a:fontRef>
+          </p:style>
+          <p:txBody>
+            <a:bodyPr rtlCol="0" anchor="ctr"/>
+            <a:lstStyle/>
+            <a:p>
+              <a:pPr algn="ctr"/>
+              <a:endParaRPr lang="en-US"/>
+            </a:p>
+          </p:txBody>
+        </p:sp>
+        <p:cxnSp>
+          <p:nvCxnSpPr>
+            <p:cNvPr id="1079" name="Connettore diritto 1078">
+              <a:extLst>
+                <a:ext uri="{FF2B5EF4-FFF2-40B4-BE49-F238E27FC236}">
+                  <a16:creationId xmlns:a16="http://schemas.microsoft.com/office/drawing/2014/main" id="{76F257A2-FCA5-4BFC-2C87-16138050E073}"/>
+                </a:ext>
+              </a:extLst>
+            </p:cNvPr>
+            <p:cNvCxnSpPr>
+              <a:cxnSpLocks/>
+              <a:stCxn id="1078" idx="6"/>
+              <a:endCxn id="1075" idx="1"/>
+            </p:cNvCxnSpPr>
+            <p:nvPr/>
+          </p:nvCxnSpPr>
+          <p:spPr>
+            <a:xfrm>
+              <a:off x="7272686" y="1358333"/>
+              <a:ext cx="245534" cy="292594"/>
+            </a:xfrm>
+            <a:prstGeom prst="line">
+              <a:avLst/>
+            </a:prstGeom>
+            <a:ln w="28575">
+              <a:solidFill>
+                <a:schemeClr val="tx1">
+                  <a:lumMod val="95000"/>
+                  <a:lumOff val="5000"/>
+                </a:schemeClr>
+              </a:solidFill>
+            </a:ln>
+          </p:spPr>
+          <p:style>
+            <a:lnRef idx="1">
+              <a:schemeClr val="accent1"/>
+            </a:lnRef>
+            <a:fillRef idx="0">
+              <a:schemeClr val="accent1"/>
+            </a:fillRef>
+            <a:effectRef idx="0">
+              <a:schemeClr val="accent1"/>
+            </a:effectRef>
+            <a:fontRef idx="minor">
+              <a:schemeClr val="tx1"/>
+            </a:fontRef>
+          </p:style>
+        </p:cxnSp>
+        <p:cxnSp>
+          <p:nvCxnSpPr>
+            <p:cNvPr id="1080" name="Connettore diritto 1079">
+              <a:extLst>
+                <a:ext uri="{FF2B5EF4-FFF2-40B4-BE49-F238E27FC236}">
+                  <a16:creationId xmlns:a16="http://schemas.microsoft.com/office/drawing/2014/main" id="{0B5FEEA5-F829-D0D5-023D-20AA4EFEFA79}"/>
+                </a:ext>
+              </a:extLst>
+            </p:cNvPr>
+            <p:cNvCxnSpPr>
+              <a:cxnSpLocks/>
+              <a:stCxn id="1043" idx="6"/>
+              <a:endCxn id="1076" idx="2"/>
+            </p:cNvCxnSpPr>
+            <p:nvPr/>
+          </p:nvCxnSpPr>
+          <p:spPr>
+            <a:xfrm>
+              <a:off x="6642098" y="2173640"/>
+              <a:ext cx="425622" cy="162807"/>
+            </a:xfrm>
+            <a:prstGeom prst="line">
+              <a:avLst/>
+            </a:prstGeom>
+            <a:ln w="28575">
+              <a:solidFill>
+                <a:schemeClr val="tx1">
+                  <a:lumMod val="95000"/>
+                  <a:lumOff val="5000"/>
+                </a:schemeClr>
+              </a:solidFill>
+            </a:ln>
+          </p:spPr>
+          <p:style>
+            <a:lnRef idx="1">
+              <a:schemeClr val="accent1"/>
+            </a:lnRef>
+            <a:fillRef idx="0">
+              <a:schemeClr val="accent1"/>
+            </a:fillRef>
+            <a:effectRef idx="0">
+              <a:schemeClr val="accent1"/>
+            </a:effectRef>
+            <a:fontRef idx="minor">
+              <a:schemeClr val="tx1"/>
+            </a:fontRef>
+          </p:style>
+        </p:cxnSp>
+        <p:cxnSp>
+          <p:nvCxnSpPr>
+            <p:cNvPr id="1090" name="Connettore diritto 1089">
+              <a:extLst>
+                <a:ext uri="{FF2B5EF4-FFF2-40B4-BE49-F238E27FC236}">
+                  <a16:creationId xmlns:a16="http://schemas.microsoft.com/office/drawing/2014/main" id="{BC91CA20-F5C5-4049-C4B5-79E6C24BC897}"/>
+                </a:ext>
+              </a:extLst>
+            </p:cNvPr>
+            <p:cNvCxnSpPr>
+              <a:cxnSpLocks/>
+              <a:stCxn id="1042" idx="6"/>
+              <a:endCxn id="1078" idx="2"/>
+            </p:cNvCxnSpPr>
+            <p:nvPr/>
+          </p:nvCxnSpPr>
+          <p:spPr>
+            <a:xfrm flipV="1">
+              <a:off x="6642098" y="1358333"/>
+              <a:ext cx="342722" cy="193007"/>
+            </a:xfrm>
+            <a:prstGeom prst="line">
+              <a:avLst/>
+            </a:prstGeom>
+            <a:ln w="28575">
+              <a:solidFill>
+                <a:schemeClr val="tx1">
+                  <a:lumMod val="95000"/>
+                  <a:lumOff val="5000"/>
+                </a:schemeClr>
+              </a:solidFill>
+            </a:ln>
+          </p:spPr>
+          <p:style>
+            <a:lnRef idx="1">
+              <a:schemeClr val="accent1"/>
+            </a:lnRef>
+            <a:fillRef idx="0">
+              <a:schemeClr val="accent1"/>
+            </a:fillRef>
+            <a:effectRef idx="0">
+              <a:schemeClr val="accent1"/>
+            </a:effectRef>
+            <a:fontRef idx="minor">
+              <a:schemeClr val="tx1"/>
+            </a:fontRef>
+          </p:style>
+        </p:cxnSp>
+        <p:sp>
+          <p:nvSpPr>
+            <p:cNvPr id="1096" name="Ovale 1095">
+              <a:extLst>
+                <a:ext uri="{FF2B5EF4-FFF2-40B4-BE49-F238E27FC236}">
+                  <a16:creationId xmlns:a16="http://schemas.microsoft.com/office/drawing/2014/main" id="{8D6FEA6F-B7A2-D961-4A44-861A25F587BD}"/>
+                </a:ext>
+              </a:extLst>
+            </p:cNvPr>
+            <p:cNvSpPr/>
+            <p:nvPr/>
+          </p:nvSpPr>
+          <p:spPr>
+            <a:xfrm>
+              <a:off x="7332130" y="672813"/>
+              <a:ext cx="287866" cy="317500"/>
+            </a:xfrm>
+            <a:prstGeom prst="ellipse">
+              <a:avLst/>
+            </a:prstGeom>
+            <a:solidFill>
+              <a:srgbClr val="FFC000"/>
+            </a:solidFill>
+          </p:spPr>
+          <p:style>
+            <a:lnRef idx="2">
+              <a:schemeClr val="accent1">
+                <a:shade val="15000"/>
+              </a:schemeClr>
+            </a:lnRef>
+            <a:fillRef idx="1">
+              <a:schemeClr val="accent1"/>
+            </a:fillRef>
+            <a:effectRef idx="0">
+              <a:schemeClr val="accent1"/>
+            </a:effectRef>
+            <a:fontRef idx="minor">
+              <a:schemeClr val="lt1"/>
+            </a:fontRef>
+          </p:style>
+          <p:txBody>
+            <a:bodyPr rtlCol="0" anchor="ctr"/>
+            <a:lstStyle/>
+            <a:p>
+              <a:pPr algn="ctr"/>
+              <a:endParaRPr lang="en-US"/>
+            </a:p>
+          </p:txBody>
+        </p:sp>
+        <p:cxnSp>
+          <p:nvCxnSpPr>
+            <p:cNvPr id="1097" name="Connettore diritto 1096">
+              <a:extLst>
+                <a:ext uri="{FF2B5EF4-FFF2-40B4-BE49-F238E27FC236}">
+                  <a16:creationId xmlns:a16="http://schemas.microsoft.com/office/drawing/2014/main" id="{177108C5-354C-75F9-CE07-8B7B6C36B8D4}"/>
+                </a:ext>
+              </a:extLst>
+            </p:cNvPr>
+            <p:cNvCxnSpPr>
+              <a:cxnSpLocks/>
+              <a:stCxn id="1096" idx="3"/>
+              <a:endCxn id="1078" idx="7"/>
+            </p:cNvCxnSpPr>
+            <p:nvPr/>
+          </p:nvCxnSpPr>
+          <p:spPr>
+            <a:xfrm flipH="1">
+              <a:off x="7230529" y="943816"/>
+              <a:ext cx="143758" cy="302264"/>
+            </a:xfrm>
+            <a:prstGeom prst="line">
+              <a:avLst/>
+            </a:prstGeom>
+            <a:ln w="28575">
+              <a:solidFill>
+                <a:schemeClr val="tx1">
+                  <a:lumMod val="95000"/>
+                  <a:lumOff val="5000"/>
+                </a:schemeClr>
+              </a:solidFill>
+            </a:ln>
+          </p:spPr>
+          <p:style>
+            <a:lnRef idx="1">
+              <a:schemeClr val="accent1"/>
+            </a:lnRef>
+            <a:fillRef idx="0">
+              <a:schemeClr val="accent1"/>
+            </a:fillRef>
+            <a:effectRef idx="0">
+              <a:schemeClr val="accent1"/>
+            </a:effectRef>
+            <a:fontRef idx="minor">
+              <a:schemeClr val="tx1"/>
+            </a:fontRef>
+          </p:style>
+        </p:cxnSp>
+      </p:grpSp>
+      <p:grpSp>
+        <p:nvGrpSpPr>
+          <p:cNvPr id="1142" name="Gruppo 1141">
+            <a:extLst>
+              <a:ext uri="{FF2B5EF4-FFF2-40B4-BE49-F238E27FC236}">
+                <a16:creationId xmlns:a16="http://schemas.microsoft.com/office/drawing/2014/main" id="{9E9E932F-0759-5AA3-B2AB-72D97DF99B03}"/>
+              </a:ext>
+            </a:extLst>
+          </p:cNvPr>
+          <p:cNvGrpSpPr/>
+          <p:nvPr/>
+        </p:nvGrpSpPr>
+        <p:grpSpPr>
+          <a:xfrm>
+            <a:off x="4269443" y="362265"/>
+            <a:ext cx="1050022" cy="1299784"/>
+            <a:chOff x="5189913" y="365098"/>
+            <a:chExt cx="1748419" cy="1698485"/>
+          </a:xfrm>
+        </p:grpSpPr>
+        <p:cxnSp>
+          <p:nvCxnSpPr>
+            <p:cNvPr id="1114" name="Connettore diritto 1113">
+              <a:extLst>
+                <a:ext uri="{FF2B5EF4-FFF2-40B4-BE49-F238E27FC236}">
+                  <a16:creationId xmlns:a16="http://schemas.microsoft.com/office/drawing/2014/main" id="{77603605-FCF8-51B6-D488-CCC85CECE899}"/>
+                </a:ext>
+              </a:extLst>
+            </p:cNvPr>
+            <p:cNvCxnSpPr>
+              <a:cxnSpLocks/>
+              <a:stCxn id="1123" idx="6"/>
+              <a:endCxn id="1127" idx="2"/>
+            </p:cNvCxnSpPr>
+            <p:nvPr/>
+          </p:nvCxnSpPr>
+          <p:spPr>
+            <a:xfrm>
+              <a:off x="5615985" y="576114"/>
+              <a:ext cx="897955" cy="628311"/>
+            </a:xfrm>
+            <a:prstGeom prst="line">
+              <a:avLst/>
+            </a:prstGeom>
+            <a:ln w="38100">
+              <a:solidFill>
+                <a:schemeClr val="tx1"/>
+              </a:solidFill>
+            </a:ln>
+          </p:spPr>
+          <p:style>
+            <a:lnRef idx="1">
+              <a:schemeClr val="accent1"/>
+            </a:lnRef>
+            <a:fillRef idx="0">
+              <a:schemeClr val="accent1"/>
+            </a:fillRef>
+            <a:effectRef idx="0">
+              <a:schemeClr val="accent1"/>
+            </a:effectRef>
+            <a:fontRef idx="minor">
+              <a:schemeClr val="tx1"/>
+            </a:fontRef>
+          </p:style>
+        </p:cxnSp>
+        <p:sp>
+          <p:nvSpPr>
+            <p:cNvPr id="1123" name="Ovale 1122">
+              <a:extLst>
+                <a:ext uri="{FF2B5EF4-FFF2-40B4-BE49-F238E27FC236}">
+                  <a16:creationId xmlns:a16="http://schemas.microsoft.com/office/drawing/2014/main" id="{A1228BC6-ECBD-CDD6-E2C6-41F444905890}"/>
+                </a:ext>
+              </a:extLst>
+            </p:cNvPr>
+            <p:cNvSpPr/>
+            <p:nvPr/>
+          </p:nvSpPr>
+          <p:spPr>
+            <a:xfrm>
+              <a:off x="5193955" y="365098"/>
+              <a:ext cx="422030" cy="422031"/>
+            </a:xfrm>
+            <a:prstGeom prst="ellipse">
+              <a:avLst/>
+            </a:prstGeom>
+          </p:spPr>
+          <p:style>
+            <a:lnRef idx="2">
+              <a:schemeClr val="accent1">
+                <a:shade val="15000"/>
+              </a:schemeClr>
+            </a:lnRef>
+            <a:fillRef idx="1">
+              <a:schemeClr val="accent1"/>
+            </a:fillRef>
+            <a:effectRef idx="0">
+              <a:schemeClr val="accent1"/>
+            </a:effectRef>
+            <a:fontRef idx="minor">
+              <a:schemeClr val="lt1"/>
+            </a:fontRef>
+          </p:style>
+          <p:txBody>
+            <a:bodyPr rtlCol="0" anchor="ctr"/>
+            <a:lstStyle/>
+            <a:p>
+              <a:pPr algn="ctr"/>
+              <a:endParaRPr lang="en-US"/>
+            </a:p>
+          </p:txBody>
+        </p:sp>
+        <p:sp>
+          <p:nvSpPr>
+            <p:cNvPr id="1124" name="Ovale 1123">
+              <a:extLst>
+                <a:ext uri="{FF2B5EF4-FFF2-40B4-BE49-F238E27FC236}">
+                  <a16:creationId xmlns:a16="http://schemas.microsoft.com/office/drawing/2014/main" id="{47A92840-B678-5308-E475-5114C82E5A6E}"/>
+                </a:ext>
+              </a:extLst>
+            </p:cNvPr>
+            <p:cNvSpPr/>
+            <p:nvPr/>
+          </p:nvSpPr>
+          <p:spPr>
+            <a:xfrm>
+              <a:off x="5191593" y="993409"/>
+              <a:ext cx="422030" cy="422031"/>
+            </a:xfrm>
+            <a:prstGeom prst="ellipse">
+              <a:avLst/>
+            </a:prstGeom>
+          </p:spPr>
+          <p:style>
+            <a:lnRef idx="2">
+              <a:schemeClr val="accent1">
+                <a:shade val="15000"/>
+              </a:schemeClr>
+            </a:lnRef>
+            <a:fillRef idx="1">
+              <a:schemeClr val="accent1"/>
+            </a:fillRef>
+            <a:effectRef idx="0">
+              <a:schemeClr val="accent1"/>
+            </a:effectRef>
+            <a:fontRef idx="minor">
+              <a:schemeClr val="lt1"/>
+            </a:fontRef>
+          </p:style>
+          <p:txBody>
+            <a:bodyPr rtlCol="0" anchor="ctr"/>
+            <a:lstStyle/>
+            <a:p>
+              <a:pPr algn="ctr"/>
+              <a:endParaRPr lang="en-US"/>
+            </a:p>
+          </p:txBody>
+        </p:sp>
+        <p:sp>
+          <p:nvSpPr>
+            <p:cNvPr id="1125" name="Ovale 1124">
+              <a:extLst>
+                <a:ext uri="{FF2B5EF4-FFF2-40B4-BE49-F238E27FC236}">
+                  <a16:creationId xmlns:a16="http://schemas.microsoft.com/office/drawing/2014/main" id="{4E36AC00-DD8E-936E-B2DF-C607C4D9BF0B}"/>
+                </a:ext>
+              </a:extLst>
+            </p:cNvPr>
+            <p:cNvSpPr/>
+            <p:nvPr/>
+          </p:nvSpPr>
+          <p:spPr>
+            <a:xfrm>
+              <a:off x="5189913" y="1641552"/>
+              <a:ext cx="422030" cy="422031"/>
+            </a:xfrm>
+            <a:prstGeom prst="ellipse">
+              <a:avLst/>
+            </a:prstGeom>
+          </p:spPr>
+          <p:style>
+            <a:lnRef idx="2">
+              <a:schemeClr val="accent1">
+                <a:shade val="15000"/>
+              </a:schemeClr>
+            </a:lnRef>
+            <a:fillRef idx="1">
+              <a:schemeClr val="accent1"/>
+            </a:fillRef>
+            <a:effectRef idx="0">
+              <a:schemeClr val="accent1"/>
+            </a:effectRef>
+            <a:fontRef idx="minor">
+              <a:schemeClr val="lt1"/>
+            </a:fontRef>
+          </p:style>
+          <p:txBody>
+            <a:bodyPr rtlCol="0" anchor="ctr"/>
+            <a:lstStyle/>
+            <a:p>
+              <a:pPr algn="ctr"/>
+              <a:endParaRPr lang="en-US"/>
+            </a:p>
+          </p:txBody>
+        </p:sp>
+        <p:sp>
+          <p:nvSpPr>
+            <p:cNvPr id="1126" name="Ovale 1125">
+              <a:extLst>
+                <a:ext uri="{FF2B5EF4-FFF2-40B4-BE49-F238E27FC236}">
+                  <a16:creationId xmlns:a16="http://schemas.microsoft.com/office/drawing/2014/main" id="{71CC1F71-C6D1-D3D1-1AE3-8FC7BB4EC64F}"/>
+                </a:ext>
+              </a:extLst>
+            </p:cNvPr>
+            <p:cNvSpPr/>
+            <p:nvPr/>
+          </p:nvSpPr>
+          <p:spPr>
+            <a:xfrm>
+              <a:off x="6516302" y="365098"/>
+              <a:ext cx="422030" cy="422031"/>
+            </a:xfrm>
+            <a:prstGeom prst="ellipse">
+              <a:avLst/>
+            </a:prstGeom>
+            <a:solidFill>
+              <a:srgbClr val="00B050"/>
+            </a:solidFill>
+          </p:spPr>
+          <p:style>
+            <a:lnRef idx="2">
+              <a:schemeClr val="accent1">
+                <a:shade val="15000"/>
+              </a:schemeClr>
+            </a:lnRef>
+            <a:fillRef idx="1">
+              <a:schemeClr val="accent1"/>
+            </a:fillRef>
+            <a:effectRef idx="0">
+              <a:schemeClr val="accent1"/>
+            </a:effectRef>
+            <a:fontRef idx="minor">
+              <a:schemeClr val="lt1"/>
+            </a:fontRef>
+          </p:style>
+          <p:txBody>
+            <a:bodyPr rtlCol="0" anchor="ctr"/>
+            <a:lstStyle/>
+            <a:p>
+              <a:pPr algn="ctr"/>
+              <a:endParaRPr lang="en-US"/>
+            </a:p>
+          </p:txBody>
+        </p:sp>
+        <p:sp>
+          <p:nvSpPr>
+            <p:cNvPr id="1127" name="Ovale 1126">
+              <a:extLst>
+                <a:ext uri="{FF2B5EF4-FFF2-40B4-BE49-F238E27FC236}">
+                  <a16:creationId xmlns:a16="http://schemas.microsoft.com/office/drawing/2014/main" id="{57DF0FD4-6BEB-6CFD-0FDE-D87430359C8C}"/>
+                </a:ext>
+              </a:extLst>
+            </p:cNvPr>
+            <p:cNvSpPr/>
+            <p:nvPr/>
+          </p:nvSpPr>
+          <p:spPr>
+            <a:xfrm>
+              <a:off x="6513940" y="993409"/>
+              <a:ext cx="422030" cy="422031"/>
+            </a:xfrm>
+            <a:prstGeom prst="ellipse">
+              <a:avLst/>
+            </a:prstGeom>
+            <a:solidFill>
+              <a:srgbClr val="00B050"/>
+            </a:solidFill>
+          </p:spPr>
+          <p:style>
+            <a:lnRef idx="2">
+              <a:schemeClr val="accent1">
+                <a:shade val="15000"/>
+              </a:schemeClr>
+            </a:lnRef>
+            <a:fillRef idx="1">
+              <a:schemeClr val="accent1"/>
+            </a:fillRef>
+            <a:effectRef idx="0">
+              <a:schemeClr val="accent1"/>
+            </a:effectRef>
+            <a:fontRef idx="minor">
+              <a:schemeClr val="lt1"/>
+            </a:fontRef>
+          </p:style>
+          <p:txBody>
+            <a:bodyPr rtlCol="0" anchor="ctr"/>
+            <a:lstStyle/>
+            <a:p>
+              <a:pPr algn="ctr"/>
+              <a:endParaRPr lang="en-US"/>
+            </a:p>
+          </p:txBody>
+        </p:sp>
+        <p:sp>
+          <p:nvSpPr>
+            <p:cNvPr id="1128" name="Ovale 1127">
+              <a:extLst>
+                <a:ext uri="{FF2B5EF4-FFF2-40B4-BE49-F238E27FC236}">
+                  <a16:creationId xmlns:a16="http://schemas.microsoft.com/office/drawing/2014/main" id="{E92A005F-F534-F01C-0ED5-AE30CBBB4CBB}"/>
+                </a:ext>
+              </a:extLst>
+            </p:cNvPr>
+            <p:cNvSpPr/>
+            <p:nvPr/>
+          </p:nvSpPr>
+          <p:spPr>
+            <a:xfrm>
+              <a:off x="6512260" y="1641552"/>
+              <a:ext cx="422030" cy="422031"/>
+            </a:xfrm>
+            <a:prstGeom prst="ellipse">
+              <a:avLst/>
+            </a:prstGeom>
+            <a:solidFill>
+              <a:srgbClr val="00B050"/>
+            </a:solidFill>
+          </p:spPr>
+          <p:style>
+            <a:lnRef idx="2">
+              <a:schemeClr val="accent1">
+                <a:shade val="15000"/>
+              </a:schemeClr>
+            </a:lnRef>
+            <a:fillRef idx="1">
+              <a:schemeClr val="accent1"/>
+            </a:fillRef>
+            <a:effectRef idx="0">
+              <a:schemeClr val="accent1"/>
+            </a:effectRef>
+            <a:fontRef idx="minor">
+              <a:schemeClr val="lt1"/>
+            </a:fontRef>
+          </p:style>
+          <p:txBody>
+            <a:bodyPr rtlCol="0" anchor="ctr"/>
+            <a:lstStyle/>
+            <a:p>
+              <a:pPr algn="ctr"/>
+              <a:endParaRPr lang="en-US"/>
+            </a:p>
+          </p:txBody>
+        </p:sp>
+        <p:cxnSp>
+          <p:nvCxnSpPr>
+            <p:cNvPr id="1131" name="Connettore diritto 1130">
+              <a:extLst>
+                <a:ext uri="{FF2B5EF4-FFF2-40B4-BE49-F238E27FC236}">
+                  <a16:creationId xmlns:a16="http://schemas.microsoft.com/office/drawing/2014/main" id="{F146A218-B532-4770-9903-8D1274AB17DC}"/>
+                </a:ext>
+              </a:extLst>
+            </p:cNvPr>
+            <p:cNvCxnSpPr>
+              <a:cxnSpLocks/>
+              <a:stCxn id="1124" idx="6"/>
+              <a:endCxn id="1127" idx="2"/>
+            </p:cNvCxnSpPr>
+            <p:nvPr/>
+          </p:nvCxnSpPr>
+          <p:spPr>
+            <a:xfrm>
+              <a:off x="5613623" y="1204425"/>
+              <a:ext cx="900317" cy="0"/>
+            </a:xfrm>
+            <a:prstGeom prst="line">
+              <a:avLst/>
+            </a:prstGeom>
+            <a:ln w="38100">
+              <a:solidFill>
+                <a:schemeClr val="tx1"/>
+              </a:solidFill>
+            </a:ln>
+          </p:spPr>
+          <p:style>
+            <a:lnRef idx="1">
+              <a:schemeClr val="accent1"/>
+            </a:lnRef>
+            <a:fillRef idx="0">
+              <a:schemeClr val="accent1"/>
+            </a:fillRef>
+            <a:effectRef idx="0">
+              <a:schemeClr val="accent1"/>
+            </a:effectRef>
+            <a:fontRef idx="minor">
+              <a:schemeClr val="tx1"/>
+            </a:fontRef>
+          </p:style>
+        </p:cxnSp>
+        <p:cxnSp>
+          <p:nvCxnSpPr>
+            <p:cNvPr id="1134" name="Connettore diritto 1133">
+              <a:extLst>
+                <a:ext uri="{FF2B5EF4-FFF2-40B4-BE49-F238E27FC236}">
+                  <a16:creationId xmlns:a16="http://schemas.microsoft.com/office/drawing/2014/main" id="{92A6DB7E-E2FB-4534-AB55-79D9A48B8629}"/>
+                </a:ext>
+              </a:extLst>
+            </p:cNvPr>
+            <p:cNvCxnSpPr>
+              <a:cxnSpLocks/>
+              <a:stCxn id="1124" idx="6"/>
+              <a:endCxn id="1128" idx="2"/>
+            </p:cNvCxnSpPr>
+            <p:nvPr/>
+          </p:nvCxnSpPr>
+          <p:spPr>
+            <a:xfrm>
+              <a:off x="5613623" y="1204425"/>
+              <a:ext cx="898637" cy="648143"/>
+            </a:xfrm>
+            <a:prstGeom prst="line">
+              <a:avLst/>
+            </a:prstGeom>
+            <a:ln w="38100">
+              <a:solidFill>
+                <a:schemeClr val="tx1"/>
+              </a:solidFill>
+            </a:ln>
+          </p:spPr>
+          <p:style>
+            <a:lnRef idx="1">
+              <a:schemeClr val="accent1"/>
+            </a:lnRef>
+            <a:fillRef idx="0">
+              <a:schemeClr val="accent1"/>
+            </a:fillRef>
+            <a:effectRef idx="0">
+              <a:schemeClr val="accent1"/>
+            </a:effectRef>
+            <a:fontRef idx="minor">
+              <a:schemeClr val="tx1"/>
+            </a:fontRef>
+          </p:style>
+        </p:cxnSp>
+        <p:cxnSp>
+          <p:nvCxnSpPr>
+            <p:cNvPr id="1137" name="Connettore diritto 1136">
+              <a:extLst>
+                <a:ext uri="{FF2B5EF4-FFF2-40B4-BE49-F238E27FC236}">
+                  <a16:creationId xmlns:a16="http://schemas.microsoft.com/office/drawing/2014/main" id="{A06330A8-EED0-D588-6BA4-A89538B31A0C}"/>
+                </a:ext>
+              </a:extLst>
+            </p:cNvPr>
+            <p:cNvCxnSpPr>
+              <a:cxnSpLocks/>
+              <a:stCxn id="1125" idx="6"/>
+              <a:endCxn id="1126" idx="2"/>
+            </p:cNvCxnSpPr>
+            <p:nvPr/>
+          </p:nvCxnSpPr>
+          <p:spPr>
+            <a:xfrm flipV="1">
+              <a:off x="5611943" y="576114"/>
+              <a:ext cx="904359" cy="1276454"/>
+            </a:xfrm>
+            <a:prstGeom prst="line">
+              <a:avLst/>
+            </a:prstGeom>
+            <a:ln w="38100">
+              <a:solidFill>
+                <a:schemeClr val="tx1"/>
+              </a:solidFill>
+            </a:ln>
+          </p:spPr>
+          <p:style>
+            <a:lnRef idx="1">
+              <a:schemeClr val="accent1"/>
+            </a:lnRef>
+            <a:fillRef idx="0">
+              <a:schemeClr val="accent1"/>
+            </a:fillRef>
+            <a:effectRef idx="0">
+              <a:schemeClr val="accent1"/>
+            </a:effectRef>
+            <a:fontRef idx="minor">
+              <a:schemeClr val="tx1"/>
+            </a:fontRef>
+          </p:style>
+        </p:cxnSp>
+      </p:grpSp>
+      <p:sp>
+        <p:nvSpPr>
+          <p:cNvPr id="1140" name="CasellaDiTesto 1139">
+            <a:extLst>
+              <a:ext uri="{FF2B5EF4-FFF2-40B4-BE49-F238E27FC236}">
+                <a16:creationId xmlns:a16="http://schemas.microsoft.com/office/drawing/2014/main" id="{CEF75BCB-E0B8-73F1-FDF2-E904BA73AC26}"/>
+              </a:ext>
+            </a:extLst>
+          </p:cNvPr>
+          <p:cNvSpPr txBox="1"/>
+          <p:nvPr/>
+        </p:nvSpPr>
+        <p:spPr>
+          <a:xfrm>
+            <a:off x="3938262" y="1676458"/>
+            <a:ext cx="898637" cy="369332"/>
+          </a:xfrm>
+          <a:prstGeom prst="rect">
+            <a:avLst/>
+          </a:prstGeom>
+          <a:noFill/>
+        </p:spPr>
+        <p:txBody>
+          <a:bodyPr wrap="square" rtlCol="0">
+            <a:spAutoFit/>
+          </a:bodyPr>
+          <a:lstStyle/>
+          <a:p>
+            <a:pPr algn="ctr"/>
+            <a:r>
+              <a:rPr lang="en-US" dirty="0"/>
+              <a:t>drugs</a:t>
+            </a:r>
+          </a:p>
+        </p:txBody>
+      </p:sp>
+      <p:sp>
+        <p:nvSpPr>
+          <p:cNvPr id="1141" name="CasellaDiTesto 1140">
+            <a:extLst>
+              <a:ext uri="{FF2B5EF4-FFF2-40B4-BE49-F238E27FC236}">
+                <a16:creationId xmlns:a16="http://schemas.microsoft.com/office/drawing/2014/main" id="{6BFF35F6-0DD6-FB67-7185-53EFDA7138AA}"/>
+              </a:ext>
+            </a:extLst>
+          </p:cNvPr>
+          <p:cNvSpPr txBox="1"/>
+          <p:nvPr/>
+        </p:nvSpPr>
+        <p:spPr>
+          <a:xfrm>
+            <a:off x="4803700" y="1679028"/>
+            <a:ext cx="1024465" cy="369332"/>
+          </a:xfrm>
+          <a:prstGeom prst="rect">
+            <a:avLst/>
+          </a:prstGeom>
+          <a:noFill/>
+        </p:spPr>
+        <p:txBody>
+          <a:bodyPr wrap="square" rtlCol="0">
+            <a:spAutoFit/>
+          </a:bodyPr>
+          <a:lstStyle/>
+          <a:p>
+            <a:pPr algn="ctr"/>
+            <a:r>
+              <a:rPr lang="en-US" dirty="0"/>
+              <a:t>proteins</a:t>
+            </a:r>
+          </a:p>
+        </p:txBody>
+      </p:sp>
+      <p:grpSp>
+        <p:nvGrpSpPr>
+          <p:cNvPr id="1143" name="Gruppo 1142">
+            <a:extLst>
+              <a:ext uri="{FF2B5EF4-FFF2-40B4-BE49-F238E27FC236}">
+                <a16:creationId xmlns:a16="http://schemas.microsoft.com/office/drawing/2014/main" id="{048E0140-D142-A6B5-32C9-BC285E538E9F}"/>
+              </a:ext>
+            </a:extLst>
+          </p:cNvPr>
+          <p:cNvGrpSpPr/>
+          <p:nvPr/>
+        </p:nvGrpSpPr>
+        <p:grpSpPr>
+          <a:xfrm>
+            <a:off x="249492" y="3124200"/>
+            <a:ext cx="317775" cy="448556"/>
+            <a:chOff x="911291" y="1250302"/>
+            <a:chExt cx="1138334" cy="1810139"/>
+          </a:xfrm>
+        </p:grpSpPr>
+        <p:sp>
+          <p:nvSpPr>
+            <p:cNvPr id="1144" name="Rettangolo ad angolo ripiegato 1143">
+              <a:extLst>
+                <a:ext uri="{FF2B5EF4-FFF2-40B4-BE49-F238E27FC236}">
+                  <a16:creationId xmlns:a16="http://schemas.microsoft.com/office/drawing/2014/main" id="{395C833F-105A-F8D9-DB63-F8D4EDF7FFA8}"/>
+                </a:ext>
+              </a:extLst>
+            </p:cNvPr>
+            <p:cNvSpPr/>
+            <p:nvPr/>
+          </p:nvSpPr>
+          <p:spPr>
+            <a:xfrm rot="10800000" flipH="1">
+              <a:off x="911291" y="1250302"/>
+              <a:ext cx="1138334" cy="1810139"/>
+            </a:xfrm>
+            <a:prstGeom prst="foldedCorner">
+              <a:avLst>
+                <a:gd name="adj" fmla="val 41257"/>
+              </a:avLst>
+            </a:prstGeom>
+            <a:solidFill>
+              <a:schemeClr val="bg1"/>
+            </a:solidFill>
+            <a:ln>
+              <a:solidFill>
+                <a:schemeClr val="tx1"/>
+              </a:solidFill>
+            </a:ln>
+          </p:spPr>
+          <p:style>
+            <a:lnRef idx="2">
+              <a:schemeClr val="accent1">
+                <a:shade val="15000"/>
+              </a:schemeClr>
+            </a:lnRef>
+            <a:fillRef idx="1">
+              <a:schemeClr val="accent1"/>
+            </a:fillRef>
+            <a:effectRef idx="0">
+              <a:schemeClr val="accent1"/>
+            </a:effectRef>
+            <a:fontRef idx="minor">
+              <a:schemeClr val="lt1"/>
+            </a:fontRef>
+          </p:style>
+          <p:txBody>
+            <a:bodyPr rtlCol="0" anchor="ctr"/>
+            <a:lstStyle/>
+            <a:p>
+              <a:pPr algn="ctr"/>
+              <a:endParaRPr lang="en-US"/>
+            </a:p>
+          </p:txBody>
+        </p:sp>
+        <p:cxnSp>
+          <p:nvCxnSpPr>
+            <p:cNvPr id="1145" name="Connettore diritto 1144">
+              <a:extLst>
+                <a:ext uri="{FF2B5EF4-FFF2-40B4-BE49-F238E27FC236}">
+                  <a16:creationId xmlns:a16="http://schemas.microsoft.com/office/drawing/2014/main" id="{436E6CF6-ACB4-EBE3-3C31-49E9DE520D91}"/>
+                </a:ext>
+              </a:extLst>
+            </p:cNvPr>
+            <p:cNvCxnSpPr/>
+            <p:nvPr/>
+          </p:nvCxnSpPr>
+          <p:spPr>
+            <a:xfrm>
+              <a:off x="1028700" y="1480458"/>
+              <a:ext cx="544286" cy="0"/>
+            </a:xfrm>
+            <a:prstGeom prst="line">
+              <a:avLst/>
+            </a:prstGeom>
+            <a:ln w="38100">
+              <a:solidFill>
+                <a:schemeClr val="tx1"/>
+              </a:solidFill>
+            </a:ln>
+          </p:spPr>
+          <p:style>
+            <a:lnRef idx="1">
+              <a:schemeClr val="accent1"/>
+            </a:lnRef>
+            <a:fillRef idx="0">
+              <a:schemeClr val="accent1"/>
+            </a:fillRef>
+            <a:effectRef idx="0">
+              <a:schemeClr val="accent1"/>
+            </a:effectRef>
+            <a:fontRef idx="minor">
+              <a:schemeClr val="tx1"/>
+            </a:fontRef>
+          </p:style>
+        </p:cxnSp>
+        <p:cxnSp>
+          <p:nvCxnSpPr>
+            <p:cNvPr id="1146" name="Connettore diritto 1145">
+              <a:extLst>
+                <a:ext uri="{FF2B5EF4-FFF2-40B4-BE49-F238E27FC236}">
+                  <a16:creationId xmlns:a16="http://schemas.microsoft.com/office/drawing/2014/main" id="{188328FB-197D-1D83-61D7-B2B9D83B37D0}"/>
+                </a:ext>
+              </a:extLst>
+            </p:cNvPr>
+            <p:cNvCxnSpPr/>
+            <p:nvPr/>
+          </p:nvCxnSpPr>
+          <p:spPr>
+            <a:xfrm>
+              <a:off x="1028700" y="1649186"/>
+              <a:ext cx="544286" cy="0"/>
+            </a:xfrm>
+            <a:prstGeom prst="line">
+              <a:avLst/>
+            </a:prstGeom>
+            <a:ln w="38100">
+              <a:solidFill>
+                <a:schemeClr val="tx1"/>
+              </a:solidFill>
+            </a:ln>
+          </p:spPr>
+          <p:style>
+            <a:lnRef idx="1">
+              <a:schemeClr val="accent1"/>
+            </a:lnRef>
+            <a:fillRef idx="0">
+              <a:schemeClr val="accent1"/>
+            </a:fillRef>
+            <a:effectRef idx="0">
+              <a:schemeClr val="accent1"/>
+            </a:effectRef>
+            <a:fontRef idx="minor">
+              <a:schemeClr val="tx1"/>
+            </a:fontRef>
+          </p:style>
+        </p:cxnSp>
+        <p:cxnSp>
+          <p:nvCxnSpPr>
+            <p:cNvPr id="1147" name="Connettore diritto 1146">
+              <a:extLst>
+                <a:ext uri="{FF2B5EF4-FFF2-40B4-BE49-F238E27FC236}">
+                  <a16:creationId xmlns:a16="http://schemas.microsoft.com/office/drawing/2014/main" id="{4313EFF3-C643-D52C-DB9D-1A3AE2544426}"/>
+                </a:ext>
+              </a:extLst>
+            </p:cNvPr>
+            <p:cNvCxnSpPr>
+              <a:cxnSpLocks/>
+            </p:cNvCxnSpPr>
+            <p:nvPr/>
+          </p:nvCxnSpPr>
+          <p:spPr>
+            <a:xfrm>
+              <a:off x="1028700" y="1856015"/>
+              <a:ext cx="892629" cy="0"/>
+            </a:xfrm>
+            <a:prstGeom prst="line">
+              <a:avLst/>
+            </a:prstGeom>
+            <a:ln w="38100">
+              <a:solidFill>
+                <a:schemeClr val="tx1"/>
+              </a:solidFill>
+            </a:ln>
+          </p:spPr>
+          <p:style>
+            <a:lnRef idx="1">
+              <a:schemeClr val="accent1"/>
+            </a:lnRef>
+            <a:fillRef idx="0">
+              <a:schemeClr val="accent1"/>
+            </a:fillRef>
+            <a:effectRef idx="0">
+              <a:schemeClr val="accent1"/>
+            </a:effectRef>
+            <a:fontRef idx="minor">
+              <a:schemeClr val="tx1"/>
+            </a:fontRef>
+          </p:style>
+        </p:cxnSp>
+        <p:cxnSp>
+          <p:nvCxnSpPr>
+            <p:cNvPr id="1148" name="Connettore diritto 1147">
+              <a:extLst>
+                <a:ext uri="{FF2B5EF4-FFF2-40B4-BE49-F238E27FC236}">
+                  <a16:creationId xmlns:a16="http://schemas.microsoft.com/office/drawing/2014/main" id="{13B9E196-E8F5-F812-B537-0AA2592BCBE5}"/>
+                </a:ext>
+              </a:extLst>
+            </p:cNvPr>
+            <p:cNvCxnSpPr>
+              <a:cxnSpLocks/>
+            </p:cNvCxnSpPr>
+            <p:nvPr/>
+          </p:nvCxnSpPr>
+          <p:spPr>
+            <a:xfrm>
+              <a:off x="1028700" y="2024743"/>
+              <a:ext cx="892629" cy="0"/>
+            </a:xfrm>
+            <a:prstGeom prst="line">
+              <a:avLst/>
+            </a:prstGeom>
+            <a:ln w="38100">
+              <a:solidFill>
+                <a:schemeClr val="tx1"/>
+              </a:solidFill>
+            </a:ln>
+          </p:spPr>
+          <p:style>
+            <a:lnRef idx="1">
+              <a:schemeClr val="accent1"/>
+            </a:lnRef>
+            <a:fillRef idx="0">
+              <a:schemeClr val="accent1"/>
+            </a:fillRef>
+            <a:effectRef idx="0">
+              <a:schemeClr val="accent1"/>
+            </a:effectRef>
+            <a:fontRef idx="minor">
+              <a:schemeClr val="tx1"/>
+            </a:fontRef>
+          </p:style>
+        </p:cxnSp>
+        <p:cxnSp>
+          <p:nvCxnSpPr>
+            <p:cNvPr id="1149" name="Connettore diritto 1148">
+              <a:extLst>
+                <a:ext uri="{FF2B5EF4-FFF2-40B4-BE49-F238E27FC236}">
+                  <a16:creationId xmlns:a16="http://schemas.microsoft.com/office/drawing/2014/main" id="{A011FE11-2EBD-E5D4-9341-C004D4B72BDE}"/>
+                </a:ext>
+              </a:extLst>
+            </p:cNvPr>
+            <p:cNvCxnSpPr>
+              <a:cxnSpLocks/>
+            </p:cNvCxnSpPr>
+            <p:nvPr/>
+          </p:nvCxnSpPr>
+          <p:spPr>
+            <a:xfrm>
+              <a:off x="1028700" y="2198915"/>
+              <a:ext cx="892629" cy="0"/>
+            </a:xfrm>
+            <a:prstGeom prst="line">
+              <a:avLst/>
+            </a:prstGeom>
+            <a:ln w="38100">
+              <a:solidFill>
+                <a:schemeClr val="tx1"/>
+              </a:solidFill>
+            </a:ln>
+          </p:spPr>
+          <p:style>
+            <a:lnRef idx="1">
+              <a:schemeClr val="accent1"/>
+            </a:lnRef>
+            <a:fillRef idx="0">
+              <a:schemeClr val="accent1"/>
+            </a:fillRef>
+            <a:effectRef idx="0">
+              <a:schemeClr val="accent1"/>
+            </a:effectRef>
+            <a:fontRef idx="minor">
+              <a:schemeClr val="tx1"/>
+            </a:fontRef>
+          </p:style>
+        </p:cxnSp>
+        <p:cxnSp>
+          <p:nvCxnSpPr>
+            <p:cNvPr id="1150" name="Connettore diritto 1149">
+              <a:extLst>
+                <a:ext uri="{FF2B5EF4-FFF2-40B4-BE49-F238E27FC236}">
+                  <a16:creationId xmlns:a16="http://schemas.microsoft.com/office/drawing/2014/main" id="{7FBC6158-6D68-A9D2-AA77-795E64DBF1DC}"/>
+                </a:ext>
+              </a:extLst>
+            </p:cNvPr>
+            <p:cNvCxnSpPr>
+              <a:cxnSpLocks/>
+            </p:cNvCxnSpPr>
+            <p:nvPr/>
+          </p:nvCxnSpPr>
+          <p:spPr>
+            <a:xfrm>
+              <a:off x="1028700" y="2367643"/>
+              <a:ext cx="892629" cy="0"/>
+            </a:xfrm>
+            <a:prstGeom prst="line">
+              <a:avLst/>
+            </a:prstGeom>
+            <a:ln w="38100">
+              <a:solidFill>
+                <a:schemeClr val="tx1"/>
+              </a:solidFill>
+            </a:ln>
+          </p:spPr>
+          <p:style>
+            <a:lnRef idx="1">
+              <a:schemeClr val="accent1"/>
+            </a:lnRef>
+            <a:fillRef idx="0">
+              <a:schemeClr val="accent1"/>
+            </a:fillRef>
+            <a:effectRef idx="0">
+              <a:schemeClr val="accent1"/>
+            </a:effectRef>
+            <a:fontRef idx="minor">
+              <a:schemeClr val="tx1"/>
+            </a:fontRef>
+          </p:style>
+        </p:cxnSp>
+        <p:cxnSp>
+          <p:nvCxnSpPr>
+            <p:cNvPr id="1151" name="Connettore diritto 1150">
+              <a:extLst>
+                <a:ext uri="{FF2B5EF4-FFF2-40B4-BE49-F238E27FC236}">
+                  <a16:creationId xmlns:a16="http://schemas.microsoft.com/office/drawing/2014/main" id="{2571E201-9067-5F92-6F1C-3C42EA41937B}"/>
+                </a:ext>
+              </a:extLst>
+            </p:cNvPr>
+            <p:cNvCxnSpPr>
+              <a:cxnSpLocks/>
+            </p:cNvCxnSpPr>
+            <p:nvPr/>
+          </p:nvCxnSpPr>
+          <p:spPr>
+            <a:xfrm>
+              <a:off x="1028699" y="2503715"/>
+              <a:ext cx="892629" cy="0"/>
+            </a:xfrm>
+            <a:prstGeom prst="line">
+              <a:avLst/>
+            </a:prstGeom>
+            <a:ln w="38100">
+              <a:solidFill>
+                <a:schemeClr val="tx1"/>
+              </a:solidFill>
+            </a:ln>
+          </p:spPr>
+          <p:style>
+            <a:lnRef idx="1">
+              <a:schemeClr val="accent1"/>
+            </a:lnRef>
+            <a:fillRef idx="0">
+              <a:schemeClr val="accent1"/>
+            </a:fillRef>
+            <a:effectRef idx="0">
+              <a:schemeClr val="accent1"/>
+            </a:effectRef>
+            <a:fontRef idx="minor">
+              <a:schemeClr val="tx1"/>
+            </a:fontRef>
+          </p:style>
+        </p:cxnSp>
+        <p:cxnSp>
+          <p:nvCxnSpPr>
+            <p:cNvPr id="1152" name="Connettore diritto 1151">
+              <a:extLst>
+                <a:ext uri="{FF2B5EF4-FFF2-40B4-BE49-F238E27FC236}">
+                  <a16:creationId xmlns:a16="http://schemas.microsoft.com/office/drawing/2014/main" id="{A7869212-15F7-7225-7945-4A11A66209A3}"/>
+                </a:ext>
+              </a:extLst>
+            </p:cNvPr>
+            <p:cNvCxnSpPr>
+              <a:cxnSpLocks/>
+            </p:cNvCxnSpPr>
+            <p:nvPr/>
+          </p:nvCxnSpPr>
+          <p:spPr>
+            <a:xfrm>
+              <a:off x="1028699" y="2672443"/>
+              <a:ext cx="495301" cy="0"/>
+            </a:xfrm>
+            <a:prstGeom prst="line">
+              <a:avLst/>
+            </a:prstGeom>
+            <a:ln w="38100">
+              <a:solidFill>
+                <a:schemeClr val="tx1"/>
+              </a:solidFill>
+            </a:ln>
+          </p:spPr>
+          <p:style>
+            <a:lnRef idx="1">
+              <a:schemeClr val="accent1"/>
+            </a:lnRef>
+            <a:fillRef idx="0">
+              <a:schemeClr val="accent1"/>
+            </a:fillRef>
+            <a:effectRef idx="0">
+              <a:schemeClr val="accent1"/>
+            </a:effectRef>
+            <a:fontRef idx="minor">
+              <a:schemeClr val="tx1"/>
+            </a:fontRef>
+          </p:style>
+        </p:cxnSp>
+      </p:grpSp>
+      <p:grpSp>
+        <p:nvGrpSpPr>
+          <p:cNvPr id="1153" name="Gruppo 1152">
+            <a:extLst>
+              <a:ext uri="{FF2B5EF4-FFF2-40B4-BE49-F238E27FC236}">
+                <a16:creationId xmlns:a16="http://schemas.microsoft.com/office/drawing/2014/main" id="{7E51F839-34CC-3694-74D7-40EB0F2A8D47}"/>
+              </a:ext>
+            </a:extLst>
+          </p:cNvPr>
+          <p:cNvGrpSpPr/>
+          <p:nvPr/>
+        </p:nvGrpSpPr>
+        <p:grpSpPr>
+          <a:xfrm>
+            <a:off x="829522" y="3886841"/>
+            <a:ext cx="317775" cy="448556"/>
+            <a:chOff x="911291" y="1250302"/>
+            <a:chExt cx="1138334" cy="1810139"/>
+          </a:xfrm>
+        </p:grpSpPr>
+        <p:sp>
+          <p:nvSpPr>
+            <p:cNvPr id="1154" name="Rettangolo ad angolo ripiegato 1153">
+              <a:extLst>
+                <a:ext uri="{FF2B5EF4-FFF2-40B4-BE49-F238E27FC236}">
+                  <a16:creationId xmlns:a16="http://schemas.microsoft.com/office/drawing/2014/main" id="{10FD0E21-E18F-CBBD-E21F-808DDE6B5120}"/>
+                </a:ext>
+              </a:extLst>
+            </p:cNvPr>
+            <p:cNvSpPr/>
+            <p:nvPr/>
+          </p:nvSpPr>
+          <p:spPr>
+            <a:xfrm rot="10800000" flipH="1">
+              <a:off x="911291" y="1250302"/>
+              <a:ext cx="1138334" cy="1810139"/>
+            </a:xfrm>
+            <a:prstGeom prst="foldedCorner">
+              <a:avLst>
+                <a:gd name="adj" fmla="val 41257"/>
+              </a:avLst>
+            </a:prstGeom>
+            <a:solidFill>
+              <a:schemeClr val="bg1"/>
+            </a:solidFill>
+            <a:ln>
+              <a:solidFill>
+                <a:schemeClr val="tx1"/>
+              </a:solidFill>
+            </a:ln>
+          </p:spPr>
+          <p:style>
+            <a:lnRef idx="2">
+              <a:schemeClr val="accent1">
+                <a:shade val="15000"/>
+              </a:schemeClr>
+            </a:lnRef>
+            <a:fillRef idx="1">
+              <a:schemeClr val="accent1"/>
+            </a:fillRef>
+            <a:effectRef idx="0">
+              <a:schemeClr val="accent1"/>
+            </a:effectRef>
+            <a:fontRef idx="minor">
+              <a:schemeClr val="lt1"/>
+            </a:fontRef>
+          </p:style>
+          <p:txBody>
+            <a:bodyPr rtlCol="0" anchor="ctr"/>
+            <a:lstStyle/>
+            <a:p>
+              <a:pPr algn="ctr"/>
+              <a:endParaRPr lang="en-US"/>
+            </a:p>
+          </p:txBody>
+        </p:sp>
+        <p:cxnSp>
+          <p:nvCxnSpPr>
+            <p:cNvPr id="1155" name="Connettore diritto 1154">
+              <a:extLst>
+                <a:ext uri="{FF2B5EF4-FFF2-40B4-BE49-F238E27FC236}">
+                  <a16:creationId xmlns:a16="http://schemas.microsoft.com/office/drawing/2014/main" id="{2B5035C2-38D9-11E7-B9AA-0B5F428A9B93}"/>
+                </a:ext>
+              </a:extLst>
+            </p:cNvPr>
+            <p:cNvCxnSpPr/>
+            <p:nvPr/>
+          </p:nvCxnSpPr>
+          <p:spPr>
+            <a:xfrm>
+              <a:off x="1028700" y="1480458"/>
+              <a:ext cx="544286" cy="0"/>
+            </a:xfrm>
+            <a:prstGeom prst="line">
+              <a:avLst/>
+            </a:prstGeom>
+            <a:ln w="38100">
+              <a:solidFill>
+                <a:schemeClr val="tx1"/>
+              </a:solidFill>
+            </a:ln>
+          </p:spPr>
+          <p:style>
+            <a:lnRef idx="1">
+              <a:schemeClr val="accent1"/>
+            </a:lnRef>
+            <a:fillRef idx="0">
+              <a:schemeClr val="accent1"/>
+            </a:fillRef>
+            <a:effectRef idx="0">
+              <a:schemeClr val="accent1"/>
+            </a:effectRef>
+            <a:fontRef idx="minor">
+              <a:schemeClr val="tx1"/>
+            </a:fontRef>
+          </p:style>
+        </p:cxnSp>
+        <p:cxnSp>
+          <p:nvCxnSpPr>
+            <p:cNvPr id="1156" name="Connettore diritto 1155">
+              <a:extLst>
+                <a:ext uri="{FF2B5EF4-FFF2-40B4-BE49-F238E27FC236}">
+                  <a16:creationId xmlns:a16="http://schemas.microsoft.com/office/drawing/2014/main" id="{E891E4E0-A2DF-07A1-C129-309A42EB373E}"/>
+                </a:ext>
+              </a:extLst>
+            </p:cNvPr>
+            <p:cNvCxnSpPr/>
+            <p:nvPr/>
+          </p:nvCxnSpPr>
+          <p:spPr>
+            <a:xfrm>
+              <a:off x="1028700" y="1649186"/>
+              <a:ext cx="544286" cy="0"/>
+            </a:xfrm>
+            <a:prstGeom prst="line">
+              <a:avLst/>
+            </a:prstGeom>
+            <a:ln w="38100">
+              <a:solidFill>
+                <a:schemeClr val="tx1"/>
+              </a:solidFill>
+            </a:ln>
+          </p:spPr>
+          <p:style>
+            <a:lnRef idx="1">
+              <a:schemeClr val="accent1"/>
+            </a:lnRef>
+            <a:fillRef idx="0">
+              <a:schemeClr val="accent1"/>
+            </a:fillRef>
+            <a:effectRef idx="0">
+              <a:schemeClr val="accent1"/>
+            </a:effectRef>
+            <a:fontRef idx="minor">
+              <a:schemeClr val="tx1"/>
+            </a:fontRef>
+          </p:style>
+        </p:cxnSp>
+        <p:cxnSp>
+          <p:nvCxnSpPr>
+            <p:cNvPr id="1157" name="Connettore diritto 1156">
+              <a:extLst>
+                <a:ext uri="{FF2B5EF4-FFF2-40B4-BE49-F238E27FC236}">
+                  <a16:creationId xmlns:a16="http://schemas.microsoft.com/office/drawing/2014/main" id="{96E72533-548C-8D37-A660-694C0E3CEAC8}"/>
+                </a:ext>
+              </a:extLst>
+            </p:cNvPr>
+            <p:cNvCxnSpPr>
+              <a:cxnSpLocks/>
+            </p:cNvCxnSpPr>
+            <p:nvPr/>
+          </p:nvCxnSpPr>
+          <p:spPr>
+            <a:xfrm>
+              <a:off x="1028700" y="1856015"/>
+              <a:ext cx="892629" cy="0"/>
+            </a:xfrm>
+            <a:prstGeom prst="line">
+              <a:avLst/>
+            </a:prstGeom>
+            <a:ln w="38100">
+              <a:solidFill>
+                <a:schemeClr val="tx1"/>
+              </a:solidFill>
+            </a:ln>
+          </p:spPr>
+          <p:style>
+            <a:lnRef idx="1">
+              <a:schemeClr val="accent1"/>
+            </a:lnRef>
+            <a:fillRef idx="0">
+              <a:schemeClr val="accent1"/>
+            </a:fillRef>
+            <a:effectRef idx="0">
+              <a:schemeClr val="accent1"/>
+            </a:effectRef>
+            <a:fontRef idx="minor">
+              <a:schemeClr val="tx1"/>
+            </a:fontRef>
+          </p:style>
+        </p:cxnSp>
+        <p:cxnSp>
+          <p:nvCxnSpPr>
+            <p:cNvPr id="1158" name="Connettore diritto 1157">
+              <a:extLst>
+                <a:ext uri="{FF2B5EF4-FFF2-40B4-BE49-F238E27FC236}">
+                  <a16:creationId xmlns:a16="http://schemas.microsoft.com/office/drawing/2014/main" id="{D1D8C577-B874-4AE1-B380-2CB13B0D9FA7}"/>
+                </a:ext>
+              </a:extLst>
+            </p:cNvPr>
+            <p:cNvCxnSpPr>
+              <a:cxnSpLocks/>
+            </p:cNvCxnSpPr>
+            <p:nvPr/>
+          </p:nvCxnSpPr>
+          <p:spPr>
+            <a:xfrm>
+              <a:off x="1028700" y="2024743"/>
+              <a:ext cx="892629" cy="0"/>
+            </a:xfrm>
+            <a:prstGeom prst="line">
+              <a:avLst/>
+            </a:prstGeom>
+            <a:ln w="38100">
+              <a:solidFill>
+                <a:schemeClr val="tx1"/>
+              </a:solidFill>
+            </a:ln>
+          </p:spPr>
+          <p:style>
+            <a:lnRef idx="1">
+              <a:schemeClr val="accent1"/>
+            </a:lnRef>
+            <a:fillRef idx="0">
+              <a:schemeClr val="accent1"/>
+            </a:fillRef>
+            <a:effectRef idx="0">
+              <a:schemeClr val="accent1"/>
+            </a:effectRef>
+            <a:fontRef idx="minor">
+              <a:schemeClr val="tx1"/>
+            </a:fontRef>
+          </p:style>
+        </p:cxnSp>
+        <p:cxnSp>
+          <p:nvCxnSpPr>
+            <p:cNvPr id="1159" name="Connettore diritto 1158">
+              <a:extLst>
+                <a:ext uri="{FF2B5EF4-FFF2-40B4-BE49-F238E27FC236}">
+                  <a16:creationId xmlns:a16="http://schemas.microsoft.com/office/drawing/2014/main" id="{6DA2D3D3-B630-F996-A7B8-F57082C2DEA2}"/>
+                </a:ext>
+              </a:extLst>
+            </p:cNvPr>
+            <p:cNvCxnSpPr>
+              <a:cxnSpLocks/>
+            </p:cNvCxnSpPr>
+            <p:nvPr/>
+          </p:nvCxnSpPr>
+          <p:spPr>
+            <a:xfrm>
+              <a:off x="1028700" y="2198915"/>
+              <a:ext cx="892629" cy="0"/>
+            </a:xfrm>
+            <a:prstGeom prst="line">
+              <a:avLst/>
+            </a:prstGeom>
+            <a:ln w="38100">
+              <a:solidFill>
+                <a:schemeClr val="tx1"/>
+              </a:solidFill>
+            </a:ln>
+          </p:spPr>
+          <p:style>
+            <a:lnRef idx="1">
+              <a:schemeClr val="accent1"/>
+            </a:lnRef>
+            <a:fillRef idx="0">
+              <a:schemeClr val="accent1"/>
+            </a:fillRef>
+            <a:effectRef idx="0">
+              <a:schemeClr val="accent1"/>
+            </a:effectRef>
+            <a:fontRef idx="minor">
+              <a:schemeClr val="tx1"/>
+            </a:fontRef>
+          </p:style>
+        </p:cxnSp>
+        <p:cxnSp>
+          <p:nvCxnSpPr>
+            <p:cNvPr id="1160" name="Connettore diritto 1159">
+              <a:extLst>
+                <a:ext uri="{FF2B5EF4-FFF2-40B4-BE49-F238E27FC236}">
+                  <a16:creationId xmlns:a16="http://schemas.microsoft.com/office/drawing/2014/main" id="{7A6B2D50-2A82-B73D-A626-047056AEA45C}"/>
+                </a:ext>
+              </a:extLst>
+            </p:cNvPr>
+            <p:cNvCxnSpPr>
+              <a:cxnSpLocks/>
+            </p:cNvCxnSpPr>
+            <p:nvPr/>
+          </p:nvCxnSpPr>
+          <p:spPr>
+            <a:xfrm>
+              <a:off x="1028700" y="2367643"/>
+              <a:ext cx="892629" cy="0"/>
+            </a:xfrm>
+            <a:prstGeom prst="line">
+              <a:avLst/>
+            </a:prstGeom>
+            <a:ln w="38100">
+              <a:solidFill>
+                <a:schemeClr val="tx1"/>
+              </a:solidFill>
+            </a:ln>
+          </p:spPr>
+          <p:style>
+            <a:lnRef idx="1">
+              <a:schemeClr val="accent1"/>
+            </a:lnRef>
+            <a:fillRef idx="0">
+              <a:schemeClr val="accent1"/>
+            </a:fillRef>
+            <a:effectRef idx="0">
+              <a:schemeClr val="accent1"/>
+            </a:effectRef>
+            <a:fontRef idx="minor">
+              <a:schemeClr val="tx1"/>
+            </a:fontRef>
+          </p:style>
+        </p:cxnSp>
+        <p:cxnSp>
+          <p:nvCxnSpPr>
+            <p:cNvPr id="1161" name="Connettore diritto 1160">
+              <a:extLst>
+                <a:ext uri="{FF2B5EF4-FFF2-40B4-BE49-F238E27FC236}">
+                  <a16:creationId xmlns:a16="http://schemas.microsoft.com/office/drawing/2014/main" id="{5A448D11-A1DC-A5C9-8853-BA5852B23D56}"/>
+                </a:ext>
+              </a:extLst>
+            </p:cNvPr>
+            <p:cNvCxnSpPr>
+              <a:cxnSpLocks/>
+            </p:cNvCxnSpPr>
+            <p:nvPr/>
+          </p:nvCxnSpPr>
+          <p:spPr>
+            <a:xfrm>
+              <a:off x="1028699" y="2503715"/>
+              <a:ext cx="892629" cy="0"/>
+            </a:xfrm>
+            <a:prstGeom prst="line">
+              <a:avLst/>
+            </a:prstGeom>
+            <a:ln w="38100">
+              <a:solidFill>
+                <a:schemeClr val="tx1"/>
+              </a:solidFill>
+            </a:ln>
+          </p:spPr>
+          <p:style>
+            <a:lnRef idx="1">
+              <a:schemeClr val="accent1"/>
+            </a:lnRef>
+            <a:fillRef idx="0">
+              <a:schemeClr val="accent1"/>
+            </a:fillRef>
+            <a:effectRef idx="0">
+              <a:schemeClr val="accent1"/>
+            </a:effectRef>
+            <a:fontRef idx="minor">
+              <a:schemeClr val="tx1"/>
+            </a:fontRef>
+          </p:style>
+        </p:cxnSp>
+        <p:cxnSp>
+          <p:nvCxnSpPr>
+            <p:cNvPr id="1162" name="Connettore diritto 1161">
+              <a:extLst>
+                <a:ext uri="{FF2B5EF4-FFF2-40B4-BE49-F238E27FC236}">
+                  <a16:creationId xmlns:a16="http://schemas.microsoft.com/office/drawing/2014/main" id="{B84723AE-6C3B-DA66-4719-BB5CF2B4B498}"/>
+                </a:ext>
+              </a:extLst>
+            </p:cNvPr>
+            <p:cNvCxnSpPr>
+              <a:cxnSpLocks/>
+            </p:cNvCxnSpPr>
+            <p:nvPr/>
+          </p:nvCxnSpPr>
+          <p:spPr>
+            <a:xfrm>
+              <a:off x="1028699" y="2672443"/>
+              <a:ext cx="495301" cy="0"/>
+            </a:xfrm>
+            <a:prstGeom prst="line">
+              <a:avLst/>
+            </a:prstGeom>
+            <a:ln w="38100">
+              <a:solidFill>
+                <a:schemeClr val="tx1"/>
+              </a:solidFill>
+            </a:ln>
+          </p:spPr>
+          <p:style>
+            <a:lnRef idx="1">
+              <a:schemeClr val="accent1"/>
+            </a:lnRef>
+            <a:fillRef idx="0">
+              <a:schemeClr val="accent1"/>
+            </a:fillRef>
+            <a:effectRef idx="0">
+              <a:schemeClr val="accent1"/>
+            </a:effectRef>
+            <a:fontRef idx="minor">
+              <a:schemeClr val="tx1"/>
+            </a:fontRef>
+          </p:style>
+        </p:cxnSp>
+      </p:grpSp>
+      <p:grpSp>
+        <p:nvGrpSpPr>
+          <p:cNvPr id="1163" name="Gruppo 1162">
+            <a:extLst>
+              <a:ext uri="{FF2B5EF4-FFF2-40B4-BE49-F238E27FC236}">
+                <a16:creationId xmlns:a16="http://schemas.microsoft.com/office/drawing/2014/main" id="{A0097A3A-B70B-DEB6-4491-2B7EB02B6652}"/>
+              </a:ext>
+            </a:extLst>
+          </p:cNvPr>
+          <p:cNvGrpSpPr/>
+          <p:nvPr/>
+        </p:nvGrpSpPr>
+        <p:grpSpPr>
+          <a:xfrm>
+            <a:off x="1933875" y="3812660"/>
+            <a:ext cx="317775" cy="448556"/>
+            <a:chOff x="911291" y="1250302"/>
+            <a:chExt cx="1138334" cy="1810139"/>
+          </a:xfrm>
+        </p:grpSpPr>
+        <p:sp>
+          <p:nvSpPr>
+            <p:cNvPr id="1164" name="Rettangolo ad angolo ripiegato 1163">
+              <a:extLst>
+                <a:ext uri="{FF2B5EF4-FFF2-40B4-BE49-F238E27FC236}">
+                  <a16:creationId xmlns:a16="http://schemas.microsoft.com/office/drawing/2014/main" id="{4E33ADC1-2AEA-0636-E3BC-722082043084}"/>
+                </a:ext>
+              </a:extLst>
+            </p:cNvPr>
+            <p:cNvSpPr/>
+            <p:nvPr/>
+          </p:nvSpPr>
+          <p:spPr>
+            <a:xfrm rot="10800000" flipH="1">
+              <a:off x="911291" y="1250302"/>
+              <a:ext cx="1138334" cy="1810139"/>
+            </a:xfrm>
+            <a:prstGeom prst="foldedCorner">
+              <a:avLst>
+                <a:gd name="adj" fmla="val 41257"/>
+              </a:avLst>
+            </a:prstGeom>
+            <a:solidFill>
+              <a:schemeClr val="bg1"/>
+            </a:solidFill>
+            <a:ln>
+              <a:solidFill>
+                <a:schemeClr val="tx1"/>
+              </a:solidFill>
+            </a:ln>
+          </p:spPr>
+          <p:style>
+            <a:lnRef idx="2">
+              <a:schemeClr val="accent1">
+                <a:shade val="15000"/>
+              </a:schemeClr>
+            </a:lnRef>
+            <a:fillRef idx="1">
+              <a:schemeClr val="accent1"/>
+            </a:fillRef>
+            <a:effectRef idx="0">
+              <a:schemeClr val="accent1"/>
+            </a:effectRef>
+            <a:fontRef idx="minor">
+              <a:schemeClr val="lt1"/>
+            </a:fontRef>
+          </p:style>
+          <p:txBody>
+            <a:bodyPr rtlCol="0" anchor="ctr"/>
+            <a:lstStyle/>
+            <a:p>
+              <a:pPr algn="ctr"/>
+              <a:endParaRPr lang="en-US"/>
+            </a:p>
+          </p:txBody>
+        </p:sp>
+        <p:cxnSp>
+          <p:nvCxnSpPr>
+            <p:cNvPr id="1165" name="Connettore diritto 1164">
+              <a:extLst>
+                <a:ext uri="{FF2B5EF4-FFF2-40B4-BE49-F238E27FC236}">
+                  <a16:creationId xmlns:a16="http://schemas.microsoft.com/office/drawing/2014/main" id="{26B645E6-914D-134D-199D-BE7A4812C6E0}"/>
+                </a:ext>
+              </a:extLst>
+            </p:cNvPr>
+            <p:cNvCxnSpPr/>
+            <p:nvPr/>
+          </p:nvCxnSpPr>
+          <p:spPr>
+            <a:xfrm>
+              <a:off x="1028700" y="1480458"/>
+              <a:ext cx="544286" cy="0"/>
+            </a:xfrm>
+            <a:prstGeom prst="line">
+              <a:avLst/>
+            </a:prstGeom>
+            <a:ln w="38100">
+              <a:solidFill>
+                <a:schemeClr val="tx1"/>
+              </a:solidFill>
+            </a:ln>
+          </p:spPr>
+          <p:style>
+            <a:lnRef idx="1">
+              <a:schemeClr val="accent1"/>
+            </a:lnRef>
+            <a:fillRef idx="0">
+              <a:schemeClr val="accent1"/>
+            </a:fillRef>
+            <a:effectRef idx="0">
+              <a:schemeClr val="accent1"/>
+            </a:effectRef>
+            <a:fontRef idx="minor">
+              <a:schemeClr val="tx1"/>
+            </a:fontRef>
+          </p:style>
+        </p:cxnSp>
+        <p:cxnSp>
+          <p:nvCxnSpPr>
+            <p:cNvPr id="1166" name="Connettore diritto 1165">
+              <a:extLst>
+                <a:ext uri="{FF2B5EF4-FFF2-40B4-BE49-F238E27FC236}">
+                  <a16:creationId xmlns:a16="http://schemas.microsoft.com/office/drawing/2014/main" id="{01B712BF-63D9-8916-D5F7-89716B0613E4}"/>
+                </a:ext>
+              </a:extLst>
+            </p:cNvPr>
+            <p:cNvCxnSpPr/>
+            <p:nvPr/>
+          </p:nvCxnSpPr>
+          <p:spPr>
+            <a:xfrm>
+              <a:off x="1028700" y="1649186"/>
+              <a:ext cx="544286" cy="0"/>
+            </a:xfrm>
+            <a:prstGeom prst="line">
+              <a:avLst/>
+            </a:prstGeom>
+            <a:ln w="38100">
+              <a:solidFill>
+                <a:schemeClr val="tx1"/>
+              </a:solidFill>
+            </a:ln>
+          </p:spPr>
+          <p:style>
+            <a:lnRef idx="1">
+              <a:schemeClr val="accent1"/>
+            </a:lnRef>
+            <a:fillRef idx="0">
+              <a:schemeClr val="accent1"/>
+            </a:fillRef>
+            <a:effectRef idx="0">
+              <a:schemeClr val="accent1"/>
+            </a:effectRef>
+            <a:fontRef idx="minor">
+              <a:schemeClr val="tx1"/>
+            </a:fontRef>
+          </p:style>
+        </p:cxnSp>
+        <p:cxnSp>
+          <p:nvCxnSpPr>
+            <p:cNvPr id="1167" name="Connettore diritto 1166">
+              <a:extLst>
+                <a:ext uri="{FF2B5EF4-FFF2-40B4-BE49-F238E27FC236}">
+                  <a16:creationId xmlns:a16="http://schemas.microsoft.com/office/drawing/2014/main" id="{8FD0F2FD-DDA8-8FE2-58CB-589D48D12438}"/>
+                </a:ext>
+              </a:extLst>
+            </p:cNvPr>
+            <p:cNvCxnSpPr>
+              <a:cxnSpLocks/>
+            </p:cNvCxnSpPr>
+            <p:nvPr/>
+          </p:nvCxnSpPr>
+          <p:spPr>
+            <a:xfrm>
+              <a:off x="1028700" y="1856015"/>
+              <a:ext cx="892629" cy="0"/>
+            </a:xfrm>
+            <a:prstGeom prst="line">
+              <a:avLst/>
+            </a:prstGeom>
+            <a:ln w="38100">
+              <a:solidFill>
+                <a:schemeClr val="tx1"/>
+              </a:solidFill>
+            </a:ln>
+          </p:spPr>
+          <p:style>
+            <a:lnRef idx="1">
+              <a:schemeClr val="accent1"/>
+            </a:lnRef>
+            <a:fillRef idx="0">
+              <a:schemeClr val="accent1"/>
+            </a:fillRef>
+            <a:effectRef idx="0">
+              <a:schemeClr val="accent1"/>
+            </a:effectRef>
+            <a:fontRef idx="minor">
+              <a:schemeClr val="tx1"/>
+            </a:fontRef>
+          </p:style>
+        </p:cxnSp>
+        <p:cxnSp>
+          <p:nvCxnSpPr>
+            <p:cNvPr id="1168" name="Connettore diritto 1167">
+              <a:extLst>
+                <a:ext uri="{FF2B5EF4-FFF2-40B4-BE49-F238E27FC236}">
+                  <a16:creationId xmlns:a16="http://schemas.microsoft.com/office/drawing/2014/main" id="{266BA6DA-4FB8-4F84-53DA-5F7AB1BFCD47}"/>
+                </a:ext>
+              </a:extLst>
+            </p:cNvPr>
+            <p:cNvCxnSpPr>
+              <a:cxnSpLocks/>
+            </p:cNvCxnSpPr>
+            <p:nvPr/>
+          </p:nvCxnSpPr>
+          <p:spPr>
+            <a:xfrm>
+              <a:off x="1028700" y="2024743"/>
+              <a:ext cx="892629" cy="0"/>
+            </a:xfrm>
+            <a:prstGeom prst="line">
+              <a:avLst/>
+            </a:prstGeom>
+            <a:ln w="38100">
+              <a:solidFill>
+                <a:schemeClr val="tx1"/>
+              </a:solidFill>
+            </a:ln>
+          </p:spPr>
+          <p:style>
+            <a:lnRef idx="1">
+              <a:schemeClr val="accent1"/>
+            </a:lnRef>
+            <a:fillRef idx="0">
+              <a:schemeClr val="accent1"/>
+            </a:fillRef>
+            <a:effectRef idx="0">
+              <a:schemeClr val="accent1"/>
+            </a:effectRef>
+            <a:fontRef idx="minor">
+              <a:schemeClr val="tx1"/>
+            </a:fontRef>
+          </p:style>
+        </p:cxnSp>
+        <p:cxnSp>
+          <p:nvCxnSpPr>
+            <p:cNvPr id="1169" name="Connettore diritto 1168">
+              <a:extLst>
+                <a:ext uri="{FF2B5EF4-FFF2-40B4-BE49-F238E27FC236}">
+                  <a16:creationId xmlns:a16="http://schemas.microsoft.com/office/drawing/2014/main" id="{437E84F1-E118-8F4E-2F46-39D780B9DDC1}"/>
+                </a:ext>
+              </a:extLst>
+            </p:cNvPr>
+            <p:cNvCxnSpPr>
+              <a:cxnSpLocks/>
+            </p:cNvCxnSpPr>
+            <p:nvPr/>
+          </p:nvCxnSpPr>
+          <p:spPr>
+            <a:xfrm>
+              <a:off x="1028700" y="2198915"/>
+              <a:ext cx="892629" cy="0"/>
+            </a:xfrm>
+            <a:prstGeom prst="line">
+              <a:avLst/>
+            </a:prstGeom>
+            <a:ln w="38100">
+              <a:solidFill>
+                <a:schemeClr val="tx1"/>
+              </a:solidFill>
+            </a:ln>
+          </p:spPr>
+          <p:style>
+            <a:lnRef idx="1">
+              <a:schemeClr val="accent1"/>
+            </a:lnRef>
+            <a:fillRef idx="0">
+              <a:schemeClr val="accent1"/>
+            </a:fillRef>
+            <a:effectRef idx="0">
+              <a:schemeClr val="accent1"/>
+            </a:effectRef>
+            <a:fontRef idx="minor">
+              <a:schemeClr val="tx1"/>
+            </a:fontRef>
+          </p:style>
+        </p:cxnSp>
+        <p:cxnSp>
+          <p:nvCxnSpPr>
+            <p:cNvPr id="1170" name="Connettore diritto 1169">
+              <a:extLst>
+                <a:ext uri="{FF2B5EF4-FFF2-40B4-BE49-F238E27FC236}">
+                  <a16:creationId xmlns:a16="http://schemas.microsoft.com/office/drawing/2014/main" id="{452DD7B2-AB13-2CD9-FA1E-E29480B42693}"/>
+                </a:ext>
+              </a:extLst>
+            </p:cNvPr>
+            <p:cNvCxnSpPr>
+              <a:cxnSpLocks/>
+            </p:cNvCxnSpPr>
+            <p:nvPr/>
+          </p:nvCxnSpPr>
+          <p:spPr>
+            <a:xfrm>
+              <a:off x="1028700" y="2367643"/>
+              <a:ext cx="892629" cy="0"/>
+            </a:xfrm>
+            <a:prstGeom prst="line">
+              <a:avLst/>
+            </a:prstGeom>
+            <a:ln w="38100">
+              <a:solidFill>
+                <a:schemeClr val="tx1"/>
+              </a:solidFill>
+            </a:ln>
+          </p:spPr>
+          <p:style>
+            <a:lnRef idx="1">
+              <a:schemeClr val="accent1"/>
+            </a:lnRef>
+            <a:fillRef idx="0">
+              <a:schemeClr val="accent1"/>
+            </a:fillRef>
+            <a:effectRef idx="0">
+              <a:schemeClr val="accent1"/>
+            </a:effectRef>
+            <a:fontRef idx="minor">
+              <a:schemeClr val="tx1"/>
+            </a:fontRef>
+          </p:style>
+        </p:cxnSp>
+        <p:cxnSp>
+          <p:nvCxnSpPr>
+            <p:cNvPr id="1171" name="Connettore diritto 1170">
+              <a:extLst>
+                <a:ext uri="{FF2B5EF4-FFF2-40B4-BE49-F238E27FC236}">
+                  <a16:creationId xmlns:a16="http://schemas.microsoft.com/office/drawing/2014/main" id="{9309E58F-B1A4-BA52-E891-9560C9AD965B}"/>
+                </a:ext>
+              </a:extLst>
+            </p:cNvPr>
+            <p:cNvCxnSpPr>
+              <a:cxnSpLocks/>
+            </p:cNvCxnSpPr>
+            <p:nvPr/>
+          </p:nvCxnSpPr>
+          <p:spPr>
+            <a:xfrm>
+              <a:off x="1028699" y="2503715"/>
+              <a:ext cx="892629" cy="0"/>
+            </a:xfrm>
+            <a:prstGeom prst="line">
+              <a:avLst/>
+            </a:prstGeom>
+            <a:ln w="38100">
+              <a:solidFill>
+                <a:schemeClr val="tx1"/>
+              </a:solidFill>
+            </a:ln>
+          </p:spPr>
+          <p:style>
+            <a:lnRef idx="1">
+              <a:schemeClr val="accent1"/>
+            </a:lnRef>
+            <a:fillRef idx="0">
+              <a:schemeClr val="accent1"/>
+            </a:fillRef>
+            <a:effectRef idx="0">
+              <a:schemeClr val="accent1"/>
+            </a:effectRef>
+            <a:fontRef idx="minor">
+              <a:schemeClr val="tx1"/>
+            </a:fontRef>
+          </p:style>
+        </p:cxnSp>
+        <p:cxnSp>
+          <p:nvCxnSpPr>
+            <p:cNvPr id="1172" name="Connettore diritto 1171">
+              <a:extLst>
+                <a:ext uri="{FF2B5EF4-FFF2-40B4-BE49-F238E27FC236}">
+                  <a16:creationId xmlns:a16="http://schemas.microsoft.com/office/drawing/2014/main" id="{5683088D-9526-643D-8345-C179E9685B42}"/>
+                </a:ext>
+              </a:extLst>
+            </p:cNvPr>
+            <p:cNvCxnSpPr>
+              <a:cxnSpLocks/>
+            </p:cNvCxnSpPr>
+            <p:nvPr/>
+          </p:nvCxnSpPr>
+          <p:spPr>
+            <a:xfrm>
+              <a:off x="1028699" y="2672443"/>
+              <a:ext cx="495301" cy="0"/>
+            </a:xfrm>
+            <a:prstGeom prst="line">
+              <a:avLst/>
+            </a:prstGeom>
+            <a:ln w="38100">
+              <a:solidFill>
+                <a:schemeClr val="tx1"/>
+              </a:solidFill>
+            </a:ln>
+          </p:spPr>
+          <p:style>
+            <a:lnRef idx="1">
+              <a:schemeClr val="accent1"/>
+            </a:lnRef>
+            <a:fillRef idx="0">
+              <a:schemeClr val="accent1"/>
+            </a:fillRef>
+            <a:effectRef idx="0">
+              <a:schemeClr val="accent1"/>
+            </a:effectRef>
+            <a:fontRef idx="minor">
+              <a:schemeClr val="tx1"/>
+            </a:fontRef>
+          </p:style>
+        </p:cxnSp>
+      </p:grpSp>
+      <p:grpSp>
+        <p:nvGrpSpPr>
+          <p:cNvPr id="1173" name="Gruppo 1172">
+            <a:extLst>
+              <a:ext uri="{FF2B5EF4-FFF2-40B4-BE49-F238E27FC236}">
+                <a16:creationId xmlns:a16="http://schemas.microsoft.com/office/drawing/2014/main" id="{0945D23D-0642-E9FC-08BD-846771495AF4}"/>
+              </a:ext>
+            </a:extLst>
+          </p:cNvPr>
+          <p:cNvGrpSpPr/>
+          <p:nvPr/>
+        </p:nvGrpSpPr>
+        <p:grpSpPr>
+          <a:xfrm>
+            <a:off x="6096000" y="431990"/>
+            <a:ext cx="1284936" cy="1068577"/>
+            <a:chOff x="315686" y="3161410"/>
+            <a:chExt cx="2882864" cy="1812048"/>
+          </a:xfrm>
+        </p:grpSpPr>
+        <p:sp>
+          <p:nvSpPr>
+            <p:cNvPr id="1174" name="Ovale 1173">
+              <a:extLst>
+                <a:ext uri="{FF2B5EF4-FFF2-40B4-BE49-F238E27FC236}">
+                  <a16:creationId xmlns:a16="http://schemas.microsoft.com/office/drawing/2014/main" id="{1A739DA0-21D2-3904-6E85-963138F60591}"/>
+                </a:ext>
+              </a:extLst>
+            </p:cNvPr>
+            <p:cNvSpPr/>
+            <p:nvPr/>
+          </p:nvSpPr>
+          <p:spPr>
+            <a:xfrm>
+              <a:off x="978334" y="3357738"/>
+              <a:ext cx="422030" cy="422031"/>
+            </a:xfrm>
+            <a:prstGeom prst="ellipse">
+              <a:avLst/>
+            </a:prstGeom>
+          </p:spPr>
+          <p:style>
+            <a:lnRef idx="2">
+              <a:schemeClr val="accent1">
+                <a:shade val="15000"/>
+              </a:schemeClr>
+            </a:lnRef>
+            <a:fillRef idx="1">
+              <a:schemeClr val="accent1"/>
+            </a:fillRef>
+            <a:effectRef idx="0">
+              <a:schemeClr val="accent1"/>
+            </a:effectRef>
+            <a:fontRef idx="minor">
+              <a:schemeClr val="lt1"/>
+            </a:fontRef>
+          </p:style>
+          <p:txBody>
+            <a:bodyPr rtlCol="0" anchor="ctr"/>
+            <a:lstStyle/>
+            <a:p>
+              <a:pPr algn="ctr"/>
+              <a:endParaRPr lang="en-US"/>
+            </a:p>
+          </p:txBody>
+        </p:sp>
+        <p:sp>
+          <p:nvSpPr>
+            <p:cNvPr id="1175" name="Ovale 1174">
+              <a:extLst>
+                <a:ext uri="{FF2B5EF4-FFF2-40B4-BE49-F238E27FC236}">
+                  <a16:creationId xmlns:a16="http://schemas.microsoft.com/office/drawing/2014/main" id="{27E1B739-A2B4-9B8D-507C-DE6A19B7A2D0}"/>
+                </a:ext>
+              </a:extLst>
+            </p:cNvPr>
+            <p:cNvSpPr/>
+            <p:nvPr/>
+          </p:nvSpPr>
+          <p:spPr>
+            <a:xfrm>
+              <a:off x="315686" y="3885276"/>
+              <a:ext cx="422030" cy="422031"/>
+            </a:xfrm>
+            <a:prstGeom prst="ellipse">
+              <a:avLst/>
+            </a:prstGeom>
+            <a:solidFill>
+              <a:srgbClr val="FF0000"/>
+            </a:solidFill>
+          </p:spPr>
+          <p:style>
+            <a:lnRef idx="2">
+              <a:schemeClr val="accent1">
+                <a:shade val="15000"/>
+              </a:schemeClr>
+            </a:lnRef>
+            <a:fillRef idx="1">
+              <a:schemeClr val="accent1"/>
+            </a:fillRef>
+            <a:effectRef idx="0">
+              <a:schemeClr val="accent1"/>
+            </a:effectRef>
+            <a:fontRef idx="minor">
+              <a:schemeClr val="lt1"/>
+            </a:fontRef>
+          </p:style>
+          <p:txBody>
+            <a:bodyPr rtlCol="0" anchor="ctr"/>
+            <a:lstStyle/>
+            <a:p>
+              <a:pPr algn="ctr"/>
+              <a:endParaRPr lang="en-US"/>
+            </a:p>
+          </p:txBody>
+        </p:sp>
+        <p:sp>
+          <p:nvSpPr>
+            <p:cNvPr id="1176" name="Ovale 1175">
+              <a:extLst>
+                <a:ext uri="{FF2B5EF4-FFF2-40B4-BE49-F238E27FC236}">
+                  <a16:creationId xmlns:a16="http://schemas.microsoft.com/office/drawing/2014/main" id="{A0AF1571-57A2-E2AE-C5B2-406196291F46}"/>
+                </a:ext>
+              </a:extLst>
+            </p:cNvPr>
+            <p:cNvSpPr/>
+            <p:nvPr/>
+          </p:nvSpPr>
+          <p:spPr>
+            <a:xfrm>
+              <a:off x="849273" y="4528434"/>
+              <a:ext cx="422030" cy="422031"/>
+            </a:xfrm>
+            <a:prstGeom prst="ellipse">
+              <a:avLst/>
+            </a:prstGeom>
+            <a:solidFill>
+              <a:srgbClr val="FF0000"/>
+            </a:solidFill>
+          </p:spPr>
+          <p:style>
+            <a:lnRef idx="2">
+              <a:schemeClr val="accent1">
+                <a:shade val="15000"/>
+              </a:schemeClr>
+            </a:lnRef>
+            <a:fillRef idx="1">
+              <a:schemeClr val="accent1"/>
+            </a:fillRef>
+            <a:effectRef idx="0">
+              <a:schemeClr val="accent1"/>
+            </a:effectRef>
+            <a:fontRef idx="minor">
+              <a:schemeClr val="lt1"/>
+            </a:fontRef>
+          </p:style>
+          <p:txBody>
+            <a:bodyPr rtlCol="0" anchor="ctr"/>
+            <a:lstStyle/>
+            <a:p>
+              <a:pPr algn="ctr"/>
+              <a:endParaRPr lang="en-US"/>
+            </a:p>
+          </p:txBody>
+        </p:sp>
+        <p:sp>
+          <p:nvSpPr>
+            <p:cNvPr id="1177" name="Ovale 1176">
+              <a:extLst>
+                <a:ext uri="{FF2B5EF4-FFF2-40B4-BE49-F238E27FC236}">
+                  <a16:creationId xmlns:a16="http://schemas.microsoft.com/office/drawing/2014/main" id="{6735C6F3-8A0B-C4B7-26DC-F2E0E6DADC06}"/>
+                </a:ext>
+              </a:extLst>
+            </p:cNvPr>
+            <p:cNvSpPr/>
+            <p:nvPr/>
+          </p:nvSpPr>
+          <p:spPr>
+            <a:xfrm>
+              <a:off x="2020555" y="3161410"/>
+              <a:ext cx="422030" cy="422031"/>
+            </a:xfrm>
+            <a:prstGeom prst="ellipse">
+              <a:avLst/>
+            </a:prstGeom>
+          </p:spPr>
+          <p:style>
+            <a:lnRef idx="2">
+              <a:schemeClr val="accent1">
+                <a:shade val="15000"/>
+              </a:schemeClr>
+            </a:lnRef>
+            <a:fillRef idx="1">
+              <a:schemeClr val="accent1"/>
+            </a:fillRef>
+            <a:effectRef idx="0">
+              <a:schemeClr val="accent1"/>
+            </a:effectRef>
+            <a:fontRef idx="minor">
+              <a:schemeClr val="lt1"/>
+            </a:fontRef>
+          </p:style>
+          <p:txBody>
+            <a:bodyPr rtlCol="0" anchor="ctr"/>
+            <a:lstStyle/>
+            <a:p>
+              <a:pPr algn="ctr"/>
+              <a:endParaRPr lang="en-US"/>
+            </a:p>
+          </p:txBody>
+        </p:sp>
+        <p:sp>
+          <p:nvSpPr>
+            <p:cNvPr id="1178" name="Ovale 1177">
+              <a:extLst>
+                <a:ext uri="{FF2B5EF4-FFF2-40B4-BE49-F238E27FC236}">
+                  <a16:creationId xmlns:a16="http://schemas.microsoft.com/office/drawing/2014/main" id="{D93EEB50-D3D0-9995-052E-506537B85A1D}"/>
+                </a:ext>
+              </a:extLst>
+            </p:cNvPr>
+            <p:cNvSpPr/>
+            <p:nvPr/>
+          </p:nvSpPr>
+          <p:spPr>
+            <a:xfrm>
+              <a:off x="1804890" y="3905110"/>
+              <a:ext cx="422030" cy="422031"/>
+            </a:xfrm>
+            <a:prstGeom prst="ellipse">
+              <a:avLst/>
+            </a:prstGeom>
+          </p:spPr>
+          <p:style>
+            <a:lnRef idx="2">
+              <a:schemeClr val="accent1">
+                <a:shade val="15000"/>
+              </a:schemeClr>
+            </a:lnRef>
+            <a:fillRef idx="1">
+              <a:schemeClr val="accent1"/>
+            </a:fillRef>
+            <a:effectRef idx="0">
+              <a:schemeClr val="accent1"/>
+            </a:effectRef>
+            <a:fontRef idx="minor">
+              <a:schemeClr val="lt1"/>
+            </a:fontRef>
+          </p:style>
+          <p:txBody>
+            <a:bodyPr rtlCol="0" anchor="ctr"/>
+            <a:lstStyle/>
+            <a:p>
+              <a:pPr algn="ctr"/>
+              <a:endParaRPr lang="en-US"/>
+            </a:p>
+          </p:txBody>
+        </p:sp>
+        <p:sp>
+          <p:nvSpPr>
+            <p:cNvPr id="1179" name="Ovale 1178">
+              <a:extLst>
+                <a:ext uri="{FF2B5EF4-FFF2-40B4-BE49-F238E27FC236}">
+                  <a16:creationId xmlns:a16="http://schemas.microsoft.com/office/drawing/2014/main" id="{2FBF32EF-3FC2-46C0-A112-0A49F3A94FB2}"/>
+                </a:ext>
+              </a:extLst>
+            </p:cNvPr>
+            <p:cNvSpPr/>
+            <p:nvPr/>
+          </p:nvSpPr>
+          <p:spPr>
+            <a:xfrm>
+              <a:off x="1976594" y="4551427"/>
+              <a:ext cx="422030" cy="422031"/>
+            </a:xfrm>
+            <a:prstGeom prst="ellipse">
+              <a:avLst/>
+            </a:prstGeom>
+            <a:solidFill>
+              <a:srgbClr val="FF0000"/>
+            </a:solidFill>
+          </p:spPr>
+          <p:style>
+            <a:lnRef idx="2">
+              <a:schemeClr val="accent1">
+                <a:shade val="15000"/>
+              </a:schemeClr>
+            </a:lnRef>
+            <a:fillRef idx="1">
+              <a:schemeClr val="accent1"/>
+            </a:fillRef>
+            <a:effectRef idx="0">
+              <a:schemeClr val="accent1"/>
+            </a:effectRef>
+            <a:fontRef idx="minor">
+              <a:schemeClr val="lt1"/>
+            </a:fontRef>
+          </p:style>
+          <p:txBody>
+            <a:bodyPr rtlCol="0" anchor="ctr"/>
+            <a:lstStyle/>
+            <a:p>
+              <a:pPr algn="ctr"/>
+              <a:endParaRPr lang="en-US"/>
+            </a:p>
+          </p:txBody>
+        </p:sp>
+        <p:sp>
+          <p:nvSpPr>
+            <p:cNvPr id="1180" name="Ovale 1179">
+              <a:extLst>
+                <a:ext uri="{FF2B5EF4-FFF2-40B4-BE49-F238E27FC236}">
+                  <a16:creationId xmlns:a16="http://schemas.microsoft.com/office/drawing/2014/main" id="{C72A5EE5-A926-C503-52A4-CBF7DECBBEB2}"/>
+                </a:ext>
+              </a:extLst>
+            </p:cNvPr>
+            <p:cNvSpPr/>
+            <p:nvPr/>
+          </p:nvSpPr>
+          <p:spPr>
+            <a:xfrm>
+              <a:off x="2776520" y="3895193"/>
+              <a:ext cx="422030" cy="422031"/>
+            </a:xfrm>
+            <a:prstGeom prst="ellipse">
+              <a:avLst/>
+            </a:prstGeom>
+            <a:solidFill>
+              <a:srgbClr val="00B050"/>
+            </a:solidFill>
+          </p:spPr>
+          <p:style>
+            <a:lnRef idx="2">
+              <a:schemeClr val="accent1">
+                <a:shade val="15000"/>
+              </a:schemeClr>
+            </a:lnRef>
+            <a:fillRef idx="1">
+              <a:schemeClr val="accent1"/>
+            </a:fillRef>
+            <a:effectRef idx="0">
+              <a:schemeClr val="accent1"/>
+            </a:effectRef>
+            <a:fontRef idx="minor">
+              <a:schemeClr val="lt1"/>
+            </a:fontRef>
+          </p:style>
+          <p:txBody>
+            <a:bodyPr rtlCol="0" anchor="ctr"/>
+            <a:lstStyle/>
+            <a:p>
+              <a:pPr algn="ctr"/>
+              <a:endParaRPr lang="en-US"/>
+            </a:p>
+          </p:txBody>
+        </p:sp>
+        <p:cxnSp>
+          <p:nvCxnSpPr>
+            <p:cNvPr id="1181" name="Connettore diritto 1180">
+              <a:extLst>
+                <a:ext uri="{FF2B5EF4-FFF2-40B4-BE49-F238E27FC236}">
+                  <a16:creationId xmlns:a16="http://schemas.microsoft.com/office/drawing/2014/main" id="{AACADBCE-2A2B-DE24-28DE-99929991F79D}"/>
+                </a:ext>
+              </a:extLst>
+            </p:cNvPr>
+            <p:cNvCxnSpPr>
+              <a:stCxn id="1174" idx="6"/>
+              <a:endCxn id="1177" idx="2"/>
+            </p:cNvCxnSpPr>
+            <p:nvPr/>
+          </p:nvCxnSpPr>
+          <p:spPr>
+            <a:xfrm flipV="1">
+              <a:off x="1400364" y="3372426"/>
+              <a:ext cx="620191" cy="196328"/>
+            </a:xfrm>
+            <a:prstGeom prst="line">
+              <a:avLst/>
+            </a:prstGeom>
+            <a:ln w="38100">
+              <a:solidFill>
+                <a:schemeClr val="tx1"/>
+              </a:solidFill>
+            </a:ln>
+          </p:spPr>
+          <p:style>
+            <a:lnRef idx="1">
+              <a:schemeClr val="accent1"/>
+            </a:lnRef>
+            <a:fillRef idx="0">
+              <a:schemeClr val="accent1"/>
+            </a:fillRef>
+            <a:effectRef idx="0">
+              <a:schemeClr val="accent1"/>
+            </a:effectRef>
+            <a:fontRef idx="minor">
+              <a:schemeClr val="tx1"/>
+            </a:fontRef>
+          </p:style>
+        </p:cxnSp>
+        <p:cxnSp>
+          <p:nvCxnSpPr>
+            <p:cNvPr id="1182" name="Connettore diritto 1181">
+              <a:extLst>
+                <a:ext uri="{FF2B5EF4-FFF2-40B4-BE49-F238E27FC236}">
+                  <a16:creationId xmlns:a16="http://schemas.microsoft.com/office/drawing/2014/main" id="{CB1971CC-CE12-6D2C-A5A2-1B03DFE9B513}"/>
+                </a:ext>
+              </a:extLst>
+            </p:cNvPr>
+            <p:cNvCxnSpPr>
+              <a:cxnSpLocks/>
+              <a:stCxn id="1174" idx="6"/>
+              <a:endCxn id="1178" idx="2"/>
+            </p:cNvCxnSpPr>
+            <p:nvPr/>
+          </p:nvCxnSpPr>
+          <p:spPr>
+            <a:xfrm>
+              <a:off x="1400364" y="3568754"/>
+              <a:ext cx="404526" cy="547372"/>
+            </a:xfrm>
+            <a:prstGeom prst="line">
+              <a:avLst/>
+            </a:prstGeom>
+            <a:ln w="38100">
+              <a:solidFill>
+                <a:schemeClr val="tx1"/>
+              </a:solidFill>
+            </a:ln>
+          </p:spPr>
+          <p:style>
+            <a:lnRef idx="1">
+              <a:schemeClr val="accent1"/>
+            </a:lnRef>
+            <a:fillRef idx="0">
+              <a:schemeClr val="accent1"/>
+            </a:fillRef>
+            <a:effectRef idx="0">
+              <a:schemeClr val="accent1"/>
+            </a:effectRef>
+            <a:fontRef idx="minor">
+              <a:schemeClr val="tx1"/>
+            </a:fontRef>
+          </p:style>
+        </p:cxnSp>
+        <p:cxnSp>
+          <p:nvCxnSpPr>
+            <p:cNvPr id="1183" name="Connettore diritto 1182">
+              <a:extLst>
+                <a:ext uri="{FF2B5EF4-FFF2-40B4-BE49-F238E27FC236}">
+                  <a16:creationId xmlns:a16="http://schemas.microsoft.com/office/drawing/2014/main" id="{D4ED68FF-928B-0821-F393-A3EB96542012}"/>
+                </a:ext>
+              </a:extLst>
+            </p:cNvPr>
+            <p:cNvCxnSpPr>
+              <a:cxnSpLocks/>
+              <a:stCxn id="1175" idx="6"/>
+              <a:endCxn id="1178" idx="2"/>
+            </p:cNvCxnSpPr>
+            <p:nvPr/>
+          </p:nvCxnSpPr>
+          <p:spPr>
+            <a:xfrm>
+              <a:off x="737716" y="4096292"/>
+              <a:ext cx="1067174" cy="19834"/>
+            </a:xfrm>
+            <a:prstGeom prst="line">
+              <a:avLst/>
+            </a:prstGeom>
+            <a:ln w="38100">
+              <a:solidFill>
+                <a:schemeClr val="tx1"/>
+              </a:solidFill>
+            </a:ln>
+          </p:spPr>
+          <p:style>
+            <a:lnRef idx="1">
+              <a:schemeClr val="accent1"/>
+            </a:lnRef>
+            <a:fillRef idx="0">
+              <a:schemeClr val="accent1"/>
+            </a:fillRef>
+            <a:effectRef idx="0">
+              <a:schemeClr val="accent1"/>
+            </a:effectRef>
+            <a:fontRef idx="minor">
+              <a:schemeClr val="tx1"/>
+            </a:fontRef>
+          </p:style>
+        </p:cxnSp>
+        <p:cxnSp>
+          <p:nvCxnSpPr>
+            <p:cNvPr id="1184" name="Connettore diritto 1183">
+              <a:extLst>
+                <a:ext uri="{FF2B5EF4-FFF2-40B4-BE49-F238E27FC236}">
+                  <a16:creationId xmlns:a16="http://schemas.microsoft.com/office/drawing/2014/main" id="{BF78A1B0-8A4D-C667-ABE4-5CB558551D1C}"/>
+                </a:ext>
+              </a:extLst>
+            </p:cNvPr>
+            <p:cNvCxnSpPr>
+              <a:cxnSpLocks/>
+              <a:stCxn id="1175" idx="6"/>
+              <a:endCxn id="1179" idx="2"/>
+            </p:cNvCxnSpPr>
+            <p:nvPr/>
+          </p:nvCxnSpPr>
+          <p:spPr>
+            <a:xfrm>
+              <a:off x="737716" y="4096292"/>
+              <a:ext cx="1238878" cy="666151"/>
+            </a:xfrm>
+            <a:prstGeom prst="line">
+              <a:avLst/>
+            </a:prstGeom>
+            <a:ln w="38100">
+              <a:solidFill>
+                <a:schemeClr val="tx1"/>
+              </a:solidFill>
+            </a:ln>
+          </p:spPr>
+          <p:style>
+            <a:lnRef idx="1">
+              <a:schemeClr val="accent1"/>
+            </a:lnRef>
+            <a:fillRef idx="0">
+              <a:schemeClr val="accent1"/>
+            </a:fillRef>
+            <a:effectRef idx="0">
+              <a:schemeClr val="accent1"/>
+            </a:effectRef>
+            <a:fontRef idx="minor">
+              <a:schemeClr val="tx1"/>
+            </a:fontRef>
+          </p:style>
+        </p:cxnSp>
+        <p:cxnSp>
+          <p:nvCxnSpPr>
+            <p:cNvPr id="1185" name="Connettore diritto 1184">
+              <a:extLst>
+                <a:ext uri="{FF2B5EF4-FFF2-40B4-BE49-F238E27FC236}">
+                  <a16:creationId xmlns:a16="http://schemas.microsoft.com/office/drawing/2014/main" id="{70414DEF-B6CD-4DCD-50CD-BE7801E5F51F}"/>
+                </a:ext>
+              </a:extLst>
+            </p:cNvPr>
+            <p:cNvCxnSpPr>
+              <a:cxnSpLocks/>
+              <a:stCxn id="1176" idx="6"/>
+              <a:endCxn id="1178" idx="2"/>
+            </p:cNvCxnSpPr>
+            <p:nvPr/>
+          </p:nvCxnSpPr>
+          <p:spPr>
+            <a:xfrm flipV="1">
+              <a:off x="1271303" y="4116126"/>
+              <a:ext cx="533587" cy="623324"/>
+            </a:xfrm>
+            <a:prstGeom prst="line">
+              <a:avLst/>
+            </a:prstGeom>
+            <a:solidFill>
+              <a:srgbClr val="FF0000"/>
+            </a:solidFill>
+            <a:ln w="38100">
+              <a:solidFill>
+                <a:schemeClr val="tx1"/>
+              </a:solidFill>
+            </a:ln>
+          </p:spPr>
+          <p:style>
+            <a:lnRef idx="1">
+              <a:schemeClr val="accent1"/>
+            </a:lnRef>
+            <a:fillRef idx="0">
+              <a:schemeClr val="accent1"/>
+            </a:fillRef>
+            <a:effectRef idx="0">
+              <a:schemeClr val="accent1"/>
+            </a:effectRef>
+            <a:fontRef idx="minor">
+              <a:schemeClr val="tx1"/>
+            </a:fontRef>
+          </p:style>
+        </p:cxnSp>
+        <p:cxnSp>
+          <p:nvCxnSpPr>
+            <p:cNvPr id="1186" name="Connettore diritto 1185">
+              <a:extLst>
+                <a:ext uri="{FF2B5EF4-FFF2-40B4-BE49-F238E27FC236}">
+                  <a16:creationId xmlns:a16="http://schemas.microsoft.com/office/drawing/2014/main" id="{C1626119-DC2F-9275-020A-86420E9BD79F}"/>
+                </a:ext>
+              </a:extLst>
+            </p:cNvPr>
+            <p:cNvCxnSpPr>
+              <a:cxnSpLocks/>
+              <a:stCxn id="1176" idx="6"/>
+              <a:endCxn id="1179" idx="2"/>
+            </p:cNvCxnSpPr>
+            <p:nvPr/>
+          </p:nvCxnSpPr>
+          <p:spPr>
+            <a:xfrm>
+              <a:off x="1271303" y="4739450"/>
+              <a:ext cx="705291" cy="22993"/>
+            </a:xfrm>
+            <a:prstGeom prst="line">
+              <a:avLst/>
+            </a:prstGeom>
+            <a:ln w="38100">
+              <a:solidFill>
+                <a:schemeClr val="tx1"/>
+              </a:solidFill>
+            </a:ln>
+          </p:spPr>
+          <p:style>
+            <a:lnRef idx="1">
+              <a:schemeClr val="accent1"/>
+            </a:lnRef>
+            <a:fillRef idx="0">
+              <a:schemeClr val="accent1"/>
+            </a:fillRef>
+            <a:effectRef idx="0">
+              <a:schemeClr val="accent1"/>
+            </a:effectRef>
+            <a:fontRef idx="minor">
+              <a:schemeClr val="tx1"/>
+            </a:fontRef>
+          </p:style>
+        </p:cxnSp>
+        <p:cxnSp>
+          <p:nvCxnSpPr>
+            <p:cNvPr id="1187" name="Connettore diritto 1186">
+              <a:extLst>
+                <a:ext uri="{FF2B5EF4-FFF2-40B4-BE49-F238E27FC236}">
+                  <a16:creationId xmlns:a16="http://schemas.microsoft.com/office/drawing/2014/main" id="{2516B9B6-92FA-1B97-51F3-80BB71733F4A}"/>
+                </a:ext>
+              </a:extLst>
+            </p:cNvPr>
+            <p:cNvCxnSpPr>
+              <a:cxnSpLocks/>
+              <a:stCxn id="1177" idx="6"/>
+              <a:endCxn id="1180" idx="2"/>
+            </p:cNvCxnSpPr>
+            <p:nvPr/>
+          </p:nvCxnSpPr>
+          <p:spPr>
+            <a:xfrm>
+              <a:off x="2442585" y="3372426"/>
+              <a:ext cx="333935" cy="733783"/>
+            </a:xfrm>
+            <a:prstGeom prst="line">
+              <a:avLst/>
+            </a:prstGeom>
+            <a:ln w="38100">
+              <a:solidFill>
+                <a:schemeClr val="tx1"/>
+              </a:solidFill>
+            </a:ln>
+          </p:spPr>
+          <p:style>
+            <a:lnRef idx="1">
+              <a:schemeClr val="accent1"/>
+            </a:lnRef>
+            <a:fillRef idx="0">
+              <a:schemeClr val="accent1"/>
+            </a:fillRef>
+            <a:effectRef idx="0">
+              <a:schemeClr val="accent1"/>
+            </a:effectRef>
+            <a:fontRef idx="minor">
+              <a:schemeClr val="tx1"/>
+            </a:fontRef>
+          </p:style>
+        </p:cxnSp>
+        <p:cxnSp>
+          <p:nvCxnSpPr>
+            <p:cNvPr id="1188" name="Connettore diritto 1187">
+              <a:extLst>
+                <a:ext uri="{FF2B5EF4-FFF2-40B4-BE49-F238E27FC236}">
+                  <a16:creationId xmlns:a16="http://schemas.microsoft.com/office/drawing/2014/main" id="{76B21C55-9C87-B9CB-B90A-46A57F3131DC}"/>
+                </a:ext>
+              </a:extLst>
+            </p:cNvPr>
+            <p:cNvCxnSpPr>
+              <a:cxnSpLocks/>
+              <a:stCxn id="1178" idx="6"/>
+              <a:endCxn id="1180" idx="2"/>
+            </p:cNvCxnSpPr>
+            <p:nvPr/>
+          </p:nvCxnSpPr>
+          <p:spPr>
+            <a:xfrm flipV="1">
+              <a:off x="2226920" y="4106209"/>
+              <a:ext cx="549600" cy="9917"/>
+            </a:xfrm>
+            <a:prstGeom prst="line">
+              <a:avLst/>
+            </a:prstGeom>
+            <a:ln w="38100">
+              <a:solidFill>
+                <a:schemeClr val="tx1"/>
+              </a:solidFill>
+            </a:ln>
+          </p:spPr>
+          <p:style>
+            <a:lnRef idx="1">
+              <a:schemeClr val="accent1"/>
+            </a:lnRef>
+            <a:fillRef idx="0">
+              <a:schemeClr val="accent1"/>
+            </a:fillRef>
+            <a:effectRef idx="0">
+              <a:schemeClr val="accent1"/>
+            </a:effectRef>
+            <a:fontRef idx="minor">
+              <a:schemeClr val="tx1"/>
+            </a:fontRef>
+          </p:style>
+        </p:cxnSp>
+        <p:cxnSp>
+          <p:nvCxnSpPr>
+            <p:cNvPr id="1189" name="Connettore diritto 1188">
+              <a:extLst>
+                <a:ext uri="{FF2B5EF4-FFF2-40B4-BE49-F238E27FC236}">
+                  <a16:creationId xmlns:a16="http://schemas.microsoft.com/office/drawing/2014/main" id="{580220A9-624E-1334-9598-6D6495DDEDBA}"/>
+                </a:ext>
+              </a:extLst>
+            </p:cNvPr>
+            <p:cNvCxnSpPr>
+              <a:cxnSpLocks/>
+              <a:stCxn id="1179" idx="6"/>
+              <a:endCxn id="1180" idx="2"/>
+            </p:cNvCxnSpPr>
+            <p:nvPr/>
+          </p:nvCxnSpPr>
+          <p:spPr>
+            <a:xfrm flipV="1">
+              <a:off x="2398624" y="4106209"/>
+              <a:ext cx="377896" cy="656234"/>
+            </a:xfrm>
+            <a:prstGeom prst="line">
+              <a:avLst/>
+            </a:prstGeom>
+            <a:ln w="38100">
+              <a:solidFill>
+                <a:schemeClr val="tx1"/>
+              </a:solidFill>
+            </a:ln>
+          </p:spPr>
+          <p:style>
+            <a:lnRef idx="1">
+              <a:schemeClr val="accent1"/>
+            </a:lnRef>
+            <a:fillRef idx="0">
+              <a:schemeClr val="accent1"/>
+            </a:fillRef>
+            <a:effectRef idx="0">
+              <a:schemeClr val="accent1"/>
+            </a:effectRef>
+            <a:fontRef idx="minor">
+              <a:schemeClr val="tx1"/>
+            </a:fontRef>
+          </p:style>
+        </p:cxnSp>
+      </p:grpSp>
+      <p:sp>
+        <p:nvSpPr>
+          <p:cNvPr id="1190" name="CasellaDiTesto 1189">
+            <a:extLst>
+              <a:ext uri="{FF2B5EF4-FFF2-40B4-BE49-F238E27FC236}">
+                <a16:creationId xmlns:a16="http://schemas.microsoft.com/office/drawing/2014/main" id="{E3644D4A-48A9-47C3-78E6-37655A14B7C8}"/>
+              </a:ext>
+            </a:extLst>
+          </p:cNvPr>
+          <p:cNvSpPr txBox="1"/>
+          <p:nvPr/>
+        </p:nvSpPr>
+        <p:spPr>
+          <a:xfrm>
+            <a:off x="6262418" y="1622360"/>
+            <a:ext cx="1024465" cy="369332"/>
+          </a:xfrm>
+          <a:prstGeom prst="rect">
+            <a:avLst/>
+          </a:prstGeom>
+          <a:noFill/>
+        </p:spPr>
+        <p:txBody>
+          <a:bodyPr wrap="square" rtlCol="0">
+            <a:spAutoFit/>
+          </a:bodyPr>
+          <a:lstStyle/>
+          <a:p>
+            <a:pPr algn="ctr"/>
+            <a:r>
+              <a:rPr lang="en-US" dirty="0"/>
+              <a:t>proteins</a:t>
+            </a:r>
+          </a:p>
+        </p:txBody>
+      </p:sp>
+      <p:grpSp>
+        <p:nvGrpSpPr>
+          <p:cNvPr id="1191" name="Gruppo 1190">
+            <a:extLst>
+              <a:ext uri="{FF2B5EF4-FFF2-40B4-BE49-F238E27FC236}">
+                <a16:creationId xmlns:a16="http://schemas.microsoft.com/office/drawing/2014/main" id="{91172110-2342-26B6-E8DD-C5323E55B732}"/>
+              </a:ext>
+            </a:extLst>
+          </p:cNvPr>
+          <p:cNvGrpSpPr/>
+          <p:nvPr/>
+        </p:nvGrpSpPr>
+        <p:grpSpPr>
+          <a:xfrm>
+            <a:off x="249492" y="3760067"/>
+            <a:ext cx="317775" cy="448556"/>
+            <a:chOff x="911291" y="1250302"/>
+            <a:chExt cx="1138334" cy="1810139"/>
+          </a:xfrm>
+        </p:grpSpPr>
+        <p:sp>
+          <p:nvSpPr>
+            <p:cNvPr id="1192" name="Rettangolo ad angolo ripiegato 1191">
+              <a:extLst>
+                <a:ext uri="{FF2B5EF4-FFF2-40B4-BE49-F238E27FC236}">
+                  <a16:creationId xmlns:a16="http://schemas.microsoft.com/office/drawing/2014/main" id="{7DAD01EC-CF4B-C85B-42CD-7E8DE5BCC5B5}"/>
+                </a:ext>
+              </a:extLst>
+            </p:cNvPr>
+            <p:cNvSpPr/>
+            <p:nvPr/>
+          </p:nvSpPr>
+          <p:spPr>
+            <a:xfrm rot="10800000" flipH="1">
+              <a:off x="911291" y="1250302"/>
+              <a:ext cx="1138334" cy="1810139"/>
+            </a:xfrm>
+            <a:prstGeom prst="foldedCorner">
+              <a:avLst>
+                <a:gd name="adj" fmla="val 41257"/>
+              </a:avLst>
+            </a:prstGeom>
+            <a:solidFill>
+              <a:schemeClr val="bg1"/>
+            </a:solidFill>
+            <a:ln>
+              <a:solidFill>
+                <a:schemeClr val="tx1"/>
+              </a:solidFill>
+            </a:ln>
+          </p:spPr>
+          <p:style>
+            <a:lnRef idx="2">
+              <a:schemeClr val="accent1">
+                <a:shade val="15000"/>
+              </a:schemeClr>
+            </a:lnRef>
+            <a:fillRef idx="1">
+              <a:schemeClr val="accent1"/>
+            </a:fillRef>
+            <a:effectRef idx="0">
+              <a:schemeClr val="accent1"/>
+            </a:effectRef>
+            <a:fontRef idx="minor">
+              <a:schemeClr val="lt1"/>
+            </a:fontRef>
+          </p:style>
+          <p:txBody>
+            <a:bodyPr rtlCol="0" anchor="ctr"/>
+            <a:lstStyle/>
+            <a:p>
+              <a:pPr algn="ctr"/>
+              <a:endParaRPr lang="en-US"/>
+            </a:p>
+          </p:txBody>
+        </p:sp>
+        <p:cxnSp>
+          <p:nvCxnSpPr>
+            <p:cNvPr id="1193" name="Connettore diritto 1192">
+              <a:extLst>
+                <a:ext uri="{FF2B5EF4-FFF2-40B4-BE49-F238E27FC236}">
+                  <a16:creationId xmlns:a16="http://schemas.microsoft.com/office/drawing/2014/main" id="{B57DB10F-FFAA-D566-460E-E33A8C1E3ECE}"/>
+                </a:ext>
+              </a:extLst>
+            </p:cNvPr>
+            <p:cNvCxnSpPr/>
+            <p:nvPr/>
+          </p:nvCxnSpPr>
+          <p:spPr>
+            <a:xfrm>
+              <a:off x="1028700" y="1480458"/>
+              <a:ext cx="544286" cy="0"/>
+            </a:xfrm>
+            <a:prstGeom prst="line">
+              <a:avLst/>
+            </a:prstGeom>
+            <a:ln w="38100">
+              <a:solidFill>
+                <a:schemeClr val="tx1"/>
+              </a:solidFill>
+            </a:ln>
+          </p:spPr>
+          <p:style>
+            <a:lnRef idx="1">
+              <a:schemeClr val="accent1"/>
+            </a:lnRef>
+            <a:fillRef idx="0">
+              <a:schemeClr val="accent1"/>
+            </a:fillRef>
+            <a:effectRef idx="0">
+              <a:schemeClr val="accent1"/>
+            </a:effectRef>
+            <a:fontRef idx="minor">
+              <a:schemeClr val="tx1"/>
+            </a:fontRef>
+          </p:style>
+        </p:cxnSp>
+        <p:cxnSp>
+          <p:nvCxnSpPr>
+            <p:cNvPr id="1194" name="Connettore diritto 1193">
+              <a:extLst>
+                <a:ext uri="{FF2B5EF4-FFF2-40B4-BE49-F238E27FC236}">
+                  <a16:creationId xmlns:a16="http://schemas.microsoft.com/office/drawing/2014/main" id="{0A3F6441-8262-C6E1-2180-6422EEF13126}"/>
+                </a:ext>
+              </a:extLst>
+            </p:cNvPr>
+            <p:cNvCxnSpPr/>
+            <p:nvPr/>
+          </p:nvCxnSpPr>
+          <p:spPr>
+            <a:xfrm>
+              <a:off x="1028700" y="1649186"/>
+              <a:ext cx="544286" cy="0"/>
+            </a:xfrm>
+            <a:prstGeom prst="line">
+              <a:avLst/>
+            </a:prstGeom>
+            <a:ln w="38100">
+              <a:solidFill>
+                <a:schemeClr val="tx1"/>
+              </a:solidFill>
+            </a:ln>
+          </p:spPr>
+          <p:style>
+            <a:lnRef idx="1">
+              <a:schemeClr val="accent1"/>
+            </a:lnRef>
+            <a:fillRef idx="0">
+              <a:schemeClr val="accent1"/>
+            </a:fillRef>
+            <a:effectRef idx="0">
+              <a:schemeClr val="accent1"/>
+            </a:effectRef>
+            <a:fontRef idx="minor">
+              <a:schemeClr val="tx1"/>
+            </a:fontRef>
+          </p:style>
+        </p:cxnSp>
+        <p:cxnSp>
+          <p:nvCxnSpPr>
+            <p:cNvPr id="1195" name="Connettore diritto 1194">
+              <a:extLst>
+                <a:ext uri="{FF2B5EF4-FFF2-40B4-BE49-F238E27FC236}">
+                  <a16:creationId xmlns:a16="http://schemas.microsoft.com/office/drawing/2014/main" id="{5734B1A2-8C46-B3E0-272C-60EA909FDDA2}"/>
+                </a:ext>
+              </a:extLst>
+            </p:cNvPr>
+            <p:cNvCxnSpPr>
+              <a:cxnSpLocks/>
+            </p:cNvCxnSpPr>
+            <p:nvPr/>
+          </p:nvCxnSpPr>
+          <p:spPr>
+            <a:xfrm>
+              <a:off x="1028700" y="1856015"/>
+              <a:ext cx="892629" cy="0"/>
+            </a:xfrm>
+            <a:prstGeom prst="line">
+              <a:avLst/>
+            </a:prstGeom>
+            <a:ln w="38100">
+              <a:solidFill>
+                <a:schemeClr val="tx1"/>
+              </a:solidFill>
+            </a:ln>
+          </p:spPr>
+          <p:style>
+            <a:lnRef idx="1">
+              <a:schemeClr val="accent1"/>
+            </a:lnRef>
+            <a:fillRef idx="0">
+              <a:schemeClr val="accent1"/>
+            </a:fillRef>
+            <a:effectRef idx="0">
+              <a:schemeClr val="accent1"/>
+            </a:effectRef>
+            <a:fontRef idx="minor">
+              <a:schemeClr val="tx1"/>
+            </a:fontRef>
+          </p:style>
+        </p:cxnSp>
+        <p:cxnSp>
+          <p:nvCxnSpPr>
+            <p:cNvPr id="1196" name="Connettore diritto 1195">
+              <a:extLst>
+                <a:ext uri="{FF2B5EF4-FFF2-40B4-BE49-F238E27FC236}">
+                  <a16:creationId xmlns:a16="http://schemas.microsoft.com/office/drawing/2014/main" id="{0031F63C-B685-29C5-A5AB-DF1BE2B54363}"/>
+                </a:ext>
+              </a:extLst>
+            </p:cNvPr>
+            <p:cNvCxnSpPr>
+              <a:cxnSpLocks/>
+            </p:cNvCxnSpPr>
+            <p:nvPr/>
+          </p:nvCxnSpPr>
+          <p:spPr>
+            <a:xfrm>
+              <a:off x="1028700" y="2024743"/>
+              <a:ext cx="892629" cy="0"/>
+            </a:xfrm>
+            <a:prstGeom prst="line">
+              <a:avLst/>
+            </a:prstGeom>
+            <a:ln w="38100">
+              <a:solidFill>
+                <a:schemeClr val="tx1"/>
+              </a:solidFill>
+            </a:ln>
+          </p:spPr>
+          <p:style>
+            <a:lnRef idx="1">
+              <a:schemeClr val="accent1"/>
+            </a:lnRef>
+            <a:fillRef idx="0">
+              <a:schemeClr val="accent1"/>
+            </a:fillRef>
+            <a:effectRef idx="0">
+              <a:schemeClr val="accent1"/>
+            </a:effectRef>
+            <a:fontRef idx="minor">
+              <a:schemeClr val="tx1"/>
+            </a:fontRef>
+          </p:style>
+        </p:cxnSp>
+        <p:cxnSp>
+          <p:nvCxnSpPr>
+            <p:cNvPr id="1197" name="Connettore diritto 1196">
+              <a:extLst>
+                <a:ext uri="{FF2B5EF4-FFF2-40B4-BE49-F238E27FC236}">
+                  <a16:creationId xmlns:a16="http://schemas.microsoft.com/office/drawing/2014/main" id="{D4677540-EA8A-B18C-0FFF-C1D8B099ACDF}"/>
+                </a:ext>
+              </a:extLst>
+            </p:cNvPr>
+            <p:cNvCxnSpPr>
+              <a:cxnSpLocks/>
+            </p:cNvCxnSpPr>
+            <p:nvPr/>
+          </p:nvCxnSpPr>
+          <p:spPr>
+            <a:xfrm>
+              <a:off x="1028700" y="2198915"/>
+              <a:ext cx="892629" cy="0"/>
+            </a:xfrm>
+            <a:prstGeom prst="line">
+              <a:avLst/>
+            </a:prstGeom>
+            <a:ln w="38100">
+              <a:solidFill>
+                <a:schemeClr val="tx1"/>
+              </a:solidFill>
+            </a:ln>
+          </p:spPr>
+          <p:style>
+            <a:lnRef idx="1">
+              <a:schemeClr val="accent1"/>
+            </a:lnRef>
+            <a:fillRef idx="0">
+              <a:schemeClr val="accent1"/>
+            </a:fillRef>
+            <a:effectRef idx="0">
+              <a:schemeClr val="accent1"/>
+            </a:effectRef>
+            <a:fontRef idx="minor">
+              <a:schemeClr val="tx1"/>
+            </a:fontRef>
+          </p:style>
+        </p:cxnSp>
+        <p:cxnSp>
+          <p:nvCxnSpPr>
+            <p:cNvPr id="1198" name="Connettore diritto 1197">
+              <a:extLst>
+                <a:ext uri="{FF2B5EF4-FFF2-40B4-BE49-F238E27FC236}">
+                  <a16:creationId xmlns:a16="http://schemas.microsoft.com/office/drawing/2014/main" id="{E94B2A22-E6CD-F824-9F1F-E079EAC5C107}"/>
+                </a:ext>
+              </a:extLst>
+            </p:cNvPr>
+            <p:cNvCxnSpPr>
+              <a:cxnSpLocks/>
+            </p:cNvCxnSpPr>
+            <p:nvPr/>
+          </p:nvCxnSpPr>
+          <p:spPr>
+            <a:xfrm>
+              <a:off x="1028700" y="2367643"/>
+              <a:ext cx="892629" cy="0"/>
+            </a:xfrm>
+            <a:prstGeom prst="line">
+              <a:avLst/>
+            </a:prstGeom>
+            <a:ln w="38100">
+              <a:solidFill>
+                <a:schemeClr val="tx1"/>
+              </a:solidFill>
+            </a:ln>
+          </p:spPr>
+          <p:style>
+            <a:lnRef idx="1">
+              <a:schemeClr val="accent1"/>
+            </a:lnRef>
+            <a:fillRef idx="0">
+              <a:schemeClr val="accent1"/>
+            </a:fillRef>
+            <a:effectRef idx="0">
+              <a:schemeClr val="accent1"/>
+            </a:effectRef>
+            <a:fontRef idx="minor">
+              <a:schemeClr val="tx1"/>
+            </a:fontRef>
+          </p:style>
+        </p:cxnSp>
+        <p:cxnSp>
+          <p:nvCxnSpPr>
+            <p:cNvPr id="1199" name="Connettore diritto 1198">
+              <a:extLst>
+                <a:ext uri="{FF2B5EF4-FFF2-40B4-BE49-F238E27FC236}">
+                  <a16:creationId xmlns:a16="http://schemas.microsoft.com/office/drawing/2014/main" id="{B80BC3FD-1535-FDD7-9A7E-5A6A1C643F00}"/>
+                </a:ext>
+              </a:extLst>
+            </p:cNvPr>
+            <p:cNvCxnSpPr>
+              <a:cxnSpLocks/>
+            </p:cNvCxnSpPr>
+            <p:nvPr/>
+          </p:nvCxnSpPr>
+          <p:spPr>
+            <a:xfrm>
+              <a:off x="1028699" y="2503715"/>
+              <a:ext cx="892629" cy="0"/>
+            </a:xfrm>
+            <a:prstGeom prst="line">
+              <a:avLst/>
+            </a:prstGeom>
+            <a:ln w="38100">
+              <a:solidFill>
+                <a:schemeClr val="tx1"/>
+              </a:solidFill>
+            </a:ln>
+          </p:spPr>
+          <p:style>
+            <a:lnRef idx="1">
+              <a:schemeClr val="accent1"/>
+            </a:lnRef>
+            <a:fillRef idx="0">
+              <a:schemeClr val="accent1"/>
+            </a:fillRef>
+            <a:effectRef idx="0">
+              <a:schemeClr val="accent1"/>
+            </a:effectRef>
+            <a:fontRef idx="minor">
+              <a:schemeClr val="tx1"/>
+            </a:fontRef>
+          </p:style>
+        </p:cxnSp>
+        <p:cxnSp>
+          <p:nvCxnSpPr>
+            <p:cNvPr id="1200" name="Connettore diritto 1199">
+              <a:extLst>
+                <a:ext uri="{FF2B5EF4-FFF2-40B4-BE49-F238E27FC236}">
+                  <a16:creationId xmlns:a16="http://schemas.microsoft.com/office/drawing/2014/main" id="{BB2DCF1A-6B6B-83B0-6030-47A603C8D0FF}"/>
+                </a:ext>
+              </a:extLst>
+            </p:cNvPr>
+            <p:cNvCxnSpPr>
+              <a:cxnSpLocks/>
+            </p:cNvCxnSpPr>
+            <p:nvPr/>
+          </p:nvCxnSpPr>
+          <p:spPr>
+            <a:xfrm>
+              <a:off x="1028699" y="2672443"/>
+              <a:ext cx="495301" cy="0"/>
+            </a:xfrm>
+            <a:prstGeom prst="line">
+              <a:avLst/>
+            </a:prstGeom>
+            <a:ln w="38100">
+              <a:solidFill>
+                <a:schemeClr val="tx1"/>
+              </a:solidFill>
+            </a:ln>
+          </p:spPr>
+          <p:style>
+            <a:lnRef idx="1">
+              <a:schemeClr val="accent1"/>
+            </a:lnRef>
+            <a:fillRef idx="0">
+              <a:schemeClr val="accent1"/>
+            </a:fillRef>
+            <a:effectRef idx="0">
+              <a:schemeClr val="accent1"/>
+            </a:effectRef>
+            <a:fontRef idx="minor">
+              <a:schemeClr val="tx1"/>
+            </a:fontRef>
+          </p:style>
+        </p:cxnSp>
+      </p:grpSp>
+      <p:grpSp>
+        <p:nvGrpSpPr>
+          <p:cNvPr id="1201" name="Gruppo 1200">
+            <a:extLst>
+              <a:ext uri="{FF2B5EF4-FFF2-40B4-BE49-F238E27FC236}">
+                <a16:creationId xmlns:a16="http://schemas.microsoft.com/office/drawing/2014/main" id="{D1E0701F-A48C-647D-A09C-4AC084BEF287}"/>
+              </a:ext>
+            </a:extLst>
+          </p:cNvPr>
+          <p:cNvGrpSpPr/>
+          <p:nvPr/>
+        </p:nvGrpSpPr>
+        <p:grpSpPr>
+          <a:xfrm>
+            <a:off x="1413045" y="3497233"/>
+            <a:ext cx="317775" cy="448556"/>
+            <a:chOff x="911291" y="1250302"/>
+            <a:chExt cx="1138334" cy="1810139"/>
+          </a:xfrm>
+        </p:grpSpPr>
+        <p:sp>
+          <p:nvSpPr>
+            <p:cNvPr id="1202" name="Rettangolo ad angolo ripiegato 1201">
+              <a:extLst>
+                <a:ext uri="{FF2B5EF4-FFF2-40B4-BE49-F238E27FC236}">
+                  <a16:creationId xmlns:a16="http://schemas.microsoft.com/office/drawing/2014/main" id="{D0DA17CA-D306-CC0C-D69A-DFF0057E2DDA}"/>
+                </a:ext>
+              </a:extLst>
+            </p:cNvPr>
+            <p:cNvSpPr/>
+            <p:nvPr/>
+          </p:nvSpPr>
+          <p:spPr>
+            <a:xfrm rot="10800000" flipH="1">
+              <a:off x="911291" y="1250302"/>
+              <a:ext cx="1138334" cy="1810139"/>
+            </a:xfrm>
+            <a:prstGeom prst="foldedCorner">
+              <a:avLst>
+                <a:gd name="adj" fmla="val 41257"/>
+              </a:avLst>
+            </a:prstGeom>
+            <a:solidFill>
+              <a:schemeClr val="bg1"/>
+            </a:solidFill>
+            <a:ln>
+              <a:solidFill>
+                <a:schemeClr val="tx1"/>
+              </a:solidFill>
+            </a:ln>
+          </p:spPr>
+          <p:style>
+            <a:lnRef idx="2">
+              <a:schemeClr val="accent1">
+                <a:shade val="15000"/>
+              </a:schemeClr>
+            </a:lnRef>
+            <a:fillRef idx="1">
+              <a:schemeClr val="accent1"/>
+            </a:fillRef>
+            <a:effectRef idx="0">
+              <a:schemeClr val="accent1"/>
+            </a:effectRef>
+            <a:fontRef idx="minor">
+              <a:schemeClr val="lt1"/>
+            </a:fontRef>
+          </p:style>
+          <p:txBody>
+            <a:bodyPr rtlCol="0" anchor="ctr"/>
+            <a:lstStyle/>
+            <a:p>
+              <a:pPr algn="ctr"/>
+              <a:endParaRPr lang="en-US"/>
+            </a:p>
+          </p:txBody>
+        </p:sp>
+        <p:cxnSp>
+          <p:nvCxnSpPr>
+            <p:cNvPr id="1203" name="Connettore diritto 1202">
+              <a:extLst>
+                <a:ext uri="{FF2B5EF4-FFF2-40B4-BE49-F238E27FC236}">
+                  <a16:creationId xmlns:a16="http://schemas.microsoft.com/office/drawing/2014/main" id="{4988ECD0-376B-3395-F876-246111D19811}"/>
+                </a:ext>
+              </a:extLst>
+            </p:cNvPr>
+            <p:cNvCxnSpPr/>
+            <p:nvPr/>
+          </p:nvCxnSpPr>
+          <p:spPr>
+            <a:xfrm>
+              <a:off x="1028700" y="1480458"/>
+              <a:ext cx="544286" cy="0"/>
+            </a:xfrm>
+            <a:prstGeom prst="line">
+              <a:avLst/>
+            </a:prstGeom>
+            <a:ln w="38100">
+              <a:solidFill>
+                <a:schemeClr val="tx1"/>
+              </a:solidFill>
+            </a:ln>
+          </p:spPr>
+          <p:style>
+            <a:lnRef idx="1">
+              <a:schemeClr val="accent1"/>
+            </a:lnRef>
+            <a:fillRef idx="0">
+              <a:schemeClr val="accent1"/>
+            </a:fillRef>
+            <a:effectRef idx="0">
+              <a:schemeClr val="accent1"/>
+            </a:effectRef>
+            <a:fontRef idx="minor">
+              <a:schemeClr val="tx1"/>
+            </a:fontRef>
+          </p:style>
+        </p:cxnSp>
+        <p:cxnSp>
+          <p:nvCxnSpPr>
+            <p:cNvPr id="1204" name="Connettore diritto 1203">
+              <a:extLst>
+                <a:ext uri="{FF2B5EF4-FFF2-40B4-BE49-F238E27FC236}">
+                  <a16:creationId xmlns:a16="http://schemas.microsoft.com/office/drawing/2014/main" id="{06856C90-B9DF-E6CD-1B88-7AE165575296}"/>
+                </a:ext>
+              </a:extLst>
+            </p:cNvPr>
+            <p:cNvCxnSpPr/>
+            <p:nvPr/>
+          </p:nvCxnSpPr>
+          <p:spPr>
+            <a:xfrm>
+              <a:off x="1028700" y="1649186"/>
+              <a:ext cx="544286" cy="0"/>
+            </a:xfrm>
+            <a:prstGeom prst="line">
+              <a:avLst/>
+            </a:prstGeom>
+            <a:ln w="38100">
+              <a:solidFill>
+                <a:schemeClr val="tx1"/>
+              </a:solidFill>
+            </a:ln>
+          </p:spPr>
+          <p:style>
+            <a:lnRef idx="1">
+              <a:schemeClr val="accent1"/>
+            </a:lnRef>
+            <a:fillRef idx="0">
+              <a:schemeClr val="accent1"/>
+            </a:fillRef>
+            <a:effectRef idx="0">
+              <a:schemeClr val="accent1"/>
+            </a:effectRef>
+            <a:fontRef idx="minor">
+              <a:schemeClr val="tx1"/>
+            </a:fontRef>
+          </p:style>
+        </p:cxnSp>
+        <p:cxnSp>
+          <p:nvCxnSpPr>
+            <p:cNvPr id="1205" name="Connettore diritto 1204">
+              <a:extLst>
+                <a:ext uri="{FF2B5EF4-FFF2-40B4-BE49-F238E27FC236}">
+                  <a16:creationId xmlns:a16="http://schemas.microsoft.com/office/drawing/2014/main" id="{EE41E455-C7C7-76DA-D8AB-867B884C5A7E}"/>
+                </a:ext>
+              </a:extLst>
+            </p:cNvPr>
+            <p:cNvCxnSpPr>
+              <a:cxnSpLocks/>
+            </p:cNvCxnSpPr>
+            <p:nvPr/>
+          </p:nvCxnSpPr>
+          <p:spPr>
+            <a:xfrm>
+              <a:off x="1028700" y="1856015"/>
+              <a:ext cx="892629" cy="0"/>
+            </a:xfrm>
+            <a:prstGeom prst="line">
+              <a:avLst/>
+            </a:prstGeom>
+            <a:ln w="38100">
+              <a:solidFill>
+                <a:schemeClr val="tx1"/>
+              </a:solidFill>
+            </a:ln>
+          </p:spPr>
+          <p:style>
+            <a:lnRef idx="1">
+              <a:schemeClr val="accent1"/>
+            </a:lnRef>
+            <a:fillRef idx="0">
+              <a:schemeClr val="accent1"/>
+            </a:fillRef>
+            <a:effectRef idx="0">
+              <a:schemeClr val="accent1"/>
+            </a:effectRef>
+            <a:fontRef idx="minor">
+              <a:schemeClr val="tx1"/>
+            </a:fontRef>
+          </p:style>
+        </p:cxnSp>
+        <p:cxnSp>
+          <p:nvCxnSpPr>
+            <p:cNvPr id="1206" name="Connettore diritto 1205">
+              <a:extLst>
+                <a:ext uri="{FF2B5EF4-FFF2-40B4-BE49-F238E27FC236}">
+                  <a16:creationId xmlns:a16="http://schemas.microsoft.com/office/drawing/2014/main" id="{EBF906B3-ED16-6FE3-847A-5D01AA7F5088}"/>
+                </a:ext>
+              </a:extLst>
+            </p:cNvPr>
+            <p:cNvCxnSpPr>
+              <a:cxnSpLocks/>
+            </p:cNvCxnSpPr>
+            <p:nvPr/>
+          </p:nvCxnSpPr>
+          <p:spPr>
+            <a:xfrm>
+              <a:off x="1028700" y="2024743"/>
+              <a:ext cx="892629" cy="0"/>
+            </a:xfrm>
+            <a:prstGeom prst="line">
+              <a:avLst/>
+            </a:prstGeom>
+            <a:ln w="38100">
+              <a:solidFill>
+                <a:schemeClr val="tx1"/>
+              </a:solidFill>
+            </a:ln>
+          </p:spPr>
+          <p:style>
+            <a:lnRef idx="1">
+              <a:schemeClr val="accent1"/>
+            </a:lnRef>
+            <a:fillRef idx="0">
+              <a:schemeClr val="accent1"/>
+            </a:fillRef>
+            <a:effectRef idx="0">
+              <a:schemeClr val="accent1"/>
+            </a:effectRef>
+            <a:fontRef idx="minor">
+              <a:schemeClr val="tx1"/>
+            </a:fontRef>
+          </p:style>
+        </p:cxnSp>
+        <p:cxnSp>
+          <p:nvCxnSpPr>
+            <p:cNvPr id="1207" name="Connettore diritto 1206">
+              <a:extLst>
+                <a:ext uri="{FF2B5EF4-FFF2-40B4-BE49-F238E27FC236}">
+                  <a16:creationId xmlns:a16="http://schemas.microsoft.com/office/drawing/2014/main" id="{5CC47B3C-05EF-6EC5-09A3-C8ECDD74A371}"/>
+                </a:ext>
+              </a:extLst>
+            </p:cNvPr>
+            <p:cNvCxnSpPr>
+              <a:cxnSpLocks/>
+            </p:cNvCxnSpPr>
+            <p:nvPr/>
+          </p:nvCxnSpPr>
+          <p:spPr>
+            <a:xfrm>
+              <a:off x="1028700" y="2198915"/>
+              <a:ext cx="892629" cy="0"/>
+            </a:xfrm>
+            <a:prstGeom prst="line">
+              <a:avLst/>
+            </a:prstGeom>
+            <a:ln w="38100">
+              <a:solidFill>
+                <a:schemeClr val="tx1"/>
+              </a:solidFill>
+            </a:ln>
+          </p:spPr>
+          <p:style>
+            <a:lnRef idx="1">
+              <a:schemeClr val="accent1"/>
+            </a:lnRef>
+            <a:fillRef idx="0">
+              <a:schemeClr val="accent1"/>
+            </a:fillRef>
+            <a:effectRef idx="0">
+              <a:schemeClr val="accent1"/>
+            </a:effectRef>
+            <a:fontRef idx="minor">
+              <a:schemeClr val="tx1"/>
+            </a:fontRef>
+          </p:style>
+        </p:cxnSp>
+        <p:cxnSp>
+          <p:nvCxnSpPr>
+            <p:cNvPr id="1208" name="Connettore diritto 1207">
+              <a:extLst>
+                <a:ext uri="{FF2B5EF4-FFF2-40B4-BE49-F238E27FC236}">
+                  <a16:creationId xmlns:a16="http://schemas.microsoft.com/office/drawing/2014/main" id="{2A4C934D-9F37-6E68-4595-A35F0710F2BA}"/>
+                </a:ext>
+              </a:extLst>
+            </p:cNvPr>
+            <p:cNvCxnSpPr>
+              <a:cxnSpLocks/>
+            </p:cNvCxnSpPr>
+            <p:nvPr/>
+          </p:nvCxnSpPr>
+          <p:spPr>
+            <a:xfrm>
+              <a:off x="1028700" y="2367643"/>
+              <a:ext cx="892629" cy="0"/>
+            </a:xfrm>
+            <a:prstGeom prst="line">
+              <a:avLst/>
+            </a:prstGeom>
+            <a:ln w="38100">
+              <a:solidFill>
+                <a:schemeClr val="tx1"/>
+              </a:solidFill>
+            </a:ln>
+          </p:spPr>
+          <p:style>
+            <a:lnRef idx="1">
+              <a:schemeClr val="accent1"/>
+            </a:lnRef>
+            <a:fillRef idx="0">
+              <a:schemeClr val="accent1"/>
+            </a:fillRef>
+            <a:effectRef idx="0">
+              <a:schemeClr val="accent1"/>
+            </a:effectRef>
+            <a:fontRef idx="minor">
+              <a:schemeClr val="tx1"/>
+            </a:fontRef>
+          </p:style>
+        </p:cxnSp>
+        <p:cxnSp>
+          <p:nvCxnSpPr>
+            <p:cNvPr id="1209" name="Connettore diritto 1208">
+              <a:extLst>
+                <a:ext uri="{FF2B5EF4-FFF2-40B4-BE49-F238E27FC236}">
+                  <a16:creationId xmlns:a16="http://schemas.microsoft.com/office/drawing/2014/main" id="{507BD8F3-950E-1C1B-3B4C-563212F9FACD}"/>
+                </a:ext>
+              </a:extLst>
+            </p:cNvPr>
+            <p:cNvCxnSpPr>
+              <a:cxnSpLocks/>
+            </p:cNvCxnSpPr>
+            <p:nvPr/>
+          </p:nvCxnSpPr>
+          <p:spPr>
+            <a:xfrm>
+              <a:off x="1028699" y="2503715"/>
+              <a:ext cx="892629" cy="0"/>
+            </a:xfrm>
+            <a:prstGeom prst="line">
+              <a:avLst/>
+            </a:prstGeom>
+            <a:ln w="38100">
+              <a:solidFill>
+                <a:schemeClr val="tx1"/>
+              </a:solidFill>
+            </a:ln>
+          </p:spPr>
+          <p:style>
+            <a:lnRef idx="1">
+              <a:schemeClr val="accent1"/>
+            </a:lnRef>
+            <a:fillRef idx="0">
+              <a:schemeClr val="accent1"/>
+            </a:fillRef>
+            <a:effectRef idx="0">
+              <a:schemeClr val="accent1"/>
+            </a:effectRef>
+            <a:fontRef idx="minor">
+              <a:schemeClr val="tx1"/>
+            </a:fontRef>
+          </p:style>
+        </p:cxnSp>
+        <p:cxnSp>
+          <p:nvCxnSpPr>
+            <p:cNvPr id="1210" name="Connettore diritto 1209">
+              <a:extLst>
+                <a:ext uri="{FF2B5EF4-FFF2-40B4-BE49-F238E27FC236}">
+                  <a16:creationId xmlns:a16="http://schemas.microsoft.com/office/drawing/2014/main" id="{E102DA87-AD71-E70A-CEA3-78B11CE42140}"/>
+                </a:ext>
+              </a:extLst>
+            </p:cNvPr>
+            <p:cNvCxnSpPr>
+              <a:cxnSpLocks/>
+            </p:cNvCxnSpPr>
+            <p:nvPr/>
+          </p:nvCxnSpPr>
+          <p:spPr>
+            <a:xfrm>
+              <a:off x="1028699" y="2672443"/>
+              <a:ext cx="495301" cy="0"/>
+            </a:xfrm>
+            <a:prstGeom prst="line">
+              <a:avLst/>
+            </a:prstGeom>
+            <a:ln w="38100">
+              <a:solidFill>
+                <a:schemeClr val="tx1"/>
+              </a:solidFill>
+            </a:ln>
+          </p:spPr>
+          <p:style>
+            <a:lnRef idx="1">
+              <a:schemeClr val="accent1"/>
+            </a:lnRef>
+            <a:fillRef idx="0">
+              <a:schemeClr val="accent1"/>
+            </a:fillRef>
+            <a:effectRef idx="0">
+              <a:schemeClr val="accent1"/>
+            </a:effectRef>
+            <a:fontRef idx="minor">
+              <a:schemeClr val="tx1"/>
+            </a:fontRef>
+          </p:style>
+        </p:cxnSp>
+      </p:grpSp>
+      <p:grpSp>
+        <p:nvGrpSpPr>
+          <p:cNvPr id="1221" name="Gruppo 1220">
+            <a:extLst>
+              <a:ext uri="{FF2B5EF4-FFF2-40B4-BE49-F238E27FC236}">
+                <a16:creationId xmlns:a16="http://schemas.microsoft.com/office/drawing/2014/main" id="{1C943102-4098-E27F-E0EA-CB69BDE3F1A7}"/>
+              </a:ext>
+            </a:extLst>
+          </p:cNvPr>
+          <p:cNvGrpSpPr/>
+          <p:nvPr/>
+        </p:nvGrpSpPr>
+        <p:grpSpPr>
+          <a:xfrm>
+            <a:off x="904977" y="2986822"/>
+            <a:ext cx="317775" cy="448556"/>
+            <a:chOff x="911291" y="1250302"/>
+            <a:chExt cx="1138334" cy="1810139"/>
+          </a:xfrm>
+        </p:grpSpPr>
+        <p:sp>
+          <p:nvSpPr>
+            <p:cNvPr id="1222" name="Rettangolo ad angolo ripiegato 1221">
+              <a:extLst>
+                <a:ext uri="{FF2B5EF4-FFF2-40B4-BE49-F238E27FC236}">
+                  <a16:creationId xmlns:a16="http://schemas.microsoft.com/office/drawing/2014/main" id="{8457C405-E27F-BB05-C84A-0ED3AD5173F6}"/>
+                </a:ext>
+              </a:extLst>
+            </p:cNvPr>
+            <p:cNvSpPr/>
+            <p:nvPr/>
+          </p:nvSpPr>
+          <p:spPr>
+            <a:xfrm rot="10800000" flipH="1">
+              <a:off x="911291" y="1250302"/>
+              <a:ext cx="1138334" cy="1810139"/>
+            </a:xfrm>
+            <a:prstGeom prst="foldedCorner">
+              <a:avLst>
+                <a:gd name="adj" fmla="val 41257"/>
+              </a:avLst>
+            </a:prstGeom>
+            <a:solidFill>
+              <a:schemeClr val="bg1"/>
+            </a:solidFill>
+            <a:ln>
+              <a:solidFill>
+                <a:schemeClr val="tx1"/>
+              </a:solidFill>
+            </a:ln>
+          </p:spPr>
+          <p:style>
+            <a:lnRef idx="2">
+              <a:schemeClr val="accent1">
+                <a:shade val="15000"/>
+              </a:schemeClr>
+            </a:lnRef>
+            <a:fillRef idx="1">
+              <a:schemeClr val="accent1"/>
+            </a:fillRef>
+            <a:effectRef idx="0">
+              <a:schemeClr val="accent1"/>
+            </a:effectRef>
+            <a:fontRef idx="minor">
+              <a:schemeClr val="lt1"/>
+            </a:fontRef>
+          </p:style>
+          <p:txBody>
+            <a:bodyPr rtlCol="0" anchor="ctr"/>
+            <a:lstStyle/>
+            <a:p>
+              <a:pPr algn="ctr"/>
+              <a:endParaRPr lang="en-US"/>
+            </a:p>
+          </p:txBody>
+        </p:sp>
+        <p:cxnSp>
+          <p:nvCxnSpPr>
+            <p:cNvPr id="1223" name="Connettore diritto 1222">
+              <a:extLst>
+                <a:ext uri="{FF2B5EF4-FFF2-40B4-BE49-F238E27FC236}">
+                  <a16:creationId xmlns:a16="http://schemas.microsoft.com/office/drawing/2014/main" id="{74671BF9-4F98-0735-4047-512E26E8BFDC}"/>
+                </a:ext>
+              </a:extLst>
+            </p:cNvPr>
+            <p:cNvCxnSpPr/>
+            <p:nvPr/>
+          </p:nvCxnSpPr>
+          <p:spPr>
+            <a:xfrm>
+              <a:off x="1028700" y="1480458"/>
+              <a:ext cx="544286" cy="0"/>
+            </a:xfrm>
+            <a:prstGeom prst="line">
+              <a:avLst/>
+            </a:prstGeom>
+            <a:ln w="38100">
+              <a:solidFill>
+                <a:schemeClr val="tx1"/>
+              </a:solidFill>
+            </a:ln>
+          </p:spPr>
+          <p:style>
+            <a:lnRef idx="1">
+              <a:schemeClr val="accent1"/>
+            </a:lnRef>
+            <a:fillRef idx="0">
+              <a:schemeClr val="accent1"/>
+            </a:fillRef>
+            <a:effectRef idx="0">
+              <a:schemeClr val="accent1"/>
+            </a:effectRef>
+            <a:fontRef idx="minor">
+              <a:schemeClr val="tx1"/>
+            </a:fontRef>
+          </p:style>
+        </p:cxnSp>
+        <p:cxnSp>
+          <p:nvCxnSpPr>
+            <p:cNvPr id="1224" name="Connettore diritto 1223">
+              <a:extLst>
+                <a:ext uri="{FF2B5EF4-FFF2-40B4-BE49-F238E27FC236}">
+                  <a16:creationId xmlns:a16="http://schemas.microsoft.com/office/drawing/2014/main" id="{F8BF52C9-4070-BCAB-C8FC-855869CF81FF}"/>
+                </a:ext>
+              </a:extLst>
+            </p:cNvPr>
+            <p:cNvCxnSpPr/>
+            <p:nvPr/>
+          </p:nvCxnSpPr>
+          <p:spPr>
+            <a:xfrm>
+              <a:off x="1028700" y="1649186"/>
+              <a:ext cx="544286" cy="0"/>
+            </a:xfrm>
+            <a:prstGeom prst="line">
+              <a:avLst/>
+            </a:prstGeom>
+            <a:ln w="38100">
+              <a:solidFill>
+                <a:schemeClr val="tx1"/>
+              </a:solidFill>
+            </a:ln>
+          </p:spPr>
+          <p:style>
+            <a:lnRef idx="1">
+              <a:schemeClr val="accent1"/>
+            </a:lnRef>
+            <a:fillRef idx="0">
+              <a:schemeClr val="accent1"/>
+            </a:fillRef>
+            <a:effectRef idx="0">
+              <a:schemeClr val="accent1"/>
+            </a:effectRef>
+            <a:fontRef idx="minor">
+              <a:schemeClr val="tx1"/>
+            </a:fontRef>
+          </p:style>
+        </p:cxnSp>
+        <p:cxnSp>
+          <p:nvCxnSpPr>
+            <p:cNvPr id="1225" name="Connettore diritto 1224">
+              <a:extLst>
+                <a:ext uri="{FF2B5EF4-FFF2-40B4-BE49-F238E27FC236}">
+                  <a16:creationId xmlns:a16="http://schemas.microsoft.com/office/drawing/2014/main" id="{BB070DA9-C9EA-68E5-30F1-2ED34AB7DAA0}"/>
+                </a:ext>
+              </a:extLst>
+            </p:cNvPr>
+            <p:cNvCxnSpPr>
+              <a:cxnSpLocks/>
+            </p:cNvCxnSpPr>
+            <p:nvPr/>
+          </p:nvCxnSpPr>
+          <p:spPr>
+            <a:xfrm>
+              <a:off x="1028700" y="1856015"/>
+              <a:ext cx="892629" cy="0"/>
+            </a:xfrm>
+            <a:prstGeom prst="line">
+              <a:avLst/>
+            </a:prstGeom>
+            <a:ln w="38100">
+              <a:solidFill>
+                <a:schemeClr val="tx1"/>
+              </a:solidFill>
+            </a:ln>
+          </p:spPr>
+          <p:style>
+            <a:lnRef idx="1">
+              <a:schemeClr val="accent1"/>
+            </a:lnRef>
+            <a:fillRef idx="0">
+              <a:schemeClr val="accent1"/>
+            </a:fillRef>
+            <a:effectRef idx="0">
+              <a:schemeClr val="accent1"/>
+            </a:effectRef>
+            <a:fontRef idx="minor">
+              <a:schemeClr val="tx1"/>
+            </a:fontRef>
+          </p:style>
+        </p:cxnSp>
+        <p:cxnSp>
+          <p:nvCxnSpPr>
+            <p:cNvPr id="1226" name="Connettore diritto 1225">
+              <a:extLst>
+                <a:ext uri="{FF2B5EF4-FFF2-40B4-BE49-F238E27FC236}">
+                  <a16:creationId xmlns:a16="http://schemas.microsoft.com/office/drawing/2014/main" id="{4A4F59AE-B8FB-AF16-72D2-827D541E9776}"/>
+                </a:ext>
+              </a:extLst>
+            </p:cNvPr>
+            <p:cNvCxnSpPr>
+              <a:cxnSpLocks/>
+            </p:cNvCxnSpPr>
+            <p:nvPr/>
+          </p:nvCxnSpPr>
+          <p:spPr>
+            <a:xfrm>
+              <a:off x="1028700" y="2024743"/>
+              <a:ext cx="892629" cy="0"/>
+            </a:xfrm>
+            <a:prstGeom prst="line">
+              <a:avLst/>
+            </a:prstGeom>
+            <a:ln w="38100">
+              <a:solidFill>
+                <a:schemeClr val="tx1"/>
+              </a:solidFill>
+            </a:ln>
+          </p:spPr>
+          <p:style>
+            <a:lnRef idx="1">
+              <a:schemeClr val="accent1"/>
+            </a:lnRef>
+            <a:fillRef idx="0">
+              <a:schemeClr val="accent1"/>
+            </a:fillRef>
+            <a:effectRef idx="0">
+              <a:schemeClr val="accent1"/>
+            </a:effectRef>
+            <a:fontRef idx="minor">
+              <a:schemeClr val="tx1"/>
+            </a:fontRef>
+          </p:style>
+        </p:cxnSp>
+        <p:cxnSp>
+          <p:nvCxnSpPr>
+            <p:cNvPr id="1227" name="Connettore diritto 1226">
+              <a:extLst>
+                <a:ext uri="{FF2B5EF4-FFF2-40B4-BE49-F238E27FC236}">
+                  <a16:creationId xmlns:a16="http://schemas.microsoft.com/office/drawing/2014/main" id="{93D35FA8-46EA-BB74-5271-9A84B608EB48}"/>
+                </a:ext>
+              </a:extLst>
+            </p:cNvPr>
+            <p:cNvCxnSpPr>
+              <a:cxnSpLocks/>
+            </p:cNvCxnSpPr>
+            <p:nvPr/>
+          </p:nvCxnSpPr>
+          <p:spPr>
+            <a:xfrm>
+              <a:off x="1028700" y="2198915"/>
+              <a:ext cx="892629" cy="0"/>
+            </a:xfrm>
+            <a:prstGeom prst="line">
+              <a:avLst/>
+            </a:prstGeom>
+            <a:ln w="38100">
+              <a:solidFill>
+                <a:schemeClr val="tx1"/>
+              </a:solidFill>
+            </a:ln>
+          </p:spPr>
+          <p:style>
+            <a:lnRef idx="1">
+              <a:schemeClr val="accent1"/>
+            </a:lnRef>
+            <a:fillRef idx="0">
+              <a:schemeClr val="accent1"/>
+            </a:fillRef>
+            <a:effectRef idx="0">
+              <a:schemeClr val="accent1"/>
+            </a:effectRef>
+            <a:fontRef idx="minor">
+              <a:schemeClr val="tx1"/>
+            </a:fontRef>
+          </p:style>
+        </p:cxnSp>
+        <p:cxnSp>
+          <p:nvCxnSpPr>
+            <p:cNvPr id="1228" name="Connettore diritto 1227">
+              <a:extLst>
+                <a:ext uri="{FF2B5EF4-FFF2-40B4-BE49-F238E27FC236}">
+                  <a16:creationId xmlns:a16="http://schemas.microsoft.com/office/drawing/2014/main" id="{7164DF55-488D-1D0F-4CD2-278E87CC51F1}"/>
+                </a:ext>
+              </a:extLst>
+            </p:cNvPr>
+            <p:cNvCxnSpPr>
+              <a:cxnSpLocks/>
+            </p:cNvCxnSpPr>
+            <p:nvPr/>
+          </p:nvCxnSpPr>
+          <p:spPr>
+            <a:xfrm>
+              <a:off x="1028700" y="2367643"/>
+              <a:ext cx="892629" cy="0"/>
+            </a:xfrm>
+            <a:prstGeom prst="line">
+              <a:avLst/>
+            </a:prstGeom>
+            <a:ln w="38100">
+              <a:solidFill>
+                <a:schemeClr val="tx1"/>
+              </a:solidFill>
+            </a:ln>
+          </p:spPr>
+          <p:style>
+            <a:lnRef idx="1">
+              <a:schemeClr val="accent1"/>
+            </a:lnRef>
+            <a:fillRef idx="0">
+              <a:schemeClr val="accent1"/>
+            </a:fillRef>
+            <a:effectRef idx="0">
+              <a:schemeClr val="accent1"/>
+            </a:effectRef>
+            <a:fontRef idx="minor">
+              <a:schemeClr val="tx1"/>
+            </a:fontRef>
+          </p:style>
+        </p:cxnSp>
+        <p:cxnSp>
+          <p:nvCxnSpPr>
+            <p:cNvPr id="1229" name="Connettore diritto 1228">
+              <a:extLst>
+                <a:ext uri="{FF2B5EF4-FFF2-40B4-BE49-F238E27FC236}">
+                  <a16:creationId xmlns:a16="http://schemas.microsoft.com/office/drawing/2014/main" id="{37CCB9C9-C82B-86FB-1594-898F708FE7B5}"/>
+                </a:ext>
+              </a:extLst>
+            </p:cNvPr>
+            <p:cNvCxnSpPr>
+              <a:cxnSpLocks/>
+            </p:cNvCxnSpPr>
+            <p:nvPr/>
+          </p:nvCxnSpPr>
+          <p:spPr>
+            <a:xfrm>
+              <a:off x="1028699" y="2503715"/>
+              <a:ext cx="892629" cy="0"/>
+            </a:xfrm>
+            <a:prstGeom prst="line">
+              <a:avLst/>
+            </a:prstGeom>
+            <a:ln w="38100">
+              <a:solidFill>
+                <a:schemeClr val="tx1"/>
+              </a:solidFill>
+            </a:ln>
+          </p:spPr>
+          <p:style>
+            <a:lnRef idx="1">
+              <a:schemeClr val="accent1"/>
+            </a:lnRef>
+            <a:fillRef idx="0">
+              <a:schemeClr val="accent1"/>
+            </a:fillRef>
+            <a:effectRef idx="0">
+              <a:schemeClr val="accent1"/>
+            </a:effectRef>
+            <a:fontRef idx="minor">
+              <a:schemeClr val="tx1"/>
+            </a:fontRef>
+          </p:style>
+        </p:cxnSp>
+        <p:cxnSp>
+          <p:nvCxnSpPr>
+            <p:cNvPr id="1230" name="Connettore diritto 1229">
+              <a:extLst>
+                <a:ext uri="{FF2B5EF4-FFF2-40B4-BE49-F238E27FC236}">
+                  <a16:creationId xmlns:a16="http://schemas.microsoft.com/office/drawing/2014/main" id="{6A3A10EC-D79C-198B-82DC-CE933BEDD4A5}"/>
+                </a:ext>
+              </a:extLst>
+            </p:cNvPr>
+            <p:cNvCxnSpPr>
+              <a:cxnSpLocks/>
+            </p:cNvCxnSpPr>
+            <p:nvPr/>
+          </p:nvCxnSpPr>
+          <p:spPr>
+            <a:xfrm>
+              <a:off x="1028699" y="2672443"/>
+              <a:ext cx="495301" cy="0"/>
+            </a:xfrm>
+            <a:prstGeom prst="line">
+              <a:avLst/>
+            </a:prstGeom>
+            <a:ln w="38100">
+              <a:solidFill>
+                <a:schemeClr val="tx1"/>
+              </a:solidFill>
+            </a:ln>
+          </p:spPr>
+          <p:style>
+            <a:lnRef idx="1">
+              <a:schemeClr val="accent1"/>
+            </a:lnRef>
+            <a:fillRef idx="0">
+              <a:schemeClr val="accent1"/>
+            </a:fillRef>
+            <a:effectRef idx="0">
+              <a:schemeClr val="accent1"/>
+            </a:effectRef>
+            <a:fontRef idx="minor">
+              <a:schemeClr val="tx1"/>
+            </a:fontRef>
+          </p:style>
+        </p:cxnSp>
+      </p:grpSp>
+      <p:grpSp>
+        <p:nvGrpSpPr>
+          <p:cNvPr id="1231" name="Gruppo 1230">
+            <a:extLst>
+              <a:ext uri="{FF2B5EF4-FFF2-40B4-BE49-F238E27FC236}">
+                <a16:creationId xmlns:a16="http://schemas.microsoft.com/office/drawing/2014/main" id="{C56E7F6E-EA0F-C2A4-D398-4762F9B3056B}"/>
+              </a:ext>
+            </a:extLst>
+          </p:cNvPr>
+          <p:cNvGrpSpPr/>
+          <p:nvPr/>
+        </p:nvGrpSpPr>
+        <p:grpSpPr>
+          <a:xfrm>
+            <a:off x="1810804" y="2912641"/>
+            <a:ext cx="317775" cy="448556"/>
+            <a:chOff x="911291" y="1250302"/>
+            <a:chExt cx="1138334" cy="1810139"/>
+          </a:xfrm>
+        </p:grpSpPr>
+        <p:sp>
+          <p:nvSpPr>
+            <p:cNvPr id="1232" name="Rettangolo ad angolo ripiegato 1231">
+              <a:extLst>
+                <a:ext uri="{FF2B5EF4-FFF2-40B4-BE49-F238E27FC236}">
+                  <a16:creationId xmlns:a16="http://schemas.microsoft.com/office/drawing/2014/main" id="{B42F2D75-25FA-9C6D-631A-170BE9412A3C}"/>
+                </a:ext>
+              </a:extLst>
+            </p:cNvPr>
+            <p:cNvSpPr/>
+            <p:nvPr/>
+          </p:nvSpPr>
+          <p:spPr>
+            <a:xfrm rot="10800000" flipH="1">
+              <a:off x="911291" y="1250302"/>
+              <a:ext cx="1138334" cy="1810139"/>
+            </a:xfrm>
+            <a:prstGeom prst="foldedCorner">
+              <a:avLst>
+                <a:gd name="adj" fmla="val 41257"/>
+              </a:avLst>
+            </a:prstGeom>
+            <a:solidFill>
+              <a:schemeClr val="bg1"/>
+            </a:solidFill>
+            <a:ln>
+              <a:solidFill>
+                <a:schemeClr val="tx1"/>
+              </a:solidFill>
+            </a:ln>
+          </p:spPr>
+          <p:style>
+            <a:lnRef idx="2">
+              <a:schemeClr val="accent1">
+                <a:shade val="15000"/>
+              </a:schemeClr>
+            </a:lnRef>
+            <a:fillRef idx="1">
+              <a:schemeClr val="accent1"/>
+            </a:fillRef>
+            <a:effectRef idx="0">
+              <a:schemeClr val="accent1"/>
+            </a:effectRef>
+            <a:fontRef idx="minor">
+              <a:schemeClr val="lt1"/>
+            </a:fontRef>
+          </p:style>
+          <p:txBody>
+            <a:bodyPr rtlCol="0" anchor="ctr"/>
+            <a:lstStyle/>
+            <a:p>
+              <a:pPr algn="ctr"/>
+              <a:endParaRPr lang="en-US"/>
+            </a:p>
+          </p:txBody>
+        </p:sp>
+        <p:cxnSp>
+          <p:nvCxnSpPr>
+            <p:cNvPr id="1233" name="Connettore diritto 1232">
+              <a:extLst>
+                <a:ext uri="{FF2B5EF4-FFF2-40B4-BE49-F238E27FC236}">
+                  <a16:creationId xmlns:a16="http://schemas.microsoft.com/office/drawing/2014/main" id="{08371307-AB0F-2AA7-B878-4C1089D6F3EB}"/>
+                </a:ext>
+              </a:extLst>
+            </p:cNvPr>
+            <p:cNvCxnSpPr/>
+            <p:nvPr/>
+          </p:nvCxnSpPr>
+          <p:spPr>
+            <a:xfrm>
+              <a:off x="1028700" y="1480458"/>
+              <a:ext cx="544286" cy="0"/>
+            </a:xfrm>
+            <a:prstGeom prst="line">
+              <a:avLst/>
+            </a:prstGeom>
+            <a:ln w="38100">
+              <a:solidFill>
+                <a:schemeClr val="tx1"/>
+              </a:solidFill>
+            </a:ln>
+          </p:spPr>
+          <p:style>
+            <a:lnRef idx="1">
+              <a:schemeClr val="accent1"/>
+            </a:lnRef>
+            <a:fillRef idx="0">
+              <a:schemeClr val="accent1"/>
+            </a:fillRef>
+            <a:effectRef idx="0">
+              <a:schemeClr val="accent1"/>
+            </a:effectRef>
+            <a:fontRef idx="minor">
+              <a:schemeClr val="tx1"/>
+            </a:fontRef>
+          </p:style>
+        </p:cxnSp>
+        <p:cxnSp>
+          <p:nvCxnSpPr>
+            <p:cNvPr id="1234" name="Connettore diritto 1233">
+              <a:extLst>
+                <a:ext uri="{FF2B5EF4-FFF2-40B4-BE49-F238E27FC236}">
+                  <a16:creationId xmlns:a16="http://schemas.microsoft.com/office/drawing/2014/main" id="{112987EF-F1DB-E085-5A65-96ECF8BC73DB}"/>
+                </a:ext>
+              </a:extLst>
+            </p:cNvPr>
+            <p:cNvCxnSpPr/>
+            <p:nvPr/>
+          </p:nvCxnSpPr>
+          <p:spPr>
+            <a:xfrm>
+              <a:off x="1028700" y="1649186"/>
+              <a:ext cx="544286" cy="0"/>
+            </a:xfrm>
+            <a:prstGeom prst="line">
+              <a:avLst/>
+            </a:prstGeom>
+            <a:ln w="38100">
+              <a:solidFill>
+                <a:schemeClr val="tx1"/>
+              </a:solidFill>
+            </a:ln>
+          </p:spPr>
+          <p:style>
+            <a:lnRef idx="1">
+              <a:schemeClr val="accent1"/>
+            </a:lnRef>
+            <a:fillRef idx="0">
+              <a:schemeClr val="accent1"/>
+            </a:fillRef>
+            <a:effectRef idx="0">
+              <a:schemeClr val="accent1"/>
+            </a:effectRef>
+            <a:fontRef idx="minor">
+              <a:schemeClr val="tx1"/>
+            </a:fontRef>
+          </p:style>
+        </p:cxnSp>
+        <p:cxnSp>
+          <p:nvCxnSpPr>
+            <p:cNvPr id="1235" name="Connettore diritto 1234">
+              <a:extLst>
+                <a:ext uri="{FF2B5EF4-FFF2-40B4-BE49-F238E27FC236}">
+                  <a16:creationId xmlns:a16="http://schemas.microsoft.com/office/drawing/2014/main" id="{AB626DFC-09AA-7D36-0B53-1BED8739938F}"/>
+                </a:ext>
+              </a:extLst>
+            </p:cNvPr>
+            <p:cNvCxnSpPr>
+              <a:cxnSpLocks/>
+            </p:cNvCxnSpPr>
+            <p:nvPr/>
+          </p:nvCxnSpPr>
+          <p:spPr>
+            <a:xfrm>
+              <a:off x="1028700" y="1856015"/>
+              <a:ext cx="892629" cy="0"/>
+            </a:xfrm>
+            <a:prstGeom prst="line">
+              <a:avLst/>
+            </a:prstGeom>
+            <a:ln w="38100">
+              <a:solidFill>
+                <a:schemeClr val="tx1"/>
+              </a:solidFill>
+            </a:ln>
+          </p:spPr>
+          <p:style>
+            <a:lnRef idx="1">
+              <a:schemeClr val="accent1"/>
+            </a:lnRef>
+            <a:fillRef idx="0">
+              <a:schemeClr val="accent1"/>
+            </a:fillRef>
+            <a:effectRef idx="0">
+              <a:schemeClr val="accent1"/>
+            </a:effectRef>
+            <a:fontRef idx="minor">
+              <a:schemeClr val="tx1"/>
+            </a:fontRef>
+          </p:style>
+        </p:cxnSp>
+        <p:cxnSp>
+          <p:nvCxnSpPr>
+            <p:cNvPr id="1236" name="Connettore diritto 1235">
+              <a:extLst>
+                <a:ext uri="{FF2B5EF4-FFF2-40B4-BE49-F238E27FC236}">
+                  <a16:creationId xmlns:a16="http://schemas.microsoft.com/office/drawing/2014/main" id="{F539AEF0-063F-1761-CF19-844C8B5A133A}"/>
+                </a:ext>
+              </a:extLst>
+            </p:cNvPr>
+            <p:cNvCxnSpPr>
+              <a:cxnSpLocks/>
+            </p:cNvCxnSpPr>
+            <p:nvPr/>
+          </p:nvCxnSpPr>
+          <p:spPr>
+            <a:xfrm>
+              <a:off x="1028700" y="2024743"/>
+              <a:ext cx="892629" cy="0"/>
+            </a:xfrm>
+            <a:prstGeom prst="line">
+              <a:avLst/>
+            </a:prstGeom>
+            <a:ln w="38100">
+              <a:solidFill>
+                <a:schemeClr val="tx1"/>
+              </a:solidFill>
+            </a:ln>
+          </p:spPr>
+          <p:style>
+            <a:lnRef idx="1">
+              <a:schemeClr val="accent1"/>
+            </a:lnRef>
+            <a:fillRef idx="0">
+              <a:schemeClr val="accent1"/>
+            </a:fillRef>
+            <a:effectRef idx="0">
+              <a:schemeClr val="accent1"/>
+            </a:effectRef>
+            <a:fontRef idx="minor">
+              <a:schemeClr val="tx1"/>
+            </a:fontRef>
+          </p:style>
+        </p:cxnSp>
+        <p:cxnSp>
+          <p:nvCxnSpPr>
+            <p:cNvPr id="1237" name="Connettore diritto 1236">
+              <a:extLst>
+                <a:ext uri="{FF2B5EF4-FFF2-40B4-BE49-F238E27FC236}">
+                  <a16:creationId xmlns:a16="http://schemas.microsoft.com/office/drawing/2014/main" id="{71A616EA-B35E-9B8E-29E2-0DF569D8A1E9}"/>
+                </a:ext>
+              </a:extLst>
+            </p:cNvPr>
+            <p:cNvCxnSpPr>
+              <a:cxnSpLocks/>
+            </p:cNvCxnSpPr>
+            <p:nvPr/>
+          </p:nvCxnSpPr>
+          <p:spPr>
+            <a:xfrm>
+              <a:off x="1028700" y="2198915"/>
+              <a:ext cx="892629" cy="0"/>
+            </a:xfrm>
+            <a:prstGeom prst="line">
+              <a:avLst/>
+            </a:prstGeom>
+            <a:ln w="38100">
+              <a:solidFill>
+                <a:schemeClr val="tx1"/>
+              </a:solidFill>
+            </a:ln>
+          </p:spPr>
+          <p:style>
+            <a:lnRef idx="1">
+              <a:schemeClr val="accent1"/>
+            </a:lnRef>
+            <a:fillRef idx="0">
+              <a:schemeClr val="accent1"/>
+            </a:fillRef>
+            <a:effectRef idx="0">
+              <a:schemeClr val="accent1"/>
+            </a:effectRef>
+            <a:fontRef idx="minor">
+              <a:schemeClr val="tx1"/>
+            </a:fontRef>
+          </p:style>
+        </p:cxnSp>
+        <p:cxnSp>
+          <p:nvCxnSpPr>
+            <p:cNvPr id="1238" name="Connettore diritto 1237">
+              <a:extLst>
+                <a:ext uri="{FF2B5EF4-FFF2-40B4-BE49-F238E27FC236}">
+                  <a16:creationId xmlns:a16="http://schemas.microsoft.com/office/drawing/2014/main" id="{B97AC394-E49F-5CCA-856D-BAD589806BDF}"/>
+                </a:ext>
+              </a:extLst>
+            </p:cNvPr>
+            <p:cNvCxnSpPr>
+              <a:cxnSpLocks/>
+            </p:cNvCxnSpPr>
+            <p:nvPr/>
+          </p:nvCxnSpPr>
+          <p:spPr>
+            <a:xfrm>
+              <a:off x="1028700" y="2367643"/>
+              <a:ext cx="892629" cy="0"/>
+            </a:xfrm>
+            <a:prstGeom prst="line">
+              <a:avLst/>
+            </a:prstGeom>
+            <a:ln w="38100">
+              <a:solidFill>
+                <a:schemeClr val="tx1"/>
+              </a:solidFill>
+            </a:ln>
+          </p:spPr>
+          <p:style>
+            <a:lnRef idx="1">
+              <a:schemeClr val="accent1"/>
+            </a:lnRef>
+            <a:fillRef idx="0">
+              <a:schemeClr val="accent1"/>
+            </a:fillRef>
+            <a:effectRef idx="0">
+              <a:schemeClr val="accent1"/>
+            </a:effectRef>
+            <a:fontRef idx="minor">
+              <a:schemeClr val="tx1"/>
+            </a:fontRef>
+          </p:style>
+        </p:cxnSp>
+        <p:cxnSp>
+          <p:nvCxnSpPr>
+            <p:cNvPr id="1239" name="Connettore diritto 1238">
+              <a:extLst>
+                <a:ext uri="{FF2B5EF4-FFF2-40B4-BE49-F238E27FC236}">
+                  <a16:creationId xmlns:a16="http://schemas.microsoft.com/office/drawing/2014/main" id="{BCE13BC4-B3A8-B969-5029-E4C7114E51F3}"/>
+                </a:ext>
+              </a:extLst>
+            </p:cNvPr>
+            <p:cNvCxnSpPr>
+              <a:cxnSpLocks/>
+            </p:cNvCxnSpPr>
+            <p:nvPr/>
+          </p:nvCxnSpPr>
+          <p:spPr>
+            <a:xfrm>
+              <a:off x="1028699" y="2503715"/>
+              <a:ext cx="892629" cy="0"/>
+            </a:xfrm>
+            <a:prstGeom prst="line">
+              <a:avLst/>
+            </a:prstGeom>
+            <a:ln w="38100">
+              <a:solidFill>
+                <a:schemeClr val="tx1"/>
+              </a:solidFill>
+            </a:ln>
+          </p:spPr>
+          <p:style>
+            <a:lnRef idx="1">
+              <a:schemeClr val="accent1"/>
+            </a:lnRef>
+            <a:fillRef idx="0">
+              <a:schemeClr val="accent1"/>
+            </a:fillRef>
+            <a:effectRef idx="0">
+              <a:schemeClr val="accent1"/>
+            </a:effectRef>
+            <a:fontRef idx="minor">
+              <a:schemeClr val="tx1"/>
+            </a:fontRef>
+          </p:style>
+        </p:cxnSp>
+        <p:cxnSp>
+          <p:nvCxnSpPr>
+            <p:cNvPr id="1240" name="Connettore diritto 1239">
+              <a:extLst>
+                <a:ext uri="{FF2B5EF4-FFF2-40B4-BE49-F238E27FC236}">
+                  <a16:creationId xmlns:a16="http://schemas.microsoft.com/office/drawing/2014/main" id="{E1F153B9-7C86-6E28-EF42-84F17AC68A96}"/>
+                </a:ext>
+              </a:extLst>
+            </p:cNvPr>
+            <p:cNvCxnSpPr>
+              <a:cxnSpLocks/>
+            </p:cNvCxnSpPr>
+            <p:nvPr/>
+          </p:nvCxnSpPr>
+          <p:spPr>
+            <a:xfrm>
+              <a:off x="1028699" y="2672443"/>
+              <a:ext cx="495301" cy="0"/>
+            </a:xfrm>
+            <a:prstGeom prst="line">
+              <a:avLst/>
+            </a:prstGeom>
+            <a:ln w="38100">
+              <a:solidFill>
+                <a:schemeClr val="tx1"/>
+              </a:solidFill>
+            </a:ln>
+          </p:spPr>
+          <p:style>
+            <a:lnRef idx="1">
+              <a:schemeClr val="accent1"/>
+            </a:lnRef>
+            <a:fillRef idx="0">
+              <a:schemeClr val="accent1"/>
+            </a:fillRef>
+            <a:effectRef idx="0">
+              <a:schemeClr val="accent1"/>
+            </a:effectRef>
+            <a:fontRef idx="minor">
+              <a:schemeClr val="tx1"/>
+            </a:fontRef>
+          </p:style>
+        </p:cxnSp>
+      </p:grpSp>
+      <p:cxnSp>
+        <p:nvCxnSpPr>
+          <p:cNvPr id="1251" name="Connettore diritto 1250">
+            <a:extLst>
+              <a:ext uri="{FF2B5EF4-FFF2-40B4-BE49-F238E27FC236}">
+                <a16:creationId xmlns:a16="http://schemas.microsoft.com/office/drawing/2014/main" id="{18F53A7F-88B1-3578-DA9F-A60B5A6B28F4}"/>
+              </a:ext>
+            </a:extLst>
+          </p:cNvPr>
+          <p:cNvCxnSpPr>
+            <a:cxnSpLocks/>
+            <a:stCxn id="1154" idx="1"/>
+            <a:endCxn id="1144" idx="3"/>
+          </p:cNvCxnSpPr>
+          <p:nvPr/>
+        </p:nvCxnSpPr>
+        <p:spPr>
+          <a:xfrm flipH="1" flipV="1">
+            <a:off x="567267" y="3348478"/>
+            <a:ext cx="262255" cy="762641"/>
+          </a:xfrm>
+          <a:prstGeom prst="line">
+            <a:avLst/>
+          </a:prstGeom>
+          <a:ln w="38100">
+            <a:solidFill>
+              <a:schemeClr val="tx1"/>
+            </a:solidFill>
+          </a:ln>
+        </p:spPr>
+        <p:style>
+          <a:lnRef idx="1">
+            <a:schemeClr val="accent1"/>
+          </a:lnRef>
+          <a:fillRef idx="0">
+            <a:schemeClr val="accent1"/>
+          </a:fillRef>
+          <a:effectRef idx="0">
+            <a:schemeClr val="accent1"/>
+          </a:effectRef>
+          <a:fontRef idx="minor">
+            <a:schemeClr val="tx1"/>
+          </a:fontRef>
+        </p:style>
+      </p:cxnSp>
+      <p:cxnSp>
+        <p:nvCxnSpPr>
+          <p:cNvPr id="1254" name="Connettore diritto 1253">
+            <a:extLst>
+              <a:ext uri="{FF2B5EF4-FFF2-40B4-BE49-F238E27FC236}">
+                <a16:creationId xmlns:a16="http://schemas.microsoft.com/office/drawing/2014/main" id="{81C3735F-027E-E556-E363-16C69C7B1C28}"/>
+              </a:ext>
+            </a:extLst>
+          </p:cNvPr>
+          <p:cNvCxnSpPr>
+            <a:cxnSpLocks/>
+            <a:stCxn id="1154" idx="1"/>
+            <a:endCxn id="1192" idx="3"/>
+          </p:cNvCxnSpPr>
+          <p:nvPr/>
+        </p:nvCxnSpPr>
+        <p:spPr>
+          <a:xfrm flipH="1" flipV="1">
+            <a:off x="567267" y="3984345"/>
+            <a:ext cx="262255" cy="126774"/>
+          </a:xfrm>
+          <a:prstGeom prst="line">
+            <a:avLst/>
+          </a:prstGeom>
+          <a:ln w="38100">
+            <a:solidFill>
+              <a:schemeClr val="tx1"/>
+            </a:solidFill>
+          </a:ln>
+        </p:spPr>
+        <p:style>
+          <a:lnRef idx="1">
+            <a:schemeClr val="accent1"/>
+          </a:lnRef>
+          <a:fillRef idx="0">
+            <a:schemeClr val="accent1"/>
+          </a:fillRef>
+          <a:effectRef idx="0">
+            <a:schemeClr val="accent1"/>
+          </a:effectRef>
+          <a:fontRef idx="minor">
+            <a:schemeClr val="tx1"/>
+          </a:fontRef>
+        </p:style>
+      </p:cxnSp>
+      <p:cxnSp>
+        <p:nvCxnSpPr>
+          <p:cNvPr id="1257" name="Connettore diritto 1256">
+            <a:extLst>
+              <a:ext uri="{FF2B5EF4-FFF2-40B4-BE49-F238E27FC236}">
+                <a16:creationId xmlns:a16="http://schemas.microsoft.com/office/drawing/2014/main" id="{98272ECE-8A32-A30F-A28E-7E7B87B8B6B7}"/>
+              </a:ext>
+            </a:extLst>
+          </p:cNvPr>
+          <p:cNvCxnSpPr>
+            <a:cxnSpLocks/>
+            <a:stCxn id="1222" idx="1"/>
+            <a:endCxn id="1144" idx="3"/>
+          </p:cNvCxnSpPr>
+          <p:nvPr/>
+        </p:nvCxnSpPr>
+        <p:spPr>
+          <a:xfrm flipH="1">
+            <a:off x="567267" y="3211100"/>
+            <a:ext cx="337710" cy="137378"/>
+          </a:xfrm>
+          <a:prstGeom prst="line">
+            <a:avLst/>
+          </a:prstGeom>
+          <a:ln w="38100">
+            <a:solidFill>
+              <a:schemeClr val="tx1"/>
+            </a:solidFill>
+          </a:ln>
+        </p:spPr>
+        <p:style>
+          <a:lnRef idx="1">
+            <a:schemeClr val="accent1"/>
+          </a:lnRef>
+          <a:fillRef idx="0">
+            <a:schemeClr val="accent1"/>
+          </a:fillRef>
+          <a:effectRef idx="0">
+            <a:schemeClr val="accent1"/>
+          </a:effectRef>
+          <a:fontRef idx="minor">
+            <a:schemeClr val="tx1"/>
+          </a:fontRef>
+        </p:style>
+      </p:cxnSp>
+      <p:cxnSp>
+        <p:nvCxnSpPr>
+          <p:cNvPr id="1260" name="Connettore diritto 1259">
+            <a:extLst>
+              <a:ext uri="{FF2B5EF4-FFF2-40B4-BE49-F238E27FC236}">
+                <a16:creationId xmlns:a16="http://schemas.microsoft.com/office/drawing/2014/main" id="{515193FE-50AB-DFBB-6CEF-549AA8A78C14}"/>
+              </a:ext>
+            </a:extLst>
+          </p:cNvPr>
+          <p:cNvCxnSpPr>
+            <a:cxnSpLocks/>
+            <a:stCxn id="1202" idx="1"/>
+            <a:endCxn id="1144" idx="3"/>
+          </p:cNvCxnSpPr>
+          <p:nvPr/>
+        </p:nvCxnSpPr>
+        <p:spPr>
+          <a:xfrm flipH="1" flipV="1">
+            <a:off x="567267" y="3348478"/>
+            <a:ext cx="845778" cy="373033"/>
+          </a:xfrm>
+          <a:prstGeom prst="line">
+            <a:avLst/>
+          </a:prstGeom>
+          <a:ln w="38100">
+            <a:solidFill>
+              <a:schemeClr val="tx1"/>
+            </a:solidFill>
+          </a:ln>
+        </p:spPr>
+        <p:style>
+          <a:lnRef idx="1">
+            <a:schemeClr val="accent1"/>
+          </a:lnRef>
+          <a:fillRef idx="0">
+            <a:schemeClr val="accent1"/>
+          </a:fillRef>
+          <a:effectRef idx="0">
+            <a:schemeClr val="accent1"/>
+          </a:effectRef>
+          <a:fontRef idx="minor">
+            <a:schemeClr val="tx1"/>
+          </a:fontRef>
+        </p:style>
+      </p:cxnSp>
+      <p:cxnSp>
+        <p:nvCxnSpPr>
+          <p:cNvPr id="1263" name="Connettore diritto 1262">
+            <a:extLst>
+              <a:ext uri="{FF2B5EF4-FFF2-40B4-BE49-F238E27FC236}">
+                <a16:creationId xmlns:a16="http://schemas.microsoft.com/office/drawing/2014/main" id="{1FD81ECE-193F-2C1B-80EE-B252094DE689}"/>
+              </a:ext>
+            </a:extLst>
+          </p:cNvPr>
+          <p:cNvCxnSpPr>
+            <a:cxnSpLocks/>
+            <a:stCxn id="1202" idx="2"/>
+            <a:endCxn id="1232" idx="1"/>
+          </p:cNvCxnSpPr>
+          <p:nvPr/>
+        </p:nvCxnSpPr>
+        <p:spPr>
+          <a:xfrm flipV="1">
+            <a:off x="1571933" y="3136919"/>
+            <a:ext cx="238871" cy="360314"/>
+          </a:xfrm>
+          <a:prstGeom prst="line">
+            <a:avLst/>
+          </a:prstGeom>
+          <a:ln w="38100">
+            <a:solidFill>
+              <a:schemeClr val="tx1"/>
+            </a:solidFill>
+          </a:ln>
+        </p:spPr>
+        <p:style>
+          <a:lnRef idx="1">
+            <a:schemeClr val="accent1"/>
+          </a:lnRef>
+          <a:fillRef idx="0">
+            <a:schemeClr val="accent1"/>
+          </a:fillRef>
+          <a:effectRef idx="0">
+            <a:schemeClr val="accent1"/>
+          </a:effectRef>
+          <a:fontRef idx="minor">
+            <a:schemeClr val="tx1"/>
+          </a:fontRef>
+        </p:style>
+      </p:cxnSp>
+      <p:cxnSp>
+        <p:nvCxnSpPr>
+          <p:cNvPr id="1266" name="Connettore diritto 1265">
+            <a:extLst>
+              <a:ext uri="{FF2B5EF4-FFF2-40B4-BE49-F238E27FC236}">
+                <a16:creationId xmlns:a16="http://schemas.microsoft.com/office/drawing/2014/main" id="{7B9BFB0F-8667-4F0C-FB78-44C4CD2BDA9B}"/>
+              </a:ext>
+            </a:extLst>
+          </p:cNvPr>
+          <p:cNvCxnSpPr>
+            <a:cxnSpLocks/>
+            <a:stCxn id="1164" idx="2"/>
+            <a:endCxn id="1232" idx="0"/>
+          </p:cNvCxnSpPr>
+          <p:nvPr/>
+        </p:nvCxnSpPr>
+        <p:spPr>
+          <a:xfrm flipH="1" flipV="1">
+            <a:off x="1969692" y="3361197"/>
+            <a:ext cx="123071" cy="451463"/>
+          </a:xfrm>
+          <a:prstGeom prst="line">
+            <a:avLst/>
+          </a:prstGeom>
+          <a:ln w="38100">
+            <a:solidFill>
+              <a:schemeClr val="tx1"/>
+            </a:solidFill>
+          </a:ln>
+        </p:spPr>
+        <p:style>
+          <a:lnRef idx="1">
+            <a:schemeClr val="accent1"/>
+          </a:lnRef>
+          <a:fillRef idx="0">
+            <a:schemeClr val="accent1"/>
+          </a:fillRef>
+          <a:effectRef idx="0">
+            <a:schemeClr val="accent1"/>
+          </a:effectRef>
+          <a:fontRef idx="minor">
+            <a:schemeClr val="tx1"/>
+          </a:fontRef>
+        </p:style>
+      </p:cxnSp>
+      <p:cxnSp>
+        <p:nvCxnSpPr>
+          <p:cNvPr id="1269" name="Connettore diritto 1268">
+            <a:extLst>
+              <a:ext uri="{FF2B5EF4-FFF2-40B4-BE49-F238E27FC236}">
+                <a16:creationId xmlns:a16="http://schemas.microsoft.com/office/drawing/2014/main" id="{B8F70375-5D67-54FC-E207-93D853E761C4}"/>
+              </a:ext>
+            </a:extLst>
+          </p:cNvPr>
+          <p:cNvCxnSpPr>
+            <a:cxnSpLocks/>
+            <a:stCxn id="1164" idx="1"/>
+            <a:endCxn id="1202" idx="3"/>
+          </p:cNvCxnSpPr>
+          <p:nvPr/>
+        </p:nvCxnSpPr>
+        <p:spPr>
+          <a:xfrm flipH="1" flipV="1">
+            <a:off x="1730820" y="3721511"/>
+            <a:ext cx="203055" cy="315427"/>
+          </a:xfrm>
+          <a:prstGeom prst="line">
+            <a:avLst/>
+          </a:prstGeom>
+          <a:ln w="38100">
+            <a:solidFill>
+              <a:schemeClr val="tx1"/>
+            </a:solidFill>
+          </a:ln>
+        </p:spPr>
+        <p:style>
+          <a:lnRef idx="1">
+            <a:schemeClr val="accent1"/>
+          </a:lnRef>
+          <a:fillRef idx="0">
+            <a:schemeClr val="accent1"/>
+          </a:fillRef>
+          <a:effectRef idx="0">
+            <a:schemeClr val="accent1"/>
+          </a:effectRef>
+          <a:fontRef idx="minor">
+            <a:schemeClr val="tx1"/>
+          </a:fontRef>
+        </p:style>
+      </p:cxnSp>
+      <p:pic>
+        <p:nvPicPr>
+          <p:cNvPr id="1273" name="Immagine 1272">
+            <a:extLst>
+              <a:ext uri="{FF2B5EF4-FFF2-40B4-BE49-F238E27FC236}">
+                <a16:creationId xmlns:a16="http://schemas.microsoft.com/office/drawing/2014/main" id="{A7B681B8-DA55-4748-CA0B-2873AA1D16F0}"/>
+              </a:ext>
+            </a:extLst>
+          </p:cNvPr>
+          <p:cNvPicPr>
+            <a:picLocks noChangeAspect="1"/>
+          </p:cNvPicPr>
+          <p:nvPr/>
+        </p:nvPicPr>
+        <p:blipFill>
+          <a:blip r:embed="rId3"/>
+          <a:stretch>
+            <a:fillRect/>
+          </a:stretch>
+        </p:blipFill>
+        <p:spPr>
+          <a:xfrm>
+            <a:off x="4107383" y="2726621"/>
+            <a:ext cx="1459032" cy="1395288"/>
+          </a:xfrm>
+          <a:prstGeom prst="rect">
+            <a:avLst/>
+          </a:prstGeom>
+        </p:spPr>
+      </p:pic>
+      <p:sp>
+        <p:nvSpPr>
+          <p:cNvPr id="1275" name="Freccia a destra 1274">
+            <a:extLst>
+              <a:ext uri="{FF2B5EF4-FFF2-40B4-BE49-F238E27FC236}">
+                <a16:creationId xmlns:a16="http://schemas.microsoft.com/office/drawing/2014/main" id="{FA42A69F-9FF9-4065-611C-F35059B1687C}"/>
+              </a:ext>
+            </a:extLst>
+          </p:cNvPr>
+          <p:cNvSpPr/>
+          <p:nvPr/>
+        </p:nvSpPr>
+        <p:spPr>
+          <a:xfrm>
+            <a:off x="5637527" y="3240586"/>
+            <a:ext cx="403197" cy="369332"/>
+          </a:xfrm>
+          <a:prstGeom prst="rightArrow">
+            <a:avLst/>
+          </a:prstGeom>
+        </p:spPr>
+        <p:style>
+          <a:lnRef idx="2">
+            <a:schemeClr val="accent1">
+              <a:shade val="15000"/>
+            </a:schemeClr>
+          </a:lnRef>
+          <a:fillRef idx="1">
+            <a:schemeClr val="accent1"/>
+          </a:fillRef>
+          <a:effectRef idx="0">
+            <a:schemeClr val="accent1"/>
+          </a:effectRef>
+          <a:fontRef idx="minor">
+            <a:schemeClr val="lt1"/>
+          </a:fontRef>
+        </p:style>
+        <p:txBody>
+          <a:bodyPr rtlCol="0" anchor="ctr"/>
+          <a:lstStyle/>
+          <a:p>
+            <a:pPr algn="ctr"/>
+            <a:endParaRPr lang="en-US"/>
+          </a:p>
+        </p:txBody>
+      </p:sp>
+      <p:sp>
+        <p:nvSpPr>
+          <p:cNvPr id="1276" name="Rettangolo 1275">
+            <a:extLst>
+              <a:ext uri="{FF2B5EF4-FFF2-40B4-BE49-F238E27FC236}">
+                <a16:creationId xmlns:a16="http://schemas.microsoft.com/office/drawing/2014/main" id="{2CA66A01-75FE-CE80-5C02-D8679BB69A7A}"/>
+              </a:ext>
+            </a:extLst>
+          </p:cNvPr>
+          <p:cNvSpPr/>
+          <p:nvPr/>
+        </p:nvSpPr>
+        <p:spPr>
+          <a:xfrm>
+            <a:off x="6103194" y="2745317"/>
+            <a:ext cx="1341093" cy="1395288"/>
+          </a:xfrm>
+          <a:prstGeom prst="rect">
+            <a:avLst/>
+          </a:prstGeom>
+          <a:solidFill>
+            <a:schemeClr val="bg1"/>
+          </a:solidFill>
+        </p:spPr>
+        <p:style>
+          <a:lnRef idx="2">
+            <a:schemeClr val="accent1">
+              <a:shade val="15000"/>
+            </a:schemeClr>
+          </a:lnRef>
+          <a:fillRef idx="1">
+            <a:schemeClr val="accent1"/>
+          </a:fillRef>
+          <a:effectRef idx="0">
+            <a:schemeClr val="accent1"/>
+          </a:effectRef>
+          <a:fontRef idx="minor">
+            <a:schemeClr val="lt1"/>
+          </a:fontRef>
+        </p:style>
+        <p:txBody>
+          <a:bodyPr rtlCol="0" anchor="ctr"/>
+          <a:lstStyle/>
+          <a:p>
+            <a:pPr algn="ctr"/>
+            <a:endParaRPr lang="en-US"/>
+          </a:p>
+        </p:txBody>
+      </p:sp>
+      <p:sp>
+        <p:nvSpPr>
+          <p:cNvPr id="1277" name="Rettangolo 1276">
+            <a:extLst>
+              <a:ext uri="{FF2B5EF4-FFF2-40B4-BE49-F238E27FC236}">
+                <a16:creationId xmlns:a16="http://schemas.microsoft.com/office/drawing/2014/main" id="{93D35509-9CB2-1CFC-55F9-4CCF71D07FE2}"/>
+              </a:ext>
+            </a:extLst>
+          </p:cNvPr>
+          <p:cNvSpPr/>
+          <p:nvPr/>
+        </p:nvSpPr>
+        <p:spPr>
+          <a:xfrm>
+            <a:off x="6103194" y="2745317"/>
+            <a:ext cx="479677" cy="461550"/>
+          </a:xfrm>
+          <a:prstGeom prst="rect">
+            <a:avLst/>
+          </a:prstGeom>
+        </p:spPr>
+        <p:style>
+          <a:lnRef idx="2">
+            <a:schemeClr val="accent1">
+              <a:shade val="15000"/>
+            </a:schemeClr>
+          </a:lnRef>
+          <a:fillRef idx="1">
+            <a:schemeClr val="accent1"/>
+          </a:fillRef>
+          <a:effectRef idx="0">
+            <a:schemeClr val="accent1"/>
+          </a:effectRef>
+          <a:fontRef idx="minor">
+            <a:schemeClr val="lt1"/>
+          </a:fontRef>
+        </p:style>
+        <p:txBody>
+          <a:bodyPr rtlCol="0" anchor="ctr"/>
+          <a:lstStyle/>
+          <a:p>
+            <a:pPr algn="ctr"/>
+            <a:endParaRPr lang="en-US"/>
+          </a:p>
+        </p:txBody>
+      </p:sp>
+      <p:sp>
+        <p:nvSpPr>
+          <p:cNvPr id="1278" name="Rettangolo 1277">
+            <a:extLst>
+              <a:ext uri="{FF2B5EF4-FFF2-40B4-BE49-F238E27FC236}">
+                <a16:creationId xmlns:a16="http://schemas.microsoft.com/office/drawing/2014/main" id="{AAE82030-B74B-6B32-9F15-4E3D2ED0FC25}"/>
+              </a:ext>
+            </a:extLst>
+          </p:cNvPr>
+          <p:cNvSpPr/>
+          <p:nvPr/>
+        </p:nvSpPr>
+        <p:spPr>
+          <a:xfrm>
+            <a:off x="6577503" y="3202130"/>
+            <a:ext cx="270757" cy="295302"/>
+          </a:xfrm>
+          <a:prstGeom prst="rect">
+            <a:avLst/>
+          </a:prstGeom>
+        </p:spPr>
+        <p:style>
+          <a:lnRef idx="2">
+            <a:schemeClr val="accent1">
+              <a:shade val="15000"/>
+            </a:schemeClr>
+          </a:lnRef>
+          <a:fillRef idx="1">
+            <a:schemeClr val="accent1"/>
+          </a:fillRef>
+          <a:effectRef idx="0">
+            <a:schemeClr val="accent1"/>
+          </a:effectRef>
+          <a:fontRef idx="minor">
+            <a:schemeClr val="lt1"/>
+          </a:fontRef>
+        </p:style>
+        <p:txBody>
+          <a:bodyPr rtlCol="0" anchor="ctr"/>
+          <a:lstStyle/>
+          <a:p>
+            <a:pPr algn="ctr"/>
+            <a:endParaRPr lang="en-US"/>
+          </a:p>
+        </p:txBody>
+      </p:sp>
+      <p:sp>
+        <p:nvSpPr>
+          <p:cNvPr id="1279" name="Rettangolo 1278">
+            <a:extLst>
+              <a:ext uri="{FF2B5EF4-FFF2-40B4-BE49-F238E27FC236}">
+                <a16:creationId xmlns:a16="http://schemas.microsoft.com/office/drawing/2014/main" id="{FAA16909-42B9-80E7-90D5-3280CDE89AE5}"/>
+              </a:ext>
+            </a:extLst>
+          </p:cNvPr>
+          <p:cNvSpPr/>
+          <p:nvPr/>
+        </p:nvSpPr>
+        <p:spPr>
+          <a:xfrm>
+            <a:off x="6848260" y="3481624"/>
+            <a:ext cx="270757" cy="295302"/>
+          </a:xfrm>
+          <a:prstGeom prst="rect">
+            <a:avLst/>
+          </a:prstGeom>
+        </p:spPr>
+        <p:style>
+          <a:lnRef idx="2">
+            <a:schemeClr val="accent1">
+              <a:shade val="15000"/>
+            </a:schemeClr>
+          </a:lnRef>
+          <a:fillRef idx="1">
+            <a:schemeClr val="accent1"/>
+          </a:fillRef>
+          <a:effectRef idx="0">
+            <a:schemeClr val="accent1"/>
+          </a:effectRef>
+          <a:fontRef idx="minor">
+            <a:schemeClr val="lt1"/>
+          </a:fontRef>
+        </p:style>
+        <p:txBody>
+          <a:bodyPr rtlCol="0" anchor="ctr"/>
+          <a:lstStyle/>
+          <a:p>
+            <a:pPr algn="ctr"/>
+            <a:endParaRPr lang="en-US"/>
+          </a:p>
+        </p:txBody>
+      </p:sp>
+      <p:sp>
+        <p:nvSpPr>
+          <p:cNvPr id="1280" name="Rettangolo 1279">
+            <a:extLst>
+              <a:ext uri="{FF2B5EF4-FFF2-40B4-BE49-F238E27FC236}">
+                <a16:creationId xmlns:a16="http://schemas.microsoft.com/office/drawing/2014/main" id="{E9002C96-B48C-FB38-777E-BFEE57521127}"/>
+              </a:ext>
+            </a:extLst>
+          </p:cNvPr>
+          <p:cNvSpPr/>
+          <p:nvPr/>
+        </p:nvSpPr>
+        <p:spPr>
+          <a:xfrm>
+            <a:off x="7119017" y="3771273"/>
+            <a:ext cx="331693" cy="369332"/>
+          </a:xfrm>
+          <a:prstGeom prst="rect">
+            <a:avLst/>
+          </a:prstGeom>
+        </p:spPr>
+        <p:style>
+          <a:lnRef idx="2">
+            <a:schemeClr val="accent1">
+              <a:shade val="15000"/>
+            </a:schemeClr>
+          </a:lnRef>
+          <a:fillRef idx="1">
+            <a:schemeClr val="accent1"/>
+          </a:fillRef>
+          <a:effectRef idx="0">
+            <a:schemeClr val="accent1"/>
+          </a:effectRef>
+          <a:fontRef idx="minor">
+            <a:schemeClr val="lt1"/>
+          </a:fontRef>
+        </p:style>
+        <p:txBody>
+          <a:bodyPr rtlCol="0" anchor="ctr"/>
+          <a:lstStyle/>
+          <a:p>
+            <a:pPr algn="ctr"/>
+            <a:endParaRPr lang="en-US"/>
+          </a:p>
+        </p:txBody>
+      </p:sp>
+      <p:sp>
+        <p:nvSpPr>
+          <p:cNvPr id="1283" name="Freccia a destra 1282">
+            <a:extLst>
+              <a:ext uri="{FF2B5EF4-FFF2-40B4-BE49-F238E27FC236}">
+                <a16:creationId xmlns:a16="http://schemas.microsoft.com/office/drawing/2014/main" id="{2F09202B-FD1F-47C1-0892-AECEAE9A74F7}"/>
+              </a:ext>
+            </a:extLst>
+          </p:cNvPr>
+          <p:cNvSpPr/>
+          <p:nvPr/>
+        </p:nvSpPr>
+        <p:spPr>
+          <a:xfrm>
+            <a:off x="7540702" y="3231115"/>
+            <a:ext cx="403197" cy="369332"/>
+          </a:xfrm>
+          <a:prstGeom prst="rightArrow">
+            <a:avLst/>
+          </a:prstGeom>
+        </p:spPr>
+        <p:style>
+          <a:lnRef idx="2">
+            <a:schemeClr val="accent1">
+              <a:shade val="15000"/>
+            </a:schemeClr>
+          </a:lnRef>
+          <a:fillRef idx="1">
+            <a:schemeClr val="accent1"/>
+          </a:fillRef>
+          <a:effectRef idx="0">
+            <a:schemeClr val="accent1"/>
+          </a:effectRef>
+          <a:fontRef idx="minor">
+            <a:schemeClr val="lt1"/>
+          </a:fontRef>
+        </p:style>
+        <p:txBody>
+          <a:bodyPr rtlCol="0" anchor="ctr"/>
+          <a:lstStyle/>
+          <a:p>
+            <a:pPr algn="ctr"/>
+            <a:endParaRPr lang="en-US"/>
+          </a:p>
+        </p:txBody>
+      </p:sp>
+      <p:grpSp>
+        <p:nvGrpSpPr>
+          <p:cNvPr id="1284" name="Gruppo 1283">
+            <a:extLst>
+              <a:ext uri="{FF2B5EF4-FFF2-40B4-BE49-F238E27FC236}">
+                <a16:creationId xmlns:a16="http://schemas.microsoft.com/office/drawing/2014/main" id="{35B5AF36-A4EE-4C4C-1B60-1ECE42AE5E78}"/>
+              </a:ext>
+            </a:extLst>
+          </p:cNvPr>
+          <p:cNvGrpSpPr/>
+          <p:nvPr/>
+        </p:nvGrpSpPr>
+        <p:grpSpPr>
+          <a:xfrm>
+            <a:off x="8040314" y="2827541"/>
+            <a:ext cx="1284936" cy="1068577"/>
+            <a:chOff x="315686" y="3161410"/>
+            <a:chExt cx="2882864" cy="1812048"/>
+          </a:xfrm>
+        </p:grpSpPr>
+        <p:sp>
+          <p:nvSpPr>
+            <p:cNvPr id="1285" name="Ovale 1284">
+              <a:extLst>
+                <a:ext uri="{FF2B5EF4-FFF2-40B4-BE49-F238E27FC236}">
+                  <a16:creationId xmlns:a16="http://schemas.microsoft.com/office/drawing/2014/main" id="{8BACE662-C2CC-35ED-5C8C-67499680B5EA}"/>
+                </a:ext>
+              </a:extLst>
+            </p:cNvPr>
+            <p:cNvSpPr/>
+            <p:nvPr/>
+          </p:nvSpPr>
+          <p:spPr>
+            <a:xfrm>
+              <a:off x="978334" y="3357738"/>
+              <a:ext cx="422030" cy="422031"/>
+            </a:xfrm>
+            <a:prstGeom prst="ellipse">
+              <a:avLst/>
+            </a:prstGeom>
+          </p:spPr>
+          <p:style>
+            <a:lnRef idx="2">
+              <a:schemeClr val="accent1">
+                <a:shade val="15000"/>
+              </a:schemeClr>
+            </a:lnRef>
+            <a:fillRef idx="1">
+              <a:schemeClr val="accent1"/>
+            </a:fillRef>
+            <a:effectRef idx="0">
+              <a:schemeClr val="accent1"/>
+            </a:effectRef>
+            <a:fontRef idx="minor">
+              <a:schemeClr val="lt1"/>
+            </a:fontRef>
+          </p:style>
+          <p:txBody>
+            <a:bodyPr rtlCol="0" anchor="ctr"/>
+            <a:lstStyle/>
+            <a:p>
+              <a:pPr algn="ctr"/>
+              <a:endParaRPr lang="en-US"/>
+            </a:p>
+          </p:txBody>
+        </p:sp>
+        <p:sp>
+          <p:nvSpPr>
+            <p:cNvPr id="1286" name="Ovale 1285">
+              <a:extLst>
+                <a:ext uri="{FF2B5EF4-FFF2-40B4-BE49-F238E27FC236}">
+                  <a16:creationId xmlns:a16="http://schemas.microsoft.com/office/drawing/2014/main" id="{7F19C6CA-1705-B390-9812-1995654B4D23}"/>
+                </a:ext>
+              </a:extLst>
+            </p:cNvPr>
+            <p:cNvSpPr/>
+            <p:nvPr/>
+          </p:nvSpPr>
+          <p:spPr>
+            <a:xfrm>
+              <a:off x="315686" y="3885276"/>
+              <a:ext cx="422030" cy="422031"/>
+            </a:xfrm>
+            <a:prstGeom prst="ellipse">
+              <a:avLst/>
+            </a:prstGeom>
+            <a:solidFill>
+              <a:srgbClr val="FF0000"/>
+            </a:solidFill>
+          </p:spPr>
+          <p:style>
+            <a:lnRef idx="2">
+              <a:schemeClr val="accent1">
+                <a:shade val="15000"/>
+              </a:schemeClr>
+            </a:lnRef>
+            <a:fillRef idx="1">
+              <a:schemeClr val="accent1"/>
+            </a:fillRef>
+            <a:effectRef idx="0">
+              <a:schemeClr val="accent1"/>
+            </a:effectRef>
+            <a:fontRef idx="minor">
+              <a:schemeClr val="lt1"/>
+            </a:fontRef>
+          </p:style>
+          <p:txBody>
+            <a:bodyPr rtlCol="0" anchor="ctr"/>
+            <a:lstStyle/>
+            <a:p>
+              <a:pPr algn="ctr"/>
+              <a:endParaRPr lang="en-US"/>
+            </a:p>
+          </p:txBody>
+        </p:sp>
+        <p:sp>
+          <p:nvSpPr>
+            <p:cNvPr id="1287" name="Ovale 1286">
+              <a:extLst>
+                <a:ext uri="{FF2B5EF4-FFF2-40B4-BE49-F238E27FC236}">
+                  <a16:creationId xmlns:a16="http://schemas.microsoft.com/office/drawing/2014/main" id="{4EE2F974-BF53-3468-9E86-D10F83123994}"/>
+                </a:ext>
+              </a:extLst>
+            </p:cNvPr>
+            <p:cNvSpPr/>
+            <p:nvPr/>
+          </p:nvSpPr>
+          <p:spPr>
+            <a:xfrm>
+              <a:off x="849273" y="4528434"/>
+              <a:ext cx="422030" cy="422031"/>
+            </a:xfrm>
+            <a:prstGeom prst="ellipse">
+              <a:avLst/>
+            </a:prstGeom>
+            <a:solidFill>
+              <a:srgbClr val="FF0000"/>
+            </a:solidFill>
+          </p:spPr>
+          <p:style>
+            <a:lnRef idx="2">
+              <a:schemeClr val="accent1">
+                <a:shade val="15000"/>
+              </a:schemeClr>
+            </a:lnRef>
+            <a:fillRef idx="1">
+              <a:schemeClr val="accent1"/>
+            </a:fillRef>
+            <a:effectRef idx="0">
+              <a:schemeClr val="accent1"/>
+            </a:effectRef>
+            <a:fontRef idx="minor">
+              <a:schemeClr val="lt1"/>
+            </a:fontRef>
+          </p:style>
+          <p:txBody>
+            <a:bodyPr rtlCol="0" anchor="ctr"/>
+            <a:lstStyle/>
+            <a:p>
+              <a:pPr algn="ctr"/>
+              <a:endParaRPr lang="en-US"/>
+            </a:p>
+          </p:txBody>
+        </p:sp>
+        <p:sp>
+          <p:nvSpPr>
+            <p:cNvPr id="1288" name="Ovale 1287">
+              <a:extLst>
+                <a:ext uri="{FF2B5EF4-FFF2-40B4-BE49-F238E27FC236}">
+                  <a16:creationId xmlns:a16="http://schemas.microsoft.com/office/drawing/2014/main" id="{A61F4E17-61E4-0B5D-2A90-DE79EC815B54}"/>
+                </a:ext>
+              </a:extLst>
+            </p:cNvPr>
+            <p:cNvSpPr/>
+            <p:nvPr/>
+          </p:nvSpPr>
+          <p:spPr>
+            <a:xfrm>
+              <a:off x="2020555" y="3161410"/>
+              <a:ext cx="422030" cy="422031"/>
+            </a:xfrm>
+            <a:prstGeom prst="ellipse">
+              <a:avLst/>
+            </a:prstGeom>
+          </p:spPr>
+          <p:style>
+            <a:lnRef idx="2">
+              <a:schemeClr val="accent1">
+                <a:shade val="15000"/>
+              </a:schemeClr>
+            </a:lnRef>
+            <a:fillRef idx="1">
+              <a:schemeClr val="accent1"/>
+            </a:fillRef>
+            <a:effectRef idx="0">
+              <a:schemeClr val="accent1"/>
+            </a:effectRef>
+            <a:fontRef idx="minor">
+              <a:schemeClr val="lt1"/>
+            </a:fontRef>
+          </p:style>
+          <p:txBody>
+            <a:bodyPr rtlCol="0" anchor="ctr"/>
+            <a:lstStyle/>
+            <a:p>
+              <a:pPr algn="ctr"/>
+              <a:endParaRPr lang="en-US"/>
+            </a:p>
+          </p:txBody>
+        </p:sp>
+        <p:sp>
+          <p:nvSpPr>
+            <p:cNvPr id="1289" name="Ovale 1288">
+              <a:extLst>
+                <a:ext uri="{FF2B5EF4-FFF2-40B4-BE49-F238E27FC236}">
+                  <a16:creationId xmlns:a16="http://schemas.microsoft.com/office/drawing/2014/main" id="{1630D741-775A-6642-3B2F-FD2319EB8D3F}"/>
+                </a:ext>
+              </a:extLst>
+            </p:cNvPr>
+            <p:cNvSpPr/>
+            <p:nvPr/>
+          </p:nvSpPr>
+          <p:spPr>
+            <a:xfrm>
+              <a:off x="1804890" y="3905110"/>
+              <a:ext cx="422030" cy="422031"/>
+            </a:xfrm>
+            <a:prstGeom prst="ellipse">
+              <a:avLst/>
+            </a:prstGeom>
+          </p:spPr>
+          <p:style>
+            <a:lnRef idx="2">
+              <a:schemeClr val="accent1">
+                <a:shade val="15000"/>
+              </a:schemeClr>
+            </a:lnRef>
+            <a:fillRef idx="1">
+              <a:schemeClr val="accent1"/>
+            </a:fillRef>
+            <a:effectRef idx="0">
+              <a:schemeClr val="accent1"/>
+            </a:effectRef>
+            <a:fontRef idx="minor">
+              <a:schemeClr val="lt1"/>
+            </a:fontRef>
+          </p:style>
+          <p:txBody>
+            <a:bodyPr rtlCol="0" anchor="ctr"/>
+            <a:lstStyle/>
+            <a:p>
+              <a:pPr algn="ctr"/>
+              <a:endParaRPr lang="en-US"/>
+            </a:p>
+          </p:txBody>
+        </p:sp>
+        <p:sp>
+          <p:nvSpPr>
+            <p:cNvPr id="1290" name="Ovale 1289">
+              <a:extLst>
+                <a:ext uri="{FF2B5EF4-FFF2-40B4-BE49-F238E27FC236}">
+                  <a16:creationId xmlns:a16="http://schemas.microsoft.com/office/drawing/2014/main" id="{BC615F72-B010-6111-4D18-D23D128D9211}"/>
+                </a:ext>
+              </a:extLst>
+            </p:cNvPr>
+            <p:cNvSpPr/>
+            <p:nvPr/>
+          </p:nvSpPr>
+          <p:spPr>
+            <a:xfrm>
+              <a:off x="1976594" y="4551427"/>
+              <a:ext cx="422030" cy="422031"/>
+            </a:xfrm>
+            <a:prstGeom prst="ellipse">
+              <a:avLst/>
+            </a:prstGeom>
+            <a:solidFill>
+              <a:srgbClr val="FF0000"/>
+            </a:solidFill>
+          </p:spPr>
+          <p:style>
+            <a:lnRef idx="2">
+              <a:schemeClr val="accent1">
+                <a:shade val="15000"/>
+              </a:schemeClr>
+            </a:lnRef>
+            <a:fillRef idx="1">
+              <a:schemeClr val="accent1"/>
+            </a:fillRef>
+            <a:effectRef idx="0">
+              <a:schemeClr val="accent1"/>
+            </a:effectRef>
+            <a:fontRef idx="minor">
+              <a:schemeClr val="lt1"/>
+            </a:fontRef>
+          </p:style>
+          <p:txBody>
+            <a:bodyPr rtlCol="0" anchor="ctr"/>
+            <a:lstStyle/>
+            <a:p>
+              <a:pPr algn="ctr"/>
+              <a:endParaRPr lang="en-US"/>
+            </a:p>
+          </p:txBody>
+        </p:sp>
+        <p:sp>
+          <p:nvSpPr>
+            <p:cNvPr id="1291" name="Ovale 1290">
+              <a:extLst>
+                <a:ext uri="{FF2B5EF4-FFF2-40B4-BE49-F238E27FC236}">
+                  <a16:creationId xmlns:a16="http://schemas.microsoft.com/office/drawing/2014/main" id="{F8E1FB63-D9EF-81D9-01C1-4E5DE4683E0F}"/>
+                </a:ext>
+              </a:extLst>
+            </p:cNvPr>
+            <p:cNvSpPr/>
+            <p:nvPr/>
+          </p:nvSpPr>
+          <p:spPr>
+            <a:xfrm>
+              <a:off x="2776520" y="3895193"/>
+              <a:ext cx="422030" cy="422031"/>
+            </a:xfrm>
+            <a:prstGeom prst="ellipse">
+              <a:avLst/>
+            </a:prstGeom>
+            <a:solidFill>
+              <a:srgbClr val="00B050"/>
+            </a:solidFill>
+          </p:spPr>
+          <p:style>
+            <a:lnRef idx="2">
+              <a:schemeClr val="accent1">
+                <a:shade val="15000"/>
+              </a:schemeClr>
+            </a:lnRef>
+            <a:fillRef idx="1">
+              <a:schemeClr val="accent1"/>
+            </a:fillRef>
+            <a:effectRef idx="0">
+              <a:schemeClr val="accent1"/>
+            </a:effectRef>
+            <a:fontRef idx="minor">
+              <a:schemeClr val="lt1"/>
+            </a:fontRef>
+          </p:style>
+          <p:txBody>
+            <a:bodyPr rtlCol="0" anchor="ctr"/>
+            <a:lstStyle/>
+            <a:p>
+              <a:pPr algn="ctr"/>
+              <a:endParaRPr lang="en-US"/>
+            </a:p>
+          </p:txBody>
+        </p:sp>
+        <p:cxnSp>
+          <p:nvCxnSpPr>
+            <p:cNvPr id="1292" name="Connettore diritto 1291">
+              <a:extLst>
+                <a:ext uri="{FF2B5EF4-FFF2-40B4-BE49-F238E27FC236}">
+                  <a16:creationId xmlns:a16="http://schemas.microsoft.com/office/drawing/2014/main" id="{6FAD993B-77E4-7C2C-538C-EA2900CF6DEE}"/>
+                </a:ext>
+              </a:extLst>
+            </p:cNvPr>
+            <p:cNvCxnSpPr>
+              <a:stCxn id="1285" idx="6"/>
+              <a:endCxn id="1288" idx="2"/>
+            </p:cNvCxnSpPr>
+            <p:nvPr/>
+          </p:nvCxnSpPr>
+          <p:spPr>
+            <a:xfrm flipV="1">
+              <a:off x="1400364" y="3372426"/>
+              <a:ext cx="620191" cy="196328"/>
+            </a:xfrm>
+            <a:prstGeom prst="line">
+              <a:avLst/>
+            </a:prstGeom>
+            <a:ln w="38100">
+              <a:solidFill>
+                <a:schemeClr val="tx1"/>
+              </a:solidFill>
+            </a:ln>
+          </p:spPr>
+          <p:style>
+            <a:lnRef idx="1">
+              <a:schemeClr val="accent1"/>
+            </a:lnRef>
+            <a:fillRef idx="0">
+              <a:schemeClr val="accent1"/>
+            </a:fillRef>
+            <a:effectRef idx="0">
+              <a:schemeClr val="accent1"/>
+            </a:effectRef>
+            <a:fontRef idx="minor">
+              <a:schemeClr val="tx1"/>
+            </a:fontRef>
+          </p:style>
+        </p:cxnSp>
+        <p:cxnSp>
+          <p:nvCxnSpPr>
+            <p:cNvPr id="1293" name="Connettore diritto 1292">
+              <a:extLst>
+                <a:ext uri="{FF2B5EF4-FFF2-40B4-BE49-F238E27FC236}">
+                  <a16:creationId xmlns:a16="http://schemas.microsoft.com/office/drawing/2014/main" id="{93357E62-E01D-6796-FC36-E097D9EA2767}"/>
+                </a:ext>
+              </a:extLst>
+            </p:cNvPr>
+            <p:cNvCxnSpPr>
+              <a:cxnSpLocks/>
+              <a:stCxn id="1285" idx="6"/>
+              <a:endCxn id="1289" idx="2"/>
+            </p:cNvCxnSpPr>
+            <p:nvPr/>
+          </p:nvCxnSpPr>
+          <p:spPr>
+            <a:xfrm>
+              <a:off x="1400364" y="3568754"/>
+              <a:ext cx="404526" cy="547372"/>
+            </a:xfrm>
+            <a:prstGeom prst="line">
+              <a:avLst/>
+            </a:prstGeom>
+            <a:ln w="38100">
+              <a:solidFill>
+                <a:schemeClr val="tx1"/>
+              </a:solidFill>
+            </a:ln>
+          </p:spPr>
+          <p:style>
+            <a:lnRef idx="1">
+              <a:schemeClr val="accent1"/>
+            </a:lnRef>
+            <a:fillRef idx="0">
+              <a:schemeClr val="accent1"/>
+            </a:fillRef>
+            <a:effectRef idx="0">
+              <a:schemeClr val="accent1"/>
+            </a:effectRef>
+            <a:fontRef idx="minor">
+              <a:schemeClr val="tx1"/>
+            </a:fontRef>
+          </p:style>
+        </p:cxnSp>
+        <p:cxnSp>
+          <p:nvCxnSpPr>
+            <p:cNvPr id="1294" name="Connettore diritto 1293">
+              <a:extLst>
+                <a:ext uri="{FF2B5EF4-FFF2-40B4-BE49-F238E27FC236}">
+                  <a16:creationId xmlns:a16="http://schemas.microsoft.com/office/drawing/2014/main" id="{2A1FE943-2F4C-C224-10D0-1D9D5A56E0BC}"/>
+                </a:ext>
+              </a:extLst>
+            </p:cNvPr>
+            <p:cNvCxnSpPr>
+              <a:cxnSpLocks/>
+              <a:stCxn id="1286" idx="6"/>
+              <a:endCxn id="1289" idx="2"/>
+            </p:cNvCxnSpPr>
+            <p:nvPr/>
+          </p:nvCxnSpPr>
+          <p:spPr>
+            <a:xfrm>
+              <a:off x="737716" y="4096292"/>
+              <a:ext cx="1067174" cy="19834"/>
+            </a:xfrm>
+            <a:prstGeom prst="line">
+              <a:avLst/>
+            </a:prstGeom>
+            <a:ln w="38100">
+              <a:solidFill>
+                <a:schemeClr val="tx1"/>
+              </a:solidFill>
+            </a:ln>
+          </p:spPr>
+          <p:style>
+            <a:lnRef idx="1">
+              <a:schemeClr val="accent1"/>
+            </a:lnRef>
+            <a:fillRef idx="0">
+              <a:schemeClr val="accent1"/>
+            </a:fillRef>
+            <a:effectRef idx="0">
+              <a:schemeClr val="accent1"/>
+            </a:effectRef>
+            <a:fontRef idx="minor">
+              <a:schemeClr val="tx1"/>
+            </a:fontRef>
+          </p:style>
+        </p:cxnSp>
+        <p:cxnSp>
+          <p:nvCxnSpPr>
+            <p:cNvPr id="1295" name="Connettore diritto 1294">
+              <a:extLst>
+                <a:ext uri="{FF2B5EF4-FFF2-40B4-BE49-F238E27FC236}">
+                  <a16:creationId xmlns:a16="http://schemas.microsoft.com/office/drawing/2014/main" id="{C9177A07-9B6C-D673-8083-19F474934762}"/>
+                </a:ext>
+              </a:extLst>
+            </p:cNvPr>
+            <p:cNvCxnSpPr>
+              <a:cxnSpLocks/>
+              <a:stCxn id="1286" idx="6"/>
+              <a:endCxn id="1290" idx="2"/>
+            </p:cNvCxnSpPr>
+            <p:nvPr/>
+          </p:nvCxnSpPr>
+          <p:spPr>
+            <a:xfrm>
+              <a:off x="737716" y="4096292"/>
+              <a:ext cx="1238878" cy="666151"/>
+            </a:xfrm>
+            <a:prstGeom prst="line">
+              <a:avLst/>
+            </a:prstGeom>
+            <a:ln w="38100">
+              <a:solidFill>
+                <a:schemeClr val="tx1"/>
+              </a:solidFill>
+            </a:ln>
+          </p:spPr>
+          <p:style>
+            <a:lnRef idx="1">
+              <a:schemeClr val="accent1"/>
+            </a:lnRef>
+            <a:fillRef idx="0">
+              <a:schemeClr val="accent1"/>
+            </a:fillRef>
+            <a:effectRef idx="0">
+              <a:schemeClr val="accent1"/>
+            </a:effectRef>
+            <a:fontRef idx="minor">
+              <a:schemeClr val="tx1"/>
+            </a:fontRef>
+          </p:style>
+        </p:cxnSp>
+        <p:cxnSp>
+          <p:nvCxnSpPr>
+            <p:cNvPr id="1296" name="Connettore diritto 1295">
+              <a:extLst>
+                <a:ext uri="{FF2B5EF4-FFF2-40B4-BE49-F238E27FC236}">
+                  <a16:creationId xmlns:a16="http://schemas.microsoft.com/office/drawing/2014/main" id="{56155AC0-EF04-3DD8-7CD3-4D4127342D16}"/>
+                </a:ext>
+              </a:extLst>
+            </p:cNvPr>
+            <p:cNvCxnSpPr>
+              <a:cxnSpLocks/>
+              <a:stCxn id="1287" idx="6"/>
+              <a:endCxn id="1289" idx="2"/>
+            </p:cNvCxnSpPr>
+            <p:nvPr/>
+          </p:nvCxnSpPr>
+          <p:spPr>
+            <a:xfrm flipV="1">
+              <a:off x="1271303" y="4116126"/>
+              <a:ext cx="533587" cy="623324"/>
+            </a:xfrm>
+            <a:prstGeom prst="line">
+              <a:avLst/>
+            </a:prstGeom>
+            <a:solidFill>
+              <a:srgbClr val="FF0000"/>
+            </a:solidFill>
+            <a:ln w="38100">
+              <a:solidFill>
+                <a:schemeClr val="tx1"/>
+              </a:solidFill>
+            </a:ln>
+          </p:spPr>
+          <p:style>
+            <a:lnRef idx="1">
+              <a:schemeClr val="accent1"/>
+            </a:lnRef>
+            <a:fillRef idx="0">
+              <a:schemeClr val="accent1"/>
+            </a:fillRef>
+            <a:effectRef idx="0">
+              <a:schemeClr val="accent1"/>
+            </a:effectRef>
+            <a:fontRef idx="minor">
+              <a:schemeClr val="tx1"/>
+            </a:fontRef>
+          </p:style>
+        </p:cxnSp>
+        <p:cxnSp>
+          <p:nvCxnSpPr>
+            <p:cNvPr id="1297" name="Connettore diritto 1296">
+              <a:extLst>
+                <a:ext uri="{FF2B5EF4-FFF2-40B4-BE49-F238E27FC236}">
+                  <a16:creationId xmlns:a16="http://schemas.microsoft.com/office/drawing/2014/main" id="{99A03725-8728-48E1-F280-F5D2E6F23E71}"/>
+                </a:ext>
+              </a:extLst>
+            </p:cNvPr>
+            <p:cNvCxnSpPr>
+              <a:cxnSpLocks/>
+              <a:stCxn id="1287" idx="6"/>
+              <a:endCxn id="1290" idx="2"/>
+            </p:cNvCxnSpPr>
+            <p:nvPr/>
+          </p:nvCxnSpPr>
+          <p:spPr>
+            <a:xfrm>
+              <a:off x="1271303" y="4739450"/>
+              <a:ext cx="705291" cy="22993"/>
+            </a:xfrm>
+            <a:prstGeom prst="line">
+              <a:avLst/>
+            </a:prstGeom>
+            <a:ln w="38100">
+              <a:solidFill>
+                <a:schemeClr val="tx1"/>
+              </a:solidFill>
+            </a:ln>
+          </p:spPr>
+          <p:style>
+            <a:lnRef idx="1">
+              <a:schemeClr val="accent1"/>
+            </a:lnRef>
+            <a:fillRef idx="0">
+              <a:schemeClr val="accent1"/>
+            </a:fillRef>
+            <a:effectRef idx="0">
+              <a:schemeClr val="accent1"/>
+            </a:effectRef>
+            <a:fontRef idx="minor">
+              <a:schemeClr val="tx1"/>
+            </a:fontRef>
+          </p:style>
+        </p:cxnSp>
+        <p:cxnSp>
+          <p:nvCxnSpPr>
+            <p:cNvPr id="1298" name="Connettore diritto 1297">
+              <a:extLst>
+                <a:ext uri="{FF2B5EF4-FFF2-40B4-BE49-F238E27FC236}">
+                  <a16:creationId xmlns:a16="http://schemas.microsoft.com/office/drawing/2014/main" id="{FE8F191C-3C29-BACE-E182-69F356ED434B}"/>
+                </a:ext>
+              </a:extLst>
+            </p:cNvPr>
+            <p:cNvCxnSpPr>
+              <a:cxnSpLocks/>
+              <a:stCxn id="1288" idx="6"/>
+              <a:endCxn id="1291" idx="2"/>
+            </p:cNvCxnSpPr>
+            <p:nvPr/>
+          </p:nvCxnSpPr>
+          <p:spPr>
+            <a:xfrm>
+              <a:off x="2442585" y="3372426"/>
+              <a:ext cx="333935" cy="733783"/>
+            </a:xfrm>
+            <a:prstGeom prst="line">
+              <a:avLst/>
+            </a:prstGeom>
+            <a:ln w="38100">
+              <a:solidFill>
+                <a:schemeClr val="tx1"/>
+              </a:solidFill>
+            </a:ln>
+          </p:spPr>
+          <p:style>
+            <a:lnRef idx="1">
+              <a:schemeClr val="accent1"/>
+            </a:lnRef>
+            <a:fillRef idx="0">
+              <a:schemeClr val="accent1"/>
+            </a:fillRef>
+            <a:effectRef idx="0">
+              <a:schemeClr val="accent1"/>
+            </a:effectRef>
+            <a:fontRef idx="minor">
+              <a:schemeClr val="tx1"/>
+            </a:fontRef>
+          </p:style>
+        </p:cxnSp>
+        <p:cxnSp>
+          <p:nvCxnSpPr>
+            <p:cNvPr id="1299" name="Connettore diritto 1298">
+              <a:extLst>
+                <a:ext uri="{FF2B5EF4-FFF2-40B4-BE49-F238E27FC236}">
+                  <a16:creationId xmlns:a16="http://schemas.microsoft.com/office/drawing/2014/main" id="{EE1E6DB7-B541-6CBD-7B67-D6F467D6599D}"/>
+                </a:ext>
+              </a:extLst>
+            </p:cNvPr>
+            <p:cNvCxnSpPr>
+              <a:cxnSpLocks/>
+              <a:stCxn id="1289" idx="6"/>
+              <a:endCxn id="1291" idx="2"/>
+            </p:cNvCxnSpPr>
+            <p:nvPr/>
+          </p:nvCxnSpPr>
+          <p:spPr>
+            <a:xfrm flipV="1">
+              <a:off x="2226920" y="4106209"/>
+              <a:ext cx="549600" cy="9917"/>
+            </a:xfrm>
+            <a:prstGeom prst="line">
+              <a:avLst/>
+            </a:prstGeom>
+            <a:ln w="38100">
+              <a:solidFill>
+                <a:schemeClr val="tx1"/>
+              </a:solidFill>
+            </a:ln>
+          </p:spPr>
+          <p:style>
+            <a:lnRef idx="1">
+              <a:schemeClr val="accent1"/>
+            </a:lnRef>
+            <a:fillRef idx="0">
+              <a:schemeClr val="accent1"/>
+            </a:fillRef>
+            <a:effectRef idx="0">
+              <a:schemeClr val="accent1"/>
+            </a:effectRef>
+            <a:fontRef idx="minor">
+              <a:schemeClr val="tx1"/>
+            </a:fontRef>
+          </p:style>
+        </p:cxnSp>
+        <p:cxnSp>
+          <p:nvCxnSpPr>
+            <p:cNvPr id="1300" name="Connettore diritto 1299">
+              <a:extLst>
+                <a:ext uri="{FF2B5EF4-FFF2-40B4-BE49-F238E27FC236}">
+                  <a16:creationId xmlns:a16="http://schemas.microsoft.com/office/drawing/2014/main" id="{8096D58B-447E-BBA8-D253-D79A6351A514}"/>
+                </a:ext>
+              </a:extLst>
+            </p:cNvPr>
+            <p:cNvCxnSpPr>
+              <a:cxnSpLocks/>
+              <a:stCxn id="1290" idx="6"/>
+              <a:endCxn id="1291" idx="2"/>
+            </p:cNvCxnSpPr>
+            <p:nvPr/>
+          </p:nvCxnSpPr>
+          <p:spPr>
+            <a:xfrm flipV="1">
+              <a:off x="2398624" y="4106209"/>
+              <a:ext cx="377896" cy="656234"/>
+            </a:xfrm>
+            <a:prstGeom prst="line">
+              <a:avLst/>
+            </a:prstGeom>
+            <a:ln w="38100">
+              <a:solidFill>
+                <a:schemeClr val="tx1"/>
+              </a:solidFill>
+            </a:ln>
+          </p:spPr>
+          <p:style>
+            <a:lnRef idx="1">
+              <a:schemeClr val="accent1"/>
+            </a:lnRef>
+            <a:fillRef idx="0">
+              <a:schemeClr val="accent1"/>
+            </a:fillRef>
+            <a:effectRef idx="0">
+              <a:schemeClr val="accent1"/>
+            </a:effectRef>
+            <a:fontRef idx="minor">
+              <a:schemeClr val="tx1"/>
+            </a:fontRef>
+          </p:style>
+        </p:cxnSp>
+      </p:grpSp>
+      <p:grpSp>
+        <p:nvGrpSpPr>
+          <p:cNvPr id="1301" name="Gruppo 1300">
+            <a:extLst>
+              <a:ext uri="{FF2B5EF4-FFF2-40B4-BE49-F238E27FC236}">
+                <a16:creationId xmlns:a16="http://schemas.microsoft.com/office/drawing/2014/main" id="{138D3F03-AFE1-E7F5-FF19-FC95A5DDC7EB}"/>
+              </a:ext>
+            </a:extLst>
+          </p:cNvPr>
+          <p:cNvGrpSpPr/>
+          <p:nvPr/>
+        </p:nvGrpSpPr>
+        <p:grpSpPr>
+          <a:xfrm>
+            <a:off x="7847273" y="431990"/>
+            <a:ext cx="1284936" cy="1068577"/>
+            <a:chOff x="315686" y="3161410"/>
+            <a:chExt cx="2882864" cy="1812048"/>
+          </a:xfrm>
+        </p:grpSpPr>
+        <p:sp>
+          <p:nvSpPr>
+            <p:cNvPr id="1302" name="Ovale 1301">
+              <a:extLst>
+                <a:ext uri="{FF2B5EF4-FFF2-40B4-BE49-F238E27FC236}">
+                  <a16:creationId xmlns:a16="http://schemas.microsoft.com/office/drawing/2014/main" id="{E415CB8B-C47E-4571-FE97-326DF1C01A9F}"/>
+                </a:ext>
+              </a:extLst>
+            </p:cNvPr>
+            <p:cNvSpPr/>
+            <p:nvPr/>
+          </p:nvSpPr>
+          <p:spPr>
+            <a:xfrm>
+              <a:off x="978334" y="3357738"/>
+              <a:ext cx="422030" cy="422031"/>
+            </a:xfrm>
+            <a:prstGeom prst="ellipse">
+              <a:avLst/>
+            </a:prstGeom>
+          </p:spPr>
+          <p:style>
+            <a:lnRef idx="2">
+              <a:schemeClr val="accent1">
+                <a:shade val="15000"/>
+              </a:schemeClr>
+            </a:lnRef>
+            <a:fillRef idx="1">
+              <a:schemeClr val="accent1"/>
+            </a:fillRef>
+            <a:effectRef idx="0">
+              <a:schemeClr val="accent1"/>
+            </a:effectRef>
+            <a:fontRef idx="minor">
+              <a:schemeClr val="lt1"/>
+            </a:fontRef>
+          </p:style>
+          <p:txBody>
+            <a:bodyPr rtlCol="0" anchor="ctr"/>
+            <a:lstStyle/>
+            <a:p>
+              <a:pPr algn="ctr"/>
+              <a:endParaRPr lang="en-US"/>
+            </a:p>
+          </p:txBody>
+        </p:sp>
+        <p:sp>
+          <p:nvSpPr>
+            <p:cNvPr id="1303" name="Ovale 1302">
+              <a:extLst>
+                <a:ext uri="{FF2B5EF4-FFF2-40B4-BE49-F238E27FC236}">
+                  <a16:creationId xmlns:a16="http://schemas.microsoft.com/office/drawing/2014/main" id="{1F05F857-9537-4C2C-2970-8F833649B5C5}"/>
+                </a:ext>
+              </a:extLst>
+            </p:cNvPr>
+            <p:cNvSpPr/>
+            <p:nvPr/>
+          </p:nvSpPr>
+          <p:spPr>
+            <a:xfrm>
+              <a:off x="315686" y="3885276"/>
+              <a:ext cx="422030" cy="422031"/>
+            </a:xfrm>
+            <a:prstGeom prst="ellipse">
+              <a:avLst/>
+            </a:prstGeom>
+            <a:solidFill>
+              <a:srgbClr val="FF0000"/>
+            </a:solidFill>
+          </p:spPr>
+          <p:style>
+            <a:lnRef idx="2">
+              <a:schemeClr val="accent1">
+                <a:shade val="15000"/>
+              </a:schemeClr>
+            </a:lnRef>
+            <a:fillRef idx="1">
+              <a:schemeClr val="accent1"/>
+            </a:fillRef>
+            <a:effectRef idx="0">
+              <a:schemeClr val="accent1"/>
+            </a:effectRef>
+            <a:fontRef idx="minor">
+              <a:schemeClr val="lt1"/>
+            </a:fontRef>
+          </p:style>
+          <p:txBody>
+            <a:bodyPr rtlCol="0" anchor="ctr"/>
+            <a:lstStyle/>
+            <a:p>
+              <a:pPr algn="ctr"/>
+              <a:endParaRPr lang="en-US"/>
+            </a:p>
+          </p:txBody>
+        </p:sp>
+        <p:sp>
+          <p:nvSpPr>
+            <p:cNvPr id="1304" name="Ovale 1303">
+              <a:extLst>
+                <a:ext uri="{FF2B5EF4-FFF2-40B4-BE49-F238E27FC236}">
+                  <a16:creationId xmlns:a16="http://schemas.microsoft.com/office/drawing/2014/main" id="{33C26BA2-1B63-8847-ECA3-BE0DFE09DD55}"/>
+                </a:ext>
+              </a:extLst>
+            </p:cNvPr>
+            <p:cNvSpPr/>
+            <p:nvPr/>
+          </p:nvSpPr>
+          <p:spPr>
+            <a:xfrm>
+              <a:off x="849273" y="4528434"/>
+              <a:ext cx="422030" cy="422031"/>
+            </a:xfrm>
+            <a:prstGeom prst="ellipse">
+              <a:avLst/>
+            </a:prstGeom>
+            <a:solidFill>
+              <a:srgbClr val="FF0000"/>
+            </a:solidFill>
+          </p:spPr>
+          <p:style>
+            <a:lnRef idx="2">
+              <a:schemeClr val="accent1">
+                <a:shade val="15000"/>
+              </a:schemeClr>
+            </a:lnRef>
+            <a:fillRef idx="1">
+              <a:schemeClr val="accent1"/>
+            </a:fillRef>
+            <a:effectRef idx="0">
+              <a:schemeClr val="accent1"/>
+            </a:effectRef>
+            <a:fontRef idx="minor">
+              <a:schemeClr val="lt1"/>
+            </a:fontRef>
+          </p:style>
+          <p:txBody>
+            <a:bodyPr rtlCol="0" anchor="ctr"/>
+            <a:lstStyle/>
+            <a:p>
+              <a:pPr algn="ctr"/>
+              <a:endParaRPr lang="en-US"/>
+            </a:p>
+          </p:txBody>
+        </p:sp>
+        <p:sp>
+          <p:nvSpPr>
+            <p:cNvPr id="1305" name="Ovale 1304">
+              <a:extLst>
+                <a:ext uri="{FF2B5EF4-FFF2-40B4-BE49-F238E27FC236}">
+                  <a16:creationId xmlns:a16="http://schemas.microsoft.com/office/drawing/2014/main" id="{1C8DDC8D-0CD5-8415-0BD7-085D4847ED4D}"/>
+                </a:ext>
+              </a:extLst>
+            </p:cNvPr>
+            <p:cNvSpPr/>
+            <p:nvPr/>
+          </p:nvSpPr>
+          <p:spPr>
+            <a:xfrm>
+              <a:off x="2020555" y="3161410"/>
+              <a:ext cx="422030" cy="422031"/>
+            </a:xfrm>
+            <a:prstGeom prst="ellipse">
+              <a:avLst/>
+            </a:prstGeom>
+          </p:spPr>
+          <p:style>
+            <a:lnRef idx="2">
+              <a:schemeClr val="accent1">
+                <a:shade val="15000"/>
+              </a:schemeClr>
+            </a:lnRef>
+            <a:fillRef idx="1">
+              <a:schemeClr val="accent1"/>
+            </a:fillRef>
+            <a:effectRef idx="0">
+              <a:schemeClr val="accent1"/>
+            </a:effectRef>
+            <a:fontRef idx="minor">
+              <a:schemeClr val="lt1"/>
+            </a:fontRef>
+          </p:style>
+          <p:txBody>
+            <a:bodyPr rtlCol="0" anchor="ctr"/>
+            <a:lstStyle/>
+            <a:p>
+              <a:pPr algn="ctr"/>
+              <a:endParaRPr lang="en-US"/>
+            </a:p>
+          </p:txBody>
+        </p:sp>
+        <p:sp>
+          <p:nvSpPr>
+            <p:cNvPr id="1306" name="Ovale 1305">
+              <a:extLst>
+                <a:ext uri="{FF2B5EF4-FFF2-40B4-BE49-F238E27FC236}">
+                  <a16:creationId xmlns:a16="http://schemas.microsoft.com/office/drawing/2014/main" id="{D91ED76E-4534-545D-F037-C6B14FA4F62D}"/>
+                </a:ext>
+              </a:extLst>
+            </p:cNvPr>
+            <p:cNvSpPr/>
+            <p:nvPr/>
+          </p:nvSpPr>
+          <p:spPr>
+            <a:xfrm>
+              <a:off x="1804890" y="3905110"/>
+              <a:ext cx="422030" cy="422031"/>
+            </a:xfrm>
+            <a:prstGeom prst="ellipse">
+              <a:avLst/>
+            </a:prstGeom>
+          </p:spPr>
+          <p:style>
+            <a:lnRef idx="2">
+              <a:schemeClr val="accent1">
+                <a:shade val="15000"/>
+              </a:schemeClr>
+            </a:lnRef>
+            <a:fillRef idx="1">
+              <a:schemeClr val="accent1"/>
+            </a:fillRef>
+            <a:effectRef idx="0">
+              <a:schemeClr val="accent1"/>
+            </a:effectRef>
+            <a:fontRef idx="minor">
+              <a:schemeClr val="lt1"/>
+            </a:fontRef>
+          </p:style>
+          <p:txBody>
+            <a:bodyPr rtlCol="0" anchor="ctr"/>
+            <a:lstStyle/>
+            <a:p>
+              <a:pPr algn="ctr"/>
+              <a:endParaRPr lang="en-US"/>
+            </a:p>
+          </p:txBody>
+        </p:sp>
+        <p:sp>
+          <p:nvSpPr>
+            <p:cNvPr id="1307" name="Ovale 1306">
+              <a:extLst>
+                <a:ext uri="{FF2B5EF4-FFF2-40B4-BE49-F238E27FC236}">
+                  <a16:creationId xmlns:a16="http://schemas.microsoft.com/office/drawing/2014/main" id="{A89C46FD-F975-15AD-4FB4-57E2683641CC}"/>
+                </a:ext>
+              </a:extLst>
+            </p:cNvPr>
+            <p:cNvSpPr/>
+            <p:nvPr/>
+          </p:nvSpPr>
+          <p:spPr>
+            <a:xfrm>
+              <a:off x="1976594" y="4551427"/>
+              <a:ext cx="422030" cy="422031"/>
+            </a:xfrm>
+            <a:prstGeom prst="ellipse">
+              <a:avLst/>
+            </a:prstGeom>
+            <a:solidFill>
+              <a:srgbClr val="FF0000"/>
+            </a:solidFill>
+          </p:spPr>
+          <p:style>
+            <a:lnRef idx="2">
+              <a:schemeClr val="accent1">
+                <a:shade val="15000"/>
+              </a:schemeClr>
+            </a:lnRef>
+            <a:fillRef idx="1">
+              <a:schemeClr val="accent1"/>
+            </a:fillRef>
+            <a:effectRef idx="0">
+              <a:schemeClr val="accent1"/>
+            </a:effectRef>
+            <a:fontRef idx="minor">
+              <a:schemeClr val="lt1"/>
+            </a:fontRef>
+          </p:style>
+          <p:txBody>
+            <a:bodyPr rtlCol="0" anchor="ctr"/>
+            <a:lstStyle/>
+            <a:p>
+              <a:pPr algn="ctr"/>
+              <a:endParaRPr lang="en-US"/>
+            </a:p>
+          </p:txBody>
+        </p:sp>
+        <p:sp>
+          <p:nvSpPr>
+            <p:cNvPr id="1308" name="Ovale 1307">
+              <a:extLst>
+                <a:ext uri="{FF2B5EF4-FFF2-40B4-BE49-F238E27FC236}">
+                  <a16:creationId xmlns:a16="http://schemas.microsoft.com/office/drawing/2014/main" id="{B1C0C9A8-AD59-5168-FCD7-1342C5163116}"/>
+                </a:ext>
+              </a:extLst>
+            </p:cNvPr>
+            <p:cNvSpPr/>
+            <p:nvPr/>
+          </p:nvSpPr>
+          <p:spPr>
+            <a:xfrm>
+              <a:off x="2776520" y="3895193"/>
+              <a:ext cx="422030" cy="422031"/>
+            </a:xfrm>
+            <a:prstGeom prst="ellipse">
+              <a:avLst/>
+            </a:prstGeom>
+            <a:solidFill>
+              <a:srgbClr val="00B050"/>
+            </a:solidFill>
+          </p:spPr>
+          <p:style>
+            <a:lnRef idx="2">
+              <a:schemeClr val="accent1">
+                <a:shade val="15000"/>
+              </a:schemeClr>
+            </a:lnRef>
+            <a:fillRef idx="1">
+              <a:schemeClr val="accent1"/>
+            </a:fillRef>
+            <a:effectRef idx="0">
+              <a:schemeClr val="accent1"/>
+            </a:effectRef>
+            <a:fontRef idx="minor">
+              <a:schemeClr val="lt1"/>
+            </a:fontRef>
+          </p:style>
+          <p:txBody>
+            <a:bodyPr rtlCol="0" anchor="ctr"/>
+            <a:lstStyle/>
+            <a:p>
+              <a:pPr algn="ctr"/>
+              <a:endParaRPr lang="en-US"/>
+            </a:p>
+          </p:txBody>
+        </p:sp>
+        <p:cxnSp>
+          <p:nvCxnSpPr>
+            <p:cNvPr id="1309" name="Connettore diritto 1308">
+              <a:extLst>
+                <a:ext uri="{FF2B5EF4-FFF2-40B4-BE49-F238E27FC236}">
+                  <a16:creationId xmlns:a16="http://schemas.microsoft.com/office/drawing/2014/main" id="{62D1FF53-11C5-540A-F1EC-B61CD36B6F95}"/>
+                </a:ext>
+              </a:extLst>
+            </p:cNvPr>
+            <p:cNvCxnSpPr>
+              <a:stCxn id="1302" idx="6"/>
+              <a:endCxn id="1305" idx="2"/>
+            </p:cNvCxnSpPr>
+            <p:nvPr/>
+          </p:nvCxnSpPr>
+          <p:spPr>
+            <a:xfrm flipV="1">
+              <a:off x="1400364" y="3372426"/>
+              <a:ext cx="620191" cy="196328"/>
+            </a:xfrm>
+            <a:prstGeom prst="line">
+              <a:avLst/>
+            </a:prstGeom>
+            <a:ln w="38100">
+              <a:solidFill>
+                <a:schemeClr val="tx1"/>
+              </a:solidFill>
+            </a:ln>
+          </p:spPr>
+          <p:style>
+            <a:lnRef idx="1">
+              <a:schemeClr val="accent1"/>
+            </a:lnRef>
+            <a:fillRef idx="0">
+              <a:schemeClr val="accent1"/>
+            </a:fillRef>
+            <a:effectRef idx="0">
+              <a:schemeClr val="accent1"/>
+            </a:effectRef>
+            <a:fontRef idx="minor">
+              <a:schemeClr val="tx1"/>
+            </a:fontRef>
+          </p:style>
+        </p:cxnSp>
+        <p:cxnSp>
+          <p:nvCxnSpPr>
+            <p:cNvPr id="1310" name="Connettore diritto 1309">
+              <a:extLst>
+                <a:ext uri="{FF2B5EF4-FFF2-40B4-BE49-F238E27FC236}">
+                  <a16:creationId xmlns:a16="http://schemas.microsoft.com/office/drawing/2014/main" id="{D2158152-D709-C48B-3CBC-5DAF09121E35}"/>
+                </a:ext>
+              </a:extLst>
+            </p:cNvPr>
+            <p:cNvCxnSpPr>
+              <a:cxnSpLocks/>
+              <a:stCxn id="1302" idx="6"/>
+              <a:endCxn id="1306" idx="2"/>
+            </p:cNvCxnSpPr>
+            <p:nvPr/>
+          </p:nvCxnSpPr>
+          <p:spPr>
+            <a:xfrm>
+              <a:off x="1400364" y="3568754"/>
+              <a:ext cx="404526" cy="547372"/>
+            </a:xfrm>
+            <a:prstGeom prst="line">
+              <a:avLst/>
+            </a:prstGeom>
+            <a:ln w="38100">
+              <a:solidFill>
+                <a:schemeClr val="tx1"/>
+              </a:solidFill>
+            </a:ln>
+          </p:spPr>
+          <p:style>
+            <a:lnRef idx="1">
+              <a:schemeClr val="accent1"/>
+            </a:lnRef>
+            <a:fillRef idx="0">
+              <a:schemeClr val="accent1"/>
+            </a:fillRef>
+            <a:effectRef idx="0">
+              <a:schemeClr val="accent1"/>
+            </a:effectRef>
+            <a:fontRef idx="minor">
+              <a:schemeClr val="tx1"/>
+            </a:fontRef>
+          </p:style>
+        </p:cxnSp>
+        <p:cxnSp>
+          <p:nvCxnSpPr>
+            <p:cNvPr id="1311" name="Connettore diritto 1310">
+              <a:extLst>
+                <a:ext uri="{FF2B5EF4-FFF2-40B4-BE49-F238E27FC236}">
+                  <a16:creationId xmlns:a16="http://schemas.microsoft.com/office/drawing/2014/main" id="{451F7A13-CC0D-A297-BD48-75F7A4954EBB}"/>
+                </a:ext>
+              </a:extLst>
+            </p:cNvPr>
+            <p:cNvCxnSpPr>
+              <a:cxnSpLocks/>
+              <a:stCxn id="1303" idx="6"/>
+              <a:endCxn id="1306" idx="2"/>
+            </p:cNvCxnSpPr>
+            <p:nvPr/>
+          </p:nvCxnSpPr>
+          <p:spPr>
+            <a:xfrm>
+              <a:off x="737716" y="4096292"/>
+              <a:ext cx="1067174" cy="19834"/>
+            </a:xfrm>
+            <a:prstGeom prst="line">
+              <a:avLst/>
+            </a:prstGeom>
+            <a:ln w="38100">
+              <a:solidFill>
+                <a:schemeClr val="tx1"/>
+              </a:solidFill>
+            </a:ln>
+          </p:spPr>
+          <p:style>
+            <a:lnRef idx="1">
+              <a:schemeClr val="accent1"/>
+            </a:lnRef>
+            <a:fillRef idx="0">
+              <a:schemeClr val="accent1"/>
+            </a:fillRef>
+            <a:effectRef idx="0">
+              <a:schemeClr val="accent1"/>
+            </a:effectRef>
+            <a:fontRef idx="minor">
+              <a:schemeClr val="tx1"/>
+            </a:fontRef>
+          </p:style>
+        </p:cxnSp>
+        <p:cxnSp>
+          <p:nvCxnSpPr>
+            <p:cNvPr id="1312" name="Connettore diritto 1311">
+              <a:extLst>
+                <a:ext uri="{FF2B5EF4-FFF2-40B4-BE49-F238E27FC236}">
+                  <a16:creationId xmlns:a16="http://schemas.microsoft.com/office/drawing/2014/main" id="{35796E12-A7F0-EC4F-E6E3-5CF0ED33061F}"/>
+                </a:ext>
+              </a:extLst>
+            </p:cNvPr>
+            <p:cNvCxnSpPr>
+              <a:cxnSpLocks/>
+              <a:stCxn id="1303" idx="6"/>
+              <a:endCxn id="1307" idx="2"/>
+            </p:cNvCxnSpPr>
+            <p:nvPr/>
+          </p:nvCxnSpPr>
+          <p:spPr>
+            <a:xfrm>
+              <a:off x="737716" y="4096292"/>
+              <a:ext cx="1238878" cy="666151"/>
+            </a:xfrm>
+            <a:prstGeom prst="line">
+              <a:avLst/>
+            </a:prstGeom>
+            <a:ln w="38100">
+              <a:solidFill>
+                <a:schemeClr val="tx1"/>
+              </a:solidFill>
+            </a:ln>
+          </p:spPr>
+          <p:style>
+            <a:lnRef idx="1">
+              <a:schemeClr val="accent1"/>
+            </a:lnRef>
+            <a:fillRef idx="0">
+              <a:schemeClr val="accent1"/>
+            </a:fillRef>
+            <a:effectRef idx="0">
+              <a:schemeClr val="accent1"/>
+            </a:effectRef>
+            <a:fontRef idx="minor">
+              <a:schemeClr val="tx1"/>
+            </a:fontRef>
+          </p:style>
+        </p:cxnSp>
+        <p:cxnSp>
+          <p:nvCxnSpPr>
+            <p:cNvPr id="1313" name="Connettore diritto 1312">
+              <a:extLst>
+                <a:ext uri="{FF2B5EF4-FFF2-40B4-BE49-F238E27FC236}">
+                  <a16:creationId xmlns:a16="http://schemas.microsoft.com/office/drawing/2014/main" id="{AB4E69B5-263C-8509-4683-111D637A8E3B}"/>
+                </a:ext>
+              </a:extLst>
+            </p:cNvPr>
+            <p:cNvCxnSpPr>
+              <a:cxnSpLocks/>
+              <a:stCxn id="1304" idx="6"/>
+              <a:endCxn id="1306" idx="2"/>
+            </p:cNvCxnSpPr>
+            <p:nvPr/>
+          </p:nvCxnSpPr>
+          <p:spPr>
+            <a:xfrm flipV="1">
+              <a:off x="1271303" y="4116126"/>
+              <a:ext cx="533587" cy="623324"/>
+            </a:xfrm>
+            <a:prstGeom prst="line">
+              <a:avLst/>
+            </a:prstGeom>
+            <a:solidFill>
+              <a:srgbClr val="FF0000"/>
+            </a:solidFill>
+            <a:ln w="38100">
+              <a:solidFill>
+                <a:schemeClr val="tx1"/>
+              </a:solidFill>
+            </a:ln>
+          </p:spPr>
+          <p:style>
+            <a:lnRef idx="1">
+              <a:schemeClr val="accent1"/>
+            </a:lnRef>
+            <a:fillRef idx="0">
+              <a:schemeClr val="accent1"/>
+            </a:fillRef>
+            <a:effectRef idx="0">
+              <a:schemeClr val="accent1"/>
+            </a:effectRef>
+            <a:fontRef idx="minor">
+              <a:schemeClr val="tx1"/>
+            </a:fontRef>
+          </p:style>
+        </p:cxnSp>
+        <p:cxnSp>
+          <p:nvCxnSpPr>
+            <p:cNvPr id="1314" name="Connettore diritto 1313">
+              <a:extLst>
+                <a:ext uri="{FF2B5EF4-FFF2-40B4-BE49-F238E27FC236}">
+                  <a16:creationId xmlns:a16="http://schemas.microsoft.com/office/drawing/2014/main" id="{9420488F-25A2-5F2F-2DE9-0EF11036648A}"/>
+                </a:ext>
+              </a:extLst>
+            </p:cNvPr>
+            <p:cNvCxnSpPr>
+              <a:cxnSpLocks/>
+              <a:stCxn id="1304" idx="6"/>
+              <a:endCxn id="1307" idx="2"/>
+            </p:cNvCxnSpPr>
+            <p:nvPr/>
+          </p:nvCxnSpPr>
+          <p:spPr>
+            <a:xfrm>
+              <a:off x="1271303" y="4739450"/>
+              <a:ext cx="705291" cy="22993"/>
+            </a:xfrm>
+            <a:prstGeom prst="line">
+              <a:avLst/>
+            </a:prstGeom>
+            <a:ln w="38100">
+              <a:solidFill>
+                <a:schemeClr val="tx1"/>
+              </a:solidFill>
+            </a:ln>
+          </p:spPr>
+          <p:style>
+            <a:lnRef idx="1">
+              <a:schemeClr val="accent1"/>
+            </a:lnRef>
+            <a:fillRef idx="0">
+              <a:schemeClr val="accent1"/>
+            </a:fillRef>
+            <a:effectRef idx="0">
+              <a:schemeClr val="accent1"/>
+            </a:effectRef>
+            <a:fontRef idx="minor">
+              <a:schemeClr val="tx1"/>
+            </a:fontRef>
+          </p:style>
+        </p:cxnSp>
+        <p:cxnSp>
+          <p:nvCxnSpPr>
+            <p:cNvPr id="1315" name="Connettore diritto 1314">
+              <a:extLst>
+                <a:ext uri="{FF2B5EF4-FFF2-40B4-BE49-F238E27FC236}">
+                  <a16:creationId xmlns:a16="http://schemas.microsoft.com/office/drawing/2014/main" id="{718D7F75-A6E1-F009-2B9D-8015F01589AF}"/>
+                </a:ext>
+              </a:extLst>
+            </p:cNvPr>
+            <p:cNvCxnSpPr>
+              <a:cxnSpLocks/>
+              <a:stCxn id="1305" idx="6"/>
+              <a:endCxn id="1308" idx="2"/>
+            </p:cNvCxnSpPr>
+            <p:nvPr/>
+          </p:nvCxnSpPr>
+          <p:spPr>
+            <a:xfrm>
+              <a:off x="2442585" y="3372426"/>
+              <a:ext cx="333935" cy="733783"/>
+            </a:xfrm>
+            <a:prstGeom prst="line">
+              <a:avLst/>
+            </a:prstGeom>
+            <a:ln w="38100">
+              <a:solidFill>
+                <a:schemeClr val="tx1"/>
+              </a:solidFill>
+            </a:ln>
+          </p:spPr>
+          <p:style>
+            <a:lnRef idx="1">
+              <a:schemeClr val="accent1"/>
+            </a:lnRef>
+            <a:fillRef idx="0">
+              <a:schemeClr val="accent1"/>
+            </a:fillRef>
+            <a:effectRef idx="0">
+              <a:schemeClr val="accent1"/>
+            </a:effectRef>
+            <a:fontRef idx="minor">
+              <a:schemeClr val="tx1"/>
+            </a:fontRef>
+          </p:style>
+        </p:cxnSp>
+        <p:cxnSp>
+          <p:nvCxnSpPr>
+            <p:cNvPr id="1316" name="Connettore diritto 1315">
+              <a:extLst>
+                <a:ext uri="{FF2B5EF4-FFF2-40B4-BE49-F238E27FC236}">
+                  <a16:creationId xmlns:a16="http://schemas.microsoft.com/office/drawing/2014/main" id="{CD9C32A9-A7C3-DC49-3CDA-8A7DFA817816}"/>
+                </a:ext>
+              </a:extLst>
+            </p:cNvPr>
+            <p:cNvCxnSpPr>
+              <a:cxnSpLocks/>
+              <a:stCxn id="1306" idx="6"/>
+              <a:endCxn id="1308" idx="2"/>
+            </p:cNvCxnSpPr>
+            <p:nvPr/>
+          </p:nvCxnSpPr>
+          <p:spPr>
+            <a:xfrm flipV="1">
+              <a:off x="2226920" y="4106209"/>
+              <a:ext cx="549600" cy="9917"/>
+            </a:xfrm>
+            <a:prstGeom prst="line">
+              <a:avLst/>
+            </a:prstGeom>
+            <a:ln w="38100">
+              <a:solidFill>
+                <a:schemeClr val="tx1"/>
+              </a:solidFill>
+            </a:ln>
+          </p:spPr>
+          <p:style>
+            <a:lnRef idx="1">
+              <a:schemeClr val="accent1"/>
+            </a:lnRef>
+            <a:fillRef idx="0">
+              <a:schemeClr val="accent1"/>
+            </a:fillRef>
+            <a:effectRef idx="0">
+              <a:schemeClr val="accent1"/>
+            </a:effectRef>
+            <a:fontRef idx="minor">
+              <a:schemeClr val="tx1"/>
+            </a:fontRef>
+          </p:style>
+        </p:cxnSp>
+        <p:cxnSp>
+          <p:nvCxnSpPr>
+            <p:cNvPr id="1317" name="Connettore diritto 1316">
+              <a:extLst>
+                <a:ext uri="{FF2B5EF4-FFF2-40B4-BE49-F238E27FC236}">
+                  <a16:creationId xmlns:a16="http://schemas.microsoft.com/office/drawing/2014/main" id="{9BE1D14F-30F7-E1B1-00C8-83F773E5EABF}"/>
+                </a:ext>
+              </a:extLst>
+            </p:cNvPr>
+            <p:cNvCxnSpPr>
+              <a:cxnSpLocks/>
+              <a:stCxn id="1307" idx="6"/>
+              <a:endCxn id="1308" idx="2"/>
+            </p:cNvCxnSpPr>
+            <p:nvPr/>
+          </p:nvCxnSpPr>
+          <p:spPr>
+            <a:xfrm flipV="1">
+              <a:off x="2398624" y="4106209"/>
+              <a:ext cx="377896" cy="656234"/>
+            </a:xfrm>
+            <a:prstGeom prst="line">
+              <a:avLst/>
+            </a:prstGeom>
+            <a:ln w="38100">
+              <a:solidFill>
+                <a:schemeClr val="tx1"/>
+              </a:solidFill>
+            </a:ln>
+          </p:spPr>
+          <p:style>
+            <a:lnRef idx="1">
+              <a:schemeClr val="accent1"/>
+            </a:lnRef>
+            <a:fillRef idx="0">
+              <a:schemeClr val="accent1"/>
+            </a:fillRef>
+            <a:effectRef idx="0">
+              <a:schemeClr val="accent1"/>
+            </a:effectRef>
+            <a:fontRef idx="minor">
+              <a:schemeClr val="tx1"/>
+            </a:fontRef>
+          </p:style>
+        </p:cxnSp>
+      </p:grpSp>
+      <p:sp>
+        <p:nvSpPr>
+          <p:cNvPr id="1318" name="CasellaDiTesto 1317">
+            <a:extLst>
+              <a:ext uri="{FF2B5EF4-FFF2-40B4-BE49-F238E27FC236}">
+                <a16:creationId xmlns:a16="http://schemas.microsoft.com/office/drawing/2014/main" id="{9583478E-13A3-7811-E3AC-7599DE668350}"/>
+              </a:ext>
+            </a:extLst>
+          </p:cNvPr>
+          <p:cNvSpPr txBox="1"/>
+          <p:nvPr/>
+        </p:nvSpPr>
+        <p:spPr>
+          <a:xfrm>
+            <a:off x="7989512" y="1622360"/>
+            <a:ext cx="1024465" cy="369332"/>
+          </a:xfrm>
+          <a:prstGeom prst="rect">
+            <a:avLst/>
+          </a:prstGeom>
+          <a:noFill/>
+        </p:spPr>
+        <p:txBody>
+          <a:bodyPr wrap="square" rtlCol="0">
+            <a:spAutoFit/>
+          </a:bodyPr>
+          <a:lstStyle/>
+          <a:p>
+            <a:pPr algn="ctr"/>
+            <a:r>
+              <a:rPr lang="en-US" dirty="0"/>
+              <a:t>GRN</a:t>
+            </a:r>
+          </a:p>
+        </p:txBody>
+      </p:sp>
+      <p:sp>
+        <p:nvSpPr>
+          <p:cNvPr id="1319" name="CasellaDiTesto 1318">
+            <a:extLst>
+              <a:ext uri="{FF2B5EF4-FFF2-40B4-BE49-F238E27FC236}">
+                <a16:creationId xmlns:a16="http://schemas.microsoft.com/office/drawing/2014/main" id="{39EB64CD-BFB7-A0C6-687E-45DCBD8CD0CA}"/>
+              </a:ext>
+            </a:extLst>
+          </p:cNvPr>
+          <p:cNvSpPr txBox="1"/>
+          <p:nvPr/>
+        </p:nvSpPr>
+        <p:spPr>
+          <a:xfrm>
+            <a:off x="3822441" y="-37839"/>
+            <a:ext cx="569884" cy="369332"/>
+          </a:xfrm>
+          <a:prstGeom prst="rect">
+            <a:avLst/>
+          </a:prstGeom>
+          <a:noFill/>
+        </p:spPr>
+        <p:txBody>
+          <a:bodyPr wrap="square" rtlCol="0">
+            <a:spAutoFit/>
+          </a:bodyPr>
+          <a:lstStyle/>
+          <a:p>
+            <a:r>
+              <a:rPr lang="en-US" dirty="0"/>
+              <a:t>B)</a:t>
+            </a:r>
+          </a:p>
+        </p:txBody>
+      </p:sp>
+      <p:sp>
+        <p:nvSpPr>
+          <p:cNvPr id="1320" name="CasellaDiTesto 1319">
+            <a:extLst>
+              <a:ext uri="{FF2B5EF4-FFF2-40B4-BE49-F238E27FC236}">
+                <a16:creationId xmlns:a16="http://schemas.microsoft.com/office/drawing/2014/main" id="{422E91DC-07B8-0CBF-8927-25619AC33EDC}"/>
+              </a:ext>
+            </a:extLst>
+          </p:cNvPr>
+          <p:cNvSpPr txBox="1"/>
+          <p:nvPr/>
+        </p:nvSpPr>
+        <p:spPr>
+          <a:xfrm>
+            <a:off x="155330" y="2190361"/>
+            <a:ext cx="569884" cy="369332"/>
+          </a:xfrm>
+          <a:prstGeom prst="rect">
+            <a:avLst/>
+          </a:prstGeom>
+          <a:noFill/>
+        </p:spPr>
+        <p:txBody>
+          <a:bodyPr wrap="square" rtlCol="0">
+            <a:spAutoFit/>
+          </a:bodyPr>
+          <a:lstStyle/>
+          <a:p>
+            <a:r>
+              <a:rPr lang="en-US" dirty="0"/>
+              <a:t>C)</a:t>
+            </a:r>
+          </a:p>
+        </p:txBody>
+      </p:sp>
+      <p:sp>
+        <p:nvSpPr>
+          <p:cNvPr id="1321" name="CasellaDiTesto 1320">
+            <a:extLst>
+              <a:ext uri="{FF2B5EF4-FFF2-40B4-BE49-F238E27FC236}">
+                <a16:creationId xmlns:a16="http://schemas.microsoft.com/office/drawing/2014/main" id="{9DD12D83-93F5-4A45-81E9-21AF8C5D9463}"/>
+              </a:ext>
+            </a:extLst>
+          </p:cNvPr>
+          <p:cNvSpPr txBox="1"/>
+          <p:nvPr/>
+        </p:nvSpPr>
+        <p:spPr>
+          <a:xfrm>
+            <a:off x="3822441" y="2187808"/>
+            <a:ext cx="569884" cy="369332"/>
+          </a:xfrm>
+          <a:prstGeom prst="rect">
+            <a:avLst/>
+          </a:prstGeom>
+          <a:noFill/>
+        </p:spPr>
+        <p:txBody>
+          <a:bodyPr wrap="square" rtlCol="0">
+            <a:spAutoFit/>
+          </a:bodyPr>
+          <a:lstStyle/>
+          <a:p>
+            <a:r>
+              <a:rPr lang="en-US" dirty="0"/>
+              <a:t>D)</a:t>
+            </a:r>
+          </a:p>
+        </p:txBody>
+      </p:sp>
+    </p:spTree>
+    <p:extLst>
+      <p:ext uri="{BB962C8B-B14F-4D97-AF65-F5344CB8AC3E}">
+        <p14:creationId xmlns:p14="http://schemas.microsoft.com/office/powerpoint/2010/main" val="3487653809"/>
       </p:ext>
     </p:extLst>
   </p:cSld>

--- a/figures/addtional_figures.pptx
+++ b/figures/addtional_figures.pptx
@@ -5,7 +5,7 @@
     <p:sldMasterId id="2147483648" r:id="rId1"/>
   </p:sldMasterIdLst>
   <p:notesMasterIdLst>
-    <p:notesMasterId r:id="rId11"/>
+    <p:notesMasterId r:id="rId12"/>
   </p:notesMasterIdLst>
   <p:sldIdLst>
     <p:sldId id="256" r:id="rId2"/>
@@ -17,6 +17,7 @@
     <p:sldId id="262" r:id="rId8"/>
     <p:sldId id="263" r:id="rId9"/>
     <p:sldId id="264" r:id="rId10"/>
+    <p:sldId id="265" r:id="rId11"/>
   </p:sldIdLst>
   <p:sldSz cx="12192000" cy="6858000"/>
   <p:notesSz cx="6858000" cy="9144000"/>
@@ -205,7 +206,7 @@
           <a:p>
             <a:fld id="{141436AA-BBA3-41B5-A45C-EE3A47F06D69}" type="datetimeFigureOut">
               <a:rPr lang="en-US" smtClean="0"/>
-              <a:t>8/25/2024</a:t>
+              <a:t>9/7/2024</a:t>
             </a:fld>
             <a:endParaRPr lang="en-US"/>
           </a:p>
@@ -1012,7 +1013,7 @@
           <a:p>
             <a:fld id="{D1849B51-CB8F-4E70-B214-8C45EFD2E0E3}" type="datetimeFigureOut">
               <a:rPr lang="en-US" smtClean="0"/>
-              <a:t>8/25/2024</a:t>
+              <a:t>9/7/2024</a:t>
             </a:fld>
             <a:endParaRPr lang="en-US"/>
           </a:p>
@@ -1212,7 +1213,7 @@
           <a:p>
             <a:fld id="{D1849B51-CB8F-4E70-B214-8C45EFD2E0E3}" type="datetimeFigureOut">
               <a:rPr lang="en-US" smtClean="0"/>
-              <a:t>8/25/2024</a:t>
+              <a:t>9/7/2024</a:t>
             </a:fld>
             <a:endParaRPr lang="en-US"/>
           </a:p>
@@ -1422,7 +1423,7 @@
           <a:p>
             <a:fld id="{D1849B51-CB8F-4E70-B214-8C45EFD2E0E3}" type="datetimeFigureOut">
               <a:rPr lang="en-US" smtClean="0"/>
-              <a:t>8/25/2024</a:t>
+              <a:t>9/7/2024</a:t>
             </a:fld>
             <a:endParaRPr lang="en-US"/>
           </a:p>
@@ -1622,7 +1623,7 @@
           <a:p>
             <a:fld id="{D1849B51-CB8F-4E70-B214-8C45EFD2E0E3}" type="datetimeFigureOut">
               <a:rPr lang="en-US" smtClean="0"/>
-              <a:t>8/25/2024</a:t>
+              <a:t>9/7/2024</a:t>
             </a:fld>
             <a:endParaRPr lang="en-US"/>
           </a:p>
@@ -1898,7 +1899,7 @@
           <a:p>
             <a:fld id="{D1849B51-CB8F-4E70-B214-8C45EFD2E0E3}" type="datetimeFigureOut">
               <a:rPr lang="en-US" smtClean="0"/>
-              <a:t>8/25/2024</a:t>
+              <a:t>9/7/2024</a:t>
             </a:fld>
             <a:endParaRPr lang="en-US"/>
           </a:p>
@@ -2166,7 +2167,7 @@
           <a:p>
             <a:fld id="{D1849B51-CB8F-4E70-B214-8C45EFD2E0E3}" type="datetimeFigureOut">
               <a:rPr lang="en-US" smtClean="0"/>
-              <a:t>8/25/2024</a:t>
+              <a:t>9/7/2024</a:t>
             </a:fld>
             <a:endParaRPr lang="en-US"/>
           </a:p>
@@ -2581,7 +2582,7 @@
           <a:p>
             <a:fld id="{D1849B51-CB8F-4E70-B214-8C45EFD2E0E3}" type="datetimeFigureOut">
               <a:rPr lang="en-US" smtClean="0"/>
-              <a:t>8/25/2024</a:t>
+              <a:t>9/7/2024</a:t>
             </a:fld>
             <a:endParaRPr lang="en-US"/>
           </a:p>
@@ -2723,7 +2724,7 @@
           <a:p>
             <a:fld id="{D1849B51-CB8F-4E70-B214-8C45EFD2E0E3}" type="datetimeFigureOut">
               <a:rPr lang="en-US" smtClean="0"/>
-              <a:t>8/25/2024</a:t>
+              <a:t>9/7/2024</a:t>
             </a:fld>
             <a:endParaRPr lang="en-US"/>
           </a:p>
@@ -2836,7 +2837,7 @@
           <a:p>
             <a:fld id="{D1849B51-CB8F-4E70-B214-8C45EFD2E0E3}" type="datetimeFigureOut">
               <a:rPr lang="en-US" smtClean="0"/>
-              <a:t>8/25/2024</a:t>
+              <a:t>9/7/2024</a:t>
             </a:fld>
             <a:endParaRPr lang="en-US"/>
           </a:p>
@@ -3149,7 +3150,7 @@
           <a:p>
             <a:fld id="{D1849B51-CB8F-4E70-B214-8C45EFD2E0E3}" type="datetimeFigureOut">
               <a:rPr lang="en-US" smtClean="0"/>
-              <a:t>8/25/2024</a:t>
+              <a:t>9/7/2024</a:t>
             </a:fld>
             <a:endParaRPr lang="en-US"/>
           </a:p>
@@ -3438,7 +3439,7 @@
           <a:p>
             <a:fld id="{D1849B51-CB8F-4E70-B214-8C45EFD2E0E3}" type="datetimeFigureOut">
               <a:rPr lang="en-US" smtClean="0"/>
-              <a:t>8/25/2024</a:t>
+              <a:t>9/7/2024</a:t>
             </a:fld>
             <a:endParaRPr lang="en-US"/>
           </a:p>
@@ -3681,7 +3682,7 @@
           <a:p>
             <a:fld id="{D1849B51-CB8F-4E70-B214-8C45EFD2E0E3}" type="datetimeFigureOut">
               <a:rPr lang="en-US" smtClean="0"/>
-              <a:t>8/25/2024</a:t>
+              <a:t>9/7/2024</a:t>
             </a:fld>
             <a:endParaRPr lang="en-US"/>
           </a:p>
@@ -4750,6 +4751,1284 @@
     <p:extLst>
       <p:ext uri="{BB962C8B-B14F-4D97-AF65-F5344CB8AC3E}">
         <p14:creationId xmlns:p14="http://schemas.microsoft.com/office/powerpoint/2010/main" val="4231469287"/>
+      </p:ext>
+    </p:extLst>
+  </p:cSld>
+  <p:clrMapOvr>
+    <a:masterClrMapping/>
+  </p:clrMapOvr>
+</p:sld>
+</file>
+
+<file path=ppt/slides/slide10.xml><?xml version="1.0" encoding="utf-8"?>
+<p:sld xmlns:a="http://schemas.openxmlformats.org/drawingml/2006/main" xmlns:r="http://schemas.openxmlformats.org/officeDocument/2006/relationships" xmlns:p="http://schemas.openxmlformats.org/presentationml/2006/main">
+  <p:cSld>
+    <p:spTree>
+      <p:nvGrpSpPr>
+        <p:cNvPr id="1" name=""/>
+        <p:cNvGrpSpPr/>
+        <p:nvPr/>
+      </p:nvGrpSpPr>
+      <p:grpSpPr>
+        <a:xfrm>
+          <a:off x="0" y="0"/>
+          <a:ext cx="0" cy="0"/>
+          <a:chOff x="0" y="0"/>
+          <a:chExt cx="0" cy="0"/>
+        </a:xfrm>
+      </p:grpSpPr>
+      <p:sp>
+        <p:nvSpPr>
+          <p:cNvPr id="2" name="Rettangolo 1">
+            <a:extLst>
+              <a:ext uri="{FF2B5EF4-FFF2-40B4-BE49-F238E27FC236}">
+                <a16:creationId xmlns:a16="http://schemas.microsoft.com/office/drawing/2014/main" id="{95DDCE02-43B5-A81E-687C-9E147DEAD8A9}"/>
+              </a:ext>
+            </a:extLst>
+          </p:cNvPr>
+          <p:cNvSpPr/>
+          <p:nvPr/>
+        </p:nvSpPr>
+        <p:spPr>
+          <a:xfrm>
+            <a:off x="3305908" y="211015"/>
+            <a:ext cx="2180492" cy="703385"/>
+          </a:xfrm>
+          <a:prstGeom prst="rect">
+            <a:avLst/>
+          </a:prstGeom>
+        </p:spPr>
+        <p:style>
+          <a:lnRef idx="2">
+            <a:schemeClr val="accent1">
+              <a:shade val="15000"/>
+            </a:schemeClr>
+          </a:lnRef>
+          <a:fillRef idx="1">
+            <a:schemeClr val="accent1"/>
+          </a:fillRef>
+          <a:effectRef idx="0">
+            <a:schemeClr val="accent1"/>
+          </a:effectRef>
+          <a:fontRef idx="minor">
+            <a:schemeClr val="lt1"/>
+          </a:fontRef>
+        </p:style>
+        <p:txBody>
+          <a:bodyPr rtlCol="0" anchor="ctr"/>
+          <a:lstStyle/>
+          <a:p>
+            <a:pPr algn="ctr"/>
+            <a:r>
+              <a:rPr lang="en-US" dirty="0"/>
+              <a:t>Explainability</a:t>
+            </a:r>
+          </a:p>
+        </p:txBody>
+      </p:sp>
+      <p:cxnSp>
+        <p:nvCxnSpPr>
+          <p:cNvPr id="4" name="Connettore 2 3">
+            <a:extLst>
+              <a:ext uri="{FF2B5EF4-FFF2-40B4-BE49-F238E27FC236}">
+                <a16:creationId xmlns:a16="http://schemas.microsoft.com/office/drawing/2014/main" id="{FAB907E2-FC97-B4DD-DB3B-509D1334DDB7}"/>
+              </a:ext>
+            </a:extLst>
+          </p:cNvPr>
+          <p:cNvCxnSpPr>
+            <a:cxnSpLocks/>
+            <a:stCxn id="2" idx="2"/>
+            <a:endCxn id="6" idx="0"/>
+          </p:cNvCxnSpPr>
+          <p:nvPr/>
+        </p:nvCxnSpPr>
+        <p:spPr>
+          <a:xfrm flipH="1">
+            <a:off x="2347546" y="914400"/>
+            <a:ext cx="2048608" cy="855785"/>
+          </a:xfrm>
+          <a:prstGeom prst="straightConnector1">
+            <a:avLst/>
+          </a:prstGeom>
+          <a:ln w="38100">
+            <a:tailEnd type="triangle"/>
+          </a:ln>
+        </p:spPr>
+        <p:style>
+          <a:lnRef idx="1">
+            <a:schemeClr val="accent1"/>
+          </a:lnRef>
+          <a:fillRef idx="0">
+            <a:schemeClr val="accent1"/>
+          </a:fillRef>
+          <a:effectRef idx="0">
+            <a:schemeClr val="accent1"/>
+          </a:effectRef>
+          <a:fontRef idx="minor">
+            <a:schemeClr val="tx1"/>
+          </a:fontRef>
+        </p:style>
+      </p:cxnSp>
+      <p:sp>
+        <p:nvSpPr>
+          <p:cNvPr id="6" name="Rettangolo 5">
+            <a:extLst>
+              <a:ext uri="{FF2B5EF4-FFF2-40B4-BE49-F238E27FC236}">
+                <a16:creationId xmlns:a16="http://schemas.microsoft.com/office/drawing/2014/main" id="{76B3F8B9-FA0C-C8E4-4551-39A3AB1A8086}"/>
+              </a:ext>
+            </a:extLst>
+          </p:cNvPr>
+          <p:cNvSpPr/>
+          <p:nvPr/>
+        </p:nvSpPr>
+        <p:spPr>
+          <a:xfrm>
+            <a:off x="1257300" y="1770185"/>
+            <a:ext cx="2180492" cy="703385"/>
+          </a:xfrm>
+          <a:prstGeom prst="rect">
+            <a:avLst/>
+          </a:prstGeom>
+        </p:spPr>
+        <p:style>
+          <a:lnRef idx="2">
+            <a:schemeClr val="accent1">
+              <a:shade val="15000"/>
+            </a:schemeClr>
+          </a:lnRef>
+          <a:fillRef idx="1">
+            <a:schemeClr val="accent1"/>
+          </a:fillRef>
+          <a:effectRef idx="0">
+            <a:schemeClr val="accent1"/>
+          </a:effectRef>
+          <a:fontRef idx="minor">
+            <a:schemeClr val="lt1"/>
+          </a:fontRef>
+        </p:style>
+        <p:txBody>
+          <a:bodyPr rtlCol="0" anchor="ctr"/>
+          <a:lstStyle/>
+          <a:p>
+            <a:pPr algn="ctr"/>
+            <a:r>
+              <a:rPr lang="en-US" dirty="0"/>
+              <a:t>Factual</a:t>
+            </a:r>
+          </a:p>
+        </p:txBody>
+      </p:sp>
+      <p:sp>
+        <p:nvSpPr>
+          <p:cNvPr id="8" name="Rettangolo 7">
+            <a:extLst>
+              <a:ext uri="{FF2B5EF4-FFF2-40B4-BE49-F238E27FC236}">
+                <a16:creationId xmlns:a16="http://schemas.microsoft.com/office/drawing/2014/main" id="{BA5ADDD4-948B-BF96-FFB3-0AEB14BBECA0}"/>
+              </a:ext>
+            </a:extLst>
+          </p:cNvPr>
+          <p:cNvSpPr/>
+          <p:nvPr/>
+        </p:nvSpPr>
+        <p:spPr>
+          <a:xfrm>
+            <a:off x="6096000" y="1770184"/>
+            <a:ext cx="2180492" cy="703385"/>
+          </a:xfrm>
+          <a:prstGeom prst="rect">
+            <a:avLst/>
+          </a:prstGeom>
+        </p:spPr>
+        <p:style>
+          <a:lnRef idx="2">
+            <a:schemeClr val="accent1">
+              <a:shade val="15000"/>
+            </a:schemeClr>
+          </a:lnRef>
+          <a:fillRef idx="1">
+            <a:schemeClr val="accent1"/>
+          </a:fillRef>
+          <a:effectRef idx="0">
+            <a:schemeClr val="accent1"/>
+          </a:effectRef>
+          <a:fontRef idx="minor">
+            <a:schemeClr val="lt1"/>
+          </a:fontRef>
+        </p:style>
+        <p:txBody>
+          <a:bodyPr rtlCol="0" anchor="ctr"/>
+          <a:lstStyle/>
+          <a:p>
+            <a:pPr algn="ctr"/>
+            <a:r>
+              <a:rPr lang="en-US" dirty="0" err="1"/>
+              <a:t>conterfactual</a:t>
+            </a:r>
+            <a:endParaRPr lang="en-US" dirty="0"/>
+          </a:p>
+        </p:txBody>
+      </p:sp>
+      <p:cxnSp>
+        <p:nvCxnSpPr>
+          <p:cNvPr id="9" name="Connettore 2 8">
+            <a:extLst>
+              <a:ext uri="{FF2B5EF4-FFF2-40B4-BE49-F238E27FC236}">
+                <a16:creationId xmlns:a16="http://schemas.microsoft.com/office/drawing/2014/main" id="{267C2162-1BB0-F7AB-3218-9ED5294A2286}"/>
+              </a:ext>
+            </a:extLst>
+          </p:cNvPr>
+          <p:cNvCxnSpPr>
+            <a:cxnSpLocks/>
+            <a:stCxn id="2" idx="2"/>
+            <a:endCxn id="8" idx="0"/>
+          </p:cNvCxnSpPr>
+          <p:nvPr/>
+        </p:nvCxnSpPr>
+        <p:spPr>
+          <a:xfrm>
+            <a:off x="4396154" y="914400"/>
+            <a:ext cx="2790092" cy="855784"/>
+          </a:xfrm>
+          <a:prstGeom prst="straightConnector1">
+            <a:avLst/>
+          </a:prstGeom>
+          <a:ln w="38100">
+            <a:tailEnd type="triangle"/>
+          </a:ln>
+        </p:spPr>
+        <p:style>
+          <a:lnRef idx="1">
+            <a:schemeClr val="accent1"/>
+          </a:lnRef>
+          <a:fillRef idx="0">
+            <a:schemeClr val="accent1"/>
+          </a:fillRef>
+          <a:effectRef idx="0">
+            <a:schemeClr val="accent1"/>
+          </a:effectRef>
+          <a:fontRef idx="minor">
+            <a:schemeClr val="tx1"/>
+          </a:fontRef>
+        </p:style>
+      </p:cxnSp>
+      <p:cxnSp>
+        <p:nvCxnSpPr>
+          <p:cNvPr id="14" name="Connettore 2 13">
+            <a:extLst>
+              <a:ext uri="{FF2B5EF4-FFF2-40B4-BE49-F238E27FC236}">
+                <a16:creationId xmlns:a16="http://schemas.microsoft.com/office/drawing/2014/main" id="{9EEAE754-2522-60D5-BDB0-A1F2DAEA503C}"/>
+              </a:ext>
+            </a:extLst>
+          </p:cNvPr>
+          <p:cNvCxnSpPr>
+            <a:cxnSpLocks/>
+            <a:stCxn id="6" idx="2"/>
+            <a:endCxn id="15" idx="0"/>
+          </p:cNvCxnSpPr>
+          <p:nvPr/>
+        </p:nvCxnSpPr>
+        <p:spPr>
+          <a:xfrm flipH="1">
+            <a:off x="1090246" y="2473570"/>
+            <a:ext cx="1257300" cy="955430"/>
+          </a:xfrm>
+          <a:prstGeom prst="straightConnector1">
+            <a:avLst/>
+          </a:prstGeom>
+          <a:ln w="38100">
+            <a:tailEnd type="triangle"/>
+          </a:ln>
+        </p:spPr>
+        <p:style>
+          <a:lnRef idx="1">
+            <a:schemeClr val="accent1"/>
+          </a:lnRef>
+          <a:fillRef idx="0">
+            <a:schemeClr val="accent1"/>
+          </a:fillRef>
+          <a:effectRef idx="0">
+            <a:schemeClr val="accent1"/>
+          </a:effectRef>
+          <a:fontRef idx="minor">
+            <a:schemeClr val="tx1"/>
+          </a:fontRef>
+        </p:style>
+      </p:cxnSp>
+      <p:sp>
+        <p:nvSpPr>
+          <p:cNvPr id="15" name="Rettangolo 14">
+            <a:extLst>
+              <a:ext uri="{FF2B5EF4-FFF2-40B4-BE49-F238E27FC236}">
+                <a16:creationId xmlns:a16="http://schemas.microsoft.com/office/drawing/2014/main" id="{CF0810A9-702E-9C92-803B-2425C8D20837}"/>
+              </a:ext>
+            </a:extLst>
+          </p:cNvPr>
+          <p:cNvSpPr/>
+          <p:nvPr/>
+        </p:nvSpPr>
+        <p:spPr>
+          <a:xfrm>
+            <a:off x="0" y="3429000"/>
+            <a:ext cx="2180492" cy="703385"/>
+          </a:xfrm>
+          <a:prstGeom prst="rect">
+            <a:avLst/>
+          </a:prstGeom>
+        </p:spPr>
+        <p:style>
+          <a:lnRef idx="2">
+            <a:schemeClr val="accent1">
+              <a:shade val="15000"/>
+            </a:schemeClr>
+          </a:lnRef>
+          <a:fillRef idx="1">
+            <a:schemeClr val="accent1"/>
+          </a:fillRef>
+          <a:effectRef idx="0">
+            <a:schemeClr val="accent1"/>
+          </a:effectRef>
+          <a:fontRef idx="minor">
+            <a:schemeClr val="lt1"/>
+          </a:fontRef>
+        </p:style>
+        <p:txBody>
+          <a:bodyPr rtlCol="0" anchor="ctr"/>
+          <a:lstStyle/>
+          <a:p>
+            <a:pPr algn="ctr"/>
+            <a:r>
+              <a:rPr lang="en-US" dirty="0"/>
+              <a:t>Factual</a:t>
+            </a:r>
+          </a:p>
+        </p:txBody>
+      </p:sp>
+      <p:sp>
+        <p:nvSpPr>
+          <p:cNvPr id="16" name="Rettangolo 15">
+            <a:extLst>
+              <a:ext uri="{FF2B5EF4-FFF2-40B4-BE49-F238E27FC236}">
+                <a16:creationId xmlns:a16="http://schemas.microsoft.com/office/drawing/2014/main" id="{2BBA09AE-8CB1-4263-DB39-53032891FA8F}"/>
+              </a:ext>
+            </a:extLst>
+          </p:cNvPr>
+          <p:cNvSpPr/>
+          <p:nvPr/>
+        </p:nvSpPr>
+        <p:spPr>
+          <a:xfrm>
+            <a:off x="3174023" y="3411413"/>
+            <a:ext cx="2180492" cy="703385"/>
+          </a:xfrm>
+          <a:prstGeom prst="rect">
+            <a:avLst/>
+          </a:prstGeom>
+        </p:spPr>
+        <p:style>
+          <a:lnRef idx="2">
+            <a:schemeClr val="accent1">
+              <a:shade val="15000"/>
+            </a:schemeClr>
+          </a:lnRef>
+          <a:fillRef idx="1">
+            <a:schemeClr val="accent1"/>
+          </a:fillRef>
+          <a:effectRef idx="0">
+            <a:schemeClr val="accent1"/>
+          </a:effectRef>
+          <a:fontRef idx="minor">
+            <a:schemeClr val="lt1"/>
+          </a:fontRef>
+        </p:style>
+        <p:txBody>
+          <a:bodyPr rtlCol="0" anchor="ctr"/>
+          <a:lstStyle/>
+          <a:p>
+            <a:pPr algn="ctr"/>
+            <a:r>
+              <a:rPr lang="en-US" dirty="0"/>
+              <a:t>Post-hoc</a:t>
+            </a:r>
+          </a:p>
+        </p:txBody>
+      </p:sp>
+      <p:cxnSp>
+        <p:nvCxnSpPr>
+          <p:cNvPr id="17" name="Connettore 2 16">
+            <a:extLst>
+              <a:ext uri="{FF2B5EF4-FFF2-40B4-BE49-F238E27FC236}">
+                <a16:creationId xmlns:a16="http://schemas.microsoft.com/office/drawing/2014/main" id="{5CF253C2-704F-46D5-1CCC-D102D37872C5}"/>
+              </a:ext>
+            </a:extLst>
+          </p:cNvPr>
+          <p:cNvCxnSpPr>
+            <a:cxnSpLocks/>
+            <a:stCxn id="6" idx="2"/>
+            <a:endCxn id="16" idx="0"/>
+          </p:cNvCxnSpPr>
+          <p:nvPr/>
+        </p:nvCxnSpPr>
+        <p:spPr>
+          <a:xfrm>
+            <a:off x="2347546" y="2473570"/>
+            <a:ext cx="1916723" cy="937843"/>
+          </a:xfrm>
+          <a:prstGeom prst="straightConnector1">
+            <a:avLst/>
+          </a:prstGeom>
+          <a:ln w="38100">
+            <a:tailEnd type="triangle"/>
+          </a:ln>
+        </p:spPr>
+        <p:style>
+          <a:lnRef idx="1">
+            <a:schemeClr val="accent1"/>
+          </a:lnRef>
+          <a:fillRef idx="0">
+            <a:schemeClr val="accent1"/>
+          </a:fillRef>
+          <a:effectRef idx="0">
+            <a:schemeClr val="accent1"/>
+          </a:effectRef>
+          <a:fontRef idx="minor">
+            <a:schemeClr val="tx1"/>
+          </a:fontRef>
+        </p:style>
+      </p:cxnSp>
+      <p:cxnSp>
+        <p:nvCxnSpPr>
+          <p:cNvPr id="27" name="Connettore 2 26">
+            <a:extLst>
+              <a:ext uri="{FF2B5EF4-FFF2-40B4-BE49-F238E27FC236}">
+                <a16:creationId xmlns:a16="http://schemas.microsoft.com/office/drawing/2014/main" id="{33E928D9-8DAB-D551-4F5B-DA1298B58787}"/>
+              </a:ext>
+            </a:extLst>
+          </p:cNvPr>
+          <p:cNvCxnSpPr>
+            <a:cxnSpLocks/>
+            <a:stCxn id="15" idx="2"/>
+            <a:endCxn id="28" idx="0"/>
+          </p:cNvCxnSpPr>
+          <p:nvPr/>
+        </p:nvCxnSpPr>
+        <p:spPr>
+          <a:xfrm flipH="1">
+            <a:off x="603435" y="4132385"/>
+            <a:ext cx="486811" cy="703385"/>
+          </a:xfrm>
+          <a:prstGeom prst="straightConnector1">
+            <a:avLst/>
+          </a:prstGeom>
+          <a:ln w="38100">
+            <a:tailEnd type="triangle"/>
+          </a:ln>
+        </p:spPr>
+        <p:style>
+          <a:lnRef idx="1">
+            <a:schemeClr val="accent1"/>
+          </a:lnRef>
+          <a:fillRef idx="0">
+            <a:schemeClr val="accent1"/>
+          </a:fillRef>
+          <a:effectRef idx="0">
+            <a:schemeClr val="accent1"/>
+          </a:effectRef>
+          <a:fontRef idx="minor">
+            <a:schemeClr val="tx1"/>
+          </a:fontRef>
+        </p:style>
+      </p:cxnSp>
+      <p:sp>
+        <p:nvSpPr>
+          <p:cNvPr id="28" name="Rettangolo 27">
+            <a:extLst>
+              <a:ext uri="{FF2B5EF4-FFF2-40B4-BE49-F238E27FC236}">
+                <a16:creationId xmlns:a16="http://schemas.microsoft.com/office/drawing/2014/main" id="{042FAEB4-BDE1-520A-6F0B-E0FB17BB8ABC}"/>
+              </a:ext>
+            </a:extLst>
+          </p:cNvPr>
+          <p:cNvSpPr/>
+          <p:nvPr/>
+        </p:nvSpPr>
+        <p:spPr>
+          <a:xfrm>
+            <a:off x="-147145" y="4835770"/>
+            <a:ext cx="1501160" cy="703385"/>
+          </a:xfrm>
+          <a:prstGeom prst="rect">
+            <a:avLst/>
+          </a:prstGeom>
+        </p:spPr>
+        <p:style>
+          <a:lnRef idx="2">
+            <a:schemeClr val="accent1">
+              <a:shade val="15000"/>
+            </a:schemeClr>
+          </a:lnRef>
+          <a:fillRef idx="1">
+            <a:schemeClr val="accent1"/>
+          </a:fillRef>
+          <a:effectRef idx="0">
+            <a:schemeClr val="accent1"/>
+          </a:effectRef>
+          <a:fontRef idx="minor">
+            <a:schemeClr val="lt1"/>
+          </a:fontRef>
+        </p:style>
+        <p:txBody>
+          <a:bodyPr rtlCol="0" anchor="ctr"/>
+          <a:lstStyle/>
+          <a:p>
+            <a:pPr algn="ctr"/>
+            <a:r>
+              <a:rPr lang="en-US" dirty="0"/>
+              <a:t>Information constraint</a:t>
+            </a:r>
+          </a:p>
+        </p:txBody>
+      </p:sp>
+      <p:sp>
+        <p:nvSpPr>
+          <p:cNvPr id="29" name="Rettangolo 28">
+            <a:extLst>
+              <a:ext uri="{FF2B5EF4-FFF2-40B4-BE49-F238E27FC236}">
+                <a16:creationId xmlns:a16="http://schemas.microsoft.com/office/drawing/2014/main" id="{370A9E49-3078-3093-39D5-C459176F3D74}"/>
+              </a:ext>
+            </a:extLst>
+          </p:cNvPr>
+          <p:cNvSpPr/>
+          <p:nvPr/>
+        </p:nvSpPr>
+        <p:spPr>
+          <a:xfrm>
+            <a:off x="1490423" y="4835769"/>
+            <a:ext cx="1501160" cy="703385"/>
+          </a:xfrm>
+          <a:prstGeom prst="rect">
+            <a:avLst/>
+          </a:prstGeom>
+        </p:spPr>
+        <p:style>
+          <a:lnRef idx="2">
+            <a:schemeClr val="accent1">
+              <a:shade val="15000"/>
+            </a:schemeClr>
+          </a:lnRef>
+          <a:fillRef idx="1">
+            <a:schemeClr val="accent1"/>
+          </a:fillRef>
+          <a:effectRef idx="0">
+            <a:schemeClr val="accent1"/>
+          </a:effectRef>
+          <a:fontRef idx="minor">
+            <a:schemeClr val="lt1"/>
+          </a:fontRef>
+        </p:style>
+        <p:txBody>
+          <a:bodyPr rtlCol="0" anchor="ctr"/>
+          <a:lstStyle/>
+          <a:p>
+            <a:pPr algn="ctr"/>
+            <a:r>
+              <a:rPr lang="en-US" dirty="0"/>
+              <a:t>Architectural constraint</a:t>
+            </a:r>
+          </a:p>
+        </p:txBody>
+      </p:sp>
+      <p:cxnSp>
+        <p:nvCxnSpPr>
+          <p:cNvPr id="30" name="Connettore 2 29">
+            <a:extLst>
+              <a:ext uri="{FF2B5EF4-FFF2-40B4-BE49-F238E27FC236}">
+                <a16:creationId xmlns:a16="http://schemas.microsoft.com/office/drawing/2014/main" id="{E02A557B-5128-96A7-7D0B-165CE8156EA2}"/>
+              </a:ext>
+            </a:extLst>
+          </p:cNvPr>
+          <p:cNvCxnSpPr>
+            <a:cxnSpLocks/>
+            <a:stCxn id="15" idx="2"/>
+            <a:endCxn id="29" idx="0"/>
+          </p:cNvCxnSpPr>
+          <p:nvPr/>
+        </p:nvCxnSpPr>
+        <p:spPr>
+          <a:xfrm>
+            <a:off x="1090246" y="4132385"/>
+            <a:ext cx="1150757" cy="703384"/>
+          </a:xfrm>
+          <a:prstGeom prst="straightConnector1">
+            <a:avLst/>
+          </a:prstGeom>
+          <a:ln w="38100">
+            <a:tailEnd type="triangle"/>
+          </a:ln>
+        </p:spPr>
+        <p:style>
+          <a:lnRef idx="1">
+            <a:schemeClr val="accent1"/>
+          </a:lnRef>
+          <a:fillRef idx="0">
+            <a:schemeClr val="accent1"/>
+          </a:fillRef>
+          <a:effectRef idx="0">
+            <a:schemeClr val="accent1"/>
+          </a:effectRef>
+          <a:fontRef idx="minor">
+            <a:schemeClr val="tx1"/>
+          </a:fontRef>
+        </p:style>
+      </p:cxnSp>
+      <p:sp>
+        <p:nvSpPr>
+          <p:cNvPr id="36" name="Rettangolo 35">
+            <a:extLst>
+              <a:ext uri="{FF2B5EF4-FFF2-40B4-BE49-F238E27FC236}">
+                <a16:creationId xmlns:a16="http://schemas.microsoft.com/office/drawing/2014/main" id="{232ECCAA-BC20-9669-B733-B5A1F3D5D493}"/>
+              </a:ext>
+            </a:extLst>
+          </p:cNvPr>
+          <p:cNvSpPr/>
+          <p:nvPr/>
+        </p:nvSpPr>
+        <p:spPr>
+          <a:xfrm>
+            <a:off x="3192113" y="4826069"/>
+            <a:ext cx="1501160" cy="703385"/>
+          </a:xfrm>
+          <a:prstGeom prst="rect">
+            <a:avLst/>
+          </a:prstGeom>
+        </p:spPr>
+        <p:style>
+          <a:lnRef idx="2">
+            <a:schemeClr val="accent1">
+              <a:shade val="15000"/>
+            </a:schemeClr>
+          </a:lnRef>
+          <a:fillRef idx="1">
+            <a:schemeClr val="accent1"/>
+          </a:fillRef>
+          <a:effectRef idx="0">
+            <a:schemeClr val="accent1"/>
+          </a:effectRef>
+          <a:fontRef idx="minor">
+            <a:schemeClr val="lt1"/>
+          </a:fontRef>
+        </p:style>
+        <p:txBody>
+          <a:bodyPr rtlCol="0" anchor="ctr"/>
+          <a:lstStyle/>
+          <a:p>
+            <a:pPr algn="ctr"/>
+            <a:r>
+              <a:rPr lang="en-US" dirty="0"/>
+              <a:t>Gradient based</a:t>
+            </a:r>
+          </a:p>
+        </p:txBody>
+      </p:sp>
+      <p:sp>
+        <p:nvSpPr>
+          <p:cNvPr id="37" name="Rettangolo 36">
+            <a:extLst>
+              <a:ext uri="{FF2B5EF4-FFF2-40B4-BE49-F238E27FC236}">
+                <a16:creationId xmlns:a16="http://schemas.microsoft.com/office/drawing/2014/main" id="{B42C6F88-79DA-EEA0-8734-3D0F47344AEE}"/>
+              </a:ext>
+            </a:extLst>
+          </p:cNvPr>
+          <p:cNvSpPr/>
+          <p:nvPr/>
+        </p:nvSpPr>
+        <p:spPr>
+          <a:xfrm>
+            <a:off x="4986905" y="4826069"/>
+            <a:ext cx="1592393" cy="703385"/>
+          </a:xfrm>
+          <a:prstGeom prst="rect">
+            <a:avLst/>
+          </a:prstGeom>
+        </p:spPr>
+        <p:style>
+          <a:lnRef idx="2">
+            <a:schemeClr val="accent1">
+              <a:shade val="15000"/>
+            </a:schemeClr>
+          </a:lnRef>
+          <a:fillRef idx="1">
+            <a:schemeClr val="accent1"/>
+          </a:fillRef>
+          <a:effectRef idx="0">
+            <a:schemeClr val="accent1"/>
+          </a:effectRef>
+          <a:fontRef idx="minor">
+            <a:schemeClr val="lt1"/>
+          </a:fontRef>
+        </p:style>
+        <p:txBody>
+          <a:bodyPr rtlCol="0" anchor="ctr"/>
+          <a:lstStyle/>
+          <a:p>
+            <a:pPr algn="ctr"/>
+            <a:r>
+              <a:rPr lang="en-US" dirty="0"/>
+              <a:t>Decomposition </a:t>
+            </a:r>
+          </a:p>
+        </p:txBody>
+      </p:sp>
+      <p:sp>
+        <p:nvSpPr>
+          <p:cNvPr id="38" name="Rettangolo 37">
+            <a:extLst>
+              <a:ext uri="{FF2B5EF4-FFF2-40B4-BE49-F238E27FC236}">
+                <a16:creationId xmlns:a16="http://schemas.microsoft.com/office/drawing/2014/main" id="{66ECC620-ADF7-ADEE-3A57-3EA473C40F7E}"/>
+              </a:ext>
+            </a:extLst>
+          </p:cNvPr>
+          <p:cNvSpPr/>
+          <p:nvPr/>
+        </p:nvSpPr>
+        <p:spPr>
+          <a:xfrm>
+            <a:off x="6782406" y="4835769"/>
+            <a:ext cx="1501160" cy="703385"/>
+          </a:xfrm>
+          <a:prstGeom prst="rect">
+            <a:avLst/>
+          </a:prstGeom>
+        </p:spPr>
+        <p:style>
+          <a:lnRef idx="2">
+            <a:schemeClr val="accent1">
+              <a:shade val="15000"/>
+            </a:schemeClr>
+          </a:lnRef>
+          <a:fillRef idx="1">
+            <a:schemeClr val="accent1"/>
+          </a:fillRef>
+          <a:effectRef idx="0">
+            <a:schemeClr val="accent1"/>
+          </a:effectRef>
+          <a:fontRef idx="minor">
+            <a:schemeClr val="lt1"/>
+          </a:fontRef>
+        </p:style>
+        <p:txBody>
+          <a:bodyPr rtlCol="0" anchor="ctr"/>
+          <a:lstStyle/>
+          <a:p>
+            <a:pPr algn="ctr"/>
+            <a:r>
+              <a:rPr lang="en-US" dirty="0"/>
+              <a:t>Surrogate </a:t>
+            </a:r>
+          </a:p>
+        </p:txBody>
+      </p:sp>
+      <p:sp>
+        <p:nvSpPr>
+          <p:cNvPr id="39" name="Rettangolo 38">
+            <a:extLst>
+              <a:ext uri="{FF2B5EF4-FFF2-40B4-BE49-F238E27FC236}">
+                <a16:creationId xmlns:a16="http://schemas.microsoft.com/office/drawing/2014/main" id="{82BF888A-2D1C-FA74-7141-F273D1DC89BD}"/>
+              </a:ext>
+            </a:extLst>
+          </p:cNvPr>
+          <p:cNvSpPr/>
+          <p:nvPr/>
+        </p:nvSpPr>
+        <p:spPr>
+          <a:xfrm>
+            <a:off x="8486673" y="4835769"/>
+            <a:ext cx="1501160" cy="703385"/>
+          </a:xfrm>
+          <a:prstGeom prst="rect">
+            <a:avLst/>
+          </a:prstGeom>
+        </p:spPr>
+        <p:style>
+          <a:lnRef idx="2">
+            <a:schemeClr val="accent1">
+              <a:shade val="15000"/>
+            </a:schemeClr>
+          </a:lnRef>
+          <a:fillRef idx="1">
+            <a:schemeClr val="accent1"/>
+          </a:fillRef>
+          <a:effectRef idx="0">
+            <a:schemeClr val="accent1"/>
+          </a:effectRef>
+          <a:fontRef idx="minor">
+            <a:schemeClr val="lt1"/>
+          </a:fontRef>
+        </p:style>
+        <p:txBody>
+          <a:bodyPr rtlCol="0" anchor="ctr"/>
+          <a:lstStyle/>
+          <a:p>
+            <a:pPr algn="ctr"/>
+            <a:r>
+              <a:rPr lang="en-US" dirty="0"/>
+              <a:t>Perturbation </a:t>
+            </a:r>
+          </a:p>
+        </p:txBody>
+      </p:sp>
+      <p:sp>
+        <p:nvSpPr>
+          <p:cNvPr id="43" name="Rettangolo 42">
+            <a:extLst>
+              <a:ext uri="{FF2B5EF4-FFF2-40B4-BE49-F238E27FC236}">
+                <a16:creationId xmlns:a16="http://schemas.microsoft.com/office/drawing/2014/main" id="{1831D441-AA31-4E3C-11F2-FD03FBE3883A}"/>
+              </a:ext>
+            </a:extLst>
+          </p:cNvPr>
+          <p:cNvSpPr/>
+          <p:nvPr/>
+        </p:nvSpPr>
+        <p:spPr>
+          <a:xfrm>
+            <a:off x="10190940" y="4835769"/>
+            <a:ext cx="1501160" cy="703385"/>
+          </a:xfrm>
+          <a:prstGeom prst="rect">
+            <a:avLst/>
+          </a:prstGeom>
+        </p:spPr>
+        <p:style>
+          <a:lnRef idx="2">
+            <a:schemeClr val="accent1">
+              <a:shade val="15000"/>
+            </a:schemeClr>
+          </a:lnRef>
+          <a:fillRef idx="1">
+            <a:schemeClr val="accent1"/>
+          </a:fillRef>
+          <a:effectRef idx="0">
+            <a:schemeClr val="accent1"/>
+          </a:effectRef>
+          <a:fontRef idx="minor">
+            <a:schemeClr val="lt1"/>
+          </a:fontRef>
+        </p:style>
+        <p:txBody>
+          <a:bodyPr rtlCol="0" anchor="ctr"/>
+          <a:lstStyle/>
+          <a:p>
+            <a:pPr algn="ctr"/>
+            <a:r>
+              <a:rPr lang="en-US" dirty="0"/>
+              <a:t>Generative </a:t>
+            </a:r>
+          </a:p>
+        </p:txBody>
+      </p:sp>
+      <p:cxnSp>
+        <p:nvCxnSpPr>
+          <p:cNvPr id="44" name="Connettore 2 43">
+            <a:extLst>
+              <a:ext uri="{FF2B5EF4-FFF2-40B4-BE49-F238E27FC236}">
+                <a16:creationId xmlns:a16="http://schemas.microsoft.com/office/drawing/2014/main" id="{74D837AC-DE6A-5DA6-7BEC-6BAA40590595}"/>
+              </a:ext>
+            </a:extLst>
+          </p:cNvPr>
+          <p:cNvCxnSpPr>
+            <a:cxnSpLocks/>
+            <a:stCxn id="16" idx="2"/>
+          </p:cNvCxnSpPr>
+          <p:nvPr/>
+        </p:nvCxnSpPr>
+        <p:spPr>
+          <a:xfrm flipH="1">
+            <a:off x="3942693" y="4114798"/>
+            <a:ext cx="321576" cy="720971"/>
+          </a:xfrm>
+          <a:prstGeom prst="straightConnector1">
+            <a:avLst/>
+          </a:prstGeom>
+          <a:ln w="38100">
+            <a:tailEnd type="triangle"/>
+          </a:ln>
+        </p:spPr>
+        <p:style>
+          <a:lnRef idx="1">
+            <a:schemeClr val="accent1"/>
+          </a:lnRef>
+          <a:fillRef idx="0">
+            <a:schemeClr val="accent1"/>
+          </a:fillRef>
+          <a:effectRef idx="0">
+            <a:schemeClr val="accent1"/>
+          </a:effectRef>
+          <a:fontRef idx="minor">
+            <a:schemeClr val="tx1"/>
+          </a:fontRef>
+        </p:style>
+      </p:cxnSp>
+      <p:cxnSp>
+        <p:nvCxnSpPr>
+          <p:cNvPr id="47" name="Connettore 2 46">
+            <a:extLst>
+              <a:ext uri="{FF2B5EF4-FFF2-40B4-BE49-F238E27FC236}">
+                <a16:creationId xmlns:a16="http://schemas.microsoft.com/office/drawing/2014/main" id="{E03DF82D-25E9-D647-B633-478BF9DD2507}"/>
+              </a:ext>
+            </a:extLst>
+          </p:cNvPr>
+          <p:cNvCxnSpPr>
+            <a:cxnSpLocks/>
+            <a:stCxn id="16" idx="2"/>
+            <a:endCxn id="37" idx="0"/>
+          </p:cNvCxnSpPr>
+          <p:nvPr/>
+        </p:nvCxnSpPr>
+        <p:spPr>
+          <a:xfrm>
+            <a:off x="4264269" y="4114798"/>
+            <a:ext cx="1518833" cy="711271"/>
+          </a:xfrm>
+          <a:prstGeom prst="straightConnector1">
+            <a:avLst/>
+          </a:prstGeom>
+          <a:ln w="38100">
+            <a:tailEnd type="triangle"/>
+          </a:ln>
+        </p:spPr>
+        <p:style>
+          <a:lnRef idx="1">
+            <a:schemeClr val="accent1"/>
+          </a:lnRef>
+          <a:fillRef idx="0">
+            <a:schemeClr val="accent1"/>
+          </a:fillRef>
+          <a:effectRef idx="0">
+            <a:schemeClr val="accent1"/>
+          </a:effectRef>
+          <a:fontRef idx="minor">
+            <a:schemeClr val="tx1"/>
+          </a:fontRef>
+        </p:style>
+      </p:cxnSp>
+      <p:cxnSp>
+        <p:nvCxnSpPr>
+          <p:cNvPr id="48" name="Connettore 2 47">
+            <a:extLst>
+              <a:ext uri="{FF2B5EF4-FFF2-40B4-BE49-F238E27FC236}">
+                <a16:creationId xmlns:a16="http://schemas.microsoft.com/office/drawing/2014/main" id="{63E4D5D6-A984-81F6-1CB4-DA7FD4D670D9}"/>
+              </a:ext>
+            </a:extLst>
+          </p:cNvPr>
+          <p:cNvCxnSpPr>
+            <a:cxnSpLocks/>
+            <a:stCxn id="16" idx="2"/>
+            <a:endCxn id="38" idx="0"/>
+          </p:cNvCxnSpPr>
+          <p:nvPr/>
+        </p:nvCxnSpPr>
+        <p:spPr>
+          <a:xfrm>
+            <a:off x="4264269" y="4114798"/>
+            <a:ext cx="3268717" cy="720971"/>
+          </a:xfrm>
+          <a:prstGeom prst="straightConnector1">
+            <a:avLst/>
+          </a:prstGeom>
+          <a:ln w="38100">
+            <a:tailEnd type="triangle"/>
+          </a:ln>
+        </p:spPr>
+        <p:style>
+          <a:lnRef idx="1">
+            <a:schemeClr val="accent1"/>
+          </a:lnRef>
+          <a:fillRef idx="0">
+            <a:schemeClr val="accent1"/>
+          </a:fillRef>
+          <a:effectRef idx="0">
+            <a:schemeClr val="accent1"/>
+          </a:effectRef>
+          <a:fontRef idx="minor">
+            <a:schemeClr val="tx1"/>
+          </a:fontRef>
+        </p:style>
+      </p:cxnSp>
+      <p:cxnSp>
+        <p:nvCxnSpPr>
+          <p:cNvPr id="49" name="Connettore 2 48">
+            <a:extLst>
+              <a:ext uri="{FF2B5EF4-FFF2-40B4-BE49-F238E27FC236}">
+                <a16:creationId xmlns:a16="http://schemas.microsoft.com/office/drawing/2014/main" id="{3F86BAA0-7B37-3715-87C5-700CAD386E63}"/>
+              </a:ext>
+            </a:extLst>
+          </p:cNvPr>
+          <p:cNvCxnSpPr>
+            <a:cxnSpLocks/>
+            <a:stCxn id="16" idx="2"/>
+            <a:endCxn id="39" idx="0"/>
+          </p:cNvCxnSpPr>
+          <p:nvPr/>
+        </p:nvCxnSpPr>
+        <p:spPr>
+          <a:xfrm>
+            <a:off x="4264269" y="4114798"/>
+            <a:ext cx="4972984" cy="720971"/>
+          </a:xfrm>
+          <a:prstGeom prst="straightConnector1">
+            <a:avLst/>
+          </a:prstGeom>
+          <a:ln w="38100">
+            <a:tailEnd type="triangle"/>
+          </a:ln>
+        </p:spPr>
+        <p:style>
+          <a:lnRef idx="1">
+            <a:schemeClr val="accent1"/>
+          </a:lnRef>
+          <a:fillRef idx="0">
+            <a:schemeClr val="accent1"/>
+          </a:fillRef>
+          <a:effectRef idx="0">
+            <a:schemeClr val="accent1"/>
+          </a:effectRef>
+          <a:fontRef idx="minor">
+            <a:schemeClr val="tx1"/>
+          </a:fontRef>
+        </p:style>
+      </p:cxnSp>
+      <p:cxnSp>
+        <p:nvCxnSpPr>
+          <p:cNvPr id="50" name="Connettore 2 49">
+            <a:extLst>
+              <a:ext uri="{FF2B5EF4-FFF2-40B4-BE49-F238E27FC236}">
+                <a16:creationId xmlns:a16="http://schemas.microsoft.com/office/drawing/2014/main" id="{FAD509B4-7700-5C13-5408-209D6EF0C26E}"/>
+              </a:ext>
+            </a:extLst>
+          </p:cNvPr>
+          <p:cNvCxnSpPr>
+            <a:cxnSpLocks/>
+            <a:stCxn id="16" idx="2"/>
+            <a:endCxn id="43" idx="0"/>
+          </p:cNvCxnSpPr>
+          <p:nvPr/>
+        </p:nvCxnSpPr>
+        <p:spPr>
+          <a:xfrm>
+            <a:off x="4264269" y="4114798"/>
+            <a:ext cx="6677251" cy="720971"/>
+          </a:xfrm>
+          <a:prstGeom prst="straightConnector1">
+            <a:avLst/>
+          </a:prstGeom>
+          <a:ln w="38100">
+            <a:tailEnd type="triangle"/>
+          </a:ln>
+        </p:spPr>
+        <p:style>
+          <a:lnRef idx="1">
+            <a:schemeClr val="accent1"/>
+          </a:lnRef>
+          <a:fillRef idx="0">
+            <a:schemeClr val="accent1"/>
+          </a:fillRef>
+          <a:effectRef idx="0">
+            <a:schemeClr val="accent1"/>
+          </a:effectRef>
+          <a:fontRef idx="minor">
+            <a:schemeClr val="tx1"/>
+          </a:fontRef>
+        </p:style>
+      </p:cxnSp>
+      <p:sp>
+        <p:nvSpPr>
+          <p:cNvPr id="59" name="Rettangolo 58">
+            <a:extLst>
+              <a:ext uri="{FF2B5EF4-FFF2-40B4-BE49-F238E27FC236}">
+                <a16:creationId xmlns:a16="http://schemas.microsoft.com/office/drawing/2014/main" id="{CB0D46A2-070C-369C-124F-C844F90ECD37}"/>
+              </a:ext>
+            </a:extLst>
+          </p:cNvPr>
+          <p:cNvSpPr/>
+          <p:nvPr/>
+        </p:nvSpPr>
+        <p:spPr>
+          <a:xfrm>
+            <a:off x="6089533" y="3184840"/>
+            <a:ext cx="1501160" cy="703385"/>
+          </a:xfrm>
+          <a:prstGeom prst="rect">
+            <a:avLst/>
+          </a:prstGeom>
+        </p:spPr>
+        <p:style>
+          <a:lnRef idx="2">
+            <a:schemeClr val="accent1">
+              <a:shade val="15000"/>
+            </a:schemeClr>
+          </a:lnRef>
+          <a:fillRef idx="1">
+            <a:schemeClr val="accent1"/>
+          </a:fillRef>
+          <a:effectRef idx="0">
+            <a:schemeClr val="accent1"/>
+          </a:effectRef>
+          <a:fontRef idx="minor">
+            <a:schemeClr val="lt1"/>
+          </a:fontRef>
+        </p:style>
+        <p:txBody>
+          <a:bodyPr rtlCol="0" anchor="ctr"/>
+          <a:lstStyle/>
+          <a:p>
+            <a:pPr algn="ctr"/>
+            <a:r>
+              <a:rPr lang="en-US" dirty="0" err="1"/>
+              <a:t>Conterfactual</a:t>
+            </a:r>
+            <a:r>
+              <a:rPr lang="en-US" dirty="0"/>
+              <a:t> </a:t>
+            </a:r>
+          </a:p>
+        </p:txBody>
+      </p:sp>
+      <p:sp>
+        <p:nvSpPr>
+          <p:cNvPr id="60" name="Rettangolo 59">
+            <a:extLst>
+              <a:ext uri="{FF2B5EF4-FFF2-40B4-BE49-F238E27FC236}">
+                <a16:creationId xmlns:a16="http://schemas.microsoft.com/office/drawing/2014/main" id="{C8472364-386B-7801-02B7-D7976AE13AD6}"/>
+              </a:ext>
+            </a:extLst>
+          </p:cNvPr>
+          <p:cNvSpPr/>
+          <p:nvPr/>
+        </p:nvSpPr>
+        <p:spPr>
+          <a:xfrm>
+            <a:off x="7884325" y="3184840"/>
+            <a:ext cx="1592393" cy="703385"/>
+          </a:xfrm>
+          <a:prstGeom prst="rect">
+            <a:avLst/>
+          </a:prstGeom>
+        </p:spPr>
+        <p:style>
+          <a:lnRef idx="2">
+            <a:schemeClr val="accent1">
+              <a:shade val="15000"/>
+            </a:schemeClr>
+          </a:lnRef>
+          <a:fillRef idx="1">
+            <a:schemeClr val="accent1"/>
+          </a:fillRef>
+          <a:effectRef idx="0">
+            <a:schemeClr val="accent1"/>
+          </a:effectRef>
+          <a:fontRef idx="minor">
+            <a:schemeClr val="lt1"/>
+          </a:fontRef>
+        </p:style>
+        <p:txBody>
+          <a:bodyPr rtlCol="0" anchor="ctr"/>
+          <a:lstStyle/>
+          <a:p>
+            <a:pPr algn="ctr"/>
+            <a:r>
+              <a:rPr lang="en-US" dirty="0"/>
+              <a:t>Adversarial  </a:t>
+            </a:r>
+          </a:p>
+        </p:txBody>
+      </p:sp>
+      <p:cxnSp>
+        <p:nvCxnSpPr>
+          <p:cNvPr id="61" name="Connettore 2 60">
+            <a:extLst>
+              <a:ext uri="{FF2B5EF4-FFF2-40B4-BE49-F238E27FC236}">
+                <a16:creationId xmlns:a16="http://schemas.microsoft.com/office/drawing/2014/main" id="{4BBED8AE-04EF-883E-ADD7-5D4C39765F4F}"/>
+              </a:ext>
+            </a:extLst>
+          </p:cNvPr>
+          <p:cNvCxnSpPr>
+            <a:cxnSpLocks/>
+            <a:stCxn id="8" idx="2"/>
+          </p:cNvCxnSpPr>
+          <p:nvPr/>
+        </p:nvCxnSpPr>
+        <p:spPr>
+          <a:xfrm flipH="1">
+            <a:off x="6840113" y="2473569"/>
+            <a:ext cx="346133" cy="720971"/>
+          </a:xfrm>
+          <a:prstGeom prst="straightConnector1">
+            <a:avLst/>
+          </a:prstGeom>
+          <a:ln w="38100">
+            <a:tailEnd type="triangle"/>
+          </a:ln>
+        </p:spPr>
+        <p:style>
+          <a:lnRef idx="1">
+            <a:schemeClr val="accent1"/>
+          </a:lnRef>
+          <a:fillRef idx="0">
+            <a:schemeClr val="accent1"/>
+          </a:fillRef>
+          <a:effectRef idx="0">
+            <a:schemeClr val="accent1"/>
+          </a:effectRef>
+          <a:fontRef idx="minor">
+            <a:schemeClr val="tx1"/>
+          </a:fontRef>
+        </p:style>
+      </p:cxnSp>
+      <p:cxnSp>
+        <p:nvCxnSpPr>
+          <p:cNvPr id="62" name="Connettore 2 61">
+            <a:extLst>
+              <a:ext uri="{FF2B5EF4-FFF2-40B4-BE49-F238E27FC236}">
+                <a16:creationId xmlns:a16="http://schemas.microsoft.com/office/drawing/2014/main" id="{E91CAF7D-9503-2666-467A-C91EB1F53E16}"/>
+              </a:ext>
+            </a:extLst>
+          </p:cNvPr>
+          <p:cNvCxnSpPr>
+            <a:cxnSpLocks/>
+            <a:stCxn id="8" idx="2"/>
+            <a:endCxn id="60" idx="0"/>
+          </p:cNvCxnSpPr>
+          <p:nvPr/>
+        </p:nvCxnSpPr>
+        <p:spPr>
+          <a:xfrm>
+            <a:off x="7186246" y="2473569"/>
+            <a:ext cx="1494276" cy="711271"/>
+          </a:xfrm>
+          <a:prstGeom prst="straightConnector1">
+            <a:avLst/>
+          </a:prstGeom>
+          <a:ln w="38100">
+            <a:tailEnd type="triangle"/>
+          </a:ln>
+        </p:spPr>
+        <p:style>
+          <a:lnRef idx="1">
+            <a:schemeClr val="accent1"/>
+          </a:lnRef>
+          <a:fillRef idx="0">
+            <a:schemeClr val="accent1"/>
+          </a:fillRef>
+          <a:effectRef idx="0">
+            <a:schemeClr val="accent1"/>
+          </a:effectRef>
+          <a:fontRef idx="minor">
+            <a:schemeClr val="tx1"/>
+          </a:fontRef>
+        </p:style>
+      </p:cxnSp>
+    </p:spTree>
+    <p:extLst>
+      <p:ext uri="{BB962C8B-B14F-4D97-AF65-F5344CB8AC3E}">
+        <p14:creationId xmlns:p14="http://schemas.microsoft.com/office/powerpoint/2010/main" val="4232126567"/>
       </p:ext>
     </p:extLst>
   </p:cSld>

--- a/figures/addtional_figures.pptx
+++ b/figures/addtional_figures.pptx
@@ -5,7 +5,7 @@
     <p:sldMasterId id="2147483648" r:id="rId1"/>
   </p:sldMasterIdLst>
   <p:notesMasterIdLst>
-    <p:notesMasterId r:id="rId12"/>
+    <p:notesMasterId r:id="rId13"/>
   </p:notesMasterIdLst>
   <p:sldIdLst>
     <p:sldId id="256" r:id="rId2"/>
@@ -18,6 +18,7 @@
     <p:sldId id="263" r:id="rId9"/>
     <p:sldId id="264" r:id="rId10"/>
     <p:sldId id="265" r:id="rId11"/>
+    <p:sldId id="266" r:id="rId12"/>
   </p:sldIdLst>
   <p:sldSz cx="12192000" cy="6858000"/>
   <p:notesSz cx="6858000" cy="9144000"/>
@@ -206,7 +207,7 @@
           <a:p>
             <a:fld id="{141436AA-BBA3-41B5-A45C-EE3A47F06D69}" type="datetimeFigureOut">
               <a:rPr lang="en-US" smtClean="0"/>
-              <a:t>9/7/2024</a:t>
+              <a:t>9/13/2024</a:t>
             </a:fld>
             <a:endParaRPr lang="en-US"/>
           </a:p>
@@ -365,7 +366,7 @@
           <a:p>
             <a:fld id="{1843C6F9-6011-468F-BEB0-51C2A350541A}" type="slidenum">
               <a:rPr lang="en-US" smtClean="0"/>
-              <a:t>‹N›</a:t>
+              <a:t>‹N°›</a:t>
             </a:fld>
             <a:endParaRPr lang="en-US"/>
           </a:p>
@@ -1013,7 +1014,7 @@
           <a:p>
             <a:fld id="{D1849B51-CB8F-4E70-B214-8C45EFD2E0E3}" type="datetimeFigureOut">
               <a:rPr lang="en-US" smtClean="0"/>
-              <a:t>9/7/2024</a:t>
+              <a:t>9/13/2024</a:t>
             </a:fld>
             <a:endParaRPr lang="en-US"/>
           </a:p>
@@ -1067,7 +1068,7 @@
           <a:p>
             <a:fld id="{0AC69800-5F7B-4D1B-BDF7-53AF6F755C39}" type="slidenum">
               <a:rPr lang="en-US" smtClean="0"/>
-              <a:t>‹N›</a:t>
+              <a:t>‹N°›</a:t>
             </a:fld>
             <a:endParaRPr lang="en-US"/>
           </a:p>
@@ -1213,7 +1214,7 @@
           <a:p>
             <a:fld id="{D1849B51-CB8F-4E70-B214-8C45EFD2E0E3}" type="datetimeFigureOut">
               <a:rPr lang="en-US" smtClean="0"/>
-              <a:t>9/7/2024</a:t>
+              <a:t>9/13/2024</a:t>
             </a:fld>
             <a:endParaRPr lang="en-US"/>
           </a:p>
@@ -1267,7 +1268,7 @@
           <a:p>
             <a:fld id="{0AC69800-5F7B-4D1B-BDF7-53AF6F755C39}" type="slidenum">
               <a:rPr lang="en-US" smtClean="0"/>
-              <a:t>‹N›</a:t>
+              <a:t>‹N°›</a:t>
             </a:fld>
             <a:endParaRPr lang="en-US"/>
           </a:p>
@@ -1423,7 +1424,7 @@
           <a:p>
             <a:fld id="{D1849B51-CB8F-4E70-B214-8C45EFD2E0E3}" type="datetimeFigureOut">
               <a:rPr lang="en-US" smtClean="0"/>
-              <a:t>9/7/2024</a:t>
+              <a:t>9/13/2024</a:t>
             </a:fld>
             <a:endParaRPr lang="en-US"/>
           </a:p>
@@ -1477,7 +1478,7 @@
           <a:p>
             <a:fld id="{0AC69800-5F7B-4D1B-BDF7-53AF6F755C39}" type="slidenum">
               <a:rPr lang="en-US" smtClean="0"/>
-              <a:t>‹N›</a:t>
+              <a:t>‹N°›</a:t>
             </a:fld>
             <a:endParaRPr lang="en-US"/>
           </a:p>
@@ -1623,7 +1624,7 @@
           <a:p>
             <a:fld id="{D1849B51-CB8F-4E70-B214-8C45EFD2E0E3}" type="datetimeFigureOut">
               <a:rPr lang="en-US" smtClean="0"/>
-              <a:t>9/7/2024</a:t>
+              <a:t>9/13/2024</a:t>
             </a:fld>
             <a:endParaRPr lang="en-US"/>
           </a:p>
@@ -1677,7 +1678,7 @@
           <a:p>
             <a:fld id="{0AC69800-5F7B-4D1B-BDF7-53AF6F755C39}" type="slidenum">
               <a:rPr lang="en-US" smtClean="0"/>
-              <a:t>‹N›</a:t>
+              <a:t>‹N°›</a:t>
             </a:fld>
             <a:endParaRPr lang="en-US"/>
           </a:p>
@@ -1899,7 +1900,7 @@
           <a:p>
             <a:fld id="{D1849B51-CB8F-4E70-B214-8C45EFD2E0E3}" type="datetimeFigureOut">
               <a:rPr lang="en-US" smtClean="0"/>
-              <a:t>9/7/2024</a:t>
+              <a:t>9/13/2024</a:t>
             </a:fld>
             <a:endParaRPr lang="en-US"/>
           </a:p>
@@ -1953,7 +1954,7 @@
           <a:p>
             <a:fld id="{0AC69800-5F7B-4D1B-BDF7-53AF6F755C39}" type="slidenum">
               <a:rPr lang="en-US" smtClean="0"/>
-              <a:t>‹N›</a:t>
+              <a:t>‹N°›</a:t>
             </a:fld>
             <a:endParaRPr lang="en-US"/>
           </a:p>
@@ -2167,7 +2168,7 @@
           <a:p>
             <a:fld id="{D1849B51-CB8F-4E70-B214-8C45EFD2E0E3}" type="datetimeFigureOut">
               <a:rPr lang="en-US" smtClean="0"/>
-              <a:t>9/7/2024</a:t>
+              <a:t>9/13/2024</a:t>
             </a:fld>
             <a:endParaRPr lang="en-US"/>
           </a:p>
@@ -2221,7 +2222,7 @@
           <a:p>
             <a:fld id="{0AC69800-5F7B-4D1B-BDF7-53AF6F755C39}" type="slidenum">
               <a:rPr lang="en-US" smtClean="0"/>
-              <a:t>‹N›</a:t>
+              <a:t>‹N°›</a:t>
             </a:fld>
             <a:endParaRPr lang="en-US"/>
           </a:p>
@@ -2582,7 +2583,7 @@
           <a:p>
             <a:fld id="{D1849B51-CB8F-4E70-B214-8C45EFD2E0E3}" type="datetimeFigureOut">
               <a:rPr lang="en-US" smtClean="0"/>
-              <a:t>9/7/2024</a:t>
+              <a:t>9/13/2024</a:t>
             </a:fld>
             <a:endParaRPr lang="en-US"/>
           </a:p>
@@ -2636,7 +2637,7 @@
           <a:p>
             <a:fld id="{0AC69800-5F7B-4D1B-BDF7-53AF6F755C39}" type="slidenum">
               <a:rPr lang="en-US" smtClean="0"/>
-              <a:t>‹N›</a:t>
+              <a:t>‹N°›</a:t>
             </a:fld>
             <a:endParaRPr lang="en-US"/>
           </a:p>
@@ -2724,7 +2725,7 @@
           <a:p>
             <a:fld id="{D1849B51-CB8F-4E70-B214-8C45EFD2E0E3}" type="datetimeFigureOut">
               <a:rPr lang="en-US" smtClean="0"/>
-              <a:t>9/7/2024</a:t>
+              <a:t>9/13/2024</a:t>
             </a:fld>
             <a:endParaRPr lang="en-US"/>
           </a:p>
@@ -2778,7 +2779,7 @@
           <a:p>
             <a:fld id="{0AC69800-5F7B-4D1B-BDF7-53AF6F755C39}" type="slidenum">
               <a:rPr lang="en-US" smtClean="0"/>
-              <a:t>‹N›</a:t>
+              <a:t>‹N°›</a:t>
             </a:fld>
             <a:endParaRPr lang="en-US"/>
           </a:p>
@@ -2837,7 +2838,7 @@
           <a:p>
             <a:fld id="{D1849B51-CB8F-4E70-B214-8C45EFD2E0E3}" type="datetimeFigureOut">
               <a:rPr lang="en-US" smtClean="0"/>
-              <a:t>9/7/2024</a:t>
+              <a:t>9/13/2024</a:t>
             </a:fld>
             <a:endParaRPr lang="en-US"/>
           </a:p>
@@ -2891,7 +2892,7 @@
           <a:p>
             <a:fld id="{0AC69800-5F7B-4D1B-BDF7-53AF6F755C39}" type="slidenum">
               <a:rPr lang="en-US" smtClean="0"/>
-              <a:t>‹N›</a:t>
+              <a:t>‹N°›</a:t>
             </a:fld>
             <a:endParaRPr lang="en-US"/>
           </a:p>
@@ -3150,7 +3151,7 @@
           <a:p>
             <a:fld id="{D1849B51-CB8F-4E70-B214-8C45EFD2E0E3}" type="datetimeFigureOut">
               <a:rPr lang="en-US" smtClean="0"/>
-              <a:t>9/7/2024</a:t>
+              <a:t>9/13/2024</a:t>
             </a:fld>
             <a:endParaRPr lang="en-US"/>
           </a:p>
@@ -3204,7 +3205,7 @@
           <a:p>
             <a:fld id="{0AC69800-5F7B-4D1B-BDF7-53AF6F755C39}" type="slidenum">
               <a:rPr lang="en-US" smtClean="0"/>
-              <a:t>‹N›</a:t>
+              <a:t>‹N°›</a:t>
             </a:fld>
             <a:endParaRPr lang="en-US"/>
           </a:p>
@@ -3439,7 +3440,7 @@
           <a:p>
             <a:fld id="{D1849B51-CB8F-4E70-B214-8C45EFD2E0E3}" type="datetimeFigureOut">
               <a:rPr lang="en-US" smtClean="0"/>
-              <a:t>9/7/2024</a:t>
+              <a:t>9/13/2024</a:t>
             </a:fld>
             <a:endParaRPr lang="en-US"/>
           </a:p>
@@ -3493,7 +3494,7 @@
           <a:p>
             <a:fld id="{0AC69800-5F7B-4D1B-BDF7-53AF6F755C39}" type="slidenum">
               <a:rPr lang="en-US" smtClean="0"/>
-              <a:t>‹N›</a:t>
+              <a:t>‹N°›</a:t>
             </a:fld>
             <a:endParaRPr lang="en-US"/>
           </a:p>
@@ -3682,7 +3683,7 @@
           <a:p>
             <a:fld id="{D1849B51-CB8F-4E70-B214-8C45EFD2E0E3}" type="datetimeFigureOut">
               <a:rPr lang="en-US" smtClean="0"/>
-              <a:t>9/7/2024</a:t>
+              <a:t>9/13/2024</a:t>
             </a:fld>
             <a:endParaRPr lang="en-US"/>
           </a:p>
@@ -3772,7 +3773,7 @@
           <a:p>
             <a:fld id="{0AC69800-5F7B-4D1B-BDF7-53AF6F755C39}" type="slidenum">
               <a:rPr lang="en-US" smtClean="0"/>
-              <a:t>‹N›</a:t>
+              <a:t>‹N°›</a:t>
             </a:fld>
             <a:endParaRPr lang="en-US"/>
           </a:p>
@@ -6029,6 +6030,875 @@
     <p:extLst>
       <p:ext uri="{BB962C8B-B14F-4D97-AF65-F5344CB8AC3E}">
         <p14:creationId xmlns:p14="http://schemas.microsoft.com/office/powerpoint/2010/main" val="4232126567"/>
+      </p:ext>
+    </p:extLst>
+  </p:cSld>
+  <p:clrMapOvr>
+    <a:masterClrMapping/>
+  </p:clrMapOvr>
+</p:sld>
+</file>
+
+<file path=ppt/slides/slide11.xml><?xml version="1.0" encoding="utf-8"?>
+<p:sld xmlns:a="http://schemas.openxmlformats.org/drawingml/2006/main" xmlns:r="http://schemas.openxmlformats.org/officeDocument/2006/relationships" xmlns:p="http://schemas.openxmlformats.org/presentationml/2006/main">
+  <p:cSld>
+    <p:spTree>
+      <p:nvGrpSpPr>
+        <p:cNvPr id="1" name=""/>
+        <p:cNvGrpSpPr/>
+        <p:nvPr/>
+      </p:nvGrpSpPr>
+      <p:grpSpPr>
+        <a:xfrm>
+          <a:off x="0" y="0"/>
+          <a:ext cx="0" cy="0"/>
+          <a:chOff x="0" y="0"/>
+          <a:chExt cx="0" cy="0"/>
+        </a:xfrm>
+      </p:grpSpPr>
+      <p:pic>
+        <p:nvPicPr>
+          <p:cNvPr id="3" name="Image 2">
+            <a:extLst>
+              <a:ext uri="{FF2B5EF4-FFF2-40B4-BE49-F238E27FC236}">
+                <a16:creationId xmlns:a16="http://schemas.microsoft.com/office/drawing/2014/main" id="{514C1799-6671-ECC4-BABF-E541FE3CF6F2}"/>
+              </a:ext>
+            </a:extLst>
+          </p:cNvPr>
+          <p:cNvPicPr>
+            <a:picLocks noChangeAspect="1"/>
+          </p:cNvPicPr>
+          <p:nvPr/>
+        </p:nvPicPr>
+        <p:blipFill>
+          <a:blip r:embed="rId2"/>
+          <a:stretch>
+            <a:fillRect/>
+          </a:stretch>
+        </p:blipFill>
+        <p:spPr>
+          <a:xfrm>
+            <a:off x="121336" y="355003"/>
+            <a:ext cx="6154264" cy="3706618"/>
+          </a:xfrm>
+          <a:prstGeom prst="rect">
+            <a:avLst/>
+          </a:prstGeom>
+        </p:spPr>
+      </p:pic>
+      <p:sp>
+        <p:nvSpPr>
+          <p:cNvPr id="4" name="Rectangle 1">
+            <a:extLst>
+              <a:ext uri="{FF2B5EF4-FFF2-40B4-BE49-F238E27FC236}">
+                <a16:creationId xmlns:a16="http://schemas.microsoft.com/office/drawing/2014/main" id="{5A05DAA8-8263-312E-7231-6600F6079D5C}"/>
+              </a:ext>
+            </a:extLst>
+          </p:cNvPr>
+          <p:cNvSpPr>
+            <a:spLocks noChangeArrowheads="1"/>
+          </p:cNvSpPr>
+          <p:nvPr/>
+        </p:nvSpPr>
+        <p:spPr bwMode="auto">
+          <a:xfrm>
+            <a:off x="6396936" y="638651"/>
+            <a:ext cx="5522537" cy="3139321"/>
+          </a:xfrm>
+          <a:prstGeom prst="rect">
+            <a:avLst/>
+          </a:prstGeom>
+          <a:noFill/>
+          <a:ln w="28575">
+            <a:solidFill>
+              <a:schemeClr val="tx1"/>
+            </a:solidFill>
+            <a:miter lim="800000"/>
+            <a:headEnd/>
+            <a:tailEnd/>
+          </a:ln>
+          <a:effectLst/>
+          <a:extLst>
+            <a:ext uri="{909E8E84-426E-40DD-AFC4-6F175D3DCCD1}">
+              <a14:hiddenFill xmlns:a14="http://schemas.microsoft.com/office/drawing/2010/main">
+                <a:solidFill>
+                  <a:schemeClr val="accent1"/>
+                </a:solidFill>
+              </a14:hiddenFill>
+            </a:ext>
+            <a:ext uri="{AF507438-7753-43E0-B8FC-AC1667EBCBE1}">
+              <a14:hiddenEffects xmlns:a14="http://schemas.microsoft.com/office/drawing/2010/main">
+                <a:effectLst>
+                  <a:outerShdw dist="35921" dir="2700000" algn="ctr" rotWithShape="0">
+                    <a:schemeClr val="bg2"/>
+                  </a:outerShdw>
+                </a:effectLst>
+              </a14:hiddenEffects>
+            </a:ext>
+          </a:extLst>
+        </p:spPr>
+        <p:txBody>
+          <a:bodyPr vert="horz" wrap="square" lIns="91440" tIns="45720" rIns="91440" bIns="45720" numCol="1" anchor="ctr" anchorCtr="0" compatLnSpc="1">
+            <a:prstTxWarp prst="textNoShape">
+              <a:avLst/>
+            </a:prstTxWarp>
+            <a:spAutoFit/>
+          </a:bodyPr>
+          <a:lstStyle/>
+          <a:p>
+            <a:pPr marL="0" marR="0" lvl="0" indent="0" algn="l" defTabSz="914400" rtl="0" eaLnBrk="0" fontAlgn="base" latinLnBrk="0" hangingPunct="0">
+              <a:lnSpc>
+                <a:spcPct val="100000"/>
+              </a:lnSpc>
+              <a:spcBef>
+                <a:spcPct val="0"/>
+              </a:spcBef>
+              <a:spcAft>
+                <a:spcPct val="0"/>
+              </a:spcAft>
+              <a:buClrTx/>
+              <a:buSzTx/>
+              <a:buFontTx/>
+              <a:buNone/>
+              <a:tabLst/>
+            </a:pPr>
+            <a:r>
+              <a:rPr kumimoji="0" lang="fr-FR" altLang="fr-FR" b="0" i="0" u="none" strike="noStrike" cap="none" normalizeH="0" baseline="0" dirty="0" err="1">
+                <a:ln>
+                  <a:noFill/>
+                </a:ln>
+                <a:solidFill>
+                  <a:schemeClr val="tx1"/>
+                </a:solidFill>
+                <a:effectLst/>
+                <a:latin typeface="Arial Unicode MS"/>
+              </a:rPr>
+              <a:t>Decision</a:t>
+            </a:r>
+            <a:r>
+              <a:rPr kumimoji="0" lang="fr-FR" altLang="fr-FR" b="0" i="0" u="none" strike="noStrike" cap="none" normalizeH="0" baseline="0" dirty="0">
+                <a:ln>
+                  <a:noFill/>
+                </a:ln>
+                <a:solidFill>
+                  <a:schemeClr val="tx1"/>
+                </a:solidFill>
+                <a:effectLst/>
+                <a:latin typeface="Arial Unicode MS"/>
+              </a:rPr>
+              <a:t> Rules for a Single Example </a:t>
+            </a:r>
+            <a:r>
+              <a:rPr kumimoji="0" lang="fr-FR" altLang="fr-FR" b="0" i="0" u="none" strike="noStrike" cap="none" normalizeH="0" baseline="0" dirty="0" err="1">
+                <a:ln>
+                  <a:noFill/>
+                </a:ln>
+                <a:solidFill>
+                  <a:schemeClr val="tx1"/>
+                </a:solidFill>
+                <a:effectLst/>
+                <a:latin typeface="Arial Unicode MS"/>
+              </a:rPr>
+              <a:t>Based</a:t>
+            </a:r>
+            <a:r>
+              <a:rPr kumimoji="0" lang="fr-FR" altLang="fr-FR" b="0" i="0" u="none" strike="noStrike" cap="none" normalizeH="0" baseline="0" dirty="0">
+                <a:ln>
+                  <a:noFill/>
+                </a:ln>
+                <a:solidFill>
+                  <a:schemeClr val="tx1"/>
+                </a:solidFill>
+                <a:effectLst/>
+                <a:latin typeface="Arial Unicode MS"/>
+              </a:rPr>
+              <a:t> on SHAP Values: </a:t>
+            </a:r>
+          </a:p>
+          <a:p>
+            <a:pPr marL="0" marR="0" lvl="0" indent="0" algn="l" defTabSz="914400" rtl="0" eaLnBrk="0" fontAlgn="base" latinLnBrk="0" hangingPunct="0">
+              <a:lnSpc>
+                <a:spcPct val="100000"/>
+              </a:lnSpc>
+              <a:spcBef>
+                <a:spcPct val="0"/>
+              </a:spcBef>
+              <a:spcAft>
+                <a:spcPct val="0"/>
+              </a:spcAft>
+              <a:buClrTx/>
+              <a:buSzTx/>
+              <a:buFontTx/>
+              <a:buNone/>
+              <a:tabLst/>
+            </a:pPr>
+            <a:r>
+              <a:rPr kumimoji="0" lang="fr-FR" altLang="fr-FR" b="0" i="0" u="none" strike="noStrike" cap="none" normalizeH="0" baseline="0" dirty="0">
+                <a:ln>
+                  <a:noFill/>
+                </a:ln>
+                <a:solidFill>
+                  <a:schemeClr val="tx1"/>
+                </a:solidFill>
+                <a:effectLst/>
+                <a:latin typeface="Arial Unicode MS"/>
+              </a:rPr>
+              <a:t>If </a:t>
+            </a:r>
+            <a:r>
+              <a:rPr kumimoji="0" lang="fr-FR" altLang="fr-FR" b="0" i="0" u="none" strike="noStrike" cap="none" normalizeH="0" baseline="0" dirty="0" err="1">
+                <a:ln>
+                  <a:noFill/>
+                </a:ln>
+                <a:solidFill>
+                  <a:schemeClr val="tx1"/>
+                </a:solidFill>
+                <a:effectLst/>
+                <a:latin typeface="Arial Unicode MS"/>
+              </a:rPr>
+              <a:t>radius_mean</a:t>
+            </a:r>
+            <a:r>
+              <a:rPr kumimoji="0" lang="fr-FR" altLang="fr-FR" b="0" i="0" u="none" strike="noStrike" cap="none" normalizeH="0" baseline="0" dirty="0">
+                <a:ln>
+                  <a:noFill/>
+                </a:ln>
+                <a:solidFill>
+                  <a:schemeClr val="tx1"/>
+                </a:solidFill>
+                <a:effectLst/>
+                <a:latin typeface="Arial Unicode MS"/>
+              </a:rPr>
+              <a:t> = 12.47, </a:t>
+            </a:r>
+            <a:r>
+              <a:rPr kumimoji="0" lang="fr-FR" altLang="fr-FR" b="0" i="0" u="none" strike="noStrike" cap="none" normalizeH="0" baseline="0" dirty="0" err="1">
+                <a:ln>
+                  <a:noFill/>
+                </a:ln>
+                <a:solidFill>
+                  <a:schemeClr val="tx1"/>
+                </a:solidFill>
+                <a:effectLst/>
+                <a:latin typeface="Arial Unicode MS"/>
+              </a:rPr>
+              <a:t>it</a:t>
+            </a:r>
+            <a:r>
+              <a:rPr kumimoji="0" lang="fr-FR" altLang="fr-FR" b="0" i="0" u="none" strike="noStrike" cap="none" normalizeH="0" baseline="0" dirty="0">
+                <a:ln>
+                  <a:noFill/>
+                </a:ln>
+                <a:solidFill>
+                  <a:schemeClr val="tx1"/>
+                </a:solidFill>
+                <a:effectLst/>
+                <a:latin typeface="Arial Unicode MS"/>
+              </a:rPr>
+              <a:t> </a:t>
+            </a:r>
+            <a:r>
+              <a:rPr kumimoji="0" lang="fr-FR" altLang="fr-FR" b="0" i="0" u="none" strike="noStrike" cap="none" normalizeH="0" baseline="0" dirty="0" err="1">
+                <a:ln>
+                  <a:noFill/>
+                </a:ln>
+                <a:solidFill>
+                  <a:schemeClr val="tx1"/>
+                </a:solidFill>
+                <a:effectLst/>
+                <a:latin typeface="Arial Unicode MS"/>
+              </a:rPr>
+              <a:t>decreased</a:t>
+            </a:r>
+            <a:r>
+              <a:rPr kumimoji="0" lang="fr-FR" altLang="fr-FR" b="0" i="0" u="none" strike="noStrike" cap="none" normalizeH="0" baseline="0" dirty="0">
+                <a:ln>
+                  <a:noFill/>
+                </a:ln>
+                <a:solidFill>
+                  <a:schemeClr val="tx1"/>
+                </a:solidFill>
+                <a:effectLst/>
+                <a:latin typeface="Arial Unicode MS"/>
+              </a:rPr>
+              <a:t> the </a:t>
+            </a:r>
+            <a:r>
+              <a:rPr kumimoji="0" lang="fr-FR" altLang="fr-FR" b="0" i="0" u="none" strike="noStrike" cap="none" normalizeH="0" baseline="0" dirty="0" err="1">
+                <a:ln>
+                  <a:noFill/>
+                </a:ln>
+                <a:solidFill>
+                  <a:schemeClr val="tx1"/>
+                </a:solidFill>
+                <a:effectLst/>
+                <a:latin typeface="Arial Unicode MS"/>
+              </a:rPr>
+              <a:t>prediction</a:t>
+            </a:r>
+            <a:r>
+              <a:rPr kumimoji="0" lang="fr-FR" altLang="fr-FR" b="0" i="0" u="none" strike="noStrike" cap="none" normalizeH="0" baseline="0" dirty="0">
+                <a:ln>
+                  <a:noFill/>
+                </a:ln>
+                <a:solidFill>
+                  <a:schemeClr val="tx1"/>
+                </a:solidFill>
+                <a:effectLst/>
+                <a:latin typeface="Arial Unicode MS"/>
+              </a:rPr>
+              <a:t> by 0.0000</a:t>
+            </a:r>
+          </a:p>
+          <a:p>
+            <a:pPr marL="0" marR="0" lvl="0" indent="0" algn="l" defTabSz="914400" rtl="0" eaLnBrk="0" fontAlgn="base" latinLnBrk="0" hangingPunct="0">
+              <a:lnSpc>
+                <a:spcPct val="100000"/>
+              </a:lnSpc>
+              <a:spcBef>
+                <a:spcPct val="0"/>
+              </a:spcBef>
+              <a:spcAft>
+                <a:spcPct val="0"/>
+              </a:spcAft>
+              <a:buClrTx/>
+              <a:buSzTx/>
+              <a:buFontTx/>
+              <a:buNone/>
+              <a:tabLst/>
+            </a:pPr>
+            <a:r>
+              <a:rPr kumimoji="0" lang="fr-FR" altLang="fr-FR" b="0" i="0" u="none" strike="noStrike" cap="none" normalizeH="0" baseline="0" dirty="0">
+                <a:ln>
+                  <a:noFill/>
+                </a:ln>
+                <a:solidFill>
+                  <a:schemeClr val="tx1"/>
+                </a:solidFill>
+                <a:effectLst/>
+                <a:latin typeface="Arial Unicode MS"/>
+              </a:rPr>
+              <a:t>If </a:t>
+            </a:r>
+            <a:r>
+              <a:rPr kumimoji="0" lang="fr-FR" altLang="fr-FR" b="0" i="0" u="none" strike="noStrike" cap="none" normalizeH="0" baseline="0" dirty="0" err="1">
+                <a:ln>
+                  <a:noFill/>
+                </a:ln>
+                <a:solidFill>
+                  <a:schemeClr val="tx1"/>
+                </a:solidFill>
+                <a:effectLst/>
+                <a:latin typeface="Arial Unicode MS"/>
+              </a:rPr>
+              <a:t>texture_mean</a:t>
+            </a:r>
+            <a:r>
+              <a:rPr kumimoji="0" lang="fr-FR" altLang="fr-FR" b="0" i="0" u="none" strike="noStrike" cap="none" normalizeH="0" baseline="0" dirty="0">
+                <a:ln>
+                  <a:noFill/>
+                </a:ln>
+                <a:solidFill>
+                  <a:schemeClr val="tx1"/>
+                </a:solidFill>
+                <a:effectLst/>
+                <a:latin typeface="Arial Unicode MS"/>
+              </a:rPr>
+              <a:t> = 18.6, </a:t>
+            </a:r>
+            <a:r>
+              <a:rPr kumimoji="0" lang="fr-FR" altLang="fr-FR" b="0" i="0" u="none" strike="noStrike" cap="none" normalizeH="0" baseline="0" dirty="0" err="1">
+                <a:ln>
+                  <a:noFill/>
+                </a:ln>
+                <a:solidFill>
+                  <a:schemeClr val="tx1"/>
+                </a:solidFill>
+                <a:effectLst/>
+                <a:latin typeface="Arial Unicode MS"/>
+              </a:rPr>
+              <a:t>it</a:t>
+            </a:r>
+            <a:r>
+              <a:rPr kumimoji="0" lang="fr-FR" altLang="fr-FR" b="0" i="0" u="none" strike="noStrike" cap="none" normalizeH="0" baseline="0" dirty="0">
+                <a:ln>
+                  <a:noFill/>
+                </a:ln>
+                <a:solidFill>
+                  <a:schemeClr val="tx1"/>
+                </a:solidFill>
+                <a:effectLst/>
+                <a:latin typeface="Arial Unicode MS"/>
+              </a:rPr>
+              <a:t> </a:t>
+            </a:r>
+            <a:r>
+              <a:rPr kumimoji="0" lang="fr-FR" altLang="fr-FR" b="0" i="0" u="none" strike="noStrike" cap="none" normalizeH="0" baseline="0" dirty="0" err="1">
+                <a:ln>
+                  <a:noFill/>
+                </a:ln>
+                <a:solidFill>
+                  <a:schemeClr val="tx1"/>
+                </a:solidFill>
+                <a:effectLst/>
+                <a:latin typeface="Arial Unicode MS"/>
+              </a:rPr>
+              <a:t>decreased</a:t>
+            </a:r>
+            <a:r>
+              <a:rPr kumimoji="0" lang="fr-FR" altLang="fr-FR" b="0" i="0" u="none" strike="noStrike" cap="none" normalizeH="0" baseline="0" dirty="0">
+                <a:ln>
+                  <a:noFill/>
+                </a:ln>
+                <a:solidFill>
+                  <a:schemeClr val="tx1"/>
+                </a:solidFill>
+                <a:effectLst/>
+                <a:latin typeface="Arial Unicode MS"/>
+              </a:rPr>
+              <a:t> the </a:t>
+            </a:r>
+            <a:r>
+              <a:rPr kumimoji="0" lang="fr-FR" altLang="fr-FR" b="0" i="0" u="none" strike="noStrike" cap="none" normalizeH="0" baseline="0" dirty="0" err="1">
+                <a:ln>
+                  <a:noFill/>
+                </a:ln>
+                <a:solidFill>
+                  <a:schemeClr val="tx1"/>
+                </a:solidFill>
+                <a:effectLst/>
+                <a:latin typeface="Arial Unicode MS"/>
+              </a:rPr>
+              <a:t>prediction</a:t>
+            </a:r>
+            <a:r>
+              <a:rPr kumimoji="0" lang="fr-FR" altLang="fr-FR" b="0" i="0" u="none" strike="noStrike" cap="none" normalizeH="0" baseline="0" dirty="0">
+                <a:ln>
+                  <a:noFill/>
+                </a:ln>
+                <a:solidFill>
+                  <a:schemeClr val="tx1"/>
+                </a:solidFill>
+                <a:effectLst/>
+                <a:latin typeface="Arial Unicode MS"/>
+              </a:rPr>
+              <a:t> by 0.2063 </a:t>
+            </a:r>
+          </a:p>
+          <a:p>
+            <a:pPr marL="0" marR="0" lvl="0" indent="0" algn="l" defTabSz="914400" rtl="0" eaLnBrk="0" fontAlgn="base" latinLnBrk="0" hangingPunct="0">
+              <a:lnSpc>
+                <a:spcPct val="100000"/>
+              </a:lnSpc>
+              <a:spcBef>
+                <a:spcPct val="0"/>
+              </a:spcBef>
+              <a:spcAft>
+                <a:spcPct val="0"/>
+              </a:spcAft>
+              <a:buClrTx/>
+              <a:buSzTx/>
+              <a:buFontTx/>
+              <a:buNone/>
+              <a:tabLst/>
+            </a:pPr>
+            <a:r>
+              <a:rPr kumimoji="0" lang="fr-FR" altLang="fr-FR" b="0" i="0" u="none" strike="noStrike" cap="none" normalizeH="0" baseline="0" dirty="0">
+                <a:ln>
+                  <a:noFill/>
+                </a:ln>
+                <a:solidFill>
+                  <a:schemeClr val="tx1"/>
+                </a:solidFill>
+                <a:effectLst/>
+                <a:latin typeface="Arial Unicode MS"/>
+              </a:rPr>
+              <a:t>If </a:t>
+            </a:r>
+            <a:r>
+              <a:rPr kumimoji="0" lang="fr-FR" altLang="fr-FR" b="0" i="0" u="none" strike="noStrike" cap="none" normalizeH="0" baseline="0" dirty="0" err="1">
+                <a:ln>
+                  <a:noFill/>
+                </a:ln>
+                <a:solidFill>
+                  <a:schemeClr val="tx1"/>
+                </a:solidFill>
+                <a:effectLst/>
+                <a:latin typeface="Arial Unicode MS"/>
+              </a:rPr>
+              <a:t>area_mean</a:t>
+            </a:r>
+            <a:r>
+              <a:rPr kumimoji="0" lang="fr-FR" altLang="fr-FR" b="0" i="0" u="none" strike="noStrike" cap="none" normalizeH="0" baseline="0" dirty="0">
+                <a:ln>
+                  <a:noFill/>
+                </a:ln>
+                <a:solidFill>
+                  <a:schemeClr val="tx1"/>
+                </a:solidFill>
+                <a:effectLst/>
+                <a:latin typeface="Arial Unicode MS"/>
+              </a:rPr>
+              <a:t> = 481.9, </a:t>
+            </a:r>
+            <a:r>
+              <a:rPr kumimoji="0" lang="fr-FR" altLang="fr-FR" b="0" i="0" u="none" strike="noStrike" cap="none" normalizeH="0" baseline="0" dirty="0" err="1">
+                <a:ln>
+                  <a:noFill/>
+                </a:ln>
+                <a:solidFill>
+                  <a:schemeClr val="tx1"/>
+                </a:solidFill>
+                <a:effectLst/>
+                <a:latin typeface="Arial Unicode MS"/>
+              </a:rPr>
+              <a:t>it</a:t>
+            </a:r>
+            <a:r>
+              <a:rPr kumimoji="0" lang="fr-FR" altLang="fr-FR" b="0" i="0" u="none" strike="noStrike" cap="none" normalizeH="0" baseline="0" dirty="0">
+                <a:ln>
+                  <a:noFill/>
+                </a:ln>
+                <a:solidFill>
+                  <a:schemeClr val="tx1"/>
+                </a:solidFill>
+                <a:effectLst/>
+                <a:latin typeface="Arial Unicode MS"/>
+              </a:rPr>
+              <a:t> </a:t>
+            </a:r>
+            <a:r>
+              <a:rPr kumimoji="0" lang="fr-FR" altLang="fr-FR" b="0" i="0" u="none" strike="noStrike" cap="none" normalizeH="0" baseline="0" dirty="0" err="1">
+                <a:ln>
+                  <a:noFill/>
+                </a:ln>
+                <a:solidFill>
+                  <a:schemeClr val="tx1"/>
+                </a:solidFill>
+                <a:effectLst/>
+                <a:latin typeface="Arial Unicode MS"/>
+              </a:rPr>
+              <a:t>decreased</a:t>
+            </a:r>
+            <a:r>
+              <a:rPr kumimoji="0" lang="fr-FR" altLang="fr-FR" b="0" i="0" u="none" strike="noStrike" cap="none" normalizeH="0" baseline="0" dirty="0">
+                <a:ln>
+                  <a:noFill/>
+                </a:ln>
+                <a:solidFill>
+                  <a:schemeClr val="tx1"/>
+                </a:solidFill>
+                <a:effectLst/>
+                <a:latin typeface="Arial Unicode MS"/>
+              </a:rPr>
+              <a:t> the </a:t>
+            </a:r>
+            <a:r>
+              <a:rPr kumimoji="0" lang="fr-FR" altLang="fr-FR" b="0" i="0" u="none" strike="noStrike" cap="none" normalizeH="0" baseline="0" dirty="0" err="1">
+                <a:ln>
+                  <a:noFill/>
+                </a:ln>
+                <a:solidFill>
+                  <a:schemeClr val="tx1"/>
+                </a:solidFill>
+                <a:effectLst/>
+                <a:latin typeface="Arial Unicode MS"/>
+              </a:rPr>
+              <a:t>prediction</a:t>
+            </a:r>
+            <a:r>
+              <a:rPr kumimoji="0" lang="fr-FR" altLang="fr-FR" b="0" i="0" u="none" strike="noStrike" cap="none" normalizeH="0" baseline="0" dirty="0">
+                <a:ln>
+                  <a:noFill/>
+                </a:ln>
+                <a:solidFill>
+                  <a:schemeClr val="tx1"/>
+                </a:solidFill>
+                <a:effectLst/>
+                <a:latin typeface="Arial Unicode MS"/>
+              </a:rPr>
+              <a:t> by 0.0294</a:t>
+            </a:r>
+          </a:p>
+          <a:p>
+            <a:pPr marL="0" marR="0" lvl="0" indent="0" algn="l" defTabSz="914400" rtl="0" eaLnBrk="0" fontAlgn="base" latinLnBrk="0" hangingPunct="0">
+              <a:lnSpc>
+                <a:spcPct val="100000"/>
+              </a:lnSpc>
+              <a:spcBef>
+                <a:spcPct val="0"/>
+              </a:spcBef>
+              <a:spcAft>
+                <a:spcPct val="0"/>
+              </a:spcAft>
+              <a:buClrTx/>
+              <a:buSzTx/>
+              <a:buFontTx/>
+              <a:buNone/>
+              <a:tabLst/>
+            </a:pPr>
+            <a:r>
+              <a:rPr kumimoji="0" lang="en-US" altLang="fr-FR" b="0" i="0" u="none" strike="noStrike" cap="none" normalizeH="0" baseline="0" dirty="0">
+                <a:ln>
+                  <a:noFill/>
+                </a:ln>
+                <a:solidFill>
+                  <a:schemeClr val="tx1"/>
+                </a:solidFill>
+                <a:effectLst/>
+                <a:latin typeface="Arial Unicode MS"/>
+              </a:rPr>
+              <a:t>If </a:t>
+            </a:r>
+            <a:r>
+              <a:rPr kumimoji="0" lang="en-US" altLang="fr-FR" b="0" i="0" u="none" strike="noStrike" cap="none" normalizeH="0" baseline="0" dirty="0" err="1">
+                <a:ln>
+                  <a:noFill/>
+                </a:ln>
+                <a:solidFill>
+                  <a:schemeClr val="tx1"/>
+                </a:solidFill>
+                <a:effectLst/>
+                <a:latin typeface="Arial Unicode MS"/>
+              </a:rPr>
+              <a:t>concavity_se</a:t>
+            </a:r>
+            <a:r>
+              <a:rPr kumimoji="0" lang="en-US" altLang="fr-FR" b="0" i="0" u="none" strike="noStrike" cap="none" normalizeH="0" baseline="0" dirty="0">
+                <a:ln>
+                  <a:noFill/>
+                </a:ln>
+                <a:solidFill>
+                  <a:schemeClr val="tx1"/>
+                </a:solidFill>
+                <a:effectLst/>
+                <a:latin typeface="Arial Unicode MS"/>
+              </a:rPr>
+              <a:t> = 0.02701, it increased the prediction by 0.0243</a:t>
+            </a:r>
+          </a:p>
+          <a:p>
+            <a:pPr marL="0" marR="0" lvl="0" indent="0" algn="l" defTabSz="914400" rtl="0" eaLnBrk="0" fontAlgn="base" latinLnBrk="0" hangingPunct="0">
+              <a:lnSpc>
+                <a:spcPct val="100000"/>
+              </a:lnSpc>
+              <a:spcBef>
+                <a:spcPct val="0"/>
+              </a:spcBef>
+              <a:spcAft>
+                <a:spcPct val="0"/>
+              </a:spcAft>
+              <a:buClrTx/>
+              <a:buSzTx/>
+              <a:buFontTx/>
+              <a:buNone/>
+              <a:tabLst/>
+            </a:pPr>
+            <a:r>
+              <a:rPr lang="en-US" altLang="fr-FR" dirty="0">
+                <a:latin typeface="Arial Unicode MS"/>
+              </a:rPr>
+              <a:t>…</a:t>
+            </a:r>
+            <a:endParaRPr kumimoji="0" lang="fr-FR" altLang="fr-FR" b="0" i="0" u="none" strike="noStrike" cap="none" normalizeH="0" baseline="0" dirty="0">
+              <a:ln>
+                <a:noFill/>
+              </a:ln>
+              <a:solidFill>
+                <a:schemeClr val="tx1"/>
+              </a:solidFill>
+              <a:effectLst/>
+              <a:latin typeface="Arial" panose="020B0604020202020204" pitchFamily="34" charset="0"/>
+            </a:endParaRPr>
+          </a:p>
+        </p:txBody>
+      </p:sp>
+      <p:sp>
+        <p:nvSpPr>
+          <p:cNvPr id="7" name="ZoneTexte 6">
+            <a:extLst>
+              <a:ext uri="{FF2B5EF4-FFF2-40B4-BE49-F238E27FC236}">
+                <a16:creationId xmlns:a16="http://schemas.microsoft.com/office/drawing/2014/main" id="{9E152ED3-BB16-D6F4-6BCA-07F5A2E0BBD5}"/>
+              </a:ext>
+            </a:extLst>
+          </p:cNvPr>
+          <p:cNvSpPr txBox="1"/>
+          <p:nvPr/>
+        </p:nvSpPr>
+        <p:spPr>
+          <a:xfrm>
+            <a:off x="247425" y="4061621"/>
+            <a:ext cx="11672048" cy="2585323"/>
+          </a:xfrm>
+          <a:prstGeom prst="rect">
+            <a:avLst/>
+          </a:prstGeom>
+          <a:noFill/>
+          <a:ln w="28575">
+            <a:solidFill>
+              <a:srgbClr val="0070C0"/>
+            </a:solidFill>
+          </a:ln>
+        </p:spPr>
+        <p:txBody>
+          <a:bodyPr wrap="square" rtlCol="0">
+            <a:spAutoFit/>
+          </a:bodyPr>
+          <a:lstStyle/>
+          <a:p>
+            <a:r>
+              <a:rPr lang="en-US" dirty="0"/>
+              <a:t>The machine learning model we used to help diagnose breast cancer looked at several characteristics of tumors. One characteristic, the average size of the tumor (</a:t>
+            </a:r>
+            <a:r>
+              <a:rPr lang="en-US" dirty="0" err="1"/>
+              <a:t>radius_mean</a:t>
+            </a:r>
+            <a:r>
+              <a:rPr lang="en-US" dirty="0"/>
+              <a:t>), suggests that larger tumors might be more likely to be malignant (cancerous). Specifically, having an average radius of 15.5 increases the chances of a malignant tumor by about 20%.</a:t>
+            </a:r>
+          </a:p>
+          <a:p>
+            <a:r>
+              <a:rPr lang="en-US" dirty="0"/>
+              <a:t>Another characteristic we considered is the texture of the tumor (</a:t>
+            </a:r>
+            <a:r>
+              <a:rPr lang="en-US" dirty="0" err="1"/>
+              <a:t>texture_mean</a:t>
+            </a:r>
+            <a:r>
+              <a:rPr lang="en-US" dirty="0"/>
+              <a:t>), with rough textures potentially being a sign of malignancy. Here, a lower average texture (like 22.4) seems to decrease the chances of a malignant tumor by around 15%.</a:t>
+            </a:r>
+          </a:p>
+          <a:p>
+            <a:r>
+              <a:rPr lang="en-US" dirty="0"/>
+              <a:t>In addition, we looked at the shape of the tumor (</a:t>
+            </a:r>
+            <a:r>
+              <a:rPr lang="en-US" dirty="0" err="1"/>
+              <a:t>perimeter_mean</a:t>
+            </a:r>
+            <a:r>
+              <a:rPr lang="en-US" dirty="0"/>
+              <a:t>), where more irregular shapes (like a perimeter of 102.3) are indicative of malignancy and could increase the chances of a malignant tumor by approximately 25%.</a:t>
+            </a:r>
+            <a:endParaRPr lang="fr-FR" dirty="0"/>
+          </a:p>
+        </p:txBody>
+      </p:sp>
+      <p:sp>
+        <p:nvSpPr>
+          <p:cNvPr id="8" name="ZoneTexte 7">
+            <a:extLst>
+              <a:ext uri="{FF2B5EF4-FFF2-40B4-BE49-F238E27FC236}">
+                <a16:creationId xmlns:a16="http://schemas.microsoft.com/office/drawing/2014/main" id="{84D77F03-1AA3-FA13-1941-37551400AF6F}"/>
+              </a:ext>
+            </a:extLst>
+          </p:cNvPr>
+          <p:cNvSpPr txBox="1"/>
+          <p:nvPr/>
+        </p:nvSpPr>
+        <p:spPr>
+          <a:xfrm>
+            <a:off x="121336" y="0"/>
+            <a:ext cx="491850" cy="369332"/>
+          </a:xfrm>
+          <a:prstGeom prst="rect">
+            <a:avLst/>
+          </a:prstGeom>
+          <a:noFill/>
+        </p:spPr>
+        <p:txBody>
+          <a:bodyPr wrap="square" rtlCol="0">
+            <a:spAutoFit/>
+          </a:bodyPr>
+          <a:lstStyle/>
+          <a:p>
+            <a:r>
+              <a:rPr lang="fr-FR" dirty="0"/>
+              <a:t>A)</a:t>
+            </a:r>
+          </a:p>
+        </p:txBody>
+      </p:sp>
+      <p:sp>
+        <p:nvSpPr>
+          <p:cNvPr id="9" name="ZoneTexte 8">
+            <a:extLst>
+              <a:ext uri="{FF2B5EF4-FFF2-40B4-BE49-F238E27FC236}">
+                <a16:creationId xmlns:a16="http://schemas.microsoft.com/office/drawing/2014/main" id="{129EF042-98C0-2E9D-018D-6A503E4EDEE7}"/>
+              </a:ext>
+            </a:extLst>
+          </p:cNvPr>
+          <p:cNvSpPr txBox="1"/>
+          <p:nvPr/>
+        </p:nvSpPr>
+        <p:spPr>
+          <a:xfrm>
+            <a:off x="6275600" y="-7164"/>
+            <a:ext cx="491850" cy="369332"/>
+          </a:xfrm>
+          <a:prstGeom prst="rect">
+            <a:avLst/>
+          </a:prstGeom>
+          <a:noFill/>
+        </p:spPr>
+        <p:txBody>
+          <a:bodyPr wrap="square" rtlCol="0">
+            <a:spAutoFit/>
+          </a:bodyPr>
+          <a:lstStyle/>
+          <a:p>
+            <a:r>
+              <a:rPr lang="fr-FR" dirty="0"/>
+              <a:t>B)</a:t>
+            </a:r>
+          </a:p>
+        </p:txBody>
+      </p:sp>
+      <p:sp>
+        <p:nvSpPr>
+          <p:cNvPr id="10" name="ZoneTexte 9">
+            <a:extLst>
+              <a:ext uri="{FF2B5EF4-FFF2-40B4-BE49-F238E27FC236}">
+                <a16:creationId xmlns:a16="http://schemas.microsoft.com/office/drawing/2014/main" id="{73D21D3A-48CE-56E5-2300-7D7C30321E3C}"/>
+              </a:ext>
+            </a:extLst>
+          </p:cNvPr>
+          <p:cNvSpPr txBox="1"/>
+          <p:nvPr/>
+        </p:nvSpPr>
+        <p:spPr>
+          <a:xfrm>
+            <a:off x="121336" y="3550465"/>
+            <a:ext cx="491850" cy="369332"/>
+          </a:xfrm>
+          <a:prstGeom prst="rect">
+            <a:avLst/>
+          </a:prstGeom>
+          <a:noFill/>
+        </p:spPr>
+        <p:txBody>
+          <a:bodyPr wrap="square" rtlCol="0">
+            <a:spAutoFit/>
+          </a:bodyPr>
+          <a:lstStyle/>
+          <a:p>
+            <a:r>
+              <a:rPr lang="fr-FR" dirty="0"/>
+              <a:t>C)</a:t>
+            </a:r>
+          </a:p>
+        </p:txBody>
+      </p:sp>
+    </p:spTree>
+    <p:extLst>
+      <p:ext uri="{BB962C8B-B14F-4D97-AF65-F5344CB8AC3E}">
+        <p14:creationId xmlns:p14="http://schemas.microsoft.com/office/powerpoint/2010/main" val="2550439307"/>
       </p:ext>
     </p:extLst>
   </p:cSld>

--- a/figures/addtional_figures.pptx
+++ b/figures/addtional_figures.pptx
@@ -23729,13 +23729,8 @@
             </a:r>
             <a:r>
               <a:rPr lang="fr-FR" dirty="0"/>
-              <a:t> </a:t>
-            </a:r>
-            <a:r>
-              <a:rPr lang="fr-FR"/>
-              <a:t>of control</a:t>
-            </a:r>
-            <a:endParaRPr lang="fr-FR" dirty="0"/>
+              <a:t> of control</a:t>
+            </a:r>
           </a:p>
         </p:txBody>
       </p:sp>

--- a/figures/addtional_figures.pptx
+++ b/figures/addtional_figures.pptx
@@ -5,22 +5,23 @@
     <p:sldMasterId id="2147483648" r:id="rId1"/>
   </p:sldMasterIdLst>
   <p:notesMasterIdLst>
-    <p:notesMasterId r:id="rId15"/>
+    <p:notesMasterId r:id="rId16"/>
   </p:notesMasterIdLst>
   <p:sldIdLst>
     <p:sldId id="256" r:id="rId2"/>
-    <p:sldId id="267" r:id="rId3"/>
-    <p:sldId id="268" r:id="rId4"/>
-    <p:sldId id="257" r:id="rId5"/>
-    <p:sldId id="258" r:id="rId6"/>
-    <p:sldId id="259" r:id="rId7"/>
-    <p:sldId id="260" r:id="rId8"/>
-    <p:sldId id="261" r:id="rId9"/>
-    <p:sldId id="262" r:id="rId10"/>
-    <p:sldId id="263" r:id="rId11"/>
-    <p:sldId id="264" r:id="rId12"/>
-    <p:sldId id="265" r:id="rId13"/>
-    <p:sldId id="266" r:id="rId14"/>
+    <p:sldId id="269" r:id="rId3"/>
+    <p:sldId id="267" r:id="rId4"/>
+    <p:sldId id="268" r:id="rId5"/>
+    <p:sldId id="257" r:id="rId6"/>
+    <p:sldId id="258" r:id="rId7"/>
+    <p:sldId id="259" r:id="rId8"/>
+    <p:sldId id="260" r:id="rId9"/>
+    <p:sldId id="261" r:id="rId10"/>
+    <p:sldId id="262" r:id="rId11"/>
+    <p:sldId id="263" r:id="rId12"/>
+    <p:sldId id="264" r:id="rId13"/>
+    <p:sldId id="265" r:id="rId14"/>
+    <p:sldId id="266" r:id="rId15"/>
   </p:sldIdLst>
   <p:sldSz cx="12192000" cy="6858000"/>
   <p:notesSz cx="6858000" cy="9144000"/>
@@ -209,7 +210,7 @@
           <a:p>
             <a:fld id="{141436AA-BBA3-41B5-A45C-EE3A47F06D69}" type="datetimeFigureOut">
               <a:rPr lang="en-US" smtClean="0"/>
-              <a:t>9/21/2024</a:t>
+              <a:t>10/19/2024</a:t>
             </a:fld>
             <a:endParaRPr lang="en-US"/>
           </a:p>
@@ -1016,7 +1017,7 @@
           <a:p>
             <a:fld id="{D1849B51-CB8F-4E70-B214-8C45EFD2E0E3}" type="datetimeFigureOut">
               <a:rPr lang="en-US" smtClean="0"/>
-              <a:t>9/21/2024</a:t>
+              <a:t>10/19/2024</a:t>
             </a:fld>
             <a:endParaRPr lang="en-US"/>
           </a:p>
@@ -1216,7 +1217,7 @@
           <a:p>
             <a:fld id="{D1849B51-CB8F-4E70-B214-8C45EFD2E0E3}" type="datetimeFigureOut">
               <a:rPr lang="en-US" smtClean="0"/>
-              <a:t>9/21/2024</a:t>
+              <a:t>10/19/2024</a:t>
             </a:fld>
             <a:endParaRPr lang="en-US"/>
           </a:p>
@@ -1426,7 +1427,7 @@
           <a:p>
             <a:fld id="{D1849B51-CB8F-4E70-B214-8C45EFD2E0E3}" type="datetimeFigureOut">
               <a:rPr lang="en-US" smtClean="0"/>
-              <a:t>9/21/2024</a:t>
+              <a:t>10/19/2024</a:t>
             </a:fld>
             <a:endParaRPr lang="en-US"/>
           </a:p>
@@ -1626,7 +1627,7 @@
           <a:p>
             <a:fld id="{D1849B51-CB8F-4E70-B214-8C45EFD2E0E3}" type="datetimeFigureOut">
               <a:rPr lang="en-US" smtClean="0"/>
-              <a:t>9/21/2024</a:t>
+              <a:t>10/19/2024</a:t>
             </a:fld>
             <a:endParaRPr lang="en-US"/>
           </a:p>
@@ -1902,7 +1903,7 @@
           <a:p>
             <a:fld id="{D1849B51-CB8F-4E70-B214-8C45EFD2E0E3}" type="datetimeFigureOut">
               <a:rPr lang="en-US" smtClean="0"/>
-              <a:t>9/21/2024</a:t>
+              <a:t>10/19/2024</a:t>
             </a:fld>
             <a:endParaRPr lang="en-US"/>
           </a:p>
@@ -2170,7 +2171,7 @@
           <a:p>
             <a:fld id="{D1849B51-CB8F-4E70-B214-8C45EFD2E0E3}" type="datetimeFigureOut">
               <a:rPr lang="en-US" smtClean="0"/>
-              <a:t>9/21/2024</a:t>
+              <a:t>10/19/2024</a:t>
             </a:fld>
             <a:endParaRPr lang="en-US"/>
           </a:p>
@@ -2585,7 +2586,7 @@
           <a:p>
             <a:fld id="{D1849B51-CB8F-4E70-B214-8C45EFD2E0E3}" type="datetimeFigureOut">
               <a:rPr lang="en-US" smtClean="0"/>
-              <a:t>9/21/2024</a:t>
+              <a:t>10/19/2024</a:t>
             </a:fld>
             <a:endParaRPr lang="en-US"/>
           </a:p>
@@ -2727,7 +2728,7 @@
           <a:p>
             <a:fld id="{D1849B51-CB8F-4E70-B214-8C45EFD2E0E3}" type="datetimeFigureOut">
               <a:rPr lang="en-US" smtClean="0"/>
-              <a:t>9/21/2024</a:t>
+              <a:t>10/19/2024</a:t>
             </a:fld>
             <a:endParaRPr lang="en-US"/>
           </a:p>
@@ -2840,7 +2841,7 @@
           <a:p>
             <a:fld id="{D1849B51-CB8F-4E70-B214-8C45EFD2E0E3}" type="datetimeFigureOut">
               <a:rPr lang="en-US" smtClean="0"/>
-              <a:t>9/21/2024</a:t>
+              <a:t>10/19/2024</a:t>
             </a:fld>
             <a:endParaRPr lang="en-US"/>
           </a:p>
@@ -3153,7 +3154,7 @@
           <a:p>
             <a:fld id="{D1849B51-CB8F-4E70-B214-8C45EFD2E0E3}" type="datetimeFigureOut">
               <a:rPr lang="en-US" smtClean="0"/>
-              <a:t>9/21/2024</a:t>
+              <a:t>10/19/2024</a:t>
             </a:fld>
             <a:endParaRPr lang="en-US"/>
           </a:p>
@@ -3442,7 +3443,7 @@
           <a:p>
             <a:fld id="{D1849B51-CB8F-4E70-B214-8C45EFD2E0E3}" type="datetimeFigureOut">
               <a:rPr lang="en-US" smtClean="0"/>
-              <a:t>9/21/2024</a:t>
+              <a:t>10/19/2024</a:t>
             </a:fld>
             <a:endParaRPr lang="en-US"/>
           </a:p>
@@ -3685,7 +3686,7 @@
           <a:p>
             <a:fld id="{D1849B51-CB8F-4E70-B214-8C45EFD2E0E3}" type="datetimeFigureOut">
               <a:rPr lang="en-US" smtClean="0"/>
-              <a:t>9/21/2024</a:t>
+              <a:t>10/19/2024</a:t>
             </a:fld>
             <a:endParaRPr lang="en-US"/>
           </a:p>
@@ -4780,6 +4781,1897 @@
           <a:chExt cx="0" cy="0"/>
         </a:xfrm>
       </p:grpSpPr>
+      <p:pic>
+        <p:nvPicPr>
+          <p:cNvPr id="65" name="Immagine 64">
+            <a:extLst>
+              <a:ext uri="{FF2B5EF4-FFF2-40B4-BE49-F238E27FC236}">
+                <a16:creationId xmlns:a16="http://schemas.microsoft.com/office/drawing/2014/main" id="{5B39C8BB-F937-F621-0933-7D7EBFEA7769}"/>
+              </a:ext>
+            </a:extLst>
+          </p:cNvPr>
+          <p:cNvPicPr>
+            <a:picLocks noChangeAspect="1"/>
+          </p:cNvPicPr>
+          <p:nvPr/>
+        </p:nvPicPr>
+        <p:blipFill rotWithShape="1">
+          <a:blip r:embed="rId2">
+            <a:extLst>
+              <a:ext uri="{28A0092B-C50C-407E-A947-70E740481C1C}">
+                <a14:useLocalDpi xmlns:a14="http://schemas.microsoft.com/office/drawing/2010/main" val="0"/>
+              </a:ext>
+            </a:extLst>
+          </a:blip>
+          <a:srcRect l="57187" t="56507" r="-363" b="-1153"/>
+          <a:stretch/>
+        </p:blipFill>
+        <p:spPr>
+          <a:xfrm>
+            <a:off x="7472530" y="4982350"/>
+            <a:ext cx="1885692" cy="1858950"/>
+          </a:xfrm>
+          <a:prstGeom prst="rect">
+            <a:avLst/>
+          </a:prstGeom>
+        </p:spPr>
+      </p:pic>
+      <p:pic>
+        <p:nvPicPr>
+          <p:cNvPr id="64" name="Immagine 63">
+            <a:extLst>
+              <a:ext uri="{FF2B5EF4-FFF2-40B4-BE49-F238E27FC236}">
+                <a16:creationId xmlns:a16="http://schemas.microsoft.com/office/drawing/2014/main" id="{255973F1-0895-D230-2E0D-9B9BF157E3D7}"/>
+              </a:ext>
+            </a:extLst>
+          </p:cNvPr>
+          <p:cNvPicPr>
+            <a:picLocks noChangeAspect="1"/>
+          </p:cNvPicPr>
+          <p:nvPr/>
+        </p:nvPicPr>
+        <p:blipFill rotWithShape="1">
+          <a:blip r:embed="rId2">
+            <a:extLst>
+              <a:ext uri="{28A0092B-C50C-407E-A947-70E740481C1C}">
+                <a14:useLocalDpi xmlns:a14="http://schemas.microsoft.com/office/drawing/2010/main" val="0"/>
+              </a:ext>
+            </a:extLst>
+          </a:blip>
+          <a:srcRect l="47" t="56842" r="56777" b="-419"/>
+          <a:stretch/>
+        </p:blipFill>
+        <p:spPr>
+          <a:xfrm>
+            <a:off x="7452156" y="2831084"/>
+            <a:ext cx="1885692" cy="1814436"/>
+          </a:xfrm>
+          <a:prstGeom prst="rect">
+            <a:avLst/>
+          </a:prstGeom>
+        </p:spPr>
+      </p:pic>
+      <p:pic>
+        <p:nvPicPr>
+          <p:cNvPr id="63" name="Immagine 62">
+            <a:extLst>
+              <a:ext uri="{FF2B5EF4-FFF2-40B4-BE49-F238E27FC236}">
+                <a16:creationId xmlns:a16="http://schemas.microsoft.com/office/drawing/2014/main" id="{6171EB4B-7E3E-C33E-FD87-E9C0BFD3B2FF}"/>
+              </a:ext>
+            </a:extLst>
+          </p:cNvPr>
+          <p:cNvPicPr>
+            <a:picLocks noChangeAspect="1"/>
+          </p:cNvPicPr>
+          <p:nvPr/>
+        </p:nvPicPr>
+        <p:blipFill rotWithShape="1">
+          <a:blip r:embed="rId2">
+            <a:extLst>
+              <a:ext uri="{28A0092B-C50C-407E-A947-70E740481C1C}">
+                <a14:useLocalDpi xmlns:a14="http://schemas.microsoft.com/office/drawing/2010/main" val="0"/>
+              </a:ext>
+            </a:extLst>
+          </a:blip>
+          <a:srcRect l="56824" t="7665" b="48758"/>
+          <a:stretch/>
+        </p:blipFill>
+        <p:spPr>
+          <a:xfrm>
+            <a:off x="7441689" y="601562"/>
+            <a:ext cx="1885692" cy="1814436"/>
+          </a:xfrm>
+          <a:prstGeom prst="rect">
+            <a:avLst/>
+          </a:prstGeom>
+        </p:spPr>
+      </p:pic>
+      <p:pic>
+        <p:nvPicPr>
+          <p:cNvPr id="52" name="Immagine 51">
+            <a:extLst>
+              <a:ext uri="{FF2B5EF4-FFF2-40B4-BE49-F238E27FC236}">
+                <a16:creationId xmlns:a16="http://schemas.microsoft.com/office/drawing/2014/main" id="{6E2131A7-6C6B-E68C-484E-2ADA1E8A694C}"/>
+              </a:ext>
+            </a:extLst>
+          </p:cNvPr>
+          <p:cNvPicPr>
+            <a:picLocks noChangeAspect="1"/>
+          </p:cNvPicPr>
+          <p:nvPr/>
+        </p:nvPicPr>
+        <p:blipFill rotWithShape="1">
+          <a:blip r:embed="rId3">
+            <a:extLst>
+              <a:ext uri="{28A0092B-C50C-407E-A947-70E740481C1C}">
+                <a14:useLocalDpi xmlns:a14="http://schemas.microsoft.com/office/drawing/2010/main" val="0"/>
+              </a:ext>
+            </a:extLst>
+          </a:blip>
+          <a:srcRect l="-138" t="57026" r="57978" b="830"/>
+          <a:stretch/>
+        </p:blipFill>
+        <p:spPr>
+          <a:xfrm>
+            <a:off x="5558070" y="5005635"/>
+            <a:ext cx="1842662" cy="1756013"/>
+          </a:xfrm>
+          <a:prstGeom prst="rect">
+            <a:avLst/>
+          </a:prstGeom>
+        </p:spPr>
+      </p:pic>
+      <p:pic>
+        <p:nvPicPr>
+          <p:cNvPr id="51" name="Immagine 50">
+            <a:extLst>
+              <a:ext uri="{FF2B5EF4-FFF2-40B4-BE49-F238E27FC236}">
+                <a16:creationId xmlns:a16="http://schemas.microsoft.com/office/drawing/2014/main" id="{9BDC0C7E-3E69-7023-1931-D272AB3B2E84}"/>
+              </a:ext>
+            </a:extLst>
+          </p:cNvPr>
+          <p:cNvPicPr>
+            <a:picLocks noChangeAspect="1"/>
+          </p:cNvPicPr>
+          <p:nvPr/>
+        </p:nvPicPr>
+        <p:blipFill rotWithShape="1">
+          <a:blip r:embed="rId3">
+            <a:extLst>
+              <a:ext uri="{28A0092B-C50C-407E-A947-70E740481C1C}">
+                <a14:useLocalDpi xmlns:a14="http://schemas.microsoft.com/office/drawing/2010/main" val="0"/>
+              </a:ext>
+            </a:extLst>
+          </a:blip>
+          <a:srcRect l="57957" t="57191" r="-117" b="665"/>
+          <a:stretch/>
+        </p:blipFill>
+        <p:spPr>
+          <a:xfrm>
+            <a:off x="5541610" y="2831084"/>
+            <a:ext cx="1842662" cy="1756013"/>
+          </a:xfrm>
+          <a:prstGeom prst="rect">
+            <a:avLst/>
+          </a:prstGeom>
+        </p:spPr>
+      </p:pic>
+      <p:pic>
+        <p:nvPicPr>
+          <p:cNvPr id="49" name="Immagine 48">
+            <a:extLst>
+              <a:ext uri="{FF2B5EF4-FFF2-40B4-BE49-F238E27FC236}">
+                <a16:creationId xmlns:a16="http://schemas.microsoft.com/office/drawing/2014/main" id="{5D8930DF-1D2D-B876-7244-E659C88E4C93}"/>
+              </a:ext>
+            </a:extLst>
+          </p:cNvPr>
+          <p:cNvPicPr>
+            <a:picLocks noChangeAspect="1"/>
+          </p:cNvPicPr>
+          <p:nvPr/>
+        </p:nvPicPr>
+        <p:blipFill rotWithShape="1">
+          <a:blip r:embed="rId3">
+            <a:extLst>
+              <a:ext uri="{28A0092B-C50C-407E-A947-70E740481C1C}">
+                <a14:useLocalDpi xmlns:a14="http://schemas.microsoft.com/office/drawing/2010/main" val="0"/>
+              </a:ext>
+            </a:extLst>
+          </a:blip>
+          <a:srcRect l="57840" t="7856" b="50000"/>
+          <a:stretch/>
+        </p:blipFill>
+        <p:spPr>
+          <a:xfrm>
+            <a:off x="5549536" y="578617"/>
+            <a:ext cx="1842662" cy="1756013"/>
+          </a:xfrm>
+          <a:prstGeom prst="rect">
+            <a:avLst/>
+          </a:prstGeom>
+        </p:spPr>
+      </p:pic>
+      <p:pic>
+        <p:nvPicPr>
+          <p:cNvPr id="39" name="Immagine 38">
+            <a:extLst>
+              <a:ext uri="{FF2B5EF4-FFF2-40B4-BE49-F238E27FC236}">
+                <a16:creationId xmlns:a16="http://schemas.microsoft.com/office/drawing/2014/main" id="{95706E1D-84B7-BED6-F7E9-B0FD97A27BB2}"/>
+              </a:ext>
+            </a:extLst>
+          </p:cNvPr>
+          <p:cNvPicPr>
+            <a:picLocks noChangeAspect="1"/>
+          </p:cNvPicPr>
+          <p:nvPr/>
+        </p:nvPicPr>
+        <p:blipFill rotWithShape="1">
+          <a:blip r:embed="rId4">
+            <a:extLst>
+              <a:ext uri="{28A0092B-C50C-407E-A947-70E740481C1C}">
+                <a14:useLocalDpi xmlns:a14="http://schemas.microsoft.com/office/drawing/2010/main" val="0"/>
+              </a:ext>
+            </a:extLst>
+          </a:blip>
+          <a:srcRect l="77052" t="40275" r="-807" b="33892"/>
+          <a:stretch/>
+        </p:blipFill>
+        <p:spPr>
+          <a:xfrm>
+            <a:off x="3788479" y="4988607"/>
+            <a:ext cx="1900588" cy="1756013"/>
+          </a:xfrm>
+          <a:prstGeom prst="rect">
+            <a:avLst/>
+          </a:prstGeom>
+        </p:spPr>
+      </p:pic>
+      <p:pic>
+        <p:nvPicPr>
+          <p:cNvPr id="38" name="Immagine 37">
+            <a:extLst>
+              <a:ext uri="{FF2B5EF4-FFF2-40B4-BE49-F238E27FC236}">
+                <a16:creationId xmlns:a16="http://schemas.microsoft.com/office/drawing/2014/main" id="{01DC40FF-4317-7FD4-D06E-E4B549499DB8}"/>
+              </a:ext>
+            </a:extLst>
+          </p:cNvPr>
+          <p:cNvPicPr>
+            <a:picLocks noChangeAspect="1"/>
+          </p:cNvPicPr>
+          <p:nvPr/>
+        </p:nvPicPr>
+        <p:blipFill rotWithShape="1">
+          <a:blip r:embed="rId4">
+            <a:extLst>
+              <a:ext uri="{28A0092B-C50C-407E-A947-70E740481C1C}">
+                <a14:useLocalDpi xmlns:a14="http://schemas.microsoft.com/office/drawing/2010/main" val="0"/>
+              </a:ext>
+            </a:extLst>
+          </a:blip>
+          <a:srcRect l="1432" t="73155" r="74813" b="1012"/>
+          <a:stretch/>
+        </p:blipFill>
+        <p:spPr>
+          <a:xfrm>
+            <a:off x="3723943" y="2786570"/>
+            <a:ext cx="1900588" cy="1756013"/>
+          </a:xfrm>
+          <a:prstGeom prst="rect">
+            <a:avLst/>
+          </a:prstGeom>
+        </p:spPr>
+      </p:pic>
+      <p:pic>
+        <p:nvPicPr>
+          <p:cNvPr id="3" name="Immagine 2">
+            <a:extLst>
+              <a:ext uri="{FF2B5EF4-FFF2-40B4-BE49-F238E27FC236}">
+                <a16:creationId xmlns:a16="http://schemas.microsoft.com/office/drawing/2014/main" id="{D4A6931D-2448-D935-E2EB-320DDEF26062}"/>
+              </a:ext>
+            </a:extLst>
+          </p:cNvPr>
+          <p:cNvPicPr>
+            <a:picLocks noChangeAspect="1"/>
+          </p:cNvPicPr>
+          <p:nvPr/>
+        </p:nvPicPr>
+        <p:blipFill rotWithShape="1">
+          <a:blip r:embed="rId5">
+            <a:extLst>
+              <a:ext uri="{28A0092B-C50C-407E-A947-70E740481C1C}">
+                <a14:useLocalDpi xmlns:a14="http://schemas.microsoft.com/office/drawing/2010/main" val="0"/>
+              </a:ext>
+            </a:extLst>
+          </a:blip>
+          <a:srcRect l="1668" t="6012" r="58172" b="50854"/>
+          <a:stretch/>
+        </p:blipFill>
+        <p:spPr>
+          <a:xfrm>
+            <a:off x="8780" y="557048"/>
+            <a:ext cx="1724894" cy="1744718"/>
+          </a:xfrm>
+          <a:prstGeom prst="rect">
+            <a:avLst/>
+          </a:prstGeom>
+        </p:spPr>
+      </p:pic>
+      <p:cxnSp>
+        <p:nvCxnSpPr>
+          <p:cNvPr id="5" name="Connettore diritto 4">
+            <a:extLst>
+              <a:ext uri="{FF2B5EF4-FFF2-40B4-BE49-F238E27FC236}">
+                <a16:creationId xmlns:a16="http://schemas.microsoft.com/office/drawing/2014/main" id="{CBA2350D-1030-21EA-55E5-BDFC0DECC3B2}"/>
+              </a:ext>
+            </a:extLst>
+          </p:cNvPr>
+          <p:cNvCxnSpPr/>
+          <p:nvPr/>
+        </p:nvCxnSpPr>
+        <p:spPr>
+          <a:xfrm>
+            <a:off x="1775238" y="0"/>
+            <a:ext cx="0" cy="6858000"/>
+          </a:xfrm>
+          <a:prstGeom prst="line">
+            <a:avLst/>
+          </a:prstGeom>
+          <a:ln w="28575">
+            <a:solidFill>
+              <a:schemeClr val="tx1"/>
+            </a:solidFill>
+          </a:ln>
+        </p:spPr>
+        <p:style>
+          <a:lnRef idx="1">
+            <a:schemeClr val="accent1"/>
+          </a:lnRef>
+          <a:fillRef idx="0">
+            <a:schemeClr val="accent1"/>
+          </a:fillRef>
+          <a:effectRef idx="0">
+            <a:schemeClr val="accent1"/>
+          </a:effectRef>
+          <a:fontRef idx="minor">
+            <a:schemeClr val="tx1"/>
+          </a:fontRef>
+        </p:style>
+      </p:cxnSp>
+      <p:sp>
+        <p:nvSpPr>
+          <p:cNvPr id="6" name="CasellaDiTesto 5">
+            <a:extLst>
+              <a:ext uri="{FF2B5EF4-FFF2-40B4-BE49-F238E27FC236}">
+                <a16:creationId xmlns:a16="http://schemas.microsoft.com/office/drawing/2014/main" id="{9EE8E2DF-A70A-49CB-2D27-0EF592C0466E}"/>
+              </a:ext>
+            </a:extLst>
+          </p:cNvPr>
+          <p:cNvSpPr txBox="1"/>
+          <p:nvPr/>
+        </p:nvSpPr>
+        <p:spPr>
+          <a:xfrm>
+            <a:off x="8780" y="-105509"/>
+            <a:ext cx="1591417" cy="369332"/>
+          </a:xfrm>
+          <a:prstGeom prst="rect">
+            <a:avLst/>
+          </a:prstGeom>
+          <a:noFill/>
+        </p:spPr>
+        <p:txBody>
+          <a:bodyPr wrap="square" rtlCol="0">
+            <a:spAutoFit/>
+          </a:bodyPr>
+          <a:lstStyle/>
+          <a:p>
+            <a:r>
+              <a:rPr lang="en-US" dirty="0"/>
+              <a:t>Original image</a:t>
+            </a:r>
+          </a:p>
+        </p:txBody>
+      </p:sp>
+      <p:sp>
+        <p:nvSpPr>
+          <p:cNvPr id="7" name="CasellaDiTesto 6">
+            <a:extLst>
+              <a:ext uri="{FF2B5EF4-FFF2-40B4-BE49-F238E27FC236}">
+                <a16:creationId xmlns:a16="http://schemas.microsoft.com/office/drawing/2014/main" id="{47B0913C-258A-9E74-AA8C-6F899B9D435C}"/>
+              </a:ext>
+            </a:extLst>
+          </p:cNvPr>
+          <p:cNvSpPr txBox="1"/>
+          <p:nvPr/>
+        </p:nvSpPr>
+        <p:spPr>
+          <a:xfrm>
+            <a:off x="2139970" y="-105123"/>
+            <a:ext cx="1383326" cy="369332"/>
+          </a:xfrm>
+          <a:prstGeom prst="rect">
+            <a:avLst/>
+          </a:prstGeom>
+          <a:noFill/>
+        </p:spPr>
+        <p:txBody>
+          <a:bodyPr wrap="square" rtlCol="0">
+            <a:spAutoFit/>
+          </a:bodyPr>
+          <a:lstStyle/>
+          <a:p>
+            <a:r>
+              <a:rPr lang="en-US" dirty="0" err="1"/>
+              <a:t>GradCam</a:t>
+            </a:r>
+            <a:endParaRPr lang="en-US" dirty="0"/>
+          </a:p>
+        </p:txBody>
+      </p:sp>
+      <p:cxnSp>
+        <p:nvCxnSpPr>
+          <p:cNvPr id="8" name="Connettore diritto 7">
+            <a:extLst>
+              <a:ext uri="{FF2B5EF4-FFF2-40B4-BE49-F238E27FC236}">
+                <a16:creationId xmlns:a16="http://schemas.microsoft.com/office/drawing/2014/main" id="{3507CF98-D93A-D182-621A-78E8CCC6DB6C}"/>
+              </a:ext>
+            </a:extLst>
+          </p:cNvPr>
+          <p:cNvCxnSpPr/>
+          <p:nvPr/>
+        </p:nvCxnSpPr>
+        <p:spPr>
+          <a:xfrm>
+            <a:off x="3650930" y="0"/>
+            <a:ext cx="0" cy="6858000"/>
+          </a:xfrm>
+          <a:prstGeom prst="line">
+            <a:avLst/>
+          </a:prstGeom>
+          <a:ln w="28575">
+            <a:solidFill>
+              <a:schemeClr val="tx1"/>
+            </a:solidFill>
+          </a:ln>
+        </p:spPr>
+        <p:style>
+          <a:lnRef idx="1">
+            <a:schemeClr val="accent1"/>
+          </a:lnRef>
+          <a:fillRef idx="0">
+            <a:schemeClr val="accent1"/>
+          </a:fillRef>
+          <a:effectRef idx="0">
+            <a:schemeClr val="accent1"/>
+          </a:effectRef>
+          <a:fontRef idx="minor">
+            <a:schemeClr val="tx1"/>
+          </a:fontRef>
+        </p:style>
+      </p:cxnSp>
+      <p:pic>
+        <p:nvPicPr>
+          <p:cNvPr id="9" name="Immagine 8">
+            <a:extLst>
+              <a:ext uri="{FF2B5EF4-FFF2-40B4-BE49-F238E27FC236}">
+                <a16:creationId xmlns:a16="http://schemas.microsoft.com/office/drawing/2014/main" id="{C9A03516-9AC2-C2A3-EAE4-81E6D320E183}"/>
+              </a:ext>
+            </a:extLst>
+          </p:cNvPr>
+          <p:cNvPicPr>
+            <a:picLocks noChangeAspect="1"/>
+          </p:cNvPicPr>
+          <p:nvPr/>
+        </p:nvPicPr>
+        <p:blipFill rotWithShape="1">
+          <a:blip r:embed="rId5">
+            <a:extLst>
+              <a:ext uri="{28A0092B-C50C-407E-A947-70E740481C1C}">
+                <a14:useLocalDpi xmlns:a14="http://schemas.microsoft.com/office/drawing/2010/main" val="0"/>
+              </a:ext>
+            </a:extLst>
+          </a:blip>
+          <a:srcRect l="58167" t="5941" r="1673" b="50925"/>
+          <a:stretch/>
+        </p:blipFill>
+        <p:spPr>
+          <a:xfrm>
+            <a:off x="1884471" y="539321"/>
+            <a:ext cx="1724894" cy="1744718"/>
+          </a:xfrm>
+          <a:prstGeom prst="rect">
+            <a:avLst/>
+          </a:prstGeom>
+        </p:spPr>
+      </p:pic>
+      <p:pic>
+        <p:nvPicPr>
+          <p:cNvPr id="10" name="Immagine 9">
+            <a:extLst>
+              <a:ext uri="{FF2B5EF4-FFF2-40B4-BE49-F238E27FC236}">
+                <a16:creationId xmlns:a16="http://schemas.microsoft.com/office/drawing/2014/main" id="{55091BFB-9322-4025-30B8-92052368D53D}"/>
+              </a:ext>
+            </a:extLst>
+          </p:cNvPr>
+          <p:cNvPicPr>
+            <a:picLocks noChangeAspect="1"/>
+          </p:cNvPicPr>
+          <p:nvPr/>
+        </p:nvPicPr>
+        <p:blipFill rotWithShape="1">
+          <a:blip r:embed="rId5">
+            <a:extLst>
+              <a:ext uri="{28A0092B-C50C-407E-A947-70E740481C1C}">
+                <a14:useLocalDpi xmlns:a14="http://schemas.microsoft.com/office/drawing/2010/main" val="0"/>
+              </a:ext>
+            </a:extLst>
+          </a:blip>
+          <a:srcRect l="1755" t="54908" r="58085" b="1958"/>
+          <a:stretch/>
+        </p:blipFill>
+        <p:spPr>
+          <a:xfrm>
+            <a:off x="1871416" y="2629536"/>
+            <a:ext cx="1724894" cy="1744718"/>
+          </a:xfrm>
+          <a:prstGeom prst="rect">
+            <a:avLst/>
+          </a:prstGeom>
+        </p:spPr>
+      </p:pic>
+      <p:pic>
+        <p:nvPicPr>
+          <p:cNvPr id="11" name="Immagine 10">
+            <a:extLst>
+              <a:ext uri="{FF2B5EF4-FFF2-40B4-BE49-F238E27FC236}">
+                <a16:creationId xmlns:a16="http://schemas.microsoft.com/office/drawing/2014/main" id="{5E2301A0-F3BD-F145-0B1D-C70D8705B8D4}"/>
+              </a:ext>
+            </a:extLst>
+          </p:cNvPr>
+          <p:cNvPicPr>
+            <a:picLocks noChangeAspect="1"/>
+          </p:cNvPicPr>
+          <p:nvPr/>
+        </p:nvPicPr>
+        <p:blipFill rotWithShape="1">
+          <a:blip r:embed="rId5">
+            <a:extLst>
+              <a:ext uri="{28A0092B-C50C-407E-A947-70E740481C1C}">
+                <a14:useLocalDpi xmlns:a14="http://schemas.microsoft.com/office/drawing/2010/main" val="0"/>
+              </a:ext>
+            </a:extLst>
+          </a:blip>
+          <a:srcRect l="57948" t="58120" r="1892" b="-1254"/>
+          <a:stretch/>
+        </p:blipFill>
+        <p:spPr>
+          <a:xfrm>
+            <a:off x="1798402" y="4855376"/>
+            <a:ext cx="1724894" cy="1744718"/>
+          </a:xfrm>
+          <a:prstGeom prst="rect">
+            <a:avLst/>
+          </a:prstGeom>
+        </p:spPr>
+      </p:pic>
+      <p:sp>
+        <p:nvSpPr>
+          <p:cNvPr id="12" name="CasellaDiTesto 11">
+            <a:extLst>
+              <a:ext uri="{FF2B5EF4-FFF2-40B4-BE49-F238E27FC236}">
+                <a16:creationId xmlns:a16="http://schemas.microsoft.com/office/drawing/2014/main" id="{90697022-1586-F32E-57AB-3DA9EDC958A8}"/>
+              </a:ext>
+            </a:extLst>
+          </p:cNvPr>
+          <p:cNvSpPr txBox="1"/>
+          <p:nvPr/>
+        </p:nvSpPr>
+        <p:spPr>
+          <a:xfrm>
+            <a:off x="1816803" y="2260204"/>
+            <a:ext cx="1724887" cy="369332"/>
+          </a:xfrm>
+          <a:prstGeom prst="rect">
+            <a:avLst/>
+          </a:prstGeom>
+          <a:noFill/>
+        </p:spPr>
+        <p:txBody>
+          <a:bodyPr wrap="square" rtlCol="0">
+            <a:spAutoFit/>
+          </a:bodyPr>
+          <a:lstStyle/>
+          <a:p>
+            <a:pPr algn="ctr"/>
+            <a:r>
+              <a:rPr lang="en-US" dirty="0"/>
+              <a:t>Heatmap</a:t>
+            </a:r>
+          </a:p>
+        </p:txBody>
+      </p:sp>
+      <p:sp>
+        <p:nvSpPr>
+          <p:cNvPr id="13" name="CasellaDiTesto 12">
+            <a:extLst>
+              <a:ext uri="{FF2B5EF4-FFF2-40B4-BE49-F238E27FC236}">
+                <a16:creationId xmlns:a16="http://schemas.microsoft.com/office/drawing/2014/main" id="{3739E5B1-DD2D-7080-7EF2-4DE159775146}"/>
+              </a:ext>
+            </a:extLst>
+          </p:cNvPr>
+          <p:cNvSpPr txBox="1"/>
+          <p:nvPr/>
+        </p:nvSpPr>
+        <p:spPr>
+          <a:xfrm>
+            <a:off x="1793632" y="4430149"/>
+            <a:ext cx="1724887" cy="369332"/>
+          </a:xfrm>
+          <a:prstGeom prst="rect">
+            <a:avLst/>
+          </a:prstGeom>
+          <a:noFill/>
+        </p:spPr>
+        <p:txBody>
+          <a:bodyPr wrap="square" rtlCol="0">
+            <a:spAutoFit/>
+          </a:bodyPr>
+          <a:lstStyle/>
+          <a:p>
+            <a:pPr algn="ctr"/>
+            <a:r>
+              <a:rPr lang="en-US" dirty="0"/>
+              <a:t>Activation map</a:t>
+            </a:r>
+          </a:p>
+        </p:txBody>
+      </p:sp>
+      <p:sp>
+        <p:nvSpPr>
+          <p:cNvPr id="14" name="CasellaDiTesto 13">
+            <a:extLst>
+              <a:ext uri="{FF2B5EF4-FFF2-40B4-BE49-F238E27FC236}">
+                <a16:creationId xmlns:a16="http://schemas.microsoft.com/office/drawing/2014/main" id="{D68C2766-05CE-EB27-E15D-1925488A2D01}"/>
+              </a:ext>
+            </a:extLst>
+          </p:cNvPr>
+          <p:cNvSpPr txBox="1"/>
+          <p:nvPr/>
+        </p:nvSpPr>
+        <p:spPr>
+          <a:xfrm>
+            <a:off x="1793631" y="6595768"/>
+            <a:ext cx="1724887" cy="646331"/>
+          </a:xfrm>
+          <a:prstGeom prst="rect">
+            <a:avLst/>
+          </a:prstGeom>
+          <a:noFill/>
+        </p:spPr>
+        <p:txBody>
+          <a:bodyPr wrap="square" rtlCol="0">
+            <a:spAutoFit/>
+          </a:bodyPr>
+          <a:lstStyle/>
+          <a:p>
+            <a:pPr algn="ctr"/>
+            <a:r>
+              <a:rPr lang="en-US" dirty="0"/>
+              <a:t>Heatmap on image</a:t>
+            </a:r>
+          </a:p>
+        </p:txBody>
+      </p:sp>
+      <p:sp>
+        <p:nvSpPr>
+          <p:cNvPr id="28" name="CasellaDiTesto 27">
+            <a:extLst>
+              <a:ext uri="{FF2B5EF4-FFF2-40B4-BE49-F238E27FC236}">
+                <a16:creationId xmlns:a16="http://schemas.microsoft.com/office/drawing/2014/main" id="{924C3E3A-A37B-30E7-116F-F94F16A7DDBC}"/>
+              </a:ext>
+            </a:extLst>
+          </p:cNvPr>
+          <p:cNvSpPr txBox="1"/>
+          <p:nvPr/>
+        </p:nvSpPr>
+        <p:spPr>
+          <a:xfrm>
+            <a:off x="3778565" y="-105123"/>
+            <a:ext cx="1744493" cy="646331"/>
+          </a:xfrm>
+          <a:prstGeom prst="rect">
+            <a:avLst/>
+          </a:prstGeom>
+          <a:noFill/>
+        </p:spPr>
+        <p:txBody>
+          <a:bodyPr wrap="square" rtlCol="0">
+            <a:spAutoFit/>
+          </a:bodyPr>
+          <a:lstStyle/>
+          <a:p>
+            <a:pPr algn="ctr"/>
+            <a:r>
+              <a:rPr lang="en-US" dirty="0"/>
+              <a:t>Grad times images</a:t>
+            </a:r>
+          </a:p>
+        </p:txBody>
+      </p:sp>
+      <p:sp>
+        <p:nvSpPr>
+          <p:cNvPr id="33" name="CasellaDiTesto 32">
+            <a:extLst>
+              <a:ext uri="{FF2B5EF4-FFF2-40B4-BE49-F238E27FC236}">
+                <a16:creationId xmlns:a16="http://schemas.microsoft.com/office/drawing/2014/main" id="{67974440-C690-B14F-4CBA-E7326BF662FF}"/>
+              </a:ext>
+            </a:extLst>
+          </p:cNvPr>
+          <p:cNvSpPr txBox="1"/>
+          <p:nvPr/>
+        </p:nvSpPr>
+        <p:spPr>
+          <a:xfrm>
+            <a:off x="3723943" y="2260204"/>
+            <a:ext cx="1724887" cy="646331"/>
+          </a:xfrm>
+          <a:prstGeom prst="rect">
+            <a:avLst/>
+          </a:prstGeom>
+          <a:noFill/>
+        </p:spPr>
+        <p:txBody>
+          <a:bodyPr wrap="square" rtlCol="0">
+            <a:spAutoFit/>
+          </a:bodyPr>
+          <a:lstStyle/>
+          <a:p>
+            <a:pPr algn="ctr"/>
+            <a:r>
+              <a:rPr lang="en-US" dirty="0"/>
+              <a:t>Vanilla grad x image</a:t>
+            </a:r>
+          </a:p>
+        </p:txBody>
+      </p:sp>
+      <p:sp>
+        <p:nvSpPr>
+          <p:cNvPr id="34" name="CasellaDiTesto 33">
+            <a:extLst>
+              <a:ext uri="{FF2B5EF4-FFF2-40B4-BE49-F238E27FC236}">
+                <a16:creationId xmlns:a16="http://schemas.microsoft.com/office/drawing/2014/main" id="{5C5FF9EA-726B-63F5-24BA-F8D560D7AF9C}"/>
+              </a:ext>
+            </a:extLst>
+          </p:cNvPr>
+          <p:cNvSpPr txBox="1"/>
+          <p:nvPr/>
+        </p:nvSpPr>
+        <p:spPr>
+          <a:xfrm>
+            <a:off x="3700772" y="4430149"/>
+            <a:ext cx="1724887" cy="646331"/>
+          </a:xfrm>
+          <a:prstGeom prst="rect">
+            <a:avLst/>
+          </a:prstGeom>
+          <a:noFill/>
+        </p:spPr>
+        <p:txBody>
+          <a:bodyPr wrap="square" rtlCol="0">
+            <a:spAutoFit/>
+          </a:bodyPr>
+          <a:lstStyle/>
+          <a:p>
+            <a:pPr algn="ctr"/>
+            <a:r>
+              <a:rPr lang="en-US" dirty="0"/>
+              <a:t>Integrated grad x image</a:t>
+            </a:r>
+          </a:p>
+        </p:txBody>
+      </p:sp>
+      <p:sp>
+        <p:nvSpPr>
+          <p:cNvPr id="35" name="CasellaDiTesto 34">
+            <a:extLst>
+              <a:ext uri="{FF2B5EF4-FFF2-40B4-BE49-F238E27FC236}">
+                <a16:creationId xmlns:a16="http://schemas.microsoft.com/office/drawing/2014/main" id="{1AFA4BE5-8D23-D4F6-2467-EC85974382E5}"/>
+              </a:ext>
+            </a:extLst>
+          </p:cNvPr>
+          <p:cNvSpPr txBox="1"/>
+          <p:nvPr/>
+        </p:nvSpPr>
+        <p:spPr>
+          <a:xfrm>
+            <a:off x="3682378" y="6595768"/>
+            <a:ext cx="1724887" cy="923330"/>
+          </a:xfrm>
+          <a:prstGeom prst="rect">
+            <a:avLst/>
+          </a:prstGeom>
+          <a:noFill/>
+        </p:spPr>
+        <p:txBody>
+          <a:bodyPr wrap="square" rtlCol="0">
+            <a:spAutoFit/>
+          </a:bodyPr>
+          <a:lstStyle/>
+          <a:p>
+            <a:pPr algn="ctr"/>
+            <a:r>
+              <a:rPr lang="en-US" dirty="0"/>
+              <a:t>Colored integrated grad x image</a:t>
+            </a:r>
+          </a:p>
+        </p:txBody>
+      </p:sp>
+      <p:pic>
+        <p:nvPicPr>
+          <p:cNvPr id="37" name="Immagine 36">
+            <a:extLst>
+              <a:ext uri="{FF2B5EF4-FFF2-40B4-BE49-F238E27FC236}">
+                <a16:creationId xmlns:a16="http://schemas.microsoft.com/office/drawing/2014/main" id="{5CEE7A3D-5007-E6B2-98F5-3CC8E3C3222F}"/>
+              </a:ext>
+            </a:extLst>
+          </p:cNvPr>
+          <p:cNvPicPr>
+            <a:picLocks noChangeAspect="1"/>
+          </p:cNvPicPr>
+          <p:nvPr/>
+        </p:nvPicPr>
+        <p:blipFill rotWithShape="1">
+          <a:blip r:embed="rId4">
+            <a:extLst>
+              <a:ext uri="{28A0092B-C50C-407E-A947-70E740481C1C}">
+                <a14:useLocalDpi xmlns:a14="http://schemas.microsoft.com/office/drawing/2010/main" val="0"/>
+              </a:ext>
+            </a:extLst>
+          </a:blip>
+          <a:srcRect l="76245" t="7706" b="66461"/>
+          <a:stretch/>
+        </p:blipFill>
+        <p:spPr>
+          <a:xfrm>
+            <a:off x="3692495" y="561959"/>
+            <a:ext cx="1900588" cy="1756013"/>
+          </a:xfrm>
+          <a:prstGeom prst="rect">
+            <a:avLst/>
+          </a:prstGeom>
+        </p:spPr>
+      </p:pic>
+      <p:cxnSp>
+        <p:nvCxnSpPr>
+          <p:cNvPr id="29" name="Connettore diritto 28">
+            <a:extLst>
+              <a:ext uri="{FF2B5EF4-FFF2-40B4-BE49-F238E27FC236}">
+                <a16:creationId xmlns:a16="http://schemas.microsoft.com/office/drawing/2014/main" id="{B7A9C928-2336-B234-8F3B-7C827A3C11C6}"/>
+              </a:ext>
+            </a:extLst>
+          </p:cNvPr>
+          <p:cNvCxnSpPr/>
+          <p:nvPr/>
+        </p:nvCxnSpPr>
+        <p:spPr>
+          <a:xfrm>
+            <a:off x="5558070" y="0"/>
+            <a:ext cx="0" cy="6858000"/>
+          </a:xfrm>
+          <a:prstGeom prst="line">
+            <a:avLst/>
+          </a:prstGeom>
+          <a:ln w="28575">
+            <a:solidFill>
+              <a:schemeClr val="tx1"/>
+            </a:solidFill>
+          </a:ln>
+        </p:spPr>
+        <p:style>
+          <a:lnRef idx="1">
+            <a:schemeClr val="accent1"/>
+          </a:lnRef>
+          <a:fillRef idx="0">
+            <a:schemeClr val="accent1"/>
+          </a:fillRef>
+          <a:effectRef idx="0">
+            <a:schemeClr val="accent1"/>
+          </a:effectRef>
+          <a:fontRef idx="minor">
+            <a:schemeClr val="tx1"/>
+          </a:fontRef>
+        </p:style>
+      </p:cxnSp>
+      <p:sp>
+        <p:nvSpPr>
+          <p:cNvPr id="42" name="CasellaDiTesto 41">
+            <a:extLst>
+              <a:ext uri="{FF2B5EF4-FFF2-40B4-BE49-F238E27FC236}">
+                <a16:creationId xmlns:a16="http://schemas.microsoft.com/office/drawing/2014/main" id="{7BA958F2-65E0-561C-A9B1-011FD0133728}"/>
+              </a:ext>
+            </a:extLst>
+          </p:cNvPr>
+          <p:cNvSpPr txBox="1"/>
+          <p:nvPr/>
+        </p:nvSpPr>
+        <p:spPr>
+          <a:xfrm>
+            <a:off x="5654257" y="-105123"/>
+            <a:ext cx="1744493" cy="369332"/>
+          </a:xfrm>
+          <a:prstGeom prst="rect">
+            <a:avLst/>
+          </a:prstGeom>
+          <a:noFill/>
+        </p:spPr>
+        <p:txBody>
+          <a:bodyPr wrap="square" rtlCol="0">
+            <a:spAutoFit/>
+          </a:bodyPr>
+          <a:lstStyle/>
+          <a:p>
+            <a:pPr algn="ctr"/>
+            <a:r>
+              <a:rPr lang="en-US" dirty="0" err="1"/>
+              <a:t>LayerCAM</a:t>
+            </a:r>
+            <a:endParaRPr lang="en-US" dirty="0"/>
+          </a:p>
+        </p:txBody>
+      </p:sp>
+      <p:sp>
+        <p:nvSpPr>
+          <p:cNvPr id="43" name="CasellaDiTesto 42">
+            <a:extLst>
+              <a:ext uri="{FF2B5EF4-FFF2-40B4-BE49-F238E27FC236}">
+                <a16:creationId xmlns:a16="http://schemas.microsoft.com/office/drawing/2014/main" id="{F2FB4BAE-D6C9-DDF1-BA17-7EBA77356D7B}"/>
+              </a:ext>
+            </a:extLst>
+          </p:cNvPr>
+          <p:cNvSpPr txBox="1"/>
+          <p:nvPr/>
+        </p:nvSpPr>
+        <p:spPr>
+          <a:xfrm>
+            <a:off x="5599635" y="2260204"/>
+            <a:ext cx="1724887" cy="646331"/>
+          </a:xfrm>
+          <a:prstGeom prst="rect">
+            <a:avLst/>
+          </a:prstGeom>
+          <a:noFill/>
+        </p:spPr>
+        <p:txBody>
+          <a:bodyPr wrap="square" rtlCol="0">
+            <a:spAutoFit/>
+          </a:bodyPr>
+          <a:lstStyle/>
+          <a:p>
+            <a:pPr algn="ctr"/>
+            <a:r>
+              <a:rPr lang="en-US" dirty="0"/>
+              <a:t>Class activation heatmap</a:t>
+            </a:r>
+          </a:p>
+        </p:txBody>
+      </p:sp>
+      <p:sp>
+        <p:nvSpPr>
+          <p:cNvPr id="44" name="CasellaDiTesto 43">
+            <a:extLst>
+              <a:ext uri="{FF2B5EF4-FFF2-40B4-BE49-F238E27FC236}">
+                <a16:creationId xmlns:a16="http://schemas.microsoft.com/office/drawing/2014/main" id="{A0DF3ED5-936D-D242-268B-0EEBEEA5F74D}"/>
+              </a:ext>
+            </a:extLst>
+          </p:cNvPr>
+          <p:cNvSpPr txBox="1"/>
+          <p:nvPr/>
+        </p:nvSpPr>
+        <p:spPr>
+          <a:xfrm>
+            <a:off x="5576464" y="4430149"/>
+            <a:ext cx="1724887" cy="646331"/>
+          </a:xfrm>
+          <a:prstGeom prst="rect">
+            <a:avLst/>
+          </a:prstGeom>
+          <a:noFill/>
+        </p:spPr>
+        <p:txBody>
+          <a:bodyPr wrap="square" rtlCol="0">
+            <a:spAutoFit/>
+          </a:bodyPr>
+          <a:lstStyle/>
+          <a:p>
+            <a:pPr algn="ctr"/>
+            <a:r>
+              <a:rPr lang="en-US" dirty="0"/>
+              <a:t>Class activation map</a:t>
+            </a:r>
+          </a:p>
+        </p:txBody>
+      </p:sp>
+      <p:sp>
+        <p:nvSpPr>
+          <p:cNvPr id="45" name="CasellaDiTesto 44">
+            <a:extLst>
+              <a:ext uri="{FF2B5EF4-FFF2-40B4-BE49-F238E27FC236}">
+                <a16:creationId xmlns:a16="http://schemas.microsoft.com/office/drawing/2014/main" id="{1BF190D3-D58C-BDEA-FF50-B981E85AFBED}"/>
+              </a:ext>
+            </a:extLst>
+          </p:cNvPr>
+          <p:cNvSpPr txBox="1"/>
+          <p:nvPr/>
+        </p:nvSpPr>
+        <p:spPr>
+          <a:xfrm>
+            <a:off x="5558070" y="6595768"/>
+            <a:ext cx="1724887" cy="923330"/>
+          </a:xfrm>
+          <a:prstGeom prst="rect">
+            <a:avLst/>
+          </a:prstGeom>
+          <a:noFill/>
+        </p:spPr>
+        <p:txBody>
+          <a:bodyPr wrap="square" rtlCol="0">
+            <a:spAutoFit/>
+          </a:bodyPr>
+          <a:lstStyle/>
+          <a:p>
+            <a:pPr algn="ctr"/>
+            <a:r>
+              <a:rPr lang="en-US" dirty="0"/>
+              <a:t>Class activation heatmap on image</a:t>
+            </a:r>
+          </a:p>
+        </p:txBody>
+      </p:sp>
+      <p:cxnSp>
+        <p:nvCxnSpPr>
+          <p:cNvPr id="47" name="Connettore diritto 46">
+            <a:extLst>
+              <a:ext uri="{FF2B5EF4-FFF2-40B4-BE49-F238E27FC236}">
+                <a16:creationId xmlns:a16="http://schemas.microsoft.com/office/drawing/2014/main" id="{EEBAF9FA-5AA2-AFFC-C3F5-1A100DE504D2}"/>
+              </a:ext>
+            </a:extLst>
+          </p:cNvPr>
+          <p:cNvCxnSpPr/>
+          <p:nvPr/>
+        </p:nvCxnSpPr>
+        <p:spPr>
+          <a:xfrm>
+            <a:off x="7433762" y="0"/>
+            <a:ext cx="0" cy="6858000"/>
+          </a:xfrm>
+          <a:prstGeom prst="line">
+            <a:avLst/>
+          </a:prstGeom>
+          <a:ln w="28575">
+            <a:solidFill>
+              <a:schemeClr val="tx1"/>
+            </a:solidFill>
+          </a:ln>
+        </p:spPr>
+        <p:style>
+          <a:lnRef idx="1">
+            <a:schemeClr val="accent1"/>
+          </a:lnRef>
+          <a:fillRef idx="0">
+            <a:schemeClr val="accent1"/>
+          </a:fillRef>
+          <a:effectRef idx="0">
+            <a:schemeClr val="accent1"/>
+          </a:effectRef>
+          <a:fontRef idx="minor">
+            <a:schemeClr val="tx1"/>
+          </a:fontRef>
+        </p:style>
+      </p:cxnSp>
+      <p:sp>
+        <p:nvSpPr>
+          <p:cNvPr id="57" name="CasellaDiTesto 56">
+            <a:extLst>
+              <a:ext uri="{FF2B5EF4-FFF2-40B4-BE49-F238E27FC236}">
+                <a16:creationId xmlns:a16="http://schemas.microsoft.com/office/drawing/2014/main" id="{10FBF99E-1CF9-DCC0-6288-7573D3D4BD4A}"/>
+              </a:ext>
+            </a:extLst>
+          </p:cNvPr>
+          <p:cNvSpPr txBox="1"/>
+          <p:nvPr/>
+        </p:nvSpPr>
+        <p:spPr>
+          <a:xfrm>
+            <a:off x="7617484" y="-70340"/>
+            <a:ext cx="1744493" cy="646331"/>
+          </a:xfrm>
+          <a:prstGeom prst="rect">
+            <a:avLst/>
+          </a:prstGeom>
+          <a:noFill/>
+        </p:spPr>
+        <p:txBody>
+          <a:bodyPr wrap="square" rtlCol="0">
+            <a:spAutoFit/>
+          </a:bodyPr>
+          <a:lstStyle/>
+          <a:p>
+            <a:pPr algn="ctr"/>
+            <a:r>
+              <a:rPr lang="en-US" dirty="0" err="1"/>
+              <a:t>Layerwise</a:t>
+            </a:r>
+            <a:r>
+              <a:rPr lang="en-US" dirty="0"/>
+              <a:t> relevance (LRP)</a:t>
+            </a:r>
+          </a:p>
+        </p:txBody>
+      </p:sp>
+      <p:sp>
+        <p:nvSpPr>
+          <p:cNvPr id="58" name="CasellaDiTesto 57">
+            <a:extLst>
+              <a:ext uri="{FF2B5EF4-FFF2-40B4-BE49-F238E27FC236}">
+                <a16:creationId xmlns:a16="http://schemas.microsoft.com/office/drawing/2014/main" id="{B7F94844-F15D-E2F9-FB12-1F9F749E28A6}"/>
+              </a:ext>
+            </a:extLst>
+          </p:cNvPr>
+          <p:cNvSpPr txBox="1"/>
+          <p:nvPr/>
+        </p:nvSpPr>
+        <p:spPr>
+          <a:xfrm>
+            <a:off x="7562862" y="2294987"/>
+            <a:ext cx="1724887" cy="369332"/>
+          </a:xfrm>
+          <a:prstGeom prst="rect">
+            <a:avLst/>
+          </a:prstGeom>
+          <a:noFill/>
+        </p:spPr>
+        <p:txBody>
+          <a:bodyPr wrap="square" rtlCol="0">
+            <a:spAutoFit/>
+          </a:bodyPr>
+          <a:lstStyle/>
+          <a:p>
+            <a:pPr algn="ctr"/>
+            <a:r>
+              <a:rPr lang="en-US" dirty="0"/>
+              <a:t>Layer 1</a:t>
+            </a:r>
+          </a:p>
+        </p:txBody>
+      </p:sp>
+      <p:sp>
+        <p:nvSpPr>
+          <p:cNvPr id="59" name="CasellaDiTesto 58">
+            <a:extLst>
+              <a:ext uri="{FF2B5EF4-FFF2-40B4-BE49-F238E27FC236}">
+                <a16:creationId xmlns:a16="http://schemas.microsoft.com/office/drawing/2014/main" id="{60ACC85C-94BF-AB80-DD8E-77BF070E4DF5}"/>
+              </a:ext>
+            </a:extLst>
+          </p:cNvPr>
+          <p:cNvSpPr txBox="1"/>
+          <p:nvPr/>
+        </p:nvSpPr>
+        <p:spPr>
+          <a:xfrm>
+            <a:off x="7539691" y="4464932"/>
+            <a:ext cx="1724887" cy="369332"/>
+          </a:xfrm>
+          <a:prstGeom prst="rect">
+            <a:avLst/>
+          </a:prstGeom>
+          <a:noFill/>
+        </p:spPr>
+        <p:txBody>
+          <a:bodyPr wrap="square" rtlCol="0">
+            <a:spAutoFit/>
+          </a:bodyPr>
+          <a:lstStyle/>
+          <a:p>
+            <a:pPr algn="ctr"/>
+            <a:r>
+              <a:rPr lang="en-US" dirty="0"/>
+              <a:t>Layer3</a:t>
+            </a:r>
+          </a:p>
+        </p:txBody>
+      </p:sp>
+      <p:sp>
+        <p:nvSpPr>
+          <p:cNvPr id="60" name="CasellaDiTesto 59">
+            <a:extLst>
+              <a:ext uri="{FF2B5EF4-FFF2-40B4-BE49-F238E27FC236}">
+                <a16:creationId xmlns:a16="http://schemas.microsoft.com/office/drawing/2014/main" id="{DB163687-9054-9AEA-41F2-1D2D92B0AFB9}"/>
+              </a:ext>
+            </a:extLst>
+          </p:cNvPr>
+          <p:cNvSpPr txBox="1"/>
+          <p:nvPr/>
+        </p:nvSpPr>
+        <p:spPr>
+          <a:xfrm>
+            <a:off x="7521297" y="6630551"/>
+            <a:ext cx="1724887" cy="369332"/>
+          </a:xfrm>
+          <a:prstGeom prst="rect">
+            <a:avLst/>
+          </a:prstGeom>
+          <a:noFill/>
+        </p:spPr>
+        <p:txBody>
+          <a:bodyPr wrap="square" rtlCol="0">
+            <a:spAutoFit/>
+          </a:bodyPr>
+          <a:lstStyle/>
+          <a:p>
+            <a:pPr algn="ctr"/>
+            <a:r>
+              <a:rPr lang="en-US" dirty="0"/>
+              <a:t>Layer 7</a:t>
+            </a:r>
+          </a:p>
+        </p:txBody>
+      </p:sp>
+      <p:cxnSp>
+        <p:nvCxnSpPr>
+          <p:cNvPr id="61" name="Connettore diritto 60">
+            <a:extLst>
+              <a:ext uri="{FF2B5EF4-FFF2-40B4-BE49-F238E27FC236}">
+                <a16:creationId xmlns:a16="http://schemas.microsoft.com/office/drawing/2014/main" id="{CF34336E-D22F-43E4-56DB-90726D4E3FF2}"/>
+              </a:ext>
+            </a:extLst>
+          </p:cNvPr>
+          <p:cNvCxnSpPr/>
+          <p:nvPr/>
+        </p:nvCxnSpPr>
+        <p:spPr>
+          <a:xfrm>
+            <a:off x="9396989" y="34783"/>
+            <a:ext cx="0" cy="6858000"/>
+          </a:xfrm>
+          <a:prstGeom prst="line">
+            <a:avLst/>
+          </a:prstGeom>
+          <a:ln w="28575">
+            <a:solidFill>
+              <a:schemeClr val="tx1"/>
+            </a:solidFill>
+          </a:ln>
+        </p:spPr>
+        <p:style>
+          <a:lnRef idx="1">
+            <a:schemeClr val="accent1"/>
+          </a:lnRef>
+          <a:fillRef idx="0">
+            <a:schemeClr val="accent1"/>
+          </a:fillRef>
+          <a:effectRef idx="0">
+            <a:schemeClr val="accent1"/>
+          </a:effectRef>
+          <a:fontRef idx="minor">
+            <a:schemeClr val="tx1"/>
+          </a:fontRef>
+        </p:style>
+      </p:cxnSp>
+      <p:sp>
+        <p:nvSpPr>
+          <p:cNvPr id="70" name="CasellaDiTesto 69">
+            <a:extLst>
+              <a:ext uri="{FF2B5EF4-FFF2-40B4-BE49-F238E27FC236}">
+                <a16:creationId xmlns:a16="http://schemas.microsoft.com/office/drawing/2014/main" id="{2EB33363-945A-AB0B-F8DE-E1A8D3DADD8B}"/>
+              </a:ext>
+            </a:extLst>
+          </p:cNvPr>
+          <p:cNvSpPr txBox="1"/>
+          <p:nvPr/>
+        </p:nvSpPr>
+        <p:spPr>
+          <a:xfrm>
+            <a:off x="9651531" y="-321768"/>
+            <a:ext cx="1744493" cy="923330"/>
+          </a:xfrm>
+          <a:prstGeom prst="rect">
+            <a:avLst/>
+          </a:prstGeom>
+          <a:noFill/>
+        </p:spPr>
+        <p:txBody>
+          <a:bodyPr wrap="square" rtlCol="0">
+            <a:spAutoFit/>
+          </a:bodyPr>
+          <a:lstStyle/>
+          <a:p>
+            <a:pPr algn="ctr"/>
+            <a:r>
+              <a:rPr lang="en-US" dirty="0"/>
+              <a:t>Layer activation with guided backpropagation</a:t>
+            </a:r>
+          </a:p>
+        </p:txBody>
+      </p:sp>
+      <p:sp>
+        <p:nvSpPr>
+          <p:cNvPr id="71" name="CasellaDiTesto 70">
+            <a:extLst>
+              <a:ext uri="{FF2B5EF4-FFF2-40B4-BE49-F238E27FC236}">
+                <a16:creationId xmlns:a16="http://schemas.microsoft.com/office/drawing/2014/main" id="{4F8A70A6-ECA6-6F7B-DE04-51137517E714}"/>
+              </a:ext>
+            </a:extLst>
+          </p:cNvPr>
+          <p:cNvSpPr txBox="1"/>
+          <p:nvPr/>
+        </p:nvSpPr>
+        <p:spPr>
+          <a:xfrm>
+            <a:off x="9596910" y="2313930"/>
+            <a:ext cx="1724887" cy="646331"/>
+          </a:xfrm>
+          <a:prstGeom prst="rect">
+            <a:avLst/>
+          </a:prstGeom>
+          <a:noFill/>
+        </p:spPr>
+        <p:txBody>
+          <a:bodyPr wrap="square" rtlCol="0">
+            <a:spAutoFit/>
+          </a:bodyPr>
+          <a:lstStyle/>
+          <a:p>
+            <a:pPr algn="ctr"/>
+            <a:r>
+              <a:rPr lang="en-US" dirty="0"/>
+              <a:t>Positive saliency map</a:t>
+            </a:r>
+          </a:p>
+        </p:txBody>
+      </p:sp>
+      <p:sp>
+        <p:nvSpPr>
+          <p:cNvPr id="72" name="CasellaDiTesto 71">
+            <a:extLst>
+              <a:ext uri="{FF2B5EF4-FFF2-40B4-BE49-F238E27FC236}">
+                <a16:creationId xmlns:a16="http://schemas.microsoft.com/office/drawing/2014/main" id="{DE1C9046-085A-0E39-F66C-B3D67A325566}"/>
+              </a:ext>
+            </a:extLst>
+          </p:cNvPr>
+          <p:cNvSpPr txBox="1"/>
+          <p:nvPr/>
+        </p:nvSpPr>
+        <p:spPr>
+          <a:xfrm>
+            <a:off x="9393234" y="4483875"/>
+            <a:ext cx="2002791" cy="646331"/>
+          </a:xfrm>
+          <a:prstGeom prst="rect">
+            <a:avLst/>
+          </a:prstGeom>
+          <a:noFill/>
+        </p:spPr>
+        <p:txBody>
+          <a:bodyPr wrap="square" rtlCol="0">
+            <a:spAutoFit/>
+          </a:bodyPr>
+          <a:lstStyle/>
+          <a:p>
+            <a:pPr algn="ctr"/>
+            <a:r>
+              <a:rPr lang="en-US" dirty="0"/>
+              <a:t>Grayscale guided backprop</a:t>
+            </a:r>
+          </a:p>
+        </p:txBody>
+      </p:sp>
+      <p:sp>
+        <p:nvSpPr>
+          <p:cNvPr id="73" name="CasellaDiTesto 72">
+            <a:extLst>
+              <a:ext uri="{FF2B5EF4-FFF2-40B4-BE49-F238E27FC236}">
+                <a16:creationId xmlns:a16="http://schemas.microsoft.com/office/drawing/2014/main" id="{83489E22-078A-89FB-ED97-66FFA4DC70B1}"/>
+              </a:ext>
+            </a:extLst>
+          </p:cNvPr>
+          <p:cNvSpPr txBox="1"/>
+          <p:nvPr/>
+        </p:nvSpPr>
+        <p:spPr>
+          <a:xfrm>
+            <a:off x="9555345" y="6649494"/>
+            <a:ext cx="1724887" cy="646331"/>
+          </a:xfrm>
+          <a:prstGeom prst="rect">
+            <a:avLst/>
+          </a:prstGeom>
+          <a:noFill/>
+        </p:spPr>
+        <p:txBody>
+          <a:bodyPr wrap="square" rtlCol="0">
+            <a:spAutoFit/>
+          </a:bodyPr>
+          <a:lstStyle/>
+          <a:p>
+            <a:pPr algn="ctr"/>
+            <a:r>
+              <a:rPr lang="en-US" dirty="0"/>
+              <a:t>colored guided backprop</a:t>
+            </a:r>
+          </a:p>
+        </p:txBody>
+      </p:sp>
+      <p:cxnSp>
+        <p:nvCxnSpPr>
+          <p:cNvPr id="74" name="Connettore diritto 73">
+            <a:extLst>
+              <a:ext uri="{FF2B5EF4-FFF2-40B4-BE49-F238E27FC236}">
+                <a16:creationId xmlns:a16="http://schemas.microsoft.com/office/drawing/2014/main" id="{1FD99D36-84D7-78D8-25B8-042F56154B53}"/>
+              </a:ext>
+            </a:extLst>
+          </p:cNvPr>
+          <p:cNvCxnSpPr/>
+          <p:nvPr/>
+        </p:nvCxnSpPr>
+        <p:spPr>
+          <a:xfrm>
+            <a:off x="11431037" y="53726"/>
+            <a:ext cx="0" cy="6858000"/>
+          </a:xfrm>
+          <a:prstGeom prst="line">
+            <a:avLst/>
+          </a:prstGeom>
+          <a:ln w="28575">
+            <a:solidFill>
+              <a:schemeClr val="tx1"/>
+            </a:solidFill>
+          </a:ln>
+        </p:spPr>
+        <p:style>
+          <a:lnRef idx="1">
+            <a:schemeClr val="accent1"/>
+          </a:lnRef>
+          <a:fillRef idx="0">
+            <a:schemeClr val="accent1"/>
+          </a:fillRef>
+          <a:effectRef idx="0">
+            <a:schemeClr val="accent1"/>
+          </a:effectRef>
+          <a:fontRef idx="minor">
+            <a:schemeClr val="tx1"/>
+          </a:fontRef>
+        </p:style>
+      </p:cxnSp>
+      <p:pic>
+        <p:nvPicPr>
+          <p:cNvPr id="76" name="Immagine 75">
+            <a:extLst>
+              <a:ext uri="{FF2B5EF4-FFF2-40B4-BE49-F238E27FC236}">
+                <a16:creationId xmlns:a16="http://schemas.microsoft.com/office/drawing/2014/main" id="{C4DCDEE2-65B4-0813-979A-A6836BEE7A45}"/>
+              </a:ext>
+            </a:extLst>
+          </p:cNvPr>
+          <p:cNvPicPr>
+            <a:picLocks noChangeAspect="1"/>
+          </p:cNvPicPr>
+          <p:nvPr/>
+        </p:nvPicPr>
+        <p:blipFill rotWithShape="1">
+          <a:blip r:embed="rId6">
+            <a:extLst>
+              <a:ext uri="{28A0092B-C50C-407E-A947-70E740481C1C}">
+                <a14:useLocalDpi xmlns:a14="http://schemas.microsoft.com/office/drawing/2010/main" val="0"/>
+              </a:ext>
+            </a:extLst>
+          </a:blip>
+          <a:srcRect l="429" t="55658" r="66837" b="1167"/>
+          <a:stretch/>
+        </p:blipFill>
+        <p:spPr>
+          <a:xfrm>
+            <a:off x="9618869" y="575991"/>
+            <a:ext cx="1702928" cy="1668551"/>
+          </a:xfrm>
+          <a:prstGeom prst="rect">
+            <a:avLst/>
+          </a:prstGeom>
+        </p:spPr>
+      </p:pic>
+      <p:pic>
+        <p:nvPicPr>
+          <p:cNvPr id="79" name="Immagine 78">
+            <a:extLst>
+              <a:ext uri="{FF2B5EF4-FFF2-40B4-BE49-F238E27FC236}">
+                <a16:creationId xmlns:a16="http://schemas.microsoft.com/office/drawing/2014/main" id="{CB534742-2B52-058C-6BA2-4C022303FD4C}"/>
+              </a:ext>
+            </a:extLst>
+          </p:cNvPr>
+          <p:cNvPicPr>
+            <a:picLocks noChangeAspect="1"/>
+          </p:cNvPicPr>
+          <p:nvPr/>
+        </p:nvPicPr>
+        <p:blipFill rotWithShape="1">
+          <a:blip r:embed="rId6">
+            <a:extLst>
+              <a:ext uri="{28A0092B-C50C-407E-A947-70E740481C1C}">
+                <a14:useLocalDpi xmlns:a14="http://schemas.microsoft.com/office/drawing/2010/main" val="0"/>
+              </a:ext>
+            </a:extLst>
+          </a:blip>
+          <a:srcRect l="67266" t="6825" b="50000"/>
+          <a:stretch/>
+        </p:blipFill>
+        <p:spPr>
+          <a:xfrm>
+            <a:off x="9577304" y="2885630"/>
+            <a:ext cx="1702928" cy="1668551"/>
+          </a:xfrm>
+          <a:prstGeom prst="rect">
+            <a:avLst/>
+          </a:prstGeom>
+        </p:spPr>
+      </p:pic>
+      <p:pic>
+        <p:nvPicPr>
+          <p:cNvPr id="80" name="Immagine 79">
+            <a:extLst>
+              <a:ext uri="{FF2B5EF4-FFF2-40B4-BE49-F238E27FC236}">
+                <a16:creationId xmlns:a16="http://schemas.microsoft.com/office/drawing/2014/main" id="{2E953EAE-966D-49C6-F955-C7CAD52FDEE7}"/>
+              </a:ext>
+            </a:extLst>
+          </p:cNvPr>
+          <p:cNvPicPr>
+            <a:picLocks noChangeAspect="1"/>
+          </p:cNvPicPr>
+          <p:nvPr/>
+        </p:nvPicPr>
+        <p:blipFill rotWithShape="1">
+          <a:blip r:embed="rId6">
+            <a:extLst>
+              <a:ext uri="{28A0092B-C50C-407E-A947-70E740481C1C}">
+                <a14:useLocalDpi xmlns:a14="http://schemas.microsoft.com/office/drawing/2010/main" val="0"/>
+              </a:ext>
+            </a:extLst>
+          </a:blip>
+          <a:srcRect l="33415" t="7497" r="33851" b="49328"/>
+          <a:stretch/>
+        </p:blipFill>
+        <p:spPr>
+          <a:xfrm>
+            <a:off x="9596562" y="5055791"/>
+            <a:ext cx="1702928" cy="1668551"/>
+          </a:xfrm>
+          <a:prstGeom prst="rect">
+            <a:avLst/>
+          </a:prstGeom>
+        </p:spPr>
+      </p:pic>
+      <p:sp>
+        <p:nvSpPr>
+          <p:cNvPr id="81" name="CasellaDiTesto 80">
+            <a:extLst>
+              <a:ext uri="{FF2B5EF4-FFF2-40B4-BE49-F238E27FC236}">
+                <a16:creationId xmlns:a16="http://schemas.microsoft.com/office/drawing/2014/main" id="{2F750F67-DDEF-3A57-0DC7-1E335CD3DA23}"/>
+              </a:ext>
+            </a:extLst>
+          </p:cNvPr>
+          <p:cNvSpPr txBox="1"/>
+          <p:nvPr/>
+        </p:nvSpPr>
+        <p:spPr>
+          <a:xfrm>
+            <a:off x="11592543" y="-105509"/>
+            <a:ext cx="1744493" cy="369332"/>
+          </a:xfrm>
+          <a:prstGeom prst="rect">
+            <a:avLst/>
+          </a:prstGeom>
+          <a:noFill/>
+        </p:spPr>
+        <p:txBody>
+          <a:bodyPr wrap="square" rtlCol="0">
+            <a:spAutoFit/>
+          </a:bodyPr>
+          <a:lstStyle/>
+          <a:p>
+            <a:pPr algn="ctr"/>
+            <a:r>
+              <a:rPr lang="en-US" dirty="0" err="1"/>
+              <a:t>ScoreCam</a:t>
+            </a:r>
+            <a:endParaRPr lang="en-US" dirty="0"/>
+          </a:p>
+        </p:txBody>
+      </p:sp>
+      <p:sp>
+        <p:nvSpPr>
+          <p:cNvPr id="82" name="CasellaDiTesto 81">
+            <a:extLst>
+              <a:ext uri="{FF2B5EF4-FFF2-40B4-BE49-F238E27FC236}">
+                <a16:creationId xmlns:a16="http://schemas.microsoft.com/office/drawing/2014/main" id="{E17E107F-4F43-5DA4-89ED-E5905F2AD964}"/>
+              </a:ext>
+            </a:extLst>
+          </p:cNvPr>
+          <p:cNvSpPr txBox="1"/>
+          <p:nvPr/>
+        </p:nvSpPr>
+        <p:spPr>
+          <a:xfrm>
+            <a:off x="11578312" y="2334208"/>
+            <a:ext cx="1724887" cy="646331"/>
+          </a:xfrm>
+          <a:prstGeom prst="rect">
+            <a:avLst/>
+          </a:prstGeom>
+          <a:noFill/>
+        </p:spPr>
+        <p:txBody>
+          <a:bodyPr wrap="square" rtlCol="0">
+            <a:spAutoFit/>
+          </a:bodyPr>
+          <a:lstStyle/>
+          <a:p>
+            <a:pPr algn="ctr"/>
+            <a:r>
+              <a:rPr lang="en-US" dirty="0"/>
+              <a:t>Class activation heatmap</a:t>
+            </a:r>
+          </a:p>
+        </p:txBody>
+      </p:sp>
+      <p:sp>
+        <p:nvSpPr>
+          <p:cNvPr id="83" name="CasellaDiTesto 82">
+            <a:extLst>
+              <a:ext uri="{FF2B5EF4-FFF2-40B4-BE49-F238E27FC236}">
+                <a16:creationId xmlns:a16="http://schemas.microsoft.com/office/drawing/2014/main" id="{D9AFECF4-D225-15B3-D112-D1F8CA807E3F}"/>
+              </a:ext>
+            </a:extLst>
+          </p:cNvPr>
+          <p:cNvSpPr txBox="1"/>
+          <p:nvPr/>
+        </p:nvSpPr>
+        <p:spPr>
+          <a:xfrm>
+            <a:off x="11536747" y="6669772"/>
+            <a:ext cx="1724887" cy="646331"/>
+          </a:xfrm>
+          <a:prstGeom prst="rect">
+            <a:avLst/>
+          </a:prstGeom>
+          <a:noFill/>
+        </p:spPr>
+        <p:txBody>
+          <a:bodyPr wrap="square" rtlCol="0">
+            <a:spAutoFit/>
+          </a:bodyPr>
+          <a:lstStyle/>
+          <a:p>
+            <a:pPr algn="ctr"/>
+            <a:r>
+              <a:rPr lang="en-US" dirty="0" err="1"/>
+              <a:t>Scorecam</a:t>
+            </a:r>
+            <a:r>
+              <a:rPr lang="en-US" dirty="0"/>
+              <a:t> on image</a:t>
+            </a:r>
+          </a:p>
+        </p:txBody>
+      </p:sp>
+      <p:cxnSp>
+        <p:nvCxnSpPr>
+          <p:cNvPr id="84" name="Connettore diritto 83">
+            <a:extLst>
+              <a:ext uri="{FF2B5EF4-FFF2-40B4-BE49-F238E27FC236}">
+                <a16:creationId xmlns:a16="http://schemas.microsoft.com/office/drawing/2014/main" id="{B981CC6A-F197-DA90-D1AE-820D8E7EB6A8}"/>
+              </a:ext>
+            </a:extLst>
+          </p:cNvPr>
+          <p:cNvCxnSpPr/>
+          <p:nvPr/>
+        </p:nvCxnSpPr>
+        <p:spPr>
+          <a:xfrm>
+            <a:off x="13412439" y="74004"/>
+            <a:ext cx="0" cy="6858000"/>
+          </a:xfrm>
+          <a:prstGeom prst="line">
+            <a:avLst/>
+          </a:prstGeom>
+          <a:ln w="28575">
+            <a:solidFill>
+              <a:schemeClr val="tx1"/>
+            </a:solidFill>
+          </a:ln>
+        </p:spPr>
+        <p:style>
+          <a:lnRef idx="1">
+            <a:schemeClr val="accent1"/>
+          </a:lnRef>
+          <a:fillRef idx="0">
+            <a:schemeClr val="accent1"/>
+          </a:fillRef>
+          <a:effectRef idx="0">
+            <a:schemeClr val="accent1"/>
+          </a:effectRef>
+          <a:fontRef idx="minor">
+            <a:schemeClr val="tx1"/>
+          </a:fontRef>
+        </p:style>
+      </p:cxnSp>
+      <p:sp>
+        <p:nvSpPr>
+          <p:cNvPr id="88" name="CasellaDiTesto 87">
+            <a:extLst>
+              <a:ext uri="{FF2B5EF4-FFF2-40B4-BE49-F238E27FC236}">
+                <a16:creationId xmlns:a16="http://schemas.microsoft.com/office/drawing/2014/main" id="{5DCB0F44-2807-67B8-1527-3210F4C84521}"/>
+              </a:ext>
+            </a:extLst>
+          </p:cNvPr>
+          <p:cNvSpPr txBox="1"/>
+          <p:nvPr/>
+        </p:nvSpPr>
+        <p:spPr>
+          <a:xfrm>
+            <a:off x="11285509" y="4483874"/>
+            <a:ext cx="2002791" cy="646331"/>
+          </a:xfrm>
+          <a:prstGeom prst="rect">
+            <a:avLst/>
+          </a:prstGeom>
+          <a:noFill/>
+        </p:spPr>
+        <p:txBody>
+          <a:bodyPr wrap="square" rtlCol="0">
+            <a:spAutoFit/>
+          </a:bodyPr>
+          <a:lstStyle/>
+          <a:p>
+            <a:pPr algn="ctr"/>
+            <a:r>
+              <a:rPr lang="en-US" dirty="0"/>
+              <a:t>Class activation map</a:t>
+            </a:r>
+          </a:p>
+        </p:txBody>
+      </p:sp>
+      <p:pic>
+        <p:nvPicPr>
+          <p:cNvPr id="91" name="Immagine 90">
+            <a:extLst>
+              <a:ext uri="{FF2B5EF4-FFF2-40B4-BE49-F238E27FC236}">
+                <a16:creationId xmlns:a16="http://schemas.microsoft.com/office/drawing/2014/main" id="{79180286-65E3-E484-09AC-BF8FADFD9374}"/>
+              </a:ext>
+            </a:extLst>
+          </p:cNvPr>
+          <p:cNvPicPr>
+            <a:picLocks noChangeAspect="1"/>
+          </p:cNvPicPr>
+          <p:nvPr/>
+        </p:nvPicPr>
+        <p:blipFill rotWithShape="1">
+          <a:blip r:embed="rId7">
+            <a:extLst>
+              <a:ext uri="{28A0092B-C50C-407E-A947-70E740481C1C}">
+                <a14:useLocalDpi xmlns:a14="http://schemas.microsoft.com/office/drawing/2010/main" val="0"/>
+              </a:ext>
+            </a:extLst>
+          </a:blip>
+          <a:srcRect l="-696" t="56922" r="58536" b="860"/>
+          <a:stretch/>
+        </p:blipFill>
+        <p:spPr>
+          <a:xfrm>
+            <a:off x="11568690" y="2898134"/>
+            <a:ext cx="1724887" cy="1646699"/>
+          </a:xfrm>
+          <a:prstGeom prst="rect">
+            <a:avLst/>
+          </a:prstGeom>
+        </p:spPr>
+      </p:pic>
+      <p:pic>
+        <p:nvPicPr>
+          <p:cNvPr id="92" name="Immagine 91">
+            <a:extLst>
+              <a:ext uri="{FF2B5EF4-FFF2-40B4-BE49-F238E27FC236}">
+                <a16:creationId xmlns:a16="http://schemas.microsoft.com/office/drawing/2014/main" id="{62F504F0-0C15-30BD-FB5C-E8A403BF90FA}"/>
+              </a:ext>
+            </a:extLst>
+          </p:cNvPr>
+          <p:cNvPicPr>
+            <a:picLocks noChangeAspect="1"/>
+          </p:cNvPicPr>
+          <p:nvPr/>
+        </p:nvPicPr>
+        <p:blipFill rotWithShape="1">
+          <a:blip r:embed="rId7">
+            <a:extLst>
+              <a:ext uri="{28A0092B-C50C-407E-A947-70E740481C1C}">
+                <a14:useLocalDpi xmlns:a14="http://schemas.microsoft.com/office/drawing/2010/main" val="0"/>
+              </a:ext>
+            </a:extLst>
+          </a:blip>
+          <a:srcRect l="57840" t="7093" b="50689"/>
+          <a:stretch/>
+        </p:blipFill>
+        <p:spPr>
+          <a:xfrm>
+            <a:off x="11568690" y="535217"/>
+            <a:ext cx="1724887" cy="1646699"/>
+          </a:xfrm>
+          <a:prstGeom prst="rect">
+            <a:avLst/>
+          </a:prstGeom>
+        </p:spPr>
+      </p:pic>
+      <p:pic>
+        <p:nvPicPr>
+          <p:cNvPr id="93" name="Immagine 92">
+            <a:extLst>
+              <a:ext uri="{FF2B5EF4-FFF2-40B4-BE49-F238E27FC236}">
+                <a16:creationId xmlns:a16="http://schemas.microsoft.com/office/drawing/2014/main" id="{38301A0F-B5C4-C51C-3FA7-3D9EE8B1929E}"/>
+              </a:ext>
+            </a:extLst>
+          </p:cNvPr>
+          <p:cNvPicPr>
+            <a:picLocks noChangeAspect="1"/>
+          </p:cNvPicPr>
+          <p:nvPr/>
+        </p:nvPicPr>
+        <p:blipFill rotWithShape="1">
+          <a:blip r:embed="rId7">
+            <a:extLst>
+              <a:ext uri="{28A0092B-C50C-407E-A947-70E740481C1C}">
+                <a14:useLocalDpi xmlns:a14="http://schemas.microsoft.com/office/drawing/2010/main" val="0"/>
+              </a:ext>
+            </a:extLst>
+          </a:blip>
+          <a:srcRect l="57163" t="56383" r="677" b="1399"/>
+          <a:stretch/>
+        </p:blipFill>
+        <p:spPr>
+          <a:xfrm>
+            <a:off x="11523957" y="5023073"/>
+            <a:ext cx="1724887" cy="1646699"/>
+          </a:xfrm>
+          <a:prstGeom prst="rect">
+            <a:avLst/>
+          </a:prstGeom>
+        </p:spPr>
+      </p:pic>
+    </p:spTree>
+    <p:extLst>
+      <p:ext uri="{BB962C8B-B14F-4D97-AF65-F5344CB8AC3E}">
+        <p14:creationId xmlns:p14="http://schemas.microsoft.com/office/powerpoint/2010/main" val="3370173392"/>
+      </p:ext>
+    </p:extLst>
+  </p:cSld>
+  <p:clrMapOvr>
+    <a:masterClrMapping/>
+  </p:clrMapOvr>
+</p:sld>
+</file>
+
+<file path=ppt/slides/slide11.xml><?xml version="1.0" encoding="utf-8"?>
+<p:sld xmlns:a="http://schemas.openxmlformats.org/drawingml/2006/main" xmlns:r="http://schemas.openxmlformats.org/officeDocument/2006/relationships" xmlns:p="http://schemas.openxmlformats.org/presentationml/2006/main">
+  <p:cSld>
+    <p:spTree>
+      <p:nvGrpSpPr>
+        <p:cNvPr id="1" name=""/>
+        <p:cNvGrpSpPr/>
+        <p:nvPr/>
+      </p:nvGrpSpPr>
+      <p:grpSpPr>
+        <a:xfrm>
+          <a:off x="0" y="0"/>
+          <a:ext cx="0" cy="0"/>
+          <a:chOff x="0" y="0"/>
+          <a:chExt cx="0" cy="0"/>
+        </a:xfrm>
+      </p:grpSpPr>
       <p:sp>
         <p:nvSpPr>
           <p:cNvPr id="3" name="Ovale 2">
@@ -10100,7 +11992,7 @@
 </p:sld>
 </file>
 
-<file path=ppt/slides/slide11.xml><?xml version="1.0" encoding="utf-8"?>
+<file path=ppt/slides/slide12.xml><?xml version="1.0" encoding="utf-8"?>
 <p:sld xmlns:a="http://schemas.openxmlformats.org/drawingml/2006/main" xmlns:r="http://schemas.openxmlformats.org/officeDocument/2006/relationships" xmlns:p="http://schemas.openxmlformats.org/presentationml/2006/main">
   <p:cSld>
     <p:spTree>
@@ -18278,7 +20170,7 @@
 </p:sld>
 </file>
 
-<file path=ppt/slides/slide12.xml><?xml version="1.0" encoding="utf-8"?>
+<file path=ppt/slides/slide13.xml><?xml version="1.0" encoding="utf-8"?>
 <p:sld xmlns:a="http://schemas.openxmlformats.org/drawingml/2006/main" xmlns:r="http://schemas.openxmlformats.org/officeDocument/2006/relationships" xmlns:p="http://schemas.openxmlformats.org/presentationml/2006/main">
   <p:cSld>
     <p:spTree>
@@ -19556,7 +21448,7 @@
 </p:sld>
 </file>
 
-<file path=ppt/slides/slide13.xml><?xml version="1.0" encoding="utf-8"?>
+<file path=ppt/slides/slide14.xml><?xml version="1.0" encoding="utf-8"?>
 <p:sld xmlns:a="http://schemas.openxmlformats.org/drawingml/2006/main" xmlns:r="http://schemas.openxmlformats.org/officeDocument/2006/relationships" xmlns:p="http://schemas.openxmlformats.org/presentationml/2006/main">
   <p:cSld>
     <p:spTree>
@@ -20444,10 +22336,10 @@
       </p:grpSpPr>
       <p:sp>
         <p:nvSpPr>
-          <p:cNvPr id="2" name="Rectangle : coins arrondis 1">
-            <a:extLst>
-              <a:ext uri="{FF2B5EF4-FFF2-40B4-BE49-F238E27FC236}">
-                <a16:creationId xmlns:a16="http://schemas.microsoft.com/office/drawing/2014/main" id="{586AA70F-9768-0E74-EB5F-E963EE476133}"/>
+          <p:cNvPr id="4" name="Rectangle : coins arrondis 1">
+            <a:extLst>
+              <a:ext uri="{FF2B5EF4-FFF2-40B4-BE49-F238E27FC236}">
+                <a16:creationId xmlns:a16="http://schemas.microsoft.com/office/drawing/2014/main" id="{5D111002-F150-2BFA-C5BF-DC57C8D29E30}"/>
               </a:ext>
             </a:extLst>
           </p:cNvPr>
@@ -20456,15 +22348,16 @@
         </p:nvSpPr>
         <p:spPr>
           <a:xfrm>
-            <a:off x="280416" y="609600"/>
+            <a:off x="3392893" y="1752604"/>
             <a:ext cx="3523488" cy="816864"/>
           </a:xfrm>
           <a:prstGeom prst="roundRect">
             <a:avLst/>
           </a:prstGeom>
           <a:solidFill>
-            <a:schemeClr val="accent2">
-              <a:lumMod val="75000"/>
+            <a:schemeClr val="accent5">
+              <a:lumMod val="60000"/>
+              <a:lumOff val="40000"/>
             </a:schemeClr>
           </a:solidFill>
         </p:spPr>
@@ -20490,26 +22383,18 @@
           <a:p>
             <a:pPr algn="ctr"/>
             <a:r>
-              <a:rPr lang="fr-FR" dirty="0"/>
-              <a:t>Poor data, </a:t>
-            </a:r>
-            <a:r>
-              <a:rPr lang="fr-FR" dirty="0" err="1"/>
-              <a:t>poor</a:t>
-            </a:r>
-            <a:r>
-              <a:rPr lang="fr-FR" dirty="0"/>
-              <a:t> model performances</a:t>
+              <a:rPr lang="fr-FR" sz="3200" dirty="0"/>
+              <a:t>Data</a:t>
             </a:r>
           </a:p>
         </p:txBody>
       </p:sp>
       <p:sp>
         <p:nvSpPr>
-          <p:cNvPr id="3" name="Rectangle : coins arrondis 2">
-            <a:extLst>
-              <a:ext uri="{FF2B5EF4-FFF2-40B4-BE49-F238E27FC236}">
-                <a16:creationId xmlns:a16="http://schemas.microsoft.com/office/drawing/2014/main" id="{298E80EE-E5AA-4176-67A4-D1B809670101}"/>
+          <p:cNvPr id="5" name="Rectangle : coins arrondis 2">
+            <a:extLst>
+              <a:ext uri="{FF2B5EF4-FFF2-40B4-BE49-F238E27FC236}">
+                <a16:creationId xmlns:a16="http://schemas.microsoft.com/office/drawing/2014/main" id="{1D9E2591-9CA4-87CA-B2F1-81FEC1BC607B}"/>
               </a:ext>
             </a:extLst>
           </p:cNvPr>
@@ -20518,14 +22403,14 @@
         </p:nvSpPr>
         <p:spPr>
           <a:xfrm>
-            <a:off x="4108704" y="609600"/>
+            <a:off x="3392893" y="2737342"/>
             <a:ext cx="3523488" cy="816864"/>
           </a:xfrm>
           <a:prstGeom prst="roundRect">
             <a:avLst/>
           </a:prstGeom>
           <a:solidFill>
-            <a:schemeClr val="accent6">
+            <a:schemeClr val="accent5">
               <a:lumMod val="75000"/>
             </a:schemeClr>
           </a:solidFill>
@@ -20552,128 +22437,34 @@
           <a:p>
             <a:pPr algn="ctr"/>
             <a:r>
-              <a:rPr lang="fr-FR" dirty="0"/>
-              <a:t>Data inspection and </a:t>
-            </a:r>
-            <a:r>
-              <a:rPr lang="fr-FR" dirty="0" err="1"/>
-              <a:t>cleaning</a:t>
-            </a:r>
-            <a:r>
-              <a:rPr lang="fr-FR" dirty="0"/>
-              <a:t>, </a:t>
-            </a:r>
-            <a:r>
-              <a:rPr lang="fr-FR" dirty="0" err="1"/>
-              <a:t>optimize</a:t>
-            </a:r>
-            <a:r>
-              <a:rPr lang="fr-FR" dirty="0"/>
-              <a:t> the model</a:t>
+              <a:rPr lang="fr-FR" sz="3200" dirty="0"/>
+              <a:t>model</a:t>
             </a:r>
           </a:p>
         </p:txBody>
       </p:sp>
       <p:sp>
         <p:nvSpPr>
-          <p:cNvPr id="4" name="ZoneTexte 3">
-            <a:extLst>
-              <a:ext uri="{FF2B5EF4-FFF2-40B4-BE49-F238E27FC236}">
-                <a16:creationId xmlns:a16="http://schemas.microsoft.com/office/drawing/2014/main" id="{827F7FB7-DE97-63DD-2847-5C0DCE716B07}"/>
-              </a:ext>
-            </a:extLst>
-          </p:cNvPr>
-          <p:cNvSpPr txBox="1"/>
+          <p:cNvPr id="6" name="Rectangle : coins arrondis 16">
+            <a:extLst>
+              <a:ext uri="{FF2B5EF4-FFF2-40B4-BE49-F238E27FC236}">
+                <a16:creationId xmlns:a16="http://schemas.microsoft.com/office/drawing/2014/main" id="{0100C56C-D06D-D415-D35F-452AFEDF4A7B}"/>
+              </a:ext>
+            </a:extLst>
+          </p:cNvPr>
+          <p:cNvSpPr/>
           <p:nvPr/>
         </p:nvSpPr>
         <p:spPr>
           <a:xfrm>
-            <a:off x="280416" y="195072"/>
-            <a:ext cx="3523488" cy="369332"/>
-          </a:xfrm>
-          <a:prstGeom prst="rect">
-            <a:avLst/>
-          </a:prstGeom>
-          <a:noFill/>
-        </p:spPr>
-        <p:txBody>
-          <a:bodyPr wrap="square" rtlCol="0">
-            <a:spAutoFit/>
-          </a:bodyPr>
-          <a:lstStyle/>
-          <a:p>
-            <a:pPr algn="ctr"/>
-            <a:r>
-              <a:rPr lang="fr-FR" dirty="0"/>
-              <a:t>Challenges</a:t>
-            </a:r>
-          </a:p>
-        </p:txBody>
-      </p:sp>
-      <p:sp>
-        <p:nvSpPr>
-          <p:cNvPr id="5" name="ZoneTexte 4">
-            <a:extLst>
-              <a:ext uri="{FF2B5EF4-FFF2-40B4-BE49-F238E27FC236}">
-                <a16:creationId xmlns:a16="http://schemas.microsoft.com/office/drawing/2014/main" id="{CE1E73CD-6C92-A0F9-B0A0-E9DAF477718B}"/>
-              </a:ext>
-            </a:extLst>
-          </p:cNvPr>
-          <p:cNvSpPr txBox="1"/>
-          <p:nvPr/>
-        </p:nvSpPr>
-        <p:spPr>
-          <a:xfrm>
-            <a:off x="4114800" y="195072"/>
-            <a:ext cx="3523488" cy="369332"/>
-          </a:xfrm>
-          <a:prstGeom prst="rect">
-            <a:avLst/>
-          </a:prstGeom>
-          <a:noFill/>
-        </p:spPr>
-        <p:txBody>
-          <a:bodyPr wrap="square" rtlCol="0">
-            <a:spAutoFit/>
-          </a:bodyPr>
-          <a:lstStyle/>
-          <a:p>
-            <a:pPr algn="ctr"/>
-            <a:r>
-              <a:rPr lang="fr-FR" dirty="0" err="1"/>
-              <a:t>Potential</a:t>
-            </a:r>
-            <a:r>
-              <a:rPr lang="fr-FR" dirty="0"/>
-              <a:t> solutions</a:t>
-            </a:r>
-          </a:p>
-        </p:txBody>
-      </p:sp>
-      <p:sp>
-        <p:nvSpPr>
-          <p:cNvPr id="6" name="Rectangle : coins arrondis 5">
-            <a:extLst>
-              <a:ext uri="{FF2B5EF4-FFF2-40B4-BE49-F238E27FC236}">
-                <a16:creationId xmlns:a16="http://schemas.microsoft.com/office/drawing/2014/main" id="{98ECDCFD-5265-5A4A-75A0-21A7731328FE}"/>
-              </a:ext>
-            </a:extLst>
-          </p:cNvPr>
-          <p:cNvSpPr/>
-          <p:nvPr/>
-        </p:nvSpPr>
-        <p:spPr>
-          <a:xfrm>
-            <a:off x="280416" y="1566672"/>
+            <a:off x="3392893" y="3755140"/>
             <a:ext cx="3523488" cy="816864"/>
           </a:xfrm>
           <a:prstGeom prst="roundRect">
             <a:avLst/>
           </a:prstGeom>
           <a:solidFill>
-            <a:schemeClr val="accent2">
-              <a:lumMod val="75000"/>
-            </a:schemeClr>
+            <a:srgbClr val="002060"/>
           </a:solidFill>
         </p:spPr>
         <p:style>
@@ -20698,27 +22489,18 @@
           <a:p>
             <a:pPr algn="ctr"/>
             <a:r>
-              <a:rPr lang="fr-FR" dirty="0" err="1"/>
-              <a:t>Lack</a:t>
-            </a:r>
-            <a:r>
-              <a:rPr lang="fr-FR" dirty="0"/>
-              <a:t> of </a:t>
-            </a:r>
-            <a:r>
-              <a:rPr lang="en-US" dirty="0"/>
-              <a:t>quantification of the explanation’s uncertainty</a:t>
-            </a:r>
-            <a:endParaRPr lang="fr-FR" dirty="0"/>
+              <a:rPr lang="fr-FR" sz="3200" dirty="0"/>
+              <a:t>User</a:t>
+            </a:r>
           </a:p>
         </p:txBody>
       </p:sp>
       <p:sp>
         <p:nvSpPr>
-          <p:cNvPr id="7" name="Rectangle : coins arrondis 6">
-            <a:extLst>
-              <a:ext uri="{FF2B5EF4-FFF2-40B4-BE49-F238E27FC236}">
-                <a16:creationId xmlns:a16="http://schemas.microsoft.com/office/drawing/2014/main" id="{AA26C58E-2274-98F0-5BED-9AAC9B97F4F6}"/>
+          <p:cNvPr id="7" name="Rectangle : coins arrondis 1">
+            <a:extLst>
+              <a:ext uri="{FF2B5EF4-FFF2-40B4-BE49-F238E27FC236}">
+                <a16:creationId xmlns:a16="http://schemas.microsoft.com/office/drawing/2014/main" id="{FFEC10AC-D9C3-ECA0-4912-D9949F9B859F}"/>
               </a:ext>
             </a:extLst>
           </p:cNvPr>
@@ -20727,15 +22509,16 @@
         </p:nvSpPr>
         <p:spPr>
           <a:xfrm>
-            <a:off x="4108704" y="1566672"/>
-            <a:ext cx="3523488" cy="816864"/>
+            <a:off x="467986" y="249936"/>
+            <a:ext cx="1888352" cy="816864"/>
           </a:xfrm>
           <a:prstGeom prst="roundRect">
             <a:avLst/>
           </a:prstGeom>
           <a:solidFill>
-            <a:schemeClr val="accent6">
-              <a:lumMod val="75000"/>
+            <a:schemeClr val="accent5">
+              <a:lumMod val="60000"/>
+              <a:lumOff val="40000"/>
             </a:schemeClr>
           </a:solidFill>
         </p:spPr>
@@ -20761,39 +22544,27 @@
           <a:p>
             <a:pPr algn="ctr"/>
             <a:r>
-              <a:rPr lang="fr-FR" dirty="0"/>
-              <a:t>Methods to </a:t>
-            </a:r>
-            <a:r>
-              <a:rPr lang="fr-FR" dirty="0" err="1"/>
-              <a:t>quantify</a:t>
-            </a:r>
-            <a:r>
-              <a:rPr lang="fr-FR" dirty="0"/>
-              <a:t> </a:t>
-            </a:r>
-            <a:r>
-              <a:rPr lang="fr-FR" dirty="0" err="1"/>
-              <a:t>uncertainty</a:t>
-            </a:r>
-            <a:r>
-              <a:rPr lang="fr-FR" dirty="0"/>
-              <a:t> in XAI </a:t>
-            </a:r>
-            <a:r>
-              <a:rPr lang="fr-FR" dirty="0" err="1"/>
-              <a:t>methods</a:t>
-            </a:r>
-            <a:endParaRPr lang="fr-FR" dirty="0"/>
+              <a:rPr lang="fr-FR" dirty="0" err="1">
+                <a:solidFill>
+                  <a:schemeClr val="tx1"/>
+                </a:solidFill>
+              </a:rPr>
+              <a:t>Bias</a:t>
+            </a:r>
+            <a:endParaRPr lang="fr-FR" dirty="0">
+              <a:solidFill>
+                <a:schemeClr val="tx1"/>
+              </a:solidFill>
+            </a:endParaRPr>
           </a:p>
         </p:txBody>
       </p:sp>
       <p:sp>
         <p:nvSpPr>
-          <p:cNvPr id="9" name="Rectangle : coins arrondis 8">
-            <a:extLst>
-              <a:ext uri="{FF2B5EF4-FFF2-40B4-BE49-F238E27FC236}">
-                <a16:creationId xmlns:a16="http://schemas.microsoft.com/office/drawing/2014/main" id="{5496CE66-FD6B-32C5-B0F0-303DE7921BE9}"/>
+          <p:cNvPr id="8" name="Rectangle : coins arrondis 1">
+            <a:extLst>
+              <a:ext uri="{FF2B5EF4-FFF2-40B4-BE49-F238E27FC236}">
+                <a16:creationId xmlns:a16="http://schemas.microsoft.com/office/drawing/2014/main" id="{C60A9226-06ED-6E25-0779-82778BEF6D1E}"/>
               </a:ext>
             </a:extLst>
           </p:cNvPr>
@@ -20802,15 +22573,16 @@
         </p:nvSpPr>
         <p:spPr>
           <a:xfrm>
-            <a:off x="280416" y="2523744"/>
-            <a:ext cx="3523488" cy="816864"/>
+            <a:off x="2572278" y="249936"/>
+            <a:ext cx="1888352" cy="816864"/>
           </a:xfrm>
           <a:prstGeom prst="roundRect">
             <a:avLst/>
           </a:prstGeom>
           <a:solidFill>
-            <a:schemeClr val="accent2">
-              <a:lumMod val="75000"/>
+            <a:schemeClr val="accent5">
+              <a:lumMod val="60000"/>
+              <a:lumOff val="40000"/>
             </a:schemeClr>
           </a:solidFill>
         </p:spPr>
@@ -20836,35 +22608,19 @@
           <a:p>
             <a:pPr algn="ctr"/>
             <a:r>
-              <a:rPr lang="fr-FR" dirty="0" err="1"/>
-              <a:t>Lack</a:t>
-            </a:r>
-            <a:r>
-              <a:rPr lang="fr-FR" dirty="0"/>
-              <a:t> of </a:t>
-            </a:r>
-            <a:r>
-              <a:rPr lang="fr-FR" dirty="0" err="1"/>
-              <a:t>clarity</a:t>
-            </a:r>
-            <a:r>
-              <a:rPr lang="fr-FR" dirty="0"/>
-              <a:t> and </a:t>
-            </a:r>
-            <a:r>
-              <a:rPr lang="fr-FR" dirty="0" err="1"/>
-              <a:t>complexity</a:t>
-            </a:r>
-            <a:r>
-              <a:rPr lang="fr-FR" dirty="0"/>
-              <a:t> of the </a:t>
-            </a:r>
-            <a:r>
-              <a:rPr lang="fr-FR" dirty="0" err="1"/>
-              <a:t>explanation</a:t>
-            </a:r>
-            <a:r>
-              <a:rPr lang="fr-FR" dirty="0"/>
+              <a:rPr lang="fr-FR" dirty="0" err="1">
+                <a:solidFill>
+                  <a:schemeClr val="tx1"/>
+                </a:solidFill>
+              </a:rPr>
+              <a:t>Quality</a:t>
+            </a:r>
+            <a:r>
+              <a:rPr lang="fr-FR" dirty="0">
+                <a:solidFill>
+                  <a:schemeClr val="tx1"/>
+                </a:solidFill>
+              </a:rPr>
               <a:t> </a:t>
             </a:r>
           </a:p>
@@ -20872,10 +22628,10 @@
       </p:sp>
       <p:sp>
         <p:nvSpPr>
-          <p:cNvPr id="10" name="Rectangle : coins arrondis 9">
-            <a:extLst>
-              <a:ext uri="{FF2B5EF4-FFF2-40B4-BE49-F238E27FC236}">
-                <a16:creationId xmlns:a16="http://schemas.microsoft.com/office/drawing/2014/main" id="{584967BE-4FCA-84F1-4BAD-E2A14AB20CA8}"/>
+          <p:cNvPr id="9" name="Rectangle : coins arrondis 1">
+            <a:extLst>
+              <a:ext uri="{FF2B5EF4-FFF2-40B4-BE49-F238E27FC236}">
+                <a16:creationId xmlns:a16="http://schemas.microsoft.com/office/drawing/2014/main" id="{EB360A61-6206-06B5-19CA-94462E194E02}"/>
               </a:ext>
             </a:extLst>
           </p:cNvPr>
@@ -20884,15 +22640,16 @@
         </p:nvSpPr>
         <p:spPr>
           <a:xfrm>
-            <a:off x="4108704" y="2523744"/>
-            <a:ext cx="3523488" cy="816864"/>
+            <a:off x="4688994" y="249936"/>
+            <a:ext cx="1888352" cy="816864"/>
           </a:xfrm>
           <a:prstGeom prst="roundRect">
             <a:avLst/>
           </a:prstGeom>
           <a:solidFill>
-            <a:schemeClr val="accent6">
-              <a:lumMod val="75000"/>
+            <a:schemeClr val="accent5">
+              <a:lumMod val="60000"/>
+              <a:lumOff val="40000"/>
             </a:schemeClr>
           </a:solidFill>
         </p:spPr>
@@ -20918,42 +22675,43 @@
           <a:p>
             <a:pPr algn="ctr"/>
             <a:r>
-              <a:rPr lang="fr-FR" dirty="0"/>
-              <a:t>Human </a:t>
-            </a:r>
-            <a:r>
-              <a:rPr lang="fr-FR" dirty="0" err="1"/>
-              <a:t>readable</a:t>
-            </a:r>
-            <a:r>
-              <a:rPr lang="fr-FR" dirty="0"/>
-              <a:t> </a:t>
-            </a:r>
-            <a:r>
-              <a:rPr lang="fr-FR" dirty="0" err="1"/>
-              <a:t>explanation</a:t>
-            </a:r>
-            <a:r>
-              <a:rPr lang="fr-FR" dirty="0"/>
-              <a:t>, final user </a:t>
-            </a:r>
-            <a:r>
-              <a:rPr lang="fr-FR" dirty="0" err="1"/>
-              <a:t>involved</a:t>
-            </a:r>
-            <a:r>
-              <a:rPr lang="fr-FR" dirty="0"/>
-              <a:t> in system design</a:t>
-            </a:r>
+              <a:rPr lang="fr-FR" dirty="0" err="1">
+                <a:solidFill>
+                  <a:schemeClr val="tx1"/>
+                </a:solidFill>
+              </a:rPr>
+              <a:t>Consistency</a:t>
+            </a:r>
+            <a:r>
+              <a:rPr lang="fr-FR" dirty="0">
+                <a:solidFill>
+                  <a:schemeClr val="tx1"/>
+                </a:solidFill>
+              </a:rPr>
+              <a:t>, </a:t>
+            </a:r>
+            <a:r>
+              <a:rPr lang="fr-FR" dirty="0" err="1">
+                <a:solidFill>
+                  <a:schemeClr val="tx1"/>
+                </a:solidFill>
+              </a:rPr>
+              <a:t>relevancy</a:t>
+            </a:r>
+            <a:endParaRPr lang="fr-FR" dirty="0">
+              <a:solidFill>
+                <a:schemeClr val="tx1"/>
+              </a:solidFill>
+            </a:endParaRPr>
           </a:p>
         </p:txBody>
       </p:sp>
       <p:sp>
         <p:nvSpPr>
-          <p:cNvPr id="11" name="Rectangle : coins arrondis 10">
-            <a:extLst>
-              <a:ext uri="{FF2B5EF4-FFF2-40B4-BE49-F238E27FC236}">
-                <a16:creationId xmlns:a16="http://schemas.microsoft.com/office/drawing/2014/main" id="{B7439B2F-8624-A322-C1F3-8DD097A5D44B}"/>
+          <p:cNvPr id="10" name="Rectangle : coins arrondis 1">
+            <a:extLst>
+              <a:ext uri="{FF2B5EF4-FFF2-40B4-BE49-F238E27FC236}">
+                <a16:creationId xmlns:a16="http://schemas.microsoft.com/office/drawing/2014/main" id="{C0C8854C-B29E-63C2-EE99-ECD309C45157}"/>
               </a:ext>
             </a:extLst>
           </p:cNvPr>
@@ -20962,15 +22720,16 @@
         </p:nvSpPr>
         <p:spPr>
           <a:xfrm>
-            <a:off x="280416" y="3480816"/>
-            <a:ext cx="3523488" cy="816864"/>
+            <a:off x="6718021" y="249936"/>
+            <a:ext cx="1888352" cy="816864"/>
           </a:xfrm>
           <a:prstGeom prst="roundRect">
             <a:avLst/>
           </a:prstGeom>
           <a:solidFill>
-            <a:schemeClr val="accent2">
-              <a:lumMod val="75000"/>
+            <a:schemeClr val="accent5">
+              <a:lumMod val="60000"/>
+              <a:lumOff val="40000"/>
             </a:schemeClr>
           </a:solidFill>
         </p:spPr>
@@ -20996,34 +22755,30 @@
           <a:p>
             <a:pPr algn="ctr"/>
             <a:r>
-              <a:rPr lang="fr-FR" dirty="0"/>
-              <a:t>Performance/</a:t>
-            </a:r>
-            <a:r>
-              <a:rPr lang="fr-FR" dirty="0" err="1"/>
-              <a:t>Interpretability</a:t>
-            </a:r>
-            <a:r>
-              <a:rPr lang="fr-FR" dirty="0"/>
-              <a:t>  </a:t>
-            </a:r>
-            <a:r>
-              <a:rPr lang="fr-FR" dirty="0" err="1"/>
-              <a:t>trade</a:t>
-            </a:r>
-            <a:r>
-              <a:rPr lang="fr-FR" dirty="0"/>
-              <a:t>-off</a:t>
+              <a:rPr lang="fr-FR" dirty="0" err="1">
+                <a:solidFill>
+                  <a:schemeClr val="tx1"/>
+                </a:solidFill>
+              </a:rPr>
+              <a:t>Dimensionality</a:t>
+            </a:r>
+            <a:r>
+              <a:rPr lang="fr-FR" dirty="0">
+                <a:solidFill>
+                  <a:schemeClr val="tx1"/>
+                </a:solidFill>
+              </a:rPr>
+              <a:t> </a:t>
             </a:r>
           </a:p>
         </p:txBody>
       </p:sp>
       <p:sp>
         <p:nvSpPr>
-          <p:cNvPr id="12" name="Rectangle : coins arrondis 11">
-            <a:extLst>
-              <a:ext uri="{FF2B5EF4-FFF2-40B4-BE49-F238E27FC236}">
-                <a16:creationId xmlns:a16="http://schemas.microsoft.com/office/drawing/2014/main" id="{FBD33F80-2C0B-1C53-C4DA-40632DCEB87D}"/>
+          <p:cNvPr id="11" name="Rectangle : coins arrondis 1">
+            <a:extLst>
+              <a:ext uri="{FF2B5EF4-FFF2-40B4-BE49-F238E27FC236}">
+                <a16:creationId xmlns:a16="http://schemas.microsoft.com/office/drawing/2014/main" id="{F3C8DAFE-7D65-5124-5B72-92513156A265}"/>
               </a:ext>
             </a:extLst>
           </p:cNvPr>
@@ -21032,14 +22787,14 @@
         </p:nvSpPr>
         <p:spPr>
           <a:xfrm>
-            <a:off x="4108704" y="3480816"/>
-            <a:ext cx="3523488" cy="816864"/>
+            <a:off x="9020673" y="1559169"/>
+            <a:ext cx="1888352" cy="816864"/>
           </a:xfrm>
           <a:prstGeom prst="roundRect">
             <a:avLst/>
           </a:prstGeom>
           <a:solidFill>
-            <a:schemeClr val="accent6">
+            <a:schemeClr val="accent5">
               <a:lumMod val="75000"/>
             </a:schemeClr>
           </a:solidFill>
@@ -21066,51 +22821,43 @@
           <a:p>
             <a:pPr algn="ctr"/>
             <a:r>
-              <a:rPr lang="fr-FR" dirty="0" err="1"/>
-              <a:t>Explainability</a:t>
-            </a:r>
-            <a:r>
-              <a:rPr lang="fr-FR" dirty="0"/>
+              <a:rPr lang="fr-FR" dirty="0" err="1">
+                <a:solidFill>
+                  <a:schemeClr val="tx1"/>
+                </a:solidFill>
+              </a:rPr>
+              <a:t>Conceptual</a:t>
+            </a:r>
+            <a:r>
+              <a:rPr lang="fr-FR" dirty="0">
+                <a:solidFill>
+                  <a:schemeClr val="tx1"/>
+                </a:solidFill>
+              </a:rPr>
               <a:t> </a:t>
             </a:r>
             <a:r>
-              <a:rPr lang="fr-FR" dirty="0" err="1"/>
-              <a:t>metrics</a:t>
-            </a:r>
-            <a:r>
-              <a:rPr lang="fr-FR" dirty="0"/>
-              <a:t>, </a:t>
-            </a:r>
-            <a:r>
-              <a:rPr lang="fr-FR" dirty="0" err="1"/>
-              <a:t>combining</a:t>
-            </a:r>
-            <a:r>
-              <a:rPr lang="fr-FR" dirty="0"/>
-              <a:t> </a:t>
-            </a:r>
-            <a:r>
-              <a:rPr lang="fr-FR" dirty="0" err="1"/>
-              <a:t>different</a:t>
-            </a:r>
-            <a:r>
-              <a:rPr lang="fr-FR" dirty="0"/>
-              <a:t> XAI </a:t>
-            </a:r>
-            <a:r>
-              <a:rPr lang="fr-FR" dirty="0" err="1"/>
-              <a:t>methods</a:t>
-            </a:r>
-            <a:endParaRPr lang="fr-FR" dirty="0"/>
+              <a:rPr lang="fr-FR" dirty="0" err="1">
+                <a:solidFill>
+                  <a:schemeClr val="tx1"/>
+                </a:solidFill>
+              </a:rPr>
+              <a:t>errors</a:t>
+            </a:r>
+            <a:endParaRPr lang="fr-FR" dirty="0">
+              <a:solidFill>
+                <a:schemeClr val="tx1"/>
+              </a:solidFill>
+            </a:endParaRPr>
           </a:p>
         </p:txBody>
       </p:sp>
       <p:sp>
         <p:nvSpPr>
-          <p:cNvPr id="13" name="Rectangle : coins arrondis 12">
-            <a:extLst>
-              <a:ext uri="{FF2B5EF4-FFF2-40B4-BE49-F238E27FC236}">
-                <a16:creationId xmlns:a16="http://schemas.microsoft.com/office/drawing/2014/main" id="{6C1E5AF1-F49B-E06D-B7FD-1ABA1543F8A3}"/>
+          <p:cNvPr id="12" name="Rectangle : coins arrondis 1">
+            <a:extLst>
+              <a:ext uri="{FF2B5EF4-FFF2-40B4-BE49-F238E27FC236}">
+                <a16:creationId xmlns:a16="http://schemas.microsoft.com/office/drawing/2014/main" id="{CEA9896F-AC33-6F46-9D24-04213BCCBB03}"/>
               </a:ext>
             </a:extLst>
           </p:cNvPr>
@@ -21119,14 +22866,14 @@
         </p:nvSpPr>
         <p:spPr>
           <a:xfrm>
-            <a:off x="7851648" y="2523744"/>
-            <a:ext cx="3523488" cy="816864"/>
+            <a:off x="9020673" y="2501705"/>
+            <a:ext cx="1888352" cy="816864"/>
           </a:xfrm>
           <a:prstGeom prst="roundRect">
             <a:avLst/>
           </a:prstGeom>
           <a:solidFill>
-            <a:schemeClr val="accent2">
+            <a:schemeClr val="accent5">
               <a:lumMod val="75000"/>
             </a:schemeClr>
           </a:solidFill>
@@ -21153,23 +22900,22 @@
           <a:p>
             <a:pPr algn="ctr"/>
             <a:r>
-              <a:rPr lang="fr-FR" dirty="0"/>
-              <a:t>Composition of the </a:t>
-            </a:r>
-            <a:r>
-              <a:rPr lang="fr-FR" dirty="0" err="1"/>
-              <a:t>explanation</a:t>
-            </a:r>
-            <a:endParaRPr lang="fr-FR" dirty="0"/>
+              <a:rPr lang="fr-FR" dirty="0">
+                <a:solidFill>
+                  <a:schemeClr val="tx1"/>
+                </a:solidFill>
+              </a:rPr>
+              <a:t>Evaluation </a:t>
+            </a:r>
           </a:p>
         </p:txBody>
       </p:sp>
       <p:sp>
         <p:nvSpPr>
-          <p:cNvPr id="14" name="Rectangle : coins arrondis 13">
-            <a:extLst>
-              <a:ext uri="{FF2B5EF4-FFF2-40B4-BE49-F238E27FC236}">
-                <a16:creationId xmlns:a16="http://schemas.microsoft.com/office/drawing/2014/main" id="{03F39C66-211F-CA17-7FDA-DBA82CD51E92}"/>
+          <p:cNvPr id="13" name="Rectangle : coins arrondis 1">
+            <a:extLst>
+              <a:ext uri="{FF2B5EF4-FFF2-40B4-BE49-F238E27FC236}">
+                <a16:creationId xmlns:a16="http://schemas.microsoft.com/office/drawing/2014/main" id="{7A063D6E-1045-1F21-BD78-BF76F71082BF}"/>
               </a:ext>
             </a:extLst>
           </p:cNvPr>
@@ -21178,14 +22924,14 @@
         </p:nvSpPr>
         <p:spPr>
           <a:xfrm>
-            <a:off x="11679936" y="2523744"/>
-            <a:ext cx="3523488" cy="816864"/>
+            <a:off x="9020673" y="3444241"/>
+            <a:ext cx="1888352" cy="816864"/>
           </a:xfrm>
           <a:prstGeom prst="roundRect">
             <a:avLst/>
           </a:prstGeom>
           <a:solidFill>
-            <a:schemeClr val="accent6">
+            <a:schemeClr val="accent5">
               <a:lumMod val="75000"/>
             </a:schemeClr>
           </a:solidFill>
@@ -21212,63 +22958,35 @@
           <a:p>
             <a:pPr algn="ctr"/>
             <a:r>
-              <a:rPr lang="fr-FR" dirty="0"/>
-              <a:t>Select the </a:t>
-            </a:r>
-            <a:r>
-              <a:rPr lang="fr-FR" dirty="0" err="1"/>
-              <a:t>method</a:t>
-            </a:r>
-            <a:r>
-              <a:rPr lang="fr-FR" dirty="0"/>
-              <a:t> for </a:t>
-            </a:r>
-            <a:r>
-              <a:rPr lang="fr-FR" dirty="0" err="1"/>
-              <a:t>user’s</a:t>
-            </a:r>
-            <a:r>
-              <a:rPr lang="fr-FR" dirty="0"/>
-              <a:t> </a:t>
-            </a:r>
-            <a:r>
-              <a:rPr lang="fr-FR" dirty="0" err="1"/>
-              <a:t>need</a:t>
-            </a:r>
-            <a:r>
-              <a:rPr lang="fr-FR" dirty="0"/>
-              <a:t>, </a:t>
-            </a:r>
-            <a:r>
-              <a:rPr lang="fr-FR" dirty="0" err="1"/>
-              <a:t>combining</a:t>
-            </a:r>
-            <a:r>
-              <a:rPr lang="fr-FR" dirty="0"/>
-              <a:t> </a:t>
-            </a:r>
-            <a:r>
-              <a:rPr lang="fr-FR" dirty="0" err="1"/>
-              <a:t>different</a:t>
-            </a:r>
-            <a:r>
-              <a:rPr lang="fr-FR" dirty="0"/>
-              <a:t> XAI </a:t>
-            </a:r>
-            <a:r>
-              <a:rPr lang="fr-FR" dirty="0" err="1"/>
-              <a:t>methods</a:t>
-            </a:r>
-            <a:endParaRPr lang="fr-FR" dirty="0"/>
+              <a:rPr lang="fr-FR" dirty="0">
+                <a:solidFill>
+                  <a:schemeClr val="tx1"/>
+                </a:solidFill>
+              </a:rPr>
+              <a:t>Benchmark </a:t>
+            </a:r>
+            <a:r>
+              <a:rPr lang="fr-FR" dirty="0" err="1">
+                <a:solidFill>
+                  <a:schemeClr val="tx1"/>
+                </a:solidFill>
+              </a:rPr>
+              <a:t>datasets</a:t>
+            </a:r>
+            <a:endParaRPr lang="fr-FR" dirty="0">
+              <a:solidFill>
+                <a:schemeClr val="tx1"/>
+              </a:solidFill>
+            </a:endParaRPr>
           </a:p>
         </p:txBody>
       </p:sp>
       <p:sp>
         <p:nvSpPr>
-          <p:cNvPr id="15" name="Rectangle : coins arrondis 14">
-            <a:extLst>
-              <a:ext uri="{FF2B5EF4-FFF2-40B4-BE49-F238E27FC236}">
-                <a16:creationId xmlns:a16="http://schemas.microsoft.com/office/drawing/2014/main" id="{4C8AF836-43B7-C4E4-B032-D284E1CCD6DE}"/>
+          <p:cNvPr id="14" name="Rectangle : coins arrondis 1">
+            <a:extLst>
+              <a:ext uri="{FF2B5EF4-FFF2-40B4-BE49-F238E27FC236}">
+                <a16:creationId xmlns:a16="http://schemas.microsoft.com/office/drawing/2014/main" id="{C5B6F0C0-0E84-81DB-F447-7A4119270D22}"/>
               </a:ext>
             </a:extLst>
           </p:cNvPr>
@@ -21277,14 +22995,14 @@
         </p:nvSpPr>
         <p:spPr>
           <a:xfrm>
-            <a:off x="7851648" y="3517393"/>
-            <a:ext cx="3523488" cy="816864"/>
+            <a:off x="9020673" y="4378569"/>
+            <a:ext cx="1888352" cy="816864"/>
           </a:xfrm>
           <a:prstGeom prst="roundRect">
             <a:avLst/>
           </a:prstGeom>
           <a:solidFill>
-            <a:schemeClr val="accent2">
+            <a:schemeClr val="accent5">
               <a:lumMod val="75000"/>
             </a:schemeClr>
           </a:solidFill>
@@ -21311,22 +23029,46 @@
           <a:p>
             <a:pPr algn="ctr"/>
             <a:r>
-              <a:rPr lang="fr-FR" dirty="0" err="1"/>
-              <a:t>Scalability</a:t>
-            </a:r>
-            <a:r>
-              <a:rPr lang="fr-FR" dirty="0"/>
-              <a:t> of XAI</a:t>
+              <a:rPr lang="fr-FR" dirty="0" err="1">
+                <a:solidFill>
+                  <a:schemeClr val="tx1"/>
+                </a:solidFill>
+              </a:rPr>
+              <a:t>Researcher</a:t>
+            </a:r>
+            <a:r>
+              <a:rPr lang="fr-FR" dirty="0">
+                <a:solidFill>
+                  <a:schemeClr val="tx1"/>
+                </a:solidFill>
+              </a:rPr>
+              <a:t> </a:t>
+            </a:r>
+            <a:r>
+              <a:rPr lang="fr-FR" dirty="0" err="1">
+                <a:solidFill>
+                  <a:schemeClr val="tx1"/>
+                </a:solidFill>
+              </a:rPr>
+              <a:t>knowledge</a:t>
+            </a:r>
+            <a:r>
+              <a:rPr lang="fr-FR" dirty="0">
+                <a:solidFill>
+                  <a:schemeClr val="tx1"/>
+                </a:solidFill>
+              </a:rPr>
+              <a:t> </a:t>
             </a:r>
           </a:p>
         </p:txBody>
       </p:sp>
       <p:sp>
         <p:nvSpPr>
-          <p:cNvPr id="16" name="Rectangle : coins arrondis 15">
-            <a:extLst>
-              <a:ext uri="{FF2B5EF4-FFF2-40B4-BE49-F238E27FC236}">
-                <a16:creationId xmlns:a16="http://schemas.microsoft.com/office/drawing/2014/main" id="{DCFB2583-3C5B-5EF0-7A88-849AC91A9DF2}"/>
+          <p:cNvPr id="15" name="Rectangle : coins arrondis 1">
+            <a:extLst>
+              <a:ext uri="{FF2B5EF4-FFF2-40B4-BE49-F238E27FC236}">
+                <a16:creationId xmlns:a16="http://schemas.microsoft.com/office/drawing/2014/main" id="{7C30D5BB-1A21-441E-D3B0-1786BCD1428F}"/>
               </a:ext>
             </a:extLst>
           </p:cNvPr>
@@ -21335,16 +23077,14 @@
         </p:nvSpPr>
         <p:spPr>
           <a:xfrm>
-            <a:off x="11679936" y="3517393"/>
-            <a:ext cx="3523488" cy="816864"/>
+            <a:off x="467986" y="5273509"/>
+            <a:ext cx="1888352" cy="816864"/>
           </a:xfrm>
           <a:prstGeom prst="roundRect">
             <a:avLst/>
           </a:prstGeom>
           <a:solidFill>
-            <a:schemeClr val="accent6">
-              <a:lumMod val="75000"/>
-            </a:schemeClr>
+            <a:srgbClr val="002060"/>
           </a:solidFill>
         </p:spPr>
         <p:style>
@@ -21369,38 +23109,35 @@
           <a:p>
             <a:pPr algn="ctr"/>
             <a:r>
-              <a:rPr lang="fr-FR" dirty="0" err="1"/>
-              <a:t>Feature</a:t>
-            </a:r>
-            <a:r>
-              <a:rPr lang="fr-FR" dirty="0"/>
-              <a:t> </a:t>
-            </a:r>
-            <a:r>
-              <a:rPr lang="fr-FR" dirty="0" err="1"/>
-              <a:t>reduction</a:t>
-            </a:r>
-            <a:r>
-              <a:rPr lang="fr-FR" dirty="0"/>
-              <a:t>, benchmark </a:t>
-            </a:r>
-            <a:r>
-              <a:rPr lang="fr-FR" dirty="0" err="1"/>
-              <a:t>execution</a:t>
-            </a:r>
-            <a:r>
-              <a:rPr lang="fr-FR" dirty="0"/>
-              <a:t> time</a:t>
-            </a:r>
+              <a:rPr lang="fr-FR" dirty="0">
+                <a:solidFill>
+                  <a:schemeClr val="bg1"/>
+                </a:solidFill>
+              </a:rPr>
+              <a:t>User </a:t>
+            </a:r>
+            <a:r>
+              <a:rPr lang="fr-FR" dirty="0" err="1">
+                <a:solidFill>
+                  <a:schemeClr val="bg1"/>
+                </a:solidFill>
+              </a:rPr>
+              <a:t>knowledge</a:t>
+            </a:r>
+            <a:endParaRPr lang="fr-FR" dirty="0">
+              <a:solidFill>
+                <a:schemeClr val="bg1"/>
+              </a:solidFill>
+            </a:endParaRPr>
           </a:p>
         </p:txBody>
       </p:sp>
       <p:sp>
         <p:nvSpPr>
-          <p:cNvPr id="17" name="Rectangle : coins arrondis 16">
-            <a:extLst>
-              <a:ext uri="{FF2B5EF4-FFF2-40B4-BE49-F238E27FC236}">
-                <a16:creationId xmlns:a16="http://schemas.microsoft.com/office/drawing/2014/main" id="{D8071A10-AE89-DD93-5DE1-531D19F181FD}"/>
+          <p:cNvPr id="16" name="Rectangle : coins arrondis 1">
+            <a:extLst>
+              <a:ext uri="{FF2B5EF4-FFF2-40B4-BE49-F238E27FC236}">
+                <a16:creationId xmlns:a16="http://schemas.microsoft.com/office/drawing/2014/main" id="{A5352B06-50E3-DB4E-A5DC-87CEFB92C592}"/>
               </a:ext>
             </a:extLst>
           </p:cNvPr>
@@ -21409,16 +23146,14 @@
         </p:nvSpPr>
         <p:spPr>
           <a:xfrm>
-            <a:off x="7833360" y="609600"/>
-            <a:ext cx="3523488" cy="816864"/>
+            <a:off x="2572278" y="5273509"/>
+            <a:ext cx="1888352" cy="816864"/>
           </a:xfrm>
           <a:prstGeom prst="roundRect">
             <a:avLst/>
           </a:prstGeom>
           <a:solidFill>
-            <a:schemeClr val="accent2">
-              <a:lumMod val="75000"/>
-            </a:schemeClr>
+            <a:srgbClr val="002060"/>
           </a:solidFill>
         </p:spPr>
         <p:style>
@@ -21443,27 +23178,22 @@
           <a:p>
             <a:pPr algn="ctr"/>
             <a:r>
-              <a:rPr lang="fr-FR" dirty="0" err="1"/>
-              <a:t>Feature</a:t>
-            </a:r>
-            <a:r>
-              <a:rPr lang="fr-FR" dirty="0"/>
-              <a:t> </a:t>
-            </a:r>
-            <a:r>
-              <a:rPr lang="fr-FR" dirty="0" err="1"/>
-              <a:t>dependance</a:t>
-            </a:r>
-            <a:endParaRPr lang="fr-FR" dirty="0"/>
+              <a:rPr lang="fr-FR" dirty="0">
+                <a:solidFill>
+                  <a:schemeClr val="bg1"/>
+                </a:solidFill>
+              </a:rPr>
+              <a:t>User acceptance </a:t>
+            </a:r>
           </a:p>
         </p:txBody>
       </p:sp>
       <p:sp>
         <p:nvSpPr>
-          <p:cNvPr id="18" name="Rectangle : coins arrondis 17">
-            <a:extLst>
-              <a:ext uri="{FF2B5EF4-FFF2-40B4-BE49-F238E27FC236}">
-                <a16:creationId xmlns:a16="http://schemas.microsoft.com/office/drawing/2014/main" id="{2E95522E-A4E4-DE79-51D2-5EB3D35BC273}"/>
+          <p:cNvPr id="17" name="Rectangle : coins arrondis 1">
+            <a:extLst>
+              <a:ext uri="{FF2B5EF4-FFF2-40B4-BE49-F238E27FC236}">
+                <a16:creationId xmlns:a16="http://schemas.microsoft.com/office/drawing/2014/main" id="{B715C1A3-372C-16E8-EEC4-BEE3A45975BE}"/>
               </a:ext>
             </a:extLst>
           </p:cNvPr>
@@ -21472,16 +23202,14 @@
         </p:nvSpPr>
         <p:spPr>
           <a:xfrm>
-            <a:off x="11661648" y="609600"/>
-            <a:ext cx="3523488" cy="816864"/>
+            <a:off x="4688994" y="5273509"/>
+            <a:ext cx="1888352" cy="816864"/>
           </a:xfrm>
           <a:prstGeom prst="roundRect">
             <a:avLst/>
           </a:prstGeom>
           <a:solidFill>
-            <a:schemeClr val="accent6">
-              <a:lumMod val="75000"/>
-            </a:schemeClr>
+            <a:srgbClr val="002060"/>
           </a:solidFill>
         </p:spPr>
         <p:style>
@@ -21506,34 +23234,27 @@
           <a:p>
             <a:pPr algn="ctr"/>
             <a:r>
-              <a:rPr lang="fr-FR" dirty="0"/>
-              <a:t>Permute </a:t>
-            </a:r>
-            <a:r>
-              <a:rPr lang="fr-FR" dirty="0" err="1"/>
-              <a:t>features</a:t>
-            </a:r>
-            <a:r>
-              <a:rPr lang="fr-FR" dirty="0"/>
-              <a:t>, </a:t>
-            </a:r>
-            <a:r>
-              <a:rPr lang="fr-FR" dirty="0" err="1"/>
-              <a:t>conditional</a:t>
-            </a:r>
-            <a:r>
-              <a:rPr lang="fr-FR" dirty="0"/>
-              <a:t> permutation</a:t>
-            </a:r>
+              <a:rPr lang="fr-FR" dirty="0" err="1">
+                <a:solidFill>
+                  <a:schemeClr val="bg1"/>
+                </a:solidFill>
+              </a:rPr>
+              <a:t>Legislation</a:t>
+            </a:r>
+            <a:endParaRPr lang="fr-FR" dirty="0">
+              <a:solidFill>
+                <a:schemeClr val="bg1"/>
+              </a:solidFill>
+            </a:endParaRPr>
           </a:p>
         </p:txBody>
       </p:sp>
       <p:sp>
         <p:nvSpPr>
-          <p:cNvPr id="19" name="Rectangle : coins arrondis 18">
-            <a:extLst>
-              <a:ext uri="{FF2B5EF4-FFF2-40B4-BE49-F238E27FC236}">
-                <a16:creationId xmlns:a16="http://schemas.microsoft.com/office/drawing/2014/main" id="{6579703A-76AE-CEC8-D29C-73F4AEC8E594}"/>
+          <p:cNvPr id="18" name="Rectangle : coins arrondis 1">
+            <a:extLst>
+              <a:ext uri="{FF2B5EF4-FFF2-40B4-BE49-F238E27FC236}">
+                <a16:creationId xmlns:a16="http://schemas.microsoft.com/office/drawing/2014/main" id="{D433D71C-6B35-0154-2549-FB7E643C6519}"/>
               </a:ext>
             </a:extLst>
           </p:cNvPr>
@@ -21542,16 +23263,14 @@
         </p:nvSpPr>
         <p:spPr>
           <a:xfrm>
-            <a:off x="7833360" y="1566672"/>
-            <a:ext cx="3523488" cy="816864"/>
+            <a:off x="6718021" y="5273509"/>
+            <a:ext cx="1888352" cy="816864"/>
           </a:xfrm>
           <a:prstGeom prst="roundRect">
             <a:avLst/>
           </a:prstGeom>
           <a:solidFill>
-            <a:schemeClr val="accent2">
-              <a:lumMod val="75000"/>
-            </a:schemeClr>
+            <a:srgbClr val="002060"/>
           </a:solidFill>
         </p:spPr>
         <p:style>
@@ -21576,200 +23295,601 @@
           <a:p>
             <a:pPr algn="ctr"/>
             <a:r>
-              <a:rPr lang="fr-FR" dirty="0" err="1"/>
-              <a:t>Formal</a:t>
-            </a:r>
-            <a:r>
-              <a:rPr lang="fr-FR" dirty="0"/>
+              <a:rPr lang="fr-FR" dirty="0" err="1">
+                <a:solidFill>
+                  <a:schemeClr val="bg1"/>
+                </a:solidFill>
+              </a:rPr>
+              <a:t>Robustness</a:t>
+            </a:r>
+            <a:r>
+              <a:rPr lang="fr-FR" dirty="0">
+                <a:solidFill>
+                  <a:schemeClr val="bg1"/>
+                </a:solidFill>
+              </a:rPr>
               <a:t> </a:t>
             </a:r>
-            <a:r>
-              <a:rPr lang="fr-FR" dirty="0" err="1"/>
-              <a:t>definition</a:t>
-            </a:r>
-            <a:r>
-              <a:rPr lang="fr-FR" dirty="0"/>
-              <a:t> of </a:t>
-            </a:r>
-            <a:r>
-              <a:rPr lang="fr-FR" dirty="0" err="1"/>
-              <a:t>interpretability</a:t>
-            </a:r>
-            <a:endParaRPr lang="fr-FR" dirty="0"/>
           </a:p>
         </p:txBody>
       </p:sp>
-      <p:sp>
-        <p:nvSpPr>
-          <p:cNvPr id="20" name="Rectangle : coins arrondis 19">
-            <a:extLst>
-              <a:ext uri="{FF2B5EF4-FFF2-40B4-BE49-F238E27FC236}">
-                <a16:creationId xmlns:a16="http://schemas.microsoft.com/office/drawing/2014/main" id="{F7816E54-3C8B-A146-3EF8-29131876B471}"/>
-              </a:ext>
-            </a:extLst>
-          </p:cNvPr>
-          <p:cNvSpPr/>
-          <p:nvPr/>
-        </p:nvSpPr>
+      <p:cxnSp>
+        <p:nvCxnSpPr>
+          <p:cNvPr id="20" name="Connettore 2 19">
+            <a:extLst>
+              <a:ext uri="{FF2B5EF4-FFF2-40B4-BE49-F238E27FC236}">
+                <a16:creationId xmlns:a16="http://schemas.microsoft.com/office/drawing/2014/main" id="{644DF6E5-756D-3F4B-AE35-B306B2C28AB8}"/>
+              </a:ext>
+            </a:extLst>
+          </p:cNvPr>
+          <p:cNvCxnSpPr>
+            <a:cxnSpLocks/>
+            <a:stCxn id="7" idx="2"/>
+            <a:endCxn id="4" idx="0"/>
+          </p:cNvCxnSpPr>
+          <p:nvPr/>
+        </p:nvCxnSpPr>
         <p:spPr>
           <a:xfrm>
-            <a:off x="11661648" y="1566672"/>
-            <a:ext cx="3523488" cy="816864"/>
-          </a:xfrm>
-          <a:prstGeom prst="roundRect">
+            <a:off x="1412162" y="1066800"/>
+            <a:ext cx="3742475" cy="685804"/>
+          </a:xfrm>
+          <a:prstGeom prst="straightConnector1">
             <a:avLst/>
           </a:prstGeom>
-          <a:solidFill>
-            <a:schemeClr val="accent6">
-              <a:lumMod val="75000"/>
-            </a:schemeClr>
-          </a:solidFill>
+          <a:ln w="28575">
+            <a:solidFill>
+              <a:schemeClr val="accent5">
+                <a:lumMod val="60000"/>
+                <a:lumOff val="40000"/>
+              </a:schemeClr>
+            </a:solidFill>
+            <a:headEnd type="triangle" w="med" len="med"/>
+            <a:tailEnd type="none" w="med" len="med"/>
+          </a:ln>
         </p:spPr>
         <p:style>
-          <a:lnRef idx="2">
-            <a:schemeClr val="accent1">
-              <a:shade val="15000"/>
-            </a:schemeClr>
+          <a:lnRef idx="1">
+            <a:schemeClr val="accent1"/>
           </a:lnRef>
-          <a:fillRef idx="1">
+          <a:fillRef idx="0">
             <a:schemeClr val="accent1"/>
           </a:fillRef>
           <a:effectRef idx="0">
             <a:schemeClr val="accent1"/>
           </a:effectRef>
           <a:fontRef idx="minor">
-            <a:schemeClr val="lt1"/>
+            <a:schemeClr val="tx1"/>
           </a:fontRef>
         </p:style>
-        <p:txBody>
-          <a:bodyPr rtlCol="0" anchor="ctr"/>
-          <a:lstStyle/>
-          <a:p>
-            <a:pPr algn="ctr"/>
-            <a:r>
-              <a:rPr lang="fr-FR" dirty="0"/>
-              <a:t>Evaluation </a:t>
-            </a:r>
-            <a:r>
-              <a:rPr lang="fr-FR" dirty="0" err="1"/>
-              <a:t>metrics</a:t>
-            </a:r>
-            <a:r>
-              <a:rPr lang="fr-FR" dirty="0"/>
-              <a:t>, </a:t>
-            </a:r>
-            <a:r>
-              <a:rPr lang="fr-FR" dirty="0" err="1"/>
-              <a:t>choice</a:t>
-            </a:r>
-            <a:r>
-              <a:rPr lang="fr-FR" dirty="0"/>
-              <a:t> a </a:t>
-            </a:r>
-            <a:r>
-              <a:rPr lang="fr-FR" dirty="0" err="1"/>
-              <a:t>method</a:t>
-            </a:r>
-            <a:r>
-              <a:rPr lang="fr-FR" dirty="0"/>
-              <a:t> for </a:t>
-            </a:r>
-            <a:r>
-              <a:rPr lang="fr-FR" dirty="0" err="1"/>
-              <a:t>need</a:t>
-            </a:r>
-            <a:r>
-              <a:rPr lang="fr-FR" dirty="0"/>
-              <a:t> and </a:t>
-            </a:r>
-            <a:r>
-              <a:rPr lang="fr-FR" dirty="0" err="1"/>
-              <a:t>domain</a:t>
-            </a:r>
-            <a:endParaRPr lang="fr-FR" dirty="0"/>
-          </a:p>
-        </p:txBody>
-      </p:sp>
-      <p:sp>
-        <p:nvSpPr>
-          <p:cNvPr id="21" name="ZoneTexte 20">
-            <a:extLst>
-              <a:ext uri="{FF2B5EF4-FFF2-40B4-BE49-F238E27FC236}">
-                <a16:creationId xmlns:a16="http://schemas.microsoft.com/office/drawing/2014/main" id="{961816F2-06F6-3F27-AB86-B0111D84DE0B}"/>
-              </a:ext>
-            </a:extLst>
-          </p:cNvPr>
-          <p:cNvSpPr txBox="1"/>
-          <p:nvPr/>
-        </p:nvSpPr>
+      </p:cxnSp>
+      <p:cxnSp>
+        <p:nvCxnSpPr>
+          <p:cNvPr id="22" name="Connettore 2 21">
+            <a:extLst>
+              <a:ext uri="{FF2B5EF4-FFF2-40B4-BE49-F238E27FC236}">
+                <a16:creationId xmlns:a16="http://schemas.microsoft.com/office/drawing/2014/main" id="{0A94C2E2-7042-A72D-60B4-D3DBC87D0C2C}"/>
+              </a:ext>
+            </a:extLst>
+          </p:cNvPr>
+          <p:cNvCxnSpPr>
+            <a:cxnSpLocks/>
+            <a:stCxn id="4" idx="0"/>
+            <a:endCxn id="8" idx="2"/>
+          </p:cNvCxnSpPr>
+          <p:nvPr/>
+        </p:nvCxnSpPr>
+        <p:spPr>
+          <a:xfrm flipH="1" flipV="1">
+            <a:off x="3516454" y="1066800"/>
+            <a:ext cx="1638183" cy="685804"/>
+          </a:xfrm>
+          <a:prstGeom prst="straightConnector1">
+            <a:avLst/>
+          </a:prstGeom>
+          <a:ln w="28575">
+            <a:solidFill>
+              <a:schemeClr val="accent5">
+                <a:lumMod val="60000"/>
+                <a:lumOff val="40000"/>
+              </a:schemeClr>
+            </a:solidFill>
+            <a:tailEnd type="triangle"/>
+          </a:ln>
+        </p:spPr>
+        <p:style>
+          <a:lnRef idx="1">
+            <a:schemeClr val="accent1"/>
+          </a:lnRef>
+          <a:fillRef idx="0">
+            <a:schemeClr val="accent1"/>
+          </a:fillRef>
+          <a:effectRef idx="0">
+            <a:schemeClr val="accent1"/>
+          </a:effectRef>
+          <a:fontRef idx="minor">
+            <a:schemeClr val="tx1"/>
+          </a:fontRef>
+        </p:style>
+      </p:cxnSp>
+      <p:cxnSp>
+        <p:nvCxnSpPr>
+          <p:cNvPr id="27" name="Connettore 2 26">
+            <a:extLst>
+              <a:ext uri="{FF2B5EF4-FFF2-40B4-BE49-F238E27FC236}">
+                <a16:creationId xmlns:a16="http://schemas.microsoft.com/office/drawing/2014/main" id="{7D94B9E8-E84B-728E-DFB4-11FA27A5AE24}"/>
+              </a:ext>
+            </a:extLst>
+          </p:cNvPr>
+          <p:cNvCxnSpPr>
+            <a:cxnSpLocks/>
+            <a:stCxn id="4" idx="0"/>
+            <a:endCxn id="9" idx="2"/>
+          </p:cNvCxnSpPr>
+          <p:nvPr/>
+        </p:nvCxnSpPr>
+        <p:spPr>
+          <a:xfrm flipV="1">
+            <a:off x="5154637" y="1066800"/>
+            <a:ext cx="478533" cy="685804"/>
+          </a:xfrm>
+          <a:prstGeom prst="straightConnector1">
+            <a:avLst/>
+          </a:prstGeom>
+          <a:ln w="28575">
+            <a:solidFill>
+              <a:schemeClr val="accent5">
+                <a:lumMod val="60000"/>
+                <a:lumOff val="40000"/>
+              </a:schemeClr>
+            </a:solidFill>
+            <a:tailEnd type="triangle"/>
+          </a:ln>
+        </p:spPr>
+        <p:style>
+          <a:lnRef idx="1">
+            <a:schemeClr val="accent1"/>
+          </a:lnRef>
+          <a:fillRef idx="0">
+            <a:schemeClr val="accent1"/>
+          </a:fillRef>
+          <a:effectRef idx="0">
+            <a:schemeClr val="accent1"/>
+          </a:effectRef>
+          <a:fontRef idx="minor">
+            <a:schemeClr val="tx1"/>
+          </a:fontRef>
+        </p:style>
+      </p:cxnSp>
+      <p:cxnSp>
+        <p:nvCxnSpPr>
+          <p:cNvPr id="30" name="Connettore 2 29">
+            <a:extLst>
+              <a:ext uri="{FF2B5EF4-FFF2-40B4-BE49-F238E27FC236}">
+                <a16:creationId xmlns:a16="http://schemas.microsoft.com/office/drawing/2014/main" id="{C884638C-7A1F-2D1C-2738-ABD638341130}"/>
+              </a:ext>
+            </a:extLst>
+          </p:cNvPr>
+          <p:cNvCxnSpPr>
+            <a:cxnSpLocks/>
+            <a:stCxn id="4" idx="0"/>
+            <a:endCxn id="10" idx="2"/>
+          </p:cNvCxnSpPr>
+          <p:nvPr/>
+        </p:nvCxnSpPr>
+        <p:spPr>
+          <a:xfrm flipV="1">
+            <a:off x="5154637" y="1066800"/>
+            <a:ext cx="2507560" cy="685804"/>
+          </a:xfrm>
+          <a:prstGeom prst="straightConnector1">
+            <a:avLst/>
+          </a:prstGeom>
+          <a:ln w="28575">
+            <a:solidFill>
+              <a:schemeClr val="accent5">
+                <a:lumMod val="60000"/>
+                <a:lumOff val="40000"/>
+              </a:schemeClr>
+            </a:solidFill>
+            <a:tailEnd type="triangle"/>
+          </a:ln>
+        </p:spPr>
+        <p:style>
+          <a:lnRef idx="1">
+            <a:schemeClr val="accent1"/>
+          </a:lnRef>
+          <a:fillRef idx="0">
+            <a:schemeClr val="accent1"/>
+          </a:fillRef>
+          <a:effectRef idx="0">
+            <a:schemeClr val="accent1"/>
+          </a:effectRef>
+          <a:fontRef idx="minor">
+            <a:schemeClr val="tx1"/>
+          </a:fontRef>
+        </p:style>
+      </p:cxnSp>
+      <p:cxnSp>
+        <p:nvCxnSpPr>
+          <p:cNvPr id="33" name="Connettore 2 32">
+            <a:extLst>
+              <a:ext uri="{FF2B5EF4-FFF2-40B4-BE49-F238E27FC236}">
+                <a16:creationId xmlns:a16="http://schemas.microsoft.com/office/drawing/2014/main" id="{4EA849A4-7599-76E3-E321-3558E3D629A6}"/>
+              </a:ext>
+            </a:extLst>
+          </p:cNvPr>
+          <p:cNvCxnSpPr>
+            <a:cxnSpLocks/>
+            <a:stCxn id="5" idx="3"/>
+            <a:endCxn id="11" idx="1"/>
+          </p:cNvCxnSpPr>
+          <p:nvPr/>
+        </p:nvCxnSpPr>
+        <p:spPr>
+          <a:xfrm flipV="1">
+            <a:off x="6916381" y="1967601"/>
+            <a:ext cx="2104292" cy="1178173"/>
+          </a:xfrm>
+          <a:prstGeom prst="straightConnector1">
+            <a:avLst/>
+          </a:prstGeom>
+          <a:ln w="28575">
+            <a:solidFill>
+              <a:schemeClr val="accent5">
+                <a:lumMod val="75000"/>
+              </a:schemeClr>
+            </a:solidFill>
+            <a:tailEnd type="triangle"/>
+          </a:ln>
+        </p:spPr>
+        <p:style>
+          <a:lnRef idx="1">
+            <a:schemeClr val="accent1"/>
+          </a:lnRef>
+          <a:fillRef idx="0">
+            <a:schemeClr val="accent1"/>
+          </a:fillRef>
+          <a:effectRef idx="0">
+            <a:schemeClr val="accent1"/>
+          </a:effectRef>
+          <a:fontRef idx="minor">
+            <a:schemeClr val="tx1"/>
+          </a:fontRef>
+        </p:style>
+      </p:cxnSp>
+      <p:cxnSp>
+        <p:nvCxnSpPr>
+          <p:cNvPr id="36" name="Connettore 2 35">
+            <a:extLst>
+              <a:ext uri="{FF2B5EF4-FFF2-40B4-BE49-F238E27FC236}">
+                <a16:creationId xmlns:a16="http://schemas.microsoft.com/office/drawing/2014/main" id="{299B670F-DD98-273D-9492-61B3685EF759}"/>
+              </a:ext>
+            </a:extLst>
+          </p:cNvPr>
+          <p:cNvCxnSpPr>
+            <a:cxnSpLocks/>
+            <a:stCxn id="5" idx="3"/>
+            <a:endCxn id="12" idx="1"/>
+          </p:cNvCxnSpPr>
+          <p:nvPr/>
+        </p:nvCxnSpPr>
+        <p:spPr>
+          <a:xfrm flipV="1">
+            <a:off x="6916381" y="2910137"/>
+            <a:ext cx="2104292" cy="235637"/>
+          </a:xfrm>
+          <a:prstGeom prst="straightConnector1">
+            <a:avLst/>
+          </a:prstGeom>
+          <a:ln w="28575">
+            <a:solidFill>
+              <a:schemeClr val="accent5">
+                <a:lumMod val="75000"/>
+              </a:schemeClr>
+            </a:solidFill>
+            <a:tailEnd type="triangle"/>
+          </a:ln>
+        </p:spPr>
+        <p:style>
+          <a:lnRef idx="1">
+            <a:schemeClr val="accent1"/>
+          </a:lnRef>
+          <a:fillRef idx="0">
+            <a:schemeClr val="accent1"/>
+          </a:fillRef>
+          <a:effectRef idx="0">
+            <a:schemeClr val="accent1"/>
+          </a:effectRef>
+          <a:fontRef idx="minor">
+            <a:schemeClr val="tx1"/>
+          </a:fontRef>
+        </p:style>
+      </p:cxnSp>
+      <p:cxnSp>
+        <p:nvCxnSpPr>
+          <p:cNvPr id="41" name="Connettore 2 40">
+            <a:extLst>
+              <a:ext uri="{FF2B5EF4-FFF2-40B4-BE49-F238E27FC236}">
+                <a16:creationId xmlns:a16="http://schemas.microsoft.com/office/drawing/2014/main" id="{9EFB24F2-8806-41AA-B1E8-1324F70267CB}"/>
+              </a:ext>
+            </a:extLst>
+          </p:cNvPr>
+          <p:cNvCxnSpPr>
+            <a:cxnSpLocks/>
+            <a:stCxn id="5" idx="3"/>
+            <a:endCxn id="13" idx="1"/>
+          </p:cNvCxnSpPr>
+          <p:nvPr/>
+        </p:nvCxnSpPr>
         <p:spPr>
           <a:xfrm>
-            <a:off x="7790688" y="170164"/>
-            <a:ext cx="3523488" cy="369332"/>
-          </a:xfrm>
-          <a:prstGeom prst="rect">
+            <a:off x="6916381" y="3145774"/>
+            <a:ext cx="2104292" cy="706899"/>
+          </a:xfrm>
+          <a:prstGeom prst="straightConnector1">
             <a:avLst/>
           </a:prstGeom>
-          <a:noFill/>
-        </p:spPr>
-        <p:txBody>
-          <a:bodyPr wrap="square" rtlCol="0">
-            <a:spAutoFit/>
-          </a:bodyPr>
-          <a:lstStyle/>
-          <a:p>
-            <a:pPr algn="ctr"/>
-            <a:r>
-              <a:rPr lang="fr-FR" dirty="0"/>
-              <a:t>Challenges</a:t>
-            </a:r>
-          </a:p>
-        </p:txBody>
-      </p:sp>
-      <p:sp>
-        <p:nvSpPr>
-          <p:cNvPr id="22" name="ZoneTexte 21">
-            <a:extLst>
-              <a:ext uri="{FF2B5EF4-FFF2-40B4-BE49-F238E27FC236}">
-                <a16:creationId xmlns:a16="http://schemas.microsoft.com/office/drawing/2014/main" id="{C5B3FA71-AD50-EB99-F954-10DC8E303615}"/>
-              </a:ext>
-            </a:extLst>
-          </p:cNvPr>
-          <p:cNvSpPr txBox="1"/>
-          <p:nvPr/>
-        </p:nvSpPr>
+          <a:ln w="28575">
+            <a:solidFill>
+              <a:schemeClr val="accent5">
+                <a:lumMod val="75000"/>
+              </a:schemeClr>
+            </a:solidFill>
+            <a:tailEnd type="triangle"/>
+          </a:ln>
+        </p:spPr>
+        <p:style>
+          <a:lnRef idx="1">
+            <a:schemeClr val="accent1"/>
+          </a:lnRef>
+          <a:fillRef idx="0">
+            <a:schemeClr val="accent1"/>
+          </a:fillRef>
+          <a:effectRef idx="0">
+            <a:schemeClr val="accent1"/>
+          </a:effectRef>
+          <a:fontRef idx="minor">
+            <a:schemeClr val="tx1"/>
+          </a:fontRef>
+        </p:style>
+      </p:cxnSp>
+      <p:cxnSp>
+        <p:nvCxnSpPr>
+          <p:cNvPr id="44" name="Connettore 2 43">
+            <a:extLst>
+              <a:ext uri="{FF2B5EF4-FFF2-40B4-BE49-F238E27FC236}">
+                <a16:creationId xmlns:a16="http://schemas.microsoft.com/office/drawing/2014/main" id="{A560BD77-2C9D-AEDA-0121-403B33DDD621}"/>
+              </a:ext>
+            </a:extLst>
+          </p:cNvPr>
+          <p:cNvCxnSpPr>
+            <a:cxnSpLocks/>
+            <a:stCxn id="5" idx="3"/>
+            <a:endCxn id="14" idx="1"/>
+          </p:cNvCxnSpPr>
+          <p:nvPr/>
+        </p:nvCxnSpPr>
         <p:spPr>
           <a:xfrm>
-            <a:off x="11625072" y="170164"/>
-            <a:ext cx="3523488" cy="369332"/>
-          </a:xfrm>
-          <a:prstGeom prst="rect">
+            <a:off x="6916381" y="3145774"/>
+            <a:ext cx="2104292" cy="1641227"/>
+          </a:xfrm>
+          <a:prstGeom prst="straightConnector1">
             <a:avLst/>
           </a:prstGeom>
-          <a:noFill/>
-        </p:spPr>
-        <p:txBody>
-          <a:bodyPr wrap="square" rtlCol="0">
-            <a:spAutoFit/>
-          </a:bodyPr>
-          <a:lstStyle/>
-          <a:p>
-            <a:pPr algn="ctr"/>
-            <a:r>
-              <a:rPr lang="fr-FR" dirty="0" err="1"/>
-              <a:t>Potential</a:t>
-            </a:r>
-            <a:r>
-              <a:rPr lang="fr-FR" dirty="0"/>
-              <a:t> solutions</a:t>
-            </a:r>
-          </a:p>
-        </p:txBody>
-      </p:sp>
+          <a:ln w="28575">
+            <a:solidFill>
+              <a:schemeClr val="accent5">
+                <a:lumMod val="75000"/>
+              </a:schemeClr>
+            </a:solidFill>
+            <a:tailEnd type="triangle"/>
+          </a:ln>
+        </p:spPr>
+        <p:style>
+          <a:lnRef idx="1">
+            <a:schemeClr val="accent1"/>
+          </a:lnRef>
+          <a:fillRef idx="0">
+            <a:schemeClr val="accent1"/>
+          </a:fillRef>
+          <a:effectRef idx="0">
+            <a:schemeClr val="accent1"/>
+          </a:effectRef>
+          <a:fontRef idx="minor">
+            <a:schemeClr val="tx1"/>
+          </a:fontRef>
+        </p:style>
+      </p:cxnSp>
+      <p:cxnSp>
+        <p:nvCxnSpPr>
+          <p:cNvPr id="47" name="Connettore 2 46">
+            <a:extLst>
+              <a:ext uri="{FF2B5EF4-FFF2-40B4-BE49-F238E27FC236}">
+                <a16:creationId xmlns:a16="http://schemas.microsoft.com/office/drawing/2014/main" id="{C4C1B79A-ADDA-8202-A380-DA591D4A54D2}"/>
+              </a:ext>
+            </a:extLst>
+          </p:cNvPr>
+          <p:cNvCxnSpPr>
+            <a:cxnSpLocks/>
+            <a:stCxn id="6" idx="2"/>
+            <a:endCxn id="18" idx="0"/>
+          </p:cNvCxnSpPr>
+          <p:nvPr/>
+        </p:nvCxnSpPr>
+        <p:spPr>
+          <a:xfrm>
+            <a:off x="5154637" y="4572004"/>
+            <a:ext cx="2507560" cy="701505"/>
+          </a:xfrm>
+          <a:prstGeom prst="straightConnector1">
+            <a:avLst/>
+          </a:prstGeom>
+          <a:ln w="28575">
+            <a:solidFill>
+              <a:srgbClr val="002060"/>
+            </a:solidFill>
+            <a:tailEnd type="triangle"/>
+          </a:ln>
+        </p:spPr>
+        <p:style>
+          <a:lnRef idx="1">
+            <a:schemeClr val="accent1"/>
+          </a:lnRef>
+          <a:fillRef idx="0">
+            <a:schemeClr val="accent1"/>
+          </a:fillRef>
+          <a:effectRef idx="0">
+            <a:schemeClr val="accent1"/>
+          </a:effectRef>
+          <a:fontRef idx="minor">
+            <a:schemeClr val="tx1"/>
+          </a:fontRef>
+        </p:style>
+      </p:cxnSp>
+      <p:cxnSp>
+        <p:nvCxnSpPr>
+          <p:cNvPr id="51" name="Connettore 2 50">
+            <a:extLst>
+              <a:ext uri="{FF2B5EF4-FFF2-40B4-BE49-F238E27FC236}">
+                <a16:creationId xmlns:a16="http://schemas.microsoft.com/office/drawing/2014/main" id="{0732D437-821A-2A78-D19F-4A895D07D9EA}"/>
+              </a:ext>
+            </a:extLst>
+          </p:cNvPr>
+          <p:cNvCxnSpPr>
+            <a:cxnSpLocks/>
+            <a:stCxn id="6" idx="2"/>
+            <a:endCxn id="17" idx="0"/>
+          </p:cNvCxnSpPr>
+          <p:nvPr/>
+        </p:nvCxnSpPr>
+        <p:spPr>
+          <a:xfrm>
+            <a:off x="5154637" y="4572004"/>
+            <a:ext cx="478533" cy="701505"/>
+          </a:xfrm>
+          <a:prstGeom prst="straightConnector1">
+            <a:avLst/>
+          </a:prstGeom>
+          <a:ln w="28575">
+            <a:solidFill>
+              <a:srgbClr val="002060"/>
+            </a:solidFill>
+            <a:tailEnd type="triangle"/>
+          </a:ln>
+        </p:spPr>
+        <p:style>
+          <a:lnRef idx="1">
+            <a:schemeClr val="accent1"/>
+          </a:lnRef>
+          <a:fillRef idx="0">
+            <a:schemeClr val="accent1"/>
+          </a:fillRef>
+          <a:effectRef idx="0">
+            <a:schemeClr val="accent1"/>
+          </a:effectRef>
+          <a:fontRef idx="minor">
+            <a:schemeClr val="tx1"/>
+          </a:fontRef>
+        </p:style>
+      </p:cxnSp>
+      <p:cxnSp>
+        <p:nvCxnSpPr>
+          <p:cNvPr id="54" name="Connettore 2 53">
+            <a:extLst>
+              <a:ext uri="{FF2B5EF4-FFF2-40B4-BE49-F238E27FC236}">
+                <a16:creationId xmlns:a16="http://schemas.microsoft.com/office/drawing/2014/main" id="{6A075A48-7824-2B6A-0F55-499C4B398000}"/>
+              </a:ext>
+            </a:extLst>
+          </p:cNvPr>
+          <p:cNvCxnSpPr>
+            <a:cxnSpLocks/>
+            <a:stCxn id="6" idx="2"/>
+            <a:endCxn id="16" idx="0"/>
+          </p:cNvCxnSpPr>
+          <p:nvPr/>
+        </p:nvCxnSpPr>
+        <p:spPr>
+          <a:xfrm flipH="1">
+            <a:off x="3516454" y="4572004"/>
+            <a:ext cx="1638183" cy="701505"/>
+          </a:xfrm>
+          <a:prstGeom prst="straightConnector1">
+            <a:avLst/>
+          </a:prstGeom>
+          <a:ln w="28575">
+            <a:solidFill>
+              <a:srgbClr val="002060"/>
+            </a:solidFill>
+            <a:tailEnd type="triangle"/>
+          </a:ln>
+        </p:spPr>
+        <p:style>
+          <a:lnRef idx="1">
+            <a:schemeClr val="accent1"/>
+          </a:lnRef>
+          <a:fillRef idx="0">
+            <a:schemeClr val="accent1"/>
+          </a:fillRef>
+          <a:effectRef idx="0">
+            <a:schemeClr val="accent1"/>
+          </a:effectRef>
+          <a:fontRef idx="minor">
+            <a:schemeClr val="tx1"/>
+          </a:fontRef>
+        </p:style>
+      </p:cxnSp>
+      <p:cxnSp>
+        <p:nvCxnSpPr>
+          <p:cNvPr id="57" name="Connettore 2 56">
+            <a:extLst>
+              <a:ext uri="{FF2B5EF4-FFF2-40B4-BE49-F238E27FC236}">
+                <a16:creationId xmlns:a16="http://schemas.microsoft.com/office/drawing/2014/main" id="{E5F2C5D2-0B83-4BBE-D813-18E399D3C39D}"/>
+              </a:ext>
+            </a:extLst>
+          </p:cNvPr>
+          <p:cNvCxnSpPr>
+            <a:cxnSpLocks/>
+            <a:stCxn id="6" idx="2"/>
+            <a:endCxn id="15" idx="0"/>
+          </p:cNvCxnSpPr>
+          <p:nvPr/>
+        </p:nvCxnSpPr>
+        <p:spPr>
+          <a:xfrm flipH="1">
+            <a:off x="1412162" y="4572004"/>
+            <a:ext cx="3742475" cy="701505"/>
+          </a:xfrm>
+          <a:prstGeom prst="straightConnector1">
+            <a:avLst/>
+          </a:prstGeom>
+          <a:ln w="28575">
+            <a:solidFill>
+              <a:srgbClr val="002060"/>
+            </a:solidFill>
+            <a:tailEnd type="triangle"/>
+          </a:ln>
+        </p:spPr>
+        <p:style>
+          <a:lnRef idx="1">
+            <a:schemeClr val="accent1"/>
+          </a:lnRef>
+          <a:fillRef idx="0">
+            <a:schemeClr val="accent1"/>
+          </a:fillRef>
+          <a:effectRef idx="0">
+            <a:schemeClr val="accent1"/>
+          </a:effectRef>
+          <a:fontRef idx="minor">
+            <a:schemeClr val="tx1"/>
+          </a:fontRef>
+        </p:style>
+      </p:cxnSp>
     </p:spTree>
     <p:extLst>
       <p:ext uri="{BB962C8B-B14F-4D97-AF65-F5344CB8AC3E}">
-        <p14:creationId xmlns:p14="http://schemas.microsoft.com/office/powerpoint/2010/main" val="2440024735"/>
+        <p14:creationId xmlns:p14="http://schemas.microsoft.com/office/powerpoint/2010/main" val="1393378845"/>
       </p:ext>
     </p:extLst>
   </p:cSld>
@@ -21801,6 +23921,1360 @@
           <p:cNvPr id="2" name="Rectangle : coins arrondis 1">
             <a:extLst>
               <a:ext uri="{FF2B5EF4-FFF2-40B4-BE49-F238E27FC236}">
+                <a16:creationId xmlns:a16="http://schemas.microsoft.com/office/drawing/2014/main" id="{586AA70F-9768-0E74-EB5F-E963EE476133}"/>
+              </a:ext>
+            </a:extLst>
+          </p:cNvPr>
+          <p:cNvSpPr/>
+          <p:nvPr/>
+        </p:nvSpPr>
+        <p:spPr>
+          <a:xfrm>
+            <a:off x="280416" y="609600"/>
+            <a:ext cx="3523488" cy="816864"/>
+          </a:xfrm>
+          <a:prstGeom prst="roundRect">
+            <a:avLst/>
+          </a:prstGeom>
+          <a:solidFill>
+            <a:schemeClr val="accent2">
+              <a:lumMod val="75000"/>
+            </a:schemeClr>
+          </a:solidFill>
+        </p:spPr>
+        <p:style>
+          <a:lnRef idx="2">
+            <a:schemeClr val="accent1">
+              <a:shade val="15000"/>
+            </a:schemeClr>
+          </a:lnRef>
+          <a:fillRef idx="1">
+            <a:schemeClr val="accent1"/>
+          </a:fillRef>
+          <a:effectRef idx="0">
+            <a:schemeClr val="accent1"/>
+          </a:effectRef>
+          <a:fontRef idx="minor">
+            <a:schemeClr val="lt1"/>
+          </a:fontRef>
+        </p:style>
+        <p:txBody>
+          <a:bodyPr rtlCol="0" anchor="ctr"/>
+          <a:lstStyle/>
+          <a:p>
+            <a:pPr algn="ctr"/>
+            <a:r>
+              <a:rPr lang="fr-FR" dirty="0"/>
+              <a:t>Poor data, </a:t>
+            </a:r>
+            <a:r>
+              <a:rPr lang="fr-FR" dirty="0" err="1"/>
+              <a:t>poor</a:t>
+            </a:r>
+            <a:r>
+              <a:rPr lang="fr-FR" dirty="0"/>
+              <a:t> model performances</a:t>
+            </a:r>
+          </a:p>
+        </p:txBody>
+      </p:sp>
+      <p:sp>
+        <p:nvSpPr>
+          <p:cNvPr id="3" name="Rectangle : coins arrondis 2">
+            <a:extLst>
+              <a:ext uri="{FF2B5EF4-FFF2-40B4-BE49-F238E27FC236}">
+                <a16:creationId xmlns:a16="http://schemas.microsoft.com/office/drawing/2014/main" id="{298E80EE-E5AA-4176-67A4-D1B809670101}"/>
+              </a:ext>
+            </a:extLst>
+          </p:cNvPr>
+          <p:cNvSpPr/>
+          <p:nvPr/>
+        </p:nvSpPr>
+        <p:spPr>
+          <a:xfrm>
+            <a:off x="4108704" y="609600"/>
+            <a:ext cx="3523488" cy="816864"/>
+          </a:xfrm>
+          <a:prstGeom prst="roundRect">
+            <a:avLst/>
+          </a:prstGeom>
+          <a:solidFill>
+            <a:schemeClr val="accent6">
+              <a:lumMod val="75000"/>
+            </a:schemeClr>
+          </a:solidFill>
+        </p:spPr>
+        <p:style>
+          <a:lnRef idx="2">
+            <a:schemeClr val="accent1">
+              <a:shade val="15000"/>
+            </a:schemeClr>
+          </a:lnRef>
+          <a:fillRef idx="1">
+            <a:schemeClr val="accent1"/>
+          </a:fillRef>
+          <a:effectRef idx="0">
+            <a:schemeClr val="accent1"/>
+          </a:effectRef>
+          <a:fontRef idx="minor">
+            <a:schemeClr val="lt1"/>
+          </a:fontRef>
+        </p:style>
+        <p:txBody>
+          <a:bodyPr rtlCol="0" anchor="ctr"/>
+          <a:lstStyle/>
+          <a:p>
+            <a:pPr algn="ctr"/>
+            <a:r>
+              <a:rPr lang="fr-FR" dirty="0"/>
+              <a:t>Data inspection and </a:t>
+            </a:r>
+            <a:r>
+              <a:rPr lang="fr-FR" dirty="0" err="1"/>
+              <a:t>cleaning</a:t>
+            </a:r>
+            <a:r>
+              <a:rPr lang="fr-FR" dirty="0"/>
+              <a:t>, </a:t>
+            </a:r>
+            <a:r>
+              <a:rPr lang="fr-FR" dirty="0" err="1"/>
+              <a:t>optimize</a:t>
+            </a:r>
+            <a:r>
+              <a:rPr lang="fr-FR" dirty="0"/>
+              <a:t> the model</a:t>
+            </a:r>
+          </a:p>
+        </p:txBody>
+      </p:sp>
+      <p:sp>
+        <p:nvSpPr>
+          <p:cNvPr id="4" name="ZoneTexte 3">
+            <a:extLst>
+              <a:ext uri="{FF2B5EF4-FFF2-40B4-BE49-F238E27FC236}">
+                <a16:creationId xmlns:a16="http://schemas.microsoft.com/office/drawing/2014/main" id="{827F7FB7-DE97-63DD-2847-5C0DCE716B07}"/>
+              </a:ext>
+            </a:extLst>
+          </p:cNvPr>
+          <p:cNvSpPr txBox="1"/>
+          <p:nvPr/>
+        </p:nvSpPr>
+        <p:spPr>
+          <a:xfrm>
+            <a:off x="280416" y="195072"/>
+            <a:ext cx="3523488" cy="369332"/>
+          </a:xfrm>
+          <a:prstGeom prst="rect">
+            <a:avLst/>
+          </a:prstGeom>
+          <a:noFill/>
+        </p:spPr>
+        <p:txBody>
+          <a:bodyPr wrap="square" rtlCol="0">
+            <a:spAutoFit/>
+          </a:bodyPr>
+          <a:lstStyle/>
+          <a:p>
+            <a:pPr algn="ctr"/>
+            <a:r>
+              <a:rPr lang="fr-FR" dirty="0"/>
+              <a:t>Challenges</a:t>
+            </a:r>
+          </a:p>
+        </p:txBody>
+      </p:sp>
+      <p:sp>
+        <p:nvSpPr>
+          <p:cNvPr id="5" name="ZoneTexte 4">
+            <a:extLst>
+              <a:ext uri="{FF2B5EF4-FFF2-40B4-BE49-F238E27FC236}">
+                <a16:creationId xmlns:a16="http://schemas.microsoft.com/office/drawing/2014/main" id="{CE1E73CD-6C92-A0F9-B0A0-E9DAF477718B}"/>
+              </a:ext>
+            </a:extLst>
+          </p:cNvPr>
+          <p:cNvSpPr txBox="1"/>
+          <p:nvPr/>
+        </p:nvSpPr>
+        <p:spPr>
+          <a:xfrm>
+            <a:off x="4114800" y="195072"/>
+            <a:ext cx="3523488" cy="369332"/>
+          </a:xfrm>
+          <a:prstGeom prst="rect">
+            <a:avLst/>
+          </a:prstGeom>
+          <a:noFill/>
+        </p:spPr>
+        <p:txBody>
+          <a:bodyPr wrap="square" rtlCol="0">
+            <a:spAutoFit/>
+          </a:bodyPr>
+          <a:lstStyle/>
+          <a:p>
+            <a:pPr algn="ctr"/>
+            <a:r>
+              <a:rPr lang="fr-FR" dirty="0" err="1"/>
+              <a:t>Potential</a:t>
+            </a:r>
+            <a:r>
+              <a:rPr lang="fr-FR" dirty="0"/>
+              <a:t> solutions</a:t>
+            </a:r>
+          </a:p>
+        </p:txBody>
+      </p:sp>
+      <p:sp>
+        <p:nvSpPr>
+          <p:cNvPr id="6" name="Rectangle : coins arrondis 5">
+            <a:extLst>
+              <a:ext uri="{FF2B5EF4-FFF2-40B4-BE49-F238E27FC236}">
+                <a16:creationId xmlns:a16="http://schemas.microsoft.com/office/drawing/2014/main" id="{98ECDCFD-5265-5A4A-75A0-21A7731328FE}"/>
+              </a:ext>
+            </a:extLst>
+          </p:cNvPr>
+          <p:cNvSpPr/>
+          <p:nvPr/>
+        </p:nvSpPr>
+        <p:spPr>
+          <a:xfrm>
+            <a:off x="280416" y="1566672"/>
+            <a:ext cx="3523488" cy="816864"/>
+          </a:xfrm>
+          <a:prstGeom prst="roundRect">
+            <a:avLst/>
+          </a:prstGeom>
+          <a:solidFill>
+            <a:schemeClr val="accent2">
+              <a:lumMod val="75000"/>
+            </a:schemeClr>
+          </a:solidFill>
+        </p:spPr>
+        <p:style>
+          <a:lnRef idx="2">
+            <a:schemeClr val="accent1">
+              <a:shade val="15000"/>
+            </a:schemeClr>
+          </a:lnRef>
+          <a:fillRef idx="1">
+            <a:schemeClr val="accent1"/>
+          </a:fillRef>
+          <a:effectRef idx="0">
+            <a:schemeClr val="accent1"/>
+          </a:effectRef>
+          <a:fontRef idx="minor">
+            <a:schemeClr val="lt1"/>
+          </a:fontRef>
+        </p:style>
+        <p:txBody>
+          <a:bodyPr rtlCol="0" anchor="ctr"/>
+          <a:lstStyle/>
+          <a:p>
+            <a:pPr algn="ctr"/>
+            <a:r>
+              <a:rPr lang="fr-FR" dirty="0" err="1"/>
+              <a:t>Lack</a:t>
+            </a:r>
+            <a:r>
+              <a:rPr lang="fr-FR" dirty="0"/>
+              <a:t> of </a:t>
+            </a:r>
+            <a:r>
+              <a:rPr lang="en-US" dirty="0"/>
+              <a:t>quantification of the explanation’s uncertainty</a:t>
+            </a:r>
+            <a:endParaRPr lang="fr-FR" dirty="0"/>
+          </a:p>
+        </p:txBody>
+      </p:sp>
+      <p:sp>
+        <p:nvSpPr>
+          <p:cNvPr id="7" name="Rectangle : coins arrondis 6">
+            <a:extLst>
+              <a:ext uri="{FF2B5EF4-FFF2-40B4-BE49-F238E27FC236}">
+                <a16:creationId xmlns:a16="http://schemas.microsoft.com/office/drawing/2014/main" id="{AA26C58E-2274-98F0-5BED-9AAC9B97F4F6}"/>
+              </a:ext>
+            </a:extLst>
+          </p:cNvPr>
+          <p:cNvSpPr/>
+          <p:nvPr/>
+        </p:nvSpPr>
+        <p:spPr>
+          <a:xfrm>
+            <a:off x="4108704" y="1566672"/>
+            <a:ext cx="3523488" cy="816864"/>
+          </a:xfrm>
+          <a:prstGeom prst="roundRect">
+            <a:avLst/>
+          </a:prstGeom>
+          <a:solidFill>
+            <a:schemeClr val="accent6">
+              <a:lumMod val="75000"/>
+            </a:schemeClr>
+          </a:solidFill>
+        </p:spPr>
+        <p:style>
+          <a:lnRef idx="2">
+            <a:schemeClr val="accent1">
+              <a:shade val="15000"/>
+            </a:schemeClr>
+          </a:lnRef>
+          <a:fillRef idx="1">
+            <a:schemeClr val="accent1"/>
+          </a:fillRef>
+          <a:effectRef idx="0">
+            <a:schemeClr val="accent1"/>
+          </a:effectRef>
+          <a:fontRef idx="minor">
+            <a:schemeClr val="lt1"/>
+          </a:fontRef>
+        </p:style>
+        <p:txBody>
+          <a:bodyPr rtlCol="0" anchor="ctr"/>
+          <a:lstStyle/>
+          <a:p>
+            <a:pPr algn="ctr"/>
+            <a:r>
+              <a:rPr lang="fr-FR" dirty="0"/>
+              <a:t>Methods to </a:t>
+            </a:r>
+            <a:r>
+              <a:rPr lang="fr-FR" dirty="0" err="1"/>
+              <a:t>quantify</a:t>
+            </a:r>
+            <a:r>
+              <a:rPr lang="fr-FR" dirty="0"/>
+              <a:t> </a:t>
+            </a:r>
+            <a:r>
+              <a:rPr lang="fr-FR" dirty="0" err="1"/>
+              <a:t>uncertainty</a:t>
+            </a:r>
+            <a:r>
+              <a:rPr lang="fr-FR" dirty="0"/>
+              <a:t> in XAI </a:t>
+            </a:r>
+            <a:r>
+              <a:rPr lang="fr-FR" dirty="0" err="1"/>
+              <a:t>methods</a:t>
+            </a:r>
+            <a:endParaRPr lang="fr-FR" dirty="0"/>
+          </a:p>
+        </p:txBody>
+      </p:sp>
+      <p:sp>
+        <p:nvSpPr>
+          <p:cNvPr id="9" name="Rectangle : coins arrondis 8">
+            <a:extLst>
+              <a:ext uri="{FF2B5EF4-FFF2-40B4-BE49-F238E27FC236}">
+                <a16:creationId xmlns:a16="http://schemas.microsoft.com/office/drawing/2014/main" id="{5496CE66-FD6B-32C5-B0F0-303DE7921BE9}"/>
+              </a:ext>
+            </a:extLst>
+          </p:cNvPr>
+          <p:cNvSpPr/>
+          <p:nvPr/>
+        </p:nvSpPr>
+        <p:spPr>
+          <a:xfrm>
+            <a:off x="280416" y="2523744"/>
+            <a:ext cx="3523488" cy="816864"/>
+          </a:xfrm>
+          <a:prstGeom prst="roundRect">
+            <a:avLst/>
+          </a:prstGeom>
+          <a:solidFill>
+            <a:schemeClr val="accent2">
+              <a:lumMod val="75000"/>
+            </a:schemeClr>
+          </a:solidFill>
+        </p:spPr>
+        <p:style>
+          <a:lnRef idx="2">
+            <a:schemeClr val="accent1">
+              <a:shade val="15000"/>
+            </a:schemeClr>
+          </a:lnRef>
+          <a:fillRef idx="1">
+            <a:schemeClr val="accent1"/>
+          </a:fillRef>
+          <a:effectRef idx="0">
+            <a:schemeClr val="accent1"/>
+          </a:effectRef>
+          <a:fontRef idx="minor">
+            <a:schemeClr val="lt1"/>
+          </a:fontRef>
+        </p:style>
+        <p:txBody>
+          <a:bodyPr rtlCol="0" anchor="ctr"/>
+          <a:lstStyle/>
+          <a:p>
+            <a:pPr algn="ctr"/>
+            <a:r>
+              <a:rPr lang="fr-FR" dirty="0" err="1"/>
+              <a:t>Lack</a:t>
+            </a:r>
+            <a:r>
+              <a:rPr lang="fr-FR" dirty="0"/>
+              <a:t> of </a:t>
+            </a:r>
+            <a:r>
+              <a:rPr lang="fr-FR" dirty="0" err="1"/>
+              <a:t>clarity</a:t>
+            </a:r>
+            <a:r>
+              <a:rPr lang="fr-FR" dirty="0"/>
+              <a:t> and </a:t>
+            </a:r>
+            <a:r>
+              <a:rPr lang="fr-FR" dirty="0" err="1"/>
+              <a:t>complexity</a:t>
+            </a:r>
+            <a:r>
+              <a:rPr lang="fr-FR" dirty="0"/>
+              <a:t> of the </a:t>
+            </a:r>
+            <a:r>
+              <a:rPr lang="fr-FR" dirty="0" err="1"/>
+              <a:t>explanation</a:t>
+            </a:r>
+            <a:r>
+              <a:rPr lang="fr-FR" dirty="0"/>
+              <a:t> </a:t>
+            </a:r>
+          </a:p>
+        </p:txBody>
+      </p:sp>
+      <p:sp>
+        <p:nvSpPr>
+          <p:cNvPr id="10" name="Rectangle : coins arrondis 9">
+            <a:extLst>
+              <a:ext uri="{FF2B5EF4-FFF2-40B4-BE49-F238E27FC236}">
+                <a16:creationId xmlns:a16="http://schemas.microsoft.com/office/drawing/2014/main" id="{584967BE-4FCA-84F1-4BAD-E2A14AB20CA8}"/>
+              </a:ext>
+            </a:extLst>
+          </p:cNvPr>
+          <p:cNvSpPr/>
+          <p:nvPr/>
+        </p:nvSpPr>
+        <p:spPr>
+          <a:xfrm>
+            <a:off x="4108704" y="2523744"/>
+            <a:ext cx="3523488" cy="816864"/>
+          </a:xfrm>
+          <a:prstGeom prst="roundRect">
+            <a:avLst/>
+          </a:prstGeom>
+          <a:solidFill>
+            <a:schemeClr val="accent6">
+              <a:lumMod val="75000"/>
+            </a:schemeClr>
+          </a:solidFill>
+        </p:spPr>
+        <p:style>
+          <a:lnRef idx="2">
+            <a:schemeClr val="accent1">
+              <a:shade val="15000"/>
+            </a:schemeClr>
+          </a:lnRef>
+          <a:fillRef idx="1">
+            <a:schemeClr val="accent1"/>
+          </a:fillRef>
+          <a:effectRef idx="0">
+            <a:schemeClr val="accent1"/>
+          </a:effectRef>
+          <a:fontRef idx="minor">
+            <a:schemeClr val="lt1"/>
+          </a:fontRef>
+        </p:style>
+        <p:txBody>
+          <a:bodyPr rtlCol="0" anchor="ctr"/>
+          <a:lstStyle/>
+          <a:p>
+            <a:pPr algn="ctr"/>
+            <a:r>
+              <a:rPr lang="fr-FR" dirty="0"/>
+              <a:t>Human </a:t>
+            </a:r>
+            <a:r>
+              <a:rPr lang="fr-FR" dirty="0" err="1"/>
+              <a:t>readable</a:t>
+            </a:r>
+            <a:r>
+              <a:rPr lang="fr-FR" dirty="0"/>
+              <a:t> </a:t>
+            </a:r>
+            <a:r>
+              <a:rPr lang="fr-FR" dirty="0" err="1"/>
+              <a:t>explanation</a:t>
+            </a:r>
+            <a:r>
+              <a:rPr lang="fr-FR" dirty="0"/>
+              <a:t>, final user </a:t>
+            </a:r>
+            <a:r>
+              <a:rPr lang="fr-FR" dirty="0" err="1"/>
+              <a:t>involved</a:t>
+            </a:r>
+            <a:r>
+              <a:rPr lang="fr-FR" dirty="0"/>
+              <a:t> in system design</a:t>
+            </a:r>
+          </a:p>
+        </p:txBody>
+      </p:sp>
+      <p:sp>
+        <p:nvSpPr>
+          <p:cNvPr id="11" name="Rectangle : coins arrondis 10">
+            <a:extLst>
+              <a:ext uri="{FF2B5EF4-FFF2-40B4-BE49-F238E27FC236}">
+                <a16:creationId xmlns:a16="http://schemas.microsoft.com/office/drawing/2014/main" id="{B7439B2F-8624-A322-C1F3-8DD097A5D44B}"/>
+              </a:ext>
+            </a:extLst>
+          </p:cNvPr>
+          <p:cNvSpPr/>
+          <p:nvPr/>
+        </p:nvSpPr>
+        <p:spPr>
+          <a:xfrm>
+            <a:off x="280416" y="3480816"/>
+            <a:ext cx="3523488" cy="816864"/>
+          </a:xfrm>
+          <a:prstGeom prst="roundRect">
+            <a:avLst/>
+          </a:prstGeom>
+          <a:solidFill>
+            <a:schemeClr val="accent2">
+              <a:lumMod val="75000"/>
+            </a:schemeClr>
+          </a:solidFill>
+        </p:spPr>
+        <p:style>
+          <a:lnRef idx="2">
+            <a:schemeClr val="accent1">
+              <a:shade val="15000"/>
+            </a:schemeClr>
+          </a:lnRef>
+          <a:fillRef idx="1">
+            <a:schemeClr val="accent1"/>
+          </a:fillRef>
+          <a:effectRef idx="0">
+            <a:schemeClr val="accent1"/>
+          </a:effectRef>
+          <a:fontRef idx="minor">
+            <a:schemeClr val="lt1"/>
+          </a:fontRef>
+        </p:style>
+        <p:txBody>
+          <a:bodyPr rtlCol="0" anchor="ctr"/>
+          <a:lstStyle/>
+          <a:p>
+            <a:pPr algn="ctr"/>
+            <a:r>
+              <a:rPr lang="fr-FR" dirty="0"/>
+              <a:t>Performance/</a:t>
+            </a:r>
+            <a:r>
+              <a:rPr lang="fr-FR" dirty="0" err="1"/>
+              <a:t>Interpretability</a:t>
+            </a:r>
+            <a:r>
+              <a:rPr lang="fr-FR" dirty="0"/>
+              <a:t>  </a:t>
+            </a:r>
+            <a:r>
+              <a:rPr lang="fr-FR" dirty="0" err="1"/>
+              <a:t>trade</a:t>
+            </a:r>
+            <a:r>
+              <a:rPr lang="fr-FR" dirty="0"/>
+              <a:t>-off</a:t>
+            </a:r>
+          </a:p>
+        </p:txBody>
+      </p:sp>
+      <p:sp>
+        <p:nvSpPr>
+          <p:cNvPr id="12" name="Rectangle : coins arrondis 11">
+            <a:extLst>
+              <a:ext uri="{FF2B5EF4-FFF2-40B4-BE49-F238E27FC236}">
+                <a16:creationId xmlns:a16="http://schemas.microsoft.com/office/drawing/2014/main" id="{FBD33F80-2C0B-1C53-C4DA-40632DCEB87D}"/>
+              </a:ext>
+            </a:extLst>
+          </p:cNvPr>
+          <p:cNvSpPr/>
+          <p:nvPr/>
+        </p:nvSpPr>
+        <p:spPr>
+          <a:xfrm>
+            <a:off x="4108704" y="3480816"/>
+            <a:ext cx="3523488" cy="816864"/>
+          </a:xfrm>
+          <a:prstGeom prst="roundRect">
+            <a:avLst/>
+          </a:prstGeom>
+          <a:solidFill>
+            <a:schemeClr val="accent6">
+              <a:lumMod val="75000"/>
+            </a:schemeClr>
+          </a:solidFill>
+        </p:spPr>
+        <p:style>
+          <a:lnRef idx="2">
+            <a:schemeClr val="accent1">
+              <a:shade val="15000"/>
+            </a:schemeClr>
+          </a:lnRef>
+          <a:fillRef idx="1">
+            <a:schemeClr val="accent1"/>
+          </a:fillRef>
+          <a:effectRef idx="0">
+            <a:schemeClr val="accent1"/>
+          </a:effectRef>
+          <a:fontRef idx="minor">
+            <a:schemeClr val="lt1"/>
+          </a:fontRef>
+        </p:style>
+        <p:txBody>
+          <a:bodyPr rtlCol="0" anchor="ctr"/>
+          <a:lstStyle/>
+          <a:p>
+            <a:pPr algn="ctr"/>
+            <a:r>
+              <a:rPr lang="fr-FR" dirty="0" err="1"/>
+              <a:t>Explainability</a:t>
+            </a:r>
+            <a:r>
+              <a:rPr lang="fr-FR" dirty="0"/>
+              <a:t> </a:t>
+            </a:r>
+            <a:r>
+              <a:rPr lang="fr-FR" dirty="0" err="1"/>
+              <a:t>metrics</a:t>
+            </a:r>
+            <a:r>
+              <a:rPr lang="fr-FR" dirty="0"/>
+              <a:t>, </a:t>
+            </a:r>
+            <a:r>
+              <a:rPr lang="fr-FR" dirty="0" err="1"/>
+              <a:t>combining</a:t>
+            </a:r>
+            <a:r>
+              <a:rPr lang="fr-FR" dirty="0"/>
+              <a:t> </a:t>
+            </a:r>
+            <a:r>
+              <a:rPr lang="fr-FR" dirty="0" err="1"/>
+              <a:t>different</a:t>
+            </a:r>
+            <a:r>
+              <a:rPr lang="fr-FR" dirty="0"/>
+              <a:t> XAI </a:t>
+            </a:r>
+            <a:r>
+              <a:rPr lang="fr-FR" dirty="0" err="1"/>
+              <a:t>methods</a:t>
+            </a:r>
+            <a:endParaRPr lang="fr-FR" dirty="0"/>
+          </a:p>
+        </p:txBody>
+      </p:sp>
+      <p:sp>
+        <p:nvSpPr>
+          <p:cNvPr id="13" name="Rectangle : coins arrondis 12">
+            <a:extLst>
+              <a:ext uri="{FF2B5EF4-FFF2-40B4-BE49-F238E27FC236}">
+                <a16:creationId xmlns:a16="http://schemas.microsoft.com/office/drawing/2014/main" id="{6C1E5AF1-F49B-E06D-B7FD-1ABA1543F8A3}"/>
+              </a:ext>
+            </a:extLst>
+          </p:cNvPr>
+          <p:cNvSpPr/>
+          <p:nvPr/>
+        </p:nvSpPr>
+        <p:spPr>
+          <a:xfrm>
+            <a:off x="7851648" y="2523744"/>
+            <a:ext cx="3523488" cy="816864"/>
+          </a:xfrm>
+          <a:prstGeom prst="roundRect">
+            <a:avLst/>
+          </a:prstGeom>
+          <a:solidFill>
+            <a:schemeClr val="accent2">
+              <a:lumMod val="75000"/>
+            </a:schemeClr>
+          </a:solidFill>
+        </p:spPr>
+        <p:style>
+          <a:lnRef idx="2">
+            <a:schemeClr val="accent1">
+              <a:shade val="15000"/>
+            </a:schemeClr>
+          </a:lnRef>
+          <a:fillRef idx="1">
+            <a:schemeClr val="accent1"/>
+          </a:fillRef>
+          <a:effectRef idx="0">
+            <a:schemeClr val="accent1"/>
+          </a:effectRef>
+          <a:fontRef idx="minor">
+            <a:schemeClr val="lt1"/>
+          </a:fontRef>
+        </p:style>
+        <p:txBody>
+          <a:bodyPr rtlCol="0" anchor="ctr"/>
+          <a:lstStyle/>
+          <a:p>
+            <a:pPr algn="ctr"/>
+            <a:r>
+              <a:rPr lang="fr-FR" dirty="0"/>
+              <a:t>Composition of the </a:t>
+            </a:r>
+            <a:r>
+              <a:rPr lang="fr-FR" dirty="0" err="1"/>
+              <a:t>explanation</a:t>
+            </a:r>
+            <a:endParaRPr lang="fr-FR" dirty="0"/>
+          </a:p>
+        </p:txBody>
+      </p:sp>
+      <p:sp>
+        <p:nvSpPr>
+          <p:cNvPr id="14" name="Rectangle : coins arrondis 13">
+            <a:extLst>
+              <a:ext uri="{FF2B5EF4-FFF2-40B4-BE49-F238E27FC236}">
+                <a16:creationId xmlns:a16="http://schemas.microsoft.com/office/drawing/2014/main" id="{03F39C66-211F-CA17-7FDA-DBA82CD51E92}"/>
+              </a:ext>
+            </a:extLst>
+          </p:cNvPr>
+          <p:cNvSpPr/>
+          <p:nvPr/>
+        </p:nvSpPr>
+        <p:spPr>
+          <a:xfrm>
+            <a:off x="11679936" y="2523744"/>
+            <a:ext cx="3523488" cy="816864"/>
+          </a:xfrm>
+          <a:prstGeom prst="roundRect">
+            <a:avLst/>
+          </a:prstGeom>
+          <a:solidFill>
+            <a:schemeClr val="accent6">
+              <a:lumMod val="75000"/>
+            </a:schemeClr>
+          </a:solidFill>
+        </p:spPr>
+        <p:style>
+          <a:lnRef idx="2">
+            <a:schemeClr val="accent1">
+              <a:shade val="15000"/>
+            </a:schemeClr>
+          </a:lnRef>
+          <a:fillRef idx="1">
+            <a:schemeClr val="accent1"/>
+          </a:fillRef>
+          <a:effectRef idx="0">
+            <a:schemeClr val="accent1"/>
+          </a:effectRef>
+          <a:fontRef idx="minor">
+            <a:schemeClr val="lt1"/>
+          </a:fontRef>
+        </p:style>
+        <p:txBody>
+          <a:bodyPr rtlCol="0" anchor="ctr"/>
+          <a:lstStyle/>
+          <a:p>
+            <a:pPr algn="ctr"/>
+            <a:r>
+              <a:rPr lang="fr-FR" dirty="0"/>
+              <a:t>Select the </a:t>
+            </a:r>
+            <a:r>
+              <a:rPr lang="fr-FR" dirty="0" err="1"/>
+              <a:t>method</a:t>
+            </a:r>
+            <a:r>
+              <a:rPr lang="fr-FR" dirty="0"/>
+              <a:t> for </a:t>
+            </a:r>
+            <a:r>
+              <a:rPr lang="fr-FR" dirty="0" err="1"/>
+              <a:t>user’s</a:t>
+            </a:r>
+            <a:r>
+              <a:rPr lang="fr-FR" dirty="0"/>
+              <a:t> </a:t>
+            </a:r>
+            <a:r>
+              <a:rPr lang="fr-FR" dirty="0" err="1"/>
+              <a:t>need</a:t>
+            </a:r>
+            <a:r>
+              <a:rPr lang="fr-FR" dirty="0"/>
+              <a:t>, </a:t>
+            </a:r>
+            <a:r>
+              <a:rPr lang="fr-FR" dirty="0" err="1"/>
+              <a:t>combining</a:t>
+            </a:r>
+            <a:r>
+              <a:rPr lang="fr-FR" dirty="0"/>
+              <a:t> </a:t>
+            </a:r>
+            <a:r>
+              <a:rPr lang="fr-FR" dirty="0" err="1"/>
+              <a:t>different</a:t>
+            </a:r>
+            <a:r>
+              <a:rPr lang="fr-FR" dirty="0"/>
+              <a:t> XAI </a:t>
+            </a:r>
+            <a:r>
+              <a:rPr lang="fr-FR" dirty="0" err="1"/>
+              <a:t>methods</a:t>
+            </a:r>
+            <a:endParaRPr lang="fr-FR" dirty="0"/>
+          </a:p>
+        </p:txBody>
+      </p:sp>
+      <p:sp>
+        <p:nvSpPr>
+          <p:cNvPr id="15" name="Rectangle : coins arrondis 14">
+            <a:extLst>
+              <a:ext uri="{FF2B5EF4-FFF2-40B4-BE49-F238E27FC236}">
+                <a16:creationId xmlns:a16="http://schemas.microsoft.com/office/drawing/2014/main" id="{4C8AF836-43B7-C4E4-B032-D284E1CCD6DE}"/>
+              </a:ext>
+            </a:extLst>
+          </p:cNvPr>
+          <p:cNvSpPr/>
+          <p:nvPr/>
+        </p:nvSpPr>
+        <p:spPr>
+          <a:xfrm>
+            <a:off x="7851648" y="3517393"/>
+            <a:ext cx="3523488" cy="816864"/>
+          </a:xfrm>
+          <a:prstGeom prst="roundRect">
+            <a:avLst/>
+          </a:prstGeom>
+          <a:solidFill>
+            <a:schemeClr val="accent2">
+              <a:lumMod val="75000"/>
+            </a:schemeClr>
+          </a:solidFill>
+        </p:spPr>
+        <p:style>
+          <a:lnRef idx="2">
+            <a:schemeClr val="accent1">
+              <a:shade val="15000"/>
+            </a:schemeClr>
+          </a:lnRef>
+          <a:fillRef idx="1">
+            <a:schemeClr val="accent1"/>
+          </a:fillRef>
+          <a:effectRef idx="0">
+            <a:schemeClr val="accent1"/>
+          </a:effectRef>
+          <a:fontRef idx="minor">
+            <a:schemeClr val="lt1"/>
+          </a:fontRef>
+        </p:style>
+        <p:txBody>
+          <a:bodyPr rtlCol="0" anchor="ctr"/>
+          <a:lstStyle/>
+          <a:p>
+            <a:pPr algn="ctr"/>
+            <a:r>
+              <a:rPr lang="fr-FR" dirty="0" err="1"/>
+              <a:t>Scalability</a:t>
+            </a:r>
+            <a:r>
+              <a:rPr lang="fr-FR" dirty="0"/>
+              <a:t> of XAI</a:t>
+            </a:r>
+          </a:p>
+        </p:txBody>
+      </p:sp>
+      <p:sp>
+        <p:nvSpPr>
+          <p:cNvPr id="16" name="Rectangle : coins arrondis 15">
+            <a:extLst>
+              <a:ext uri="{FF2B5EF4-FFF2-40B4-BE49-F238E27FC236}">
+                <a16:creationId xmlns:a16="http://schemas.microsoft.com/office/drawing/2014/main" id="{DCFB2583-3C5B-5EF0-7A88-849AC91A9DF2}"/>
+              </a:ext>
+            </a:extLst>
+          </p:cNvPr>
+          <p:cNvSpPr/>
+          <p:nvPr/>
+        </p:nvSpPr>
+        <p:spPr>
+          <a:xfrm>
+            <a:off x="11679936" y="3517393"/>
+            <a:ext cx="3523488" cy="816864"/>
+          </a:xfrm>
+          <a:prstGeom prst="roundRect">
+            <a:avLst/>
+          </a:prstGeom>
+          <a:solidFill>
+            <a:schemeClr val="accent6">
+              <a:lumMod val="75000"/>
+            </a:schemeClr>
+          </a:solidFill>
+        </p:spPr>
+        <p:style>
+          <a:lnRef idx="2">
+            <a:schemeClr val="accent1">
+              <a:shade val="15000"/>
+            </a:schemeClr>
+          </a:lnRef>
+          <a:fillRef idx="1">
+            <a:schemeClr val="accent1"/>
+          </a:fillRef>
+          <a:effectRef idx="0">
+            <a:schemeClr val="accent1"/>
+          </a:effectRef>
+          <a:fontRef idx="minor">
+            <a:schemeClr val="lt1"/>
+          </a:fontRef>
+        </p:style>
+        <p:txBody>
+          <a:bodyPr rtlCol="0" anchor="ctr"/>
+          <a:lstStyle/>
+          <a:p>
+            <a:pPr algn="ctr"/>
+            <a:r>
+              <a:rPr lang="fr-FR" dirty="0" err="1"/>
+              <a:t>Feature</a:t>
+            </a:r>
+            <a:r>
+              <a:rPr lang="fr-FR" dirty="0"/>
+              <a:t> </a:t>
+            </a:r>
+            <a:r>
+              <a:rPr lang="fr-FR" dirty="0" err="1"/>
+              <a:t>reduction</a:t>
+            </a:r>
+            <a:r>
+              <a:rPr lang="fr-FR" dirty="0"/>
+              <a:t>, benchmark </a:t>
+            </a:r>
+            <a:r>
+              <a:rPr lang="fr-FR" dirty="0" err="1"/>
+              <a:t>execution</a:t>
+            </a:r>
+            <a:r>
+              <a:rPr lang="fr-FR" dirty="0"/>
+              <a:t> time</a:t>
+            </a:r>
+          </a:p>
+        </p:txBody>
+      </p:sp>
+      <p:sp>
+        <p:nvSpPr>
+          <p:cNvPr id="17" name="Rectangle : coins arrondis 16">
+            <a:extLst>
+              <a:ext uri="{FF2B5EF4-FFF2-40B4-BE49-F238E27FC236}">
+                <a16:creationId xmlns:a16="http://schemas.microsoft.com/office/drawing/2014/main" id="{D8071A10-AE89-DD93-5DE1-531D19F181FD}"/>
+              </a:ext>
+            </a:extLst>
+          </p:cNvPr>
+          <p:cNvSpPr/>
+          <p:nvPr/>
+        </p:nvSpPr>
+        <p:spPr>
+          <a:xfrm>
+            <a:off x="7833360" y="609600"/>
+            <a:ext cx="3523488" cy="816864"/>
+          </a:xfrm>
+          <a:prstGeom prst="roundRect">
+            <a:avLst/>
+          </a:prstGeom>
+          <a:solidFill>
+            <a:schemeClr val="accent2">
+              <a:lumMod val="75000"/>
+            </a:schemeClr>
+          </a:solidFill>
+        </p:spPr>
+        <p:style>
+          <a:lnRef idx="2">
+            <a:schemeClr val="accent1">
+              <a:shade val="15000"/>
+            </a:schemeClr>
+          </a:lnRef>
+          <a:fillRef idx="1">
+            <a:schemeClr val="accent1"/>
+          </a:fillRef>
+          <a:effectRef idx="0">
+            <a:schemeClr val="accent1"/>
+          </a:effectRef>
+          <a:fontRef idx="minor">
+            <a:schemeClr val="lt1"/>
+          </a:fontRef>
+        </p:style>
+        <p:txBody>
+          <a:bodyPr rtlCol="0" anchor="ctr"/>
+          <a:lstStyle/>
+          <a:p>
+            <a:pPr algn="ctr"/>
+            <a:r>
+              <a:rPr lang="fr-FR" dirty="0" err="1"/>
+              <a:t>Feature</a:t>
+            </a:r>
+            <a:r>
+              <a:rPr lang="fr-FR" dirty="0"/>
+              <a:t> </a:t>
+            </a:r>
+            <a:r>
+              <a:rPr lang="fr-FR" dirty="0" err="1"/>
+              <a:t>dependance</a:t>
+            </a:r>
+            <a:endParaRPr lang="fr-FR" dirty="0"/>
+          </a:p>
+        </p:txBody>
+      </p:sp>
+      <p:sp>
+        <p:nvSpPr>
+          <p:cNvPr id="18" name="Rectangle : coins arrondis 17">
+            <a:extLst>
+              <a:ext uri="{FF2B5EF4-FFF2-40B4-BE49-F238E27FC236}">
+                <a16:creationId xmlns:a16="http://schemas.microsoft.com/office/drawing/2014/main" id="{2E95522E-A4E4-DE79-51D2-5EB3D35BC273}"/>
+              </a:ext>
+            </a:extLst>
+          </p:cNvPr>
+          <p:cNvSpPr/>
+          <p:nvPr/>
+        </p:nvSpPr>
+        <p:spPr>
+          <a:xfrm>
+            <a:off x="11661648" y="609600"/>
+            <a:ext cx="3523488" cy="816864"/>
+          </a:xfrm>
+          <a:prstGeom prst="roundRect">
+            <a:avLst/>
+          </a:prstGeom>
+          <a:solidFill>
+            <a:schemeClr val="accent6">
+              <a:lumMod val="75000"/>
+            </a:schemeClr>
+          </a:solidFill>
+        </p:spPr>
+        <p:style>
+          <a:lnRef idx="2">
+            <a:schemeClr val="accent1">
+              <a:shade val="15000"/>
+            </a:schemeClr>
+          </a:lnRef>
+          <a:fillRef idx="1">
+            <a:schemeClr val="accent1"/>
+          </a:fillRef>
+          <a:effectRef idx="0">
+            <a:schemeClr val="accent1"/>
+          </a:effectRef>
+          <a:fontRef idx="minor">
+            <a:schemeClr val="lt1"/>
+          </a:fontRef>
+        </p:style>
+        <p:txBody>
+          <a:bodyPr rtlCol="0" anchor="ctr"/>
+          <a:lstStyle/>
+          <a:p>
+            <a:pPr algn="ctr"/>
+            <a:r>
+              <a:rPr lang="fr-FR" dirty="0"/>
+              <a:t>Permute </a:t>
+            </a:r>
+            <a:r>
+              <a:rPr lang="fr-FR" dirty="0" err="1"/>
+              <a:t>features</a:t>
+            </a:r>
+            <a:r>
+              <a:rPr lang="fr-FR" dirty="0"/>
+              <a:t>, </a:t>
+            </a:r>
+            <a:r>
+              <a:rPr lang="fr-FR" dirty="0" err="1"/>
+              <a:t>conditional</a:t>
+            </a:r>
+            <a:r>
+              <a:rPr lang="fr-FR" dirty="0"/>
+              <a:t> permutation</a:t>
+            </a:r>
+          </a:p>
+        </p:txBody>
+      </p:sp>
+      <p:sp>
+        <p:nvSpPr>
+          <p:cNvPr id="19" name="Rectangle : coins arrondis 18">
+            <a:extLst>
+              <a:ext uri="{FF2B5EF4-FFF2-40B4-BE49-F238E27FC236}">
+                <a16:creationId xmlns:a16="http://schemas.microsoft.com/office/drawing/2014/main" id="{6579703A-76AE-CEC8-D29C-73F4AEC8E594}"/>
+              </a:ext>
+            </a:extLst>
+          </p:cNvPr>
+          <p:cNvSpPr/>
+          <p:nvPr/>
+        </p:nvSpPr>
+        <p:spPr>
+          <a:xfrm>
+            <a:off x="7833360" y="1566672"/>
+            <a:ext cx="3523488" cy="816864"/>
+          </a:xfrm>
+          <a:prstGeom prst="roundRect">
+            <a:avLst/>
+          </a:prstGeom>
+          <a:solidFill>
+            <a:schemeClr val="accent2">
+              <a:lumMod val="75000"/>
+            </a:schemeClr>
+          </a:solidFill>
+        </p:spPr>
+        <p:style>
+          <a:lnRef idx="2">
+            <a:schemeClr val="accent1">
+              <a:shade val="15000"/>
+            </a:schemeClr>
+          </a:lnRef>
+          <a:fillRef idx="1">
+            <a:schemeClr val="accent1"/>
+          </a:fillRef>
+          <a:effectRef idx="0">
+            <a:schemeClr val="accent1"/>
+          </a:effectRef>
+          <a:fontRef idx="minor">
+            <a:schemeClr val="lt1"/>
+          </a:fontRef>
+        </p:style>
+        <p:txBody>
+          <a:bodyPr rtlCol="0" anchor="ctr"/>
+          <a:lstStyle/>
+          <a:p>
+            <a:pPr algn="ctr"/>
+            <a:r>
+              <a:rPr lang="fr-FR" dirty="0" err="1"/>
+              <a:t>Formal</a:t>
+            </a:r>
+            <a:r>
+              <a:rPr lang="fr-FR" dirty="0"/>
+              <a:t> </a:t>
+            </a:r>
+            <a:r>
+              <a:rPr lang="fr-FR" dirty="0" err="1"/>
+              <a:t>definition</a:t>
+            </a:r>
+            <a:r>
+              <a:rPr lang="fr-FR" dirty="0"/>
+              <a:t> of </a:t>
+            </a:r>
+            <a:r>
+              <a:rPr lang="fr-FR" dirty="0" err="1"/>
+              <a:t>interpretability</a:t>
+            </a:r>
+            <a:endParaRPr lang="fr-FR" dirty="0"/>
+          </a:p>
+        </p:txBody>
+      </p:sp>
+      <p:sp>
+        <p:nvSpPr>
+          <p:cNvPr id="20" name="Rectangle : coins arrondis 19">
+            <a:extLst>
+              <a:ext uri="{FF2B5EF4-FFF2-40B4-BE49-F238E27FC236}">
+                <a16:creationId xmlns:a16="http://schemas.microsoft.com/office/drawing/2014/main" id="{F7816E54-3C8B-A146-3EF8-29131876B471}"/>
+              </a:ext>
+            </a:extLst>
+          </p:cNvPr>
+          <p:cNvSpPr/>
+          <p:nvPr/>
+        </p:nvSpPr>
+        <p:spPr>
+          <a:xfrm>
+            <a:off x="11661648" y="1566672"/>
+            <a:ext cx="3523488" cy="816864"/>
+          </a:xfrm>
+          <a:prstGeom prst="roundRect">
+            <a:avLst/>
+          </a:prstGeom>
+          <a:solidFill>
+            <a:schemeClr val="accent6">
+              <a:lumMod val="75000"/>
+            </a:schemeClr>
+          </a:solidFill>
+        </p:spPr>
+        <p:style>
+          <a:lnRef idx="2">
+            <a:schemeClr val="accent1">
+              <a:shade val="15000"/>
+            </a:schemeClr>
+          </a:lnRef>
+          <a:fillRef idx="1">
+            <a:schemeClr val="accent1"/>
+          </a:fillRef>
+          <a:effectRef idx="0">
+            <a:schemeClr val="accent1"/>
+          </a:effectRef>
+          <a:fontRef idx="minor">
+            <a:schemeClr val="lt1"/>
+          </a:fontRef>
+        </p:style>
+        <p:txBody>
+          <a:bodyPr rtlCol="0" anchor="ctr"/>
+          <a:lstStyle/>
+          <a:p>
+            <a:pPr algn="ctr"/>
+            <a:r>
+              <a:rPr lang="fr-FR" dirty="0"/>
+              <a:t>Evaluation </a:t>
+            </a:r>
+            <a:r>
+              <a:rPr lang="fr-FR" dirty="0" err="1"/>
+              <a:t>metrics</a:t>
+            </a:r>
+            <a:r>
+              <a:rPr lang="fr-FR" dirty="0"/>
+              <a:t>, </a:t>
+            </a:r>
+            <a:r>
+              <a:rPr lang="fr-FR" dirty="0" err="1"/>
+              <a:t>choice</a:t>
+            </a:r>
+            <a:r>
+              <a:rPr lang="fr-FR" dirty="0"/>
+              <a:t> a </a:t>
+            </a:r>
+            <a:r>
+              <a:rPr lang="fr-FR" dirty="0" err="1"/>
+              <a:t>method</a:t>
+            </a:r>
+            <a:r>
+              <a:rPr lang="fr-FR" dirty="0"/>
+              <a:t> for </a:t>
+            </a:r>
+            <a:r>
+              <a:rPr lang="fr-FR" dirty="0" err="1"/>
+              <a:t>need</a:t>
+            </a:r>
+            <a:r>
+              <a:rPr lang="fr-FR" dirty="0"/>
+              <a:t> and </a:t>
+            </a:r>
+            <a:r>
+              <a:rPr lang="fr-FR" dirty="0" err="1"/>
+              <a:t>domain</a:t>
+            </a:r>
+            <a:endParaRPr lang="fr-FR" dirty="0"/>
+          </a:p>
+        </p:txBody>
+      </p:sp>
+      <p:sp>
+        <p:nvSpPr>
+          <p:cNvPr id="21" name="ZoneTexte 20">
+            <a:extLst>
+              <a:ext uri="{FF2B5EF4-FFF2-40B4-BE49-F238E27FC236}">
+                <a16:creationId xmlns:a16="http://schemas.microsoft.com/office/drawing/2014/main" id="{961816F2-06F6-3F27-AB86-B0111D84DE0B}"/>
+              </a:ext>
+            </a:extLst>
+          </p:cNvPr>
+          <p:cNvSpPr txBox="1"/>
+          <p:nvPr/>
+        </p:nvSpPr>
+        <p:spPr>
+          <a:xfrm>
+            <a:off x="7790688" y="170164"/>
+            <a:ext cx="3523488" cy="369332"/>
+          </a:xfrm>
+          <a:prstGeom prst="rect">
+            <a:avLst/>
+          </a:prstGeom>
+          <a:noFill/>
+        </p:spPr>
+        <p:txBody>
+          <a:bodyPr wrap="square" rtlCol="0">
+            <a:spAutoFit/>
+          </a:bodyPr>
+          <a:lstStyle/>
+          <a:p>
+            <a:pPr algn="ctr"/>
+            <a:r>
+              <a:rPr lang="fr-FR" dirty="0"/>
+              <a:t>Challenges</a:t>
+            </a:r>
+          </a:p>
+        </p:txBody>
+      </p:sp>
+      <p:sp>
+        <p:nvSpPr>
+          <p:cNvPr id="22" name="ZoneTexte 21">
+            <a:extLst>
+              <a:ext uri="{FF2B5EF4-FFF2-40B4-BE49-F238E27FC236}">
+                <a16:creationId xmlns:a16="http://schemas.microsoft.com/office/drawing/2014/main" id="{C5B3FA71-AD50-EB99-F954-10DC8E303615}"/>
+              </a:ext>
+            </a:extLst>
+          </p:cNvPr>
+          <p:cNvSpPr txBox="1"/>
+          <p:nvPr/>
+        </p:nvSpPr>
+        <p:spPr>
+          <a:xfrm>
+            <a:off x="11625072" y="170164"/>
+            <a:ext cx="3523488" cy="369332"/>
+          </a:xfrm>
+          <a:prstGeom prst="rect">
+            <a:avLst/>
+          </a:prstGeom>
+          <a:noFill/>
+        </p:spPr>
+        <p:txBody>
+          <a:bodyPr wrap="square" rtlCol="0">
+            <a:spAutoFit/>
+          </a:bodyPr>
+          <a:lstStyle/>
+          <a:p>
+            <a:pPr algn="ctr"/>
+            <a:r>
+              <a:rPr lang="fr-FR" dirty="0" err="1"/>
+              <a:t>Potential</a:t>
+            </a:r>
+            <a:r>
+              <a:rPr lang="fr-FR" dirty="0"/>
+              <a:t> solutions</a:t>
+            </a:r>
+          </a:p>
+        </p:txBody>
+      </p:sp>
+    </p:spTree>
+    <p:extLst>
+      <p:ext uri="{BB962C8B-B14F-4D97-AF65-F5344CB8AC3E}">
+        <p14:creationId xmlns:p14="http://schemas.microsoft.com/office/powerpoint/2010/main" val="2440024735"/>
+      </p:ext>
+    </p:extLst>
+  </p:cSld>
+  <p:clrMapOvr>
+    <a:masterClrMapping/>
+  </p:clrMapOvr>
+</p:sld>
+</file>
+
+<file path=ppt/slides/slide4.xml><?xml version="1.0" encoding="utf-8"?>
+<p:sld xmlns:a="http://schemas.openxmlformats.org/drawingml/2006/main" xmlns:r="http://schemas.openxmlformats.org/officeDocument/2006/relationships" xmlns:p="http://schemas.openxmlformats.org/presentationml/2006/main">
+  <p:cSld>
+    <p:spTree>
+      <p:nvGrpSpPr>
+        <p:cNvPr id="1" name=""/>
+        <p:cNvGrpSpPr/>
+        <p:nvPr/>
+      </p:nvGrpSpPr>
+      <p:grpSpPr>
+        <a:xfrm>
+          <a:off x="0" y="0"/>
+          <a:ext cx="0" cy="0"/>
+          <a:chOff x="0" y="0"/>
+          <a:chExt cx="0" cy="0"/>
+        </a:xfrm>
+      </p:grpSpPr>
+      <p:sp>
+        <p:nvSpPr>
+          <p:cNvPr id="2" name="Rectangle : coins arrondis 1">
+            <a:extLst>
+              <a:ext uri="{FF2B5EF4-FFF2-40B4-BE49-F238E27FC236}">
                 <a16:creationId xmlns:a16="http://schemas.microsoft.com/office/drawing/2014/main" id="{1559D92D-341B-50A3-B144-A61F81E39E2A}"/>
               </a:ext>
             </a:extLst>
@@ -23747,7 +27221,7 @@
 </p:sld>
 </file>
 
-<file path=ppt/slides/slide4.xml><?xml version="1.0" encoding="utf-8"?>
+<file path=ppt/slides/slide5.xml><?xml version="1.0" encoding="utf-8"?>
 <p:sld xmlns:a="http://schemas.openxmlformats.org/drawingml/2006/main" xmlns:r="http://schemas.openxmlformats.org/officeDocument/2006/relationships" xmlns:p="http://schemas.openxmlformats.org/presentationml/2006/main">
   <p:cSld>
     <p:spTree>
@@ -28860,7 +32334,7 @@
 </p:sld>
 </file>
 
-<file path=ppt/slides/slide5.xml><?xml version="1.0" encoding="utf-8"?>
+<file path=ppt/slides/slide6.xml><?xml version="1.0" encoding="utf-8"?>
 <p:sld xmlns:a="http://schemas.openxmlformats.org/drawingml/2006/main" xmlns:r="http://schemas.openxmlformats.org/officeDocument/2006/relationships" xmlns:p="http://schemas.openxmlformats.org/presentationml/2006/main">
   <p:cSld>
     <p:spTree>
@@ -29878,7 +33352,7 @@
 </p:sld>
 </file>
 
-<file path=ppt/slides/slide6.xml><?xml version="1.0" encoding="utf-8"?>
+<file path=ppt/slides/slide7.xml><?xml version="1.0" encoding="utf-8"?>
 <p:sld xmlns:a="http://schemas.openxmlformats.org/drawingml/2006/main" xmlns:r="http://schemas.openxmlformats.org/officeDocument/2006/relationships" xmlns:p="http://schemas.openxmlformats.org/presentationml/2006/main">
   <p:cSld>
     <p:spTree>
@@ -36276,7 +39750,7 @@
 </p:sld>
 </file>
 
-<file path=ppt/slides/slide7.xml><?xml version="1.0" encoding="utf-8"?>
+<file path=ppt/slides/slide8.xml><?xml version="1.0" encoding="utf-8"?>
 <p:sld xmlns:a="http://schemas.openxmlformats.org/drawingml/2006/main" xmlns:r="http://schemas.openxmlformats.org/officeDocument/2006/relationships" xmlns:p="http://schemas.openxmlformats.org/presentationml/2006/main">
   <p:cSld>
     <p:spTree>
@@ -45279,7 +48753,7 @@
 </p:sld>
 </file>
 
-<file path=ppt/slides/slide8.xml><?xml version="1.0" encoding="utf-8"?>
+<file path=ppt/slides/slide9.xml><?xml version="1.0" encoding="utf-8"?>
 <p:sld xmlns:a="http://schemas.openxmlformats.org/drawingml/2006/main" xmlns:r="http://schemas.openxmlformats.org/officeDocument/2006/relationships" xmlns:p="http://schemas.openxmlformats.org/presentationml/2006/main">
   <p:cSld>
     <p:spTree>
@@ -47228,1897 +50702,6 @@
     <p:extLst>
       <p:ext uri="{BB962C8B-B14F-4D97-AF65-F5344CB8AC3E}">
         <p14:creationId xmlns:p14="http://schemas.microsoft.com/office/powerpoint/2010/main" val="1831932029"/>
-      </p:ext>
-    </p:extLst>
-  </p:cSld>
-  <p:clrMapOvr>
-    <a:masterClrMapping/>
-  </p:clrMapOvr>
-</p:sld>
-</file>
-
-<file path=ppt/slides/slide9.xml><?xml version="1.0" encoding="utf-8"?>
-<p:sld xmlns:a="http://schemas.openxmlformats.org/drawingml/2006/main" xmlns:r="http://schemas.openxmlformats.org/officeDocument/2006/relationships" xmlns:p="http://schemas.openxmlformats.org/presentationml/2006/main">
-  <p:cSld>
-    <p:spTree>
-      <p:nvGrpSpPr>
-        <p:cNvPr id="1" name=""/>
-        <p:cNvGrpSpPr/>
-        <p:nvPr/>
-      </p:nvGrpSpPr>
-      <p:grpSpPr>
-        <a:xfrm>
-          <a:off x="0" y="0"/>
-          <a:ext cx="0" cy="0"/>
-          <a:chOff x="0" y="0"/>
-          <a:chExt cx="0" cy="0"/>
-        </a:xfrm>
-      </p:grpSpPr>
-      <p:pic>
-        <p:nvPicPr>
-          <p:cNvPr id="65" name="Immagine 64">
-            <a:extLst>
-              <a:ext uri="{FF2B5EF4-FFF2-40B4-BE49-F238E27FC236}">
-                <a16:creationId xmlns:a16="http://schemas.microsoft.com/office/drawing/2014/main" id="{5B39C8BB-F937-F621-0933-7D7EBFEA7769}"/>
-              </a:ext>
-            </a:extLst>
-          </p:cNvPr>
-          <p:cNvPicPr>
-            <a:picLocks noChangeAspect="1"/>
-          </p:cNvPicPr>
-          <p:nvPr/>
-        </p:nvPicPr>
-        <p:blipFill rotWithShape="1">
-          <a:blip r:embed="rId2">
-            <a:extLst>
-              <a:ext uri="{28A0092B-C50C-407E-A947-70E740481C1C}">
-                <a14:useLocalDpi xmlns:a14="http://schemas.microsoft.com/office/drawing/2010/main" val="0"/>
-              </a:ext>
-            </a:extLst>
-          </a:blip>
-          <a:srcRect l="57187" t="56507" r="-363" b="-1153"/>
-          <a:stretch/>
-        </p:blipFill>
-        <p:spPr>
-          <a:xfrm>
-            <a:off x="7472530" y="4982350"/>
-            <a:ext cx="1885692" cy="1858950"/>
-          </a:xfrm>
-          <a:prstGeom prst="rect">
-            <a:avLst/>
-          </a:prstGeom>
-        </p:spPr>
-      </p:pic>
-      <p:pic>
-        <p:nvPicPr>
-          <p:cNvPr id="64" name="Immagine 63">
-            <a:extLst>
-              <a:ext uri="{FF2B5EF4-FFF2-40B4-BE49-F238E27FC236}">
-                <a16:creationId xmlns:a16="http://schemas.microsoft.com/office/drawing/2014/main" id="{255973F1-0895-D230-2E0D-9B9BF157E3D7}"/>
-              </a:ext>
-            </a:extLst>
-          </p:cNvPr>
-          <p:cNvPicPr>
-            <a:picLocks noChangeAspect="1"/>
-          </p:cNvPicPr>
-          <p:nvPr/>
-        </p:nvPicPr>
-        <p:blipFill rotWithShape="1">
-          <a:blip r:embed="rId2">
-            <a:extLst>
-              <a:ext uri="{28A0092B-C50C-407E-A947-70E740481C1C}">
-                <a14:useLocalDpi xmlns:a14="http://schemas.microsoft.com/office/drawing/2010/main" val="0"/>
-              </a:ext>
-            </a:extLst>
-          </a:blip>
-          <a:srcRect l="47" t="56842" r="56777" b="-419"/>
-          <a:stretch/>
-        </p:blipFill>
-        <p:spPr>
-          <a:xfrm>
-            <a:off x="7452156" y="2831084"/>
-            <a:ext cx="1885692" cy="1814436"/>
-          </a:xfrm>
-          <a:prstGeom prst="rect">
-            <a:avLst/>
-          </a:prstGeom>
-        </p:spPr>
-      </p:pic>
-      <p:pic>
-        <p:nvPicPr>
-          <p:cNvPr id="63" name="Immagine 62">
-            <a:extLst>
-              <a:ext uri="{FF2B5EF4-FFF2-40B4-BE49-F238E27FC236}">
-                <a16:creationId xmlns:a16="http://schemas.microsoft.com/office/drawing/2014/main" id="{6171EB4B-7E3E-C33E-FD87-E9C0BFD3B2FF}"/>
-              </a:ext>
-            </a:extLst>
-          </p:cNvPr>
-          <p:cNvPicPr>
-            <a:picLocks noChangeAspect="1"/>
-          </p:cNvPicPr>
-          <p:nvPr/>
-        </p:nvPicPr>
-        <p:blipFill rotWithShape="1">
-          <a:blip r:embed="rId2">
-            <a:extLst>
-              <a:ext uri="{28A0092B-C50C-407E-A947-70E740481C1C}">
-                <a14:useLocalDpi xmlns:a14="http://schemas.microsoft.com/office/drawing/2010/main" val="0"/>
-              </a:ext>
-            </a:extLst>
-          </a:blip>
-          <a:srcRect l="56824" t="7665" b="48758"/>
-          <a:stretch/>
-        </p:blipFill>
-        <p:spPr>
-          <a:xfrm>
-            <a:off x="7441689" y="601562"/>
-            <a:ext cx="1885692" cy="1814436"/>
-          </a:xfrm>
-          <a:prstGeom prst="rect">
-            <a:avLst/>
-          </a:prstGeom>
-        </p:spPr>
-      </p:pic>
-      <p:pic>
-        <p:nvPicPr>
-          <p:cNvPr id="52" name="Immagine 51">
-            <a:extLst>
-              <a:ext uri="{FF2B5EF4-FFF2-40B4-BE49-F238E27FC236}">
-                <a16:creationId xmlns:a16="http://schemas.microsoft.com/office/drawing/2014/main" id="{6E2131A7-6C6B-E68C-484E-2ADA1E8A694C}"/>
-              </a:ext>
-            </a:extLst>
-          </p:cNvPr>
-          <p:cNvPicPr>
-            <a:picLocks noChangeAspect="1"/>
-          </p:cNvPicPr>
-          <p:nvPr/>
-        </p:nvPicPr>
-        <p:blipFill rotWithShape="1">
-          <a:blip r:embed="rId3">
-            <a:extLst>
-              <a:ext uri="{28A0092B-C50C-407E-A947-70E740481C1C}">
-                <a14:useLocalDpi xmlns:a14="http://schemas.microsoft.com/office/drawing/2010/main" val="0"/>
-              </a:ext>
-            </a:extLst>
-          </a:blip>
-          <a:srcRect l="-138" t="57026" r="57978" b="830"/>
-          <a:stretch/>
-        </p:blipFill>
-        <p:spPr>
-          <a:xfrm>
-            <a:off x="5558070" y="5005635"/>
-            <a:ext cx="1842662" cy="1756013"/>
-          </a:xfrm>
-          <a:prstGeom prst="rect">
-            <a:avLst/>
-          </a:prstGeom>
-        </p:spPr>
-      </p:pic>
-      <p:pic>
-        <p:nvPicPr>
-          <p:cNvPr id="51" name="Immagine 50">
-            <a:extLst>
-              <a:ext uri="{FF2B5EF4-FFF2-40B4-BE49-F238E27FC236}">
-                <a16:creationId xmlns:a16="http://schemas.microsoft.com/office/drawing/2014/main" id="{9BDC0C7E-3E69-7023-1931-D272AB3B2E84}"/>
-              </a:ext>
-            </a:extLst>
-          </p:cNvPr>
-          <p:cNvPicPr>
-            <a:picLocks noChangeAspect="1"/>
-          </p:cNvPicPr>
-          <p:nvPr/>
-        </p:nvPicPr>
-        <p:blipFill rotWithShape="1">
-          <a:blip r:embed="rId3">
-            <a:extLst>
-              <a:ext uri="{28A0092B-C50C-407E-A947-70E740481C1C}">
-                <a14:useLocalDpi xmlns:a14="http://schemas.microsoft.com/office/drawing/2010/main" val="0"/>
-              </a:ext>
-            </a:extLst>
-          </a:blip>
-          <a:srcRect l="57957" t="57191" r="-117" b="665"/>
-          <a:stretch/>
-        </p:blipFill>
-        <p:spPr>
-          <a:xfrm>
-            <a:off x="5541610" y="2831084"/>
-            <a:ext cx="1842662" cy="1756013"/>
-          </a:xfrm>
-          <a:prstGeom prst="rect">
-            <a:avLst/>
-          </a:prstGeom>
-        </p:spPr>
-      </p:pic>
-      <p:pic>
-        <p:nvPicPr>
-          <p:cNvPr id="49" name="Immagine 48">
-            <a:extLst>
-              <a:ext uri="{FF2B5EF4-FFF2-40B4-BE49-F238E27FC236}">
-                <a16:creationId xmlns:a16="http://schemas.microsoft.com/office/drawing/2014/main" id="{5D8930DF-1D2D-B876-7244-E659C88E4C93}"/>
-              </a:ext>
-            </a:extLst>
-          </p:cNvPr>
-          <p:cNvPicPr>
-            <a:picLocks noChangeAspect="1"/>
-          </p:cNvPicPr>
-          <p:nvPr/>
-        </p:nvPicPr>
-        <p:blipFill rotWithShape="1">
-          <a:blip r:embed="rId3">
-            <a:extLst>
-              <a:ext uri="{28A0092B-C50C-407E-A947-70E740481C1C}">
-                <a14:useLocalDpi xmlns:a14="http://schemas.microsoft.com/office/drawing/2010/main" val="0"/>
-              </a:ext>
-            </a:extLst>
-          </a:blip>
-          <a:srcRect l="57840" t="7856" b="50000"/>
-          <a:stretch/>
-        </p:blipFill>
-        <p:spPr>
-          <a:xfrm>
-            <a:off x="5549536" y="578617"/>
-            <a:ext cx="1842662" cy="1756013"/>
-          </a:xfrm>
-          <a:prstGeom prst="rect">
-            <a:avLst/>
-          </a:prstGeom>
-        </p:spPr>
-      </p:pic>
-      <p:pic>
-        <p:nvPicPr>
-          <p:cNvPr id="39" name="Immagine 38">
-            <a:extLst>
-              <a:ext uri="{FF2B5EF4-FFF2-40B4-BE49-F238E27FC236}">
-                <a16:creationId xmlns:a16="http://schemas.microsoft.com/office/drawing/2014/main" id="{95706E1D-84B7-BED6-F7E9-B0FD97A27BB2}"/>
-              </a:ext>
-            </a:extLst>
-          </p:cNvPr>
-          <p:cNvPicPr>
-            <a:picLocks noChangeAspect="1"/>
-          </p:cNvPicPr>
-          <p:nvPr/>
-        </p:nvPicPr>
-        <p:blipFill rotWithShape="1">
-          <a:blip r:embed="rId4">
-            <a:extLst>
-              <a:ext uri="{28A0092B-C50C-407E-A947-70E740481C1C}">
-                <a14:useLocalDpi xmlns:a14="http://schemas.microsoft.com/office/drawing/2010/main" val="0"/>
-              </a:ext>
-            </a:extLst>
-          </a:blip>
-          <a:srcRect l="77052" t="40275" r="-807" b="33892"/>
-          <a:stretch/>
-        </p:blipFill>
-        <p:spPr>
-          <a:xfrm>
-            <a:off x="3788479" y="4988607"/>
-            <a:ext cx="1900588" cy="1756013"/>
-          </a:xfrm>
-          <a:prstGeom prst="rect">
-            <a:avLst/>
-          </a:prstGeom>
-        </p:spPr>
-      </p:pic>
-      <p:pic>
-        <p:nvPicPr>
-          <p:cNvPr id="38" name="Immagine 37">
-            <a:extLst>
-              <a:ext uri="{FF2B5EF4-FFF2-40B4-BE49-F238E27FC236}">
-                <a16:creationId xmlns:a16="http://schemas.microsoft.com/office/drawing/2014/main" id="{01DC40FF-4317-7FD4-D06E-E4B549499DB8}"/>
-              </a:ext>
-            </a:extLst>
-          </p:cNvPr>
-          <p:cNvPicPr>
-            <a:picLocks noChangeAspect="1"/>
-          </p:cNvPicPr>
-          <p:nvPr/>
-        </p:nvPicPr>
-        <p:blipFill rotWithShape="1">
-          <a:blip r:embed="rId4">
-            <a:extLst>
-              <a:ext uri="{28A0092B-C50C-407E-A947-70E740481C1C}">
-                <a14:useLocalDpi xmlns:a14="http://schemas.microsoft.com/office/drawing/2010/main" val="0"/>
-              </a:ext>
-            </a:extLst>
-          </a:blip>
-          <a:srcRect l="1432" t="73155" r="74813" b="1012"/>
-          <a:stretch/>
-        </p:blipFill>
-        <p:spPr>
-          <a:xfrm>
-            <a:off x="3723943" y="2786570"/>
-            <a:ext cx="1900588" cy="1756013"/>
-          </a:xfrm>
-          <a:prstGeom prst="rect">
-            <a:avLst/>
-          </a:prstGeom>
-        </p:spPr>
-      </p:pic>
-      <p:pic>
-        <p:nvPicPr>
-          <p:cNvPr id="3" name="Immagine 2">
-            <a:extLst>
-              <a:ext uri="{FF2B5EF4-FFF2-40B4-BE49-F238E27FC236}">
-                <a16:creationId xmlns:a16="http://schemas.microsoft.com/office/drawing/2014/main" id="{D4A6931D-2448-D935-E2EB-320DDEF26062}"/>
-              </a:ext>
-            </a:extLst>
-          </p:cNvPr>
-          <p:cNvPicPr>
-            <a:picLocks noChangeAspect="1"/>
-          </p:cNvPicPr>
-          <p:nvPr/>
-        </p:nvPicPr>
-        <p:blipFill rotWithShape="1">
-          <a:blip r:embed="rId5">
-            <a:extLst>
-              <a:ext uri="{28A0092B-C50C-407E-A947-70E740481C1C}">
-                <a14:useLocalDpi xmlns:a14="http://schemas.microsoft.com/office/drawing/2010/main" val="0"/>
-              </a:ext>
-            </a:extLst>
-          </a:blip>
-          <a:srcRect l="1668" t="6012" r="58172" b="50854"/>
-          <a:stretch/>
-        </p:blipFill>
-        <p:spPr>
-          <a:xfrm>
-            <a:off x="8780" y="557048"/>
-            <a:ext cx="1724894" cy="1744718"/>
-          </a:xfrm>
-          <a:prstGeom prst="rect">
-            <a:avLst/>
-          </a:prstGeom>
-        </p:spPr>
-      </p:pic>
-      <p:cxnSp>
-        <p:nvCxnSpPr>
-          <p:cNvPr id="5" name="Connettore diritto 4">
-            <a:extLst>
-              <a:ext uri="{FF2B5EF4-FFF2-40B4-BE49-F238E27FC236}">
-                <a16:creationId xmlns:a16="http://schemas.microsoft.com/office/drawing/2014/main" id="{CBA2350D-1030-21EA-55E5-BDFC0DECC3B2}"/>
-              </a:ext>
-            </a:extLst>
-          </p:cNvPr>
-          <p:cNvCxnSpPr/>
-          <p:nvPr/>
-        </p:nvCxnSpPr>
-        <p:spPr>
-          <a:xfrm>
-            <a:off x="1775238" y="0"/>
-            <a:ext cx="0" cy="6858000"/>
-          </a:xfrm>
-          <a:prstGeom prst="line">
-            <a:avLst/>
-          </a:prstGeom>
-          <a:ln w="28575">
-            <a:solidFill>
-              <a:schemeClr val="tx1"/>
-            </a:solidFill>
-          </a:ln>
-        </p:spPr>
-        <p:style>
-          <a:lnRef idx="1">
-            <a:schemeClr val="accent1"/>
-          </a:lnRef>
-          <a:fillRef idx="0">
-            <a:schemeClr val="accent1"/>
-          </a:fillRef>
-          <a:effectRef idx="0">
-            <a:schemeClr val="accent1"/>
-          </a:effectRef>
-          <a:fontRef idx="minor">
-            <a:schemeClr val="tx1"/>
-          </a:fontRef>
-        </p:style>
-      </p:cxnSp>
-      <p:sp>
-        <p:nvSpPr>
-          <p:cNvPr id="6" name="CasellaDiTesto 5">
-            <a:extLst>
-              <a:ext uri="{FF2B5EF4-FFF2-40B4-BE49-F238E27FC236}">
-                <a16:creationId xmlns:a16="http://schemas.microsoft.com/office/drawing/2014/main" id="{9EE8E2DF-A70A-49CB-2D27-0EF592C0466E}"/>
-              </a:ext>
-            </a:extLst>
-          </p:cNvPr>
-          <p:cNvSpPr txBox="1"/>
-          <p:nvPr/>
-        </p:nvSpPr>
-        <p:spPr>
-          <a:xfrm>
-            <a:off x="8780" y="-105509"/>
-            <a:ext cx="1591417" cy="369332"/>
-          </a:xfrm>
-          <a:prstGeom prst="rect">
-            <a:avLst/>
-          </a:prstGeom>
-          <a:noFill/>
-        </p:spPr>
-        <p:txBody>
-          <a:bodyPr wrap="square" rtlCol="0">
-            <a:spAutoFit/>
-          </a:bodyPr>
-          <a:lstStyle/>
-          <a:p>
-            <a:r>
-              <a:rPr lang="en-US" dirty="0"/>
-              <a:t>Original image</a:t>
-            </a:r>
-          </a:p>
-        </p:txBody>
-      </p:sp>
-      <p:sp>
-        <p:nvSpPr>
-          <p:cNvPr id="7" name="CasellaDiTesto 6">
-            <a:extLst>
-              <a:ext uri="{FF2B5EF4-FFF2-40B4-BE49-F238E27FC236}">
-                <a16:creationId xmlns:a16="http://schemas.microsoft.com/office/drawing/2014/main" id="{47B0913C-258A-9E74-AA8C-6F899B9D435C}"/>
-              </a:ext>
-            </a:extLst>
-          </p:cNvPr>
-          <p:cNvSpPr txBox="1"/>
-          <p:nvPr/>
-        </p:nvSpPr>
-        <p:spPr>
-          <a:xfrm>
-            <a:off x="2139970" y="-105123"/>
-            <a:ext cx="1383326" cy="369332"/>
-          </a:xfrm>
-          <a:prstGeom prst="rect">
-            <a:avLst/>
-          </a:prstGeom>
-          <a:noFill/>
-        </p:spPr>
-        <p:txBody>
-          <a:bodyPr wrap="square" rtlCol="0">
-            <a:spAutoFit/>
-          </a:bodyPr>
-          <a:lstStyle/>
-          <a:p>
-            <a:r>
-              <a:rPr lang="en-US" dirty="0" err="1"/>
-              <a:t>GradCam</a:t>
-            </a:r>
-            <a:endParaRPr lang="en-US" dirty="0"/>
-          </a:p>
-        </p:txBody>
-      </p:sp>
-      <p:cxnSp>
-        <p:nvCxnSpPr>
-          <p:cNvPr id="8" name="Connettore diritto 7">
-            <a:extLst>
-              <a:ext uri="{FF2B5EF4-FFF2-40B4-BE49-F238E27FC236}">
-                <a16:creationId xmlns:a16="http://schemas.microsoft.com/office/drawing/2014/main" id="{3507CF98-D93A-D182-621A-78E8CCC6DB6C}"/>
-              </a:ext>
-            </a:extLst>
-          </p:cNvPr>
-          <p:cNvCxnSpPr/>
-          <p:nvPr/>
-        </p:nvCxnSpPr>
-        <p:spPr>
-          <a:xfrm>
-            <a:off x="3650930" y="0"/>
-            <a:ext cx="0" cy="6858000"/>
-          </a:xfrm>
-          <a:prstGeom prst="line">
-            <a:avLst/>
-          </a:prstGeom>
-          <a:ln w="28575">
-            <a:solidFill>
-              <a:schemeClr val="tx1"/>
-            </a:solidFill>
-          </a:ln>
-        </p:spPr>
-        <p:style>
-          <a:lnRef idx="1">
-            <a:schemeClr val="accent1"/>
-          </a:lnRef>
-          <a:fillRef idx="0">
-            <a:schemeClr val="accent1"/>
-          </a:fillRef>
-          <a:effectRef idx="0">
-            <a:schemeClr val="accent1"/>
-          </a:effectRef>
-          <a:fontRef idx="minor">
-            <a:schemeClr val="tx1"/>
-          </a:fontRef>
-        </p:style>
-      </p:cxnSp>
-      <p:pic>
-        <p:nvPicPr>
-          <p:cNvPr id="9" name="Immagine 8">
-            <a:extLst>
-              <a:ext uri="{FF2B5EF4-FFF2-40B4-BE49-F238E27FC236}">
-                <a16:creationId xmlns:a16="http://schemas.microsoft.com/office/drawing/2014/main" id="{C9A03516-9AC2-C2A3-EAE4-81E6D320E183}"/>
-              </a:ext>
-            </a:extLst>
-          </p:cNvPr>
-          <p:cNvPicPr>
-            <a:picLocks noChangeAspect="1"/>
-          </p:cNvPicPr>
-          <p:nvPr/>
-        </p:nvPicPr>
-        <p:blipFill rotWithShape="1">
-          <a:blip r:embed="rId5">
-            <a:extLst>
-              <a:ext uri="{28A0092B-C50C-407E-A947-70E740481C1C}">
-                <a14:useLocalDpi xmlns:a14="http://schemas.microsoft.com/office/drawing/2010/main" val="0"/>
-              </a:ext>
-            </a:extLst>
-          </a:blip>
-          <a:srcRect l="58167" t="5941" r="1673" b="50925"/>
-          <a:stretch/>
-        </p:blipFill>
-        <p:spPr>
-          <a:xfrm>
-            <a:off x="1884471" y="539321"/>
-            <a:ext cx="1724894" cy="1744718"/>
-          </a:xfrm>
-          <a:prstGeom prst="rect">
-            <a:avLst/>
-          </a:prstGeom>
-        </p:spPr>
-      </p:pic>
-      <p:pic>
-        <p:nvPicPr>
-          <p:cNvPr id="10" name="Immagine 9">
-            <a:extLst>
-              <a:ext uri="{FF2B5EF4-FFF2-40B4-BE49-F238E27FC236}">
-                <a16:creationId xmlns:a16="http://schemas.microsoft.com/office/drawing/2014/main" id="{55091BFB-9322-4025-30B8-92052368D53D}"/>
-              </a:ext>
-            </a:extLst>
-          </p:cNvPr>
-          <p:cNvPicPr>
-            <a:picLocks noChangeAspect="1"/>
-          </p:cNvPicPr>
-          <p:nvPr/>
-        </p:nvPicPr>
-        <p:blipFill rotWithShape="1">
-          <a:blip r:embed="rId5">
-            <a:extLst>
-              <a:ext uri="{28A0092B-C50C-407E-A947-70E740481C1C}">
-                <a14:useLocalDpi xmlns:a14="http://schemas.microsoft.com/office/drawing/2010/main" val="0"/>
-              </a:ext>
-            </a:extLst>
-          </a:blip>
-          <a:srcRect l="1755" t="54908" r="58085" b="1958"/>
-          <a:stretch/>
-        </p:blipFill>
-        <p:spPr>
-          <a:xfrm>
-            <a:off x="1871416" y="2629536"/>
-            <a:ext cx="1724894" cy="1744718"/>
-          </a:xfrm>
-          <a:prstGeom prst="rect">
-            <a:avLst/>
-          </a:prstGeom>
-        </p:spPr>
-      </p:pic>
-      <p:pic>
-        <p:nvPicPr>
-          <p:cNvPr id="11" name="Immagine 10">
-            <a:extLst>
-              <a:ext uri="{FF2B5EF4-FFF2-40B4-BE49-F238E27FC236}">
-                <a16:creationId xmlns:a16="http://schemas.microsoft.com/office/drawing/2014/main" id="{5E2301A0-F3BD-F145-0B1D-C70D8705B8D4}"/>
-              </a:ext>
-            </a:extLst>
-          </p:cNvPr>
-          <p:cNvPicPr>
-            <a:picLocks noChangeAspect="1"/>
-          </p:cNvPicPr>
-          <p:nvPr/>
-        </p:nvPicPr>
-        <p:blipFill rotWithShape="1">
-          <a:blip r:embed="rId5">
-            <a:extLst>
-              <a:ext uri="{28A0092B-C50C-407E-A947-70E740481C1C}">
-                <a14:useLocalDpi xmlns:a14="http://schemas.microsoft.com/office/drawing/2010/main" val="0"/>
-              </a:ext>
-            </a:extLst>
-          </a:blip>
-          <a:srcRect l="57948" t="58120" r="1892" b="-1254"/>
-          <a:stretch/>
-        </p:blipFill>
-        <p:spPr>
-          <a:xfrm>
-            <a:off x="1798402" y="4855376"/>
-            <a:ext cx="1724894" cy="1744718"/>
-          </a:xfrm>
-          <a:prstGeom prst="rect">
-            <a:avLst/>
-          </a:prstGeom>
-        </p:spPr>
-      </p:pic>
-      <p:sp>
-        <p:nvSpPr>
-          <p:cNvPr id="12" name="CasellaDiTesto 11">
-            <a:extLst>
-              <a:ext uri="{FF2B5EF4-FFF2-40B4-BE49-F238E27FC236}">
-                <a16:creationId xmlns:a16="http://schemas.microsoft.com/office/drawing/2014/main" id="{90697022-1586-F32E-57AB-3DA9EDC958A8}"/>
-              </a:ext>
-            </a:extLst>
-          </p:cNvPr>
-          <p:cNvSpPr txBox="1"/>
-          <p:nvPr/>
-        </p:nvSpPr>
-        <p:spPr>
-          <a:xfrm>
-            <a:off x="1816803" y="2260204"/>
-            <a:ext cx="1724887" cy="369332"/>
-          </a:xfrm>
-          <a:prstGeom prst="rect">
-            <a:avLst/>
-          </a:prstGeom>
-          <a:noFill/>
-        </p:spPr>
-        <p:txBody>
-          <a:bodyPr wrap="square" rtlCol="0">
-            <a:spAutoFit/>
-          </a:bodyPr>
-          <a:lstStyle/>
-          <a:p>
-            <a:pPr algn="ctr"/>
-            <a:r>
-              <a:rPr lang="en-US" dirty="0"/>
-              <a:t>Heatmap</a:t>
-            </a:r>
-          </a:p>
-        </p:txBody>
-      </p:sp>
-      <p:sp>
-        <p:nvSpPr>
-          <p:cNvPr id="13" name="CasellaDiTesto 12">
-            <a:extLst>
-              <a:ext uri="{FF2B5EF4-FFF2-40B4-BE49-F238E27FC236}">
-                <a16:creationId xmlns:a16="http://schemas.microsoft.com/office/drawing/2014/main" id="{3739E5B1-DD2D-7080-7EF2-4DE159775146}"/>
-              </a:ext>
-            </a:extLst>
-          </p:cNvPr>
-          <p:cNvSpPr txBox="1"/>
-          <p:nvPr/>
-        </p:nvSpPr>
-        <p:spPr>
-          <a:xfrm>
-            <a:off x="1793632" y="4430149"/>
-            <a:ext cx="1724887" cy="369332"/>
-          </a:xfrm>
-          <a:prstGeom prst="rect">
-            <a:avLst/>
-          </a:prstGeom>
-          <a:noFill/>
-        </p:spPr>
-        <p:txBody>
-          <a:bodyPr wrap="square" rtlCol="0">
-            <a:spAutoFit/>
-          </a:bodyPr>
-          <a:lstStyle/>
-          <a:p>
-            <a:pPr algn="ctr"/>
-            <a:r>
-              <a:rPr lang="en-US" dirty="0"/>
-              <a:t>Activation map</a:t>
-            </a:r>
-          </a:p>
-        </p:txBody>
-      </p:sp>
-      <p:sp>
-        <p:nvSpPr>
-          <p:cNvPr id="14" name="CasellaDiTesto 13">
-            <a:extLst>
-              <a:ext uri="{FF2B5EF4-FFF2-40B4-BE49-F238E27FC236}">
-                <a16:creationId xmlns:a16="http://schemas.microsoft.com/office/drawing/2014/main" id="{D68C2766-05CE-EB27-E15D-1925488A2D01}"/>
-              </a:ext>
-            </a:extLst>
-          </p:cNvPr>
-          <p:cNvSpPr txBox="1"/>
-          <p:nvPr/>
-        </p:nvSpPr>
-        <p:spPr>
-          <a:xfrm>
-            <a:off x="1793631" y="6595768"/>
-            <a:ext cx="1724887" cy="646331"/>
-          </a:xfrm>
-          <a:prstGeom prst="rect">
-            <a:avLst/>
-          </a:prstGeom>
-          <a:noFill/>
-        </p:spPr>
-        <p:txBody>
-          <a:bodyPr wrap="square" rtlCol="0">
-            <a:spAutoFit/>
-          </a:bodyPr>
-          <a:lstStyle/>
-          <a:p>
-            <a:pPr algn="ctr"/>
-            <a:r>
-              <a:rPr lang="en-US" dirty="0"/>
-              <a:t>Heatmap on image</a:t>
-            </a:r>
-          </a:p>
-        </p:txBody>
-      </p:sp>
-      <p:sp>
-        <p:nvSpPr>
-          <p:cNvPr id="28" name="CasellaDiTesto 27">
-            <a:extLst>
-              <a:ext uri="{FF2B5EF4-FFF2-40B4-BE49-F238E27FC236}">
-                <a16:creationId xmlns:a16="http://schemas.microsoft.com/office/drawing/2014/main" id="{924C3E3A-A37B-30E7-116F-F94F16A7DDBC}"/>
-              </a:ext>
-            </a:extLst>
-          </p:cNvPr>
-          <p:cNvSpPr txBox="1"/>
-          <p:nvPr/>
-        </p:nvSpPr>
-        <p:spPr>
-          <a:xfrm>
-            <a:off x="3778565" y="-105123"/>
-            <a:ext cx="1744493" cy="646331"/>
-          </a:xfrm>
-          <a:prstGeom prst="rect">
-            <a:avLst/>
-          </a:prstGeom>
-          <a:noFill/>
-        </p:spPr>
-        <p:txBody>
-          <a:bodyPr wrap="square" rtlCol="0">
-            <a:spAutoFit/>
-          </a:bodyPr>
-          <a:lstStyle/>
-          <a:p>
-            <a:pPr algn="ctr"/>
-            <a:r>
-              <a:rPr lang="en-US" dirty="0"/>
-              <a:t>Grad times images</a:t>
-            </a:r>
-          </a:p>
-        </p:txBody>
-      </p:sp>
-      <p:sp>
-        <p:nvSpPr>
-          <p:cNvPr id="33" name="CasellaDiTesto 32">
-            <a:extLst>
-              <a:ext uri="{FF2B5EF4-FFF2-40B4-BE49-F238E27FC236}">
-                <a16:creationId xmlns:a16="http://schemas.microsoft.com/office/drawing/2014/main" id="{67974440-C690-B14F-4CBA-E7326BF662FF}"/>
-              </a:ext>
-            </a:extLst>
-          </p:cNvPr>
-          <p:cNvSpPr txBox="1"/>
-          <p:nvPr/>
-        </p:nvSpPr>
-        <p:spPr>
-          <a:xfrm>
-            <a:off x="3723943" y="2260204"/>
-            <a:ext cx="1724887" cy="646331"/>
-          </a:xfrm>
-          <a:prstGeom prst="rect">
-            <a:avLst/>
-          </a:prstGeom>
-          <a:noFill/>
-        </p:spPr>
-        <p:txBody>
-          <a:bodyPr wrap="square" rtlCol="0">
-            <a:spAutoFit/>
-          </a:bodyPr>
-          <a:lstStyle/>
-          <a:p>
-            <a:pPr algn="ctr"/>
-            <a:r>
-              <a:rPr lang="en-US" dirty="0"/>
-              <a:t>Vanilla grad x image</a:t>
-            </a:r>
-          </a:p>
-        </p:txBody>
-      </p:sp>
-      <p:sp>
-        <p:nvSpPr>
-          <p:cNvPr id="34" name="CasellaDiTesto 33">
-            <a:extLst>
-              <a:ext uri="{FF2B5EF4-FFF2-40B4-BE49-F238E27FC236}">
-                <a16:creationId xmlns:a16="http://schemas.microsoft.com/office/drawing/2014/main" id="{5C5FF9EA-726B-63F5-24BA-F8D560D7AF9C}"/>
-              </a:ext>
-            </a:extLst>
-          </p:cNvPr>
-          <p:cNvSpPr txBox="1"/>
-          <p:nvPr/>
-        </p:nvSpPr>
-        <p:spPr>
-          <a:xfrm>
-            <a:off x="3700772" y="4430149"/>
-            <a:ext cx="1724887" cy="646331"/>
-          </a:xfrm>
-          <a:prstGeom prst="rect">
-            <a:avLst/>
-          </a:prstGeom>
-          <a:noFill/>
-        </p:spPr>
-        <p:txBody>
-          <a:bodyPr wrap="square" rtlCol="0">
-            <a:spAutoFit/>
-          </a:bodyPr>
-          <a:lstStyle/>
-          <a:p>
-            <a:pPr algn="ctr"/>
-            <a:r>
-              <a:rPr lang="en-US" dirty="0"/>
-              <a:t>Integrated grad x image</a:t>
-            </a:r>
-          </a:p>
-        </p:txBody>
-      </p:sp>
-      <p:sp>
-        <p:nvSpPr>
-          <p:cNvPr id="35" name="CasellaDiTesto 34">
-            <a:extLst>
-              <a:ext uri="{FF2B5EF4-FFF2-40B4-BE49-F238E27FC236}">
-                <a16:creationId xmlns:a16="http://schemas.microsoft.com/office/drawing/2014/main" id="{1AFA4BE5-8D23-D4F6-2467-EC85974382E5}"/>
-              </a:ext>
-            </a:extLst>
-          </p:cNvPr>
-          <p:cNvSpPr txBox="1"/>
-          <p:nvPr/>
-        </p:nvSpPr>
-        <p:spPr>
-          <a:xfrm>
-            <a:off x="3682378" y="6595768"/>
-            <a:ext cx="1724887" cy="923330"/>
-          </a:xfrm>
-          <a:prstGeom prst="rect">
-            <a:avLst/>
-          </a:prstGeom>
-          <a:noFill/>
-        </p:spPr>
-        <p:txBody>
-          <a:bodyPr wrap="square" rtlCol="0">
-            <a:spAutoFit/>
-          </a:bodyPr>
-          <a:lstStyle/>
-          <a:p>
-            <a:pPr algn="ctr"/>
-            <a:r>
-              <a:rPr lang="en-US" dirty="0"/>
-              <a:t>Colored integrated grad x image</a:t>
-            </a:r>
-          </a:p>
-        </p:txBody>
-      </p:sp>
-      <p:pic>
-        <p:nvPicPr>
-          <p:cNvPr id="37" name="Immagine 36">
-            <a:extLst>
-              <a:ext uri="{FF2B5EF4-FFF2-40B4-BE49-F238E27FC236}">
-                <a16:creationId xmlns:a16="http://schemas.microsoft.com/office/drawing/2014/main" id="{5CEE7A3D-5007-E6B2-98F5-3CC8E3C3222F}"/>
-              </a:ext>
-            </a:extLst>
-          </p:cNvPr>
-          <p:cNvPicPr>
-            <a:picLocks noChangeAspect="1"/>
-          </p:cNvPicPr>
-          <p:nvPr/>
-        </p:nvPicPr>
-        <p:blipFill rotWithShape="1">
-          <a:blip r:embed="rId4">
-            <a:extLst>
-              <a:ext uri="{28A0092B-C50C-407E-A947-70E740481C1C}">
-                <a14:useLocalDpi xmlns:a14="http://schemas.microsoft.com/office/drawing/2010/main" val="0"/>
-              </a:ext>
-            </a:extLst>
-          </a:blip>
-          <a:srcRect l="76245" t="7706" b="66461"/>
-          <a:stretch/>
-        </p:blipFill>
-        <p:spPr>
-          <a:xfrm>
-            <a:off x="3692495" y="561959"/>
-            <a:ext cx="1900588" cy="1756013"/>
-          </a:xfrm>
-          <a:prstGeom prst="rect">
-            <a:avLst/>
-          </a:prstGeom>
-        </p:spPr>
-      </p:pic>
-      <p:cxnSp>
-        <p:nvCxnSpPr>
-          <p:cNvPr id="29" name="Connettore diritto 28">
-            <a:extLst>
-              <a:ext uri="{FF2B5EF4-FFF2-40B4-BE49-F238E27FC236}">
-                <a16:creationId xmlns:a16="http://schemas.microsoft.com/office/drawing/2014/main" id="{B7A9C928-2336-B234-8F3B-7C827A3C11C6}"/>
-              </a:ext>
-            </a:extLst>
-          </p:cNvPr>
-          <p:cNvCxnSpPr/>
-          <p:nvPr/>
-        </p:nvCxnSpPr>
-        <p:spPr>
-          <a:xfrm>
-            <a:off x="5558070" y="0"/>
-            <a:ext cx="0" cy="6858000"/>
-          </a:xfrm>
-          <a:prstGeom prst="line">
-            <a:avLst/>
-          </a:prstGeom>
-          <a:ln w="28575">
-            <a:solidFill>
-              <a:schemeClr val="tx1"/>
-            </a:solidFill>
-          </a:ln>
-        </p:spPr>
-        <p:style>
-          <a:lnRef idx="1">
-            <a:schemeClr val="accent1"/>
-          </a:lnRef>
-          <a:fillRef idx="0">
-            <a:schemeClr val="accent1"/>
-          </a:fillRef>
-          <a:effectRef idx="0">
-            <a:schemeClr val="accent1"/>
-          </a:effectRef>
-          <a:fontRef idx="minor">
-            <a:schemeClr val="tx1"/>
-          </a:fontRef>
-        </p:style>
-      </p:cxnSp>
-      <p:sp>
-        <p:nvSpPr>
-          <p:cNvPr id="42" name="CasellaDiTesto 41">
-            <a:extLst>
-              <a:ext uri="{FF2B5EF4-FFF2-40B4-BE49-F238E27FC236}">
-                <a16:creationId xmlns:a16="http://schemas.microsoft.com/office/drawing/2014/main" id="{7BA958F2-65E0-561C-A9B1-011FD0133728}"/>
-              </a:ext>
-            </a:extLst>
-          </p:cNvPr>
-          <p:cNvSpPr txBox="1"/>
-          <p:nvPr/>
-        </p:nvSpPr>
-        <p:spPr>
-          <a:xfrm>
-            <a:off x="5654257" y="-105123"/>
-            <a:ext cx="1744493" cy="369332"/>
-          </a:xfrm>
-          <a:prstGeom prst="rect">
-            <a:avLst/>
-          </a:prstGeom>
-          <a:noFill/>
-        </p:spPr>
-        <p:txBody>
-          <a:bodyPr wrap="square" rtlCol="0">
-            <a:spAutoFit/>
-          </a:bodyPr>
-          <a:lstStyle/>
-          <a:p>
-            <a:pPr algn="ctr"/>
-            <a:r>
-              <a:rPr lang="en-US" dirty="0" err="1"/>
-              <a:t>LayerCAM</a:t>
-            </a:r>
-            <a:endParaRPr lang="en-US" dirty="0"/>
-          </a:p>
-        </p:txBody>
-      </p:sp>
-      <p:sp>
-        <p:nvSpPr>
-          <p:cNvPr id="43" name="CasellaDiTesto 42">
-            <a:extLst>
-              <a:ext uri="{FF2B5EF4-FFF2-40B4-BE49-F238E27FC236}">
-                <a16:creationId xmlns:a16="http://schemas.microsoft.com/office/drawing/2014/main" id="{F2FB4BAE-D6C9-DDF1-BA17-7EBA77356D7B}"/>
-              </a:ext>
-            </a:extLst>
-          </p:cNvPr>
-          <p:cNvSpPr txBox="1"/>
-          <p:nvPr/>
-        </p:nvSpPr>
-        <p:spPr>
-          <a:xfrm>
-            <a:off x="5599635" y="2260204"/>
-            <a:ext cx="1724887" cy="646331"/>
-          </a:xfrm>
-          <a:prstGeom prst="rect">
-            <a:avLst/>
-          </a:prstGeom>
-          <a:noFill/>
-        </p:spPr>
-        <p:txBody>
-          <a:bodyPr wrap="square" rtlCol="0">
-            <a:spAutoFit/>
-          </a:bodyPr>
-          <a:lstStyle/>
-          <a:p>
-            <a:pPr algn="ctr"/>
-            <a:r>
-              <a:rPr lang="en-US" dirty="0"/>
-              <a:t>Class activation heatmap</a:t>
-            </a:r>
-          </a:p>
-        </p:txBody>
-      </p:sp>
-      <p:sp>
-        <p:nvSpPr>
-          <p:cNvPr id="44" name="CasellaDiTesto 43">
-            <a:extLst>
-              <a:ext uri="{FF2B5EF4-FFF2-40B4-BE49-F238E27FC236}">
-                <a16:creationId xmlns:a16="http://schemas.microsoft.com/office/drawing/2014/main" id="{A0DF3ED5-936D-D242-268B-0EEBEEA5F74D}"/>
-              </a:ext>
-            </a:extLst>
-          </p:cNvPr>
-          <p:cNvSpPr txBox="1"/>
-          <p:nvPr/>
-        </p:nvSpPr>
-        <p:spPr>
-          <a:xfrm>
-            <a:off x="5576464" y="4430149"/>
-            <a:ext cx="1724887" cy="646331"/>
-          </a:xfrm>
-          <a:prstGeom prst="rect">
-            <a:avLst/>
-          </a:prstGeom>
-          <a:noFill/>
-        </p:spPr>
-        <p:txBody>
-          <a:bodyPr wrap="square" rtlCol="0">
-            <a:spAutoFit/>
-          </a:bodyPr>
-          <a:lstStyle/>
-          <a:p>
-            <a:pPr algn="ctr"/>
-            <a:r>
-              <a:rPr lang="en-US" dirty="0"/>
-              <a:t>Class activation map</a:t>
-            </a:r>
-          </a:p>
-        </p:txBody>
-      </p:sp>
-      <p:sp>
-        <p:nvSpPr>
-          <p:cNvPr id="45" name="CasellaDiTesto 44">
-            <a:extLst>
-              <a:ext uri="{FF2B5EF4-FFF2-40B4-BE49-F238E27FC236}">
-                <a16:creationId xmlns:a16="http://schemas.microsoft.com/office/drawing/2014/main" id="{1BF190D3-D58C-BDEA-FF50-B981E85AFBED}"/>
-              </a:ext>
-            </a:extLst>
-          </p:cNvPr>
-          <p:cNvSpPr txBox="1"/>
-          <p:nvPr/>
-        </p:nvSpPr>
-        <p:spPr>
-          <a:xfrm>
-            <a:off x="5558070" y="6595768"/>
-            <a:ext cx="1724887" cy="923330"/>
-          </a:xfrm>
-          <a:prstGeom prst="rect">
-            <a:avLst/>
-          </a:prstGeom>
-          <a:noFill/>
-        </p:spPr>
-        <p:txBody>
-          <a:bodyPr wrap="square" rtlCol="0">
-            <a:spAutoFit/>
-          </a:bodyPr>
-          <a:lstStyle/>
-          <a:p>
-            <a:pPr algn="ctr"/>
-            <a:r>
-              <a:rPr lang="en-US" dirty="0"/>
-              <a:t>Class activation heatmap on image</a:t>
-            </a:r>
-          </a:p>
-        </p:txBody>
-      </p:sp>
-      <p:cxnSp>
-        <p:nvCxnSpPr>
-          <p:cNvPr id="47" name="Connettore diritto 46">
-            <a:extLst>
-              <a:ext uri="{FF2B5EF4-FFF2-40B4-BE49-F238E27FC236}">
-                <a16:creationId xmlns:a16="http://schemas.microsoft.com/office/drawing/2014/main" id="{EEBAF9FA-5AA2-AFFC-C3F5-1A100DE504D2}"/>
-              </a:ext>
-            </a:extLst>
-          </p:cNvPr>
-          <p:cNvCxnSpPr/>
-          <p:nvPr/>
-        </p:nvCxnSpPr>
-        <p:spPr>
-          <a:xfrm>
-            <a:off x="7433762" y="0"/>
-            <a:ext cx="0" cy="6858000"/>
-          </a:xfrm>
-          <a:prstGeom prst="line">
-            <a:avLst/>
-          </a:prstGeom>
-          <a:ln w="28575">
-            <a:solidFill>
-              <a:schemeClr val="tx1"/>
-            </a:solidFill>
-          </a:ln>
-        </p:spPr>
-        <p:style>
-          <a:lnRef idx="1">
-            <a:schemeClr val="accent1"/>
-          </a:lnRef>
-          <a:fillRef idx="0">
-            <a:schemeClr val="accent1"/>
-          </a:fillRef>
-          <a:effectRef idx="0">
-            <a:schemeClr val="accent1"/>
-          </a:effectRef>
-          <a:fontRef idx="minor">
-            <a:schemeClr val="tx1"/>
-          </a:fontRef>
-        </p:style>
-      </p:cxnSp>
-      <p:sp>
-        <p:nvSpPr>
-          <p:cNvPr id="57" name="CasellaDiTesto 56">
-            <a:extLst>
-              <a:ext uri="{FF2B5EF4-FFF2-40B4-BE49-F238E27FC236}">
-                <a16:creationId xmlns:a16="http://schemas.microsoft.com/office/drawing/2014/main" id="{10FBF99E-1CF9-DCC0-6288-7573D3D4BD4A}"/>
-              </a:ext>
-            </a:extLst>
-          </p:cNvPr>
-          <p:cNvSpPr txBox="1"/>
-          <p:nvPr/>
-        </p:nvSpPr>
-        <p:spPr>
-          <a:xfrm>
-            <a:off x="7617484" y="-70340"/>
-            <a:ext cx="1744493" cy="646331"/>
-          </a:xfrm>
-          <a:prstGeom prst="rect">
-            <a:avLst/>
-          </a:prstGeom>
-          <a:noFill/>
-        </p:spPr>
-        <p:txBody>
-          <a:bodyPr wrap="square" rtlCol="0">
-            <a:spAutoFit/>
-          </a:bodyPr>
-          <a:lstStyle/>
-          <a:p>
-            <a:pPr algn="ctr"/>
-            <a:r>
-              <a:rPr lang="en-US" dirty="0" err="1"/>
-              <a:t>Layerwise</a:t>
-            </a:r>
-            <a:r>
-              <a:rPr lang="en-US" dirty="0"/>
-              <a:t> relevance (LRP)</a:t>
-            </a:r>
-          </a:p>
-        </p:txBody>
-      </p:sp>
-      <p:sp>
-        <p:nvSpPr>
-          <p:cNvPr id="58" name="CasellaDiTesto 57">
-            <a:extLst>
-              <a:ext uri="{FF2B5EF4-FFF2-40B4-BE49-F238E27FC236}">
-                <a16:creationId xmlns:a16="http://schemas.microsoft.com/office/drawing/2014/main" id="{B7F94844-F15D-E2F9-FB12-1F9F749E28A6}"/>
-              </a:ext>
-            </a:extLst>
-          </p:cNvPr>
-          <p:cNvSpPr txBox="1"/>
-          <p:nvPr/>
-        </p:nvSpPr>
-        <p:spPr>
-          <a:xfrm>
-            <a:off x="7562862" y="2294987"/>
-            <a:ext cx="1724887" cy="369332"/>
-          </a:xfrm>
-          <a:prstGeom prst="rect">
-            <a:avLst/>
-          </a:prstGeom>
-          <a:noFill/>
-        </p:spPr>
-        <p:txBody>
-          <a:bodyPr wrap="square" rtlCol="0">
-            <a:spAutoFit/>
-          </a:bodyPr>
-          <a:lstStyle/>
-          <a:p>
-            <a:pPr algn="ctr"/>
-            <a:r>
-              <a:rPr lang="en-US" dirty="0"/>
-              <a:t>Layer 1</a:t>
-            </a:r>
-          </a:p>
-        </p:txBody>
-      </p:sp>
-      <p:sp>
-        <p:nvSpPr>
-          <p:cNvPr id="59" name="CasellaDiTesto 58">
-            <a:extLst>
-              <a:ext uri="{FF2B5EF4-FFF2-40B4-BE49-F238E27FC236}">
-                <a16:creationId xmlns:a16="http://schemas.microsoft.com/office/drawing/2014/main" id="{60ACC85C-94BF-AB80-DD8E-77BF070E4DF5}"/>
-              </a:ext>
-            </a:extLst>
-          </p:cNvPr>
-          <p:cNvSpPr txBox="1"/>
-          <p:nvPr/>
-        </p:nvSpPr>
-        <p:spPr>
-          <a:xfrm>
-            <a:off x="7539691" y="4464932"/>
-            <a:ext cx="1724887" cy="369332"/>
-          </a:xfrm>
-          <a:prstGeom prst="rect">
-            <a:avLst/>
-          </a:prstGeom>
-          <a:noFill/>
-        </p:spPr>
-        <p:txBody>
-          <a:bodyPr wrap="square" rtlCol="0">
-            <a:spAutoFit/>
-          </a:bodyPr>
-          <a:lstStyle/>
-          <a:p>
-            <a:pPr algn="ctr"/>
-            <a:r>
-              <a:rPr lang="en-US" dirty="0"/>
-              <a:t>Layer3</a:t>
-            </a:r>
-          </a:p>
-        </p:txBody>
-      </p:sp>
-      <p:sp>
-        <p:nvSpPr>
-          <p:cNvPr id="60" name="CasellaDiTesto 59">
-            <a:extLst>
-              <a:ext uri="{FF2B5EF4-FFF2-40B4-BE49-F238E27FC236}">
-                <a16:creationId xmlns:a16="http://schemas.microsoft.com/office/drawing/2014/main" id="{DB163687-9054-9AEA-41F2-1D2D92B0AFB9}"/>
-              </a:ext>
-            </a:extLst>
-          </p:cNvPr>
-          <p:cNvSpPr txBox="1"/>
-          <p:nvPr/>
-        </p:nvSpPr>
-        <p:spPr>
-          <a:xfrm>
-            <a:off x="7521297" y="6630551"/>
-            <a:ext cx="1724887" cy="369332"/>
-          </a:xfrm>
-          <a:prstGeom prst="rect">
-            <a:avLst/>
-          </a:prstGeom>
-          <a:noFill/>
-        </p:spPr>
-        <p:txBody>
-          <a:bodyPr wrap="square" rtlCol="0">
-            <a:spAutoFit/>
-          </a:bodyPr>
-          <a:lstStyle/>
-          <a:p>
-            <a:pPr algn="ctr"/>
-            <a:r>
-              <a:rPr lang="en-US" dirty="0"/>
-              <a:t>Layer 7</a:t>
-            </a:r>
-          </a:p>
-        </p:txBody>
-      </p:sp>
-      <p:cxnSp>
-        <p:nvCxnSpPr>
-          <p:cNvPr id="61" name="Connettore diritto 60">
-            <a:extLst>
-              <a:ext uri="{FF2B5EF4-FFF2-40B4-BE49-F238E27FC236}">
-                <a16:creationId xmlns:a16="http://schemas.microsoft.com/office/drawing/2014/main" id="{CF34336E-D22F-43E4-56DB-90726D4E3FF2}"/>
-              </a:ext>
-            </a:extLst>
-          </p:cNvPr>
-          <p:cNvCxnSpPr/>
-          <p:nvPr/>
-        </p:nvCxnSpPr>
-        <p:spPr>
-          <a:xfrm>
-            <a:off x="9396989" y="34783"/>
-            <a:ext cx="0" cy="6858000"/>
-          </a:xfrm>
-          <a:prstGeom prst="line">
-            <a:avLst/>
-          </a:prstGeom>
-          <a:ln w="28575">
-            <a:solidFill>
-              <a:schemeClr val="tx1"/>
-            </a:solidFill>
-          </a:ln>
-        </p:spPr>
-        <p:style>
-          <a:lnRef idx="1">
-            <a:schemeClr val="accent1"/>
-          </a:lnRef>
-          <a:fillRef idx="0">
-            <a:schemeClr val="accent1"/>
-          </a:fillRef>
-          <a:effectRef idx="0">
-            <a:schemeClr val="accent1"/>
-          </a:effectRef>
-          <a:fontRef idx="minor">
-            <a:schemeClr val="tx1"/>
-          </a:fontRef>
-        </p:style>
-      </p:cxnSp>
-      <p:sp>
-        <p:nvSpPr>
-          <p:cNvPr id="70" name="CasellaDiTesto 69">
-            <a:extLst>
-              <a:ext uri="{FF2B5EF4-FFF2-40B4-BE49-F238E27FC236}">
-                <a16:creationId xmlns:a16="http://schemas.microsoft.com/office/drawing/2014/main" id="{2EB33363-945A-AB0B-F8DE-E1A8D3DADD8B}"/>
-              </a:ext>
-            </a:extLst>
-          </p:cNvPr>
-          <p:cNvSpPr txBox="1"/>
-          <p:nvPr/>
-        </p:nvSpPr>
-        <p:spPr>
-          <a:xfrm>
-            <a:off x="9651531" y="-321768"/>
-            <a:ext cx="1744493" cy="923330"/>
-          </a:xfrm>
-          <a:prstGeom prst="rect">
-            <a:avLst/>
-          </a:prstGeom>
-          <a:noFill/>
-        </p:spPr>
-        <p:txBody>
-          <a:bodyPr wrap="square" rtlCol="0">
-            <a:spAutoFit/>
-          </a:bodyPr>
-          <a:lstStyle/>
-          <a:p>
-            <a:pPr algn="ctr"/>
-            <a:r>
-              <a:rPr lang="en-US" dirty="0"/>
-              <a:t>Layer activation with guided backpropagation</a:t>
-            </a:r>
-          </a:p>
-        </p:txBody>
-      </p:sp>
-      <p:sp>
-        <p:nvSpPr>
-          <p:cNvPr id="71" name="CasellaDiTesto 70">
-            <a:extLst>
-              <a:ext uri="{FF2B5EF4-FFF2-40B4-BE49-F238E27FC236}">
-                <a16:creationId xmlns:a16="http://schemas.microsoft.com/office/drawing/2014/main" id="{4F8A70A6-ECA6-6F7B-DE04-51137517E714}"/>
-              </a:ext>
-            </a:extLst>
-          </p:cNvPr>
-          <p:cNvSpPr txBox="1"/>
-          <p:nvPr/>
-        </p:nvSpPr>
-        <p:spPr>
-          <a:xfrm>
-            <a:off x="9596910" y="2313930"/>
-            <a:ext cx="1724887" cy="646331"/>
-          </a:xfrm>
-          <a:prstGeom prst="rect">
-            <a:avLst/>
-          </a:prstGeom>
-          <a:noFill/>
-        </p:spPr>
-        <p:txBody>
-          <a:bodyPr wrap="square" rtlCol="0">
-            <a:spAutoFit/>
-          </a:bodyPr>
-          <a:lstStyle/>
-          <a:p>
-            <a:pPr algn="ctr"/>
-            <a:r>
-              <a:rPr lang="en-US" dirty="0"/>
-              <a:t>Positive saliency map</a:t>
-            </a:r>
-          </a:p>
-        </p:txBody>
-      </p:sp>
-      <p:sp>
-        <p:nvSpPr>
-          <p:cNvPr id="72" name="CasellaDiTesto 71">
-            <a:extLst>
-              <a:ext uri="{FF2B5EF4-FFF2-40B4-BE49-F238E27FC236}">
-                <a16:creationId xmlns:a16="http://schemas.microsoft.com/office/drawing/2014/main" id="{DE1C9046-085A-0E39-F66C-B3D67A325566}"/>
-              </a:ext>
-            </a:extLst>
-          </p:cNvPr>
-          <p:cNvSpPr txBox="1"/>
-          <p:nvPr/>
-        </p:nvSpPr>
-        <p:spPr>
-          <a:xfrm>
-            <a:off x="9393234" y="4483875"/>
-            <a:ext cx="2002791" cy="646331"/>
-          </a:xfrm>
-          <a:prstGeom prst="rect">
-            <a:avLst/>
-          </a:prstGeom>
-          <a:noFill/>
-        </p:spPr>
-        <p:txBody>
-          <a:bodyPr wrap="square" rtlCol="0">
-            <a:spAutoFit/>
-          </a:bodyPr>
-          <a:lstStyle/>
-          <a:p>
-            <a:pPr algn="ctr"/>
-            <a:r>
-              <a:rPr lang="en-US" dirty="0"/>
-              <a:t>Grayscale guided backprop</a:t>
-            </a:r>
-          </a:p>
-        </p:txBody>
-      </p:sp>
-      <p:sp>
-        <p:nvSpPr>
-          <p:cNvPr id="73" name="CasellaDiTesto 72">
-            <a:extLst>
-              <a:ext uri="{FF2B5EF4-FFF2-40B4-BE49-F238E27FC236}">
-                <a16:creationId xmlns:a16="http://schemas.microsoft.com/office/drawing/2014/main" id="{83489E22-078A-89FB-ED97-66FFA4DC70B1}"/>
-              </a:ext>
-            </a:extLst>
-          </p:cNvPr>
-          <p:cNvSpPr txBox="1"/>
-          <p:nvPr/>
-        </p:nvSpPr>
-        <p:spPr>
-          <a:xfrm>
-            <a:off x="9555345" y="6649494"/>
-            <a:ext cx="1724887" cy="646331"/>
-          </a:xfrm>
-          <a:prstGeom prst="rect">
-            <a:avLst/>
-          </a:prstGeom>
-          <a:noFill/>
-        </p:spPr>
-        <p:txBody>
-          <a:bodyPr wrap="square" rtlCol="0">
-            <a:spAutoFit/>
-          </a:bodyPr>
-          <a:lstStyle/>
-          <a:p>
-            <a:pPr algn="ctr"/>
-            <a:r>
-              <a:rPr lang="en-US" dirty="0"/>
-              <a:t>colored guided backprop</a:t>
-            </a:r>
-          </a:p>
-        </p:txBody>
-      </p:sp>
-      <p:cxnSp>
-        <p:nvCxnSpPr>
-          <p:cNvPr id="74" name="Connettore diritto 73">
-            <a:extLst>
-              <a:ext uri="{FF2B5EF4-FFF2-40B4-BE49-F238E27FC236}">
-                <a16:creationId xmlns:a16="http://schemas.microsoft.com/office/drawing/2014/main" id="{1FD99D36-84D7-78D8-25B8-042F56154B53}"/>
-              </a:ext>
-            </a:extLst>
-          </p:cNvPr>
-          <p:cNvCxnSpPr/>
-          <p:nvPr/>
-        </p:nvCxnSpPr>
-        <p:spPr>
-          <a:xfrm>
-            <a:off x="11431037" y="53726"/>
-            <a:ext cx="0" cy="6858000"/>
-          </a:xfrm>
-          <a:prstGeom prst="line">
-            <a:avLst/>
-          </a:prstGeom>
-          <a:ln w="28575">
-            <a:solidFill>
-              <a:schemeClr val="tx1"/>
-            </a:solidFill>
-          </a:ln>
-        </p:spPr>
-        <p:style>
-          <a:lnRef idx="1">
-            <a:schemeClr val="accent1"/>
-          </a:lnRef>
-          <a:fillRef idx="0">
-            <a:schemeClr val="accent1"/>
-          </a:fillRef>
-          <a:effectRef idx="0">
-            <a:schemeClr val="accent1"/>
-          </a:effectRef>
-          <a:fontRef idx="minor">
-            <a:schemeClr val="tx1"/>
-          </a:fontRef>
-        </p:style>
-      </p:cxnSp>
-      <p:pic>
-        <p:nvPicPr>
-          <p:cNvPr id="76" name="Immagine 75">
-            <a:extLst>
-              <a:ext uri="{FF2B5EF4-FFF2-40B4-BE49-F238E27FC236}">
-                <a16:creationId xmlns:a16="http://schemas.microsoft.com/office/drawing/2014/main" id="{C4DCDEE2-65B4-0813-979A-A6836BEE7A45}"/>
-              </a:ext>
-            </a:extLst>
-          </p:cNvPr>
-          <p:cNvPicPr>
-            <a:picLocks noChangeAspect="1"/>
-          </p:cNvPicPr>
-          <p:nvPr/>
-        </p:nvPicPr>
-        <p:blipFill rotWithShape="1">
-          <a:blip r:embed="rId6">
-            <a:extLst>
-              <a:ext uri="{28A0092B-C50C-407E-A947-70E740481C1C}">
-                <a14:useLocalDpi xmlns:a14="http://schemas.microsoft.com/office/drawing/2010/main" val="0"/>
-              </a:ext>
-            </a:extLst>
-          </a:blip>
-          <a:srcRect l="429" t="55658" r="66837" b="1167"/>
-          <a:stretch/>
-        </p:blipFill>
-        <p:spPr>
-          <a:xfrm>
-            <a:off x="9618869" y="575991"/>
-            <a:ext cx="1702928" cy="1668551"/>
-          </a:xfrm>
-          <a:prstGeom prst="rect">
-            <a:avLst/>
-          </a:prstGeom>
-        </p:spPr>
-      </p:pic>
-      <p:pic>
-        <p:nvPicPr>
-          <p:cNvPr id="79" name="Immagine 78">
-            <a:extLst>
-              <a:ext uri="{FF2B5EF4-FFF2-40B4-BE49-F238E27FC236}">
-                <a16:creationId xmlns:a16="http://schemas.microsoft.com/office/drawing/2014/main" id="{CB534742-2B52-058C-6BA2-4C022303FD4C}"/>
-              </a:ext>
-            </a:extLst>
-          </p:cNvPr>
-          <p:cNvPicPr>
-            <a:picLocks noChangeAspect="1"/>
-          </p:cNvPicPr>
-          <p:nvPr/>
-        </p:nvPicPr>
-        <p:blipFill rotWithShape="1">
-          <a:blip r:embed="rId6">
-            <a:extLst>
-              <a:ext uri="{28A0092B-C50C-407E-A947-70E740481C1C}">
-                <a14:useLocalDpi xmlns:a14="http://schemas.microsoft.com/office/drawing/2010/main" val="0"/>
-              </a:ext>
-            </a:extLst>
-          </a:blip>
-          <a:srcRect l="67266" t="6825" b="50000"/>
-          <a:stretch/>
-        </p:blipFill>
-        <p:spPr>
-          <a:xfrm>
-            <a:off x="9577304" y="2885630"/>
-            <a:ext cx="1702928" cy="1668551"/>
-          </a:xfrm>
-          <a:prstGeom prst="rect">
-            <a:avLst/>
-          </a:prstGeom>
-        </p:spPr>
-      </p:pic>
-      <p:pic>
-        <p:nvPicPr>
-          <p:cNvPr id="80" name="Immagine 79">
-            <a:extLst>
-              <a:ext uri="{FF2B5EF4-FFF2-40B4-BE49-F238E27FC236}">
-                <a16:creationId xmlns:a16="http://schemas.microsoft.com/office/drawing/2014/main" id="{2E953EAE-966D-49C6-F955-C7CAD52FDEE7}"/>
-              </a:ext>
-            </a:extLst>
-          </p:cNvPr>
-          <p:cNvPicPr>
-            <a:picLocks noChangeAspect="1"/>
-          </p:cNvPicPr>
-          <p:nvPr/>
-        </p:nvPicPr>
-        <p:blipFill rotWithShape="1">
-          <a:blip r:embed="rId6">
-            <a:extLst>
-              <a:ext uri="{28A0092B-C50C-407E-A947-70E740481C1C}">
-                <a14:useLocalDpi xmlns:a14="http://schemas.microsoft.com/office/drawing/2010/main" val="0"/>
-              </a:ext>
-            </a:extLst>
-          </a:blip>
-          <a:srcRect l="33415" t="7497" r="33851" b="49328"/>
-          <a:stretch/>
-        </p:blipFill>
-        <p:spPr>
-          <a:xfrm>
-            <a:off x="9596562" y="5055791"/>
-            <a:ext cx="1702928" cy="1668551"/>
-          </a:xfrm>
-          <a:prstGeom prst="rect">
-            <a:avLst/>
-          </a:prstGeom>
-        </p:spPr>
-      </p:pic>
-      <p:sp>
-        <p:nvSpPr>
-          <p:cNvPr id="81" name="CasellaDiTesto 80">
-            <a:extLst>
-              <a:ext uri="{FF2B5EF4-FFF2-40B4-BE49-F238E27FC236}">
-                <a16:creationId xmlns:a16="http://schemas.microsoft.com/office/drawing/2014/main" id="{2F750F67-DDEF-3A57-0DC7-1E335CD3DA23}"/>
-              </a:ext>
-            </a:extLst>
-          </p:cNvPr>
-          <p:cNvSpPr txBox="1"/>
-          <p:nvPr/>
-        </p:nvSpPr>
-        <p:spPr>
-          <a:xfrm>
-            <a:off x="11592543" y="-105509"/>
-            <a:ext cx="1744493" cy="369332"/>
-          </a:xfrm>
-          <a:prstGeom prst="rect">
-            <a:avLst/>
-          </a:prstGeom>
-          <a:noFill/>
-        </p:spPr>
-        <p:txBody>
-          <a:bodyPr wrap="square" rtlCol="0">
-            <a:spAutoFit/>
-          </a:bodyPr>
-          <a:lstStyle/>
-          <a:p>
-            <a:pPr algn="ctr"/>
-            <a:r>
-              <a:rPr lang="en-US" dirty="0" err="1"/>
-              <a:t>ScoreCam</a:t>
-            </a:r>
-            <a:endParaRPr lang="en-US" dirty="0"/>
-          </a:p>
-        </p:txBody>
-      </p:sp>
-      <p:sp>
-        <p:nvSpPr>
-          <p:cNvPr id="82" name="CasellaDiTesto 81">
-            <a:extLst>
-              <a:ext uri="{FF2B5EF4-FFF2-40B4-BE49-F238E27FC236}">
-                <a16:creationId xmlns:a16="http://schemas.microsoft.com/office/drawing/2014/main" id="{E17E107F-4F43-5DA4-89ED-E5905F2AD964}"/>
-              </a:ext>
-            </a:extLst>
-          </p:cNvPr>
-          <p:cNvSpPr txBox="1"/>
-          <p:nvPr/>
-        </p:nvSpPr>
-        <p:spPr>
-          <a:xfrm>
-            <a:off x="11578312" y="2334208"/>
-            <a:ext cx="1724887" cy="646331"/>
-          </a:xfrm>
-          <a:prstGeom prst="rect">
-            <a:avLst/>
-          </a:prstGeom>
-          <a:noFill/>
-        </p:spPr>
-        <p:txBody>
-          <a:bodyPr wrap="square" rtlCol="0">
-            <a:spAutoFit/>
-          </a:bodyPr>
-          <a:lstStyle/>
-          <a:p>
-            <a:pPr algn="ctr"/>
-            <a:r>
-              <a:rPr lang="en-US" dirty="0"/>
-              <a:t>Class activation heatmap</a:t>
-            </a:r>
-          </a:p>
-        </p:txBody>
-      </p:sp>
-      <p:sp>
-        <p:nvSpPr>
-          <p:cNvPr id="83" name="CasellaDiTesto 82">
-            <a:extLst>
-              <a:ext uri="{FF2B5EF4-FFF2-40B4-BE49-F238E27FC236}">
-                <a16:creationId xmlns:a16="http://schemas.microsoft.com/office/drawing/2014/main" id="{D9AFECF4-D225-15B3-D112-D1F8CA807E3F}"/>
-              </a:ext>
-            </a:extLst>
-          </p:cNvPr>
-          <p:cNvSpPr txBox="1"/>
-          <p:nvPr/>
-        </p:nvSpPr>
-        <p:spPr>
-          <a:xfrm>
-            <a:off x="11536747" y="6669772"/>
-            <a:ext cx="1724887" cy="646331"/>
-          </a:xfrm>
-          <a:prstGeom prst="rect">
-            <a:avLst/>
-          </a:prstGeom>
-          <a:noFill/>
-        </p:spPr>
-        <p:txBody>
-          <a:bodyPr wrap="square" rtlCol="0">
-            <a:spAutoFit/>
-          </a:bodyPr>
-          <a:lstStyle/>
-          <a:p>
-            <a:pPr algn="ctr"/>
-            <a:r>
-              <a:rPr lang="en-US" dirty="0" err="1"/>
-              <a:t>Scorecam</a:t>
-            </a:r>
-            <a:r>
-              <a:rPr lang="en-US" dirty="0"/>
-              <a:t> on image</a:t>
-            </a:r>
-          </a:p>
-        </p:txBody>
-      </p:sp>
-      <p:cxnSp>
-        <p:nvCxnSpPr>
-          <p:cNvPr id="84" name="Connettore diritto 83">
-            <a:extLst>
-              <a:ext uri="{FF2B5EF4-FFF2-40B4-BE49-F238E27FC236}">
-                <a16:creationId xmlns:a16="http://schemas.microsoft.com/office/drawing/2014/main" id="{B981CC6A-F197-DA90-D1AE-820D8E7EB6A8}"/>
-              </a:ext>
-            </a:extLst>
-          </p:cNvPr>
-          <p:cNvCxnSpPr/>
-          <p:nvPr/>
-        </p:nvCxnSpPr>
-        <p:spPr>
-          <a:xfrm>
-            <a:off x="13412439" y="74004"/>
-            <a:ext cx="0" cy="6858000"/>
-          </a:xfrm>
-          <a:prstGeom prst="line">
-            <a:avLst/>
-          </a:prstGeom>
-          <a:ln w="28575">
-            <a:solidFill>
-              <a:schemeClr val="tx1"/>
-            </a:solidFill>
-          </a:ln>
-        </p:spPr>
-        <p:style>
-          <a:lnRef idx="1">
-            <a:schemeClr val="accent1"/>
-          </a:lnRef>
-          <a:fillRef idx="0">
-            <a:schemeClr val="accent1"/>
-          </a:fillRef>
-          <a:effectRef idx="0">
-            <a:schemeClr val="accent1"/>
-          </a:effectRef>
-          <a:fontRef idx="minor">
-            <a:schemeClr val="tx1"/>
-          </a:fontRef>
-        </p:style>
-      </p:cxnSp>
-      <p:sp>
-        <p:nvSpPr>
-          <p:cNvPr id="88" name="CasellaDiTesto 87">
-            <a:extLst>
-              <a:ext uri="{FF2B5EF4-FFF2-40B4-BE49-F238E27FC236}">
-                <a16:creationId xmlns:a16="http://schemas.microsoft.com/office/drawing/2014/main" id="{5DCB0F44-2807-67B8-1527-3210F4C84521}"/>
-              </a:ext>
-            </a:extLst>
-          </p:cNvPr>
-          <p:cNvSpPr txBox="1"/>
-          <p:nvPr/>
-        </p:nvSpPr>
-        <p:spPr>
-          <a:xfrm>
-            <a:off x="11285509" y="4483874"/>
-            <a:ext cx="2002791" cy="646331"/>
-          </a:xfrm>
-          <a:prstGeom prst="rect">
-            <a:avLst/>
-          </a:prstGeom>
-          <a:noFill/>
-        </p:spPr>
-        <p:txBody>
-          <a:bodyPr wrap="square" rtlCol="0">
-            <a:spAutoFit/>
-          </a:bodyPr>
-          <a:lstStyle/>
-          <a:p>
-            <a:pPr algn="ctr"/>
-            <a:r>
-              <a:rPr lang="en-US" dirty="0"/>
-              <a:t>Class activation map</a:t>
-            </a:r>
-          </a:p>
-        </p:txBody>
-      </p:sp>
-      <p:pic>
-        <p:nvPicPr>
-          <p:cNvPr id="91" name="Immagine 90">
-            <a:extLst>
-              <a:ext uri="{FF2B5EF4-FFF2-40B4-BE49-F238E27FC236}">
-                <a16:creationId xmlns:a16="http://schemas.microsoft.com/office/drawing/2014/main" id="{79180286-65E3-E484-09AC-BF8FADFD9374}"/>
-              </a:ext>
-            </a:extLst>
-          </p:cNvPr>
-          <p:cNvPicPr>
-            <a:picLocks noChangeAspect="1"/>
-          </p:cNvPicPr>
-          <p:nvPr/>
-        </p:nvPicPr>
-        <p:blipFill rotWithShape="1">
-          <a:blip r:embed="rId7">
-            <a:extLst>
-              <a:ext uri="{28A0092B-C50C-407E-A947-70E740481C1C}">
-                <a14:useLocalDpi xmlns:a14="http://schemas.microsoft.com/office/drawing/2010/main" val="0"/>
-              </a:ext>
-            </a:extLst>
-          </a:blip>
-          <a:srcRect l="-696" t="56922" r="58536" b="860"/>
-          <a:stretch/>
-        </p:blipFill>
-        <p:spPr>
-          <a:xfrm>
-            <a:off x="11568690" y="2898134"/>
-            <a:ext cx="1724887" cy="1646699"/>
-          </a:xfrm>
-          <a:prstGeom prst="rect">
-            <a:avLst/>
-          </a:prstGeom>
-        </p:spPr>
-      </p:pic>
-      <p:pic>
-        <p:nvPicPr>
-          <p:cNvPr id="92" name="Immagine 91">
-            <a:extLst>
-              <a:ext uri="{FF2B5EF4-FFF2-40B4-BE49-F238E27FC236}">
-                <a16:creationId xmlns:a16="http://schemas.microsoft.com/office/drawing/2014/main" id="{62F504F0-0C15-30BD-FB5C-E8A403BF90FA}"/>
-              </a:ext>
-            </a:extLst>
-          </p:cNvPr>
-          <p:cNvPicPr>
-            <a:picLocks noChangeAspect="1"/>
-          </p:cNvPicPr>
-          <p:nvPr/>
-        </p:nvPicPr>
-        <p:blipFill rotWithShape="1">
-          <a:blip r:embed="rId7">
-            <a:extLst>
-              <a:ext uri="{28A0092B-C50C-407E-A947-70E740481C1C}">
-                <a14:useLocalDpi xmlns:a14="http://schemas.microsoft.com/office/drawing/2010/main" val="0"/>
-              </a:ext>
-            </a:extLst>
-          </a:blip>
-          <a:srcRect l="57840" t="7093" b="50689"/>
-          <a:stretch/>
-        </p:blipFill>
-        <p:spPr>
-          <a:xfrm>
-            <a:off x="11568690" y="535217"/>
-            <a:ext cx="1724887" cy="1646699"/>
-          </a:xfrm>
-          <a:prstGeom prst="rect">
-            <a:avLst/>
-          </a:prstGeom>
-        </p:spPr>
-      </p:pic>
-      <p:pic>
-        <p:nvPicPr>
-          <p:cNvPr id="93" name="Immagine 92">
-            <a:extLst>
-              <a:ext uri="{FF2B5EF4-FFF2-40B4-BE49-F238E27FC236}">
-                <a16:creationId xmlns:a16="http://schemas.microsoft.com/office/drawing/2014/main" id="{38301A0F-B5C4-C51C-3FA7-3D9EE8B1929E}"/>
-              </a:ext>
-            </a:extLst>
-          </p:cNvPr>
-          <p:cNvPicPr>
-            <a:picLocks noChangeAspect="1"/>
-          </p:cNvPicPr>
-          <p:nvPr/>
-        </p:nvPicPr>
-        <p:blipFill rotWithShape="1">
-          <a:blip r:embed="rId7">
-            <a:extLst>
-              <a:ext uri="{28A0092B-C50C-407E-A947-70E740481C1C}">
-                <a14:useLocalDpi xmlns:a14="http://schemas.microsoft.com/office/drawing/2010/main" val="0"/>
-              </a:ext>
-            </a:extLst>
-          </a:blip>
-          <a:srcRect l="57163" t="56383" r="677" b="1399"/>
-          <a:stretch/>
-        </p:blipFill>
-        <p:spPr>
-          <a:xfrm>
-            <a:off x="11523957" y="5023073"/>
-            <a:ext cx="1724887" cy="1646699"/>
-          </a:xfrm>
-          <a:prstGeom prst="rect">
-            <a:avLst/>
-          </a:prstGeom>
-        </p:spPr>
-      </p:pic>
-    </p:spTree>
-    <p:extLst>
-      <p:ext uri="{BB962C8B-B14F-4D97-AF65-F5344CB8AC3E}">
-        <p14:creationId xmlns:p14="http://schemas.microsoft.com/office/powerpoint/2010/main" val="3370173392"/>
       </p:ext>
     </p:extLst>
   </p:cSld>

--- a/figures/addtional_figures.pptx
+++ b/figures/addtional_figures.pptx
@@ -22403,7 +22403,7 @@
         </p:nvSpPr>
         <p:spPr>
           <a:xfrm>
-            <a:off x="3392893" y="2737342"/>
+            <a:off x="3392893" y="2958057"/>
             <a:ext cx="3523488" cy="816864"/>
           </a:xfrm>
           <a:prstGeom prst="roundRect">
@@ -22457,7 +22457,7 @@
         </p:nvSpPr>
         <p:spPr>
           <a:xfrm>
-            <a:off x="3392893" y="3755140"/>
+            <a:off x="3392893" y="4165035"/>
             <a:ext cx="3523488" cy="816864"/>
           </a:xfrm>
           <a:prstGeom prst="roundRect">
@@ -23077,7 +23077,7 @@
         </p:nvSpPr>
         <p:spPr>
           <a:xfrm>
-            <a:off x="467986" y="5273509"/>
+            <a:off x="467986" y="5683404"/>
             <a:ext cx="1888352" cy="816864"/>
           </a:xfrm>
           <a:prstGeom prst="roundRect">
@@ -23146,7 +23146,7 @@
         </p:nvSpPr>
         <p:spPr>
           <a:xfrm>
-            <a:off x="2572278" y="5273509"/>
+            <a:off x="2572278" y="5683404"/>
             <a:ext cx="1888352" cy="816864"/>
           </a:xfrm>
           <a:prstGeom prst="roundRect">
@@ -23202,7 +23202,7 @@
         </p:nvSpPr>
         <p:spPr>
           <a:xfrm>
-            <a:off x="4688994" y="5273509"/>
+            <a:off x="4688994" y="5683404"/>
             <a:ext cx="1888352" cy="816864"/>
           </a:xfrm>
           <a:prstGeom prst="roundRect">
@@ -23263,7 +23263,7 @@
         </p:nvSpPr>
         <p:spPr>
           <a:xfrm>
-            <a:off x="6718021" y="5273509"/>
+            <a:off x="6718021" y="5683404"/>
             <a:ext cx="1888352" cy="816864"/>
           </a:xfrm>
           <a:prstGeom prst="roundRect">
@@ -23529,7 +23529,7 @@
         <p:spPr>
           <a:xfrm flipV="1">
             <a:off x="6916381" y="1967601"/>
-            <a:ext cx="2104292" cy="1178173"/>
+            <a:ext cx="2104292" cy="1398888"/>
           </a:xfrm>
           <a:prstGeom prst="straightConnector1">
             <a:avLst/>
@@ -23577,7 +23577,7 @@
         <p:spPr>
           <a:xfrm flipV="1">
             <a:off x="6916381" y="2910137"/>
-            <a:ext cx="2104292" cy="235637"/>
+            <a:ext cx="2104292" cy="456352"/>
           </a:xfrm>
           <a:prstGeom prst="straightConnector1">
             <a:avLst/>
@@ -23624,8 +23624,8 @@
         </p:nvCxnSpPr>
         <p:spPr>
           <a:xfrm>
-            <a:off x="6916381" y="3145774"/>
-            <a:ext cx="2104292" cy="706899"/>
+            <a:off x="6916381" y="3366489"/>
+            <a:ext cx="2104292" cy="486184"/>
           </a:xfrm>
           <a:prstGeom prst="straightConnector1">
             <a:avLst/>
@@ -23672,8 +23672,8 @@
         </p:nvCxnSpPr>
         <p:spPr>
           <a:xfrm>
-            <a:off x="6916381" y="3145774"/>
-            <a:ext cx="2104292" cy="1641227"/>
+            <a:off x="6916381" y="3366489"/>
+            <a:ext cx="2104292" cy="1420512"/>
           </a:xfrm>
           <a:prstGeom prst="straightConnector1">
             <a:avLst/>
@@ -23720,7 +23720,7 @@
         </p:nvCxnSpPr>
         <p:spPr>
           <a:xfrm>
-            <a:off x="5154637" y="4572004"/>
+            <a:off x="5154637" y="4981899"/>
             <a:ext cx="2507560" cy="701505"/>
           </a:xfrm>
           <a:prstGeom prst="straightConnector1">
@@ -23766,7 +23766,7 @@
         </p:nvCxnSpPr>
         <p:spPr>
           <a:xfrm>
-            <a:off x="5154637" y="4572004"/>
+            <a:off x="5154637" y="4981899"/>
             <a:ext cx="478533" cy="701505"/>
           </a:xfrm>
           <a:prstGeom prst="straightConnector1">
@@ -23812,7 +23812,7 @@
         </p:nvCxnSpPr>
         <p:spPr>
           <a:xfrm flipH="1">
-            <a:off x="3516454" y="4572004"/>
+            <a:off x="3516454" y="4981899"/>
             <a:ext cx="1638183" cy="701505"/>
           </a:xfrm>
           <a:prstGeom prst="straightConnector1">
@@ -23858,7 +23858,7 @@
         </p:nvCxnSpPr>
         <p:spPr>
           <a:xfrm flipH="1">
-            <a:off x="1412162" y="4572004"/>
+            <a:off x="1412162" y="4981899"/>
             <a:ext cx="3742475" cy="701505"/>
           </a:xfrm>
           <a:prstGeom prst="straightConnector1">
@@ -23886,6 +23886,96 @@
           </a:fontRef>
         </p:style>
       </p:cxnSp>
+      <p:pic>
+        <p:nvPicPr>
+          <p:cNvPr id="61" name="Immagine 60">
+            <a:extLst>
+              <a:ext uri="{FF2B5EF4-FFF2-40B4-BE49-F238E27FC236}">
+                <a16:creationId xmlns:a16="http://schemas.microsoft.com/office/drawing/2014/main" id="{B2E6D8AF-FE8E-0E74-B6D7-B421DBC609F5}"/>
+              </a:ext>
+            </a:extLst>
+          </p:cNvPr>
+          <p:cNvPicPr>
+            <a:picLocks noChangeAspect="1"/>
+          </p:cNvPicPr>
+          <p:nvPr/>
+        </p:nvPicPr>
+        <p:blipFill>
+          <a:blip r:embed="rId2"/>
+          <a:stretch>
+            <a:fillRect/>
+          </a:stretch>
+        </p:blipFill>
+        <p:spPr>
+          <a:xfrm>
+            <a:off x="2119159" y="1652783"/>
+            <a:ext cx="1042810" cy="927794"/>
+          </a:xfrm>
+          <a:prstGeom prst="rect">
+            <a:avLst/>
+          </a:prstGeom>
+        </p:spPr>
+      </p:pic>
+      <p:pic>
+        <p:nvPicPr>
+          <p:cNvPr id="63" name="Immagine 62">
+            <a:extLst>
+              <a:ext uri="{FF2B5EF4-FFF2-40B4-BE49-F238E27FC236}">
+                <a16:creationId xmlns:a16="http://schemas.microsoft.com/office/drawing/2014/main" id="{C503893C-C5E2-AF88-95F5-754916A933C1}"/>
+              </a:ext>
+            </a:extLst>
+          </p:cNvPr>
+          <p:cNvPicPr>
+            <a:picLocks noChangeAspect="1"/>
+          </p:cNvPicPr>
+          <p:nvPr/>
+        </p:nvPicPr>
+        <p:blipFill>
+          <a:blip r:embed="rId3"/>
+          <a:stretch>
+            <a:fillRect/>
+          </a:stretch>
+        </p:blipFill>
+        <p:spPr>
+          <a:xfrm>
+            <a:off x="2096805" y="2907387"/>
+            <a:ext cx="1082590" cy="1049382"/>
+          </a:xfrm>
+          <a:prstGeom prst="rect">
+            <a:avLst/>
+          </a:prstGeom>
+        </p:spPr>
+      </p:pic>
+      <p:pic>
+        <p:nvPicPr>
+          <p:cNvPr id="65" name="Immagine 64">
+            <a:extLst>
+              <a:ext uri="{FF2B5EF4-FFF2-40B4-BE49-F238E27FC236}">
+                <a16:creationId xmlns:a16="http://schemas.microsoft.com/office/drawing/2014/main" id="{108A60EF-2B15-EBD2-D8DD-04B5811B4E5D}"/>
+              </a:ext>
+            </a:extLst>
+          </p:cNvPr>
+          <p:cNvPicPr>
+            <a:picLocks noChangeAspect="1"/>
+          </p:cNvPicPr>
+          <p:nvPr/>
+        </p:nvPicPr>
+        <p:blipFill>
+          <a:blip r:embed="rId4"/>
+          <a:stretch>
+            <a:fillRect/>
+          </a:stretch>
+        </p:blipFill>
+        <p:spPr>
+          <a:xfrm>
+            <a:off x="2096806" y="4109715"/>
+            <a:ext cx="1062700" cy="1047013"/>
+          </a:xfrm>
+          <a:prstGeom prst="rect">
+            <a:avLst/>
+          </a:prstGeom>
+        </p:spPr>
+      </p:pic>
     </p:spTree>
     <p:extLst>
       <p:ext uri="{BB962C8B-B14F-4D97-AF65-F5344CB8AC3E}">

--- a/figures/addtional_figures.pptx
+++ b/figures/addtional_figures.pptx
@@ -5,10 +5,10 @@
     <p:sldMasterId id="2147483648" r:id="rId1"/>
   </p:sldMasterIdLst>
   <p:notesMasterIdLst>
-    <p:notesMasterId r:id="rId16"/>
+    <p:notesMasterId r:id="rId17"/>
   </p:notesMasterIdLst>
   <p:sldIdLst>
-    <p:sldId id="256" r:id="rId2"/>
+    <p:sldId id="270" r:id="rId2"/>
     <p:sldId id="269" r:id="rId3"/>
     <p:sldId id="267" r:id="rId4"/>
     <p:sldId id="268" r:id="rId5"/>
@@ -16,12 +16,13 @@
     <p:sldId id="258" r:id="rId7"/>
     <p:sldId id="259" r:id="rId8"/>
     <p:sldId id="260" r:id="rId9"/>
-    <p:sldId id="261" r:id="rId10"/>
+    <p:sldId id="256" r:id="rId10"/>
     <p:sldId id="262" r:id="rId11"/>
-    <p:sldId id="263" r:id="rId12"/>
-    <p:sldId id="264" r:id="rId13"/>
-    <p:sldId id="265" r:id="rId14"/>
-    <p:sldId id="266" r:id="rId15"/>
+    <p:sldId id="261" r:id="rId12"/>
+    <p:sldId id="263" r:id="rId13"/>
+    <p:sldId id="264" r:id="rId14"/>
+    <p:sldId id="265" r:id="rId15"/>
+    <p:sldId id="266" r:id="rId16"/>
   </p:sldIdLst>
   <p:sldSz cx="12192000" cy="6858000"/>
   <p:notesSz cx="6858000" cy="9144000"/>
@@ -210,7 +211,7 @@
           <a:p>
             <a:fld id="{141436AA-BBA3-41B5-A45C-EE3A47F06D69}" type="datetimeFigureOut">
               <a:rPr lang="en-US" smtClean="0"/>
-              <a:t>10/19/2024</a:t>
+              <a:t>10/20/2024</a:t>
             </a:fld>
             <a:endParaRPr lang="en-US"/>
           </a:p>
@@ -849,7 +850,7 @@
           <a:p>
             <a:fld id="{1843C6F9-6011-468F-BEB0-51C2A350541A}" type="slidenum">
               <a:rPr lang="en-US" smtClean="0"/>
-              <a:t>1</a:t>
+              <a:t>9</a:t>
             </a:fld>
             <a:endParaRPr lang="en-US"/>
           </a:p>
@@ -1017,7 +1018,7 @@
           <a:p>
             <a:fld id="{D1849B51-CB8F-4E70-B214-8C45EFD2E0E3}" type="datetimeFigureOut">
               <a:rPr lang="en-US" smtClean="0"/>
-              <a:t>10/19/2024</a:t>
+              <a:t>10/20/2024</a:t>
             </a:fld>
             <a:endParaRPr lang="en-US"/>
           </a:p>
@@ -1217,7 +1218,7 @@
           <a:p>
             <a:fld id="{D1849B51-CB8F-4E70-B214-8C45EFD2E0E3}" type="datetimeFigureOut">
               <a:rPr lang="en-US" smtClean="0"/>
-              <a:t>10/19/2024</a:t>
+              <a:t>10/20/2024</a:t>
             </a:fld>
             <a:endParaRPr lang="en-US"/>
           </a:p>
@@ -1427,7 +1428,7 @@
           <a:p>
             <a:fld id="{D1849B51-CB8F-4E70-B214-8C45EFD2E0E3}" type="datetimeFigureOut">
               <a:rPr lang="en-US" smtClean="0"/>
-              <a:t>10/19/2024</a:t>
+              <a:t>10/20/2024</a:t>
             </a:fld>
             <a:endParaRPr lang="en-US"/>
           </a:p>
@@ -1627,7 +1628,7 @@
           <a:p>
             <a:fld id="{D1849B51-CB8F-4E70-B214-8C45EFD2E0E3}" type="datetimeFigureOut">
               <a:rPr lang="en-US" smtClean="0"/>
-              <a:t>10/19/2024</a:t>
+              <a:t>10/20/2024</a:t>
             </a:fld>
             <a:endParaRPr lang="en-US"/>
           </a:p>
@@ -1903,7 +1904,7 @@
           <a:p>
             <a:fld id="{D1849B51-CB8F-4E70-B214-8C45EFD2E0E3}" type="datetimeFigureOut">
               <a:rPr lang="en-US" smtClean="0"/>
-              <a:t>10/19/2024</a:t>
+              <a:t>10/20/2024</a:t>
             </a:fld>
             <a:endParaRPr lang="en-US"/>
           </a:p>
@@ -2171,7 +2172,7 @@
           <a:p>
             <a:fld id="{D1849B51-CB8F-4E70-B214-8C45EFD2E0E3}" type="datetimeFigureOut">
               <a:rPr lang="en-US" smtClean="0"/>
-              <a:t>10/19/2024</a:t>
+              <a:t>10/20/2024</a:t>
             </a:fld>
             <a:endParaRPr lang="en-US"/>
           </a:p>
@@ -2586,7 +2587,7 @@
           <a:p>
             <a:fld id="{D1849B51-CB8F-4E70-B214-8C45EFD2E0E3}" type="datetimeFigureOut">
               <a:rPr lang="en-US" smtClean="0"/>
-              <a:t>10/19/2024</a:t>
+              <a:t>10/20/2024</a:t>
             </a:fld>
             <a:endParaRPr lang="en-US"/>
           </a:p>
@@ -2728,7 +2729,7 @@
           <a:p>
             <a:fld id="{D1849B51-CB8F-4E70-B214-8C45EFD2E0E3}" type="datetimeFigureOut">
               <a:rPr lang="en-US" smtClean="0"/>
-              <a:t>10/19/2024</a:t>
+              <a:t>10/20/2024</a:t>
             </a:fld>
             <a:endParaRPr lang="en-US"/>
           </a:p>
@@ -2841,7 +2842,7 @@
           <a:p>
             <a:fld id="{D1849B51-CB8F-4E70-B214-8C45EFD2E0E3}" type="datetimeFigureOut">
               <a:rPr lang="en-US" smtClean="0"/>
-              <a:t>10/19/2024</a:t>
+              <a:t>10/20/2024</a:t>
             </a:fld>
             <a:endParaRPr lang="en-US"/>
           </a:p>
@@ -3154,7 +3155,7 @@
           <a:p>
             <a:fld id="{D1849B51-CB8F-4E70-B214-8C45EFD2E0E3}" type="datetimeFigureOut">
               <a:rPr lang="en-US" smtClean="0"/>
-              <a:t>10/19/2024</a:t>
+              <a:t>10/20/2024</a:t>
             </a:fld>
             <a:endParaRPr lang="en-US"/>
           </a:p>
@@ -3443,7 +3444,7 @@
           <a:p>
             <a:fld id="{D1849B51-CB8F-4E70-B214-8C45EFD2E0E3}" type="datetimeFigureOut">
               <a:rPr lang="en-US" smtClean="0"/>
-              <a:t>10/19/2024</a:t>
+              <a:t>10/20/2024</a:t>
             </a:fld>
             <a:endParaRPr lang="en-US"/>
           </a:p>
@@ -3686,7 +3687,7 @@
           <a:p>
             <a:fld id="{D1849B51-CB8F-4E70-B214-8C45EFD2E0E3}" type="datetimeFigureOut">
               <a:rPr lang="en-US" smtClean="0"/>
-              <a:t>10/19/2024</a:t>
+              <a:t>10/20/2024</a:t>
             </a:fld>
             <a:endParaRPr lang="en-US"/>
           </a:p>
@@ -4103,658 +4104,10 @@
           <a:chExt cx="0" cy="0"/>
         </a:xfrm>
       </p:grpSpPr>
-      <p:pic>
-        <p:nvPicPr>
-          <p:cNvPr id="1026" name="Picture 2">
-            <a:extLst>
-              <a:ext uri="{FF2B5EF4-FFF2-40B4-BE49-F238E27FC236}">
-                <a16:creationId xmlns:a16="http://schemas.microsoft.com/office/drawing/2014/main" id="{73F63C40-A39F-5150-4EAC-2B097384325F}"/>
-              </a:ext>
-            </a:extLst>
-          </p:cNvPr>
-          <p:cNvPicPr>
-            <a:picLocks noChangeAspect="1" noChangeArrowheads="1"/>
-          </p:cNvPicPr>
-          <p:nvPr/>
-        </p:nvPicPr>
-        <p:blipFill>
-          <a:blip r:embed="rId3">
-            <a:extLst>
-              <a:ext uri="{28A0092B-C50C-407E-A947-70E740481C1C}">
-                <a14:useLocalDpi xmlns:a14="http://schemas.microsoft.com/office/drawing/2010/main" val="0"/>
-              </a:ext>
-            </a:extLst>
-          </a:blip>
-          <a:srcRect/>
-          <a:stretch>
-            <a:fillRect/>
-          </a:stretch>
-        </p:blipFill>
-        <p:spPr bwMode="auto">
-          <a:xfrm>
-            <a:off x="155330" y="536427"/>
-            <a:ext cx="2667000" cy="3048000"/>
-          </a:xfrm>
-          <a:prstGeom prst="rect">
-            <a:avLst/>
-          </a:prstGeom>
-          <a:noFill/>
-          <a:extLst>
-            <a:ext uri="{909E8E84-426E-40DD-AFC4-6F175D3DCCD1}">
-              <a14:hiddenFill xmlns:a14="http://schemas.microsoft.com/office/drawing/2010/main">
-                <a:solidFill>
-                  <a:srgbClr val="FFFFFF"/>
-                </a:solidFill>
-              </a14:hiddenFill>
-            </a:ext>
-          </a:extLst>
-        </p:spPr>
-      </p:pic>
-      <p:pic>
-        <p:nvPicPr>
-          <p:cNvPr id="1028" name="Picture 4" descr="undefined">
-            <a:extLst>
-              <a:ext uri="{FF2B5EF4-FFF2-40B4-BE49-F238E27FC236}">
-                <a16:creationId xmlns:a16="http://schemas.microsoft.com/office/drawing/2014/main" id="{290CB033-7884-B3BE-72A8-D692E57890CC}"/>
-              </a:ext>
-            </a:extLst>
-          </p:cNvPr>
-          <p:cNvPicPr>
-            <a:picLocks noChangeAspect="1" noChangeArrowheads="1"/>
-          </p:cNvPicPr>
-          <p:nvPr/>
-        </p:nvPicPr>
-        <p:blipFill rotWithShape="1">
-          <a:blip r:embed="rId4">
-            <a:extLst>
-              <a:ext uri="{28A0092B-C50C-407E-A947-70E740481C1C}">
-                <a14:useLocalDpi xmlns:a14="http://schemas.microsoft.com/office/drawing/2010/main" val="0"/>
-              </a:ext>
-            </a:extLst>
-          </a:blip>
-          <a:srcRect r="66949"/>
-          <a:stretch/>
-        </p:blipFill>
-        <p:spPr bwMode="auto">
-          <a:xfrm>
-            <a:off x="6785467" y="600537"/>
-            <a:ext cx="2189603" cy="2926693"/>
-          </a:xfrm>
-          <a:prstGeom prst="rect">
-            <a:avLst/>
-          </a:prstGeom>
-          <a:noFill/>
-          <a:extLst>
-            <a:ext uri="{909E8E84-426E-40DD-AFC4-6F175D3DCCD1}">
-              <a14:hiddenFill xmlns:a14="http://schemas.microsoft.com/office/drawing/2010/main">
-                <a:solidFill>
-                  <a:srgbClr val="FFFFFF"/>
-                </a:solidFill>
-              </a14:hiddenFill>
-            </a:ext>
-          </a:extLst>
-        </p:spPr>
-      </p:pic>
-      <p:pic>
-        <p:nvPicPr>
-          <p:cNvPr id="1030" name="Picture 6" descr="undefined">
-            <a:extLst>
-              <a:ext uri="{FF2B5EF4-FFF2-40B4-BE49-F238E27FC236}">
-                <a16:creationId xmlns:a16="http://schemas.microsoft.com/office/drawing/2014/main" id="{D02FBDBE-048C-2E20-783B-22C4405FF856}"/>
-              </a:ext>
-            </a:extLst>
-          </p:cNvPr>
-          <p:cNvPicPr>
-            <a:picLocks noChangeAspect="1" noChangeArrowheads="1"/>
-          </p:cNvPicPr>
-          <p:nvPr/>
-        </p:nvPicPr>
-        <p:blipFill rotWithShape="1">
-          <a:blip r:embed="rId5">
-            <a:extLst>
-              <a:ext uri="{28A0092B-C50C-407E-A947-70E740481C1C}">
-                <a14:useLocalDpi xmlns:a14="http://schemas.microsoft.com/office/drawing/2010/main" val="0"/>
-              </a:ext>
-            </a:extLst>
-          </a:blip>
-          <a:srcRect l="49520"/>
-          <a:stretch/>
-        </p:blipFill>
-        <p:spPr bwMode="auto">
-          <a:xfrm>
-            <a:off x="3065425" y="600537"/>
-            <a:ext cx="3476947" cy="2919779"/>
-          </a:xfrm>
-          <a:prstGeom prst="rect">
-            <a:avLst/>
-          </a:prstGeom>
-          <a:noFill/>
-          <a:extLst>
-            <a:ext uri="{909E8E84-426E-40DD-AFC4-6F175D3DCCD1}">
-              <a14:hiddenFill xmlns:a14="http://schemas.microsoft.com/office/drawing/2010/main">
-                <a:solidFill>
-                  <a:srgbClr val="FFFFFF"/>
-                </a:solidFill>
-              </a14:hiddenFill>
-            </a:ext>
-          </a:extLst>
-        </p:spPr>
-      </p:pic>
-      <p:pic>
-        <p:nvPicPr>
-          <p:cNvPr id="1032" name="Picture 8" descr="Fundus photography - Wikipedia">
-            <a:extLst>
-              <a:ext uri="{FF2B5EF4-FFF2-40B4-BE49-F238E27FC236}">
-                <a16:creationId xmlns:a16="http://schemas.microsoft.com/office/drawing/2014/main" id="{F0BBEA2E-57A0-2626-D8D3-AEA66204FD3F}"/>
-              </a:ext>
-            </a:extLst>
-          </p:cNvPr>
-          <p:cNvPicPr>
-            <a:picLocks noChangeAspect="1" noChangeArrowheads="1"/>
-          </p:cNvPicPr>
-          <p:nvPr/>
-        </p:nvPicPr>
-        <p:blipFill>
-          <a:blip r:embed="rId6">
-            <a:extLst>
-              <a:ext uri="{28A0092B-C50C-407E-A947-70E740481C1C}">
-                <a14:useLocalDpi xmlns:a14="http://schemas.microsoft.com/office/drawing/2010/main" val="0"/>
-              </a:ext>
-            </a:extLst>
-          </a:blip>
-          <a:srcRect/>
-          <a:stretch>
-            <a:fillRect/>
-          </a:stretch>
-        </p:blipFill>
-        <p:spPr bwMode="auto">
-          <a:xfrm>
-            <a:off x="9151076" y="607451"/>
-            <a:ext cx="2919779" cy="2919779"/>
-          </a:xfrm>
-          <a:prstGeom prst="rect">
-            <a:avLst/>
-          </a:prstGeom>
-          <a:noFill/>
-          <a:extLst>
-            <a:ext uri="{909E8E84-426E-40DD-AFC4-6F175D3DCCD1}">
-              <a14:hiddenFill xmlns:a14="http://schemas.microsoft.com/office/drawing/2010/main">
-                <a:solidFill>
-                  <a:srgbClr val="FFFFFF"/>
-                </a:solidFill>
-              </a14:hiddenFill>
-            </a:ext>
-          </a:extLst>
-        </p:spPr>
-      </p:pic>
-      <p:pic>
-        <p:nvPicPr>
-          <p:cNvPr id="1034" name="Picture 10" descr="undefined">
-            <a:extLst>
-              <a:ext uri="{FF2B5EF4-FFF2-40B4-BE49-F238E27FC236}">
-                <a16:creationId xmlns:a16="http://schemas.microsoft.com/office/drawing/2014/main" id="{42ADCF84-918A-39BF-BE1E-B8C2C12EA427}"/>
-              </a:ext>
-            </a:extLst>
-          </p:cNvPr>
-          <p:cNvPicPr>
-            <a:picLocks noChangeAspect="1" noChangeArrowheads="1"/>
-          </p:cNvPicPr>
-          <p:nvPr/>
-        </p:nvPicPr>
-        <p:blipFill rotWithShape="1">
-          <a:blip r:embed="rId7">
-            <a:extLst>
-              <a:ext uri="{28A0092B-C50C-407E-A947-70E740481C1C}">
-                <a14:useLocalDpi xmlns:a14="http://schemas.microsoft.com/office/drawing/2010/main" val="0"/>
-              </a:ext>
-            </a:extLst>
-          </a:blip>
-          <a:srcRect r="50000"/>
-          <a:stretch/>
-        </p:blipFill>
-        <p:spPr bwMode="auto">
-          <a:xfrm>
-            <a:off x="155330" y="4135412"/>
-            <a:ext cx="2667000" cy="2618828"/>
-          </a:xfrm>
-          <a:prstGeom prst="rect">
-            <a:avLst/>
-          </a:prstGeom>
-          <a:noFill/>
-          <a:extLst>
-            <a:ext uri="{909E8E84-426E-40DD-AFC4-6F175D3DCCD1}">
-              <a14:hiddenFill xmlns:a14="http://schemas.microsoft.com/office/drawing/2010/main">
-                <a:solidFill>
-                  <a:srgbClr val="FFFFFF"/>
-                </a:solidFill>
-              </a14:hiddenFill>
-            </a:ext>
-          </a:extLst>
-        </p:spPr>
-      </p:pic>
-      <p:pic>
-        <p:nvPicPr>
-          <p:cNvPr id="1036" name="Picture 12" descr="undefined">
-            <a:extLst>
-              <a:ext uri="{FF2B5EF4-FFF2-40B4-BE49-F238E27FC236}">
-                <a16:creationId xmlns:a16="http://schemas.microsoft.com/office/drawing/2014/main" id="{B65B33D4-DD80-3DC4-4F3E-62F2F435F725}"/>
-              </a:ext>
-            </a:extLst>
-          </p:cNvPr>
-          <p:cNvPicPr>
-            <a:picLocks noChangeAspect="1" noChangeArrowheads="1"/>
-          </p:cNvPicPr>
-          <p:nvPr/>
-        </p:nvPicPr>
-        <p:blipFill>
-          <a:blip r:embed="rId8">
-            <a:extLst>
-              <a:ext uri="{28A0092B-C50C-407E-A947-70E740481C1C}">
-                <a14:useLocalDpi xmlns:a14="http://schemas.microsoft.com/office/drawing/2010/main" val="0"/>
-              </a:ext>
-            </a:extLst>
-          </a:blip>
-          <a:srcRect/>
-          <a:stretch>
-            <a:fillRect/>
-          </a:stretch>
-        </p:blipFill>
-        <p:spPr bwMode="auto">
-          <a:xfrm>
-            <a:off x="3065424" y="4164720"/>
-            <a:ext cx="3476947" cy="2587955"/>
-          </a:xfrm>
-          <a:prstGeom prst="rect">
-            <a:avLst/>
-          </a:prstGeom>
-          <a:noFill/>
-          <a:extLst>
-            <a:ext uri="{909E8E84-426E-40DD-AFC4-6F175D3DCCD1}">
-              <a14:hiddenFill xmlns:a14="http://schemas.microsoft.com/office/drawing/2010/main">
-                <a:solidFill>
-                  <a:srgbClr val="FFFFFF"/>
-                </a:solidFill>
-              </a14:hiddenFill>
-            </a:ext>
-          </a:extLst>
-        </p:spPr>
-      </p:pic>
-      <p:pic>
-        <p:nvPicPr>
-          <p:cNvPr id="1038" name="Picture 14">
-            <a:extLst>
-              <a:ext uri="{FF2B5EF4-FFF2-40B4-BE49-F238E27FC236}">
-                <a16:creationId xmlns:a16="http://schemas.microsoft.com/office/drawing/2014/main" id="{5DBC5E19-7A39-B8A4-9ECF-9BA1D5682F1E}"/>
-              </a:ext>
-            </a:extLst>
-          </p:cNvPr>
-          <p:cNvPicPr>
-            <a:picLocks noChangeAspect="1" noChangeArrowheads="1"/>
-          </p:cNvPicPr>
-          <p:nvPr/>
-        </p:nvPicPr>
-        <p:blipFill>
-          <a:blip r:embed="rId9">
-            <a:extLst>
-              <a:ext uri="{28A0092B-C50C-407E-A947-70E740481C1C}">
-                <a14:useLocalDpi xmlns:a14="http://schemas.microsoft.com/office/drawing/2010/main" val="0"/>
-              </a:ext>
-            </a:extLst>
-          </a:blip>
-          <a:srcRect/>
-          <a:stretch>
-            <a:fillRect/>
-          </a:stretch>
-        </p:blipFill>
-        <p:spPr bwMode="auto">
-          <a:xfrm rot="5400000">
-            <a:off x="6652438" y="4339337"/>
-            <a:ext cx="2483055" cy="2189602"/>
-          </a:xfrm>
-          <a:prstGeom prst="rect">
-            <a:avLst/>
-          </a:prstGeom>
-          <a:noFill/>
-          <a:extLst>
-            <a:ext uri="{909E8E84-426E-40DD-AFC4-6F175D3DCCD1}">
-              <a14:hiddenFill xmlns:a14="http://schemas.microsoft.com/office/drawing/2010/main">
-                <a:solidFill>
-                  <a:srgbClr val="FFFFFF"/>
-                </a:solidFill>
-              </a14:hiddenFill>
-            </a:ext>
-          </a:extLst>
-        </p:spPr>
-      </p:pic>
-      <p:pic>
-        <p:nvPicPr>
-          <p:cNvPr id="1040" name="Picture 16" descr="undefined">
-            <a:extLst>
-              <a:ext uri="{FF2B5EF4-FFF2-40B4-BE49-F238E27FC236}">
-                <a16:creationId xmlns:a16="http://schemas.microsoft.com/office/drawing/2014/main" id="{82AE48E2-4A7D-85EB-1C3D-4F643DF67AE7}"/>
-              </a:ext>
-            </a:extLst>
-          </p:cNvPr>
-          <p:cNvPicPr>
-            <a:picLocks noChangeAspect="1" noChangeArrowheads="1"/>
-          </p:cNvPicPr>
-          <p:nvPr/>
-        </p:nvPicPr>
-        <p:blipFill rotWithShape="1">
-          <a:blip r:embed="rId10">
-            <a:extLst>
-              <a:ext uri="{28A0092B-C50C-407E-A947-70E740481C1C}">
-                <a14:useLocalDpi xmlns:a14="http://schemas.microsoft.com/office/drawing/2010/main" val="0"/>
-              </a:ext>
-            </a:extLst>
-          </a:blip>
-          <a:srcRect l="37778"/>
-          <a:stretch/>
-        </p:blipFill>
-        <p:spPr bwMode="auto">
-          <a:xfrm>
-            <a:off x="9219349" y="4164719"/>
-            <a:ext cx="2255231" cy="2649897"/>
-          </a:xfrm>
-          <a:prstGeom prst="rect">
-            <a:avLst/>
-          </a:prstGeom>
-          <a:noFill/>
-          <a:extLst>
-            <a:ext uri="{909E8E84-426E-40DD-AFC4-6F175D3DCCD1}">
-              <a14:hiddenFill xmlns:a14="http://schemas.microsoft.com/office/drawing/2010/main">
-                <a:solidFill>
-                  <a:srgbClr val="FFFFFF"/>
-                </a:solidFill>
-              </a14:hiddenFill>
-            </a:ext>
-          </a:extLst>
-        </p:spPr>
-      </p:pic>
-      <p:sp>
-        <p:nvSpPr>
-          <p:cNvPr id="2" name="CasellaDiTesto 1">
-            <a:extLst>
-              <a:ext uri="{FF2B5EF4-FFF2-40B4-BE49-F238E27FC236}">
-                <a16:creationId xmlns:a16="http://schemas.microsoft.com/office/drawing/2014/main" id="{DBE20C5B-1659-A5E8-6E64-543510933CAA}"/>
-              </a:ext>
-            </a:extLst>
-          </p:cNvPr>
-          <p:cNvSpPr txBox="1"/>
-          <p:nvPr/>
-        </p:nvSpPr>
-        <p:spPr>
-          <a:xfrm>
-            <a:off x="155330" y="73572"/>
-            <a:ext cx="569884" cy="369332"/>
-          </a:xfrm>
-          <a:prstGeom prst="rect">
-            <a:avLst/>
-          </a:prstGeom>
-          <a:noFill/>
-        </p:spPr>
-        <p:txBody>
-          <a:bodyPr wrap="square" rtlCol="0">
-            <a:spAutoFit/>
-          </a:bodyPr>
-          <a:lstStyle/>
-          <a:p>
-            <a:r>
-              <a:rPr lang="en-US" dirty="0"/>
-              <a:t>A)</a:t>
-            </a:r>
-          </a:p>
-        </p:txBody>
-      </p:sp>
-      <p:sp>
-        <p:nvSpPr>
-          <p:cNvPr id="3" name="CasellaDiTesto 2">
-            <a:extLst>
-              <a:ext uri="{FF2B5EF4-FFF2-40B4-BE49-F238E27FC236}">
-                <a16:creationId xmlns:a16="http://schemas.microsoft.com/office/drawing/2014/main" id="{CCF61CCE-4F8A-6045-7B34-09D6CBF982F4}"/>
-              </a:ext>
-            </a:extLst>
-          </p:cNvPr>
-          <p:cNvSpPr txBox="1"/>
-          <p:nvPr/>
-        </p:nvSpPr>
-        <p:spPr>
-          <a:xfrm>
-            <a:off x="3012872" y="110580"/>
-            <a:ext cx="569884" cy="369332"/>
-          </a:xfrm>
-          <a:prstGeom prst="rect">
-            <a:avLst/>
-          </a:prstGeom>
-          <a:noFill/>
-        </p:spPr>
-        <p:txBody>
-          <a:bodyPr wrap="square" rtlCol="0">
-            <a:spAutoFit/>
-          </a:bodyPr>
-          <a:lstStyle/>
-          <a:p>
-            <a:r>
-              <a:rPr lang="en-US" dirty="0"/>
-              <a:t>B)</a:t>
-            </a:r>
-          </a:p>
-        </p:txBody>
-      </p:sp>
-      <p:sp>
-        <p:nvSpPr>
-          <p:cNvPr id="4" name="CasellaDiTesto 3">
-            <a:extLst>
-              <a:ext uri="{FF2B5EF4-FFF2-40B4-BE49-F238E27FC236}">
-                <a16:creationId xmlns:a16="http://schemas.microsoft.com/office/drawing/2014/main" id="{81C24104-1ED5-9712-E60E-B8D9F7F81AC2}"/>
-              </a:ext>
-            </a:extLst>
-          </p:cNvPr>
-          <p:cNvSpPr txBox="1"/>
-          <p:nvPr/>
-        </p:nvSpPr>
-        <p:spPr>
-          <a:xfrm>
-            <a:off x="6805128" y="110580"/>
-            <a:ext cx="569884" cy="369332"/>
-          </a:xfrm>
-          <a:prstGeom prst="rect">
-            <a:avLst/>
-          </a:prstGeom>
-          <a:noFill/>
-        </p:spPr>
-        <p:txBody>
-          <a:bodyPr wrap="square" rtlCol="0">
-            <a:spAutoFit/>
-          </a:bodyPr>
-          <a:lstStyle/>
-          <a:p>
-            <a:r>
-              <a:rPr lang="en-US" dirty="0"/>
-              <a:t>C)</a:t>
-            </a:r>
-          </a:p>
-        </p:txBody>
-      </p:sp>
-      <p:sp>
-        <p:nvSpPr>
-          <p:cNvPr id="5" name="CasellaDiTesto 4">
-            <a:extLst>
-              <a:ext uri="{FF2B5EF4-FFF2-40B4-BE49-F238E27FC236}">
-                <a16:creationId xmlns:a16="http://schemas.microsoft.com/office/drawing/2014/main" id="{72E8F4A7-8416-8EB5-106A-2E9DD34935F1}"/>
-              </a:ext>
-            </a:extLst>
-          </p:cNvPr>
-          <p:cNvSpPr txBox="1"/>
-          <p:nvPr/>
-        </p:nvSpPr>
-        <p:spPr>
-          <a:xfrm>
-            <a:off x="9137151" y="147588"/>
-            <a:ext cx="569884" cy="369332"/>
-          </a:xfrm>
-          <a:prstGeom prst="rect">
-            <a:avLst/>
-          </a:prstGeom>
-          <a:noFill/>
-        </p:spPr>
-        <p:txBody>
-          <a:bodyPr wrap="square" rtlCol="0">
-            <a:spAutoFit/>
-          </a:bodyPr>
-          <a:lstStyle/>
-          <a:p>
-            <a:r>
-              <a:rPr lang="en-US" dirty="0"/>
-              <a:t>D)</a:t>
-            </a:r>
-          </a:p>
-        </p:txBody>
-      </p:sp>
-      <p:sp>
-        <p:nvSpPr>
-          <p:cNvPr id="6" name="CasellaDiTesto 5">
-            <a:extLst>
-              <a:ext uri="{FF2B5EF4-FFF2-40B4-BE49-F238E27FC236}">
-                <a16:creationId xmlns:a16="http://schemas.microsoft.com/office/drawing/2014/main" id="{1708E1B2-C5B8-D66C-B22B-5F07494C386C}"/>
-              </a:ext>
-            </a:extLst>
-          </p:cNvPr>
-          <p:cNvSpPr txBox="1"/>
-          <p:nvPr/>
-        </p:nvSpPr>
-        <p:spPr>
-          <a:xfrm>
-            <a:off x="129786" y="3728286"/>
-            <a:ext cx="569884" cy="369332"/>
-          </a:xfrm>
-          <a:prstGeom prst="rect">
-            <a:avLst/>
-          </a:prstGeom>
-          <a:noFill/>
-        </p:spPr>
-        <p:txBody>
-          <a:bodyPr wrap="square" rtlCol="0">
-            <a:spAutoFit/>
-          </a:bodyPr>
-          <a:lstStyle/>
-          <a:p>
-            <a:r>
-              <a:rPr lang="en-US" dirty="0"/>
-              <a:t>E)</a:t>
-            </a:r>
-          </a:p>
-        </p:txBody>
-      </p:sp>
-      <p:sp>
-        <p:nvSpPr>
-          <p:cNvPr id="7" name="CasellaDiTesto 6">
-            <a:extLst>
-              <a:ext uri="{FF2B5EF4-FFF2-40B4-BE49-F238E27FC236}">
-                <a16:creationId xmlns:a16="http://schemas.microsoft.com/office/drawing/2014/main" id="{F9BCB7CC-2FB8-579B-2789-C0F6321466DF}"/>
-              </a:ext>
-            </a:extLst>
-          </p:cNvPr>
-          <p:cNvSpPr txBox="1"/>
-          <p:nvPr/>
-        </p:nvSpPr>
-        <p:spPr>
-          <a:xfrm>
-            <a:off x="2987328" y="3765294"/>
-            <a:ext cx="569884" cy="369332"/>
-          </a:xfrm>
-          <a:prstGeom prst="rect">
-            <a:avLst/>
-          </a:prstGeom>
-          <a:noFill/>
-        </p:spPr>
-        <p:txBody>
-          <a:bodyPr wrap="square" rtlCol="0">
-            <a:spAutoFit/>
-          </a:bodyPr>
-          <a:lstStyle/>
-          <a:p>
-            <a:r>
-              <a:rPr lang="en-US" dirty="0"/>
-              <a:t>F)</a:t>
-            </a:r>
-          </a:p>
-        </p:txBody>
-      </p:sp>
-      <p:sp>
-        <p:nvSpPr>
-          <p:cNvPr id="8" name="CasellaDiTesto 7">
-            <a:extLst>
-              <a:ext uri="{FF2B5EF4-FFF2-40B4-BE49-F238E27FC236}">
-                <a16:creationId xmlns:a16="http://schemas.microsoft.com/office/drawing/2014/main" id="{36C1819D-D175-F543-1BA5-3B09A1D3A60A}"/>
-              </a:ext>
-            </a:extLst>
-          </p:cNvPr>
-          <p:cNvSpPr txBox="1"/>
-          <p:nvPr/>
-        </p:nvSpPr>
-        <p:spPr>
-          <a:xfrm>
-            <a:off x="6779584" y="3765294"/>
-            <a:ext cx="569884" cy="369332"/>
-          </a:xfrm>
-          <a:prstGeom prst="rect">
-            <a:avLst/>
-          </a:prstGeom>
-          <a:noFill/>
-        </p:spPr>
-        <p:txBody>
-          <a:bodyPr wrap="square" rtlCol="0">
-            <a:spAutoFit/>
-          </a:bodyPr>
-          <a:lstStyle/>
-          <a:p>
-            <a:r>
-              <a:rPr lang="en-US" dirty="0"/>
-              <a:t>G)</a:t>
-            </a:r>
-          </a:p>
-        </p:txBody>
-      </p:sp>
-      <p:sp>
-        <p:nvSpPr>
-          <p:cNvPr id="9" name="CasellaDiTesto 8">
-            <a:extLst>
-              <a:ext uri="{FF2B5EF4-FFF2-40B4-BE49-F238E27FC236}">
-                <a16:creationId xmlns:a16="http://schemas.microsoft.com/office/drawing/2014/main" id="{B4BC7D2A-2E6B-E9E1-FA3D-B9AFEDD8E6BB}"/>
-              </a:ext>
-            </a:extLst>
-          </p:cNvPr>
-          <p:cNvSpPr txBox="1"/>
-          <p:nvPr/>
-        </p:nvSpPr>
-        <p:spPr>
-          <a:xfrm>
-            <a:off x="9111607" y="3802302"/>
-            <a:ext cx="569884" cy="369332"/>
-          </a:xfrm>
-          <a:prstGeom prst="rect">
-            <a:avLst/>
-          </a:prstGeom>
-          <a:noFill/>
-        </p:spPr>
-        <p:txBody>
-          <a:bodyPr wrap="square" rtlCol="0">
-            <a:spAutoFit/>
-          </a:bodyPr>
-          <a:lstStyle/>
-          <a:p>
-            <a:r>
-              <a:rPr lang="en-US" dirty="0"/>
-              <a:t>H)</a:t>
-            </a:r>
-          </a:p>
-        </p:txBody>
-      </p:sp>
     </p:spTree>
     <p:extLst>
       <p:ext uri="{BB962C8B-B14F-4D97-AF65-F5344CB8AC3E}">
-        <p14:creationId xmlns:p14="http://schemas.microsoft.com/office/powerpoint/2010/main" val="4231469287"/>
+        <p14:creationId xmlns:p14="http://schemas.microsoft.com/office/powerpoint/2010/main" val="3630807535"/>
       </p:ext>
     </p:extLst>
   </p:cSld>
@@ -6656,6 +6009,1964 @@
 </file>
 
 <file path=ppt/slides/slide11.xml><?xml version="1.0" encoding="utf-8"?>
+<p:sld xmlns:a="http://schemas.openxmlformats.org/drawingml/2006/main" xmlns:r="http://schemas.openxmlformats.org/officeDocument/2006/relationships" xmlns:p="http://schemas.openxmlformats.org/presentationml/2006/main">
+  <p:cSld>
+    <p:spTree>
+      <p:nvGrpSpPr>
+        <p:cNvPr id="1" name=""/>
+        <p:cNvGrpSpPr/>
+        <p:nvPr/>
+      </p:nvGrpSpPr>
+      <p:grpSpPr>
+        <a:xfrm>
+          <a:off x="0" y="0"/>
+          <a:ext cx="0" cy="0"/>
+          <a:chOff x="0" y="0"/>
+          <a:chExt cx="0" cy="0"/>
+        </a:xfrm>
+      </p:grpSpPr>
+      <p:sp>
+        <p:nvSpPr>
+          <p:cNvPr id="2" name="Rettangolo 1">
+            <a:extLst>
+              <a:ext uri="{FF2B5EF4-FFF2-40B4-BE49-F238E27FC236}">
+                <a16:creationId xmlns:a16="http://schemas.microsoft.com/office/drawing/2014/main" id="{938AD8C0-E0F0-4489-1490-B2AB0267560D}"/>
+              </a:ext>
+            </a:extLst>
+          </p:cNvPr>
+          <p:cNvSpPr/>
+          <p:nvPr/>
+        </p:nvSpPr>
+        <p:spPr>
+          <a:xfrm>
+            <a:off x="685799" y="0"/>
+            <a:ext cx="2268415" cy="756138"/>
+          </a:xfrm>
+          <a:prstGeom prst="rect">
+            <a:avLst/>
+          </a:prstGeom>
+        </p:spPr>
+        <p:style>
+          <a:lnRef idx="2">
+            <a:schemeClr val="accent1">
+              <a:shade val="15000"/>
+            </a:schemeClr>
+          </a:lnRef>
+          <a:fillRef idx="1">
+            <a:schemeClr val="accent1"/>
+          </a:fillRef>
+          <a:effectRef idx="0">
+            <a:schemeClr val="accent1"/>
+          </a:effectRef>
+          <a:fontRef idx="minor">
+            <a:schemeClr val="lt1"/>
+          </a:fontRef>
+        </p:style>
+        <p:txBody>
+          <a:bodyPr rtlCol="0" anchor="ctr"/>
+          <a:lstStyle/>
+          <a:p>
+            <a:pPr algn="ctr"/>
+            <a:r>
+              <a:rPr lang="en-US" b="1" dirty="0"/>
+              <a:t>Attention based</a:t>
+            </a:r>
+          </a:p>
+        </p:txBody>
+      </p:sp>
+      <p:sp>
+        <p:nvSpPr>
+          <p:cNvPr id="3" name="Rettangolo 2">
+            <a:extLst>
+              <a:ext uri="{FF2B5EF4-FFF2-40B4-BE49-F238E27FC236}">
+                <a16:creationId xmlns:a16="http://schemas.microsoft.com/office/drawing/2014/main" id="{529B98C2-C70E-7060-75E7-BE033FB5FE1D}"/>
+              </a:ext>
+            </a:extLst>
+          </p:cNvPr>
+          <p:cNvSpPr/>
+          <p:nvPr/>
+        </p:nvSpPr>
+        <p:spPr>
+          <a:xfrm>
+            <a:off x="685799" y="2356339"/>
+            <a:ext cx="2268415" cy="914400"/>
+          </a:xfrm>
+          <a:prstGeom prst="rect">
+            <a:avLst/>
+          </a:prstGeom>
+          <a:solidFill>
+            <a:schemeClr val="accent2">
+              <a:lumMod val="75000"/>
+            </a:schemeClr>
+          </a:solidFill>
+        </p:spPr>
+        <p:style>
+          <a:lnRef idx="2">
+            <a:schemeClr val="accent1">
+              <a:shade val="15000"/>
+            </a:schemeClr>
+          </a:lnRef>
+          <a:fillRef idx="1">
+            <a:schemeClr val="accent1"/>
+          </a:fillRef>
+          <a:effectRef idx="0">
+            <a:schemeClr val="accent1"/>
+          </a:effectRef>
+          <a:fontRef idx="minor">
+            <a:schemeClr val="lt1"/>
+          </a:fontRef>
+        </p:style>
+        <p:txBody>
+          <a:bodyPr rtlCol="0" anchor="ctr"/>
+          <a:lstStyle/>
+          <a:p>
+            <a:pPr algn="ctr"/>
+            <a:r>
+              <a:rPr lang="en-US" b="1" dirty="0"/>
+              <a:t>Feature attribution</a:t>
+            </a:r>
+          </a:p>
+        </p:txBody>
+      </p:sp>
+      <p:sp>
+        <p:nvSpPr>
+          <p:cNvPr id="4" name="Rettangolo 3">
+            <a:extLst>
+              <a:ext uri="{FF2B5EF4-FFF2-40B4-BE49-F238E27FC236}">
+                <a16:creationId xmlns:a16="http://schemas.microsoft.com/office/drawing/2014/main" id="{C8EF8ACA-776D-4E31-96A2-C2EE0C33A1A0}"/>
+              </a:ext>
+            </a:extLst>
+          </p:cNvPr>
+          <p:cNvSpPr/>
+          <p:nvPr/>
+        </p:nvSpPr>
+        <p:spPr>
+          <a:xfrm>
+            <a:off x="685799" y="4583723"/>
+            <a:ext cx="2268415" cy="914400"/>
+          </a:xfrm>
+          <a:prstGeom prst="rect">
+            <a:avLst/>
+          </a:prstGeom>
+          <a:solidFill>
+            <a:schemeClr val="accent6">
+              <a:lumMod val="75000"/>
+            </a:schemeClr>
+          </a:solidFill>
+        </p:spPr>
+        <p:style>
+          <a:lnRef idx="2">
+            <a:schemeClr val="accent1">
+              <a:shade val="15000"/>
+            </a:schemeClr>
+          </a:lnRef>
+          <a:fillRef idx="1">
+            <a:schemeClr val="accent1"/>
+          </a:fillRef>
+          <a:effectRef idx="0">
+            <a:schemeClr val="accent1"/>
+          </a:effectRef>
+          <a:fontRef idx="minor">
+            <a:schemeClr val="lt1"/>
+          </a:fontRef>
+        </p:style>
+        <p:txBody>
+          <a:bodyPr rtlCol="0" anchor="ctr"/>
+          <a:lstStyle/>
+          <a:p>
+            <a:pPr algn="ctr"/>
+            <a:r>
+              <a:rPr lang="en-US" b="1" dirty="0"/>
+              <a:t>Example based</a:t>
+            </a:r>
+          </a:p>
+        </p:txBody>
+      </p:sp>
+      <p:sp>
+        <p:nvSpPr>
+          <p:cNvPr id="5" name="Rettangolo 4">
+            <a:extLst>
+              <a:ext uri="{FF2B5EF4-FFF2-40B4-BE49-F238E27FC236}">
+                <a16:creationId xmlns:a16="http://schemas.microsoft.com/office/drawing/2014/main" id="{12AB8E3E-E38A-6461-DF10-50CBBDDE263A}"/>
+              </a:ext>
+            </a:extLst>
+          </p:cNvPr>
+          <p:cNvSpPr/>
+          <p:nvPr/>
+        </p:nvSpPr>
+        <p:spPr>
+          <a:xfrm>
+            <a:off x="685799" y="6264570"/>
+            <a:ext cx="2268415" cy="914400"/>
+          </a:xfrm>
+          <a:prstGeom prst="rect">
+            <a:avLst/>
+          </a:prstGeom>
+        </p:spPr>
+        <p:style>
+          <a:lnRef idx="2">
+            <a:schemeClr val="accent1">
+              <a:shade val="15000"/>
+            </a:schemeClr>
+          </a:lnRef>
+          <a:fillRef idx="1">
+            <a:schemeClr val="accent1"/>
+          </a:fillRef>
+          <a:effectRef idx="0">
+            <a:schemeClr val="accent1"/>
+          </a:effectRef>
+          <a:fontRef idx="minor">
+            <a:schemeClr val="lt1"/>
+          </a:fontRef>
+        </p:style>
+        <p:txBody>
+          <a:bodyPr rtlCol="0" anchor="ctr"/>
+          <a:lstStyle/>
+          <a:p>
+            <a:pPr algn="ctr"/>
+            <a:r>
+              <a:rPr lang="en-US" b="1" dirty="0"/>
+              <a:t>Natural language </a:t>
+            </a:r>
+          </a:p>
+        </p:txBody>
+      </p:sp>
+      <p:sp>
+        <p:nvSpPr>
+          <p:cNvPr id="6" name="Rettangolo 5">
+            <a:extLst>
+              <a:ext uri="{FF2B5EF4-FFF2-40B4-BE49-F238E27FC236}">
+                <a16:creationId xmlns:a16="http://schemas.microsoft.com/office/drawing/2014/main" id="{A9B5FD29-6C60-966B-6759-707C039729FD}"/>
+              </a:ext>
+            </a:extLst>
+          </p:cNvPr>
+          <p:cNvSpPr/>
+          <p:nvPr/>
+        </p:nvSpPr>
+        <p:spPr>
+          <a:xfrm>
+            <a:off x="4067906" y="-386859"/>
+            <a:ext cx="2268415" cy="509954"/>
+          </a:xfrm>
+          <a:prstGeom prst="rect">
+            <a:avLst/>
+          </a:prstGeom>
+          <a:solidFill>
+            <a:schemeClr val="accent1">
+              <a:alpha val="50000"/>
+            </a:schemeClr>
+          </a:solidFill>
+        </p:spPr>
+        <p:style>
+          <a:lnRef idx="2">
+            <a:schemeClr val="accent1">
+              <a:shade val="15000"/>
+            </a:schemeClr>
+          </a:lnRef>
+          <a:fillRef idx="1">
+            <a:schemeClr val="accent1"/>
+          </a:fillRef>
+          <a:effectRef idx="0">
+            <a:schemeClr val="accent1"/>
+          </a:effectRef>
+          <a:fontRef idx="minor">
+            <a:schemeClr val="lt1"/>
+          </a:fontRef>
+        </p:style>
+        <p:txBody>
+          <a:bodyPr rtlCol="0" anchor="ctr"/>
+          <a:lstStyle/>
+          <a:p>
+            <a:pPr algn="ctr"/>
+            <a:r>
+              <a:rPr lang="en-US" b="1" dirty="0">
+                <a:solidFill>
+                  <a:schemeClr val="tx1"/>
+                </a:solidFill>
+              </a:rPr>
+              <a:t>Function based</a:t>
+            </a:r>
+          </a:p>
+        </p:txBody>
+      </p:sp>
+      <p:sp>
+        <p:nvSpPr>
+          <p:cNvPr id="7" name="Rettangolo 6">
+            <a:extLst>
+              <a:ext uri="{FF2B5EF4-FFF2-40B4-BE49-F238E27FC236}">
+                <a16:creationId xmlns:a16="http://schemas.microsoft.com/office/drawing/2014/main" id="{905F665A-3356-C689-F685-56BB814BD13F}"/>
+              </a:ext>
+            </a:extLst>
+          </p:cNvPr>
+          <p:cNvSpPr/>
+          <p:nvPr/>
+        </p:nvSpPr>
+        <p:spPr>
+          <a:xfrm>
+            <a:off x="4067905" y="369279"/>
+            <a:ext cx="2268415" cy="509954"/>
+          </a:xfrm>
+          <a:prstGeom prst="rect">
+            <a:avLst/>
+          </a:prstGeom>
+          <a:solidFill>
+            <a:schemeClr val="accent1">
+              <a:alpha val="50000"/>
+            </a:schemeClr>
+          </a:solidFill>
+        </p:spPr>
+        <p:style>
+          <a:lnRef idx="2">
+            <a:schemeClr val="accent1">
+              <a:shade val="15000"/>
+            </a:schemeClr>
+          </a:lnRef>
+          <a:fillRef idx="1">
+            <a:schemeClr val="accent1"/>
+          </a:fillRef>
+          <a:effectRef idx="0">
+            <a:schemeClr val="accent1"/>
+          </a:effectRef>
+          <a:fontRef idx="minor">
+            <a:schemeClr val="lt1"/>
+          </a:fontRef>
+        </p:style>
+        <p:txBody>
+          <a:bodyPr rtlCol="0" anchor="ctr"/>
+          <a:lstStyle/>
+          <a:p>
+            <a:pPr algn="ctr"/>
+            <a:r>
+              <a:rPr lang="en-US" b="1" dirty="0">
+                <a:solidFill>
+                  <a:schemeClr val="tx1"/>
+                </a:solidFill>
+              </a:rPr>
+              <a:t>Visualization </a:t>
+            </a:r>
+          </a:p>
+        </p:txBody>
+      </p:sp>
+      <p:sp>
+        <p:nvSpPr>
+          <p:cNvPr id="9" name="Rettangolo 8">
+            <a:extLst>
+              <a:ext uri="{FF2B5EF4-FFF2-40B4-BE49-F238E27FC236}">
+                <a16:creationId xmlns:a16="http://schemas.microsoft.com/office/drawing/2014/main" id="{20321646-6476-6FD6-BF1C-4B5F2F3F3EAD}"/>
+              </a:ext>
+            </a:extLst>
+          </p:cNvPr>
+          <p:cNvSpPr/>
+          <p:nvPr/>
+        </p:nvSpPr>
+        <p:spPr>
+          <a:xfrm>
+            <a:off x="4067907" y="1257301"/>
+            <a:ext cx="2268415" cy="509954"/>
+          </a:xfrm>
+          <a:prstGeom prst="rect">
+            <a:avLst/>
+          </a:prstGeom>
+          <a:solidFill>
+            <a:schemeClr val="accent2">
+              <a:lumMod val="75000"/>
+              <a:alpha val="50000"/>
+            </a:schemeClr>
+          </a:solidFill>
+        </p:spPr>
+        <p:style>
+          <a:lnRef idx="2">
+            <a:schemeClr val="accent1">
+              <a:shade val="15000"/>
+            </a:schemeClr>
+          </a:lnRef>
+          <a:fillRef idx="1">
+            <a:schemeClr val="accent1"/>
+          </a:fillRef>
+          <a:effectRef idx="0">
+            <a:schemeClr val="accent1"/>
+          </a:effectRef>
+          <a:fontRef idx="minor">
+            <a:schemeClr val="lt1"/>
+          </a:fontRef>
+        </p:style>
+        <p:txBody>
+          <a:bodyPr rtlCol="0" anchor="ctr"/>
+          <a:lstStyle/>
+          <a:p>
+            <a:pPr algn="ctr"/>
+            <a:r>
+              <a:rPr lang="en-US" b="1" dirty="0">
+                <a:solidFill>
+                  <a:schemeClr val="tx1"/>
+                </a:solidFill>
+              </a:rPr>
+              <a:t>Perturbation</a:t>
+            </a:r>
+          </a:p>
+        </p:txBody>
+      </p:sp>
+      <p:sp>
+        <p:nvSpPr>
+          <p:cNvPr id="10" name="Rettangolo 9">
+            <a:extLst>
+              <a:ext uri="{FF2B5EF4-FFF2-40B4-BE49-F238E27FC236}">
+                <a16:creationId xmlns:a16="http://schemas.microsoft.com/office/drawing/2014/main" id="{BF3DE9E4-F8CB-95B8-AF5A-ABC5D1B7F4C0}"/>
+              </a:ext>
+            </a:extLst>
+          </p:cNvPr>
+          <p:cNvSpPr/>
+          <p:nvPr/>
+        </p:nvSpPr>
+        <p:spPr>
+          <a:xfrm>
+            <a:off x="4067906" y="2069124"/>
+            <a:ext cx="2268415" cy="509954"/>
+          </a:xfrm>
+          <a:prstGeom prst="rect">
+            <a:avLst/>
+          </a:prstGeom>
+          <a:solidFill>
+            <a:schemeClr val="accent2">
+              <a:lumMod val="75000"/>
+              <a:alpha val="50000"/>
+            </a:schemeClr>
+          </a:solidFill>
+        </p:spPr>
+        <p:style>
+          <a:lnRef idx="2">
+            <a:schemeClr val="accent1">
+              <a:shade val="15000"/>
+            </a:schemeClr>
+          </a:lnRef>
+          <a:fillRef idx="1">
+            <a:schemeClr val="accent1"/>
+          </a:fillRef>
+          <a:effectRef idx="0">
+            <a:schemeClr val="accent1"/>
+          </a:effectRef>
+          <a:fontRef idx="minor">
+            <a:schemeClr val="lt1"/>
+          </a:fontRef>
+        </p:style>
+        <p:txBody>
+          <a:bodyPr rtlCol="0" anchor="ctr"/>
+          <a:lstStyle/>
+          <a:p>
+            <a:pPr algn="ctr"/>
+            <a:r>
+              <a:rPr lang="en-US" b="1" dirty="0">
+                <a:solidFill>
+                  <a:schemeClr val="tx1"/>
+                </a:solidFill>
+              </a:rPr>
+              <a:t>Gradient</a:t>
+            </a:r>
+          </a:p>
+        </p:txBody>
+      </p:sp>
+      <p:sp>
+        <p:nvSpPr>
+          <p:cNvPr id="11" name="Rettangolo 10">
+            <a:extLst>
+              <a:ext uri="{FF2B5EF4-FFF2-40B4-BE49-F238E27FC236}">
+                <a16:creationId xmlns:a16="http://schemas.microsoft.com/office/drawing/2014/main" id="{64DF7112-E848-986D-AB4D-5A091BC3DE78}"/>
+              </a:ext>
+            </a:extLst>
+          </p:cNvPr>
+          <p:cNvSpPr/>
+          <p:nvPr/>
+        </p:nvSpPr>
+        <p:spPr>
+          <a:xfrm>
+            <a:off x="4067905" y="2793024"/>
+            <a:ext cx="2268415" cy="509954"/>
+          </a:xfrm>
+          <a:prstGeom prst="rect">
+            <a:avLst/>
+          </a:prstGeom>
+          <a:solidFill>
+            <a:schemeClr val="accent2">
+              <a:lumMod val="75000"/>
+              <a:alpha val="50000"/>
+            </a:schemeClr>
+          </a:solidFill>
+        </p:spPr>
+        <p:style>
+          <a:lnRef idx="2">
+            <a:schemeClr val="accent1">
+              <a:shade val="15000"/>
+            </a:schemeClr>
+          </a:lnRef>
+          <a:fillRef idx="1">
+            <a:schemeClr val="accent1"/>
+          </a:fillRef>
+          <a:effectRef idx="0">
+            <a:schemeClr val="accent1"/>
+          </a:effectRef>
+          <a:fontRef idx="minor">
+            <a:schemeClr val="lt1"/>
+          </a:fontRef>
+        </p:style>
+        <p:txBody>
+          <a:bodyPr rtlCol="0" anchor="ctr"/>
+          <a:lstStyle/>
+          <a:p>
+            <a:pPr algn="ctr"/>
+            <a:r>
+              <a:rPr lang="en-US" b="1" dirty="0">
+                <a:solidFill>
+                  <a:schemeClr val="tx1"/>
+                </a:solidFill>
+              </a:rPr>
+              <a:t>Surrogate model</a:t>
+            </a:r>
+          </a:p>
+        </p:txBody>
+      </p:sp>
+      <p:sp>
+        <p:nvSpPr>
+          <p:cNvPr id="12" name="Rettangolo 11">
+            <a:extLst>
+              <a:ext uri="{FF2B5EF4-FFF2-40B4-BE49-F238E27FC236}">
+                <a16:creationId xmlns:a16="http://schemas.microsoft.com/office/drawing/2014/main" id="{F240BF9B-188F-CCB2-4255-F20CF00B2C50}"/>
+              </a:ext>
+            </a:extLst>
+          </p:cNvPr>
+          <p:cNvSpPr/>
+          <p:nvPr/>
+        </p:nvSpPr>
+        <p:spPr>
+          <a:xfrm>
+            <a:off x="4067905" y="3555024"/>
+            <a:ext cx="2268415" cy="509954"/>
+          </a:xfrm>
+          <a:prstGeom prst="rect">
+            <a:avLst/>
+          </a:prstGeom>
+          <a:solidFill>
+            <a:schemeClr val="accent2">
+              <a:lumMod val="75000"/>
+              <a:alpha val="50000"/>
+            </a:schemeClr>
+          </a:solidFill>
+        </p:spPr>
+        <p:style>
+          <a:lnRef idx="2">
+            <a:schemeClr val="accent1">
+              <a:shade val="15000"/>
+            </a:schemeClr>
+          </a:lnRef>
+          <a:fillRef idx="1">
+            <a:schemeClr val="accent1"/>
+          </a:fillRef>
+          <a:effectRef idx="0">
+            <a:schemeClr val="accent1"/>
+          </a:effectRef>
+          <a:fontRef idx="minor">
+            <a:schemeClr val="lt1"/>
+          </a:fontRef>
+        </p:style>
+        <p:txBody>
+          <a:bodyPr rtlCol="0" anchor="ctr"/>
+          <a:lstStyle/>
+          <a:p>
+            <a:pPr algn="ctr"/>
+            <a:r>
+              <a:rPr lang="en-US" b="1" dirty="0">
+                <a:solidFill>
+                  <a:schemeClr val="tx1"/>
+                </a:solidFill>
+              </a:rPr>
+              <a:t>Decomposition</a:t>
+            </a:r>
+          </a:p>
+        </p:txBody>
+      </p:sp>
+      <p:sp>
+        <p:nvSpPr>
+          <p:cNvPr id="13" name="Rettangolo 12">
+            <a:extLst>
+              <a:ext uri="{FF2B5EF4-FFF2-40B4-BE49-F238E27FC236}">
+                <a16:creationId xmlns:a16="http://schemas.microsoft.com/office/drawing/2014/main" id="{5D28B9DE-5A1E-CC4D-1237-3B3342F756F5}"/>
+              </a:ext>
+            </a:extLst>
+          </p:cNvPr>
+          <p:cNvSpPr/>
+          <p:nvPr/>
+        </p:nvSpPr>
+        <p:spPr>
+          <a:xfrm>
+            <a:off x="4067905" y="4583722"/>
+            <a:ext cx="2268415" cy="509954"/>
+          </a:xfrm>
+          <a:prstGeom prst="rect">
+            <a:avLst/>
+          </a:prstGeom>
+          <a:solidFill>
+            <a:schemeClr val="accent6">
+              <a:lumMod val="75000"/>
+              <a:alpha val="50000"/>
+            </a:schemeClr>
+          </a:solidFill>
+        </p:spPr>
+        <p:style>
+          <a:lnRef idx="2">
+            <a:schemeClr val="accent1">
+              <a:shade val="15000"/>
+            </a:schemeClr>
+          </a:lnRef>
+          <a:fillRef idx="1">
+            <a:schemeClr val="accent1"/>
+          </a:fillRef>
+          <a:effectRef idx="0">
+            <a:schemeClr val="accent1"/>
+          </a:effectRef>
+          <a:fontRef idx="minor">
+            <a:schemeClr val="lt1"/>
+          </a:fontRef>
+        </p:style>
+        <p:txBody>
+          <a:bodyPr rtlCol="0" anchor="ctr"/>
+          <a:lstStyle/>
+          <a:p>
+            <a:pPr algn="ctr"/>
+            <a:r>
+              <a:rPr lang="en-US" b="1" dirty="0">
+                <a:solidFill>
+                  <a:schemeClr val="tx1"/>
+                </a:solidFill>
+              </a:rPr>
+              <a:t>counterfactual</a:t>
+            </a:r>
+          </a:p>
+        </p:txBody>
+      </p:sp>
+      <p:sp>
+        <p:nvSpPr>
+          <p:cNvPr id="14" name="Rettangolo 13">
+            <a:extLst>
+              <a:ext uri="{FF2B5EF4-FFF2-40B4-BE49-F238E27FC236}">
+                <a16:creationId xmlns:a16="http://schemas.microsoft.com/office/drawing/2014/main" id="{A8B82E6A-F7A6-6FF2-A390-A298B6C7ED41}"/>
+              </a:ext>
+            </a:extLst>
+          </p:cNvPr>
+          <p:cNvSpPr/>
+          <p:nvPr/>
+        </p:nvSpPr>
+        <p:spPr>
+          <a:xfrm>
+            <a:off x="4067905" y="5345722"/>
+            <a:ext cx="2268415" cy="509954"/>
+          </a:xfrm>
+          <a:prstGeom prst="rect">
+            <a:avLst/>
+          </a:prstGeom>
+          <a:solidFill>
+            <a:schemeClr val="accent6">
+              <a:lumMod val="75000"/>
+              <a:alpha val="50000"/>
+            </a:schemeClr>
+          </a:solidFill>
+        </p:spPr>
+        <p:style>
+          <a:lnRef idx="2">
+            <a:schemeClr val="accent1">
+              <a:shade val="15000"/>
+            </a:schemeClr>
+          </a:lnRef>
+          <a:fillRef idx="1">
+            <a:schemeClr val="accent1"/>
+          </a:fillRef>
+          <a:effectRef idx="0">
+            <a:schemeClr val="accent1"/>
+          </a:effectRef>
+          <a:fontRef idx="minor">
+            <a:schemeClr val="lt1"/>
+          </a:fontRef>
+        </p:style>
+        <p:txBody>
+          <a:bodyPr rtlCol="0" anchor="ctr"/>
+          <a:lstStyle/>
+          <a:p>
+            <a:pPr algn="ctr"/>
+            <a:r>
+              <a:rPr lang="en-US" b="1" dirty="0">
+                <a:solidFill>
+                  <a:schemeClr val="tx1"/>
+                </a:solidFill>
+              </a:rPr>
+              <a:t>Adversarial example</a:t>
+            </a:r>
+          </a:p>
+        </p:txBody>
+      </p:sp>
+      <p:sp>
+        <p:nvSpPr>
+          <p:cNvPr id="19" name="CasellaDiTesto 18">
+            <a:extLst>
+              <a:ext uri="{FF2B5EF4-FFF2-40B4-BE49-F238E27FC236}">
+                <a16:creationId xmlns:a16="http://schemas.microsoft.com/office/drawing/2014/main" id="{0825B0D7-DE63-1795-B95B-90691F1E9837}"/>
+              </a:ext>
+            </a:extLst>
+          </p:cNvPr>
+          <p:cNvSpPr txBox="1"/>
+          <p:nvPr/>
+        </p:nvSpPr>
+        <p:spPr>
+          <a:xfrm>
+            <a:off x="7067060" y="1228646"/>
+            <a:ext cx="6155830" cy="1077218"/>
+          </a:xfrm>
+          <a:prstGeom prst="rect">
+            <a:avLst/>
+          </a:prstGeom>
+          <a:noFill/>
+          <a:ln>
+            <a:solidFill>
+              <a:schemeClr val="accent1"/>
+            </a:solidFill>
+          </a:ln>
+        </p:spPr>
+        <p:txBody>
+          <a:bodyPr wrap="square">
+            <a:spAutoFit/>
+          </a:bodyPr>
+          <a:lstStyle/>
+          <a:p>
+            <a:r>
+              <a:rPr lang="en-US" sz="1600" b="1" dirty="0"/>
+              <a:t>Context</a:t>
+            </a:r>
+            <a:r>
+              <a:rPr lang="en-US" sz="1600" dirty="0"/>
+              <a:t>: In 1899, John Jacob Astor IV invested $100,000 for Tesla to further develop and produce a new lighting system. Instead, Tesla used the money to fund his </a:t>
+            </a:r>
+            <a:r>
+              <a:rPr lang="en-US" sz="1600" dirty="0">
+                <a:solidFill>
+                  <a:srgbClr val="0070C0"/>
+                </a:solidFill>
+              </a:rPr>
+              <a:t>Colorado Springs experiments</a:t>
+            </a:r>
+            <a:r>
+              <a:rPr lang="en-US" sz="1600" dirty="0"/>
+              <a:t>. </a:t>
+            </a:r>
+            <a:r>
+              <a:rPr lang="en-US" sz="1600" b="1" dirty="0"/>
+              <a:t>Original </a:t>
+            </a:r>
+            <a:r>
+              <a:rPr lang="en-US" sz="1600" dirty="0"/>
+              <a:t>What </a:t>
+            </a:r>
+            <a:r>
+              <a:rPr lang="en-US" sz="1600" dirty="0">
+                <a:solidFill>
+                  <a:srgbClr val="C00000"/>
+                </a:solidFill>
+              </a:rPr>
+              <a:t>did</a:t>
+            </a:r>
+            <a:r>
+              <a:rPr lang="en-US" sz="1600" dirty="0"/>
+              <a:t> Tesla spend Astor’s money on ? </a:t>
+            </a:r>
+            <a:r>
+              <a:rPr lang="en-US" sz="1600" b="1" dirty="0"/>
+              <a:t>Confidence </a:t>
+            </a:r>
+            <a:r>
+              <a:rPr lang="en-US" sz="1600" dirty="0"/>
+              <a:t>0.78 → 0.91</a:t>
+            </a:r>
+          </a:p>
+        </p:txBody>
+      </p:sp>
+      <p:cxnSp>
+        <p:nvCxnSpPr>
+          <p:cNvPr id="21" name="Connettore 2 20">
+            <a:extLst>
+              <a:ext uri="{FF2B5EF4-FFF2-40B4-BE49-F238E27FC236}">
+                <a16:creationId xmlns:a16="http://schemas.microsoft.com/office/drawing/2014/main" id="{26E2A7A7-4479-AC19-79CB-1BED6BBE9134}"/>
+              </a:ext>
+            </a:extLst>
+          </p:cNvPr>
+          <p:cNvCxnSpPr>
+            <a:stCxn id="9" idx="3"/>
+            <a:endCxn id="19" idx="1"/>
+          </p:cNvCxnSpPr>
+          <p:nvPr/>
+        </p:nvCxnSpPr>
+        <p:spPr>
+          <a:xfrm>
+            <a:off x="6336322" y="1512278"/>
+            <a:ext cx="730738" cy="254977"/>
+          </a:xfrm>
+          <a:prstGeom prst="straightConnector1">
+            <a:avLst/>
+          </a:prstGeom>
+          <a:ln w="28575">
+            <a:solidFill>
+              <a:schemeClr val="tx1"/>
+            </a:solidFill>
+            <a:tailEnd type="triangle"/>
+          </a:ln>
+        </p:spPr>
+        <p:style>
+          <a:lnRef idx="1">
+            <a:schemeClr val="accent1"/>
+          </a:lnRef>
+          <a:fillRef idx="0">
+            <a:schemeClr val="accent1"/>
+          </a:fillRef>
+          <a:effectRef idx="0">
+            <a:schemeClr val="accent1"/>
+          </a:effectRef>
+          <a:fontRef idx="minor">
+            <a:schemeClr val="tx1"/>
+          </a:fontRef>
+        </p:style>
+      </p:cxnSp>
+      <p:pic>
+        <p:nvPicPr>
+          <p:cNvPr id="23" name="Immagine 22">
+            <a:extLst>
+              <a:ext uri="{FF2B5EF4-FFF2-40B4-BE49-F238E27FC236}">
+                <a16:creationId xmlns:a16="http://schemas.microsoft.com/office/drawing/2014/main" id="{50D75FBB-4F4D-A276-5744-F8F2997D0216}"/>
+              </a:ext>
+            </a:extLst>
+          </p:cNvPr>
+          <p:cNvPicPr>
+            <a:picLocks noChangeAspect="1"/>
+          </p:cNvPicPr>
+          <p:nvPr/>
+        </p:nvPicPr>
+        <p:blipFill>
+          <a:blip r:embed="rId2"/>
+          <a:stretch>
+            <a:fillRect/>
+          </a:stretch>
+        </p:blipFill>
+        <p:spPr>
+          <a:xfrm>
+            <a:off x="9593415" y="-709984"/>
+            <a:ext cx="1912786" cy="1844200"/>
+          </a:xfrm>
+          <a:prstGeom prst="rect">
+            <a:avLst/>
+          </a:prstGeom>
+        </p:spPr>
+      </p:pic>
+      <p:cxnSp>
+        <p:nvCxnSpPr>
+          <p:cNvPr id="24" name="Connettore 2 23">
+            <a:extLst>
+              <a:ext uri="{FF2B5EF4-FFF2-40B4-BE49-F238E27FC236}">
+                <a16:creationId xmlns:a16="http://schemas.microsoft.com/office/drawing/2014/main" id="{535A3AA2-C52C-405B-415A-E4BFF1B171F6}"/>
+              </a:ext>
+            </a:extLst>
+          </p:cNvPr>
+          <p:cNvCxnSpPr>
+            <a:cxnSpLocks/>
+            <a:stCxn id="7" idx="3"/>
+            <a:endCxn id="23" idx="1"/>
+          </p:cNvCxnSpPr>
+          <p:nvPr/>
+        </p:nvCxnSpPr>
+        <p:spPr>
+          <a:xfrm flipV="1">
+            <a:off x="6336320" y="212116"/>
+            <a:ext cx="3257095" cy="412140"/>
+          </a:xfrm>
+          <a:prstGeom prst="straightConnector1">
+            <a:avLst/>
+          </a:prstGeom>
+          <a:ln w="28575">
+            <a:solidFill>
+              <a:schemeClr val="tx1"/>
+            </a:solidFill>
+            <a:tailEnd type="triangle"/>
+          </a:ln>
+        </p:spPr>
+        <p:style>
+          <a:lnRef idx="1">
+            <a:schemeClr val="accent1"/>
+          </a:lnRef>
+          <a:fillRef idx="0">
+            <a:schemeClr val="accent1"/>
+          </a:fillRef>
+          <a:effectRef idx="0">
+            <a:schemeClr val="accent1"/>
+          </a:effectRef>
+          <a:fontRef idx="minor">
+            <a:schemeClr val="tx1"/>
+          </a:fontRef>
+        </p:style>
+      </p:cxnSp>
+      <p:pic>
+        <p:nvPicPr>
+          <p:cNvPr id="28" name="Immagine 27">
+            <a:extLst>
+              <a:ext uri="{FF2B5EF4-FFF2-40B4-BE49-F238E27FC236}">
+                <a16:creationId xmlns:a16="http://schemas.microsoft.com/office/drawing/2014/main" id="{9C9F681E-99D7-B966-7844-3ECE64DD4520}"/>
+              </a:ext>
+            </a:extLst>
+          </p:cNvPr>
+          <p:cNvPicPr>
+            <a:picLocks noChangeAspect="1"/>
+          </p:cNvPicPr>
+          <p:nvPr/>
+        </p:nvPicPr>
+        <p:blipFill>
+          <a:blip r:embed="rId3"/>
+          <a:stretch>
+            <a:fillRect/>
+          </a:stretch>
+        </p:blipFill>
+        <p:spPr>
+          <a:xfrm>
+            <a:off x="7067060" y="3106387"/>
+            <a:ext cx="5212532" cy="701101"/>
+          </a:xfrm>
+          <a:prstGeom prst="rect">
+            <a:avLst/>
+          </a:prstGeom>
+        </p:spPr>
+      </p:pic>
+      <p:cxnSp>
+        <p:nvCxnSpPr>
+          <p:cNvPr id="29" name="Connettore 2 28">
+            <a:extLst>
+              <a:ext uri="{FF2B5EF4-FFF2-40B4-BE49-F238E27FC236}">
+                <a16:creationId xmlns:a16="http://schemas.microsoft.com/office/drawing/2014/main" id="{3857B72E-1020-4AD9-B0F7-9254990C1E5B}"/>
+              </a:ext>
+            </a:extLst>
+          </p:cNvPr>
+          <p:cNvCxnSpPr>
+            <a:cxnSpLocks/>
+            <a:stCxn id="11" idx="3"/>
+            <a:endCxn id="28" idx="1"/>
+          </p:cNvCxnSpPr>
+          <p:nvPr/>
+        </p:nvCxnSpPr>
+        <p:spPr>
+          <a:xfrm>
+            <a:off x="6336320" y="3048001"/>
+            <a:ext cx="730740" cy="408937"/>
+          </a:xfrm>
+          <a:prstGeom prst="straightConnector1">
+            <a:avLst/>
+          </a:prstGeom>
+          <a:ln w="28575">
+            <a:solidFill>
+              <a:schemeClr val="tx1"/>
+            </a:solidFill>
+            <a:tailEnd type="triangle"/>
+          </a:ln>
+        </p:spPr>
+        <p:style>
+          <a:lnRef idx="1">
+            <a:schemeClr val="accent1"/>
+          </a:lnRef>
+          <a:fillRef idx="0">
+            <a:schemeClr val="accent1"/>
+          </a:fillRef>
+          <a:effectRef idx="0">
+            <a:schemeClr val="accent1"/>
+          </a:effectRef>
+          <a:fontRef idx="minor">
+            <a:schemeClr val="tx1"/>
+          </a:fontRef>
+        </p:style>
+      </p:cxnSp>
+      <p:sp>
+        <p:nvSpPr>
+          <p:cNvPr id="35" name="CasellaDiTesto 34">
+            <a:extLst>
+              <a:ext uri="{FF2B5EF4-FFF2-40B4-BE49-F238E27FC236}">
+                <a16:creationId xmlns:a16="http://schemas.microsoft.com/office/drawing/2014/main" id="{D1EE00BB-6DF5-C44E-65D3-939AAE85801F}"/>
+              </a:ext>
+            </a:extLst>
+          </p:cNvPr>
+          <p:cNvSpPr txBox="1"/>
+          <p:nvPr/>
+        </p:nvSpPr>
+        <p:spPr>
+          <a:xfrm>
+            <a:off x="6901960" y="6697494"/>
+            <a:ext cx="6155830" cy="830997"/>
+          </a:xfrm>
+          <a:prstGeom prst="rect">
+            <a:avLst/>
+          </a:prstGeom>
+          <a:noFill/>
+          <a:ln>
+            <a:solidFill>
+              <a:schemeClr val="tx1"/>
+            </a:solidFill>
+          </a:ln>
+        </p:spPr>
+        <p:txBody>
+          <a:bodyPr wrap="square">
+            <a:spAutoFit/>
+          </a:bodyPr>
+          <a:lstStyle/>
+          <a:p>
+            <a:r>
+              <a:rPr lang="en-US" sz="1600" b="1" dirty="0"/>
+              <a:t>Question</a:t>
+            </a:r>
+            <a:r>
+              <a:rPr lang="en-US" sz="1600" dirty="0"/>
+              <a:t>: After getting drunk people couldn’t understand </a:t>
+            </a:r>
+            <a:r>
+              <a:rPr lang="en-US" sz="1600" dirty="0" err="1"/>
+              <a:t>him,it</a:t>
+            </a:r>
+            <a:r>
+              <a:rPr lang="en-US" sz="1600" dirty="0"/>
+              <a:t> was because of his what? </a:t>
+            </a:r>
+            <a:r>
+              <a:rPr lang="en-US" sz="1600" b="1" dirty="0"/>
+              <a:t>Choices</a:t>
+            </a:r>
+            <a:r>
+              <a:rPr lang="en-US" sz="1600" dirty="0"/>
+              <a:t>: lower standards, </a:t>
+            </a:r>
+            <a:r>
+              <a:rPr lang="en-US" sz="1600" dirty="0">
+                <a:solidFill>
+                  <a:srgbClr val="0070C0"/>
+                </a:solidFill>
+              </a:rPr>
+              <a:t>slurred speech</a:t>
+            </a:r>
+            <a:r>
+              <a:rPr lang="en-US" sz="1600" dirty="0"/>
+              <a:t>, or falling down </a:t>
+            </a:r>
+            <a:r>
+              <a:rPr lang="en-US" sz="1600" b="1" dirty="0"/>
+              <a:t>Explanation</a:t>
+            </a:r>
+            <a:r>
+              <a:rPr lang="en-US" sz="1600" dirty="0"/>
+              <a:t>: People who are drunk have difficulty speaking.</a:t>
+            </a:r>
+          </a:p>
+        </p:txBody>
+      </p:sp>
+      <p:cxnSp>
+        <p:nvCxnSpPr>
+          <p:cNvPr id="36" name="Connettore 2 35">
+            <a:extLst>
+              <a:ext uri="{FF2B5EF4-FFF2-40B4-BE49-F238E27FC236}">
+                <a16:creationId xmlns:a16="http://schemas.microsoft.com/office/drawing/2014/main" id="{4FB683C6-D0F6-FD95-88B4-5315CD894877}"/>
+              </a:ext>
+            </a:extLst>
+          </p:cNvPr>
+          <p:cNvCxnSpPr>
+            <a:cxnSpLocks/>
+            <a:stCxn id="5" idx="3"/>
+            <a:endCxn id="35" idx="1"/>
+          </p:cNvCxnSpPr>
+          <p:nvPr/>
+        </p:nvCxnSpPr>
+        <p:spPr>
+          <a:xfrm>
+            <a:off x="2954214" y="6721770"/>
+            <a:ext cx="3947746" cy="391223"/>
+          </a:xfrm>
+          <a:prstGeom prst="straightConnector1">
+            <a:avLst/>
+          </a:prstGeom>
+          <a:ln w="28575">
+            <a:solidFill>
+              <a:schemeClr val="tx1"/>
+            </a:solidFill>
+            <a:tailEnd type="triangle"/>
+          </a:ln>
+        </p:spPr>
+        <p:style>
+          <a:lnRef idx="1">
+            <a:schemeClr val="accent1"/>
+          </a:lnRef>
+          <a:fillRef idx="0">
+            <a:schemeClr val="accent1"/>
+          </a:fillRef>
+          <a:effectRef idx="0">
+            <a:schemeClr val="accent1"/>
+          </a:effectRef>
+          <a:fontRef idx="minor">
+            <a:schemeClr val="tx1"/>
+          </a:fontRef>
+        </p:style>
+      </p:cxnSp>
+      <p:sp>
+        <p:nvSpPr>
+          <p:cNvPr id="40" name="CasellaDiTesto 39">
+            <a:extLst>
+              <a:ext uri="{FF2B5EF4-FFF2-40B4-BE49-F238E27FC236}">
+                <a16:creationId xmlns:a16="http://schemas.microsoft.com/office/drawing/2014/main" id="{82849A10-BBD3-20E2-3FA7-31A81FDEDD8D}"/>
+              </a:ext>
+            </a:extLst>
+          </p:cNvPr>
+          <p:cNvSpPr txBox="1"/>
+          <p:nvPr/>
+        </p:nvSpPr>
+        <p:spPr>
+          <a:xfrm>
+            <a:off x="7067060" y="4744248"/>
+            <a:ext cx="6155830" cy="584775"/>
+          </a:xfrm>
+          <a:prstGeom prst="rect">
+            <a:avLst/>
+          </a:prstGeom>
+          <a:noFill/>
+          <a:ln>
+            <a:solidFill>
+              <a:schemeClr val="tx1"/>
+            </a:solidFill>
+          </a:ln>
+        </p:spPr>
+        <p:txBody>
+          <a:bodyPr wrap="square">
+            <a:spAutoFit/>
+          </a:bodyPr>
+          <a:lstStyle/>
+          <a:p>
+            <a:r>
+              <a:rPr lang="en-US" sz="1600" b="1" dirty="0"/>
+              <a:t>Original text: </a:t>
+            </a:r>
+            <a:r>
+              <a:rPr lang="en-US" sz="1600" dirty="0"/>
+              <a:t>The product is amazing (</a:t>
+            </a:r>
+            <a:r>
+              <a:rPr lang="en-US" sz="1600" dirty="0">
+                <a:solidFill>
+                  <a:srgbClr val="0070C0"/>
+                </a:solidFill>
+              </a:rPr>
+              <a:t>positive</a:t>
+            </a:r>
+            <a:r>
+              <a:rPr lang="en-US" sz="1600" dirty="0"/>
+              <a:t>)</a:t>
+            </a:r>
+          </a:p>
+          <a:p>
+            <a:r>
+              <a:rPr lang="en-US" sz="1600" b="1" dirty="0"/>
+              <a:t>Contradiction: </a:t>
+            </a:r>
+            <a:r>
+              <a:rPr lang="en-US" sz="1600" dirty="0"/>
+              <a:t>The product is not good (</a:t>
+            </a:r>
+            <a:r>
+              <a:rPr lang="en-US" sz="1600" dirty="0">
+                <a:solidFill>
+                  <a:srgbClr val="C00000"/>
+                </a:solidFill>
+              </a:rPr>
+              <a:t>negative</a:t>
+            </a:r>
+            <a:r>
+              <a:rPr lang="en-US" sz="1600" dirty="0"/>
+              <a:t>)</a:t>
+            </a:r>
+          </a:p>
+        </p:txBody>
+      </p:sp>
+      <p:cxnSp>
+        <p:nvCxnSpPr>
+          <p:cNvPr id="41" name="Connettore 2 40">
+            <a:extLst>
+              <a:ext uri="{FF2B5EF4-FFF2-40B4-BE49-F238E27FC236}">
+                <a16:creationId xmlns:a16="http://schemas.microsoft.com/office/drawing/2014/main" id="{23762CF9-9547-7C64-A6BE-D02F34A11B28}"/>
+              </a:ext>
+            </a:extLst>
+          </p:cNvPr>
+          <p:cNvCxnSpPr>
+            <a:cxnSpLocks/>
+            <a:stCxn id="13" idx="3"/>
+            <a:endCxn id="40" idx="1"/>
+          </p:cNvCxnSpPr>
+          <p:nvPr/>
+        </p:nvCxnSpPr>
+        <p:spPr>
+          <a:xfrm>
+            <a:off x="6336320" y="4838699"/>
+            <a:ext cx="730740" cy="197937"/>
+          </a:xfrm>
+          <a:prstGeom prst="straightConnector1">
+            <a:avLst/>
+          </a:prstGeom>
+          <a:ln w="28575">
+            <a:solidFill>
+              <a:schemeClr val="tx1"/>
+            </a:solidFill>
+            <a:tailEnd type="triangle"/>
+          </a:ln>
+        </p:spPr>
+        <p:style>
+          <a:lnRef idx="1">
+            <a:schemeClr val="accent1"/>
+          </a:lnRef>
+          <a:fillRef idx="0">
+            <a:schemeClr val="accent1"/>
+          </a:fillRef>
+          <a:effectRef idx="0">
+            <a:schemeClr val="accent1"/>
+          </a:effectRef>
+          <a:fontRef idx="minor">
+            <a:schemeClr val="tx1"/>
+          </a:fontRef>
+        </p:style>
+      </p:cxnSp>
+      <p:sp>
+        <p:nvSpPr>
+          <p:cNvPr id="45" name="CasellaDiTesto 44">
+            <a:extLst>
+              <a:ext uri="{FF2B5EF4-FFF2-40B4-BE49-F238E27FC236}">
+                <a16:creationId xmlns:a16="http://schemas.microsoft.com/office/drawing/2014/main" id="{8DD700FB-32C1-A49F-0908-9DF1CEE4FE51}"/>
+              </a:ext>
+            </a:extLst>
+          </p:cNvPr>
+          <p:cNvSpPr txBox="1"/>
+          <p:nvPr/>
+        </p:nvSpPr>
+        <p:spPr>
+          <a:xfrm>
+            <a:off x="7067060" y="5517884"/>
+            <a:ext cx="6155830" cy="1077218"/>
+          </a:xfrm>
+          <a:prstGeom prst="rect">
+            <a:avLst/>
+          </a:prstGeom>
+          <a:noFill/>
+          <a:ln>
+            <a:solidFill>
+              <a:schemeClr val="tx1"/>
+            </a:solidFill>
+          </a:ln>
+        </p:spPr>
+        <p:txBody>
+          <a:bodyPr wrap="square">
+            <a:spAutoFit/>
+          </a:bodyPr>
+          <a:lstStyle/>
+          <a:p>
+            <a:r>
+              <a:rPr lang="en-US" sz="1600" b="1" dirty="0"/>
+              <a:t>Original text: </a:t>
+            </a:r>
+            <a:r>
+              <a:rPr lang="en-US" sz="1600" dirty="0"/>
+              <a:t>The characters, cast in impossibly contrived situations, are totally estranged from reality. (</a:t>
+            </a:r>
+            <a:r>
+              <a:rPr lang="en-US" sz="1600" dirty="0">
+                <a:solidFill>
+                  <a:srgbClr val="0070C0"/>
+                </a:solidFill>
+              </a:rPr>
+              <a:t>positive</a:t>
+            </a:r>
+            <a:r>
+              <a:rPr lang="en-US" sz="1600" dirty="0"/>
+              <a:t>)</a:t>
+            </a:r>
+          </a:p>
+          <a:p>
+            <a:r>
+              <a:rPr lang="en-US" sz="1600" b="1" dirty="0"/>
+              <a:t>Attack:  </a:t>
+            </a:r>
+            <a:r>
+              <a:rPr lang="en-US" sz="1600" dirty="0"/>
+              <a:t>The characters, cast in impossibly </a:t>
+            </a:r>
+            <a:r>
+              <a:rPr lang="en-US" sz="1600" dirty="0">
+                <a:solidFill>
+                  <a:srgbClr val="C00000"/>
+                </a:solidFill>
+              </a:rPr>
+              <a:t>engineered circumstances</a:t>
+            </a:r>
+            <a:r>
+              <a:rPr lang="en-US" sz="1600" dirty="0"/>
+              <a:t>, are </a:t>
+            </a:r>
+            <a:r>
+              <a:rPr lang="en-US" sz="1600" dirty="0">
+                <a:solidFill>
+                  <a:srgbClr val="C00000"/>
+                </a:solidFill>
+              </a:rPr>
+              <a:t>fully</a:t>
+            </a:r>
+            <a:r>
+              <a:rPr lang="en-US" sz="1600" dirty="0"/>
+              <a:t> estranged from reality. (</a:t>
+            </a:r>
+            <a:r>
+              <a:rPr lang="en-US" sz="1600" dirty="0">
+                <a:solidFill>
+                  <a:srgbClr val="C00000"/>
+                </a:solidFill>
+              </a:rPr>
+              <a:t>negative</a:t>
+            </a:r>
+            <a:r>
+              <a:rPr lang="en-US" sz="1600" dirty="0"/>
+              <a:t>)</a:t>
+            </a:r>
+          </a:p>
+        </p:txBody>
+      </p:sp>
+      <p:cxnSp>
+        <p:nvCxnSpPr>
+          <p:cNvPr id="46" name="Connettore 2 45">
+            <a:extLst>
+              <a:ext uri="{FF2B5EF4-FFF2-40B4-BE49-F238E27FC236}">
+                <a16:creationId xmlns:a16="http://schemas.microsoft.com/office/drawing/2014/main" id="{50652EBC-9AF7-DF55-8068-8DCB3A03AA15}"/>
+              </a:ext>
+            </a:extLst>
+          </p:cNvPr>
+          <p:cNvCxnSpPr>
+            <a:cxnSpLocks/>
+            <a:stCxn id="14" idx="3"/>
+            <a:endCxn id="45" idx="1"/>
+          </p:cNvCxnSpPr>
+          <p:nvPr/>
+        </p:nvCxnSpPr>
+        <p:spPr>
+          <a:xfrm>
+            <a:off x="6336320" y="5600699"/>
+            <a:ext cx="730740" cy="455794"/>
+          </a:xfrm>
+          <a:prstGeom prst="straightConnector1">
+            <a:avLst/>
+          </a:prstGeom>
+          <a:ln w="28575">
+            <a:solidFill>
+              <a:schemeClr val="tx1"/>
+            </a:solidFill>
+            <a:tailEnd type="triangle"/>
+          </a:ln>
+        </p:spPr>
+        <p:style>
+          <a:lnRef idx="1">
+            <a:schemeClr val="accent1"/>
+          </a:lnRef>
+          <a:fillRef idx="0">
+            <a:schemeClr val="accent1"/>
+          </a:fillRef>
+          <a:effectRef idx="0">
+            <a:schemeClr val="accent1"/>
+          </a:effectRef>
+          <a:fontRef idx="minor">
+            <a:schemeClr val="tx1"/>
+          </a:fontRef>
+        </p:style>
+      </p:cxnSp>
+      <p:pic>
+        <p:nvPicPr>
+          <p:cNvPr id="50" name="Immagine 49">
+            <a:extLst>
+              <a:ext uri="{FF2B5EF4-FFF2-40B4-BE49-F238E27FC236}">
+                <a16:creationId xmlns:a16="http://schemas.microsoft.com/office/drawing/2014/main" id="{915CF26C-BCAF-13F3-DEE4-AD709B43B716}"/>
+              </a:ext>
+            </a:extLst>
+          </p:cNvPr>
+          <p:cNvPicPr>
+            <a:picLocks noChangeAspect="1"/>
+          </p:cNvPicPr>
+          <p:nvPr/>
+        </p:nvPicPr>
+        <p:blipFill>
+          <a:blip r:embed="rId4"/>
+          <a:stretch>
+            <a:fillRect/>
+          </a:stretch>
+        </p:blipFill>
+        <p:spPr>
+          <a:xfrm>
+            <a:off x="7346460" y="-2549886"/>
+            <a:ext cx="1638442" cy="2659610"/>
+          </a:xfrm>
+          <a:prstGeom prst="rect">
+            <a:avLst/>
+          </a:prstGeom>
+        </p:spPr>
+      </p:pic>
+      <p:cxnSp>
+        <p:nvCxnSpPr>
+          <p:cNvPr id="52" name="Connettore 2 51">
+            <a:extLst>
+              <a:ext uri="{FF2B5EF4-FFF2-40B4-BE49-F238E27FC236}">
+                <a16:creationId xmlns:a16="http://schemas.microsoft.com/office/drawing/2014/main" id="{6175940A-A082-2AEB-61F9-99A057D41AFD}"/>
+              </a:ext>
+            </a:extLst>
+          </p:cNvPr>
+          <p:cNvCxnSpPr>
+            <a:cxnSpLocks/>
+            <a:stCxn id="6" idx="3"/>
+            <a:endCxn id="50" idx="1"/>
+          </p:cNvCxnSpPr>
+          <p:nvPr/>
+        </p:nvCxnSpPr>
+        <p:spPr>
+          <a:xfrm flipV="1">
+            <a:off x="6336321" y="-1220081"/>
+            <a:ext cx="1010139" cy="1088199"/>
+          </a:xfrm>
+          <a:prstGeom prst="straightConnector1">
+            <a:avLst/>
+          </a:prstGeom>
+          <a:ln w="28575">
+            <a:solidFill>
+              <a:schemeClr val="tx1"/>
+            </a:solidFill>
+            <a:tailEnd type="triangle"/>
+          </a:ln>
+        </p:spPr>
+        <p:style>
+          <a:lnRef idx="1">
+            <a:schemeClr val="accent1"/>
+          </a:lnRef>
+          <a:fillRef idx="0">
+            <a:schemeClr val="accent1"/>
+          </a:fillRef>
+          <a:effectRef idx="0">
+            <a:schemeClr val="accent1"/>
+          </a:effectRef>
+          <a:fontRef idx="minor">
+            <a:schemeClr val="tx1"/>
+          </a:fontRef>
+        </p:style>
+      </p:cxnSp>
+      <p:sp>
+        <p:nvSpPr>
+          <p:cNvPr id="61" name="CasellaDiTesto 60">
+            <a:extLst>
+              <a:ext uri="{FF2B5EF4-FFF2-40B4-BE49-F238E27FC236}">
+                <a16:creationId xmlns:a16="http://schemas.microsoft.com/office/drawing/2014/main" id="{6158FB79-B24E-0176-85E1-E97BF1A2BE6C}"/>
+              </a:ext>
+            </a:extLst>
+          </p:cNvPr>
+          <p:cNvSpPr txBox="1"/>
+          <p:nvPr/>
+        </p:nvSpPr>
+        <p:spPr>
+          <a:xfrm>
+            <a:off x="7067060" y="2449871"/>
+            <a:ext cx="6629400" cy="584775"/>
+          </a:xfrm>
+          <a:prstGeom prst="rect">
+            <a:avLst/>
+          </a:prstGeom>
+          <a:noFill/>
+          <a:ln>
+            <a:solidFill>
+              <a:schemeClr val="tx1"/>
+            </a:solidFill>
+          </a:ln>
+        </p:spPr>
+        <p:txBody>
+          <a:bodyPr wrap="square">
+            <a:spAutoFit/>
+          </a:bodyPr>
+          <a:lstStyle/>
+          <a:p>
+            <a:r>
+              <a:rPr lang="en-US" sz="1600" b="1" dirty="0"/>
+              <a:t>Sentence: </a:t>
+            </a:r>
+            <a:r>
+              <a:rPr lang="en-US" sz="1600" dirty="0"/>
+              <a:t>a </a:t>
+            </a:r>
+            <a:r>
+              <a:rPr lang="en-US" sz="1600" b="1" u="sng" dirty="0"/>
+              <a:t>well-made</a:t>
+            </a:r>
+            <a:r>
+              <a:rPr lang="en-US" sz="1600" dirty="0"/>
+              <a:t> and often </a:t>
+            </a:r>
+            <a:r>
+              <a:rPr lang="en-US" sz="1600" b="1" dirty="0"/>
+              <a:t>lovely</a:t>
+            </a:r>
+            <a:r>
+              <a:rPr lang="en-US" sz="1600" dirty="0"/>
+              <a:t> depiction of the mysteries of friendship</a:t>
+            </a:r>
+          </a:p>
+        </p:txBody>
+      </p:sp>
+      <p:cxnSp>
+        <p:nvCxnSpPr>
+          <p:cNvPr id="62" name="Connettore 2 61">
+            <a:extLst>
+              <a:ext uri="{FF2B5EF4-FFF2-40B4-BE49-F238E27FC236}">
+                <a16:creationId xmlns:a16="http://schemas.microsoft.com/office/drawing/2014/main" id="{29BD74E1-B1BC-6934-5209-726FAC48C843}"/>
+              </a:ext>
+            </a:extLst>
+          </p:cNvPr>
+          <p:cNvCxnSpPr>
+            <a:cxnSpLocks/>
+            <a:stCxn id="10" idx="3"/>
+            <a:endCxn id="61" idx="1"/>
+          </p:cNvCxnSpPr>
+          <p:nvPr/>
+        </p:nvCxnSpPr>
+        <p:spPr>
+          <a:xfrm>
+            <a:off x="6336321" y="2324101"/>
+            <a:ext cx="730739" cy="418158"/>
+          </a:xfrm>
+          <a:prstGeom prst="straightConnector1">
+            <a:avLst/>
+          </a:prstGeom>
+          <a:ln w="28575">
+            <a:solidFill>
+              <a:schemeClr val="tx1"/>
+            </a:solidFill>
+            <a:tailEnd type="triangle"/>
+          </a:ln>
+        </p:spPr>
+        <p:style>
+          <a:lnRef idx="1">
+            <a:schemeClr val="accent1"/>
+          </a:lnRef>
+          <a:fillRef idx="0">
+            <a:schemeClr val="accent1"/>
+          </a:fillRef>
+          <a:effectRef idx="0">
+            <a:schemeClr val="accent1"/>
+          </a:effectRef>
+          <a:fontRef idx="minor">
+            <a:schemeClr val="tx1"/>
+          </a:fontRef>
+        </p:style>
+      </p:cxnSp>
+      <p:pic>
+        <p:nvPicPr>
+          <p:cNvPr id="66" name="Immagine 65">
+            <a:extLst>
+              <a:ext uri="{FF2B5EF4-FFF2-40B4-BE49-F238E27FC236}">
+                <a16:creationId xmlns:a16="http://schemas.microsoft.com/office/drawing/2014/main" id="{6EBE4E21-168C-E6D8-FB7C-7C0A32C65CBA}"/>
+              </a:ext>
+            </a:extLst>
+          </p:cNvPr>
+          <p:cNvPicPr>
+            <a:picLocks noChangeAspect="1"/>
+          </p:cNvPicPr>
+          <p:nvPr/>
+        </p:nvPicPr>
+        <p:blipFill>
+          <a:blip r:embed="rId5"/>
+          <a:stretch>
+            <a:fillRect/>
+          </a:stretch>
+        </p:blipFill>
+        <p:spPr>
+          <a:xfrm>
+            <a:off x="7964867" y="3816313"/>
+            <a:ext cx="3071126" cy="823031"/>
+          </a:xfrm>
+          <a:prstGeom prst="rect">
+            <a:avLst/>
+          </a:prstGeom>
+        </p:spPr>
+      </p:pic>
+      <p:cxnSp>
+        <p:nvCxnSpPr>
+          <p:cNvPr id="67" name="Connettore 2 66">
+            <a:extLst>
+              <a:ext uri="{FF2B5EF4-FFF2-40B4-BE49-F238E27FC236}">
+                <a16:creationId xmlns:a16="http://schemas.microsoft.com/office/drawing/2014/main" id="{2F021F4B-CF7B-B380-1819-02A93853F861}"/>
+              </a:ext>
+            </a:extLst>
+          </p:cNvPr>
+          <p:cNvCxnSpPr>
+            <a:cxnSpLocks/>
+            <a:stCxn id="12" idx="3"/>
+            <a:endCxn id="66" idx="1"/>
+          </p:cNvCxnSpPr>
+          <p:nvPr/>
+        </p:nvCxnSpPr>
+        <p:spPr>
+          <a:xfrm>
+            <a:off x="6336320" y="3810001"/>
+            <a:ext cx="1628547" cy="417828"/>
+          </a:xfrm>
+          <a:prstGeom prst="straightConnector1">
+            <a:avLst/>
+          </a:prstGeom>
+          <a:ln w="28575">
+            <a:solidFill>
+              <a:schemeClr val="tx1"/>
+            </a:solidFill>
+            <a:tailEnd type="triangle"/>
+          </a:ln>
+        </p:spPr>
+        <p:style>
+          <a:lnRef idx="1">
+            <a:schemeClr val="accent1"/>
+          </a:lnRef>
+          <a:fillRef idx="0">
+            <a:schemeClr val="accent1"/>
+          </a:fillRef>
+          <a:effectRef idx="0">
+            <a:schemeClr val="accent1"/>
+          </a:effectRef>
+          <a:fontRef idx="minor">
+            <a:schemeClr val="tx1"/>
+          </a:fontRef>
+        </p:style>
+      </p:cxnSp>
+      <p:sp>
+        <p:nvSpPr>
+          <p:cNvPr id="70" name="CasellaDiTesto 69">
+            <a:extLst>
+              <a:ext uri="{FF2B5EF4-FFF2-40B4-BE49-F238E27FC236}">
+                <a16:creationId xmlns:a16="http://schemas.microsoft.com/office/drawing/2014/main" id="{99A777C6-C420-50E3-41ED-8677749738BB}"/>
+              </a:ext>
+            </a:extLst>
+          </p:cNvPr>
+          <p:cNvSpPr txBox="1"/>
+          <p:nvPr/>
+        </p:nvSpPr>
+        <p:spPr>
+          <a:xfrm>
+            <a:off x="3352800" y="-386859"/>
+            <a:ext cx="419100" cy="369332"/>
+          </a:xfrm>
+          <a:prstGeom prst="rect">
+            <a:avLst/>
+          </a:prstGeom>
+          <a:noFill/>
+        </p:spPr>
+        <p:txBody>
+          <a:bodyPr wrap="square" rtlCol="0">
+            <a:spAutoFit/>
+          </a:bodyPr>
+          <a:lstStyle/>
+          <a:p>
+            <a:r>
+              <a:rPr lang="en-US" b="1" dirty="0"/>
+              <a:t>A)</a:t>
+            </a:r>
+          </a:p>
+        </p:txBody>
+      </p:sp>
+      <p:sp>
+        <p:nvSpPr>
+          <p:cNvPr id="71" name="CasellaDiTesto 70">
+            <a:extLst>
+              <a:ext uri="{FF2B5EF4-FFF2-40B4-BE49-F238E27FC236}">
+                <a16:creationId xmlns:a16="http://schemas.microsoft.com/office/drawing/2014/main" id="{97942C57-4B65-08E0-1257-ECA19A7CA5AF}"/>
+              </a:ext>
+            </a:extLst>
+          </p:cNvPr>
+          <p:cNvSpPr txBox="1"/>
+          <p:nvPr/>
+        </p:nvSpPr>
+        <p:spPr>
+          <a:xfrm>
+            <a:off x="3358659" y="374227"/>
+            <a:ext cx="419100" cy="369332"/>
+          </a:xfrm>
+          <a:prstGeom prst="rect">
+            <a:avLst/>
+          </a:prstGeom>
+          <a:noFill/>
+        </p:spPr>
+        <p:txBody>
+          <a:bodyPr wrap="square" rtlCol="0">
+            <a:spAutoFit/>
+          </a:bodyPr>
+          <a:lstStyle/>
+          <a:p>
+            <a:r>
+              <a:rPr lang="en-US" b="1" dirty="0"/>
+              <a:t>B)</a:t>
+            </a:r>
+          </a:p>
+        </p:txBody>
+      </p:sp>
+      <p:sp>
+        <p:nvSpPr>
+          <p:cNvPr id="72" name="CasellaDiTesto 71">
+            <a:extLst>
+              <a:ext uri="{FF2B5EF4-FFF2-40B4-BE49-F238E27FC236}">
+                <a16:creationId xmlns:a16="http://schemas.microsoft.com/office/drawing/2014/main" id="{55668581-D9C9-1DB7-96C9-1D558BF422B4}"/>
+              </a:ext>
+            </a:extLst>
+          </p:cNvPr>
+          <p:cNvSpPr txBox="1"/>
+          <p:nvPr/>
+        </p:nvSpPr>
+        <p:spPr>
+          <a:xfrm>
+            <a:off x="3355227" y="1335569"/>
+            <a:ext cx="419100" cy="369332"/>
+          </a:xfrm>
+          <a:prstGeom prst="rect">
+            <a:avLst/>
+          </a:prstGeom>
+          <a:noFill/>
+        </p:spPr>
+        <p:txBody>
+          <a:bodyPr wrap="square" rtlCol="0">
+            <a:spAutoFit/>
+          </a:bodyPr>
+          <a:lstStyle/>
+          <a:p>
+            <a:r>
+              <a:rPr lang="en-US" b="1" dirty="0"/>
+              <a:t>C)</a:t>
+            </a:r>
+          </a:p>
+        </p:txBody>
+      </p:sp>
+      <p:sp>
+        <p:nvSpPr>
+          <p:cNvPr id="73" name="CasellaDiTesto 72">
+            <a:extLst>
+              <a:ext uri="{FF2B5EF4-FFF2-40B4-BE49-F238E27FC236}">
+                <a16:creationId xmlns:a16="http://schemas.microsoft.com/office/drawing/2014/main" id="{4D2BD0DE-B99B-EF2A-9FB7-56B1A8ADF0FE}"/>
+              </a:ext>
+            </a:extLst>
+          </p:cNvPr>
+          <p:cNvSpPr txBox="1"/>
+          <p:nvPr/>
+        </p:nvSpPr>
+        <p:spPr>
+          <a:xfrm>
+            <a:off x="3361086" y="2096655"/>
+            <a:ext cx="419100" cy="369332"/>
+          </a:xfrm>
+          <a:prstGeom prst="rect">
+            <a:avLst/>
+          </a:prstGeom>
+          <a:noFill/>
+        </p:spPr>
+        <p:txBody>
+          <a:bodyPr wrap="square" rtlCol="0">
+            <a:spAutoFit/>
+          </a:bodyPr>
+          <a:lstStyle/>
+          <a:p>
+            <a:r>
+              <a:rPr lang="en-US" b="1" dirty="0"/>
+              <a:t>D)</a:t>
+            </a:r>
+          </a:p>
+        </p:txBody>
+      </p:sp>
+      <p:sp>
+        <p:nvSpPr>
+          <p:cNvPr id="74" name="CasellaDiTesto 73">
+            <a:extLst>
+              <a:ext uri="{FF2B5EF4-FFF2-40B4-BE49-F238E27FC236}">
+                <a16:creationId xmlns:a16="http://schemas.microsoft.com/office/drawing/2014/main" id="{53EC074A-7CC5-4187-12B2-99D166ED1297}"/>
+              </a:ext>
+            </a:extLst>
+          </p:cNvPr>
+          <p:cNvSpPr txBox="1"/>
+          <p:nvPr/>
+        </p:nvSpPr>
+        <p:spPr>
+          <a:xfrm>
+            <a:off x="3355227" y="2870561"/>
+            <a:ext cx="419100" cy="369332"/>
+          </a:xfrm>
+          <a:prstGeom prst="rect">
+            <a:avLst/>
+          </a:prstGeom>
+          <a:noFill/>
+        </p:spPr>
+        <p:txBody>
+          <a:bodyPr wrap="square" rtlCol="0">
+            <a:spAutoFit/>
+          </a:bodyPr>
+          <a:lstStyle/>
+          <a:p>
+            <a:r>
+              <a:rPr lang="en-US" b="1" dirty="0"/>
+              <a:t>E)</a:t>
+            </a:r>
+          </a:p>
+        </p:txBody>
+      </p:sp>
+      <p:sp>
+        <p:nvSpPr>
+          <p:cNvPr id="75" name="CasellaDiTesto 74">
+            <a:extLst>
+              <a:ext uri="{FF2B5EF4-FFF2-40B4-BE49-F238E27FC236}">
+                <a16:creationId xmlns:a16="http://schemas.microsoft.com/office/drawing/2014/main" id="{3565B377-ABAA-D848-7B6A-CCDE1012E99A}"/>
+              </a:ext>
+            </a:extLst>
+          </p:cNvPr>
+          <p:cNvSpPr txBox="1"/>
+          <p:nvPr/>
+        </p:nvSpPr>
+        <p:spPr>
+          <a:xfrm>
+            <a:off x="3361086" y="3631647"/>
+            <a:ext cx="419100" cy="369332"/>
+          </a:xfrm>
+          <a:prstGeom prst="rect">
+            <a:avLst/>
+          </a:prstGeom>
+          <a:noFill/>
+        </p:spPr>
+        <p:txBody>
+          <a:bodyPr wrap="square" rtlCol="0">
+            <a:spAutoFit/>
+          </a:bodyPr>
+          <a:lstStyle/>
+          <a:p>
+            <a:r>
+              <a:rPr lang="en-US" b="1" dirty="0"/>
+              <a:t>F)</a:t>
+            </a:r>
+          </a:p>
+        </p:txBody>
+      </p:sp>
+      <p:sp>
+        <p:nvSpPr>
+          <p:cNvPr id="76" name="CasellaDiTesto 75">
+            <a:extLst>
+              <a:ext uri="{FF2B5EF4-FFF2-40B4-BE49-F238E27FC236}">
+                <a16:creationId xmlns:a16="http://schemas.microsoft.com/office/drawing/2014/main" id="{AEDE28E9-FF8F-4A69-2878-3542997304A8}"/>
+              </a:ext>
+            </a:extLst>
+          </p:cNvPr>
+          <p:cNvSpPr txBox="1"/>
+          <p:nvPr/>
+        </p:nvSpPr>
+        <p:spPr>
+          <a:xfrm>
+            <a:off x="3355227" y="4590471"/>
+            <a:ext cx="419100" cy="369332"/>
+          </a:xfrm>
+          <a:prstGeom prst="rect">
+            <a:avLst/>
+          </a:prstGeom>
+          <a:noFill/>
+        </p:spPr>
+        <p:txBody>
+          <a:bodyPr wrap="square" rtlCol="0">
+            <a:spAutoFit/>
+          </a:bodyPr>
+          <a:lstStyle/>
+          <a:p>
+            <a:r>
+              <a:rPr lang="en-US" b="1" dirty="0"/>
+              <a:t>G)</a:t>
+            </a:r>
+          </a:p>
+        </p:txBody>
+      </p:sp>
+      <p:sp>
+        <p:nvSpPr>
+          <p:cNvPr id="77" name="CasellaDiTesto 76">
+            <a:extLst>
+              <a:ext uri="{FF2B5EF4-FFF2-40B4-BE49-F238E27FC236}">
+                <a16:creationId xmlns:a16="http://schemas.microsoft.com/office/drawing/2014/main" id="{32F1ACA9-AB26-B51C-269E-1B2F4A34F4EA}"/>
+              </a:ext>
+            </a:extLst>
+          </p:cNvPr>
+          <p:cNvSpPr txBox="1"/>
+          <p:nvPr/>
+        </p:nvSpPr>
+        <p:spPr>
+          <a:xfrm>
+            <a:off x="3361086" y="5351557"/>
+            <a:ext cx="419100" cy="369332"/>
+          </a:xfrm>
+          <a:prstGeom prst="rect">
+            <a:avLst/>
+          </a:prstGeom>
+          <a:noFill/>
+        </p:spPr>
+        <p:txBody>
+          <a:bodyPr wrap="square" rtlCol="0">
+            <a:spAutoFit/>
+          </a:bodyPr>
+          <a:lstStyle/>
+          <a:p>
+            <a:r>
+              <a:rPr lang="en-US" b="1" dirty="0"/>
+              <a:t>H)</a:t>
+            </a:r>
+          </a:p>
+        </p:txBody>
+      </p:sp>
+      <p:sp>
+        <p:nvSpPr>
+          <p:cNvPr id="78" name="CasellaDiTesto 77">
+            <a:extLst>
+              <a:ext uri="{FF2B5EF4-FFF2-40B4-BE49-F238E27FC236}">
+                <a16:creationId xmlns:a16="http://schemas.microsoft.com/office/drawing/2014/main" id="{03E310BC-F464-A6F6-5D0E-BD16F911B55E}"/>
+              </a:ext>
+            </a:extLst>
+          </p:cNvPr>
+          <p:cNvSpPr txBox="1"/>
+          <p:nvPr/>
+        </p:nvSpPr>
+        <p:spPr>
+          <a:xfrm>
+            <a:off x="3361086" y="6210145"/>
+            <a:ext cx="419100" cy="369332"/>
+          </a:xfrm>
+          <a:prstGeom prst="rect">
+            <a:avLst/>
+          </a:prstGeom>
+          <a:noFill/>
+        </p:spPr>
+        <p:txBody>
+          <a:bodyPr wrap="square" rtlCol="0">
+            <a:spAutoFit/>
+          </a:bodyPr>
+          <a:lstStyle/>
+          <a:p>
+            <a:r>
+              <a:rPr lang="en-US" b="1" dirty="0"/>
+              <a:t>I)</a:t>
+            </a:r>
+          </a:p>
+        </p:txBody>
+      </p:sp>
+    </p:spTree>
+    <p:extLst>
+      <p:ext uri="{BB962C8B-B14F-4D97-AF65-F5344CB8AC3E}">
+        <p14:creationId xmlns:p14="http://schemas.microsoft.com/office/powerpoint/2010/main" val="1831932029"/>
+      </p:ext>
+    </p:extLst>
+  </p:cSld>
+  <p:clrMapOvr>
+    <a:masterClrMapping/>
+  </p:clrMapOvr>
+</p:sld>
+</file>
+
+<file path=ppt/slides/slide12.xml><?xml version="1.0" encoding="utf-8"?>
 <p:sld xmlns:a="http://schemas.openxmlformats.org/drawingml/2006/main" xmlns:r="http://schemas.openxmlformats.org/officeDocument/2006/relationships" xmlns:p="http://schemas.openxmlformats.org/presentationml/2006/main">
   <p:cSld>
     <p:spTree>
@@ -11992,7 +13303,7 @@
 </p:sld>
 </file>
 
-<file path=ppt/slides/slide12.xml><?xml version="1.0" encoding="utf-8"?>
+<file path=ppt/slides/slide13.xml><?xml version="1.0" encoding="utf-8"?>
 <p:sld xmlns:a="http://schemas.openxmlformats.org/drawingml/2006/main" xmlns:r="http://schemas.openxmlformats.org/officeDocument/2006/relationships" xmlns:p="http://schemas.openxmlformats.org/presentationml/2006/main">
   <p:cSld>
     <p:spTree>
@@ -20170,7 +21481,7 @@
 </p:sld>
 </file>
 
-<file path=ppt/slides/slide13.xml><?xml version="1.0" encoding="utf-8"?>
+<file path=ppt/slides/slide14.xml><?xml version="1.0" encoding="utf-8"?>
 <p:sld xmlns:a="http://schemas.openxmlformats.org/drawingml/2006/main" xmlns:r="http://schemas.openxmlformats.org/officeDocument/2006/relationships" xmlns:p="http://schemas.openxmlformats.org/presentationml/2006/main">
   <p:cSld>
     <p:spTree>
@@ -21448,7 +22759,7 @@
 </p:sld>
 </file>
 
-<file path=ppt/slides/slide14.xml><?xml version="1.0" encoding="utf-8"?>
+<file path=ppt/slides/slide15.xml><?xml version="1.0" encoding="utf-8"?>
 <p:sld xmlns:a="http://schemas.openxmlformats.org/drawingml/2006/main" xmlns:r="http://schemas.openxmlformats.org/officeDocument/2006/relationships" xmlns:p="http://schemas.openxmlformats.org/presentationml/2006/main">
   <p:cSld>
     <p:spTree>
@@ -48860,1443 +50171,380 @@
           <a:chExt cx="0" cy="0"/>
         </a:xfrm>
       </p:grpSpPr>
-      <p:sp>
-        <p:nvSpPr>
-          <p:cNvPr id="2" name="Rettangolo 1">
-            <a:extLst>
-              <a:ext uri="{FF2B5EF4-FFF2-40B4-BE49-F238E27FC236}">
-                <a16:creationId xmlns:a16="http://schemas.microsoft.com/office/drawing/2014/main" id="{938AD8C0-E0F0-4489-1490-B2AB0267560D}"/>
-              </a:ext>
-            </a:extLst>
-          </p:cNvPr>
-          <p:cNvSpPr/>
-          <p:nvPr/>
-        </p:nvSpPr>
-        <p:spPr>
+      <p:pic>
+        <p:nvPicPr>
+          <p:cNvPr id="1026" name="Picture 2">
+            <a:extLst>
+              <a:ext uri="{FF2B5EF4-FFF2-40B4-BE49-F238E27FC236}">
+                <a16:creationId xmlns:a16="http://schemas.microsoft.com/office/drawing/2014/main" id="{73F63C40-A39F-5150-4EAC-2B097384325F}"/>
+              </a:ext>
+            </a:extLst>
+          </p:cNvPr>
+          <p:cNvPicPr>
+            <a:picLocks noChangeAspect="1" noChangeArrowheads="1"/>
+          </p:cNvPicPr>
+          <p:nvPr/>
+        </p:nvPicPr>
+        <p:blipFill>
+          <a:blip r:embed="rId3">
+            <a:extLst>
+              <a:ext uri="{28A0092B-C50C-407E-A947-70E740481C1C}">
+                <a14:useLocalDpi xmlns:a14="http://schemas.microsoft.com/office/drawing/2010/main" val="0"/>
+              </a:ext>
+            </a:extLst>
+          </a:blip>
+          <a:srcRect/>
+          <a:stretch>
+            <a:fillRect/>
+          </a:stretch>
+        </p:blipFill>
+        <p:spPr bwMode="auto">
           <a:xfrm>
-            <a:off x="685799" y="0"/>
-            <a:ext cx="2268415" cy="756138"/>
-          </a:xfrm>
-          <a:prstGeom prst="rect">
-            <a:avLst/>
-          </a:prstGeom>
-        </p:spPr>
-        <p:style>
-          <a:lnRef idx="2">
-            <a:schemeClr val="accent1">
-              <a:shade val="15000"/>
-            </a:schemeClr>
-          </a:lnRef>
-          <a:fillRef idx="1">
-            <a:schemeClr val="accent1"/>
-          </a:fillRef>
-          <a:effectRef idx="0">
-            <a:schemeClr val="accent1"/>
-          </a:effectRef>
-          <a:fontRef idx="minor">
-            <a:schemeClr val="lt1"/>
-          </a:fontRef>
-        </p:style>
-        <p:txBody>
-          <a:bodyPr rtlCol="0" anchor="ctr"/>
-          <a:lstStyle/>
-          <a:p>
-            <a:pPr algn="ctr"/>
-            <a:r>
-              <a:rPr lang="en-US" b="1" dirty="0"/>
-              <a:t>Attention based</a:t>
-            </a:r>
-          </a:p>
-        </p:txBody>
-      </p:sp>
-      <p:sp>
-        <p:nvSpPr>
-          <p:cNvPr id="3" name="Rettangolo 2">
-            <a:extLst>
-              <a:ext uri="{FF2B5EF4-FFF2-40B4-BE49-F238E27FC236}">
-                <a16:creationId xmlns:a16="http://schemas.microsoft.com/office/drawing/2014/main" id="{529B98C2-C70E-7060-75E7-BE033FB5FE1D}"/>
-              </a:ext>
-            </a:extLst>
-          </p:cNvPr>
-          <p:cNvSpPr/>
-          <p:nvPr/>
-        </p:nvSpPr>
-        <p:spPr>
-          <a:xfrm>
-            <a:off x="685799" y="2356339"/>
-            <a:ext cx="2268415" cy="914400"/>
-          </a:xfrm>
-          <a:prstGeom prst="rect">
-            <a:avLst/>
-          </a:prstGeom>
-          <a:solidFill>
-            <a:schemeClr val="accent2">
-              <a:lumMod val="75000"/>
-            </a:schemeClr>
-          </a:solidFill>
-        </p:spPr>
-        <p:style>
-          <a:lnRef idx="2">
-            <a:schemeClr val="accent1">
-              <a:shade val="15000"/>
-            </a:schemeClr>
-          </a:lnRef>
-          <a:fillRef idx="1">
-            <a:schemeClr val="accent1"/>
-          </a:fillRef>
-          <a:effectRef idx="0">
-            <a:schemeClr val="accent1"/>
-          </a:effectRef>
-          <a:fontRef idx="minor">
-            <a:schemeClr val="lt1"/>
-          </a:fontRef>
-        </p:style>
-        <p:txBody>
-          <a:bodyPr rtlCol="0" anchor="ctr"/>
-          <a:lstStyle/>
-          <a:p>
-            <a:pPr algn="ctr"/>
-            <a:r>
-              <a:rPr lang="en-US" b="1" dirty="0"/>
-              <a:t>Feature attribution</a:t>
-            </a:r>
-          </a:p>
-        </p:txBody>
-      </p:sp>
-      <p:sp>
-        <p:nvSpPr>
-          <p:cNvPr id="4" name="Rettangolo 3">
-            <a:extLst>
-              <a:ext uri="{FF2B5EF4-FFF2-40B4-BE49-F238E27FC236}">
-                <a16:creationId xmlns:a16="http://schemas.microsoft.com/office/drawing/2014/main" id="{C8EF8ACA-776D-4E31-96A2-C2EE0C33A1A0}"/>
-              </a:ext>
-            </a:extLst>
-          </p:cNvPr>
-          <p:cNvSpPr/>
-          <p:nvPr/>
-        </p:nvSpPr>
-        <p:spPr>
-          <a:xfrm>
-            <a:off x="685799" y="4583723"/>
-            <a:ext cx="2268415" cy="914400"/>
-          </a:xfrm>
-          <a:prstGeom prst="rect">
-            <a:avLst/>
-          </a:prstGeom>
-          <a:solidFill>
-            <a:schemeClr val="accent6">
-              <a:lumMod val="75000"/>
-            </a:schemeClr>
-          </a:solidFill>
-        </p:spPr>
-        <p:style>
-          <a:lnRef idx="2">
-            <a:schemeClr val="accent1">
-              <a:shade val="15000"/>
-            </a:schemeClr>
-          </a:lnRef>
-          <a:fillRef idx="1">
-            <a:schemeClr val="accent1"/>
-          </a:fillRef>
-          <a:effectRef idx="0">
-            <a:schemeClr val="accent1"/>
-          </a:effectRef>
-          <a:fontRef idx="minor">
-            <a:schemeClr val="lt1"/>
-          </a:fontRef>
-        </p:style>
-        <p:txBody>
-          <a:bodyPr rtlCol="0" anchor="ctr"/>
-          <a:lstStyle/>
-          <a:p>
-            <a:pPr algn="ctr"/>
-            <a:r>
-              <a:rPr lang="en-US" b="1" dirty="0"/>
-              <a:t>Example based</a:t>
-            </a:r>
-          </a:p>
-        </p:txBody>
-      </p:sp>
-      <p:sp>
-        <p:nvSpPr>
-          <p:cNvPr id="5" name="Rettangolo 4">
-            <a:extLst>
-              <a:ext uri="{FF2B5EF4-FFF2-40B4-BE49-F238E27FC236}">
-                <a16:creationId xmlns:a16="http://schemas.microsoft.com/office/drawing/2014/main" id="{12AB8E3E-E38A-6461-DF10-50CBBDDE263A}"/>
-              </a:ext>
-            </a:extLst>
-          </p:cNvPr>
-          <p:cNvSpPr/>
-          <p:nvPr/>
-        </p:nvSpPr>
-        <p:spPr>
-          <a:xfrm>
-            <a:off x="685799" y="6264570"/>
-            <a:ext cx="2268415" cy="914400"/>
-          </a:xfrm>
-          <a:prstGeom prst="rect">
-            <a:avLst/>
-          </a:prstGeom>
-        </p:spPr>
-        <p:style>
-          <a:lnRef idx="2">
-            <a:schemeClr val="accent1">
-              <a:shade val="15000"/>
-            </a:schemeClr>
-          </a:lnRef>
-          <a:fillRef idx="1">
-            <a:schemeClr val="accent1"/>
-          </a:fillRef>
-          <a:effectRef idx="0">
-            <a:schemeClr val="accent1"/>
-          </a:effectRef>
-          <a:fontRef idx="minor">
-            <a:schemeClr val="lt1"/>
-          </a:fontRef>
-        </p:style>
-        <p:txBody>
-          <a:bodyPr rtlCol="0" anchor="ctr"/>
-          <a:lstStyle/>
-          <a:p>
-            <a:pPr algn="ctr"/>
-            <a:r>
-              <a:rPr lang="en-US" b="1" dirty="0"/>
-              <a:t>Natural language </a:t>
-            </a:r>
-          </a:p>
-        </p:txBody>
-      </p:sp>
-      <p:sp>
-        <p:nvSpPr>
-          <p:cNvPr id="6" name="Rettangolo 5">
-            <a:extLst>
-              <a:ext uri="{FF2B5EF4-FFF2-40B4-BE49-F238E27FC236}">
-                <a16:creationId xmlns:a16="http://schemas.microsoft.com/office/drawing/2014/main" id="{A9B5FD29-6C60-966B-6759-707C039729FD}"/>
-              </a:ext>
-            </a:extLst>
-          </p:cNvPr>
-          <p:cNvSpPr/>
-          <p:nvPr/>
-        </p:nvSpPr>
-        <p:spPr>
-          <a:xfrm>
-            <a:off x="4067906" y="-386859"/>
-            <a:ext cx="2268415" cy="509954"/>
-          </a:xfrm>
-          <a:prstGeom prst="rect">
-            <a:avLst/>
-          </a:prstGeom>
-          <a:solidFill>
-            <a:schemeClr val="accent1">
-              <a:alpha val="50000"/>
-            </a:schemeClr>
-          </a:solidFill>
-        </p:spPr>
-        <p:style>
-          <a:lnRef idx="2">
-            <a:schemeClr val="accent1">
-              <a:shade val="15000"/>
-            </a:schemeClr>
-          </a:lnRef>
-          <a:fillRef idx="1">
-            <a:schemeClr val="accent1"/>
-          </a:fillRef>
-          <a:effectRef idx="0">
-            <a:schemeClr val="accent1"/>
-          </a:effectRef>
-          <a:fontRef idx="minor">
-            <a:schemeClr val="lt1"/>
-          </a:fontRef>
-        </p:style>
-        <p:txBody>
-          <a:bodyPr rtlCol="0" anchor="ctr"/>
-          <a:lstStyle/>
-          <a:p>
-            <a:pPr algn="ctr"/>
-            <a:r>
-              <a:rPr lang="en-US" b="1" dirty="0">
-                <a:solidFill>
-                  <a:schemeClr val="tx1"/>
-                </a:solidFill>
-              </a:rPr>
-              <a:t>Function based</a:t>
-            </a:r>
-          </a:p>
-        </p:txBody>
-      </p:sp>
-      <p:sp>
-        <p:nvSpPr>
-          <p:cNvPr id="7" name="Rettangolo 6">
-            <a:extLst>
-              <a:ext uri="{FF2B5EF4-FFF2-40B4-BE49-F238E27FC236}">
-                <a16:creationId xmlns:a16="http://schemas.microsoft.com/office/drawing/2014/main" id="{905F665A-3356-C689-F685-56BB814BD13F}"/>
-              </a:ext>
-            </a:extLst>
-          </p:cNvPr>
-          <p:cNvSpPr/>
-          <p:nvPr/>
-        </p:nvSpPr>
-        <p:spPr>
-          <a:xfrm>
-            <a:off x="4067905" y="369279"/>
-            <a:ext cx="2268415" cy="509954"/>
-          </a:xfrm>
-          <a:prstGeom prst="rect">
-            <a:avLst/>
-          </a:prstGeom>
-          <a:solidFill>
-            <a:schemeClr val="accent1">
-              <a:alpha val="50000"/>
-            </a:schemeClr>
-          </a:solidFill>
-        </p:spPr>
-        <p:style>
-          <a:lnRef idx="2">
-            <a:schemeClr val="accent1">
-              <a:shade val="15000"/>
-            </a:schemeClr>
-          </a:lnRef>
-          <a:fillRef idx="1">
-            <a:schemeClr val="accent1"/>
-          </a:fillRef>
-          <a:effectRef idx="0">
-            <a:schemeClr val="accent1"/>
-          </a:effectRef>
-          <a:fontRef idx="minor">
-            <a:schemeClr val="lt1"/>
-          </a:fontRef>
-        </p:style>
-        <p:txBody>
-          <a:bodyPr rtlCol="0" anchor="ctr"/>
-          <a:lstStyle/>
-          <a:p>
-            <a:pPr algn="ctr"/>
-            <a:r>
-              <a:rPr lang="en-US" b="1" dirty="0">
-                <a:solidFill>
-                  <a:schemeClr val="tx1"/>
-                </a:solidFill>
-              </a:rPr>
-              <a:t>Visualization </a:t>
-            </a:r>
-          </a:p>
-        </p:txBody>
-      </p:sp>
-      <p:sp>
-        <p:nvSpPr>
-          <p:cNvPr id="9" name="Rettangolo 8">
-            <a:extLst>
-              <a:ext uri="{FF2B5EF4-FFF2-40B4-BE49-F238E27FC236}">
-                <a16:creationId xmlns:a16="http://schemas.microsoft.com/office/drawing/2014/main" id="{20321646-6476-6FD6-BF1C-4B5F2F3F3EAD}"/>
-              </a:ext>
-            </a:extLst>
-          </p:cNvPr>
-          <p:cNvSpPr/>
-          <p:nvPr/>
-        </p:nvSpPr>
-        <p:spPr>
-          <a:xfrm>
-            <a:off x="4067907" y="1257301"/>
-            <a:ext cx="2268415" cy="509954"/>
-          </a:xfrm>
-          <a:prstGeom prst="rect">
-            <a:avLst/>
-          </a:prstGeom>
-          <a:solidFill>
-            <a:schemeClr val="accent2">
-              <a:lumMod val="75000"/>
-              <a:alpha val="50000"/>
-            </a:schemeClr>
-          </a:solidFill>
-        </p:spPr>
-        <p:style>
-          <a:lnRef idx="2">
-            <a:schemeClr val="accent1">
-              <a:shade val="15000"/>
-            </a:schemeClr>
-          </a:lnRef>
-          <a:fillRef idx="1">
-            <a:schemeClr val="accent1"/>
-          </a:fillRef>
-          <a:effectRef idx="0">
-            <a:schemeClr val="accent1"/>
-          </a:effectRef>
-          <a:fontRef idx="minor">
-            <a:schemeClr val="lt1"/>
-          </a:fontRef>
-        </p:style>
-        <p:txBody>
-          <a:bodyPr rtlCol="0" anchor="ctr"/>
-          <a:lstStyle/>
-          <a:p>
-            <a:pPr algn="ctr"/>
-            <a:r>
-              <a:rPr lang="en-US" b="1" dirty="0">
-                <a:solidFill>
-                  <a:schemeClr val="tx1"/>
-                </a:solidFill>
-              </a:rPr>
-              <a:t>Perturbation</a:t>
-            </a:r>
-          </a:p>
-        </p:txBody>
-      </p:sp>
-      <p:sp>
-        <p:nvSpPr>
-          <p:cNvPr id="10" name="Rettangolo 9">
-            <a:extLst>
-              <a:ext uri="{FF2B5EF4-FFF2-40B4-BE49-F238E27FC236}">
-                <a16:creationId xmlns:a16="http://schemas.microsoft.com/office/drawing/2014/main" id="{BF3DE9E4-F8CB-95B8-AF5A-ABC5D1B7F4C0}"/>
-              </a:ext>
-            </a:extLst>
-          </p:cNvPr>
-          <p:cNvSpPr/>
-          <p:nvPr/>
-        </p:nvSpPr>
-        <p:spPr>
-          <a:xfrm>
-            <a:off x="4067906" y="2069124"/>
-            <a:ext cx="2268415" cy="509954"/>
-          </a:xfrm>
-          <a:prstGeom prst="rect">
-            <a:avLst/>
-          </a:prstGeom>
-          <a:solidFill>
-            <a:schemeClr val="accent2">
-              <a:lumMod val="75000"/>
-              <a:alpha val="50000"/>
-            </a:schemeClr>
-          </a:solidFill>
-        </p:spPr>
-        <p:style>
-          <a:lnRef idx="2">
-            <a:schemeClr val="accent1">
-              <a:shade val="15000"/>
-            </a:schemeClr>
-          </a:lnRef>
-          <a:fillRef idx="1">
-            <a:schemeClr val="accent1"/>
-          </a:fillRef>
-          <a:effectRef idx="0">
-            <a:schemeClr val="accent1"/>
-          </a:effectRef>
-          <a:fontRef idx="minor">
-            <a:schemeClr val="lt1"/>
-          </a:fontRef>
-        </p:style>
-        <p:txBody>
-          <a:bodyPr rtlCol="0" anchor="ctr"/>
-          <a:lstStyle/>
-          <a:p>
-            <a:pPr algn="ctr"/>
-            <a:r>
-              <a:rPr lang="en-US" b="1" dirty="0">
-                <a:solidFill>
-                  <a:schemeClr val="tx1"/>
-                </a:solidFill>
-              </a:rPr>
-              <a:t>Gradient</a:t>
-            </a:r>
-          </a:p>
-        </p:txBody>
-      </p:sp>
-      <p:sp>
-        <p:nvSpPr>
-          <p:cNvPr id="11" name="Rettangolo 10">
-            <a:extLst>
-              <a:ext uri="{FF2B5EF4-FFF2-40B4-BE49-F238E27FC236}">
-                <a16:creationId xmlns:a16="http://schemas.microsoft.com/office/drawing/2014/main" id="{64DF7112-E848-986D-AB4D-5A091BC3DE78}"/>
-              </a:ext>
-            </a:extLst>
-          </p:cNvPr>
-          <p:cNvSpPr/>
-          <p:nvPr/>
-        </p:nvSpPr>
-        <p:spPr>
-          <a:xfrm>
-            <a:off x="4067905" y="2793024"/>
-            <a:ext cx="2268415" cy="509954"/>
-          </a:xfrm>
-          <a:prstGeom prst="rect">
-            <a:avLst/>
-          </a:prstGeom>
-          <a:solidFill>
-            <a:schemeClr val="accent2">
-              <a:lumMod val="75000"/>
-              <a:alpha val="50000"/>
-            </a:schemeClr>
-          </a:solidFill>
-        </p:spPr>
-        <p:style>
-          <a:lnRef idx="2">
-            <a:schemeClr val="accent1">
-              <a:shade val="15000"/>
-            </a:schemeClr>
-          </a:lnRef>
-          <a:fillRef idx="1">
-            <a:schemeClr val="accent1"/>
-          </a:fillRef>
-          <a:effectRef idx="0">
-            <a:schemeClr val="accent1"/>
-          </a:effectRef>
-          <a:fontRef idx="minor">
-            <a:schemeClr val="lt1"/>
-          </a:fontRef>
-        </p:style>
-        <p:txBody>
-          <a:bodyPr rtlCol="0" anchor="ctr"/>
-          <a:lstStyle/>
-          <a:p>
-            <a:pPr algn="ctr"/>
-            <a:r>
-              <a:rPr lang="en-US" b="1" dirty="0">
-                <a:solidFill>
-                  <a:schemeClr val="tx1"/>
-                </a:solidFill>
-              </a:rPr>
-              <a:t>Surrogate model</a:t>
-            </a:r>
-          </a:p>
-        </p:txBody>
-      </p:sp>
-      <p:sp>
-        <p:nvSpPr>
-          <p:cNvPr id="12" name="Rettangolo 11">
-            <a:extLst>
-              <a:ext uri="{FF2B5EF4-FFF2-40B4-BE49-F238E27FC236}">
-                <a16:creationId xmlns:a16="http://schemas.microsoft.com/office/drawing/2014/main" id="{F240BF9B-188F-CCB2-4255-F20CF00B2C50}"/>
-              </a:ext>
-            </a:extLst>
-          </p:cNvPr>
-          <p:cNvSpPr/>
-          <p:nvPr/>
-        </p:nvSpPr>
-        <p:spPr>
-          <a:xfrm>
-            <a:off x="4067905" y="3555024"/>
-            <a:ext cx="2268415" cy="509954"/>
-          </a:xfrm>
-          <a:prstGeom prst="rect">
-            <a:avLst/>
-          </a:prstGeom>
-          <a:solidFill>
-            <a:schemeClr val="accent2">
-              <a:lumMod val="75000"/>
-              <a:alpha val="50000"/>
-            </a:schemeClr>
-          </a:solidFill>
-        </p:spPr>
-        <p:style>
-          <a:lnRef idx="2">
-            <a:schemeClr val="accent1">
-              <a:shade val="15000"/>
-            </a:schemeClr>
-          </a:lnRef>
-          <a:fillRef idx="1">
-            <a:schemeClr val="accent1"/>
-          </a:fillRef>
-          <a:effectRef idx="0">
-            <a:schemeClr val="accent1"/>
-          </a:effectRef>
-          <a:fontRef idx="minor">
-            <a:schemeClr val="lt1"/>
-          </a:fontRef>
-        </p:style>
-        <p:txBody>
-          <a:bodyPr rtlCol="0" anchor="ctr"/>
-          <a:lstStyle/>
-          <a:p>
-            <a:pPr algn="ctr"/>
-            <a:r>
-              <a:rPr lang="en-US" b="1" dirty="0">
-                <a:solidFill>
-                  <a:schemeClr val="tx1"/>
-                </a:solidFill>
-              </a:rPr>
-              <a:t>Decomposition</a:t>
-            </a:r>
-          </a:p>
-        </p:txBody>
-      </p:sp>
-      <p:sp>
-        <p:nvSpPr>
-          <p:cNvPr id="13" name="Rettangolo 12">
-            <a:extLst>
-              <a:ext uri="{FF2B5EF4-FFF2-40B4-BE49-F238E27FC236}">
-                <a16:creationId xmlns:a16="http://schemas.microsoft.com/office/drawing/2014/main" id="{5D28B9DE-5A1E-CC4D-1237-3B3342F756F5}"/>
-              </a:ext>
-            </a:extLst>
-          </p:cNvPr>
-          <p:cNvSpPr/>
-          <p:nvPr/>
-        </p:nvSpPr>
-        <p:spPr>
-          <a:xfrm>
-            <a:off x="4067905" y="4583722"/>
-            <a:ext cx="2268415" cy="509954"/>
-          </a:xfrm>
-          <a:prstGeom prst="rect">
-            <a:avLst/>
-          </a:prstGeom>
-          <a:solidFill>
-            <a:schemeClr val="accent6">
-              <a:lumMod val="75000"/>
-              <a:alpha val="50000"/>
-            </a:schemeClr>
-          </a:solidFill>
-        </p:spPr>
-        <p:style>
-          <a:lnRef idx="2">
-            <a:schemeClr val="accent1">
-              <a:shade val="15000"/>
-            </a:schemeClr>
-          </a:lnRef>
-          <a:fillRef idx="1">
-            <a:schemeClr val="accent1"/>
-          </a:fillRef>
-          <a:effectRef idx="0">
-            <a:schemeClr val="accent1"/>
-          </a:effectRef>
-          <a:fontRef idx="minor">
-            <a:schemeClr val="lt1"/>
-          </a:fontRef>
-        </p:style>
-        <p:txBody>
-          <a:bodyPr rtlCol="0" anchor="ctr"/>
-          <a:lstStyle/>
-          <a:p>
-            <a:pPr algn="ctr"/>
-            <a:r>
-              <a:rPr lang="en-US" b="1" dirty="0">
-                <a:solidFill>
-                  <a:schemeClr val="tx1"/>
-                </a:solidFill>
-              </a:rPr>
-              <a:t>counterfactual</a:t>
-            </a:r>
-          </a:p>
-        </p:txBody>
-      </p:sp>
-      <p:sp>
-        <p:nvSpPr>
-          <p:cNvPr id="14" name="Rettangolo 13">
-            <a:extLst>
-              <a:ext uri="{FF2B5EF4-FFF2-40B4-BE49-F238E27FC236}">
-                <a16:creationId xmlns:a16="http://schemas.microsoft.com/office/drawing/2014/main" id="{A8B82E6A-F7A6-6FF2-A390-A298B6C7ED41}"/>
-              </a:ext>
-            </a:extLst>
-          </p:cNvPr>
-          <p:cNvSpPr/>
-          <p:nvPr/>
-        </p:nvSpPr>
-        <p:spPr>
-          <a:xfrm>
-            <a:off x="4067905" y="5345722"/>
-            <a:ext cx="2268415" cy="509954"/>
-          </a:xfrm>
-          <a:prstGeom prst="rect">
-            <a:avLst/>
-          </a:prstGeom>
-          <a:solidFill>
-            <a:schemeClr val="accent6">
-              <a:lumMod val="75000"/>
-              <a:alpha val="50000"/>
-            </a:schemeClr>
-          </a:solidFill>
-        </p:spPr>
-        <p:style>
-          <a:lnRef idx="2">
-            <a:schemeClr val="accent1">
-              <a:shade val="15000"/>
-            </a:schemeClr>
-          </a:lnRef>
-          <a:fillRef idx="1">
-            <a:schemeClr val="accent1"/>
-          </a:fillRef>
-          <a:effectRef idx="0">
-            <a:schemeClr val="accent1"/>
-          </a:effectRef>
-          <a:fontRef idx="minor">
-            <a:schemeClr val="lt1"/>
-          </a:fontRef>
-        </p:style>
-        <p:txBody>
-          <a:bodyPr rtlCol="0" anchor="ctr"/>
-          <a:lstStyle/>
-          <a:p>
-            <a:pPr algn="ctr"/>
-            <a:r>
-              <a:rPr lang="en-US" b="1" dirty="0">
-                <a:solidFill>
-                  <a:schemeClr val="tx1"/>
-                </a:solidFill>
-              </a:rPr>
-              <a:t>Adversarial example</a:t>
-            </a:r>
-          </a:p>
-        </p:txBody>
-      </p:sp>
-      <p:sp>
-        <p:nvSpPr>
-          <p:cNvPr id="19" name="CasellaDiTesto 18">
-            <a:extLst>
-              <a:ext uri="{FF2B5EF4-FFF2-40B4-BE49-F238E27FC236}">
-                <a16:creationId xmlns:a16="http://schemas.microsoft.com/office/drawing/2014/main" id="{0825B0D7-DE63-1795-B95B-90691F1E9837}"/>
-              </a:ext>
-            </a:extLst>
-          </p:cNvPr>
-          <p:cNvSpPr txBox="1"/>
-          <p:nvPr/>
-        </p:nvSpPr>
-        <p:spPr>
-          <a:xfrm>
-            <a:off x="7067060" y="1228646"/>
-            <a:ext cx="6155830" cy="1077218"/>
+            <a:off x="155330" y="536427"/>
+            <a:ext cx="2667000" cy="3048000"/>
           </a:xfrm>
           <a:prstGeom prst="rect">
             <a:avLst/>
           </a:prstGeom>
           <a:noFill/>
-          <a:ln>
-            <a:solidFill>
-              <a:schemeClr val="accent1"/>
-            </a:solidFill>
-          </a:ln>
-        </p:spPr>
-        <p:txBody>
-          <a:bodyPr wrap="square">
-            <a:spAutoFit/>
-          </a:bodyPr>
-          <a:lstStyle/>
-          <a:p>
-            <a:r>
-              <a:rPr lang="en-US" sz="1600" b="1" dirty="0"/>
-              <a:t>Context</a:t>
-            </a:r>
-            <a:r>
-              <a:rPr lang="en-US" sz="1600" dirty="0"/>
-              <a:t>: In 1899, John Jacob Astor IV invested $100,000 for Tesla to further develop and produce a new lighting system. Instead, Tesla used the money to fund his </a:t>
-            </a:r>
-            <a:r>
-              <a:rPr lang="en-US" sz="1600" dirty="0">
+          <a:extLst>
+            <a:ext uri="{909E8E84-426E-40DD-AFC4-6F175D3DCCD1}">
+              <a14:hiddenFill xmlns:a14="http://schemas.microsoft.com/office/drawing/2010/main">
                 <a:solidFill>
-                  <a:srgbClr val="0070C0"/>
+                  <a:srgbClr val="FFFFFF"/>
                 </a:solidFill>
-              </a:rPr>
-              <a:t>Colorado Springs experiments</a:t>
-            </a:r>
-            <a:r>
-              <a:rPr lang="en-US" sz="1600" dirty="0"/>
-              <a:t>. </a:t>
-            </a:r>
-            <a:r>
-              <a:rPr lang="en-US" sz="1600" b="1" dirty="0"/>
-              <a:t>Original </a:t>
-            </a:r>
-            <a:r>
-              <a:rPr lang="en-US" sz="1600" dirty="0"/>
-              <a:t>What </a:t>
-            </a:r>
-            <a:r>
-              <a:rPr lang="en-US" sz="1600" dirty="0">
-                <a:solidFill>
-                  <a:srgbClr val="C00000"/>
-                </a:solidFill>
-              </a:rPr>
-              <a:t>did</a:t>
-            </a:r>
-            <a:r>
-              <a:rPr lang="en-US" sz="1600" dirty="0"/>
-              <a:t> Tesla spend Astor’s money on ? </a:t>
-            </a:r>
-            <a:r>
-              <a:rPr lang="en-US" sz="1600" b="1" dirty="0"/>
-              <a:t>Confidence </a:t>
-            </a:r>
-            <a:r>
-              <a:rPr lang="en-US" sz="1600" dirty="0"/>
-              <a:t>0.78 → 0.91</a:t>
-            </a:r>
-          </a:p>
-        </p:txBody>
-      </p:sp>
-      <p:cxnSp>
-        <p:nvCxnSpPr>
-          <p:cNvPr id="21" name="Connettore 2 20">
-            <a:extLst>
-              <a:ext uri="{FF2B5EF4-FFF2-40B4-BE49-F238E27FC236}">
-                <a16:creationId xmlns:a16="http://schemas.microsoft.com/office/drawing/2014/main" id="{26E2A7A7-4479-AC19-79CB-1BED6BBE9134}"/>
-              </a:ext>
-            </a:extLst>
-          </p:cNvPr>
-          <p:cNvCxnSpPr>
-            <a:stCxn id="9" idx="3"/>
-            <a:endCxn id="19" idx="1"/>
-          </p:cNvCxnSpPr>
-          <p:nvPr/>
-        </p:nvCxnSpPr>
-        <p:spPr>
+              </a14:hiddenFill>
+            </a:ext>
+          </a:extLst>
+        </p:spPr>
+      </p:pic>
+      <p:pic>
+        <p:nvPicPr>
+          <p:cNvPr id="1028" name="Picture 4" descr="undefined">
+            <a:extLst>
+              <a:ext uri="{FF2B5EF4-FFF2-40B4-BE49-F238E27FC236}">
+                <a16:creationId xmlns:a16="http://schemas.microsoft.com/office/drawing/2014/main" id="{290CB033-7884-B3BE-72A8-D692E57890CC}"/>
+              </a:ext>
+            </a:extLst>
+          </p:cNvPr>
+          <p:cNvPicPr>
+            <a:picLocks noChangeAspect="1" noChangeArrowheads="1"/>
+          </p:cNvPicPr>
+          <p:nvPr/>
+        </p:nvPicPr>
+        <p:blipFill rotWithShape="1">
+          <a:blip r:embed="rId4">
+            <a:extLst>
+              <a:ext uri="{28A0092B-C50C-407E-A947-70E740481C1C}">
+                <a14:useLocalDpi xmlns:a14="http://schemas.microsoft.com/office/drawing/2010/main" val="0"/>
+              </a:ext>
+            </a:extLst>
+          </a:blip>
+          <a:srcRect r="66949"/>
+          <a:stretch/>
+        </p:blipFill>
+        <p:spPr bwMode="auto">
           <a:xfrm>
-            <a:off x="6336322" y="1512278"/>
-            <a:ext cx="730738" cy="254977"/>
-          </a:xfrm>
-          <a:prstGeom prst="straightConnector1">
+            <a:off x="6785467" y="600537"/>
+            <a:ext cx="2189603" cy="2926693"/>
+          </a:xfrm>
+          <a:prstGeom prst="rect">
             <a:avLst/>
           </a:prstGeom>
-          <a:ln w="28575">
-            <a:solidFill>
-              <a:schemeClr val="tx1"/>
-            </a:solidFill>
-            <a:tailEnd type="triangle"/>
-          </a:ln>
-        </p:spPr>
-        <p:style>
-          <a:lnRef idx="1">
-            <a:schemeClr val="accent1"/>
-          </a:lnRef>
-          <a:fillRef idx="0">
-            <a:schemeClr val="accent1"/>
-          </a:fillRef>
-          <a:effectRef idx="0">
-            <a:schemeClr val="accent1"/>
-          </a:effectRef>
-          <a:fontRef idx="minor">
-            <a:schemeClr val="tx1"/>
-          </a:fontRef>
-        </p:style>
-      </p:cxnSp>
+          <a:noFill/>
+          <a:extLst>
+            <a:ext uri="{909E8E84-426E-40DD-AFC4-6F175D3DCCD1}">
+              <a14:hiddenFill xmlns:a14="http://schemas.microsoft.com/office/drawing/2010/main">
+                <a:solidFill>
+                  <a:srgbClr val="FFFFFF"/>
+                </a:solidFill>
+              </a14:hiddenFill>
+            </a:ext>
+          </a:extLst>
+        </p:spPr>
+      </p:pic>
       <p:pic>
         <p:nvPicPr>
-          <p:cNvPr id="23" name="Immagine 22">
-            <a:extLst>
-              <a:ext uri="{FF2B5EF4-FFF2-40B4-BE49-F238E27FC236}">
-                <a16:creationId xmlns:a16="http://schemas.microsoft.com/office/drawing/2014/main" id="{50D75FBB-4F4D-A276-5744-F8F2997D0216}"/>
+          <p:cNvPr id="1030" name="Picture 6" descr="undefined">
+            <a:extLst>
+              <a:ext uri="{FF2B5EF4-FFF2-40B4-BE49-F238E27FC236}">
+                <a16:creationId xmlns:a16="http://schemas.microsoft.com/office/drawing/2014/main" id="{D02FBDBE-048C-2E20-783B-22C4405FF856}"/>
               </a:ext>
             </a:extLst>
           </p:cNvPr>
           <p:cNvPicPr>
-            <a:picLocks noChangeAspect="1"/>
+            <a:picLocks noChangeAspect="1" noChangeArrowheads="1"/>
+          </p:cNvPicPr>
+          <p:nvPr/>
+        </p:nvPicPr>
+        <p:blipFill rotWithShape="1">
+          <a:blip r:embed="rId5">
+            <a:extLst>
+              <a:ext uri="{28A0092B-C50C-407E-A947-70E740481C1C}">
+                <a14:useLocalDpi xmlns:a14="http://schemas.microsoft.com/office/drawing/2010/main" val="0"/>
+              </a:ext>
+            </a:extLst>
+          </a:blip>
+          <a:srcRect l="49520"/>
+          <a:stretch/>
+        </p:blipFill>
+        <p:spPr bwMode="auto">
+          <a:xfrm>
+            <a:off x="3065425" y="600537"/>
+            <a:ext cx="3476947" cy="2919779"/>
+          </a:xfrm>
+          <a:prstGeom prst="rect">
+            <a:avLst/>
+          </a:prstGeom>
+          <a:noFill/>
+          <a:extLst>
+            <a:ext uri="{909E8E84-426E-40DD-AFC4-6F175D3DCCD1}">
+              <a14:hiddenFill xmlns:a14="http://schemas.microsoft.com/office/drawing/2010/main">
+                <a:solidFill>
+                  <a:srgbClr val="FFFFFF"/>
+                </a:solidFill>
+              </a14:hiddenFill>
+            </a:ext>
+          </a:extLst>
+        </p:spPr>
+      </p:pic>
+      <p:pic>
+        <p:nvPicPr>
+          <p:cNvPr id="1032" name="Picture 8" descr="Fundus photography - Wikipedia">
+            <a:extLst>
+              <a:ext uri="{FF2B5EF4-FFF2-40B4-BE49-F238E27FC236}">
+                <a16:creationId xmlns:a16="http://schemas.microsoft.com/office/drawing/2014/main" id="{F0BBEA2E-57A0-2626-D8D3-AEA66204FD3F}"/>
+              </a:ext>
+            </a:extLst>
+          </p:cNvPr>
+          <p:cNvPicPr>
+            <a:picLocks noChangeAspect="1" noChangeArrowheads="1"/>
           </p:cNvPicPr>
           <p:nvPr/>
         </p:nvPicPr>
         <p:blipFill>
-          <a:blip r:embed="rId2"/>
+          <a:blip r:embed="rId6">
+            <a:extLst>
+              <a:ext uri="{28A0092B-C50C-407E-A947-70E740481C1C}">
+                <a14:useLocalDpi xmlns:a14="http://schemas.microsoft.com/office/drawing/2010/main" val="0"/>
+              </a:ext>
+            </a:extLst>
+          </a:blip>
+          <a:srcRect/>
           <a:stretch>
             <a:fillRect/>
           </a:stretch>
         </p:blipFill>
-        <p:spPr>
+        <p:spPr bwMode="auto">
           <a:xfrm>
-            <a:off x="9593415" y="-709984"/>
-            <a:ext cx="1912786" cy="1844200"/>
+            <a:off x="9151076" y="607451"/>
+            <a:ext cx="2919779" cy="2919779"/>
           </a:xfrm>
           <a:prstGeom prst="rect">
             <a:avLst/>
           </a:prstGeom>
+          <a:noFill/>
+          <a:extLst>
+            <a:ext uri="{909E8E84-426E-40DD-AFC4-6F175D3DCCD1}">
+              <a14:hiddenFill xmlns:a14="http://schemas.microsoft.com/office/drawing/2010/main">
+                <a:solidFill>
+                  <a:srgbClr val="FFFFFF"/>
+                </a:solidFill>
+              </a14:hiddenFill>
+            </a:ext>
+          </a:extLst>
         </p:spPr>
       </p:pic>
-      <p:cxnSp>
-        <p:nvCxnSpPr>
-          <p:cNvPr id="24" name="Connettore 2 23">
-            <a:extLst>
-              <a:ext uri="{FF2B5EF4-FFF2-40B4-BE49-F238E27FC236}">
-                <a16:creationId xmlns:a16="http://schemas.microsoft.com/office/drawing/2014/main" id="{535A3AA2-C52C-405B-415A-E4BFF1B171F6}"/>
-              </a:ext>
-            </a:extLst>
-          </p:cNvPr>
-          <p:cNvCxnSpPr>
-            <a:cxnSpLocks/>
-            <a:stCxn id="7" idx="3"/>
-            <a:endCxn id="23" idx="1"/>
-          </p:cNvCxnSpPr>
-          <p:nvPr/>
-        </p:nvCxnSpPr>
-        <p:spPr>
-          <a:xfrm flipV="1">
-            <a:off x="6336320" y="212116"/>
-            <a:ext cx="3257095" cy="412140"/>
-          </a:xfrm>
-          <a:prstGeom prst="straightConnector1">
+      <p:pic>
+        <p:nvPicPr>
+          <p:cNvPr id="1034" name="Picture 10" descr="undefined">
+            <a:extLst>
+              <a:ext uri="{FF2B5EF4-FFF2-40B4-BE49-F238E27FC236}">
+                <a16:creationId xmlns:a16="http://schemas.microsoft.com/office/drawing/2014/main" id="{42ADCF84-918A-39BF-BE1E-B8C2C12EA427}"/>
+              </a:ext>
+            </a:extLst>
+          </p:cNvPr>
+          <p:cNvPicPr>
+            <a:picLocks noChangeAspect="1" noChangeArrowheads="1"/>
+          </p:cNvPicPr>
+          <p:nvPr/>
+        </p:nvPicPr>
+        <p:blipFill rotWithShape="1">
+          <a:blip r:embed="rId7">
+            <a:extLst>
+              <a:ext uri="{28A0092B-C50C-407E-A947-70E740481C1C}">
+                <a14:useLocalDpi xmlns:a14="http://schemas.microsoft.com/office/drawing/2010/main" val="0"/>
+              </a:ext>
+            </a:extLst>
+          </a:blip>
+          <a:srcRect r="50000"/>
+          <a:stretch/>
+        </p:blipFill>
+        <p:spPr bwMode="auto">
+          <a:xfrm>
+            <a:off x="155330" y="4135412"/>
+            <a:ext cx="2667000" cy="2618828"/>
+          </a:xfrm>
+          <a:prstGeom prst="rect">
             <a:avLst/>
           </a:prstGeom>
-          <a:ln w="28575">
-            <a:solidFill>
-              <a:schemeClr val="tx1"/>
-            </a:solidFill>
-            <a:tailEnd type="triangle"/>
-          </a:ln>
-        </p:spPr>
-        <p:style>
-          <a:lnRef idx="1">
-            <a:schemeClr val="accent1"/>
-          </a:lnRef>
-          <a:fillRef idx="0">
-            <a:schemeClr val="accent1"/>
-          </a:fillRef>
-          <a:effectRef idx="0">
-            <a:schemeClr val="accent1"/>
-          </a:effectRef>
-          <a:fontRef idx="minor">
-            <a:schemeClr val="tx1"/>
-          </a:fontRef>
-        </p:style>
-      </p:cxnSp>
+          <a:noFill/>
+          <a:extLst>
+            <a:ext uri="{909E8E84-426E-40DD-AFC4-6F175D3DCCD1}">
+              <a14:hiddenFill xmlns:a14="http://schemas.microsoft.com/office/drawing/2010/main">
+                <a:solidFill>
+                  <a:srgbClr val="FFFFFF"/>
+                </a:solidFill>
+              </a14:hiddenFill>
+            </a:ext>
+          </a:extLst>
+        </p:spPr>
+      </p:pic>
       <p:pic>
         <p:nvPicPr>
-          <p:cNvPr id="28" name="Immagine 27">
-            <a:extLst>
-              <a:ext uri="{FF2B5EF4-FFF2-40B4-BE49-F238E27FC236}">
-                <a16:creationId xmlns:a16="http://schemas.microsoft.com/office/drawing/2014/main" id="{9C9F681E-99D7-B966-7844-3ECE64DD4520}"/>
+          <p:cNvPr id="1036" name="Picture 12" descr="undefined">
+            <a:extLst>
+              <a:ext uri="{FF2B5EF4-FFF2-40B4-BE49-F238E27FC236}">
+                <a16:creationId xmlns:a16="http://schemas.microsoft.com/office/drawing/2014/main" id="{B65B33D4-DD80-3DC4-4F3E-62F2F435F725}"/>
               </a:ext>
             </a:extLst>
           </p:cNvPr>
           <p:cNvPicPr>
-            <a:picLocks noChangeAspect="1"/>
+            <a:picLocks noChangeAspect="1" noChangeArrowheads="1"/>
           </p:cNvPicPr>
           <p:nvPr/>
         </p:nvPicPr>
         <p:blipFill>
-          <a:blip r:embed="rId3"/>
+          <a:blip r:embed="rId8">
+            <a:extLst>
+              <a:ext uri="{28A0092B-C50C-407E-A947-70E740481C1C}">
+                <a14:useLocalDpi xmlns:a14="http://schemas.microsoft.com/office/drawing/2010/main" val="0"/>
+              </a:ext>
+            </a:extLst>
+          </a:blip>
+          <a:srcRect/>
           <a:stretch>
             <a:fillRect/>
           </a:stretch>
         </p:blipFill>
-        <p:spPr>
+        <p:spPr bwMode="auto">
           <a:xfrm>
-            <a:off x="7067060" y="3106387"/>
-            <a:ext cx="5212532" cy="701101"/>
-          </a:xfrm>
-          <a:prstGeom prst="rect">
-            <a:avLst/>
-          </a:prstGeom>
-        </p:spPr>
-      </p:pic>
-      <p:cxnSp>
-        <p:nvCxnSpPr>
-          <p:cNvPr id="29" name="Connettore 2 28">
-            <a:extLst>
-              <a:ext uri="{FF2B5EF4-FFF2-40B4-BE49-F238E27FC236}">
-                <a16:creationId xmlns:a16="http://schemas.microsoft.com/office/drawing/2014/main" id="{3857B72E-1020-4AD9-B0F7-9254990C1E5B}"/>
-              </a:ext>
-            </a:extLst>
-          </p:cNvPr>
-          <p:cNvCxnSpPr>
-            <a:cxnSpLocks/>
-            <a:stCxn id="11" idx="3"/>
-            <a:endCxn id="28" idx="1"/>
-          </p:cNvCxnSpPr>
-          <p:nvPr/>
-        </p:nvCxnSpPr>
-        <p:spPr>
-          <a:xfrm>
-            <a:off x="6336320" y="3048001"/>
-            <a:ext cx="730740" cy="408937"/>
-          </a:xfrm>
-          <a:prstGeom prst="straightConnector1">
-            <a:avLst/>
-          </a:prstGeom>
-          <a:ln w="28575">
-            <a:solidFill>
-              <a:schemeClr val="tx1"/>
-            </a:solidFill>
-            <a:tailEnd type="triangle"/>
-          </a:ln>
-        </p:spPr>
-        <p:style>
-          <a:lnRef idx="1">
-            <a:schemeClr val="accent1"/>
-          </a:lnRef>
-          <a:fillRef idx="0">
-            <a:schemeClr val="accent1"/>
-          </a:fillRef>
-          <a:effectRef idx="0">
-            <a:schemeClr val="accent1"/>
-          </a:effectRef>
-          <a:fontRef idx="minor">
-            <a:schemeClr val="tx1"/>
-          </a:fontRef>
-        </p:style>
-      </p:cxnSp>
-      <p:sp>
-        <p:nvSpPr>
-          <p:cNvPr id="35" name="CasellaDiTesto 34">
-            <a:extLst>
-              <a:ext uri="{FF2B5EF4-FFF2-40B4-BE49-F238E27FC236}">
-                <a16:creationId xmlns:a16="http://schemas.microsoft.com/office/drawing/2014/main" id="{D1EE00BB-6DF5-C44E-65D3-939AAE85801F}"/>
-              </a:ext>
-            </a:extLst>
-          </p:cNvPr>
-          <p:cNvSpPr txBox="1"/>
-          <p:nvPr/>
-        </p:nvSpPr>
-        <p:spPr>
-          <a:xfrm>
-            <a:off x="6901960" y="6697494"/>
-            <a:ext cx="6155830" cy="830997"/>
+            <a:off x="3065424" y="4164720"/>
+            <a:ext cx="3476947" cy="2587955"/>
           </a:xfrm>
           <a:prstGeom prst="rect">
             <a:avLst/>
           </a:prstGeom>
           <a:noFill/>
-          <a:ln>
-            <a:solidFill>
-              <a:schemeClr val="tx1"/>
-            </a:solidFill>
-          </a:ln>
-        </p:spPr>
-        <p:txBody>
-          <a:bodyPr wrap="square">
-            <a:spAutoFit/>
-          </a:bodyPr>
-          <a:lstStyle/>
-          <a:p>
-            <a:r>
-              <a:rPr lang="en-US" sz="1600" b="1" dirty="0"/>
-              <a:t>Question</a:t>
-            </a:r>
-            <a:r>
-              <a:rPr lang="en-US" sz="1600" dirty="0"/>
-              <a:t>: After getting drunk people couldn’t understand </a:t>
-            </a:r>
-            <a:r>
-              <a:rPr lang="en-US" sz="1600" dirty="0" err="1"/>
-              <a:t>him,it</a:t>
-            </a:r>
-            <a:r>
-              <a:rPr lang="en-US" sz="1600" dirty="0"/>
-              <a:t> was because of his what? </a:t>
-            </a:r>
-            <a:r>
-              <a:rPr lang="en-US" sz="1600" b="1" dirty="0"/>
-              <a:t>Choices</a:t>
-            </a:r>
-            <a:r>
-              <a:rPr lang="en-US" sz="1600" dirty="0"/>
-              <a:t>: lower standards, </a:t>
-            </a:r>
-            <a:r>
-              <a:rPr lang="en-US" sz="1600" dirty="0">
+          <a:extLst>
+            <a:ext uri="{909E8E84-426E-40DD-AFC4-6F175D3DCCD1}">
+              <a14:hiddenFill xmlns:a14="http://schemas.microsoft.com/office/drawing/2010/main">
                 <a:solidFill>
-                  <a:srgbClr val="0070C0"/>
+                  <a:srgbClr val="FFFFFF"/>
                 </a:solidFill>
-              </a:rPr>
-              <a:t>slurred speech</a:t>
-            </a:r>
-            <a:r>
-              <a:rPr lang="en-US" sz="1600" dirty="0"/>
-              <a:t>, or falling down </a:t>
-            </a:r>
-            <a:r>
-              <a:rPr lang="en-US" sz="1600" b="1" dirty="0"/>
-              <a:t>Explanation</a:t>
-            </a:r>
-            <a:r>
-              <a:rPr lang="en-US" sz="1600" dirty="0"/>
-              <a:t>: People who are drunk have difficulty speaking.</a:t>
-            </a:r>
-          </a:p>
-        </p:txBody>
-      </p:sp>
-      <p:cxnSp>
-        <p:nvCxnSpPr>
-          <p:cNvPr id="36" name="Connettore 2 35">
-            <a:extLst>
-              <a:ext uri="{FF2B5EF4-FFF2-40B4-BE49-F238E27FC236}">
-                <a16:creationId xmlns:a16="http://schemas.microsoft.com/office/drawing/2014/main" id="{4FB683C6-D0F6-FD95-88B4-5315CD894877}"/>
-              </a:ext>
-            </a:extLst>
-          </p:cNvPr>
-          <p:cNvCxnSpPr>
-            <a:cxnSpLocks/>
-            <a:stCxn id="5" idx="3"/>
-            <a:endCxn id="35" idx="1"/>
-          </p:cNvCxnSpPr>
-          <p:nvPr/>
-        </p:nvCxnSpPr>
-        <p:spPr>
-          <a:xfrm>
-            <a:off x="2954214" y="6721770"/>
-            <a:ext cx="3947746" cy="391223"/>
-          </a:xfrm>
-          <a:prstGeom prst="straightConnector1">
-            <a:avLst/>
-          </a:prstGeom>
-          <a:ln w="28575">
-            <a:solidFill>
-              <a:schemeClr val="tx1"/>
-            </a:solidFill>
-            <a:tailEnd type="triangle"/>
-          </a:ln>
-        </p:spPr>
-        <p:style>
-          <a:lnRef idx="1">
-            <a:schemeClr val="accent1"/>
-          </a:lnRef>
-          <a:fillRef idx="0">
-            <a:schemeClr val="accent1"/>
-          </a:fillRef>
-          <a:effectRef idx="0">
-            <a:schemeClr val="accent1"/>
-          </a:effectRef>
-          <a:fontRef idx="minor">
-            <a:schemeClr val="tx1"/>
-          </a:fontRef>
-        </p:style>
-      </p:cxnSp>
-      <p:sp>
-        <p:nvSpPr>
-          <p:cNvPr id="40" name="CasellaDiTesto 39">
-            <a:extLst>
-              <a:ext uri="{FF2B5EF4-FFF2-40B4-BE49-F238E27FC236}">
-                <a16:creationId xmlns:a16="http://schemas.microsoft.com/office/drawing/2014/main" id="{82849A10-BBD3-20E2-3FA7-31A81FDEDD8D}"/>
-              </a:ext>
-            </a:extLst>
-          </p:cNvPr>
-          <p:cNvSpPr txBox="1"/>
-          <p:nvPr/>
-        </p:nvSpPr>
-        <p:spPr>
-          <a:xfrm>
-            <a:off x="7067060" y="4744248"/>
-            <a:ext cx="6155830" cy="584775"/>
+              </a14:hiddenFill>
+            </a:ext>
+          </a:extLst>
+        </p:spPr>
+      </p:pic>
+      <p:pic>
+        <p:nvPicPr>
+          <p:cNvPr id="1038" name="Picture 14">
+            <a:extLst>
+              <a:ext uri="{FF2B5EF4-FFF2-40B4-BE49-F238E27FC236}">
+                <a16:creationId xmlns:a16="http://schemas.microsoft.com/office/drawing/2014/main" id="{5DBC5E19-7A39-B8A4-9ECF-9BA1D5682F1E}"/>
+              </a:ext>
+            </a:extLst>
+          </p:cNvPr>
+          <p:cNvPicPr>
+            <a:picLocks noChangeAspect="1" noChangeArrowheads="1"/>
+          </p:cNvPicPr>
+          <p:nvPr/>
+        </p:nvPicPr>
+        <p:blipFill>
+          <a:blip r:embed="rId9">
+            <a:extLst>
+              <a:ext uri="{28A0092B-C50C-407E-A947-70E740481C1C}">
+                <a14:useLocalDpi xmlns:a14="http://schemas.microsoft.com/office/drawing/2010/main" val="0"/>
+              </a:ext>
+            </a:extLst>
+          </a:blip>
+          <a:srcRect/>
+          <a:stretch>
+            <a:fillRect/>
+          </a:stretch>
+        </p:blipFill>
+        <p:spPr bwMode="auto">
+          <a:xfrm rot="5400000">
+            <a:off x="6652438" y="4339337"/>
+            <a:ext cx="2483055" cy="2189602"/>
           </a:xfrm>
           <a:prstGeom prst="rect">
             <a:avLst/>
           </a:prstGeom>
           <a:noFill/>
-          <a:ln>
-            <a:solidFill>
-              <a:schemeClr val="tx1"/>
-            </a:solidFill>
-          </a:ln>
-        </p:spPr>
-        <p:txBody>
-          <a:bodyPr wrap="square">
-            <a:spAutoFit/>
-          </a:bodyPr>
-          <a:lstStyle/>
-          <a:p>
-            <a:r>
-              <a:rPr lang="en-US" sz="1600" b="1" dirty="0"/>
-              <a:t>Original text: </a:t>
-            </a:r>
-            <a:r>
-              <a:rPr lang="en-US" sz="1600" dirty="0"/>
-              <a:t>The product is amazing (</a:t>
-            </a:r>
-            <a:r>
-              <a:rPr lang="en-US" sz="1600" dirty="0">
+          <a:extLst>
+            <a:ext uri="{909E8E84-426E-40DD-AFC4-6F175D3DCCD1}">
+              <a14:hiddenFill xmlns:a14="http://schemas.microsoft.com/office/drawing/2010/main">
                 <a:solidFill>
-                  <a:srgbClr val="0070C0"/>
+                  <a:srgbClr val="FFFFFF"/>
                 </a:solidFill>
-              </a:rPr>
-              <a:t>positive</a:t>
-            </a:r>
-            <a:r>
-              <a:rPr lang="en-US" sz="1600" dirty="0"/>
-              <a:t>)</a:t>
-            </a:r>
-          </a:p>
-          <a:p>
-            <a:r>
-              <a:rPr lang="en-US" sz="1600" b="1" dirty="0"/>
-              <a:t>Contradiction: </a:t>
-            </a:r>
-            <a:r>
-              <a:rPr lang="en-US" sz="1600" dirty="0"/>
-              <a:t>The product is not good (</a:t>
-            </a:r>
-            <a:r>
-              <a:rPr lang="en-US" sz="1600" dirty="0">
-                <a:solidFill>
-                  <a:srgbClr val="C00000"/>
-                </a:solidFill>
-              </a:rPr>
-              <a:t>negative</a:t>
-            </a:r>
-            <a:r>
-              <a:rPr lang="en-US" sz="1600" dirty="0"/>
-              <a:t>)</a:t>
-            </a:r>
-          </a:p>
-        </p:txBody>
-      </p:sp>
-      <p:cxnSp>
-        <p:nvCxnSpPr>
-          <p:cNvPr id="41" name="Connettore 2 40">
-            <a:extLst>
-              <a:ext uri="{FF2B5EF4-FFF2-40B4-BE49-F238E27FC236}">
-                <a16:creationId xmlns:a16="http://schemas.microsoft.com/office/drawing/2014/main" id="{23762CF9-9547-7C64-A6BE-D02F34A11B28}"/>
-              </a:ext>
-            </a:extLst>
-          </p:cNvPr>
-          <p:cNvCxnSpPr>
-            <a:cxnSpLocks/>
-            <a:stCxn id="13" idx="3"/>
-            <a:endCxn id="40" idx="1"/>
-          </p:cNvCxnSpPr>
-          <p:nvPr/>
-        </p:nvCxnSpPr>
-        <p:spPr>
+              </a14:hiddenFill>
+            </a:ext>
+          </a:extLst>
+        </p:spPr>
+      </p:pic>
+      <p:pic>
+        <p:nvPicPr>
+          <p:cNvPr id="1040" name="Picture 16" descr="undefined">
+            <a:extLst>
+              <a:ext uri="{FF2B5EF4-FFF2-40B4-BE49-F238E27FC236}">
+                <a16:creationId xmlns:a16="http://schemas.microsoft.com/office/drawing/2014/main" id="{82AE48E2-4A7D-85EB-1C3D-4F643DF67AE7}"/>
+              </a:ext>
+            </a:extLst>
+          </p:cNvPr>
+          <p:cNvPicPr>
+            <a:picLocks noChangeAspect="1" noChangeArrowheads="1"/>
+          </p:cNvPicPr>
+          <p:nvPr/>
+        </p:nvPicPr>
+        <p:blipFill rotWithShape="1">
+          <a:blip r:embed="rId10">
+            <a:extLst>
+              <a:ext uri="{28A0092B-C50C-407E-A947-70E740481C1C}">
+                <a14:useLocalDpi xmlns:a14="http://schemas.microsoft.com/office/drawing/2010/main" val="0"/>
+              </a:ext>
+            </a:extLst>
+          </a:blip>
+          <a:srcRect l="37778"/>
+          <a:stretch/>
+        </p:blipFill>
+        <p:spPr bwMode="auto">
           <a:xfrm>
-            <a:off x="6336320" y="4838699"/>
-            <a:ext cx="730740" cy="197937"/>
-          </a:xfrm>
-          <a:prstGeom prst="straightConnector1">
-            <a:avLst/>
-          </a:prstGeom>
-          <a:ln w="28575">
-            <a:solidFill>
-              <a:schemeClr val="tx1"/>
-            </a:solidFill>
-            <a:tailEnd type="triangle"/>
-          </a:ln>
-        </p:spPr>
-        <p:style>
-          <a:lnRef idx="1">
-            <a:schemeClr val="accent1"/>
-          </a:lnRef>
-          <a:fillRef idx="0">
-            <a:schemeClr val="accent1"/>
-          </a:fillRef>
-          <a:effectRef idx="0">
-            <a:schemeClr val="accent1"/>
-          </a:effectRef>
-          <a:fontRef idx="minor">
-            <a:schemeClr val="tx1"/>
-          </a:fontRef>
-        </p:style>
-      </p:cxnSp>
-      <p:sp>
-        <p:nvSpPr>
-          <p:cNvPr id="45" name="CasellaDiTesto 44">
-            <a:extLst>
-              <a:ext uri="{FF2B5EF4-FFF2-40B4-BE49-F238E27FC236}">
-                <a16:creationId xmlns:a16="http://schemas.microsoft.com/office/drawing/2014/main" id="{8DD700FB-32C1-A49F-0908-9DF1CEE4FE51}"/>
-              </a:ext>
-            </a:extLst>
-          </p:cNvPr>
-          <p:cNvSpPr txBox="1"/>
-          <p:nvPr/>
-        </p:nvSpPr>
-        <p:spPr>
-          <a:xfrm>
-            <a:off x="7067060" y="5517884"/>
-            <a:ext cx="6155830" cy="1077218"/>
+            <a:off x="9219349" y="4164719"/>
+            <a:ext cx="2255231" cy="2649897"/>
           </a:xfrm>
           <a:prstGeom prst="rect">
             <a:avLst/>
           </a:prstGeom>
           <a:noFill/>
-          <a:ln>
-            <a:solidFill>
-              <a:schemeClr val="tx1"/>
-            </a:solidFill>
-          </a:ln>
-        </p:spPr>
-        <p:txBody>
-          <a:bodyPr wrap="square">
-            <a:spAutoFit/>
-          </a:bodyPr>
-          <a:lstStyle/>
-          <a:p>
-            <a:r>
-              <a:rPr lang="en-US" sz="1600" b="1" dirty="0"/>
-              <a:t>Original text: </a:t>
-            </a:r>
-            <a:r>
-              <a:rPr lang="en-US" sz="1600" dirty="0"/>
-              <a:t>The characters, cast in impossibly contrived situations, are totally estranged from reality. (</a:t>
-            </a:r>
-            <a:r>
-              <a:rPr lang="en-US" sz="1600" dirty="0">
+          <a:extLst>
+            <a:ext uri="{909E8E84-426E-40DD-AFC4-6F175D3DCCD1}">
+              <a14:hiddenFill xmlns:a14="http://schemas.microsoft.com/office/drawing/2010/main">
                 <a:solidFill>
-                  <a:srgbClr val="0070C0"/>
+                  <a:srgbClr val="FFFFFF"/>
                 </a:solidFill>
-              </a:rPr>
-              <a:t>positive</a:t>
-            </a:r>
-            <a:r>
-              <a:rPr lang="en-US" sz="1600" dirty="0"/>
-              <a:t>)</a:t>
-            </a:r>
-          </a:p>
-          <a:p>
-            <a:r>
-              <a:rPr lang="en-US" sz="1600" b="1" dirty="0"/>
-              <a:t>Attack:  </a:t>
-            </a:r>
-            <a:r>
-              <a:rPr lang="en-US" sz="1600" dirty="0"/>
-              <a:t>The characters, cast in impossibly </a:t>
-            </a:r>
-            <a:r>
-              <a:rPr lang="en-US" sz="1600" dirty="0">
-                <a:solidFill>
-                  <a:srgbClr val="C00000"/>
-                </a:solidFill>
-              </a:rPr>
-              <a:t>engineered circumstances</a:t>
-            </a:r>
-            <a:r>
-              <a:rPr lang="en-US" sz="1600" dirty="0"/>
-              <a:t>, are </a:t>
-            </a:r>
-            <a:r>
-              <a:rPr lang="en-US" sz="1600" dirty="0">
-                <a:solidFill>
-                  <a:srgbClr val="C00000"/>
-                </a:solidFill>
-              </a:rPr>
-              <a:t>fully</a:t>
-            </a:r>
-            <a:r>
-              <a:rPr lang="en-US" sz="1600" dirty="0"/>
-              <a:t> estranged from reality. (</a:t>
-            </a:r>
-            <a:r>
-              <a:rPr lang="en-US" sz="1600" dirty="0">
-                <a:solidFill>
-                  <a:srgbClr val="C00000"/>
-                </a:solidFill>
-              </a:rPr>
-              <a:t>negative</a:t>
-            </a:r>
-            <a:r>
-              <a:rPr lang="en-US" sz="1600" dirty="0"/>
-              <a:t>)</a:t>
-            </a:r>
-          </a:p>
-        </p:txBody>
-      </p:sp>
-      <p:cxnSp>
-        <p:nvCxnSpPr>
-          <p:cNvPr id="46" name="Connettore 2 45">
-            <a:extLst>
-              <a:ext uri="{FF2B5EF4-FFF2-40B4-BE49-F238E27FC236}">
-                <a16:creationId xmlns:a16="http://schemas.microsoft.com/office/drawing/2014/main" id="{50652EBC-9AF7-DF55-8068-8DCB3A03AA15}"/>
-              </a:ext>
-            </a:extLst>
-          </p:cNvPr>
-          <p:cNvCxnSpPr>
-            <a:cxnSpLocks/>
-            <a:stCxn id="14" idx="3"/>
-            <a:endCxn id="45" idx="1"/>
-          </p:cNvCxnSpPr>
-          <p:nvPr/>
-        </p:nvCxnSpPr>
-        <p:spPr>
-          <a:xfrm>
-            <a:off x="6336320" y="5600699"/>
-            <a:ext cx="730740" cy="455794"/>
-          </a:xfrm>
-          <a:prstGeom prst="straightConnector1">
-            <a:avLst/>
-          </a:prstGeom>
-          <a:ln w="28575">
-            <a:solidFill>
-              <a:schemeClr val="tx1"/>
-            </a:solidFill>
-            <a:tailEnd type="triangle"/>
-          </a:ln>
-        </p:spPr>
-        <p:style>
-          <a:lnRef idx="1">
-            <a:schemeClr val="accent1"/>
-          </a:lnRef>
-          <a:fillRef idx="0">
-            <a:schemeClr val="accent1"/>
-          </a:fillRef>
-          <a:effectRef idx="0">
-            <a:schemeClr val="accent1"/>
-          </a:effectRef>
-          <a:fontRef idx="minor">
-            <a:schemeClr val="tx1"/>
-          </a:fontRef>
-        </p:style>
-      </p:cxnSp>
-      <p:pic>
-        <p:nvPicPr>
-          <p:cNvPr id="50" name="Immagine 49">
-            <a:extLst>
-              <a:ext uri="{FF2B5EF4-FFF2-40B4-BE49-F238E27FC236}">
-                <a16:creationId xmlns:a16="http://schemas.microsoft.com/office/drawing/2014/main" id="{915CF26C-BCAF-13F3-DEE4-AD709B43B716}"/>
-              </a:ext>
-            </a:extLst>
-          </p:cNvPr>
-          <p:cNvPicPr>
-            <a:picLocks noChangeAspect="1"/>
-          </p:cNvPicPr>
-          <p:nvPr/>
-        </p:nvPicPr>
-        <p:blipFill>
-          <a:blip r:embed="rId4"/>
-          <a:stretch>
-            <a:fillRect/>
-          </a:stretch>
-        </p:blipFill>
-        <p:spPr>
-          <a:xfrm>
-            <a:off x="7346460" y="-2549886"/>
-            <a:ext cx="1638442" cy="2659610"/>
-          </a:xfrm>
-          <a:prstGeom prst="rect">
-            <a:avLst/>
-          </a:prstGeom>
+              </a14:hiddenFill>
+            </a:ext>
+          </a:extLst>
         </p:spPr>
       </p:pic>
-      <p:cxnSp>
-        <p:nvCxnSpPr>
-          <p:cNvPr id="52" name="Connettore 2 51">
-            <a:extLst>
-              <a:ext uri="{FF2B5EF4-FFF2-40B4-BE49-F238E27FC236}">
-                <a16:creationId xmlns:a16="http://schemas.microsoft.com/office/drawing/2014/main" id="{6175940A-A082-2AEB-61F9-99A057D41AFD}"/>
-              </a:ext>
-            </a:extLst>
-          </p:cNvPr>
-          <p:cNvCxnSpPr>
-            <a:cxnSpLocks/>
-            <a:stCxn id="6" idx="3"/>
-            <a:endCxn id="50" idx="1"/>
-          </p:cNvCxnSpPr>
-          <p:nvPr/>
-        </p:nvCxnSpPr>
-        <p:spPr>
-          <a:xfrm flipV="1">
-            <a:off x="6336321" y="-1220081"/>
-            <a:ext cx="1010139" cy="1088199"/>
-          </a:xfrm>
-          <a:prstGeom prst="straightConnector1">
-            <a:avLst/>
-          </a:prstGeom>
-          <a:ln w="28575">
-            <a:solidFill>
-              <a:schemeClr val="tx1"/>
-            </a:solidFill>
-            <a:tailEnd type="triangle"/>
-          </a:ln>
-        </p:spPr>
-        <p:style>
-          <a:lnRef idx="1">
-            <a:schemeClr val="accent1"/>
-          </a:lnRef>
-          <a:fillRef idx="0">
-            <a:schemeClr val="accent1"/>
-          </a:fillRef>
-          <a:effectRef idx="0">
-            <a:schemeClr val="accent1"/>
-          </a:effectRef>
-          <a:fontRef idx="minor">
-            <a:schemeClr val="tx1"/>
-          </a:fontRef>
-        </p:style>
-      </p:cxnSp>
       <p:sp>
         <p:nvSpPr>
-          <p:cNvPr id="61" name="CasellaDiTesto 60">
-            <a:extLst>
-              <a:ext uri="{FF2B5EF4-FFF2-40B4-BE49-F238E27FC236}">
-                <a16:creationId xmlns:a16="http://schemas.microsoft.com/office/drawing/2014/main" id="{6158FB79-B24E-0176-85E1-E97BF1A2BE6C}"/>
+          <p:cNvPr id="2" name="CasellaDiTesto 1">
+            <a:extLst>
+              <a:ext uri="{FF2B5EF4-FFF2-40B4-BE49-F238E27FC236}">
+                <a16:creationId xmlns:a16="http://schemas.microsoft.com/office/drawing/2014/main" id="{DBE20C5B-1659-A5E8-6E64-543510933CAA}"/>
               </a:ext>
             </a:extLst>
           </p:cNvPr>
@@ -50305,190 +50553,8 @@
         </p:nvSpPr>
         <p:spPr>
           <a:xfrm>
-            <a:off x="7067060" y="2449871"/>
-            <a:ext cx="6629400" cy="584775"/>
-          </a:xfrm>
-          <a:prstGeom prst="rect">
-            <a:avLst/>
-          </a:prstGeom>
-          <a:noFill/>
-          <a:ln>
-            <a:solidFill>
-              <a:schemeClr val="tx1"/>
-            </a:solidFill>
-          </a:ln>
-        </p:spPr>
-        <p:txBody>
-          <a:bodyPr wrap="square">
-            <a:spAutoFit/>
-          </a:bodyPr>
-          <a:lstStyle/>
-          <a:p>
-            <a:r>
-              <a:rPr lang="en-US" sz="1600" b="1" dirty="0"/>
-              <a:t>Sentence: </a:t>
-            </a:r>
-            <a:r>
-              <a:rPr lang="en-US" sz="1600" dirty="0"/>
-              <a:t>a </a:t>
-            </a:r>
-            <a:r>
-              <a:rPr lang="en-US" sz="1600" b="1" u="sng" dirty="0"/>
-              <a:t>well-made</a:t>
-            </a:r>
-            <a:r>
-              <a:rPr lang="en-US" sz="1600" dirty="0"/>
-              <a:t> and often </a:t>
-            </a:r>
-            <a:r>
-              <a:rPr lang="en-US" sz="1600" b="1" dirty="0"/>
-              <a:t>lovely</a:t>
-            </a:r>
-            <a:r>
-              <a:rPr lang="en-US" sz="1600" dirty="0"/>
-              <a:t> depiction of the mysteries of friendship</a:t>
-            </a:r>
-          </a:p>
-        </p:txBody>
-      </p:sp>
-      <p:cxnSp>
-        <p:nvCxnSpPr>
-          <p:cNvPr id="62" name="Connettore 2 61">
-            <a:extLst>
-              <a:ext uri="{FF2B5EF4-FFF2-40B4-BE49-F238E27FC236}">
-                <a16:creationId xmlns:a16="http://schemas.microsoft.com/office/drawing/2014/main" id="{29BD74E1-B1BC-6934-5209-726FAC48C843}"/>
-              </a:ext>
-            </a:extLst>
-          </p:cNvPr>
-          <p:cNvCxnSpPr>
-            <a:cxnSpLocks/>
-            <a:stCxn id="10" idx="3"/>
-            <a:endCxn id="61" idx="1"/>
-          </p:cNvCxnSpPr>
-          <p:nvPr/>
-        </p:nvCxnSpPr>
-        <p:spPr>
-          <a:xfrm>
-            <a:off x="6336321" y="2324101"/>
-            <a:ext cx="730739" cy="418158"/>
-          </a:xfrm>
-          <a:prstGeom prst="straightConnector1">
-            <a:avLst/>
-          </a:prstGeom>
-          <a:ln w="28575">
-            <a:solidFill>
-              <a:schemeClr val="tx1"/>
-            </a:solidFill>
-            <a:tailEnd type="triangle"/>
-          </a:ln>
-        </p:spPr>
-        <p:style>
-          <a:lnRef idx="1">
-            <a:schemeClr val="accent1"/>
-          </a:lnRef>
-          <a:fillRef idx="0">
-            <a:schemeClr val="accent1"/>
-          </a:fillRef>
-          <a:effectRef idx="0">
-            <a:schemeClr val="accent1"/>
-          </a:effectRef>
-          <a:fontRef idx="minor">
-            <a:schemeClr val="tx1"/>
-          </a:fontRef>
-        </p:style>
-      </p:cxnSp>
-      <p:pic>
-        <p:nvPicPr>
-          <p:cNvPr id="66" name="Immagine 65">
-            <a:extLst>
-              <a:ext uri="{FF2B5EF4-FFF2-40B4-BE49-F238E27FC236}">
-                <a16:creationId xmlns:a16="http://schemas.microsoft.com/office/drawing/2014/main" id="{6EBE4E21-168C-E6D8-FB7C-7C0A32C65CBA}"/>
-              </a:ext>
-            </a:extLst>
-          </p:cNvPr>
-          <p:cNvPicPr>
-            <a:picLocks noChangeAspect="1"/>
-          </p:cNvPicPr>
-          <p:nvPr/>
-        </p:nvPicPr>
-        <p:blipFill>
-          <a:blip r:embed="rId5"/>
-          <a:stretch>
-            <a:fillRect/>
-          </a:stretch>
-        </p:blipFill>
-        <p:spPr>
-          <a:xfrm>
-            <a:off x="7964867" y="3816313"/>
-            <a:ext cx="3071126" cy="823031"/>
-          </a:xfrm>
-          <a:prstGeom prst="rect">
-            <a:avLst/>
-          </a:prstGeom>
-        </p:spPr>
-      </p:pic>
-      <p:cxnSp>
-        <p:nvCxnSpPr>
-          <p:cNvPr id="67" name="Connettore 2 66">
-            <a:extLst>
-              <a:ext uri="{FF2B5EF4-FFF2-40B4-BE49-F238E27FC236}">
-                <a16:creationId xmlns:a16="http://schemas.microsoft.com/office/drawing/2014/main" id="{2F021F4B-CF7B-B380-1819-02A93853F861}"/>
-              </a:ext>
-            </a:extLst>
-          </p:cNvPr>
-          <p:cNvCxnSpPr>
-            <a:cxnSpLocks/>
-            <a:stCxn id="12" idx="3"/>
-            <a:endCxn id="66" idx="1"/>
-          </p:cNvCxnSpPr>
-          <p:nvPr/>
-        </p:nvCxnSpPr>
-        <p:spPr>
-          <a:xfrm>
-            <a:off x="6336320" y="3810001"/>
-            <a:ext cx="1628547" cy="417828"/>
-          </a:xfrm>
-          <a:prstGeom prst="straightConnector1">
-            <a:avLst/>
-          </a:prstGeom>
-          <a:ln w="28575">
-            <a:solidFill>
-              <a:schemeClr val="tx1"/>
-            </a:solidFill>
-            <a:tailEnd type="triangle"/>
-          </a:ln>
-        </p:spPr>
-        <p:style>
-          <a:lnRef idx="1">
-            <a:schemeClr val="accent1"/>
-          </a:lnRef>
-          <a:fillRef idx="0">
-            <a:schemeClr val="accent1"/>
-          </a:fillRef>
-          <a:effectRef idx="0">
-            <a:schemeClr val="accent1"/>
-          </a:effectRef>
-          <a:fontRef idx="minor">
-            <a:schemeClr val="tx1"/>
-          </a:fontRef>
-        </p:style>
-      </p:cxnSp>
-      <p:sp>
-        <p:nvSpPr>
-          <p:cNvPr id="70" name="CasellaDiTesto 69">
-            <a:extLst>
-              <a:ext uri="{FF2B5EF4-FFF2-40B4-BE49-F238E27FC236}">
-                <a16:creationId xmlns:a16="http://schemas.microsoft.com/office/drawing/2014/main" id="{99A777C6-C420-50E3-41ED-8677749738BB}"/>
-              </a:ext>
-            </a:extLst>
-          </p:cNvPr>
-          <p:cNvSpPr txBox="1"/>
-          <p:nvPr/>
-        </p:nvSpPr>
-        <p:spPr>
-          <a:xfrm>
-            <a:off x="3352800" y="-386859"/>
-            <a:ext cx="419100" cy="369332"/>
+            <a:off x="155330" y="73572"/>
+            <a:ext cx="569884" cy="369332"/>
           </a:xfrm>
           <a:prstGeom prst="rect">
             <a:avLst/>
@@ -50502,7 +50568,7 @@
           <a:lstStyle/>
           <a:p>
             <a:r>
-              <a:rPr lang="en-US" b="1" dirty="0"/>
+              <a:rPr lang="en-US" dirty="0"/>
               <a:t>A)</a:t>
             </a:r>
           </a:p>
@@ -50510,10 +50576,10 @@
       </p:sp>
       <p:sp>
         <p:nvSpPr>
-          <p:cNvPr id="71" name="CasellaDiTesto 70">
-            <a:extLst>
-              <a:ext uri="{FF2B5EF4-FFF2-40B4-BE49-F238E27FC236}">
-                <a16:creationId xmlns:a16="http://schemas.microsoft.com/office/drawing/2014/main" id="{97942C57-4B65-08E0-1257-ECA19A7CA5AF}"/>
+          <p:cNvPr id="3" name="CasellaDiTesto 2">
+            <a:extLst>
+              <a:ext uri="{FF2B5EF4-FFF2-40B4-BE49-F238E27FC236}">
+                <a16:creationId xmlns:a16="http://schemas.microsoft.com/office/drawing/2014/main" id="{CCF61CCE-4F8A-6045-7B34-09D6CBF982F4}"/>
               </a:ext>
             </a:extLst>
           </p:cNvPr>
@@ -50522,8 +50588,8 @@
         </p:nvSpPr>
         <p:spPr>
           <a:xfrm>
-            <a:off x="3358659" y="374227"/>
-            <a:ext cx="419100" cy="369332"/>
+            <a:off x="3012872" y="110580"/>
+            <a:ext cx="569884" cy="369332"/>
           </a:xfrm>
           <a:prstGeom prst="rect">
             <a:avLst/>
@@ -50537,7 +50603,7 @@
           <a:lstStyle/>
           <a:p>
             <a:r>
-              <a:rPr lang="en-US" b="1" dirty="0"/>
+              <a:rPr lang="en-US" dirty="0"/>
               <a:t>B)</a:t>
             </a:r>
           </a:p>
@@ -50545,10 +50611,10 @@
       </p:sp>
       <p:sp>
         <p:nvSpPr>
-          <p:cNvPr id="72" name="CasellaDiTesto 71">
-            <a:extLst>
-              <a:ext uri="{FF2B5EF4-FFF2-40B4-BE49-F238E27FC236}">
-                <a16:creationId xmlns:a16="http://schemas.microsoft.com/office/drawing/2014/main" id="{55668581-D9C9-1DB7-96C9-1D558BF422B4}"/>
+          <p:cNvPr id="4" name="CasellaDiTesto 3">
+            <a:extLst>
+              <a:ext uri="{FF2B5EF4-FFF2-40B4-BE49-F238E27FC236}">
+                <a16:creationId xmlns:a16="http://schemas.microsoft.com/office/drawing/2014/main" id="{81C24104-1ED5-9712-E60E-B8D9F7F81AC2}"/>
               </a:ext>
             </a:extLst>
           </p:cNvPr>
@@ -50557,8 +50623,8 @@
         </p:nvSpPr>
         <p:spPr>
           <a:xfrm>
-            <a:off x="3355227" y="1335569"/>
-            <a:ext cx="419100" cy="369332"/>
+            <a:off x="6805128" y="110580"/>
+            <a:ext cx="569884" cy="369332"/>
           </a:xfrm>
           <a:prstGeom prst="rect">
             <a:avLst/>
@@ -50572,7 +50638,7 @@
           <a:lstStyle/>
           <a:p>
             <a:r>
-              <a:rPr lang="en-US" b="1" dirty="0"/>
+              <a:rPr lang="en-US" dirty="0"/>
               <a:t>C)</a:t>
             </a:r>
           </a:p>
@@ -50580,10 +50646,10 @@
       </p:sp>
       <p:sp>
         <p:nvSpPr>
-          <p:cNvPr id="73" name="CasellaDiTesto 72">
-            <a:extLst>
-              <a:ext uri="{FF2B5EF4-FFF2-40B4-BE49-F238E27FC236}">
-                <a16:creationId xmlns:a16="http://schemas.microsoft.com/office/drawing/2014/main" id="{4D2BD0DE-B99B-EF2A-9FB7-56B1A8ADF0FE}"/>
+          <p:cNvPr id="5" name="CasellaDiTesto 4">
+            <a:extLst>
+              <a:ext uri="{FF2B5EF4-FFF2-40B4-BE49-F238E27FC236}">
+                <a16:creationId xmlns:a16="http://schemas.microsoft.com/office/drawing/2014/main" id="{72E8F4A7-8416-8EB5-106A-2E9DD34935F1}"/>
               </a:ext>
             </a:extLst>
           </p:cNvPr>
@@ -50592,8 +50658,8 @@
         </p:nvSpPr>
         <p:spPr>
           <a:xfrm>
-            <a:off x="3361086" y="2096655"/>
-            <a:ext cx="419100" cy="369332"/>
+            <a:off x="9137151" y="147588"/>
+            <a:ext cx="569884" cy="369332"/>
           </a:xfrm>
           <a:prstGeom prst="rect">
             <a:avLst/>
@@ -50607,7 +50673,7 @@
           <a:lstStyle/>
           <a:p>
             <a:r>
-              <a:rPr lang="en-US" b="1" dirty="0"/>
+              <a:rPr lang="en-US" dirty="0"/>
               <a:t>D)</a:t>
             </a:r>
           </a:p>
@@ -50615,10 +50681,10 @@
       </p:sp>
       <p:sp>
         <p:nvSpPr>
-          <p:cNvPr id="74" name="CasellaDiTesto 73">
-            <a:extLst>
-              <a:ext uri="{FF2B5EF4-FFF2-40B4-BE49-F238E27FC236}">
-                <a16:creationId xmlns:a16="http://schemas.microsoft.com/office/drawing/2014/main" id="{53EC074A-7CC5-4187-12B2-99D166ED1297}"/>
+          <p:cNvPr id="6" name="CasellaDiTesto 5">
+            <a:extLst>
+              <a:ext uri="{FF2B5EF4-FFF2-40B4-BE49-F238E27FC236}">
+                <a16:creationId xmlns:a16="http://schemas.microsoft.com/office/drawing/2014/main" id="{1708E1B2-C5B8-D66C-B22B-5F07494C386C}"/>
               </a:ext>
             </a:extLst>
           </p:cNvPr>
@@ -50627,8 +50693,8 @@
         </p:nvSpPr>
         <p:spPr>
           <a:xfrm>
-            <a:off x="3355227" y="2870561"/>
-            <a:ext cx="419100" cy="369332"/>
+            <a:off x="129786" y="3728286"/>
+            <a:ext cx="569884" cy="369332"/>
           </a:xfrm>
           <a:prstGeom prst="rect">
             <a:avLst/>
@@ -50642,7 +50708,7 @@
           <a:lstStyle/>
           <a:p>
             <a:r>
-              <a:rPr lang="en-US" b="1" dirty="0"/>
+              <a:rPr lang="en-US" dirty="0"/>
               <a:t>E)</a:t>
             </a:r>
           </a:p>
@@ -50650,10 +50716,10 @@
       </p:sp>
       <p:sp>
         <p:nvSpPr>
-          <p:cNvPr id="75" name="CasellaDiTesto 74">
-            <a:extLst>
-              <a:ext uri="{FF2B5EF4-FFF2-40B4-BE49-F238E27FC236}">
-                <a16:creationId xmlns:a16="http://schemas.microsoft.com/office/drawing/2014/main" id="{3565B377-ABAA-D848-7B6A-CCDE1012E99A}"/>
+          <p:cNvPr id="7" name="CasellaDiTesto 6">
+            <a:extLst>
+              <a:ext uri="{FF2B5EF4-FFF2-40B4-BE49-F238E27FC236}">
+                <a16:creationId xmlns:a16="http://schemas.microsoft.com/office/drawing/2014/main" id="{F9BCB7CC-2FB8-579B-2789-C0F6321466DF}"/>
               </a:ext>
             </a:extLst>
           </p:cNvPr>
@@ -50662,8 +50728,8 @@
         </p:nvSpPr>
         <p:spPr>
           <a:xfrm>
-            <a:off x="3361086" y="3631647"/>
-            <a:ext cx="419100" cy="369332"/>
+            <a:off x="2987328" y="3765294"/>
+            <a:ext cx="569884" cy="369332"/>
           </a:xfrm>
           <a:prstGeom prst="rect">
             <a:avLst/>
@@ -50677,7 +50743,7 @@
           <a:lstStyle/>
           <a:p>
             <a:r>
-              <a:rPr lang="en-US" b="1" dirty="0"/>
+              <a:rPr lang="en-US" dirty="0"/>
               <a:t>F)</a:t>
             </a:r>
           </a:p>
@@ -50685,10 +50751,10 @@
       </p:sp>
       <p:sp>
         <p:nvSpPr>
-          <p:cNvPr id="76" name="CasellaDiTesto 75">
-            <a:extLst>
-              <a:ext uri="{FF2B5EF4-FFF2-40B4-BE49-F238E27FC236}">
-                <a16:creationId xmlns:a16="http://schemas.microsoft.com/office/drawing/2014/main" id="{AEDE28E9-FF8F-4A69-2878-3542997304A8}"/>
+          <p:cNvPr id="8" name="CasellaDiTesto 7">
+            <a:extLst>
+              <a:ext uri="{FF2B5EF4-FFF2-40B4-BE49-F238E27FC236}">
+                <a16:creationId xmlns:a16="http://schemas.microsoft.com/office/drawing/2014/main" id="{36C1819D-D175-F543-1BA5-3B09A1D3A60A}"/>
               </a:ext>
             </a:extLst>
           </p:cNvPr>
@@ -50697,8 +50763,8 @@
         </p:nvSpPr>
         <p:spPr>
           <a:xfrm>
-            <a:off x="3355227" y="4590471"/>
-            <a:ext cx="419100" cy="369332"/>
+            <a:off x="6779584" y="3765294"/>
+            <a:ext cx="569884" cy="369332"/>
           </a:xfrm>
           <a:prstGeom prst="rect">
             <a:avLst/>
@@ -50712,7 +50778,7 @@
           <a:lstStyle/>
           <a:p>
             <a:r>
-              <a:rPr lang="en-US" b="1" dirty="0"/>
+              <a:rPr lang="en-US" dirty="0"/>
               <a:t>G)</a:t>
             </a:r>
           </a:p>
@@ -50720,10 +50786,10 @@
       </p:sp>
       <p:sp>
         <p:nvSpPr>
-          <p:cNvPr id="77" name="CasellaDiTesto 76">
-            <a:extLst>
-              <a:ext uri="{FF2B5EF4-FFF2-40B4-BE49-F238E27FC236}">
-                <a16:creationId xmlns:a16="http://schemas.microsoft.com/office/drawing/2014/main" id="{32F1ACA9-AB26-B51C-269E-1B2F4A34F4EA}"/>
+          <p:cNvPr id="9" name="CasellaDiTesto 8">
+            <a:extLst>
+              <a:ext uri="{FF2B5EF4-FFF2-40B4-BE49-F238E27FC236}">
+                <a16:creationId xmlns:a16="http://schemas.microsoft.com/office/drawing/2014/main" id="{B4BC7D2A-2E6B-E9E1-FA3D-B9AFEDD8E6BB}"/>
               </a:ext>
             </a:extLst>
           </p:cNvPr>
@@ -50732,8 +50798,8 @@
         </p:nvSpPr>
         <p:spPr>
           <a:xfrm>
-            <a:off x="3361086" y="5351557"/>
-            <a:ext cx="419100" cy="369332"/>
+            <a:off x="9111607" y="3802302"/>
+            <a:ext cx="569884" cy="369332"/>
           </a:xfrm>
           <a:prstGeom prst="rect">
             <a:avLst/>
@@ -50747,43 +50813,8 @@
           <a:lstStyle/>
           <a:p>
             <a:r>
-              <a:rPr lang="en-US" b="1" dirty="0"/>
+              <a:rPr lang="en-US" dirty="0"/>
               <a:t>H)</a:t>
-            </a:r>
-          </a:p>
-        </p:txBody>
-      </p:sp>
-      <p:sp>
-        <p:nvSpPr>
-          <p:cNvPr id="78" name="CasellaDiTesto 77">
-            <a:extLst>
-              <a:ext uri="{FF2B5EF4-FFF2-40B4-BE49-F238E27FC236}">
-                <a16:creationId xmlns:a16="http://schemas.microsoft.com/office/drawing/2014/main" id="{03E310BC-F464-A6F6-5D0E-BD16F911B55E}"/>
-              </a:ext>
-            </a:extLst>
-          </p:cNvPr>
-          <p:cNvSpPr txBox="1"/>
-          <p:nvPr/>
-        </p:nvSpPr>
-        <p:spPr>
-          <a:xfrm>
-            <a:off x="3361086" y="6210145"/>
-            <a:ext cx="419100" cy="369332"/>
-          </a:xfrm>
-          <a:prstGeom prst="rect">
-            <a:avLst/>
-          </a:prstGeom>
-          <a:noFill/>
-        </p:spPr>
-        <p:txBody>
-          <a:bodyPr wrap="square" rtlCol="0">
-            <a:spAutoFit/>
-          </a:bodyPr>
-          <a:lstStyle/>
-          <a:p>
-            <a:r>
-              <a:rPr lang="en-US" b="1" dirty="0"/>
-              <a:t>I)</a:t>
             </a:r>
           </a:p>
         </p:txBody>
@@ -50791,7 +50822,7 @@
     </p:spTree>
     <p:extLst>
       <p:ext uri="{BB962C8B-B14F-4D97-AF65-F5344CB8AC3E}">
-        <p14:creationId xmlns:p14="http://schemas.microsoft.com/office/powerpoint/2010/main" val="1831932029"/>
+        <p14:creationId xmlns:p14="http://schemas.microsoft.com/office/powerpoint/2010/main" val="4231469287"/>
       </p:ext>
     </p:extLst>
   </p:cSld>
